--- a/presentation/wanderoo – Gruppe 3.pptx
+++ b/presentation/wanderoo – Gruppe 3.pptx
@@ -7,7 +7,11 @@
   <p:sldIdLst>
     <p:sldId id="256" r:id="rId2"/>
     <p:sldId id="257" r:id="rId3"/>
-    <p:sldId id="258" r:id="rId4"/>
+    <p:sldId id="259" r:id="rId4"/>
+    <p:sldId id="262" r:id="rId5"/>
+    <p:sldId id="260" r:id="rId6"/>
+    <p:sldId id="261" r:id="rId7"/>
+    <p:sldId id="263" r:id="rId8"/>
   </p:sldIdLst>
   <p:sldSz cx="12192000" cy="6858000"/>
   <p:notesSz cx="6858000" cy="9144000"/>
@@ -106,6 +110,11 @@
       </a:defRPr>
     </a:lvl9pPr>
   </p:defaultTextStyle>
+  <p:extLst>
+    <p:ext uri="{EFAFB233-063F-42B5-8137-9DF3F51BA10A}">
+      <p15:sldGuideLst xmlns:p15="http://schemas.microsoft.com/office/powerpoint/2012/main"/>
+    </p:ext>
+  </p:extLst>
 </p:presentation>
 </file>
 
@@ -831,7 +840,7 @@
           <a:p>
             <a:fld id="{0CEDED08-CADF-44F9-A3BB-3FCFEFB05A4A}" type="datetimeFigureOut">
               <a:rPr lang="en-US" smtClean="0"/>
-              <a:t>9/5/2020</a:t>
+              <a:t>9/7/2020</a:t>
             </a:fld>
             <a:endParaRPr lang="en-US"/>
           </a:p>
@@ -1082,7 +1091,7 @@
           <a:p>
             <a:fld id="{0CEDED08-CADF-44F9-A3BB-3FCFEFB05A4A}" type="datetimeFigureOut">
               <a:rPr lang="en-US" smtClean="0"/>
-              <a:t>9/5/2020</a:t>
+              <a:t>9/7/2020</a:t>
             </a:fld>
             <a:endParaRPr lang="en-US"/>
           </a:p>
@@ -1396,7 +1405,7 @@
           <a:p>
             <a:fld id="{0CEDED08-CADF-44F9-A3BB-3FCFEFB05A4A}" type="datetimeFigureOut">
               <a:rPr lang="en-US" smtClean="0"/>
-              <a:t>9/5/2020</a:t>
+              <a:t>9/7/2020</a:t>
             </a:fld>
             <a:endParaRPr lang="en-US"/>
           </a:p>
@@ -1737,7 +1746,7 @@
           <a:p>
             <a:fld id="{0CEDED08-CADF-44F9-A3BB-3FCFEFB05A4A}" type="datetimeFigureOut">
               <a:rPr lang="en-US" smtClean="0"/>
-              <a:t>9/5/2020</a:t>
+              <a:t>9/7/2020</a:t>
             </a:fld>
             <a:endParaRPr lang="en-US"/>
           </a:p>
@@ -2051,7 +2060,7 @@
           <a:p>
             <a:fld id="{0CEDED08-CADF-44F9-A3BB-3FCFEFB05A4A}" type="datetimeFigureOut">
               <a:rPr lang="en-US" smtClean="0"/>
-              <a:t>9/5/2020</a:t>
+              <a:t>9/7/2020</a:t>
             </a:fld>
             <a:endParaRPr lang="en-US"/>
           </a:p>
@@ -2444,7 +2453,7 @@
           <a:p>
             <a:fld id="{0CEDED08-CADF-44F9-A3BB-3FCFEFB05A4A}" type="datetimeFigureOut">
               <a:rPr lang="en-US" smtClean="0"/>
-              <a:t>9/5/2020</a:t>
+              <a:t>9/7/2020</a:t>
             </a:fld>
             <a:endParaRPr lang="en-US"/>
           </a:p>
@@ -2614,7 +2623,7 @@
           <a:p>
             <a:fld id="{0CEDED08-CADF-44F9-A3BB-3FCFEFB05A4A}" type="datetimeFigureOut">
               <a:rPr lang="en-US" smtClean="0"/>
-              <a:t>9/5/2020</a:t>
+              <a:t>9/7/2020</a:t>
             </a:fld>
             <a:endParaRPr lang="en-US"/>
           </a:p>
@@ -2794,7 +2803,7 @@
           <a:p>
             <a:fld id="{0CEDED08-CADF-44F9-A3BB-3FCFEFB05A4A}" type="datetimeFigureOut">
               <a:rPr lang="en-US" smtClean="0"/>
-              <a:t>9/5/2020</a:t>
+              <a:t>9/7/2020</a:t>
             </a:fld>
             <a:endParaRPr lang="en-US"/>
           </a:p>
@@ -2970,7 +2979,7 @@
           <a:p>
             <a:fld id="{0CEDED08-CADF-44F9-A3BB-3FCFEFB05A4A}" type="datetimeFigureOut">
               <a:rPr lang="en-US" smtClean="0"/>
-              <a:t>9/5/2020</a:t>
+              <a:t>9/7/2020</a:t>
             </a:fld>
             <a:endParaRPr lang="en-US"/>
           </a:p>
@@ -3217,7 +3226,7 @@
           <a:p>
             <a:fld id="{0CEDED08-CADF-44F9-A3BB-3FCFEFB05A4A}" type="datetimeFigureOut">
               <a:rPr lang="en-US" smtClean="0"/>
-              <a:t>9/5/2020</a:t>
+              <a:t>9/7/2020</a:t>
             </a:fld>
             <a:endParaRPr lang="en-US"/>
           </a:p>
@@ -3449,7 +3458,7 @@
           <a:p>
             <a:fld id="{0CEDED08-CADF-44F9-A3BB-3FCFEFB05A4A}" type="datetimeFigureOut">
               <a:rPr lang="en-US" smtClean="0"/>
-              <a:t>9/5/2020</a:t>
+              <a:t>9/7/2020</a:t>
             </a:fld>
             <a:endParaRPr lang="en-US"/>
           </a:p>
@@ -3823,7 +3832,7 @@
           <a:p>
             <a:fld id="{0CEDED08-CADF-44F9-A3BB-3FCFEFB05A4A}" type="datetimeFigureOut">
               <a:rPr lang="en-US" smtClean="0"/>
-              <a:t>9/5/2020</a:t>
+              <a:t>9/7/2020</a:t>
             </a:fld>
             <a:endParaRPr lang="en-US"/>
           </a:p>
@@ -3946,7 +3955,7 @@
           <a:p>
             <a:fld id="{0CEDED08-CADF-44F9-A3BB-3FCFEFB05A4A}" type="datetimeFigureOut">
               <a:rPr lang="en-US" smtClean="0"/>
-              <a:t>9/5/2020</a:t>
+              <a:t>9/7/2020</a:t>
             </a:fld>
             <a:endParaRPr lang="en-US"/>
           </a:p>
@@ -4041,7 +4050,7 @@
           <a:p>
             <a:fld id="{0CEDED08-CADF-44F9-A3BB-3FCFEFB05A4A}" type="datetimeFigureOut">
               <a:rPr lang="en-US" smtClean="0"/>
-              <a:t>9/5/2020</a:t>
+              <a:t>9/7/2020</a:t>
             </a:fld>
             <a:endParaRPr lang="en-US"/>
           </a:p>
@@ -4296,7 +4305,7 @@
           <a:p>
             <a:fld id="{0CEDED08-CADF-44F9-A3BB-3FCFEFB05A4A}" type="datetimeFigureOut">
               <a:rPr lang="en-US" smtClean="0"/>
-              <a:t>9/5/2020</a:t>
+              <a:t>9/7/2020</a:t>
             </a:fld>
             <a:endParaRPr lang="en-US"/>
           </a:p>
@@ -4559,7 +4568,7 @@
           <a:p>
             <a:fld id="{0CEDED08-CADF-44F9-A3BB-3FCFEFB05A4A}" type="datetimeFigureOut">
               <a:rPr lang="en-US" smtClean="0"/>
-              <a:t>9/5/2020</a:t>
+              <a:t>9/7/2020</a:t>
             </a:fld>
             <a:endParaRPr lang="en-US"/>
           </a:p>
@@ -5302,7 +5311,7 @@
           <a:p>
             <a:fld id="{0CEDED08-CADF-44F9-A3BB-3FCFEFB05A4A}" type="datetimeFigureOut">
               <a:rPr lang="en-US" smtClean="0"/>
-              <a:t>9/5/2020</a:t>
+              <a:t>9/7/2020</a:t>
             </a:fld>
             <a:endParaRPr lang="en-US"/>
           </a:p>
@@ -6042,34 +6051,7 @@
           <a:p>
             <a:r>
               <a:rPr lang="en-US" dirty="0"/>
-              <a:t>So </a:t>
-            </a:r>
-            <a:r>
-              <a:rPr lang="en-US" dirty="0" err="1"/>
-              <a:t>sieht</a:t>
-            </a:r>
-            <a:r>
-              <a:rPr lang="en-US" dirty="0"/>
-              <a:t> die </a:t>
-            </a:r>
-            <a:r>
-              <a:rPr lang="en-US" dirty="0" err="1"/>
-              <a:t>Lösung</a:t>
-            </a:r>
-            <a:r>
-              <a:rPr lang="en-US" dirty="0"/>
-              <a:t> </a:t>
-            </a:r>
-            <a:r>
-              <a:rPr lang="en-US" dirty="0" err="1"/>
-              <a:t>aus</a:t>
-            </a:r>
-            <a:endParaRPr lang="en-US" dirty="0"/>
-          </a:p>
-          <a:p>
-            <a:r>
-              <a:rPr lang="en-US" dirty="0"/>
-              <a:t>Demo</a:t>
+              <a:t>App-Demo</a:t>
             </a:r>
           </a:p>
         </p:txBody>
@@ -6109,7 +6091,7 @@
           <p:cNvPr id="2" name="Title 1">
             <a:extLst>
               <a:ext uri="{FF2B5EF4-FFF2-40B4-BE49-F238E27FC236}">
-                <a16:creationId xmlns:a16="http://schemas.microsoft.com/office/drawing/2014/main" id="{F49091B3-15E7-4E02-A50E-10F6DF816410}"/>
+                <a16:creationId xmlns:a16="http://schemas.microsoft.com/office/drawing/2014/main" id="{DCDAEDCC-9CB3-4BAD-A1F0-8DC7B816A7F0}"/>
               </a:ext>
             </a:extLst>
           </p:cNvPr>
@@ -6125,7 +6107,363 @@
           <a:bodyPr/>
           <a:lstStyle/>
           <a:p>
+            <a:r>
+              <a:rPr lang="en-US" dirty="0" err="1"/>
+              <a:t>Wozu</a:t>
+            </a:r>
+            <a:r>
+              <a:rPr lang="en-US" dirty="0"/>
+              <a:t> </a:t>
+            </a:r>
+            <a:r>
+              <a:rPr lang="en-US" dirty="0" err="1"/>
+              <a:t>eine</a:t>
+            </a:r>
+            <a:r>
+              <a:rPr lang="en-US" dirty="0"/>
+              <a:t> </a:t>
+            </a:r>
+            <a:r>
+              <a:rPr lang="en-US" dirty="0" err="1"/>
+              <a:t>Wanderführer</a:t>
+            </a:r>
+            <a:r>
+              <a:rPr lang="en-US" dirty="0"/>
+              <a:t>-App?</a:t>
+            </a:r>
+          </a:p>
+        </p:txBody>
+      </p:sp>
+      <p:sp>
+        <p:nvSpPr>
+          <p:cNvPr id="4" name="Content Placeholder 3">
+            <a:extLst>
+              <a:ext uri="{FF2B5EF4-FFF2-40B4-BE49-F238E27FC236}">
+                <a16:creationId xmlns:a16="http://schemas.microsoft.com/office/drawing/2014/main" id="{00A16F92-1166-464A-8CD3-7BB27E20159C}"/>
+              </a:ext>
+            </a:extLst>
+          </p:cNvPr>
+          <p:cNvSpPr>
+            <a:spLocks noGrp="1"/>
+          </p:cNvSpPr>
+          <p:nvPr>
+            <p:ph sz="half" idx="2"/>
+          </p:nvPr>
+        </p:nvSpPr>
+        <p:spPr>
+          <a:xfrm>
+            <a:off x="677334" y="1941223"/>
+            <a:ext cx="4185623" cy="3304117"/>
+          </a:xfrm>
+        </p:spPr>
+        <p:txBody>
+          <a:bodyPr/>
+          <a:lstStyle/>
+          <a:p>
+            <a:r>
+              <a:rPr lang="en-US" dirty="0"/>
+              <a:t>Inspiration und </a:t>
+            </a:r>
+            <a:r>
+              <a:rPr lang="en-US" dirty="0" err="1"/>
+              <a:t>Impulsgeber</a:t>
+            </a:r>
+            <a:r>
+              <a:rPr lang="en-US" dirty="0"/>
+              <a:t> </a:t>
+            </a:r>
+            <a:r>
+              <a:rPr lang="en-US" dirty="0" err="1"/>
+              <a:t>für</a:t>
+            </a:r>
+            <a:r>
+              <a:rPr lang="en-US" dirty="0"/>
+              <a:t> die </a:t>
+            </a:r>
+            <a:r>
+              <a:rPr lang="en-US" dirty="0" err="1"/>
+              <a:t>Wanderung</a:t>
+            </a:r>
+            <a:r>
+              <a:rPr lang="en-US" dirty="0"/>
+              <a:t> sei </a:t>
+            </a:r>
+            <a:r>
+              <a:rPr lang="en-US" dirty="0" err="1"/>
+              <a:t>bei</a:t>
+            </a:r>
+            <a:r>
+              <a:rPr lang="en-US" dirty="0"/>
+              <a:t> 42% der </a:t>
+            </a:r>
+            <a:r>
+              <a:rPr lang="en-US" dirty="0" err="1"/>
+              <a:t>Befragten</a:t>
+            </a:r>
+            <a:r>
+              <a:rPr lang="en-US" dirty="0"/>
+              <a:t> das Internet</a:t>
+            </a:r>
+          </a:p>
+          <a:p>
             <a:endParaRPr lang="en-US" dirty="0"/>
+          </a:p>
+          <a:p>
+            <a:r>
+              <a:rPr lang="en-US" dirty="0"/>
+              <a:t>Apps </a:t>
+            </a:r>
+            <a:r>
+              <a:rPr lang="en-US" dirty="0" err="1"/>
+              <a:t>beim</a:t>
+            </a:r>
+            <a:r>
+              <a:rPr lang="en-US" dirty="0"/>
+              <a:t> </a:t>
+            </a:r>
+            <a:r>
+              <a:rPr lang="en-US" dirty="0" err="1"/>
+              <a:t>Wandern</a:t>
+            </a:r>
+            <a:r>
+              <a:rPr lang="en-US" dirty="0"/>
+              <a:t> </a:t>
+            </a:r>
+            <a:r>
+              <a:rPr lang="en-US" dirty="0" err="1"/>
+              <a:t>sind</a:t>
+            </a:r>
+            <a:r>
+              <a:rPr lang="en-US" dirty="0"/>
+              <a:t> </a:t>
+            </a:r>
+            <a:r>
+              <a:rPr lang="en-US" dirty="0" err="1"/>
+              <a:t>beliebt</a:t>
+            </a:r>
+            <a:r>
+              <a:rPr lang="en-US" dirty="0"/>
+              <a:t> und </a:t>
+            </a:r>
+            <a:r>
+              <a:rPr lang="en-US" dirty="0" err="1"/>
+              <a:t>helfen</a:t>
+            </a:r>
+            <a:r>
+              <a:rPr lang="en-US" dirty="0"/>
+              <a:t> </a:t>
+            </a:r>
+            <a:r>
+              <a:rPr lang="en-US" dirty="0" err="1"/>
+              <a:t>beim</a:t>
+            </a:r>
+            <a:r>
+              <a:rPr lang="en-US" dirty="0"/>
+              <a:t> </a:t>
+            </a:r>
+            <a:r>
+              <a:rPr lang="en-US" dirty="0" err="1"/>
+              <a:t>Wandern</a:t>
+            </a:r>
+            <a:endParaRPr lang="en-US" dirty="0"/>
+          </a:p>
+          <a:p>
+            <a:endParaRPr lang="en-US" dirty="0"/>
+          </a:p>
+        </p:txBody>
+      </p:sp>
+      <p:pic>
+        <p:nvPicPr>
+          <p:cNvPr id="7" name="Grafik 20">
+            <a:extLst>
+              <a:ext uri="{FF2B5EF4-FFF2-40B4-BE49-F238E27FC236}">
+                <a16:creationId xmlns:a16="http://schemas.microsoft.com/office/drawing/2014/main" id="{824D0525-466F-4136-9F9A-9C79F707AEFF}"/>
+              </a:ext>
+            </a:extLst>
+          </p:cNvPr>
+          <p:cNvPicPr>
+            <a:picLocks noGrp="1"/>
+          </p:cNvPicPr>
+          <p:nvPr>
+            <p:ph sz="quarter" idx="4"/>
+          </p:nvPr>
+        </p:nvPicPr>
+        <p:blipFill>
+          <a:blip r:embed="rId2"/>
+          <a:stretch>
+            <a:fillRect/>
+          </a:stretch>
+        </p:blipFill>
+        <p:spPr>
+          <a:xfrm>
+            <a:off x="4975667" y="1954969"/>
+            <a:ext cx="4162455" cy="1638312"/>
+          </a:xfrm>
+          <a:prstGeom prst="rect">
+            <a:avLst/>
+          </a:prstGeom>
+        </p:spPr>
+      </p:pic>
+      <p:pic>
+        <p:nvPicPr>
+          <p:cNvPr id="8" name="Grafik 23">
+            <a:extLst>
+              <a:ext uri="{FF2B5EF4-FFF2-40B4-BE49-F238E27FC236}">
+                <a16:creationId xmlns:a16="http://schemas.microsoft.com/office/drawing/2014/main" id="{386B3949-B3FD-4F1C-A4CC-F92BDC6A34B9}"/>
+              </a:ext>
+            </a:extLst>
+          </p:cNvPr>
+          <p:cNvPicPr/>
+          <p:nvPr/>
+        </p:nvPicPr>
+        <p:blipFill>
+          <a:blip r:embed="rId3"/>
+          <a:stretch>
+            <a:fillRect/>
+          </a:stretch>
+        </p:blipFill>
+        <p:spPr>
+          <a:xfrm>
+            <a:off x="4975667" y="3617850"/>
+            <a:ext cx="4185623" cy="2630550"/>
+          </a:xfrm>
+          <a:prstGeom prst="rect">
+            <a:avLst/>
+          </a:prstGeom>
+        </p:spPr>
+      </p:pic>
+      <p:sp>
+        <p:nvSpPr>
+          <p:cNvPr id="9" name="Rectangle 8">
+            <a:extLst>
+              <a:ext uri="{FF2B5EF4-FFF2-40B4-BE49-F238E27FC236}">
+                <a16:creationId xmlns:a16="http://schemas.microsoft.com/office/drawing/2014/main" id="{9866596A-8C96-4BB2-B8C8-2342E2878D1C}"/>
+              </a:ext>
+            </a:extLst>
+          </p:cNvPr>
+          <p:cNvSpPr/>
+          <p:nvPr/>
+        </p:nvSpPr>
+        <p:spPr>
+          <a:xfrm>
+            <a:off x="405468" y="6379151"/>
+            <a:ext cx="7874466" cy="478849"/>
+          </a:xfrm>
+          <a:prstGeom prst="rect">
+            <a:avLst/>
+          </a:prstGeom>
+        </p:spPr>
+        <p:txBody>
+          <a:bodyPr wrap="square">
+            <a:spAutoFit/>
+          </a:bodyPr>
+          <a:lstStyle/>
+          <a:p>
+            <a:pPr marL="342900" lvl="0" indent="-342900">
+              <a:lnSpc>
+                <a:spcPct val="107000"/>
+              </a:lnSpc>
+              <a:spcAft>
+                <a:spcPts val="800"/>
+              </a:spcAft>
+              <a:buFont typeface="Courier New" panose="02070309020205020404" pitchFamily="49" charset="0"/>
+              <a:buChar char="o"/>
+            </a:pPr>
+            <a:r>
+              <a:rPr lang="de-DE" sz="1200" u="sng" dirty="0">
+                <a:solidFill>
+                  <a:srgbClr val="0000FF"/>
+                </a:solidFill>
+                <a:latin typeface="Calibri" panose="020F0502020204030204" pitchFamily="34" charset="0"/>
+                <a:ea typeface="Calibri" panose="020F0502020204030204" pitchFamily="34" charset="0"/>
+                <a:cs typeface="Calibri" panose="020F0502020204030204" pitchFamily="34" charset="0"/>
+                <a:hlinkClick r:id="rId4"/>
+              </a:rPr>
+              <a:t>https://rlp.tourismusnetzwerk.info/2018/09/13/studie-zum-digitalen-verhalten-der-wanderer-bte-stell-ergebnisse-vor/</a:t>
+            </a:r>
+            <a:endParaRPr lang="de-DE" sz="1200" dirty="0">
+              <a:latin typeface="Calibri" panose="020F0502020204030204" pitchFamily="34" charset="0"/>
+              <a:ea typeface="Calibri" panose="020F0502020204030204" pitchFamily="34" charset="0"/>
+              <a:cs typeface="Times New Roman" panose="02020603050405020304" pitchFamily="18" charset="0"/>
+            </a:endParaRPr>
+          </a:p>
+        </p:txBody>
+      </p:sp>
+    </p:spTree>
+    <p:extLst>
+      <p:ext uri="{BB962C8B-B14F-4D97-AF65-F5344CB8AC3E}">
+        <p14:creationId xmlns:p14="http://schemas.microsoft.com/office/powerpoint/2010/main" val="902159870"/>
+      </p:ext>
+    </p:extLst>
+  </p:cSld>
+  <p:clrMapOvr>
+    <a:masterClrMapping/>
+  </p:clrMapOvr>
+</p:sld>
+</file>
+
+<file path=ppt/slides/slide4.xml><?xml version="1.0" encoding="utf-8"?>
+<p:sld xmlns:a="http://schemas.openxmlformats.org/drawingml/2006/main" xmlns:r="http://schemas.openxmlformats.org/officeDocument/2006/relationships" xmlns:p="http://schemas.openxmlformats.org/presentationml/2006/main">
+  <p:cSld>
+    <p:spTree>
+      <p:nvGrpSpPr>
+        <p:cNvPr id="1" name=""/>
+        <p:cNvGrpSpPr/>
+        <p:nvPr/>
+      </p:nvGrpSpPr>
+      <p:grpSpPr>
+        <a:xfrm>
+          <a:off x="0" y="0"/>
+          <a:ext cx="0" cy="0"/>
+          <a:chOff x="0" y="0"/>
+          <a:chExt cx="0" cy="0"/>
+        </a:xfrm>
+      </p:grpSpPr>
+      <p:sp>
+        <p:nvSpPr>
+          <p:cNvPr id="2" name="Title 1">
+            <a:extLst>
+              <a:ext uri="{FF2B5EF4-FFF2-40B4-BE49-F238E27FC236}">
+                <a16:creationId xmlns:a16="http://schemas.microsoft.com/office/drawing/2014/main" id="{CFFE2447-123E-4594-A012-D3166F2FA738}"/>
+              </a:ext>
+            </a:extLst>
+          </p:cNvPr>
+          <p:cNvSpPr>
+            <a:spLocks noGrp="1"/>
+          </p:cNvSpPr>
+          <p:nvPr>
+            <p:ph type="title"/>
+          </p:nvPr>
+        </p:nvSpPr>
+        <p:spPr/>
+        <p:txBody>
+          <a:bodyPr/>
+          <a:lstStyle/>
+          <a:p>
+            <a:r>
+              <a:rPr lang="en-US" dirty="0" err="1"/>
+              <a:t>Wozu</a:t>
+            </a:r>
+            <a:r>
+              <a:rPr lang="en-US" dirty="0"/>
+              <a:t> </a:t>
+            </a:r>
+            <a:r>
+              <a:rPr lang="en-US" dirty="0" err="1"/>
+              <a:t>eine</a:t>
+            </a:r>
+            <a:r>
+              <a:rPr lang="en-US" dirty="0"/>
+              <a:t> </a:t>
+            </a:r>
+            <a:r>
+              <a:rPr lang="en-US" dirty="0" err="1"/>
+              <a:t>Wanderführer</a:t>
+            </a:r>
+            <a:r>
+              <a:rPr lang="en-US" dirty="0"/>
+              <a:t>-App?</a:t>
+            </a:r>
           </a:p>
         </p:txBody>
       </p:sp>
@@ -6134,7 +6472,7 @@
           <p:cNvPr id="3" name="Content Placeholder 2">
             <a:extLst>
               <a:ext uri="{FF2B5EF4-FFF2-40B4-BE49-F238E27FC236}">
-                <a16:creationId xmlns:a16="http://schemas.microsoft.com/office/drawing/2014/main" id="{59D73574-DAD1-4FB9-9048-6696A3F681EA}"/>
+                <a16:creationId xmlns:a16="http://schemas.microsoft.com/office/drawing/2014/main" id="{35A35F08-81B4-4BD4-B1FC-BDC5AFE63A70}"/>
               </a:ext>
             </a:extLst>
           </p:cNvPr>
@@ -6150,14 +6488,1692 @@
           <a:bodyPr/>
           <a:lstStyle/>
           <a:p>
-            <a:endParaRPr lang="en-US"/>
+            <a:r>
+              <a:rPr lang="en-US" dirty="0"/>
+              <a:t>39% der </a:t>
+            </a:r>
+            <a:r>
+              <a:rPr lang="en-US" dirty="0" err="1"/>
+              <a:t>Befragten</a:t>
+            </a:r>
+            <a:r>
+              <a:rPr lang="en-US" dirty="0"/>
+              <a:t> </a:t>
+            </a:r>
+            <a:r>
+              <a:rPr lang="en-US" dirty="0" err="1"/>
+              <a:t>verzichten</a:t>
+            </a:r>
+            <a:r>
+              <a:rPr lang="en-US" dirty="0"/>
+              <a:t> </a:t>
+            </a:r>
+            <a:r>
+              <a:rPr lang="en-US" dirty="0" err="1"/>
+              <a:t>bewusst</a:t>
+            </a:r>
+            <a:r>
+              <a:rPr lang="en-US" dirty="0"/>
+              <a:t> </a:t>
+            </a:r>
+            <a:r>
+              <a:rPr lang="en-US" dirty="0" err="1"/>
+              <a:t>beim</a:t>
+            </a:r>
+            <a:r>
+              <a:rPr lang="en-US" dirty="0"/>
+              <a:t> </a:t>
+            </a:r>
+            <a:r>
+              <a:rPr lang="en-US" dirty="0" err="1"/>
+              <a:t>Wandern</a:t>
+            </a:r>
+            <a:r>
+              <a:rPr lang="en-US" dirty="0"/>
+              <a:t> auf </a:t>
+            </a:r>
+            <a:r>
+              <a:rPr lang="en-US" dirty="0" err="1"/>
+              <a:t>ihr</a:t>
+            </a:r>
+            <a:r>
+              <a:rPr lang="en-US" dirty="0"/>
+              <a:t> Smartphone</a:t>
+            </a:r>
+          </a:p>
+          <a:p>
+            <a:pPr lvl="1"/>
+            <a:r>
+              <a:rPr lang="en-US" dirty="0" err="1"/>
+              <a:t>Daraus</a:t>
+            </a:r>
+            <a:r>
+              <a:rPr lang="en-US" dirty="0"/>
+              <a:t> </a:t>
+            </a:r>
+            <a:r>
+              <a:rPr lang="en-US" dirty="0" err="1"/>
+              <a:t>kann</a:t>
+            </a:r>
+            <a:r>
+              <a:rPr lang="en-US" dirty="0"/>
+              <a:t> man </a:t>
+            </a:r>
+            <a:r>
+              <a:rPr lang="en-US" dirty="0" err="1"/>
+              <a:t>aber</a:t>
+            </a:r>
+            <a:r>
+              <a:rPr lang="en-US" dirty="0"/>
+              <a:t> </a:t>
+            </a:r>
+            <a:r>
+              <a:rPr lang="en-US" dirty="0" err="1"/>
+              <a:t>auch</a:t>
+            </a:r>
+            <a:r>
+              <a:rPr lang="en-US" dirty="0"/>
+              <a:t> </a:t>
+            </a:r>
+            <a:r>
+              <a:rPr lang="en-US" dirty="0" err="1"/>
+              <a:t>schließen</a:t>
+            </a:r>
+            <a:r>
+              <a:rPr lang="en-US" dirty="0"/>
+              <a:t>, </a:t>
+            </a:r>
+            <a:r>
+              <a:rPr lang="en-US" dirty="0" err="1"/>
+              <a:t>dass</a:t>
+            </a:r>
+            <a:r>
+              <a:rPr lang="en-US" dirty="0"/>
+              <a:t> </a:t>
+            </a:r>
+            <a:r>
+              <a:rPr lang="en-US" dirty="0" err="1"/>
+              <a:t>viele</a:t>
+            </a:r>
+            <a:r>
+              <a:rPr lang="en-US" dirty="0"/>
+              <a:t> Wanderer </a:t>
+            </a:r>
+            <a:r>
+              <a:rPr lang="en-US" dirty="0" err="1"/>
+              <a:t>ihr</a:t>
+            </a:r>
+            <a:r>
+              <a:rPr lang="en-US" dirty="0"/>
+              <a:t> Smartphone </a:t>
+            </a:r>
+            <a:r>
+              <a:rPr lang="en-US" dirty="0" err="1"/>
+              <a:t>beim</a:t>
+            </a:r>
+            <a:r>
+              <a:rPr lang="en-US" dirty="0"/>
+              <a:t> </a:t>
+            </a:r>
+            <a:r>
+              <a:rPr lang="en-US" dirty="0" err="1"/>
+              <a:t>Wandern</a:t>
+            </a:r>
+            <a:r>
+              <a:rPr lang="en-US" dirty="0"/>
+              <a:t> </a:t>
+            </a:r>
+            <a:r>
+              <a:rPr lang="en-US" dirty="0" err="1"/>
+              <a:t>nutzen</a:t>
+            </a:r>
+            <a:endParaRPr lang="en-US" dirty="0"/>
+          </a:p>
+          <a:p>
+            <a:r>
+              <a:rPr lang="en-US" dirty="0"/>
+              <a:t>Eine App, die </a:t>
+            </a:r>
+            <a:r>
+              <a:rPr lang="en-US" dirty="0" err="1"/>
+              <a:t>genutzte</a:t>
+            </a:r>
+            <a:r>
+              <a:rPr lang="en-US" dirty="0"/>
+              <a:t> </a:t>
+            </a:r>
+            <a:r>
+              <a:rPr lang="en-US" dirty="0" err="1"/>
+              <a:t>Angebote</a:t>
+            </a:r>
+            <a:r>
+              <a:rPr lang="en-US" dirty="0"/>
+              <a:t> </a:t>
+            </a:r>
+            <a:r>
+              <a:rPr lang="en-US" dirty="0" err="1"/>
+              <a:t>aus</a:t>
+            </a:r>
+            <a:r>
+              <a:rPr lang="en-US" dirty="0"/>
+              <a:t> </a:t>
+            </a:r>
+            <a:r>
+              <a:rPr lang="en-US" dirty="0" err="1"/>
+              <a:t>verschiedenen</a:t>
+            </a:r>
+            <a:r>
+              <a:rPr lang="en-US" dirty="0"/>
+              <a:t> Apps </a:t>
+            </a:r>
+            <a:r>
+              <a:rPr lang="en-US" dirty="0" err="1"/>
+              <a:t>kombiniert</a:t>
+            </a:r>
+            <a:endParaRPr lang="en-US" dirty="0"/>
+          </a:p>
+          <a:p>
+            <a:endParaRPr lang="en-US" dirty="0"/>
+          </a:p>
+          <a:p>
+            <a:r>
+              <a:rPr lang="en-US" dirty="0" err="1"/>
+              <a:t>Zukunft</a:t>
+            </a:r>
+            <a:r>
+              <a:rPr lang="en-US" dirty="0"/>
+              <a:t>: </a:t>
+            </a:r>
+            <a:r>
+              <a:rPr lang="en-US" dirty="0" err="1"/>
+              <a:t>Gerade</a:t>
+            </a:r>
+            <a:r>
+              <a:rPr lang="en-US" dirty="0"/>
+              <a:t> der </a:t>
+            </a:r>
+            <a:r>
+              <a:rPr lang="en-US" dirty="0" err="1"/>
+              <a:t>jüngeren</a:t>
+            </a:r>
+            <a:r>
+              <a:rPr lang="en-US" dirty="0"/>
+              <a:t> Generation </a:t>
+            </a:r>
+            <a:r>
+              <a:rPr lang="en-US" dirty="0" err="1"/>
+              <a:t>könnte</a:t>
+            </a:r>
+            <a:r>
+              <a:rPr lang="en-US" dirty="0"/>
+              <a:t> man </a:t>
+            </a:r>
+            <a:r>
+              <a:rPr lang="en-US" dirty="0" err="1"/>
+              <a:t>durch</a:t>
+            </a:r>
+            <a:r>
+              <a:rPr lang="en-US" dirty="0"/>
+              <a:t> </a:t>
+            </a:r>
+            <a:r>
+              <a:rPr lang="en-US" dirty="0" err="1"/>
+              <a:t>solch</a:t>
+            </a:r>
+            <a:r>
+              <a:rPr lang="en-US" dirty="0"/>
+              <a:t> </a:t>
+            </a:r>
+            <a:r>
+              <a:rPr lang="en-US" dirty="0" err="1"/>
+              <a:t>eine</a:t>
+            </a:r>
+            <a:r>
+              <a:rPr lang="en-US" dirty="0"/>
+              <a:t> App das </a:t>
+            </a:r>
+            <a:r>
+              <a:rPr lang="en-US" dirty="0" err="1"/>
+              <a:t>Wandern</a:t>
+            </a:r>
+            <a:r>
+              <a:rPr lang="en-US" dirty="0"/>
+              <a:t> </a:t>
+            </a:r>
+            <a:r>
+              <a:rPr lang="en-US" dirty="0" err="1"/>
+              <a:t>näher</a:t>
+            </a:r>
+            <a:r>
+              <a:rPr lang="en-US" dirty="0"/>
+              <a:t> </a:t>
+            </a:r>
+            <a:r>
+              <a:rPr lang="en-US" dirty="0" err="1"/>
+              <a:t>bringen</a:t>
+            </a:r>
+            <a:endParaRPr lang="en-US" dirty="0"/>
+          </a:p>
+        </p:txBody>
+      </p:sp>
+      <p:sp>
+        <p:nvSpPr>
+          <p:cNvPr id="4" name="Rectangle 3">
+            <a:extLst>
+              <a:ext uri="{FF2B5EF4-FFF2-40B4-BE49-F238E27FC236}">
+                <a16:creationId xmlns:a16="http://schemas.microsoft.com/office/drawing/2014/main" id="{D64176F1-8059-48A8-B95C-128E01FEAE2C}"/>
+              </a:ext>
+            </a:extLst>
+          </p:cNvPr>
+          <p:cNvSpPr/>
+          <p:nvPr/>
+        </p:nvSpPr>
+        <p:spPr>
+          <a:xfrm>
+            <a:off x="405468" y="6379151"/>
+            <a:ext cx="7874466" cy="478849"/>
+          </a:xfrm>
+          <a:prstGeom prst="rect">
+            <a:avLst/>
+          </a:prstGeom>
+        </p:spPr>
+        <p:txBody>
+          <a:bodyPr wrap="square">
+            <a:spAutoFit/>
+          </a:bodyPr>
+          <a:lstStyle/>
+          <a:p>
+            <a:pPr marL="342900" lvl="0" indent="-342900">
+              <a:lnSpc>
+                <a:spcPct val="107000"/>
+              </a:lnSpc>
+              <a:spcAft>
+                <a:spcPts val="800"/>
+              </a:spcAft>
+              <a:buFont typeface="Courier New" panose="02070309020205020404" pitchFamily="49" charset="0"/>
+              <a:buChar char="o"/>
+            </a:pPr>
+            <a:r>
+              <a:rPr lang="de-DE" sz="1200" u="sng" dirty="0">
+                <a:solidFill>
+                  <a:srgbClr val="0000FF"/>
+                </a:solidFill>
+                <a:latin typeface="Calibri" panose="020F0502020204030204" pitchFamily="34" charset="0"/>
+                <a:ea typeface="Calibri" panose="020F0502020204030204" pitchFamily="34" charset="0"/>
+                <a:cs typeface="Calibri" panose="020F0502020204030204" pitchFamily="34" charset="0"/>
+                <a:hlinkClick r:id="rId2"/>
+              </a:rPr>
+              <a:t>https://rlp.tourismusnetzwerk.info/2018/09/13/studie-zum-digitalen-verhalten-der-wanderer-bte-stell-ergebnisse-vor/</a:t>
+            </a:r>
+            <a:endParaRPr lang="de-DE" sz="1200" dirty="0">
+              <a:latin typeface="Calibri" panose="020F0502020204030204" pitchFamily="34" charset="0"/>
+              <a:ea typeface="Calibri" panose="020F0502020204030204" pitchFamily="34" charset="0"/>
+              <a:cs typeface="Times New Roman" panose="02020603050405020304" pitchFamily="18" charset="0"/>
+            </a:endParaRPr>
           </a:p>
         </p:txBody>
       </p:sp>
     </p:spTree>
     <p:extLst>
       <p:ext uri="{BB962C8B-B14F-4D97-AF65-F5344CB8AC3E}">
-        <p14:creationId xmlns:p14="http://schemas.microsoft.com/office/powerpoint/2010/main" val="2161597223"/>
+        <p14:creationId xmlns:p14="http://schemas.microsoft.com/office/powerpoint/2010/main" val="740188723"/>
+      </p:ext>
+    </p:extLst>
+  </p:cSld>
+  <p:clrMapOvr>
+    <a:masterClrMapping/>
+  </p:clrMapOvr>
+</p:sld>
+</file>
+
+<file path=ppt/slides/slide5.xml><?xml version="1.0" encoding="utf-8"?>
+<p:sld xmlns:a="http://schemas.openxmlformats.org/drawingml/2006/main" xmlns:r="http://schemas.openxmlformats.org/officeDocument/2006/relationships" xmlns:p="http://schemas.openxmlformats.org/presentationml/2006/main">
+  <p:cSld>
+    <p:spTree>
+      <p:nvGrpSpPr>
+        <p:cNvPr id="1" name=""/>
+        <p:cNvGrpSpPr/>
+        <p:nvPr/>
+      </p:nvGrpSpPr>
+      <p:grpSpPr>
+        <a:xfrm>
+          <a:off x="0" y="0"/>
+          <a:ext cx="0" cy="0"/>
+          <a:chOff x="0" y="0"/>
+          <a:chExt cx="0" cy="0"/>
+        </a:xfrm>
+      </p:grpSpPr>
+      <p:sp>
+        <p:nvSpPr>
+          <p:cNvPr id="2" name="Title 1">
+            <a:extLst>
+              <a:ext uri="{FF2B5EF4-FFF2-40B4-BE49-F238E27FC236}">
+                <a16:creationId xmlns:a16="http://schemas.microsoft.com/office/drawing/2014/main" id="{159EC839-CD46-40FA-8D7C-362FAED1595C}"/>
+              </a:ext>
+            </a:extLst>
+          </p:cNvPr>
+          <p:cNvSpPr>
+            <a:spLocks noGrp="1"/>
+          </p:cNvSpPr>
+          <p:nvPr>
+            <p:ph type="ctrTitle"/>
+          </p:nvPr>
+        </p:nvSpPr>
+        <p:spPr/>
+        <p:txBody>
+          <a:bodyPr/>
+          <a:lstStyle/>
+          <a:p>
+            <a:r>
+              <a:rPr lang="en-US" dirty="0" err="1"/>
+              <a:t>Prototyp</a:t>
+            </a:r>
+            <a:r>
+              <a:rPr lang="en-US" dirty="0"/>
+              <a:t> Demo</a:t>
+            </a:r>
+          </a:p>
+        </p:txBody>
+      </p:sp>
+    </p:spTree>
+    <p:extLst>
+      <p:ext uri="{BB962C8B-B14F-4D97-AF65-F5344CB8AC3E}">
+        <p14:creationId xmlns:p14="http://schemas.microsoft.com/office/powerpoint/2010/main" val="25900140"/>
+      </p:ext>
+    </p:extLst>
+  </p:cSld>
+  <p:clrMapOvr>
+    <a:masterClrMapping/>
+  </p:clrMapOvr>
+</p:sld>
+</file>
+
+<file path=ppt/slides/slide6.xml><?xml version="1.0" encoding="utf-8"?>
+<p:sld xmlns:a="http://schemas.openxmlformats.org/drawingml/2006/main" xmlns:r="http://schemas.openxmlformats.org/officeDocument/2006/relationships" xmlns:p="http://schemas.openxmlformats.org/presentationml/2006/main">
+  <p:cSld>
+    <p:spTree>
+      <p:nvGrpSpPr>
+        <p:cNvPr id="1" name=""/>
+        <p:cNvGrpSpPr/>
+        <p:nvPr/>
+      </p:nvGrpSpPr>
+      <p:grpSpPr>
+        <a:xfrm>
+          <a:off x="0" y="0"/>
+          <a:ext cx="0" cy="0"/>
+          <a:chOff x="0" y="0"/>
+          <a:chExt cx="0" cy="0"/>
+        </a:xfrm>
+      </p:grpSpPr>
+      <p:sp>
+        <p:nvSpPr>
+          <p:cNvPr id="2" name="Title 1">
+            <a:extLst>
+              <a:ext uri="{FF2B5EF4-FFF2-40B4-BE49-F238E27FC236}">
+                <a16:creationId xmlns:a16="http://schemas.microsoft.com/office/drawing/2014/main" id="{D7294F32-E0B9-4BF7-BAD9-69A5AD76B717}"/>
+              </a:ext>
+            </a:extLst>
+          </p:cNvPr>
+          <p:cNvSpPr>
+            <a:spLocks noGrp="1"/>
+          </p:cNvSpPr>
+          <p:nvPr>
+            <p:ph type="title"/>
+          </p:nvPr>
+        </p:nvSpPr>
+        <p:spPr/>
+        <p:txBody>
+          <a:bodyPr/>
+          <a:lstStyle/>
+          <a:p>
+            <a:r>
+              <a:rPr lang="en-US" dirty="0"/>
+              <a:t>So </a:t>
+            </a:r>
+            <a:r>
+              <a:rPr lang="en-US" dirty="0" err="1"/>
+              <a:t>wurde</a:t>
+            </a:r>
+            <a:r>
+              <a:rPr lang="en-US" dirty="0"/>
+              <a:t> </a:t>
+            </a:r>
+            <a:r>
+              <a:rPr lang="en-US" dirty="0" err="1"/>
+              <a:t>implementiert</a:t>
+            </a:r>
+            <a:endParaRPr lang="en-US" dirty="0"/>
+          </a:p>
+        </p:txBody>
+      </p:sp>
+      <p:sp>
+        <p:nvSpPr>
+          <p:cNvPr id="3" name="Content Placeholder 2">
+            <a:extLst>
+              <a:ext uri="{FF2B5EF4-FFF2-40B4-BE49-F238E27FC236}">
+                <a16:creationId xmlns:a16="http://schemas.microsoft.com/office/drawing/2014/main" id="{4690A1CA-2F06-4FCF-9DDB-2EBC49DF2237}"/>
+              </a:ext>
+            </a:extLst>
+          </p:cNvPr>
+          <p:cNvSpPr>
+            <a:spLocks noGrp="1"/>
+          </p:cNvSpPr>
+          <p:nvPr>
+            <p:ph idx="1"/>
+          </p:nvPr>
+        </p:nvSpPr>
+        <p:spPr>
+          <a:xfrm>
+            <a:off x="677334" y="1686187"/>
+            <a:ext cx="8596668" cy="5058562"/>
+          </a:xfrm>
+        </p:spPr>
+        <p:txBody>
+          <a:bodyPr>
+            <a:normAutofit/>
+          </a:bodyPr>
+          <a:lstStyle/>
+          <a:p>
+            <a:r>
+              <a:rPr lang="en-US" dirty="0"/>
+              <a:t>Login</a:t>
+            </a:r>
+          </a:p>
+          <a:p>
+            <a:r>
+              <a:rPr lang="en-US" dirty="0" err="1"/>
+              <a:t>Menü</a:t>
+            </a:r>
+            <a:endParaRPr lang="en-US" dirty="0"/>
+          </a:p>
+          <a:p>
+            <a:r>
+              <a:rPr lang="en-US" dirty="0" err="1"/>
+              <a:t>Karte</a:t>
+            </a:r>
+            <a:endParaRPr lang="en-US" dirty="0"/>
+          </a:p>
+          <a:p>
+            <a:r>
+              <a:rPr lang="en-US" dirty="0" err="1"/>
+              <a:t>Attraktionen</a:t>
+            </a:r>
+            <a:endParaRPr lang="en-US" dirty="0"/>
+          </a:p>
+          <a:p>
+            <a:r>
+              <a:rPr lang="en-US" dirty="0"/>
+              <a:t>Blog</a:t>
+            </a:r>
+          </a:p>
+          <a:p>
+            <a:r>
+              <a:rPr lang="en-US" dirty="0" err="1"/>
+              <a:t>Mountainbiking</a:t>
+            </a:r>
+            <a:endParaRPr lang="en-US" dirty="0"/>
+          </a:p>
+          <a:p>
+            <a:r>
+              <a:rPr lang="en-US" dirty="0"/>
+              <a:t>Geocaching</a:t>
+            </a:r>
+          </a:p>
+          <a:p>
+            <a:r>
+              <a:rPr lang="en-US" dirty="0"/>
+              <a:t>QR-Code</a:t>
+            </a:r>
+          </a:p>
+          <a:p>
+            <a:r>
+              <a:rPr lang="en-US" dirty="0" err="1"/>
+              <a:t>Hundebesitzer</a:t>
+            </a:r>
+            <a:endParaRPr lang="en-US" dirty="0"/>
+          </a:p>
+          <a:p>
+            <a:r>
+              <a:rPr lang="en-US" dirty="0"/>
+              <a:t> Mein </a:t>
+            </a:r>
+            <a:r>
+              <a:rPr lang="en-US" dirty="0" err="1"/>
+              <a:t>Profil</a:t>
+            </a:r>
+            <a:endParaRPr lang="en-US" dirty="0"/>
+          </a:p>
+          <a:p>
+            <a:r>
+              <a:rPr lang="en-US" dirty="0" err="1"/>
+              <a:t>Audioguide</a:t>
+            </a:r>
+            <a:endParaRPr lang="en-US" dirty="0"/>
+          </a:p>
+          <a:p>
+            <a:r>
+              <a:rPr lang="en-US" dirty="0"/>
+              <a:t>Live-Stream</a:t>
+            </a:r>
+          </a:p>
+          <a:p>
+            <a:endParaRPr lang="en-US" dirty="0"/>
+          </a:p>
+        </p:txBody>
+      </p:sp>
+      <p:pic>
+        <p:nvPicPr>
+          <p:cNvPr id="5" name="Graphic 4" descr="Checkmark">
+            <a:extLst>
+              <a:ext uri="{FF2B5EF4-FFF2-40B4-BE49-F238E27FC236}">
+                <a16:creationId xmlns:a16="http://schemas.microsoft.com/office/drawing/2014/main" id="{32AA2425-5688-48A3-8619-75AF2BEEED10}"/>
+              </a:ext>
+            </a:extLst>
+          </p:cNvPr>
+          <p:cNvPicPr>
+            <a:picLocks noChangeAspect="1"/>
+          </p:cNvPicPr>
+          <p:nvPr/>
+        </p:nvPicPr>
+        <p:blipFill>
+          <a:blip r:embed="rId2">
+            <a:extLst>
+              <a:ext uri="{96DAC541-7B7A-43D3-8B79-37D633B846F1}">
+                <asvg:svgBlip xmlns:asvg="http://schemas.microsoft.com/office/drawing/2016/SVG/main" r:embed="rId3"/>
+              </a:ext>
+            </a:extLst>
+          </a:blip>
+          <a:stretch>
+            <a:fillRect/>
+          </a:stretch>
+        </p:blipFill>
+        <p:spPr>
+          <a:xfrm>
+            <a:off x="3025426" y="1686187"/>
+            <a:ext cx="350441" cy="350441"/>
+          </a:xfrm>
+          <a:prstGeom prst="rect">
+            <a:avLst/>
+          </a:prstGeom>
+        </p:spPr>
+      </p:pic>
+      <p:pic>
+        <p:nvPicPr>
+          <p:cNvPr id="6" name="Graphic 5" descr="Checkmark">
+            <a:extLst>
+              <a:ext uri="{FF2B5EF4-FFF2-40B4-BE49-F238E27FC236}">
+                <a16:creationId xmlns:a16="http://schemas.microsoft.com/office/drawing/2014/main" id="{F40798E0-F277-4BFD-A409-5C9DF38B4658}"/>
+              </a:ext>
+            </a:extLst>
+          </p:cNvPr>
+          <p:cNvPicPr>
+            <a:picLocks noChangeAspect="1"/>
+          </p:cNvPicPr>
+          <p:nvPr/>
+        </p:nvPicPr>
+        <p:blipFill>
+          <a:blip r:embed="rId2">
+            <a:extLst>
+              <a:ext uri="{96DAC541-7B7A-43D3-8B79-37D633B846F1}">
+                <asvg:svgBlip xmlns:asvg="http://schemas.microsoft.com/office/drawing/2016/SVG/main" r:embed="rId3"/>
+              </a:ext>
+            </a:extLst>
+          </a:blip>
+          <a:stretch>
+            <a:fillRect/>
+          </a:stretch>
+        </p:blipFill>
+        <p:spPr>
+          <a:xfrm>
+            <a:off x="3025426" y="2076591"/>
+            <a:ext cx="350441" cy="350441"/>
+          </a:xfrm>
+          <a:prstGeom prst="rect">
+            <a:avLst/>
+          </a:prstGeom>
+        </p:spPr>
+      </p:pic>
+      <p:pic>
+        <p:nvPicPr>
+          <p:cNvPr id="7" name="Graphic 6" descr="Checkmark">
+            <a:extLst>
+              <a:ext uri="{FF2B5EF4-FFF2-40B4-BE49-F238E27FC236}">
+                <a16:creationId xmlns:a16="http://schemas.microsoft.com/office/drawing/2014/main" id="{5812D613-A1E5-4BF7-9F0E-4469FE27DEFA}"/>
+              </a:ext>
+            </a:extLst>
+          </p:cNvPr>
+          <p:cNvPicPr>
+            <a:picLocks noChangeAspect="1"/>
+          </p:cNvPicPr>
+          <p:nvPr/>
+        </p:nvPicPr>
+        <p:blipFill>
+          <a:blip r:embed="rId2">
+            <a:extLst>
+              <a:ext uri="{96DAC541-7B7A-43D3-8B79-37D633B846F1}">
+                <asvg:svgBlip xmlns:asvg="http://schemas.microsoft.com/office/drawing/2016/SVG/main" r:embed="rId4"/>
+              </a:ext>
+            </a:extLst>
+          </a:blip>
+          <a:stretch>
+            <a:fillRect/>
+          </a:stretch>
+        </p:blipFill>
+        <p:spPr>
+          <a:xfrm>
+            <a:off x="2977998" y="5322887"/>
+            <a:ext cx="350441" cy="350441"/>
+          </a:xfrm>
+          <a:prstGeom prst="rect">
+            <a:avLst/>
+          </a:prstGeom>
+        </p:spPr>
+      </p:pic>
+      <p:pic>
+        <p:nvPicPr>
+          <p:cNvPr id="11" name="Graphic 10" descr="Close">
+            <a:extLst>
+              <a:ext uri="{FF2B5EF4-FFF2-40B4-BE49-F238E27FC236}">
+                <a16:creationId xmlns:a16="http://schemas.microsoft.com/office/drawing/2014/main" id="{E620055F-BC3D-4AB2-9106-EC7D3263426D}"/>
+              </a:ext>
+            </a:extLst>
+          </p:cNvPr>
+          <p:cNvPicPr>
+            <a:picLocks noChangeAspect="1"/>
+          </p:cNvPicPr>
+          <p:nvPr/>
+        </p:nvPicPr>
+        <p:blipFill>
+          <a:blip r:embed="rId5">
+            <a:extLst>
+              <a:ext uri="{96DAC541-7B7A-43D3-8B79-37D633B846F1}">
+                <asvg:svgBlip xmlns:asvg="http://schemas.microsoft.com/office/drawing/2016/SVG/main" r:embed="rId6"/>
+              </a:ext>
+            </a:extLst>
+          </a:blip>
+          <a:stretch>
+            <a:fillRect/>
+          </a:stretch>
+        </p:blipFill>
+        <p:spPr>
+          <a:xfrm>
+            <a:off x="2954677" y="2477156"/>
+            <a:ext cx="425723" cy="425723"/>
+          </a:xfrm>
+          <a:prstGeom prst="rect">
+            <a:avLst/>
+          </a:prstGeom>
+        </p:spPr>
+      </p:pic>
+      <p:pic>
+        <p:nvPicPr>
+          <p:cNvPr id="12" name="Graphic 11" descr="Close">
+            <a:extLst>
+              <a:ext uri="{FF2B5EF4-FFF2-40B4-BE49-F238E27FC236}">
+                <a16:creationId xmlns:a16="http://schemas.microsoft.com/office/drawing/2014/main" id="{C9DBD8D1-A101-4923-AFD7-214613E99585}"/>
+              </a:ext>
+            </a:extLst>
+          </p:cNvPr>
+          <p:cNvPicPr>
+            <a:picLocks noChangeAspect="1"/>
+          </p:cNvPicPr>
+          <p:nvPr/>
+        </p:nvPicPr>
+        <p:blipFill>
+          <a:blip r:embed="rId5">
+            <a:extLst>
+              <a:ext uri="{96DAC541-7B7A-43D3-8B79-37D633B846F1}">
+                <asvg:svgBlip xmlns:asvg="http://schemas.microsoft.com/office/drawing/2016/SVG/main" r:embed="rId6"/>
+              </a:ext>
+            </a:extLst>
+          </a:blip>
+          <a:stretch>
+            <a:fillRect/>
+          </a:stretch>
+        </p:blipFill>
+        <p:spPr>
+          <a:xfrm>
+            <a:off x="2943845" y="3681737"/>
+            <a:ext cx="425723" cy="425723"/>
+          </a:xfrm>
+          <a:prstGeom prst="rect">
+            <a:avLst/>
+          </a:prstGeom>
+        </p:spPr>
+      </p:pic>
+      <p:pic>
+        <p:nvPicPr>
+          <p:cNvPr id="13" name="Graphic 12" descr="Close">
+            <a:extLst>
+              <a:ext uri="{FF2B5EF4-FFF2-40B4-BE49-F238E27FC236}">
+                <a16:creationId xmlns:a16="http://schemas.microsoft.com/office/drawing/2014/main" id="{64A9108D-F926-4B6B-A11E-AD463E9A9331}"/>
+              </a:ext>
+            </a:extLst>
+          </p:cNvPr>
+          <p:cNvPicPr>
+            <a:picLocks noChangeAspect="1"/>
+          </p:cNvPicPr>
+          <p:nvPr/>
+        </p:nvPicPr>
+        <p:blipFill>
+          <a:blip r:embed="rId7">
+            <a:extLst>
+              <a:ext uri="{96DAC541-7B7A-43D3-8B79-37D633B846F1}">
+                <asvg:svgBlip xmlns:asvg="http://schemas.microsoft.com/office/drawing/2016/SVG/main" r:embed="rId8"/>
+              </a:ext>
+            </a:extLst>
+          </a:blip>
+          <a:stretch>
+            <a:fillRect/>
+          </a:stretch>
+        </p:blipFill>
+        <p:spPr>
+          <a:xfrm>
+            <a:off x="2943844" y="2894947"/>
+            <a:ext cx="425723" cy="425723"/>
+          </a:xfrm>
+          <a:prstGeom prst="rect">
+            <a:avLst/>
+          </a:prstGeom>
+        </p:spPr>
+      </p:pic>
+      <p:pic>
+        <p:nvPicPr>
+          <p:cNvPr id="14" name="Graphic 13" descr="Close">
+            <a:extLst>
+              <a:ext uri="{FF2B5EF4-FFF2-40B4-BE49-F238E27FC236}">
+                <a16:creationId xmlns:a16="http://schemas.microsoft.com/office/drawing/2014/main" id="{B1EDF40C-3291-4553-8446-9E43E4340D42}"/>
+              </a:ext>
+            </a:extLst>
+          </p:cNvPr>
+          <p:cNvPicPr>
+            <a:picLocks noChangeAspect="1"/>
+          </p:cNvPicPr>
+          <p:nvPr/>
+        </p:nvPicPr>
+        <p:blipFill>
+          <a:blip r:embed="rId7">
+            <a:extLst>
+              <a:ext uri="{96DAC541-7B7A-43D3-8B79-37D633B846F1}">
+                <asvg:svgBlip xmlns:asvg="http://schemas.microsoft.com/office/drawing/2016/SVG/main" r:embed="rId8"/>
+              </a:ext>
+            </a:extLst>
+          </a:blip>
+          <a:stretch>
+            <a:fillRect/>
+          </a:stretch>
+        </p:blipFill>
+        <p:spPr>
+          <a:xfrm>
+            <a:off x="2943844" y="3290757"/>
+            <a:ext cx="425723" cy="425723"/>
+          </a:xfrm>
+          <a:prstGeom prst="rect">
+            <a:avLst/>
+          </a:prstGeom>
+        </p:spPr>
+      </p:pic>
+      <p:pic>
+        <p:nvPicPr>
+          <p:cNvPr id="15" name="Graphic 14" descr="Close">
+            <a:extLst>
+              <a:ext uri="{FF2B5EF4-FFF2-40B4-BE49-F238E27FC236}">
+                <a16:creationId xmlns:a16="http://schemas.microsoft.com/office/drawing/2014/main" id="{CD89538A-8006-4A19-B422-6E4E92C2898E}"/>
+              </a:ext>
+            </a:extLst>
+          </p:cNvPr>
+          <p:cNvPicPr>
+            <a:picLocks noChangeAspect="1"/>
+          </p:cNvPicPr>
+          <p:nvPr/>
+        </p:nvPicPr>
+        <p:blipFill>
+          <a:blip r:embed="rId7">
+            <a:extLst>
+              <a:ext uri="{96DAC541-7B7A-43D3-8B79-37D633B846F1}">
+                <asvg:svgBlip xmlns:asvg="http://schemas.microsoft.com/office/drawing/2016/SVG/main" r:embed="rId8"/>
+              </a:ext>
+            </a:extLst>
+          </a:blip>
+          <a:stretch>
+            <a:fillRect/>
+          </a:stretch>
+        </p:blipFill>
+        <p:spPr>
+          <a:xfrm>
+            <a:off x="2954677" y="4097317"/>
+            <a:ext cx="425723" cy="425723"/>
+          </a:xfrm>
+          <a:prstGeom prst="rect">
+            <a:avLst/>
+          </a:prstGeom>
+        </p:spPr>
+      </p:pic>
+      <p:pic>
+        <p:nvPicPr>
+          <p:cNvPr id="16" name="Graphic 15" descr="Close">
+            <a:extLst>
+              <a:ext uri="{FF2B5EF4-FFF2-40B4-BE49-F238E27FC236}">
+                <a16:creationId xmlns:a16="http://schemas.microsoft.com/office/drawing/2014/main" id="{F63B2284-7BB7-4B99-AC8B-B4B7D8143612}"/>
+              </a:ext>
+            </a:extLst>
+          </p:cNvPr>
+          <p:cNvPicPr>
+            <a:picLocks noChangeAspect="1"/>
+          </p:cNvPicPr>
+          <p:nvPr/>
+        </p:nvPicPr>
+        <p:blipFill>
+          <a:blip r:embed="rId7">
+            <a:extLst>
+              <a:ext uri="{96DAC541-7B7A-43D3-8B79-37D633B846F1}">
+                <asvg:svgBlip xmlns:asvg="http://schemas.microsoft.com/office/drawing/2016/SVG/main" r:embed="rId8"/>
+              </a:ext>
+            </a:extLst>
+          </a:blip>
+          <a:stretch>
+            <a:fillRect/>
+          </a:stretch>
+        </p:blipFill>
+        <p:spPr>
+          <a:xfrm>
+            <a:off x="2940358" y="4484600"/>
+            <a:ext cx="425723" cy="425723"/>
+          </a:xfrm>
+          <a:prstGeom prst="rect">
+            <a:avLst/>
+          </a:prstGeom>
+        </p:spPr>
+      </p:pic>
+      <p:pic>
+        <p:nvPicPr>
+          <p:cNvPr id="17" name="Graphic 16" descr="Close">
+            <a:extLst>
+              <a:ext uri="{FF2B5EF4-FFF2-40B4-BE49-F238E27FC236}">
+                <a16:creationId xmlns:a16="http://schemas.microsoft.com/office/drawing/2014/main" id="{CF99AAE1-ABF3-4EA7-A51F-53B1E0763FFF}"/>
+              </a:ext>
+            </a:extLst>
+          </p:cNvPr>
+          <p:cNvPicPr>
+            <a:picLocks noChangeAspect="1"/>
+          </p:cNvPicPr>
+          <p:nvPr/>
+        </p:nvPicPr>
+        <p:blipFill>
+          <a:blip r:embed="rId7">
+            <a:extLst>
+              <a:ext uri="{96DAC541-7B7A-43D3-8B79-37D633B846F1}">
+                <asvg:svgBlip xmlns:asvg="http://schemas.microsoft.com/office/drawing/2016/SVG/main" r:embed="rId8"/>
+              </a:ext>
+            </a:extLst>
+          </a:blip>
+          <a:stretch>
+            <a:fillRect/>
+          </a:stretch>
+        </p:blipFill>
+        <p:spPr>
+          <a:xfrm>
+            <a:off x="2947517" y="4858388"/>
+            <a:ext cx="425723" cy="425723"/>
+          </a:xfrm>
+          <a:prstGeom prst="rect">
+            <a:avLst/>
+          </a:prstGeom>
+        </p:spPr>
+      </p:pic>
+      <p:pic>
+        <p:nvPicPr>
+          <p:cNvPr id="18" name="Graphic 17" descr="Close">
+            <a:extLst>
+              <a:ext uri="{FF2B5EF4-FFF2-40B4-BE49-F238E27FC236}">
+                <a16:creationId xmlns:a16="http://schemas.microsoft.com/office/drawing/2014/main" id="{D190FB3B-B1D7-427E-B5B1-B866DD35884D}"/>
+              </a:ext>
+            </a:extLst>
+          </p:cNvPr>
+          <p:cNvPicPr>
+            <a:picLocks noChangeAspect="1"/>
+          </p:cNvPicPr>
+          <p:nvPr/>
+        </p:nvPicPr>
+        <p:blipFill>
+          <a:blip r:embed="rId7">
+            <a:extLst>
+              <a:ext uri="{96DAC541-7B7A-43D3-8B79-37D633B846F1}">
+                <asvg:svgBlip xmlns:asvg="http://schemas.microsoft.com/office/drawing/2016/SVG/main" r:embed="rId8"/>
+              </a:ext>
+            </a:extLst>
+          </a:blip>
+          <a:stretch>
+            <a:fillRect/>
+          </a:stretch>
+        </p:blipFill>
+        <p:spPr>
+          <a:xfrm>
+            <a:off x="2902716" y="5686970"/>
+            <a:ext cx="425723" cy="425723"/>
+          </a:xfrm>
+          <a:prstGeom prst="rect">
+            <a:avLst/>
+          </a:prstGeom>
+        </p:spPr>
+      </p:pic>
+      <p:pic>
+        <p:nvPicPr>
+          <p:cNvPr id="19" name="Graphic 18" descr="Close">
+            <a:extLst>
+              <a:ext uri="{FF2B5EF4-FFF2-40B4-BE49-F238E27FC236}">
+                <a16:creationId xmlns:a16="http://schemas.microsoft.com/office/drawing/2014/main" id="{D558CBC3-ECDB-465A-831E-7BA16FE7DA45}"/>
+              </a:ext>
+            </a:extLst>
+          </p:cNvPr>
+          <p:cNvPicPr>
+            <a:picLocks noChangeAspect="1"/>
+          </p:cNvPicPr>
+          <p:nvPr/>
+        </p:nvPicPr>
+        <p:blipFill>
+          <a:blip r:embed="rId7">
+            <a:extLst>
+              <a:ext uri="{96DAC541-7B7A-43D3-8B79-37D633B846F1}">
+                <asvg:svgBlip xmlns:asvg="http://schemas.microsoft.com/office/drawing/2016/SVG/main" r:embed="rId8"/>
+              </a:ext>
+            </a:extLst>
+          </a:blip>
+          <a:stretch>
+            <a:fillRect/>
+          </a:stretch>
+        </p:blipFill>
+        <p:spPr>
+          <a:xfrm>
+            <a:off x="2902715" y="6119372"/>
+            <a:ext cx="425723" cy="425723"/>
+          </a:xfrm>
+          <a:prstGeom prst="rect">
+            <a:avLst/>
+          </a:prstGeom>
+        </p:spPr>
+      </p:pic>
+    </p:spTree>
+    <p:extLst>
+      <p:ext uri="{BB962C8B-B14F-4D97-AF65-F5344CB8AC3E}">
+        <p14:creationId xmlns:p14="http://schemas.microsoft.com/office/powerpoint/2010/main" val="3518847134"/>
+      </p:ext>
+    </p:extLst>
+  </p:cSld>
+  <p:clrMapOvr>
+    <a:masterClrMapping/>
+  </p:clrMapOvr>
+  <p:timing>
+    <p:tnLst>
+      <p:par>
+        <p:cTn id="1" dur="indefinite" restart="never" nodeType="tmRoot">
+          <p:childTnLst>
+            <p:seq concurrent="1" nextAc="seek">
+              <p:cTn id="2" dur="indefinite" nodeType="mainSeq">
+                <p:childTnLst>
+                  <p:par>
+                    <p:cTn id="3" fill="hold">
+                      <p:stCondLst>
+                        <p:cond delay="indefinite"/>
+                      </p:stCondLst>
+                      <p:childTnLst>
+                        <p:par>
+                          <p:cTn id="4" fill="hold">
+                            <p:stCondLst>
+                              <p:cond delay="0"/>
+                            </p:stCondLst>
+                            <p:childTnLst>
+                              <p:par>
+                                <p:cTn id="5" presetID="1" presetClass="entr" presetSubtype="0" fill="hold" nodeType="clickEffect">
+                                  <p:stCondLst>
+                                    <p:cond delay="0"/>
+                                  </p:stCondLst>
+                                  <p:childTnLst>
+                                    <p:set>
+                                      <p:cBhvr>
+                                        <p:cTn id="6" dur="1" fill="hold">
+                                          <p:stCondLst>
+                                            <p:cond delay="0"/>
+                                          </p:stCondLst>
+                                        </p:cTn>
+                                        <p:tgtEl>
+                                          <p:spTgt spid="5"/>
+                                        </p:tgtEl>
+                                        <p:attrNameLst>
+                                          <p:attrName>style.visibility</p:attrName>
+                                        </p:attrNameLst>
+                                      </p:cBhvr>
+                                      <p:to>
+                                        <p:strVal val="visible"/>
+                                      </p:to>
+                                    </p:set>
+                                  </p:childTnLst>
+                                </p:cTn>
+                              </p:par>
+                            </p:childTnLst>
+                          </p:cTn>
+                        </p:par>
+                      </p:childTnLst>
+                    </p:cTn>
+                  </p:par>
+                  <p:par>
+                    <p:cTn id="7" fill="hold">
+                      <p:stCondLst>
+                        <p:cond delay="indefinite"/>
+                      </p:stCondLst>
+                      <p:childTnLst>
+                        <p:par>
+                          <p:cTn id="8" fill="hold">
+                            <p:stCondLst>
+                              <p:cond delay="0"/>
+                            </p:stCondLst>
+                            <p:childTnLst>
+                              <p:par>
+                                <p:cTn id="9" presetID="1" presetClass="entr" presetSubtype="0" fill="hold" nodeType="clickEffect">
+                                  <p:stCondLst>
+                                    <p:cond delay="0"/>
+                                  </p:stCondLst>
+                                  <p:childTnLst>
+                                    <p:set>
+                                      <p:cBhvr>
+                                        <p:cTn id="10" dur="1" fill="hold">
+                                          <p:stCondLst>
+                                            <p:cond delay="0"/>
+                                          </p:stCondLst>
+                                        </p:cTn>
+                                        <p:tgtEl>
+                                          <p:spTgt spid="6"/>
+                                        </p:tgtEl>
+                                        <p:attrNameLst>
+                                          <p:attrName>style.visibility</p:attrName>
+                                        </p:attrNameLst>
+                                      </p:cBhvr>
+                                      <p:to>
+                                        <p:strVal val="visible"/>
+                                      </p:to>
+                                    </p:set>
+                                  </p:childTnLst>
+                                </p:cTn>
+                              </p:par>
+                            </p:childTnLst>
+                          </p:cTn>
+                        </p:par>
+                      </p:childTnLst>
+                    </p:cTn>
+                  </p:par>
+                  <p:par>
+                    <p:cTn id="11" fill="hold">
+                      <p:stCondLst>
+                        <p:cond delay="indefinite"/>
+                      </p:stCondLst>
+                      <p:childTnLst>
+                        <p:par>
+                          <p:cTn id="12" fill="hold">
+                            <p:stCondLst>
+                              <p:cond delay="0"/>
+                            </p:stCondLst>
+                            <p:childTnLst>
+                              <p:par>
+                                <p:cTn id="13" presetID="1" presetClass="entr" presetSubtype="0" fill="hold" nodeType="clickEffect">
+                                  <p:stCondLst>
+                                    <p:cond delay="0"/>
+                                  </p:stCondLst>
+                                  <p:childTnLst>
+                                    <p:set>
+                                      <p:cBhvr>
+                                        <p:cTn id="14" dur="1" fill="hold">
+                                          <p:stCondLst>
+                                            <p:cond delay="0"/>
+                                          </p:stCondLst>
+                                        </p:cTn>
+                                        <p:tgtEl>
+                                          <p:spTgt spid="11"/>
+                                        </p:tgtEl>
+                                        <p:attrNameLst>
+                                          <p:attrName>style.visibility</p:attrName>
+                                        </p:attrNameLst>
+                                      </p:cBhvr>
+                                      <p:to>
+                                        <p:strVal val="visible"/>
+                                      </p:to>
+                                    </p:set>
+                                  </p:childTnLst>
+                                </p:cTn>
+                              </p:par>
+                            </p:childTnLst>
+                          </p:cTn>
+                        </p:par>
+                      </p:childTnLst>
+                    </p:cTn>
+                  </p:par>
+                  <p:par>
+                    <p:cTn id="15" fill="hold">
+                      <p:stCondLst>
+                        <p:cond delay="indefinite"/>
+                      </p:stCondLst>
+                      <p:childTnLst>
+                        <p:par>
+                          <p:cTn id="16" fill="hold">
+                            <p:stCondLst>
+                              <p:cond delay="0"/>
+                            </p:stCondLst>
+                            <p:childTnLst>
+                              <p:par>
+                                <p:cTn id="17" presetID="1" presetClass="entr" presetSubtype="0" fill="hold" nodeType="clickEffect">
+                                  <p:stCondLst>
+                                    <p:cond delay="0"/>
+                                  </p:stCondLst>
+                                  <p:childTnLst>
+                                    <p:set>
+                                      <p:cBhvr>
+                                        <p:cTn id="18" dur="1" fill="hold">
+                                          <p:stCondLst>
+                                            <p:cond delay="0"/>
+                                          </p:stCondLst>
+                                        </p:cTn>
+                                        <p:tgtEl>
+                                          <p:spTgt spid="13"/>
+                                        </p:tgtEl>
+                                        <p:attrNameLst>
+                                          <p:attrName>style.visibility</p:attrName>
+                                        </p:attrNameLst>
+                                      </p:cBhvr>
+                                      <p:to>
+                                        <p:strVal val="visible"/>
+                                      </p:to>
+                                    </p:set>
+                                  </p:childTnLst>
+                                </p:cTn>
+                              </p:par>
+                            </p:childTnLst>
+                          </p:cTn>
+                        </p:par>
+                      </p:childTnLst>
+                    </p:cTn>
+                  </p:par>
+                  <p:par>
+                    <p:cTn id="19" fill="hold">
+                      <p:stCondLst>
+                        <p:cond delay="indefinite"/>
+                      </p:stCondLst>
+                      <p:childTnLst>
+                        <p:par>
+                          <p:cTn id="20" fill="hold">
+                            <p:stCondLst>
+                              <p:cond delay="0"/>
+                            </p:stCondLst>
+                            <p:childTnLst>
+                              <p:par>
+                                <p:cTn id="21" presetID="1" presetClass="entr" presetSubtype="0" fill="hold" nodeType="clickEffect">
+                                  <p:stCondLst>
+                                    <p:cond delay="0"/>
+                                  </p:stCondLst>
+                                  <p:childTnLst>
+                                    <p:set>
+                                      <p:cBhvr>
+                                        <p:cTn id="22" dur="1" fill="hold">
+                                          <p:stCondLst>
+                                            <p:cond delay="0"/>
+                                          </p:stCondLst>
+                                        </p:cTn>
+                                        <p:tgtEl>
+                                          <p:spTgt spid="14"/>
+                                        </p:tgtEl>
+                                        <p:attrNameLst>
+                                          <p:attrName>style.visibility</p:attrName>
+                                        </p:attrNameLst>
+                                      </p:cBhvr>
+                                      <p:to>
+                                        <p:strVal val="visible"/>
+                                      </p:to>
+                                    </p:set>
+                                  </p:childTnLst>
+                                </p:cTn>
+                              </p:par>
+                            </p:childTnLst>
+                          </p:cTn>
+                        </p:par>
+                      </p:childTnLst>
+                    </p:cTn>
+                  </p:par>
+                  <p:par>
+                    <p:cTn id="23" fill="hold">
+                      <p:stCondLst>
+                        <p:cond delay="indefinite"/>
+                      </p:stCondLst>
+                      <p:childTnLst>
+                        <p:par>
+                          <p:cTn id="24" fill="hold">
+                            <p:stCondLst>
+                              <p:cond delay="0"/>
+                            </p:stCondLst>
+                            <p:childTnLst>
+                              <p:par>
+                                <p:cTn id="25" presetID="1" presetClass="entr" presetSubtype="0" fill="hold" nodeType="clickEffect">
+                                  <p:stCondLst>
+                                    <p:cond delay="0"/>
+                                  </p:stCondLst>
+                                  <p:childTnLst>
+                                    <p:set>
+                                      <p:cBhvr>
+                                        <p:cTn id="26" dur="1" fill="hold">
+                                          <p:stCondLst>
+                                            <p:cond delay="0"/>
+                                          </p:stCondLst>
+                                        </p:cTn>
+                                        <p:tgtEl>
+                                          <p:spTgt spid="12"/>
+                                        </p:tgtEl>
+                                        <p:attrNameLst>
+                                          <p:attrName>style.visibility</p:attrName>
+                                        </p:attrNameLst>
+                                      </p:cBhvr>
+                                      <p:to>
+                                        <p:strVal val="visible"/>
+                                      </p:to>
+                                    </p:set>
+                                  </p:childTnLst>
+                                </p:cTn>
+                              </p:par>
+                            </p:childTnLst>
+                          </p:cTn>
+                        </p:par>
+                      </p:childTnLst>
+                    </p:cTn>
+                  </p:par>
+                  <p:par>
+                    <p:cTn id="27" fill="hold">
+                      <p:stCondLst>
+                        <p:cond delay="indefinite"/>
+                      </p:stCondLst>
+                      <p:childTnLst>
+                        <p:par>
+                          <p:cTn id="28" fill="hold">
+                            <p:stCondLst>
+                              <p:cond delay="0"/>
+                            </p:stCondLst>
+                            <p:childTnLst>
+                              <p:par>
+                                <p:cTn id="29" presetID="1" presetClass="entr" presetSubtype="0" fill="hold" nodeType="clickEffect">
+                                  <p:stCondLst>
+                                    <p:cond delay="0"/>
+                                  </p:stCondLst>
+                                  <p:childTnLst>
+                                    <p:set>
+                                      <p:cBhvr>
+                                        <p:cTn id="30" dur="1" fill="hold">
+                                          <p:stCondLst>
+                                            <p:cond delay="0"/>
+                                          </p:stCondLst>
+                                        </p:cTn>
+                                        <p:tgtEl>
+                                          <p:spTgt spid="15"/>
+                                        </p:tgtEl>
+                                        <p:attrNameLst>
+                                          <p:attrName>style.visibility</p:attrName>
+                                        </p:attrNameLst>
+                                      </p:cBhvr>
+                                      <p:to>
+                                        <p:strVal val="visible"/>
+                                      </p:to>
+                                    </p:set>
+                                  </p:childTnLst>
+                                </p:cTn>
+                              </p:par>
+                            </p:childTnLst>
+                          </p:cTn>
+                        </p:par>
+                      </p:childTnLst>
+                    </p:cTn>
+                  </p:par>
+                  <p:par>
+                    <p:cTn id="31" fill="hold">
+                      <p:stCondLst>
+                        <p:cond delay="indefinite"/>
+                      </p:stCondLst>
+                      <p:childTnLst>
+                        <p:par>
+                          <p:cTn id="32" fill="hold">
+                            <p:stCondLst>
+                              <p:cond delay="0"/>
+                            </p:stCondLst>
+                            <p:childTnLst>
+                              <p:par>
+                                <p:cTn id="33" presetID="1" presetClass="entr" presetSubtype="0" fill="hold" nodeType="clickEffect">
+                                  <p:stCondLst>
+                                    <p:cond delay="0"/>
+                                  </p:stCondLst>
+                                  <p:childTnLst>
+                                    <p:set>
+                                      <p:cBhvr>
+                                        <p:cTn id="34" dur="1" fill="hold">
+                                          <p:stCondLst>
+                                            <p:cond delay="0"/>
+                                          </p:stCondLst>
+                                        </p:cTn>
+                                        <p:tgtEl>
+                                          <p:spTgt spid="16"/>
+                                        </p:tgtEl>
+                                        <p:attrNameLst>
+                                          <p:attrName>style.visibility</p:attrName>
+                                        </p:attrNameLst>
+                                      </p:cBhvr>
+                                      <p:to>
+                                        <p:strVal val="visible"/>
+                                      </p:to>
+                                    </p:set>
+                                  </p:childTnLst>
+                                </p:cTn>
+                              </p:par>
+                            </p:childTnLst>
+                          </p:cTn>
+                        </p:par>
+                      </p:childTnLst>
+                    </p:cTn>
+                  </p:par>
+                  <p:par>
+                    <p:cTn id="35" fill="hold">
+                      <p:stCondLst>
+                        <p:cond delay="indefinite"/>
+                      </p:stCondLst>
+                      <p:childTnLst>
+                        <p:par>
+                          <p:cTn id="36" fill="hold">
+                            <p:stCondLst>
+                              <p:cond delay="0"/>
+                            </p:stCondLst>
+                            <p:childTnLst>
+                              <p:par>
+                                <p:cTn id="37" presetID="1" presetClass="entr" presetSubtype="0" fill="hold" nodeType="clickEffect">
+                                  <p:stCondLst>
+                                    <p:cond delay="0"/>
+                                  </p:stCondLst>
+                                  <p:childTnLst>
+                                    <p:set>
+                                      <p:cBhvr>
+                                        <p:cTn id="38" dur="1" fill="hold">
+                                          <p:stCondLst>
+                                            <p:cond delay="0"/>
+                                          </p:stCondLst>
+                                        </p:cTn>
+                                        <p:tgtEl>
+                                          <p:spTgt spid="17"/>
+                                        </p:tgtEl>
+                                        <p:attrNameLst>
+                                          <p:attrName>style.visibility</p:attrName>
+                                        </p:attrNameLst>
+                                      </p:cBhvr>
+                                      <p:to>
+                                        <p:strVal val="visible"/>
+                                      </p:to>
+                                    </p:set>
+                                  </p:childTnLst>
+                                </p:cTn>
+                              </p:par>
+                            </p:childTnLst>
+                          </p:cTn>
+                        </p:par>
+                      </p:childTnLst>
+                    </p:cTn>
+                  </p:par>
+                  <p:par>
+                    <p:cTn id="39" fill="hold">
+                      <p:stCondLst>
+                        <p:cond delay="indefinite"/>
+                      </p:stCondLst>
+                      <p:childTnLst>
+                        <p:par>
+                          <p:cTn id="40" fill="hold">
+                            <p:stCondLst>
+                              <p:cond delay="0"/>
+                            </p:stCondLst>
+                            <p:childTnLst>
+                              <p:par>
+                                <p:cTn id="41" presetID="1" presetClass="entr" presetSubtype="0" fill="hold" nodeType="clickEffect">
+                                  <p:stCondLst>
+                                    <p:cond delay="0"/>
+                                  </p:stCondLst>
+                                  <p:childTnLst>
+                                    <p:set>
+                                      <p:cBhvr>
+                                        <p:cTn id="42" dur="1" fill="hold">
+                                          <p:stCondLst>
+                                            <p:cond delay="0"/>
+                                          </p:stCondLst>
+                                        </p:cTn>
+                                        <p:tgtEl>
+                                          <p:spTgt spid="7"/>
+                                        </p:tgtEl>
+                                        <p:attrNameLst>
+                                          <p:attrName>style.visibility</p:attrName>
+                                        </p:attrNameLst>
+                                      </p:cBhvr>
+                                      <p:to>
+                                        <p:strVal val="visible"/>
+                                      </p:to>
+                                    </p:set>
+                                  </p:childTnLst>
+                                </p:cTn>
+                              </p:par>
+                            </p:childTnLst>
+                          </p:cTn>
+                        </p:par>
+                      </p:childTnLst>
+                    </p:cTn>
+                  </p:par>
+                  <p:par>
+                    <p:cTn id="43" fill="hold">
+                      <p:stCondLst>
+                        <p:cond delay="indefinite"/>
+                      </p:stCondLst>
+                      <p:childTnLst>
+                        <p:par>
+                          <p:cTn id="44" fill="hold">
+                            <p:stCondLst>
+                              <p:cond delay="0"/>
+                            </p:stCondLst>
+                            <p:childTnLst>
+                              <p:par>
+                                <p:cTn id="45" presetID="1" presetClass="entr" presetSubtype="0" fill="hold" nodeType="clickEffect">
+                                  <p:stCondLst>
+                                    <p:cond delay="0"/>
+                                  </p:stCondLst>
+                                  <p:childTnLst>
+                                    <p:set>
+                                      <p:cBhvr>
+                                        <p:cTn id="46" dur="1" fill="hold">
+                                          <p:stCondLst>
+                                            <p:cond delay="0"/>
+                                          </p:stCondLst>
+                                        </p:cTn>
+                                        <p:tgtEl>
+                                          <p:spTgt spid="18"/>
+                                        </p:tgtEl>
+                                        <p:attrNameLst>
+                                          <p:attrName>style.visibility</p:attrName>
+                                        </p:attrNameLst>
+                                      </p:cBhvr>
+                                      <p:to>
+                                        <p:strVal val="visible"/>
+                                      </p:to>
+                                    </p:set>
+                                  </p:childTnLst>
+                                </p:cTn>
+                              </p:par>
+                            </p:childTnLst>
+                          </p:cTn>
+                        </p:par>
+                      </p:childTnLst>
+                    </p:cTn>
+                  </p:par>
+                  <p:par>
+                    <p:cTn id="47" fill="hold">
+                      <p:stCondLst>
+                        <p:cond delay="indefinite"/>
+                      </p:stCondLst>
+                      <p:childTnLst>
+                        <p:par>
+                          <p:cTn id="48" fill="hold">
+                            <p:stCondLst>
+                              <p:cond delay="0"/>
+                            </p:stCondLst>
+                            <p:childTnLst>
+                              <p:par>
+                                <p:cTn id="49" presetID="1" presetClass="entr" presetSubtype="0" fill="hold" nodeType="clickEffect">
+                                  <p:stCondLst>
+                                    <p:cond delay="0"/>
+                                  </p:stCondLst>
+                                  <p:childTnLst>
+                                    <p:set>
+                                      <p:cBhvr>
+                                        <p:cTn id="50" dur="1" fill="hold">
+                                          <p:stCondLst>
+                                            <p:cond delay="0"/>
+                                          </p:stCondLst>
+                                        </p:cTn>
+                                        <p:tgtEl>
+                                          <p:spTgt spid="19"/>
+                                        </p:tgtEl>
+                                        <p:attrNameLst>
+                                          <p:attrName>style.visibility</p:attrName>
+                                        </p:attrNameLst>
+                                      </p:cBhvr>
+                                      <p:to>
+                                        <p:strVal val="visible"/>
+                                      </p:to>
+                                    </p:set>
+                                  </p:childTnLst>
+                                </p:cTn>
+                              </p:par>
+                            </p:childTnLst>
+                          </p:cTn>
+                        </p:par>
+                      </p:childTnLst>
+                    </p:cTn>
+                  </p:par>
+                </p:childTnLst>
+              </p:cTn>
+              <p:prevCondLst>
+                <p:cond evt="onPrev" delay="0">
+                  <p:tgtEl>
+                    <p:sldTgt/>
+                  </p:tgtEl>
+                </p:cond>
+              </p:prevCondLst>
+              <p:nextCondLst>
+                <p:cond evt="onNext" delay="0">
+                  <p:tgtEl>
+                    <p:sldTgt/>
+                  </p:tgtEl>
+                </p:cond>
+              </p:nextCondLst>
+            </p:seq>
+          </p:childTnLst>
+        </p:cTn>
+      </p:par>
+    </p:tnLst>
+  </p:timing>
+</p:sld>
+</file>
+
+<file path=ppt/slides/slide7.xml><?xml version="1.0" encoding="utf-8"?>
+<p:sld xmlns:a="http://schemas.openxmlformats.org/drawingml/2006/main" xmlns:r="http://schemas.openxmlformats.org/officeDocument/2006/relationships" xmlns:p="http://schemas.openxmlformats.org/presentationml/2006/main">
+  <p:cSld>
+    <p:spTree>
+      <p:nvGrpSpPr>
+        <p:cNvPr id="1" name=""/>
+        <p:cNvGrpSpPr/>
+        <p:nvPr/>
+      </p:nvGrpSpPr>
+      <p:grpSpPr>
+        <a:xfrm>
+          <a:off x="0" y="0"/>
+          <a:ext cx="0" cy="0"/>
+          <a:chOff x="0" y="0"/>
+          <a:chExt cx="0" cy="0"/>
+        </a:xfrm>
+      </p:grpSpPr>
+      <p:sp>
+        <p:nvSpPr>
+          <p:cNvPr id="2" name="Title 1">
+            <a:extLst>
+              <a:ext uri="{FF2B5EF4-FFF2-40B4-BE49-F238E27FC236}">
+                <a16:creationId xmlns:a16="http://schemas.microsoft.com/office/drawing/2014/main" id="{8E1C6C46-E723-4487-8FAA-27EA8E6D921A}"/>
+              </a:ext>
+            </a:extLst>
+          </p:cNvPr>
+          <p:cNvSpPr>
+            <a:spLocks noGrp="1"/>
+          </p:cNvSpPr>
+          <p:nvPr>
+            <p:ph type="title"/>
+          </p:nvPr>
+        </p:nvSpPr>
+        <p:spPr/>
+        <p:txBody>
+          <a:bodyPr/>
+          <a:lstStyle/>
+          <a:p>
+            <a:r>
+              <a:rPr lang="en-US" dirty="0"/>
+              <a:t>App-Demo	</a:t>
+            </a:r>
+          </a:p>
+        </p:txBody>
+      </p:sp>
+      <p:sp>
+        <p:nvSpPr>
+          <p:cNvPr id="3" name="Text Placeholder 2">
+            <a:extLst>
+              <a:ext uri="{FF2B5EF4-FFF2-40B4-BE49-F238E27FC236}">
+                <a16:creationId xmlns:a16="http://schemas.microsoft.com/office/drawing/2014/main" id="{4D0F4875-D43D-43C5-8207-AF4354D75E62}"/>
+              </a:ext>
+            </a:extLst>
+          </p:cNvPr>
+          <p:cNvSpPr>
+            <a:spLocks noGrp="1"/>
+          </p:cNvSpPr>
+          <p:nvPr>
+            <p:ph type="body" idx="1"/>
+          </p:nvPr>
+        </p:nvSpPr>
+        <p:spPr/>
+        <p:txBody>
+          <a:bodyPr/>
+          <a:lstStyle/>
+          <a:p>
+            <a:r>
+              <a:rPr lang="en-US" dirty="0"/>
+              <a:t>So </a:t>
+            </a:r>
+            <a:r>
+              <a:rPr lang="en-US" dirty="0" err="1"/>
+              <a:t>sieht</a:t>
+            </a:r>
+            <a:r>
+              <a:rPr lang="en-US" dirty="0"/>
+              <a:t> das </a:t>
+            </a:r>
+            <a:r>
+              <a:rPr lang="en-US" dirty="0" err="1"/>
+              <a:t>Ergebnis</a:t>
+            </a:r>
+            <a:r>
+              <a:rPr lang="en-US" dirty="0"/>
+              <a:t> </a:t>
+            </a:r>
+            <a:r>
+              <a:rPr lang="en-US" dirty="0" err="1"/>
+              <a:t>aus</a:t>
+            </a:r>
+            <a:endParaRPr lang="en-US" dirty="0"/>
+          </a:p>
+        </p:txBody>
+      </p:sp>
+    </p:spTree>
+    <p:extLst>
+      <p:ext uri="{BB962C8B-B14F-4D97-AF65-F5344CB8AC3E}">
+        <p14:creationId xmlns:p14="http://schemas.microsoft.com/office/powerpoint/2010/main" val="551848983"/>
       </p:ext>
     </p:extLst>
   </p:cSld>

--- a/presentation/wanderoo – Gruppe 3.pptx
+++ b/presentation/wanderoo – Gruppe 3.pptx
@@ -12,6 +12,8 @@
     <p:sldId id="260" r:id="rId6"/>
     <p:sldId id="261" r:id="rId7"/>
     <p:sldId id="263" r:id="rId8"/>
+    <p:sldId id="264" r:id="rId9"/>
+    <p:sldId id="265" r:id="rId10"/>
   </p:sldIdLst>
   <p:sldSz cx="12192000" cy="6858000"/>
   <p:notesSz cx="6858000" cy="9144000"/>
@@ -5912,7 +5914,23 @@
           <a:p>
             <a:r>
               <a:rPr lang="en-US" dirty="0"/>
-              <a:t>(Luisa)</a:t>
+              <a:t>(Luisa hat das </a:t>
+            </a:r>
+            <a:r>
+              <a:rPr lang="en-US" dirty="0" err="1"/>
+              <a:t>Studium</a:t>
+            </a:r>
+            <a:r>
+              <a:rPr lang="en-US" dirty="0"/>
+              <a:t> </a:t>
+            </a:r>
+            <a:r>
+              <a:rPr lang="en-US" dirty="0" err="1"/>
+              <a:t>abgebroch</a:t>
+            </a:r>
+            <a:r>
+              <a:rPr lang="en-US" dirty="0"/>
+              <a:t>)</a:t>
             </a:r>
           </a:p>
         </p:txBody>
@@ -6843,6 +6861,40 @@
           <a:chExt cx="0" cy="0"/>
         </a:xfrm>
       </p:grpSpPr>
+      <p:pic>
+        <p:nvPicPr>
+          <p:cNvPr id="4" name="Picture 3">
+            <a:extLst>
+              <a:ext uri="{FF2B5EF4-FFF2-40B4-BE49-F238E27FC236}">
+                <a16:creationId xmlns:a16="http://schemas.microsoft.com/office/drawing/2014/main" id="{27B3B49E-FBD3-42A1-B9D5-39B7FF4E39BD}"/>
+              </a:ext>
+            </a:extLst>
+          </p:cNvPr>
+          <p:cNvPicPr>
+            <a:picLocks noChangeAspect="1"/>
+          </p:cNvPicPr>
+          <p:nvPr/>
+        </p:nvPicPr>
+        <p:blipFill rotWithShape="1">
+          <a:blip r:embed="rId2"/>
+          <a:srcRect l="-1" r="49" b="276"/>
+          <a:stretch/>
+        </p:blipFill>
+        <p:spPr>
+          <a:xfrm>
+            <a:off x="829355" y="265220"/>
+            <a:ext cx="8843151" cy="5613545"/>
+          </a:xfrm>
+          <a:prstGeom prst="rect">
+            <a:avLst/>
+          </a:prstGeom>
+          <a:ln>
+            <a:solidFill>
+              <a:schemeClr val="accent1"/>
+            </a:solidFill>
+          </a:ln>
+        </p:spPr>
+      </p:pic>
       <p:sp>
         <p:nvSpPr>
           <p:cNvPr id="2" name="Title 1">
@@ -6859,18 +6911,19 @@
             <p:ph type="ctrTitle"/>
           </p:nvPr>
         </p:nvSpPr>
-        <p:spPr/>
+        <p:spPr>
+          <a:xfrm>
+            <a:off x="1750348" y="2404534"/>
+            <a:ext cx="7766936" cy="1646302"/>
+          </a:xfrm>
+        </p:spPr>
         <p:txBody>
           <a:bodyPr/>
           <a:lstStyle/>
           <a:p>
             <a:r>
-              <a:rPr lang="en-US" dirty="0" err="1"/>
-              <a:t>Prototyp</a:t>
-            </a:r>
-            <a:r>
-              <a:rPr lang="en-US" dirty="0"/>
-              <a:t> Demo</a:t>
+              <a:rPr lang="en-US" dirty="0"/>
+              <a:t>Prototype Demo</a:t>
             </a:r>
           </a:p>
         </p:txBody>
@@ -8170,10 +8223,644 @@
           </a:p>
         </p:txBody>
       </p:sp>
+      <p:pic>
+        <p:nvPicPr>
+          <p:cNvPr id="4" name="Picture 3">
+            <a:extLst>
+              <a:ext uri="{FF2B5EF4-FFF2-40B4-BE49-F238E27FC236}">
+                <a16:creationId xmlns:a16="http://schemas.microsoft.com/office/drawing/2014/main" id="{EC34116E-A0C7-4056-9C3A-084E5F145011}"/>
+              </a:ext>
+            </a:extLst>
+          </p:cNvPr>
+          <p:cNvPicPr>
+            <a:picLocks noChangeAspect="1"/>
+          </p:cNvPicPr>
+          <p:nvPr/>
+        </p:nvPicPr>
+        <p:blipFill>
+          <a:blip r:embed="rId2"/>
+          <a:stretch>
+            <a:fillRect/>
+          </a:stretch>
+        </p:blipFill>
+        <p:spPr>
+          <a:xfrm>
+            <a:off x="4337644" y="232838"/>
+            <a:ext cx="3516712" cy="6392324"/>
+          </a:xfrm>
+          <a:prstGeom prst="rect">
+            <a:avLst/>
+          </a:prstGeom>
+        </p:spPr>
+      </p:pic>
     </p:spTree>
     <p:extLst>
       <p:ext uri="{BB962C8B-B14F-4D97-AF65-F5344CB8AC3E}">
         <p14:creationId xmlns:p14="http://schemas.microsoft.com/office/powerpoint/2010/main" val="551848983"/>
+      </p:ext>
+    </p:extLst>
+  </p:cSld>
+  <p:clrMapOvr>
+    <a:masterClrMapping/>
+  </p:clrMapOvr>
+</p:sld>
+</file>
+
+<file path=ppt/slides/slide8.xml><?xml version="1.0" encoding="utf-8"?>
+<p:sld xmlns:a="http://schemas.openxmlformats.org/drawingml/2006/main" xmlns:r="http://schemas.openxmlformats.org/officeDocument/2006/relationships" xmlns:p="http://schemas.openxmlformats.org/presentationml/2006/main">
+  <p:cSld>
+    <p:spTree>
+      <p:nvGrpSpPr>
+        <p:cNvPr id="1" name=""/>
+        <p:cNvGrpSpPr/>
+        <p:nvPr/>
+      </p:nvGrpSpPr>
+      <p:grpSpPr>
+        <a:xfrm>
+          <a:off x="0" y="0"/>
+          <a:ext cx="0" cy="0"/>
+          <a:chOff x="0" y="0"/>
+          <a:chExt cx="0" cy="0"/>
+        </a:xfrm>
+      </p:grpSpPr>
+      <p:sp>
+        <p:nvSpPr>
+          <p:cNvPr id="2" name="Title 1">
+            <a:extLst>
+              <a:ext uri="{FF2B5EF4-FFF2-40B4-BE49-F238E27FC236}">
+                <a16:creationId xmlns:a16="http://schemas.microsoft.com/office/drawing/2014/main" id="{A533C930-62BB-49CD-A689-73D96C0BFBBB}"/>
+              </a:ext>
+            </a:extLst>
+          </p:cNvPr>
+          <p:cNvSpPr>
+            <a:spLocks noGrp="1"/>
+          </p:cNvSpPr>
+          <p:nvPr>
+            <p:ph type="title"/>
+          </p:nvPr>
+        </p:nvSpPr>
+        <p:spPr/>
+        <p:txBody>
+          <a:bodyPr/>
+          <a:lstStyle/>
+          <a:p>
+            <a:r>
+              <a:rPr lang="en-US" dirty="0"/>
+              <a:t>Aufbau</a:t>
+            </a:r>
+          </a:p>
+        </p:txBody>
+      </p:sp>
+      <p:pic>
+        <p:nvPicPr>
+          <p:cNvPr id="4" name="Picture 3">
+            <a:extLst>
+              <a:ext uri="{FF2B5EF4-FFF2-40B4-BE49-F238E27FC236}">
+                <a16:creationId xmlns:a16="http://schemas.microsoft.com/office/drawing/2014/main" id="{AD68B0E1-41E1-4EB3-A65A-63E5C69892B2}"/>
+              </a:ext>
+            </a:extLst>
+          </p:cNvPr>
+          <p:cNvPicPr>
+            <a:picLocks noChangeAspect="1"/>
+          </p:cNvPicPr>
+          <p:nvPr/>
+        </p:nvPicPr>
+        <p:blipFill>
+          <a:blip r:embed="rId2">
+            <a:extLst>
+              <a:ext uri="{BEBA8EAE-BF5A-486C-A8C5-ECC9F3942E4B}">
+                <a14:imgProps xmlns:a14="http://schemas.microsoft.com/office/drawing/2010/main">
+                  <a14:imgLayer r:embed="rId3">
+                    <a14:imgEffect>
+                      <a14:backgroundRemoval t="0" b="99752" l="190" r="99621">
+                        <a14:foregroundMark x1="18009" y1="1613" x2="9573" y2="620"/>
+                        <a14:foregroundMark x1="9573" y1="620" x2="2180" y2="2978"/>
+                        <a14:foregroundMark x1="2180" y1="2978" x2="1327" y2="12903"/>
+                        <a14:foregroundMark x1="1327" y1="12903" x2="5592" y2="21464"/>
+                        <a14:foregroundMark x1="5592" y1="21464" x2="13175" y2="22333"/>
+                        <a14:foregroundMark x1="13175" y1="22333" x2="19905" y2="17246"/>
+                        <a14:foregroundMark x1="19905" y1="17246" x2="17536" y2="620"/>
+                        <a14:foregroundMark x1="3128" y1="1737" x2="4834" y2="20099"/>
+                        <a14:foregroundMark x1="4834" y1="30273" x2="14313" y2="32134"/>
+                        <a14:foregroundMark x1="18104" y1="28660" x2="8626" y2="27916"/>
+                        <a14:foregroundMark x1="38673" y1="4467" x2="46161" y2="5707"/>
+                        <a14:foregroundMark x1="46161" y1="5707" x2="49384" y2="15136"/>
+                        <a14:foregroundMark x1="49384" y1="15136" x2="42559" y2="18983"/>
+                        <a14:foregroundMark x1="42559" y1="18983" x2="39147" y2="10174"/>
+                        <a14:foregroundMark x1="39147" y1="10174" x2="39147" y2="4839"/>
+                        <a14:foregroundMark x1="24076" y1="29901" x2="38009" y2="17246"/>
+                        <a14:foregroundMark x1="38104" y1="17246" x2="36493" y2="18362"/>
+                        <a14:foregroundMark x1="37156" y1="17990" x2="23128" y2="29280"/>
+                        <a14:foregroundMark x1="14882" y1="55707" x2="29763" y2="54094"/>
+                        <a14:foregroundMark x1="29763" y1="54094" x2="33175" y2="55087"/>
+                        <a14:foregroundMark x1="41896" y1="87717" x2="46919" y2="95409"/>
+                        <a14:foregroundMark x1="46919" y1="95409" x2="54597" y2="95285"/>
+                        <a14:foregroundMark x1="54597" y1="95285" x2="61801" y2="96402"/>
+                        <a14:foregroundMark x1="68531" y1="47022" x2="69194" y2="79032"/>
+                        <a14:foregroundMark x1="69194" y1="79032" x2="74218" y2="86104"/>
+                        <a14:foregroundMark x1="74218" y1="86104" x2="81706" y2="85112"/>
+                        <a14:foregroundMark x1="81706" y1="85112" x2="89194" y2="85484"/>
+                        <a14:foregroundMark x1="89194" y1="85484" x2="93934" y2="77419"/>
+                        <a14:foregroundMark x1="93934" y1="77419" x2="93649" y2="56948"/>
+                        <a14:foregroundMark x1="93649" y1="56948" x2="90995" y2="47643"/>
+                        <a14:foregroundMark x1="90995" y1="47643" x2="68815" y2="47643"/>
+                        <a14:foregroundMark x1="95829" y1="46898" x2="95829" y2="85112"/>
+                        <a14:foregroundMark x1="95829" y1="85112" x2="93460" y2="87221"/>
+                        <a14:foregroundMark x1="55545" y1="28660" x2="47962" y2="28784"/>
+                        <a14:foregroundMark x1="47962" y1="28784" x2="45877" y2="28164"/>
+                        <a14:foregroundMark x1="29100" y1="27543" x2="59621" y2="28908"/>
+                        <a14:foregroundMark x1="59621" y1="28908" x2="51754" y2="28412"/>
+                        <a14:foregroundMark x1="51754" y1="28412" x2="59621" y2="28784"/>
+                        <a14:foregroundMark x1="59621" y1="28784" x2="61232" y2="28536"/>
+                        <a14:foregroundMark x1="69668" y1="28164" x2="77156" y2="28288"/>
+                        <a14:foregroundMark x1="77156" y1="28288" x2="88531" y2="27419"/>
+                        <a14:foregroundMark x1="67773" y1="45906" x2="52607" y2="23945"/>
+                        <a14:foregroundMark x1="52607" y1="23945" x2="50142" y2="21836"/>
+                        <a14:foregroundMark x1="46445" y1="21464" x2="49194" y2="28660"/>
+                        <a14:foregroundMark x1="50237" y1="22457" x2="55545" y2="28536"/>
+                        <a14:foregroundMark x1="42370" y1="20720" x2="39052" y2="29653"/>
+                        <a14:foregroundMark x1="40284" y1="19851" x2="37251" y2="28908"/>
+                        <a14:foregroundMark x1="49668" y1="15757" x2="69858" y2="28908"/>
+                        <a14:foregroundMark x1="69858" y1="28908" x2="70142" y2="29529"/>
+                        <a14:foregroundMark x1="48815" y1="16129" x2="62085" y2="24318"/>
+                        <a14:foregroundMark x1="62085" y1="24318" x2="49858" y2="16998"/>
+                        <a14:foregroundMark x1="73649" y1="85484" x2="68626" y2="85856"/>
+                        <a14:foregroundMark x1="89953" y1="45161" x2="89289" y2="35112"/>
+                        <a14:foregroundMark x1="89289" y1="35112" x2="84455" y2="27543"/>
+                        <a14:foregroundMark x1="84455" y1="27543" x2="67204" y2="27047"/>
+                        <a14:foregroundMark x1="22370" y1="52730" x2="1327" y2="51985"/>
+                        <a14:foregroundMark x1="14502" y1="53226" x2="6730" y2="54467"/>
+                        <a14:foregroundMark x1="6730" y1="54467" x2="284" y2="52357"/>
+                        <a14:foregroundMark x1="26161" y1="25434" x2="20284" y2="25682"/>
+                        <a14:foregroundMark x1="37536" y1="16253" x2="36398" y2="6203"/>
+                        <a14:foregroundMark x1="36398" y1="6203" x2="43128" y2="1737"/>
+                        <a14:foregroundMark x1="43128" y1="1737" x2="50521" y2="1985"/>
+                        <a14:foregroundMark x1="50521" y1="1985" x2="50806" y2="14516"/>
+                        <a14:foregroundMark x1="90237" y1="45285" x2="97156" y2="48759"/>
+                        <a14:foregroundMark x1="20474" y1="620" x2="22085" y2="10298"/>
+                        <a14:foregroundMark x1="22085" y1="10298" x2="20948" y2="22953"/>
+                        <a14:foregroundMark x1="14882" y1="56203" x2="12701" y2="86352"/>
+                        <a14:foregroundMark x1="12701" y1="86352" x2="18294" y2="93548"/>
+                        <a14:foregroundMark x1="18294" y1="93548" x2="25592" y2="92928"/>
+                        <a14:foregroundMark x1="25592" y1="92928" x2="33649" y2="92928"/>
+                        <a14:foregroundMark x1="33649" y1="92928" x2="41043" y2="91811"/>
+                        <a14:foregroundMark x1="41043" y1="91811" x2="43412" y2="92184"/>
+                        <a14:foregroundMark x1="62559" y1="90695" x2="69384" y2="94789"/>
+                        <a14:foregroundMark x1="69384" y1="94789" x2="70427" y2="99752"/>
+                        <a14:foregroundMark x1="18578" y1="93548" x2="13934" y2="88337"/>
+                        <a14:foregroundMark x1="16493" y1="92928" x2="14313" y2="88337"/>
+                        <a14:foregroundMark x1="70711" y1="26179" x2="86445" y2="27792"/>
+                        <a14:foregroundMark x1="86445" y1="27792" x2="99621" y2="49007"/>
+                        <a14:foregroundMark x1="90711" y1="33127" x2="89668" y2="27543"/>
+                        <a14:foregroundMark x1="89100" y1="28164" x2="80190" y2="26055"/>
+                        <a14:foregroundMark x1="60474" y1="20347" x2="51090" y2="14020"/>
+                        <a14:foregroundMark x1="67014" y1="47643" x2="61801" y2="39578"/>
+                        <a14:foregroundMark x1="66919" y1="25682" x2="82085" y2="24814"/>
+                        <a14:foregroundMark x1="82085" y1="24814" x2="89763" y2="25931"/>
+                        <a14:foregroundMark x1="89763" y1="25931" x2="95355" y2="36725"/>
+                        <a14:foregroundMark x1="35355" y1="51985" x2="39716" y2="60298"/>
+                        <a14:foregroundMark x1="39716" y1="60298" x2="39905" y2="88958"/>
+                        <a14:foregroundMark x1="67678" y1="88337" x2="75355" y2="88710"/>
+                        <a14:foregroundMark x1="75355" y1="88710" x2="83412" y2="87965"/>
+                        <a14:foregroundMark x1="83412" y1="87965" x2="90806" y2="88089"/>
+                        <a14:foregroundMark x1="90806" y1="88089" x2="96872" y2="82010"/>
+                        <a14:foregroundMark x1="96872" y1="82010" x2="96777" y2="52357"/>
+                        <a14:foregroundMark x1="96777" y1="52357" x2="97441" y2="49132"/>
+                        <a14:foregroundMark x1="13744" y1="89082" x2="18104" y2="95782"/>
+                        <a14:foregroundMark x1="96588" y1="83002" x2="90047" y2="88337"/>
+                        <a14:foregroundMark x1="90047" y1="88337" x2="89668" y2="88337"/>
+                        <a14:foregroundMark x1="96872" y1="83623" x2="91185" y2="89082"/>
+                        <a14:foregroundMark x1="96682" y1="83995" x2="92133" y2="88958"/>
+                        <a14:foregroundMark x1="96872" y1="85484" x2="95355" y2="92184"/>
+                        <a14:backgroundMark x1="96121" y1="92473" x2="86066" y2="99380"/>
+                        <a14:backgroundMark x1="99431" y1="90199" x2="97128" y2="91781"/>
+                        <a14:backgroundMark x1="86066" y1="99380" x2="86066" y2="99380"/>
+                      </a14:backgroundRemoval>
+                    </a14:imgEffect>
+                  </a14:imgLayer>
+                </a14:imgProps>
+              </a:ext>
+            </a:extLst>
+          </a:blip>
+          <a:stretch>
+            <a:fillRect/>
+          </a:stretch>
+        </p:blipFill>
+        <p:spPr>
+          <a:xfrm>
+            <a:off x="3132387" y="84030"/>
+            <a:ext cx="6522615" cy="4983154"/>
+          </a:xfrm>
+          <a:prstGeom prst="rect">
+            <a:avLst/>
+          </a:prstGeom>
+        </p:spPr>
+      </p:pic>
+      <p:sp>
+        <p:nvSpPr>
+          <p:cNvPr id="5" name="TextBox 4">
+            <a:extLst>
+              <a:ext uri="{FF2B5EF4-FFF2-40B4-BE49-F238E27FC236}">
+                <a16:creationId xmlns:a16="http://schemas.microsoft.com/office/drawing/2014/main" id="{7FDF7188-C07D-448D-A4A7-2BC551B56E6A}"/>
+              </a:ext>
+            </a:extLst>
+          </p:cNvPr>
+          <p:cNvSpPr txBox="1"/>
+          <p:nvPr/>
+        </p:nvSpPr>
+        <p:spPr>
+          <a:xfrm>
+            <a:off x="571500" y="5410200"/>
+            <a:ext cx="7928774" cy="646331"/>
+          </a:xfrm>
+          <a:prstGeom prst="rect">
+            <a:avLst/>
+          </a:prstGeom>
+          <a:noFill/>
+        </p:spPr>
+        <p:txBody>
+          <a:bodyPr wrap="none" rtlCol="0">
+            <a:spAutoFit/>
+          </a:bodyPr>
+          <a:lstStyle/>
+          <a:p>
+            <a:r>
+              <a:rPr lang="en-US" dirty="0" err="1"/>
+              <a:t>Auffällig</a:t>
+            </a:r>
+            <a:r>
+              <a:rPr lang="en-US" dirty="0"/>
+              <a:t> </a:t>
+            </a:r>
+            <a:r>
+              <a:rPr lang="en-US" dirty="0" err="1"/>
+              <a:t>ist</a:t>
+            </a:r>
+            <a:r>
+              <a:rPr lang="en-US" dirty="0"/>
+              <a:t>, </a:t>
+            </a:r>
+            <a:r>
+              <a:rPr lang="en-US" dirty="0" err="1"/>
+              <a:t>dass</a:t>
+            </a:r>
+            <a:r>
+              <a:rPr lang="en-US" dirty="0"/>
+              <a:t> die </a:t>
+            </a:r>
+            <a:r>
+              <a:rPr lang="en-US" dirty="0" err="1"/>
+              <a:t>Funktionen</a:t>
+            </a:r>
+            <a:r>
+              <a:rPr lang="en-US" dirty="0"/>
+              <a:t> von den Design-Klassen </a:t>
+            </a:r>
+            <a:r>
+              <a:rPr lang="en-US" dirty="0" err="1"/>
+              <a:t>getrennt</a:t>
+            </a:r>
+            <a:r>
+              <a:rPr lang="en-US" dirty="0"/>
+              <a:t> </a:t>
+            </a:r>
+            <a:r>
+              <a:rPr lang="en-US" dirty="0" err="1"/>
+              <a:t>wurden</a:t>
+            </a:r>
+            <a:r>
+              <a:rPr lang="en-US" dirty="0"/>
+              <a:t>.</a:t>
+            </a:r>
+            <a:br>
+              <a:rPr lang="en-US" dirty="0"/>
+            </a:br>
+            <a:r>
+              <a:rPr lang="en-US" dirty="0"/>
+              <a:t>Die </a:t>
+            </a:r>
+            <a:r>
+              <a:rPr lang="en-US" dirty="0" err="1"/>
+              <a:t>Logik</a:t>
+            </a:r>
+            <a:r>
+              <a:rPr lang="en-US" dirty="0"/>
+              <a:t> </a:t>
+            </a:r>
+            <a:r>
+              <a:rPr lang="en-US" dirty="0" err="1"/>
+              <a:t>wird</a:t>
+            </a:r>
+            <a:r>
+              <a:rPr lang="en-US" dirty="0"/>
+              <a:t> in extra Klassen </a:t>
+            </a:r>
+            <a:r>
+              <a:rPr lang="en-US" dirty="0" err="1"/>
+              <a:t>implementiert</a:t>
+            </a:r>
+            <a:r>
+              <a:rPr lang="en-US" dirty="0"/>
+              <a:t>, die </a:t>
+            </a:r>
+            <a:r>
+              <a:rPr lang="en-US" dirty="0" err="1"/>
+              <a:t>getrennt</a:t>
+            </a:r>
+            <a:r>
+              <a:rPr lang="en-US" dirty="0"/>
+              <a:t> von der UI </a:t>
+            </a:r>
+            <a:r>
+              <a:rPr lang="en-US" dirty="0" err="1"/>
+              <a:t>sind</a:t>
+            </a:r>
+            <a:endParaRPr lang="en-US" dirty="0"/>
+          </a:p>
+        </p:txBody>
+      </p:sp>
+    </p:spTree>
+    <p:extLst>
+      <p:ext uri="{BB962C8B-B14F-4D97-AF65-F5344CB8AC3E}">
+        <p14:creationId xmlns:p14="http://schemas.microsoft.com/office/powerpoint/2010/main" val="870046311"/>
+      </p:ext>
+    </p:extLst>
+  </p:cSld>
+  <p:clrMapOvr>
+    <a:masterClrMapping/>
+  </p:clrMapOvr>
+</p:sld>
+</file>
+
+<file path=ppt/slides/slide9.xml><?xml version="1.0" encoding="utf-8"?>
+<p:sld xmlns:a="http://schemas.openxmlformats.org/drawingml/2006/main" xmlns:r="http://schemas.openxmlformats.org/officeDocument/2006/relationships" xmlns:p="http://schemas.openxmlformats.org/presentationml/2006/main">
+  <p:cSld>
+    <p:spTree>
+      <p:nvGrpSpPr>
+        <p:cNvPr id="1" name=""/>
+        <p:cNvGrpSpPr/>
+        <p:nvPr/>
+      </p:nvGrpSpPr>
+      <p:grpSpPr>
+        <a:xfrm>
+          <a:off x="0" y="0"/>
+          <a:ext cx="0" cy="0"/>
+          <a:chOff x="0" y="0"/>
+          <a:chExt cx="0" cy="0"/>
+        </a:xfrm>
+      </p:grpSpPr>
+      <p:sp>
+        <p:nvSpPr>
+          <p:cNvPr id="2" name="Title 1">
+            <a:extLst>
+              <a:ext uri="{FF2B5EF4-FFF2-40B4-BE49-F238E27FC236}">
+                <a16:creationId xmlns:a16="http://schemas.microsoft.com/office/drawing/2014/main" id="{BFFE73E4-B193-441D-8A54-09AA7DF89A89}"/>
+              </a:ext>
+            </a:extLst>
+          </p:cNvPr>
+          <p:cNvSpPr>
+            <a:spLocks noGrp="1"/>
+          </p:cNvSpPr>
+          <p:nvPr>
+            <p:ph type="title"/>
+          </p:nvPr>
+        </p:nvSpPr>
+        <p:spPr/>
+        <p:txBody>
+          <a:bodyPr/>
+          <a:lstStyle/>
+          <a:p>
+            <a:r>
+              <a:rPr lang="en-US" dirty="0" err="1"/>
+              <a:t>Datenbank</a:t>
+            </a:r>
+            <a:endParaRPr lang="en-US" dirty="0"/>
+          </a:p>
+        </p:txBody>
+      </p:sp>
+      <p:sp>
+        <p:nvSpPr>
+          <p:cNvPr id="3" name="Content Placeholder 2">
+            <a:extLst>
+              <a:ext uri="{FF2B5EF4-FFF2-40B4-BE49-F238E27FC236}">
+                <a16:creationId xmlns:a16="http://schemas.microsoft.com/office/drawing/2014/main" id="{CD885E91-C09C-4371-8168-295BAD48D188}"/>
+              </a:ext>
+            </a:extLst>
+          </p:cNvPr>
+          <p:cNvSpPr>
+            <a:spLocks noGrp="1"/>
+          </p:cNvSpPr>
+          <p:nvPr>
+            <p:ph idx="1"/>
+          </p:nvPr>
+        </p:nvSpPr>
+        <p:spPr>
+          <a:xfrm>
+            <a:off x="677334" y="3657601"/>
+            <a:ext cx="8596668" cy="2383762"/>
+          </a:xfrm>
+        </p:spPr>
+        <p:txBody>
+          <a:bodyPr/>
+          <a:lstStyle/>
+          <a:p>
+            <a:r>
+              <a:rPr lang="en-US" dirty="0" err="1"/>
+              <a:t>Als</a:t>
+            </a:r>
+            <a:r>
+              <a:rPr lang="en-US" dirty="0"/>
+              <a:t> </a:t>
+            </a:r>
+            <a:r>
+              <a:rPr lang="en-US" dirty="0" err="1"/>
+              <a:t>Datenbanklösung</a:t>
+            </a:r>
+            <a:r>
+              <a:rPr lang="en-US" dirty="0"/>
+              <a:t> </a:t>
+            </a:r>
+            <a:r>
+              <a:rPr lang="en-US" dirty="0" err="1"/>
+              <a:t>nutzen</a:t>
+            </a:r>
+            <a:r>
+              <a:rPr lang="en-US" dirty="0"/>
+              <a:t> </a:t>
+            </a:r>
+            <a:r>
+              <a:rPr lang="en-US" dirty="0" err="1"/>
+              <a:t>wir</a:t>
+            </a:r>
+            <a:r>
+              <a:rPr lang="en-US" dirty="0"/>
+              <a:t> </a:t>
+            </a:r>
+            <a:r>
+              <a:rPr lang="en-US" dirty="0" err="1"/>
+              <a:t>als</a:t>
+            </a:r>
+            <a:r>
+              <a:rPr lang="en-US" dirty="0"/>
+              <a:t> </a:t>
+            </a:r>
+            <a:r>
+              <a:rPr lang="en-US" dirty="0" err="1"/>
+              <a:t>LocalHost</a:t>
+            </a:r>
+            <a:r>
+              <a:rPr lang="en-US" dirty="0"/>
+              <a:t> </a:t>
+            </a:r>
+            <a:r>
+              <a:rPr lang="en-US" dirty="0" err="1"/>
+              <a:t>eine</a:t>
+            </a:r>
+            <a:r>
+              <a:rPr lang="en-US" dirty="0"/>
+              <a:t> MySQL-</a:t>
+            </a:r>
+            <a:r>
+              <a:rPr lang="en-US" dirty="0" err="1"/>
+              <a:t>Datenbank</a:t>
+            </a:r>
+            <a:endParaRPr lang="en-US" dirty="0"/>
+          </a:p>
+          <a:p>
+            <a:r>
+              <a:rPr lang="en-US" dirty="0"/>
+              <a:t>Die </a:t>
+            </a:r>
+            <a:r>
+              <a:rPr lang="en-US" dirty="0" err="1"/>
+              <a:t>Anbindung</a:t>
+            </a:r>
+            <a:r>
+              <a:rPr lang="en-US" dirty="0"/>
+              <a:t> an </a:t>
+            </a:r>
+            <a:r>
+              <a:rPr lang="en-US" dirty="0" err="1"/>
+              <a:t>einen</a:t>
+            </a:r>
+            <a:r>
+              <a:rPr lang="en-US" dirty="0"/>
+              <a:t> Server </a:t>
+            </a:r>
+            <a:r>
+              <a:rPr lang="en-US" dirty="0" err="1"/>
+              <a:t>wäre</a:t>
+            </a:r>
+            <a:r>
+              <a:rPr lang="en-US" dirty="0"/>
+              <a:t> </a:t>
+            </a:r>
+            <a:r>
+              <a:rPr lang="en-US" dirty="0" err="1"/>
+              <a:t>möglich</a:t>
+            </a:r>
+            <a:r>
+              <a:rPr lang="en-US" dirty="0"/>
+              <a:t>, </a:t>
+            </a:r>
+            <a:r>
+              <a:rPr lang="en-US" dirty="0" err="1"/>
+              <a:t>soll</a:t>
+            </a:r>
+            <a:r>
+              <a:rPr lang="en-US" dirty="0"/>
+              <a:t> </a:t>
+            </a:r>
+            <a:r>
+              <a:rPr lang="en-US" dirty="0" err="1"/>
+              <a:t>jedoch</a:t>
+            </a:r>
+            <a:r>
+              <a:rPr lang="en-US" dirty="0"/>
+              <a:t> </a:t>
+            </a:r>
+            <a:r>
+              <a:rPr lang="en-US" dirty="0" err="1"/>
+              <a:t>nicht</a:t>
+            </a:r>
+            <a:r>
+              <a:rPr lang="en-US" dirty="0"/>
+              <a:t> </a:t>
+            </a:r>
+            <a:r>
+              <a:rPr lang="en-US" dirty="0" err="1"/>
+              <a:t>öffentlich</a:t>
+            </a:r>
+            <a:r>
+              <a:rPr lang="en-US" dirty="0"/>
+              <a:t> auf dem git </a:t>
+            </a:r>
+            <a:r>
+              <a:rPr lang="en-US" dirty="0" err="1"/>
+              <a:t>liegen</a:t>
+            </a:r>
+            <a:r>
+              <a:rPr lang="en-US" dirty="0"/>
+              <a:t>, da der Server </a:t>
+            </a:r>
+            <a:r>
+              <a:rPr lang="en-US" dirty="0" err="1"/>
+              <a:t>privat</a:t>
+            </a:r>
+            <a:r>
+              <a:rPr lang="en-US" dirty="0"/>
+              <a:t> </a:t>
+            </a:r>
+            <a:r>
+              <a:rPr lang="en-US" dirty="0" err="1"/>
+              <a:t>aufgesetzt</a:t>
+            </a:r>
+            <a:r>
+              <a:rPr lang="en-US" dirty="0"/>
+              <a:t> </a:t>
+            </a:r>
+            <a:r>
+              <a:rPr lang="en-US" dirty="0" err="1"/>
+              <a:t>wurde</a:t>
+            </a:r>
+            <a:endParaRPr lang="en-US" dirty="0"/>
+          </a:p>
+        </p:txBody>
+      </p:sp>
+      <p:pic>
+        <p:nvPicPr>
+          <p:cNvPr id="4" name="Picture 3">
+            <a:extLst>
+              <a:ext uri="{FF2B5EF4-FFF2-40B4-BE49-F238E27FC236}">
+                <a16:creationId xmlns:a16="http://schemas.microsoft.com/office/drawing/2014/main" id="{66089CA0-A29D-43F4-A41A-874B20FB4C08}"/>
+              </a:ext>
+            </a:extLst>
+          </p:cNvPr>
+          <p:cNvPicPr>
+            <a:picLocks noChangeAspect="1"/>
+          </p:cNvPicPr>
+          <p:nvPr/>
+        </p:nvPicPr>
+        <p:blipFill>
+          <a:blip r:embed="rId2"/>
+          <a:stretch>
+            <a:fillRect/>
+          </a:stretch>
+        </p:blipFill>
+        <p:spPr>
+          <a:xfrm>
+            <a:off x="571500" y="1526194"/>
+            <a:ext cx="8596668" cy="1935537"/>
+          </a:xfrm>
+          <a:prstGeom prst="rect">
+            <a:avLst/>
+          </a:prstGeom>
+        </p:spPr>
+      </p:pic>
+    </p:spTree>
+    <p:extLst>
+      <p:ext uri="{BB962C8B-B14F-4D97-AF65-F5344CB8AC3E}">
+        <p14:creationId xmlns:p14="http://schemas.microsoft.com/office/powerpoint/2010/main" val="1952191566"/>
       </p:ext>
     </p:extLst>
   </p:cSld>

--- a/presentation/wanderoo – Gruppe 3.pptx
+++ b/presentation/wanderoo – Gruppe 3.pptx
@@ -5926,7 +5926,7 @@
             </a:r>
             <a:r>
               <a:rPr lang="en-US" dirty="0" err="1"/>
-              <a:t>abgebroch</a:t>
+              <a:t>abgebrochen</a:t>
             </a:r>
             <a:r>
               <a:rPr lang="en-US" dirty="0"/>

--- a/presentation/wanderoo – Gruppe 3.pptx
+++ b/presentation/wanderoo – Gruppe 3.pptx
@@ -5926,7 +5926,7 @@
             </a:r>
             <a:r>
               <a:rPr lang="en-US" dirty="0" err="1"/>
-              <a:t>abgebrochen</a:t>
+              <a:t>abgebroch</a:t>
             </a:r>
             <a:r>
               <a:rPr lang="en-US" dirty="0"/>

--- a/presentation/wanderoo – Gruppe 3.pptx
+++ b/presentation/wanderoo – Gruppe 3.pptx
@@ -4,6 +4,9 @@
   <p:sldMasterIdLst>
     <p:sldMasterId id="2147483660" r:id="rId1"/>
   </p:sldMasterIdLst>
+  <p:notesMasterIdLst>
+    <p:notesMasterId r:id="rId11"/>
+  </p:notesMasterIdLst>
   <p:sldIdLst>
     <p:sldId id="256" r:id="rId2"/>
     <p:sldId id="257" r:id="rId3"/>
@@ -118,6 +121,355 @@
     </p:ext>
   </p:extLst>
 </p:presentation>
+</file>
+
+<file path=ppt/notesMasters/notesMaster1.xml><?xml version="1.0" encoding="utf-8"?>
+<p:notesMaster xmlns:a="http://schemas.openxmlformats.org/drawingml/2006/main" xmlns:r="http://schemas.openxmlformats.org/officeDocument/2006/relationships" xmlns:p="http://schemas.openxmlformats.org/presentationml/2006/main">
+  <p:cSld>
+    <p:bg>
+      <p:bgRef idx="1001">
+        <a:schemeClr val="bg1"/>
+      </p:bgRef>
+    </p:bg>
+    <p:spTree>
+      <p:nvGrpSpPr>
+        <p:cNvPr id="1" name=""/>
+        <p:cNvGrpSpPr/>
+        <p:nvPr/>
+      </p:nvGrpSpPr>
+      <p:grpSpPr>
+        <a:xfrm>
+          <a:off x="0" y="0"/>
+          <a:ext cx="0" cy="0"/>
+          <a:chOff x="0" y="0"/>
+          <a:chExt cx="0" cy="0"/>
+        </a:xfrm>
+      </p:grpSpPr>
+      <p:sp>
+        <p:nvSpPr>
+          <p:cNvPr id="2" name="Header Placeholder 1"/>
+          <p:cNvSpPr>
+            <a:spLocks noGrp="1"/>
+          </p:cNvSpPr>
+          <p:nvPr>
+            <p:ph type="hdr" sz="quarter"/>
+          </p:nvPr>
+        </p:nvSpPr>
+        <p:spPr>
+          <a:xfrm>
+            <a:off x="0" y="0"/>
+            <a:ext cx="2971800" cy="458788"/>
+          </a:xfrm>
+          <a:prstGeom prst="rect">
+            <a:avLst/>
+          </a:prstGeom>
+        </p:spPr>
+        <p:txBody>
+          <a:bodyPr vert="horz" lIns="91440" tIns="45720" rIns="91440" bIns="45720" rtlCol="0"/>
+          <a:lstStyle>
+            <a:lvl1pPr algn="l">
+              <a:defRPr sz="1200"/>
+            </a:lvl1pPr>
+          </a:lstStyle>
+          <a:p>
+            <a:endParaRPr lang="en-US"/>
+          </a:p>
+        </p:txBody>
+      </p:sp>
+      <p:sp>
+        <p:nvSpPr>
+          <p:cNvPr id="3" name="Date Placeholder 2"/>
+          <p:cNvSpPr>
+            <a:spLocks noGrp="1"/>
+          </p:cNvSpPr>
+          <p:nvPr>
+            <p:ph type="dt" idx="1"/>
+          </p:nvPr>
+        </p:nvSpPr>
+        <p:spPr>
+          <a:xfrm>
+            <a:off x="3884613" y="0"/>
+            <a:ext cx="2971800" cy="458788"/>
+          </a:xfrm>
+          <a:prstGeom prst="rect">
+            <a:avLst/>
+          </a:prstGeom>
+        </p:spPr>
+        <p:txBody>
+          <a:bodyPr vert="horz" lIns="91440" tIns="45720" rIns="91440" bIns="45720" rtlCol="0"/>
+          <a:lstStyle>
+            <a:lvl1pPr algn="r">
+              <a:defRPr sz="1200"/>
+            </a:lvl1pPr>
+          </a:lstStyle>
+          <a:p>
+            <a:fld id="{91C987E9-D846-45D7-B0BA-09A404DDD18F}" type="datetimeFigureOut">
+              <a:rPr lang="en-US" smtClean="0"/>
+              <a:t>9/11/2020</a:t>
+            </a:fld>
+            <a:endParaRPr lang="en-US"/>
+          </a:p>
+        </p:txBody>
+      </p:sp>
+      <p:sp>
+        <p:nvSpPr>
+          <p:cNvPr id="4" name="Slide Image Placeholder 3"/>
+          <p:cNvSpPr>
+            <a:spLocks noGrp="1" noRot="1" noChangeAspect="1"/>
+          </p:cNvSpPr>
+          <p:nvPr>
+            <p:ph type="sldImg" idx="2"/>
+          </p:nvPr>
+        </p:nvSpPr>
+        <p:spPr>
+          <a:xfrm>
+            <a:off x="685800" y="1143000"/>
+            <a:ext cx="5486400" cy="3086100"/>
+          </a:xfrm>
+          <a:prstGeom prst="rect">
+            <a:avLst/>
+          </a:prstGeom>
+          <a:noFill/>
+          <a:ln w="12700">
+            <a:solidFill>
+              <a:prstClr val="black"/>
+            </a:solidFill>
+          </a:ln>
+        </p:spPr>
+        <p:txBody>
+          <a:bodyPr vert="horz" lIns="91440" tIns="45720" rIns="91440" bIns="45720" rtlCol="0" anchor="ctr"/>
+          <a:lstStyle/>
+          <a:p>
+            <a:endParaRPr lang="en-US"/>
+          </a:p>
+        </p:txBody>
+      </p:sp>
+      <p:sp>
+        <p:nvSpPr>
+          <p:cNvPr id="5" name="Notes Placeholder 4"/>
+          <p:cNvSpPr>
+            <a:spLocks noGrp="1"/>
+          </p:cNvSpPr>
+          <p:nvPr>
+            <p:ph type="body" sz="quarter" idx="3"/>
+          </p:nvPr>
+        </p:nvSpPr>
+        <p:spPr>
+          <a:xfrm>
+            <a:off x="685800" y="4400550"/>
+            <a:ext cx="5486400" cy="3600450"/>
+          </a:xfrm>
+          <a:prstGeom prst="rect">
+            <a:avLst/>
+          </a:prstGeom>
+        </p:spPr>
+        <p:txBody>
+          <a:bodyPr vert="horz" lIns="91440" tIns="45720" rIns="91440" bIns="45720" rtlCol="0"/>
+          <a:lstStyle/>
+          <a:p>
+            <a:pPr lvl="0"/>
+            <a:r>
+              <a:rPr lang="en-US"/>
+              <a:t>Click to edit Master text styles</a:t>
+            </a:r>
+          </a:p>
+          <a:p>
+            <a:pPr lvl="1"/>
+            <a:r>
+              <a:rPr lang="en-US"/>
+              <a:t>Second level</a:t>
+            </a:r>
+          </a:p>
+          <a:p>
+            <a:pPr lvl="2"/>
+            <a:r>
+              <a:rPr lang="en-US"/>
+              <a:t>Third level</a:t>
+            </a:r>
+          </a:p>
+          <a:p>
+            <a:pPr lvl="3"/>
+            <a:r>
+              <a:rPr lang="en-US"/>
+              <a:t>Fourth level</a:t>
+            </a:r>
+          </a:p>
+          <a:p>
+            <a:pPr lvl="4"/>
+            <a:r>
+              <a:rPr lang="en-US"/>
+              <a:t>Fifth level</a:t>
+            </a:r>
+          </a:p>
+        </p:txBody>
+      </p:sp>
+      <p:sp>
+        <p:nvSpPr>
+          <p:cNvPr id="6" name="Footer Placeholder 5"/>
+          <p:cNvSpPr>
+            <a:spLocks noGrp="1"/>
+          </p:cNvSpPr>
+          <p:nvPr>
+            <p:ph type="ftr" sz="quarter" idx="4"/>
+          </p:nvPr>
+        </p:nvSpPr>
+        <p:spPr>
+          <a:xfrm>
+            <a:off x="0" y="8685213"/>
+            <a:ext cx="2971800" cy="458787"/>
+          </a:xfrm>
+          <a:prstGeom prst="rect">
+            <a:avLst/>
+          </a:prstGeom>
+        </p:spPr>
+        <p:txBody>
+          <a:bodyPr vert="horz" lIns="91440" tIns="45720" rIns="91440" bIns="45720" rtlCol="0" anchor="b"/>
+          <a:lstStyle>
+            <a:lvl1pPr algn="l">
+              <a:defRPr sz="1200"/>
+            </a:lvl1pPr>
+          </a:lstStyle>
+          <a:p>
+            <a:endParaRPr lang="en-US"/>
+          </a:p>
+        </p:txBody>
+      </p:sp>
+      <p:sp>
+        <p:nvSpPr>
+          <p:cNvPr id="7" name="Slide Number Placeholder 6"/>
+          <p:cNvSpPr>
+            <a:spLocks noGrp="1"/>
+          </p:cNvSpPr>
+          <p:nvPr>
+            <p:ph type="sldNum" sz="quarter" idx="5"/>
+          </p:nvPr>
+        </p:nvSpPr>
+        <p:spPr>
+          <a:xfrm>
+            <a:off x="3884613" y="8685213"/>
+            <a:ext cx="2971800" cy="458787"/>
+          </a:xfrm>
+          <a:prstGeom prst="rect">
+            <a:avLst/>
+          </a:prstGeom>
+        </p:spPr>
+        <p:txBody>
+          <a:bodyPr vert="horz" lIns="91440" tIns="45720" rIns="91440" bIns="45720" rtlCol="0" anchor="b"/>
+          <a:lstStyle>
+            <a:lvl1pPr algn="r">
+              <a:defRPr sz="1200"/>
+            </a:lvl1pPr>
+          </a:lstStyle>
+          <a:p>
+            <a:fld id="{E9848302-4D0B-44CA-8F00-816E91755838}" type="slidenum">
+              <a:rPr lang="en-US" smtClean="0"/>
+              <a:t>‹#›</a:t>
+            </a:fld>
+            <a:endParaRPr lang="en-US"/>
+          </a:p>
+        </p:txBody>
+      </p:sp>
+    </p:spTree>
+    <p:extLst>
+      <p:ext uri="{BB962C8B-B14F-4D97-AF65-F5344CB8AC3E}">
+        <p14:creationId xmlns:p14="http://schemas.microsoft.com/office/powerpoint/2010/main" val="2090945766"/>
+      </p:ext>
+    </p:extLst>
+  </p:cSld>
+  <p:clrMap bg1="lt1" tx1="dk1" bg2="lt2" tx2="dk2" accent1="accent1" accent2="accent2" accent3="accent3" accent4="accent4" accent5="accent5" accent6="accent6" hlink="hlink" folHlink="folHlink"/>
+  <p:notesStyle>
+    <a:lvl1pPr marL="0" algn="l" defTabSz="914400" rtl="0" eaLnBrk="1" latinLnBrk="0" hangingPunct="1">
+      <a:defRPr sz="1200" kern="1200">
+        <a:solidFill>
+          <a:schemeClr val="tx1"/>
+        </a:solidFill>
+        <a:latin typeface="+mn-lt"/>
+        <a:ea typeface="+mn-ea"/>
+        <a:cs typeface="+mn-cs"/>
+      </a:defRPr>
+    </a:lvl1pPr>
+    <a:lvl2pPr marL="457200" algn="l" defTabSz="914400" rtl="0" eaLnBrk="1" latinLnBrk="0" hangingPunct="1">
+      <a:defRPr sz="1200" kern="1200">
+        <a:solidFill>
+          <a:schemeClr val="tx1"/>
+        </a:solidFill>
+        <a:latin typeface="+mn-lt"/>
+        <a:ea typeface="+mn-ea"/>
+        <a:cs typeface="+mn-cs"/>
+      </a:defRPr>
+    </a:lvl2pPr>
+    <a:lvl3pPr marL="914400" algn="l" defTabSz="914400" rtl="0" eaLnBrk="1" latinLnBrk="0" hangingPunct="1">
+      <a:defRPr sz="1200" kern="1200">
+        <a:solidFill>
+          <a:schemeClr val="tx1"/>
+        </a:solidFill>
+        <a:latin typeface="+mn-lt"/>
+        <a:ea typeface="+mn-ea"/>
+        <a:cs typeface="+mn-cs"/>
+      </a:defRPr>
+    </a:lvl3pPr>
+    <a:lvl4pPr marL="1371600" algn="l" defTabSz="914400" rtl="0" eaLnBrk="1" latinLnBrk="0" hangingPunct="1">
+      <a:defRPr sz="1200" kern="1200">
+        <a:solidFill>
+          <a:schemeClr val="tx1"/>
+        </a:solidFill>
+        <a:latin typeface="+mn-lt"/>
+        <a:ea typeface="+mn-ea"/>
+        <a:cs typeface="+mn-cs"/>
+      </a:defRPr>
+    </a:lvl4pPr>
+    <a:lvl5pPr marL="1828800" algn="l" defTabSz="914400" rtl="0" eaLnBrk="1" latinLnBrk="0" hangingPunct="1">
+      <a:defRPr sz="1200" kern="1200">
+        <a:solidFill>
+          <a:schemeClr val="tx1"/>
+        </a:solidFill>
+        <a:latin typeface="+mn-lt"/>
+        <a:ea typeface="+mn-ea"/>
+        <a:cs typeface="+mn-cs"/>
+      </a:defRPr>
+    </a:lvl5pPr>
+    <a:lvl6pPr marL="2286000" algn="l" defTabSz="914400" rtl="0" eaLnBrk="1" latinLnBrk="0" hangingPunct="1">
+      <a:defRPr sz="1200" kern="1200">
+        <a:solidFill>
+          <a:schemeClr val="tx1"/>
+        </a:solidFill>
+        <a:latin typeface="+mn-lt"/>
+        <a:ea typeface="+mn-ea"/>
+        <a:cs typeface="+mn-cs"/>
+      </a:defRPr>
+    </a:lvl6pPr>
+    <a:lvl7pPr marL="2743200" algn="l" defTabSz="914400" rtl="0" eaLnBrk="1" latinLnBrk="0" hangingPunct="1">
+      <a:defRPr sz="1200" kern="1200">
+        <a:solidFill>
+          <a:schemeClr val="tx1"/>
+        </a:solidFill>
+        <a:latin typeface="+mn-lt"/>
+        <a:ea typeface="+mn-ea"/>
+        <a:cs typeface="+mn-cs"/>
+      </a:defRPr>
+    </a:lvl7pPr>
+    <a:lvl8pPr marL="3200400" algn="l" defTabSz="914400" rtl="0" eaLnBrk="1" latinLnBrk="0" hangingPunct="1">
+      <a:defRPr sz="1200" kern="1200">
+        <a:solidFill>
+          <a:schemeClr val="tx1"/>
+        </a:solidFill>
+        <a:latin typeface="+mn-lt"/>
+        <a:ea typeface="+mn-ea"/>
+        <a:cs typeface="+mn-cs"/>
+      </a:defRPr>
+    </a:lvl8pPr>
+    <a:lvl9pPr marL="3657600" algn="l" defTabSz="914400" rtl="0" eaLnBrk="1" latinLnBrk="0" hangingPunct="1">
+      <a:defRPr sz="1200" kern="1200">
+        <a:solidFill>
+          <a:schemeClr val="tx1"/>
+        </a:solidFill>
+        <a:latin typeface="+mn-lt"/>
+        <a:ea typeface="+mn-ea"/>
+        <a:cs typeface="+mn-cs"/>
+      </a:defRPr>
+    </a:lvl9pPr>
+  </p:notesStyle>
+</p:notesMaster>
 </file>
 
 <file path=ppt/slideLayouts/slideLayout1.xml><?xml version="1.0" encoding="utf-8"?>
@@ -840,9 +1192,9 @@
           <a:bodyPr/>
           <a:lstStyle/>
           <a:p>
-            <a:fld id="{0CEDED08-CADF-44F9-A3BB-3FCFEFB05A4A}" type="datetimeFigureOut">
-              <a:rPr lang="en-US" smtClean="0"/>
-              <a:t>9/7/2020</a:t>
+            <a:fld id="{F7B45734-1697-4AB7-959A-59021CEE7C63}" type="datetime1">
+              <a:rPr lang="de-DE" smtClean="0"/>
+              <a:t>11.09.2020</a:t>
             </a:fld>
             <a:endParaRPr lang="en-US"/>
           </a:p>
@@ -904,6 +1256,269 @@
 </file>
 
 <file path=ppt/slideLayouts/slideLayout10.xml><?xml version="1.0" encoding="utf-8"?>
+<p:sldLayout xmlns:a="http://schemas.openxmlformats.org/drawingml/2006/main" xmlns:r="http://schemas.openxmlformats.org/officeDocument/2006/relationships" xmlns:p="http://schemas.openxmlformats.org/presentationml/2006/main" type="picTx" preserve="1">
+  <p:cSld name="Picture with Caption">
+    <p:spTree>
+      <p:nvGrpSpPr>
+        <p:cNvPr id="1" name=""/>
+        <p:cNvGrpSpPr/>
+        <p:nvPr/>
+      </p:nvGrpSpPr>
+      <p:grpSpPr>
+        <a:xfrm>
+          <a:off x="0" y="0"/>
+          <a:ext cx="0" cy="0"/>
+          <a:chOff x="0" y="0"/>
+          <a:chExt cx="0" cy="0"/>
+        </a:xfrm>
+      </p:grpSpPr>
+      <p:sp>
+        <p:nvSpPr>
+          <p:cNvPr id="2" name="Title 1"/>
+          <p:cNvSpPr>
+            <a:spLocks noGrp="1"/>
+          </p:cNvSpPr>
+          <p:nvPr>
+            <p:ph type="title"/>
+          </p:nvPr>
+        </p:nvSpPr>
+        <p:spPr>
+          <a:xfrm>
+            <a:off x="677334" y="4800600"/>
+            <a:ext cx="8596667" cy="566738"/>
+          </a:xfrm>
+        </p:spPr>
+        <p:txBody>
+          <a:bodyPr anchor="b">
+            <a:normAutofit/>
+          </a:bodyPr>
+          <a:lstStyle>
+            <a:lvl1pPr algn="l">
+              <a:defRPr sz="2400" b="0"/>
+            </a:lvl1pPr>
+          </a:lstStyle>
+          <a:p>
+            <a:r>
+              <a:rPr lang="en-US"/>
+              <a:t>Click to edit Master title style</a:t>
+            </a:r>
+            <a:endParaRPr lang="en-US" dirty="0"/>
+          </a:p>
+        </p:txBody>
+      </p:sp>
+      <p:sp>
+        <p:nvSpPr>
+          <p:cNvPr id="3" name="Picture Placeholder 2"/>
+          <p:cNvSpPr>
+            <a:spLocks noGrp="1" noChangeAspect="1"/>
+          </p:cNvSpPr>
+          <p:nvPr>
+            <p:ph type="pic" idx="1"/>
+          </p:nvPr>
+        </p:nvSpPr>
+        <p:spPr>
+          <a:xfrm>
+            <a:off x="677334" y="609600"/>
+            <a:ext cx="8596668" cy="3845718"/>
+          </a:xfrm>
+        </p:spPr>
+        <p:txBody>
+          <a:bodyPr anchor="t">
+            <a:normAutofit/>
+          </a:bodyPr>
+          <a:lstStyle>
+            <a:lvl1pPr marL="0" indent="0" algn="ctr">
+              <a:buNone/>
+              <a:defRPr sz="1600"/>
+            </a:lvl1pPr>
+            <a:lvl2pPr marL="457200" indent="0">
+              <a:buNone/>
+              <a:defRPr sz="1600"/>
+            </a:lvl2pPr>
+            <a:lvl3pPr marL="914400" indent="0">
+              <a:buNone/>
+              <a:defRPr sz="1600"/>
+            </a:lvl3pPr>
+            <a:lvl4pPr marL="1371600" indent="0">
+              <a:buNone/>
+              <a:defRPr sz="1600"/>
+            </a:lvl4pPr>
+            <a:lvl5pPr marL="1828800" indent="0">
+              <a:buNone/>
+              <a:defRPr sz="1600"/>
+            </a:lvl5pPr>
+            <a:lvl6pPr marL="2286000" indent="0">
+              <a:buNone/>
+              <a:defRPr sz="1600"/>
+            </a:lvl6pPr>
+            <a:lvl7pPr marL="2743200" indent="0">
+              <a:buNone/>
+              <a:defRPr sz="1600"/>
+            </a:lvl7pPr>
+            <a:lvl8pPr marL="3200400" indent="0">
+              <a:buNone/>
+              <a:defRPr sz="1600"/>
+            </a:lvl8pPr>
+            <a:lvl9pPr marL="3657600" indent="0">
+              <a:buNone/>
+              <a:defRPr sz="1600"/>
+            </a:lvl9pPr>
+          </a:lstStyle>
+          <a:p>
+            <a:r>
+              <a:rPr lang="en-US"/>
+              <a:t>Click icon to add picture</a:t>
+            </a:r>
+            <a:endParaRPr lang="en-US" dirty="0"/>
+          </a:p>
+        </p:txBody>
+      </p:sp>
+      <p:sp>
+        <p:nvSpPr>
+          <p:cNvPr id="4" name="Text Placeholder 3"/>
+          <p:cNvSpPr>
+            <a:spLocks noGrp="1"/>
+          </p:cNvSpPr>
+          <p:nvPr>
+            <p:ph type="body" sz="half" idx="2"/>
+          </p:nvPr>
+        </p:nvSpPr>
+        <p:spPr>
+          <a:xfrm>
+            <a:off x="677334" y="5367338"/>
+            <a:ext cx="8596667" cy="674024"/>
+          </a:xfrm>
+        </p:spPr>
+        <p:txBody>
+          <a:bodyPr>
+            <a:normAutofit/>
+          </a:bodyPr>
+          <a:lstStyle>
+            <a:lvl1pPr marL="0" indent="0">
+              <a:buNone/>
+              <a:defRPr sz="1200"/>
+            </a:lvl1pPr>
+            <a:lvl2pPr marL="457200" indent="0">
+              <a:buNone/>
+              <a:defRPr sz="1200"/>
+            </a:lvl2pPr>
+            <a:lvl3pPr marL="914400" indent="0">
+              <a:buNone/>
+              <a:defRPr sz="1000"/>
+            </a:lvl3pPr>
+            <a:lvl4pPr marL="1371600" indent="0">
+              <a:buNone/>
+              <a:defRPr sz="900"/>
+            </a:lvl4pPr>
+            <a:lvl5pPr marL="1828800" indent="0">
+              <a:buNone/>
+              <a:defRPr sz="900"/>
+            </a:lvl5pPr>
+            <a:lvl6pPr marL="2286000" indent="0">
+              <a:buNone/>
+              <a:defRPr sz="900"/>
+            </a:lvl6pPr>
+            <a:lvl7pPr marL="2743200" indent="0">
+              <a:buNone/>
+              <a:defRPr sz="900"/>
+            </a:lvl7pPr>
+            <a:lvl8pPr marL="3200400" indent="0">
+              <a:buNone/>
+              <a:defRPr sz="900"/>
+            </a:lvl8pPr>
+            <a:lvl9pPr marL="3657600" indent="0">
+              <a:buNone/>
+              <a:defRPr sz="900"/>
+            </a:lvl9pPr>
+          </a:lstStyle>
+          <a:p>
+            <a:pPr lvl="0"/>
+            <a:r>
+              <a:rPr lang="en-US"/>
+              <a:t>Click to edit Master text styles</a:t>
+            </a:r>
+          </a:p>
+        </p:txBody>
+      </p:sp>
+      <p:sp>
+        <p:nvSpPr>
+          <p:cNvPr id="5" name="Date Placeholder 4"/>
+          <p:cNvSpPr>
+            <a:spLocks noGrp="1"/>
+          </p:cNvSpPr>
+          <p:nvPr>
+            <p:ph type="dt" sz="half" idx="10"/>
+          </p:nvPr>
+        </p:nvSpPr>
+        <p:spPr/>
+        <p:txBody>
+          <a:bodyPr/>
+          <a:lstStyle/>
+          <a:p>
+            <a:fld id="{28E0F9FB-1E8A-4CFC-BF19-70653968A72B}" type="datetime1">
+              <a:rPr lang="de-DE" smtClean="0"/>
+              <a:t>11.09.2020</a:t>
+            </a:fld>
+            <a:endParaRPr lang="en-US"/>
+          </a:p>
+        </p:txBody>
+      </p:sp>
+      <p:sp>
+        <p:nvSpPr>
+          <p:cNvPr id="6" name="Footer Placeholder 5"/>
+          <p:cNvSpPr>
+            <a:spLocks noGrp="1"/>
+          </p:cNvSpPr>
+          <p:nvPr>
+            <p:ph type="ftr" sz="quarter" idx="11"/>
+          </p:nvPr>
+        </p:nvSpPr>
+        <p:spPr/>
+        <p:txBody>
+          <a:bodyPr/>
+          <a:lstStyle/>
+          <a:p>
+            <a:endParaRPr lang="en-US"/>
+          </a:p>
+        </p:txBody>
+      </p:sp>
+      <p:sp>
+        <p:nvSpPr>
+          <p:cNvPr id="7" name="Slide Number Placeholder 6"/>
+          <p:cNvSpPr>
+            <a:spLocks noGrp="1"/>
+          </p:cNvSpPr>
+          <p:nvPr>
+            <p:ph type="sldNum" sz="quarter" idx="12"/>
+          </p:nvPr>
+        </p:nvSpPr>
+        <p:spPr/>
+        <p:txBody>
+          <a:bodyPr/>
+          <a:lstStyle/>
+          <a:p>
+            <a:fld id="{55605263-C902-48DB-AA98-994A2984047F}" type="slidenum">
+              <a:rPr lang="en-US" smtClean="0"/>
+              <a:t>‹#›</a:t>
+            </a:fld>
+            <a:endParaRPr lang="en-US"/>
+          </a:p>
+        </p:txBody>
+      </p:sp>
+    </p:spTree>
+    <p:extLst>
+      <p:ext uri="{BB962C8B-B14F-4D97-AF65-F5344CB8AC3E}">
+        <p14:creationId xmlns:p14="http://schemas.microsoft.com/office/powerpoint/2010/main" val="887849160"/>
+      </p:ext>
+    </p:extLst>
+  </p:cSld>
+  <p:clrMapOvr>
+    <a:masterClrMapping/>
+  </p:clrMapOvr>
+</p:sldLayout>
+</file>
+
+<file path=ppt/slideLayouts/slideLayout11.xml><?xml version="1.0" encoding="utf-8"?>
 <p:sldLayout xmlns:a="http://schemas.openxmlformats.org/drawingml/2006/main" xmlns:r="http://schemas.openxmlformats.org/officeDocument/2006/relationships" xmlns:p="http://schemas.openxmlformats.org/presentationml/2006/main" preserve="1">
   <p:cSld name="Title and Caption">
     <p:spTree>
@@ -1091,9 +1706,9 @@
           <a:bodyPr/>
           <a:lstStyle/>
           <a:p>
-            <a:fld id="{0CEDED08-CADF-44F9-A3BB-3FCFEFB05A4A}" type="datetimeFigureOut">
-              <a:rPr lang="en-US" smtClean="0"/>
-              <a:t>9/7/2020</a:t>
+            <a:fld id="{4C8791FF-7201-4729-B98B-5B802CB6FE26}" type="datetime1">
+              <a:rPr lang="de-DE" smtClean="0"/>
+              <a:t>11.09.2020</a:t>
             </a:fld>
             <a:endParaRPr lang="en-US"/>
           </a:p>
@@ -1154,7 +1769,7 @@
 </p:sldLayout>
 </file>
 
-<file path=ppt/slideLayouts/slideLayout11.xml><?xml version="1.0" encoding="utf-8"?>
+<file path=ppt/slideLayouts/slideLayout12.xml><?xml version="1.0" encoding="utf-8"?>
 <p:sldLayout xmlns:a="http://schemas.openxmlformats.org/drawingml/2006/main" xmlns:r="http://schemas.openxmlformats.org/officeDocument/2006/relationships" xmlns:p="http://schemas.openxmlformats.org/presentationml/2006/main" preserve="1">
   <p:cSld name="Quote with Caption">
     <p:spTree>
@@ -1405,9 +2020,9 @@
           <a:bodyPr/>
           <a:lstStyle/>
           <a:p>
-            <a:fld id="{0CEDED08-CADF-44F9-A3BB-3FCFEFB05A4A}" type="datetimeFigureOut">
-              <a:rPr lang="en-US" smtClean="0"/>
-              <a:t>9/7/2020</a:t>
+            <a:fld id="{16EBDE9D-3BF1-458B-B04E-AA7056777578}" type="datetime1">
+              <a:rPr lang="de-DE" smtClean="0"/>
+              <a:t>11.09.2020</a:t>
             </a:fld>
             <a:endParaRPr lang="en-US"/>
           </a:p>
@@ -1558,7 +2173,7 @@
 </p:sldLayout>
 </file>
 
-<file path=ppt/slideLayouts/slideLayout12.xml><?xml version="1.0" encoding="utf-8"?>
+<file path=ppt/slideLayouts/slideLayout13.xml><?xml version="1.0" encoding="utf-8"?>
 <p:sldLayout xmlns:a="http://schemas.openxmlformats.org/drawingml/2006/main" xmlns:r="http://schemas.openxmlformats.org/officeDocument/2006/relationships" xmlns:p="http://schemas.openxmlformats.org/presentationml/2006/main" preserve="1">
   <p:cSld name="Name Card">
     <p:spTree>
@@ -1746,9 +2361,9 @@
           <a:bodyPr/>
           <a:lstStyle/>
           <a:p>
-            <a:fld id="{0CEDED08-CADF-44F9-A3BB-3FCFEFB05A4A}" type="datetimeFigureOut">
-              <a:rPr lang="en-US" smtClean="0"/>
-              <a:t>9/7/2020</a:t>
+            <a:fld id="{72379833-F89A-4CC5-AD26-2146F255572C}" type="datetime1">
+              <a:rPr lang="de-DE" smtClean="0"/>
+              <a:t>11.09.2020</a:t>
             </a:fld>
             <a:endParaRPr lang="en-US"/>
           </a:p>
@@ -1809,7 +2424,7 @@
 </p:sldLayout>
 </file>
 
-<file path=ppt/slideLayouts/slideLayout13.xml><?xml version="1.0" encoding="utf-8"?>
+<file path=ppt/slideLayouts/slideLayout14.xml><?xml version="1.0" encoding="utf-8"?>
 <p:sldLayout xmlns:a="http://schemas.openxmlformats.org/drawingml/2006/main" xmlns:r="http://schemas.openxmlformats.org/officeDocument/2006/relationships" xmlns:p="http://schemas.openxmlformats.org/presentationml/2006/main" preserve="1">
   <p:cSld name="Quote Name Card">
     <p:spTree>
@@ -2060,9 +2675,9 @@
           <a:bodyPr/>
           <a:lstStyle/>
           <a:p>
-            <a:fld id="{0CEDED08-CADF-44F9-A3BB-3FCFEFB05A4A}" type="datetimeFigureOut">
-              <a:rPr lang="en-US" smtClean="0"/>
-              <a:t>9/7/2020</a:t>
+            <a:fld id="{431A2CE2-D7A9-4F80-8471-7A4DA8B72368}" type="datetime1">
+              <a:rPr lang="de-DE" smtClean="0"/>
+              <a:t>11.09.2020</a:t>
             </a:fld>
             <a:endParaRPr lang="en-US"/>
           </a:p>
@@ -2205,7 +2820,7 @@
 </p:sldLayout>
 </file>
 
-<file path=ppt/slideLayouts/slideLayout14.xml><?xml version="1.0" encoding="utf-8"?>
+<file path=ppt/slideLayouts/slideLayout15.xml><?xml version="1.0" encoding="utf-8"?>
 <p:sldLayout xmlns:a="http://schemas.openxmlformats.org/drawingml/2006/main" xmlns:r="http://schemas.openxmlformats.org/officeDocument/2006/relationships" xmlns:p="http://schemas.openxmlformats.org/presentationml/2006/main" preserve="1">
   <p:cSld name="True or False">
     <p:spTree>
@@ -2453,9 +3068,9 @@
           <a:bodyPr/>
           <a:lstStyle/>
           <a:p>
-            <a:fld id="{0CEDED08-CADF-44F9-A3BB-3FCFEFB05A4A}" type="datetimeFigureOut">
-              <a:rPr lang="en-US" smtClean="0"/>
-              <a:t>9/7/2020</a:t>
+            <a:fld id="{4B9D6D1C-E905-4368-9630-7DD1E44954A8}" type="datetime1">
+              <a:rPr lang="de-DE" smtClean="0"/>
+              <a:t>11.09.2020</a:t>
             </a:fld>
             <a:endParaRPr lang="en-US"/>
           </a:p>
@@ -2516,7 +3131,7 @@
 </p:sldLayout>
 </file>
 
-<file path=ppt/slideLayouts/slideLayout15.xml><?xml version="1.0" encoding="utf-8"?>
+<file path=ppt/slideLayouts/slideLayout16.xml><?xml version="1.0" encoding="utf-8"?>
 <p:sldLayout xmlns:a="http://schemas.openxmlformats.org/drawingml/2006/main" xmlns:r="http://schemas.openxmlformats.org/officeDocument/2006/relationships" xmlns:p="http://schemas.openxmlformats.org/presentationml/2006/main" type="vertTx" preserve="1">
   <p:cSld name="Title and Vertical Text">
     <p:spTree>
@@ -2623,9 +3238,9 @@
           <a:bodyPr/>
           <a:lstStyle/>
           <a:p>
-            <a:fld id="{0CEDED08-CADF-44F9-A3BB-3FCFEFB05A4A}" type="datetimeFigureOut">
-              <a:rPr lang="en-US" smtClean="0"/>
-              <a:t>9/7/2020</a:t>
+            <a:fld id="{8627FA29-765F-442F-8C7E-8C4E33FBBD15}" type="datetime1">
+              <a:rPr lang="de-DE" smtClean="0"/>
+              <a:t>11.09.2020</a:t>
             </a:fld>
             <a:endParaRPr lang="en-US"/>
           </a:p>
@@ -2686,7 +3301,7 @@
 </p:sldLayout>
 </file>
 
-<file path=ppt/slideLayouts/slideLayout16.xml><?xml version="1.0" encoding="utf-8"?>
+<file path=ppt/slideLayouts/slideLayout17.xml><?xml version="1.0" encoding="utf-8"?>
 <p:sldLayout xmlns:a="http://schemas.openxmlformats.org/drawingml/2006/main" xmlns:r="http://schemas.openxmlformats.org/officeDocument/2006/relationships" xmlns:p="http://schemas.openxmlformats.org/presentationml/2006/main" type="vertTitleAndTx" preserve="1">
   <p:cSld name="Vertical Title and Text">
     <p:spTree>
@@ -2803,9 +3418,9 @@
           <a:bodyPr/>
           <a:lstStyle/>
           <a:p>
-            <a:fld id="{0CEDED08-CADF-44F9-A3BB-3FCFEFB05A4A}" type="datetimeFigureOut">
-              <a:rPr lang="en-US" smtClean="0"/>
-              <a:t>9/7/2020</a:t>
+            <a:fld id="{C79E08BA-6372-4F95-AB4E-CF7226F9351B}" type="datetime1">
+              <a:rPr lang="de-DE" smtClean="0"/>
+              <a:t>11.09.2020</a:t>
             </a:fld>
             <a:endParaRPr lang="en-US"/>
           </a:p>
@@ -2979,9 +3594,9 @@
           <a:bodyPr/>
           <a:lstStyle/>
           <a:p>
-            <a:fld id="{0CEDED08-CADF-44F9-A3BB-3FCFEFB05A4A}" type="datetimeFigureOut">
-              <a:rPr lang="en-US" smtClean="0"/>
-              <a:t>9/7/2020</a:t>
+            <a:fld id="{BBFE0E78-BD63-486A-A840-5A82EE4DABDC}" type="datetime1">
+              <a:rPr lang="de-DE" smtClean="0"/>
+              <a:t>11.09.2020</a:t>
             </a:fld>
             <a:endParaRPr lang="en-US"/>
           </a:p>
@@ -3043,6 +3658,230 @@
 </file>
 
 <file path=ppt/slideLayouts/slideLayout3.xml><?xml version="1.0" encoding="utf-8"?>
+<p:sldLayout xmlns:a="http://schemas.openxmlformats.org/drawingml/2006/main" xmlns:r="http://schemas.openxmlformats.org/officeDocument/2006/relationships" xmlns:p="http://schemas.openxmlformats.org/presentationml/2006/main" preserve="1" userDrawn="1">
+  <p:cSld name="Custom Layout">
+    <p:spTree>
+      <p:nvGrpSpPr>
+        <p:cNvPr id="1" name=""/>
+        <p:cNvGrpSpPr/>
+        <p:nvPr/>
+      </p:nvGrpSpPr>
+      <p:grpSpPr>
+        <a:xfrm>
+          <a:off x="0" y="0"/>
+          <a:ext cx="0" cy="0"/>
+          <a:chOff x="0" y="0"/>
+          <a:chExt cx="0" cy="0"/>
+        </a:xfrm>
+      </p:grpSpPr>
+      <p:sp>
+        <p:nvSpPr>
+          <p:cNvPr id="2" name="Title 1">
+            <a:extLst>
+              <a:ext uri="{FF2B5EF4-FFF2-40B4-BE49-F238E27FC236}">
+                <a16:creationId xmlns:a16="http://schemas.microsoft.com/office/drawing/2014/main" id="{B201D033-6173-45D7-881C-01EDF48774D2}"/>
+              </a:ext>
+            </a:extLst>
+          </p:cNvPr>
+          <p:cNvSpPr>
+            <a:spLocks noGrp="1"/>
+          </p:cNvSpPr>
+          <p:nvPr>
+            <p:ph type="title"/>
+          </p:nvPr>
+        </p:nvSpPr>
+        <p:spPr/>
+        <p:txBody>
+          <a:bodyPr/>
+          <a:lstStyle/>
+          <a:p>
+            <a:r>
+              <a:rPr lang="en-US"/>
+              <a:t>Click to edit Master title style</a:t>
+            </a:r>
+          </a:p>
+        </p:txBody>
+      </p:sp>
+      <p:sp>
+        <p:nvSpPr>
+          <p:cNvPr id="3" name="Date Placeholder 2">
+            <a:extLst>
+              <a:ext uri="{FF2B5EF4-FFF2-40B4-BE49-F238E27FC236}">
+                <a16:creationId xmlns:a16="http://schemas.microsoft.com/office/drawing/2014/main" id="{2F53BBE3-DE3C-4C80-A06C-A6AE6CFEF823}"/>
+              </a:ext>
+            </a:extLst>
+          </p:cNvPr>
+          <p:cNvSpPr>
+            <a:spLocks noGrp="1"/>
+          </p:cNvSpPr>
+          <p:nvPr>
+            <p:ph type="dt" sz="half" idx="10"/>
+          </p:nvPr>
+        </p:nvSpPr>
+        <p:spPr/>
+        <p:txBody>
+          <a:bodyPr/>
+          <a:lstStyle/>
+          <a:p>
+            <a:fld id="{FD088E02-9980-4083-8604-339DD30750A9}" type="datetime1">
+              <a:rPr lang="de-DE" smtClean="0"/>
+              <a:t>11.09.2020</a:t>
+            </a:fld>
+            <a:endParaRPr lang="en-US"/>
+          </a:p>
+        </p:txBody>
+      </p:sp>
+      <p:sp>
+        <p:nvSpPr>
+          <p:cNvPr id="4" name="Footer Placeholder 3">
+            <a:extLst>
+              <a:ext uri="{FF2B5EF4-FFF2-40B4-BE49-F238E27FC236}">
+                <a16:creationId xmlns:a16="http://schemas.microsoft.com/office/drawing/2014/main" id="{AF4C2424-8284-486C-A041-1517BD8A97BD}"/>
+              </a:ext>
+            </a:extLst>
+          </p:cNvPr>
+          <p:cNvSpPr>
+            <a:spLocks noGrp="1"/>
+          </p:cNvSpPr>
+          <p:nvPr>
+            <p:ph type="ftr" sz="quarter" idx="11"/>
+          </p:nvPr>
+        </p:nvSpPr>
+        <p:spPr/>
+        <p:txBody>
+          <a:bodyPr/>
+          <a:lstStyle/>
+          <a:p>
+            <a:endParaRPr lang="en-US"/>
+          </a:p>
+        </p:txBody>
+      </p:sp>
+      <p:sp>
+        <p:nvSpPr>
+          <p:cNvPr id="5" name="Slide Number Placeholder 4">
+            <a:extLst>
+              <a:ext uri="{FF2B5EF4-FFF2-40B4-BE49-F238E27FC236}">
+                <a16:creationId xmlns:a16="http://schemas.microsoft.com/office/drawing/2014/main" id="{568A374C-576B-4DCF-B1D6-F6A89FC3B5E9}"/>
+              </a:ext>
+            </a:extLst>
+          </p:cNvPr>
+          <p:cNvSpPr>
+            <a:spLocks noGrp="1"/>
+          </p:cNvSpPr>
+          <p:nvPr>
+            <p:ph type="sldNum" sz="quarter" idx="12"/>
+          </p:nvPr>
+        </p:nvSpPr>
+        <p:spPr/>
+        <p:txBody>
+          <a:bodyPr/>
+          <a:lstStyle/>
+          <a:p>
+            <a:fld id="{55605263-C902-48DB-AA98-994A2984047F}" type="slidenum">
+              <a:rPr lang="en-US" smtClean="0"/>
+              <a:t>‹#›</a:t>
+            </a:fld>
+            <a:endParaRPr lang="en-US"/>
+          </a:p>
+        </p:txBody>
+      </p:sp>
+      <p:sp>
+        <p:nvSpPr>
+          <p:cNvPr id="7" name="Content Placeholder 6">
+            <a:extLst>
+              <a:ext uri="{FF2B5EF4-FFF2-40B4-BE49-F238E27FC236}">
+                <a16:creationId xmlns:a16="http://schemas.microsoft.com/office/drawing/2014/main" id="{24582B67-3EF6-4599-A9C2-6E5A8487BB3B}"/>
+              </a:ext>
+            </a:extLst>
+          </p:cNvPr>
+          <p:cNvSpPr>
+            <a:spLocks noGrp="1"/>
+          </p:cNvSpPr>
+          <p:nvPr>
+            <p:ph sz="quarter" idx="13" hasCustomPrompt="1"/>
+          </p:nvPr>
+        </p:nvSpPr>
+        <p:spPr>
+          <a:xfrm>
+            <a:off x="1704513" y="115888"/>
+            <a:ext cx="7634796" cy="334962"/>
+          </a:xfrm>
+        </p:spPr>
+        <p:txBody>
+          <a:bodyPr/>
+          <a:lstStyle>
+            <a:lvl1pPr marL="0" indent="0">
+              <a:buNone/>
+              <a:defRPr/>
+            </a:lvl1pPr>
+          </a:lstStyle>
+          <a:p>
+            <a:pPr lvl="0"/>
+            <a:r>
+              <a:rPr lang="en-US" dirty="0"/>
+              <a:t>Veronika Taranek – Philipp </a:t>
+            </a:r>
+            <a:r>
+              <a:rPr lang="en-US" dirty="0" err="1"/>
+              <a:t>Fenesan</a:t>
+            </a:r>
+            <a:r>
+              <a:rPr lang="en-US" dirty="0"/>
+              <a:t> – Nicolas </a:t>
+            </a:r>
+            <a:r>
+              <a:rPr lang="en-US" dirty="0" err="1"/>
+              <a:t>Geppert</a:t>
+            </a:r>
+            <a:r>
+              <a:rPr lang="en-US" dirty="0"/>
+              <a:t> – Lukas Werner</a:t>
+            </a:r>
+          </a:p>
+          <a:p>
+            <a:pPr lvl="1"/>
+            <a:r>
+              <a:rPr lang="en-US" dirty="0"/>
+              <a:t>Second level</a:t>
+            </a:r>
+          </a:p>
+          <a:p>
+            <a:pPr lvl="2"/>
+            <a:r>
+              <a:rPr lang="en-US" dirty="0"/>
+              <a:t>Third level</a:t>
+            </a:r>
+          </a:p>
+          <a:p>
+            <a:pPr lvl="3"/>
+            <a:r>
+              <a:rPr lang="en-US" dirty="0"/>
+              <a:t>Fourth level</a:t>
+            </a:r>
+          </a:p>
+          <a:p>
+            <a:pPr lvl="4"/>
+            <a:r>
+              <a:rPr lang="en-US" dirty="0"/>
+              <a:t>Fifth level</a:t>
+            </a:r>
+          </a:p>
+        </p:txBody>
+      </p:sp>
+    </p:spTree>
+    <p:extLst>
+      <p:ext uri="{BB962C8B-B14F-4D97-AF65-F5344CB8AC3E}">
+        <p14:creationId xmlns:p14="http://schemas.microsoft.com/office/powerpoint/2010/main" val="2076529283"/>
+      </p:ext>
+    </p:extLst>
+  </p:cSld>
+  <p:clrMapOvr>
+    <a:masterClrMapping/>
+  </p:clrMapOvr>
+</p:sldLayout>
+</file>
+
+<file path=ppt/slideLayouts/slideLayout4.xml><?xml version="1.0" encoding="utf-8"?>
 <p:sldLayout xmlns:a="http://schemas.openxmlformats.org/drawingml/2006/main" xmlns:r="http://schemas.openxmlformats.org/officeDocument/2006/relationships" xmlns:p="http://schemas.openxmlformats.org/presentationml/2006/main" type="secHead" preserve="1">
   <p:cSld name="Section Header">
     <p:spTree>
@@ -3226,9 +4065,9 @@
           <a:bodyPr/>
           <a:lstStyle/>
           <a:p>
-            <a:fld id="{0CEDED08-CADF-44F9-A3BB-3FCFEFB05A4A}" type="datetimeFigureOut">
-              <a:rPr lang="en-US" smtClean="0"/>
-              <a:t>9/7/2020</a:t>
+            <a:fld id="{512B8740-04A0-4F0F-BA2E-747FAA8552CF}" type="datetime1">
+              <a:rPr lang="de-DE" smtClean="0"/>
+              <a:t>11.09.2020</a:t>
             </a:fld>
             <a:endParaRPr lang="en-US"/>
           </a:p>
@@ -3289,7 +4128,7 @@
 </p:sldLayout>
 </file>
 
-<file path=ppt/slideLayouts/slideLayout4.xml><?xml version="1.0" encoding="utf-8"?>
+<file path=ppt/slideLayouts/slideLayout5.xml><?xml version="1.0" encoding="utf-8"?>
 <p:sldLayout xmlns:a="http://schemas.openxmlformats.org/drawingml/2006/main" xmlns:r="http://schemas.openxmlformats.org/officeDocument/2006/relationships" xmlns:p="http://schemas.openxmlformats.org/presentationml/2006/main" type="twoObj" preserve="1">
   <p:cSld name="Two Content">
     <p:spTree>
@@ -3458,9 +4297,9 @@
           <a:bodyPr/>
           <a:lstStyle/>
           <a:p>
-            <a:fld id="{0CEDED08-CADF-44F9-A3BB-3FCFEFB05A4A}" type="datetimeFigureOut">
-              <a:rPr lang="en-US" smtClean="0"/>
-              <a:t>9/7/2020</a:t>
+            <a:fld id="{52340480-09C1-41B7-ACEE-F79B5ACF8268}" type="datetime1">
+              <a:rPr lang="de-DE" smtClean="0"/>
+              <a:t>11.09.2020</a:t>
             </a:fld>
             <a:endParaRPr lang="en-US"/>
           </a:p>
@@ -3521,7 +4360,7 @@
 </p:sldLayout>
 </file>
 
-<file path=ppt/slideLayouts/slideLayout5.xml><?xml version="1.0" encoding="utf-8"?>
+<file path=ppt/slideLayouts/slideLayout6.xml><?xml version="1.0" encoding="utf-8"?>
 <p:sldLayout xmlns:a="http://schemas.openxmlformats.org/drawingml/2006/main" xmlns:r="http://schemas.openxmlformats.org/officeDocument/2006/relationships" xmlns:p="http://schemas.openxmlformats.org/presentationml/2006/main" type="twoTxTwoObj" preserve="1">
   <p:cSld name="Comparison">
     <p:spTree>
@@ -3832,9 +4671,9 @@
           <a:bodyPr/>
           <a:lstStyle/>
           <a:p>
-            <a:fld id="{0CEDED08-CADF-44F9-A3BB-3FCFEFB05A4A}" type="datetimeFigureOut">
-              <a:rPr lang="en-US" smtClean="0"/>
-              <a:t>9/7/2020</a:t>
+            <a:fld id="{3C76072F-ABDE-49C9-B45F-982F33145057}" type="datetime1">
+              <a:rPr lang="de-DE" smtClean="0"/>
+              <a:t>11.09.2020</a:t>
             </a:fld>
             <a:endParaRPr lang="en-US"/>
           </a:p>
@@ -3895,7 +4734,7 @@
 </p:sldLayout>
 </file>
 
-<file path=ppt/slideLayouts/slideLayout6.xml><?xml version="1.0" encoding="utf-8"?>
+<file path=ppt/slideLayouts/slideLayout7.xml><?xml version="1.0" encoding="utf-8"?>
 <p:sldLayout xmlns:a="http://schemas.openxmlformats.org/drawingml/2006/main" xmlns:r="http://schemas.openxmlformats.org/officeDocument/2006/relationships" xmlns:p="http://schemas.openxmlformats.org/presentationml/2006/main" type="titleOnly" preserve="1">
   <p:cSld name="Title Only">
     <p:spTree>
@@ -3955,9 +4794,9 @@
           <a:bodyPr/>
           <a:lstStyle/>
           <a:p>
-            <a:fld id="{0CEDED08-CADF-44F9-A3BB-3FCFEFB05A4A}" type="datetimeFigureOut">
-              <a:rPr lang="en-US" smtClean="0"/>
-              <a:t>9/7/2020</a:t>
+            <a:fld id="{FF972E03-99BD-433F-85AD-6324DFFF3902}" type="datetime1">
+              <a:rPr lang="de-DE" smtClean="0"/>
+              <a:t>11.09.2020</a:t>
             </a:fld>
             <a:endParaRPr lang="en-US"/>
           </a:p>
@@ -4018,7 +4857,7 @@
 </p:sldLayout>
 </file>
 
-<file path=ppt/slideLayouts/slideLayout7.xml><?xml version="1.0" encoding="utf-8"?>
+<file path=ppt/slideLayouts/slideLayout8.xml><?xml version="1.0" encoding="utf-8"?>
 <p:sldLayout xmlns:a="http://schemas.openxmlformats.org/drawingml/2006/main" xmlns:r="http://schemas.openxmlformats.org/officeDocument/2006/relationships" xmlns:p="http://schemas.openxmlformats.org/presentationml/2006/main" type="blank" preserve="1">
   <p:cSld name="Blank">
     <p:spTree>
@@ -4050,9 +4889,9 @@
           <a:bodyPr/>
           <a:lstStyle/>
           <a:p>
-            <a:fld id="{0CEDED08-CADF-44F9-A3BB-3FCFEFB05A4A}" type="datetimeFigureOut">
-              <a:rPr lang="en-US" smtClean="0"/>
-              <a:t>9/7/2020</a:t>
+            <a:fld id="{EB4EFE40-CAA3-420B-8D0E-DBD5AB0FE83F}" type="datetime1">
+              <a:rPr lang="de-DE" smtClean="0"/>
+              <a:t>11.09.2020</a:t>
             </a:fld>
             <a:endParaRPr lang="en-US"/>
           </a:p>
@@ -4113,7 +4952,7 @@
 </p:sldLayout>
 </file>
 
-<file path=ppt/slideLayouts/slideLayout8.xml><?xml version="1.0" encoding="utf-8"?>
+<file path=ppt/slideLayouts/slideLayout9.xml><?xml version="1.0" encoding="utf-8"?>
 <p:sldLayout xmlns:a="http://schemas.openxmlformats.org/drawingml/2006/main" xmlns:r="http://schemas.openxmlformats.org/officeDocument/2006/relationships" xmlns:p="http://schemas.openxmlformats.org/presentationml/2006/main" type="objTx" preserve="1">
   <p:cSld name="Content with Caption">
     <p:spTree>
@@ -4305,9 +5144,9 @@
           <a:bodyPr/>
           <a:lstStyle/>
           <a:p>
-            <a:fld id="{0CEDED08-CADF-44F9-A3BB-3FCFEFB05A4A}" type="datetimeFigureOut">
-              <a:rPr lang="en-US" smtClean="0"/>
-              <a:t>9/7/2020</a:t>
+            <a:fld id="{E2AC2435-A98B-4155-AB69-4F954FE6AEBB}" type="datetime1">
+              <a:rPr lang="de-DE" smtClean="0"/>
+              <a:t>11.09.2020</a:t>
             </a:fld>
             <a:endParaRPr lang="en-US"/>
           </a:p>
@@ -4359,269 +5198,6 @@
     <p:extLst>
       <p:ext uri="{BB962C8B-B14F-4D97-AF65-F5344CB8AC3E}">
         <p14:creationId xmlns:p14="http://schemas.microsoft.com/office/powerpoint/2010/main" val="4197350586"/>
-      </p:ext>
-    </p:extLst>
-  </p:cSld>
-  <p:clrMapOvr>
-    <a:masterClrMapping/>
-  </p:clrMapOvr>
-</p:sldLayout>
-</file>
-
-<file path=ppt/slideLayouts/slideLayout9.xml><?xml version="1.0" encoding="utf-8"?>
-<p:sldLayout xmlns:a="http://schemas.openxmlformats.org/drawingml/2006/main" xmlns:r="http://schemas.openxmlformats.org/officeDocument/2006/relationships" xmlns:p="http://schemas.openxmlformats.org/presentationml/2006/main" type="picTx" preserve="1">
-  <p:cSld name="Picture with Caption">
-    <p:spTree>
-      <p:nvGrpSpPr>
-        <p:cNvPr id="1" name=""/>
-        <p:cNvGrpSpPr/>
-        <p:nvPr/>
-      </p:nvGrpSpPr>
-      <p:grpSpPr>
-        <a:xfrm>
-          <a:off x="0" y="0"/>
-          <a:ext cx="0" cy="0"/>
-          <a:chOff x="0" y="0"/>
-          <a:chExt cx="0" cy="0"/>
-        </a:xfrm>
-      </p:grpSpPr>
-      <p:sp>
-        <p:nvSpPr>
-          <p:cNvPr id="2" name="Title 1"/>
-          <p:cNvSpPr>
-            <a:spLocks noGrp="1"/>
-          </p:cNvSpPr>
-          <p:nvPr>
-            <p:ph type="title"/>
-          </p:nvPr>
-        </p:nvSpPr>
-        <p:spPr>
-          <a:xfrm>
-            <a:off x="677334" y="4800600"/>
-            <a:ext cx="8596667" cy="566738"/>
-          </a:xfrm>
-        </p:spPr>
-        <p:txBody>
-          <a:bodyPr anchor="b">
-            <a:normAutofit/>
-          </a:bodyPr>
-          <a:lstStyle>
-            <a:lvl1pPr algn="l">
-              <a:defRPr sz="2400" b="0"/>
-            </a:lvl1pPr>
-          </a:lstStyle>
-          <a:p>
-            <a:r>
-              <a:rPr lang="en-US"/>
-              <a:t>Click to edit Master title style</a:t>
-            </a:r>
-            <a:endParaRPr lang="en-US" dirty="0"/>
-          </a:p>
-        </p:txBody>
-      </p:sp>
-      <p:sp>
-        <p:nvSpPr>
-          <p:cNvPr id="3" name="Picture Placeholder 2"/>
-          <p:cNvSpPr>
-            <a:spLocks noGrp="1" noChangeAspect="1"/>
-          </p:cNvSpPr>
-          <p:nvPr>
-            <p:ph type="pic" idx="1"/>
-          </p:nvPr>
-        </p:nvSpPr>
-        <p:spPr>
-          <a:xfrm>
-            <a:off x="677334" y="609600"/>
-            <a:ext cx="8596668" cy="3845718"/>
-          </a:xfrm>
-        </p:spPr>
-        <p:txBody>
-          <a:bodyPr anchor="t">
-            <a:normAutofit/>
-          </a:bodyPr>
-          <a:lstStyle>
-            <a:lvl1pPr marL="0" indent="0" algn="ctr">
-              <a:buNone/>
-              <a:defRPr sz="1600"/>
-            </a:lvl1pPr>
-            <a:lvl2pPr marL="457200" indent="0">
-              <a:buNone/>
-              <a:defRPr sz="1600"/>
-            </a:lvl2pPr>
-            <a:lvl3pPr marL="914400" indent="0">
-              <a:buNone/>
-              <a:defRPr sz="1600"/>
-            </a:lvl3pPr>
-            <a:lvl4pPr marL="1371600" indent="0">
-              <a:buNone/>
-              <a:defRPr sz="1600"/>
-            </a:lvl4pPr>
-            <a:lvl5pPr marL="1828800" indent="0">
-              <a:buNone/>
-              <a:defRPr sz="1600"/>
-            </a:lvl5pPr>
-            <a:lvl6pPr marL="2286000" indent="0">
-              <a:buNone/>
-              <a:defRPr sz="1600"/>
-            </a:lvl6pPr>
-            <a:lvl7pPr marL="2743200" indent="0">
-              <a:buNone/>
-              <a:defRPr sz="1600"/>
-            </a:lvl7pPr>
-            <a:lvl8pPr marL="3200400" indent="0">
-              <a:buNone/>
-              <a:defRPr sz="1600"/>
-            </a:lvl8pPr>
-            <a:lvl9pPr marL="3657600" indent="0">
-              <a:buNone/>
-              <a:defRPr sz="1600"/>
-            </a:lvl9pPr>
-          </a:lstStyle>
-          <a:p>
-            <a:r>
-              <a:rPr lang="en-US"/>
-              <a:t>Click icon to add picture</a:t>
-            </a:r>
-            <a:endParaRPr lang="en-US" dirty="0"/>
-          </a:p>
-        </p:txBody>
-      </p:sp>
-      <p:sp>
-        <p:nvSpPr>
-          <p:cNvPr id="4" name="Text Placeholder 3"/>
-          <p:cNvSpPr>
-            <a:spLocks noGrp="1"/>
-          </p:cNvSpPr>
-          <p:nvPr>
-            <p:ph type="body" sz="half" idx="2"/>
-          </p:nvPr>
-        </p:nvSpPr>
-        <p:spPr>
-          <a:xfrm>
-            <a:off x="677334" y="5367338"/>
-            <a:ext cx="8596667" cy="674024"/>
-          </a:xfrm>
-        </p:spPr>
-        <p:txBody>
-          <a:bodyPr>
-            <a:normAutofit/>
-          </a:bodyPr>
-          <a:lstStyle>
-            <a:lvl1pPr marL="0" indent="0">
-              <a:buNone/>
-              <a:defRPr sz="1200"/>
-            </a:lvl1pPr>
-            <a:lvl2pPr marL="457200" indent="0">
-              <a:buNone/>
-              <a:defRPr sz="1200"/>
-            </a:lvl2pPr>
-            <a:lvl3pPr marL="914400" indent="0">
-              <a:buNone/>
-              <a:defRPr sz="1000"/>
-            </a:lvl3pPr>
-            <a:lvl4pPr marL="1371600" indent="0">
-              <a:buNone/>
-              <a:defRPr sz="900"/>
-            </a:lvl4pPr>
-            <a:lvl5pPr marL="1828800" indent="0">
-              <a:buNone/>
-              <a:defRPr sz="900"/>
-            </a:lvl5pPr>
-            <a:lvl6pPr marL="2286000" indent="0">
-              <a:buNone/>
-              <a:defRPr sz="900"/>
-            </a:lvl6pPr>
-            <a:lvl7pPr marL="2743200" indent="0">
-              <a:buNone/>
-              <a:defRPr sz="900"/>
-            </a:lvl7pPr>
-            <a:lvl8pPr marL="3200400" indent="0">
-              <a:buNone/>
-              <a:defRPr sz="900"/>
-            </a:lvl8pPr>
-            <a:lvl9pPr marL="3657600" indent="0">
-              <a:buNone/>
-              <a:defRPr sz="900"/>
-            </a:lvl9pPr>
-          </a:lstStyle>
-          <a:p>
-            <a:pPr lvl="0"/>
-            <a:r>
-              <a:rPr lang="en-US"/>
-              <a:t>Click to edit Master text styles</a:t>
-            </a:r>
-          </a:p>
-        </p:txBody>
-      </p:sp>
-      <p:sp>
-        <p:nvSpPr>
-          <p:cNvPr id="5" name="Date Placeholder 4"/>
-          <p:cNvSpPr>
-            <a:spLocks noGrp="1"/>
-          </p:cNvSpPr>
-          <p:nvPr>
-            <p:ph type="dt" sz="half" idx="10"/>
-          </p:nvPr>
-        </p:nvSpPr>
-        <p:spPr/>
-        <p:txBody>
-          <a:bodyPr/>
-          <a:lstStyle/>
-          <a:p>
-            <a:fld id="{0CEDED08-CADF-44F9-A3BB-3FCFEFB05A4A}" type="datetimeFigureOut">
-              <a:rPr lang="en-US" smtClean="0"/>
-              <a:t>9/7/2020</a:t>
-            </a:fld>
-            <a:endParaRPr lang="en-US"/>
-          </a:p>
-        </p:txBody>
-      </p:sp>
-      <p:sp>
-        <p:nvSpPr>
-          <p:cNvPr id="6" name="Footer Placeholder 5"/>
-          <p:cNvSpPr>
-            <a:spLocks noGrp="1"/>
-          </p:cNvSpPr>
-          <p:nvPr>
-            <p:ph type="ftr" sz="quarter" idx="11"/>
-          </p:nvPr>
-        </p:nvSpPr>
-        <p:spPr/>
-        <p:txBody>
-          <a:bodyPr/>
-          <a:lstStyle/>
-          <a:p>
-            <a:endParaRPr lang="en-US"/>
-          </a:p>
-        </p:txBody>
-      </p:sp>
-      <p:sp>
-        <p:nvSpPr>
-          <p:cNvPr id="7" name="Slide Number Placeholder 6"/>
-          <p:cNvSpPr>
-            <a:spLocks noGrp="1"/>
-          </p:cNvSpPr>
-          <p:nvPr>
-            <p:ph type="sldNum" sz="quarter" idx="12"/>
-          </p:nvPr>
-        </p:nvSpPr>
-        <p:spPr/>
-        <p:txBody>
-          <a:bodyPr/>
-          <a:lstStyle/>
-          <a:p>
-            <a:fld id="{55605263-C902-48DB-AA98-994A2984047F}" type="slidenum">
-              <a:rPr lang="en-US" smtClean="0"/>
-              <a:t>‹#›</a:t>
-            </a:fld>
-            <a:endParaRPr lang="en-US"/>
-          </a:p>
-        </p:txBody>
-      </p:sp>
-    </p:spTree>
-    <p:extLst>
-      <p:ext uri="{BB962C8B-B14F-4D97-AF65-F5344CB8AC3E}">
-        <p14:creationId xmlns:p14="http://schemas.microsoft.com/office/powerpoint/2010/main" val="887849160"/>
       </p:ext>
     </p:extLst>
   </p:cSld>
@@ -5311,9 +5887,9 @@
             </a:lvl1pPr>
           </a:lstStyle>
           <a:p>
-            <a:fld id="{0CEDED08-CADF-44F9-A3BB-3FCFEFB05A4A}" type="datetimeFigureOut">
-              <a:rPr lang="en-US" smtClean="0"/>
-              <a:t>9/7/2020</a:t>
+            <a:fld id="{589A2304-41B2-49D5-86E3-82760E9ED896}" type="datetime1">
+              <a:rPr lang="de-DE" smtClean="0"/>
+              <a:t>11.09.2020</a:t>
             </a:fld>
             <a:endParaRPr lang="en-US"/>
           </a:p>
@@ -5406,21 +5982,23 @@
   <p:sldLayoutIdLst>
     <p:sldLayoutId id="2147483661" r:id="rId1"/>
     <p:sldLayoutId id="2147483662" r:id="rId2"/>
-    <p:sldLayoutId id="2147483663" r:id="rId3"/>
-    <p:sldLayoutId id="2147483664" r:id="rId4"/>
-    <p:sldLayoutId id="2147483665" r:id="rId5"/>
-    <p:sldLayoutId id="2147483666" r:id="rId6"/>
-    <p:sldLayoutId id="2147483667" r:id="rId7"/>
-    <p:sldLayoutId id="2147483668" r:id="rId8"/>
-    <p:sldLayoutId id="2147483669" r:id="rId9"/>
-    <p:sldLayoutId id="2147483670" r:id="rId10"/>
-    <p:sldLayoutId id="2147483671" r:id="rId11"/>
-    <p:sldLayoutId id="2147483672" r:id="rId12"/>
-    <p:sldLayoutId id="2147483673" r:id="rId13"/>
-    <p:sldLayoutId id="2147483674" r:id="rId14"/>
-    <p:sldLayoutId id="2147483675" r:id="rId15"/>
-    <p:sldLayoutId id="2147483676" r:id="rId16"/>
+    <p:sldLayoutId id="2147483677" r:id="rId3"/>
+    <p:sldLayoutId id="2147483663" r:id="rId4"/>
+    <p:sldLayoutId id="2147483664" r:id="rId5"/>
+    <p:sldLayoutId id="2147483665" r:id="rId6"/>
+    <p:sldLayoutId id="2147483666" r:id="rId7"/>
+    <p:sldLayoutId id="2147483667" r:id="rId8"/>
+    <p:sldLayoutId id="2147483668" r:id="rId9"/>
+    <p:sldLayoutId id="2147483669" r:id="rId10"/>
+    <p:sldLayoutId id="2147483670" r:id="rId11"/>
+    <p:sldLayoutId id="2147483671" r:id="rId12"/>
+    <p:sldLayoutId id="2147483672" r:id="rId13"/>
+    <p:sldLayoutId id="2147483673" r:id="rId14"/>
+    <p:sldLayoutId id="2147483674" r:id="rId15"/>
+    <p:sldLayoutId id="2147483675" r:id="rId16"/>
+    <p:sldLayoutId id="2147483676" r:id="rId17"/>
   </p:sldLayoutIdLst>
+  <p:hf sldNum="0" hdr="0" ftr="0"/>
   <p:txStyles>
     <p:titleStyle>
       <a:lvl1pPr algn="l" defTabSz="457200" rtl="0" eaLnBrk="1" latinLnBrk="0" hangingPunct="1">
@@ -5911,27 +6489,34 @@
               <a:t> – Lukas Werner</a:t>
             </a:r>
           </a:p>
-          <a:p>
-            <a:r>
-              <a:rPr lang="en-US" dirty="0"/>
-              <a:t>(Luisa hat das </a:t>
-            </a:r>
-            <a:r>
-              <a:rPr lang="en-US" dirty="0" err="1"/>
-              <a:t>Studium</a:t>
-            </a:r>
-            <a:r>
-              <a:rPr lang="en-US" dirty="0"/>
-              <a:t> </a:t>
-            </a:r>
-            <a:r>
-              <a:rPr lang="en-US" dirty="0" err="1"/>
-              <a:t>abgebroch</a:t>
-            </a:r>
-            <a:r>
-              <a:rPr lang="en-US" dirty="0"/>
-              <a:t>)</a:t>
-            </a:r>
+        </p:txBody>
+      </p:sp>
+      <p:sp>
+        <p:nvSpPr>
+          <p:cNvPr id="4" name="Date Placeholder 3">
+            <a:extLst>
+              <a:ext uri="{FF2B5EF4-FFF2-40B4-BE49-F238E27FC236}">
+                <a16:creationId xmlns:a16="http://schemas.microsoft.com/office/drawing/2014/main" id="{FAF7B326-E508-4308-BA77-8BAB563EB711}"/>
+              </a:ext>
+            </a:extLst>
+          </p:cNvPr>
+          <p:cNvSpPr>
+            <a:spLocks noGrp="1"/>
+          </p:cNvSpPr>
+          <p:nvPr>
+            <p:ph type="dt" sz="half" idx="10"/>
+          </p:nvPr>
+        </p:nvSpPr>
+        <p:spPr/>
+        <p:txBody>
+          <a:bodyPr/>
+          <a:lstStyle/>
+          <a:p>
+            <a:fld id="{46B7071C-03FC-43DF-B990-14F749E9D9DA}" type="datetime1">
+              <a:rPr lang="de-DE" smtClean="0"/>
+              <a:t>11.09.2020</a:t>
+            </a:fld>
+            <a:endParaRPr lang="en-US" dirty="0"/>
           </a:p>
         </p:txBody>
       </p:sp>
@@ -5951,6 +6536,14 @@
 <file path=ppt/slides/slide2.xml><?xml version="1.0" encoding="utf-8"?>
 <p:sld xmlns:a="http://schemas.openxmlformats.org/drawingml/2006/main" xmlns:r="http://schemas.openxmlformats.org/officeDocument/2006/relationships" xmlns:p="http://schemas.openxmlformats.org/presentationml/2006/main">
   <p:cSld>
+    <p:bg>
+      <p:bgPr>
+        <a:solidFill>
+          <a:schemeClr val="bg1"/>
+        </a:solidFill>
+        <a:effectLst/>
+      </p:bgPr>
+    </p:bg>
     <p:spTree>
       <p:nvGrpSpPr>
         <p:cNvPr id="1" name=""/>
@@ -6071,6 +6664,179 @@
               <a:rPr lang="en-US" dirty="0"/>
               <a:t>App-Demo</a:t>
             </a:r>
+          </a:p>
+        </p:txBody>
+      </p:sp>
+      <p:sp>
+        <p:nvSpPr>
+          <p:cNvPr id="4" name="Date Placeholder 3">
+            <a:extLst>
+              <a:ext uri="{FF2B5EF4-FFF2-40B4-BE49-F238E27FC236}">
+                <a16:creationId xmlns:a16="http://schemas.microsoft.com/office/drawing/2014/main" id="{4AC01FB9-36E0-4F50-94AD-42B7C461E75F}"/>
+              </a:ext>
+            </a:extLst>
+          </p:cNvPr>
+          <p:cNvSpPr>
+            <a:spLocks noGrp="1"/>
+          </p:cNvSpPr>
+          <p:nvPr>
+            <p:ph type="dt" sz="half" idx="10"/>
+          </p:nvPr>
+        </p:nvSpPr>
+        <p:spPr>
+          <a:xfrm>
+            <a:off x="677334" y="231051"/>
+            <a:ext cx="1071566" cy="378549"/>
+          </a:xfrm>
+        </p:spPr>
+        <p:txBody>
+          <a:bodyPr/>
+          <a:lstStyle/>
+          <a:p>
+            <a:r>
+              <a:rPr lang="de-DE" sz="1400" dirty="0"/>
+              <a:t>11.09.2020</a:t>
+            </a:r>
+            <a:endParaRPr lang="en-US" dirty="0"/>
+          </a:p>
+        </p:txBody>
+      </p:sp>
+      <p:sp>
+        <p:nvSpPr>
+          <p:cNvPr id="5" name="Date Placeholder 3">
+            <a:extLst>
+              <a:ext uri="{FF2B5EF4-FFF2-40B4-BE49-F238E27FC236}">
+                <a16:creationId xmlns:a16="http://schemas.microsoft.com/office/drawing/2014/main" id="{E52FD333-5761-475D-B05E-3F4A8DFFEF1E}"/>
+              </a:ext>
+            </a:extLst>
+          </p:cNvPr>
+          <p:cNvSpPr txBox="1">
+            <a:spLocks/>
+          </p:cNvSpPr>
+          <p:nvPr/>
+        </p:nvSpPr>
+        <p:spPr>
+          <a:xfrm>
+            <a:off x="1824033" y="231050"/>
+            <a:ext cx="5713108" cy="378549"/>
+          </a:xfrm>
+          <a:prstGeom prst="rect">
+            <a:avLst/>
+          </a:prstGeom>
+        </p:spPr>
+        <p:txBody>
+          <a:bodyPr vert="horz" lIns="91440" tIns="45720" rIns="91440" bIns="45720" rtlCol="0" anchor="ctr"/>
+          <a:lstStyle>
+            <a:defPPr>
+              <a:defRPr lang="en-US"/>
+            </a:defPPr>
+            <a:lvl1pPr marL="0" algn="r" defTabSz="457200" rtl="0" eaLnBrk="1" latinLnBrk="0" hangingPunct="1">
+              <a:defRPr sz="900" kern="1200">
+                <a:solidFill>
+                  <a:schemeClr val="tx1">
+                    <a:tint val="75000"/>
+                  </a:schemeClr>
+                </a:solidFill>
+                <a:latin typeface="+mn-lt"/>
+                <a:ea typeface="+mn-ea"/>
+                <a:cs typeface="+mn-cs"/>
+              </a:defRPr>
+            </a:lvl1pPr>
+            <a:lvl2pPr marL="457200" algn="l" defTabSz="457200" rtl="0" eaLnBrk="1" latinLnBrk="0" hangingPunct="1">
+              <a:defRPr sz="1800" kern="1200">
+                <a:solidFill>
+                  <a:schemeClr val="tx1"/>
+                </a:solidFill>
+                <a:latin typeface="+mn-lt"/>
+                <a:ea typeface="+mn-ea"/>
+                <a:cs typeface="+mn-cs"/>
+              </a:defRPr>
+            </a:lvl2pPr>
+            <a:lvl3pPr marL="914400" algn="l" defTabSz="457200" rtl="0" eaLnBrk="1" latinLnBrk="0" hangingPunct="1">
+              <a:defRPr sz="1800" kern="1200">
+                <a:solidFill>
+                  <a:schemeClr val="tx1"/>
+                </a:solidFill>
+                <a:latin typeface="+mn-lt"/>
+                <a:ea typeface="+mn-ea"/>
+                <a:cs typeface="+mn-cs"/>
+              </a:defRPr>
+            </a:lvl3pPr>
+            <a:lvl4pPr marL="1371600" algn="l" defTabSz="457200" rtl="0" eaLnBrk="1" latinLnBrk="0" hangingPunct="1">
+              <a:defRPr sz="1800" kern="1200">
+                <a:solidFill>
+                  <a:schemeClr val="tx1"/>
+                </a:solidFill>
+                <a:latin typeface="+mn-lt"/>
+                <a:ea typeface="+mn-ea"/>
+                <a:cs typeface="+mn-cs"/>
+              </a:defRPr>
+            </a:lvl4pPr>
+            <a:lvl5pPr marL="1828800" algn="l" defTabSz="457200" rtl="0" eaLnBrk="1" latinLnBrk="0" hangingPunct="1">
+              <a:defRPr sz="1800" kern="1200">
+                <a:solidFill>
+                  <a:schemeClr val="tx1"/>
+                </a:solidFill>
+                <a:latin typeface="+mn-lt"/>
+                <a:ea typeface="+mn-ea"/>
+                <a:cs typeface="+mn-cs"/>
+              </a:defRPr>
+            </a:lvl5pPr>
+            <a:lvl6pPr marL="2286000" algn="l" defTabSz="457200" rtl="0" eaLnBrk="1" latinLnBrk="0" hangingPunct="1">
+              <a:defRPr sz="1800" kern="1200">
+                <a:solidFill>
+                  <a:schemeClr val="tx1"/>
+                </a:solidFill>
+                <a:latin typeface="+mn-lt"/>
+                <a:ea typeface="+mn-ea"/>
+                <a:cs typeface="+mn-cs"/>
+              </a:defRPr>
+            </a:lvl6pPr>
+            <a:lvl7pPr marL="2743200" algn="l" defTabSz="457200" rtl="0" eaLnBrk="1" latinLnBrk="0" hangingPunct="1">
+              <a:defRPr sz="1800" kern="1200">
+                <a:solidFill>
+                  <a:schemeClr val="tx1"/>
+                </a:solidFill>
+                <a:latin typeface="+mn-lt"/>
+                <a:ea typeface="+mn-ea"/>
+                <a:cs typeface="+mn-cs"/>
+              </a:defRPr>
+            </a:lvl7pPr>
+            <a:lvl8pPr marL="3200400" algn="l" defTabSz="457200" rtl="0" eaLnBrk="1" latinLnBrk="0" hangingPunct="1">
+              <a:defRPr sz="1800" kern="1200">
+                <a:solidFill>
+                  <a:schemeClr val="tx1"/>
+                </a:solidFill>
+                <a:latin typeface="+mn-lt"/>
+                <a:ea typeface="+mn-ea"/>
+                <a:cs typeface="+mn-cs"/>
+              </a:defRPr>
+            </a:lvl8pPr>
+            <a:lvl9pPr marL="3657600" algn="l" defTabSz="457200" rtl="0" eaLnBrk="1" latinLnBrk="0" hangingPunct="1">
+              <a:defRPr sz="1800" kern="1200">
+                <a:solidFill>
+                  <a:schemeClr val="tx1"/>
+                </a:solidFill>
+                <a:latin typeface="+mn-lt"/>
+                <a:ea typeface="+mn-ea"/>
+                <a:cs typeface="+mn-cs"/>
+              </a:defRPr>
+            </a:lvl9pPr>
+          </a:lstStyle>
+          <a:p>
+            <a:r>
+              <a:rPr lang="de-DE" sz="1400" dirty="0"/>
+              <a:t>Veronika Taranek, Philipp </a:t>
+            </a:r>
+            <a:r>
+              <a:rPr lang="de-DE" sz="1400" dirty="0" err="1"/>
+              <a:t>Fenesan</a:t>
+            </a:r>
+            <a:r>
+              <a:rPr lang="de-DE" sz="1400" dirty="0"/>
+              <a:t>, Nicolas Geppert, Lukas Werner</a:t>
+            </a:r>
+            <a:endParaRPr lang="en-US" dirty="0"/>
           </a:p>
         </p:txBody>
       </p:sp>
@@ -6407,6 +7173,277 @@
           </a:p>
         </p:txBody>
       </p:sp>
+      <p:sp>
+        <p:nvSpPr>
+          <p:cNvPr id="10" name="Date Placeholder 3">
+            <a:extLst>
+              <a:ext uri="{FF2B5EF4-FFF2-40B4-BE49-F238E27FC236}">
+                <a16:creationId xmlns:a16="http://schemas.microsoft.com/office/drawing/2014/main" id="{61C4EDA8-AFA7-478C-98E5-4E810AECB231}"/>
+              </a:ext>
+            </a:extLst>
+          </p:cNvPr>
+          <p:cNvSpPr txBox="1">
+            <a:spLocks/>
+          </p:cNvSpPr>
+          <p:nvPr/>
+        </p:nvSpPr>
+        <p:spPr>
+          <a:xfrm>
+            <a:off x="677334" y="231051"/>
+            <a:ext cx="1071566" cy="378549"/>
+          </a:xfrm>
+          <a:prstGeom prst="rect">
+            <a:avLst/>
+          </a:prstGeom>
+        </p:spPr>
+        <p:txBody>
+          <a:bodyPr vert="horz" lIns="91440" tIns="45720" rIns="91440" bIns="45720" rtlCol="0" anchor="ctr"/>
+          <a:lstStyle>
+            <a:defPPr>
+              <a:defRPr lang="en-US"/>
+            </a:defPPr>
+            <a:lvl1pPr marL="0" algn="r" defTabSz="457200" rtl="0" eaLnBrk="1" latinLnBrk="0" hangingPunct="1">
+              <a:defRPr sz="900" kern="1200">
+                <a:solidFill>
+                  <a:schemeClr val="tx1">
+                    <a:tint val="75000"/>
+                  </a:schemeClr>
+                </a:solidFill>
+                <a:latin typeface="+mn-lt"/>
+                <a:ea typeface="+mn-ea"/>
+                <a:cs typeface="+mn-cs"/>
+              </a:defRPr>
+            </a:lvl1pPr>
+            <a:lvl2pPr marL="457200" algn="l" defTabSz="457200" rtl="0" eaLnBrk="1" latinLnBrk="0" hangingPunct="1">
+              <a:defRPr sz="1800" kern="1200">
+                <a:solidFill>
+                  <a:schemeClr val="tx1"/>
+                </a:solidFill>
+                <a:latin typeface="+mn-lt"/>
+                <a:ea typeface="+mn-ea"/>
+                <a:cs typeface="+mn-cs"/>
+              </a:defRPr>
+            </a:lvl2pPr>
+            <a:lvl3pPr marL="914400" algn="l" defTabSz="457200" rtl="0" eaLnBrk="1" latinLnBrk="0" hangingPunct="1">
+              <a:defRPr sz="1800" kern="1200">
+                <a:solidFill>
+                  <a:schemeClr val="tx1"/>
+                </a:solidFill>
+                <a:latin typeface="+mn-lt"/>
+                <a:ea typeface="+mn-ea"/>
+                <a:cs typeface="+mn-cs"/>
+              </a:defRPr>
+            </a:lvl3pPr>
+            <a:lvl4pPr marL="1371600" algn="l" defTabSz="457200" rtl="0" eaLnBrk="1" latinLnBrk="0" hangingPunct="1">
+              <a:defRPr sz="1800" kern="1200">
+                <a:solidFill>
+                  <a:schemeClr val="tx1"/>
+                </a:solidFill>
+                <a:latin typeface="+mn-lt"/>
+                <a:ea typeface="+mn-ea"/>
+                <a:cs typeface="+mn-cs"/>
+              </a:defRPr>
+            </a:lvl4pPr>
+            <a:lvl5pPr marL="1828800" algn="l" defTabSz="457200" rtl="0" eaLnBrk="1" latinLnBrk="0" hangingPunct="1">
+              <a:defRPr sz="1800" kern="1200">
+                <a:solidFill>
+                  <a:schemeClr val="tx1"/>
+                </a:solidFill>
+                <a:latin typeface="+mn-lt"/>
+                <a:ea typeface="+mn-ea"/>
+                <a:cs typeface="+mn-cs"/>
+              </a:defRPr>
+            </a:lvl5pPr>
+            <a:lvl6pPr marL="2286000" algn="l" defTabSz="457200" rtl="0" eaLnBrk="1" latinLnBrk="0" hangingPunct="1">
+              <a:defRPr sz="1800" kern="1200">
+                <a:solidFill>
+                  <a:schemeClr val="tx1"/>
+                </a:solidFill>
+                <a:latin typeface="+mn-lt"/>
+                <a:ea typeface="+mn-ea"/>
+                <a:cs typeface="+mn-cs"/>
+              </a:defRPr>
+            </a:lvl6pPr>
+            <a:lvl7pPr marL="2743200" algn="l" defTabSz="457200" rtl="0" eaLnBrk="1" latinLnBrk="0" hangingPunct="1">
+              <a:defRPr sz="1800" kern="1200">
+                <a:solidFill>
+                  <a:schemeClr val="tx1"/>
+                </a:solidFill>
+                <a:latin typeface="+mn-lt"/>
+                <a:ea typeface="+mn-ea"/>
+                <a:cs typeface="+mn-cs"/>
+              </a:defRPr>
+            </a:lvl7pPr>
+            <a:lvl8pPr marL="3200400" algn="l" defTabSz="457200" rtl="0" eaLnBrk="1" latinLnBrk="0" hangingPunct="1">
+              <a:defRPr sz="1800" kern="1200">
+                <a:solidFill>
+                  <a:schemeClr val="tx1"/>
+                </a:solidFill>
+                <a:latin typeface="+mn-lt"/>
+                <a:ea typeface="+mn-ea"/>
+                <a:cs typeface="+mn-cs"/>
+              </a:defRPr>
+            </a:lvl8pPr>
+            <a:lvl9pPr marL="3657600" algn="l" defTabSz="457200" rtl="0" eaLnBrk="1" latinLnBrk="0" hangingPunct="1">
+              <a:defRPr sz="1800" kern="1200">
+                <a:solidFill>
+                  <a:schemeClr val="tx1"/>
+                </a:solidFill>
+                <a:latin typeface="+mn-lt"/>
+                <a:ea typeface="+mn-ea"/>
+                <a:cs typeface="+mn-cs"/>
+              </a:defRPr>
+            </a:lvl9pPr>
+          </a:lstStyle>
+          <a:p>
+            <a:fld id="{5665C720-CFBA-4CD6-B44E-E52DA515AFF8}" type="datetime1">
+              <a:rPr lang="de-DE" sz="1400" smtClean="0"/>
+              <a:pPr/>
+              <a:t>11.09.2020</a:t>
+            </a:fld>
+            <a:endParaRPr lang="en-US" dirty="0"/>
+          </a:p>
+        </p:txBody>
+      </p:sp>
+      <p:sp>
+        <p:nvSpPr>
+          <p:cNvPr id="11" name="Date Placeholder 3">
+            <a:extLst>
+              <a:ext uri="{FF2B5EF4-FFF2-40B4-BE49-F238E27FC236}">
+                <a16:creationId xmlns:a16="http://schemas.microsoft.com/office/drawing/2014/main" id="{6D806EE6-CFCC-45E3-B129-BD7111C54EE2}"/>
+              </a:ext>
+            </a:extLst>
+          </p:cNvPr>
+          <p:cNvSpPr txBox="1">
+            <a:spLocks/>
+          </p:cNvSpPr>
+          <p:nvPr/>
+        </p:nvSpPr>
+        <p:spPr>
+          <a:xfrm>
+            <a:off x="1824033" y="231050"/>
+            <a:ext cx="5713108" cy="378549"/>
+          </a:xfrm>
+          <a:prstGeom prst="rect">
+            <a:avLst/>
+          </a:prstGeom>
+        </p:spPr>
+        <p:txBody>
+          <a:bodyPr vert="horz" lIns="91440" tIns="45720" rIns="91440" bIns="45720" rtlCol="0" anchor="ctr"/>
+          <a:lstStyle>
+            <a:defPPr>
+              <a:defRPr lang="en-US"/>
+            </a:defPPr>
+            <a:lvl1pPr marL="0" algn="r" defTabSz="457200" rtl="0" eaLnBrk="1" latinLnBrk="0" hangingPunct="1">
+              <a:defRPr sz="900" kern="1200">
+                <a:solidFill>
+                  <a:schemeClr val="tx1">
+                    <a:tint val="75000"/>
+                  </a:schemeClr>
+                </a:solidFill>
+                <a:latin typeface="+mn-lt"/>
+                <a:ea typeface="+mn-ea"/>
+                <a:cs typeface="+mn-cs"/>
+              </a:defRPr>
+            </a:lvl1pPr>
+            <a:lvl2pPr marL="457200" algn="l" defTabSz="457200" rtl="0" eaLnBrk="1" latinLnBrk="0" hangingPunct="1">
+              <a:defRPr sz="1800" kern="1200">
+                <a:solidFill>
+                  <a:schemeClr val="tx1"/>
+                </a:solidFill>
+                <a:latin typeface="+mn-lt"/>
+                <a:ea typeface="+mn-ea"/>
+                <a:cs typeface="+mn-cs"/>
+              </a:defRPr>
+            </a:lvl2pPr>
+            <a:lvl3pPr marL="914400" algn="l" defTabSz="457200" rtl="0" eaLnBrk="1" latinLnBrk="0" hangingPunct="1">
+              <a:defRPr sz="1800" kern="1200">
+                <a:solidFill>
+                  <a:schemeClr val="tx1"/>
+                </a:solidFill>
+                <a:latin typeface="+mn-lt"/>
+                <a:ea typeface="+mn-ea"/>
+                <a:cs typeface="+mn-cs"/>
+              </a:defRPr>
+            </a:lvl3pPr>
+            <a:lvl4pPr marL="1371600" algn="l" defTabSz="457200" rtl="0" eaLnBrk="1" latinLnBrk="0" hangingPunct="1">
+              <a:defRPr sz="1800" kern="1200">
+                <a:solidFill>
+                  <a:schemeClr val="tx1"/>
+                </a:solidFill>
+                <a:latin typeface="+mn-lt"/>
+                <a:ea typeface="+mn-ea"/>
+                <a:cs typeface="+mn-cs"/>
+              </a:defRPr>
+            </a:lvl4pPr>
+            <a:lvl5pPr marL="1828800" algn="l" defTabSz="457200" rtl="0" eaLnBrk="1" latinLnBrk="0" hangingPunct="1">
+              <a:defRPr sz="1800" kern="1200">
+                <a:solidFill>
+                  <a:schemeClr val="tx1"/>
+                </a:solidFill>
+                <a:latin typeface="+mn-lt"/>
+                <a:ea typeface="+mn-ea"/>
+                <a:cs typeface="+mn-cs"/>
+              </a:defRPr>
+            </a:lvl5pPr>
+            <a:lvl6pPr marL="2286000" algn="l" defTabSz="457200" rtl="0" eaLnBrk="1" latinLnBrk="0" hangingPunct="1">
+              <a:defRPr sz="1800" kern="1200">
+                <a:solidFill>
+                  <a:schemeClr val="tx1"/>
+                </a:solidFill>
+                <a:latin typeface="+mn-lt"/>
+                <a:ea typeface="+mn-ea"/>
+                <a:cs typeface="+mn-cs"/>
+              </a:defRPr>
+            </a:lvl6pPr>
+            <a:lvl7pPr marL="2743200" algn="l" defTabSz="457200" rtl="0" eaLnBrk="1" latinLnBrk="0" hangingPunct="1">
+              <a:defRPr sz="1800" kern="1200">
+                <a:solidFill>
+                  <a:schemeClr val="tx1"/>
+                </a:solidFill>
+                <a:latin typeface="+mn-lt"/>
+                <a:ea typeface="+mn-ea"/>
+                <a:cs typeface="+mn-cs"/>
+              </a:defRPr>
+            </a:lvl7pPr>
+            <a:lvl8pPr marL="3200400" algn="l" defTabSz="457200" rtl="0" eaLnBrk="1" latinLnBrk="0" hangingPunct="1">
+              <a:defRPr sz="1800" kern="1200">
+                <a:solidFill>
+                  <a:schemeClr val="tx1"/>
+                </a:solidFill>
+                <a:latin typeface="+mn-lt"/>
+                <a:ea typeface="+mn-ea"/>
+                <a:cs typeface="+mn-cs"/>
+              </a:defRPr>
+            </a:lvl8pPr>
+            <a:lvl9pPr marL="3657600" algn="l" defTabSz="457200" rtl="0" eaLnBrk="1" latinLnBrk="0" hangingPunct="1">
+              <a:defRPr sz="1800" kern="1200">
+                <a:solidFill>
+                  <a:schemeClr val="tx1"/>
+                </a:solidFill>
+                <a:latin typeface="+mn-lt"/>
+                <a:ea typeface="+mn-ea"/>
+                <a:cs typeface="+mn-cs"/>
+              </a:defRPr>
+            </a:lvl9pPr>
+          </a:lstStyle>
+          <a:p>
+            <a:r>
+              <a:rPr lang="de-DE" sz="1400" dirty="0"/>
+              <a:t>Veronika Taranek, Philipp </a:t>
+            </a:r>
+            <a:r>
+              <a:rPr lang="de-DE" sz="1400" dirty="0" err="1"/>
+              <a:t>Fenesan</a:t>
+            </a:r>
+            <a:r>
+              <a:rPr lang="de-DE" sz="1400" dirty="0"/>
+              <a:t>, Nicolas Geppert, Lukas Werner</a:t>
+            </a:r>
+            <a:endParaRPr lang="en-US" dirty="0"/>
+          </a:p>
+        </p:txBody>
+      </p:sp>
     </p:spTree>
     <p:extLst>
       <p:ext uri="{BB962C8B-B14F-4D97-AF65-F5344CB8AC3E}">
@@ -6828,6 +7865,277 @@
               <a:ea typeface="Calibri" panose="020F0502020204030204" pitchFamily="34" charset="0"/>
               <a:cs typeface="Times New Roman" panose="02020603050405020304" pitchFamily="18" charset="0"/>
             </a:endParaRPr>
+          </a:p>
+        </p:txBody>
+      </p:sp>
+      <p:sp>
+        <p:nvSpPr>
+          <p:cNvPr id="6" name="Date Placeholder 3">
+            <a:extLst>
+              <a:ext uri="{FF2B5EF4-FFF2-40B4-BE49-F238E27FC236}">
+                <a16:creationId xmlns:a16="http://schemas.microsoft.com/office/drawing/2014/main" id="{C6FD95F7-13F9-4700-AAC1-F21125626FF7}"/>
+              </a:ext>
+            </a:extLst>
+          </p:cNvPr>
+          <p:cNvSpPr txBox="1">
+            <a:spLocks/>
+          </p:cNvSpPr>
+          <p:nvPr/>
+        </p:nvSpPr>
+        <p:spPr>
+          <a:xfrm>
+            <a:off x="677334" y="231051"/>
+            <a:ext cx="1071566" cy="378549"/>
+          </a:xfrm>
+          <a:prstGeom prst="rect">
+            <a:avLst/>
+          </a:prstGeom>
+        </p:spPr>
+        <p:txBody>
+          <a:bodyPr vert="horz" lIns="91440" tIns="45720" rIns="91440" bIns="45720" rtlCol="0" anchor="ctr"/>
+          <a:lstStyle>
+            <a:defPPr>
+              <a:defRPr lang="en-US"/>
+            </a:defPPr>
+            <a:lvl1pPr marL="0" algn="r" defTabSz="457200" rtl="0" eaLnBrk="1" latinLnBrk="0" hangingPunct="1">
+              <a:defRPr sz="900" kern="1200">
+                <a:solidFill>
+                  <a:schemeClr val="tx1">
+                    <a:tint val="75000"/>
+                  </a:schemeClr>
+                </a:solidFill>
+                <a:latin typeface="+mn-lt"/>
+                <a:ea typeface="+mn-ea"/>
+                <a:cs typeface="+mn-cs"/>
+              </a:defRPr>
+            </a:lvl1pPr>
+            <a:lvl2pPr marL="457200" algn="l" defTabSz="457200" rtl="0" eaLnBrk="1" latinLnBrk="0" hangingPunct="1">
+              <a:defRPr sz="1800" kern="1200">
+                <a:solidFill>
+                  <a:schemeClr val="tx1"/>
+                </a:solidFill>
+                <a:latin typeface="+mn-lt"/>
+                <a:ea typeface="+mn-ea"/>
+                <a:cs typeface="+mn-cs"/>
+              </a:defRPr>
+            </a:lvl2pPr>
+            <a:lvl3pPr marL="914400" algn="l" defTabSz="457200" rtl="0" eaLnBrk="1" latinLnBrk="0" hangingPunct="1">
+              <a:defRPr sz="1800" kern="1200">
+                <a:solidFill>
+                  <a:schemeClr val="tx1"/>
+                </a:solidFill>
+                <a:latin typeface="+mn-lt"/>
+                <a:ea typeface="+mn-ea"/>
+                <a:cs typeface="+mn-cs"/>
+              </a:defRPr>
+            </a:lvl3pPr>
+            <a:lvl4pPr marL="1371600" algn="l" defTabSz="457200" rtl="0" eaLnBrk="1" latinLnBrk="0" hangingPunct="1">
+              <a:defRPr sz="1800" kern="1200">
+                <a:solidFill>
+                  <a:schemeClr val="tx1"/>
+                </a:solidFill>
+                <a:latin typeface="+mn-lt"/>
+                <a:ea typeface="+mn-ea"/>
+                <a:cs typeface="+mn-cs"/>
+              </a:defRPr>
+            </a:lvl4pPr>
+            <a:lvl5pPr marL="1828800" algn="l" defTabSz="457200" rtl="0" eaLnBrk="1" latinLnBrk="0" hangingPunct="1">
+              <a:defRPr sz="1800" kern="1200">
+                <a:solidFill>
+                  <a:schemeClr val="tx1"/>
+                </a:solidFill>
+                <a:latin typeface="+mn-lt"/>
+                <a:ea typeface="+mn-ea"/>
+                <a:cs typeface="+mn-cs"/>
+              </a:defRPr>
+            </a:lvl5pPr>
+            <a:lvl6pPr marL="2286000" algn="l" defTabSz="457200" rtl="0" eaLnBrk="1" latinLnBrk="0" hangingPunct="1">
+              <a:defRPr sz="1800" kern="1200">
+                <a:solidFill>
+                  <a:schemeClr val="tx1"/>
+                </a:solidFill>
+                <a:latin typeface="+mn-lt"/>
+                <a:ea typeface="+mn-ea"/>
+                <a:cs typeface="+mn-cs"/>
+              </a:defRPr>
+            </a:lvl6pPr>
+            <a:lvl7pPr marL="2743200" algn="l" defTabSz="457200" rtl="0" eaLnBrk="1" latinLnBrk="0" hangingPunct="1">
+              <a:defRPr sz="1800" kern="1200">
+                <a:solidFill>
+                  <a:schemeClr val="tx1"/>
+                </a:solidFill>
+                <a:latin typeface="+mn-lt"/>
+                <a:ea typeface="+mn-ea"/>
+                <a:cs typeface="+mn-cs"/>
+              </a:defRPr>
+            </a:lvl7pPr>
+            <a:lvl8pPr marL="3200400" algn="l" defTabSz="457200" rtl="0" eaLnBrk="1" latinLnBrk="0" hangingPunct="1">
+              <a:defRPr sz="1800" kern="1200">
+                <a:solidFill>
+                  <a:schemeClr val="tx1"/>
+                </a:solidFill>
+                <a:latin typeface="+mn-lt"/>
+                <a:ea typeface="+mn-ea"/>
+                <a:cs typeface="+mn-cs"/>
+              </a:defRPr>
+            </a:lvl8pPr>
+            <a:lvl9pPr marL="3657600" algn="l" defTabSz="457200" rtl="0" eaLnBrk="1" latinLnBrk="0" hangingPunct="1">
+              <a:defRPr sz="1800" kern="1200">
+                <a:solidFill>
+                  <a:schemeClr val="tx1"/>
+                </a:solidFill>
+                <a:latin typeface="+mn-lt"/>
+                <a:ea typeface="+mn-ea"/>
+                <a:cs typeface="+mn-cs"/>
+              </a:defRPr>
+            </a:lvl9pPr>
+          </a:lstStyle>
+          <a:p>
+            <a:fld id="{5665C720-CFBA-4CD6-B44E-E52DA515AFF8}" type="datetime1">
+              <a:rPr lang="de-DE" sz="1400" smtClean="0"/>
+              <a:pPr/>
+              <a:t>11.09.2020</a:t>
+            </a:fld>
+            <a:endParaRPr lang="en-US" dirty="0"/>
+          </a:p>
+        </p:txBody>
+      </p:sp>
+      <p:sp>
+        <p:nvSpPr>
+          <p:cNvPr id="7" name="Date Placeholder 3">
+            <a:extLst>
+              <a:ext uri="{FF2B5EF4-FFF2-40B4-BE49-F238E27FC236}">
+                <a16:creationId xmlns:a16="http://schemas.microsoft.com/office/drawing/2014/main" id="{AE0FC770-182F-41B4-8F70-0EEDB7C4029D}"/>
+              </a:ext>
+            </a:extLst>
+          </p:cNvPr>
+          <p:cNvSpPr txBox="1">
+            <a:spLocks/>
+          </p:cNvSpPr>
+          <p:nvPr/>
+        </p:nvSpPr>
+        <p:spPr>
+          <a:xfrm>
+            <a:off x="1824033" y="231050"/>
+            <a:ext cx="5713108" cy="378549"/>
+          </a:xfrm>
+          <a:prstGeom prst="rect">
+            <a:avLst/>
+          </a:prstGeom>
+        </p:spPr>
+        <p:txBody>
+          <a:bodyPr vert="horz" lIns="91440" tIns="45720" rIns="91440" bIns="45720" rtlCol="0" anchor="ctr"/>
+          <a:lstStyle>
+            <a:defPPr>
+              <a:defRPr lang="en-US"/>
+            </a:defPPr>
+            <a:lvl1pPr marL="0" algn="r" defTabSz="457200" rtl="0" eaLnBrk="1" latinLnBrk="0" hangingPunct="1">
+              <a:defRPr sz="900" kern="1200">
+                <a:solidFill>
+                  <a:schemeClr val="tx1">
+                    <a:tint val="75000"/>
+                  </a:schemeClr>
+                </a:solidFill>
+                <a:latin typeface="+mn-lt"/>
+                <a:ea typeface="+mn-ea"/>
+                <a:cs typeface="+mn-cs"/>
+              </a:defRPr>
+            </a:lvl1pPr>
+            <a:lvl2pPr marL="457200" algn="l" defTabSz="457200" rtl="0" eaLnBrk="1" latinLnBrk="0" hangingPunct="1">
+              <a:defRPr sz="1800" kern="1200">
+                <a:solidFill>
+                  <a:schemeClr val="tx1"/>
+                </a:solidFill>
+                <a:latin typeface="+mn-lt"/>
+                <a:ea typeface="+mn-ea"/>
+                <a:cs typeface="+mn-cs"/>
+              </a:defRPr>
+            </a:lvl2pPr>
+            <a:lvl3pPr marL="914400" algn="l" defTabSz="457200" rtl="0" eaLnBrk="1" latinLnBrk="0" hangingPunct="1">
+              <a:defRPr sz="1800" kern="1200">
+                <a:solidFill>
+                  <a:schemeClr val="tx1"/>
+                </a:solidFill>
+                <a:latin typeface="+mn-lt"/>
+                <a:ea typeface="+mn-ea"/>
+                <a:cs typeface="+mn-cs"/>
+              </a:defRPr>
+            </a:lvl3pPr>
+            <a:lvl4pPr marL="1371600" algn="l" defTabSz="457200" rtl="0" eaLnBrk="1" latinLnBrk="0" hangingPunct="1">
+              <a:defRPr sz="1800" kern="1200">
+                <a:solidFill>
+                  <a:schemeClr val="tx1"/>
+                </a:solidFill>
+                <a:latin typeface="+mn-lt"/>
+                <a:ea typeface="+mn-ea"/>
+                <a:cs typeface="+mn-cs"/>
+              </a:defRPr>
+            </a:lvl4pPr>
+            <a:lvl5pPr marL="1828800" algn="l" defTabSz="457200" rtl="0" eaLnBrk="1" latinLnBrk="0" hangingPunct="1">
+              <a:defRPr sz="1800" kern="1200">
+                <a:solidFill>
+                  <a:schemeClr val="tx1"/>
+                </a:solidFill>
+                <a:latin typeface="+mn-lt"/>
+                <a:ea typeface="+mn-ea"/>
+                <a:cs typeface="+mn-cs"/>
+              </a:defRPr>
+            </a:lvl5pPr>
+            <a:lvl6pPr marL="2286000" algn="l" defTabSz="457200" rtl="0" eaLnBrk="1" latinLnBrk="0" hangingPunct="1">
+              <a:defRPr sz="1800" kern="1200">
+                <a:solidFill>
+                  <a:schemeClr val="tx1"/>
+                </a:solidFill>
+                <a:latin typeface="+mn-lt"/>
+                <a:ea typeface="+mn-ea"/>
+                <a:cs typeface="+mn-cs"/>
+              </a:defRPr>
+            </a:lvl6pPr>
+            <a:lvl7pPr marL="2743200" algn="l" defTabSz="457200" rtl="0" eaLnBrk="1" latinLnBrk="0" hangingPunct="1">
+              <a:defRPr sz="1800" kern="1200">
+                <a:solidFill>
+                  <a:schemeClr val="tx1"/>
+                </a:solidFill>
+                <a:latin typeface="+mn-lt"/>
+                <a:ea typeface="+mn-ea"/>
+                <a:cs typeface="+mn-cs"/>
+              </a:defRPr>
+            </a:lvl7pPr>
+            <a:lvl8pPr marL="3200400" algn="l" defTabSz="457200" rtl="0" eaLnBrk="1" latinLnBrk="0" hangingPunct="1">
+              <a:defRPr sz="1800" kern="1200">
+                <a:solidFill>
+                  <a:schemeClr val="tx1"/>
+                </a:solidFill>
+                <a:latin typeface="+mn-lt"/>
+                <a:ea typeface="+mn-ea"/>
+                <a:cs typeface="+mn-cs"/>
+              </a:defRPr>
+            </a:lvl8pPr>
+            <a:lvl9pPr marL="3657600" algn="l" defTabSz="457200" rtl="0" eaLnBrk="1" latinLnBrk="0" hangingPunct="1">
+              <a:defRPr sz="1800" kern="1200">
+                <a:solidFill>
+                  <a:schemeClr val="tx1"/>
+                </a:solidFill>
+                <a:latin typeface="+mn-lt"/>
+                <a:ea typeface="+mn-ea"/>
+                <a:cs typeface="+mn-cs"/>
+              </a:defRPr>
+            </a:lvl9pPr>
+          </a:lstStyle>
+          <a:p>
+            <a:r>
+              <a:rPr lang="de-DE" sz="1400" dirty="0"/>
+              <a:t>Veronika Taranek, Philipp </a:t>
+            </a:r>
+            <a:r>
+              <a:rPr lang="de-DE" sz="1400" dirty="0" err="1"/>
+              <a:t>Fenesan</a:t>
+            </a:r>
+            <a:r>
+              <a:rPr lang="de-DE" sz="1400" dirty="0"/>
+              <a:t>, Nicolas Geppert, Lukas Werner</a:t>
+            </a:r>
+            <a:endParaRPr lang="en-US" dirty="0"/>
           </a:p>
         </p:txBody>
       </p:sp>
@@ -6882,7 +8190,7 @@
         </p:blipFill>
         <p:spPr>
           <a:xfrm>
-            <a:off x="829355" y="265220"/>
+            <a:off x="793845" y="792942"/>
             <a:ext cx="8843151" cy="5613545"/>
           </a:xfrm>
           <a:prstGeom prst="rect">
@@ -6925,6 +8233,277 @@
               <a:rPr lang="en-US" dirty="0"/>
               <a:t>Prototype Demo</a:t>
             </a:r>
+          </a:p>
+        </p:txBody>
+      </p:sp>
+      <p:sp>
+        <p:nvSpPr>
+          <p:cNvPr id="5" name="Date Placeholder 3">
+            <a:extLst>
+              <a:ext uri="{FF2B5EF4-FFF2-40B4-BE49-F238E27FC236}">
+                <a16:creationId xmlns:a16="http://schemas.microsoft.com/office/drawing/2014/main" id="{E6235A08-BFA4-4454-939A-5728956A909C}"/>
+              </a:ext>
+            </a:extLst>
+          </p:cNvPr>
+          <p:cNvSpPr txBox="1">
+            <a:spLocks/>
+          </p:cNvSpPr>
+          <p:nvPr/>
+        </p:nvSpPr>
+        <p:spPr>
+          <a:xfrm>
+            <a:off x="677334" y="231051"/>
+            <a:ext cx="1071566" cy="378549"/>
+          </a:xfrm>
+          <a:prstGeom prst="rect">
+            <a:avLst/>
+          </a:prstGeom>
+        </p:spPr>
+        <p:txBody>
+          <a:bodyPr vert="horz" lIns="91440" tIns="45720" rIns="91440" bIns="45720" rtlCol="0" anchor="ctr"/>
+          <a:lstStyle>
+            <a:defPPr>
+              <a:defRPr lang="en-US"/>
+            </a:defPPr>
+            <a:lvl1pPr marL="0" algn="r" defTabSz="457200" rtl="0" eaLnBrk="1" latinLnBrk="0" hangingPunct="1">
+              <a:defRPr sz="900" kern="1200">
+                <a:solidFill>
+                  <a:schemeClr val="tx1">
+                    <a:tint val="75000"/>
+                  </a:schemeClr>
+                </a:solidFill>
+                <a:latin typeface="+mn-lt"/>
+                <a:ea typeface="+mn-ea"/>
+                <a:cs typeface="+mn-cs"/>
+              </a:defRPr>
+            </a:lvl1pPr>
+            <a:lvl2pPr marL="457200" algn="l" defTabSz="457200" rtl="0" eaLnBrk="1" latinLnBrk="0" hangingPunct="1">
+              <a:defRPr sz="1800" kern="1200">
+                <a:solidFill>
+                  <a:schemeClr val="tx1"/>
+                </a:solidFill>
+                <a:latin typeface="+mn-lt"/>
+                <a:ea typeface="+mn-ea"/>
+                <a:cs typeface="+mn-cs"/>
+              </a:defRPr>
+            </a:lvl2pPr>
+            <a:lvl3pPr marL="914400" algn="l" defTabSz="457200" rtl="0" eaLnBrk="1" latinLnBrk="0" hangingPunct="1">
+              <a:defRPr sz="1800" kern="1200">
+                <a:solidFill>
+                  <a:schemeClr val="tx1"/>
+                </a:solidFill>
+                <a:latin typeface="+mn-lt"/>
+                <a:ea typeface="+mn-ea"/>
+                <a:cs typeface="+mn-cs"/>
+              </a:defRPr>
+            </a:lvl3pPr>
+            <a:lvl4pPr marL="1371600" algn="l" defTabSz="457200" rtl="0" eaLnBrk="1" latinLnBrk="0" hangingPunct="1">
+              <a:defRPr sz="1800" kern="1200">
+                <a:solidFill>
+                  <a:schemeClr val="tx1"/>
+                </a:solidFill>
+                <a:latin typeface="+mn-lt"/>
+                <a:ea typeface="+mn-ea"/>
+                <a:cs typeface="+mn-cs"/>
+              </a:defRPr>
+            </a:lvl4pPr>
+            <a:lvl5pPr marL="1828800" algn="l" defTabSz="457200" rtl="0" eaLnBrk="1" latinLnBrk="0" hangingPunct="1">
+              <a:defRPr sz="1800" kern="1200">
+                <a:solidFill>
+                  <a:schemeClr val="tx1"/>
+                </a:solidFill>
+                <a:latin typeface="+mn-lt"/>
+                <a:ea typeface="+mn-ea"/>
+                <a:cs typeface="+mn-cs"/>
+              </a:defRPr>
+            </a:lvl5pPr>
+            <a:lvl6pPr marL="2286000" algn="l" defTabSz="457200" rtl="0" eaLnBrk="1" latinLnBrk="0" hangingPunct="1">
+              <a:defRPr sz="1800" kern="1200">
+                <a:solidFill>
+                  <a:schemeClr val="tx1"/>
+                </a:solidFill>
+                <a:latin typeface="+mn-lt"/>
+                <a:ea typeface="+mn-ea"/>
+                <a:cs typeface="+mn-cs"/>
+              </a:defRPr>
+            </a:lvl6pPr>
+            <a:lvl7pPr marL="2743200" algn="l" defTabSz="457200" rtl="0" eaLnBrk="1" latinLnBrk="0" hangingPunct="1">
+              <a:defRPr sz="1800" kern="1200">
+                <a:solidFill>
+                  <a:schemeClr val="tx1"/>
+                </a:solidFill>
+                <a:latin typeface="+mn-lt"/>
+                <a:ea typeface="+mn-ea"/>
+                <a:cs typeface="+mn-cs"/>
+              </a:defRPr>
+            </a:lvl7pPr>
+            <a:lvl8pPr marL="3200400" algn="l" defTabSz="457200" rtl="0" eaLnBrk="1" latinLnBrk="0" hangingPunct="1">
+              <a:defRPr sz="1800" kern="1200">
+                <a:solidFill>
+                  <a:schemeClr val="tx1"/>
+                </a:solidFill>
+                <a:latin typeface="+mn-lt"/>
+                <a:ea typeface="+mn-ea"/>
+                <a:cs typeface="+mn-cs"/>
+              </a:defRPr>
+            </a:lvl8pPr>
+            <a:lvl9pPr marL="3657600" algn="l" defTabSz="457200" rtl="0" eaLnBrk="1" latinLnBrk="0" hangingPunct="1">
+              <a:defRPr sz="1800" kern="1200">
+                <a:solidFill>
+                  <a:schemeClr val="tx1"/>
+                </a:solidFill>
+                <a:latin typeface="+mn-lt"/>
+                <a:ea typeface="+mn-ea"/>
+                <a:cs typeface="+mn-cs"/>
+              </a:defRPr>
+            </a:lvl9pPr>
+          </a:lstStyle>
+          <a:p>
+            <a:fld id="{5665C720-CFBA-4CD6-B44E-E52DA515AFF8}" type="datetime1">
+              <a:rPr lang="de-DE" sz="1400" smtClean="0"/>
+              <a:pPr/>
+              <a:t>11.09.2020</a:t>
+            </a:fld>
+            <a:endParaRPr lang="en-US" dirty="0"/>
+          </a:p>
+        </p:txBody>
+      </p:sp>
+      <p:sp>
+        <p:nvSpPr>
+          <p:cNvPr id="6" name="Date Placeholder 3">
+            <a:extLst>
+              <a:ext uri="{FF2B5EF4-FFF2-40B4-BE49-F238E27FC236}">
+                <a16:creationId xmlns:a16="http://schemas.microsoft.com/office/drawing/2014/main" id="{38B05698-F3C8-4DA8-9D8C-9F390D635BD2}"/>
+              </a:ext>
+            </a:extLst>
+          </p:cNvPr>
+          <p:cNvSpPr txBox="1">
+            <a:spLocks/>
+          </p:cNvSpPr>
+          <p:nvPr/>
+        </p:nvSpPr>
+        <p:spPr>
+          <a:xfrm>
+            <a:off x="1824033" y="231050"/>
+            <a:ext cx="5713108" cy="378549"/>
+          </a:xfrm>
+          <a:prstGeom prst="rect">
+            <a:avLst/>
+          </a:prstGeom>
+        </p:spPr>
+        <p:txBody>
+          <a:bodyPr vert="horz" lIns="91440" tIns="45720" rIns="91440" bIns="45720" rtlCol="0" anchor="ctr"/>
+          <a:lstStyle>
+            <a:defPPr>
+              <a:defRPr lang="en-US"/>
+            </a:defPPr>
+            <a:lvl1pPr marL="0" algn="r" defTabSz="457200" rtl="0" eaLnBrk="1" latinLnBrk="0" hangingPunct="1">
+              <a:defRPr sz="900" kern="1200">
+                <a:solidFill>
+                  <a:schemeClr val="tx1">
+                    <a:tint val="75000"/>
+                  </a:schemeClr>
+                </a:solidFill>
+                <a:latin typeface="+mn-lt"/>
+                <a:ea typeface="+mn-ea"/>
+                <a:cs typeface="+mn-cs"/>
+              </a:defRPr>
+            </a:lvl1pPr>
+            <a:lvl2pPr marL="457200" algn="l" defTabSz="457200" rtl="0" eaLnBrk="1" latinLnBrk="0" hangingPunct="1">
+              <a:defRPr sz="1800" kern="1200">
+                <a:solidFill>
+                  <a:schemeClr val="tx1"/>
+                </a:solidFill>
+                <a:latin typeface="+mn-lt"/>
+                <a:ea typeface="+mn-ea"/>
+                <a:cs typeface="+mn-cs"/>
+              </a:defRPr>
+            </a:lvl2pPr>
+            <a:lvl3pPr marL="914400" algn="l" defTabSz="457200" rtl="0" eaLnBrk="1" latinLnBrk="0" hangingPunct="1">
+              <a:defRPr sz="1800" kern="1200">
+                <a:solidFill>
+                  <a:schemeClr val="tx1"/>
+                </a:solidFill>
+                <a:latin typeface="+mn-lt"/>
+                <a:ea typeface="+mn-ea"/>
+                <a:cs typeface="+mn-cs"/>
+              </a:defRPr>
+            </a:lvl3pPr>
+            <a:lvl4pPr marL="1371600" algn="l" defTabSz="457200" rtl="0" eaLnBrk="1" latinLnBrk="0" hangingPunct="1">
+              <a:defRPr sz="1800" kern="1200">
+                <a:solidFill>
+                  <a:schemeClr val="tx1"/>
+                </a:solidFill>
+                <a:latin typeface="+mn-lt"/>
+                <a:ea typeface="+mn-ea"/>
+                <a:cs typeface="+mn-cs"/>
+              </a:defRPr>
+            </a:lvl4pPr>
+            <a:lvl5pPr marL="1828800" algn="l" defTabSz="457200" rtl="0" eaLnBrk="1" latinLnBrk="0" hangingPunct="1">
+              <a:defRPr sz="1800" kern="1200">
+                <a:solidFill>
+                  <a:schemeClr val="tx1"/>
+                </a:solidFill>
+                <a:latin typeface="+mn-lt"/>
+                <a:ea typeface="+mn-ea"/>
+                <a:cs typeface="+mn-cs"/>
+              </a:defRPr>
+            </a:lvl5pPr>
+            <a:lvl6pPr marL="2286000" algn="l" defTabSz="457200" rtl="0" eaLnBrk="1" latinLnBrk="0" hangingPunct="1">
+              <a:defRPr sz="1800" kern="1200">
+                <a:solidFill>
+                  <a:schemeClr val="tx1"/>
+                </a:solidFill>
+                <a:latin typeface="+mn-lt"/>
+                <a:ea typeface="+mn-ea"/>
+                <a:cs typeface="+mn-cs"/>
+              </a:defRPr>
+            </a:lvl6pPr>
+            <a:lvl7pPr marL="2743200" algn="l" defTabSz="457200" rtl="0" eaLnBrk="1" latinLnBrk="0" hangingPunct="1">
+              <a:defRPr sz="1800" kern="1200">
+                <a:solidFill>
+                  <a:schemeClr val="tx1"/>
+                </a:solidFill>
+                <a:latin typeface="+mn-lt"/>
+                <a:ea typeface="+mn-ea"/>
+                <a:cs typeface="+mn-cs"/>
+              </a:defRPr>
+            </a:lvl7pPr>
+            <a:lvl8pPr marL="3200400" algn="l" defTabSz="457200" rtl="0" eaLnBrk="1" latinLnBrk="0" hangingPunct="1">
+              <a:defRPr sz="1800" kern="1200">
+                <a:solidFill>
+                  <a:schemeClr val="tx1"/>
+                </a:solidFill>
+                <a:latin typeface="+mn-lt"/>
+                <a:ea typeface="+mn-ea"/>
+                <a:cs typeface="+mn-cs"/>
+              </a:defRPr>
+            </a:lvl8pPr>
+            <a:lvl9pPr marL="3657600" algn="l" defTabSz="457200" rtl="0" eaLnBrk="1" latinLnBrk="0" hangingPunct="1">
+              <a:defRPr sz="1800" kern="1200">
+                <a:solidFill>
+                  <a:schemeClr val="tx1"/>
+                </a:solidFill>
+                <a:latin typeface="+mn-lt"/>
+                <a:ea typeface="+mn-ea"/>
+                <a:cs typeface="+mn-cs"/>
+              </a:defRPr>
+            </a:lvl9pPr>
+          </a:lstStyle>
+          <a:p>
+            <a:r>
+              <a:rPr lang="de-DE" sz="1400" dirty="0"/>
+              <a:t>Veronika Taranek, Philipp </a:t>
+            </a:r>
+            <a:r>
+              <a:rPr lang="de-DE" sz="1400" dirty="0" err="1"/>
+              <a:t>Fenesan</a:t>
+            </a:r>
+            <a:r>
+              <a:rPr lang="de-DE" sz="1400" dirty="0"/>
+              <a:t>, Nicolas Geppert, Lukas Werner</a:t>
+            </a:r>
+            <a:endParaRPr lang="en-US" dirty="0"/>
           </a:p>
         </p:txBody>
       </p:sp>
@@ -7546,6 +9125,277 @@
           </a:prstGeom>
         </p:spPr>
       </p:pic>
+      <p:sp>
+        <p:nvSpPr>
+          <p:cNvPr id="20" name="Date Placeholder 3">
+            <a:extLst>
+              <a:ext uri="{FF2B5EF4-FFF2-40B4-BE49-F238E27FC236}">
+                <a16:creationId xmlns:a16="http://schemas.microsoft.com/office/drawing/2014/main" id="{9F167224-0B24-4AF8-8CB3-65E911F6A145}"/>
+              </a:ext>
+            </a:extLst>
+          </p:cNvPr>
+          <p:cNvSpPr txBox="1">
+            <a:spLocks/>
+          </p:cNvSpPr>
+          <p:nvPr/>
+        </p:nvSpPr>
+        <p:spPr>
+          <a:xfrm>
+            <a:off x="677334" y="231051"/>
+            <a:ext cx="1071566" cy="378549"/>
+          </a:xfrm>
+          <a:prstGeom prst="rect">
+            <a:avLst/>
+          </a:prstGeom>
+        </p:spPr>
+        <p:txBody>
+          <a:bodyPr vert="horz" lIns="91440" tIns="45720" rIns="91440" bIns="45720" rtlCol="0" anchor="ctr"/>
+          <a:lstStyle>
+            <a:defPPr>
+              <a:defRPr lang="en-US"/>
+            </a:defPPr>
+            <a:lvl1pPr marL="0" algn="r" defTabSz="457200" rtl="0" eaLnBrk="1" latinLnBrk="0" hangingPunct="1">
+              <a:defRPr sz="900" kern="1200">
+                <a:solidFill>
+                  <a:schemeClr val="tx1">
+                    <a:tint val="75000"/>
+                  </a:schemeClr>
+                </a:solidFill>
+                <a:latin typeface="+mn-lt"/>
+                <a:ea typeface="+mn-ea"/>
+                <a:cs typeface="+mn-cs"/>
+              </a:defRPr>
+            </a:lvl1pPr>
+            <a:lvl2pPr marL="457200" algn="l" defTabSz="457200" rtl="0" eaLnBrk="1" latinLnBrk="0" hangingPunct="1">
+              <a:defRPr sz="1800" kern="1200">
+                <a:solidFill>
+                  <a:schemeClr val="tx1"/>
+                </a:solidFill>
+                <a:latin typeface="+mn-lt"/>
+                <a:ea typeface="+mn-ea"/>
+                <a:cs typeface="+mn-cs"/>
+              </a:defRPr>
+            </a:lvl2pPr>
+            <a:lvl3pPr marL="914400" algn="l" defTabSz="457200" rtl="0" eaLnBrk="1" latinLnBrk="0" hangingPunct="1">
+              <a:defRPr sz="1800" kern="1200">
+                <a:solidFill>
+                  <a:schemeClr val="tx1"/>
+                </a:solidFill>
+                <a:latin typeface="+mn-lt"/>
+                <a:ea typeface="+mn-ea"/>
+                <a:cs typeface="+mn-cs"/>
+              </a:defRPr>
+            </a:lvl3pPr>
+            <a:lvl4pPr marL="1371600" algn="l" defTabSz="457200" rtl="0" eaLnBrk="1" latinLnBrk="0" hangingPunct="1">
+              <a:defRPr sz="1800" kern="1200">
+                <a:solidFill>
+                  <a:schemeClr val="tx1"/>
+                </a:solidFill>
+                <a:latin typeface="+mn-lt"/>
+                <a:ea typeface="+mn-ea"/>
+                <a:cs typeface="+mn-cs"/>
+              </a:defRPr>
+            </a:lvl4pPr>
+            <a:lvl5pPr marL="1828800" algn="l" defTabSz="457200" rtl="0" eaLnBrk="1" latinLnBrk="0" hangingPunct="1">
+              <a:defRPr sz="1800" kern="1200">
+                <a:solidFill>
+                  <a:schemeClr val="tx1"/>
+                </a:solidFill>
+                <a:latin typeface="+mn-lt"/>
+                <a:ea typeface="+mn-ea"/>
+                <a:cs typeface="+mn-cs"/>
+              </a:defRPr>
+            </a:lvl5pPr>
+            <a:lvl6pPr marL="2286000" algn="l" defTabSz="457200" rtl="0" eaLnBrk="1" latinLnBrk="0" hangingPunct="1">
+              <a:defRPr sz="1800" kern="1200">
+                <a:solidFill>
+                  <a:schemeClr val="tx1"/>
+                </a:solidFill>
+                <a:latin typeface="+mn-lt"/>
+                <a:ea typeface="+mn-ea"/>
+                <a:cs typeface="+mn-cs"/>
+              </a:defRPr>
+            </a:lvl6pPr>
+            <a:lvl7pPr marL="2743200" algn="l" defTabSz="457200" rtl="0" eaLnBrk="1" latinLnBrk="0" hangingPunct="1">
+              <a:defRPr sz="1800" kern="1200">
+                <a:solidFill>
+                  <a:schemeClr val="tx1"/>
+                </a:solidFill>
+                <a:latin typeface="+mn-lt"/>
+                <a:ea typeface="+mn-ea"/>
+                <a:cs typeface="+mn-cs"/>
+              </a:defRPr>
+            </a:lvl7pPr>
+            <a:lvl8pPr marL="3200400" algn="l" defTabSz="457200" rtl="0" eaLnBrk="1" latinLnBrk="0" hangingPunct="1">
+              <a:defRPr sz="1800" kern="1200">
+                <a:solidFill>
+                  <a:schemeClr val="tx1"/>
+                </a:solidFill>
+                <a:latin typeface="+mn-lt"/>
+                <a:ea typeface="+mn-ea"/>
+                <a:cs typeface="+mn-cs"/>
+              </a:defRPr>
+            </a:lvl8pPr>
+            <a:lvl9pPr marL="3657600" algn="l" defTabSz="457200" rtl="0" eaLnBrk="1" latinLnBrk="0" hangingPunct="1">
+              <a:defRPr sz="1800" kern="1200">
+                <a:solidFill>
+                  <a:schemeClr val="tx1"/>
+                </a:solidFill>
+                <a:latin typeface="+mn-lt"/>
+                <a:ea typeface="+mn-ea"/>
+                <a:cs typeface="+mn-cs"/>
+              </a:defRPr>
+            </a:lvl9pPr>
+          </a:lstStyle>
+          <a:p>
+            <a:fld id="{5665C720-CFBA-4CD6-B44E-E52DA515AFF8}" type="datetime1">
+              <a:rPr lang="de-DE" sz="1400" smtClean="0"/>
+              <a:pPr/>
+              <a:t>11.09.2020</a:t>
+            </a:fld>
+            <a:endParaRPr lang="en-US" dirty="0"/>
+          </a:p>
+        </p:txBody>
+      </p:sp>
+      <p:sp>
+        <p:nvSpPr>
+          <p:cNvPr id="21" name="Date Placeholder 3">
+            <a:extLst>
+              <a:ext uri="{FF2B5EF4-FFF2-40B4-BE49-F238E27FC236}">
+                <a16:creationId xmlns:a16="http://schemas.microsoft.com/office/drawing/2014/main" id="{D995CC1B-320E-47BB-99A3-140CC87EDF64}"/>
+              </a:ext>
+            </a:extLst>
+          </p:cNvPr>
+          <p:cNvSpPr txBox="1">
+            <a:spLocks/>
+          </p:cNvSpPr>
+          <p:nvPr/>
+        </p:nvSpPr>
+        <p:spPr>
+          <a:xfrm>
+            <a:off x="1824033" y="231050"/>
+            <a:ext cx="5713108" cy="378549"/>
+          </a:xfrm>
+          <a:prstGeom prst="rect">
+            <a:avLst/>
+          </a:prstGeom>
+        </p:spPr>
+        <p:txBody>
+          <a:bodyPr vert="horz" lIns="91440" tIns="45720" rIns="91440" bIns="45720" rtlCol="0" anchor="ctr"/>
+          <a:lstStyle>
+            <a:defPPr>
+              <a:defRPr lang="en-US"/>
+            </a:defPPr>
+            <a:lvl1pPr marL="0" algn="r" defTabSz="457200" rtl="0" eaLnBrk="1" latinLnBrk="0" hangingPunct="1">
+              <a:defRPr sz="900" kern="1200">
+                <a:solidFill>
+                  <a:schemeClr val="tx1">
+                    <a:tint val="75000"/>
+                  </a:schemeClr>
+                </a:solidFill>
+                <a:latin typeface="+mn-lt"/>
+                <a:ea typeface="+mn-ea"/>
+                <a:cs typeface="+mn-cs"/>
+              </a:defRPr>
+            </a:lvl1pPr>
+            <a:lvl2pPr marL="457200" algn="l" defTabSz="457200" rtl="0" eaLnBrk="1" latinLnBrk="0" hangingPunct="1">
+              <a:defRPr sz="1800" kern="1200">
+                <a:solidFill>
+                  <a:schemeClr val="tx1"/>
+                </a:solidFill>
+                <a:latin typeface="+mn-lt"/>
+                <a:ea typeface="+mn-ea"/>
+                <a:cs typeface="+mn-cs"/>
+              </a:defRPr>
+            </a:lvl2pPr>
+            <a:lvl3pPr marL="914400" algn="l" defTabSz="457200" rtl="0" eaLnBrk="1" latinLnBrk="0" hangingPunct="1">
+              <a:defRPr sz="1800" kern="1200">
+                <a:solidFill>
+                  <a:schemeClr val="tx1"/>
+                </a:solidFill>
+                <a:latin typeface="+mn-lt"/>
+                <a:ea typeface="+mn-ea"/>
+                <a:cs typeface="+mn-cs"/>
+              </a:defRPr>
+            </a:lvl3pPr>
+            <a:lvl4pPr marL="1371600" algn="l" defTabSz="457200" rtl="0" eaLnBrk="1" latinLnBrk="0" hangingPunct="1">
+              <a:defRPr sz="1800" kern="1200">
+                <a:solidFill>
+                  <a:schemeClr val="tx1"/>
+                </a:solidFill>
+                <a:latin typeface="+mn-lt"/>
+                <a:ea typeface="+mn-ea"/>
+                <a:cs typeface="+mn-cs"/>
+              </a:defRPr>
+            </a:lvl4pPr>
+            <a:lvl5pPr marL="1828800" algn="l" defTabSz="457200" rtl="0" eaLnBrk="1" latinLnBrk="0" hangingPunct="1">
+              <a:defRPr sz="1800" kern="1200">
+                <a:solidFill>
+                  <a:schemeClr val="tx1"/>
+                </a:solidFill>
+                <a:latin typeface="+mn-lt"/>
+                <a:ea typeface="+mn-ea"/>
+                <a:cs typeface="+mn-cs"/>
+              </a:defRPr>
+            </a:lvl5pPr>
+            <a:lvl6pPr marL="2286000" algn="l" defTabSz="457200" rtl="0" eaLnBrk="1" latinLnBrk="0" hangingPunct="1">
+              <a:defRPr sz="1800" kern="1200">
+                <a:solidFill>
+                  <a:schemeClr val="tx1"/>
+                </a:solidFill>
+                <a:latin typeface="+mn-lt"/>
+                <a:ea typeface="+mn-ea"/>
+                <a:cs typeface="+mn-cs"/>
+              </a:defRPr>
+            </a:lvl6pPr>
+            <a:lvl7pPr marL="2743200" algn="l" defTabSz="457200" rtl="0" eaLnBrk="1" latinLnBrk="0" hangingPunct="1">
+              <a:defRPr sz="1800" kern="1200">
+                <a:solidFill>
+                  <a:schemeClr val="tx1"/>
+                </a:solidFill>
+                <a:latin typeface="+mn-lt"/>
+                <a:ea typeface="+mn-ea"/>
+                <a:cs typeface="+mn-cs"/>
+              </a:defRPr>
+            </a:lvl7pPr>
+            <a:lvl8pPr marL="3200400" algn="l" defTabSz="457200" rtl="0" eaLnBrk="1" latinLnBrk="0" hangingPunct="1">
+              <a:defRPr sz="1800" kern="1200">
+                <a:solidFill>
+                  <a:schemeClr val="tx1"/>
+                </a:solidFill>
+                <a:latin typeface="+mn-lt"/>
+                <a:ea typeface="+mn-ea"/>
+                <a:cs typeface="+mn-cs"/>
+              </a:defRPr>
+            </a:lvl8pPr>
+            <a:lvl9pPr marL="3657600" algn="l" defTabSz="457200" rtl="0" eaLnBrk="1" latinLnBrk="0" hangingPunct="1">
+              <a:defRPr sz="1800" kern="1200">
+                <a:solidFill>
+                  <a:schemeClr val="tx1"/>
+                </a:solidFill>
+                <a:latin typeface="+mn-lt"/>
+                <a:ea typeface="+mn-ea"/>
+                <a:cs typeface="+mn-cs"/>
+              </a:defRPr>
+            </a:lvl9pPr>
+          </a:lstStyle>
+          <a:p>
+            <a:r>
+              <a:rPr lang="de-DE" sz="1400" dirty="0"/>
+              <a:t>Veronika Taranek, Philipp </a:t>
+            </a:r>
+            <a:r>
+              <a:rPr lang="de-DE" sz="1400" dirty="0" err="1"/>
+              <a:t>Fenesan</a:t>
+            </a:r>
+            <a:r>
+              <a:rPr lang="de-DE" sz="1400" dirty="0"/>
+              <a:t>, Nicolas Geppert, Lukas Werner</a:t>
+            </a:r>
+            <a:endParaRPr lang="en-US" dirty="0"/>
+          </a:p>
+        </p:txBody>
+      </p:sp>
     </p:spTree>
     <p:extLst>
       <p:ext uri="{BB962C8B-B14F-4D97-AF65-F5344CB8AC3E}">
@@ -8245,14 +10095,285 @@
         </p:blipFill>
         <p:spPr>
           <a:xfrm>
-            <a:off x="4337644" y="232838"/>
-            <a:ext cx="3516712" cy="6392324"/>
+            <a:off x="4337644" y="692458"/>
+            <a:ext cx="3263854" cy="5932704"/>
           </a:xfrm>
           <a:prstGeom prst="rect">
             <a:avLst/>
           </a:prstGeom>
         </p:spPr>
       </p:pic>
+      <p:sp>
+        <p:nvSpPr>
+          <p:cNvPr id="6" name="Date Placeholder 3">
+            <a:extLst>
+              <a:ext uri="{FF2B5EF4-FFF2-40B4-BE49-F238E27FC236}">
+                <a16:creationId xmlns:a16="http://schemas.microsoft.com/office/drawing/2014/main" id="{BA3E6D44-C658-4213-A1F5-841F44285620}"/>
+              </a:ext>
+            </a:extLst>
+          </p:cNvPr>
+          <p:cNvSpPr txBox="1">
+            <a:spLocks/>
+          </p:cNvSpPr>
+          <p:nvPr/>
+        </p:nvSpPr>
+        <p:spPr>
+          <a:xfrm>
+            <a:off x="677334" y="231051"/>
+            <a:ext cx="1071566" cy="378549"/>
+          </a:xfrm>
+          <a:prstGeom prst="rect">
+            <a:avLst/>
+          </a:prstGeom>
+        </p:spPr>
+        <p:txBody>
+          <a:bodyPr vert="horz" lIns="91440" tIns="45720" rIns="91440" bIns="45720" rtlCol="0" anchor="ctr"/>
+          <a:lstStyle>
+            <a:defPPr>
+              <a:defRPr lang="en-US"/>
+            </a:defPPr>
+            <a:lvl1pPr marL="0" algn="r" defTabSz="457200" rtl="0" eaLnBrk="1" latinLnBrk="0" hangingPunct="1">
+              <a:defRPr sz="900" kern="1200">
+                <a:solidFill>
+                  <a:schemeClr val="tx1">
+                    <a:tint val="75000"/>
+                  </a:schemeClr>
+                </a:solidFill>
+                <a:latin typeface="+mn-lt"/>
+                <a:ea typeface="+mn-ea"/>
+                <a:cs typeface="+mn-cs"/>
+              </a:defRPr>
+            </a:lvl1pPr>
+            <a:lvl2pPr marL="457200" algn="l" defTabSz="457200" rtl="0" eaLnBrk="1" latinLnBrk="0" hangingPunct="1">
+              <a:defRPr sz="1800" kern="1200">
+                <a:solidFill>
+                  <a:schemeClr val="tx1"/>
+                </a:solidFill>
+                <a:latin typeface="+mn-lt"/>
+                <a:ea typeface="+mn-ea"/>
+                <a:cs typeface="+mn-cs"/>
+              </a:defRPr>
+            </a:lvl2pPr>
+            <a:lvl3pPr marL="914400" algn="l" defTabSz="457200" rtl="0" eaLnBrk="1" latinLnBrk="0" hangingPunct="1">
+              <a:defRPr sz="1800" kern="1200">
+                <a:solidFill>
+                  <a:schemeClr val="tx1"/>
+                </a:solidFill>
+                <a:latin typeface="+mn-lt"/>
+                <a:ea typeface="+mn-ea"/>
+                <a:cs typeface="+mn-cs"/>
+              </a:defRPr>
+            </a:lvl3pPr>
+            <a:lvl4pPr marL="1371600" algn="l" defTabSz="457200" rtl="0" eaLnBrk="1" latinLnBrk="0" hangingPunct="1">
+              <a:defRPr sz="1800" kern="1200">
+                <a:solidFill>
+                  <a:schemeClr val="tx1"/>
+                </a:solidFill>
+                <a:latin typeface="+mn-lt"/>
+                <a:ea typeface="+mn-ea"/>
+                <a:cs typeface="+mn-cs"/>
+              </a:defRPr>
+            </a:lvl4pPr>
+            <a:lvl5pPr marL="1828800" algn="l" defTabSz="457200" rtl="0" eaLnBrk="1" latinLnBrk="0" hangingPunct="1">
+              <a:defRPr sz="1800" kern="1200">
+                <a:solidFill>
+                  <a:schemeClr val="tx1"/>
+                </a:solidFill>
+                <a:latin typeface="+mn-lt"/>
+                <a:ea typeface="+mn-ea"/>
+                <a:cs typeface="+mn-cs"/>
+              </a:defRPr>
+            </a:lvl5pPr>
+            <a:lvl6pPr marL="2286000" algn="l" defTabSz="457200" rtl="0" eaLnBrk="1" latinLnBrk="0" hangingPunct="1">
+              <a:defRPr sz="1800" kern="1200">
+                <a:solidFill>
+                  <a:schemeClr val="tx1"/>
+                </a:solidFill>
+                <a:latin typeface="+mn-lt"/>
+                <a:ea typeface="+mn-ea"/>
+                <a:cs typeface="+mn-cs"/>
+              </a:defRPr>
+            </a:lvl6pPr>
+            <a:lvl7pPr marL="2743200" algn="l" defTabSz="457200" rtl="0" eaLnBrk="1" latinLnBrk="0" hangingPunct="1">
+              <a:defRPr sz="1800" kern="1200">
+                <a:solidFill>
+                  <a:schemeClr val="tx1"/>
+                </a:solidFill>
+                <a:latin typeface="+mn-lt"/>
+                <a:ea typeface="+mn-ea"/>
+                <a:cs typeface="+mn-cs"/>
+              </a:defRPr>
+            </a:lvl7pPr>
+            <a:lvl8pPr marL="3200400" algn="l" defTabSz="457200" rtl="0" eaLnBrk="1" latinLnBrk="0" hangingPunct="1">
+              <a:defRPr sz="1800" kern="1200">
+                <a:solidFill>
+                  <a:schemeClr val="tx1"/>
+                </a:solidFill>
+                <a:latin typeface="+mn-lt"/>
+                <a:ea typeface="+mn-ea"/>
+                <a:cs typeface="+mn-cs"/>
+              </a:defRPr>
+            </a:lvl8pPr>
+            <a:lvl9pPr marL="3657600" algn="l" defTabSz="457200" rtl="0" eaLnBrk="1" latinLnBrk="0" hangingPunct="1">
+              <a:defRPr sz="1800" kern="1200">
+                <a:solidFill>
+                  <a:schemeClr val="tx1"/>
+                </a:solidFill>
+                <a:latin typeface="+mn-lt"/>
+                <a:ea typeface="+mn-ea"/>
+                <a:cs typeface="+mn-cs"/>
+              </a:defRPr>
+            </a:lvl9pPr>
+          </a:lstStyle>
+          <a:p>
+            <a:fld id="{5665C720-CFBA-4CD6-B44E-E52DA515AFF8}" type="datetime1">
+              <a:rPr lang="de-DE" sz="1400" smtClean="0"/>
+              <a:pPr/>
+              <a:t>11.09.2020</a:t>
+            </a:fld>
+            <a:endParaRPr lang="en-US" dirty="0"/>
+          </a:p>
+        </p:txBody>
+      </p:sp>
+      <p:sp>
+        <p:nvSpPr>
+          <p:cNvPr id="7" name="Date Placeholder 3">
+            <a:extLst>
+              <a:ext uri="{FF2B5EF4-FFF2-40B4-BE49-F238E27FC236}">
+                <a16:creationId xmlns:a16="http://schemas.microsoft.com/office/drawing/2014/main" id="{CCE9FA8C-0217-4499-AC7E-9CD7B17667BB}"/>
+              </a:ext>
+            </a:extLst>
+          </p:cNvPr>
+          <p:cNvSpPr txBox="1">
+            <a:spLocks/>
+          </p:cNvSpPr>
+          <p:nvPr/>
+        </p:nvSpPr>
+        <p:spPr>
+          <a:xfrm>
+            <a:off x="1824033" y="231050"/>
+            <a:ext cx="5713108" cy="378549"/>
+          </a:xfrm>
+          <a:prstGeom prst="rect">
+            <a:avLst/>
+          </a:prstGeom>
+        </p:spPr>
+        <p:txBody>
+          <a:bodyPr vert="horz" lIns="91440" tIns="45720" rIns="91440" bIns="45720" rtlCol="0" anchor="ctr"/>
+          <a:lstStyle>
+            <a:defPPr>
+              <a:defRPr lang="en-US"/>
+            </a:defPPr>
+            <a:lvl1pPr marL="0" algn="r" defTabSz="457200" rtl="0" eaLnBrk="1" latinLnBrk="0" hangingPunct="1">
+              <a:defRPr sz="900" kern="1200">
+                <a:solidFill>
+                  <a:schemeClr val="tx1">
+                    <a:tint val="75000"/>
+                  </a:schemeClr>
+                </a:solidFill>
+                <a:latin typeface="+mn-lt"/>
+                <a:ea typeface="+mn-ea"/>
+                <a:cs typeface="+mn-cs"/>
+              </a:defRPr>
+            </a:lvl1pPr>
+            <a:lvl2pPr marL="457200" algn="l" defTabSz="457200" rtl="0" eaLnBrk="1" latinLnBrk="0" hangingPunct="1">
+              <a:defRPr sz="1800" kern="1200">
+                <a:solidFill>
+                  <a:schemeClr val="tx1"/>
+                </a:solidFill>
+                <a:latin typeface="+mn-lt"/>
+                <a:ea typeface="+mn-ea"/>
+                <a:cs typeface="+mn-cs"/>
+              </a:defRPr>
+            </a:lvl2pPr>
+            <a:lvl3pPr marL="914400" algn="l" defTabSz="457200" rtl="0" eaLnBrk="1" latinLnBrk="0" hangingPunct="1">
+              <a:defRPr sz="1800" kern="1200">
+                <a:solidFill>
+                  <a:schemeClr val="tx1"/>
+                </a:solidFill>
+                <a:latin typeface="+mn-lt"/>
+                <a:ea typeface="+mn-ea"/>
+                <a:cs typeface="+mn-cs"/>
+              </a:defRPr>
+            </a:lvl3pPr>
+            <a:lvl4pPr marL="1371600" algn="l" defTabSz="457200" rtl="0" eaLnBrk="1" latinLnBrk="0" hangingPunct="1">
+              <a:defRPr sz="1800" kern="1200">
+                <a:solidFill>
+                  <a:schemeClr val="tx1"/>
+                </a:solidFill>
+                <a:latin typeface="+mn-lt"/>
+                <a:ea typeface="+mn-ea"/>
+                <a:cs typeface="+mn-cs"/>
+              </a:defRPr>
+            </a:lvl4pPr>
+            <a:lvl5pPr marL="1828800" algn="l" defTabSz="457200" rtl="0" eaLnBrk="1" latinLnBrk="0" hangingPunct="1">
+              <a:defRPr sz="1800" kern="1200">
+                <a:solidFill>
+                  <a:schemeClr val="tx1"/>
+                </a:solidFill>
+                <a:latin typeface="+mn-lt"/>
+                <a:ea typeface="+mn-ea"/>
+                <a:cs typeface="+mn-cs"/>
+              </a:defRPr>
+            </a:lvl5pPr>
+            <a:lvl6pPr marL="2286000" algn="l" defTabSz="457200" rtl="0" eaLnBrk="1" latinLnBrk="0" hangingPunct="1">
+              <a:defRPr sz="1800" kern="1200">
+                <a:solidFill>
+                  <a:schemeClr val="tx1"/>
+                </a:solidFill>
+                <a:latin typeface="+mn-lt"/>
+                <a:ea typeface="+mn-ea"/>
+                <a:cs typeface="+mn-cs"/>
+              </a:defRPr>
+            </a:lvl6pPr>
+            <a:lvl7pPr marL="2743200" algn="l" defTabSz="457200" rtl="0" eaLnBrk="1" latinLnBrk="0" hangingPunct="1">
+              <a:defRPr sz="1800" kern="1200">
+                <a:solidFill>
+                  <a:schemeClr val="tx1"/>
+                </a:solidFill>
+                <a:latin typeface="+mn-lt"/>
+                <a:ea typeface="+mn-ea"/>
+                <a:cs typeface="+mn-cs"/>
+              </a:defRPr>
+            </a:lvl7pPr>
+            <a:lvl8pPr marL="3200400" algn="l" defTabSz="457200" rtl="0" eaLnBrk="1" latinLnBrk="0" hangingPunct="1">
+              <a:defRPr sz="1800" kern="1200">
+                <a:solidFill>
+                  <a:schemeClr val="tx1"/>
+                </a:solidFill>
+                <a:latin typeface="+mn-lt"/>
+                <a:ea typeface="+mn-ea"/>
+                <a:cs typeface="+mn-cs"/>
+              </a:defRPr>
+            </a:lvl8pPr>
+            <a:lvl9pPr marL="3657600" algn="l" defTabSz="457200" rtl="0" eaLnBrk="1" latinLnBrk="0" hangingPunct="1">
+              <a:defRPr sz="1800" kern="1200">
+                <a:solidFill>
+                  <a:schemeClr val="tx1"/>
+                </a:solidFill>
+                <a:latin typeface="+mn-lt"/>
+                <a:ea typeface="+mn-ea"/>
+                <a:cs typeface="+mn-cs"/>
+              </a:defRPr>
+            </a:lvl9pPr>
+          </a:lstStyle>
+          <a:p>
+            <a:r>
+              <a:rPr lang="de-DE" sz="1400" dirty="0"/>
+              <a:t>Veronika Taranek, Philipp </a:t>
+            </a:r>
+            <a:r>
+              <a:rPr lang="de-DE" sz="1400" dirty="0" err="1"/>
+              <a:t>Fenesan</a:t>
+            </a:r>
+            <a:r>
+              <a:rPr lang="de-DE" sz="1400" dirty="0"/>
+              <a:t>, Nicolas Geppert, Lukas Werner</a:t>
+            </a:r>
+            <a:endParaRPr lang="en-US" dirty="0"/>
+          </a:p>
+        </p:txBody>
+      </p:sp>
     </p:spTree>
     <p:extLst>
       <p:ext uri="{BB962C8B-B14F-4D97-AF65-F5344CB8AC3E}">
@@ -8448,8 +10569,8 @@
         </p:blipFill>
         <p:spPr>
           <a:xfrm>
-            <a:off x="3132387" y="84030"/>
-            <a:ext cx="6522615" cy="4983154"/>
+            <a:off x="3105754" y="936102"/>
+            <a:ext cx="5745283" cy="4389287"/>
           </a:xfrm>
           <a:prstGeom prst="rect">
             <a:avLst/>
@@ -8574,6 +10695,277 @@
             <a:r>
               <a:rPr lang="en-US" dirty="0" err="1"/>
               <a:t>sind</a:t>
+            </a:r>
+            <a:endParaRPr lang="en-US" dirty="0"/>
+          </a:p>
+        </p:txBody>
+      </p:sp>
+      <p:sp>
+        <p:nvSpPr>
+          <p:cNvPr id="6" name="Date Placeholder 3">
+            <a:extLst>
+              <a:ext uri="{FF2B5EF4-FFF2-40B4-BE49-F238E27FC236}">
+                <a16:creationId xmlns:a16="http://schemas.microsoft.com/office/drawing/2014/main" id="{C597FC9F-E38B-4D7C-800C-2E507A9787EC}"/>
+              </a:ext>
+            </a:extLst>
+          </p:cNvPr>
+          <p:cNvSpPr txBox="1">
+            <a:spLocks/>
+          </p:cNvSpPr>
+          <p:nvPr/>
+        </p:nvSpPr>
+        <p:spPr>
+          <a:xfrm>
+            <a:off x="677334" y="231051"/>
+            <a:ext cx="1071566" cy="378549"/>
+          </a:xfrm>
+          <a:prstGeom prst="rect">
+            <a:avLst/>
+          </a:prstGeom>
+        </p:spPr>
+        <p:txBody>
+          <a:bodyPr vert="horz" lIns="91440" tIns="45720" rIns="91440" bIns="45720" rtlCol="0" anchor="ctr"/>
+          <a:lstStyle>
+            <a:defPPr>
+              <a:defRPr lang="en-US"/>
+            </a:defPPr>
+            <a:lvl1pPr marL="0" algn="r" defTabSz="457200" rtl="0" eaLnBrk="1" latinLnBrk="0" hangingPunct="1">
+              <a:defRPr sz="900" kern="1200">
+                <a:solidFill>
+                  <a:schemeClr val="tx1">
+                    <a:tint val="75000"/>
+                  </a:schemeClr>
+                </a:solidFill>
+                <a:latin typeface="+mn-lt"/>
+                <a:ea typeface="+mn-ea"/>
+                <a:cs typeface="+mn-cs"/>
+              </a:defRPr>
+            </a:lvl1pPr>
+            <a:lvl2pPr marL="457200" algn="l" defTabSz="457200" rtl="0" eaLnBrk="1" latinLnBrk="0" hangingPunct="1">
+              <a:defRPr sz="1800" kern="1200">
+                <a:solidFill>
+                  <a:schemeClr val="tx1"/>
+                </a:solidFill>
+                <a:latin typeface="+mn-lt"/>
+                <a:ea typeface="+mn-ea"/>
+                <a:cs typeface="+mn-cs"/>
+              </a:defRPr>
+            </a:lvl2pPr>
+            <a:lvl3pPr marL="914400" algn="l" defTabSz="457200" rtl="0" eaLnBrk="1" latinLnBrk="0" hangingPunct="1">
+              <a:defRPr sz="1800" kern="1200">
+                <a:solidFill>
+                  <a:schemeClr val="tx1"/>
+                </a:solidFill>
+                <a:latin typeface="+mn-lt"/>
+                <a:ea typeface="+mn-ea"/>
+                <a:cs typeface="+mn-cs"/>
+              </a:defRPr>
+            </a:lvl3pPr>
+            <a:lvl4pPr marL="1371600" algn="l" defTabSz="457200" rtl="0" eaLnBrk="1" latinLnBrk="0" hangingPunct="1">
+              <a:defRPr sz="1800" kern="1200">
+                <a:solidFill>
+                  <a:schemeClr val="tx1"/>
+                </a:solidFill>
+                <a:latin typeface="+mn-lt"/>
+                <a:ea typeface="+mn-ea"/>
+                <a:cs typeface="+mn-cs"/>
+              </a:defRPr>
+            </a:lvl4pPr>
+            <a:lvl5pPr marL="1828800" algn="l" defTabSz="457200" rtl="0" eaLnBrk="1" latinLnBrk="0" hangingPunct="1">
+              <a:defRPr sz="1800" kern="1200">
+                <a:solidFill>
+                  <a:schemeClr val="tx1"/>
+                </a:solidFill>
+                <a:latin typeface="+mn-lt"/>
+                <a:ea typeface="+mn-ea"/>
+                <a:cs typeface="+mn-cs"/>
+              </a:defRPr>
+            </a:lvl5pPr>
+            <a:lvl6pPr marL="2286000" algn="l" defTabSz="457200" rtl="0" eaLnBrk="1" latinLnBrk="0" hangingPunct="1">
+              <a:defRPr sz="1800" kern="1200">
+                <a:solidFill>
+                  <a:schemeClr val="tx1"/>
+                </a:solidFill>
+                <a:latin typeface="+mn-lt"/>
+                <a:ea typeface="+mn-ea"/>
+                <a:cs typeface="+mn-cs"/>
+              </a:defRPr>
+            </a:lvl6pPr>
+            <a:lvl7pPr marL="2743200" algn="l" defTabSz="457200" rtl="0" eaLnBrk="1" latinLnBrk="0" hangingPunct="1">
+              <a:defRPr sz="1800" kern="1200">
+                <a:solidFill>
+                  <a:schemeClr val="tx1"/>
+                </a:solidFill>
+                <a:latin typeface="+mn-lt"/>
+                <a:ea typeface="+mn-ea"/>
+                <a:cs typeface="+mn-cs"/>
+              </a:defRPr>
+            </a:lvl7pPr>
+            <a:lvl8pPr marL="3200400" algn="l" defTabSz="457200" rtl="0" eaLnBrk="1" latinLnBrk="0" hangingPunct="1">
+              <a:defRPr sz="1800" kern="1200">
+                <a:solidFill>
+                  <a:schemeClr val="tx1"/>
+                </a:solidFill>
+                <a:latin typeface="+mn-lt"/>
+                <a:ea typeface="+mn-ea"/>
+                <a:cs typeface="+mn-cs"/>
+              </a:defRPr>
+            </a:lvl8pPr>
+            <a:lvl9pPr marL="3657600" algn="l" defTabSz="457200" rtl="0" eaLnBrk="1" latinLnBrk="0" hangingPunct="1">
+              <a:defRPr sz="1800" kern="1200">
+                <a:solidFill>
+                  <a:schemeClr val="tx1"/>
+                </a:solidFill>
+                <a:latin typeface="+mn-lt"/>
+                <a:ea typeface="+mn-ea"/>
+                <a:cs typeface="+mn-cs"/>
+              </a:defRPr>
+            </a:lvl9pPr>
+          </a:lstStyle>
+          <a:p>
+            <a:fld id="{5665C720-CFBA-4CD6-B44E-E52DA515AFF8}" type="datetime1">
+              <a:rPr lang="de-DE" sz="1400" smtClean="0"/>
+              <a:pPr/>
+              <a:t>11.09.2020</a:t>
+            </a:fld>
+            <a:endParaRPr lang="en-US" dirty="0"/>
+          </a:p>
+        </p:txBody>
+      </p:sp>
+      <p:sp>
+        <p:nvSpPr>
+          <p:cNvPr id="7" name="Date Placeholder 3">
+            <a:extLst>
+              <a:ext uri="{FF2B5EF4-FFF2-40B4-BE49-F238E27FC236}">
+                <a16:creationId xmlns:a16="http://schemas.microsoft.com/office/drawing/2014/main" id="{0F246959-6071-4609-B298-646E582C9281}"/>
+              </a:ext>
+            </a:extLst>
+          </p:cNvPr>
+          <p:cNvSpPr txBox="1">
+            <a:spLocks/>
+          </p:cNvSpPr>
+          <p:nvPr/>
+        </p:nvSpPr>
+        <p:spPr>
+          <a:xfrm>
+            <a:off x="1824033" y="231050"/>
+            <a:ext cx="5713108" cy="378549"/>
+          </a:xfrm>
+          <a:prstGeom prst="rect">
+            <a:avLst/>
+          </a:prstGeom>
+        </p:spPr>
+        <p:txBody>
+          <a:bodyPr vert="horz" lIns="91440" tIns="45720" rIns="91440" bIns="45720" rtlCol="0" anchor="ctr"/>
+          <a:lstStyle>
+            <a:defPPr>
+              <a:defRPr lang="en-US"/>
+            </a:defPPr>
+            <a:lvl1pPr marL="0" algn="r" defTabSz="457200" rtl="0" eaLnBrk="1" latinLnBrk="0" hangingPunct="1">
+              <a:defRPr sz="900" kern="1200">
+                <a:solidFill>
+                  <a:schemeClr val="tx1">
+                    <a:tint val="75000"/>
+                  </a:schemeClr>
+                </a:solidFill>
+                <a:latin typeface="+mn-lt"/>
+                <a:ea typeface="+mn-ea"/>
+                <a:cs typeface="+mn-cs"/>
+              </a:defRPr>
+            </a:lvl1pPr>
+            <a:lvl2pPr marL="457200" algn="l" defTabSz="457200" rtl="0" eaLnBrk="1" latinLnBrk="0" hangingPunct="1">
+              <a:defRPr sz="1800" kern="1200">
+                <a:solidFill>
+                  <a:schemeClr val="tx1"/>
+                </a:solidFill>
+                <a:latin typeface="+mn-lt"/>
+                <a:ea typeface="+mn-ea"/>
+                <a:cs typeface="+mn-cs"/>
+              </a:defRPr>
+            </a:lvl2pPr>
+            <a:lvl3pPr marL="914400" algn="l" defTabSz="457200" rtl="0" eaLnBrk="1" latinLnBrk="0" hangingPunct="1">
+              <a:defRPr sz="1800" kern="1200">
+                <a:solidFill>
+                  <a:schemeClr val="tx1"/>
+                </a:solidFill>
+                <a:latin typeface="+mn-lt"/>
+                <a:ea typeface="+mn-ea"/>
+                <a:cs typeface="+mn-cs"/>
+              </a:defRPr>
+            </a:lvl3pPr>
+            <a:lvl4pPr marL="1371600" algn="l" defTabSz="457200" rtl="0" eaLnBrk="1" latinLnBrk="0" hangingPunct="1">
+              <a:defRPr sz="1800" kern="1200">
+                <a:solidFill>
+                  <a:schemeClr val="tx1"/>
+                </a:solidFill>
+                <a:latin typeface="+mn-lt"/>
+                <a:ea typeface="+mn-ea"/>
+                <a:cs typeface="+mn-cs"/>
+              </a:defRPr>
+            </a:lvl4pPr>
+            <a:lvl5pPr marL="1828800" algn="l" defTabSz="457200" rtl="0" eaLnBrk="1" latinLnBrk="0" hangingPunct="1">
+              <a:defRPr sz="1800" kern="1200">
+                <a:solidFill>
+                  <a:schemeClr val="tx1"/>
+                </a:solidFill>
+                <a:latin typeface="+mn-lt"/>
+                <a:ea typeface="+mn-ea"/>
+                <a:cs typeface="+mn-cs"/>
+              </a:defRPr>
+            </a:lvl5pPr>
+            <a:lvl6pPr marL="2286000" algn="l" defTabSz="457200" rtl="0" eaLnBrk="1" latinLnBrk="0" hangingPunct="1">
+              <a:defRPr sz="1800" kern="1200">
+                <a:solidFill>
+                  <a:schemeClr val="tx1"/>
+                </a:solidFill>
+                <a:latin typeface="+mn-lt"/>
+                <a:ea typeface="+mn-ea"/>
+                <a:cs typeface="+mn-cs"/>
+              </a:defRPr>
+            </a:lvl6pPr>
+            <a:lvl7pPr marL="2743200" algn="l" defTabSz="457200" rtl="0" eaLnBrk="1" latinLnBrk="0" hangingPunct="1">
+              <a:defRPr sz="1800" kern="1200">
+                <a:solidFill>
+                  <a:schemeClr val="tx1"/>
+                </a:solidFill>
+                <a:latin typeface="+mn-lt"/>
+                <a:ea typeface="+mn-ea"/>
+                <a:cs typeface="+mn-cs"/>
+              </a:defRPr>
+            </a:lvl7pPr>
+            <a:lvl8pPr marL="3200400" algn="l" defTabSz="457200" rtl="0" eaLnBrk="1" latinLnBrk="0" hangingPunct="1">
+              <a:defRPr sz="1800" kern="1200">
+                <a:solidFill>
+                  <a:schemeClr val="tx1"/>
+                </a:solidFill>
+                <a:latin typeface="+mn-lt"/>
+                <a:ea typeface="+mn-ea"/>
+                <a:cs typeface="+mn-cs"/>
+              </a:defRPr>
+            </a:lvl8pPr>
+            <a:lvl9pPr marL="3657600" algn="l" defTabSz="457200" rtl="0" eaLnBrk="1" latinLnBrk="0" hangingPunct="1">
+              <a:defRPr sz="1800" kern="1200">
+                <a:solidFill>
+                  <a:schemeClr val="tx1"/>
+                </a:solidFill>
+                <a:latin typeface="+mn-lt"/>
+                <a:ea typeface="+mn-ea"/>
+                <a:cs typeface="+mn-cs"/>
+              </a:defRPr>
+            </a:lvl9pPr>
+          </a:lstStyle>
+          <a:p>
+            <a:r>
+              <a:rPr lang="de-DE" sz="1400" dirty="0"/>
+              <a:t>Veronika Taranek, Philipp </a:t>
+            </a:r>
+            <a:r>
+              <a:rPr lang="de-DE" sz="1400" dirty="0" err="1"/>
+              <a:t>Fenesan</a:t>
+            </a:r>
+            <a:r>
+              <a:rPr lang="de-DE" sz="1400" dirty="0"/>
+              <a:t>, Nicolas Geppert, Lukas Werner</a:t>
             </a:r>
             <a:endParaRPr lang="en-US" dirty="0"/>
           </a:p>
@@ -8857,6 +11249,277 @@
           </a:prstGeom>
         </p:spPr>
       </p:pic>
+      <p:sp>
+        <p:nvSpPr>
+          <p:cNvPr id="6" name="Date Placeholder 3">
+            <a:extLst>
+              <a:ext uri="{FF2B5EF4-FFF2-40B4-BE49-F238E27FC236}">
+                <a16:creationId xmlns:a16="http://schemas.microsoft.com/office/drawing/2014/main" id="{5A155018-75BB-467E-9C0B-72C18B696E77}"/>
+              </a:ext>
+            </a:extLst>
+          </p:cNvPr>
+          <p:cNvSpPr txBox="1">
+            <a:spLocks/>
+          </p:cNvSpPr>
+          <p:nvPr/>
+        </p:nvSpPr>
+        <p:spPr>
+          <a:xfrm>
+            <a:off x="677334" y="231051"/>
+            <a:ext cx="1071566" cy="378549"/>
+          </a:xfrm>
+          <a:prstGeom prst="rect">
+            <a:avLst/>
+          </a:prstGeom>
+        </p:spPr>
+        <p:txBody>
+          <a:bodyPr vert="horz" lIns="91440" tIns="45720" rIns="91440" bIns="45720" rtlCol="0" anchor="ctr"/>
+          <a:lstStyle>
+            <a:defPPr>
+              <a:defRPr lang="en-US"/>
+            </a:defPPr>
+            <a:lvl1pPr marL="0" algn="r" defTabSz="457200" rtl="0" eaLnBrk="1" latinLnBrk="0" hangingPunct="1">
+              <a:defRPr sz="900" kern="1200">
+                <a:solidFill>
+                  <a:schemeClr val="tx1">
+                    <a:tint val="75000"/>
+                  </a:schemeClr>
+                </a:solidFill>
+                <a:latin typeface="+mn-lt"/>
+                <a:ea typeface="+mn-ea"/>
+                <a:cs typeface="+mn-cs"/>
+              </a:defRPr>
+            </a:lvl1pPr>
+            <a:lvl2pPr marL="457200" algn="l" defTabSz="457200" rtl="0" eaLnBrk="1" latinLnBrk="0" hangingPunct="1">
+              <a:defRPr sz="1800" kern="1200">
+                <a:solidFill>
+                  <a:schemeClr val="tx1"/>
+                </a:solidFill>
+                <a:latin typeface="+mn-lt"/>
+                <a:ea typeface="+mn-ea"/>
+                <a:cs typeface="+mn-cs"/>
+              </a:defRPr>
+            </a:lvl2pPr>
+            <a:lvl3pPr marL="914400" algn="l" defTabSz="457200" rtl="0" eaLnBrk="1" latinLnBrk="0" hangingPunct="1">
+              <a:defRPr sz="1800" kern="1200">
+                <a:solidFill>
+                  <a:schemeClr val="tx1"/>
+                </a:solidFill>
+                <a:latin typeface="+mn-lt"/>
+                <a:ea typeface="+mn-ea"/>
+                <a:cs typeface="+mn-cs"/>
+              </a:defRPr>
+            </a:lvl3pPr>
+            <a:lvl4pPr marL="1371600" algn="l" defTabSz="457200" rtl="0" eaLnBrk="1" latinLnBrk="0" hangingPunct="1">
+              <a:defRPr sz="1800" kern="1200">
+                <a:solidFill>
+                  <a:schemeClr val="tx1"/>
+                </a:solidFill>
+                <a:latin typeface="+mn-lt"/>
+                <a:ea typeface="+mn-ea"/>
+                <a:cs typeface="+mn-cs"/>
+              </a:defRPr>
+            </a:lvl4pPr>
+            <a:lvl5pPr marL="1828800" algn="l" defTabSz="457200" rtl="0" eaLnBrk="1" latinLnBrk="0" hangingPunct="1">
+              <a:defRPr sz="1800" kern="1200">
+                <a:solidFill>
+                  <a:schemeClr val="tx1"/>
+                </a:solidFill>
+                <a:latin typeface="+mn-lt"/>
+                <a:ea typeface="+mn-ea"/>
+                <a:cs typeface="+mn-cs"/>
+              </a:defRPr>
+            </a:lvl5pPr>
+            <a:lvl6pPr marL="2286000" algn="l" defTabSz="457200" rtl="0" eaLnBrk="1" latinLnBrk="0" hangingPunct="1">
+              <a:defRPr sz="1800" kern="1200">
+                <a:solidFill>
+                  <a:schemeClr val="tx1"/>
+                </a:solidFill>
+                <a:latin typeface="+mn-lt"/>
+                <a:ea typeface="+mn-ea"/>
+                <a:cs typeface="+mn-cs"/>
+              </a:defRPr>
+            </a:lvl6pPr>
+            <a:lvl7pPr marL="2743200" algn="l" defTabSz="457200" rtl="0" eaLnBrk="1" latinLnBrk="0" hangingPunct="1">
+              <a:defRPr sz="1800" kern="1200">
+                <a:solidFill>
+                  <a:schemeClr val="tx1"/>
+                </a:solidFill>
+                <a:latin typeface="+mn-lt"/>
+                <a:ea typeface="+mn-ea"/>
+                <a:cs typeface="+mn-cs"/>
+              </a:defRPr>
+            </a:lvl7pPr>
+            <a:lvl8pPr marL="3200400" algn="l" defTabSz="457200" rtl="0" eaLnBrk="1" latinLnBrk="0" hangingPunct="1">
+              <a:defRPr sz="1800" kern="1200">
+                <a:solidFill>
+                  <a:schemeClr val="tx1"/>
+                </a:solidFill>
+                <a:latin typeface="+mn-lt"/>
+                <a:ea typeface="+mn-ea"/>
+                <a:cs typeface="+mn-cs"/>
+              </a:defRPr>
+            </a:lvl8pPr>
+            <a:lvl9pPr marL="3657600" algn="l" defTabSz="457200" rtl="0" eaLnBrk="1" latinLnBrk="0" hangingPunct="1">
+              <a:defRPr sz="1800" kern="1200">
+                <a:solidFill>
+                  <a:schemeClr val="tx1"/>
+                </a:solidFill>
+                <a:latin typeface="+mn-lt"/>
+                <a:ea typeface="+mn-ea"/>
+                <a:cs typeface="+mn-cs"/>
+              </a:defRPr>
+            </a:lvl9pPr>
+          </a:lstStyle>
+          <a:p>
+            <a:fld id="{5665C720-CFBA-4CD6-B44E-E52DA515AFF8}" type="datetime1">
+              <a:rPr lang="de-DE" sz="1400" smtClean="0"/>
+              <a:pPr/>
+              <a:t>11.09.2020</a:t>
+            </a:fld>
+            <a:endParaRPr lang="en-US" dirty="0"/>
+          </a:p>
+        </p:txBody>
+      </p:sp>
+      <p:sp>
+        <p:nvSpPr>
+          <p:cNvPr id="7" name="Date Placeholder 3">
+            <a:extLst>
+              <a:ext uri="{FF2B5EF4-FFF2-40B4-BE49-F238E27FC236}">
+                <a16:creationId xmlns:a16="http://schemas.microsoft.com/office/drawing/2014/main" id="{BAD5D7EE-33EA-45D2-A694-351C748A2C0C}"/>
+              </a:ext>
+            </a:extLst>
+          </p:cNvPr>
+          <p:cNvSpPr txBox="1">
+            <a:spLocks/>
+          </p:cNvSpPr>
+          <p:nvPr/>
+        </p:nvSpPr>
+        <p:spPr>
+          <a:xfrm>
+            <a:off x="1824033" y="231050"/>
+            <a:ext cx="5713108" cy="378549"/>
+          </a:xfrm>
+          <a:prstGeom prst="rect">
+            <a:avLst/>
+          </a:prstGeom>
+        </p:spPr>
+        <p:txBody>
+          <a:bodyPr vert="horz" lIns="91440" tIns="45720" rIns="91440" bIns="45720" rtlCol="0" anchor="ctr"/>
+          <a:lstStyle>
+            <a:defPPr>
+              <a:defRPr lang="en-US"/>
+            </a:defPPr>
+            <a:lvl1pPr marL="0" algn="r" defTabSz="457200" rtl="0" eaLnBrk="1" latinLnBrk="0" hangingPunct="1">
+              <a:defRPr sz="900" kern="1200">
+                <a:solidFill>
+                  <a:schemeClr val="tx1">
+                    <a:tint val="75000"/>
+                  </a:schemeClr>
+                </a:solidFill>
+                <a:latin typeface="+mn-lt"/>
+                <a:ea typeface="+mn-ea"/>
+                <a:cs typeface="+mn-cs"/>
+              </a:defRPr>
+            </a:lvl1pPr>
+            <a:lvl2pPr marL="457200" algn="l" defTabSz="457200" rtl="0" eaLnBrk="1" latinLnBrk="0" hangingPunct="1">
+              <a:defRPr sz="1800" kern="1200">
+                <a:solidFill>
+                  <a:schemeClr val="tx1"/>
+                </a:solidFill>
+                <a:latin typeface="+mn-lt"/>
+                <a:ea typeface="+mn-ea"/>
+                <a:cs typeface="+mn-cs"/>
+              </a:defRPr>
+            </a:lvl2pPr>
+            <a:lvl3pPr marL="914400" algn="l" defTabSz="457200" rtl="0" eaLnBrk="1" latinLnBrk="0" hangingPunct="1">
+              <a:defRPr sz="1800" kern="1200">
+                <a:solidFill>
+                  <a:schemeClr val="tx1"/>
+                </a:solidFill>
+                <a:latin typeface="+mn-lt"/>
+                <a:ea typeface="+mn-ea"/>
+                <a:cs typeface="+mn-cs"/>
+              </a:defRPr>
+            </a:lvl3pPr>
+            <a:lvl4pPr marL="1371600" algn="l" defTabSz="457200" rtl="0" eaLnBrk="1" latinLnBrk="0" hangingPunct="1">
+              <a:defRPr sz="1800" kern="1200">
+                <a:solidFill>
+                  <a:schemeClr val="tx1"/>
+                </a:solidFill>
+                <a:latin typeface="+mn-lt"/>
+                <a:ea typeface="+mn-ea"/>
+                <a:cs typeface="+mn-cs"/>
+              </a:defRPr>
+            </a:lvl4pPr>
+            <a:lvl5pPr marL="1828800" algn="l" defTabSz="457200" rtl="0" eaLnBrk="1" latinLnBrk="0" hangingPunct="1">
+              <a:defRPr sz="1800" kern="1200">
+                <a:solidFill>
+                  <a:schemeClr val="tx1"/>
+                </a:solidFill>
+                <a:latin typeface="+mn-lt"/>
+                <a:ea typeface="+mn-ea"/>
+                <a:cs typeface="+mn-cs"/>
+              </a:defRPr>
+            </a:lvl5pPr>
+            <a:lvl6pPr marL="2286000" algn="l" defTabSz="457200" rtl="0" eaLnBrk="1" latinLnBrk="0" hangingPunct="1">
+              <a:defRPr sz="1800" kern="1200">
+                <a:solidFill>
+                  <a:schemeClr val="tx1"/>
+                </a:solidFill>
+                <a:latin typeface="+mn-lt"/>
+                <a:ea typeface="+mn-ea"/>
+                <a:cs typeface="+mn-cs"/>
+              </a:defRPr>
+            </a:lvl6pPr>
+            <a:lvl7pPr marL="2743200" algn="l" defTabSz="457200" rtl="0" eaLnBrk="1" latinLnBrk="0" hangingPunct="1">
+              <a:defRPr sz="1800" kern="1200">
+                <a:solidFill>
+                  <a:schemeClr val="tx1"/>
+                </a:solidFill>
+                <a:latin typeface="+mn-lt"/>
+                <a:ea typeface="+mn-ea"/>
+                <a:cs typeface="+mn-cs"/>
+              </a:defRPr>
+            </a:lvl7pPr>
+            <a:lvl8pPr marL="3200400" algn="l" defTabSz="457200" rtl="0" eaLnBrk="1" latinLnBrk="0" hangingPunct="1">
+              <a:defRPr sz="1800" kern="1200">
+                <a:solidFill>
+                  <a:schemeClr val="tx1"/>
+                </a:solidFill>
+                <a:latin typeface="+mn-lt"/>
+                <a:ea typeface="+mn-ea"/>
+                <a:cs typeface="+mn-cs"/>
+              </a:defRPr>
+            </a:lvl8pPr>
+            <a:lvl9pPr marL="3657600" algn="l" defTabSz="457200" rtl="0" eaLnBrk="1" latinLnBrk="0" hangingPunct="1">
+              <a:defRPr sz="1800" kern="1200">
+                <a:solidFill>
+                  <a:schemeClr val="tx1"/>
+                </a:solidFill>
+                <a:latin typeface="+mn-lt"/>
+                <a:ea typeface="+mn-ea"/>
+                <a:cs typeface="+mn-cs"/>
+              </a:defRPr>
+            </a:lvl9pPr>
+          </a:lstStyle>
+          <a:p>
+            <a:r>
+              <a:rPr lang="de-DE" sz="1400" dirty="0"/>
+              <a:t>Veronika Taranek, Philipp </a:t>
+            </a:r>
+            <a:r>
+              <a:rPr lang="de-DE" sz="1400" dirty="0" err="1"/>
+              <a:t>Fenesan</a:t>
+            </a:r>
+            <a:r>
+              <a:rPr lang="de-DE" sz="1400" dirty="0"/>
+              <a:t>, Nicolas Geppert, Lukas Werner</a:t>
+            </a:r>
+            <a:endParaRPr lang="en-US" dirty="0"/>
+          </a:p>
+        </p:txBody>
+      </p:sp>
     </p:spTree>
     <p:extLst>
       <p:ext uri="{BB962C8B-B14F-4D97-AF65-F5344CB8AC3E}">
@@ -9125,4 +11788,299 @@
     </a:ext>
   </a:extLst>
 </a:theme>
+</file>
+
+<file path=ppt/theme/theme2.xml><?xml version="1.0" encoding="utf-8"?>
+<a:theme xmlns:a="http://schemas.openxmlformats.org/drawingml/2006/main" name="Office Theme">
+  <a:themeElements>
+    <a:clrScheme name="Office">
+      <a:dk1>
+        <a:sysClr val="windowText" lastClr="000000"/>
+      </a:dk1>
+      <a:lt1>
+        <a:sysClr val="window" lastClr="FFFFFF"/>
+      </a:lt1>
+      <a:dk2>
+        <a:srgbClr val="44546A"/>
+      </a:dk2>
+      <a:lt2>
+        <a:srgbClr val="E7E6E6"/>
+      </a:lt2>
+      <a:accent1>
+        <a:srgbClr val="4472C4"/>
+      </a:accent1>
+      <a:accent2>
+        <a:srgbClr val="ED7D31"/>
+      </a:accent2>
+      <a:accent3>
+        <a:srgbClr val="A5A5A5"/>
+      </a:accent3>
+      <a:accent4>
+        <a:srgbClr val="FFC000"/>
+      </a:accent4>
+      <a:accent5>
+        <a:srgbClr val="5B9BD5"/>
+      </a:accent5>
+      <a:accent6>
+        <a:srgbClr val="70AD47"/>
+      </a:accent6>
+      <a:hlink>
+        <a:srgbClr val="0563C1"/>
+      </a:hlink>
+      <a:folHlink>
+        <a:srgbClr val="954F72"/>
+      </a:folHlink>
+    </a:clrScheme>
+    <a:fontScheme name="Office">
+      <a:majorFont>
+        <a:latin typeface="Calibri Light" panose="020F0302020204030204"/>
+        <a:ea typeface=""/>
+        <a:cs typeface=""/>
+        <a:font script="Jpan" typeface="游ゴシック Light"/>
+        <a:font script="Hang" typeface="맑은 고딕"/>
+        <a:font script="Hans" typeface="等线 Light"/>
+        <a:font script="Hant" typeface="新細明體"/>
+        <a:font script="Arab" typeface="Times New Roman"/>
+        <a:font script="Hebr" typeface="Times New Roman"/>
+        <a:font script="Thai" typeface="Angsana New"/>
+        <a:font script="Ethi" typeface="Nyala"/>
+        <a:font script="Beng" typeface="Vrinda"/>
+        <a:font script="Gujr" typeface="Shruti"/>
+        <a:font script="Khmr" typeface="MoolBoran"/>
+        <a:font script="Knda" typeface="Tunga"/>
+        <a:font script="Guru" typeface="Raavi"/>
+        <a:font script="Cans" typeface="Euphemia"/>
+        <a:font script="Cher" typeface="Plantagenet Cherokee"/>
+        <a:font script="Yiii" typeface="Microsoft Yi Baiti"/>
+        <a:font script="Tibt" typeface="Microsoft Himalaya"/>
+        <a:font script="Thaa" typeface="MV Boli"/>
+        <a:font script="Deva" typeface="Mangal"/>
+        <a:font script="Telu" typeface="Gautami"/>
+        <a:font script="Taml" typeface="Latha"/>
+        <a:font script="Syrc" typeface="Estrangelo Edessa"/>
+        <a:font script="Orya" typeface="Kalinga"/>
+        <a:font script="Mlym" typeface="Kartika"/>
+        <a:font script="Laoo" typeface="DokChampa"/>
+        <a:font script="Sinh" typeface="Iskoola Pota"/>
+        <a:font script="Mong" typeface="Mongolian Baiti"/>
+        <a:font script="Viet" typeface="Times New Roman"/>
+        <a:font script="Uigh" typeface="Microsoft Uighur"/>
+        <a:font script="Geor" typeface="Sylfaen"/>
+        <a:font script="Armn" typeface="Arial"/>
+        <a:font script="Bugi" typeface="Leelawadee UI"/>
+        <a:font script="Bopo" typeface="Microsoft JhengHei"/>
+        <a:font script="Java" typeface="Javanese Text"/>
+        <a:font script="Lisu" typeface="Segoe UI"/>
+        <a:font script="Mymr" typeface="Myanmar Text"/>
+        <a:font script="Nkoo" typeface="Ebrima"/>
+        <a:font script="Olck" typeface="Nirmala UI"/>
+        <a:font script="Osma" typeface="Ebrima"/>
+        <a:font script="Phag" typeface="Phagspa"/>
+        <a:font script="Syrn" typeface="Estrangelo Edessa"/>
+        <a:font script="Syrj" typeface="Estrangelo Edessa"/>
+        <a:font script="Syre" typeface="Estrangelo Edessa"/>
+        <a:font script="Sora" typeface="Nirmala UI"/>
+        <a:font script="Tale" typeface="Microsoft Tai Le"/>
+        <a:font script="Talu" typeface="Microsoft New Tai Lue"/>
+        <a:font script="Tfng" typeface="Ebrima"/>
+      </a:majorFont>
+      <a:minorFont>
+        <a:latin typeface="Calibri" panose="020F0502020204030204"/>
+        <a:ea typeface=""/>
+        <a:cs typeface=""/>
+        <a:font script="Jpan" typeface="游ゴシック"/>
+        <a:font script="Hang" typeface="맑은 고딕"/>
+        <a:font script="Hans" typeface="等线"/>
+        <a:font script="Hant" typeface="新細明體"/>
+        <a:font script="Arab" typeface="Arial"/>
+        <a:font script="Hebr" typeface="Arial"/>
+        <a:font script="Thai" typeface="Cordia New"/>
+        <a:font script="Ethi" typeface="Nyala"/>
+        <a:font script="Beng" typeface="Vrinda"/>
+        <a:font script="Gujr" typeface="Shruti"/>
+        <a:font script="Khmr" typeface="DaunPenh"/>
+        <a:font script="Knda" typeface="Tunga"/>
+        <a:font script="Guru" typeface="Raavi"/>
+        <a:font script="Cans" typeface="Euphemia"/>
+        <a:font script="Cher" typeface="Plantagenet Cherokee"/>
+        <a:font script="Yiii" typeface="Microsoft Yi Baiti"/>
+        <a:font script="Tibt" typeface="Microsoft Himalaya"/>
+        <a:font script="Thaa" typeface="MV Boli"/>
+        <a:font script="Deva" typeface="Mangal"/>
+        <a:font script="Telu" typeface="Gautami"/>
+        <a:font script="Taml" typeface="Latha"/>
+        <a:font script="Syrc" typeface="Estrangelo Edessa"/>
+        <a:font script="Orya" typeface="Kalinga"/>
+        <a:font script="Mlym" typeface="Kartika"/>
+        <a:font script="Laoo" typeface="DokChampa"/>
+        <a:font script="Sinh" typeface="Iskoola Pota"/>
+        <a:font script="Mong" typeface="Mongolian Baiti"/>
+        <a:font script="Viet" typeface="Arial"/>
+        <a:font script="Uigh" typeface="Microsoft Uighur"/>
+        <a:font script="Geor" typeface="Sylfaen"/>
+        <a:font script="Armn" typeface="Arial"/>
+        <a:font script="Bugi" typeface="Leelawadee UI"/>
+        <a:font script="Bopo" typeface="Microsoft JhengHei"/>
+        <a:font script="Java" typeface="Javanese Text"/>
+        <a:font script="Lisu" typeface="Segoe UI"/>
+        <a:font script="Mymr" typeface="Myanmar Text"/>
+        <a:font script="Nkoo" typeface="Ebrima"/>
+        <a:font script="Olck" typeface="Nirmala UI"/>
+        <a:font script="Osma" typeface="Ebrima"/>
+        <a:font script="Phag" typeface="Phagspa"/>
+        <a:font script="Syrn" typeface="Estrangelo Edessa"/>
+        <a:font script="Syrj" typeface="Estrangelo Edessa"/>
+        <a:font script="Syre" typeface="Estrangelo Edessa"/>
+        <a:font script="Sora" typeface="Nirmala UI"/>
+        <a:font script="Tale" typeface="Microsoft Tai Le"/>
+        <a:font script="Talu" typeface="Microsoft New Tai Lue"/>
+        <a:font script="Tfng" typeface="Ebrima"/>
+      </a:minorFont>
+    </a:fontScheme>
+    <a:fmtScheme name="Office">
+      <a:fillStyleLst>
+        <a:solidFill>
+          <a:schemeClr val="phClr"/>
+        </a:solidFill>
+        <a:gradFill rotWithShape="1">
+          <a:gsLst>
+            <a:gs pos="0">
+              <a:schemeClr val="phClr">
+                <a:lumMod val="110000"/>
+                <a:satMod val="105000"/>
+                <a:tint val="67000"/>
+              </a:schemeClr>
+            </a:gs>
+            <a:gs pos="50000">
+              <a:schemeClr val="phClr">
+                <a:lumMod val="105000"/>
+                <a:satMod val="103000"/>
+                <a:tint val="73000"/>
+              </a:schemeClr>
+            </a:gs>
+            <a:gs pos="100000">
+              <a:schemeClr val="phClr">
+                <a:lumMod val="105000"/>
+                <a:satMod val="109000"/>
+                <a:tint val="81000"/>
+              </a:schemeClr>
+            </a:gs>
+          </a:gsLst>
+          <a:lin ang="5400000" scaled="0"/>
+        </a:gradFill>
+        <a:gradFill rotWithShape="1">
+          <a:gsLst>
+            <a:gs pos="0">
+              <a:schemeClr val="phClr">
+                <a:satMod val="103000"/>
+                <a:lumMod val="102000"/>
+                <a:tint val="94000"/>
+              </a:schemeClr>
+            </a:gs>
+            <a:gs pos="50000">
+              <a:schemeClr val="phClr">
+                <a:satMod val="110000"/>
+                <a:lumMod val="100000"/>
+                <a:shade val="100000"/>
+              </a:schemeClr>
+            </a:gs>
+            <a:gs pos="100000">
+              <a:schemeClr val="phClr">
+                <a:lumMod val="99000"/>
+                <a:satMod val="120000"/>
+                <a:shade val="78000"/>
+              </a:schemeClr>
+            </a:gs>
+          </a:gsLst>
+          <a:lin ang="5400000" scaled="0"/>
+        </a:gradFill>
+      </a:fillStyleLst>
+      <a:lnStyleLst>
+        <a:ln w="6350" cap="flat" cmpd="sng" algn="ctr">
+          <a:solidFill>
+            <a:schemeClr val="phClr"/>
+          </a:solidFill>
+          <a:prstDash val="solid"/>
+          <a:miter lim="800000"/>
+        </a:ln>
+        <a:ln w="12700" cap="flat" cmpd="sng" algn="ctr">
+          <a:solidFill>
+            <a:schemeClr val="phClr"/>
+          </a:solidFill>
+          <a:prstDash val="solid"/>
+          <a:miter lim="800000"/>
+        </a:ln>
+        <a:ln w="19050" cap="flat" cmpd="sng" algn="ctr">
+          <a:solidFill>
+            <a:schemeClr val="phClr"/>
+          </a:solidFill>
+          <a:prstDash val="solid"/>
+          <a:miter lim="800000"/>
+        </a:ln>
+      </a:lnStyleLst>
+      <a:effectStyleLst>
+        <a:effectStyle>
+          <a:effectLst/>
+        </a:effectStyle>
+        <a:effectStyle>
+          <a:effectLst/>
+        </a:effectStyle>
+        <a:effectStyle>
+          <a:effectLst>
+            <a:outerShdw blurRad="57150" dist="19050" dir="5400000" algn="ctr" rotWithShape="0">
+              <a:srgbClr val="000000">
+                <a:alpha val="63000"/>
+              </a:srgbClr>
+            </a:outerShdw>
+          </a:effectLst>
+        </a:effectStyle>
+      </a:effectStyleLst>
+      <a:bgFillStyleLst>
+        <a:solidFill>
+          <a:schemeClr val="phClr"/>
+        </a:solidFill>
+        <a:solidFill>
+          <a:schemeClr val="phClr">
+            <a:tint val="95000"/>
+            <a:satMod val="170000"/>
+          </a:schemeClr>
+        </a:solidFill>
+        <a:gradFill rotWithShape="1">
+          <a:gsLst>
+            <a:gs pos="0">
+              <a:schemeClr val="phClr">
+                <a:tint val="93000"/>
+                <a:satMod val="150000"/>
+                <a:shade val="98000"/>
+                <a:lumMod val="102000"/>
+              </a:schemeClr>
+            </a:gs>
+            <a:gs pos="50000">
+              <a:schemeClr val="phClr">
+                <a:tint val="98000"/>
+                <a:satMod val="130000"/>
+                <a:shade val="90000"/>
+                <a:lumMod val="103000"/>
+              </a:schemeClr>
+            </a:gs>
+            <a:gs pos="100000">
+              <a:schemeClr val="phClr">
+                <a:shade val="63000"/>
+                <a:satMod val="120000"/>
+              </a:schemeClr>
+            </a:gs>
+          </a:gsLst>
+          <a:lin ang="5400000" scaled="0"/>
+        </a:gradFill>
+      </a:bgFillStyleLst>
+    </a:fmtScheme>
+  </a:themeElements>
+  <a:objectDefaults/>
+  <a:extraClrSchemeLst/>
+  <a:extLst>
+    <a:ext uri="{05A4C25C-085E-4340-85A3-A5531E510DB2}">
+      <thm15:themeFamily xmlns:thm15="http://schemas.microsoft.com/office/thememl/2012/main" name="Office Theme" id="{62F939B6-93AF-4DB8-9C6B-D6C7DFDC589F}" vid="{4A3C46E8-61CC-4603-A589-7422A47A8E4A}"/>
+    </a:ext>
+  </a:extLst>
+</a:theme>
 </file>
--- a/presentation/wanderoo – Gruppe 3.pptx
+++ b/presentation/wanderoo – Gruppe 3.pptx
@@ -5,18 +5,21 @@
     <p:sldMasterId id="2147483660" r:id="rId1"/>
   </p:sldMasterIdLst>
   <p:notesMasterIdLst>
-    <p:notesMasterId r:id="rId11"/>
+    <p:notesMasterId r:id="rId14"/>
   </p:notesMasterIdLst>
   <p:sldIdLst>
     <p:sldId id="256" r:id="rId2"/>
     <p:sldId id="257" r:id="rId3"/>
-    <p:sldId id="259" r:id="rId4"/>
-    <p:sldId id="262" r:id="rId5"/>
-    <p:sldId id="260" r:id="rId6"/>
-    <p:sldId id="261" r:id="rId7"/>
-    <p:sldId id="263" r:id="rId8"/>
-    <p:sldId id="264" r:id="rId9"/>
-    <p:sldId id="265" r:id="rId10"/>
+    <p:sldId id="266" r:id="rId4"/>
+    <p:sldId id="268" r:id="rId5"/>
+    <p:sldId id="267" r:id="rId6"/>
+    <p:sldId id="259" r:id="rId7"/>
+    <p:sldId id="262" r:id="rId8"/>
+    <p:sldId id="260" r:id="rId9"/>
+    <p:sldId id="261" r:id="rId10"/>
+    <p:sldId id="263" r:id="rId11"/>
+    <p:sldId id="264" r:id="rId12"/>
+    <p:sldId id="265" r:id="rId13"/>
   </p:sldIdLst>
   <p:sldSz cx="12192000" cy="6858000"/>
   <p:notesSz cx="6858000" cy="9144000"/>
@@ -205,7 +208,7 @@
           <a:p>
             <a:fld id="{91C987E9-D846-45D7-B0BA-09A404DDD18F}" type="datetimeFigureOut">
               <a:rPr lang="en-US" smtClean="0"/>
-              <a:t>9/11/2020</a:t>
+              <a:t>9/12/2020</a:t>
             </a:fld>
             <a:endParaRPr lang="en-US"/>
           </a:p>
@@ -470,6 +473,336 @@
     </a:lvl9pPr>
   </p:notesStyle>
 </p:notesMaster>
+</file>
+
+<file path=ppt/notesSlides/notesSlide1.xml><?xml version="1.0" encoding="utf-8"?>
+<p:notes xmlns:a="http://schemas.openxmlformats.org/drawingml/2006/main" xmlns:r="http://schemas.openxmlformats.org/officeDocument/2006/relationships" xmlns:p="http://schemas.openxmlformats.org/presentationml/2006/main">
+  <p:cSld>
+    <p:spTree>
+      <p:nvGrpSpPr>
+        <p:cNvPr id="1" name=""/>
+        <p:cNvGrpSpPr/>
+        <p:nvPr/>
+      </p:nvGrpSpPr>
+      <p:grpSpPr>
+        <a:xfrm>
+          <a:off x="0" y="0"/>
+          <a:ext cx="0" cy="0"/>
+          <a:chOff x="0" y="0"/>
+          <a:chExt cx="0" cy="0"/>
+        </a:xfrm>
+      </p:grpSpPr>
+      <p:sp>
+        <p:nvSpPr>
+          <p:cNvPr id="2" name="Slide Image Placeholder 1"/>
+          <p:cNvSpPr>
+            <a:spLocks noGrp="1" noRot="1" noChangeAspect="1"/>
+          </p:cNvSpPr>
+          <p:nvPr>
+            <p:ph type="sldImg"/>
+          </p:nvPr>
+        </p:nvSpPr>
+        <p:spPr/>
+      </p:sp>
+      <p:sp>
+        <p:nvSpPr>
+          <p:cNvPr id="3" name="Notes Placeholder 2"/>
+          <p:cNvSpPr>
+            <a:spLocks noGrp="1"/>
+          </p:cNvSpPr>
+          <p:nvPr>
+            <p:ph type="body" idx="1"/>
+          </p:nvPr>
+        </p:nvSpPr>
+        <p:spPr/>
+        <p:txBody>
+          <a:bodyPr/>
+          <a:lstStyle/>
+          <a:p>
+            <a:pPr fontAlgn="ctr"/>
+            <a:r>
+              <a:rPr lang="de-DE" sz="1200" kern="1200" dirty="0">
+                <a:solidFill>
+                  <a:schemeClr val="tx1"/>
+                </a:solidFill>
+                <a:effectLst/>
+                <a:latin typeface="+mn-lt"/>
+                <a:ea typeface="+mn-ea"/>
+                <a:cs typeface="+mn-cs"/>
+              </a:rPr>
+              <a:t>Die Gemeinde </a:t>
+            </a:r>
+            <a:r>
+              <a:rPr lang="de-DE" sz="1200" kern="1200" dirty="0" err="1">
+                <a:solidFill>
+                  <a:schemeClr val="tx1"/>
+                </a:solidFill>
+                <a:effectLst/>
+                <a:latin typeface="+mn-lt"/>
+                <a:ea typeface="+mn-ea"/>
+                <a:cs typeface="+mn-cs"/>
+              </a:rPr>
+              <a:t>Hauenstein</a:t>
+            </a:r>
+            <a:r>
+              <a:rPr lang="de-DE" sz="1200" kern="1200" dirty="0">
+                <a:solidFill>
+                  <a:schemeClr val="tx1"/>
+                </a:solidFill>
+                <a:effectLst/>
+                <a:latin typeface="+mn-lt"/>
+                <a:ea typeface="+mn-ea"/>
+                <a:cs typeface="+mn-cs"/>
+              </a:rPr>
+              <a:t> ist ein bekannter Luftkurort, der im südlichen Pfälzerwald liegt.</a:t>
+            </a:r>
+          </a:p>
+          <a:p>
+            <a:pPr fontAlgn="ctr"/>
+            <a:r>
+              <a:rPr lang="de-DE" sz="1200" kern="1200" dirty="0" err="1">
+                <a:solidFill>
+                  <a:schemeClr val="tx1"/>
+                </a:solidFill>
+                <a:effectLst/>
+                <a:latin typeface="+mn-lt"/>
+                <a:ea typeface="+mn-ea"/>
+                <a:cs typeface="+mn-cs"/>
+              </a:rPr>
+              <a:t>Hauenstein</a:t>
+            </a:r>
+            <a:r>
+              <a:rPr lang="de-DE" sz="1200" kern="1200" dirty="0">
+                <a:solidFill>
+                  <a:schemeClr val="tx1"/>
+                </a:solidFill>
+                <a:effectLst/>
+                <a:latin typeface="+mn-lt"/>
+                <a:ea typeface="+mn-ea"/>
+                <a:cs typeface="+mn-cs"/>
+              </a:rPr>
+              <a:t> begeistert Jung und Alt mit seiner vielfältigen Landschaft, geprägt von vielen Bergen „mit ihren zahlreichen bizarren Buntsandsteinfelsen und der wohltuenden Ruhe in frischer, klarer Luft“.</a:t>
+            </a:r>
+          </a:p>
+          <a:p>
+            <a:pPr fontAlgn="ctr"/>
+            <a:r>
+              <a:rPr lang="de-DE" sz="1200" kern="1200" dirty="0">
+                <a:solidFill>
+                  <a:schemeClr val="tx1"/>
+                </a:solidFill>
+                <a:effectLst/>
+                <a:latin typeface="+mn-lt"/>
+                <a:ea typeface="+mn-ea"/>
+                <a:cs typeface="+mn-cs"/>
+              </a:rPr>
+              <a:t>Ebenso fließt die Queich durch die Gemeinde, ein 52km langer Nebenfluss des Oberrheins.</a:t>
+            </a:r>
+          </a:p>
+          <a:p>
+            <a:pPr fontAlgn="ctr"/>
+            <a:r>
+              <a:rPr lang="de-DE" sz="1200" kern="1200" dirty="0">
+                <a:solidFill>
+                  <a:schemeClr val="tx1"/>
+                </a:solidFill>
+                <a:effectLst/>
+                <a:latin typeface="+mn-lt"/>
+                <a:ea typeface="+mn-ea"/>
+                <a:cs typeface="+mn-cs"/>
+              </a:rPr>
+              <a:t>Das Wetter in </a:t>
+            </a:r>
+            <a:r>
+              <a:rPr lang="de-DE" sz="1200" kern="1200" dirty="0" err="1">
+                <a:solidFill>
+                  <a:schemeClr val="tx1"/>
+                </a:solidFill>
+                <a:effectLst/>
+                <a:latin typeface="+mn-lt"/>
+                <a:ea typeface="+mn-ea"/>
+                <a:cs typeface="+mn-cs"/>
+              </a:rPr>
+              <a:t>Hauenstein</a:t>
+            </a:r>
+            <a:r>
+              <a:rPr lang="de-DE" sz="1200" kern="1200" dirty="0">
+                <a:solidFill>
+                  <a:schemeClr val="tx1"/>
+                </a:solidFill>
+                <a:effectLst/>
+                <a:latin typeface="+mn-lt"/>
+                <a:ea typeface="+mn-ea"/>
+                <a:cs typeface="+mn-cs"/>
+              </a:rPr>
+              <a:t> ist ein, typisch für die Gegend, gemäßigtes Klima, denn der umgebende Wald sorgt für ausreichend Niederschläge, welche allerdings durch die Trockenheit des Sommers ausgeglichen werden. </a:t>
+            </a:r>
+          </a:p>
+          <a:p>
+            <a:pPr fontAlgn="ctr"/>
+            <a:r>
+              <a:rPr lang="de-DE" sz="1200" kern="1200" dirty="0">
+                <a:solidFill>
+                  <a:schemeClr val="tx1"/>
+                </a:solidFill>
+                <a:effectLst/>
+                <a:latin typeface="+mn-lt"/>
+                <a:ea typeface="+mn-ea"/>
+                <a:cs typeface="+mn-cs"/>
+              </a:rPr>
+              <a:t>Was die Gegend so reizvoll für Wanderer macht sind insgesamt acht Naturdenkmäler, die intakte Natur des Biosphärenreservates „Naturpark Pfälzerwald“, zahlreiche Burgen, Ruinen und historische Denkmäler, besondere Naturerscheinungen und natürlich die sieben Premiumwanderwege. </a:t>
+            </a:r>
+          </a:p>
+          <a:p>
+            <a:pPr fontAlgn="ctr"/>
+            <a:r>
+              <a:rPr lang="de-DE" sz="1200" kern="1200" dirty="0">
+                <a:solidFill>
+                  <a:schemeClr val="tx1"/>
+                </a:solidFill>
+                <a:effectLst/>
+                <a:latin typeface="+mn-lt"/>
+                <a:ea typeface="+mn-ea"/>
+                <a:cs typeface="+mn-cs"/>
+              </a:rPr>
+              <a:t>Mit einer Höhe von 348m ü. NHN, liegt </a:t>
+            </a:r>
+            <a:r>
+              <a:rPr lang="de-DE" sz="1200" kern="1200" dirty="0" err="1">
+                <a:solidFill>
+                  <a:schemeClr val="tx1"/>
+                </a:solidFill>
+                <a:effectLst/>
+                <a:latin typeface="+mn-lt"/>
+                <a:ea typeface="+mn-ea"/>
+                <a:cs typeface="+mn-cs"/>
+              </a:rPr>
+              <a:t>Hauenstein</a:t>
+            </a:r>
+            <a:r>
+              <a:rPr lang="de-DE" sz="1200" kern="1200" dirty="0">
+                <a:solidFill>
+                  <a:schemeClr val="tx1"/>
+                </a:solidFill>
+                <a:effectLst/>
+                <a:latin typeface="+mn-lt"/>
+                <a:ea typeface="+mn-ea"/>
+                <a:cs typeface="+mn-cs"/>
+              </a:rPr>
+              <a:t> ebenfalls auf einer angenehmen Höhe für Einsteiger, welche Höhen mit niedriger Sauerstoffkonzentration noch nicht bewältigen können.</a:t>
+            </a:r>
+          </a:p>
+          <a:p>
+            <a:pPr fontAlgn="ctr"/>
+            <a:r>
+              <a:rPr lang="de-DE" sz="1200" kern="1200" dirty="0">
+                <a:solidFill>
+                  <a:schemeClr val="tx1"/>
+                </a:solidFill>
+                <a:effectLst/>
+                <a:latin typeface="+mn-lt"/>
+                <a:ea typeface="+mn-ea"/>
+                <a:cs typeface="+mn-cs"/>
+              </a:rPr>
+              <a:t>Auf die leichte Schulter sollte man die Wanderrouten jedoch nicht nehmen, da Erhebungen im Bereich von 324m bis hin zu 460,8m ü. NHN vorhanden sind.</a:t>
+            </a:r>
+          </a:p>
+          <a:p>
+            <a:pPr fontAlgn="ctr"/>
+            <a:r>
+              <a:rPr lang="de-DE" sz="1200" kern="1200" dirty="0">
+                <a:solidFill>
+                  <a:schemeClr val="tx1"/>
+                </a:solidFill>
+                <a:effectLst/>
+                <a:latin typeface="+mn-lt"/>
+                <a:ea typeface="+mn-ea"/>
+                <a:cs typeface="+mn-cs"/>
+              </a:rPr>
+              <a:t> </a:t>
+            </a:r>
+          </a:p>
+          <a:p>
+            <a:pPr fontAlgn="ctr"/>
+            <a:r>
+              <a:rPr lang="de-DE" sz="1200" kern="1200" dirty="0">
+                <a:solidFill>
+                  <a:schemeClr val="tx1"/>
+                </a:solidFill>
+                <a:effectLst/>
+                <a:latin typeface="+mn-lt"/>
+                <a:ea typeface="+mn-ea"/>
+                <a:cs typeface="+mn-cs"/>
+              </a:rPr>
+              <a:t>All diese Faktoren sorgen dafür, dass Hanau einen hohen Natur- und Erholungstourismus genießt.</a:t>
+            </a:r>
+          </a:p>
+          <a:p>
+            <a:r>
+              <a:rPr lang="de-DE" sz="1200" u="sng" kern="1200" dirty="0">
+                <a:solidFill>
+                  <a:schemeClr val="tx1"/>
+                </a:solidFill>
+                <a:effectLst/>
+                <a:latin typeface="+mn-lt"/>
+                <a:ea typeface="+mn-ea"/>
+                <a:cs typeface="+mn-cs"/>
+                <a:hlinkClick r:id="rId3"/>
+              </a:rPr>
+              <a:t>http://www.hauenstein.de</a:t>
+            </a:r>
+            <a:r>
+              <a:rPr lang="de-DE" sz="1200" kern="1200" dirty="0">
+                <a:solidFill>
+                  <a:schemeClr val="tx1"/>
+                </a:solidFill>
+                <a:effectLst/>
+                <a:latin typeface="+mn-lt"/>
+                <a:ea typeface="+mn-ea"/>
+                <a:cs typeface="+mn-cs"/>
+              </a:rPr>
+              <a:t> </a:t>
+            </a:r>
+          </a:p>
+          <a:p>
+            <a:endParaRPr lang="en-US" dirty="0"/>
+          </a:p>
+        </p:txBody>
+      </p:sp>
+      <p:sp>
+        <p:nvSpPr>
+          <p:cNvPr id="4" name="Slide Number Placeholder 3"/>
+          <p:cNvSpPr>
+            <a:spLocks noGrp="1"/>
+          </p:cNvSpPr>
+          <p:nvPr>
+            <p:ph type="sldNum" sz="quarter" idx="5"/>
+          </p:nvPr>
+        </p:nvSpPr>
+        <p:spPr/>
+        <p:txBody>
+          <a:bodyPr/>
+          <a:lstStyle/>
+          <a:p>
+            <a:fld id="{E9848302-4D0B-44CA-8F00-816E91755838}" type="slidenum">
+              <a:rPr lang="en-US" smtClean="0"/>
+              <a:t>5</a:t>
+            </a:fld>
+            <a:endParaRPr lang="en-US"/>
+          </a:p>
+        </p:txBody>
+      </p:sp>
+    </p:spTree>
+    <p:extLst>
+      <p:ext uri="{BB962C8B-B14F-4D97-AF65-F5344CB8AC3E}">
+        <p14:creationId xmlns:p14="http://schemas.microsoft.com/office/powerpoint/2010/main" val="2101431507"/>
+      </p:ext>
+    </p:extLst>
+  </p:cSld>
+  <p:clrMapOvr>
+    <a:masterClrMapping/>
+  </p:clrMapOvr>
+</p:notes>
 </file>
 
 <file path=ppt/slideLayouts/slideLayout1.xml><?xml version="1.0" encoding="utf-8"?>
@@ -1194,7 +1527,7 @@
           <a:p>
             <a:fld id="{F7B45734-1697-4AB7-959A-59021CEE7C63}" type="datetime1">
               <a:rPr lang="de-DE" smtClean="0"/>
-              <a:t>11.09.2020</a:t>
+              <a:t>12.09.2020</a:t>
             </a:fld>
             <a:endParaRPr lang="en-US"/>
           </a:p>
@@ -1457,7 +1790,7 @@
           <a:p>
             <a:fld id="{28E0F9FB-1E8A-4CFC-BF19-70653968A72B}" type="datetime1">
               <a:rPr lang="de-DE" smtClean="0"/>
-              <a:t>11.09.2020</a:t>
+              <a:t>12.09.2020</a:t>
             </a:fld>
             <a:endParaRPr lang="en-US"/>
           </a:p>
@@ -1708,7 +2041,7 @@
           <a:p>
             <a:fld id="{4C8791FF-7201-4729-B98B-5B802CB6FE26}" type="datetime1">
               <a:rPr lang="de-DE" smtClean="0"/>
-              <a:t>11.09.2020</a:t>
+              <a:t>12.09.2020</a:t>
             </a:fld>
             <a:endParaRPr lang="en-US"/>
           </a:p>
@@ -2022,7 +2355,7 @@
           <a:p>
             <a:fld id="{16EBDE9D-3BF1-458B-B04E-AA7056777578}" type="datetime1">
               <a:rPr lang="de-DE" smtClean="0"/>
-              <a:t>11.09.2020</a:t>
+              <a:t>12.09.2020</a:t>
             </a:fld>
             <a:endParaRPr lang="en-US"/>
           </a:p>
@@ -2363,7 +2696,7 @@
           <a:p>
             <a:fld id="{72379833-F89A-4CC5-AD26-2146F255572C}" type="datetime1">
               <a:rPr lang="de-DE" smtClean="0"/>
-              <a:t>11.09.2020</a:t>
+              <a:t>12.09.2020</a:t>
             </a:fld>
             <a:endParaRPr lang="en-US"/>
           </a:p>
@@ -2677,7 +3010,7 @@
           <a:p>
             <a:fld id="{431A2CE2-D7A9-4F80-8471-7A4DA8B72368}" type="datetime1">
               <a:rPr lang="de-DE" smtClean="0"/>
-              <a:t>11.09.2020</a:t>
+              <a:t>12.09.2020</a:t>
             </a:fld>
             <a:endParaRPr lang="en-US"/>
           </a:p>
@@ -3070,7 +3403,7 @@
           <a:p>
             <a:fld id="{4B9D6D1C-E905-4368-9630-7DD1E44954A8}" type="datetime1">
               <a:rPr lang="de-DE" smtClean="0"/>
-              <a:t>11.09.2020</a:t>
+              <a:t>12.09.2020</a:t>
             </a:fld>
             <a:endParaRPr lang="en-US"/>
           </a:p>
@@ -3240,7 +3573,7 @@
           <a:p>
             <a:fld id="{8627FA29-765F-442F-8C7E-8C4E33FBBD15}" type="datetime1">
               <a:rPr lang="de-DE" smtClean="0"/>
-              <a:t>11.09.2020</a:t>
+              <a:t>12.09.2020</a:t>
             </a:fld>
             <a:endParaRPr lang="en-US"/>
           </a:p>
@@ -3420,7 +3753,7 @@
           <a:p>
             <a:fld id="{C79E08BA-6372-4F95-AB4E-CF7226F9351B}" type="datetime1">
               <a:rPr lang="de-DE" smtClean="0"/>
-              <a:t>11.09.2020</a:t>
+              <a:t>12.09.2020</a:t>
             </a:fld>
             <a:endParaRPr lang="en-US"/>
           </a:p>
@@ -3596,7 +3929,7 @@
           <a:p>
             <a:fld id="{BBFE0E78-BD63-486A-A840-5A82EE4DABDC}" type="datetime1">
               <a:rPr lang="de-DE" smtClean="0"/>
-              <a:t>11.09.2020</a:t>
+              <a:t>12.09.2020</a:t>
             </a:fld>
             <a:endParaRPr lang="en-US"/>
           </a:p>
@@ -3725,7 +4058,7 @@
           <a:p>
             <a:fld id="{FD088E02-9980-4083-8604-339DD30750A9}" type="datetime1">
               <a:rPr lang="de-DE" smtClean="0"/>
-              <a:t>11.09.2020</a:t>
+              <a:t>12.09.2020</a:t>
             </a:fld>
             <a:endParaRPr lang="en-US"/>
           </a:p>
@@ -4067,7 +4400,7 @@
           <a:p>
             <a:fld id="{512B8740-04A0-4F0F-BA2E-747FAA8552CF}" type="datetime1">
               <a:rPr lang="de-DE" smtClean="0"/>
-              <a:t>11.09.2020</a:t>
+              <a:t>12.09.2020</a:t>
             </a:fld>
             <a:endParaRPr lang="en-US"/>
           </a:p>
@@ -4299,7 +4632,7 @@
           <a:p>
             <a:fld id="{52340480-09C1-41B7-ACEE-F79B5ACF8268}" type="datetime1">
               <a:rPr lang="de-DE" smtClean="0"/>
-              <a:t>11.09.2020</a:t>
+              <a:t>12.09.2020</a:t>
             </a:fld>
             <a:endParaRPr lang="en-US"/>
           </a:p>
@@ -4673,7 +5006,7 @@
           <a:p>
             <a:fld id="{3C76072F-ABDE-49C9-B45F-982F33145057}" type="datetime1">
               <a:rPr lang="de-DE" smtClean="0"/>
-              <a:t>11.09.2020</a:t>
+              <a:t>12.09.2020</a:t>
             </a:fld>
             <a:endParaRPr lang="en-US"/>
           </a:p>
@@ -4796,7 +5129,7 @@
           <a:p>
             <a:fld id="{FF972E03-99BD-433F-85AD-6324DFFF3902}" type="datetime1">
               <a:rPr lang="de-DE" smtClean="0"/>
-              <a:t>11.09.2020</a:t>
+              <a:t>12.09.2020</a:t>
             </a:fld>
             <a:endParaRPr lang="en-US"/>
           </a:p>
@@ -4891,7 +5224,7 @@
           <a:p>
             <a:fld id="{EB4EFE40-CAA3-420B-8D0E-DBD5AB0FE83F}" type="datetime1">
               <a:rPr lang="de-DE" smtClean="0"/>
-              <a:t>11.09.2020</a:t>
+              <a:t>12.09.2020</a:t>
             </a:fld>
             <a:endParaRPr lang="en-US"/>
           </a:p>
@@ -5146,7 +5479,7 @@
           <a:p>
             <a:fld id="{E2AC2435-A98B-4155-AB69-4F954FE6AEBB}" type="datetime1">
               <a:rPr lang="de-DE" smtClean="0"/>
-              <a:t>11.09.2020</a:t>
+              <a:t>12.09.2020</a:t>
             </a:fld>
             <a:endParaRPr lang="en-US"/>
           </a:p>
@@ -5889,7 +6222,7 @@
           <a:p>
             <a:fld id="{589A2304-41B2-49D5-86E3-82760E9ED896}" type="datetime1">
               <a:rPr lang="de-DE" smtClean="0"/>
-              <a:t>11.09.2020</a:t>
+              <a:t>12.09.2020</a:t>
             </a:fld>
             <a:endParaRPr lang="en-US"/>
           </a:p>
@@ -6514,7 +6847,7 @@
           <a:p>
             <a:fld id="{46B7071C-03FC-43DF-B990-14F749E9D9DA}" type="datetime1">
               <a:rPr lang="de-DE" smtClean="0"/>
-              <a:t>11.09.2020</a:t>
+              <a:t>12.09.2020</a:t>
             </a:fld>
             <a:endParaRPr lang="en-US" dirty="0"/>
           </a:p>
@@ -6524,6 +6857,1560 @@
     <p:extLst>
       <p:ext uri="{BB962C8B-B14F-4D97-AF65-F5344CB8AC3E}">
         <p14:creationId xmlns:p14="http://schemas.microsoft.com/office/powerpoint/2010/main" val="52938749"/>
+      </p:ext>
+    </p:extLst>
+  </p:cSld>
+  <p:clrMapOvr>
+    <a:masterClrMapping/>
+  </p:clrMapOvr>
+</p:sld>
+</file>
+
+<file path=ppt/slides/slide10.xml><?xml version="1.0" encoding="utf-8"?>
+<p:sld xmlns:a="http://schemas.openxmlformats.org/drawingml/2006/main" xmlns:r="http://schemas.openxmlformats.org/officeDocument/2006/relationships" xmlns:p="http://schemas.openxmlformats.org/presentationml/2006/main">
+  <p:cSld>
+    <p:spTree>
+      <p:nvGrpSpPr>
+        <p:cNvPr id="1" name=""/>
+        <p:cNvGrpSpPr/>
+        <p:nvPr/>
+      </p:nvGrpSpPr>
+      <p:grpSpPr>
+        <a:xfrm>
+          <a:off x="0" y="0"/>
+          <a:ext cx="0" cy="0"/>
+          <a:chOff x="0" y="0"/>
+          <a:chExt cx="0" cy="0"/>
+        </a:xfrm>
+      </p:grpSpPr>
+      <p:sp>
+        <p:nvSpPr>
+          <p:cNvPr id="2" name="Title 1">
+            <a:extLst>
+              <a:ext uri="{FF2B5EF4-FFF2-40B4-BE49-F238E27FC236}">
+                <a16:creationId xmlns:a16="http://schemas.microsoft.com/office/drawing/2014/main" id="{8E1C6C46-E723-4487-8FAA-27EA8E6D921A}"/>
+              </a:ext>
+            </a:extLst>
+          </p:cNvPr>
+          <p:cNvSpPr>
+            <a:spLocks noGrp="1"/>
+          </p:cNvSpPr>
+          <p:nvPr>
+            <p:ph type="title"/>
+          </p:nvPr>
+        </p:nvSpPr>
+        <p:spPr/>
+        <p:txBody>
+          <a:bodyPr/>
+          <a:lstStyle/>
+          <a:p>
+            <a:r>
+              <a:rPr lang="en-US" dirty="0"/>
+              <a:t>App-Demo	</a:t>
+            </a:r>
+          </a:p>
+        </p:txBody>
+      </p:sp>
+      <p:sp>
+        <p:nvSpPr>
+          <p:cNvPr id="3" name="Text Placeholder 2">
+            <a:extLst>
+              <a:ext uri="{FF2B5EF4-FFF2-40B4-BE49-F238E27FC236}">
+                <a16:creationId xmlns:a16="http://schemas.microsoft.com/office/drawing/2014/main" id="{4D0F4875-D43D-43C5-8207-AF4354D75E62}"/>
+              </a:ext>
+            </a:extLst>
+          </p:cNvPr>
+          <p:cNvSpPr>
+            <a:spLocks noGrp="1"/>
+          </p:cNvSpPr>
+          <p:nvPr>
+            <p:ph type="body" idx="1"/>
+          </p:nvPr>
+        </p:nvSpPr>
+        <p:spPr/>
+        <p:txBody>
+          <a:bodyPr/>
+          <a:lstStyle/>
+          <a:p>
+            <a:r>
+              <a:rPr lang="en-US" dirty="0"/>
+              <a:t>So </a:t>
+            </a:r>
+            <a:r>
+              <a:rPr lang="en-US" dirty="0" err="1"/>
+              <a:t>sieht</a:t>
+            </a:r>
+            <a:r>
+              <a:rPr lang="en-US" dirty="0"/>
+              <a:t> das </a:t>
+            </a:r>
+            <a:r>
+              <a:rPr lang="en-US" dirty="0" err="1"/>
+              <a:t>Ergebnis</a:t>
+            </a:r>
+            <a:r>
+              <a:rPr lang="en-US" dirty="0"/>
+              <a:t> </a:t>
+            </a:r>
+            <a:r>
+              <a:rPr lang="en-US" dirty="0" err="1"/>
+              <a:t>aus</a:t>
+            </a:r>
+            <a:endParaRPr lang="en-US" dirty="0"/>
+          </a:p>
+        </p:txBody>
+      </p:sp>
+      <p:pic>
+        <p:nvPicPr>
+          <p:cNvPr id="4" name="Picture 3">
+            <a:extLst>
+              <a:ext uri="{FF2B5EF4-FFF2-40B4-BE49-F238E27FC236}">
+                <a16:creationId xmlns:a16="http://schemas.microsoft.com/office/drawing/2014/main" id="{EC34116E-A0C7-4056-9C3A-084E5F145011}"/>
+              </a:ext>
+            </a:extLst>
+          </p:cNvPr>
+          <p:cNvPicPr>
+            <a:picLocks noChangeAspect="1"/>
+          </p:cNvPicPr>
+          <p:nvPr/>
+        </p:nvPicPr>
+        <p:blipFill>
+          <a:blip r:embed="rId2"/>
+          <a:stretch>
+            <a:fillRect/>
+          </a:stretch>
+        </p:blipFill>
+        <p:spPr>
+          <a:xfrm>
+            <a:off x="4337644" y="692458"/>
+            <a:ext cx="3263854" cy="5932704"/>
+          </a:xfrm>
+          <a:prstGeom prst="rect">
+            <a:avLst/>
+          </a:prstGeom>
+        </p:spPr>
+      </p:pic>
+      <p:sp>
+        <p:nvSpPr>
+          <p:cNvPr id="6" name="Date Placeholder 3">
+            <a:extLst>
+              <a:ext uri="{FF2B5EF4-FFF2-40B4-BE49-F238E27FC236}">
+                <a16:creationId xmlns:a16="http://schemas.microsoft.com/office/drawing/2014/main" id="{BA3E6D44-C658-4213-A1F5-841F44285620}"/>
+              </a:ext>
+            </a:extLst>
+          </p:cNvPr>
+          <p:cNvSpPr txBox="1">
+            <a:spLocks/>
+          </p:cNvSpPr>
+          <p:nvPr/>
+        </p:nvSpPr>
+        <p:spPr>
+          <a:xfrm>
+            <a:off x="677334" y="231051"/>
+            <a:ext cx="1071566" cy="378549"/>
+          </a:xfrm>
+          <a:prstGeom prst="rect">
+            <a:avLst/>
+          </a:prstGeom>
+        </p:spPr>
+        <p:txBody>
+          <a:bodyPr vert="horz" lIns="91440" tIns="45720" rIns="91440" bIns="45720" rtlCol="0" anchor="ctr"/>
+          <a:lstStyle>
+            <a:defPPr>
+              <a:defRPr lang="en-US"/>
+            </a:defPPr>
+            <a:lvl1pPr marL="0" algn="r" defTabSz="457200" rtl="0" eaLnBrk="1" latinLnBrk="0" hangingPunct="1">
+              <a:defRPr sz="900" kern="1200">
+                <a:solidFill>
+                  <a:schemeClr val="tx1">
+                    <a:tint val="75000"/>
+                  </a:schemeClr>
+                </a:solidFill>
+                <a:latin typeface="+mn-lt"/>
+                <a:ea typeface="+mn-ea"/>
+                <a:cs typeface="+mn-cs"/>
+              </a:defRPr>
+            </a:lvl1pPr>
+            <a:lvl2pPr marL="457200" algn="l" defTabSz="457200" rtl="0" eaLnBrk="1" latinLnBrk="0" hangingPunct="1">
+              <a:defRPr sz="1800" kern="1200">
+                <a:solidFill>
+                  <a:schemeClr val="tx1"/>
+                </a:solidFill>
+                <a:latin typeface="+mn-lt"/>
+                <a:ea typeface="+mn-ea"/>
+                <a:cs typeface="+mn-cs"/>
+              </a:defRPr>
+            </a:lvl2pPr>
+            <a:lvl3pPr marL="914400" algn="l" defTabSz="457200" rtl="0" eaLnBrk="1" latinLnBrk="0" hangingPunct="1">
+              <a:defRPr sz="1800" kern="1200">
+                <a:solidFill>
+                  <a:schemeClr val="tx1"/>
+                </a:solidFill>
+                <a:latin typeface="+mn-lt"/>
+                <a:ea typeface="+mn-ea"/>
+                <a:cs typeface="+mn-cs"/>
+              </a:defRPr>
+            </a:lvl3pPr>
+            <a:lvl4pPr marL="1371600" algn="l" defTabSz="457200" rtl="0" eaLnBrk="1" latinLnBrk="0" hangingPunct="1">
+              <a:defRPr sz="1800" kern="1200">
+                <a:solidFill>
+                  <a:schemeClr val="tx1"/>
+                </a:solidFill>
+                <a:latin typeface="+mn-lt"/>
+                <a:ea typeface="+mn-ea"/>
+                <a:cs typeface="+mn-cs"/>
+              </a:defRPr>
+            </a:lvl4pPr>
+            <a:lvl5pPr marL="1828800" algn="l" defTabSz="457200" rtl="0" eaLnBrk="1" latinLnBrk="0" hangingPunct="1">
+              <a:defRPr sz="1800" kern="1200">
+                <a:solidFill>
+                  <a:schemeClr val="tx1"/>
+                </a:solidFill>
+                <a:latin typeface="+mn-lt"/>
+                <a:ea typeface="+mn-ea"/>
+                <a:cs typeface="+mn-cs"/>
+              </a:defRPr>
+            </a:lvl5pPr>
+            <a:lvl6pPr marL="2286000" algn="l" defTabSz="457200" rtl="0" eaLnBrk="1" latinLnBrk="0" hangingPunct="1">
+              <a:defRPr sz="1800" kern="1200">
+                <a:solidFill>
+                  <a:schemeClr val="tx1"/>
+                </a:solidFill>
+                <a:latin typeface="+mn-lt"/>
+                <a:ea typeface="+mn-ea"/>
+                <a:cs typeface="+mn-cs"/>
+              </a:defRPr>
+            </a:lvl6pPr>
+            <a:lvl7pPr marL="2743200" algn="l" defTabSz="457200" rtl="0" eaLnBrk="1" latinLnBrk="0" hangingPunct="1">
+              <a:defRPr sz="1800" kern="1200">
+                <a:solidFill>
+                  <a:schemeClr val="tx1"/>
+                </a:solidFill>
+                <a:latin typeface="+mn-lt"/>
+                <a:ea typeface="+mn-ea"/>
+                <a:cs typeface="+mn-cs"/>
+              </a:defRPr>
+            </a:lvl7pPr>
+            <a:lvl8pPr marL="3200400" algn="l" defTabSz="457200" rtl="0" eaLnBrk="1" latinLnBrk="0" hangingPunct="1">
+              <a:defRPr sz="1800" kern="1200">
+                <a:solidFill>
+                  <a:schemeClr val="tx1"/>
+                </a:solidFill>
+                <a:latin typeface="+mn-lt"/>
+                <a:ea typeface="+mn-ea"/>
+                <a:cs typeface="+mn-cs"/>
+              </a:defRPr>
+            </a:lvl8pPr>
+            <a:lvl9pPr marL="3657600" algn="l" defTabSz="457200" rtl="0" eaLnBrk="1" latinLnBrk="0" hangingPunct="1">
+              <a:defRPr sz="1800" kern="1200">
+                <a:solidFill>
+                  <a:schemeClr val="tx1"/>
+                </a:solidFill>
+                <a:latin typeface="+mn-lt"/>
+                <a:ea typeface="+mn-ea"/>
+                <a:cs typeface="+mn-cs"/>
+              </a:defRPr>
+            </a:lvl9pPr>
+          </a:lstStyle>
+          <a:p>
+            <a:fld id="{5665C720-CFBA-4CD6-B44E-E52DA515AFF8}" type="datetime1">
+              <a:rPr lang="de-DE" sz="1400" smtClean="0"/>
+              <a:pPr/>
+              <a:t>12.09.2020</a:t>
+            </a:fld>
+            <a:endParaRPr lang="en-US" dirty="0"/>
+          </a:p>
+        </p:txBody>
+      </p:sp>
+      <p:sp>
+        <p:nvSpPr>
+          <p:cNvPr id="7" name="Date Placeholder 3">
+            <a:extLst>
+              <a:ext uri="{FF2B5EF4-FFF2-40B4-BE49-F238E27FC236}">
+                <a16:creationId xmlns:a16="http://schemas.microsoft.com/office/drawing/2014/main" id="{CCE9FA8C-0217-4499-AC7E-9CD7B17667BB}"/>
+              </a:ext>
+            </a:extLst>
+          </p:cNvPr>
+          <p:cNvSpPr txBox="1">
+            <a:spLocks/>
+          </p:cNvSpPr>
+          <p:nvPr/>
+        </p:nvSpPr>
+        <p:spPr>
+          <a:xfrm>
+            <a:off x="1824033" y="231050"/>
+            <a:ext cx="5713108" cy="378549"/>
+          </a:xfrm>
+          <a:prstGeom prst="rect">
+            <a:avLst/>
+          </a:prstGeom>
+        </p:spPr>
+        <p:txBody>
+          <a:bodyPr vert="horz" lIns="91440" tIns="45720" rIns="91440" bIns="45720" rtlCol="0" anchor="ctr"/>
+          <a:lstStyle>
+            <a:defPPr>
+              <a:defRPr lang="en-US"/>
+            </a:defPPr>
+            <a:lvl1pPr marL="0" algn="r" defTabSz="457200" rtl="0" eaLnBrk="1" latinLnBrk="0" hangingPunct="1">
+              <a:defRPr sz="900" kern="1200">
+                <a:solidFill>
+                  <a:schemeClr val="tx1">
+                    <a:tint val="75000"/>
+                  </a:schemeClr>
+                </a:solidFill>
+                <a:latin typeface="+mn-lt"/>
+                <a:ea typeface="+mn-ea"/>
+                <a:cs typeface="+mn-cs"/>
+              </a:defRPr>
+            </a:lvl1pPr>
+            <a:lvl2pPr marL="457200" algn="l" defTabSz="457200" rtl="0" eaLnBrk="1" latinLnBrk="0" hangingPunct="1">
+              <a:defRPr sz="1800" kern="1200">
+                <a:solidFill>
+                  <a:schemeClr val="tx1"/>
+                </a:solidFill>
+                <a:latin typeface="+mn-lt"/>
+                <a:ea typeface="+mn-ea"/>
+                <a:cs typeface="+mn-cs"/>
+              </a:defRPr>
+            </a:lvl2pPr>
+            <a:lvl3pPr marL="914400" algn="l" defTabSz="457200" rtl="0" eaLnBrk="1" latinLnBrk="0" hangingPunct="1">
+              <a:defRPr sz="1800" kern="1200">
+                <a:solidFill>
+                  <a:schemeClr val="tx1"/>
+                </a:solidFill>
+                <a:latin typeface="+mn-lt"/>
+                <a:ea typeface="+mn-ea"/>
+                <a:cs typeface="+mn-cs"/>
+              </a:defRPr>
+            </a:lvl3pPr>
+            <a:lvl4pPr marL="1371600" algn="l" defTabSz="457200" rtl="0" eaLnBrk="1" latinLnBrk="0" hangingPunct="1">
+              <a:defRPr sz="1800" kern="1200">
+                <a:solidFill>
+                  <a:schemeClr val="tx1"/>
+                </a:solidFill>
+                <a:latin typeface="+mn-lt"/>
+                <a:ea typeface="+mn-ea"/>
+                <a:cs typeface="+mn-cs"/>
+              </a:defRPr>
+            </a:lvl4pPr>
+            <a:lvl5pPr marL="1828800" algn="l" defTabSz="457200" rtl="0" eaLnBrk="1" latinLnBrk="0" hangingPunct="1">
+              <a:defRPr sz="1800" kern="1200">
+                <a:solidFill>
+                  <a:schemeClr val="tx1"/>
+                </a:solidFill>
+                <a:latin typeface="+mn-lt"/>
+                <a:ea typeface="+mn-ea"/>
+                <a:cs typeface="+mn-cs"/>
+              </a:defRPr>
+            </a:lvl5pPr>
+            <a:lvl6pPr marL="2286000" algn="l" defTabSz="457200" rtl="0" eaLnBrk="1" latinLnBrk="0" hangingPunct="1">
+              <a:defRPr sz="1800" kern="1200">
+                <a:solidFill>
+                  <a:schemeClr val="tx1"/>
+                </a:solidFill>
+                <a:latin typeface="+mn-lt"/>
+                <a:ea typeface="+mn-ea"/>
+                <a:cs typeface="+mn-cs"/>
+              </a:defRPr>
+            </a:lvl6pPr>
+            <a:lvl7pPr marL="2743200" algn="l" defTabSz="457200" rtl="0" eaLnBrk="1" latinLnBrk="0" hangingPunct="1">
+              <a:defRPr sz="1800" kern="1200">
+                <a:solidFill>
+                  <a:schemeClr val="tx1"/>
+                </a:solidFill>
+                <a:latin typeface="+mn-lt"/>
+                <a:ea typeface="+mn-ea"/>
+                <a:cs typeface="+mn-cs"/>
+              </a:defRPr>
+            </a:lvl7pPr>
+            <a:lvl8pPr marL="3200400" algn="l" defTabSz="457200" rtl="0" eaLnBrk="1" latinLnBrk="0" hangingPunct="1">
+              <a:defRPr sz="1800" kern="1200">
+                <a:solidFill>
+                  <a:schemeClr val="tx1"/>
+                </a:solidFill>
+                <a:latin typeface="+mn-lt"/>
+                <a:ea typeface="+mn-ea"/>
+                <a:cs typeface="+mn-cs"/>
+              </a:defRPr>
+            </a:lvl8pPr>
+            <a:lvl9pPr marL="3657600" algn="l" defTabSz="457200" rtl="0" eaLnBrk="1" latinLnBrk="0" hangingPunct="1">
+              <a:defRPr sz="1800" kern="1200">
+                <a:solidFill>
+                  <a:schemeClr val="tx1"/>
+                </a:solidFill>
+                <a:latin typeface="+mn-lt"/>
+                <a:ea typeface="+mn-ea"/>
+                <a:cs typeface="+mn-cs"/>
+              </a:defRPr>
+            </a:lvl9pPr>
+          </a:lstStyle>
+          <a:p>
+            <a:r>
+              <a:rPr lang="de-DE" sz="1400" dirty="0"/>
+              <a:t>Veronika Taranek, Philipp </a:t>
+            </a:r>
+            <a:r>
+              <a:rPr lang="de-DE" sz="1400" dirty="0" err="1"/>
+              <a:t>Fenesan</a:t>
+            </a:r>
+            <a:r>
+              <a:rPr lang="de-DE" sz="1400" dirty="0"/>
+              <a:t>, Nicolas Geppert, Lukas Werner</a:t>
+            </a:r>
+            <a:endParaRPr lang="en-US" dirty="0"/>
+          </a:p>
+        </p:txBody>
+      </p:sp>
+    </p:spTree>
+    <p:extLst>
+      <p:ext uri="{BB962C8B-B14F-4D97-AF65-F5344CB8AC3E}">
+        <p14:creationId xmlns:p14="http://schemas.microsoft.com/office/powerpoint/2010/main" val="551848983"/>
+      </p:ext>
+    </p:extLst>
+  </p:cSld>
+  <p:clrMapOvr>
+    <a:masterClrMapping/>
+  </p:clrMapOvr>
+</p:sld>
+</file>
+
+<file path=ppt/slides/slide11.xml><?xml version="1.0" encoding="utf-8"?>
+<p:sld xmlns:a="http://schemas.openxmlformats.org/drawingml/2006/main" xmlns:r="http://schemas.openxmlformats.org/officeDocument/2006/relationships" xmlns:p="http://schemas.openxmlformats.org/presentationml/2006/main">
+  <p:cSld>
+    <p:spTree>
+      <p:nvGrpSpPr>
+        <p:cNvPr id="1" name=""/>
+        <p:cNvGrpSpPr/>
+        <p:nvPr/>
+      </p:nvGrpSpPr>
+      <p:grpSpPr>
+        <a:xfrm>
+          <a:off x="0" y="0"/>
+          <a:ext cx="0" cy="0"/>
+          <a:chOff x="0" y="0"/>
+          <a:chExt cx="0" cy="0"/>
+        </a:xfrm>
+      </p:grpSpPr>
+      <p:sp>
+        <p:nvSpPr>
+          <p:cNvPr id="2" name="Title 1">
+            <a:extLst>
+              <a:ext uri="{FF2B5EF4-FFF2-40B4-BE49-F238E27FC236}">
+                <a16:creationId xmlns:a16="http://schemas.microsoft.com/office/drawing/2014/main" id="{A533C930-62BB-49CD-A689-73D96C0BFBBB}"/>
+              </a:ext>
+            </a:extLst>
+          </p:cNvPr>
+          <p:cNvSpPr>
+            <a:spLocks noGrp="1"/>
+          </p:cNvSpPr>
+          <p:nvPr>
+            <p:ph type="title"/>
+          </p:nvPr>
+        </p:nvSpPr>
+        <p:spPr/>
+        <p:txBody>
+          <a:bodyPr/>
+          <a:lstStyle/>
+          <a:p>
+            <a:r>
+              <a:rPr lang="en-US" dirty="0"/>
+              <a:t>Aufbau</a:t>
+            </a:r>
+          </a:p>
+        </p:txBody>
+      </p:sp>
+      <p:pic>
+        <p:nvPicPr>
+          <p:cNvPr id="4" name="Picture 3">
+            <a:extLst>
+              <a:ext uri="{FF2B5EF4-FFF2-40B4-BE49-F238E27FC236}">
+                <a16:creationId xmlns:a16="http://schemas.microsoft.com/office/drawing/2014/main" id="{AD68B0E1-41E1-4EB3-A65A-63E5C69892B2}"/>
+              </a:ext>
+            </a:extLst>
+          </p:cNvPr>
+          <p:cNvPicPr>
+            <a:picLocks noChangeAspect="1"/>
+          </p:cNvPicPr>
+          <p:nvPr/>
+        </p:nvPicPr>
+        <p:blipFill>
+          <a:blip r:embed="rId2">
+            <a:extLst>
+              <a:ext uri="{BEBA8EAE-BF5A-486C-A8C5-ECC9F3942E4B}">
+                <a14:imgProps xmlns:a14="http://schemas.microsoft.com/office/drawing/2010/main">
+                  <a14:imgLayer r:embed="rId3">
+                    <a14:imgEffect>
+                      <a14:backgroundRemoval t="0" b="99752" l="190" r="99621">
+                        <a14:foregroundMark x1="18009" y1="1613" x2="9573" y2="620"/>
+                        <a14:foregroundMark x1="9573" y1="620" x2="2180" y2="2978"/>
+                        <a14:foregroundMark x1="2180" y1="2978" x2="1327" y2="12903"/>
+                        <a14:foregroundMark x1="1327" y1="12903" x2="5592" y2="21464"/>
+                        <a14:foregroundMark x1="5592" y1="21464" x2="13175" y2="22333"/>
+                        <a14:foregroundMark x1="13175" y1="22333" x2="19905" y2="17246"/>
+                        <a14:foregroundMark x1="19905" y1="17246" x2="17536" y2="620"/>
+                        <a14:foregroundMark x1="3128" y1="1737" x2="4834" y2="20099"/>
+                        <a14:foregroundMark x1="4834" y1="30273" x2="14313" y2="32134"/>
+                        <a14:foregroundMark x1="18104" y1="28660" x2="8626" y2="27916"/>
+                        <a14:foregroundMark x1="38673" y1="4467" x2="46161" y2="5707"/>
+                        <a14:foregroundMark x1="46161" y1="5707" x2="49384" y2="15136"/>
+                        <a14:foregroundMark x1="49384" y1="15136" x2="42559" y2="18983"/>
+                        <a14:foregroundMark x1="42559" y1="18983" x2="39147" y2="10174"/>
+                        <a14:foregroundMark x1="39147" y1="10174" x2="39147" y2="4839"/>
+                        <a14:foregroundMark x1="24076" y1="29901" x2="38009" y2="17246"/>
+                        <a14:foregroundMark x1="38104" y1="17246" x2="36493" y2="18362"/>
+                        <a14:foregroundMark x1="37156" y1="17990" x2="23128" y2="29280"/>
+                        <a14:foregroundMark x1="14882" y1="55707" x2="29763" y2="54094"/>
+                        <a14:foregroundMark x1="29763" y1="54094" x2="33175" y2="55087"/>
+                        <a14:foregroundMark x1="41896" y1="87717" x2="46919" y2="95409"/>
+                        <a14:foregroundMark x1="46919" y1="95409" x2="54597" y2="95285"/>
+                        <a14:foregroundMark x1="54597" y1="95285" x2="61801" y2="96402"/>
+                        <a14:foregroundMark x1="68531" y1="47022" x2="69194" y2="79032"/>
+                        <a14:foregroundMark x1="69194" y1="79032" x2="74218" y2="86104"/>
+                        <a14:foregroundMark x1="74218" y1="86104" x2="81706" y2="85112"/>
+                        <a14:foregroundMark x1="81706" y1="85112" x2="89194" y2="85484"/>
+                        <a14:foregroundMark x1="89194" y1="85484" x2="93934" y2="77419"/>
+                        <a14:foregroundMark x1="93934" y1="77419" x2="93649" y2="56948"/>
+                        <a14:foregroundMark x1="93649" y1="56948" x2="90995" y2="47643"/>
+                        <a14:foregroundMark x1="90995" y1="47643" x2="68815" y2="47643"/>
+                        <a14:foregroundMark x1="95829" y1="46898" x2="95829" y2="85112"/>
+                        <a14:foregroundMark x1="95829" y1="85112" x2="93460" y2="87221"/>
+                        <a14:foregroundMark x1="55545" y1="28660" x2="47962" y2="28784"/>
+                        <a14:foregroundMark x1="47962" y1="28784" x2="45877" y2="28164"/>
+                        <a14:foregroundMark x1="29100" y1="27543" x2="59621" y2="28908"/>
+                        <a14:foregroundMark x1="59621" y1="28908" x2="51754" y2="28412"/>
+                        <a14:foregroundMark x1="51754" y1="28412" x2="59621" y2="28784"/>
+                        <a14:foregroundMark x1="59621" y1="28784" x2="61232" y2="28536"/>
+                        <a14:foregroundMark x1="69668" y1="28164" x2="77156" y2="28288"/>
+                        <a14:foregroundMark x1="77156" y1="28288" x2="88531" y2="27419"/>
+                        <a14:foregroundMark x1="67773" y1="45906" x2="52607" y2="23945"/>
+                        <a14:foregroundMark x1="52607" y1="23945" x2="50142" y2="21836"/>
+                        <a14:foregroundMark x1="46445" y1="21464" x2="49194" y2="28660"/>
+                        <a14:foregroundMark x1="50237" y1="22457" x2="55545" y2="28536"/>
+                        <a14:foregroundMark x1="42370" y1="20720" x2="39052" y2="29653"/>
+                        <a14:foregroundMark x1="40284" y1="19851" x2="37251" y2="28908"/>
+                        <a14:foregroundMark x1="49668" y1="15757" x2="69858" y2="28908"/>
+                        <a14:foregroundMark x1="69858" y1="28908" x2="70142" y2="29529"/>
+                        <a14:foregroundMark x1="48815" y1="16129" x2="62085" y2="24318"/>
+                        <a14:foregroundMark x1="62085" y1="24318" x2="49858" y2="16998"/>
+                        <a14:foregroundMark x1="73649" y1="85484" x2="68626" y2="85856"/>
+                        <a14:foregroundMark x1="89953" y1="45161" x2="89289" y2="35112"/>
+                        <a14:foregroundMark x1="89289" y1="35112" x2="84455" y2="27543"/>
+                        <a14:foregroundMark x1="84455" y1="27543" x2="67204" y2="27047"/>
+                        <a14:foregroundMark x1="22370" y1="52730" x2="1327" y2="51985"/>
+                        <a14:foregroundMark x1="14502" y1="53226" x2="6730" y2="54467"/>
+                        <a14:foregroundMark x1="6730" y1="54467" x2="284" y2="52357"/>
+                        <a14:foregroundMark x1="26161" y1="25434" x2="20284" y2="25682"/>
+                        <a14:foregroundMark x1="37536" y1="16253" x2="36398" y2="6203"/>
+                        <a14:foregroundMark x1="36398" y1="6203" x2="43128" y2="1737"/>
+                        <a14:foregroundMark x1="43128" y1="1737" x2="50521" y2="1985"/>
+                        <a14:foregroundMark x1="50521" y1="1985" x2="50806" y2="14516"/>
+                        <a14:foregroundMark x1="90237" y1="45285" x2="97156" y2="48759"/>
+                        <a14:foregroundMark x1="20474" y1="620" x2="22085" y2="10298"/>
+                        <a14:foregroundMark x1="22085" y1="10298" x2="20948" y2="22953"/>
+                        <a14:foregroundMark x1="14882" y1="56203" x2="12701" y2="86352"/>
+                        <a14:foregroundMark x1="12701" y1="86352" x2="18294" y2="93548"/>
+                        <a14:foregroundMark x1="18294" y1="93548" x2="25592" y2="92928"/>
+                        <a14:foregroundMark x1="25592" y1="92928" x2="33649" y2="92928"/>
+                        <a14:foregroundMark x1="33649" y1="92928" x2="41043" y2="91811"/>
+                        <a14:foregroundMark x1="41043" y1="91811" x2="43412" y2="92184"/>
+                        <a14:foregroundMark x1="62559" y1="90695" x2="69384" y2="94789"/>
+                        <a14:foregroundMark x1="69384" y1="94789" x2="70427" y2="99752"/>
+                        <a14:foregroundMark x1="18578" y1="93548" x2="13934" y2="88337"/>
+                        <a14:foregroundMark x1="16493" y1="92928" x2="14313" y2="88337"/>
+                        <a14:foregroundMark x1="70711" y1="26179" x2="86445" y2="27792"/>
+                        <a14:foregroundMark x1="86445" y1="27792" x2="99621" y2="49007"/>
+                        <a14:foregroundMark x1="90711" y1="33127" x2="89668" y2="27543"/>
+                        <a14:foregroundMark x1="89100" y1="28164" x2="80190" y2="26055"/>
+                        <a14:foregroundMark x1="60474" y1="20347" x2="51090" y2="14020"/>
+                        <a14:foregroundMark x1="67014" y1="47643" x2="61801" y2="39578"/>
+                        <a14:foregroundMark x1="66919" y1="25682" x2="82085" y2="24814"/>
+                        <a14:foregroundMark x1="82085" y1="24814" x2="89763" y2="25931"/>
+                        <a14:foregroundMark x1="89763" y1="25931" x2="95355" y2="36725"/>
+                        <a14:foregroundMark x1="35355" y1="51985" x2="39716" y2="60298"/>
+                        <a14:foregroundMark x1="39716" y1="60298" x2="39905" y2="88958"/>
+                        <a14:foregroundMark x1="67678" y1="88337" x2="75355" y2="88710"/>
+                        <a14:foregroundMark x1="75355" y1="88710" x2="83412" y2="87965"/>
+                        <a14:foregroundMark x1="83412" y1="87965" x2="90806" y2="88089"/>
+                        <a14:foregroundMark x1="90806" y1="88089" x2="96872" y2="82010"/>
+                        <a14:foregroundMark x1="96872" y1="82010" x2="96777" y2="52357"/>
+                        <a14:foregroundMark x1="96777" y1="52357" x2="97441" y2="49132"/>
+                        <a14:foregroundMark x1="13744" y1="89082" x2="18104" y2="95782"/>
+                        <a14:foregroundMark x1="96588" y1="83002" x2="90047" y2="88337"/>
+                        <a14:foregroundMark x1="90047" y1="88337" x2="89668" y2="88337"/>
+                        <a14:foregroundMark x1="96872" y1="83623" x2="91185" y2="89082"/>
+                        <a14:foregroundMark x1="96682" y1="83995" x2="92133" y2="88958"/>
+                        <a14:foregroundMark x1="96872" y1="85484" x2="95355" y2="92184"/>
+                        <a14:backgroundMark x1="96121" y1="92473" x2="86066" y2="99380"/>
+                        <a14:backgroundMark x1="99431" y1="90199" x2="97128" y2="91781"/>
+                        <a14:backgroundMark x1="86066" y1="99380" x2="86066" y2="99380"/>
+                      </a14:backgroundRemoval>
+                    </a14:imgEffect>
+                  </a14:imgLayer>
+                </a14:imgProps>
+              </a:ext>
+            </a:extLst>
+          </a:blip>
+          <a:stretch>
+            <a:fillRect/>
+          </a:stretch>
+        </p:blipFill>
+        <p:spPr>
+          <a:xfrm>
+            <a:off x="3105754" y="936102"/>
+            <a:ext cx="5745283" cy="4389287"/>
+          </a:xfrm>
+          <a:prstGeom prst="rect">
+            <a:avLst/>
+          </a:prstGeom>
+        </p:spPr>
+      </p:pic>
+      <p:sp>
+        <p:nvSpPr>
+          <p:cNvPr id="5" name="TextBox 4">
+            <a:extLst>
+              <a:ext uri="{FF2B5EF4-FFF2-40B4-BE49-F238E27FC236}">
+                <a16:creationId xmlns:a16="http://schemas.microsoft.com/office/drawing/2014/main" id="{7FDF7188-C07D-448D-A4A7-2BC551B56E6A}"/>
+              </a:ext>
+            </a:extLst>
+          </p:cNvPr>
+          <p:cNvSpPr txBox="1"/>
+          <p:nvPr/>
+        </p:nvSpPr>
+        <p:spPr>
+          <a:xfrm>
+            <a:off x="571500" y="5410200"/>
+            <a:ext cx="7928774" cy="646331"/>
+          </a:xfrm>
+          <a:prstGeom prst="rect">
+            <a:avLst/>
+          </a:prstGeom>
+          <a:noFill/>
+        </p:spPr>
+        <p:txBody>
+          <a:bodyPr wrap="none" rtlCol="0">
+            <a:spAutoFit/>
+          </a:bodyPr>
+          <a:lstStyle/>
+          <a:p>
+            <a:r>
+              <a:rPr lang="en-US" dirty="0" err="1"/>
+              <a:t>Auffällig</a:t>
+            </a:r>
+            <a:r>
+              <a:rPr lang="en-US" dirty="0"/>
+              <a:t> </a:t>
+            </a:r>
+            <a:r>
+              <a:rPr lang="en-US" dirty="0" err="1"/>
+              <a:t>ist</a:t>
+            </a:r>
+            <a:r>
+              <a:rPr lang="en-US" dirty="0"/>
+              <a:t>, </a:t>
+            </a:r>
+            <a:r>
+              <a:rPr lang="en-US" dirty="0" err="1"/>
+              <a:t>dass</a:t>
+            </a:r>
+            <a:r>
+              <a:rPr lang="en-US" dirty="0"/>
+              <a:t> die </a:t>
+            </a:r>
+            <a:r>
+              <a:rPr lang="en-US" dirty="0" err="1"/>
+              <a:t>Funktionen</a:t>
+            </a:r>
+            <a:r>
+              <a:rPr lang="en-US" dirty="0"/>
+              <a:t> von den Design-Klassen </a:t>
+            </a:r>
+            <a:r>
+              <a:rPr lang="en-US" dirty="0" err="1"/>
+              <a:t>getrennt</a:t>
+            </a:r>
+            <a:r>
+              <a:rPr lang="en-US" dirty="0"/>
+              <a:t> </a:t>
+            </a:r>
+            <a:r>
+              <a:rPr lang="en-US" dirty="0" err="1"/>
+              <a:t>wurden</a:t>
+            </a:r>
+            <a:r>
+              <a:rPr lang="en-US" dirty="0"/>
+              <a:t>.</a:t>
+            </a:r>
+            <a:br>
+              <a:rPr lang="en-US" dirty="0"/>
+            </a:br>
+            <a:r>
+              <a:rPr lang="en-US" dirty="0"/>
+              <a:t>Die </a:t>
+            </a:r>
+            <a:r>
+              <a:rPr lang="en-US" dirty="0" err="1"/>
+              <a:t>Logik</a:t>
+            </a:r>
+            <a:r>
+              <a:rPr lang="en-US" dirty="0"/>
+              <a:t> </a:t>
+            </a:r>
+            <a:r>
+              <a:rPr lang="en-US" dirty="0" err="1"/>
+              <a:t>wird</a:t>
+            </a:r>
+            <a:r>
+              <a:rPr lang="en-US" dirty="0"/>
+              <a:t> in extra Klassen </a:t>
+            </a:r>
+            <a:r>
+              <a:rPr lang="en-US" dirty="0" err="1"/>
+              <a:t>implementiert</a:t>
+            </a:r>
+            <a:r>
+              <a:rPr lang="en-US" dirty="0"/>
+              <a:t>, die </a:t>
+            </a:r>
+            <a:r>
+              <a:rPr lang="en-US" dirty="0" err="1"/>
+              <a:t>getrennt</a:t>
+            </a:r>
+            <a:r>
+              <a:rPr lang="en-US" dirty="0"/>
+              <a:t> von der UI </a:t>
+            </a:r>
+            <a:r>
+              <a:rPr lang="en-US" dirty="0" err="1"/>
+              <a:t>sind</a:t>
+            </a:r>
+            <a:endParaRPr lang="en-US" dirty="0"/>
+          </a:p>
+        </p:txBody>
+      </p:sp>
+      <p:sp>
+        <p:nvSpPr>
+          <p:cNvPr id="6" name="Date Placeholder 3">
+            <a:extLst>
+              <a:ext uri="{FF2B5EF4-FFF2-40B4-BE49-F238E27FC236}">
+                <a16:creationId xmlns:a16="http://schemas.microsoft.com/office/drawing/2014/main" id="{C597FC9F-E38B-4D7C-800C-2E507A9787EC}"/>
+              </a:ext>
+            </a:extLst>
+          </p:cNvPr>
+          <p:cNvSpPr txBox="1">
+            <a:spLocks/>
+          </p:cNvSpPr>
+          <p:nvPr/>
+        </p:nvSpPr>
+        <p:spPr>
+          <a:xfrm>
+            <a:off x="677334" y="231051"/>
+            <a:ext cx="1071566" cy="378549"/>
+          </a:xfrm>
+          <a:prstGeom prst="rect">
+            <a:avLst/>
+          </a:prstGeom>
+        </p:spPr>
+        <p:txBody>
+          <a:bodyPr vert="horz" lIns="91440" tIns="45720" rIns="91440" bIns="45720" rtlCol="0" anchor="ctr"/>
+          <a:lstStyle>
+            <a:defPPr>
+              <a:defRPr lang="en-US"/>
+            </a:defPPr>
+            <a:lvl1pPr marL="0" algn="r" defTabSz="457200" rtl="0" eaLnBrk="1" latinLnBrk="0" hangingPunct="1">
+              <a:defRPr sz="900" kern="1200">
+                <a:solidFill>
+                  <a:schemeClr val="tx1">
+                    <a:tint val="75000"/>
+                  </a:schemeClr>
+                </a:solidFill>
+                <a:latin typeface="+mn-lt"/>
+                <a:ea typeface="+mn-ea"/>
+                <a:cs typeface="+mn-cs"/>
+              </a:defRPr>
+            </a:lvl1pPr>
+            <a:lvl2pPr marL="457200" algn="l" defTabSz="457200" rtl="0" eaLnBrk="1" latinLnBrk="0" hangingPunct="1">
+              <a:defRPr sz="1800" kern="1200">
+                <a:solidFill>
+                  <a:schemeClr val="tx1"/>
+                </a:solidFill>
+                <a:latin typeface="+mn-lt"/>
+                <a:ea typeface="+mn-ea"/>
+                <a:cs typeface="+mn-cs"/>
+              </a:defRPr>
+            </a:lvl2pPr>
+            <a:lvl3pPr marL="914400" algn="l" defTabSz="457200" rtl="0" eaLnBrk="1" latinLnBrk="0" hangingPunct="1">
+              <a:defRPr sz="1800" kern="1200">
+                <a:solidFill>
+                  <a:schemeClr val="tx1"/>
+                </a:solidFill>
+                <a:latin typeface="+mn-lt"/>
+                <a:ea typeface="+mn-ea"/>
+                <a:cs typeface="+mn-cs"/>
+              </a:defRPr>
+            </a:lvl3pPr>
+            <a:lvl4pPr marL="1371600" algn="l" defTabSz="457200" rtl="0" eaLnBrk="1" latinLnBrk="0" hangingPunct="1">
+              <a:defRPr sz="1800" kern="1200">
+                <a:solidFill>
+                  <a:schemeClr val="tx1"/>
+                </a:solidFill>
+                <a:latin typeface="+mn-lt"/>
+                <a:ea typeface="+mn-ea"/>
+                <a:cs typeface="+mn-cs"/>
+              </a:defRPr>
+            </a:lvl4pPr>
+            <a:lvl5pPr marL="1828800" algn="l" defTabSz="457200" rtl="0" eaLnBrk="1" latinLnBrk="0" hangingPunct="1">
+              <a:defRPr sz="1800" kern="1200">
+                <a:solidFill>
+                  <a:schemeClr val="tx1"/>
+                </a:solidFill>
+                <a:latin typeface="+mn-lt"/>
+                <a:ea typeface="+mn-ea"/>
+                <a:cs typeface="+mn-cs"/>
+              </a:defRPr>
+            </a:lvl5pPr>
+            <a:lvl6pPr marL="2286000" algn="l" defTabSz="457200" rtl="0" eaLnBrk="1" latinLnBrk="0" hangingPunct="1">
+              <a:defRPr sz="1800" kern="1200">
+                <a:solidFill>
+                  <a:schemeClr val="tx1"/>
+                </a:solidFill>
+                <a:latin typeface="+mn-lt"/>
+                <a:ea typeface="+mn-ea"/>
+                <a:cs typeface="+mn-cs"/>
+              </a:defRPr>
+            </a:lvl6pPr>
+            <a:lvl7pPr marL="2743200" algn="l" defTabSz="457200" rtl="0" eaLnBrk="1" latinLnBrk="0" hangingPunct="1">
+              <a:defRPr sz="1800" kern="1200">
+                <a:solidFill>
+                  <a:schemeClr val="tx1"/>
+                </a:solidFill>
+                <a:latin typeface="+mn-lt"/>
+                <a:ea typeface="+mn-ea"/>
+                <a:cs typeface="+mn-cs"/>
+              </a:defRPr>
+            </a:lvl7pPr>
+            <a:lvl8pPr marL="3200400" algn="l" defTabSz="457200" rtl="0" eaLnBrk="1" latinLnBrk="0" hangingPunct="1">
+              <a:defRPr sz="1800" kern="1200">
+                <a:solidFill>
+                  <a:schemeClr val="tx1"/>
+                </a:solidFill>
+                <a:latin typeface="+mn-lt"/>
+                <a:ea typeface="+mn-ea"/>
+                <a:cs typeface="+mn-cs"/>
+              </a:defRPr>
+            </a:lvl8pPr>
+            <a:lvl9pPr marL="3657600" algn="l" defTabSz="457200" rtl="0" eaLnBrk="1" latinLnBrk="0" hangingPunct="1">
+              <a:defRPr sz="1800" kern="1200">
+                <a:solidFill>
+                  <a:schemeClr val="tx1"/>
+                </a:solidFill>
+                <a:latin typeface="+mn-lt"/>
+                <a:ea typeface="+mn-ea"/>
+                <a:cs typeface="+mn-cs"/>
+              </a:defRPr>
+            </a:lvl9pPr>
+          </a:lstStyle>
+          <a:p>
+            <a:fld id="{5665C720-CFBA-4CD6-B44E-E52DA515AFF8}" type="datetime1">
+              <a:rPr lang="de-DE" sz="1400" smtClean="0"/>
+              <a:pPr/>
+              <a:t>12.09.2020</a:t>
+            </a:fld>
+            <a:endParaRPr lang="en-US" dirty="0"/>
+          </a:p>
+        </p:txBody>
+      </p:sp>
+      <p:sp>
+        <p:nvSpPr>
+          <p:cNvPr id="7" name="Date Placeholder 3">
+            <a:extLst>
+              <a:ext uri="{FF2B5EF4-FFF2-40B4-BE49-F238E27FC236}">
+                <a16:creationId xmlns:a16="http://schemas.microsoft.com/office/drawing/2014/main" id="{0F246959-6071-4609-B298-646E582C9281}"/>
+              </a:ext>
+            </a:extLst>
+          </p:cNvPr>
+          <p:cNvSpPr txBox="1">
+            <a:spLocks/>
+          </p:cNvSpPr>
+          <p:nvPr/>
+        </p:nvSpPr>
+        <p:spPr>
+          <a:xfrm>
+            <a:off x="1824033" y="231050"/>
+            <a:ext cx="5713108" cy="378549"/>
+          </a:xfrm>
+          <a:prstGeom prst="rect">
+            <a:avLst/>
+          </a:prstGeom>
+        </p:spPr>
+        <p:txBody>
+          <a:bodyPr vert="horz" lIns="91440" tIns="45720" rIns="91440" bIns="45720" rtlCol="0" anchor="ctr"/>
+          <a:lstStyle>
+            <a:defPPr>
+              <a:defRPr lang="en-US"/>
+            </a:defPPr>
+            <a:lvl1pPr marL="0" algn="r" defTabSz="457200" rtl="0" eaLnBrk="1" latinLnBrk="0" hangingPunct="1">
+              <a:defRPr sz="900" kern="1200">
+                <a:solidFill>
+                  <a:schemeClr val="tx1">
+                    <a:tint val="75000"/>
+                  </a:schemeClr>
+                </a:solidFill>
+                <a:latin typeface="+mn-lt"/>
+                <a:ea typeface="+mn-ea"/>
+                <a:cs typeface="+mn-cs"/>
+              </a:defRPr>
+            </a:lvl1pPr>
+            <a:lvl2pPr marL="457200" algn="l" defTabSz="457200" rtl="0" eaLnBrk="1" latinLnBrk="0" hangingPunct="1">
+              <a:defRPr sz="1800" kern="1200">
+                <a:solidFill>
+                  <a:schemeClr val="tx1"/>
+                </a:solidFill>
+                <a:latin typeface="+mn-lt"/>
+                <a:ea typeface="+mn-ea"/>
+                <a:cs typeface="+mn-cs"/>
+              </a:defRPr>
+            </a:lvl2pPr>
+            <a:lvl3pPr marL="914400" algn="l" defTabSz="457200" rtl="0" eaLnBrk="1" latinLnBrk="0" hangingPunct="1">
+              <a:defRPr sz="1800" kern="1200">
+                <a:solidFill>
+                  <a:schemeClr val="tx1"/>
+                </a:solidFill>
+                <a:latin typeface="+mn-lt"/>
+                <a:ea typeface="+mn-ea"/>
+                <a:cs typeface="+mn-cs"/>
+              </a:defRPr>
+            </a:lvl3pPr>
+            <a:lvl4pPr marL="1371600" algn="l" defTabSz="457200" rtl="0" eaLnBrk="1" latinLnBrk="0" hangingPunct="1">
+              <a:defRPr sz="1800" kern="1200">
+                <a:solidFill>
+                  <a:schemeClr val="tx1"/>
+                </a:solidFill>
+                <a:latin typeface="+mn-lt"/>
+                <a:ea typeface="+mn-ea"/>
+                <a:cs typeface="+mn-cs"/>
+              </a:defRPr>
+            </a:lvl4pPr>
+            <a:lvl5pPr marL="1828800" algn="l" defTabSz="457200" rtl="0" eaLnBrk="1" latinLnBrk="0" hangingPunct="1">
+              <a:defRPr sz="1800" kern="1200">
+                <a:solidFill>
+                  <a:schemeClr val="tx1"/>
+                </a:solidFill>
+                <a:latin typeface="+mn-lt"/>
+                <a:ea typeface="+mn-ea"/>
+                <a:cs typeface="+mn-cs"/>
+              </a:defRPr>
+            </a:lvl5pPr>
+            <a:lvl6pPr marL="2286000" algn="l" defTabSz="457200" rtl="0" eaLnBrk="1" latinLnBrk="0" hangingPunct="1">
+              <a:defRPr sz="1800" kern="1200">
+                <a:solidFill>
+                  <a:schemeClr val="tx1"/>
+                </a:solidFill>
+                <a:latin typeface="+mn-lt"/>
+                <a:ea typeface="+mn-ea"/>
+                <a:cs typeface="+mn-cs"/>
+              </a:defRPr>
+            </a:lvl6pPr>
+            <a:lvl7pPr marL="2743200" algn="l" defTabSz="457200" rtl="0" eaLnBrk="1" latinLnBrk="0" hangingPunct="1">
+              <a:defRPr sz="1800" kern="1200">
+                <a:solidFill>
+                  <a:schemeClr val="tx1"/>
+                </a:solidFill>
+                <a:latin typeface="+mn-lt"/>
+                <a:ea typeface="+mn-ea"/>
+                <a:cs typeface="+mn-cs"/>
+              </a:defRPr>
+            </a:lvl7pPr>
+            <a:lvl8pPr marL="3200400" algn="l" defTabSz="457200" rtl="0" eaLnBrk="1" latinLnBrk="0" hangingPunct="1">
+              <a:defRPr sz="1800" kern="1200">
+                <a:solidFill>
+                  <a:schemeClr val="tx1"/>
+                </a:solidFill>
+                <a:latin typeface="+mn-lt"/>
+                <a:ea typeface="+mn-ea"/>
+                <a:cs typeface="+mn-cs"/>
+              </a:defRPr>
+            </a:lvl8pPr>
+            <a:lvl9pPr marL="3657600" algn="l" defTabSz="457200" rtl="0" eaLnBrk="1" latinLnBrk="0" hangingPunct="1">
+              <a:defRPr sz="1800" kern="1200">
+                <a:solidFill>
+                  <a:schemeClr val="tx1"/>
+                </a:solidFill>
+                <a:latin typeface="+mn-lt"/>
+                <a:ea typeface="+mn-ea"/>
+                <a:cs typeface="+mn-cs"/>
+              </a:defRPr>
+            </a:lvl9pPr>
+          </a:lstStyle>
+          <a:p>
+            <a:r>
+              <a:rPr lang="de-DE" sz="1400" dirty="0"/>
+              <a:t>Veronika Taranek, Philipp </a:t>
+            </a:r>
+            <a:r>
+              <a:rPr lang="de-DE" sz="1400" dirty="0" err="1"/>
+              <a:t>Fenesan</a:t>
+            </a:r>
+            <a:r>
+              <a:rPr lang="de-DE" sz="1400" dirty="0"/>
+              <a:t>, Nicolas Geppert, Lukas Werner</a:t>
+            </a:r>
+            <a:endParaRPr lang="en-US" dirty="0"/>
+          </a:p>
+        </p:txBody>
+      </p:sp>
+    </p:spTree>
+    <p:extLst>
+      <p:ext uri="{BB962C8B-B14F-4D97-AF65-F5344CB8AC3E}">
+        <p14:creationId xmlns:p14="http://schemas.microsoft.com/office/powerpoint/2010/main" val="870046311"/>
+      </p:ext>
+    </p:extLst>
+  </p:cSld>
+  <p:clrMapOvr>
+    <a:masterClrMapping/>
+  </p:clrMapOvr>
+</p:sld>
+</file>
+
+<file path=ppt/slides/slide12.xml><?xml version="1.0" encoding="utf-8"?>
+<p:sld xmlns:a="http://schemas.openxmlformats.org/drawingml/2006/main" xmlns:r="http://schemas.openxmlformats.org/officeDocument/2006/relationships" xmlns:p="http://schemas.openxmlformats.org/presentationml/2006/main">
+  <p:cSld>
+    <p:spTree>
+      <p:nvGrpSpPr>
+        <p:cNvPr id="1" name=""/>
+        <p:cNvGrpSpPr/>
+        <p:nvPr/>
+      </p:nvGrpSpPr>
+      <p:grpSpPr>
+        <a:xfrm>
+          <a:off x="0" y="0"/>
+          <a:ext cx="0" cy="0"/>
+          <a:chOff x="0" y="0"/>
+          <a:chExt cx="0" cy="0"/>
+        </a:xfrm>
+      </p:grpSpPr>
+      <p:sp>
+        <p:nvSpPr>
+          <p:cNvPr id="2" name="Title 1">
+            <a:extLst>
+              <a:ext uri="{FF2B5EF4-FFF2-40B4-BE49-F238E27FC236}">
+                <a16:creationId xmlns:a16="http://schemas.microsoft.com/office/drawing/2014/main" id="{BFFE73E4-B193-441D-8A54-09AA7DF89A89}"/>
+              </a:ext>
+            </a:extLst>
+          </p:cNvPr>
+          <p:cNvSpPr>
+            <a:spLocks noGrp="1"/>
+          </p:cNvSpPr>
+          <p:nvPr>
+            <p:ph type="title"/>
+          </p:nvPr>
+        </p:nvSpPr>
+        <p:spPr/>
+        <p:txBody>
+          <a:bodyPr/>
+          <a:lstStyle/>
+          <a:p>
+            <a:r>
+              <a:rPr lang="en-US" dirty="0" err="1"/>
+              <a:t>Datenbank</a:t>
+            </a:r>
+            <a:endParaRPr lang="en-US" dirty="0"/>
+          </a:p>
+        </p:txBody>
+      </p:sp>
+      <p:sp>
+        <p:nvSpPr>
+          <p:cNvPr id="3" name="Content Placeholder 2">
+            <a:extLst>
+              <a:ext uri="{FF2B5EF4-FFF2-40B4-BE49-F238E27FC236}">
+                <a16:creationId xmlns:a16="http://schemas.microsoft.com/office/drawing/2014/main" id="{CD885E91-C09C-4371-8168-295BAD48D188}"/>
+              </a:ext>
+            </a:extLst>
+          </p:cNvPr>
+          <p:cNvSpPr>
+            <a:spLocks noGrp="1"/>
+          </p:cNvSpPr>
+          <p:nvPr>
+            <p:ph idx="1"/>
+          </p:nvPr>
+        </p:nvSpPr>
+        <p:spPr>
+          <a:xfrm>
+            <a:off x="677334" y="3657601"/>
+            <a:ext cx="8596668" cy="2383762"/>
+          </a:xfrm>
+        </p:spPr>
+        <p:txBody>
+          <a:bodyPr/>
+          <a:lstStyle/>
+          <a:p>
+            <a:r>
+              <a:rPr lang="en-US" dirty="0" err="1"/>
+              <a:t>Als</a:t>
+            </a:r>
+            <a:r>
+              <a:rPr lang="en-US" dirty="0"/>
+              <a:t> </a:t>
+            </a:r>
+            <a:r>
+              <a:rPr lang="en-US" dirty="0" err="1"/>
+              <a:t>Datenbanklösung</a:t>
+            </a:r>
+            <a:r>
+              <a:rPr lang="en-US" dirty="0"/>
+              <a:t> </a:t>
+            </a:r>
+            <a:r>
+              <a:rPr lang="en-US" dirty="0" err="1"/>
+              <a:t>nutzen</a:t>
+            </a:r>
+            <a:r>
+              <a:rPr lang="en-US" dirty="0"/>
+              <a:t> </a:t>
+            </a:r>
+            <a:r>
+              <a:rPr lang="en-US" dirty="0" err="1"/>
+              <a:t>wir</a:t>
+            </a:r>
+            <a:r>
+              <a:rPr lang="en-US" dirty="0"/>
+              <a:t> </a:t>
+            </a:r>
+            <a:r>
+              <a:rPr lang="en-US" dirty="0" err="1"/>
+              <a:t>als</a:t>
+            </a:r>
+            <a:r>
+              <a:rPr lang="en-US" dirty="0"/>
+              <a:t> </a:t>
+            </a:r>
+            <a:r>
+              <a:rPr lang="en-US" dirty="0" err="1"/>
+              <a:t>LocalHost</a:t>
+            </a:r>
+            <a:r>
+              <a:rPr lang="en-US" dirty="0"/>
+              <a:t> </a:t>
+            </a:r>
+            <a:r>
+              <a:rPr lang="en-US" dirty="0" err="1"/>
+              <a:t>eine</a:t>
+            </a:r>
+            <a:r>
+              <a:rPr lang="en-US" dirty="0"/>
+              <a:t> MySQL-</a:t>
+            </a:r>
+            <a:r>
+              <a:rPr lang="en-US" dirty="0" err="1"/>
+              <a:t>Datenbank</a:t>
+            </a:r>
+            <a:endParaRPr lang="en-US" dirty="0"/>
+          </a:p>
+          <a:p>
+            <a:r>
+              <a:rPr lang="en-US" dirty="0"/>
+              <a:t>Die </a:t>
+            </a:r>
+            <a:r>
+              <a:rPr lang="en-US" dirty="0" err="1"/>
+              <a:t>Anbindung</a:t>
+            </a:r>
+            <a:r>
+              <a:rPr lang="en-US" dirty="0"/>
+              <a:t> an </a:t>
+            </a:r>
+            <a:r>
+              <a:rPr lang="en-US" dirty="0" err="1"/>
+              <a:t>einen</a:t>
+            </a:r>
+            <a:r>
+              <a:rPr lang="en-US" dirty="0"/>
+              <a:t> Server </a:t>
+            </a:r>
+            <a:r>
+              <a:rPr lang="en-US" dirty="0" err="1"/>
+              <a:t>wäre</a:t>
+            </a:r>
+            <a:r>
+              <a:rPr lang="en-US" dirty="0"/>
+              <a:t> </a:t>
+            </a:r>
+            <a:r>
+              <a:rPr lang="en-US" dirty="0" err="1"/>
+              <a:t>möglich</a:t>
+            </a:r>
+            <a:r>
+              <a:rPr lang="en-US" dirty="0"/>
+              <a:t>, </a:t>
+            </a:r>
+            <a:r>
+              <a:rPr lang="en-US" dirty="0" err="1"/>
+              <a:t>soll</a:t>
+            </a:r>
+            <a:r>
+              <a:rPr lang="en-US" dirty="0"/>
+              <a:t> </a:t>
+            </a:r>
+            <a:r>
+              <a:rPr lang="en-US" dirty="0" err="1"/>
+              <a:t>jedoch</a:t>
+            </a:r>
+            <a:r>
+              <a:rPr lang="en-US" dirty="0"/>
+              <a:t> </a:t>
+            </a:r>
+            <a:r>
+              <a:rPr lang="en-US" dirty="0" err="1"/>
+              <a:t>nicht</a:t>
+            </a:r>
+            <a:r>
+              <a:rPr lang="en-US" dirty="0"/>
+              <a:t> </a:t>
+            </a:r>
+            <a:r>
+              <a:rPr lang="en-US" dirty="0" err="1"/>
+              <a:t>öffentlich</a:t>
+            </a:r>
+            <a:r>
+              <a:rPr lang="en-US" dirty="0"/>
+              <a:t> auf dem git </a:t>
+            </a:r>
+            <a:r>
+              <a:rPr lang="en-US" dirty="0" err="1"/>
+              <a:t>liegen</a:t>
+            </a:r>
+            <a:r>
+              <a:rPr lang="en-US" dirty="0"/>
+              <a:t>, da der Server </a:t>
+            </a:r>
+            <a:r>
+              <a:rPr lang="en-US" dirty="0" err="1"/>
+              <a:t>privat</a:t>
+            </a:r>
+            <a:r>
+              <a:rPr lang="en-US" dirty="0"/>
+              <a:t> </a:t>
+            </a:r>
+            <a:r>
+              <a:rPr lang="en-US" dirty="0" err="1"/>
+              <a:t>aufgesetzt</a:t>
+            </a:r>
+            <a:r>
+              <a:rPr lang="en-US" dirty="0"/>
+              <a:t> </a:t>
+            </a:r>
+            <a:r>
+              <a:rPr lang="en-US" dirty="0" err="1"/>
+              <a:t>wurde</a:t>
+            </a:r>
+            <a:endParaRPr lang="en-US" dirty="0"/>
+          </a:p>
+        </p:txBody>
+      </p:sp>
+      <p:pic>
+        <p:nvPicPr>
+          <p:cNvPr id="4" name="Picture 3">
+            <a:extLst>
+              <a:ext uri="{FF2B5EF4-FFF2-40B4-BE49-F238E27FC236}">
+                <a16:creationId xmlns:a16="http://schemas.microsoft.com/office/drawing/2014/main" id="{66089CA0-A29D-43F4-A41A-874B20FB4C08}"/>
+              </a:ext>
+            </a:extLst>
+          </p:cNvPr>
+          <p:cNvPicPr>
+            <a:picLocks noChangeAspect="1"/>
+          </p:cNvPicPr>
+          <p:nvPr/>
+        </p:nvPicPr>
+        <p:blipFill>
+          <a:blip r:embed="rId2"/>
+          <a:stretch>
+            <a:fillRect/>
+          </a:stretch>
+        </p:blipFill>
+        <p:spPr>
+          <a:xfrm>
+            <a:off x="571500" y="1526194"/>
+            <a:ext cx="8596668" cy="1935537"/>
+          </a:xfrm>
+          <a:prstGeom prst="rect">
+            <a:avLst/>
+          </a:prstGeom>
+        </p:spPr>
+      </p:pic>
+      <p:sp>
+        <p:nvSpPr>
+          <p:cNvPr id="6" name="Date Placeholder 3">
+            <a:extLst>
+              <a:ext uri="{FF2B5EF4-FFF2-40B4-BE49-F238E27FC236}">
+                <a16:creationId xmlns:a16="http://schemas.microsoft.com/office/drawing/2014/main" id="{5A155018-75BB-467E-9C0B-72C18B696E77}"/>
+              </a:ext>
+            </a:extLst>
+          </p:cNvPr>
+          <p:cNvSpPr txBox="1">
+            <a:spLocks/>
+          </p:cNvSpPr>
+          <p:nvPr/>
+        </p:nvSpPr>
+        <p:spPr>
+          <a:xfrm>
+            <a:off x="677334" y="231051"/>
+            <a:ext cx="1071566" cy="378549"/>
+          </a:xfrm>
+          <a:prstGeom prst="rect">
+            <a:avLst/>
+          </a:prstGeom>
+        </p:spPr>
+        <p:txBody>
+          <a:bodyPr vert="horz" lIns="91440" tIns="45720" rIns="91440" bIns="45720" rtlCol="0" anchor="ctr"/>
+          <a:lstStyle>
+            <a:defPPr>
+              <a:defRPr lang="en-US"/>
+            </a:defPPr>
+            <a:lvl1pPr marL="0" algn="r" defTabSz="457200" rtl="0" eaLnBrk="1" latinLnBrk="0" hangingPunct="1">
+              <a:defRPr sz="900" kern="1200">
+                <a:solidFill>
+                  <a:schemeClr val="tx1">
+                    <a:tint val="75000"/>
+                  </a:schemeClr>
+                </a:solidFill>
+                <a:latin typeface="+mn-lt"/>
+                <a:ea typeface="+mn-ea"/>
+                <a:cs typeface="+mn-cs"/>
+              </a:defRPr>
+            </a:lvl1pPr>
+            <a:lvl2pPr marL="457200" algn="l" defTabSz="457200" rtl="0" eaLnBrk="1" latinLnBrk="0" hangingPunct="1">
+              <a:defRPr sz="1800" kern="1200">
+                <a:solidFill>
+                  <a:schemeClr val="tx1"/>
+                </a:solidFill>
+                <a:latin typeface="+mn-lt"/>
+                <a:ea typeface="+mn-ea"/>
+                <a:cs typeface="+mn-cs"/>
+              </a:defRPr>
+            </a:lvl2pPr>
+            <a:lvl3pPr marL="914400" algn="l" defTabSz="457200" rtl="0" eaLnBrk="1" latinLnBrk="0" hangingPunct="1">
+              <a:defRPr sz="1800" kern="1200">
+                <a:solidFill>
+                  <a:schemeClr val="tx1"/>
+                </a:solidFill>
+                <a:latin typeface="+mn-lt"/>
+                <a:ea typeface="+mn-ea"/>
+                <a:cs typeface="+mn-cs"/>
+              </a:defRPr>
+            </a:lvl3pPr>
+            <a:lvl4pPr marL="1371600" algn="l" defTabSz="457200" rtl="0" eaLnBrk="1" latinLnBrk="0" hangingPunct="1">
+              <a:defRPr sz="1800" kern="1200">
+                <a:solidFill>
+                  <a:schemeClr val="tx1"/>
+                </a:solidFill>
+                <a:latin typeface="+mn-lt"/>
+                <a:ea typeface="+mn-ea"/>
+                <a:cs typeface="+mn-cs"/>
+              </a:defRPr>
+            </a:lvl4pPr>
+            <a:lvl5pPr marL="1828800" algn="l" defTabSz="457200" rtl="0" eaLnBrk="1" latinLnBrk="0" hangingPunct="1">
+              <a:defRPr sz="1800" kern="1200">
+                <a:solidFill>
+                  <a:schemeClr val="tx1"/>
+                </a:solidFill>
+                <a:latin typeface="+mn-lt"/>
+                <a:ea typeface="+mn-ea"/>
+                <a:cs typeface="+mn-cs"/>
+              </a:defRPr>
+            </a:lvl5pPr>
+            <a:lvl6pPr marL="2286000" algn="l" defTabSz="457200" rtl="0" eaLnBrk="1" latinLnBrk="0" hangingPunct="1">
+              <a:defRPr sz="1800" kern="1200">
+                <a:solidFill>
+                  <a:schemeClr val="tx1"/>
+                </a:solidFill>
+                <a:latin typeface="+mn-lt"/>
+                <a:ea typeface="+mn-ea"/>
+                <a:cs typeface="+mn-cs"/>
+              </a:defRPr>
+            </a:lvl6pPr>
+            <a:lvl7pPr marL="2743200" algn="l" defTabSz="457200" rtl="0" eaLnBrk="1" latinLnBrk="0" hangingPunct="1">
+              <a:defRPr sz="1800" kern="1200">
+                <a:solidFill>
+                  <a:schemeClr val="tx1"/>
+                </a:solidFill>
+                <a:latin typeface="+mn-lt"/>
+                <a:ea typeface="+mn-ea"/>
+                <a:cs typeface="+mn-cs"/>
+              </a:defRPr>
+            </a:lvl7pPr>
+            <a:lvl8pPr marL="3200400" algn="l" defTabSz="457200" rtl="0" eaLnBrk="1" latinLnBrk="0" hangingPunct="1">
+              <a:defRPr sz="1800" kern="1200">
+                <a:solidFill>
+                  <a:schemeClr val="tx1"/>
+                </a:solidFill>
+                <a:latin typeface="+mn-lt"/>
+                <a:ea typeface="+mn-ea"/>
+                <a:cs typeface="+mn-cs"/>
+              </a:defRPr>
+            </a:lvl8pPr>
+            <a:lvl9pPr marL="3657600" algn="l" defTabSz="457200" rtl="0" eaLnBrk="1" latinLnBrk="0" hangingPunct="1">
+              <a:defRPr sz="1800" kern="1200">
+                <a:solidFill>
+                  <a:schemeClr val="tx1"/>
+                </a:solidFill>
+                <a:latin typeface="+mn-lt"/>
+                <a:ea typeface="+mn-ea"/>
+                <a:cs typeface="+mn-cs"/>
+              </a:defRPr>
+            </a:lvl9pPr>
+          </a:lstStyle>
+          <a:p>
+            <a:fld id="{5665C720-CFBA-4CD6-B44E-E52DA515AFF8}" type="datetime1">
+              <a:rPr lang="de-DE" sz="1400" smtClean="0"/>
+              <a:pPr/>
+              <a:t>12.09.2020</a:t>
+            </a:fld>
+            <a:endParaRPr lang="en-US" dirty="0"/>
+          </a:p>
+        </p:txBody>
+      </p:sp>
+      <p:sp>
+        <p:nvSpPr>
+          <p:cNvPr id="7" name="Date Placeholder 3">
+            <a:extLst>
+              <a:ext uri="{FF2B5EF4-FFF2-40B4-BE49-F238E27FC236}">
+                <a16:creationId xmlns:a16="http://schemas.microsoft.com/office/drawing/2014/main" id="{BAD5D7EE-33EA-45D2-A694-351C748A2C0C}"/>
+              </a:ext>
+            </a:extLst>
+          </p:cNvPr>
+          <p:cNvSpPr txBox="1">
+            <a:spLocks/>
+          </p:cNvSpPr>
+          <p:nvPr/>
+        </p:nvSpPr>
+        <p:spPr>
+          <a:xfrm>
+            <a:off x="1824033" y="231050"/>
+            <a:ext cx="5713108" cy="378549"/>
+          </a:xfrm>
+          <a:prstGeom prst="rect">
+            <a:avLst/>
+          </a:prstGeom>
+        </p:spPr>
+        <p:txBody>
+          <a:bodyPr vert="horz" lIns="91440" tIns="45720" rIns="91440" bIns="45720" rtlCol="0" anchor="ctr"/>
+          <a:lstStyle>
+            <a:defPPr>
+              <a:defRPr lang="en-US"/>
+            </a:defPPr>
+            <a:lvl1pPr marL="0" algn="r" defTabSz="457200" rtl="0" eaLnBrk="1" latinLnBrk="0" hangingPunct="1">
+              <a:defRPr sz="900" kern="1200">
+                <a:solidFill>
+                  <a:schemeClr val="tx1">
+                    <a:tint val="75000"/>
+                  </a:schemeClr>
+                </a:solidFill>
+                <a:latin typeface="+mn-lt"/>
+                <a:ea typeface="+mn-ea"/>
+                <a:cs typeface="+mn-cs"/>
+              </a:defRPr>
+            </a:lvl1pPr>
+            <a:lvl2pPr marL="457200" algn="l" defTabSz="457200" rtl="0" eaLnBrk="1" latinLnBrk="0" hangingPunct="1">
+              <a:defRPr sz="1800" kern="1200">
+                <a:solidFill>
+                  <a:schemeClr val="tx1"/>
+                </a:solidFill>
+                <a:latin typeface="+mn-lt"/>
+                <a:ea typeface="+mn-ea"/>
+                <a:cs typeface="+mn-cs"/>
+              </a:defRPr>
+            </a:lvl2pPr>
+            <a:lvl3pPr marL="914400" algn="l" defTabSz="457200" rtl="0" eaLnBrk="1" latinLnBrk="0" hangingPunct="1">
+              <a:defRPr sz="1800" kern="1200">
+                <a:solidFill>
+                  <a:schemeClr val="tx1"/>
+                </a:solidFill>
+                <a:latin typeface="+mn-lt"/>
+                <a:ea typeface="+mn-ea"/>
+                <a:cs typeface="+mn-cs"/>
+              </a:defRPr>
+            </a:lvl3pPr>
+            <a:lvl4pPr marL="1371600" algn="l" defTabSz="457200" rtl="0" eaLnBrk="1" latinLnBrk="0" hangingPunct="1">
+              <a:defRPr sz="1800" kern="1200">
+                <a:solidFill>
+                  <a:schemeClr val="tx1"/>
+                </a:solidFill>
+                <a:latin typeface="+mn-lt"/>
+                <a:ea typeface="+mn-ea"/>
+                <a:cs typeface="+mn-cs"/>
+              </a:defRPr>
+            </a:lvl4pPr>
+            <a:lvl5pPr marL="1828800" algn="l" defTabSz="457200" rtl="0" eaLnBrk="1" latinLnBrk="0" hangingPunct="1">
+              <a:defRPr sz="1800" kern="1200">
+                <a:solidFill>
+                  <a:schemeClr val="tx1"/>
+                </a:solidFill>
+                <a:latin typeface="+mn-lt"/>
+                <a:ea typeface="+mn-ea"/>
+                <a:cs typeface="+mn-cs"/>
+              </a:defRPr>
+            </a:lvl5pPr>
+            <a:lvl6pPr marL="2286000" algn="l" defTabSz="457200" rtl="0" eaLnBrk="1" latinLnBrk="0" hangingPunct="1">
+              <a:defRPr sz="1800" kern="1200">
+                <a:solidFill>
+                  <a:schemeClr val="tx1"/>
+                </a:solidFill>
+                <a:latin typeface="+mn-lt"/>
+                <a:ea typeface="+mn-ea"/>
+                <a:cs typeface="+mn-cs"/>
+              </a:defRPr>
+            </a:lvl6pPr>
+            <a:lvl7pPr marL="2743200" algn="l" defTabSz="457200" rtl="0" eaLnBrk="1" latinLnBrk="0" hangingPunct="1">
+              <a:defRPr sz="1800" kern="1200">
+                <a:solidFill>
+                  <a:schemeClr val="tx1"/>
+                </a:solidFill>
+                <a:latin typeface="+mn-lt"/>
+                <a:ea typeface="+mn-ea"/>
+                <a:cs typeface="+mn-cs"/>
+              </a:defRPr>
+            </a:lvl7pPr>
+            <a:lvl8pPr marL="3200400" algn="l" defTabSz="457200" rtl="0" eaLnBrk="1" latinLnBrk="0" hangingPunct="1">
+              <a:defRPr sz="1800" kern="1200">
+                <a:solidFill>
+                  <a:schemeClr val="tx1"/>
+                </a:solidFill>
+                <a:latin typeface="+mn-lt"/>
+                <a:ea typeface="+mn-ea"/>
+                <a:cs typeface="+mn-cs"/>
+              </a:defRPr>
+            </a:lvl8pPr>
+            <a:lvl9pPr marL="3657600" algn="l" defTabSz="457200" rtl="0" eaLnBrk="1" latinLnBrk="0" hangingPunct="1">
+              <a:defRPr sz="1800" kern="1200">
+                <a:solidFill>
+                  <a:schemeClr val="tx1"/>
+                </a:solidFill>
+                <a:latin typeface="+mn-lt"/>
+                <a:ea typeface="+mn-ea"/>
+                <a:cs typeface="+mn-cs"/>
+              </a:defRPr>
+            </a:lvl9pPr>
+          </a:lstStyle>
+          <a:p>
+            <a:r>
+              <a:rPr lang="de-DE" sz="1400" dirty="0"/>
+              <a:t>Veronika Taranek, Philipp </a:t>
+            </a:r>
+            <a:r>
+              <a:rPr lang="de-DE" sz="1400" dirty="0" err="1"/>
+              <a:t>Fenesan</a:t>
+            </a:r>
+            <a:r>
+              <a:rPr lang="de-DE" sz="1400" dirty="0"/>
+              <a:t>, Nicolas Geppert, Lukas Werner</a:t>
+            </a:r>
+            <a:endParaRPr lang="en-US" dirty="0"/>
+          </a:p>
+        </p:txBody>
+      </p:sp>
+    </p:spTree>
+    <p:extLst>
+      <p:ext uri="{BB962C8B-B14F-4D97-AF65-F5344CB8AC3E}">
+        <p14:creationId xmlns:p14="http://schemas.microsoft.com/office/powerpoint/2010/main" val="1952191566"/>
       </p:ext>
     </p:extLst>
   </p:cSld>
@@ -6610,6 +8497,27 @@
           <a:p>
             <a:r>
               <a:rPr lang="en-US" dirty="0" err="1"/>
+              <a:t>Problemstellung</a:t>
+            </a:r>
+            <a:endParaRPr lang="en-US" dirty="0"/>
+          </a:p>
+          <a:p>
+            <a:r>
+              <a:rPr lang="en-US" dirty="0" err="1"/>
+              <a:t>Wanderführer</a:t>
+            </a:r>
+            <a:endParaRPr lang="en-US" dirty="0"/>
+          </a:p>
+          <a:p>
+            <a:r>
+              <a:rPr lang="en-US" dirty="0" err="1"/>
+              <a:t>Hauenstein</a:t>
+            </a:r>
+            <a:endParaRPr lang="en-US" dirty="0"/>
+          </a:p>
+          <a:p>
+            <a:r>
+              <a:rPr lang="en-US" dirty="0" err="1"/>
               <a:t>Wozu</a:t>
             </a:r>
             <a:r>
@@ -6664,6 +8572,19 @@
               <a:rPr lang="en-US" dirty="0"/>
               <a:t>App-Demo</a:t>
             </a:r>
+          </a:p>
+          <a:p>
+            <a:r>
+              <a:rPr lang="en-US" dirty="0"/>
+              <a:t>Aufbau der App</a:t>
+            </a:r>
+          </a:p>
+          <a:p>
+            <a:r>
+              <a:rPr lang="en-US" dirty="0" err="1"/>
+              <a:t>Datenbankeinbindung</a:t>
+            </a:r>
+            <a:endParaRPr lang="en-US" dirty="0"/>
           </a:p>
         </p:txBody>
       </p:sp>
@@ -6854,6 +8775,1371 @@
 </file>
 
 <file path=ppt/slides/slide3.xml><?xml version="1.0" encoding="utf-8"?>
+<p:sld xmlns:a="http://schemas.openxmlformats.org/drawingml/2006/main" xmlns:r="http://schemas.openxmlformats.org/officeDocument/2006/relationships" xmlns:p="http://schemas.openxmlformats.org/presentationml/2006/main">
+  <p:cSld>
+    <p:spTree>
+      <p:nvGrpSpPr>
+        <p:cNvPr id="1" name=""/>
+        <p:cNvGrpSpPr/>
+        <p:nvPr/>
+      </p:nvGrpSpPr>
+      <p:grpSpPr>
+        <a:xfrm>
+          <a:off x="0" y="0"/>
+          <a:ext cx="0" cy="0"/>
+          <a:chOff x="0" y="0"/>
+          <a:chExt cx="0" cy="0"/>
+        </a:xfrm>
+      </p:grpSpPr>
+      <p:sp>
+        <p:nvSpPr>
+          <p:cNvPr id="2" name="Title 1">
+            <a:extLst>
+              <a:ext uri="{FF2B5EF4-FFF2-40B4-BE49-F238E27FC236}">
+                <a16:creationId xmlns:a16="http://schemas.microsoft.com/office/drawing/2014/main" id="{F5998C6A-B1F4-4469-AD40-7829B350177E}"/>
+              </a:ext>
+            </a:extLst>
+          </p:cNvPr>
+          <p:cNvSpPr>
+            <a:spLocks noGrp="1"/>
+          </p:cNvSpPr>
+          <p:nvPr>
+            <p:ph type="title"/>
+          </p:nvPr>
+        </p:nvSpPr>
+        <p:spPr/>
+        <p:txBody>
+          <a:bodyPr/>
+          <a:lstStyle/>
+          <a:p>
+            <a:r>
+              <a:rPr lang="en-US" dirty="0" err="1"/>
+              <a:t>Problemstellung</a:t>
+            </a:r>
+            <a:endParaRPr lang="en-US" dirty="0"/>
+          </a:p>
+        </p:txBody>
+      </p:sp>
+      <p:sp>
+        <p:nvSpPr>
+          <p:cNvPr id="3" name="Content Placeholder 2">
+            <a:extLst>
+              <a:ext uri="{FF2B5EF4-FFF2-40B4-BE49-F238E27FC236}">
+                <a16:creationId xmlns:a16="http://schemas.microsoft.com/office/drawing/2014/main" id="{ED9D7D34-CEFA-48AC-B3B9-758A71E43DD0}"/>
+              </a:ext>
+            </a:extLst>
+          </p:cNvPr>
+          <p:cNvSpPr>
+            <a:spLocks noGrp="1"/>
+          </p:cNvSpPr>
+          <p:nvPr>
+            <p:ph idx="1"/>
+          </p:nvPr>
+        </p:nvSpPr>
+        <p:spPr/>
+        <p:txBody>
+          <a:bodyPr/>
+          <a:lstStyle/>
+          <a:p>
+            <a:r>
+              <a:rPr lang="en-US" dirty="0"/>
+              <a:t>Wie </a:t>
+            </a:r>
+            <a:r>
+              <a:rPr lang="en-US" dirty="0" err="1"/>
+              <a:t>kann</a:t>
+            </a:r>
+            <a:r>
+              <a:rPr lang="en-US" dirty="0"/>
+              <a:t> man </a:t>
+            </a:r>
+            <a:r>
+              <a:rPr lang="en-US" dirty="0" err="1"/>
+              <a:t>einen</a:t>
+            </a:r>
+            <a:r>
+              <a:rPr lang="en-US" dirty="0"/>
+              <a:t> </a:t>
+            </a:r>
+            <a:r>
+              <a:rPr lang="en-US" dirty="0" err="1"/>
+              <a:t>Wanderführer</a:t>
+            </a:r>
+            <a:r>
+              <a:rPr lang="en-US" dirty="0"/>
+              <a:t> in </a:t>
+            </a:r>
+            <a:r>
+              <a:rPr lang="en-US" dirty="0" err="1"/>
+              <a:t>Hauenstein</a:t>
+            </a:r>
+            <a:r>
+              <a:rPr lang="en-US" dirty="0"/>
+              <a:t> </a:t>
+            </a:r>
+            <a:r>
+              <a:rPr lang="en-US" dirty="0" err="1"/>
+              <a:t>durch</a:t>
+            </a:r>
+            <a:r>
+              <a:rPr lang="en-US" dirty="0"/>
+              <a:t> </a:t>
+            </a:r>
+            <a:r>
+              <a:rPr lang="en-US" dirty="0" err="1"/>
+              <a:t>Digitalisierung</a:t>
+            </a:r>
+            <a:r>
+              <a:rPr lang="en-US" dirty="0"/>
+              <a:t> </a:t>
+            </a:r>
+            <a:r>
+              <a:rPr lang="en-US" dirty="0" err="1"/>
+              <a:t>unterstützen</a:t>
+            </a:r>
+            <a:r>
+              <a:rPr lang="en-US" dirty="0"/>
+              <a:t> / </a:t>
+            </a:r>
+            <a:r>
+              <a:rPr lang="en-US" dirty="0" err="1"/>
+              <a:t>ersetzen</a:t>
+            </a:r>
+            <a:r>
+              <a:rPr lang="en-US" dirty="0"/>
+              <a:t>?</a:t>
+            </a:r>
+          </a:p>
+          <a:p>
+            <a:pPr lvl="1"/>
+            <a:r>
+              <a:rPr lang="en-US" dirty="0" err="1"/>
+              <a:t>Mischung</a:t>
+            </a:r>
+            <a:r>
+              <a:rPr lang="en-US" dirty="0"/>
+              <a:t> </a:t>
+            </a:r>
+            <a:r>
+              <a:rPr lang="en-US" dirty="0" err="1"/>
+              <a:t>aus</a:t>
+            </a:r>
+            <a:r>
+              <a:rPr lang="en-US" dirty="0"/>
+              <a:t> </a:t>
+            </a:r>
+            <a:r>
+              <a:rPr lang="en-US" dirty="0" err="1"/>
+              <a:t>beidem</a:t>
+            </a:r>
+            <a:r>
+              <a:rPr lang="en-US" dirty="0"/>
+              <a:t>: innovative App, </a:t>
+            </a:r>
+            <a:r>
+              <a:rPr lang="en-US" dirty="0" err="1"/>
+              <a:t>mit</a:t>
+            </a:r>
+            <a:r>
+              <a:rPr lang="en-US" dirty="0"/>
+              <a:t> der </a:t>
+            </a:r>
+            <a:r>
+              <a:rPr lang="en-US" dirty="0" err="1"/>
+              <a:t>jeder</a:t>
+            </a:r>
+            <a:r>
+              <a:rPr lang="en-US" dirty="0"/>
+              <a:t> </a:t>
+            </a:r>
+            <a:r>
+              <a:rPr lang="en-US" dirty="0" err="1"/>
+              <a:t>sicher</a:t>
+            </a:r>
+            <a:r>
+              <a:rPr lang="en-US" dirty="0"/>
+              <a:t> </a:t>
+            </a:r>
+            <a:r>
+              <a:rPr lang="en-US" dirty="0" err="1"/>
+              <a:t>ohne</a:t>
+            </a:r>
+            <a:r>
+              <a:rPr lang="en-US" dirty="0"/>
+              <a:t> </a:t>
+            </a:r>
+            <a:r>
+              <a:rPr lang="en-US" dirty="0" err="1"/>
+              <a:t>Wanderführer</a:t>
+            </a:r>
+            <a:r>
+              <a:rPr lang="en-US" dirty="0"/>
+              <a:t> </a:t>
+            </a:r>
+            <a:r>
+              <a:rPr lang="en-US" dirty="0" err="1"/>
+              <a:t>wandern</a:t>
+            </a:r>
+            <a:r>
+              <a:rPr lang="en-US" dirty="0"/>
+              <a:t> </a:t>
+            </a:r>
+            <a:r>
+              <a:rPr lang="en-US" dirty="0" err="1"/>
+              <a:t>gehen</a:t>
+            </a:r>
+            <a:r>
+              <a:rPr lang="en-US" dirty="0"/>
+              <a:t> </a:t>
+            </a:r>
+            <a:r>
+              <a:rPr lang="en-US" dirty="0" err="1"/>
+              <a:t>kann</a:t>
+            </a:r>
+            <a:r>
+              <a:rPr lang="en-US" dirty="0"/>
+              <a:t>, </a:t>
+            </a:r>
+            <a:r>
+              <a:rPr lang="en-US" dirty="0" err="1"/>
+              <a:t>aber</a:t>
+            </a:r>
+            <a:r>
+              <a:rPr lang="en-US" dirty="0"/>
+              <a:t> </a:t>
+            </a:r>
+            <a:r>
+              <a:rPr lang="en-US" dirty="0" err="1"/>
+              <a:t>auch</a:t>
+            </a:r>
+            <a:r>
+              <a:rPr lang="en-US" dirty="0"/>
+              <a:t> </a:t>
+            </a:r>
+            <a:r>
+              <a:rPr lang="en-US" dirty="0" err="1"/>
+              <a:t>Wanderführer</a:t>
+            </a:r>
+            <a:r>
+              <a:rPr lang="en-US" dirty="0"/>
+              <a:t> die </a:t>
+            </a:r>
+            <a:r>
+              <a:rPr lang="en-US" dirty="0" err="1"/>
+              <a:t>Möglichkeit</a:t>
+            </a:r>
+            <a:r>
+              <a:rPr lang="en-US" dirty="0"/>
+              <a:t> </a:t>
+            </a:r>
+            <a:r>
+              <a:rPr lang="en-US" dirty="0" err="1"/>
+              <a:t>bekommen</a:t>
+            </a:r>
+            <a:r>
+              <a:rPr lang="en-US" dirty="0"/>
+              <a:t>, </a:t>
+            </a:r>
+            <a:r>
+              <a:rPr lang="en-US" dirty="0" err="1"/>
+              <a:t>ihr</a:t>
+            </a:r>
+            <a:r>
+              <a:rPr lang="en-US" dirty="0"/>
+              <a:t> </a:t>
+            </a:r>
+            <a:r>
+              <a:rPr lang="en-US" dirty="0" err="1"/>
+              <a:t>Wissen</a:t>
+            </a:r>
+            <a:r>
+              <a:rPr lang="en-US" dirty="0"/>
+              <a:t> und </a:t>
+            </a:r>
+            <a:r>
+              <a:rPr lang="en-US" dirty="0" err="1"/>
+              <a:t>Erfahrung</a:t>
+            </a:r>
+            <a:r>
+              <a:rPr lang="en-US" dirty="0"/>
+              <a:t> </a:t>
+            </a:r>
+            <a:r>
+              <a:rPr lang="en-US" dirty="0" err="1"/>
+              <a:t>durch</a:t>
+            </a:r>
+            <a:r>
+              <a:rPr lang="en-US" dirty="0"/>
+              <a:t> Live-Streams </a:t>
+            </a:r>
+            <a:r>
+              <a:rPr lang="en-US" dirty="0" err="1"/>
+              <a:t>oder</a:t>
+            </a:r>
+            <a:r>
+              <a:rPr lang="en-US" dirty="0"/>
+              <a:t> Gruppen </a:t>
+            </a:r>
+            <a:r>
+              <a:rPr lang="en-US" dirty="0" err="1"/>
+              <a:t>zu</a:t>
+            </a:r>
+            <a:r>
+              <a:rPr lang="en-US" dirty="0"/>
+              <a:t> </a:t>
+            </a:r>
+            <a:r>
+              <a:rPr lang="en-US" dirty="0" err="1"/>
+              <a:t>teilen</a:t>
+            </a:r>
+            <a:r>
+              <a:rPr lang="en-US" dirty="0"/>
+              <a:t>!</a:t>
+            </a:r>
+          </a:p>
+        </p:txBody>
+      </p:sp>
+      <p:sp>
+        <p:nvSpPr>
+          <p:cNvPr id="5" name="Date Placeholder 3">
+            <a:extLst>
+              <a:ext uri="{FF2B5EF4-FFF2-40B4-BE49-F238E27FC236}">
+                <a16:creationId xmlns:a16="http://schemas.microsoft.com/office/drawing/2014/main" id="{B31ADB65-6343-4462-9B89-6D85B9C891F9}"/>
+              </a:ext>
+            </a:extLst>
+          </p:cNvPr>
+          <p:cNvSpPr txBox="1">
+            <a:spLocks/>
+          </p:cNvSpPr>
+          <p:nvPr/>
+        </p:nvSpPr>
+        <p:spPr>
+          <a:xfrm>
+            <a:off x="677334" y="231051"/>
+            <a:ext cx="1071566" cy="378549"/>
+          </a:xfrm>
+          <a:prstGeom prst="rect">
+            <a:avLst/>
+          </a:prstGeom>
+        </p:spPr>
+        <p:txBody>
+          <a:bodyPr vert="horz" lIns="91440" tIns="45720" rIns="91440" bIns="45720" rtlCol="0" anchor="ctr"/>
+          <a:lstStyle>
+            <a:defPPr>
+              <a:defRPr lang="en-US"/>
+            </a:defPPr>
+            <a:lvl1pPr marL="0" algn="r" defTabSz="457200" rtl="0" eaLnBrk="1" latinLnBrk="0" hangingPunct="1">
+              <a:defRPr sz="900" kern="1200">
+                <a:solidFill>
+                  <a:schemeClr val="tx1">
+                    <a:tint val="75000"/>
+                  </a:schemeClr>
+                </a:solidFill>
+                <a:latin typeface="+mn-lt"/>
+                <a:ea typeface="+mn-ea"/>
+                <a:cs typeface="+mn-cs"/>
+              </a:defRPr>
+            </a:lvl1pPr>
+            <a:lvl2pPr marL="457200" algn="l" defTabSz="457200" rtl="0" eaLnBrk="1" latinLnBrk="0" hangingPunct="1">
+              <a:defRPr sz="1800" kern="1200">
+                <a:solidFill>
+                  <a:schemeClr val="tx1"/>
+                </a:solidFill>
+                <a:latin typeface="+mn-lt"/>
+                <a:ea typeface="+mn-ea"/>
+                <a:cs typeface="+mn-cs"/>
+              </a:defRPr>
+            </a:lvl2pPr>
+            <a:lvl3pPr marL="914400" algn="l" defTabSz="457200" rtl="0" eaLnBrk="1" latinLnBrk="0" hangingPunct="1">
+              <a:defRPr sz="1800" kern="1200">
+                <a:solidFill>
+                  <a:schemeClr val="tx1"/>
+                </a:solidFill>
+                <a:latin typeface="+mn-lt"/>
+                <a:ea typeface="+mn-ea"/>
+                <a:cs typeface="+mn-cs"/>
+              </a:defRPr>
+            </a:lvl3pPr>
+            <a:lvl4pPr marL="1371600" algn="l" defTabSz="457200" rtl="0" eaLnBrk="1" latinLnBrk="0" hangingPunct="1">
+              <a:defRPr sz="1800" kern="1200">
+                <a:solidFill>
+                  <a:schemeClr val="tx1"/>
+                </a:solidFill>
+                <a:latin typeface="+mn-lt"/>
+                <a:ea typeface="+mn-ea"/>
+                <a:cs typeface="+mn-cs"/>
+              </a:defRPr>
+            </a:lvl4pPr>
+            <a:lvl5pPr marL="1828800" algn="l" defTabSz="457200" rtl="0" eaLnBrk="1" latinLnBrk="0" hangingPunct="1">
+              <a:defRPr sz="1800" kern="1200">
+                <a:solidFill>
+                  <a:schemeClr val="tx1"/>
+                </a:solidFill>
+                <a:latin typeface="+mn-lt"/>
+                <a:ea typeface="+mn-ea"/>
+                <a:cs typeface="+mn-cs"/>
+              </a:defRPr>
+            </a:lvl5pPr>
+            <a:lvl6pPr marL="2286000" algn="l" defTabSz="457200" rtl="0" eaLnBrk="1" latinLnBrk="0" hangingPunct="1">
+              <a:defRPr sz="1800" kern="1200">
+                <a:solidFill>
+                  <a:schemeClr val="tx1"/>
+                </a:solidFill>
+                <a:latin typeface="+mn-lt"/>
+                <a:ea typeface="+mn-ea"/>
+                <a:cs typeface="+mn-cs"/>
+              </a:defRPr>
+            </a:lvl6pPr>
+            <a:lvl7pPr marL="2743200" algn="l" defTabSz="457200" rtl="0" eaLnBrk="1" latinLnBrk="0" hangingPunct="1">
+              <a:defRPr sz="1800" kern="1200">
+                <a:solidFill>
+                  <a:schemeClr val="tx1"/>
+                </a:solidFill>
+                <a:latin typeface="+mn-lt"/>
+                <a:ea typeface="+mn-ea"/>
+                <a:cs typeface="+mn-cs"/>
+              </a:defRPr>
+            </a:lvl7pPr>
+            <a:lvl8pPr marL="3200400" algn="l" defTabSz="457200" rtl="0" eaLnBrk="1" latinLnBrk="0" hangingPunct="1">
+              <a:defRPr sz="1800" kern="1200">
+                <a:solidFill>
+                  <a:schemeClr val="tx1"/>
+                </a:solidFill>
+                <a:latin typeface="+mn-lt"/>
+                <a:ea typeface="+mn-ea"/>
+                <a:cs typeface="+mn-cs"/>
+              </a:defRPr>
+            </a:lvl8pPr>
+            <a:lvl9pPr marL="3657600" algn="l" defTabSz="457200" rtl="0" eaLnBrk="1" latinLnBrk="0" hangingPunct="1">
+              <a:defRPr sz="1800" kern="1200">
+                <a:solidFill>
+                  <a:schemeClr val="tx1"/>
+                </a:solidFill>
+                <a:latin typeface="+mn-lt"/>
+                <a:ea typeface="+mn-ea"/>
+                <a:cs typeface="+mn-cs"/>
+              </a:defRPr>
+            </a:lvl9pPr>
+          </a:lstStyle>
+          <a:p>
+            <a:r>
+              <a:rPr lang="de-DE" sz="1400" dirty="0"/>
+              <a:t>11.09.2020</a:t>
+            </a:r>
+            <a:endParaRPr lang="en-US" dirty="0"/>
+          </a:p>
+        </p:txBody>
+      </p:sp>
+      <p:sp>
+        <p:nvSpPr>
+          <p:cNvPr id="6" name="Date Placeholder 3">
+            <a:extLst>
+              <a:ext uri="{FF2B5EF4-FFF2-40B4-BE49-F238E27FC236}">
+                <a16:creationId xmlns:a16="http://schemas.microsoft.com/office/drawing/2014/main" id="{43551811-42EB-4794-9B51-35C325D68953}"/>
+              </a:ext>
+            </a:extLst>
+          </p:cNvPr>
+          <p:cNvSpPr txBox="1">
+            <a:spLocks/>
+          </p:cNvSpPr>
+          <p:nvPr/>
+        </p:nvSpPr>
+        <p:spPr>
+          <a:xfrm>
+            <a:off x="1824033" y="231050"/>
+            <a:ext cx="5713108" cy="378549"/>
+          </a:xfrm>
+          <a:prstGeom prst="rect">
+            <a:avLst/>
+          </a:prstGeom>
+        </p:spPr>
+        <p:txBody>
+          <a:bodyPr vert="horz" lIns="91440" tIns="45720" rIns="91440" bIns="45720" rtlCol="0" anchor="ctr"/>
+          <a:lstStyle>
+            <a:defPPr>
+              <a:defRPr lang="en-US"/>
+            </a:defPPr>
+            <a:lvl1pPr marL="0" algn="r" defTabSz="457200" rtl="0" eaLnBrk="1" latinLnBrk="0" hangingPunct="1">
+              <a:defRPr sz="900" kern="1200">
+                <a:solidFill>
+                  <a:schemeClr val="tx1">
+                    <a:tint val="75000"/>
+                  </a:schemeClr>
+                </a:solidFill>
+                <a:latin typeface="+mn-lt"/>
+                <a:ea typeface="+mn-ea"/>
+                <a:cs typeface="+mn-cs"/>
+              </a:defRPr>
+            </a:lvl1pPr>
+            <a:lvl2pPr marL="457200" algn="l" defTabSz="457200" rtl="0" eaLnBrk="1" latinLnBrk="0" hangingPunct="1">
+              <a:defRPr sz="1800" kern="1200">
+                <a:solidFill>
+                  <a:schemeClr val="tx1"/>
+                </a:solidFill>
+                <a:latin typeface="+mn-lt"/>
+                <a:ea typeface="+mn-ea"/>
+                <a:cs typeface="+mn-cs"/>
+              </a:defRPr>
+            </a:lvl2pPr>
+            <a:lvl3pPr marL="914400" algn="l" defTabSz="457200" rtl="0" eaLnBrk="1" latinLnBrk="0" hangingPunct="1">
+              <a:defRPr sz="1800" kern="1200">
+                <a:solidFill>
+                  <a:schemeClr val="tx1"/>
+                </a:solidFill>
+                <a:latin typeface="+mn-lt"/>
+                <a:ea typeface="+mn-ea"/>
+                <a:cs typeface="+mn-cs"/>
+              </a:defRPr>
+            </a:lvl3pPr>
+            <a:lvl4pPr marL="1371600" algn="l" defTabSz="457200" rtl="0" eaLnBrk="1" latinLnBrk="0" hangingPunct="1">
+              <a:defRPr sz="1800" kern="1200">
+                <a:solidFill>
+                  <a:schemeClr val="tx1"/>
+                </a:solidFill>
+                <a:latin typeface="+mn-lt"/>
+                <a:ea typeface="+mn-ea"/>
+                <a:cs typeface="+mn-cs"/>
+              </a:defRPr>
+            </a:lvl4pPr>
+            <a:lvl5pPr marL="1828800" algn="l" defTabSz="457200" rtl="0" eaLnBrk="1" latinLnBrk="0" hangingPunct="1">
+              <a:defRPr sz="1800" kern="1200">
+                <a:solidFill>
+                  <a:schemeClr val="tx1"/>
+                </a:solidFill>
+                <a:latin typeface="+mn-lt"/>
+                <a:ea typeface="+mn-ea"/>
+                <a:cs typeface="+mn-cs"/>
+              </a:defRPr>
+            </a:lvl5pPr>
+            <a:lvl6pPr marL="2286000" algn="l" defTabSz="457200" rtl="0" eaLnBrk="1" latinLnBrk="0" hangingPunct="1">
+              <a:defRPr sz="1800" kern="1200">
+                <a:solidFill>
+                  <a:schemeClr val="tx1"/>
+                </a:solidFill>
+                <a:latin typeface="+mn-lt"/>
+                <a:ea typeface="+mn-ea"/>
+                <a:cs typeface="+mn-cs"/>
+              </a:defRPr>
+            </a:lvl6pPr>
+            <a:lvl7pPr marL="2743200" algn="l" defTabSz="457200" rtl="0" eaLnBrk="1" latinLnBrk="0" hangingPunct="1">
+              <a:defRPr sz="1800" kern="1200">
+                <a:solidFill>
+                  <a:schemeClr val="tx1"/>
+                </a:solidFill>
+                <a:latin typeface="+mn-lt"/>
+                <a:ea typeface="+mn-ea"/>
+                <a:cs typeface="+mn-cs"/>
+              </a:defRPr>
+            </a:lvl7pPr>
+            <a:lvl8pPr marL="3200400" algn="l" defTabSz="457200" rtl="0" eaLnBrk="1" latinLnBrk="0" hangingPunct="1">
+              <a:defRPr sz="1800" kern="1200">
+                <a:solidFill>
+                  <a:schemeClr val="tx1"/>
+                </a:solidFill>
+                <a:latin typeface="+mn-lt"/>
+                <a:ea typeface="+mn-ea"/>
+                <a:cs typeface="+mn-cs"/>
+              </a:defRPr>
+            </a:lvl8pPr>
+            <a:lvl9pPr marL="3657600" algn="l" defTabSz="457200" rtl="0" eaLnBrk="1" latinLnBrk="0" hangingPunct="1">
+              <a:defRPr sz="1800" kern="1200">
+                <a:solidFill>
+                  <a:schemeClr val="tx1"/>
+                </a:solidFill>
+                <a:latin typeface="+mn-lt"/>
+                <a:ea typeface="+mn-ea"/>
+                <a:cs typeface="+mn-cs"/>
+              </a:defRPr>
+            </a:lvl9pPr>
+          </a:lstStyle>
+          <a:p>
+            <a:r>
+              <a:rPr lang="de-DE" sz="1400" dirty="0"/>
+              <a:t>Veronika Taranek, Philipp </a:t>
+            </a:r>
+            <a:r>
+              <a:rPr lang="de-DE" sz="1400" dirty="0" err="1"/>
+              <a:t>Fenesan</a:t>
+            </a:r>
+            <a:r>
+              <a:rPr lang="de-DE" sz="1400" dirty="0"/>
+              <a:t>, Nicolas Geppert, Lukas Werner</a:t>
+            </a:r>
+            <a:endParaRPr lang="en-US" dirty="0"/>
+          </a:p>
+        </p:txBody>
+      </p:sp>
+    </p:spTree>
+    <p:extLst>
+      <p:ext uri="{BB962C8B-B14F-4D97-AF65-F5344CB8AC3E}">
+        <p14:creationId xmlns:p14="http://schemas.microsoft.com/office/powerpoint/2010/main" val="1853708038"/>
+      </p:ext>
+    </p:extLst>
+  </p:cSld>
+  <p:clrMapOvr>
+    <a:masterClrMapping/>
+  </p:clrMapOvr>
+</p:sld>
+</file>
+
+<file path=ppt/slides/slide4.xml><?xml version="1.0" encoding="utf-8"?>
+<p:sld xmlns:a="http://schemas.openxmlformats.org/drawingml/2006/main" xmlns:r="http://schemas.openxmlformats.org/officeDocument/2006/relationships" xmlns:p="http://schemas.openxmlformats.org/presentationml/2006/main">
+  <p:cSld>
+    <p:spTree>
+      <p:nvGrpSpPr>
+        <p:cNvPr id="1" name=""/>
+        <p:cNvGrpSpPr/>
+        <p:nvPr/>
+      </p:nvGrpSpPr>
+      <p:grpSpPr>
+        <a:xfrm>
+          <a:off x="0" y="0"/>
+          <a:ext cx="0" cy="0"/>
+          <a:chOff x="0" y="0"/>
+          <a:chExt cx="0" cy="0"/>
+        </a:xfrm>
+      </p:grpSpPr>
+      <p:sp>
+        <p:nvSpPr>
+          <p:cNvPr id="2" name="Title 1">
+            <a:extLst>
+              <a:ext uri="{FF2B5EF4-FFF2-40B4-BE49-F238E27FC236}">
+                <a16:creationId xmlns:a16="http://schemas.microsoft.com/office/drawing/2014/main" id="{6E36B47D-894D-4A34-B340-5427D0D54636}"/>
+              </a:ext>
+            </a:extLst>
+          </p:cNvPr>
+          <p:cNvSpPr>
+            <a:spLocks noGrp="1"/>
+          </p:cNvSpPr>
+          <p:nvPr>
+            <p:ph type="title"/>
+          </p:nvPr>
+        </p:nvSpPr>
+        <p:spPr/>
+        <p:txBody>
+          <a:bodyPr/>
+          <a:lstStyle/>
+          <a:p>
+            <a:r>
+              <a:rPr lang="en-US" dirty="0" err="1"/>
+              <a:t>Aufgaben</a:t>
+            </a:r>
+            <a:r>
+              <a:rPr lang="en-US" dirty="0"/>
+              <a:t> </a:t>
+            </a:r>
+            <a:r>
+              <a:rPr lang="en-US" dirty="0" err="1"/>
+              <a:t>eines</a:t>
+            </a:r>
+            <a:r>
+              <a:rPr lang="en-US" dirty="0"/>
+              <a:t> </a:t>
+            </a:r>
+            <a:r>
+              <a:rPr lang="en-US" dirty="0" err="1"/>
+              <a:t>Wanderführers</a:t>
+            </a:r>
+            <a:br>
+              <a:rPr lang="en-US" dirty="0"/>
+            </a:br>
+            <a:endParaRPr lang="en-US" dirty="0"/>
+          </a:p>
+        </p:txBody>
+      </p:sp>
+      <p:sp>
+        <p:nvSpPr>
+          <p:cNvPr id="3" name="Content Placeholder 2">
+            <a:extLst>
+              <a:ext uri="{FF2B5EF4-FFF2-40B4-BE49-F238E27FC236}">
+                <a16:creationId xmlns:a16="http://schemas.microsoft.com/office/drawing/2014/main" id="{2DD3CF87-E897-452A-8D9B-61C8EA03CD8A}"/>
+              </a:ext>
+            </a:extLst>
+          </p:cNvPr>
+          <p:cNvSpPr>
+            <a:spLocks noGrp="1"/>
+          </p:cNvSpPr>
+          <p:nvPr>
+            <p:ph idx="1"/>
+          </p:nvPr>
+        </p:nvSpPr>
+        <p:spPr/>
+        <p:txBody>
+          <a:bodyPr/>
+          <a:lstStyle/>
+          <a:p>
+            <a:r>
+              <a:rPr lang="en-US" dirty="0" err="1"/>
+              <a:t>interessante</a:t>
+            </a:r>
+            <a:r>
+              <a:rPr lang="en-US" dirty="0"/>
+              <a:t> und informative </a:t>
+            </a:r>
+            <a:r>
+              <a:rPr lang="en-US" dirty="0" err="1"/>
+              <a:t>Gestaltung</a:t>
+            </a:r>
+            <a:r>
+              <a:rPr lang="en-US" dirty="0"/>
+              <a:t> der </a:t>
+            </a:r>
+            <a:r>
+              <a:rPr lang="en-US" dirty="0" err="1"/>
+              <a:t>Touren</a:t>
+            </a:r>
+            <a:endParaRPr lang="en-US" dirty="0"/>
+          </a:p>
+          <a:p>
+            <a:r>
+              <a:rPr lang="en-US" dirty="0" err="1"/>
+              <a:t>detailliertes</a:t>
+            </a:r>
+            <a:r>
+              <a:rPr lang="en-US" dirty="0"/>
+              <a:t> </a:t>
+            </a:r>
+            <a:r>
+              <a:rPr lang="en-US" dirty="0" err="1"/>
+              <a:t>Wissen</a:t>
+            </a:r>
+            <a:r>
+              <a:rPr lang="en-US" dirty="0"/>
+              <a:t> </a:t>
+            </a:r>
+            <a:r>
+              <a:rPr lang="en-US" dirty="0" err="1"/>
+              <a:t>über</a:t>
+            </a:r>
+            <a:r>
+              <a:rPr lang="en-US" dirty="0"/>
+              <a:t> </a:t>
+            </a:r>
+            <a:r>
+              <a:rPr lang="en-US" dirty="0" err="1"/>
+              <a:t>einzelne</a:t>
+            </a:r>
+            <a:r>
+              <a:rPr lang="en-US" dirty="0"/>
+              <a:t> </a:t>
+            </a:r>
+            <a:r>
+              <a:rPr lang="en-US" dirty="0" err="1"/>
+              <a:t>Wege</a:t>
+            </a:r>
+            <a:endParaRPr lang="en-US" dirty="0"/>
+          </a:p>
+          <a:p>
+            <a:r>
+              <a:rPr lang="en-US" dirty="0" err="1"/>
+              <a:t>Wettereinschätzung</a:t>
+            </a:r>
+            <a:endParaRPr lang="en-US" dirty="0"/>
+          </a:p>
+          <a:p>
+            <a:r>
+              <a:rPr lang="en-US" dirty="0" err="1"/>
+              <a:t>Wissen</a:t>
+            </a:r>
+            <a:r>
+              <a:rPr lang="en-US" dirty="0"/>
+              <a:t> </a:t>
+            </a:r>
+            <a:r>
+              <a:rPr lang="en-US" dirty="0" err="1"/>
+              <a:t>über</a:t>
+            </a:r>
+            <a:r>
+              <a:rPr lang="en-US" dirty="0"/>
+              <a:t> Flora und Fauna</a:t>
+            </a:r>
+          </a:p>
+          <a:p>
+            <a:r>
+              <a:rPr lang="en-US" dirty="0" err="1"/>
+              <a:t>interessante</a:t>
+            </a:r>
+            <a:r>
+              <a:rPr lang="en-US" dirty="0"/>
+              <a:t> </a:t>
+            </a:r>
+            <a:r>
+              <a:rPr lang="en-US" dirty="0" err="1"/>
+              <a:t>Dorfgeschichten</a:t>
+            </a:r>
+            <a:endParaRPr lang="en-US" dirty="0"/>
+          </a:p>
+          <a:p>
+            <a:r>
+              <a:rPr lang="en-US" dirty="0" err="1"/>
+              <a:t>Sicherheit</a:t>
+            </a:r>
+            <a:r>
+              <a:rPr lang="en-US" dirty="0"/>
+              <a:t> </a:t>
+            </a:r>
+            <a:r>
+              <a:rPr lang="en-US" dirty="0" err="1"/>
+              <a:t>gewährleisten</a:t>
+            </a:r>
+            <a:endParaRPr lang="en-US" dirty="0"/>
+          </a:p>
+          <a:p>
+            <a:r>
+              <a:rPr lang="en-US" dirty="0" err="1"/>
+              <a:t>Kartekunde</a:t>
+            </a:r>
+            <a:endParaRPr lang="en-US" dirty="0"/>
+          </a:p>
+          <a:p>
+            <a:r>
+              <a:rPr lang="en-US" dirty="0" err="1"/>
+              <a:t>mit</a:t>
+            </a:r>
+            <a:r>
+              <a:rPr lang="en-US" dirty="0"/>
+              <a:t> der </a:t>
+            </a:r>
+            <a:r>
+              <a:rPr lang="en-US" dirty="0" err="1"/>
+              <a:t>Nutzung</a:t>
+            </a:r>
+            <a:r>
+              <a:rPr lang="en-US" dirty="0"/>
+              <a:t> </a:t>
+            </a:r>
+            <a:r>
+              <a:rPr lang="en-US" dirty="0" err="1"/>
+              <a:t>eines</a:t>
+            </a:r>
+            <a:r>
+              <a:rPr lang="en-US" dirty="0"/>
+              <a:t> GPS-</a:t>
+            </a:r>
+            <a:r>
+              <a:rPr lang="en-US" dirty="0" err="1"/>
+              <a:t>Geräts</a:t>
+            </a:r>
+            <a:r>
+              <a:rPr lang="en-US" dirty="0"/>
+              <a:t> </a:t>
+            </a:r>
+            <a:r>
+              <a:rPr lang="en-US" dirty="0" err="1"/>
+              <a:t>vertraut</a:t>
+            </a:r>
+            <a:endParaRPr lang="en-US" dirty="0"/>
+          </a:p>
+          <a:p>
+            <a:r>
+              <a:rPr lang="en-US" dirty="0" err="1"/>
+              <a:t>Umgang</a:t>
+            </a:r>
+            <a:r>
+              <a:rPr lang="en-US" dirty="0"/>
+              <a:t> </a:t>
+            </a:r>
+            <a:r>
+              <a:rPr lang="en-US" dirty="0" err="1"/>
+              <a:t>mit</a:t>
+            </a:r>
+            <a:r>
+              <a:rPr lang="en-US" dirty="0"/>
+              <a:t> </a:t>
+            </a:r>
+            <a:r>
+              <a:rPr lang="en-US" dirty="0" err="1"/>
+              <a:t>Notsituation</a:t>
+            </a:r>
+            <a:r>
+              <a:rPr lang="en-US" dirty="0"/>
+              <a:t> + </a:t>
+            </a:r>
+            <a:r>
+              <a:rPr lang="en-US" dirty="0" err="1"/>
+              <a:t>erste</a:t>
+            </a:r>
+            <a:r>
+              <a:rPr lang="en-US" dirty="0"/>
+              <a:t> </a:t>
+            </a:r>
+            <a:r>
+              <a:rPr lang="en-US" dirty="0" err="1"/>
+              <a:t>Hilfe</a:t>
+            </a:r>
+            <a:endParaRPr lang="en-US" dirty="0"/>
+          </a:p>
+        </p:txBody>
+      </p:sp>
+      <p:sp>
+        <p:nvSpPr>
+          <p:cNvPr id="4" name="Date Placeholder 3">
+            <a:extLst>
+              <a:ext uri="{FF2B5EF4-FFF2-40B4-BE49-F238E27FC236}">
+                <a16:creationId xmlns:a16="http://schemas.microsoft.com/office/drawing/2014/main" id="{41E0B3D4-E200-4541-85BE-E80DCE88DEBC}"/>
+              </a:ext>
+            </a:extLst>
+          </p:cNvPr>
+          <p:cNvSpPr>
+            <a:spLocks noGrp="1"/>
+          </p:cNvSpPr>
+          <p:nvPr>
+            <p:ph type="dt" sz="half" idx="10"/>
+          </p:nvPr>
+        </p:nvSpPr>
+        <p:spPr/>
+        <p:txBody>
+          <a:bodyPr/>
+          <a:lstStyle/>
+          <a:p>
+            <a:fld id="{BBFE0E78-BD63-486A-A840-5A82EE4DABDC}" type="datetime1">
+              <a:rPr lang="de-DE" smtClean="0"/>
+              <a:t>12.09.2020</a:t>
+            </a:fld>
+            <a:endParaRPr lang="en-US"/>
+          </a:p>
+        </p:txBody>
+      </p:sp>
+    </p:spTree>
+    <p:extLst>
+      <p:ext uri="{BB962C8B-B14F-4D97-AF65-F5344CB8AC3E}">
+        <p14:creationId xmlns:p14="http://schemas.microsoft.com/office/powerpoint/2010/main" val="3398674882"/>
+      </p:ext>
+    </p:extLst>
+  </p:cSld>
+  <p:clrMapOvr>
+    <a:masterClrMapping/>
+  </p:clrMapOvr>
+</p:sld>
+</file>
+
+<file path=ppt/slides/slide5.xml><?xml version="1.0" encoding="utf-8"?>
+<p:sld xmlns:a="http://schemas.openxmlformats.org/drawingml/2006/main" xmlns:r="http://schemas.openxmlformats.org/officeDocument/2006/relationships" xmlns:p="http://schemas.openxmlformats.org/presentationml/2006/main">
+  <p:cSld>
+    <p:spTree>
+      <p:nvGrpSpPr>
+        <p:cNvPr id="1" name=""/>
+        <p:cNvGrpSpPr/>
+        <p:nvPr/>
+      </p:nvGrpSpPr>
+      <p:grpSpPr>
+        <a:xfrm>
+          <a:off x="0" y="0"/>
+          <a:ext cx="0" cy="0"/>
+          <a:chOff x="0" y="0"/>
+          <a:chExt cx="0" cy="0"/>
+        </a:xfrm>
+      </p:grpSpPr>
+      <p:sp>
+        <p:nvSpPr>
+          <p:cNvPr id="2" name="Title 1">
+            <a:extLst>
+              <a:ext uri="{FF2B5EF4-FFF2-40B4-BE49-F238E27FC236}">
+                <a16:creationId xmlns:a16="http://schemas.microsoft.com/office/drawing/2014/main" id="{346DA9A8-E6DA-4BBF-9FB9-2D0992170162}"/>
+              </a:ext>
+            </a:extLst>
+          </p:cNvPr>
+          <p:cNvSpPr>
+            <a:spLocks noGrp="1"/>
+          </p:cNvSpPr>
+          <p:nvPr>
+            <p:ph type="title"/>
+          </p:nvPr>
+        </p:nvSpPr>
+        <p:spPr/>
+        <p:txBody>
+          <a:bodyPr/>
+          <a:lstStyle/>
+          <a:p>
+            <a:r>
+              <a:rPr lang="en-US" dirty="0" err="1"/>
+              <a:t>Hauenstein</a:t>
+            </a:r>
+            <a:endParaRPr lang="en-US" dirty="0"/>
+          </a:p>
+        </p:txBody>
+      </p:sp>
+      <p:sp>
+        <p:nvSpPr>
+          <p:cNvPr id="3" name="Content Placeholder 2">
+            <a:extLst>
+              <a:ext uri="{FF2B5EF4-FFF2-40B4-BE49-F238E27FC236}">
+                <a16:creationId xmlns:a16="http://schemas.microsoft.com/office/drawing/2014/main" id="{2993BEAE-C6FC-4334-8C59-AB03632C63C3}"/>
+              </a:ext>
+            </a:extLst>
+          </p:cNvPr>
+          <p:cNvSpPr>
+            <a:spLocks noGrp="1"/>
+          </p:cNvSpPr>
+          <p:nvPr>
+            <p:ph idx="1"/>
+          </p:nvPr>
+        </p:nvSpPr>
+        <p:spPr>
+          <a:xfrm>
+            <a:off x="593320" y="6444386"/>
+            <a:ext cx="8596668" cy="365125"/>
+          </a:xfrm>
+        </p:spPr>
+        <p:txBody>
+          <a:bodyPr>
+            <a:normAutofit lnSpcReduction="10000"/>
+          </a:bodyPr>
+          <a:lstStyle/>
+          <a:p>
+            <a:pPr marL="0" indent="0">
+              <a:buNone/>
+            </a:pPr>
+            <a:r>
+              <a:rPr lang="en-US" dirty="0"/>
+              <a:t>https://www.google.com/maps</a:t>
+            </a:r>
+          </a:p>
+        </p:txBody>
+      </p:sp>
+      <p:sp>
+        <p:nvSpPr>
+          <p:cNvPr id="4" name="Date Placeholder 3">
+            <a:extLst>
+              <a:ext uri="{FF2B5EF4-FFF2-40B4-BE49-F238E27FC236}">
+                <a16:creationId xmlns:a16="http://schemas.microsoft.com/office/drawing/2014/main" id="{DE37B9A3-0F35-4331-9CF4-7C8C418C9074}"/>
+              </a:ext>
+            </a:extLst>
+          </p:cNvPr>
+          <p:cNvSpPr>
+            <a:spLocks noGrp="1"/>
+          </p:cNvSpPr>
+          <p:nvPr>
+            <p:ph type="dt" sz="half" idx="10"/>
+          </p:nvPr>
+        </p:nvSpPr>
+        <p:spPr/>
+        <p:txBody>
+          <a:bodyPr/>
+          <a:lstStyle/>
+          <a:p>
+            <a:fld id="{BBFE0E78-BD63-486A-A840-5A82EE4DABDC}" type="datetime1">
+              <a:rPr lang="de-DE" smtClean="0"/>
+              <a:t>12.09.2020</a:t>
+            </a:fld>
+            <a:endParaRPr lang="en-US"/>
+          </a:p>
+        </p:txBody>
+      </p:sp>
+      <p:sp>
+        <p:nvSpPr>
+          <p:cNvPr id="5" name="Date Placeholder 3">
+            <a:extLst>
+              <a:ext uri="{FF2B5EF4-FFF2-40B4-BE49-F238E27FC236}">
+                <a16:creationId xmlns:a16="http://schemas.microsoft.com/office/drawing/2014/main" id="{F036473C-832A-401F-BE2D-60EF28E22C6E}"/>
+              </a:ext>
+            </a:extLst>
+          </p:cNvPr>
+          <p:cNvSpPr txBox="1">
+            <a:spLocks/>
+          </p:cNvSpPr>
+          <p:nvPr/>
+        </p:nvSpPr>
+        <p:spPr>
+          <a:xfrm>
+            <a:off x="677334" y="231051"/>
+            <a:ext cx="1071566" cy="378549"/>
+          </a:xfrm>
+          <a:prstGeom prst="rect">
+            <a:avLst/>
+          </a:prstGeom>
+        </p:spPr>
+        <p:txBody>
+          <a:bodyPr vert="horz" lIns="91440" tIns="45720" rIns="91440" bIns="45720" rtlCol="0" anchor="ctr"/>
+          <a:lstStyle>
+            <a:defPPr>
+              <a:defRPr lang="en-US"/>
+            </a:defPPr>
+            <a:lvl1pPr marL="0" algn="r" defTabSz="457200" rtl="0" eaLnBrk="1" latinLnBrk="0" hangingPunct="1">
+              <a:defRPr sz="900" kern="1200">
+                <a:solidFill>
+                  <a:schemeClr val="tx1">
+                    <a:tint val="75000"/>
+                  </a:schemeClr>
+                </a:solidFill>
+                <a:latin typeface="+mn-lt"/>
+                <a:ea typeface="+mn-ea"/>
+                <a:cs typeface="+mn-cs"/>
+              </a:defRPr>
+            </a:lvl1pPr>
+            <a:lvl2pPr marL="457200" algn="l" defTabSz="457200" rtl="0" eaLnBrk="1" latinLnBrk="0" hangingPunct="1">
+              <a:defRPr sz="1800" kern="1200">
+                <a:solidFill>
+                  <a:schemeClr val="tx1"/>
+                </a:solidFill>
+                <a:latin typeface="+mn-lt"/>
+                <a:ea typeface="+mn-ea"/>
+                <a:cs typeface="+mn-cs"/>
+              </a:defRPr>
+            </a:lvl2pPr>
+            <a:lvl3pPr marL="914400" algn="l" defTabSz="457200" rtl="0" eaLnBrk="1" latinLnBrk="0" hangingPunct="1">
+              <a:defRPr sz="1800" kern="1200">
+                <a:solidFill>
+                  <a:schemeClr val="tx1"/>
+                </a:solidFill>
+                <a:latin typeface="+mn-lt"/>
+                <a:ea typeface="+mn-ea"/>
+                <a:cs typeface="+mn-cs"/>
+              </a:defRPr>
+            </a:lvl3pPr>
+            <a:lvl4pPr marL="1371600" algn="l" defTabSz="457200" rtl="0" eaLnBrk="1" latinLnBrk="0" hangingPunct="1">
+              <a:defRPr sz="1800" kern="1200">
+                <a:solidFill>
+                  <a:schemeClr val="tx1"/>
+                </a:solidFill>
+                <a:latin typeface="+mn-lt"/>
+                <a:ea typeface="+mn-ea"/>
+                <a:cs typeface="+mn-cs"/>
+              </a:defRPr>
+            </a:lvl4pPr>
+            <a:lvl5pPr marL="1828800" algn="l" defTabSz="457200" rtl="0" eaLnBrk="1" latinLnBrk="0" hangingPunct="1">
+              <a:defRPr sz="1800" kern="1200">
+                <a:solidFill>
+                  <a:schemeClr val="tx1"/>
+                </a:solidFill>
+                <a:latin typeface="+mn-lt"/>
+                <a:ea typeface="+mn-ea"/>
+                <a:cs typeface="+mn-cs"/>
+              </a:defRPr>
+            </a:lvl5pPr>
+            <a:lvl6pPr marL="2286000" algn="l" defTabSz="457200" rtl="0" eaLnBrk="1" latinLnBrk="0" hangingPunct="1">
+              <a:defRPr sz="1800" kern="1200">
+                <a:solidFill>
+                  <a:schemeClr val="tx1"/>
+                </a:solidFill>
+                <a:latin typeface="+mn-lt"/>
+                <a:ea typeface="+mn-ea"/>
+                <a:cs typeface="+mn-cs"/>
+              </a:defRPr>
+            </a:lvl6pPr>
+            <a:lvl7pPr marL="2743200" algn="l" defTabSz="457200" rtl="0" eaLnBrk="1" latinLnBrk="0" hangingPunct="1">
+              <a:defRPr sz="1800" kern="1200">
+                <a:solidFill>
+                  <a:schemeClr val="tx1"/>
+                </a:solidFill>
+                <a:latin typeface="+mn-lt"/>
+                <a:ea typeface="+mn-ea"/>
+                <a:cs typeface="+mn-cs"/>
+              </a:defRPr>
+            </a:lvl7pPr>
+            <a:lvl8pPr marL="3200400" algn="l" defTabSz="457200" rtl="0" eaLnBrk="1" latinLnBrk="0" hangingPunct="1">
+              <a:defRPr sz="1800" kern="1200">
+                <a:solidFill>
+                  <a:schemeClr val="tx1"/>
+                </a:solidFill>
+                <a:latin typeface="+mn-lt"/>
+                <a:ea typeface="+mn-ea"/>
+                <a:cs typeface="+mn-cs"/>
+              </a:defRPr>
+            </a:lvl8pPr>
+            <a:lvl9pPr marL="3657600" algn="l" defTabSz="457200" rtl="0" eaLnBrk="1" latinLnBrk="0" hangingPunct="1">
+              <a:defRPr sz="1800" kern="1200">
+                <a:solidFill>
+                  <a:schemeClr val="tx1"/>
+                </a:solidFill>
+                <a:latin typeface="+mn-lt"/>
+                <a:ea typeface="+mn-ea"/>
+                <a:cs typeface="+mn-cs"/>
+              </a:defRPr>
+            </a:lvl9pPr>
+          </a:lstStyle>
+          <a:p>
+            <a:r>
+              <a:rPr lang="de-DE" sz="1400" dirty="0"/>
+              <a:t>11.09.2020</a:t>
+            </a:r>
+            <a:endParaRPr lang="en-US" dirty="0"/>
+          </a:p>
+        </p:txBody>
+      </p:sp>
+      <p:sp>
+        <p:nvSpPr>
+          <p:cNvPr id="6" name="Date Placeholder 3">
+            <a:extLst>
+              <a:ext uri="{FF2B5EF4-FFF2-40B4-BE49-F238E27FC236}">
+                <a16:creationId xmlns:a16="http://schemas.microsoft.com/office/drawing/2014/main" id="{7E260309-A1E2-476D-B5B2-FD197A21B046}"/>
+              </a:ext>
+            </a:extLst>
+          </p:cNvPr>
+          <p:cNvSpPr txBox="1">
+            <a:spLocks/>
+          </p:cNvSpPr>
+          <p:nvPr/>
+        </p:nvSpPr>
+        <p:spPr>
+          <a:xfrm>
+            <a:off x="1824033" y="231050"/>
+            <a:ext cx="5713108" cy="378549"/>
+          </a:xfrm>
+          <a:prstGeom prst="rect">
+            <a:avLst/>
+          </a:prstGeom>
+        </p:spPr>
+        <p:txBody>
+          <a:bodyPr vert="horz" lIns="91440" tIns="45720" rIns="91440" bIns="45720" rtlCol="0" anchor="ctr"/>
+          <a:lstStyle>
+            <a:defPPr>
+              <a:defRPr lang="en-US"/>
+            </a:defPPr>
+            <a:lvl1pPr marL="0" algn="r" defTabSz="457200" rtl="0" eaLnBrk="1" latinLnBrk="0" hangingPunct="1">
+              <a:defRPr sz="900" kern="1200">
+                <a:solidFill>
+                  <a:schemeClr val="tx1">
+                    <a:tint val="75000"/>
+                  </a:schemeClr>
+                </a:solidFill>
+                <a:latin typeface="+mn-lt"/>
+                <a:ea typeface="+mn-ea"/>
+                <a:cs typeface="+mn-cs"/>
+              </a:defRPr>
+            </a:lvl1pPr>
+            <a:lvl2pPr marL="457200" algn="l" defTabSz="457200" rtl="0" eaLnBrk="1" latinLnBrk="0" hangingPunct="1">
+              <a:defRPr sz="1800" kern="1200">
+                <a:solidFill>
+                  <a:schemeClr val="tx1"/>
+                </a:solidFill>
+                <a:latin typeface="+mn-lt"/>
+                <a:ea typeface="+mn-ea"/>
+                <a:cs typeface="+mn-cs"/>
+              </a:defRPr>
+            </a:lvl2pPr>
+            <a:lvl3pPr marL="914400" algn="l" defTabSz="457200" rtl="0" eaLnBrk="1" latinLnBrk="0" hangingPunct="1">
+              <a:defRPr sz="1800" kern="1200">
+                <a:solidFill>
+                  <a:schemeClr val="tx1"/>
+                </a:solidFill>
+                <a:latin typeface="+mn-lt"/>
+                <a:ea typeface="+mn-ea"/>
+                <a:cs typeface="+mn-cs"/>
+              </a:defRPr>
+            </a:lvl3pPr>
+            <a:lvl4pPr marL="1371600" algn="l" defTabSz="457200" rtl="0" eaLnBrk="1" latinLnBrk="0" hangingPunct="1">
+              <a:defRPr sz="1800" kern="1200">
+                <a:solidFill>
+                  <a:schemeClr val="tx1"/>
+                </a:solidFill>
+                <a:latin typeface="+mn-lt"/>
+                <a:ea typeface="+mn-ea"/>
+                <a:cs typeface="+mn-cs"/>
+              </a:defRPr>
+            </a:lvl4pPr>
+            <a:lvl5pPr marL="1828800" algn="l" defTabSz="457200" rtl="0" eaLnBrk="1" latinLnBrk="0" hangingPunct="1">
+              <a:defRPr sz="1800" kern="1200">
+                <a:solidFill>
+                  <a:schemeClr val="tx1"/>
+                </a:solidFill>
+                <a:latin typeface="+mn-lt"/>
+                <a:ea typeface="+mn-ea"/>
+                <a:cs typeface="+mn-cs"/>
+              </a:defRPr>
+            </a:lvl5pPr>
+            <a:lvl6pPr marL="2286000" algn="l" defTabSz="457200" rtl="0" eaLnBrk="1" latinLnBrk="0" hangingPunct="1">
+              <a:defRPr sz="1800" kern="1200">
+                <a:solidFill>
+                  <a:schemeClr val="tx1"/>
+                </a:solidFill>
+                <a:latin typeface="+mn-lt"/>
+                <a:ea typeface="+mn-ea"/>
+                <a:cs typeface="+mn-cs"/>
+              </a:defRPr>
+            </a:lvl6pPr>
+            <a:lvl7pPr marL="2743200" algn="l" defTabSz="457200" rtl="0" eaLnBrk="1" latinLnBrk="0" hangingPunct="1">
+              <a:defRPr sz="1800" kern="1200">
+                <a:solidFill>
+                  <a:schemeClr val="tx1"/>
+                </a:solidFill>
+                <a:latin typeface="+mn-lt"/>
+                <a:ea typeface="+mn-ea"/>
+                <a:cs typeface="+mn-cs"/>
+              </a:defRPr>
+            </a:lvl7pPr>
+            <a:lvl8pPr marL="3200400" algn="l" defTabSz="457200" rtl="0" eaLnBrk="1" latinLnBrk="0" hangingPunct="1">
+              <a:defRPr sz="1800" kern="1200">
+                <a:solidFill>
+                  <a:schemeClr val="tx1"/>
+                </a:solidFill>
+                <a:latin typeface="+mn-lt"/>
+                <a:ea typeface="+mn-ea"/>
+                <a:cs typeface="+mn-cs"/>
+              </a:defRPr>
+            </a:lvl8pPr>
+            <a:lvl9pPr marL="3657600" algn="l" defTabSz="457200" rtl="0" eaLnBrk="1" latinLnBrk="0" hangingPunct="1">
+              <a:defRPr sz="1800" kern="1200">
+                <a:solidFill>
+                  <a:schemeClr val="tx1"/>
+                </a:solidFill>
+                <a:latin typeface="+mn-lt"/>
+                <a:ea typeface="+mn-ea"/>
+                <a:cs typeface="+mn-cs"/>
+              </a:defRPr>
+            </a:lvl9pPr>
+          </a:lstStyle>
+          <a:p>
+            <a:r>
+              <a:rPr lang="de-DE" sz="1400" dirty="0"/>
+              <a:t>Veronika Taranek, Philipp </a:t>
+            </a:r>
+            <a:r>
+              <a:rPr lang="de-DE" sz="1400" dirty="0" err="1"/>
+              <a:t>Fenesan</a:t>
+            </a:r>
+            <a:r>
+              <a:rPr lang="de-DE" sz="1400" dirty="0"/>
+              <a:t>, Nicolas Geppert, Lukas Werner</a:t>
+            </a:r>
+            <a:endParaRPr lang="en-US" dirty="0"/>
+          </a:p>
+        </p:txBody>
+      </p:sp>
+      <p:pic>
+        <p:nvPicPr>
+          <p:cNvPr id="7" name="Picture 6">
+            <a:extLst>
+              <a:ext uri="{FF2B5EF4-FFF2-40B4-BE49-F238E27FC236}">
+                <a16:creationId xmlns:a16="http://schemas.microsoft.com/office/drawing/2014/main" id="{0DB237FB-5038-46D4-B09A-E13FC7D818C7}"/>
+              </a:ext>
+            </a:extLst>
+          </p:cNvPr>
+          <p:cNvPicPr>
+            <a:picLocks noChangeAspect="1"/>
+          </p:cNvPicPr>
+          <p:nvPr/>
+        </p:nvPicPr>
+        <p:blipFill>
+          <a:blip r:embed="rId3"/>
+          <a:stretch>
+            <a:fillRect/>
+          </a:stretch>
+        </p:blipFill>
+        <p:spPr>
+          <a:xfrm>
+            <a:off x="677333" y="1369897"/>
+            <a:ext cx="6527799" cy="4928006"/>
+          </a:xfrm>
+          <a:prstGeom prst="rect">
+            <a:avLst/>
+          </a:prstGeom>
+        </p:spPr>
+      </p:pic>
+    </p:spTree>
+    <p:extLst>
+      <p:ext uri="{BB962C8B-B14F-4D97-AF65-F5344CB8AC3E}">
+        <p14:creationId xmlns:p14="http://schemas.microsoft.com/office/powerpoint/2010/main" val="3984825457"/>
+      </p:ext>
+    </p:extLst>
+  </p:cSld>
+  <p:clrMapOvr>
+    <a:masterClrMapping/>
+  </p:clrMapOvr>
+</p:sld>
+</file>
+
+<file path=ppt/slides/slide6.xml><?xml version="1.0" encoding="utf-8"?>
 <p:sld xmlns:a="http://schemas.openxmlformats.org/drawingml/2006/main" xmlns:r="http://schemas.openxmlformats.org/officeDocument/2006/relationships" xmlns:p="http://schemas.openxmlformats.org/presentationml/2006/main">
   <p:cSld>
     <p:spTree>
@@ -7299,7 +10585,7 @@
             <a:fld id="{5665C720-CFBA-4CD6-B44E-E52DA515AFF8}" type="datetime1">
               <a:rPr lang="de-DE" sz="1400" smtClean="0"/>
               <a:pPr/>
-              <a:t>11.09.2020</a:t>
+              <a:t>12.09.2020</a:t>
             </a:fld>
             <a:endParaRPr lang="en-US" dirty="0"/>
           </a:p>
@@ -7457,7 +10743,7 @@
 </p:sld>
 </file>
 
-<file path=ppt/slides/slide4.xml><?xml version="1.0" encoding="utf-8"?>
+<file path=ppt/slides/slide7.xml><?xml version="1.0" encoding="utf-8"?>
 <p:sld xmlns:a="http://schemas.openxmlformats.org/drawingml/2006/main" xmlns:r="http://schemas.openxmlformats.org/officeDocument/2006/relationships" xmlns:p="http://schemas.openxmlformats.org/presentationml/2006/main">
   <p:cSld>
     <p:spTree>
@@ -7994,7 +11280,7 @@
             <a:fld id="{5665C720-CFBA-4CD6-B44E-E52DA515AFF8}" type="datetime1">
               <a:rPr lang="de-DE" sz="1400" smtClean="0"/>
               <a:pPr/>
-              <a:t>11.09.2020</a:t>
+              <a:t>12.09.2020</a:t>
             </a:fld>
             <a:endParaRPr lang="en-US" dirty="0"/>
           </a:p>
@@ -8152,7 +11438,7 @@
 </p:sld>
 </file>
 
-<file path=ppt/slides/slide5.xml><?xml version="1.0" encoding="utf-8"?>
+<file path=ppt/slides/slide8.xml><?xml version="1.0" encoding="utf-8"?>
 <p:sld xmlns:a="http://schemas.openxmlformats.org/drawingml/2006/main" xmlns:r="http://schemas.openxmlformats.org/officeDocument/2006/relationships" xmlns:p="http://schemas.openxmlformats.org/presentationml/2006/main">
   <p:cSld>
     <p:spTree>
@@ -8362,7 +11648,7 @@
             <a:fld id="{5665C720-CFBA-4CD6-B44E-E52DA515AFF8}" type="datetime1">
               <a:rPr lang="de-DE" sz="1400" smtClean="0"/>
               <a:pPr/>
-              <a:t>11.09.2020</a:t>
+              <a:t>12.09.2020</a:t>
             </a:fld>
             <a:endParaRPr lang="en-US" dirty="0"/>
           </a:p>
@@ -8520,7 +11806,7 @@
 </p:sld>
 </file>
 
-<file path=ppt/slides/slide6.xml><?xml version="1.0" encoding="utf-8"?>
+<file path=ppt/slides/slide9.xml><?xml version="1.0" encoding="utf-8"?>
 <p:sld xmlns:a="http://schemas.openxmlformats.org/drawingml/2006/main" xmlns:r="http://schemas.openxmlformats.org/officeDocument/2006/relationships" xmlns:p="http://schemas.openxmlformats.org/presentationml/2006/main">
   <p:cSld>
     <p:spTree>
@@ -9251,7 +12537,7 @@
             <a:fld id="{5665C720-CFBA-4CD6-B44E-E52DA515AFF8}" type="datetime1">
               <a:rPr lang="de-DE" sz="1400" smtClean="0"/>
               <a:pPr/>
-              <a:t>11.09.2020</a:t>
+              <a:t>12.09.2020</a:t>
             </a:fld>
             <a:endParaRPr lang="en-US" dirty="0"/>
           </a:p>
@@ -9979,1560 +13265,6 @@
 </p:sld>
 </file>
 
-<file path=ppt/slides/slide7.xml><?xml version="1.0" encoding="utf-8"?>
-<p:sld xmlns:a="http://schemas.openxmlformats.org/drawingml/2006/main" xmlns:r="http://schemas.openxmlformats.org/officeDocument/2006/relationships" xmlns:p="http://schemas.openxmlformats.org/presentationml/2006/main">
-  <p:cSld>
-    <p:spTree>
-      <p:nvGrpSpPr>
-        <p:cNvPr id="1" name=""/>
-        <p:cNvGrpSpPr/>
-        <p:nvPr/>
-      </p:nvGrpSpPr>
-      <p:grpSpPr>
-        <a:xfrm>
-          <a:off x="0" y="0"/>
-          <a:ext cx="0" cy="0"/>
-          <a:chOff x="0" y="0"/>
-          <a:chExt cx="0" cy="0"/>
-        </a:xfrm>
-      </p:grpSpPr>
-      <p:sp>
-        <p:nvSpPr>
-          <p:cNvPr id="2" name="Title 1">
-            <a:extLst>
-              <a:ext uri="{FF2B5EF4-FFF2-40B4-BE49-F238E27FC236}">
-                <a16:creationId xmlns:a16="http://schemas.microsoft.com/office/drawing/2014/main" id="{8E1C6C46-E723-4487-8FAA-27EA8E6D921A}"/>
-              </a:ext>
-            </a:extLst>
-          </p:cNvPr>
-          <p:cNvSpPr>
-            <a:spLocks noGrp="1"/>
-          </p:cNvSpPr>
-          <p:nvPr>
-            <p:ph type="title"/>
-          </p:nvPr>
-        </p:nvSpPr>
-        <p:spPr/>
-        <p:txBody>
-          <a:bodyPr/>
-          <a:lstStyle/>
-          <a:p>
-            <a:r>
-              <a:rPr lang="en-US" dirty="0"/>
-              <a:t>App-Demo	</a:t>
-            </a:r>
-          </a:p>
-        </p:txBody>
-      </p:sp>
-      <p:sp>
-        <p:nvSpPr>
-          <p:cNvPr id="3" name="Text Placeholder 2">
-            <a:extLst>
-              <a:ext uri="{FF2B5EF4-FFF2-40B4-BE49-F238E27FC236}">
-                <a16:creationId xmlns:a16="http://schemas.microsoft.com/office/drawing/2014/main" id="{4D0F4875-D43D-43C5-8207-AF4354D75E62}"/>
-              </a:ext>
-            </a:extLst>
-          </p:cNvPr>
-          <p:cNvSpPr>
-            <a:spLocks noGrp="1"/>
-          </p:cNvSpPr>
-          <p:nvPr>
-            <p:ph type="body" idx="1"/>
-          </p:nvPr>
-        </p:nvSpPr>
-        <p:spPr/>
-        <p:txBody>
-          <a:bodyPr/>
-          <a:lstStyle/>
-          <a:p>
-            <a:r>
-              <a:rPr lang="en-US" dirty="0"/>
-              <a:t>So </a:t>
-            </a:r>
-            <a:r>
-              <a:rPr lang="en-US" dirty="0" err="1"/>
-              <a:t>sieht</a:t>
-            </a:r>
-            <a:r>
-              <a:rPr lang="en-US" dirty="0"/>
-              <a:t> das </a:t>
-            </a:r>
-            <a:r>
-              <a:rPr lang="en-US" dirty="0" err="1"/>
-              <a:t>Ergebnis</a:t>
-            </a:r>
-            <a:r>
-              <a:rPr lang="en-US" dirty="0"/>
-              <a:t> </a:t>
-            </a:r>
-            <a:r>
-              <a:rPr lang="en-US" dirty="0" err="1"/>
-              <a:t>aus</a:t>
-            </a:r>
-            <a:endParaRPr lang="en-US" dirty="0"/>
-          </a:p>
-        </p:txBody>
-      </p:sp>
-      <p:pic>
-        <p:nvPicPr>
-          <p:cNvPr id="4" name="Picture 3">
-            <a:extLst>
-              <a:ext uri="{FF2B5EF4-FFF2-40B4-BE49-F238E27FC236}">
-                <a16:creationId xmlns:a16="http://schemas.microsoft.com/office/drawing/2014/main" id="{EC34116E-A0C7-4056-9C3A-084E5F145011}"/>
-              </a:ext>
-            </a:extLst>
-          </p:cNvPr>
-          <p:cNvPicPr>
-            <a:picLocks noChangeAspect="1"/>
-          </p:cNvPicPr>
-          <p:nvPr/>
-        </p:nvPicPr>
-        <p:blipFill>
-          <a:blip r:embed="rId2"/>
-          <a:stretch>
-            <a:fillRect/>
-          </a:stretch>
-        </p:blipFill>
-        <p:spPr>
-          <a:xfrm>
-            <a:off x="4337644" y="692458"/>
-            <a:ext cx="3263854" cy="5932704"/>
-          </a:xfrm>
-          <a:prstGeom prst="rect">
-            <a:avLst/>
-          </a:prstGeom>
-        </p:spPr>
-      </p:pic>
-      <p:sp>
-        <p:nvSpPr>
-          <p:cNvPr id="6" name="Date Placeholder 3">
-            <a:extLst>
-              <a:ext uri="{FF2B5EF4-FFF2-40B4-BE49-F238E27FC236}">
-                <a16:creationId xmlns:a16="http://schemas.microsoft.com/office/drawing/2014/main" id="{BA3E6D44-C658-4213-A1F5-841F44285620}"/>
-              </a:ext>
-            </a:extLst>
-          </p:cNvPr>
-          <p:cNvSpPr txBox="1">
-            <a:spLocks/>
-          </p:cNvSpPr>
-          <p:nvPr/>
-        </p:nvSpPr>
-        <p:spPr>
-          <a:xfrm>
-            <a:off x="677334" y="231051"/>
-            <a:ext cx="1071566" cy="378549"/>
-          </a:xfrm>
-          <a:prstGeom prst="rect">
-            <a:avLst/>
-          </a:prstGeom>
-        </p:spPr>
-        <p:txBody>
-          <a:bodyPr vert="horz" lIns="91440" tIns="45720" rIns="91440" bIns="45720" rtlCol="0" anchor="ctr"/>
-          <a:lstStyle>
-            <a:defPPr>
-              <a:defRPr lang="en-US"/>
-            </a:defPPr>
-            <a:lvl1pPr marL="0" algn="r" defTabSz="457200" rtl="0" eaLnBrk="1" latinLnBrk="0" hangingPunct="1">
-              <a:defRPr sz="900" kern="1200">
-                <a:solidFill>
-                  <a:schemeClr val="tx1">
-                    <a:tint val="75000"/>
-                  </a:schemeClr>
-                </a:solidFill>
-                <a:latin typeface="+mn-lt"/>
-                <a:ea typeface="+mn-ea"/>
-                <a:cs typeface="+mn-cs"/>
-              </a:defRPr>
-            </a:lvl1pPr>
-            <a:lvl2pPr marL="457200" algn="l" defTabSz="457200" rtl="0" eaLnBrk="1" latinLnBrk="0" hangingPunct="1">
-              <a:defRPr sz="1800" kern="1200">
-                <a:solidFill>
-                  <a:schemeClr val="tx1"/>
-                </a:solidFill>
-                <a:latin typeface="+mn-lt"/>
-                <a:ea typeface="+mn-ea"/>
-                <a:cs typeface="+mn-cs"/>
-              </a:defRPr>
-            </a:lvl2pPr>
-            <a:lvl3pPr marL="914400" algn="l" defTabSz="457200" rtl="0" eaLnBrk="1" latinLnBrk="0" hangingPunct="1">
-              <a:defRPr sz="1800" kern="1200">
-                <a:solidFill>
-                  <a:schemeClr val="tx1"/>
-                </a:solidFill>
-                <a:latin typeface="+mn-lt"/>
-                <a:ea typeface="+mn-ea"/>
-                <a:cs typeface="+mn-cs"/>
-              </a:defRPr>
-            </a:lvl3pPr>
-            <a:lvl4pPr marL="1371600" algn="l" defTabSz="457200" rtl="0" eaLnBrk="1" latinLnBrk="0" hangingPunct="1">
-              <a:defRPr sz="1800" kern="1200">
-                <a:solidFill>
-                  <a:schemeClr val="tx1"/>
-                </a:solidFill>
-                <a:latin typeface="+mn-lt"/>
-                <a:ea typeface="+mn-ea"/>
-                <a:cs typeface="+mn-cs"/>
-              </a:defRPr>
-            </a:lvl4pPr>
-            <a:lvl5pPr marL="1828800" algn="l" defTabSz="457200" rtl="0" eaLnBrk="1" latinLnBrk="0" hangingPunct="1">
-              <a:defRPr sz="1800" kern="1200">
-                <a:solidFill>
-                  <a:schemeClr val="tx1"/>
-                </a:solidFill>
-                <a:latin typeface="+mn-lt"/>
-                <a:ea typeface="+mn-ea"/>
-                <a:cs typeface="+mn-cs"/>
-              </a:defRPr>
-            </a:lvl5pPr>
-            <a:lvl6pPr marL="2286000" algn="l" defTabSz="457200" rtl="0" eaLnBrk="1" latinLnBrk="0" hangingPunct="1">
-              <a:defRPr sz="1800" kern="1200">
-                <a:solidFill>
-                  <a:schemeClr val="tx1"/>
-                </a:solidFill>
-                <a:latin typeface="+mn-lt"/>
-                <a:ea typeface="+mn-ea"/>
-                <a:cs typeface="+mn-cs"/>
-              </a:defRPr>
-            </a:lvl6pPr>
-            <a:lvl7pPr marL="2743200" algn="l" defTabSz="457200" rtl="0" eaLnBrk="1" latinLnBrk="0" hangingPunct="1">
-              <a:defRPr sz="1800" kern="1200">
-                <a:solidFill>
-                  <a:schemeClr val="tx1"/>
-                </a:solidFill>
-                <a:latin typeface="+mn-lt"/>
-                <a:ea typeface="+mn-ea"/>
-                <a:cs typeface="+mn-cs"/>
-              </a:defRPr>
-            </a:lvl7pPr>
-            <a:lvl8pPr marL="3200400" algn="l" defTabSz="457200" rtl="0" eaLnBrk="1" latinLnBrk="0" hangingPunct="1">
-              <a:defRPr sz="1800" kern="1200">
-                <a:solidFill>
-                  <a:schemeClr val="tx1"/>
-                </a:solidFill>
-                <a:latin typeface="+mn-lt"/>
-                <a:ea typeface="+mn-ea"/>
-                <a:cs typeface="+mn-cs"/>
-              </a:defRPr>
-            </a:lvl8pPr>
-            <a:lvl9pPr marL="3657600" algn="l" defTabSz="457200" rtl="0" eaLnBrk="1" latinLnBrk="0" hangingPunct="1">
-              <a:defRPr sz="1800" kern="1200">
-                <a:solidFill>
-                  <a:schemeClr val="tx1"/>
-                </a:solidFill>
-                <a:latin typeface="+mn-lt"/>
-                <a:ea typeface="+mn-ea"/>
-                <a:cs typeface="+mn-cs"/>
-              </a:defRPr>
-            </a:lvl9pPr>
-          </a:lstStyle>
-          <a:p>
-            <a:fld id="{5665C720-CFBA-4CD6-B44E-E52DA515AFF8}" type="datetime1">
-              <a:rPr lang="de-DE" sz="1400" smtClean="0"/>
-              <a:pPr/>
-              <a:t>11.09.2020</a:t>
-            </a:fld>
-            <a:endParaRPr lang="en-US" dirty="0"/>
-          </a:p>
-        </p:txBody>
-      </p:sp>
-      <p:sp>
-        <p:nvSpPr>
-          <p:cNvPr id="7" name="Date Placeholder 3">
-            <a:extLst>
-              <a:ext uri="{FF2B5EF4-FFF2-40B4-BE49-F238E27FC236}">
-                <a16:creationId xmlns:a16="http://schemas.microsoft.com/office/drawing/2014/main" id="{CCE9FA8C-0217-4499-AC7E-9CD7B17667BB}"/>
-              </a:ext>
-            </a:extLst>
-          </p:cNvPr>
-          <p:cNvSpPr txBox="1">
-            <a:spLocks/>
-          </p:cNvSpPr>
-          <p:nvPr/>
-        </p:nvSpPr>
-        <p:spPr>
-          <a:xfrm>
-            <a:off x="1824033" y="231050"/>
-            <a:ext cx="5713108" cy="378549"/>
-          </a:xfrm>
-          <a:prstGeom prst="rect">
-            <a:avLst/>
-          </a:prstGeom>
-        </p:spPr>
-        <p:txBody>
-          <a:bodyPr vert="horz" lIns="91440" tIns="45720" rIns="91440" bIns="45720" rtlCol="0" anchor="ctr"/>
-          <a:lstStyle>
-            <a:defPPr>
-              <a:defRPr lang="en-US"/>
-            </a:defPPr>
-            <a:lvl1pPr marL="0" algn="r" defTabSz="457200" rtl="0" eaLnBrk="1" latinLnBrk="0" hangingPunct="1">
-              <a:defRPr sz="900" kern="1200">
-                <a:solidFill>
-                  <a:schemeClr val="tx1">
-                    <a:tint val="75000"/>
-                  </a:schemeClr>
-                </a:solidFill>
-                <a:latin typeface="+mn-lt"/>
-                <a:ea typeface="+mn-ea"/>
-                <a:cs typeface="+mn-cs"/>
-              </a:defRPr>
-            </a:lvl1pPr>
-            <a:lvl2pPr marL="457200" algn="l" defTabSz="457200" rtl="0" eaLnBrk="1" latinLnBrk="0" hangingPunct="1">
-              <a:defRPr sz="1800" kern="1200">
-                <a:solidFill>
-                  <a:schemeClr val="tx1"/>
-                </a:solidFill>
-                <a:latin typeface="+mn-lt"/>
-                <a:ea typeface="+mn-ea"/>
-                <a:cs typeface="+mn-cs"/>
-              </a:defRPr>
-            </a:lvl2pPr>
-            <a:lvl3pPr marL="914400" algn="l" defTabSz="457200" rtl="0" eaLnBrk="1" latinLnBrk="0" hangingPunct="1">
-              <a:defRPr sz="1800" kern="1200">
-                <a:solidFill>
-                  <a:schemeClr val="tx1"/>
-                </a:solidFill>
-                <a:latin typeface="+mn-lt"/>
-                <a:ea typeface="+mn-ea"/>
-                <a:cs typeface="+mn-cs"/>
-              </a:defRPr>
-            </a:lvl3pPr>
-            <a:lvl4pPr marL="1371600" algn="l" defTabSz="457200" rtl="0" eaLnBrk="1" latinLnBrk="0" hangingPunct="1">
-              <a:defRPr sz="1800" kern="1200">
-                <a:solidFill>
-                  <a:schemeClr val="tx1"/>
-                </a:solidFill>
-                <a:latin typeface="+mn-lt"/>
-                <a:ea typeface="+mn-ea"/>
-                <a:cs typeface="+mn-cs"/>
-              </a:defRPr>
-            </a:lvl4pPr>
-            <a:lvl5pPr marL="1828800" algn="l" defTabSz="457200" rtl="0" eaLnBrk="1" latinLnBrk="0" hangingPunct="1">
-              <a:defRPr sz="1800" kern="1200">
-                <a:solidFill>
-                  <a:schemeClr val="tx1"/>
-                </a:solidFill>
-                <a:latin typeface="+mn-lt"/>
-                <a:ea typeface="+mn-ea"/>
-                <a:cs typeface="+mn-cs"/>
-              </a:defRPr>
-            </a:lvl5pPr>
-            <a:lvl6pPr marL="2286000" algn="l" defTabSz="457200" rtl="0" eaLnBrk="1" latinLnBrk="0" hangingPunct="1">
-              <a:defRPr sz="1800" kern="1200">
-                <a:solidFill>
-                  <a:schemeClr val="tx1"/>
-                </a:solidFill>
-                <a:latin typeface="+mn-lt"/>
-                <a:ea typeface="+mn-ea"/>
-                <a:cs typeface="+mn-cs"/>
-              </a:defRPr>
-            </a:lvl6pPr>
-            <a:lvl7pPr marL="2743200" algn="l" defTabSz="457200" rtl="0" eaLnBrk="1" latinLnBrk="0" hangingPunct="1">
-              <a:defRPr sz="1800" kern="1200">
-                <a:solidFill>
-                  <a:schemeClr val="tx1"/>
-                </a:solidFill>
-                <a:latin typeface="+mn-lt"/>
-                <a:ea typeface="+mn-ea"/>
-                <a:cs typeface="+mn-cs"/>
-              </a:defRPr>
-            </a:lvl7pPr>
-            <a:lvl8pPr marL="3200400" algn="l" defTabSz="457200" rtl="0" eaLnBrk="1" latinLnBrk="0" hangingPunct="1">
-              <a:defRPr sz="1800" kern="1200">
-                <a:solidFill>
-                  <a:schemeClr val="tx1"/>
-                </a:solidFill>
-                <a:latin typeface="+mn-lt"/>
-                <a:ea typeface="+mn-ea"/>
-                <a:cs typeface="+mn-cs"/>
-              </a:defRPr>
-            </a:lvl8pPr>
-            <a:lvl9pPr marL="3657600" algn="l" defTabSz="457200" rtl="0" eaLnBrk="1" latinLnBrk="0" hangingPunct="1">
-              <a:defRPr sz="1800" kern="1200">
-                <a:solidFill>
-                  <a:schemeClr val="tx1"/>
-                </a:solidFill>
-                <a:latin typeface="+mn-lt"/>
-                <a:ea typeface="+mn-ea"/>
-                <a:cs typeface="+mn-cs"/>
-              </a:defRPr>
-            </a:lvl9pPr>
-          </a:lstStyle>
-          <a:p>
-            <a:r>
-              <a:rPr lang="de-DE" sz="1400" dirty="0"/>
-              <a:t>Veronika Taranek, Philipp </a:t>
-            </a:r>
-            <a:r>
-              <a:rPr lang="de-DE" sz="1400" dirty="0" err="1"/>
-              <a:t>Fenesan</a:t>
-            </a:r>
-            <a:r>
-              <a:rPr lang="de-DE" sz="1400" dirty="0"/>
-              <a:t>, Nicolas Geppert, Lukas Werner</a:t>
-            </a:r>
-            <a:endParaRPr lang="en-US" dirty="0"/>
-          </a:p>
-        </p:txBody>
-      </p:sp>
-    </p:spTree>
-    <p:extLst>
-      <p:ext uri="{BB962C8B-B14F-4D97-AF65-F5344CB8AC3E}">
-        <p14:creationId xmlns:p14="http://schemas.microsoft.com/office/powerpoint/2010/main" val="551848983"/>
-      </p:ext>
-    </p:extLst>
-  </p:cSld>
-  <p:clrMapOvr>
-    <a:masterClrMapping/>
-  </p:clrMapOvr>
-</p:sld>
-</file>
-
-<file path=ppt/slides/slide8.xml><?xml version="1.0" encoding="utf-8"?>
-<p:sld xmlns:a="http://schemas.openxmlformats.org/drawingml/2006/main" xmlns:r="http://schemas.openxmlformats.org/officeDocument/2006/relationships" xmlns:p="http://schemas.openxmlformats.org/presentationml/2006/main">
-  <p:cSld>
-    <p:spTree>
-      <p:nvGrpSpPr>
-        <p:cNvPr id="1" name=""/>
-        <p:cNvGrpSpPr/>
-        <p:nvPr/>
-      </p:nvGrpSpPr>
-      <p:grpSpPr>
-        <a:xfrm>
-          <a:off x="0" y="0"/>
-          <a:ext cx="0" cy="0"/>
-          <a:chOff x="0" y="0"/>
-          <a:chExt cx="0" cy="0"/>
-        </a:xfrm>
-      </p:grpSpPr>
-      <p:sp>
-        <p:nvSpPr>
-          <p:cNvPr id="2" name="Title 1">
-            <a:extLst>
-              <a:ext uri="{FF2B5EF4-FFF2-40B4-BE49-F238E27FC236}">
-                <a16:creationId xmlns:a16="http://schemas.microsoft.com/office/drawing/2014/main" id="{A533C930-62BB-49CD-A689-73D96C0BFBBB}"/>
-              </a:ext>
-            </a:extLst>
-          </p:cNvPr>
-          <p:cNvSpPr>
-            <a:spLocks noGrp="1"/>
-          </p:cNvSpPr>
-          <p:nvPr>
-            <p:ph type="title"/>
-          </p:nvPr>
-        </p:nvSpPr>
-        <p:spPr/>
-        <p:txBody>
-          <a:bodyPr/>
-          <a:lstStyle/>
-          <a:p>
-            <a:r>
-              <a:rPr lang="en-US" dirty="0"/>
-              <a:t>Aufbau</a:t>
-            </a:r>
-          </a:p>
-        </p:txBody>
-      </p:sp>
-      <p:pic>
-        <p:nvPicPr>
-          <p:cNvPr id="4" name="Picture 3">
-            <a:extLst>
-              <a:ext uri="{FF2B5EF4-FFF2-40B4-BE49-F238E27FC236}">
-                <a16:creationId xmlns:a16="http://schemas.microsoft.com/office/drawing/2014/main" id="{AD68B0E1-41E1-4EB3-A65A-63E5C69892B2}"/>
-              </a:ext>
-            </a:extLst>
-          </p:cNvPr>
-          <p:cNvPicPr>
-            <a:picLocks noChangeAspect="1"/>
-          </p:cNvPicPr>
-          <p:nvPr/>
-        </p:nvPicPr>
-        <p:blipFill>
-          <a:blip r:embed="rId2">
-            <a:extLst>
-              <a:ext uri="{BEBA8EAE-BF5A-486C-A8C5-ECC9F3942E4B}">
-                <a14:imgProps xmlns:a14="http://schemas.microsoft.com/office/drawing/2010/main">
-                  <a14:imgLayer r:embed="rId3">
-                    <a14:imgEffect>
-                      <a14:backgroundRemoval t="0" b="99752" l="190" r="99621">
-                        <a14:foregroundMark x1="18009" y1="1613" x2="9573" y2="620"/>
-                        <a14:foregroundMark x1="9573" y1="620" x2="2180" y2="2978"/>
-                        <a14:foregroundMark x1="2180" y1="2978" x2="1327" y2="12903"/>
-                        <a14:foregroundMark x1="1327" y1="12903" x2="5592" y2="21464"/>
-                        <a14:foregroundMark x1="5592" y1="21464" x2="13175" y2="22333"/>
-                        <a14:foregroundMark x1="13175" y1="22333" x2="19905" y2="17246"/>
-                        <a14:foregroundMark x1="19905" y1="17246" x2="17536" y2="620"/>
-                        <a14:foregroundMark x1="3128" y1="1737" x2="4834" y2="20099"/>
-                        <a14:foregroundMark x1="4834" y1="30273" x2="14313" y2="32134"/>
-                        <a14:foregroundMark x1="18104" y1="28660" x2="8626" y2="27916"/>
-                        <a14:foregroundMark x1="38673" y1="4467" x2="46161" y2="5707"/>
-                        <a14:foregroundMark x1="46161" y1="5707" x2="49384" y2="15136"/>
-                        <a14:foregroundMark x1="49384" y1="15136" x2="42559" y2="18983"/>
-                        <a14:foregroundMark x1="42559" y1="18983" x2="39147" y2="10174"/>
-                        <a14:foregroundMark x1="39147" y1="10174" x2="39147" y2="4839"/>
-                        <a14:foregroundMark x1="24076" y1="29901" x2="38009" y2="17246"/>
-                        <a14:foregroundMark x1="38104" y1="17246" x2="36493" y2="18362"/>
-                        <a14:foregroundMark x1="37156" y1="17990" x2="23128" y2="29280"/>
-                        <a14:foregroundMark x1="14882" y1="55707" x2="29763" y2="54094"/>
-                        <a14:foregroundMark x1="29763" y1="54094" x2="33175" y2="55087"/>
-                        <a14:foregroundMark x1="41896" y1="87717" x2="46919" y2="95409"/>
-                        <a14:foregroundMark x1="46919" y1="95409" x2="54597" y2="95285"/>
-                        <a14:foregroundMark x1="54597" y1="95285" x2="61801" y2="96402"/>
-                        <a14:foregroundMark x1="68531" y1="47022" x2="69194" y2="79032"/>
-                        <a14:foregroundMark x1="69194" y1="79032" x2="74218" y2="86104"/>
-                        <a14:foregroundMark x1="74218" y1="86104" x2="81706" y2="85112"/>
-                        <a14:foregroundMark x1="81706" y1="85112" x2="89194" y2="85484"/>
-                        <a14:foregroundMark x1="89194" y1="85484" x2="93934" y2="77419"/>
-                        <a14:foregroundMark x1="93934" y1="77419" x2="93649" y2="56948"/>
-                        <a14:foregroundMark x1="93649" y1="56948" x2="90995" y2="47643"/>
-                        <a14:foregroundMark x1="90995" y1="47643" x2="68815" y2="47643"/>
-                        <a14:foregroundMark x1="95829" y1="46898" x2="95829" y2="85112"/>
-                        <a14:foregroundMark x1="95829" y1="85112" x2="93460" y2="87221"/>
-                        <a14:foregroundMark x1="55545" y1="28660" x2="47962" y2="28784"/>
-                        <a14:foregroundMark x1="47962" y1="28784" x2="45877" y2="28164"/>
-                        <a14:foregroundMark x1="29100" y1="27543" x2="59621" y2="28908"/>
-                        <a14:foregroundMark x1="59621" y1="28908" x2="51754" y2="28412"/>
-                        <a14:foregroundMark x1="51754" y1="28412" x2="59621" y2="28784"/>
-                        <a14:foregroundMark x1="59621" y1="28784" x2="61232" y2="28536"/>
-                        <a14:foregroundMark x1="69668" y1="28164" x2="77156" y2="28288"/>
-                        <a14:foregroundMark x1="77156" y1="28288" x2="88531" y2="27419"/>
-                        <a14:foregroundMark x1="67773" y1="45906" x2="52607" y2="23945"/>
-                        <a14:foregroundMark x1="52607" y1="23945" x2="50142" y2="21836"/>
-                        <a14:foregroundMark x1="46445" y1="21464" x2="49194" y2="28660"/>
-                        <a14:foregroundMark x1="50237" y1="22457" x2="55545" y2="28536"/>
-                        <a14:foregroundMark x1="42370" y1="20720" x2="39052" y2="29653"/>
-                        <a14:foregroundMark x1="40284" y1="19851" x2="37251" y2="28908"/>
-                        <a14:foregroundMark x1="49668" y1="15757" x2="69858" y2="28908"/>
-                        <a14:foregroundMark x1="69858" y1="28908" x2="70142" y2="29529"/>
-                        <a14:foregroundMark x1="48815" y1="16129" x2="62085" y2="24318"/>
-                        <a14:foregroundMark x1="62085" y1="24318" x2="49858" y2="16998"/>
-                        <a14:foregroundMark x1="73649" y1="85484" x2="68626" y2="85856"/>
-                        <a14:foregroundMark x1="89953" y1="45161" x2="89289" y2="35112"/>
-                        <a14:foregroundMark x1="89289" y1="35112" x2="84455" y2="27543"/>
-                        <a14:foregroundMark x1="84455" y1="27543" x2="67204" y2="27047"/>
-                        <a14:foregroundMark x1="22370" y1="52730" x2="1327" y2="51985"/>
-                        <a14:foregroundMark x1="14502" y1="53226" x2="6730" y2="54467"/>
-                        <a14:foregroundMark x1="6730" y1="54467" x2="284" y2="52357"/>
-                        <a14:foregroundMark x1="26161" y1="25434" x2="20284" y2="25682"/>
-                        <a14:foregroundMark x1="37536" y1="16253" x2="36398" y2="6203"/>
-                        <a14:foregroundMark x1="36398" y1="6203" x2="43128" y2="1737"/>
-                        <a14:foregroundMark x1="43128" y1="1737" x2="50521" y2="1985"/>
-                        <a14:foregroundMark x1="50521" y1="1985" x2="50806" y2="14516"/>
-                        <a14:foregroundMark x1="90237" y1="45285" x2="97156" y2="48759"/>
-                        <a14:foregroundMark x1="20474" y1="620" x2="22085" y2="10298"/>
-                        <a14:foregroundMark x1="22085" y1="10298" x2="20948" y2="22953"/>
-                        <a14:foregroundMark x1="14882" y1="56203" x2="12701" y2="86352"/>
-                        <a14:foregroundMark x1="12701" y1="86352" x2="18294" y2="93548"/>
-                        <a14:foregroundMark x1="18294" y1="93548" x2="25592" y2="92928"/>
-                        <a14:foregroundMark x1="25592" y1="92928" x2="33649" y2="92928"/>
-                        <a14:foregroundMark x1="33649" y1="92928" x2="41043" y2="91811"/>
-                        <a14:foregroundMark x1="41043" y1="91811" x2="43412" y2="92184"/>
-                        <a14:foregroundMark x1="62559" y1="90695" x2="69384" y2="94789"/>
-                        <a14:foregroundMark x1="69384" y1="94789" x2="70427" y2="99752"/>
-                        <a14:foregroundMark x1="18578" y1="93548" x2="13934" y2="88337"/>
-                        <a14:foregroundMark x1="16493" y1="92928" x2="14313" y2="88337"/>
-                        <a14:foregroundMark x1="70711" y1="26179" x2="86445" y2="27792"/>
-                        <a14:foregroundMark x1="86445" y1="27792" x2="99621" y2="49007"/>
-                        <a14:foregroundMark x1="90711" y1="33127" x2="89668" y2="27543"/>
-                        <a14:foregroundMark x1="89100" y1="28164" x2="80190" y2="26055"/>
-                        <a14:foregroundMark x1="60474" y1="20347" x2="51090" y2="14020"/>
-                        <a14:foregroundMark x1="67014" y1="47643" x2="61801" y2="39578"/>
-                        <a14:foregroundMark x1="66919" y1="25682" x2="82085" y2="24814"/>
-                        <a14:foregroundMark x1="82085" y1="24814" x2="89763" y2="25931"/>
-                        <a14:foregroundMark x1="89763" y1="25931" x2="95355" y2="36725"/>
-                        <a14:foregroundMark x1="35355" y1="51985" x2="39716" y2="60298"/>
-                        <a14:foregroundMark x1="39716" y1="60298" x2="39905" y2="88958"/>
-                        <a14:foregroundMark x1="67678" y1="88337" x2="75355" y2="88710"/>
-                        <a14:foregroundMark x1="75355" y1="88710" x2="83412" y2="87965"/>
-                        <a14:foregroundMark x1="83412" y1="87965" x2="90806" y2="88089"/>
-                        <a14:foregroundMark x1="90806" y1="88089" x2="96872" y2="82010"/>
-                        <a14:foregroundMark x1="96872" y1="82010" x2="96777" y2="52357"/>
-                        <a14:foregroundMark x1="96777" y1="52357" x2="97441" y2="49132"/>
-                        <a14:foregroundMark x1="13744" y1="89082" x2="18104" y2="95782"/>
-                        <a14:foregroundMark x1="96588" y1="83002" x2="90047" y2="88337"/>
-                        <a14:foregroundMark x1="90047" y1="88337" x2="89668" y2="88337"/>
-                        <a14:foregroundMark x1="96872" y1="83623" x2="91185" y2="89082"/>
-                        <a14:foregroundMark x1="96682" y1="83995" x2="92133" y2="88958"/>
-                        <a14:foregroundMark x1="96872" y1="85484" x2="95355" y2="92184"/>
-                        <a14:backgroundMark x1="96121" y1="92473" x2="86066" y2="99380"/>
-                        <a14:backgroundMark x1="99431" y1="90199" x2="97128" y2="91781"/>
-                        <a14:backgroundMark x1="86066" y1="99380" x2="86066" y2="99380"/>
-                      </a14:backgroundRemoval>
-                    </a14:imgEffect>
-                  </a14:imgLayer>
-                </a14:imgProps>
-              </a:ext>
-            </a:extLst>
-          </a:blip>
-          <a:stretch>
-            <a:fillRect/>
-          </a:stretch>
-        </p:blipFill>
-        <p:spPr>
-          <a:xfrm>
-            <a:off x="3105754" y="936102"/>
-            <a:ext cx="5745283" cy="4389287"/>
-          </a:xfrm>
-          <a:prstGeom prst="rect">
-            <a:avLst/>
-          </a:prstGeom>
-        </p:spPr>
-      </p:pic>
-      <p:sp>
-        <p:nvSpPr>
-          <p:cNvPr id="5" name="TextBox 4">
-            <a:extLst>
-              <a:ext uri="{FF2B5EF4-FFF2-40B4-BE49-F238E27FC236}">
-                <a16:creationId xmlns:a16="http://schemas.microsoft.com/office/drawing/2014/main" id="{7FDF7188-C07D-448D-A4A7-2BC551B56E6A}"/>
-              </a:ext>
-            </a:extLst>
-          </p:cNvPr>
-          <p:cNvSpPr txBox="1"/>
-          <p:nvPr/>
-        </p:nvSpPr>
-        <p:spPr>
-          <a:xfrm>
-            <a:off x="571500" y="5410200"/>
-            <a:ext cx="7928774" cy="646331"/>
-          </a:xfrm>
-          <a:prstGeom prst="rect">
-            <a:avLst/>
-          </a:prstGeom>
-          <a:noFill/>
-        </p:spPr>
-        <p:txBody>
-          <a:bodyPr wrap="none" rtlCol="0">
-            <a:spAutoFit/>
-          </a:bodyPr>
-          <a:lstStyle/>
-          <a:p>
-            <a:r>
-              <a:rPr lang="en-US" dirty="0" err="1"/>
-              <a:t>Auffällig</a:t>
-            </a:r>
-            <a:r>
-              <a:rPr lang="en-US" dirty="0"/>
-              <a:t> </a:t>
-            </a:r>
-            <a:r>
-              <a:rPr lang="en-US" dirty="0" err="1"/>
-              <a:t>ist</a:t>
-            </a:r>
-            <a:r>
-              <a:rPr lang="en-US" dirty="0"/>
-              <a:t>, </a:t>
-            </a:r>
-            <a:r>
-              <a:rPr lang="en-US" dirty="0" err="1"/>
-              <a:t>dass</a:t>
-            </a:r>
-            <a:r>
-              <a:rPr lang="en-US" dirty="0"/>
-              <a:t> die </a:t>
-            </a:r>
-            <a:r>
-              <a:rPr lang="en-US" dirty="0" err="1"/>
-              <a:t>Funktionen</a:t>
-            </a:r>
-            <a:r>
-              <a:rPr lang="en-US" dirty="0"/>
-              <a:t> von den Design-Klassen </a:t>
-            </a:r>
-            <a:r>
-              <a:rPr lang="en-US" dirty="0" err="1"/>
-              <a:t>getrennt</a:t>
-            </a:r>
-            <a:r>
-              <a:rPr lang="en-US" dirty="0"/>
-              <a:t> </a:t>
-            </a:r>
-            <a:r>
-              <a:rPr lang="en-US" dirty="0" err="1"/>
-              <a:t>wurden</a:t>
-            </a:r>
-            <a:r>
-              <a:rPr lang="en-US" dirty="0"/>
-              <a:t>.</a:t>
-            </a:r>
-            <a:br>
-              <a:rPr lang="en-US" dirty="0"/>
-            </a:br>
-            <a:r>
-              <a:rPr lang="en-US" dirty="0"/>
-              <a:t>Die </a:t>
-            </a:r>
-            <a:r>
-              <a:rPr lang="en-US" dirty="0" err="1"/>
-              <a:t>Logik</a:t>
-            </a:r>
-            <a:r>
-              <a:rPr lang="en-US" dirty="0"/>
-              <a:t> </a:t>
-            </a:r>
-            <a:r>
-              <a:rPr lang="en-US" dirty="0" err="1"/>
-              <a:t>wird</a:t>
-            </a:r>
-            <a:r>
-              <a:rPr lang="en-US" dirty="0"/>
-              <a:t> in extra Klassen </a:t>
-            </a:r>
-            <a:r>
-              <a:rPr lang="en-US" dirty="0" err="1"/>
-              <a:t>implementiert</a:t>
-            </a:r>
-            <a:r>
-              <a:rPr lang="en-US" dirty="0"/>
-              <a:t>, die </a:t>
-            </a:r>
-            <a:r>
-              <a:rPr lang="en-US" dirty="0" err="1"/>
-              <a:t>getrennt</a:t>
-            </a:r>
-            <a:r>
-              <a:rPr lang="en-US" dirty="0"/>
-              <a:t> von der UI </a:t>
-            </a:r>
-            <a:r>
-              <a:rPr lang="en-US" dirty="0" err="1"/>
-              <a:t>sind</a:t>
-            </a:r>
-            <a:endParaRPr lang="en-US" dirty="0"/>
-          </a:p>
-        </p:txBody>
-      </p:sp>
-      <p:sp>
-        <p:nvSpPr>
-          <p:cNvPr id="6" name="Date Placeholder 3">
-            <a:extLst>
-              <a:ext uri="{FF2B5EF4-FFF2-40B4-BE49-F238E27FC236}">
-                <a16:creationId xmlns:a16="http://schemas.microsoft.com/office/drawing/2014/main" id="{C597FC9F-E38B-4D7C-800C-2E507A9787EC}"/>
-              </a:ext>
-            </a:extLst>
-          </p:cNvPr>
-          <p:cNvSpPr txBox="1">
-            <a:spLocks/>
-          </p:cNvSpPr>
-          <p:nvPr/>
-        </p:nvSpPr>
-        <p:spPr>
-          <a:xfrm>
-            <a:off x="677334" y="231051"/>
-            <a:ext cx="1071566" cy="378549"/>
-          </a:xfrm>
-          <a:prstGeom prst="rect">
-            <a:avLst/>
-          </a:prstGeom>
-        </p:spPr>
-        <p:txBody>
-          <a:bodyPr vert="horz" lIns="91440" tIns="45720" rIns="91440" bIns="45720" rtlCol="0" anchor="ctr"/>
-          <a:lstStyle>
-            <a:defPPr>
-              <a:defRPr lang="en-US"/>
-            </a:defPPr>
-            <a:lvl1pPr marL="0" algn="r" defTabSz="457200" rtl="0" eaLnBrk="1" latinLnBrk="0" hangingPunct="1">
-              <a:defRPr sz="900" kern="1200">
-                <a:solidFill>
-                  <a:schemeClr val="tx1">
-                    <a:tint val="75000"/>
-                  </a:schemeClr>
-                </a:solidFill>
-                <a:latin typeface="+mn-lt"/>
-                <a:ea typeface="+mn-ea"/>
-                <a:cs typeface="+mn-cs"/>
-              </a:defRPr>
-            </a:lvl1pPr>
-            <a:lvl2pPr marL="457200" algn="l" defTabSz="457200" rtl="0" eaLnBrk="1" latinLnBrk="0" hangingPunct="1">
-              <a:defRPr sz="1800" kern="1200">
-                <a:solidFill>
-                  <a:schemeClr val="tx1"/>
-                </a:solidFill>
-                <a:latin typeface="+mn-lt"/>
-                <a:ea typeface="+mn-ea"/>
-                <a:cs typeface="+mn-cs"/>
-              </a:defRPr>
-            </a:lvl2pPr>
-            <a:lvl3pPr marL="914400" algn="l" defTabSz="457200" rtl="0" eaLnBrk="1" latinLnBrk="0" hangingPunct="1">
-              <a:defRPr sz="1800" kern="1200">
-                <a:solidFill>
-                  <a:schemeClr val="tx1"/>
-                </a:solidFill>
-                <a:latin typeface="+mn-lt"/>
-                <a:ea typeface="+mn-ea"/>
-                <a:cs typeface="+mn-cs"/>
-              </a:defRPr>
-            </a:lvl3pPr>
-            <a:lvl4pPr marL="1371600" algn="l" defTabSz="457200" rtl="0" eaLnBrk="1" latinLnBrk="0" hangingPunct="1">
-              <a:defRPr sz="1800" kern="1200">
-                <a:solidFill>
-                  <a:schemeClr val="tx1"/>
-                </a:solidFill>
-                <a:latin typeface="+mn-lt"/>
-                <a:ea typeface="+mn-ea"/>
-                <a:cs typeface="+mn-cs"/>
-              </a:defRPr>
-            </a:lvl4pPr>
-            <a:lvl5pPr marL="1828800" algn="l" defTabSz="457200" rtl="0" eaLnBrk="1" latinLnBrk="0" hangingPunct="1">
-              <a:defRPr sz="1800" kern="1200">
-                <a:solidFill>
-                  <a:schemeClr val="tx1"/>
-                </a:solidFill>
-                <a:latin typeface="+mn-lt"/>
-                <a:ea typeface="+mn-ea"/>
-                <a:cs typeface="+mn-cs"/>
-              </a:defRPr>
-            </a:lvl5pPr>
-            <a:lvl6pPr marL="2286000" algn="l" defTabSz="457200" rtl="0" eaLnBrk="1" latinLnBrk="0" hangingPunct="1">
-              <a:defRPr sz="1800" kern="1200">
-                <a:solidFill>
-                  <a:schemeClr val="tx1"/>
-                </a:solidFill>
-                <a:latin typeface="+mn-lt"/>
-                <a:ea typeface="+mn-ea"/>
-                <a:cs typeface="+mn-cs"/>
-              </a:defRPr>
-            </a:lvl6pPr>
-            <a:lvl7pPr marL="2743200" algn="l" defTabSz="457200" rtl="0" eaLnBrk="1" latinLnBrk="0" hangingPunct="1">
-              <a:defRPr sz="1800" kern="1200">
-                <a:solidFill>
-                  <a:schemeClr val="tx1"/>
-                </a:solidFill>
-                <a:latin typeface="+mn-lt"/>
-                <a:ea typeface="+mn-ea"/>
-                <a:cs typeface="+mn-cs"/>
-              </a:defRPr>
-            </a:lvl7pPr>
-            <a:lvl8pPr marL="3200400" algn="l" defTabSz="457200" rtl="0" eaLnBrk="1" latinLnBrk="0" hangingPunct="1">
-              <a:defRPr sz="1800" kern="1200">
-                <a:solidFill>
-                  <a:schemeClr val="tx1"/>
-                </a:solidFill>
-                <a:latin typeface="+mn-lt"/>
-                <a:ea typeface="+mn-ea"/>
-                <a:cs typeface="+mn-cs"/>
-              </a:defRPr>
-            </a:lvl8pPr>
-            <a:lvl9pPr marL="3657600" algn="l" defTabSz="457200" rtl="0" eaLnBrk="1" latinLnBrk="0" hangingPunct="1">
-              <a:defRPr sz="1800" kern="1200">
-                <a:solidFill>
-                  <a:schemeClr val="tx1"/>
-                </a:solidFill>
-                <a:latin typeface="+mn-lt"/>
-                <a:ea typeface="+mn-ea"/>
-                <a:cs typeface="+mn-cs"/>
-              </a:defRPr>
-            </a:lvl9pPr>
-          </a:lstStyle>
-          <a:p>
-            <a:fld id="{5665C720-CFBA-4CD6-B44E-E52DA515AFF8}" type="datetime1">
-              <a:rPr lang="de-DE" sz="1400" smtClean="0"/>
-              <a:pPr/>
-              <a:t>11.09.2020</a:t>
-            </a:fld>
-            <a:endParaRPr lang="en-US" dirty="0"/>
-          </a:p>
-        </p:txBody>
-      </p:sp>
-      <p:sp>
-        <p:nvSpPr>
-          <p:cNvPr id="7" name="Date Placeholder 3">
-            <a:extLst>
-              <a:ext uri="{FF2B5EF4-FFF2-40B4-BE49-F238E27FC236}">
-                <a16:creationId xmlns:a16="http://schemas.microsoft.com/office/drawing/2014/main" id="{0F246959-6071-4609-B298-646E582C9281}"/>
-              </a:ext>
-            </a:extLst>
-          </p:cNvPr>
-          <p:cNvSpPr txBox="1">
-            <a:spLocks/>
-          </p:cNvSpPr>
-          <p:nvPr/>
-        </p:nvSpPr>
-        <p:spPr>
-          <a:xfrm>
-            <a:off x="1824033" y="231050"/>
-            <a:ext cx="5713108" cy="378549"/>
-          </a:xfrm>
-          <a:prstGeom prst="rect">
-            <a:avLst/>
-          </a:prstGeom>
-        </p:spPr>
-        <p:txBody>
-          <a:bodyPr vert="horz" lIns="91440" tIns="45720" rIns="91440" bIns="45720" rtlCol="0" anchor="ctr"/>
-          <a:lstStyle>
-            <a:defPPr>
-              <a:defRPr lang="en-US"/>
-            </a:defPPr>
-            <a:lvl1pPr marL="0" algn="r" defTabSz="457200" rtl="0" eaLnBrk="1" latinLnBrk="0" hangingPunct="1">
-              <a:defRPr sz="900" kern="1200">
-                <a:solidFill>
-                  <a:schemeClr val="tx1">
-                    <a:tint val="75000"/>
-                  </a:schemeClr>
-                </a:solidFill>
-                <a:latin typeface="+mn-lt"/>
-                <a:ea typeface="+mn-ea"/>
-                <a:cs typeface="+mn-cs"/>
-              </a:defRPr>
-            </a:lvl1pPr>
-            <a:lvl2pPr marL="457200" algn="l" defTabSz="457200" rtl="0" eaLnBrk="1" latinLnBrk="0" hangingPunct="1">
-              <a:defRPr sz="1800" kern="1200">
-                <a:solidFill>
-                  <a:schemeClr val="tx1"/>
-                </a:solidFill>
-                <a:latin typeface="+mn-lt"/>
-                <a:ea typeface="+mn-ea"/>
-                <a:cs typeface="+mn-cs"/>
-              </a:defRPr>
-            </a:lvl2pPr>
-            <a:lvl3pPr marL="914400" algn="l" defTabSz="457200" rtl="0" eaLnBrk="1" latinLnBrk="0" hangingPunct="1">
-              <a:defRPr sz="1800" kern="1200">
-                <a:solidFill>
-                  <a:schemeClr val="tx1"/>
-                </a:solidFill>
-                <a:latin typeface="+mn-lt"/>
-                <a:ea typeface="+mn-ea"/>
-                <a:cs typeface="+mn-cs"/>
-              </a:defRPr>
-            </a:lvl3pPr>
-            <a:lvl4pPr marL="1371600" algn="l" defTabSz="457200" rtl="0" eaLnBrk="1" latinLnBrk="0" hangingPunct="1">
-              <a:defRPr sz="1800" kern="1200">
-                <a:solidFill>
-                  <a:schemeClr val="tx1"/>
-                </a:solidFill>
-                <a:latin typeface="+mn-lt"/>
-                <a:ea typeface="+mn-ea"/>
-                <a:cs typeface="+mn-cs"/>
-              </a:defRPr>
-            </a:lvl4pPr>
-            <a:lvl5pPr marL="1828800" algn="l" defTabSz="457200" rtl="0" eaLnBrk="1" latinLnBrk="0" hangingPunct="1">
-              <a:defRPr sz="1800" kern="1200">
-                <a:solidFill>
-                  <a:schemeClr val="tx1"/>
-                </a:solidFill>
-                <a:latin typeface="+mn-lt"/>
-                <a:ea typeface="+mn-ea"/>
-                <a:cs typeface="+mn-cs"/>
-              </a:defRPr>
-            </a:lvl5pPr>
-            <a:lvl6pPr marL="2286000" algn="l" defTabSz="457200" rtl="0" eaLnBrk="1" latinLnBrk="0" hangingPunct="1">
-              <a:defRPr sz="1800" kern="1200">
-                <a:solidFill>
-                  <a:schemeClr val="tx1"/>
-                </a:solidFill>
-                <a:latin typeface="+mn-lt"/>
-                <a:ea typeface="+mn-ea"/>
-                <a:cs typeface="+mn-cs"/>
-              </a:defRPr>
-            </a:lvl6pPr>
-            <a:lvl7pPr marL="2743200" algn="l" defTabSz="457200" rtl="0" eaLnBrk="1" latinLnBrk="0" hangingPunct="1">
-              <a:defRPr sz="1800" kern="1200">
-                <a:solidFill>
-                  <a:schemeClr val="tx1"/>
-                </a:solidFill>
-                <a:latin typeface="+mn-lt"/>
-                <a:ea typeface="+mn-ea"/>
-                <a:cs typeface="+mn-cs"/>
-              </a:defRPr>
-            </a:lvl7pPr>
-            <a:lvl8pPr marL="3200400" algn="l" defTabSz="457200" rtl="0" eaLnBrk="1" latinLnBrk="0" hangingPunct="1">
-              <a:defRPr sz="1800" kern="1200">
-                <a:solidFill>
-                  <a:schemeClr val="tx1"/>
-                </a:solidFill>
-                <a:latin typeface="+mn-lt"/>
-                <a:ea typeface="+mn-ea"/>
-                <a:cs typeface="+mn-cs"/>
-              </a:defRPr>
-            </a:lvl8pPr>
-            <a:lvl9pPr marL="3657600" algn="l" defTabSz="457200" rtl="0" eaLnBrk="1" latinLnBrk="0" hangingPunct="1">
-              <a:defRPr sz="1800" kern="1200">
-                <a:solidFill>
-                  <a:schemeClr val="tx1"/>
-                </a:solidFill>
-                <a:latin typeface="+mn-lt"/>
-                <a:ea typeface="+mn-ea"/>
-                <a:cs typeface="+mn-cs"/>
-              </a:defRPr>
-            </a:lvl9pPr>
-          </a:lstStyle>
-          <a:p>
-            <a:r>
-              <a:rPr lang="de-DE" sz="1400" dirty="0"/>
-              <a:t>Veronika Taranek, Philipp </a:t>
-            </a:r>
-            <a:r>
-              <a:rPr lang="de-DE" sz="1400" dirty="0" err="1"/>
-              <a:t>Fenesan</a:t>
-            </a:r>
-            <a:r>
-              <a:rPr lang="de-DE" sz="1400" dirty="0"/>
-              <a:t>, Nicolas Geppert, Lukas Werner</a:t>
-            </a:r>
-            <a:endParaRPr lang="en-US" dirty="0"/>
-          </a:p>
-        </p:txBody>
-      </p:sp>
-    </p:spTree>
-    <p:extLst>
-      <p:ext uri="{BB962C8B-B14F-4D97-AF65-F5344CB8AC3E}">
-        <p14:creationId xmlns:p14="http://schemas.microsoft.com/office/powerpoint/2010/main" val="870046311"/>
-      </p:ext>
-    </p:extLst>
-  </p:cSld>
-  <p:clrMapOvr>
-    <a:masterClrMapping/>
-  </p:clrMapOvr>
-</p:sld>
-</file>
-
-<file path=ppt/slides/slide9.xml><?xml version="1.0" encoding="utf-8"?>
-<p:sld xmlns:a="http://schemas.openxmlformats.org/drawingml/2006/main" xmlns:r="http://schemas.openxmlformats.org/officeDocument/2006/relationships" xmlns:p="http://schemas.openxmlformats.org/presentationml/2006/main">
-  <p:cSld>
-    <p:spTree>
-      <p:nvGrpSpPr>
-        <p:cNvPr id="1" name=""/>
-        <p:cNvGrpSpPr/>
-        <p:nvPr/>
-      </p:nvGrpSpPr>
-      <p:grpSpPr>
-        <a:xfrm>
-          <a:off x="0" y="0"/>
-          <a:ext cx="0" cy="0"/>
-          <a:chOff x="0" y="0"/>
-          <a:chExt cx="0" cy="0"/>
-        </a:xfrm>
-      </p:grpSpPr>
-      <p:sp>
-        <p:nvSpPr>
-          <p:cNvPr id="2" name="Title 1">
-            <a:extLst>
-              <a:ext uri="{FF2B5EF4-FFF2-40B4-BE49-F238E27FC236}">
-                <a16:creationId xmlns:a16="http://schemas.microsoft.com/office/drawing/2014/main" id="{BFFE73E4-B193-441D-8A54-09AA7DF89A89}"/>
-              </a:ext>
-            </a:extLst>
-          </p:cNvPr>
-          <p:cNvSpPr>
-            <a:spLocks noGrp="1"/>
-          </p:cNvSpPr>
-          <p:nvPr>
-            <p:ph type="title"/>
-          </p:nvPr>
-        </p:nvSpPr>
-        <p:spPr/>
-        <p:txBody>
-          <a:bodyPr/>
-          <a:lstStyle/>
-          <a:p>
-            <a:r>
-              <a:rPr lang="en-US" dirty="0" err="1"/>
-              <a:t>Datenbank</a:t>
-            </a:r>
-            <a:endParaRPr lang="en-US" dirty="0"/>
-          </a:p>
-        </p:txBody>
-      </p:sp>
-      <p:sp>
-        <p:nvSpPr>
-          <p:cNvPr id="3" name="Content Placeholder 2">
-            <a:extLst>
-              <a:ext uri="{FF2B5EF4-FFF2-40B4-BE49-F238E27FC236}">
-                <a16:creationId xmlns:a16="http://schemas.microsoft.com/office/drawing/2014/main" id="{CD885E91-C09C-4371-8168-295BAD48D188}"/>
-              </a:ext>
-            </a:extLst>
-          </p:cNvPr>
-          <p:cNvSpPr>
-            <a:spLocks noGrp="1"/>
-          </p:cNvSpPr>
-          <p:nvPr>
-            <p:ph idx="1"/>
-          </p:nvPr>
-        </p:nvSpPr>
-        <p:spPr>
-          <a:xfrm>
-            <a:off x="677334" y="3657601"/>
-            <a:ext cx="8596668" cy="2383762"/>
-          </a:xfrm>
-        </p:spPr>
-        <p:txBody>
-          <a:bodyPr/>
-          <a:lstStyle/>
-          <a:p>
-            <a:r>
-              <a:rPr lang="en-US" dirty="0" err="1"/>
-              <a:t>Als</a:t>
-            </a:r>
-            <a:r>
-              <a:rPr lang="en-US" dirty="0"/>
-              <a:t> </a:t>
-            </a:r>
-            <a:r>
-              <a:rPr lang="en-US" dirty="0" err="1"/>
-              <a:t>Datenbanklösung</a:t>
-            </a:r>
-            <a:r>
-              <a:rPr lang="en-US" dirty="0"/>
-              <a:t> </a:t>
-            </a:r>
-            <a:r>
-              <a:rPr lang="en-US" dirty="0" err="1"/>
-              <a:t>nutzen</a:t>
-            </a:r>
-            <a:r>
-              <a:rPr lang="en-US" dirty="0"/>
-              <a:t> </a:t>
-            </a:r>
-            <a:r>
-              <a:rPr lang="en-US" dirty="0" err="1"/>
-              <a:t>wir</a:t>
-            </a:r>
-            <a:r>
-              <a:rPr lang="en-US" dirty="0"/>
-              <a:t> </a:t>
-            </a:r>
-            <a:r>
-              <a:rPr lang="en-US" dirty="0" err="1"/>
-              <a:t>als</a:t>
-            </a:r>
-            <a:r>
-              <a:rPr lang="en-US" dirty="0"/>
-              <a:t> </a:t>
-            </a:r>
-            <a:r>
-              <a:rPr lang="en-US" dirty="0" err="1"/>
-              <a:t>LocalHost</a:t>
-            </a:r>
-            <a:r>
-              <a:rPr lang="en-US" dirty="0"/>
-              <a:t> </a:t>
-            </a:r>
-            <a:r>
-              <a:rPr lang="en-US" dirty="0" err="1"/>
-              <a:t>eine</a:t>
-            </a:r>
-            <a:r>
-              <a:rPr lang="en-US" dirty="0"/>
-              <a:t> MySQL-</a:t>
-            </a:r>
-            <a:r>
-              <a:rPr lang="en-US" dirty="0" err="1"/>
-              <a:t>Datenbank</a:t>
-            </a:r>
-            <a:endParaRPr lang="en-US" dirty="0"/>
-          </a:p>
-          <a:p>
-            <a:r>
-              <a:rPr lang="en-US" dirty="0"/>
-              <a:t>Die </a:t>
-            </a:r>
-            <a:r>
-              <a:rPr lang="en-US" dirty="0" err="1"/>
-              <a:t>Anbindung</a:t>
-            </a:r>
-            <a:r>
-              <a:rPr lang="en-US" dirty="0"/>
-              <a:t> an </a:t>
-            </a:r>
-            <a:r>
-              <a:rPr lang="en-US" dirty="0" err="1"/>
-              <a:t>einen</a:t>
-            </a:r>
-            <a:r>
-              <a:rPr lang="en-US" dirty="0"/>
-              <a:t> Server </a:t>
-            </a:r>
-            <a:r>
-              <a:rPr lang="en-US" dirty="0" err="1"/>
-              <a:t>wäre</a:t>
-            </a:r>
-            <a:r>
-              <a:rPr lang="en-US" dirty="0"/>
-              <a:t> </a:t>
-            </a:r>
-            <a:r>
-              <a:rPr lang="en-US" dirty="0" err="1"/>
-              <a:t>möglich</a:t>
-            </a:r>
-            <a:r>
-              <a:rPr lang="en-US" dirty="0"/>
-              <a:t>, </a:t>
-            </a:r>
-            <a:r>
-              <a:rPr lang="en-US" dirty="0" err="1"/>
-              <a:t>soll</a:t>
-            </a:r>
-            <a:r>
-              <a:rPr lang="en-US" dirty="0"/>
-              <a:t> </a:t>
-            </a:r>
-            <a:r>
-              <a:rPr lang="en-US" dirty="0" err="1"/>
-              <a:t>jedoch</a:t>
-            </a:r>
-            <a:r>
-              <a:rPr lang="en-US" dirty="0"/>
-              <a:t> </a:t>
-            </a:r>
-            <a:r>
-              <a:rPr lang="en-US" dirty="0" err="1"/>
-              <a:t>nicht</a:t>
-            </a:r>
-            <a:r>
-              <a:rPr lang="en-US" dirty="0"/>
-              <a:t> </a:t>
-            </a:r>
-            <a:r>
-              <a:rPr lang="en-US" dirty="0" err="1"/>
-              <a:t>öffentlich</a:t>
-            </a:r>
-            <a:r>
-              <a:rPr lang="en-US" dirty="0"/>
-              <a:t> auf dem git </a:t>
-            </a:r>
-            <a:r>
-              <a:rPr lang="en-US" dirty="0" err="1"/>
-              <a:t>liegen</a:t>
-            </a:r>
-            <a:r>
-              <a:rPr lang="en-US" dirty="0"/>
-              <a:t>, da der Server </a:t>
-            </a:r>
-            <a:r>
-              <a:rPr lang="en-US" dirty="0" err="1"/>
-              <a:t>privat</a:t>
-            </a:r>
-            <a:r>
-              <a:rPr lang="en-US" dirty="0"/>
-              <a:t> </a:t>
-            </a:r>
-            <a:r>
-              <a:rPr lang="en-US" dirty="0" err="1"/>
-              <a:t>aufgesetzt</a:t>
-            </a:r>
-            <a:r>
-              <a:rPr lang="en-US" dirty="0"/>
-              <a:t> </a:t>
-            </a:r>
-            <a:r>
-              <a:rPr lang="en-US" dirty="0" err="1"/>
-              <a:t>wurde</a:t>
-            </a:r>
-            <a:endParaRPr lang="en-US" dirty="0"/>
-          </a:p>
-        </p:txBody>
-      </p:sp>
-      <p:pic>
-        <p:nvPicPr>
-          <p:cNvPr id="4" name="Picture 3">
-            <a:extLst>
-              <a:ext uri="{FF2B5EF4-FFF2-40B4-BE49-F238E27FC236}">
-                <a16:creationId xmlns:a16="http://schemas.microsoft.com/office/drawing/2014/main" id="{66089CA0-A29D-43F4-A41A-874B20FB4C08}"/>
-              </a:ext>
-            </a:extLst>
-          </p:cNvPr>
-          <p:cNvPicPr>
-            <a:picLocks noChangeAspect="1"/>
-          </p:cNvPicPr>
-          <p:nvPr/>
-        </p:nvPicPr>
-        <p:blipFill>
-          <a:blip r:embed="rId2"/>
-          <a:stretch>
-            <a:fillRect/>
-          </a:stretch>
-        </p:blipFill>
-        <p:spPr>
-          <a:xfrm>
-            <a:off x="571500" y="1526194"/>
-            <a:ext cx="8596668" cy="1935537"/>
-          </a:xfrm>
-          <a:prstGeom prst="rect">
-            <a:avLst/>
-          </a:prstGeom>
-        </p:spPr>
-      </p:pic>
-      <p:sp>
-        <p:nvSpPr>
-          <p:cNvPr id="6" name="Date Placeholder 3">
-            <a:extLst>
-              <a:ext uri="{FF2B5EF4-FFF2-40B4-BE49-F238E27FC236}">
-                <a16:creationId xmlns:a16="http://schemas.microsoft.com/office/drawing/2014/main" id="{5A155018-75BB-467E-9C0B-72C18B696E77}"/>
-              </a:ext>
-            </a:extLst>
-          </p:cNvPr>
-          <p:cNvSpPr txBox="1">
-            <a:spLocks/>
-          </p:cNvSpPr>
-          <p:nvPr/>
-        </p:nvSpPr>
-        <p:spPr>
-          <a:xfrm>
-            <a:off x="677334" y="231051"/>
-            <a:ext cx="1071566" cy="378549"/>
-          </a:xfrm>
-          <a:prstGeom prst="rect">
-            <a:avLst/>
-          </a:prstGeom>
-        </p:spPr>
-        <p:txBody>
-          <a:bodyPr vert="horz" lIns="91440" tIns="45720" rIns="91440" bIns="45720" rtlCol="0" anchor="ctr"/>
-          <a:lstStyle>
-            <a:defPPr>
-              <a:defRPr lang="en-US"/>
-            </a:defPPr>
-            <a:lvl1pPr marL="0" algn="r" defTabSz="457200" rtl="0" eaLnBrk="1" latinLnBrk="0" hangingPunct="1">
-              <a:defRPr sz="900" kern="1200">
-                <a:solidFill>
-                  <a:schemeClr val="tx1">
-                    <a:tint val="75000"/>
-                  </a:schemeClr>
-                </a:solidFill>
-                <a:latin typeface="+mn-lt"/>
-                <a:ea typeface="+mn-ea"/>
-                <a:cs typeface="+mn-cs"/>
-              </a:defRPr>
-            </a:lvl1pPr>
-            <a:lvl2pPr marL="457200" algn="l" defTabSz="457200" rtl="0" eaLnBrk="1" latinLnBrk="0" hangingPunct="1">
-              <a:defRPr sz="1800" kern="1200">
-                <a:solidFill>
-                  <a:schemeClr val="tx1"/>
-                </a:solidFill>
-                <a:latin typeface="+mn-lt"/>
-                <a:ea typeface="+mn-ea"/>
-                <a:cs typeface="+mn-cs"/>
-              </a:defRPr>
-            </a:lvl2pPr>
-            <a:lvl3pPr marL="914400" algn="l" defTabSz="457200" rtl="0" eaLnBrk="1" latinLnBrk="0" hangingPunct="1">
-              <a:defRPr sz="1800" kern="1200">
-                <a:solidFill>
-                  <a:schemeClr val="tx1"/>
-                </a:solidFill>
-                <a:latin typeface="+mn-lt"/>
-                <a:ea typeface="+mn-ea"/>
-                <a:cs typeface="+mn-cs"/>
-              </a:defRPr>
-            </a:lvl3pPr>
-            <a:lvl4pPr marL="1371600" algn="l" defTabSz="457200" rtl="0" eaLnBrk="1" latinLnBrk="0" hangingPunct="1">
-              <a:defRPr sz="1800" kern="1200">
-                <a:solidFill>
-                  <a:schemeClr val="tx1"/>
-                </a:solidFill>
-                <a:latin typeface="+mn-lt"/>
-                <a:ea typeface="+mn-ea"/>
-                <a:cs typeface="+mn-cs"/>
-              </a:defRPr>
-            </a:lvl4pPr>
-            <a:lvl5pPr marL="1828800" algn="l" defTabSz="457200" rtl="0" eaLnBrk="1" latinLnBrk="0" hangingPunct="1">
-              <a:defRPr sz="1800" kern="1200">
-                <a:solidFill>
-                  <a:schemeClr val="tx1"/>
-                </a:solidFill>
-                <a:latin typeface="+mn-lt"/>
-                <a:ea typeface="+mn-ea"/>
-                <a:cs typeface="+mn-cs"/>
-              </a:defRPr>
-            </a:lvl5pPr>
-            <a:lvl6pPr marL="2286000" algn="l" defTabSz="457200" rtl="0" eaLnBrk="1" latinLnBrk="0" hangingPunct="1">
-              <a:defRPr sz="1800" kern="1200">
-                <a:solidFill>
-                  <a:schemeClr val="tx1"/>
-                </a:solidFill>
-                <a:latin typeface="+mn-lt"/>
-                <a:ea typeface="+mn-ea"/>
-                <a:cs typeface="+mn-cs"/>
-              </a:defRPr>
-            </a:lvl6pPr>
-            <a:lvl7pPr marL="2743200" algn="l" defTabSz="457200" rtl="0" eaLnBrk="1" latinLnBrk="0" hangingPunct="1">
-              <a:defRPr sz="1800" kern="1200">
-                <a:solidFill>
-                  <a:schemeClr val="tx1"/>
-                </a:solidFill>
-                <a:latin typeface="+mn-lt"/>
-                <a:ea typeface="+mn-ea"/>
-                <a:cs typeface="+mn-cs"/>
-              </a:defRPr>
-            </a:lvl7pPr>
-            <a:lvl8pPr marL="3200400" algn="l" defTabSz="457200" rtl="0" eaLnBrk="1" latinLnBrk="0" hangingPunct="1">
-              <a:defRPr sz="1800" kern="1200">
-                <a:solidFill>
-                  <a:schemeClr val="tx1"/>
-                </a:solidFill>
-                <a:latin typeface="+mn-lt"/>
-                <a:ea typeface="+mn-ea"/>
-                <a:cs typeface="+mn-cs"/>
-              </a:defRPr>
-            </a:lvl8pPr>
-            <a:lvl9pPr marL="3657600" algn="l" defTabSz="457200" rtl="0" eaLnBrk="1" latinLnBrk="0" hangingPunct="1">
-              <a:defRPr sz="1800" kern="1200">
-                <a:solidFill>
-                  <a:schemeClr val="tx1"/>
-                </a:solidFill>
-                <a:latin typeface="+mn-lt"/>
-                <a:ea typeface="+mn-ea"/>
-                <a:cs typeface="+mn-cs"/>
-              </a:defRPr>
-            </a:lvl9pPr>
-          </a:lstStyle>
-          <a:p>
-            <a:fld id="{5665C720-CFBA-4CD6-B44E-E52DA515AFF8}" type="datetime1">
-              <a:rPr lang="de-DE" sz="1400" smtClean="0"/>
-              <a:pPr/>
-              <a:t>11.09.2020</a:t>
-            </a:fld>
-            <a:endParaRPr lang="en-US" dirty="0"/>
-          </a:p>
-        </p:txBody>
-      </p:sp>
-      <p:sp>
-        <p:nvSpPr>
-          <p:cNvPr id="7" name="Date Placeholder 3">
-            <a:extLst>
-              <a:ext uri="{FF2B5EF4-FFF2-40B4-BE49-F238E27FC236}">
-                <a16:creationId xmlns:a16="http://schemas.microsoft.com/office/drawing/2014/main" id="{BAD5D7EE-33EA-45D2-A694-351C748A2C0C}"/>
-              </a:ext>
-            </a:extLst>
-          </p:cNvPr>
-          <p:cNvSpPr txBox="1">
-            <a:spLocks/>
-          </p:cNvSpPr>
-          <p:nvPr/>
-        </p:nvSpPr>
-        <p:spPr>
-          <a:xfrm>
-            <a:off x="1824033" y="231050"/>
-            <a:ext cx="5713108" cy="378549"/>
-          </a:xfrm>
-          <a:prstGeom prst="rect">
-            <a:avLst/>
-          </a:prstGeom>
-        </p:spPr>
-        <p:txBody>
-          <a:bodyPr vert="horz" lIns="91440" tIns="45720" rIns="91440" bIns="45720" rtlCol="0" anchor="ctr"/>
-          <a:lstStyle>
-            <a:defPPr>
-              <a:defRPr lang="en-US"/>
-            </a:defPPr>
-            <a:lvl1pPr marL="0" algn="r" defTabSz="457200" rtl="0" eaLnBrk="1" latinLnBrk="0" hangingPunct="1">
-              <a:defRPr sz="900" kern="1200">
-                <a:solidFill>
-                  <a:schemeClr val="tx1">
-                    <a:tint val="75000"/>
-                  </a:schemeClr>
-                </a:solidFill>
-                <a:latin typeface="+mn-lt"/>
-                <a:ea typeface="+mn-ea"/>
-                <a:cs typeface="+mn-cs"/>
-              </a:defRPr>
-            </a:lvl1pPr>
-            <a:lvl2pPr marL="457200" algn="l" defTabSz="457200" rtl="0" eaLnBrk="1" latinLnBrk="0" hangingPunct="1">
-              <a:defRPr sz="1800" kern="1200">
-                <a:solidFill>
-                  <a:schemeClr val="tx1"/>
-                </a:solidFill>
-                <a:latin typeface="+mn-lt"/>
-                <a:ea typeface="+mn-ea"/>
-                <a:cs typeface="+mn-cs"/>
-              </a:defRPr>
-            </a:lvl2pPr>
-            <a:lvl3pPr marL="914400" algn="l" defTabSz="457200" rtl="0" eaLnBrk="1" latinLnBrk="0" hangingPunct="1">
-              <a:defRPr sz="1800" kern="1200">
-                <a:solidFill>
-                  <a:schemeClr val="tx1"/>
-                </a:solidFill>
-                <a:latin typeface="+mn-lt"/>
-                <a:ea typeface="+mn-ea"/>
-                <a:cs typeface="+mn-cs"/>
-              </a:defRPr>
-            </a:lvl3pPr>
-            <a:lvl4pPr marL="1371600" algn="l" defTabSz="457200" rtl="0" eaLnBrk="1" latinLnBrk="0" hangingPunct="1">
-              <a:defRPr sz="1800" kern="1200">
-                <a:solidFill>
-                  <a:schemeClr val="tx1"/>
-                </a:solidFill>
-                <a:latin typeface="+mn-lt"/>
-                <a:ea typeface="+mn-ea"/>
-                <a:cs typeface="+mn-cs"/>
-              </a:defRPr>
-            </a:lvl4pPr>
-            <a:lvl5pPr marL="1828800" algn="l" defTabSz="457200" rtl="0" eaLnBrk="1" latinLnBrk="0" hangingPunct="1">
-              <a:defRPr sz="1800" kern="1200">
-                <a:solidFill>
-                  <a:schemeClr val="tx1"/>
-                </a:solidFill>
-                <a:latin typeface="+mn-lt"/>
-                <a:ea typeface="+mn-ea"/>
-                <a:cs typeface="+mn-cs"/>
-              </a:defRPr>
-            </a:lvl5pPr>
-            <a:lvl6pPr marL="2286000" algn="l" defTabSz="457200" rtl="0" eaLnBrk="1" latinLnBrk="0" hangingPunct="1">
-              <a:defRPr sz="1800" kern="1200">
-                <a:solidFill>
-                  <a:schemeClr val="tx1"/>
-                </a:solidFill>
-                <a:latin typeface="+mn-lt"/>
-                <a:ea typeface="+mn-ea"/>
-                <a:cs typeface="+mn-cs"/>
-              </a:defRPr>
-            </a:lvl6pPr>
-            <a:lvl7pPr marL="2743200" algn="l" defTabSz="457200" rtl="0" eaLnBrk="1" latinLnBrk="0" hangingPunct="1">
-              <a:defRPr sz="1800" kern="1200">
-                <a:solidFill>
-                  <a:schemeClr val="tx1"/>
-                </a:solidFill>
-                <a:latin typeface="+mn-lt"/>
-                <a:ea typeface="+mn-ea"/>
-                <a:cs typeface="+mn-cs"/>
-              </a:defRPr>
-            </a:lvl7pPr>
-            <a:lvl8pPr marL="3200400" algn="l" defTabSz="457200" rtl="0" eaLnBrk="1" latinLnBrk="0" hangingPunct="1">
-              <a:defRPr sz="1800" kern="1200">
-                <a:solidFill>
-                  <a:schemeClr val="tx1"/>
-                </a:solidFill>
-                <a:latin typeface="+mn-lt"/>
-                <a:ea typeface="+mn-ea"/>
-                <a:cs typeface="+mn-cs"/>
-              </a:defRPr>
-            </a:lvl8pPr>
-            <a:lvl9pPr marL="3657600" algn="l" defTabSz="457200" rtl="0" eaLnBrk="1" latinLnBrk="0" hangingPunct="1">
-              <a:defRPr sz="1800" kern="1200">
-                <a:solidFill>
-                  <a:schemeClr val="tx1"/>
-                </a:solidFill>
-                <a:latin typeface="+mn-lt"/>
-                <a:ea typeface="+mn-ea"/>
-                <a:cs typeface="+mn-cs"/>
-              </a:defRPr>
-            </a:lvl9pPr>
-          </a:lstStyle>
-          <a:p>
-            <a:r>
-              <a:rPr lang="de-DE" sz="1400" dirty="0"/>
-              <a:t>Veronika Taranek, Philipp </a:t>
-            </a:r>
-            <a:r>
-              <a:rPr lang="de-DE" sz="1400" dirty="0" err="1"/>
-              <a:t>Fenesan</a:t>
-            </a:r>
-            <a:r>
-              <a:rPr lang="de-DE" sz="1400" dirty="0"/>
-              <a:t>, Nicolas Geppert, Lukas Werner</a:t>
-            </a:r>
-            <a:endParaRPr lang="en-US" dirty="0"/>
-          </a:p>
-        </p:txBody>
-      </p:sp>
-    </p:spTree>
-    <p:extLst>
-      <p:ext uri="{BB962C8B-B14F-4D97-AF65-F5344CB8AC3E}">
-        <p14:creationId xmlns:p14="http://schemas.microsoft.com/office/powerpoint/2010/main" val="1952191566"/>
-      </p:ext>
-    </p:extLst>
-  </p:cSld>
-  <p:clrMapOvr>
-    <a:masterClrMapping/>
-  </p:clrMapOvr>
-</p:sld>
-</file>
-
 <file path=ppt/theme/theme1.xml><?xml version="1.0" encoding="utf-8"?>
 <a:theme xmlns:a="http://schemas.openxmlformats.org/drawingml/2006/main" name="Facet">
   <a:themeElements>

--- a/presentation/wanderoo – Gruppe 3.pptx
+++ b/presentation/wanderoo – Gruppe 3.pptx
@@ -5,7 +5,7 @@
     <p:sldMasterId id="2147483660" r:id="rId1"/>
   </p:sldMasterIdLst>
   <p:notesMasterIdLst>
-    <p:notesMasterId r:id="rId14"/>
+    <p:notesMasterId r:id="rId15"/>
   </p:notesMasterIdLst>
   <p:sldIdLst>
     <p:sldId id="256" r:id="rId2"/>
@@ -18,8 +18,9 @@
     <p:sldId id="260" r:id="rId9"/>
     <p:sldId id="261" r:id="rId10"/>
     <p:sldId id="263" r:id="rId11"/>
-    <p:sldId id="264" r:id="rId12"/>
-    <p:sldId id="265" r:id="rId13"/>
+    <p:sldId id="269" r:id="rId12"/>
+    <p:sldId id="264" r:id="rId13"/>
+    <p:sldId id="265" r:id="rId14"/>
   </p:sldIdLst>
   <p:sldSz cx="12192000" cy="6858000"/>
   <p:notesSz cx="6858000" cy="9144000"/>
@@ -208,7 +209,7 @@
           <a:p>
             <a:fld id="{91C987E9-D846-45D7-B0BA-09A404DDD18F}" type="datetimeFigureOut">
               <a:rPr lang="en-US" smtClean="0"/>
-              <a:t>9/12/2020</a:t>
+              <a:t>10/29/2020</a:t>
             </a:fld>
             <a:endParaRPr lang="en-US"/>
           </a:p>
@@ -1527,7 +1528,7 @@
           <a:p>
             <a:fld id="{F7B45734-1697-4AB7-959A-59021CEE7C63}" type="datetime1">
               <a:rPr lang="de-DE" smtClean="0"/>
-              <a:t>12.09.2020</a:t>
+              <a:t>29.10.2020</a:t>
             </a:fld>
             <a:endParaRPr lang="en-US"/>
           </a:p>
@@ -1790,7 +1791,7 @@
           <a:p>
             <a:fld id="{28E0F9FB-1E8A-4CFC-BF19-70653968A72B}" type="datetime1">
               <a:rPr lang="de-DE" smtClean="0"/>
-              <a:t>12.09.2020</a:t>
+              <a:t>29.10.2020</a:t>
             </a:fld>
             <a:endParaRPr lang="en-US"/>
           </a:p>
@@ -2041,7 +2042,7 @@
           <a:p>
             <a:fld id="{4C8791FF-7201-4729-B98B-5B802CB6FE26}" type="datetime1">
               <a:rPr lang="de-DE" smtClean="0"/>
-              <a:t>12.09.2020</a:t>
+              <a:t>29.10.2020</a:t>
             </a:fld>
             <a:endParaRPr lang="en-US"/>
           </a:p>
@@ -2355,7 +2356,7 @@
           <a:p>
             <a:fld id="{16EBDE9D-3BF1-458B-B04E-AA7056777578}" type="datetime1">
               <a:rPr lang="de-DE" smtClean="0"/>
-              <a:t>12.09.2020</a:t>
+              <a:t>29.10.2020</a:t>
             </a:fld>
             <a:endParaRPr lang="en-US"/>
           </a:p>
@@ -2696,7 +2697,7 @@
           <a:p>
             <a:fld id="{72379833-F89A-4CC5-AD26-2146F255572C}" type="datetime1">
               <a:rPr lang="de-DE" smtClean="0"/>
-              <a:t>12.09.2020</a:t>
+              <a:t>29.10.2020</a:t>
             </a:fld>
             <a:endParaRPr lang="en-US"/>
           </a:p>
@@ -3010,7 +3011,7 @@
           <a:p>
             <a:fld id="{431A2CE2-D7A9-4F80-8471-7A4DA8B72368}" type="datetime1">
               <a:rPr lang="de-DE" smtClean="0"/>
-              <a:t>12.09.2020</a:t>
+              <a:t>29.10.2020</a:t>
             </a:fld>
             <a:endParaRPr lang="en-US"/>
           </a:p>
@@ -3403,7 +3404,7 @@
           <a:p>
             <a:fld id="{4B9D6D1C-E905-4368-9630-7DD1E44954A8}" type="datetime1">
               <a:rPr lang="de-DE" smtClean="0"/>
-              <a:t>12.09.2020</a:t>
+              <a:t>29.10.2020</a:t>
             </a:fld>
             <a:endParaRPr lang="en-US"/>
           </a:p>
@@ -3573,7 +3574,7 @@
           <a:p>
             <a:fld id="{8627FA29-765F-442F-8C7E-8C4E33FBBD15}" type="datetime1">
               <a:rPr lang="de-DE" smtClean="0"/>
-              <a:t>12.09.2020</a:t>
+              <a:t>29.10.2020</a:t>
             </a:fld>
             <a:endParaRPr lang="en-US"/>
           </a:p>
@@ -3753,7 +3754,7 @@
           <a:p>
             <a:fld id="{C79E08BA-6372-4F95-AB4E-CF7226F9351B}" type="datetime1">
               <a:rPr lang="de-DE" smtClean="0"/>
-              <a:t>12.09.2020</a:t>
+              <a:t>29.10.2020</a:t>
             </a:fld>
             <a:endParaRPr lang="en-US"/>
           </a:p>
@@ -3929,7 +3930,7 @@
           <a:p>
             <a:fld id="{BBFE0E78-BD63-486A-A840-5A82EE4DABDC}" type="datetime1">
               <a:rPr lang="de-DE" smtClean="0"/>
-              <a:t>12.09.2020</a:t>
+              <a:t>29.10.2020</a:t>
             </a:fld>
             <a:endParaRPr lang="en-US"/>
           </a:p>
@@ -4058,7 +4059,7 @@
           <a:p>
             <a:fld id="{FD088E02-9980-4083-8604-339DD30750A9}" type="datetime1">
               <a:rPr lang="de-DE" smtClean="0"/>
-              <a:t>12.09.2020</a:t>
+              <a:t>29.10.2020</a:t>
             </a:fld>
             <a:endParaRPr lang="en-US"/>
           </a:p>
@@ -4400,7 +4401,7 @@
           <a:p>
             <a:fld id="{512B8740-04A0-4F0F-BA2E-747FAA8552CF}" type="datetime1">
               <a:rPr lang="de-DE" smtClean="0"/>
-              <a:t>12.09.2020</a:t>
+              <a:t>29.10.2020</a:t>
             </a:fld>
             <a:endParaRPr lang="en-US"/>
           </a:p>
@@ -4632,7 +4633,7 @@
           <a:p>
             <a:fld id="{52340480-09C1-41B7-ACEE-F79B5ACF8268}" type="datetime1">
               <a:rPr lang="de-DE" smtClean="0"/>
-              <a:t>12.09.2020</a:t>
+              <a:t>29.10.2020</a:t>
             </a:fld>
             <a:endParaRPr lang="en-US"/>
           </a:p>
@@ -5006,7 +5007,7 @@
           <a:p>
             <a:fld id="{3C76072F-ABDE-49C9-B45F-982F33145057}" type="datetime1">
               <a:rPr lang="de-DE" smtClean="0"/>
-              <a:t>12.09.2020</a:t>
+              <a:t>29.10.2020</a:t>
             </a:fld>
             <a:endParaRPr lang="en-US"/>
           </a:p>
@@ -5129,7 +5130,7 @@
           <a:p>
             <a:fld id="{FF972E03-99BD-433F-85AD-6324DFFF3902}" type="datetime1">
               <a:rPr lang="de-DE" smtClean="0"/>
-              <a:t>12.09.2020</a:t>
+              <a:t>29.10.2020</a:t>
             </a:fld>
             <a:endParaRPr lang="en-US"/>
           </a:p>
@@ -5224,7 +5225,7 @@
           <a:p>
             <a:fld id="{EB4EFE40-CAA3-420B-8D0E-DBD5AB0FE83F}" type="datetime1">
               <a:rPr lang="de-DE" smtClean="0"/>
-              <a:t>12.09.2020</a:t>
+              <a:t>29.10.2020</a:t>
             </a:fld>
             <a:endParaRPr lang="en-US"/>
           </a:p>
@@ -5479,7 +5480,7 @@
           <a:p>
             <a:fld id="{E2AC2435-A98B-4155-AB69-4F954FE6AEBB}" type="datetime1">
               <a:rPr lang="de-DE" smtClean="0"/>
-              <a:t>12.09.2020</a:t>
+              <a:t>29.10.2020</a:t>
             </a:fld>
             <a:endParaRPr lang="en-US"/>
           </a:p>
@@ -6222,7 +6223,7 @@
           <a:p>
             <a:fld id="{589A2304-41B2-49D5-86E3-82760E9ED896}" type="datetime1">
               <a:rPr lang="de-DE" smtClean="0"/>
-              <a:t>12.09.2020</a:t>
+              <a:t>29.10.2020</a:t>
             </a:fld>
             <a:endParaRPr lang="en-US"/>
           </a:p>
@@ -6847,7 +6848,7 @@
           <a:p>
             <a:fld id="{46B7071C-03FC-43DF-B990-14F749E9D9DA}" type="datetime1">
               <a:rPr lang="de-DE" smtClean="0"/>
-              <a:t>12.09.2020</a:t>
+              <a:t>29.10.2020</a:t>
             </a:fld>
             <a:endParaRPr lang="en-US" dirty="0"/>
           </a:p>
@@ -7116,7 +7117,7 @@
             <a:fld id="{5665C720-CFBA-4CD6-B44E-E52DA515AFF8}" type="datetime1">
               <a:rPr lang="de-DE" sz="1400" smtClean="0"/>
               <a:pPr/>
-              <a:t>12.09.2020</a:t>
+              <a:t>29.10.2020</a:t>
             </a:fld>
             <a:endParaRPr lang="en-US" dirty="0"/>
           </a:p>
@@ -7296,7 +7297,7 @@
           <p:cNvPr id="2" name="Title 1">
             <a:extLst>
               <a:ext uri="{FF2B5EF4-FFF2-40B4-BE49-F238E27FC236}">
-                <a16:creationId xmlns:a16="http://schemas.microsoft.com/office/drawing/2014/main" id="{A533C930-62BB-49CD-A689-73D96C0BFBBB}"/>
+                <a16:creationId xmlns:a16="http://schemas.microsoft.com/office/drawing/2014/main" id="{DD89B45D-81B8-4037-8647-E08DB7556E63}"/>
               </a:ext>
             </a:extLst>
           </p:cNvPr>
@@ -7314,546 +7315,213 @@
           <a:p>
             <a:r>
               <a:rPr lang="en-US" dirty="0"/>
-              <a:t>Aufbau</a:t>
-            </a:r>
-          </a:p>
-        </p:txBody>
-      </p:sp>
-      <p:pic>
-        <p:nvPicPr>
-          <p:cNvPr id="4" name="Picture 3">
+              <a:t>Use Case: </a:t>
+            </a:r>
+            <a:r>
+              <a:rPr lang="en-US" dirty="0" err="1"/>
+              <a:t>Registrierung</a:t>
+            </a:r>
+            <a:endParaRPr lang="en-US" dirty="0"/>
+          </a:p>
+        </p:txBody>
+      </p:sp>
+      <p:sp>
+        <p:nvSpPr>
+          <p:cNvPr id="3" name="Content Placeholder 2">
             <a:extLst>
               <a:ext uri="{FF2B5EF4-FFF2-40B4-BE49-F238E27FC236}">
-                <a16:creationId xmlns:a16="http://schemas.microsoft.com/office/drawing/2014/main" id="{AD68B0E1-41E1-4EB3-A65A-63E5C69892B2}"/>
+                <a16:creationId xmlns:a16="http://schemas.microsoft.com/office/drawing/2014/main" id="{591DF666-F25C-416A-9D7B-D66F364C5048}"/>
               </a:ext>
             </a:extLst>
           </p:cNvPr>
-          <p:cNvPicPr>
-            <a:picLocks noChangeAspect="1"/>
-          </p:cNvPicPr>
-          <p:nvPr/>
-        </p:nvPicPr>
-        <p:blipFill>
-          <a:blip r:embed="rId2">
-            <a:extLst>
-              <a:ext uri="{BEBA8EAE-BF5A-486C-A8C5-ECC9F3942E4B}">
-                <a14:imgProps xmlns:a14="http://schemas.microsoft.com/office/drawing/2010/main">
-                  <a14:imgLayer r:embed="rId3">
-                    <a14:imgEffect>
-                      <a14:backgroundRemoval t="0" b="99752" l="190" r="99621">
-                        <a14:foregroundMark x1="18009" y1="1613" x2="9573" y2="620"/>
-                        <a14:foregroundMark x1="9573" y1="620" x2="2180" y2="2978"/>
-                        <a14:foregroundMark x1="2180" y1="2978" x2="1327" y2="12903"/>
-                        <a14:foregroundMark x1="1327" y1="12903" x2="5592" y2="21464"/>
-                        <a14:foregroundMark x1="5592" y1="21464" x2="13175" y2="22333"/>
-                        <a14:foregroundMark x1="13175" y1="22333" x2="19905" y2="17246"/>
-                        <a14:foregroundMark x1="19905" y1="17246" x2="17536" y2="620"/>
-                        <a14:foregroundMark x1="3128" y1="1737" x2="4834" y2="20099"/>
-                        <a14:foregroundMark x1="4834" y1="30273" x2="14313" y2="32134"/>
-                        <a14:foregroundMark x1="18104" y1="28660" x2="8626" y2="27916"/>
-                        <a14:foregroundMark x1="38673" y1="4467" x2="46161" y2="5707"/>
-                        <a14:foregroundMark x1="46161" y1="5707" x2="49384" y2="15136"/>
-                        <a14:foregroundMark x1="49384" y1="15136" x2="42559" y2="18983"/>
-                        <a14:foregroundMark x1="42559" y1="18983" x2="39147" y2="10174"/>
-                        <a14:foregroundMark x1="39147" y1="10174" x2="39147" y2="4839"/>
-                        <a14:foregroundMark x1="24076" y1="29901" x2="38009" y2="17246"/>
-                        <a14:foregroundMark x1="38104" y1="17246" x2="36493" y2="18362"/>
-                        <a14:foregroundMark x1="37156" y1="17990" x2="23128" y2="29280"/>
-                        <a14:foregroundMark x1="14882" y1="55707" x2="29763" y2="54094"/>
-                        <a14:foregroundMark x1="29763" y1="54094" x2="33175" y2="55087"/>
-                        <a14:foregroundMark x1="41896" y1="87717" x2="46919" y2="95409"/>
-                        <a14:foregroundMark x1="46919" y1="95409" x2="54597" y2="95285"/>
-                        <a14:foregroundMark x1="54597" y1="95285" x2="61801" y2="96402"/>
-                        <a14:foregroundMark x1="68531" y1="47022" x2="69194" y2="79032"/>
-                        <a14:foregroundMark x1="69194" y1="79032" x2="74218" y2="86104"/>
-                        <a14:foregroundMark x1="74218" y1="86104" x2="81706" y2="85112"/>
-                        <a14:foregroundMark x1="81706" y1="85112" x2="89194" y2="85484"/>
-                        <a14:foregroundMark x1="89194" y1="85484" x2="93934" y2="77419"/>
-                        <a14:foregroundMark x1="93934" y1="77419" x2="93649" y2="56948"/>
-                        <a14:foregroundMark x1="93649" y1="56948" x2="90995" y2="47643"/>
-                        <a14:foregroundMark x1="90995" y1="47643" x2="68815" y2="47643"/>
-                        <a14:foregroundMark x1="95829" y1="46898" x2="95829" y2="85112"/>
-                        <a14:foregroundMark x1="95829" y1="85112" x2="93460" y2="87221"/>
-                        <a14:foregroundMark x1="55545" y1="28660" x2="47962" y2="28784"/>
-                        <a14:foregroundMark x1="47962" y1="28784" x2="45877" y2="28164"/>
-                        <a14:foregroundMark x1="29100" y1="27543" x2="59621" y2="28908"/>
-                        <a14:foregroundMark x1="59621" y1="28908" x2="51754" y2="28412"/>
-                        <a14:foregroundMark x1="51754" y1="28412" x2="59621" y2="28784"/>
-                        <a14:foregroundMark x1="59621" y1="28784" x2="61232" y2="28536"/>
-                        <a14:foregroundMark x1="69668" y1="28164" x2="77156" y2="28288"/>
-                        <a14:foregroundMark x1="77156" y1="28288" x2="88531" y2="27419"/>
-                        <a14:foregroundMark x1="67773" y1="45906" x2="52607" y2="23945"/>
-                        <a14:foregroundMark x1="52607" y1="23945" x2="50142" y2="21836"/>
-                        <a14:foregroundMark x1="46445" y1="21464" x2="49194" y2="28660"/>
-                        <a14:foregroundMark x1="50237" y1="22457" x2="55545" y2="28536"/>
-                        <a14:foregroundMark x1="42370" y1="20720" x2="39052" y2="29653"/>
-                        <a14:foregroundMark x1="40284" y1="19851" x2="37251" y2="28908"/>
-                        <a14:foregroundMark x1="49668" y1="15757" x2="69858" y2="28908"/>
-                        <a14:foregroundMark x1="69858" y1="28908" x2="70142" y2="29529"/>
-                        <a14:foregroundMark x1="48815" y1="16129" x2="62085" y2="24318"/>
-                        <a14:foregroundMark x1="62085" y1="24318" x2="49858" y2="16998"/>
-                        <a14:foregroundMark x1="73649" y1="85484" x2="68626" y2="85856"/>
-                        <a14:foregroundMark x1="89953" y1="45161" x2="89289" y2="35112"/>
-                        <a14:foregroundMark x1="89289" y1="35112" x2="84455" y2="27543"/>
-                        <a14:foregroundMark x1="84455" y1="27543" x2="67204" y2="27047"/>
-                        <a14:foregroundMark x1="22370" y1="52730" x2="1327" y2="51985"/>
-                        <a14:foregroundMark x1="14502" y1="53226" x2="6730" y2="54467"/>
-                        <a14:foregroundMark x1="6730" y1="54467" x2="284" y2="52357"/>
-                        <a14:foregroundMark x1="26161" y1="25434" x2="20284" y2="25682"/>
-                        <a14:foregroundMark x1="37536" y1="16253" x2="36398" y2="6203"/>
-                        <a14:foregroundMark x1="36398" y1="6203" x2="43128" y2="1737"/>
-                        <a14:foregroundMark x1="43128" y1="1737" x2="50521" y2="1985"/>
-                        <a14:foregroundMark x1="50521" y1="1985" x2="50806" y2="14516"/>
-                        <a14:foregroundMark x1="90237" y1="45285" x2="97156" y2="48759"/>
-                        <a14:foregroundMark x1="20474" y1="620" x2="22085" y2="10298"/>
-                        <a14:foregroundMark x1="22085" y1="10298" x2="20948" y2="22953"/>
-                        <a14:foregroundMark x1="14882" y1="56203" x2="12701" y2="86352"/>
-                        <a14:foregroundMark x1="12701" y1="86352" x2="18294" y2="93548"/>
-                        <a14:foregroundMark x1="18294" y1="93548" x2="25592" y2="92928"/>
-                        <a14:foregroundMark x1="25592" y1="92928" x2="33649" y2="92928"/>
-                        <a14:foregroundMark x1="33649" y1="92928" x2="41043" y2="91811"/>
-                        <a14:foregroundMark x1="41043" y1="91811" x2="43412" y2="92184"/>
-                        <a14:foregroundMark x1="62559" y1="90695" x2="69384" y2="94789"/>
-                        <a14:foregroundMark x1="69384" y1="94789" x2="70427" y2="99752"/>
-                        <a14:foregroundMark x1="18578" y1="93548" x2="13934" y2="88337"/>
-                        <a14:foregroundMark x1="16493" y1="92928" x2="14313" y2="88337"/>
-                        <a14:foregroundMark x1="70711" y1="26179" x2="86445" y2="27792"/>
-                        <a14:foregroundMark x1="86445" y1="27792" x2="99621" y2="49007"/>
-                        <a14:foregroundMark x1="90711" y1="33127" x2="89668" y2="27543"/>
-                        <a14:foregroundMark x1="89100" y1="28164" x2="80190" y2="26055"/>
-                        <a14:foregroundMark x1="60474" y1="20347" x2="51090" y2="14020"/>
-                        <a14:foregroundMark x1="67014" y1="47643" x2="61801" y2="39578"/>
-                        <a14:foregroundMark x1="66919" y1="25682" x2="82085" y2="24814"/>
-                        <a14:foregroundMark x1="82085" y1="24814" x2="89763" y2="25931"/>
-                        <a14:foregroundMark x1="89763" y1="25931" x2="95355" y2="36725"/>
-                        <a14:foregroundMark x1="35355" y1="51985" x2="39716" y2="60298"/>
-                        <a14:foregroundMark x1="39716" y1="60298" x2="39905" y2="88958"/>
-                        <a14:foregroundMark x1="67678" y1="88337" x2="75355" y2="88710"/>
-                        <a14:foregroundMark x1="75355" y1="88710" x2="83412" y2="87965"/>
-                        <a14:foregroundMark x1="83412" y1="87965" x2="90806" y2="88089"/>
-                        <a14:foregroundMark x1="90806" y1="88089" x2="96872" y2="82010"/>
-                        <a14:foregroundMark x1="96872" y1="82010" x2="96777" y2="52357"/>
-                        <a14:foregroundMark x1="96777" y1="52357" x2="97441" y2="49132"/>
-                        <a14:foregroundMark x1="13744" y1="89082" x2="18104" y2="95782"/>
-                        <a14:foregroundMark x1="96588" y1="83002" x2="90047" y2="88337"/>
-                        <a14:foregroundMark x1="90047" y1="88337" x2="89668" y2="88337"/>
-                        <a14:foregroundMark x1="96872" y1="83623" x2="91185" y2="89082"/>
-                        <a14:foregroundMark x1="96682" y1="83995" x2="92133" y2="88958"/>
-                        <a14:foregroundMark x1="96872" y1="85484" x2="95355" y2="92184"/>
-                        <a14:backgroundMark x1="96121" y1="92473" x2="86066" y2="99380"/>
-                        <a14:backgroundMark x1="99431" y1="90199" x2="97128" y2="91781"/>
-                        <a14:backgroundMark x1="86066" y1="99380" x2="86066" y2="99380"/>
-                      </a14:backgroundRemoval>
-                    </a14:imgEffect>
-                  </a14:imgLayer>
-                </a14:imgProps>
-              </a:ext>
-            </a:extLst>
-          </a:blip>
-          <a:stretch>
-            <a:fillRect/>
-          </a:stretch>
-        </p:blipFill>
+          <p:cNvSpPr>
+            <a:spLocks noGrp="1"/>
+          </p:cNvSpPr>
+          <p:nvPr>
+            <p:ph idx="1"/>
+          </p:nvPr>
+        </p:nvSpPr>
         <p:spPr>
           <a:xfrm>
-            <a:off x="3105754" y="936102"/>
-            <a:ext cx="5745283" cy="4389287"/>
+            <a:off x="677334" y="1590675"/>
+            <a:ext cx="8596668" cy="5162550"/>
           </a:xfrm>
-          <a:prstGeom prst="rect">
-            <a:avLst/>
-          </a:prstGeom>
         </p:spPr>
-      </p:pic>
-      <p:sp>
-        <p:nvSpPr>
-          <p:cNvPr id="5" name="TextBox 4">
+        <p:txBody>
+          <a:bodyPr>
+            <a:normAutofit lnSpcReduction="10000"/>
+          </a:bodyPr>
+          <a:lstStyle/>
+          <a:p>
+            <a:r>
+              <a:rPr lang="de-DE" dirty="0"/>
+              <a:t>Beschreibung</a:t>
+            </a:r>
+          </a:p>
+          <a:p>
+            <a:pPr marL="457200" lvl="1" indent="0">
+              <a:buNone/>
+            </a:pPr>
+            <a:r>
+              <a:rPr lang="de-DE" dirty="0"/>
+              <a:t>Dieser </a:t>
+            </a:r>
+            <a:r>
+              <a:rPr lang="de-DE" dirty="0" err="1"/>
+              <a:t>Use</a:t>
+            </a:r>
+            <a:r>
+              <a:rPr lang="de-DE" dirty="0"/>
+              <a:t> Case beschreibt wie der Benutzer sich einen Account bei </a:t>
+            </a:r>
+            <a:r>
+              <a:rPr lang="de-DE" dirty="0" err="1"/>
+              <a:t>wanderoo</a:t>
+            </a:r>
+            <a:r>
+              <a:rPr lang="de-DE" dirty="0"/>
+              <a:t> anlegt</a:t>
+            </a:r>
+          </a:p>
+          <a:p>
+            <a:r>
+              <a:rPr lang="de-DE" dirty="0"/>
+              <a:t>Beteiligte</a:t>
+            </a:r>
+          </a:p>
+          <a:p>
+            <a:pPr marL="457200" lvl="1" indent="0">
+              <a:buNone/>
+            </a:pPr>
+            <a:r>
+              <a:rPr lang="de-DE" dirty="0"/>
+              <a:t>Benutzer</a:t>
+            </a:r>
+          </a:p>
+          <a:p>
+            <a:r>
+              <a:rPr lang="de-DE" dirty="0"/>
+              <a:t>Voraussetzungen</a:t>
+            </a:r>
+          </a:p>
+          <a:p>
+            <a:pPr marL="457200" lvl="1" indent="0">
+              <a:buNone/>
+            </a:pPr>
+            <a:r>
+              <a:rPr lang="de-DE" dirty="0"/>
+              <a:t>Datenbankverbindung muss vorhanden sein</a:t>
+            </a:r>
+          </a:p>
+          <a:p>
+            <a:pPr marL="457200" lvl="1" indent="0">
+              <a:buNone/>
+            </a:pPr>
+            <a:r>
+              <a:rPr lang="de-DE" dirty="0"/>
+              <a:t>Der Benutzer darf nicht vorhanden sein</a:t>
+            </a:r>
+          </a:p>
+          <a:p>
+            <a:r>
+              <a:rPr lang="de-DE" dirty="0"/>
+              <a:t>Ereignisfluss</a:t>
+            </a:r>
+          </a:p>
+          <a:p>
+            <a:pPr marL="457200" lvl="1" indent="0">
+              <a:buNone/>
+            </a:pPr>
+            <a:r>
+              <a:rPr lang="de-DE" dirty="0"/>
+              <a:t>Im Login-Screen muss auf Registrieren gedrückt werden</a:t>
+            </a:r>
+          </a:p>
+          <a:p>
+            <a:pPr marL="457200" lvl="1" indent="0">
+              <a:buNone/>
+            </a:pPr>
+            <a:r>
+              <a:rPr lang="de-DE" dirty="0"/>
+              <a:t>Reale Benutzerdaten müssen eingegeben werden</a:t>
+            </a:r>
+          </a:p>
+          <a:p>
+            <a:pPr marL="457200" lvl="1" indent="0">
+              <a:buNone/>
+            </a:pPr>
+            <a:r>
+              <a:rPr lang="de-DE" dirty="0"/>
+              <a:t>Der Registrieren-Knopf muss gedrückt werden</a:t>
+            </a:r>
+          </a:p>
+          <a:p>
+            <a:pPr indent="-285750"/>
+            <a:r>
+              <a:rPr lang="de-DE" dirty="0"/>
+              <a:t>Nachbedingung</a:t>
+            </a:r>
+          </a:p>
+          <a:p>
+            <a:pPr marL="457200" lvl="1" indent="0">
+              <a:buNone/>
+            </a:pPr>
+            <a:r>
+              <a:rPr lang="de-DE" dirty="0"/>
+              <a:t>Erfolgreich: Registrierung abgeschlossen, Menü-Screen wird angezeigt</a:t>
+            </a:r>
+          </a:p>
+          <a:p>
+            <a:pPr marL="457200" lvl="1" indent="0">
+              <a:buNone/>
+            </a:pPr>
+            <a:r>
+              <a:rPr lang="de-DE" dirty="0"/>
+              <a:t>Fehler: </a:t>
+            </a:r>
+            <a:r>
+              <a:rPr lang="de-DE"/>
+              <a:t>Registrierung fehlgeschlagen</a:t>
+            </a:r>
+          </a:p>
+          <a:p>
+            <a:pPr marL="457200" lvl="1" indent="0">
+              <a:buNone/>
+            </a:pPr>
+            <a:endParaRPr lang="de-DE" dirty="0"/>
+          </a:p>
+        </p:txBody>
+      </p:sp>
+      <p:sp>
+        <p:nvSpPr>
+          <p:cNvPr id="4" name="Date Placeholder 3">
             <a:extLst>
               <a:ext uri="{FF2B5EF4-FFF2-40B4-BE49-F238E27FC236}">
-                <a16:creationId xmlns:a16="http://schemas.microsoft.com/office/drawing/2014/main" id="{7FDF7188-C07D-448D-A4A7-2BC551B56E6A}"/>
+                <a16:creationId xmlns:a16="http://schemas.microsoft.com/office/drawing/2014/main" id="{2AE931F4-8979-439A-A18E-8926B74A1C51}"/>
               </a:ext>
             </a:extLst>
           </p:cNvPr>
-          <p:cNvSpPr txBox="1"/>
-          <p:nvPr/>
+          <p:cNvSpPr>
+            <a:spLocks noGrp="1"/>
+          </p:cNvSpPr>
+          <p:nvPr>
+            <p:ph type="dt" sz="half" idx="10"/>
+          </p:nvPr>
         </p:nvSpPr>
         <p:spPr>
           <a:xfrm>
-            <a:off x="571500" y="5410200"/>
-            <a:ext cx="7928774" cy="646331"/>
+            <a:off x="89958" y="104775"/>
+            <a:ext cx="911939" cy="365125"/>
           </a:xfrm>
-          <a:prstGeom prst="rect">
-            <a:avLst/>
-          </a:prstGeom>
-          <a:noFill/>
         </p:spPr>
         <p:txBody>
-          <a:bodyPr wrap="none" rtlCol="0">
-            <a:spAutoFit/>
-          </a:bodyPr>
+          <a:bodyPr/>
           <a:lstStyle/>
           <a:p>
-            <a:r>
-              <a:rPr lang="en-US" dirty="0" err="1"/>
-              <a:t>Auffällig</a:t>
-            </a:r>
-            <a:r>
-              <a:rPr lang="en-US" dirty="0"/>
-              <a:t> </a:t>
-            </a:r>
-            <a:r>
-              <a:rPr lang="en-US" dirty="0" err="1"/>
-              <a:t>ist</a:t>
-            </a:r>
-            <a:r>
-              <a:rPr lang="en-US" dirty="0"/>
-              <a:t>, </a:t>
-            </a:r>
-            <a:r>
-              <a:rPr lang="en-US" dirty="0" err="1"/>
-              <a:t>dass</a:t>
-            </a:r>
-            <a:r>
-              <a:rPr lang="en-US" dirty="0"/>
-              <a:t> die </a:t>
-            </a:r>
-            <a:r>
-              <a:rPr lang="en-US" dirty="0" err="1"/>
-              <a:t>Funktionen</a:t>
-            </a:r>
-            <a:r>
-              <a:rPr lang="en-US" dirty="0"/>
-              <a:t> von den Design-Klassen </a:t>
-            </a:r>
-            <a:r>
-              <a:rPr lang="en-US" dirty="0" err="1"/>
-              <a:t>getrennt</a:t>
-            </a:r>
-            <a:r>
-              <a:rPr lang="en-US" dirty="0"/>
-              <a:t> </a:t>
-            </a:r>
-            <a:r>
-              <a:rPr lang="en-US" dirty="0" err="1"/>
-              <a:t>wurden</a:t>
-            </a:r>
-            <a:r>
-              <a:rPr lang="en-US" dirty="0"/>
-              <a:t>.</a:t>
-            </a:r>
-            <a:br>
-              <a:rPr lang="en-US" dirty="0"/>
-            </a:br>
-            <a:r>
-              <a:rPr lang="en-US" dirty="0"/>
-              <a:t>Die </a:t>
-            </a:r>
-            <a:r>
-              <a:rPr lang="en-US" dirty="0" err="1"/>
-              <a:t>Logik</a:t>
-            </a:r>
-            <a:r>
-              <a:rPr lang="en-US" dirty="0"/>
-              <a:t> </a:t>
-            </a:r>
-            <a:r>
-              <a:rPr lang="en-US" dirty="0" err="1"/>
-              <a:t>wird</a:t>
-            </a:r>
-            <a:r>
-              <a:rPr lang="en-US" dirty="0"/>
-              <a:t> in extra Klassen </a:t>
-            </a:r>
-            <a:r>
-              <a:rPr lang="en-US" dirty="0" err="1"/>
-              <a:t>implementiert</a:t>
-            </a:r>
-            <a:r>
-              <a:rPr lang="en-US" dirty="0"/>
-              <a:t>, die </a:t>
-            </a:r>
-            <a:r>
-              <a:rPr lang="en-US" dirty="0" err="1"/>
-              <a:t>getrennt</a:t>
-            </a:r>
-            <a:r>
-              <a:rPr lang="en-US" dirty="0"/>
-              <a:t> von der UI </a:t>
-            </a:r>
-            <a:r>
-              <a:rPr lang="en-US" dirty="0" err="1"/>
-              <a:t>sind</a:t>
-            </a:r>
-            <a:endParaRPr lang="en-US" dirty="0"/>
-          </a:p>
-        </p:txBody>
-      </p:sp>
-      <p:sp>
-        <p:nvSpPr>
-          <p:cNvPr id="6" name="Date Placeholder 3">
-            <a:extLst>
-              <a:ext uri="{FF2B5EF4-FFF2-40B4-BE49-F238E27FC236}">
-                <a16:creationId xmlns:a16="http://schemas.microsoft.com/office/drawing/2014/main" id="{C597FC9F-E38B-4D7C-800C-2E507A9787EC}"/>
-              </a:ext>
-            </a:extLst>
-          </p:cNvPr>
-          <p:cNvSpPr txBox="1">
-            <a:spLocks/>
-          </p:cNvSpPr>
-          <p:nvPr/>
-        </p:nvSpPr>
-        <p:spPr>
-          <a:xfrm>
-            <a:off x="677334" y="231051"/>
-            <a:ext cx="1071566" cy="378549"/>
-          </a:xfrm>
-          <a:prstGeom prst="rect">
-            <a:avLst/>
-          </a:prstGeom>
-        </p:spPr>
-        <p:txBody>
-          <a:bodyPr vert="horz" lIns="91440" tIns="45720" rIns="91440" bIns="45720" rtlCol="0" anchor="ctr"/>
-          <a:lstStyle>
-            <a:defPPr>
-              <a:defRPr lang="en-US"/>
-            </a:defPPr>
-            <a:lvl1pPr marL="0" algn="r" defTabSz="457200" rtl="0" eaLnBrk="1" latinLnBrk="0" hangingPunct="1">
-              <a:defRPr sz="900" kern="1200">
-                <a:solidFill>
-                  <a:schemeClr val="tx1">
-                    <a:tint val="75000"/>
-                  </a:schemeClr>
-                </a:solidFill>
-                <a:latin typeface="+mn-lt"/>
-                <a:ea typeface="+mn-ea"/>
-                <a:cs typeface="+mn-cs"/>
-              </a:defRPr>
-            </a:lvl1pPr>
-            <a:lvl2pPr marL="457200" algn="l" defTabSz="457200" rtl="0" eaLnBrk="1" latinLnBrk="0" hangingPunct="1">
-              <a:defRPr sz="1800" kern="1200">
-                <a:solidFill>
-                  <a:schemeClr val="tx1"/>
-                </a:solidFill>
-                <a:latin typeface="+mn-lt"/>
-                <a:ea typeface="+mn-ea"/>
-                <a:cs typeface="+mn-cs"/>
-              </a:defRPr>
-            </a:lvl2pPr>
-            <a:lvl3pPr marL="914400" algn="l" defTabSz="457200" rtl="0" eaLnBrk="1" latinLnBrk="0" hangingPunct="1">
-              <a:defRPr sz="1800" kern="1200">
-                <a:solidFill>
-                  <a:schemeClr val="tx1"/>
-                </a:solidFill>
-                <a:latin typeface="+mn-lt"/>
-                <a:ea typeface="+mn-ea"/>
-                <a:cs typeface="+mn-cs"/>
-              </a:defRPr>
-            </a:lvl3pPr>
-            <a:lvl4pPr marL="1371600" algn="l" defTabSz="457200" rtl="0" eaLnBrk="1" latinLnBrk="0" hangingPunct="1">
-              <a:defRPr sz="1800" kern="1200">
-                <a:solidFill>
-                  <a:schemeClr val="tx1"/>
-                </a:solidFill>
-                <a:latin typeface="+mn-lt"/>
-                <a:ea typeface="+mn-ea"/>
-                <a:cs typeface="+mn-cs"/>
-              </a:defRPr>
-            </a:lvl4pPr>
-            <a:lvl5pPr marL="1828800" algn="l" defTabSz="457200" rtl="0" eaLnBrk="1" latinLnBrk="0" hangingPunct="1">
-              <a:defRPr sz="1800" kern="1200">
-                <a:solidFill>
-                  <a:schemeClr val="tx1"/>
-                </a:solidFill>
-                <a:latin typeface="+mn-lt"/>
-                <a:ea typeface="+mn-ea"/>
-                <a:cs typeface="+mn-cs"/>
-              </a:defRPr>
-            </a:lvl5pPr>
-            <a:lvl6pPr marL="2286000" algn="l" defTabSz="457200" rtl="0" eaLnBrk="1" latinLnBrk="0" hangingPunct="1">
-              <a:defRPr sz="1800" kern="1200">
-                <a:solidFill>
-                  <a:schemeClr val="tx1"/>
-                </a:solidFill>
-                <a:latin typeface="+mn-lt"/>
-                <a:ea typeface="+mn-ea"/>
-                <a:cs typeface="+mn-cs"/>
-              </a:defRPr>
-            </a:lvl6pPr>
-            <a:lvl7pPr marL="2743200" algn="l" defTabSz="457200" rtl="0" eaLnBrk="1" latinLnBrk="0" hangingPunct="1">
-              <a:defRPr sz="1800" kern="1200">
-                <a:solidFill>
-                  <a:schemeClr val="tx1"/>
-                </a:solidFill>
-                <a:latin typeface="+mn-lt"/>
-                <a:ea typeface="+mn-ea"/>
-                <a:cs typeface="+mn-cs"/>
-              </a:defRPr>
-            </a:lvl7pPr>
-            <a:lvl8pPr marL="3200400" algn="l" defTabSz="457200" rtl="0" eaLnBrk="1" latinLnBrk="0" hangingPunct="1">
-              <a:defRPr sz="1800" kern="1200">
-                <a:solidFill>
-                  <a:schemeClr val="tx1"/>
-                </a:solidFill>
-                <a:latin typeface="+mn-lt"/>
-                <a:ea typeface="+mn-ea"/>
-                <a:cs typeface="+mn-cs"/>
-              </a:defRPr>
-            </a:lvl8pPr>
-            <a:lvl9pPr marL="3657600" algn="l" defTabSz="457200" rtl="0" eaLnBrk="1" latinLnBrk="0" hangingPunct="1">
-              <a:defRPr sz="1800" kern="1200">
-                <a:solidFill>
-                  <a:schemeClr val="tx1"/>
-                </a:solidFill>
-                <a:latin typeface="+mn-lt"/>
-                <a:ea typeface="+mn-ea"/>
-                <a:cs typeface="+mn-cs"/>
-              </a:defRPr>
-            </a:lvl9pPr>
-          </a:lstStyle>
-          <a:p>
-            <a:fld id="{5665C720-CFBA-4CD6-B44E-E52DA515AFF8}" type="datetime1">
-              <a:rPr lang="de-DE" sz="1400" smtClean="0"/>
-              <a:pPr/>
-              <a:t>12.09.2020</a:t>
+            <a:fld id="{BBFE0E78-BD63-486A-A840-5A82EE4DABDC}" type="datetime1">
+              <a:rPr lang="de-DE" smtClean="0"/>
+              <a:t>29.10.2020</a:t>
             </a:fld>
-            <a:endParaRPr lang="en-US" dirty="0"/>
-          </a:p>
-        </p:txBody>
-      </p:sp>
-      <p:sp>
-        <p:nvSpPr>
-          <p:cNvPr id="7" name="Date Placeholder 3">
-            <a:extLst>
-              <a:ext uri="{FF2B5EF4-FFF2-40B4-BE49-F238E27FC236}">
-                <a16:creationId xmlns:a16="http://schemas.microsoft.com/office/drawing/2014/main" id="{0F246959-6071-4609-B298-646E582C9281}"/>
-              </a:ext>
-            </a:extLst>
-          </p:cNvPr>
-          <p:cNvSpPr txBox="1">
-            <a:spLocks/>
-          </p:cNvSpPr>
-          <p:nvPr/>
-        </p:nvSpPr>
-        <p:spPr>
-          <a:xfrm>
-            <a:off x="1824033" y="231050"/>
-            <a:ext cx="5713108" cy="378549"/>
-          </a:xfrm>
-          <a:prstGeom prst="rect">
-            <a:avLst/>
-          </a:prstGeom>
-        </p:spPr>
-        <p:txBody>
-          <a:bodyPr vert="horz" lIns="91440" tIns="45720" rIns="91440" bIns="45720" rtlCol="0" anchor="ctr"/>
-          <a:lstStyle>
-            <a:defPPr>
-              <a:defRPr lang="en-US"/>
-            </a:defPPr>
-            <a:lvl1pPr marL="0" algn="r" defTabSz="457200" rtl="0" eaLnBrk="1" latinLnBrk="0" hangingPunct="1">
-              <a:defRPr sz="900" kern="1200">
-                <a:solidFill>
-                  <a:schemeClr val="tx1">
-                    <a:tint val="75000"/>
-                  </a:schemeClr>
-                </a:solidFill>
-                <a:latin typeface="+mn-lt"/>
-                <a:ea typeface="+mn-ea"/>
-                <a:cs typeface="+mn-cs"/>
-              </a:defRPr>
-            </a:lvl1pPr>
-            <a:lvl2pPr marL="457200" algn="l" defTabSz="457200" rtl="0" eaLnBrk="1" latinLnBrk="0" hangingPunct="1">
-              <a:defRPr sz="1800" kern="1200">
-                <a:solidFill>
-                  <a:schemeClr val="tx1"/>
-                </a:solidFill>
-                <a:latin typeface="+mn-lt"/>
-                <a:ea typeface="+mn-ea"/>
-                <a:cs typeface="+mn-cs"/>
-              </a:defRPr>
-            </a:lvl2pPr>
-            <a:lvl3pPr marL="914400" algn="l" defTabSz="457200" rtl="0" eaLnBrk="1" latinLnBrk="0" hangingPunct="1">
-              <a:defRPr sz="1800" kern="1200">
-                <a:solidFill>
-                  <a:schemeClr val="tx1"/>
-                </a:solidFill>
-                <a:latin typeface="+mn-lt"/>
-                <a:ea typeface="+mn-ea"/>
-                <a:cs typeface="+mn-cs"/>
-              </a:defRPr>
-            </a:lvl3pPr>
-            <a:lvl4pPr marL="1371600" algn="l" defTabSz="457200" rtl="0" eaLnBrk="1" latinLnBrk="0" hangingPunct="1">
-              <a:defRPr sz="1800" kern="1200">
-                <a:solidFill>
-                  <a:schemeClr val="tx1"/>
-                </a:solidFill>
-                <a:latin typeface="+mn-lt"/>
-                <a:ea typeface="+mn-ea"/>
-                <a:cs typeface="+mn-cs"/>
-              </a:defRPr>
-            </a:lvl4pPr>
-            <a:lvl5pPr marL="1828800" algn="l" defTabSz="457200" rtl="0" eaLnBrk="1" latinLnBrk="0" hangingPunct="1">
-              <a:defRPr sz="1800" kern="1200">
-                <a:solidFill>
-                  <a:schemeClr val="tx1"/>
-                </a:solidFill>
-                <a:latin typeface="+mn-lt"/>
-                <a:ea typeface="+mn-ea"/>
-                <a:cs typeface="+mn-cs"/>
-              </a:defRPr>
-            </a:lvl5pPr>
-            <a:lvl6pPr marL="2286000" algn="l" defTabSz="457200" rtl="0" eaLnBrk="1" latinLnBrk="0" hangingPunct="1">
-              <a:defRPr sz="1800" kern="1200">
-                <a:solidFill>
-                  <a:schemeClr val="tx1"/>
-                </a:solidFill>
-                <a:latin typeface="+mn-lt"/>
-                <a:ea typeface="+mn-ea"/>
-                <a:cs typeface="+mn-cs"/>
-              </a:defRPr>
-            </a:lvl6pPr>
-            <a:lvl7pPr marL="2743200" algn="l" defTabSz="457200" rtl="0" eaLnBrk="1" latinLnBrk="0" hangingPunct="1">
-              <a:defRPr sz="1800" kern="1200">
-                <a:solidFill>
-                  <a:schemeClr val="tx1"/>
-                </a:solidFill>
-                <a:latin typeface="+mn-lt"/>
-                <a:ea typeface="+mn-ea"/>
-                <a:cs typeface="+mn-cs"/>
-              </a:defRPr>
-            </a:lvl7pPr>
-            <a:lvl8pPr marL="3200400" algn="l" defTabSz="457200" rtl="0" eaLnBrk="1" latinLnBrk="0" hangingPunct="1">
-              <a:defRPr sz="1800" kern="1200">
-                <a:solidFill>
-                  <a:schemeClr val="tx1"/>
-                </a:solidFill>
-                <a:latin typeface="+mn-lt"/>
-                <a:ea typeface="+mn-ea"/>
-                <a:cs typeface="+mn-cs"/>
-              </a:defRPr>
-            </a:lvl8pPr>
-            <a:lvl9pPr marL="3657600" algn="l" defTabSz="457200" rtl="0" eaLnBrk="1" latinLnBrk="0" hangingPunct="1">
-              <a:defRPr sz="1800" kern="1200">
-                <a:solidFill>
-                  <a:schemeClr val="tx1"/>
-                </a:solidFill>
-                <a:latin typeface="+mn-lt"/>
-                <a:ea typeface="+mn-ea"/>
-                <a:cs typeface="+mn-cs"/>
-              </a:defRPr>
-            </a:lvl9pPr>
-          </a:lstStyle>
-          <a:p>
-            <a:r>
-              <a:rPr lang="de-DE" sz="1400" dirty="0"/>
-              <a:t>Veronika Taranek, Philipp </a:t>
-            </a:r>
-            <a:r>
-              <a:rPr lang="de-DE" sz="1400" dirty="0" err="1"/>
-              <a:t>Fenesan</a:t>
-            </a:r>
-            <a:r>
-              <a:rPr lang="de-DE" sz="1400" dirty="0"/>
-              <a:t>, Nicolas Geppert, Lukas Werner</a:t>
-            </a:r>
             <a:endParaRPr lang="en-US" dirty="0"/>
           </a:p>
         </p:txBody>
@@ -7861,7 +7529,7 @@
     </p:spTree>
     <p:extLst>
       <p:ext uri="{BB962C8B-B14F-4D97-AF65-F5344CB8AC3E}">
-        <p14:creationId xmlns:p14="http://schemas.microsoft.com/office/powerpoint/2010/main" val="870046311"/>
+        <p14:creationId xmlns:p14="http://schemas.microsoft.com/office/powerpoint/2010/main" val="1534354980"/>
       </p:ext>
     </p:extLst>
   </p:cSld>
@@ -7893,6 +7561,497 @@
           <p:cNvPr id="2" name="Title 1">
             <a:extLst>
               <a:ext uri="{FF2B5EF4-FFF2-40B4-BE49-F238E27FC236}">
+                <a16:creationId xmlns:a16="http://schemas.microsoft.com/office/drawing/2014/main" id="{A533C930-62BB-49CD-A689-73D96C0BFBBB}"/>
+              </a:ext>
+            </a:extLst>
+          </p:cNvPr>
+          <p:cNvSpPr>
+            <a:spLocks noGrp="1"/>
+          </p:cNvSpPr>
+          <p:nvPr>
+            <p:ph type="title"/>
+          </p:nvPr>
+        </p:nvSpPr>
+        <p:spPr/>
+        <p:txBody>
+          <a:bodyPr/>
+          <a:lstStyle/>
+          <a:p>
+            <a:r>
+              <a:rPr lang="en-US" dirty="0"/>
+              <a:t>Aufbau</a:t>
+            </a:r>
+          </a:p>
+        </p:txBody>
+      </p:sp>
+      <p:sp>
+        <p:nvSpPr>
+          <p:cNvPr id="5" name="TextBox 4">
+            <a:extLst>
+              <a:ext uri="{FF2B5EF4-FFF2-40B4-BE49-F238E27FC236}">
+                <a16:creationId xmlns:a16="http://schemas.microsoft.com/office/drawing/2014/main" id="{7FDF7188-C07D-448D-A4A7-2BC551B56E6A}"/>
+              </a:ext>
+            </a:extLst>
+          </p:cNvPr>
+          <p:cNvSpPr txBox="1"/>
+          <p:nvPr/>
+        </p:nvSpPr>
+        <p:spPr>
+          <a:xfrm>
+            <a:off x="571500" y="5410200"/>
+            <a:ext cx="7928774" cy="646331"/>
+          </a:xfrm>
+          <a:prstGeom prst="rect">
+            <a:avLst/>
+          </a:prstGeom>
+          <a:noFill/>
+        </p:spPr>
+        <p:txBody>
+          <a:bodyPr wrap="none" rtlCol="0">
+            <a:spAutoFit/>
+          </a:bodyPr>
+          <a:lstStyle/>
+          <a:p>
+            <a:r>
+              <a:rPr lang="en-US" dirty="0" err="1"/>
+              <a:t>Auffällig</a:t>
+            </a:r>
+            <a:r>
+              <a:rPr lang="en-US" dirty="0"/>
+              <a:t> </a:t>
+            </a:r>
+            <a:r>
+              <a:rPr lang="en-US" dirty="0" err="1"/>
+              <a:t>ist</a:t>
+            </a:r>
+            <a:r>
+              <a:rPr lang="en-US" dirty="0"/>
+              <a:t>, </a:t>
+            </a:r>
+            <a:r>
+              <a:rPr lang="en-US" dirty="0" err="1"/>
+              <a:t>dass</a:t>
+            </a:r>
+            <a:r>
+              <a:rPr lang="en-US" dirty="0"/>
+              <a:t> die </a:t>
+            </a:r>
+            <a:r>
+              <a:rPr lang="en-US" dirty="0" err="1"/>
+              <a:t>Funktionen</a:t>
+            </a:r>
+            <a:r>
+              <a:rPr lang="en-US" dirty="0"/>
+              <a:t> von den Design-Klassen </a:t>
+            </a:r>
+            <a:r>
+              <a:rPr lang="en-US" dirty="0" err="1"/>
+              <a:t>getrennt</a:t>
+            </a:r>
+            <a:r>
+              <a:rPr lang="en-US" dirty="0"/>
+              <a:t> </a:t>
+            </a:r>
+            <a:r>
+              <a:rPr lang="en-US" dirty="0" err="1"/>
+              <a:t>wurden</a:t>
+            </a:r>
+            <a:r>
+              <a:rPr lang="en-US" dirty="0"/>
+              <a:t>.</a:t>
+            </a:r>
+            <a:br>
+              <a:rPr lang="en-US" dirty="0"/>
+            </a:br>
+            <a:r>
+              <a:rPr lang="en-US" dirty="0"/>
+              <a:t>Die </a:t>
+            </a:r>
+            <a:r>
+              <a:rPr lang="en-US" dirty="0" err="1"/>
+              <a:t>Logik</a:t>
+            </a:r>
+            <a:r>
+              <a:rPr lang="en-US" dirty="0"/>
+              <a:t> </a:t>
+            </a:r>
+            <a:r>
+              <a:rPr lang="en-US" dirty="0" err="1"/>
+              <a:t>wird</a:t>
+            </a:r>
+            <a:r>
+              <a:rPr lang="en-US" dirty="0"/>
+              <a:t> in extra Klassen </a:t>
+            </a:r>
+            <a:r>
+              <a:rPr lang="en-US" dirty="0" err="1"/>
+              <a:t>implementiert</a:t>
+            </a:r>
+            <a:r>
+              <a:rPr lang="en-US" dirty="0"/>
+              <a:t>, die </a:t>
+            </a:r>
+            <a:r>
+              <a:rPr lang="en-US" dirty="0" err="1"/>
+              <a:t>getrennt</a:t>
+            </a:r>
+            <a:r>
+              <a:rPr lang="en-US" dirty="0"/>
+              <a:t> von der UI </a:t>
+            </a:r>
+            <a:r>
+              <a:rPr lang="en-US" dirty="0" err="1"/>
+              <a:t>sind</a:t>
+            </a:r>
+            <a:endParaRPr lang="en-US" dirty="0"/>
+          </a:p>
+        </p:txBody>
+      </p:sp>
+      <p:sp>
+        <p:nvSpPr>
+          <p:cNvPr id="6" name="Date Placeholder 3">
+            <a:extLst>
+              <a:ext uri="{FF2B5EF4-FFF2-40B4-BE49-F238E27FC236}">
+                <a16:creationId xmlns:a16="http://schemas.microsoft.com/office/drawing/2014/main" id="{C597FC9F-E38B-4D7C-800C-2E507A9787EC}"/>
+              </a:ext>
+            </a:extLst>
+          </p:cNvPr>
+          <p:cNvSpPr txBox="1">
+            <a:spLocks/>
+          </p:cNvSpPr>
+          <p:nvPr/>
+        </p:nvSpPr>
+        <p:spPr>
+          <a:xfrm>
+            <a:off x="677334" y="231051"/>
+            <a:ext cx="1071566" cy="378549"/>
+          </a:xfrm>
+          <a:prstGeom prst="rect">
+            <a:avLst/>
+          </a:prstGeom>
+        </p:spPr>
+        <p:txBody>
+          <a:bodyPr vert="horz" lIns="91440" tIns="45720" rIns="91440" bIns="45720" rtlCol="0" anchor="ctr"/>
+          <a:lstStyle>
+            <a:defPPr>
+              <a:defRPr lang="en-US"/>
+            </a:defPPr>
+            <a:lvl1pPr marL="0" algn="r" defTabSz="457200" rtl="0" eaLnBrk="1" latinLnBrk="0" hangingPunct="1">
+              <a:defRPr sz="900" kern="1200">
+                <a:solidFill>
+                  <a:schemeClr val="tx1">
+                    <a:tint val="75000"/>
+                  </a:schemeClr>
+                </a:solidFill>
+                <a:latin typeface="+mn-lt"/>
+                <a:ea typeface="+mn-ea"/>
+                <a:cs typeface="+mn-cs"/>
+              </a:defRPr>
+            </a:lvl1pPr>
+            <a:lvl2pPr marL="457200" algn="l" defTabSz="457200" rtl="0" eaLnBrk="1" latinLnBrk="0" hangingPunct="1">
+              <a:defRPr sz="1800" kern="1200">
+                <a:solidFill>
+                  <a:schemeClr val="tx1"/>
+                </a:solidFill>
+                <a:latin typeface="+mn-lt"/>
+                <a:ea typeface="+mn-ea"/>
+                <a:cs typeface="+mn-cs"/>
+              </a:defRPr>
+            </a:lvl2pPr>
+            <a:lvl3pPr marL="914400" algn="l" defTabSz="457200" rtl="0" eaLnBrk="1" latinLnBrk="0" hangingPunct="1">
+              <a:defRPr sz="1800" kern="1200">
+                <a:solidFill>
+                  <a:schemeClr val="tx1"/>
+                </a:solidFill>
+                <a:latin typeface="+mn-lt"/>
+                <a:ea typeface="+mn-ea"/>
+                <a:cs typeface="+mn-cs"/>
+              </a:defRPr>
+            </a:lvl3pPr>
+            <a:lvl4pPr marL="1371600" algn="l" defTabSz="457200" rtl="0" eaLnBrk="1" latinLnBrk="0" hangingPunct="1">
+              <a:defRPr sz="1800" kern="1200">
+                <a:solidFill>
+                  <a:schemeClr val="tx1"/>
+                </a:solidFill>
+                <a:latin typeface="+mn-lt"/>
+                <a:ea typeface="+mn-ea"/>
+                <a:cs typeface="+mn-cs"/>
+              </a:defRPr>
+            </a:lvl4pPr>
+            <a:lvl5pPr marL="1828800" algn="l" defTabSz="457200" rtl="0" eaLnBrk="1" latinLnBrk="0" hangingPunct="1">
+              <a:defRPr sz="1800" kern="1200">
+                <a:solidFill>
+                  <a:schemeClr val="tx1"/>
+                </a:solidFill>
+                <a:latin typeface="+mn-lt"/>
+                <a:ea typeface="+mn-ea"/>
+                <a:cs typeface="+mn-cs"/>
+              </a:defRPr>
+            </a:lvl5pPr>
+            <a:lvl6pPr marL="2286000" algn="l" defTabSz="457200" rtl="0" eaLnBrk="1" latinLnBrk="0" hangingPunct="1">
+              <a:defRPr sz="1800" kern="1200">
+                <a:solidFill>
+                  <a:schemeClr val="tx1"/>
+                </a:solidFill>
+                <a:latin typeface="+mn-lt"/>
+                <a:ea typeface="+mn-ea"/>
+                <a:cs typeface="+mn-cs"/>
+              </a:defRPr>
+            </a:lvl6pPr>
+            <a:lvl7pPr marL="2743200" algn="l" defTabSz="457200" rtl="0" eaLnBrk="1" latinLnBrk="0" hangingPunct="1">
+              <a:defRPr sz="1800" kern="1200">
+                <a:solidFill>
+                  <a:schemeClr val="tx1"/>
+                </a:solidFill>
+                <a:latin typeface="+mn-lt"/>
+                <a:ea typeface="+mn-ea"/>
+                <a:cs typeface="+mn-cs"/>
+              </a:defRPr>
+            </a:lvl7pPr>
+            <a:lvl8pPr marL="3200400" algn="l" defTabSz="457200" rtl="0" eaLnBrk="1" latinLnBrk="0" hangingPunct="1">
+              <a:defRPr sz="1800" kern="1200">
+                <a:solidFill>
+                  <a:schemeClr val="tx1"/>
+                </a:solidFill>
+                <a:latin typeface="+mn-lt"/>
+                <a:ea typeface="+mn-ea"/>
+                <a:cs typeface="+mn-cs"/>
+              </a:defRPr>
+            </a:lvl8pPr>
+            <a:lvl9pPr marL="3657600" algn="l" defTabSz="457200" rtl="0" eaLnBrk="1" latinLnBrk="0" hangingPunct="1">
+              <a:defRPr sz="1800" kern="1200">
+                <a:solidFill>
+                  <a:schemeClr val="tx1"/>
+                </a:solidFill>
+                <a:latin typeface="+mn-lt"/>
+                <a:ea typeface="+mn-ea"/>
+                <a:cs typeface="+mn-cs"/>
+              </a:defRPr>
+            </a:lvl9pPr>
+          </a:lstStyle>
+          <a:p>
+            <a:fld id="{5665C720-CFBA-4CD6-B44E-E52DA515AFF8}" type="datetime1">
+              <a:rPr lang="de-DE" sz="1400" smtClean="0"/>
+              <a:pPr/>
+              <a:t>29.10.2020</a:t>
+            </a:fld>
+            <a:endParaRPr lang="en-US" dirty="0"/>
+          </a:p>
+        </p:txBody>
+      </p:sp>
+      <p:sp>
+        <p:nvSpPr>
+          <p:cNvPr id="7" name="Date Placeholder 3">
+            <a:extLst>
+              <a:ext uri="{FF2B5EF4-FFF2-40B4-BE49-F238E27FC236}">
+                <a16:creationId xmlns:a16="http://schemas.microsoft.com/office/drawing/2014/main" id="{0F246959-6071-4609-B298-646E582C9281}"/>
+              </a:ext>
+            </a:extLst>
+          </p:cNvPr>
+          <p:cNvSpPr txBox="1">
+            <a:spLocks/>
+          </p:cNvSpPr>
+          <p:nvPr/>
+        </p:nvSpPr>
+        <p:spPr>
+          <a:xfrm>
+            <a:off x="1824033" y="231050"/>
+            <a:ext cx="5713108" cy="378549"/>
+          </a:xfrm>
+          <a:prstGeom prst="rect">
+            <a:avLst/>
+          </a:prstGeom>
+        </p:spPr>
+        <p:txBody>
+          <a:bodyPr vert="horz" lIns="91440" tIns="45720" rIns="91440" bIns="45720" rtlCol="0" anchor="ctr"/>
+          <a:lstStyle>
+            <a:defPPr>
+              <a:defRPr lang="en-US"/>
+            </a:defPPr>
+            <a:lvl1pPr marL="0" algn="r" defTabSz="457200" rtl="0" eaLnBrk="1" latinLnBrk="0" hangingPunct="1">
+              <a:defRPr sz="900" kern="1200">
+                <a:solidFill>
+                  <a:schemeClr val="tx1">
+                    <a:tint val="75000"/>
+                  </a:schemeClr>
+                </a:solidFill>
+                <a:latin typeface="+mn-lt"/>
+                <a:ea typeface="+mn-ea"/>
+                <a:cs typeface="+mn-cs"/>
+              </a:defRPr>
+            </a:lvl1pPr>
+            <a:lvl2pPr marL="457200" algn="l" defTabSz="457200" rtl="0" eaLnBrk="1" latinLnBrk="0" hangingPunct="1">
+              <a:defRPr sz="1800" kern="1200">
+                <a:solidFill>
+                  <a:schemeClr val="tx1"/>
+                </a:solidFill>
+                <a:latin typeface="+mn-lt"/>
+                <a:ea typeface="+mn-ea"/>
+                <a:cs typeface="+mn-cs"/>
+              </a:defRPr>
+            </a:lvl2pPr>
+            <a:lvl3pPr marL="914400" algn="l" defTabSz="457200" rtl="0" eaLnBrk="1" latinLnBrk="0" hangingPunct="1">
+              <a:defRPr sz="1800" kern="1200">
+                <a:solidFill>
+                  <a:schemeClr val="tx1"/>
+                </a:solidFill>
+                <a:latin typeface="+mn-lt"/>
+                <a:ea typeface="+mn-ea"/>
+                <a:cs typeface="+mn-cs"/>
+              </a:defRPr>
+            </a:lvl3pPr>
+            <a:lvl4pPr marL="1371600" algn="l" defTabSz="457200" rtl="0" eaLnBrk="1" latinLnBrk="0" hangingPunct="1">
+              <a:defRPr sz="1800" kern="1200">
+                <a:solidFill>
+                  <a:schemeClr val="tx1"/>
+                </a:solidFill>
+                <a:latin typeface="+mn-lt"/>
+                <a:ea typeface="+mn-ea"/>
+                <a:cs typeface="+mn-cs"/>
+              </a:defRPr>
+            </a:lvl4pPr>
+            <a:lvl5pPr marL="1828800" algn="l" defTabSz="457200" rtl="0" eaLnBrk="1" latinLnBrk="0" hangingPunct="1">
+              <a:defRPr sz="1800" kern="1200">
+                <a:solidFill>
+                  <a:schemeClr val="tx1"/>
+                </a:solidFill>
+                <a:latin typeface="+mn-lt"/>
+                <a:ea typeface="+mn-ea"/>
+                <a:cs typeface="+mn-cs"/>
+              </a:defRPr>
+            </a:lvl5pPr>
+            <a:lvl6pPr marL="2286000" algn="l" defTabSz="457200" rtl="0" eaLnBrk="1" latinLnBrk="0" hangingPunct="1">
+              <a:defRPr sz="1800" kern="1200">
+                <a:solidFill>
+                  <a:schemeClr val="tx1"/>
+                </a:solidFill>
+                <a:latin typeface="+mn-lt"/>
+                <a:ea typeface="+mn-ea"/>
+                <a:cs typeface="+mn-cs"/>
+              </a:defRPr>
+            </a:lvl6pPr>
+            <a:lvl7pPr marL="2743200" algn="l" defTabSz="457200" rtl="0" eaLnBrk="1" latinLnBrk="0" hangingPunct="1">
+              <a:defRPr sz="1800" kern="1200">
+                <a:solidFill>
+                  <a:schemeClr val="tx1"/>
+                </a:solidFill>
+                <a:latin typeface="+mn-lt"/>
+                <a:ea typeface="+mn-ea"/>
+                <a:cs typeface="+mn-cs"/>
+              </a:defRPr>
+            </a:lvl7pPr>
+            <a:lvl8pPr marL="3200400" algn="l" defTabSz="457200" rtl="0" eaLnBrk="1" latinLnBrk="0" hangingPunct="1">
+              <a:defRPr sz="1800" kern="1200">
+                <a:solidFill>
+                  <a:schemeClr val="tx1"/>
+                </a:solidFill>
+                <a:latin typeface="+mn-lt"/>
+                <a:ea typeface="+mn-ea"/>
+                <a:cs typeface="+mn-cs"/>
+              </a:defRPr>
+            </a:lvl8pPr>
+            <a:lvl9pPr marL="3657600" algn="l" defTabSz="457200" rtl="0" eaLnBrk="1" latinLnBrk="0" hangingPunct="1">
+              <a:defRPr sz="1800" kern="1200">
+                <a:solidFill>
+                  <a:schemeClr val="tx1"/>
+                </a:solidFill>
+                <a:latin typeface="+mn-lt"/>
+                <a:ea typeface="+mn-ea"/>
+                <a:cs typeface="+mn-cs"/>
+              </a:defRPr>
+            </a:lvl9pPr>
+          </a:lstStyle>
+          <a:p>
+            <a:r>
+              <a:rPr lang="de-DE" sz="1400" dirty="0"/>
+              <a:t>Veronika Taranek, Philipp </a:t>
+            </a:r>
+            <a:r>
+              <a:rPr lang="de-DE" sz="1400" dirty="0" err="1"/>
+              <a:t>Fenesan</a:t>
+            </a:r>
+            <a:r>
+              <a:rPr lang="de-DE" sz="1400" dirty="0"/>
+              <a:t>, Nicolas Geppert, Lukas Werner</a:t>
+            </a:r>
+            <a:endParaRPr lang="en-US" dirty="0"/>
+          </a:p>
+        </p:txBody>
+      </p:sp>
+      <p:sp>
+        <p:nvSpPr>
+          <p:cNvPr id="3" name="TextBox 2">
+            <a:extLst>
+              <a:ext uri="{FF2B5EF4-FFF2-40B4-BE49-F238E27FC236}">
+                <a16:creationId xmlns:a16="http://schemas.microsoft.com/office/drawing/2014/main" id="{5BCAFD94-9DAE-40DB-ABC1-EA97278FB175}"/>
+              </a:ext>
+            </a:extLst>
+          </p:cNvPr>
+          <p:cNvSpPr txBox="1"/>
+          <p:nvPr/>
+        </p:nvSpPr>
+        <p:spPr>
+          <a:xfrm>
+            <a:off x="1524000" y="1930400"/>
+            <a:ext cx="4572000" cy="369332"/>
+          </a:xfrm>
+          <a:prstGeom prst="rect">
+            <a:avLst/>
+          </a:prstGeom>
+          <a:noFill/>
+        </p:spPr>
+        <p:txBody>
+          <a:bodyPr wrap="square" rtlCol="0">
+            <a:spAutoFit/>
+          </a:bodyPr>
+          <a:lstStyle/>
+          <a:p>
+            <a:r>
+              <a:rPr lang="en-US" dirty="0" err="1"/>
+              <a:t>neues</a:t>
+            </a:r>
+            <a:r>
+              <a:rPr lang="en-US" dirty="0"/>
+              <a:t> UML</a:t>
+            </a:r>
+          </a:p>
+        </p:txBody>
+      </p:sp>
+    </p:spTree>
+    <p:extLst>
+      <p:ext uri="{BB962C8B-B14F-4D97-AF65-F5344CB8AC3E}">
+        <p14:creationId xmlns:p14="http://schemas.microsoft.com/office/powerpoint/2010/main" val="870046311"/>
+      </p:ext>
+    </p:extLst>
+  </p:cSld>
+  <p:clrMapOvr>
+    <a:masterClrMapping/>
+  </p:clrMapOvr>
+</p:sld>
+</file>
+
+<file path=ppt/slides/slide13.xml><?xml version="1.0" encoding="utf-8"?>
+<p:sld xmlns:a="http://schemas.openxmlformats.org/drawingml/2006/main" xmlns:r="http://schemas.openxmlformats.org/officeDocument/2006/relationships" xmlns:p="http://schemas.openxmlformats.org/presentationml/2006/main">
+  <p:cSld>
+    <p:spTree>
+      <p:nvGrpSpPr>
+        <p:cNvPr id="1" name=""/>
+        <p:cNvGrpSpPr/>
+        <p:nvPr/>
+      </p:nvGrpSpPr>
+      <p:grpSpPr>
+        <a:xfrm>
+          <a:off x="0" y="0"/>
+          <a:ext cx="0" cy="0"/>
+          <a:chOff x="0" y="0"/>
+          <a:chExt cx="0" cy="0"/>
+        </a:xfrm>
+      </p:grpSpPr>
+      <p:sp>
+        <p:nvSpPr>
+          <p:cNvPr id="2" name="Title 1">
+            <a:extLst>
+              <a:ext uri="{FF2B5EF4-FFF2-40B4-BE49-F238E27FC236}">
                 <a16:creationId xmlns:a16="http://schemas.microsoft.com/office/drawing/2014/main" id="{BFFE73E4-B193-441D-8A54-09AA7DF89A89}"/>
               </a:ext>
             </a:extLst>
@@ -7935,8 +8094,8 @@
         </p:nvSpPr>
         <p:spPr>
           <a:xfrm>
-            <a:off x="677334" y="3657601"/>
-            <a:ext cx="8596668" cy="2383762"/>
+            <a:off x="677334" y="4720561"/>
+            <a:ext cx="8596668" cy="1320801"/>
           </a:xfrm>
         </p:spPr>
         <p:txBody>
@@ -8106,36 +8265,6 @@
           </a:p>
         </p:txBody>
       </p:sp>
-      <p:pic>
-        <p:nvPicPr>
-          <p:cNvPr id="4" name="Picture 3">
-            <a:extLst>
-              <a:ext uri="{FF2B5EF4-FFF2-40B4-BE49-F238E27FC236}">
-                <a16:creationId xmlns:a16="http://schemas.microsoft.com/office/drawing/2014/main" id="{66089CA0-A29D-43F4-A41A-874B20FB4C08}"/>
-              </a:ext>
-            </a:extLst>
-          </p:cNvPr>
-          <p:cNvPicPr>
-            <a:picLocks noChangeAspect="1"/>
-          </p:cNvPicPr>
-          <p:nvPr/>
-        </p:nvPicPr>
-        <p:blipFill>
-          <a:blip r:embed="rId2"/>
-          <a:stretch>
-            <a:fillRect/>
-          </a:stretch>
-        </p:blipFill>
-        <p:spPr>
-          <a:xfrm>
-            <a:off x="571500" y="1526194"/>
-            <a:ext cx="8596668" cy="1935537"/>
-          </a:xfrm>
-          <a:prstGeom prst="rect">
-            <a:avLst/>
-          </a:prstGeom>
-        </p:spPr>
-      </p:pic>
       <p:sp>
         <p:nvSpPr>
           <p:cNvPr id="6" name="Date Placeholder 3">
@@ -8262,7 +8391,7 @@
             <a:fld id="{5665C720-CFBA-4CD6-B44E-E52DA515AFF8}" type="datetime1">
               <a:rPr lang="de-DE" sz="1400" smtClean="0"/>
               <a:pPr/>
-              <a:t>12.09.2020</a:t>
+              <a:t>29.10.2020</a:t>
             </a:fld>
             <a:endParaRPr lang="en-US" dirty="0"/>
           </a:p>
@@ -8404,6 +8533,45 @@
               <a:t>, Nicolas Geppert, Lukas Werner</a:t>
             </a:r>
             <a:endParaRPr lang="en-US" dirty="0"/>
+          </a:p>
+        </p:txBody>
+      </p:sp>
+      <p:sp>
+        <p:nvSpPr>
+          <p:cNvPr id="5" name="TextBox 4">
+            <a:extLst>
+              <a:ext uri="{FF2B5EF4-FFF2-40B4-BE49-F238E27FC236}">
+                <a16:creationId xmlns:a16="http://schemas.microsoft.com/office/drawing/2014/main" id="{C50338CC-BAF4-4233-B337-6673376B0790}"/>
+              </a:ext>
+            </a:extLst>
+          </p:cNvPr>
+          <p:cNvSpPr txBox="1"/>
+          <p:nvPr/>
+        </p:nvSpPr>
+        <p:spPr>
+          <a:xfrm>
+            <a:off x="1748900" y="1930400"/>
+            <a:ext cx="6490225" cy="369332"/>
+          </a:xfrm>
+          <a:prstGeom prst="rect">
+            <a:avLst/>
+          </a:prstGeom>
+          <a:noFill/>
+        </p:spPr>
+        <p:txBody>
+          <a:bodyPr wrap="square" rtlCol="0">
+            <a:spAutoFit/>
+          </a:bodyPr>
+          <a:lstStyle/>
+          <a:p>
+            <a:r>
+              <a:rPr lang="en-US" dirty="0" err="1"/>
+              <a:t>Platzhalter</a:t>
+            </a:r>
+            <a:r>
+              <a:rPr lang="en-US" dirty="0"/>
+              <a:t> ERD</a:t>
+            </a:r>
           </a:p>
         </p:txBody>
       </p:sp>
@@ -9694,7 +9862,7 @@
           <a:p>
             <a:fld id="{BBFE0E78-BD63-486A-A840-5A82EE4DABDC}" type="datetime1">
               <a:rPr lang="de-DE" smtClean="0"/>
-              <a:t>12.09.2020</a:t>
+              <a:t>29.10.2020</a:t>
             </a:fld>
             <a:endParaRPr lang="en-US"/>
           </a:p>
@@ -9799,166 +9967,6 @@
       </p:sp>
       <p:sp>
         <p:nvSpPr>
-          <p:cNvPr id="4" name="Date Placeholder 3">
-            <a:extLst>
-              <a:ext uri="{FF2B5EF4-FFF2-40B4-BE49-F238E27FC236}">
-                <a16:creationId xmlns:a16="http://schemas.microsoft.com/office/drawing/2014/main" id="{DE37B9A3-0F35-4331-9CF4-7C8C418C9074}"/>
-              </a:ext>
-            </a:extLst>
-          </p:cNvPr>
-          <p:cNvSpPr>
-            <a:spLocks noGrp="1"/>
-          </p:cNvSpPr>
-          <p:nvPr>
-            <p:ph type="dt" sz="half" idx="10"/>
-          </p:nvPr>
-        </p:nvSpPr>
-        <p:spPr/>
-        <p:txBody>
-          <a:bodyPr/>
-          <a:lstStyle/>
-          <a:p>
-            <a:fld id="{BBFE0E78-BD63-486A-A840-5A82EE4DABDC}" type="datetime1">
-              <a:rPr lang="de-DE" smtClean="0"/>
-              <a:t>12.09.2020</a:t>
-            </a:fld>
-            <a:endParaRPr lang="en-US"/>
-          </a:p>
-        </p:txBody>
-      </p:sp>
-      <p:sp>
-        <p:nvSpPr>
-          <p:cNvPr id="5" name="Date Placeholder 3">
-            <a:extLst>
-              <a:ext uri="{FF2B5EF4-FFF2-40B4-BE49-F238E27FC236}">
-                <a16:creationId xmlns:a16="http://schemas.microsoft.com/office/drawing/2014/main" id="{F036473C-832A-401F-BE2D-60EF28E22C6E}"/>
-              </a:ext>
-            </a:extLst>
-          </p:cNvPr>
-          <p:cNvSpPr txBox="1">
-            <a:spLocks/>
-          </p:cNvSpPr>
-          <p:nvPr/>
-        </p:nvSpPr>
-        <p:spPr>
-          <a:xfrm>
-            <a:off x="677334" y="231051"/>
-            <a:ext cx="1071566" cy="378549"/>
-          </a:xfrm>
-          <a:prstGeom prst="rect">
-            <a:avLst/>
-          </a:prstGeom>
-        </p:spPr>
-        <p:txBody>
-          <a:bodyPr vert="horz" lIns="91440" tIns="45720" rIns="91440" bIns="45720" rtlCol="0" anchor="ctr"/>
-          <a:lstStyle>
-            <a:defPPr>
-              <a:defRPr lang="en-US"/>
-            </a:defPPr>
-            <a:lvl1pPr marL="0" algn="r" defTabSz="457200" rtl="0" eaLnBrk="1" latinLnBrk="0" hangingPunct="1">
-              <a:defRPr sz="900" kern="1200">
-                <a:solidFill>
-                  <a:schemeClr val="tx1">
-                    <a:tint val="75000"/>
-                  </a:schemeClr>
-                </a:solidFill>
-                <a:latin typeface="+mn-lt"/>
-                <a:ea typeface="+mn-ea"/>
-                <a:cs typeface="+mn-cs"/>
-              </a:defRPr>
-            </a:lvl1pPr>
-            <a:lvl2pPr marL="457200" algn="l" defTabSz="457200" rtl="0" eaLnBrk="1" latinLnBrk="0" hangingPunct="1">
-              <a:defRPr sz="1800" kern="1200">
-                <a:solidFill>
-                  <a:schemeClr val="tx1"/>
-                </a:solidFill>
-                <a:latin typeface="+mn-lt"/>
-                <a:ea typeface="+mn-ea"/>
-                <a:cs typeface="+mn-cs"/>
-              </a:defRPr>
-            </a:lvl2pPr>
-            <a:lvl3pPr marL="914400" algn="l" defTabSz="457200" rtl="0" eaLnBrk="1" latinLnBrk="0" hangingPunct="1">
-              <a:defRPr sz="1800" kern="1200">
-                <a:solidFill>
-                  <a:schemeClr val="tx1"/>
-                </a:solidFill>
-                <a:latin typeface="+mn-lt"/>
-                <a:ea typeface="+mn-ea"/>
-                <a:cs typeface="+mn-cs"/>
-              </a:defRPr>
-            </a:lvl3pPr>
-            <a:lvl4pPr marL="1371600" algn="l" defTabSz="457200" rtl="0" eaLnBrk="1" latinLnBrk="0" hangingPunct="1">
-              <a:defRPr sz="1800" kern="1200">
-                <a:solidFill>
-                  <a:schemeClr val="tx1"/>
-                </a:solidFill>
-                <a:latin typeface="+mn-lt"/>
-                <a:ea typeface="+mn-ea"/>
-                <a:cs typeface="+mn-cs"/>
-              </a:defRPr>
-            </a:lvl4pPr>
-            <a:lvl5pPr marL="1828800" algn="l" defTabSz="457200" rtl="0" eaLnBrk="1" latinLnBrk="0" hangingPunct="1">
-              <a:defRPr sz="1800" kern="1200">
-                <a:solidFill>
-                  <a:schemeClr val="tx1"/>
-                </a:solidFill>
-                <a:latin typeface="+mn-lt"/>
-                <a:ea typeface="+mn-ea"/>
-                <a:cs typeface="+mn-cs"/>
-              </a:defRPr>
-            </a:lvl5pPr>
-            <a:lvl6pPr marL="2286000" algn="l" defTabSz="457200" rtl="0" eaLnBrk="1" latinLnBrk="0" hangingPunct="1">
-              <a:defRPr sz="1800" kern="1200">
-                <a:solidFill>
-                  <a:schemeClr val="tx1"/>
-                </a:solidFill>
-                <a:latin typeface="+mn-lt"/>
-                <a:ea typeface="+mn-ea"/>
-                <a:cs typeface="+mn-cs"/>
-              </a:defRPr>
-            </a:lvl6pPr>
-            <a:lvl7pPr marL="2743200" algn="l" defTabSz="457200" rtl="0" eaLnBrk="1" latinLnBrk="0" hangingPunct="1">
-              <a:defRPr sz="1800" kern="1200">
-                <a:solidFill>
-                  <a:schemeClr val="tx1"/>
-                </a:solidFill>
-                <a:latin typeface="+mn-lt"/>
-                <a:ea typeface="+mn-ea"/>
-                <a:cs typeface="+mn-cs"/>
-              </a:defRPr>
-            </a:lvl7pPr>
-            <a:lvl8pPr marL="3200400" algn="l" defTabSz="457200" rtl="0" eaLnBrk="1" latinLnBrk="0" hangingPunct="1">
-              <a:defRPr sz="1800" kern="1200">
-                <a:solidFill>
-                  <a:schemeClr val="tx1"/>
-                </a:solidFill>
-                <a:latin typeface="+mn-lt"/>
-                <a:ea typeface="+mn-ea"/>
-                <a:cs typeface="+mn-cs"/>
-              </a:defRPr>
-            </a:lvl8pPr>
-            <a:lvl9pPr marL="3657600" algn="l" defTabSz="457200" rtl="0" eaLnBrk="1" latinLnBrk="0" hangingPunct="1">
-              <a:defRPr sz="1800" kern="1200">
-                <a:solidFill>
-                  <a:schemeClr val="tx1"/>
-                </a:solidFill>
-                <a:latin typeface="+mn-lt"/>
-                <a:ea typeface="+mn-ea"/>
-                <a:cs typeface="+mn-cs"/>
-              </a:defRPr>
-            </a:lvl9pPr>
-          </a:lstStyle>
-          <a:p>
-            <a:r>
-              <a:rPr lang="de-DE" sz="1400" dirty="0"/>
-              <a:t>11.09.2020</a:t>
-            </a:r>
-            <a:endParaRPr lang="en-US" dirty="0"/>
-          </a:p>
-        </p:txBody>
-      </p:sp>
-      <p:sp>
-        <p:nvSpPr>
           <p:cNvPr id="6" name="Date Placeholder 3">
             <a:extLst>
               <a:ext uri="{FF2B5EF4-FFF2-40B4-BE49-F238E27FC236}">
@@ -10126,6 +10134,138 @@
           </a:prstGeom>
         </p:spPr>
       </p:pic>
+      <p:sp>
+        <p:nvSpPr>
+          <p:cNvPr id="8" name="Date Placeholder 3">
+            <a:extLst>
+              <a:ext uri="{FF2B5EF4-FFF2-40B4-BE49-F238E27FC236}">
+                <a16:creationId xmlns:a16="http://schemas.microsoft.com/office/drawing/2014/main" id="{C9EFB6BC-B127-482E-A576-5989AAE55916}"/>
+              </a:ext>
+            </a:extLst>
+          </p:cNvPr>
+          <p:cNvSpPr txBox="1">
+            <a:spLocks/>
+          </p:cNvSpPr>
+          <p:nvPr/>
+        </p:nvSpPr>
+        <p:spPr>
+          <a:xfrm>
+            <a:off x="677334" y="231051"/>
+            <a:ext cx="1071566" cy="378549"/>
+          </a:xfrm>
+          <a:prstGeom prst="rect">
+            <a:avLst/>
+          </a:prstGeom>
+        </p:spPr>
+        <p:txBody>
+          <a:bodyPr vert="horz" lIns="91440" tIns="45720" rIns="91440" bIns="45720" rtlCol="0" anchor="ctr"/>
+          <a:lstStyle>
+            <a:defPPr>
+              <a:defRPr lang="en-US"/>
+            </a:defPPr>
+            <a:lvl1pPr marL="0" algn="r" defTabSz="457200" rtl="0" eaLnBrk="1" latinLnBrk="0" hangingPunct="1">
+              <a:defRPr sz="900" kern="1200">
+                <a:solidFill>
+                  <a:schemeClr val="tx1">
+                    <a:tint val="75000"/>
+                  </a:schemeClr>
+                </a:solidFill>
+                <a:latin typeface="+mn-lt"/>
+                <a:ea typeface="+mn-ea"/>
+                <a:cs typeface="+mn-cs"/>
+              </a:defRPr>
+            </a:lvl1pPr>
+            <a:lvl2pPr marL="457200" algn="l" defTabSz="457200" rtl="0" eaLnBrk="1" latinLnBrk="0" hangingPunct="1">
+              <a:defRPr sz="1800" kern="1200">
+                <a:solidFill>
+                  <a:schemeClr val="tx1"/>
+                </a:solidFill>
+                <a:latin typeface="+mn-lt"/>
+                <a:ea typeface="+mn-ea"/>
+                <a:cs typeface="+mn-cs"/>
+              </a:defRPr>
+            </a:lvl2pPr>
+            <a:lvl3pPr marL="914400" algn="l" defTabSz="457200" rtl="0" eaLnBrk="1" latinLnBrk="0" hangingPunct="1">
+              <a:defRPr sz="1800" kern="1200">
+                <a:solidFill>
+                  <a:schemeClr val="tx1"/>
+                </a:solidFill>
+                <a:latin typeface="+mn-lt"/>
+                <a:ea typeface="+mn-ea"/>
+                <a:cs typeface="+mn-cs"/>
+              </a:defRPr>
+            </a:lvl3pPr>
+            <a:lvl4pPr marL="1371600" algn="l" defTabSz="457200" rtl="0" eaLnBrk="1" latinLnBrk="0" hangingPunct="1">
+              <a:defRPr sz="1800" kern="1200">
+                <a:solidFill>
+                  <a:schemeClr val="tx1"/>
+                </a:solidFill>
+                <a:latin typeface="+mn-lt"/>
+                <a:ea typeface="+mn-ea"/>
+                <a:cs typeface="+mn-cs"/>
+              </a:defRPr>
+            </a:lvl4pPr>
+            <a:lvl5pPr marL="1828800" algn="l" defTabSz="457200" rtl="0" eaLnBrk="1" latinLnBrk="0" hangingPunct="1">
+              <a:defRPr sz="1800" kern="1200">
+                <a:solidFill>
+                  <a:schemeClr val="tx1"/>
+                </a:solidFill>
+                <a:latin typeface="+mn-lt"/>
+                <a:ea typeface="+mn-ea"/>
+                <a:cs typeface="+mn-cs"/>
+              </a:defRPr>
+            </a:lvl5pPr>
+            <a:lvl6pPr marL="2286000" algn="l" defTabSz="457200" rtl="0" eaLnBrk="1" latinLnBrk="0" hangingPunct="1">
+              <a:defRPr sz="1800" kern="1200">
+                <a:solidFill>
+                  <a:schemeClr val="tx1"/>
+                </a:solidFill>
+                <a:latin typeface="+mn-lt"/>
+                <a:ea typeface="+mn-ea"/>
+                <a:cs typeface="+mn-cs"/>
+              </a:defRPr>
+            </a:lvl6pPr>
+            <a:lvl7pPr marL="2743200" algn="l" defTabSz="457200" rtl="0" eaLnBrk="1" latinLnBrk="0" hangingPunct="1">
+              <a:defRPr sz="1800" kern="1200">
+                <a:solidFill>
+                  <a:schemeClr val="tx1"/>
+                </a:solidFill>
+                <a:latin typeface="+mn-lt"/>
+                <a:ea typeface="+mn-ea"/>
+                <a:cs typeface="+mn-cs"/>
+              </a:defRPr>
+            </a:lvl7pPr>
+            <a:lvl8pPr marL="3200400" algn="l" defTabSz="457200" rtl="0" eaLnBrk="1" latinLnBrk="0" hangingPunct="1">
+              <a:defRPr sz="1800" kern="1200">
+                <a:solidFill>
+                  <a:schemeClr val="tx1"/>
+                </a:solidFill>
+                <a:latin typeface="+mn-lt"/>
+                <a:ea typeface="+mn-ea"/>
+                <a:cs typeface="+mn-cs"/>
+              </a:defRPr>
+            </a:lvl8pPr>
+            <a:lvl9pPr marL="3657600" algn="l" defTabSz="457200" rtl="0" eaLnBrk="1" latinLnBrk="0" hangingPunct="1">
+              <a:defRPr sz="1800" kern="1200">
+                <a:solidFill>
+                  <a:schemeClr val="tx1"/>
+                </a:solidFill>
+                <a:latin typeface="+mn-lt"/>
+                <a:ea typeface="+mn-ea"/>
+                <a:cs typeface="+mn-cs"/>
+              </a:defRPr>
+            </a:lvl9pPr>
+          </a:lstStyle>
+          <a:p>
+            <a:fld id="{5665C720-CFBA-4CD6-B44E-E52DA515AFF8}" type="datetime1">
+              <a:rPr lang="de-DE" sz="1400" smtClean="0"/>
+              <a:pPr/>
+              <a:t>29.10.2020</a:t>
+            </a:fld>
+            <a:endParaRPr lang="en-US" dirty="0"/>
+          </a:p>
+        </p:txBody>
+      </p:sp>
     </p:spTree>
     <p:extLst>
       <p:ext uri="{BB962C8B-B14F-4D97-AF65-F5344CB8AC3E}">
@@ -10585,7 +10725,7 @@
             <a:fld id="{5665C720-CFBA-4CD6-B44E-E52DA515AFF8}" type="datetime1">
               <a:rPr lang="de-DE" sz="1400" smtClean="0"/>
               <a:pPr/>
-              <a:t>12.09.2020</a:t>
+              <a:t>29.10.2020</a:t>
             </a:fld>
             <a:endParaRPr lang="en-US" dirty="0"/>
           </a:p>
@@ -11280,7 +11420,7 @@
             <a:fld id="{5665C720-CFBA-4CD6-B44E-E52DA515AFF8}" type="datetime1">
               <a:rPr lang="de-DE" sz="1400" smtClean="0"/>
               <a:pPr/>
-              <a:t>12.09.2020</a:t>
+              <a:t>29.10.2020</a:t>
             </a:fld>
             <a:endParaRPr lang="en-US" dirty="0"/>
           </a:p>
@@ -11507,7 +11647,7 @@
         </p:nvSpPr>
         <p:spPr>
           <a:xfrm>
-            <a:off x="1750348" y="2404534"/>
+            <a:off x="1748900" y="2861734"/>
             <a:ext cx="7766936" cy="1646302"/>
           </a:xfrm>
         </p:spPr>
@@ -11648,7 +11788,7 @@
             <a:fld id="{5665C720-CFBA-4CD6-B44E-E52DA515AFF8}" type="datetime1">
               <a:rPr lang="de-DE" sz="1400" smtClean="0"/>
               <a:pPr/>
-              <a:t>12.09.2020</a:t>
+              <a:t>29.10.2020</a:t>
             </a:fld>
             <a:endParaRPr lang="en-US" dirty="0"/>
           </a:p>
@@ -12537,7 +12677,7 @@
             <a:fld id="{5665C720-CFBA-4CD6-B44E-E52DA515AFF8}" type="datetime1">
               <a:rPr lang="de-DE" sz="1400" smtClean="0"/>
               <a:pPr/>
-              <a:t>12.09.2020</a:t>
+              <a:t>29.10.2020</a:t>
             </a:fld>
             <a:endParaRPr lang="en-US" dirty="0"/>
           </a:p>

--- a/presentation/wanderoo – Gruppe 3.pptx
+++ b/presentation/wanderoo – Gruppe 3.pptx
@@ -5,7 +5,7 @@
     <p:sldMasterId id="2147483660" r:id="rId1"/>
   </p:sldMasterIdLst>
   <p:notesMasterIdLst>
-    <p:notesMasterId r:id="rId15"/>
+    <p:notesMasterId r:id="rId17"/>
   </p:notesMasterIdLst>
   <p:sldIdLst>
     <p:sldId id="256" r:id="rId2"/>
@@ -19,8 +19,10 @@
     <p:sldId id="261" r:id="rId10"/>
     <p:sldId id="263" r:id="rId11"/>
     <p:sldId id="269" r:id="rId12"/>
-    <p:sldId id="264" r:id="rId13"/>
-    <p:sldId id="265" r:id="rId14"/>
+    <p:sldId id="270" r:id="rId13"/>
+    <p:sldId id="271" r:id="rId14"/>
+    <p:sldId id="264" r:id="rId15"/>
+    <p:sldId id="265" r:id="rId16"/>
   </p:sldIdLst>
   <p:sldSz cx="12192000" cy="6858000"/>
   <p:notesSz cx="6858000" cy="9144000"/>
@@ -209,7 +211,7 @@
           <a:p>
             <a:fld id="{91C987E9-D846-45D7-B0BA-09A404DDD18F}" type="datetimeFigureOut">
               <a:rPr lang="en-US" smtClean="0"/>
-              <a:t>10/29/2020</a:t>
+              <a:t>10/31/2020</a:t>
             </a:fld>
             <a:endParaRPr lang="en-US"/>
           </a:p>
@@ -1528,7 +1530,7 @@
           <a:p>
             <a:fld id="{F7B45734-1697-4AB7-959A-59021CEE7C63}" type="datetime1">
               <a:rPr lang="de-DE" smtClean="0"/>
-              <a:t>29.10.2020</a:t>
+              <a:t>31.10.2020</a:t>
             </a:fld>
             <a:endParaRPr lang="en-US"/>
           </a:p>
@@ -1791,7 +1793,7 @@
           <a:p>
             <a:fld id="{28E0F9FB-1E8A-4CFC-BF19-70653968A72B}" type="datetime1">
               <a:rPr lang="de-DE" smtClean="0"/>
-              <a:t>29.10.2020</a:t>
+              <a:t>31.10.2020</a:t>
             </a:fld>
             <a:endParaRPr lang="en-US"/>
           </a:p>
@@ -2042,7 +2044,7 @@
           <a:p>
             <a:fld id="{4C8791FF-7201-4729-B98B-5B802CB6FE26}" type="datetime1">
               <a:rPr lang="de-DE" smtClean="0"/>
-              <a:t>29.10.2020</a:t>
+              <a:t>31.10.2020</a:t>
             </a:fld>
             <a:endParaRPr lang="en-US"/>
           </a:p>
@@ -2356,7 +2358,7 @@
           <a:p>
             <a:fld id="{16EBDE9D-3BF1-458B-B04E-AA7056777578}" type="datetime1">
               <a:rPr lang="de-DE" smtClean="0"/>
-              <a:t>29.10.2020</a:t>
+              <a:t>31.10.2020</a:t>
             </a:fld>
             <a:endParaRPr lang="en-US"/>
           </a:p>
@@ -2697,7 +2699,7 @@
           <a:p>
             <a:fld id="{72379833-F89A-4CC5-AD26-2146F255572C}" type="datetime1">
               <a:rPr lang="de-DE" smtClean="0"/>
-              <a:t>29.10.2020</a:t>
+              <a:t>31.10.2020</a:t>
             </a:fld>
             <a:endParaRPr lang="en-US"/>
           </a:p>
@@ -3011,7 +3013,7 @@
           <a:p>
             <a:fld id="{431A2CE2-D7A9-4F80-8471-7A4DA8B72368}" type="datetime1">
               <a:rPr lang="de-DE" smtClean="0"/>
-              <a:t>29.10.2020</a:t>
+              <a:t>31.10.2020</a:t>
             </a:fld>
             <a:endParaRPr lang="en-US"/>
           </a:p>
@@ -3404,7 +3406,7 @@
           <a:p>
             <a:fld id="{4B9D6D1C-E905-4368-9630-7DD1E44954A8}" type="datetime1">
               <a:rPr lang="de-DE" smtClean="0"/>
-              <a:t>29.10.2020</a:t>
+              <a:t>31.10.2020</a:t>
             </a:fld>
             <a:endParaRPr lang="en-US"/>
           </a:p>
@@ -3574,7 +3576,7 @@
           <a:p>
             <a:fld id="{8627FA29-765F-442F-8C7E-8C4E33FBBD15}" type="datetime1">
               <a:rPr lang="de-DE" smtClean="0"/>
-              <a:t>29.10.2020</a:t>
+              <a:t>31.10.2020</a:t>
             </a:fld>
             <a:endParaRPr lang="en-US"/>
           </a:p>
@@ -3754,7 +3756,7 @@
           <a:p>
             <a:fld id="{C79E08BA-6372-4F95-AB4E-CF7226F9351B}" type="datetime1">
               <a:rPr lang="de-DE" smtClean="0"/>
-              <a:t>29.10.2020</a:t>
+              <a:t>31.10.2020</a:t>
             </a:fld>
             <a:endParaRPr lang="en-US"/>
           </a:p>
@@ -3930,7 +3932,7 @@
           <a:p>
             <a:fld id="{BBFE0E78-BD63-486A-A840-5A82EE4DABDC}" type="datetime1">
               <a:rPr lang="de-DE" smtClean="0"/>
-              <a:t>29.10.2020</a:t>
+              <a:t>31.10.2020</a:t>
             </a:fld>
             <a:endParaRPr lang="en-US"/>
           </a:p>
@@ -4059,7 +4061,7 @@
           <a:p>
             <a:fld id="{FD088E02-9980-4083-8604-339DD30750A9}" type="datetime1">
               <a:rPr lang="de-DE" smtClean="0"/>
-              <a:t>29.10.2020</a:t>
+              <a:t>31.10.2020</a:t>
             </a:fld>
             <a:endParaRPr lang="en-US"/>
           </a:p>
@@ -4401,7 +4403,7 @@
           <a:p>
             <a:fld id="{512B8740-04A0-4F0F-BA2E-747FAA8552CF}" type="datetime1">
               <a:rPr lang="de-DE" smtClean="0"/>
-              <a:t>29.10.2020</a:t>
+              <a:t>31.10.2020</a:t>
             </a:fld>
             <a:endParaRPr lang="en-US"/>
           </a:p>
@@ -4633,7 +4635,7 @@
           <a:p>
             <a:fld id="{52340480-09C1-41B7-ACEE-F79B5ACF8268}" type="datetime1">
               <a:rPr lang="de-DE" smtClean="0"/>
-              <a:t>29.10.2020</a:t>
+              <a:t>31.10.2020</a:t>
             </a:fld>
             <a:endParaRPr lang="en-US"/>
           </a:p>
@@ -5007,7 +5009,7 @@
           <a:p>
             <a:fld id="{3C76072F-ABDE-49C9-B45F-982F33145057}" type="datetime1">
               <a:rPr lang="de-DE" smtClean="0"/>
-              <a:t>29.10.2020</a:t>
+              <a:t>31.10.2020</a:t>
             </a:fld>
             <a:endParaRPr lang="en-US"/>
           </a:p>
@@ -5130,7 +5132,7 @@
           <a:p>
             <a:fld id="{FF972E03-99BD-433F-85AD-6324DFFF3902}" type="datetime1">
               <a:rPr lang="de-DE" smtClean="0"/>
-              <a:t>29.10.2020</a:t>
+              <a:t>31.10.2020</a:t>
             </a:fld>
             <a:endParaRPr lang="en-US"/>
           </a:p>
@@ -5225,7 +5227,7 @@
           <a:p>
             <a:fld id="{EB4EFE40-CAA3-420B-8D0E-DBD5AB0FE83F}" type="datetime1">
               <a:rPr lang="de-DE" smtClean="0"/>
-              <a:t>29.10.2020</a:t>
+              <a:t>31.10.2020</a:t>
             </a:fld>
             <a:endParaRPr lang="en-US"/>
           </a:p>
@@ -5480,7 +5482,7 @@
           <a:p>
             <a:fld id="{E2AC2435-A98B-4155-AB69-4F954FE6AEBB}" type="datetime1">
               <a:rPr lang="de-DE" smtClean="0"/>
-              <a:t>29.10.2020</a:t>
+              <a:t>31.10.2020</a:t>
             </a:fld>
             <a:endParaRPr lang="en-US"/>
           </a:p>
@@ -6223,7 +6225,7 @@
           <a:p>
             <a:fld id="{589A2304-41B2-49D5-86E3-82760E9ED896}" type="datetime1">
               <a:rPr lang="de-DE" smtClean="0"/>
-              <a:t>29.10.2020</a:t>
+              <a:t>31.10.2020</a:t>
             </a:fld>
             <a:endParaRPr lang="en-US"/>
           </a:p>
@@ -6848,7 +6850,7 @@
           <a:p>
             <a:fld id="{46B7071C-03FC-43DF-B990-14F749E9D9DA}" type="datetime1">
               <a:rPr lang="de-DE" smtClean="0"/>
-              <a:t>29.10.2020</a:t>
+              <a:t>31.10.2020</a:t>
             </a:fld>
             <a:endParaRPr lang="en-US" dirty="0"/>
           </a:p>
@@ -7117,7 +7119,7 @@
             <a:fld id="{5665C720-CFBA-4CD6-B44E-E52DA515AFF8}" type="datetime1">
               <a:rPr lang="de-DE" sz="1400" smtClean="0"/>
               <a:pPr/>
-              <a:t>29.10.2020</a:t>
+              <a:t>31.10.2020</a:t>
             </a:fld>
             <a:endParaRPr lang="en-US" dirty="0"/>
           </a:p>
@@ -7308,7 +7310,12 @@
             <p:ph type="title"/>
           </p:nvPr>
         </p:nvSpPr>
-        <p:spPr/>
+        <p:spPr>
+          <a:xfrm>
+            <a:off x="677334" y="609598"/>
+            <a:ext cx="8596668" cy="1181101"/>
+          </a:xfrm>
+        </p:spPr>
         <p:txBody>
           <a:bodyPr/>
           <a:lstStyle/>
@@ -7343,18 +7350,21 @@
         </p:nvSpPr>
         <p:spPr>
           <a:xfrm>
-            <a:off x="677334" y="1590675"/>
-            <a:ext cx="8596668" cy="5162550"/>
+            <a:off x="677334" y="1352550"/>
+            <a:ext cx="8596668" cy="5400675"/>
           </a:xfrm>
         </p:spPr>
         <p:txBody>
           <a:bodyPr>
-            <a:normAutofit lnSpcReduction="10000"/>
+            <a:normAutofit/>
           </a:bodyPr>
           <a:lstStyle/>
           <a:p>
-            <a:r>
-              <a:rPr lang="de-DE" dirty="0"/>
+            <a:pPr marL="0" indent="0">
+              <a:buNone/>
+            </a:pPr>
+            <a:r>
+              <a:rPr lang="de-DE" b="1" dirty="0"/>
               <a:t>Beschreibung</a:t>
             </a:r>
           </a:p>
@@ -7384,8 +7394,11 @@
             </a:r>
           </a:p>
           <a:p>
-            <a:r>
-              <a:rPr lang="de-DE" dirty="0"/>
+            <a:pPr marL="0" indent="0">
+              <a:buNone/>
+            </a:pPr>
+            <a:r>
+              <a:rPr lang="de-DE" b="1" dirty="0"/>
               <a:t>Beteiligte</a:t>
             </a:r>
           </a:p>
@@ -7399,8 +7412,11 @@
             </a:r>
           </a:p>
           <a:p>
-            <a:r>
-              <a:rPr lang="de-DE" dirty="0"/>
+            <a:pPr marL="0" indent="0">
+              <a:buNone/>
+            </a:pPr>
+            <a:r>
+              <a:rPr lang="de-DE" b="1" dirty="0"/>
               <a:t>Voraussetzungen</a:t>
             </a:r>
           </a:p>
@@ -7423,8 +7439,11 @@
             </a:r>
           </a:p>
           <a:p>
-            <a:r>
-              <a:rPr lang="de-DE" dirty="0"/>
+            <a:pPr marL="0" indent="0">
+              <a:buNone/>
+            </a:pPr>
+            <a:r>
+              <a:rPr lang="de-DE" b="1" dirty="0"/>
               <a:t>Ereignisfluss</a:t>
             </a:r>
           </a:p>
@@ -7456,9 +7475,11 @@
             </a:r>
           </a:p>
           <a:p>
-            <a:pPr indent="-285750"/>
-            <a:r>
-              <a:rPr lang="de-DE" dirty="0"/>
+            <a:pPr marL="57150" indent="0">
+              <a:buNone/>
+            </a:pPr>
+            <a:r>
+              <a:rPr lang="de-DE" b="1" dirty="0"/>
               <a:t>Nachbedingung</a:t>
             </a:r>
           </a:p>
@@ -7477,11 +7498,7 @@
             </a:pPr>
             <a:r>
               <a:rPr lang="de-DE" dirty="0"/>
-              <a:t>Fehler: </a:t>
-            </a:r>
-            <a:r>
-              <a:rPr lang="de-DE"/>
-              <a:t>Registrierung fehlgeschlagen</a:t>
+              <a:t>Fehler: Registrierung fehlgeschlagen</a:t>
             </a:r>
           </a:p>
           <a:p>
@@ -7494,34 +7511,271 @@
       </p:sp>
       <p:sp>
         <p:nvSpPr>
-          <p:cNvPr id="4" name="Date Placeholder 3">
+          <p:cNvPr id="5" name="Date Placeholder 3">
             <a:extLst>
               <a:ext uri="{FF2B5EF4-FFF2-40B4-BE49-F238E27FC236}">
-                <a16:creationId xmlns:a16="http://schemas.microsoft.com/office/drawing/2014/main" id="{2AE931F4-8979-439A-A18E-8926B74A1C51}"/>
+                <a16:creationId xmlns:a16="http://schemas.microsoft.com/office/drawing/2014/main" id="{4C14AB97-C542-4790-9263-C13620CBC6CD}"/>
               </a:ext>
             </a:extLst>
           </p:cNvPr>
-          <p:cNvSpPr>
-            <a:spLocks noGrp="1"/>
-          </p:cNvSpPr>
-          <p:nvPr>
-            <p:ph type="dt" sz="half" idx="10"/>
-          </p:nvPr>
+          <p:cNvSpPr txBox="1">
+            <a:spLocks/>
+          </p:cNvSpPr>
+          <p:nvPr/>
         </p:nvSpPr>
         <p:spPr>
           <a:xfrm>
-            <a:off x="89958" y="104775"/>
-            <a:ext cx="911939" cy="365125"/>
+            <a:off x="677334" y="231051"/>
+            <a:ext cx="1071566" cy="378549"/>
           </a:xfrm>
+          <a:prstGeom prst="rect">
+            <a:avLst/>
+          </a:prstGeom>
         </p:spPr>
         <p:txBody>
-          <a:bodyPr/>
-          <a:lstStyle/>
-          <a:p>
-            <a:fld id="{BBFE0E78-BD63-486A-A840-5A82EE4DABDC}" type="datetime1">
-              <a:rPr lang="de-DE" smtClean="0"/>
-              <a:t>29.10.2020</a:t>
+          <a:bodyPr vert="horz" lIns="91440" tIns="45720" rIns="91440" bIns="45720" rtlCol="0" anchor="ctr"/>
+          <a:lstStyle>
+            <a:defPPr>
+              <a:defRPr lang="en-US"/>
+            </a:defPPr>
+            <a:lvl1pPr marL="0" algn="r" defTabSz="457200" rtl="0" eaLnBrk="1" latinLnBrk="0" hangingPunct="1">
+              <a:defRPr sz="900" kern="1200">
+                <a:solidFill>
+                  <a:schemeClr val="tx1">
+                    <a:tint val="75000"/>
+                  </a:schemeClr>
+                </a:solidFill>
+                <a:latin typeface="+mn-lt"/>
+                <a:ea typeface="+mn-ea"/>
+                <a:cs typeface="+mn-cs"/>
+              </a:defRPr>
+            </a:lvl1pPr>
+            <a:lvl2pPr marL="457200" algn="l" defTabSz="457200" rtl="0" eaLnBrk="1" latinLnBrk="0" hangingPunct="1">
+              <a:defRPr sz="1800" kern="1200">
+                <a:solidFill>
+                  <a:schemeClr val="tx1"/>
+                </a:solidFill>
+                <a:latin typeface="+mn-lt"/>
+                <a:ea typeface="+mn-ea"/>
+                <a:cs typeface="+mn-cs"/>
+              </a:defRPr>
+            </a:lvl2pPr>
+            <a:lvl3pPr marL="914400" algn="l" defTabSz="457200" rtl="0" eaLnBrk="1" latinLnBrk="0" hangingPunct="1">
+              <a:defRPr sz="1800" kern="1200">
+                <a:solidFill>
+                  <a:schemeClr val="tx1"/>
+                </a:solidFill>
+                <a:latin typeface="+mn-lt"/>
+                <a:ea typeface="+mn-ea"/>
+                <a:cs typeface="+mn-cs"/>
+              </a:defRPr>
+            </a:lvl3pPr>
+            <a:lvl4pPr marL="1371600" algn="l" defTabSz="457200" rtl="0" eaLnBrk="1" latinLnBrk="0" hangingPunct="1">
+              <a:defRPr sz="1800" kern="1200">
+                <a:solidFill>
+                  <a:schemeClr val="tx1"/>
+                </a:solidFill>
+                <a:latin typeface="+mn-lt"/>
+                <a:ea typeface="+mn-ea"/>
+                <a:cs typeface="+mn-cs"/>
+              </a:defRPr>
+            </a:lvl4pPr>
+            <a:lvl5pPr marL="1828800" algn="l" defTabSz="457200" rtl="0" eaLnBrk="1" latinLnBrk="0" hangingPunct="1">
+              <a:defRPr sz="1800" kern="1200">
+                <a:solidFill>
+                  <a:schemeClr val="tx1"/>
+                </a:solidFill>
+                <a:latin typeface="+mn-lt"/>
+                <a:ea typeface="+mn-ea"/>
+                <a:cs typeface="+mn-cs"/>
+              </a:defRPr>
+            </a:lvl5pPr>
+            <a:lvl6pPr marL="2286000" algn="l" defTabSz="457200" rtl="0" eaLnBrk="1" latinLnBrk="0" hangingPunct="1">
+              <a:defRPr sz="1800" kern="1200">
+                <a:solidFill>
+                  <a:schemeClr val="tx1"/>
+                </a:solidFill>
+                <a:latin typeface="+mn-lt"/>
+                <a:ea typeface="+mn-ea"/>
+                <a:cs typeface="+mn-cs"/>
+              </a:defRPr>
+            </a:lvl6pPr>
+            <a:lvl7pPr marL="2743200" algn="l" defTabSz="457200" rtl="0" eaLnBrk="1" latinLnBrk="0" hangingPunct="1">
+              <a:defRPr sz="1800" kern="1200">
+                <a:solidFill>
+                  <a:schemeClr val="tx1"/>
+                </a:solidFill>
+                <a:latin typeface="+mn-lt"/>
+                <a:ea typeface="+mn-ea"/>
+                <a:cs typeface="+mn-cs"/>
+              </a:defRPr>
+            </a:lvl7pPr>
+            <a:lvl8pPr marL="3200400" algn="l" defTabSz="457200" rtl="0" eaLnBrk="1" latinLnBrk="0" hangingPunct="1">
+              <a:defRPr sz="1800" kern="1200">
+                <a:solidFill>
+                  <a:schemeClr val="tx1"/>
+                </a:solidFill>
+                <a:latin typeface="+mn-lt"/>
+                <a:ea typeface="+mn-ea"/>
+                <a:cs typeface="+mn-cs"/>
+              </a:defRPr>
+            </a:lvl8pPr>
+            <a:lvl9pPr marL="3657600" algn="l" defTabSz="457200" rtl="0" eaLnBrk="1" latinLnBrk="0" hangingPunct="1">
+              <a:defRPr sz="1800" kern="1200">
+                <a:solidFill>
+                  <a:schemeClr val="tx1"/>
+                </a:solidFill>
+                <a:latin typeface="+mn-lt"/>
+                <a:ea typeface="+mn-ea"/>
+                <a:cs typeface="+mn-cs"/>
+              </a:defRPr>
+            </a:lvl9pPr>
+          </a:lstStyle>
+          <a:p>
+            <a:fld id="{5665C720-CFBA-4CD6-B44E-E52DA515AFF8}" type="datetime1">
+              <a:rPr lang="de-DE" sz="1400" smtClean="0"/>
+              <a:pPr/>
+              <a:t>31.10.2020</a:t>
             </a:fld>
+            <a:endParaRPr lang="en-US" dirty="0"/>
+          </a:p>
+        </p:txBody>
+      </p:sp>
+      <p:sp>
+        <p:nvSpPr>
+          <p:cNvPr id="6" name="Date Placeholder 3">
+            <a:extLst>
+              <a:ext uri="{FF2B5EF4-FFF2-40B4-BE49-F238E27FC236}">
+                <a16:creationId xmlns:a16="http://schemas.microsoft.com/office/drawing/2014/main" id="{FBE73F23-8D21-495D-8D7C-2DE7277152E1}"/>
+              </a:ext>
+            </a:extLst>
+          </p:cNvPr>
+          <p:cNvSpPr txBox="1">
+            <a:spLocks/>
+          </p:cNvSpPr>
+          <p:nvPr/>
+        </p:nvSpPr>
+        <p:spPr>
+          <a:xfrm>
+            <a:off x="1824033" y="231050"/>
+            <a:ext cx="5713108" cy="378549"/>
+          </a:xfrm>
+          <a:prstGeom prst="rect">
+            <a:avLst/>
+          </a:prstGeom>
+        </p:spPr>
+        <p:txBody>
+          <a:bodyPr vert="horz" lIns="91440" tIns="45720" rIns="91440" bIns="45720" rtlCol="0" anchor="ctr"/>
+          <a:lstStyle>
+            <a:defPPr>
+              <a:defRPr lang="en-US"/>
+            </a:defPPr>
+            <a:lvl1pPr marL="0" algn="r" defTabSz="457200" rtl="0" eaLnBrk="1" latinLnBrk="0" hangingPunct="1">
+              <a:defRPr sz="900" kern="1200">
+                <a:solidFill>
+                  <a:schemeClr val="tx1">
+                    <a:tint val="75000"/>
+                  </a:schemeClr>
+                </a:solidFill>
+                <a:latin typeface="+mn-lt"/>
+                <a:ea typeface="+mn-ea"/>
+                <a:cs typeface="+mn-cs"/>
+              </a:defRPr>
+            </a:lvl1pPr>
+            <a:lvl2pPr marL="457200" algn="l" defTabSz="457200" rtl="0" eaLnBrk="1" latinLnBrk="0" hangingPunct="1">
+              <a:defRPr sz="1800" kern="1200">
+                <a:solidFill>
+                  <a:schemeClr val="tx1"/>
+                </a:solidFill>
+                <a:latin typeface="+mn-lt"/>
+                <a:ea typeface="+mn-ea"/>
+                <a:cs typeface="+mn-cs"/>
+              </a:defRPr>
+            </a:lvl2pPr>
+            <a:lvl3pPr marL="914400" algn="l" defTabSz="457200" rtl="0" eaLnBrk="1" latinLnBrk="0" hangingPunct="1">
+              <a:defRPr sz="1800" kern="1200">
+                <a:solidFill>
+                  <a:schemeClr val="tx1"/>
+                </a:solidFill>
+                <a:latin typeface="+mn-lt"/>
+                <a:ea typeface="+mn-ea"/>
+                <a:cs typeface="+mn-cs"/>
+              </a:defRPr>
+            </a:lvl3pPr>
+            <a:lvl4pPr marL="1371600" algn="l" defTabSz="457200" rtl="0" eaLnBrk="1" latinLnBrk="0" hangingPunct="1">
+              <a:defRPr sz="1800" kern="1200">
+                <a:solidFill>
+                  <a:schemeClr val="tx1"/>
+                </a:solidFill>
+                <a:latin typeface="+mn-lt"/>
+                <a:ea typeface="+mn-ea"/>
+                <a:cs typeface="+mn-cs"/>
+              </a:defRPr>
+            </a:lvl4pPr>
+            <a:lvl5pPr marL="1828800" algn="l" defTabSz="457200" rtl="0" eaLnBrk="1" latinLnBrk="0" hangingPunct="1">
+              <a:defRPr sz="1800" kern="1200">
+                <a:solidFill>
+                  <a:schemeClr val="tx1"/>
+                </a:solidFill>
+                <a:latin typeface="+mn-lt"/>
+                <a:ea typeface="+mn-ea"/>
+                <a:cs typeface="+mn-cs"/>
+              </a:defRPr>
+            </a:lvl5pPr>
+            <a:lvl6pPr marL="2286000" algn="l" defTabSz="457200" rtl="0" eaLnBrk="1" latinLnBrk="0" hangingPunct="1">
+              <a:defRPr sz="1800" kern="1200">
+                <a:solidFill>
+                  <a:schemeClr val="tx1"/>
+                </a:solidFill>
+                <a:latin typeface="+mn-lt"/>
+                <a:ea typeface="+mn-ea"/>
+                <a:cs typeface="+mn-cs"/>
+              </a:defRPr>
+            </a:lvl6pPr>
+            <a:lvl7pPr marL="2743200" algn="l" defTabSz="457200" rtl="0" eaLnBrk="1" latinLnBrk="0" hangingPunct="1">
+              <a:defRPr sz="1800" kern="1200">
+                <a:solidFill>
+                  <a:schemeClr val="tx1"/>
+                </a:solidFill>
+                <a:latin typeface="+mn-lt"/>
+                <a:ea typeface="+mn-ea"/>
+                <a:cs typeface="+mn-cs"/>
+              </a:defRPr>
+            </a:lvl7pPr>
+            <a:lvl8pPr marL="3200400" algn="l" defTabSz="457200" rtl="0" eaLnBrk="1" latinLnBrk="0" hangingPunct="1">
+              <a:defRPr sz="1800" kern="1200">
+                <a:solidFill>
+                  <a:schemeClr val="tx1"/>
+                </a:solidFill>
+                <a:latin typeface="+mn-lt"/>
+                <a:ea typeface="+mn-ea"/>
+                <a:cs typeface="+mn-cs"/>
+              </a:defRPr>
+            </a:lvl8pPr>
+            <a:lvl9pPr marL="3657600" algn="l" defTabSz="457200" rtl="0" eaLnBrk="1" latinLnBrk="0" hangingPunct="1">
+              <a:defRPr sz="1800" kern="1200">
+                <a:solidFill>
+                  <a:schemeClr val="tx1"/>
+                </a:solidFill>
+                <a:latin typeface="+mn-lt"/>
+                <a:ea typeface="+mn-ea"/>
+                <a:cs typeface="+mn-cs"/>
+              </a:defRPr>
+            </a:lvl9pPr>
+          </a:lstStyle>
+          <a:p>
+            <a:r>
+              <a:rPr lang="de-DE" sz="1400" dirty="0"/>
+              <a:t>Veronika Taranek, Philipp </a:t>
+            </a:r>
+            <a:r>
+              <a:rPr lang="de-DE" sz="1400" dirty="0" err="1"/>
+              <a:t>Fenesan</a:t>
+            </a:r>
+            <a:r>
+              <a:rPr lang="de-DE" sz="1400" dirty="0"/>
+              <a:t>, Nicolas Geppert, Lukas Werner</a:t>
+            </a:r>
             <a:endParaRPr lang="en-US" dirty="0"/>
           </a:p>
         </p:txBody>
@@ -7561,7 +7815,7 @@
           <p:cNvPr id="2" name="Title 1">
             <a:extLst>
               <a:ext uri="{FF2B5EF4-FFF2-40B4-BE49-F238E27FC236}">
-                <a16:creationId xmlns:a16="http://schemas.microsoft.com/office/drawing/2014/main" id="{A533C930-62BB-49CD-A689-73D96C0BFBBB}"/>
+                <a16:creationId xmlns:a16="http://schemas.microsoft.com/office/drawing/2014/main" id="{DD89B45D-81B8-4037-8647-E08DB7556E63}"/>
               </a:ext>
             </a:extLst>
           </p:cNvPr>
@@ -7572,147 +7826,239 @@
             <p:ph type="title"/>
           </p:nvPr>
         </p:nvSpPr>
-        <p:spPr/>
+        <p:spPr>
+          <a:xfrm>
+            <a:off x="677334" y="609598"/>
+            <a:ext cx="8596668" cy="1181101"/>
+          </a:xfrm>
+        </p:spPr>
         <p:txBody>
           <a:bodyPr/>
           <a:lstStyle/>
           <a:p>
             <a:r>
               <a:rPr lang="en-US" dirty="0"/>
-              <a:t>Aufbau</a:t>
-            </a:r>
-          </a:p>
-        </p:txBody>
-      </p:sp>
-      <p:sp>
-        <p:nvSpPr>
-          <p:cNvPr id="5" name="TextBox 4">
+              <a:t>Use Case: Mein </a:t>
+            </a:r>
+            <a:r>
+              <a:rPr lang="en-US" dirty="0" err="1"/>
+              <a:t>Profil</a:t>
+            </a:r>
+            <a:endParaRPr lang="en-US" dirty="0"/>
+          </a:p>
+        </p:txBody>
+      </p:sp>
+      <p:sp>
+        <p:nvSpPr>
+          <p:cNvPr id="3" name="Content Placeholder 2">
             <a:extLst>
               <a:ext uri="{FF2B5EF4-FFF2-40B4-BE49-F238E27FC236}">
-                <a16:creationId xmlns:a16="http://schemas.microsoft.com/office/drawing/2014/main" id="{7FDF7188-C07D-448D-A4A7-2BC551B56E6A}"/>
+                <a16:creationId xmlns:a16="http://schemas.microsoft.com/office/drawing/2014/main" id="{591DF666-F25C-416A-9D7B-D66F364C5048}"/>
               </a:ext>
             </a:extLst>
           </p:cNvPr>
-          <p:cNvSpPr txBox="1"/>
-          <p:nvPr/>
+          <p:cNvSpPr>
+            <a:spLocks noGrp="1"/>
+          </p:cNvSpPr>
+          <p:nvPr>
+            <p:ph idx="1"/>
+          </p:nvPr>
         </p:nvSpPr>
         <p:spPr>
           <a:xfrm>
-            <a:off x="571500" y="5410200"/>
-            <a:ext cx="7928774" cy="646331"/>
+            <a:off x="677334" y="1352551"/>
+            <a:ext cx="8596668" cy="5505450"/>
           </a:xfrm>
-          <a:prstGeom prst="rect">
-            <a:avLst/>
-          </a:prstGeom>
-          <a:noFill/>
         </p:spPr>
         <p:txBody>
-          <a:bodyPr wrap="none" rtlCol="0">
-            <a:spAutoFit/>
+          <a:bodyPr>
+            <a:normAutofit fontScale="70000" lnSpcReduction="20000"/>
           </a:bodyPr>
           <a:lstStyle/>
           <a:p>
-            <a:r>
-              <a:rPr lang="en-US" dirty="0" err="1"/>
-              <a:t>Auffällig</a:t>
-            </a:r>
-            <a:r>
-              <a:rPr lang="en-US" dirty="0"/>
-              <a:t> </a:t>
-            </a:r>
-            <a:r>
-              <a:rPr lang="en-US" dirty="0" err="1"/>
-              <a:t>ist</a:t>
-            </a:r>
-            <a:r>
-              <a:rPr lang="en-US" dirty="0"/>
-              <a:t>, </a:t>
-            </a:r>
-            <a:r>
-              <a:rPr lang="en-US" dirty="0" err="1"/>
-              <a:t>dass</a:t>
-            </a:r>
-            <a:r>
-              <a:rPr lang="en-US" dirty="0"/>
-              <a:t> die </a:t>
-            </a:r>
-            <a:r>
-              <a:rPr lang="en-US" dirty="0" err="1"/>
-              <a:t>Funktionen</a:t>
-            </a:r>
-            <a:r>
-              <a:rPr lang="en-US" dirty="0"/>
-              <a:t> von den Design-Klassen </a:t>
-            </a:r>
-            <a:r>
-              <a:rPr lang="en-US" dirty="0" err="1"/>
-              <a:t>getrennt</a:t>
-            </a:r>
-            <a:r>
-              <a:rPr lang="en-US" dirty="0"/>
-              <a:t> </a:t>
-            </a:r>
-            <a:r>
-              <a:rPr lang="en-US" dirty="0" err="1"/>
-              <a:t>wurden</a:t>
-            </a:r>
-            <a:r>
-              <a:rPr lang="en-US" dirty="0"/>
-              <a:t>.</a:t>
-            </a:r>
-            <a:br>
-              <a:rPr lang="en-US" dirty="0"/>
-            </a:br>
-            <a:r>
-              <a:rPr lang="en-US" dirty="0"/>
-              <a:t>Die </a:t>
-            </a:r>
-            <a:r>
-              <a:rPr lang="en-US" dirty="0" err="1"/>
-              <a:t>Logik</a:t>
-            </a:r>
-            <a:r>
-              <a:rPr lang="en-US" dirty="0"/>
-              <a:t> </a:t>
-            </a:r>
-            <a:r>
-              <a:rPr lang="en-US" dirty="0" err="1"/>
-              <a:t>wird</a:t>
-            </a:r>
-            <a:r>
-              <a:rPr lang="en-US" dirty="0"/>
-              <a:t> in extra Klassen </a:t>
-            </a:r>
-            <a:r>
-              <a:rPr lang="en-US" dirty="0" err="1"/>
-              <a:t>implementiert</a:t>
-            </a:r>
-            <a:r>
-              <a:rPr lang="en-US" dirty="0"/>
-              <a:t>, die </a:t>
-            </a:r>
-            <a:r>
-              <a:rPr lang="en-US" dirty="0" err="1"/>
-              <a:t>getrennt</a:t>
-            </a:r>
-            <a:r>
-              <a:rPr lang="en-US" dirty="0"/>
-              <a:t> von der UI </a:t>
-            </a:r>
-            <a:r>
-              <a:rPr lang="en-US" dirty="0" err="1"/>
-              <a:t>sind</a:t>
-            </a:r>
-            <a:endParaRPr lang="en-US" dirty="0"/>
-          </a:p>
-        </p:txBody>
-      </p:sp>
-      <p:sp>
-        <p:nvSpPr>
-          <p:cNvPr id="6" name="Date Placeholder 3">
+            <a:pPr marL="0" indent="0">
+              <a:buNone/>
+            </a:pPr>
+            <a:r>
+              <a:rPr lang="de-DE" sz="2100" b="1" dirty="0"/>
+              <a:t>Beschreibung</a:t>
+            </a:r>
+          </a:p>
+          <a:p>
+            <a:pPr marL="457200" lvl="1" indent="0">
+              <a:buNone/>
+            </a:pPr>
+            <a:r>
+              <a:rPr lang="de-DE" sz="1800" dirty="0"/>
+              <a:t>Dieser </a:t>
+            </a:r>
+            <a:r>
+              <a:rPr lang="de-DE" sz="1800" dirty="0" err="1"/>
+              <a:t>Use</a:t>
+            </a:r>
+            <a:r>
+              <a:rPr lang="de-DE" sz="1800" dirty="0"/>
+              <a:t> Case beschreibt wie der Benutzer seine Einstellungen über Mein Profil individualisieren kann</a:t>
+            </a:r>
+          </a:p>
+          <a:p>
+            <a:pPr marL="0" indent="0">
+              <a:buNone/>
+            </a:pPr>
+            <a:r>
+              <a:rPr lang="de-DE" sz="2100" b="1" dirty="0"/>
+              <a:t>Beteiligte</a:t>
+            </a:r>
+          </a:p>
+          <a:p>
+            <a:pPr marL="457200" lvl="1" indent="0">
+              <a:buNone/>
+            </a:pPr>
+            <a:r>
+              <a:rPr lang="de-DE" sz="1800" dirty="0"/>
+              <a:t>Benutzer</a:t>
+            </a:r>
+          </a:p>
+          <a:p>
+            <a:pPr marL="0" indent="0">
+              <a:buNone/>
+            </a:pPr>
+            <a:r>
+              <a:rPr lang="de-DE" sz="2100" b="1" dirty="0"/>
+              <a:t>Voraussetzungen</a:t>
+            </a:r>
+          </a:p>
+          <a:p>
+            <a:pPr marL="457200" lvl="1" indent="0">
+              <a:buNone/>
+            </a:pPr>
+            <a:r>
+              <a:rPr lang="de-DE" sz="1800" dirty="0"/>
+              <a:t>Datenbankverbindung muss vorhanden sein</a:t>
+            </a:r>
+          </a:p>
+          <a:p>
+            <a:pPr marL="457200" lvl="1" indent="0">
+              <a:buNone/>
+            </a:pPr>
+            <a:r>
+              <a:rPr lang="de-DE" sz="1800" dirty="0"/>
+              <a:t>Der Benutzer muss erfolgreich eingeloggt sein</a:t>
+            </a:r>
+          </a:p>
+          <a:p>
+            <a:pPr marL="0" indent="0">
+              <a:buNone/>
+            </a:pPr>
+            <a:r>
+              <a:rPr lang="de-DE" sz="2100" b="1" dirty="0"/>
+              <a:t>Ereignisfluss</a:t>
+            </a:r>
+          </a:p>
+          <a:p>
+            <a:pPr marL="457200" lvl="1" indent="0">
+              <a:buNone/>
+            </a:pPr>
+            <a:r>
+              <a:rPr lang="de-DE" sz="1800" dirty="0"/>
+              <a:t>Im Menu Screen muss auf Mein Profil gedrückt werden</a:t>
+            </a:r>
+          </a:p>
+          <a:p>
+            <a:pPr marL="457200" lvl="1" indent="0">
+              <a:buNone/>
+            </a:pPr>
+            <a:r>
+              <a:rPr lang="de-DE" sz="1800" dirty="0"/>
+              <a:t>Der Profil Bearbeiten-Button muss gedrückt werden</a:t>
+            </a:r>
+          </a:p>
+          <a:p>
+            <a:pPr marL="457200" lvl="1" indent="0">
+              <a:buNone/>
+            </a:pPr>
+            <a:r>
+              <a:rPr lang="de-DE" sz="1800" dirty="0"/>
+              <a:t>Der Benutzername und die E-Mail-Adresse kann über die Texteingabe geändert werden</a:t>
+            </a:r>
+          </a:p>
+          <a:p>
+            <a:pPr marL="457200" lvl="1" indent="0">
+              <a:buNone/>
+            </a:pPr>
+            <a:r>
+              <a:rPr lang="de-DE" sz="1800" dirty="0"/>
+              <a:t>Das Level kann über die Combobox verändert werden</a:t>
+            </a:r>
+          </a:p>
+          <a:p>
+            <a:pPr marL="457200" lvl="1" indent="0">
+              <a:buNone/>
+            </a:pPr>
+            <a:r>
+              <a:rPr lang="de-DE" sz="1800" dirty="0"/>
+              <a:t>Über den Neues Profilbild-Button kann ein neues Profilbild angelegt werden</a:t>
+            </a:r>
+          </a:p>
+          <a:p>
+            <a:pPr marL="457200" lvl="1" indent="0">
+              <a:buNone/>
+            </a:pPr>
+            <a:r>
+              <a:rPr lang="de-DE" sz="1800" dirty="0"/>
+              <a:t>Über den Passwort ändern-Button kann das Passwort geändert werden</a:t>
+            </a:r>
+          </a:p>
+          <a:p>
+            <a:pPr marL="457200" lvl="1" indent="0">
+              <a:buNone/>
+            </a:pPr>
+            <a:r>
+              <a:rPr lang="de-DE" sz="1800" dirty="0"/>
+              <a:t>Die Änderungen werden nur gespeichert, wenn nach der Eingabe der Speichern-Button betätigt wird</a:t>
+            </a:r>
+          </a:p>
+          <a:p>
+            <a:pPr marL="57150" indent="0">
+              <a:buNone/>
+            </a:pPr>
+            <a:r>
+              <a:rPr lang="de-DE" sz="2100" b="1" dirty="0"/>
+              <a:t>Nachbedingung</a:t>
+            </a:r>
+          </a:p>
+          <a:p>
+            <a:pPr marL="457200" lvl="1" indent="0">
+              <a:buNone/>
+            </a:pPr>
+            <a:r>
+              <a:rPr lang="de-DE" sz="1800" dirty="0"/>
+              <a:t>Erfolgreich: Die Änderungen werden im Mein Profil-Screen angezeigt</a:t>
+            </a:r>
+          </a:p>
+          <a:p>
+            <a:pPr marL="457200" lvl="1" indent="0">
+              <a:buNone/>
+            </a:pPr>
+            <a:r>
+              <a:rPr lang="de-DE" sz="1800" dirty="0"/>
+              <a:t>Fehler: Die Änderungen konnten nicht übernommen werden und es werden veraltete Daten im Mein Profil-Screen angezeigt</a:t>
+            </a:r>
+          </a:p>
+          <a:p>
+            <a:pPr marL="457200" lvl="1" indent="0">
+              <a:buNone/>
+            </a:pPr>
+            <a:endParaRPr lang="de-DE" dirty="0"/>
+          </a:p>
+        </p:txBody>
+      </p:sp>
+      <p:sp>
+        <p:nvSpPr>
+          <p:cNvPr id="5" name="Date Placeholder 3">
             <a:extLst>
               <a:ext uri="{FF2B5EF4-FFF2-40B4-BE49-F238E27FC236}">
-                <a16:creationId xmlns:a16="http://schemas.microsoft.com/office/drawing/2014/main" id="{C597FC9F-E38B-4D7C-800C-2E507A9787EC}"/>
+                <a16:creationId xmlns:a16="http://schemas.microsoft.com/office/drawing/2014/main" id="{4C14AB97-C542-4790-9263-C13620CBC6CD}"/>
               </a:ext>
             </a:extLst>
           </p:cNvPr>
@@ -7833,7 +8179,7 @@
             <a:fld id="{5665C720-CFBA-4CD6-B44E-E52DA515AFF8}" type="datetime1">
               <a:rPr lang="de-DE" sz="1400" smtClean="0"/>
               <a:pPr/>
-              <a:t>29.10.2020</a:t>
+              <a:t>31.10.2020</a:t>
             </a:fld>
             <a:endParaRPr lang="en-US" dirty="0"/>
           </a:p>
@@ -7841,10 +8187,10 @@
       </p:sp>
       <p:sp>
         <p:nvSpPr>
-          <p:cNvPr id="7" name="Date Placeholder 3">
+          <p:cNvPr id="6" name="Date Placeholder 3">
             <a:extLst>
               <a:ext uri="{FF2B5EF4-FFF2-40B4-BE49-F238E27FC236}">
-                <a16:creationId xmlns:a16="http://schemas.microsoft.com/office/drawing/2014/main" id="{0F246959-6071-4609-B298-646E582C9281}"/>
+                <a16:creationId xmlns:a16="http://schemas.microsoft.com/office/drawing/2014/main" id="{FBE73F23-8D21-495D-8D7C-2DE7277152E1}"/>
               </a:ext>
             </a:extLst>
           </p:cNvPr>
@@ -7978,49 +8324,10 @@
           </a:p>
         </p:txBody>
       </p:sp>
-      <p:sp>
-        <p:nvSpPr>
-          <p:cNvPr id="3" name="TextBox 2">
-            <a:extLst>
-              <a:ext uri="{FF2B5EF4-FFF2-40B4-BE49-F238E27FC236}">
-                <a16:creationId xmlns:a16="http://schemas.microsoft.com/office/drawing/2014/main" id="{5BCAFD94-9DAE-40DB-ABC1-EA97278FB175}"/>
-              </a:ext>
-            </a:extLst>
-          </p:cNvPr>
-          <p:cNvSpPr txBox="1"/>
-          <p:nvPr/>
-        </p:nvSpPr>
-        <p:spPr>
-          <a:xfrm>
-            <a:off x="1524000" y="1930400"/>
-            <a:ext cx="4572000" cy="369332"/>
-          </a:xfrm>
-          <a:prstGeom prst="rect">
-            <a:avLst/>
-          </a:prstGeom>
-          <a:noFill/>
-        </p:spPr>
-        <p:txBody>
-          <a:bodyPr wrap="square" rtlCol="0">
-            <a:spAutoFit/>
-          </a:bodyPr>
-          <a:lstStyle/>
-          <a:p>
-            <a:r>
-              <a:rPr lang="en-US" dirty="0" err="1"/>
-              <a:t>neues</a:t>
-            </a:r>
-            <a:r>
-              <a:rPr lang="en-US" dirty="0"/>
-              <a:t> UML</a:t>
-            </a:r>
-          </a:p>
-        </p:txBody>
-      </p:sp>
     </p:spTree>
     <p:extLst>
       <p:ext uri="{BB962C8B-B14F-4D97-AF65-F5344CB8AC3E}">
-        <p14:creationId xmlns:p14="http://schemas.microsoft.com/office/powerpoint/2010/main" val="870046311"/>
+        <p14:creationId xmlns:p14="http://schemas.microsoft.com/office/powerpoint/2010/main" val="4289056068"/>
       </p:ext>
     </p:extLst>
   </p:cSld>
@@ -8052,6 +8359,1005 @@
           <p:cNvPr id="2" name="Title 1">
             <a:extLst>
               <a:ext uri="{FF2B5EF4-FFF2-40B4-BE49-F238E27FC236}">
+                <a16:creationId xmlns:a16="http://schemas.microsoft.com/office/drawing/2014/main" id="{DD89B45D-81B8-4037-8647-E08DB7556E63}"/>
+              </a:ext>
+            </a:extLst>
+          </p:cNvPr>
+          <p:cNvSpPr>
+            <a:spLocks noGrp="1"/>
+          </p:cNvSpPr>
+          <p:nvPr>
+            <p:ph type="title"/>
+          </p:nvPr>
+        </p:nvSpPr>
+        <p:spPr>
+          <a:xfrm>
+            <a:off x="677334" y="609598"/>
+            <a:ext cx="8596668" cy="1181101"/>
+          </a:xfrm>
+        </p:spPr>
+        <p:txBody>
+          <a:bodyPr/>
+          <a:lstStyle/>
+          <a:p>
+            <a:r>
+              <a:rPr lang="en-US" dirty="0"/>
+              <a:t>Use Case: </a:t>
+            </a:r>
+            <a:r>
+              <a:rPr lang="en-US" dirty="0" err="1"/>
+              <a:t>Karte</a:t>
+            </a:r>
+            <a:endParaRPr lang="en-US" dirty="0"/>
+          </a:p>
+        </p:txBody>
+      </p:sp>
+      <p:sp>
+        <p:nvSpPr>
+          <p:cNvPr id="3" name="Content Placeholder 2">
+            <a:extLst>
+              <a:ext uri="{FF2B5EF4-FFF2-40B4-BE49-F238E27FC236}">
+                <a16:creationId xmlns:a16="http://schemas.microsoft.com/office/drawing/2014/main" id="{591DF666-F25C-416A-9D7B-D66F364C5048}"/>
+              </a:ext>
+            </a:extLst>
+          </p:cNvPr>
+          <p:cNvSpPr>
+            <a:spLocks noGrp="1"/>
+          </p:cNvSpPr>
+          <p:nvPr>
+            <p:ph idx="1"/>
+          </p:nvPr>
+        </p:nvSpPr>
+        <p:spPr>
+          <a:xfrm>
+            <a:off x="677334" y="1352550"/>
+            <a:ext cx="8596668" cy="5400675"/>
+          </a:xfrm>
+        </p:spPr>
+        <p:txBody>
+          <a:bodyPr>
+            <a:normAutofit lnSpcReduction="10000"/>
+          </a:bodyPr>
+          <a:lstStyle/>
+          <a:p>
+            <a:pPr marL="0" indent="0">
+              <a:buNone/>
+            </a:pPr>
+            <a:r>
+              <a:rPr lang="de-DE" b="1" dirty="0"/>
+              <a:t>Beschreibung</a:t>
+            </a:r>
+          </a:p>
+          <a:p>
+            <a:pPr marL="457200" lvl="1" indent="0">
+              <a:buNone/>
+            </a:pPr>
+            <a:r>
+              <a:rPr lang="de-DE" dirty="0"/>
+              <a:t>Dieser </a:t>
+            </a:r>
+            <a:r>
+              <a:rPr lang="de-DE" dirty="0" err="1"/>
+              <a:t>Use</a:t>
+            </a:r>
+            <a:r>
+              <a:rPr lang="de-DE" dirty="0"/>
+              <a:t> Case beschreibt wie der Benutzer seine Wanderroute konfigurieren kann</a:t>
+            </a:r>
+          </a:p>
+          <a:p>
+            <a:pPr marL="0" indent="0">
+              <a:buNone/>
+            </a:pPr>
+            <a:r>
+              <a:rPr lang="de-DE" b="1" dirty="0"/>
+              <a:t>Beteiligte</a:t>
+            </a:r>
+          </a:p>
+          <a:p>
+            <a:pPr marL="457200" lvl="1" indent="0">
+              <a:buNone/>
+            </a:pPr>
+            <a:r>
+              <a:rPr lang="de-DE" dirty="0"/>
+              <a:t>Benutzer</a:t>
+            </a:r>
+          </a:p>
+          <a:p>
+            <a:pPr marL="0" indent="0">
+              <a:buNone/>
+            </a:pPr>
+            <a:r>
+              <a:rPr lang="de-DE" b="1" dirty="0"/>
+              <a:t>Voraussetzungen</a:t>
+            </a:r>
+          </a:p>
+          <a:p>
+            <a:pPr marL="457200" lvl="1" indent="0">
+              <a:buNone/>
+            </a:pPr>
+            <a:r>
+              <a:rPr lang="de-DE" dirty="0"/>
+              <a:t>Datenbankverbindung muss vorhanden sein</a:t>
+            </a:r>
+          </a:p>
+          <a:p>
+            <a:pPr marL="457200" lvl="1" indent="0">
+              <a:buNone/>
+            </a:pPr>
+            <a:r>
+              <a:rPr lang="de-DE" dirty="0"/>
+              <a:t>Der Benutzer muss erfolgreich eingeloggt sein</a:t>
+            </a:r>
+          </a:p>
+          <a:p>
+            <a:pPr marL="0" indent="0">
+              <a:buNone/>
+            </a:pPr>
+            <a:r>
+              <a:rPr lang="de-DE" b="1" dirty="0"/>
+              <a:t>Ereignisfluss</a:t>
+            </a:r>
+          </a:p>
+          <a:p>
+            <a:pPr marL="457200" lvl="1" indent="0">
+              <a:buNone/>
+            </a:pPr>
+            <a:r>
+              <a:rPr lang="de-DE" dirty="0"/>
+              <a:t>Im Menü-Screen muss auf den Karte-Button gedrückt werden</a:t>
+            </a:r>
+          </a:p>
+          <a:p>
+            <a:pPr marL="457200" lvl="1" indent="0">
+              <a:buNone/>
+            </a:pPr>
+            <a:r>
+              <a:rPr lang="de-DE" dirty="0"/>
+              <a:t>Der Benutzer kann über die Textfelder die Routenlänge und den gewünschten Höhenunterschied für seine Wanderroute angeben</a:t>
+            </a:r>
+          </a:p>
+          <a:p>
+            <a:pPr marL="457200" lvl="1" indent="0">
+              <a:buNone/>
+            </a:pPr>
+            <a:r>
+              <a:rPr lang="de-DE" dirty="0"/>
+              <a:t>Um die Änderungen zu speichern, muss der Bestätigen-Button betätigt werden</a:t>
+            </a:r>
+          </a:p>
+          <a:p>
+            <a:pPr marL="57150" indent="0">
+              <a:buNone/>
+            </a:pPr>
+            <a:r>
+              <a:rPr lang="de-DE" b="1" dirty="0"/>
+              <a:t>Nachbedingung</a:t>
+            </a:r>
+          </a:p>
+          <a:p>
+            <a:pPr marL="457200" lvl="1" indent="0">
+              <a:buNone/>
+            </a:pPr>
+            <a:r>
+              <a:rPr lang="de-DE" dirty="0"/>
+              <a:t>Erfolgreich: Wanderroutenlänge und Höhenunterschied wird gespeichert</a:t>
+            </a:r>
+          </a:p>
+          <a:p>
+            <a:pPr marL="457200" lvl="1" indent="0">
+              <a:buNone/>
+            </a:pPr>
+            <a:r>
+              <a:rPr lang="de-DE" dirty="0"/>
+              <a:t>Fehler: Wanderroutenlänge und Höhenunterschied kann nicht gespeichert werden</a:t>
+            </a:r>
+          </a:p>
+          <a:p>
+            <a:pPr marL="457200" lvl="1" indent="0">
+              <a:buNone/>
+            </a:pPr>
+            <a:endParaRPr lang="de-DE" dirty="0"/>
+          </a:p>
+        </p:txBody>
+      </p:sp>
+      <p:sp>
+        <p:nvSpPr>
+          <p:cNvPr id="5" name="Date Placeholder 3">
+            <a:extLst>
+              <a:ext uri="{FF2B5EF4-FFF2-40B4-BE49-F238E27FC236}">
+                <a16:creationId xmlns:a16="http://schemas.microsoft.com/office/drawing/2014/main" id="{4C14AB97-C542-4790-9263-C13620CBC6CD}"/>
+              </a:ext>
+            </a:extLst>
+          </p:cNvPr>
+          <p:cNvSpPr txBox="1">
+            <a:spLocks/>
+          </p:cNvSpPr>
+          <p:nvPr/>
+        </p:nvSpPr>
+        <p:spPr>
+          <a:xfrm>
+            <a:off x="677334" y="231051"/>
+            <a:ext cx="1071566" cy="378549"/>
+          </a:xfrm>
+          <a:prstGeom prst="rect">
+            <a:avLst/>
+          </a:prstGeom>
+        </p:spPr>
+        <p:txBody>
+          <a:bodyPr vert="horz" lIns="91440" tIns="45720" rIns="91440" bIns="45720" rtlCol="0" anchor="ctr"/>
+          <a:lstStyle>
+            <a:defPPr>
+              <a:defRPr lang="en-US"/>
+            </a:defPPr>
+            <a:lvl1pPr marL="0" algn="r" defTabSz="457200" rtl="0" eaLnBrk="1" latinLnBrk="0" hangingPunct="1">
+              <a:defRPr sz="900" kern="1200">
+                <a:solidFill>
+                  <a:schemeClr val="tx1">
+                    <a:tint val="75000"/>
+                  </a:schemeClr>
+                </a:solidFill>
+                <a:latin typeface="+mn-lt"/>
+                <a:ea typeface="+mn-ea"/>
+                <a:cs typeface="+mn-cs"/>
+              </a:defRPr>
+            </a:lvl1pPr>
+            <a:lvl2pPr marL="457200" algn="l" defTabSz="457200" rtl="0" eaLnBrk="1" latinLnBrk="0" hangingPunct="1">
+              <a:defRPr sz="1800" kern="1200">
+                <a:solidFill>
+                  <a:schemeClr val="tx1"/>
+                </a:solidFill>
+                <a:latin typeface="+mn-lt"/>
+                <a:ea typeface="+mn-ea"/>
+                <a:cs typeface="+mn-cs"/>
+              </a:defRPr>
+            </a:lvl2pPr>
+            <a:lvl3pPr marL="914400" algn="l" defTabSz="457200" rtl="0" eaLnBrk="1" latinLnBrk="0" hangingPunct="1">
+              <a:defRPr sz="1800" kern="1200">
+                <a:solidFill>
+                  <a:schemeClr val="tx1"/>
+                </a:solidFill>
+                <a:latin typeface="+mn-lt"/>
+                <a:ea typeface="+mn-ea"/>
+                <a:cs typeface="+mn-cs"/>
+              </a:defRPr>
+            </a:lvl3pPr>
+            <a:lvl4pPr marL="1371600" algn="l" defTabSz="457200" rtl="0" eaLnBrk="1" latinLnBrk="0" hangingPunct="1">
+              <a:defRPr sz="1800" kern="1200">
+                <a:solidFill>
+                  <a:schemeClr val="tx1"/>
+                </a:solidFill>
+                <a:latin typeface="+mn-lt"/>
+                <a:ea typeface="+mn-ea"/>
+                <a:cs typeface="+mn-cs"/>
+              </a:defRPr>
+            </a:lvl4pPr>
+            <a:lvl5pPr marL="1828800" algn="l" defTabSz="457200" rtl="0" eaLnBrk="1" latinLnBrk="0" hangingPunct="1">
+              <a:defRPr sz="1800" kern="1200">
+                <a:solidFill>
+                  <a:schemeClr val="tx1"/>
+                </a:solidFill>
+                <a:latin typeface="+mn-lt"/>
+                <a:ea typeface="+mn-ea"/>
+                <a:cs typeface="+mn-cs"/>
+              </a:defRPr>
+            </a:lvl5pPr>
+            <a:lvl6pPr marL="2286000" algn="l" defTabSz="457200" rtl="0" eaLnBrk="1" latinLnBrk="0" hangingPunct="1">
+              <a:defRPr sz="1800" kern="1200">
+                <a:solidFill>
+                  <a:schemeClr val="tx1"/>
+                </a:solidFill>
+                <a:latin typeface="+mn-lt"/>
+                <a:ea typeface="+mn-ea"/>
+                <a:cs typeface="+mn-cs"/>
+              </a:defRPr>
+            </a:lvl6pPr>
+            <a:lvl7pPr marL="2743200" algn="l" defTabSz="457200" rtl="0" eaLnBrk="1" latinLnBrk="0" hangingPunct="1">
+              <a:defRPr sz="1800" kern="1200">
+                <a:solidFill>
+                  <a:schemeClr val="tx1"/>
+                </a:solidFill>
+                <a:latin typeface="+mn-lt"/>
+                <a:ea typeface="+mn-ea"/>
+                <a:cs typeface="+mn-cs"/>
+              </a:defRPr>
+            </a:lvl7pPr>
+            <a:lvl8pPr marL="3200400" algn="l" defTabSz="457200" rtl="0" eaLnBrk="1" latinLnBrk="0" hangingPunct="1">
+              <a:defRPr sz="1800" kern="1200">
+                <a:solidFill>
+                  <a:schemeClr val="tx1"/>
+                </a:solidFill>
+                <a:latin typeface="+mn-lt"/>
+                <a:ea typeface="+mn-ea"/>
+                <a:cs typeface="+mn-cs"/>
+              </a:defRPr>
+            </a:lvl8pPr>
+            <a:lvl9pPr marL="3657600" algn="l" defTabSz="457200" rtl="0" eaLnBrk="1" latinLnBrk="0" hangingPunct="1">
+              <a:defRPr sz="1800" kern="1200">
+                <a:solidFill>
+                  <a:schemeClr val="tx1"/>
+                </a:solidFill>
+                <a:latin typeface="+mn-lt"/>
+                <a:ea typeface="+mn-ea"/>
+                <a:cs typeface="+mn-cs"/>
+              </a:defRPr>
+            </a:lvl9pPr>
+          </a:lstStyle>
+          <a:p>
+            <a:fld id="{5665C720-CFBA-4CD6-B44E-E52DA515AFF8}" type="datetime1">
+              <a:rPr lang="de-DE" sz="1400" smtClean="0"/>
+              <a:pPr/>
+              <a:t>31.10.2020</a:t>
+            </a:fld>
+            <a:endParaRPr lang="en-US" dirty="0"/>
+          </a:p>
+        </p:txBody>
+      </p:sp>
+      <p:sp>
+        <p:nvSpPr>
+          <p:cNvPr id="6" name="Date Placeholder 3">
+            <a:extLst>
+              <a:ext uri="{FF2B5EF4-FFF2-40B4-BE49-F238E27FC236}">
+                <a16:creationId xmlns:a16="http://schemas.microsoft.com/office/drawing/2014/main" id="{FBE73F23-8D21-495D-8D7C-2DE7277152E1}"/>
+              </a:ext>
+            </a:extLst>
+          </p:cNvPr>
+          <p:cNvSpPr txBox="1">
+            <a:spLocks/>
+          </p:cNvSpPr>
+          <p:nvPr/>
+        </p:nvSpPr>
+        <p:spPr>
+          <a:xfrm>
+            <a:off x="1824033" y="231050"/>
+            <a:ext cx="5713108" cy="378549"/>
+          </a:xfrm>
+          <a:prstGeom prst="rect">
+            <a:avLst/>
+          </a:prstGeom>
+        </p:spPr>
+        <p:txBody>
+          <a:bodyPr vert="horz" lIns="91440" tIns="45720" rIns="91440" bIns="45720" rtlCol="0" anchor="ctr"/>
+          <a:lstStyle>
+            <a:defPPr>
+              <a:defRPr lang="en-US"/>
+            </a:defPPr>
+            <a:lvl1pPr marL="0" algn="r" defTabSz="457200" rtl="0" eaLnBrk="1" latinLnBrk="0" hangingPunct="1">
+              <a:defRPr sz="900" kern="1200">
+                <a:solidFill>
+                  <a:schemeClr val="tx1">
+                    <a:tint val="75000"/>
+                  </a:schemeClr>
+                </a:solidFill>
+                <a:latin typeface="+mn-lt"/>
+                <a:ea typeface="+mn-ea"/>
+                <a:cs typeface="+mn-cs"/>
+              </a:defRPr>
+            </a:lvl1pPr>
+            <a:lvl2pPr marL="457200" algn="l" defTabSz="457200" rtl="0" eaLnBrk="1" latinLnBrk="0" hangingPunct="1">
+              <a:defRPr sz="1800" kern="1200">
+                <a:solidFill>
+                  <a:schemeClr val="tx1"/>
+                </a:solidFill>
+                <a:latin typeface="+mn-lt"/>
+                <a:ea typeface="+mn-ea"/>
+                <a:cs typeface="+mn-cs"/>
+              </a:defRPr>
+            </a:lvl2pPr>
+            <a:lvl3pPr marL="914400" algn="l" defTabSz="457200" rtl="0" eaLnBrk="1" latinLnBrk="0" hangingPunct="1">
+              <a:defRPr sz="1800" kern="1200">
+                <a:solidFill>
+                  <a:schemeClr val="tx1"/>
+                </a:solidFill>
+                <a:latin typeface="+mn-lt"/>
+                <a:ea typeface="+mn-ea"/>
+                <a:cs typeface="+mn-cs"/>
+              </a:defRPr>
+            </a:lvl3pPr>
+            <a:lvl4pPr marL="1371600" algn="l" defTabSz="457200" rtl="0" eaLnBrk="1" latinLnBrk="0" hangingPunct="1">
+              <a:defRPr sz="1800" kern="1200">
+                <a:solidFill>
+                  <a:schemeClr val="tx1"/>
+                </a:solidFill>
+                <a:latin typeface="+mn-lt"/>
+                <a:ea typeface="+mn-ea"/>
+                <a:cs typeface="+mn-cs"/>
+              </a:defRPr>
+            </a:lvl4pPr>
+            <a:lvl5pPr marL="1828800" algn="l" defTabSz="457200" rtl="0" eaLnBrk="1" latinLnBrk="0" hangingPunct="1">
+              <a:defRPr sz="1800" kern="1200">
+                <a:solidFill>
+                  <a:schemeClr val="tx1"/>
+                </a:solidFill>
+                <a:latin typeface="+mn-lt"/>
+                <a:ea typeface="+mn-ea"/>
+                <a:cs typeface="+mn-cs"/>
+              </a:defRPr>
+            </a:lvl5pPr>
+            <a:lvl6pPr marL="2286000" algn="l" defTabSz="457200" rtl="0" eaLnBrk="1" latinLnBrk="0" hangingPunct="1">
+              <a:defRPr sz="1800" kern="1200">
+                <a:solidFill>
+                  <a:schemeClr val="tx1"/>
+                </a:solidFill>
+                <a:latin typeface="+mn-lt"/>
+                <a:ea typeface="+mn-ea"/>
+                <a:cs typeface="+mn-cs"/>
+              </a:defRPr>
+            </a:lvl6pPr>
+            <a:lvl7pPr marL="2743200" algn="l" defTabSz="457200" rtl="0" eaLnBrk="1" latinLnBrk="0" hangingPunct="1">
+              <a:defRPr sz="1800" kern="1200">
+                <a:solidFill>
+                  <a:schemeClr val="tx1"/>
+                </a:solidFill>
+                <a:latin typeface="+mn-lt"/>
+                <a:ea typeface="+mn-ea"/>
+                <a:cs typeface="+mn-cs"/>
+              </a:defRPr>
+            </a:lvl7pPr>
+            <a:lvl8pPr marL="3200400" algn="l" defTabSz="457200" rtl="0" eaLnBrk="1" latinLnBrk="0" hangingPunct="1">
+              <a:defRPr sz="1800" kern="1200">
+                <a:solidFill>
+                  <a:schemeClr val="tx1"/>
+                </a:solidFill>
+                <a:latin typeface="+mn-lt"/>
+                <a:ea typeface="+mn-ea"/>
+                <a:cs typeface="+mn-cs"/>
+              </a:defRPr>
+            </a:lvl8pPr>
+            <a:lvl9pPr marL="3657600" algn="l" defTabSz="457200" rtl="0" eaLnBrk="1" latinLnBrk="0" hangingPunct="1">
+              <a:defRPr sz="1800" kern="1200">
+                <a:solidFill>
+                  <a:schemeClr val="tx1"/>
+                </a:solidFill>
+                <a:latin typeface="+mn-lt"/>
+                <a:ea typeface="+mn-ea"/>
+                <a:cs typeface="+mn-cs"/>
+              </a:defRPr>
+            </a:lvl9pPr>
+          </a:lstStyle>
+          <a:p>
+            <a:r>
+              <a:rPr lang="de-DE" sz="1400" dirty="0"/>
+              <a:t>Veronika Taranek, Philipp </a:t>
+            </a:r>
+            <a:r>
+              <a:rPr lang="de-DE" sz="1400" dirty="0" err="1"/>
+              <a:t>Fenesan</a:t>
+            </a:r>
+            <a:r>
+              <a:rPr lang="de-DE" sz="1400" dirty="0"/>
+              <a:t>, Nicolas Geppert, Lukas Werner</a:t>
+            </a:r>
+            <a:endParaRPr lang="en-US" dirty="0"/>
+          </a:p>
+        </p:txBody>
+      </p:sp>
+    </p:spTree>
+    <p:extLst>
+      <p:ext uri="{BB962C8B-B14F-4D97-AF65-F5344CB8AC3E}">
+        <p14:creationId xmlns:p14="http://schemas.microsoft.com/office/powerpoint/2010/main" val="1940434735"/>
+      </p:ext>
+    </p:extLst>
+  </p:cSld>
+  <p:clrMapOvr>
+    <a:masterClrMapping/>
+  </p:clrMapOvr>
+</p:sld>
+</file>
+
+<file path=ppt/slides/slide14.xml><?xml version="1.0" encoding="utf-8"?>
+<p:sld xmlns:a="http://schemas.openxmlformats.org/drawingml/2006/main" xmlns:r="http://schemas.openxmlformats.org/officeDocument/2006/relationships" xmlns:p="http://schemas.openxmlformats.org/presentationml/2006/main">
+  <p:cSld>
+    <p:spTree>
+      <p:nvGrpSpPr>
+        <p:cNvPr id="1" name=""/>
+        <p:cNvGrpSpPr/>
+        <p:nvPr/>
+      </p:nvGrpSpPr>
+      <p:grpSpPr>
+        <a:xfrm>
+          <a:off x="0" y="0"/>
+          <a:ext cx="0" cy="0"/>
+          <a:chOff x="0" y="0"/>
+          <a:chExt cx="0" cy="0"/>
+        </a:xfrm>
+      </p:grpSpPr>
+      <p:sp>
+        <p:nvSpPr>
+          <p:cNvPr id="2" name="Title 1">
+            <a:extLst>
+              <a:ext uri="{FF2B5EF4-FFF2-40B4-BE49-F238E27FC236}">
+                <a16:creationId xmlns:a16="http://schemas.microsoft.com/office/drawing/2014/main" id="{A533C930-62BB-49CD-A689-73D96C0BFBBB}"/>
+              </a:ext>
+            </a:extLst>
+          </p:cNvPr>
+          <p:cNvSpPr>
+            <a:spLocks noGrp="1"/>
+          </p:cNvSpPr>
+          <p:nvPr>
+            <p:ph type="title"/>
+          </p:nvPr>
+        </p:nvSpPr>
+        <p:spPr/>
+        <p:txBody>
+          <a:bodyPr/>
+          <a:lstStyle/>
+          <a:p>
+            <a:r>
+              <a:rPr lang="en-US" dirty="0"/>
+              <a:t>Aufbau</a:t>
+            </a:r>
+          </a:p>
+        </p:txBody>
+      </p:sp>
+      <p:sp>
+        <p:nvSpPr>
+          <p:cNvPr id="5" name="TextBox 4">
+            <a:extLst>
+              <a:ext uri="{FF2B5EF4-FFF2-40B4-BE49-F238E27FC236}">
+                <a16:creationId xmlns:a16="http://schemas.microsoft.com/office/drawing/2014/main" id="{7FDF7188-C07D-448D-A4A7-2BC551B56E6A}"/>
+              </a:ext>
+            </a:extLst>
+          </p:cNvPr>
+          <p:cNvSpPr txBox="1"/>
+          <p:nvPr/>
+        </p:nvSpPr>
+        <p:spPr>
+          <a:xfrm>
+            <a:off x="571500" y="5410200"/>
+            <a:ext cx="7928774" cy="646331"/>
+          </a:xfrm>
+          <a:prstGeom prst="rect">
+            <a:avLst/>
+          </a:prstGeom>
+          <a:noFill/>
+        </p:spPr>
+        <p:txBody>
+          <a:bodyPr wrap="none" rtlCol="0">
+            <a:spAutoFit/>
+          </a:bodyPr>
+          <a:lstStyle/>
+          <a:p>
+            <a:r>
+              <a:rPr lang="en-US" dirty="0" err="1"/>
+              <a:t>Auffällig</a:t>
+            </a:r>
+            <a:r>
+              <a:rPr lang="en-US" dirty="0"/>
+              <a:t> </a:t>
+            </a:r>
+            <a:r>
+              <a:rPr lang="en-US" dirty="0" err="1"/>
+              <a:t>ist</a:t>
+            </a:r>
+            <a:r>
+              <a:rPr lang="en-US" dirty="0"/>
+              <a:t>, </a:t>
+            </a:r>
+            <a:r>
+              <a:rPr lang="en-US" dirty="0" err="1"/>
+              <a:t>dass</a:t>
+            </a:r>
+            <a:r>
+              <a:rPr lang="en-US" dirty="0"/>
+              <a:t> die </a:t>
+            </a:r>
+            <a:r>
+              <a:rPr lang="en-US" dirty="0" err="1"/>
+              <a:t>Funktionen</a:t>
+            </a:r>
+            <a:r>
+              <a:rPr lang="en-US" dirty="0"/>
+              <a:t> von den Design-Klassen </a:t>
+            </a:r>
+            <a:r>
+              <a:rPr lang="en-US" dirty="0" err="1"/>
+              <a:t>getrennt</a:t>
+            </a:r>
+            <a:r>
+              <a:rPr lang="en-US" dirty="0"/>
+              <a:t> </a:t>
+            </a:r>
+            <a:r>
+              <a:rPr lang="en-US" dirty="0" err="1"/>
+              <a:t>wurden</a:t>
+            </a:r>
+            <a:r>
+              <a:rPr lang="en-US" dirty="0"/>
+              <a:t>.</a:t>
+            </a:r>
+            <a:br>
+              <a:rPr lang="en-US" dirty="0"/>
+            </a:br>
+            <a:r>
+              <a:rPr lang="en-US" dirty="0"/>
+              <a:t>Die </a:t>
+            </a:r>
+            <a:r>
+              <a:rPr lang="en-US" dirty="0" err="1"/>
+              <a:t>Logik</a:t>
+            </a:r>
+            <a:r>
+              <a:rPr lang="en-US" dirty="0"/>
+              <a:t> </a:t>
+            </a:r>
+            <a:r>
+              <a:rPr lang="en-US" dirty="0" err="1"/>
+              <a:t>wird</a:t>
+            </a:r>
+            <a:r>
+              <a:rPr lang="en-US" dirty="0"/>
+              <a:t> in extra Klassen </a:t>
+            </a:r>
+            <a:r>
+              <a:rPr lang="en-US" dirty="0" err="1"/>
+              <a:t>implementiert</a:t>
+            </a:r>
+            <a:r>
+              <a:rPr lang="en-US" dirty="0"/>
+              <a:t>, die </a:t>
+            </a:r>
+            <a:r>
+              <a:rPr lang="en-US" dirty="0" err="1"/>
+              <a:t>getrennt</a:t>
+            </a:r>
+            <a:r>
+              <a:rPr lang="en-US" dirty="0"/>
+              <a:t> von der UI </a:t>
+            </a:r>
+            <a:r>
+              <a:rPr lang="en-US" dirty="0" err="1"/>
+              <a:t>sind</a:t>
+            </a:r>
+            <a:endParaRPr lang="en-US" dirty="0"/>
+          </a:p>
+        </p:txBody>
+      </p:sp>
+      <p:sp>
+        <p:nvSpPr>
+          <p:cNvPr id="6" name="Date Placeholder 3">
+            <a:extLst>
+              <a:ext uri="{FF2B5EF4-FFF2-40B4-BE49-F238E27FC236}">
+                <a16:creationId xmlns:a16="http://schemas.microsoft.com/office/drawing/2014/main" id="{C597FC9F-E38B-4D7C-800C-2E507A9787EC}"/>
+              </a:ext>
+            </a:extLst>
+          </p:cNvPr>
+          <p:cNvSpPr txBox="1">
+            <a:spLocks/>
+          </p:cNvSpPr>
+          <p:nvPr/>
+        </p:nvSpPr>
+        <p:spPr>
+          <a:xfrm>
+            <a:off x="677334" y="231051"/>
+            <a:ext cx="1071566" cy="378549"/>
+          </a:xfrm>
+          <a:prstGeom prst="rect">
+            <a:avLst/>
+          </a:prstGeom>
+        </p:spPr>
+        <p:txBody>
+          <a:bodyPr vert="horz" lIns="91440" tIns="45720" rIns="91440" bIns="45720" rtlCol="0" anchor="ctr"/>
+          <a:lstStyle>
+            <a:defPPr>
+              <a:defRPr lang="en-US"/>
+            </a:defPPr>
+            <a:lvl1pPr marL="0" algn="r" defTabSz="457200" rtl="0" eaLnBrk="1" latinLnBrk="0" hangingPunct="1">
+              <a:defRPr sz="900" kern="1200">
+                <a:solidFill>
+                  <a:schemeClr val="tx1">
+                    <a:tint val="75000"/>
+                  </a:schemeClr>
+                </a:solidFill>
+                <a:latin typeface="+mn-lt"/>
+                <a:ea typeface="+mn-ea"/>
+                <a:cs typeface="+mn-cs"/>
+              </a:defRPr>
+            </a:lvl1pPr>
+            <a:lvl2pPr marL="457200" algn="l" defTabSz="457200" rtl="0" eaLnBrk="1" latinLnBrk="0" hangingPunct="1">
+              <a:defRPr sz="1800" kern="1200">
+                <a:solidFill>
+                  <a:schemeClr val="tx1"/>
+                </a:solidFill>
+                <a:latin typeface="+mn-lt"/>
+                <a:ea typeface="+mn-ea"/>
+                <a:cs typeface="+mn-cs"/>
+              </a:defRPr>
+            </a:lvl2pPr>
+            <a:lvl3pPr marL="914400" algn="l" defTabSz="457200" rtl="0" eaLnBrk="1" latinLnBrk="0" hangingPunct="1">
+              <a:defRPr sz="1800" kern="1200">
+                <a:solidFill>
+                  <a:schemeClr val="tx1"/>
+                </a:solidFill>
+                <a:latin typeface="+mn-lt"/>
+                <a:ea typeface="+mn-ea"/>
+                <a:cs typeface="+mn-cs"/>
+              </a:defRPr>
+            </a:lvl3pPr>
+            <a:lvl4pPr marL="1371600" algn="l" defTabSz="457200" rtl="0" eaLnBrk="1" latinLnBrk="0" hangingPunct="1">
+              <a:defRPr sz="1800" kern="1200">
+                <a:solidFill>
+                  <a:schemeClr val="tx1"/>
+                </a:solidFill>
+                <a:latin typeface="+mn-lt"/>
+                <a:ea typeface="+mn-ea"/>
+                <a:cs typeface="+mn-cs"/>
+              </a:defRPr>
+            </a:lvl4pPr>
+            <a:lvl5pPr marL="1828800" algn="l" defTabSz="457200" rtl="0" eaLnBrk="1" latinLnBrk="0" hangingPunct="1">
+              <a:defRPr sz="1800" kern="1200">
+                <a:solidFill>
+                  <a:schemeClr val="tx1"/>
+                </a:solidFill>
+                <a:latin typeface="+mn-lt"/>
+                <a:ea typeface="+mn-ea"/>
+                <a:cs typeface="+mn-cs"/>
+              </a:defRPr>
+            </a:lvl5pPr>
+            <a:lvl6pPr marL="2286000" algn="l" defTabSz="457200" rtl="0" eaLnBrk="1" latinLnBrk="0" hangingPunct="1">
+              <a:defRPr sz="1800" kern="1200">
+                <a:solidFill>
+                  <a:schemeClr val="tx1"/>
+                </a:solidFill>
+                <a:latin typeface="+mn-lt"/>
+                <a:ea typeface="+mn-ea"/>
+                <a:cs typeface="+mn-cs"/>
+              </a:defRPr>
+            </a:lvl6pPr>
+            <a:lvl7pPr marL="2743200" algn="l" defTabSz="457200" rtl="0" eaLnBrk="1" latinLnBrk="0" hangingPunct="1">
+              <a:defRPr sz="1800" kern="1200">
+                <a:solidFill>
+                  <a:schemeClr val="tx1"/>
+                </a:solidFill>
+                <a:latin typeface="+mn-lt"/>
+                <a:ea typeface="+mn-ea"/>
+                <a:cs typeface="+mn-cs"/>
+              </a:defRPr>
+            </a:lvl7pPr>
+            <a:lvl8pPr marL="3200400" algn="l" defTabSz="457200" rtl="0" eaLnBrk="1" latinLnBrk="0" hangingPunct="1">
+              <a:defRPr sz="1800" kern="1200">
+                <a:solidFill>
+                  <a:schemeClr val="tx1"/>
+                </a:solidFill>
+                <a:latin typeface="+mn-lt"/>
+                <a:ea typeface="+mn-ea"/>
+                <a:cs typeface="+mn-cs"/>
+              </a:defRPr>
+            </a:lvl8pPr>
+            <a:lvl9pPr marL="3657600" algn="l" defTabSz="457200" rtl="0" eaLnBrk="1" latinLnBrk="0" hangingPunct="1">
+              <a:defRPr sz="1800" kern="1200">
+                <a:solidFill>
+                  <a:schemeClr val="tx1"/>
+                </a:solidFill>
+                <a:latin typeface="+mn-lt"/>
+                <a:ea typeface="+mn-ea"/>
+                <a:cs typeface="+mn-cs"/>
+              </a:defRPr>
+            </a:lvl9pPr>
+          </a:lstStyle>
+          <a:p>
+            <a:fld id="{5665C720-CFBA-4CD6-B44E-E52DA515AFF8}" type="datetime1">
+              <a:rPr lang="de-DE" sz="1400" smtClean="0"/>
+              <a:pPr/>
+              <a:t>31.10.2020</a:t>
+            </a:fld>
+            <a:endParaRPr lang="en-US" dirty="0"/>
+          </a:p>
+        </p:txBody>
+      </p:sp>
+      <p:sp>
+        <p:nvSpPr>
+          <p:cNvPr id="7" name="Date Placeholder 3">
+            <a:extLst>
+              <a:ext uri="{FF2B5EF4-FFF2-40B4-BE49-F238E27FC236}">
+                <a16:creationId xmlns:a16="http://schemas.microsoft.com/office/drawing/2014/main" id="{0F246959-6071-4609-B298-646E582C9281}"/>
+              </a:ext>
+            </a:extLst>
+          </p:cNvPr>
+          <p:cNvSpPr txBox="1">
+            <a:spLocks/>
+          </p:cNvSpPr>
+          <p:nvPr/>
+        </p:nvSpPr>
+        <p:spPr>
+          <a:xfrm>
+            <a:off x="1824033" y="231050"/>
+            <a:ext cx="5713108" cy="378549"/>
+          </a:xfrm>
+          <a:prstGeom prst="rect">
+            <a:avLst/>
+          </a:prstGeom>
+        </p:spPr>
+        <p:txBody>
+          <a:bodyPr vert="horz" lIns="91440" tIns="45720" rIns="91440" bIns="45720" rtlCol="0" anchor="ctr"/>
+          <a:lstStyle>
+            <a:defPPr>
+              <a:defRPr lang="en-US"/>
+            </a:defPPr>
+            <a:lvl1pPr marL="0" algn="r" defTabSz="457200" rtl="0" eaLnBrk="1" latinLnBrk="0" hangingPunct="1">
+              <a:defRPr sz="900" kern="1200">
+                <a:solidFill>
+                  <a:schemeClr val="tx1">
+                    <a:tint val="75000"/>
+                  </a:schemeClr>
+                </a:solidFill>
+                <a:latin typeface="+mn-lt"/>
+                <a:ea typeface="+mn-ea"/>
+                <a:cs typeface="+mn-cs"/>
+              </a:defRPr>
+            </a:lvl1pPr>
+            <a:lvl2pPr marL="457200" algn="l" defTabSz="457200" rtl="0" eaLnBrk="1" latinLnBrk="0" hangingPunct="1">
+              <a:defRPr sz="1800" kern="1200">
+                <a:solidFill>
+                  <a:schemeClr val="tx1"/>
+                </a:solidFill>
+                <a:latin typeface="+mn-lt"/>
+                <a:ea typeface="+mn-ea"/>
+                <a:cs typeface="+mn-cs"/>
+              </a:defRPr>
+            </a:lvl2pPr>
+            <a:lvl3pPr marL="914400" algn="l" defTabSz="457200" rtl="0" eaLnBrk="1" latinLnBrk="0" hangingPunct="1">
+              <a:defRPr sz="1800" kern="1200">
+                <a:solidFill>
+                  <a:schemeClr val="tx1"/>
+                </a:solidFill>
+                <a:latin typeface="+mn-lt"/>
+                <a:ea typeface="+mn-ea"/>
+                <a:cs typeface="+mn-cs"/>
+              </a:defRPr>
+            </a:lvl3pPr>
+            <a:lvl4pPr marL="1371600" algn="l" defTabSz="457200" rtl="0" eaLnBrk="1" latinLnBrk="0" hangingPunct="1">
+              <a:defRPr sz="1800" kern="1200">
+                <a:solidFill>
+                  <a:schemeClr val="tx1"/>
+                </a:solidFill>
+                <a:latin typeface="+mn-lt"/>
+                <a:ea typeface="+mn-ea"/>
+                <a:cs typeface="+mn-cs"/>
+              </a:defRPr>
+            </a:lvl4pPr>
+            <a:lvl5pPr marL="1828800" algn="l" defTabSz="457200" rtl="0" eaLnBrk="1" latinLnBrk="0" hangingPunct="1">
+              <a:defRPr sz="1800" kern="1200">
+                <a:solidFill>
+                  <a:schemeClr val="tx1"/>
+                </a:solidFill>
+                <a:latin typeface="+mn-lt"/>
+                <a:ea typeface="+mn-ea"/>
+                <a:cs typeface="+mn-cs"/>
+              </a:defRPr>
+            </a:lvl5pPr>
+            <a:lvl6pPr marL="2286000" algn="l" defTabSz="457200" rtl="0" eaLnBrk="1" latinLnBrk="0" hangingPunct="1">
+              <a:defRPr sz="1800" kern="1200">
+                <a:solidFill>
+                  <a:schemeClr val="tx1"/>
+                </a:solidFill>
+                <a:latin typeface="+mn-lt"/>
+                <a:ea typeface="+mn-ea"/>
+                <a:cs typeface="+mn-cs"/>
+              </a:defRPr>
+            </a:lvl6pPr>
+            <a:lvl7pPr marL="2743200" algn="l" defTabSz="457200" rtl="0" eaLnBrk="1" latinLnBrk="0" hangingPunct="1">
+              <a:defRPr sz="1800" kern="1200">
+                <a:solidFill>
+                  <a:schemeClr val="tx1"/>
+                </a:solidFill>
+                <a:latin typeface="+mn-lt"/>
+                <a:ea typeface="+mn-ea"/>
+                <a:cs typeface="+mn-cs"/>
+              </a:defRPr>
+            </a:lvl7pPr>
+            <a:lvl8pPr marL="3200400" algn="l" defTabSz="457200" rtl="0" eaLnBrk="1" latinLnBrk="0" hangingPunct="1">
+              <a:defRPr sz="1800" kern="1200">
+                <a:solidFill>
+                  <a:schemeClr val="tx1"/>
+                </a:solidFill>
+                <a:latin typeface="+mn-lt"/>
+                <a:ea typeface="+mn-ea"/>
+                <a:cs typeface="+mn-cs"/>
+              </a:defRPr>
+            </a:lvl8pPr>
+            <a:lvl9pPr marL="3657600" algn="l" defTabSz="457200" rtl="0" eaLnBrk="1" latinLnBrk="0" hangingPunct="1">
+              <a:defRPr sz="1800" kern="1200">
+                <a:solidFill>
+                  <a:schemeClr val="tx1"/>
+                </a:solidFill>
+                <a:latin typeface="+mn-lt"/>
+                <a:ea typeface="+mn-ea"/>
+                <a:cs typeface="+mn-cs"/>
+              </a:defRPr>
+            </a:lvl9pPr>
+          </a:lstStyle>
+          <a:p>
+            <a:r>
+              <a:rPr lang="de-DE" sz="1400" dirty="0"/>
+              <a:t>Veronika Taranek, Philipp </a:t>
+            </a:r>
+            <a:r>
+              <a:rPr lang="de-DE" sz="1400" dirty="0" err="1"/>
+              <a:t>Fenesan</a:t>
+            </a:r>
+            <a:r>
+              <a:rPr lang="de-DE" sz="1400" dirty="0"/>
+              <a:t>, Nicolas Geppert, Lukas Werner</a:t>
+            </a:r>
+            <a:endParaRPr lang="en-US" dirty="0"/>
+          </a:p>
+        </p:txBody>
+      </p:sp>
+      <p:sp>
+        <p:nvSpPr>
+          <p:cNvPr id="3" name="TextBox 2">
+            <a:extLst>
+              <a:ext uri="{FF2B5EF4-FFF2-40B4-BE49-F238E27FC236}">
+                <a16:creationId xmlns:a16="http://schemas.microsoft.com/office/drawing/2014/main" id="{5BCAFD94-9DAE-40DB-ABC1-EA97278FB175}"/>
+              </a:ext>
+            </a:extLst>
+          </p:cNvPr>
+          <p:cNvSpPr txBox="1"/>
+          <p:nvPr/>
+        </p:nvSpPr>
+        <p:spPr>
+          <a:xfrm>
+            <a:off x="1524000" y="1930400"/>
+            <a:ext cx="4572000" cy="369332"/>
+          </a:xfrm>
+          <a:prstGeom prst="rect">
+            <a:avLst/>
+          </a:prstGeom>
+          <a:noFill/>
+        </p:spPr>
+        <p:txBody>
+          <a:bodyPr wrap="square" rtlCol="0">
+            <a:spAutoFit/>
+          </a:bodyPr>
+          <a:lstStyle/>
+          <a:p>
+            <a:r>
+              <a:rPr lang="en-US" dirty="0" err="1"/>
+              <a:t>neues</a:t>
+            </a:r>
+            <a:r>
+              <a:rPr lang="en-US" dirty="0"/>
+              <a:t> UML</a:t>
+            </a:r>
+          </a:p>
+        </p:txBody>
+      </p:sp>
+    </p:spTree>
+    <p:extLst>
+      <p:ext uri="{BB962C8B-B14F-4D97-AF65-F5344CB8AC3E}">
+        <p14:creationId xmlns:p14="http://schemas.microsoft.com/office/powerpoint/2010/main" val="870046311"/>
+      </p:ext>
+    </p:extLst>
+  </p:cSld>
+  <p:clrMapOvr>
+    <a:masterClrMapping/>
+  </p:clrMapOvr>
+</p:sld>
+</file>
+
+<file path=ppt/slides/slide15.xml><?xml version="1.0" encoding="utf-8"?>
+<p:sld xmlns:a="http://schemas.openxmlformats.org/drawingml/2006/main" xmlns:r="http://schemas.openxmlformats.org/officeDocument/2006/relationships" xmlns:p="http://schemas.openxmlformats.org/presentationml/2006/main">
+  <p:cSld>
+    <p:spTree>
+      <p:nvGrpSpPr>
+        <p:cNvPr id="1" name=""/>
+        <p:cNvGrpSpPr/>
+        <p:nvPr/>
+      </p:nvGrpSpPr>
+      <p:grpSpPr>
+        <a:xfrm>
+          <a:off x="0" y="0"/>
+          <a:ext cx="0" cy="0"/>
+          <a:chOff x="0" y="0"/>
+          <a:chExt cx="0" cy="0"/>
+        </a:xfrm>
+      </p:grpSpPr>
+      <p:sp>
+        <p:nvSpPr>
+          <p:cNvPr id="2" name="Title 1">
+            <a:extLst>
+              <a:ext uri="{FF2B5EF4-FFF2-40B4-BE49-F238E27FC236}">
                 <a16:creationId xmlns:a16="http://schemas.microsoft.com/office/drawing/2014/main" id="{BFFE73E4-B193-441D-8A54-09AA7DF89A89}"/>
               </a:ext>
             </a:extLst>
@@ -8261,138 +9567,6 @@
               <a:rPr lang="en-US" dirty="0" err="1"/>
               <a:t>wurde</a:t>
             </a:r>
-            <a:endParaRPr lang="en-US" dirty="0"/>
-          </a:p>
-        </p:txBody>
-      </p:sp>
-      <p:sp>
-        <p:nvSpPr>
-          <p:cNvPr id="6" name="Date Placeholder 3">
-            <a:extLst>
-              <a:ext uri="{FF2B5EF4-FFF2-40B4-BE49-F238E27FC236}">
-                <a16:creationId xmlns:a16="http://schemas.microsoft.com/office/drawing/2014/main" id="{5A155018-75BB-467E-9C0B-72C18B696E77}"/>
-              </a:ext>
-            </a:extLst>
-          </p:cNvPr>
-          <p:cNvSpPr txBox="1">
-            <a:spLocks/>
-          </p:cNvSpPr>
-          <p:nvPr/>
-        </p:nvSpPr>
-        <p:spPr>
-          <a:xfrm>
-            <a:off x="677334" y="231051"/>
-            <a:ext cx="1071566" cy="378549"/>
-          </a:xfrm>
-          <a:prstGeom prst="rect">
-            <a:avLst/>
-          </a:prstGeom>
-        </p:spPr>
-        <p:txBody>
-          <a:bodyPr vert="horz" lIns="91440" tIns="45720" rIns="91440" bIns="45720" rtlCol="0" anchor="ctr"/>
-          <a:lstStyle>
-            <a:defPPr>
-              <a:defRPr lang="en-US"/>
-            </a:defPPr>
-            <a:lvl1pPr marL="0" algn="r" defTabSz="457200" rtl="0" eaLnBrk="1" latinLnBrk="0" hangingPunct="1">
-              <a:defRPr sz="900" kern="1200">
-                <a:solidFill>
-                  <a:schemeClr val="tx1">
-                    <a:tint val="75000"/>
-                  </a:schemeClr>
-                </a:solidFill>
-                <a:latin typeface="+mn-lt"/>
-                <a:ea typeface="+mn-ea"/>
-                <a:cs typeface="+mn-cs"/>
-              </a:defRPr>
-            </a:lvl1pPr>
-            <a:lvl2pPr marL="457200" algn="l" defTabSz="457200" rtl="0" eaLnBrk="1" latinLnBrk="0" hangingPunct="1">
-              <a:defRPr sz="1800" kern="1200">
-                <a:solidFill>
-                  <a:schemeClr val="tx1"/>
-                </a:solidFill>
-                <a:latin typeface="+mn-lt"/>
-                <a:ea typeface="+mn-ea"/>
-                <a:cs typeface="+mn-cs"/>
-              </a:defRPr>
-            </a:lvl2pPr>
-            <a:lvl3pPr marL="914400" algn="l" defTabSz="457200" rtl="0" eaLnBrk="1" latinLnBrk="0" hangingPunct="1">
-              <a:defRPr sz="1800" kern="1200">
-                <a:solidFill>
-                  <a:schemeClr val="tx1"/>
-                </a:solidFill>
-                <a:latin typeface="+mn-lt"/>
-                <a:ea typeface="+mn-ea"/>
-                <a:cs typeface="+mn-cs"/>
-              </a:defRPr>
-            </a:lvl3pPr>
-            <a:lvl4pPr marL="1371600" algn="l" defTabSz="457200" rtl="0" eaLnBrk="1" latinLnBrk="0" hangingPunct="1">
-              <a:defRPr sz="1800" kern="1200">
-                <a:solidFill>
-                  <a:schemeClr val="tx1"/>
-                </a:solidFill>
-                <a:latin typeface="+mn-lt"/>
-                <a:ea typeface="+mn-ea"/>
-                <a:cs typeface="+mn-cs"/>
-              </a:defRPr>
-            </a:lvl4pPr>
-            <a:lvl5pPr marL="1828800" algn="l" defTabSz="457200" rtl="0" eaLnBrk="1" latinLnBrk="0" hangingPunct="1">
-              <a:defRPr sz="1800" kern="1200">
-                <a:solidFill>
-                  <a:schemeClr val="tx1"/>
-                </a:solidFill>
-                <a:latin typeface="+mn-lt"/>
-                <a:ea typeface="+mn-ea"/>
-                <a:cs typeface="+mn-cs"/>
-              </a:defRPr>
-            </a:lvl5pPr>
-            <a:lvl6pPr marL="2286000" algn="l" defTabSz="457200" rtl="0" eaLnBrk="1" latinLnBrk="0" hangingPunct="1">
-              <a:defRPr sz="1800" kern="1200">
-                <a:solidFill>
-                  <a:schemeClr val="tx1"/>
-                </a:solidFill>
-                <a:latin typeface="+mn-lt"/>
-                <a:ea typeface="+mn-ea"/>
-                <a:cs typeface="+mn-cs"/>
-              </a:defRPr>
-            </a:lvl6pPr>
-            <a:lvl7pPr marL="2743200" algn="l" defTabSz="457200" rtl="0" eaLnBrk="1" latinLnBrk="0" hangingPunct="1">
-              <a:defRPr sz="1800" kern="1200">
-                <a:solidFill>
-                  <a:schemeClr val="tx1"/>
-                </a:solidFill>
-                <a:latin typeface="+mn-lt"/>
-                <a:ea typeface="+mn-ea"/>
-                <a:cs typeface="+mn-cs"/>
-              </a:defRPr>
-            </a:lvl7pPr>
-            <a:lvl8pPr marL="3200400" algn="l" defTabSz="457200" rtl="0" eaLnBrk="1" latinLnBrk="0" hangingPunct="1">
-              <a:defRPr sz="1800" kern="1200">
-                <a:solidFill>
-                  <a:schemeClr val="tx1"/>
-                </a:solidFill>
-                <a:latin typeface="+mn-lt"/>
-                <a:ea typeface="+mn-ea"/>
-                <a:cs typeface="+mn-cs"/>
-              </a:defRPr>
-            </a:lvl8pPr>
-            <a:lvl9pPr marL="3657600" algn="l" defTabSz="457200" rtl="0" eaLnBrk="1" latinLnBrk="0" hangingPunct="1">
-              <a:defRPr sz="1800" kern="1200">
-                <a:solidFill>
-                  <a:schemeClr val="tx1"/>
-                </a:solidFill>
-                <a:latin typeface="+mn-lt"/>
-                <a:ea typeface="+mn-ea"/>
-                <a:cs typeface="+mn-cs"/>
-              </a:defRPr>
-            </a:lvl9pPr>
-          </a:lstStyle>
-          <a:p>
-            <a:fld id="{5665C720-CFBA-4CD6-B44E-E52DA515AFF8}" type="datetime1">
-              <a:rPr lang="de-DE" sz="1400" smtClean="0"/>
-              <a:pPr/>
-              <a:t>29.10.2020</a:t>
-            </a:fld>
             <a:endParaRPr lang="en-US" dirty="0"/>
           </a:p>
         </p:txBody>
@@ -8572,6 +9746,138 @@
               <a:rPr lang="en-US" dirty="0"/>
               <a:t> ERD</a:t>
             </a:r>
+          </a:p>
+        </p:txBody>
+      </p:sp>
+      <p:sp>
+        <p:nvSpPr>
+          <p:cNvPr id="9" name="Date Placeholder 3">
+            <a:extLst>
+              <a:ext uri="{FF2B5EF4-FFF2-40B4-BE49-F238E27FC236}">
+                <a16:creationId xmlns:a16="http://schemas.microsoft.com/office/drawing/2014/main" id="{334A33EB-02E1-40B2-B774-9C5BABFD0FC7}"/>
+              </a:ext>
+            </a:extLst>
+          </p:cNvPr>
+          <p:cNvSpPr txBox="1">
+            <a:spLocks/>
+          </p:cNvSpPr>
+          <p:nvPr/>
+        </p:nvSpPr>
+        <p:spPr>
+          <a:xfrm>
+            <a:off x="677334" y="231051"/>
+            <a:ext cx="1071566" cy="378549"/>
+          </a:xfrm>
+          <a:prstGeom prst="rect">
+            <a:avLst/>
+          </a:prstGeom>
+        </p:spPr>
+        <p:txBody>
+          <a:bodyPr vert="horz" lIns="91440" tIns="45720" rIns="91440" bIns="45720" rtlCol="0" anchor="ctr"/>
+          <a:lstStyle>
+            <a:defPPr>
+              <a:defRPr lang="en-US"/>
+            </a:defPPr>
+            <a:lvl1pPr marL="0" algn="r" defTabSz="457200" rtl="0" eaLnBrk="1" latinLnBrk="0" hangingPunct="1">
+              <a:defRPr sz="900" kern="1200">
+                <a:solidFill>
+                  <a:schemeClr val="tx1">
+                    <a:tint val="75000"/>
+                  </a:schemeClr>
+                </a:solidFill>
+                <a:latin typeface="+mn-lt"/>
+                <a:ea typeface="+mn-ea"/>
+                <a:cs typeface="+mn-cs"/>
+              </a:defRPr>
+            </a:lvl1pPr>
+            <a:lvl2pPr marL="457200" algn="l" defTabSz="457200" rtl="0" eaLnBrk="1" latinLnBrk="0" hangingPunct="1">
+              <a:defRPr sz="1800" kern="1200">
+                <a:solidFill>
+                  <a:schemeClr val="tx1"/>
+                </a:solidFill>
+                <a:latin typeface="+mn-lt"/>
+                <a:ea typeface="+mn-ea"/>
+                <a:cs typeface="+mn-cs"/>
+              </a:defRPr>
+            </a:lvl2pPr>
+            <a:lvl3pPr marL="914400" algn="l" defTabSz="457200" rtl="0" eaLnBrk="1" latinLnBrk="0" hangingPunct="1">
+              <a:defRPr sz="1800" kern="1200">
+                <a:solidFill>
+                  <a:schemeClr val="tx1"/>
+                </a:solidFill>
+                <a:latin typeface="+mn-lt"/>
+                <a:ea typeface="+mn-ea"/>
+                <a:cs typeface="+mn-cs"/>
+              </a:defRPr>
+            </a:lvl3pPr>
+            <a:lvl4pPr marL="1371600" algn="l" defTabSz="457200" rtl="0" eaLnBrk="1" latinLnBrk="0" hangingPunct="1">
+              <a:defRPr sz="1800" kern="1200">
+                <a:solidFill>
+                  <a:schemeClr val="tx1"/>
+                </a:solidFill>
+                <a:latin typeface="+mn-lt"/>
+                <a:ea typeface="+mn-ea"/>
+                <a:cs typeface="+mn-cs"/>
+              </a:defRPr>
+            </a:lvl4pPr>
+            <a:lvl5pPr marL="1828800" algn="l" defTabSz="457200" rtl="0" eaLnBrk="1" latinLnBrk="0" hangingPunct="1">
+              <a:defRPr sz="1800" kern="1200">
+                <a:solidFill>
+                  <a:schemeClr val="tx1"/>
+                </a:solidFill>
+                <a:latin typeface="+mn-lt"/>
+                <a:ea typeface="+mn-ea"/>
+                <a:cs typeface="+mn-cs"/>
+              </a:defRPr>
+            </a:lvl5pPr>
+            <a:lvl6pPr marL="2286000" algn="l" defTabSz="457200" rtl="0" eaLnBrk="1" latinLnBrk="0" hangingPunct="1">
+              <a:defRPr sz="1800" kern="1200">
+                <a:solidFill>
+                  <a:schemeClr val="tx1"/>
+                </a:solidFill>
+                <a:latin typeface="+mn-lt"/>
+                <a:ea typeface="+mn-ea"/>
+                <a:cs typeface="+mn-cs"/>
+              </a:defRPr>
+            </a:lvl6pPr>
+            <a:lvl7pPr marL="2743200" algn="l" defTabSz="457200" rtl="0" eaLnBrk="1" latinLnBrk="0" hangingPunct="1">
+              <a:defRPr sz="1800" kern="1200">
+                <a:solidFill>
+                  <a:schemeClr val="tx1"/>
+                </a:solidFill>
+                <a:latin typeface="+mn-lt"/>
+                <a:ea typeface="+mn-ea"/>
+                <a:cs typeface="+mn-cs"/>
+              </a:defRPr>
+            </a:lvl7pPr>
+            <a:lvl8pPr marL="3200400" algn="l" defTabSz="457200" rtl="0" eaLnBrk="1" latinLnBrk="0" hangingPunct="1">
+              <a:defRPr sz="1800" kern="1200">
+                <a:solidFill>
+                  <a:schemeClr val="tx1"/>
+                </a:solidFill>
+                <a:latin typeface="+mn-lt"/>
+                <a:ea typeface="+mn-ea"/>
+                <a:cs typeface="+mn-cs"/>
+              </a:defRPr>
+            </a:lvl8pPr>
+            <a:lvl9pPr marL="3657600" algn="l" defTabSz="457200" rtl="0" eaLnBrk="1" latinLnBrk="0" hangingPunct="1">
+              <a:defRPr sz="1800" kern="1200">
+                <a:solidFill>
+                  <a:schemeClr val="tx1"/>
+                </a:solidFill>
+                <a:latin typeface="+mn-lt"/>
+                <a:ea typeface="+mn-ea"/>
+                <a:cs typeface="+mn-cs"/>
+              </a:defRPr>
+            </a:lvl9pPr>
+          </a:lstStyle>
+          <a:p>
+            <a:fld id="{5665C720-CFBA-4CD6-B44E-E52DA515AFF8}" type="datetime1">
+              <a:rPr lang="de-DE" sz="1400" smtClean="0"/>
+              <a:pPr/>
+              <a:t>31.10.2020</a:t>
+            </a:fld>
+            <a:endParaRPr lang="en-US" dirty="0"/>
           </a:p>
         </p:txBody>
       </p:sp>
@@ -9862,7 +11168,7 @@
           <a:p>
             <a:fld id="{BBFE0E78-BD63-486A-A840-5A82EE4DABDC}" type="datetime1">
               <a:rPr lang="de-DE" smtClean="0"/>
-              <a:t>29.10.2020</a:t>
+              <a:t>31.10.2020</a:t>
             </a:fld>
             <a:endParaRPr lang="en-US"/>
           </a:p>
@@ -10260,7 +11566,7 @@
             <a:fld id="{5665C720-CFBA-4CD6-B44E-E52DA515AFF8}" type="datetime1">
               <a:rPr lang="de-DE" sz="1400" smtClean="0"/>
               <a:pPr/>
-              <a:t>29.10.2020</a:t>
+              <a:t>31.10.2020</a:t>
             </a:fld>
             <a:endParaRPr lang="en-US" dirty="0"/>
           </a:p>
@@ -10725,7 +12031,7 @@
             <a:fld id="{5665C720-CFBA-4CD6-B44E-E52DA515AFF8}" type="datetime1">
               <a:rPr lang="de-DE" sz="1400" smtClean="0"/>
               <a:pPr/>
-              <a:t>29.10.2020</a:t>
+              <a:t>31.10.2020</a:t>
             </a:fld>
             <a:endParaRPr lang="en-US" dirty="0"/>
           </a:p>
@@ -11420,7 +12726,7 @@
             <a:fld id="{5665C720-CFBA-4CD6-B44E-E52DA515AFF8}" type="datetime1">
               <a:rPr lang="de-DE" sz="1400" smtClean="0"/>
               <a:pPr/>
-              <a:t>29.10.2020</a:t>
+              <a:t>31.10.2020</a:t>
             </a:fld>
             <a:endParaRPr lang="en-US" dirty="0"/>
           </a:p>
@@ -11788,7 +13094,7 @@
             <a:fld id="{5665C720-CFBA-4CD6-B44E-E52DA515AFF8}" type="datetime1">
               <a:rPr lang="de-DE" sz="1400" smtClean="0"/>
               <a:pPr/>
-              <a:t>29.10.2020</a:t>
+              <a:t>31.10.2020</a:t>
             </a:fld>
             <a:endParaRPr lang="en-US" dirty="0"/>
           </a:p>
@@ -12677,7 +13983,7 @@
             <a:fld id="{5665C720-CFBA-4CD6-B44E-E52DA515AFF8}" type="datetime1">
               <a:rPr lang="de-DE" sz="1400" smtClean="0"/>
               <a:pPr/>
-              <a:t>29.10.2020</a:t>
+              <a:t>31.10.2020</a:t>
             </a:fld>
             <a:endParaRPr lang="en-US" dirty="0"/>
           </a:p>

--- a/presentation/wanderoo – Gruppe 3.pptx
+++ b/presentation/wanderoo – Gruppe 3.pptx
@@ -5,7 +5,7 @@
     <p:sldMasterId id="2147483660" r:id="rId1"/>
   </p:sldMasterIdLst>
   <p:notesMasterIdLst>
-    <p:notesMasterId r:id="rId17"/>
+    <p:notesMasterId r:id="rId14"/>
   </p:notesMasterIdLst>
   <p:sldIdLst>
     <p:sldId id="256" r:id="rId2"/>
@@ -18,11 +18,8 @@
     <p:sldId id="260" r:id="rId9"/>
     <p:sldId id="261" r:id="rId10"/>
     <p:sldId id="263" r:id="rId11"/>
-    <p:sldId id="269" r:id="rId12"/>
-    <p:sldId id="270" r:id="rId13"/>
-    <p:sldId id="271" r:id="rId14"/>
-    <p:sldId id="264" r:id="rId15"/>
-    <p:sldId id="265" r:id="rId16"/>
+    <p:sldId id="264" r:id="rId12"/>
+    <p:sldId id="265" r:id="rId13"/>
   </p:sldIdLst>
   <p:sldSz cx="12192000" cy="6858000"/>
   <p:notesSz cx="6858000" cy="9144000"/>
@@ -211,7 +208,7 @@
           <a:p>
             <a:fld id="{91C987E9-D846-45D7-B0BA-09A404DDD18F}" type="datetimeFigureOut">
               <a:rPr lang="en-US" smtClean="0"/>
-              <a:t>10/31/2020</a:t>
+              <a:t>9/12/2020</a:t>
             </a:fld>
             <a:endParaRPr lang="en-US"/>
           </a:p>
@@ -1530,7 +1527,7 @@
           <a:p>
             <a:fld id="{F7B45734-1697-4AB7-959A-59021CEE7C63}" type="datetime1">
               <a:rPr lang="de-DE" smtClean="0"/>
-              <a:t>31.10.2020</a:t>
+              <a:t>12.09.2020</a:t>
             </a:fld>
             <a:endParaRPr lang="en-US"/>
           </a:p>
@@ -1793,7 +1790,7 @@
           <a:p>
             <a:fld id="{28E0F9FB-1E8A-4CFC-BF19-70653968A72B}" type="datetime1">
               <a:rPr lang="de-DE" smtClean="0"/>
-              <a:t>31.10.2020</a:t>
+              <a:t>12.09.2020</a:t>
             </a:fld>
             <a:endParaRPr lang="en-US"/>
           </a:p>
@@ -2044,7 +2041,7 @@
           <a:p>
             <a:fld id="{4C8791FF-7201-4729-B98B-5B802CB6FE26}" type="datetime1">
               <a:rPr lang="de-DE" smtClean="0"/>
-              <a:t>31.10.2020</a:t>
+              <a:t>12.09.2020</a:t>
             </a:fld>
             <a:endParaRPr lang="en-US"/>
           </a:p>
@@ -2358,7 +2355,7 @@
           <a:p>
             <a:fld id="{16EBDE9D-3BF1-458B-B04E-AA7056777578}" type="datetime1">
               <a:rPr lang="de-DE" smtClean="0"/>
-              <a:t>31.10.2020</a:t>
+              <a:t>12.09.2020</a:t>
             </a:fld>
             <a:endParaRPr lang="en-US"/>
           </a:p>
@@ -2699,7 +2696,7 @@
           <a:p>
             <a:fld id="{72379833-F89A-4CC5-AD26-2146F255572C}" type="datetime1">
               <a:rPr lang="de-DE" smtClean="0"/>
-              <a:t>31.10.2020</a:t>
+              <a:t>12.09.2020</a:t>
             </a:fld>
             <a:endParaRPr lang="en-US"/>
           </a:p>
@@ -3013,7 +3010,7 @@
           <a:p>
             <a:fld id="{431A2CE2-D7A9-4F80-8471-7A4DA8B72368}" type="datetime1">
               <a:rPr lang="de-DE" smtClean="0"/>
-              <a:t>31.10.2020</a:t>
+              <a:t>12.09.2020</a:t>
             </a:fld>
             <a:endParaRPr lang="en-US"/>
           </a:p>
@@ -3406,7 +3403,7 @@
           <a:p>
             <a:fld id="{4B9D6D1C-E905-4368-9630-7DD1E44954A8}" type="datetime1">
               <a:rPr lang="de-DE" smtClean="0"/>
-              <a:t>31.10.2020</a:t>
+              <a:t>12.09.2020</a:t>
             </a:fld>
             <a:endParaRPr lang="en-US"/>
           </a:p>
@@ -3576,7 +3573,7 @@
           <a:p>
             <a:fld id="{8627FA29-765F-442F-8C7E-8C4E33FBBD15}" type="datetime1">
               <a:rPr lang="de-DE" smtClean="0"/>
-              <a:t>31.10.2020</a:t>
+              <a:t>12.09.2020</a:t>
             </a:fld>
             <a:endParaRPr lang="en-US"/>
           </a:p>
@@ -3756,7 +3753,7 @@
           <a:p>
             <a:fld id="{C79E08BA-6372-4F95-AB4E-CF7226F9351B}" type="datetime1">
               <a:rPr lang="de-DE" smtClean="0"/>
-              <a:t>31.10.2020</a:t>
+              <a:t>12.09.2020</a:t>
             </a:fld>
             <a:endParaRPr lang="en-US"/>
           </a:p>
@@ -3932,7 +3929,7 @@
           <a:p>
             <a:fld id="{BBFE0E78-BD63-486A-A840-5A82EE4DABDC}" type="datetime1">
               <a:rPr lang="de-DE" smtClean="0"/>
-              <a:t>31.10.2020</a:t>
+              <a:t>12.09.2020</a:t>
             </a:fld>
             <a:endParaRPr lang="en-US"/>
           </a:p>
@@ -4061,7 +4058,7 @@
           <a:p>
             <a:fld id="{FD088E02-9980-4083-8604-339DD30750A9}" type="datetime1">
               <a:rPr lang="de-DE" smtClean="0"/>
-              <a:t>31.10.2020</a:t>
+              <a:t>12.09.2020</a:t>
             </a:fld>
             <a:endParaRPr lang="en-US"/>
           </a:p>
@@ -4403,7 +4400,7 @@
           <a:p>
             <a:fld id="{512B8740-04A0-4F0F-BA2E-747FAA8552CF}" type="datetime1">
               <a:rPr lang="de-DE" smtClean="0"/>
-              <a:t>31.10.2020</a:t>
+              <a:t>12.09.2020</a:t>
             </a:fld>
             <a:endParaRPr lang="en-US"/>
           </a:p>
@@ -4635,7 +4632,7 @@
           <a:p>
             <a:fld id="{52340480-09C1-41B7-ACEE-F79B5ACF8268}" type="datetime1">
               <a:rPr lang="de-DE" smtClean="0"/>
-              <a:t>31.10.2020</a:t>
+              <a:t>12.09.2020</a:t>
             </a:fld>
             <a:endParaRPr lang="en-US"/>
           </a:p>
@@ -5009,7 +5006,7 @@
           <a:p>
             <a:fld id="{3C76072F-ABDE-49C9-B45F-982F33145057}" type="datetime1">
               <a:rPr lang="de-DE" smtClean="0"/>
-              <a:t>31.10.2020</a:t>
+              <a:t>12.09.2020</a:t>
             </a:fld>
             <a:endParaRPr lang="en-US"/>
           </a:p>
@@ -5132,7 +5129,7 @@
           <a:p>
             <a:fld id="{FF972E03-99BD-433F-85AD-6324DFFF3902}" type="datetime1">
               <a:rPr lang="de-DE" smtClean="0"/>
-              <a:t>31.10.2020</a:t>
+              <a:t>12.09.2020</a:t>
             </a:fld>
             <a:endParaRPr lang="en-US"/>
           </a:p>
@@ -5227,7 +5224,7 @@
           <a:p>
             <a:fld id="{EB4EFE40-CAA3-420B-8D0E-DBD5AB0FE83F}" type="datetime1">
               <a:rPr lang="de-DE" smtClean="0"/>
-              <a:t>31.10.2020</a:t>
+              <a:t>12.09.2020</a:t>
             </a:fld>
             <a:endParaRPr lang="en-US"/>
           </a:p>
@@ -5482,7 +5479,7 @@
           <a:p>
             <a:fld id="{E2AC2435-A98B-4155-AB69-4F954FE6AEBB}" type="datetime1">
               <a:rPr lang="de-DE" smtClean="0"/>
-              <a:t>31.10.2020</a:t>
+              <a:t>12.09.2020</a:t>
             </a:fld>
             <a:endParaRPr lang="en-US"/>
           </a:p>
@@ -6225,7 +6222,7 @@
           <a:p>
             <a:fld id="{589A2304-41B2-49D5-86E3-82760E9ED896}" type="datetime1">
               <a:rPr lang="de-DE" smtClean="0"/>
-              <a:t>31.10.2020</a:t>
+              <a:t>12.09.2020</a:t>
             </a:fld>
             <a:endParaRPr lang="en-US"/>
           </a:p>
@@ -6850,7 +6847,7 @@
           <a:p>
             <a:fld id="{46B7071C-03FC-43DF-B990-14F749E9D9DA}" type="datetime1">
               <a:rPr lang="de-DE" smtClean="0"/>
-              <a:t>31.10.2020</a:t>
+              <a:t>12.09.2020</a:t>
             </a:fld>
             <a:endParaRPr lang="en-US" dirty="0"/>
           </a:p>
@@ -7119,7 +7116,7 @@
             <a:fld id="{5665C720-CFBA-4CD6-B44E-E52DA515AFF8}" type="datetime1">
               <a:rPr lang="de-DE" sz="1400" smtClean="0"/>
               <a:pPr/>
-              <a:t>31.10.2020</a:t>
+              <a:t>12.09.2020</a:t>
             </a:fld>
             <a:endParaRPr lang="en-US" dirty="0"/>
           </a:p>
@@ -7299,7 +7296,7 @@
           <p:cNvPr id="2" name="Title 1">
             <a:extLst>
               <a:ext uri="{FF2B5EF4-FFF2-40B4-BE49-F238E27FC236}">
-                <a16:creationId xmlns:a16="http://schemas.microsoft.com/office/drawing/2014/main" id="{DD89B45D-81B8-4037-8647-E08DB7556E63}"/>
+                <a16:creationId xmlns:a16="http://schemas.microsoft.com/office/drawing/2014/main" id="{A533C930-62BB-49CD-A689-73D96C0BFBBB}"/>
               </a:ext>
             </a:extLst>
           </p:cNvPr>
@@ -7310,211 +7307,292 @@
             <p:ph type="title"/>
           </p:nvPr>
         </p:nvSpPr>
-        <p:spPr>
-          <a:xfrm>
-            <a:off x="677334" y="609598"/>
-            <a:ext cx="8596668" cy="1181101"/>
-          </a:xfrm>
-        </p:spPr>
+        <p:spPr/>
         <p:txBody>
           <a:bodyPr/>
           <a:lstStyle/>
           <a:p>
             <a:r>
               <a:rPr lang="en-US" dirty="0"/>
-              <a:t>Use Case: </a:t>
-            </a:r>
-            <a:r>
-              <a:rPr lang="en-US" dirty="0" err="1"/>
-              <a:t>Registrierung</a:t>
-            </a:r>
-            <a:endParaRPr lang="en-US" dirty="0"/>
-          </a:p>
-        </p:txBody>
-      </p:sp>
-      <p:sp>
-        <p:nvSpPr>
-          <p:cNvPr id="3" name="Content Placeholder 2">
+              <a:t>Aufbau</a:t>
+            </a:r>
+          </a:p>
+        </p:txBody>
+      </p:sp>
+      <p:pic>
+        <p:nvPicPr>
+          <p:cNvPr id="4" name="Picture 3">
             <a:extLst>
               <a:ext uri="{FF2B5EF4-FFF2-40B4-BE49-F238E27FC236}">
-                <a16:creationId xmlns:a16="http://schemas.microsoft.com/office/drawing/2014/main" id="{591DF666-F25C-416A-9D7B-D66F364C5048}"/>
+                <a16:creationId xmlns:a16="http://schemas.microsoft.com/office/drawing/2014/main" id="{AD68B0E1-41E1-4EB3-A65A-63E5C69892B2}"/>
               </a:ext>
             </a:extLst>
           </p:cNvPr>
-          <p:cNvSpPr>
-            <a:spLocks noGrp="1"/>
-          </p:cNvSpPr>
-          <p:nvPr>
-            <p:ph idx="1"/>
-          </p:nvPr>
-        </p:nvSpPr>
+          <p:cNvPicPr>
+            <a:picLocks noChangeAspect="1"/>
+          </p:cNvPicPr>
+          <p:nvPr/>
+        </p:nvPicPr>
+        <p:blipFill>
+          <a:blip r:embed="rId2">
+            <a:extLst>
+              <a:ext uri="{BEBA8EAE-BF5A-486C-A8C5-ECC9F3942E4B}">
+                <a14:imgProps xmlns:a14="http://schemas.microsoft.com/office/drawing/2010/main">
+                  <a14:imgLayer r:embed="rId3">
+                    <a14:imgEffect>
+                      <a14:backgroundRemoval t="0" b="99752" l="190" r="99621">
+                        <a14:foregroundMark x1="18009" y1="1613" x2="9573" y2="620"/>
+                        <a14:foregroundMark x1="9573" y1="620" x2="2180" y2="2978"/>
+                        <a14:foregroundMark x1="2180" y1="2978" x2="1327" y2="12903"/>
+                        <a14:foregroundMark x1="1327" y1="12903" x2="5592" y2="21464"/>
+                        <a14:foregroundMark x1="5592" y1="21464" x2="13175" y2="22333"/>
+                        <a14:foregroundMark x1="13175" y1="22333" x2="19905" y2="17246"/>
+                        <a14:foregroundMark x1="19905" y1="17246" x2="17536" y2="620"/>
+                        <a14:foregroundMark x1="3128" y1="1737" x2="4834" y2="20099"/>
+                        <a14:foregroundMark x1="4834" y1="30273" x2="14313" y2="32134"/>
+                        <a14:foregroundMark x1="18104" y1="28660" x2="8626" y2="27916"/>
+                        <a14:foregroundMark x1="38673" y1="4467" x2="46161" y2="5707"/>
+                        <a14:foregroundMark x1="46161" y1="5707" x2="49384" y2="15136"/>
+                        <a14:foregroundMark x1="49384" y1="15136" x2="42559" y2="18983"/>
+                        <a14:foregroundMark x1="42559" y1="18983" x2="39147" y2="10174"/>
+                        <a14:foregroundMark x1="39147" y1="10174" x2="39147" y2="4839"/>
+                        <a14:foregroundMark x1="24076" y1="29901" x2="38009" y2="17246"/>
+                        <a14:foregroundMark x1="38104" y1="17246" x2="36493" y2="18362"/>
+                        <a14:foregroundMark x1="37156" y1="17990" x2="23128" y2="29280"/>
+                        <a14:foregroundMark x1="14882" y1="55707" x2="29763" y2="54094"/>
+                        <a14:foregroundMark x1="29763" y1="54094" x2="33175" y2="55087"/>
+                        <a14:foregroundMark x1="41896" y1="87717" x2="46919" y2="95409"/>
+                        <a14:foregroundMark x1="46919" y1="95409" x2="54597" y2="95285"/>
+                        <a14:foregroundMark x1="54597" y1="95285" x2="61801" y2="96402"/>
+                        <a14:foregroundMark x1="68531" y1="47022" x2="69194" y2="79032"/>
+                        <a14:foregroundMark x1="69194" y1="79032" x2="74218" y2="86104"/>
+                        <a14:foregroundMark x1="74218" y1="86104" x2="81706" y2="85112"/>
+                        <a14:foregroundMark x1="81706" y1="85112" x2="89194" y2="85484"/>
+                        <a14:foregroundMark x1="89194" y1="85484" x2="93934" y2="77419"/>
+                        <a14:foregroundMark x1="93934" y1="77419" x2="93649" y2="56948"/>
+                        <a14:foregroundMark x1="93649" y1="56948" x2="90995" y2="47643"/>
+                        <a14:foregroundMark x1="90995" y1="47643" x2="68815" y2="47643"/>
+                        <a14:foregroundMark x1="95829" y1="46898" x2="95829" y2="85112"/>
+                        <a14:foregroundMark x1="95829" y1="85112" x2="93460" y2="87221"/>
+                        <a14:foregroundMark x1="55545" y1="28660" x2="47962" y2="28784"/>
+                        <a14:foregroundMark x1="47962" y1="28784" x2="45877" y2="28164"/>
+                        <a14:foregroundMark x1="29100" y1="27543" x2="59621" y2="28908"/>
+                        <a14:foregroundMark x1="59621" y1="28908" x2="51754" y2="28412"/>
+                        <a14:foregroundMark x1="51754" y1="28412" x2="59621" y2="28784"/>
+                        <a14:foregroundMark x1="59621" y1="28784" x2="61232" y2="28536"/>
+                        <a14:foregroundMark x1="69668" y1="28164" x2="77156" y2="28288"/>
+                        <a14:foregroundMark x1="77156" y1="28288" x2="88531" y2="27419"/>
+                        <a14:foregroundMark x1="67773" y1="45906" x2="52607" y2="23945"/>
+                        <a14:foregroundMark x1="52607" y1="23945" x2="50142" y2="21836"/>
+                        <a14:foregroundMark x1="46445" y1="21464" x2="49194" y2="28660"/>
+                        <a14:foregroundMark x1="50237" y1="22457" x2="55545" y2="28536"/>
+                        <a14:foregroundMark x1="42370" y1="20720" x2="39052" y2="29653"/>
+                        <a14:foregroundMark x1="40284" y1="19851" x2="37251" y2="28908"/>
+                        <a14:foregroundMark x1="49668" y1="15757" x2="69858" y2="28908"/>
+                        <a14:foregroundMark x1="69858" y1="28908" x2="70142" y2="29529"/>
+                        <a14:foregroundMark x1="48815" y1="16129" x2="62085" y2="24318"/>
+                        <a14:foregroundMark x1="62085" y1="24318" x2="49858" y2="16998"/>
+                        <a14:foregroundMark x1="73649" y1="85484" x2="68626" y2="85856"/>
+                        <a14:foregroundMark x1="89953" y1="45161" x2="89289" y2="35112"/>
+                        <a14:foregroundMark x1="89289" y1="35112" x2="84455" y2="27543"/>
+                        <a14:foregroundMark x1="84455" y1="27543" x2="67204" y2="27047"/>
+                        <a14:foregroundMark x1="22370" y1="52730" x2="1327" y2="51985"/>
+                        <a14:foregroundMark x1="14502" y1="53226" x2="6730" y2="54467"/>
+                        <a14:foregroundMark x1="6730" y1="54467" x2="284" y2="52357"/>
+                        <a14:foregroundMark x1="26161" y1="25434" x2="20284" y2="25682"/>
+                        <a14:foregroundMark x1="37536" y1="16253" x2="36398" y2="6203"/>
+                        <a14:foregroundMark x1="36398" y1="6203" x2="43128" y2="1737"/>
+                        <a14:foregroundMark x1="43128" y1="1737" x2="50521" y2="1985"/>
+                        <a14:foregroundMark x1="50521" y1="1985" x2="50806" y2="14516"/>
+                        <a14:foregroundMark x1="90237" y1="45285" x2="97156" y2="48759"/>
+                        <a14:foregroundMark x1="20474" y1="620" x2="22085" y2="10298"/>
+                        <a14:foregroundMark x1="22085" y1="10298" x2="20948" y2="22953"/>
+                        <a14:foregroundMark x1="14882" y1="56203" x2="12701" y2="86352"/>
+                        <a14:foregroundMark x1="12701" y1="86352" x2="18294" y2="93548"/>
+                        <a14:foregroundMark x1="18294" y1="93548" x2="25592" y2="92928"/>
+                        <a14:foregroundMark x1="25592" y1="92928" x2="33649" y2="92928"/>
+                        <a14:foregroundMark x1="33649" y1="92928" x2="41043" y2="91811"/>
+                        <a14:foregroundMark x1="41043" y1="91811" x2="43412" y2="92184"/>
+                        <a14:foregroundMark x1="62559" y1="90695" x2="69384" y2="94789"/>
+                        <a14:foregroundMark x1="69384" y1="94789" x2="70427" y2="99752"/>
+                        <a14:foregroundMark x1="18578" y1="93548" x2="13934" y2="88337"/>
+                        <a14:foregroundMark x1="16493" y1="92928" x2="14313" y2="88337"/>
+                        <a14:foregroundMark x1="70711" y1="26179" x2="86445" y2="27792"/>
+                        <a14:foregroundMark x1="86445" y1="27792" x2="99621" y2="49007"/>
+                        <a14:foregroundMark x1="90711" y1="33127" x2="89668" y2="27543"/>
+                        <a14:foregroundMark x1="89100" y1="28164" x2="80190" y2="26055"/>
+                        <a14:foregroundMark x1="60474" y1="20347" x2="51090" y2="14020"/>
+                        <a14:foregroundMark x1="67014" y1="47643" x2="61801" y2="39578"/>
+                        <a14:foregroundMark x1="66919" y1="25682" x2="82085" y2="24814"/>
+                        <a14:foregroundMark x1="82085" y1="24814" x2="89763" y2="25931"/>
+                        <a14:foregroundMark x1="89763" y1="25931" x2="95355" y2="36725"/>
+                        <a14:foregroundMark x1="35355" y1="51985" x2="39716" y2="60298"/>
+                        <a14:foregroundMark x1="39716" y1="60298" x2="39905" y2="88958"/>
+                        <a14:foregroundMark x1="67678" y1="88337" x2="75355" y2="88710"/>
+                        <a14:foregroundMark x1="75355" y1="88710" x2="83412" y2="87965"/>
+                        <a14:foregroundMark x1="83412" y1="87965" x2="90806" y2="88089"/>
+                        <a14:foregroundMark x1="90806" y1="88089" x2="96872" y2="82010"/>
+                        <a14:foregroundMark x1="96872" y1="82010" x2="96777" y2="52357"/>
+                        <a14:foregroundMark x1="96777" y1="52357" x2="97441" y2="49132"/>
+                        <a14:foregroundMark x1="13744" y1="89082" x2="18104" y2="95782"/>
+                        <a14:foregroundMark x1="96588" y1="83002" x2="90047" y2="88337"/>
+                        <a14:foregroundMark x1="90047" y1="88337" x2="89668" y2="88337"/>
+                        <a14:foregroundMark x1="96872" y1="83623" x2="91185" y2="89082"/>
+                        <a14:foregroundMark x1="96682" y1="83995" x2="92133" y2="88958"/>
+                        <a14:foregroundMark x1="96872" y1="85484" x2="95355" y2="92184"/>
+                        <a14:backgroundMark x1="96121" y1="92473" x2="86066" y2="99380"/>
+                        <a14:backgroundMark x1="99431" y1="90199" x2="97128" y2="91781"/>
+                        <a14:backgroundMark x1="86066" y1="99380" x2="86066" y2="99380"/>
+                      </a14:backgroundRemoval>
+                    </a14:imgEffect>
+                  </a14:imgLayer>
+                </a14:imgProps>
+              </a:ext>
+            </a:extLst>
+          </a:blip>
+          <a:stretch>
+            <a:fillRect/>
+          </a:stretch>
+        </p:blipFill>
         <p:spPr>
           <a:xfrm>
-            <a:off x="677334" y="1352550"/>
-            <a:ext cx="8596668" cy="5400675"/>
+            <a:off x="3105754" y="936102"/>
+            <a:ext cx="5745283" cy="4389287"/>
           </a:xfrm>
+          <a:prstGeom prst="rect">
+            <a:avLst/>
+          </a:prstGeom>
         </p:spPr>
-        <p:txBody>
-          <a:bodyPr>
-            <a:normAutofit/>
+      </p:pic>
+      <p:sp>
+        <p:nvSpPr>
+          <p:cNvPr id="5" name="TextBox 4">
+            <a:extLst>
+              <a:ext uri="{FF2B5EF4-FFF2-40B4-BE49-F238E27FC236}">
+                <a16:creationId xmlns:a16="http://schemas.microsoft.com/office/drawing/2014/main" id="{7FDF7188-C07D-448D-A4A7-2BC551B56E6A}"/>
+              </a:ext>
+            </a:extLst>
+          </p:cNvPr>
+          <p:cNvSpPr txBox="1"/>
+          <p:nvPr/>
+        </p:nvSpPr>
+        <p:spPr>
+          <a:xfrm>
+            <a:off x="571500" y="5410200"/>
+            <a:ext cx="7928774" cy="646331"/>
+          </a:xfrm>
+          <a:prstGeom prst="rect">
+            <a:avLst/>
+          </a:prstGeom>
+          <a:noFill/>
+        </p:spPr>
+        <p:txBody>
+          <a:bodyPr wrap="none" rtlCol="0">
+            <a:spAutoFit/>
           </a:bodyPr>
           <a:lstStyle/>
           <a:p>
-            <a:pPr marL="0" indent="0">
-              <a:buNone/>
-            </a:pPr>
-            <a:r>
-              <a:rPr lang="de-DE" b="1" dirty="0"/>
-              <a:t>Beschreibung</a:t>
-            </a:r>
-          </a:p>
-          <a:p>
-            <a:pPr marL="457200" lvl="1" indent="0">
-              <a:buNone/>
-            </a:pPr>
-            <a:r>
-              <a:rPr lang="de-DE" dirty="0"/>
-              <a:t>Dieser </a:t>
-            </a:r>
-            <a:r>
-              <a:rPr lang="de-DE" dirty="0" err="1"/>
-              <a:t>Use</a:t>
-            </a:r>
-            <a:r>
-              <a:rPr lang="de-DE" dirty="0"/>
-              <a:t> Case beschreibt wie der Benutzer sich einen Account bei </a:t>
-            </a:r>
-            <a:r>
-              <a:rPr lang="de-DE" dirty="0" err="1"/>
-              <a:t>wanderoo</a:t>
-            </a:r>
-            <a:r>
-              <a:rPr lang="de-DE" dirty="0"/>
-              <a:t> anlegt</a:t>
-            </a:r>
-          </a:p>
-          <a:p>
-            <a:pPr marL="0" indent="0">
-              <a:buNone/>
-            </a:pPr>
-            <a:r>
-              <a:rPr lang="de-DE" b="1" dirty="0"/>
-              <a:t>Beteiligte</a:t>
-            </a:r>
-          </a:p>
-          <a:p>
-            <a:pPr marL="457200" lvl="1" indent="0">
-              <a:buNone/>
-            </a:pPr>
-            <a:r>
-              <a:rPr lang="de-DE" dirty="0"/>
-              <a:t>Benutzer</a:t>
-            </a:r>
-          </a:p>
-          <a:p>
-            <a:pPr marL="0" indent="0">
-              <a:buNone/>
-            </a:pPr>
-            <a:r>
-              <a:rPr lang="de-DE" b="1" dirty="0"/>
-              <a:t>Voraussetzungen</a:t>
-            </a:r>
-          </a:p>
-          <a:p>
-            <a:pPr marL="457200" lvl="1" indent="0">
-              <a:buNone/>
-            </a:pPr>
-            <a:r>
-              <a:rPr lang="de-DE" dirty="0"/>
-              <a:t>Datenbankverbindung muss vorhanden sein</a:t>
-            </a:r>
-          </a:p>
-          <a:p>
-            <a:pPr marL="457200" lvl="1" indent="0">
-              <a:buNone/>
-            </a:pPr>
-            <a:r>
-              <a:rPr lang="de-DE" dirty="0"/>
-              <a:t>Der Benutzer darf nicht vorhanden sein</a:t>
-            </a:r>
-          </a:p>
-          <a:p>
-            <a:pPr marL="0" indent="0">
-              <a:buNone/>
-            </a:pPr>
-            <a:r>
-              <a:rPr lang="de-DE" b="1" dirty="0"/>
-              <a:t>Ereignisfluss</a:t>
-            </a:r>
-          </a:p>
-          <a:p>
-            <a:pPr marL="457200" lvl="1" indent="0">
-              <a:buNone/>
-            </a:pPr>
-            <a:r>
-              <a:rPr lang="de-DE" dirty="0"/>
-              <a:t>Im Login-Screen muss auf Registrieren gedrückt werden</a:t>
-            </a:r>
-          </a:p>
-          <a:p>
-            <a:pPr marL="457200" lvl="1" indent="0">
-              <a:buNone/>
-            </a:pPr>
-            <a:r>
-              <a:rPr lang="de-DE" dirty="0"/>
-              <a:t>Reale Benutzerdaten müssen eingegeben werden</a:t>
-            </a:r>
-          </a:p>
-          <a:p>
-            <a:pPr marL="457200" lvl="1" indent="0">
-              <a:buNone/>
-            </a:pPr>
-            <a:r>
-              <a:rPr lang="de-DE" dirty="0"/>
-              <a:t>Der Registrieren-Knopf muss gedrückt werden</a:t>
-            </a:r>
-          </a:p>
-          <a:p>
-            <a:pPr marL="57150" indent="0">
-              <a:buNone/>
-            </a:pPr>
-            <a:r>
-              <a:rPr lang="de-DE" b="1" dirty="0"/>
-              <a:t>Nachbedingung</a:t>
-            </a:r>
-          </a:p>
-          <a:p>
-            <a:pPr marL="457200" lvl="1" indent="0">
-              <a:buNone/>
-            </a:pPr>
-            <a:r>
-              <a:rPr lang="de-DE" dirty="0"/>
-              <a:t>Erfolgreich: Registrierung abgeschlossen, Menü-Screen wird angezeigt</a:t>
-            </a:r>
-          </a:p>
-          <a:p>
-            <a:pPr marL="457200" lvl="1" indent="0">
-              <a:buNone/>
-            </a:pPr>
-            <a:r>
-              <a:rPr lang="de-DE" dirty="0"/>
-              <a:t>Fehler: Registrierung fehlgeschlagen</a:t>
-            </a:r>
-          </a:p>
-          <a:p>
-            <a:pPr marL="457200" lvl="1" indent="0">
-              <a:buNone/>
-            </a:pPr>
-            <a:endParaRPr lang="de-DE" dirty="0"/>
-          </a:p>
-        </p:txBody>
-      </p:sp>
-      <p:sp>
-        <p:nvSpPr>
-          <p:cNvPr id="5" name="Date Placeholder 3">
+            <a:r>
+              <a:rPr lang="en-US" dirty="0" err="1"/>
+              <a:t>Auffällig</a:t>
+            </a:r>
+            <a:r>
+              <a:rPr lang="en-US" dirty="0"/>
+              <a:t> </a:t>
+            </a:r>
+            <a:r>
+              <a:rPr lang="en-US" dirty="0" err="1"/>
+              <a:t>ist</a:t>
+            </a:r>
+            <a:r>
+              <a:rPr lang="en-US" dirty="0"/>
+              <a:t>, </a:t>
+            </a:r>
+            <a:r>
+              <a:rPr lang="en-US" dirty="0" err="1"/>
+              <a:t>dass</a:t>
+            </a:r>
+            <a:r>
+              <a:rPr lang="en-US" dirty="0"/>
+              <a:t> die </a:t>
+            </a:r>
+            <a:r>
+              <a:rPr lang="en-US" dirty="0" err="1"/>
+              <a:t>Funktionen</a:t>
+            </a:r>
+            <a:r>
+              <a:rPr lang="en-US" dirty="0"/>
+              <a:t> von den Design-Klassen </a:t>
+            </a:r>
+            <a:r>
+              <a:rPr lang="en-US" dirty="0" err="1"/>
+              <a:t>getrennt</a:t>
+            </a:r>
+            <a:r>
+              <a:rPr lang="en-US" dirty="0"/>
+              <a:t> </a:t>
+            </a:r>
+            <a:r>
+              <a:rPr lang="en-US" dirty="0" err="1"/>
+              <a:t>wurden</a:t>
+            </a:r>
+            <a:r>
+              <a:rPr lang="en-US" dirty="0"/>
+              <a:t>.</a:t>
+            </a:r>
+            <a:br>
+              <a:rPr lang="en-US" dirty="0"/>
+            </a:br>
+            <a:r>
+              <a:rPr lang="en-US" dirty="0"/>
+              <a:t>Die </a:t>
+            </a:r>
+            <a:r>
+              <a:rPr lang="en-US" dirty="0" err="1"/>
+              <a:t>Logik</a:t>
+            </a:r>
+            <a:r>
+              <a:rPr lang="en-US" dirty="0"/>
+              <a:t> </a:t>
+            </a:r>
+            <a:r>
+              <a:rPr lang="en-US" dirty="0" err="1"/>
+              <a:t>wird</a:t>
+            </a:r>
+            <a:r>
+              <a:rPr lang="en-US" dirty="0"/>
+              <a:t> in extra Klassen </a:t>
+            </a:r>
+            <a:r>
+              <a:rPr lang="en-US" dirty="0" err="1"/>
+              <a:t>implementiert</a:t>
+            </a:r>
+            <a:r>
+              <a:rPr lang="en-US" dirty="0"/>
+              <a:t>, die </a:t>
+            </a:r>
+            <a:r>
+              <a:rPr lang="en-US" dirty="0" err="1"/>
+              <a:t>getrennt</a:t>
+            </a:r>
+            <a:r>
+              <a:rPr lang="en-US" dirty="0"/>
+              <a:t> von der UI </a:t>
+            </a:r>
+            <a:r>
+              <a:rPr lang="en-US" dirty="0" err="1"/>
+              <a:t>sind</a:t>
+            </a:r>
+            <a:endParaRPr lang="en-US" dirty="0"/>
+          </a:p>
+        </p:txBody>
+      </p:sp>
+      <p:sp>
+        <p:nvSpPr>
+          <p:cNvPr id="6" name="Date Placeholder 3">
             <a:extLst>
               <a:ext uri="{FF2B5EF4-FFF2-40B4-BE49-F238E27FC236}">
-                <a16:creationId xmlns:a16="http://schemas.microsoft.com/office/drawing/2014/main" id="{4C14AB97-C542-4790-9263-C13620CBC6CD}"/>
+                <a16:creationId xmlns:a16="http://schemas.microsoft.com/office/drawing/2014/main" id="{C597FC9F-E38B-4D7C-800C-2E507A9787EC}"/>
               </a:ext>
             </a:extLst>
           </p:cNvPr>
@@ -7635,7 +7713,7 @@
             <a:fld id="{5665C720-CFBA-4CD6-B44E-E52DA515AFF8}" type="datetime1">
               <a:rPr lang="de-DE" sz="1400" smtClean="0"/>
               <a:pPr/>
-              <a:t>31.10.2020</a:t>
+              <a:t>12.09.2020</a:t>
             </a:fld>
             <a:endParaRPr lang="en-US" dirty="0"/>
           </a:p>
@@ -7643,10 +7721,10 @@
       </p:sp>
       <p:sp>
         <p:nvSpPr>
-          <p:cNvPr id="6" name="Date Placeholder 3">
+          <p:cNvPr id="7" name="Date Placeholder 3">
             <a:extLst>
               <a:ext uri="{FF2B5EF4-FFF2-40B4-BE49-F238E27FC236}">
-                <a16:creationId xmlns:a16="http://schemas.microsoft.com/office/drawing/2014/main" id="{FBE73F23-8D21-495D-8D7C-2DE7277152E1}"/>
+                <a16:creationId xmlns:a16="http://schemas.microsoft.com/office/drawing/2014/main" id="{0F246959-6071-4609-B298-646E582C9281}"/>
               </a:ext>
             </a:extLst>
           </p:cNvPr>
@@ -7783,7 +7861,7 @@
     </p:spTree>
     <p:extLst>
       <p:ext uri="{BB962C8B-B14F-4D97-AF65-F5344CB8AC3E}">
-        <p14:creationId xmlns:p14="http://schemas.microsoft.com/office/powerpoint/2010/main" val="1534354980"/>
+        <p14:creationId xmlns:p14="http://schemas.microsoft.com/office/powerpoint/2010/main" val="870046311"/>
       </p:ext>
     </p:extLst>
   </p:cSld>
@@ -7815,7 +7893,7 @@
           <p:cNvPr id="2" name="Title 1">
             <a:extLst>
               <a:ext uri="{FF2B5EF4-FFF2-40B4-BE49-F238E27FC236}">
-                <a16:creationId xmlns:a16="http://schemas.microsoft.com/office/drawing/2014/main" id="{DD89B45D-81B8-4037-8647-E08DB7556E63}"/>
+                <a16:creationId xmlns:a16="http://schemas.microsoft.com/office/drawing/2014/main" id="{BFFE73E4-B193-441D-8A54-09AA7DF89A89}"/>
               </a:ext>
             </a:extLst>
           </p:cNvPr>
@@ -7826,23 +7904,14 @@
             <p:ph type="title"/>
           </p:nvPr>
         </p:nvSpPr>
-        <p:spPr>
-          <a:xfrm>
-            <a:off x="677334" y="609598"/>
-            <a:ext cx="8596668" cy="1181101"/>
-          </a:xfrm>
-        </p:spPr>
+        <p:spPr/>
         <p:txBody>
           <a:bodyPr/>
           <a:lstStyle/>
           <a:p>
             <a:r>
-              <a:rPr lang="en-US" dirty="0"/>
-              <a:t>Use Case: Mein </a:t>
-            </a:r>
-            <a:r>
-              <a:rPr lang="en-US" dirty="0" err="1"/>
-              <a:t>Profil</a:t>
+              <a:rPr lang="en-US" dirty="0" err="1"/>
+              <a:t>Datenbank</a:t>
             </a:r>
             <a:endParaRPr lang="en-US" dirty="0"/>
           </a:p>
@@ -7853,7 +7922,7 @@
           <p:cNvPr id="3" name="Content Placeholder 2">
             <a:extLst>
               <a:ext uri="{FF2B5EF4-FFF2-40B4-BE49-F238E27FC236}">
-                <a16:creationId xmlns:a16="http://schemas.microsoft.com/office/drawing/2014/main" id="{591DF666-F25C-416A-9D7B-D66F364C5048}"/>
+                <a16:creationId xmlns:a16="http://schemas.microsoft.com/office/drawing/2014/main" id="{CD885E91-C09C-4371-8168-295BAD48D188}"/>
               </a:ext>
             </a:extLst>
           </p:cNvPr>
@@ -7866,199 +7935,213 @@
         </p:nvSpPr>
         <p:spPr>
           <a:xfrm>
-            <a:off x="677334" y="1352551"/>
-            <a:ext cx="8596668" cy="5505450"/>
+            <a:off x="677334" y="3657601"/>
+            <a:ext cx="8596668" cy="2383762"/>
           </a:xfrm>
         </p:spPr>
         <p:txBody>
-          <a:bodyPr>
-            <a:normAutofit fontScale="70000" lnSpcReduction="20000"/>
-          </a:bodyPr>
+          <a:bodyPr/>
           <a:lstStyle/>
           <a:p>
-            <a:pPr marL="0" indent="0">
-              <a:buNone/>
-            </a:pPr>
-            <a:r>
-              <a:rPr lang="de-DE" sz="2100" b="1" dirty="0"/>
-              <a:t>Beschreibung</a:t>
-            </a:r>
-          </a:p>
-          <a:p>
-            <a:pPr marL="457200" lvl="1" indent="0">
-              <a:buNone/>
-            </a:pPr>
-            <a:r>
-              <a:rPr lang="de-DE" sz="1800" dirty="0"/>
-              <a:t>Dieser </a:t>
-            </a:r>
-            <a:r>
-              <a:rPr lang="de-DE" sz="1800" dirty="0" err="1"/>
-              <a:t>Use</a:t>
-            </a:r>
-            <a:r>
-              <a:rPr lang="de-DE" sz="1800" dirty="0"/>
-              <a:t> Case beschreibt wie der Benutzer seine Einstellungen über Mein Profil individualisieren kann</a:t>
-            </a:r>
-          </a:p>
-          <a:p>
-            <a:pPr marL="0" indent="0">
-              <a:buNone/>
-            </a:pPr>
-            <a:r>
-              <a:rPr lang="de-DE" sz="2100" b="1" dirty="0"/>
-              <a:t>Beteiligte</a:t>
-            </a:r>
-          </a:p>
-          <a:p>
-            <a:pPr marL="457200" lvl="1" indent="0">
-              <a:buNone/>
-            </a:pPr>
-            <a:r>
-              <a:rPr lang="de-DE" sz="1800" dirty="0"/>
-              <a:t>Benutzer</a:t>
-            </a:r>
-          </a:p>
-          <a:p>
-            <a:pPr marL="0" indent="0">
-              <a:buNone/>
-            </a:pPr>
-            <a:r>
-              <a:rPr lang="de-DE" sz="2100" b="1" dirty="0"/>
-              <a:t>Voraussetzungen</a:t>
-            </a:r>
-          </a:p>
-          <a:p>
-            <a:pPr marL="457200" lvl="1" indent="0">
-              <a:buNone/>
-            </a:pPr>
-            <a:r>
-              <a:rPr lang="de-DE" sz="1800" dirty="0"/>
-              <a:t>Datenbankverbindung muss vorhanden sein</a:t>
-            </a:r>
-          </a:p>
-          <a:p>
-            <a:pPr marL="457200" lvl="1" indent="0">
-              <a:buNone/>
-            </a:pPr>
-            <a:r>
-              <a:rPr lang="de-DE" sz="1800" dirty="0"/>
-              <a:t>Der Benutzer muss erfolgreich eingeloggt sein</a:t>
-            </a:r>
-          </a:p>
-          <a:p>
-            <a:pPr marL="0" indent="0">
-              <a:buNone/>
-            </a:pPr>
-            <a:r>
-              <a:rPr lang="de-DE" sz="2100" b="1" dirty="0"/>
-              <a:t>Ereignisfluss</a:t>
-            </a:r>
-          </a:p>
-          <a:p>
-            <a:pPr marL="457200" lvl="1" indent="0">
-              <a:buNone/>
-            </a:pPr>
-            <a:r>
-              <a:rPr lang="de-DE" sz="1800" dirty="0"/>
-              <a:t>Im Menu Screen muss auf Mein Profil gedrückt werden</a:t>
-            </a:r>
-          </a:p>
-          <a:p>
-            <a:pPr marL="457200" lvl="1" indent="0">
-              <a:buNone/>
-            </a:pPr>
-            <a:r>
-              <a:rPr lang="de-DE" sz="1800" dirty="0"/>
-              <a:t>Der Profil Bearbeiten-Button muss gedrückt werden</a:t>
-            </a:r>
-          </a:p>
-          <a:p>
-            <a:pPr marL="457200" lvl="1" indent="0">
-              <a:buNone/>
-            </a:pPr>
-            <a:r>
-              <a:rPr lang="de-DE" sz="1800" dirty="0"/>
-              <a:t>Der Benutzername und die E-Mail-Adresse kann über die Texteingabe geändert werden</a:t>
-            </a:r>
-          </a:p>
-          <a:p>
-            <a:pPr marL="457200" lvl="1" indent="0">
-              <a:buNone/>
-            </a:pPr>
-            <a:r>
-              <a:rPr lang="de-DE" sz="1800" dirty="0"/>
-              <a:t>Das Level kann über die Combobox verändert werden</a:t>
-            </a:r>
-          </a:p>
-          <a:p>
-            <a:pPr marL="457200" lvl="1" indent="0">
-              <a:buNone/>
-            </a:pPr>
-            <a:r>
-              <a:rPr lang="de-DE" sz="1800" dirty="0"/>
-              <a:t>Über den Neues Profilbild-Button kann ein neues Profilbild angelegt werden</a:t>
-            </a:r>
-          </a:p>
-          <a:p>
-            <a:pPr marL="457200" lvl="1" indent="0">
-              <a:buNone/>
-            </a:pPr>
-            <a:r>
-              <a:rPr lang="de-DE" sz="1800" dirty="0"/>
-              <a:t>Über den Passwort ändern-Button kann das Passwort geändert werden</a:t>
-            </a:r>
-          </a:p>
-          <a:p>
-            <a:pPr marL="457200" lvl="1" indent="0">
-              <a:buNone/>
-            </a:pPr>
-            <a:r>
-              <a:rPr lang="de-DE" sz="1800" dirty="0"/>
-              <a:t>Die Änderungen werden nur gespeichert, wenn nach der Eingabe der Speichern-Button betätigt wird</a:t>
-            </a:r>
-          </a:p>
-          <a:p>
-            <a:pPr marL="57150" indent="0">
-              <a:buNone/>
-            </a:pPr>
-            <a:r>
-              <a:rPr lang="de-DE" sz="2100" b="1" dirty="0"/>
-              <a:t>Nachbedingung</a:t>
-            </a:r>
-          </a:p>
-          <a:p>
-            <a:pPr marL="457200" lvl="1" indent="0">
-              <a:buNone/>
-            </a:pPr>
-            <a:r>
-              <a:rPr lang="de-DE" sz="1800" dirty="0"/>
-              <a:t>Erfolgreich: Die Änderungen werden im Mein Profil-Screen angezeigt</a:t>
-            </a:r>
-          </a:p>
-          <a:p>
-            <a:pPr marL="457200" lvl="1" indent="0">
-              <a:buNone/>
-            </a:pPr>
-            <a:r>
-              <a:rPr lang="de-DE" sz="1800" dirty="0"/>
-              <a:t>Fehler: Die Änderungen konnten nicht übernommen werden und es werden veraltete Daten im Mein Profil-Screen angezeigt</a:t>
-            </a:r>
-          </a:p>
-          <a:p>
-            <a:pPr marL="457200" lvl="1" indent="0">
-              <a:buNone/>
-            </a:pPr>
-            <a:endParaRPr lang="de-DE" dirty="0"/>
-          </a:p>
-        </p:txBody>
-      </p:sp>
-      <p:sp>
-        <p:nvSpPr>
-          <p:cNvPr id="5" name="Date Placeholder 3">
+            <a:r>
+              <a:rPr lang="en-US" dirty="0" err="1"/>
+              <a:t>Als</a:t>
+            </a:r>
+            <a:r>
+              <a:rPr lang="en-US" dirty="0"/>
+              <a:t> </a:t>
+            </a:r>
+            <a:r>
+              <a:rPr lang="en-US" dirty="0" err="1"/>
+              <a:t>Datenbanklösung</a:t>
+            </a:r>
+            <a:r>
+              <a:rPr lang="en-US" dirty="0"/>
+              <a:t> </a:t>
+            </a:r>
+            <a:r>
+              <a:rPr lang="en-US" dirty="0" err="1"/>
+              <a:t>nutzen</a:t>
+            </a:r>
+            <a:r>
+              <a:rPr lang="en-US" dirty="0"/>
+              <a:t> </a:t>
+            </a:r>
+            <a:r>
+              <a:rPr lang="en-US" dirty="0" err="1"/>
+              <a:t>wir</a:t>
+            </a:r>
+            <a:r>
+              <a:rPr lang="en-US" dirty="0"/>
+              <a:t> </a:t>
+            </a:r>
+            <a:r>
+              <a:rPr lang="en-US" dirty="0" err="1"/>
+              <a:t>als</a:t>
+            </a:r>
+            <a:r>
+              <a:rPr lang="en-US" dirty="0"/>
+              <a:t> </a:t>
+            </a:r>
+            <a:r>
+              <a:rPr lang="en-US" dirty="0" err="1"/>
+              <a:t>LocalHost</a:t>
+            </a:r>
+            <a:r>
+              <a:rPr lang="en-US" dirty="0"/>
+              <a:t> </a:t>
+            </a:r>
+            <a:r>
+              <a:rPr lang="en-US" dirty="0" err="1"/>
+              <a:t>eine</a:t>
+            </a:r>
+            <a:r>
+              <a:rPr lang="en-US" dirty="0"/>
+              <a:t> MySQL-</a:t>
+            </a:r>
+            <a:r>
+              <a:rPr lang="en-US" dirty="0" err="1"/>
+              <a:t>Datenbank</a:t>
+            </a:r>
+            <a:endParaRPr lang="en-US" dirty="0"/>
+          </a:p>
+          <a:p>
+            <a:r>
+              <a:rPr lang="en-US" dirty="0"/>
+              <a:t>Die </a:t>
+            </a:r>
+            <a:r>
+              <a:rPr lang="en-US" dirty="0" err="1"/>
+              <a:t>Anbindung</a:t>
+            </a:r>
+            <a:r>
+              <a:rPr lang="en-US" dirty="0"/>
+              <a:t> an </a:t>
+            </a:r>
+            <a:r>
+              <a:rPr lang="en-US" dirty="0" err="1"/>
+              <a:t>einen</a:t>
+            </a:r>
+            <a:r>
+              <a:rPr lang="en-US" dirty="0"/>
+              <a:t> Server </a:t>
+            </a:r>
+            <a:r>
+              <a:rPr lang="en-US" dirty="0" err="1"/>
+              <a:t>wäre</a:t>
+            </a:r>
+            <a:r>
+              <a:rPr lang="en-US" dirty="0"/>
+              <a:t> </a:t>
+            </a:r>
+            <a:r>
+              <a:rPr lang="en-US" dirty="0" err="1"/>
+              <a:t>möglich</a:t>
+            </a:r>
+            <a:r>
+              <a:rPr lang="en-US" dirty="0"/>
+              <a:t>, </a:t>
+            </a:r>
+            <a:r>
+              <a:rPr lang="en-US" dirty="0" err="1"/>
+              <a:t>soll</a:t>
+            </a:r>
+            <a:r>
+              <a:rPr lang="en-US" dirty="0"/>
+              <a:t> </a:t>
+            </a:r>
+            <a:r>
+              <a:rPr lang="en-US" dirty="0" err="1"/>
+              <a:t>jedoch</a:t>
+            </a:r>
+            <a:r>
+              <a:rPr lang="en-US" dirty="0"/>
+              <a:t> </a:t>
+            </a:r>
+            <a:r>
+              <a:rPr lang="en-US" dirty="0" err="1"/>
+              <a:t>nicht</a:t>
+            </a:r>
+            <a:r>
+              <a:rPr lang="en-US" dirty="0"/>
+              <a:t> </a:t>
+            </a:r>
+            <a:r>
+              <a:rPr lang="en-US" dirty="0" err="1"/>
+              <a:t>öffentlich</a:t>
+            </a:r>
+            <a:r>
+              <a:rPr lang="en-US" dirty="0"/>
+              <a:t> auf dem git </a:t>
+            </a:r>
+            <a:r>
+              <a:rPr lang="en-US" dirty="0" err="1"/>
+              <a:t>liegen</a:t>
+            </a:r>
+            <a:r>
+              <a:rPr lang="en-US" dirty="0"/>
+              <a:t>, da der Server </a:t>
+            </a:r>
+            <a:r>
+              <a:rPr lang="en-US" dirty="0" err="1"/>
+              <a:t>privat</a:t>
+            </a:r>
+            <a:r>
+              <a:rPr lang="en-US" dirty="0"/>
+              <a:t> </a:t>
+            </a:r>
+            <a:r>
+              <a:rPr lang="en-US" dirty="0" err="1"/>
+              <a:t>aufgesetzt</a:t>
+            </a:r>
+            <a:r>
+              <a:rPr lang="en-US" dirty="0"/>
+              <a:t> </a:t>
+            </a:r>
+            <a:r>
+              <a:rPr lang="en-US" dirty="0" err="1"/>
+              <a:t>wurde</a:t>
+            </a:r>
+            <a:endParaRPr lang="en-US" dirty="0"/>
+          </a:p>
+        </p:txBody>
+      </p:sp>
+      <p:pic>
+        <p:nvPicPr>
+          <p:cNvPr id="4" name="Picture 3">
             <a:extLst>
               <a:ext uri="{FF2B5EF4-FFF2-40B4-BE49-F238E27FC236}">
-                <a16:creationId xmlns:a16="http://schemas.microsoft.com/office/drawing/2014/main" id="{4C14AB97-C542-4790-9263-C13620CBC6CD}"/>
+                <a16:creationId xmlns:a16="http://schemas.microsoft.com/office/drawing/2014/main" id="{66089CA0-A29D-43F4-A41A-874B20FB4C08}"/>
+              </a:ext>
+            </a:extLst>
+          </p:cNvPr>
+          <p:cNvPicPr>
+            <a:picLocks noChangeAspect="1"/>
+          </p:cNvPicPr>
+          <p:nvPr/>
+        </p:nvPicPr>
+        <p:blipFill>
+          <a:blip r:embed="rId2"/>
+          <a:stretch>
+            <a:fillRect/>
+          </a:stretch>
+        </p:blipFill>
+        <p:spPr>
+          <a:xfrm>
+            <a:off x="571500" y="1526194"/>
+            <a:ext cx="8596668" cy="1935537"/>
+          </a:xfrm>
+          <a:prstGeom prst="rect">
+            <a:avLst/>
+          </a:prstGeom>
+        </p:spPr>
+      </p:pic>
+      <p:sp>
+        <p:nvSpPr>
+          <p:cNvPr id="6" name="Date Placeholder 3">
+            <a:extLst>
+              <a:ext uri="{FF2B5EF4-FFF2-40B4-BE49-F238E27FC236}">
+                <a16:creationId xmlns:a16="http://schemas.microsoft.com/office/drawing/2014/main" id="{5A155018-75BB-467E-9C0B-72C18B696E77}"/>
               </a:ext>
             </a:extLst>
           </p:cNvPr>
@@ -8179,7 +8262,7 @@
             <a:fld id="{5665C720-CFBA-4CD6-B44E-E52DA515AFF8}" type="datetime1">
               <a:rPr lang="de-DE" sz="1400" smtClean="0"/>
               <a:pPr/>
-              <a:t>31.10.2020</a:t>
+              <a:t>12.09.2020</a:t>
             </a:fld>
             <a:endParaRPr lang="en-US" dirty="0"/>
           </a:p>
@@ -8187,10 +8270,10 @@
       </p:sp>
       <p:sp>
         <p:nvSpPr>
-          <p:cNvPr id="6" name="Date Placeholder 3">
+          <p:cNvPr id="7" name="Date Placeholder 3">
             <a:extLst>
               <a:ext uri="{FF2B5EF4-FFF2-40B4-BE49-F238E27FC236}">
-                <a16:creationId xmlns:a16="http://schemas.microsoft.com/office/drawing/2014/main" id="{FBE73F23-8D21-495D-8D7C-2DE7277152E1}"/>
+                <a16:creationId xmlns:a16="http://schemas.microsoft.com/office/drawing/2014/main" id="{BAD5D7EE-33EA-45D2-A694-351C748A2C0C}"/>
               </a:ext>
             </a:extLst>
           </p:cNvPr>
@@ -8320,1563 +8403,6 @@
               <a:rPr lang="de-DE" sz="1400" dirty="0"/>
               <a:t>, Nicolas Geppert, Lukas Werner</a:t>
             </a:r>
-            <a:endParaRPr lang="en-US" dirty="0"/>
-          </a:p>
-        </p:txBody>
-      </p:sp>
-    </p:spTree>
-    <p:extLst>
-      <p:ext uri="{BB962C8B-B14F-4D97-AF65-F5344CB8AC3E}">
-        <p14:creationId xmlns:p14="http://schemas.microsoft.com/office/powerpoint/2010/main" val="4289056068"/>
-      </p:ext>
-    </p:extLst>
-  </p:cSld>
-  <p:clrMapOvr>
-    <a:masterClrMapping/>
-  </p:clrMapOvr>
-</p:sld>
-</file>
-
-<file path=ppt/slides/slide13.xml><?xml version="1.0" encoding="utf-8"?>
-<p:sld xmlns:a="http://schemas.openxmlformats.org/drawingml/2006/main" xmlns:r="http://schemas.openxmlformats.org/officeDocument/2006/relationships" xmlns:p="http://schemas.openxmlformats.org/presentationml/2006/main">
-  <p:cSld>
-    <p:spTree>
-      <p:nvGrpSpPr>
-        <p:cNvPr id="1" name=""/>
-        <p:cNvGrpSpPr/>
-        <p:nvPr/>
-      </p:nvGrpSpPr>
-      <p:grpSpPr>
-        <a:xfrm>
-          <a:off x="0" y="0"/>
-          <a:ext cx="0" cy="0"/>
-          <a:chOff x="0" y="0"/>
-          <a:chExt cx="0" cy="0"/>
-        </a:xfrm>
-      </p:grpSpPr>
-      <p:sp>
-        <p:nvSpPr>
-          <p:cNvPr id="2" name="Title 1">
-            <a:extLst>
-              <a:ext uri="{FF2B5EF4-FFF2-40B4-BE49-F238E27FC236}">
-                <a16:creationId xmlns:a16="http://schemas.microsoft.com/office/drawing/2014/main" id="{DD89B45D-81B8-4037-8647-E08DB7556E63}"/>
-              </a:ext>
-            </a:extLst>
-          </p:cNvPr>
-          <p:cNvSpPr>
-            <a:spLocks noGrp="1"/>
-          </p:cNvSpPr>
-          <p:nvPr>
-            <p:ph type="title"/>
-          </p:nvPr>
-        </p:nvSpPr>
-        <p:spPr>
-          <a:xfrm>
-            <a:off x="677334" y="609598"/>
-            <a:ext cx="8596668" cy="1181101"/>
-          </a:xfrm>
-        </p:spPr>
-        <p:txBody>
-          <a:bodyPr/>
-          <a:lstStyle/>
-          <a:p>
-            <a:r>
-              <a:rPr lang="en-US" dirty="0"/>
-              <a:t>Use Case: </a:t>
-            </a:r>
-            <a:r>
-              <a:rPr lang="en-US" dirty="0" err="1"/>
-              <a:t>Karte</a:t>
-            </a:r>
-            <a:endParaRPr lang="en-US" dirty="0"/>
-          </a:p>
-        </p:txBody>
-      </p:sp>
-      <p:sp>
-        <p:nvSpPr>
-          <p:cNvPr id="3" name="Content Placeholder 2">
-            <a:extLst>
-              <a:ext uri="{FF2B5EF4-FFF2-40B4-BE49-F238E27FC236}">
-                <a16:creationId xmlns:a16="http://schemas.microsoft.com/office/drawing/2014/main" id="{591DF666-F25C-416A-9D7B-D66F364C5048}"/>
-              </a:ext>
-            </a:extLst>
-          </p:cNvPr>
-          <p:cNvSpPr>
-            <a:spLocks noGrp="1"/>
-          </p:cNvSpPr>
-          <p:nvPr>
-            <p:ph idx="1"/>
-          </p:nvPr>
-        </p:nvSpPr>
-        <p:spPr>
-          <a:xfrm>
-            <a:off x="677334" y="1352550"/>
-            <a:ext cx="8596668" cy="5400675"/>
-          </a:xfrm>
-        </p:spPr>
-        <p:txBody>
-          <a:bodyPr>
-            <a:normAutofit lnSpcReduction="10000"/>
-          </a:bodyPr>
-          <a:lstStyle/>
-          <a:p>
-            <a:pPr marL="0" indent="0">
-              <a:buNone/>
-            </a:pPr>
-            <a:r>
-              <a:rPr lang="de-DE" b="1" dirty="0"/>
-              <a:t>Beschreibung</a:t>
-            </a:r>
-          </a:p>
-          <a:p>
-            <a:pPr marL="457200" lvl="1" indent="0">
-              <a:buNone/>
-            </a:pPr>
-            <a:r>
-              <a:rPr lang="de-DE" dirty="0"/>
-              <a:t>Dieser </a:t>
-            </a:r>
-            <a:r>
-              <a:rPr lang="de-DE" dirty="0" err="1"/>
-              <a:t>Use</a:t>
-            </a:r>
-            <a:r>
-              <a:rPr lang="de-DE" dirty="0"/>
-              <a:t> Case beschreibt wie der Benutzer seine Wanderroute konfigurieren kann</a:t>
-            </a:r>
-          </a:p>
-          <a:p>
-            <a:pPr marL="0" indent="0">
-              <a:buNone/>
-            </a:pPr>
-            <a:r>
-              <a:rPr lang="de-DE" b="1" dirty="0"/>
-              <a:t>Beteiligte</a:t>
-            </a:r>
-          </a:p>
-          <a:p>
-            <a:pPr marL="457200" lvl="1" indent="0">
-              <a:buNone/>
-            </a:pPr>
-            <a:r>
-              <a:rPr lang="de-DE" dirty="0"/>
-              <a:t>Benutzer</a:t>
-            </a:r>
-          </a:p>
-          <a:p>
-            <a:pPr marL="0" indent="0">
-              <a:buNone/>
-            </a:pPr>
-            <a:r>
-              <a:rPr lang="de-DE" b="1" dirty="0"/>
-              <a:t>Voraussetzungen</a:t>
-            </a:r>
-          </a:p>
-          <a:p>
-            <a:pPr marL="457200" lvl="1" indent="0">
-              <a:buNone/>
-            </a:pPr>
-            <a:r>
-              <a:rPr lang="de-DE" dirty="0"/>
-              <a:t>Datenbankverbindung muss vorhanden sein</a:t>
-            </a:r>
-          </a:p>
-          <a:p>
-            <a:pPr marL="457200" lvl="1" indent="0">
-              <a:buNone/>
-            </a:pPr>
-            <a:r>
-              <a:rPr lang="de-DE" dirty="0"/>
-              <a:t>Der Benutzer muss erfolgreich eingeloggt sein</a:t>
-            </a:r>
-          </a:p>
-          <a:p>
-            <a:pPr marL="0" indent="0">
-              <a:buNone/>
-            </a:pPr>
-            <a:r>
-              <a:rPr lang="de-DE" b="1" dirty="0"/>
-              <a:t>Ereignisfluss</a:t>
-            </a:r>
-          </a:p>
-          <a:p>
-            <a:pPr marL="457200" lvl="1" indent="0">
-              <a:buNone/>
-            </a:pPr>
-            <a:r>
-              <a:rPr lang="de-DE" dirty="0"/>
-              <a:t>Im Menü-Screen muss auf den Karte-Button gedrückt werden</a:t>
-            </a:r>
-          </a:p>
-          <a:p>
-            <a:pPr marL="457200" lvl="1" indent="0">
-              <a:buNone/>
-            </a:pPr>
-            <a:r>
-              <a:rPr lang="de-DE" dirty="0"/>
-              <a:t>Der Benutzer kann über die Textfelder die Routenlänge und den gewünschten Höhenunterschied für seine Wanderroute angeben</a:t>
-            </a:r>
-          </a:p>
-          <a:p>
-            <a:pPr marL="457200" lvl="1" indent="0">
-              <a:buNone/>
-            </a:pPr>
-            <a:r>
-              <a:rPr lang="de-DE" dirty="0"/>
-              <a:t>Um die Änderungen zu speichern, muss der Bestätigen-Button betätigt werden</a:t>
-            </a:r>
-          </a:p>
-          <a:p>
-            <a:pPr marL="57150" indent="0">
-              <a:buNone/>
-            </a:pPr>
-            <a:r>
-              <a:rPr lang="de-DE" b="1" dirty="0"/>
-              <a:t>Nachbedingung</a:t>
-            </a:r>
-          </a:p>
-          <a:p>
-            <a:pPr marL="457200" lvl="1" indent="0">
-              <a:buNone/>
-            </a:pPr>
-            <a:r>
-              <a:rPr lang="de-DE" dirty="0"/>
-              <a:t>Erfolgreich: Wanderroutenlänge und Höhenunterschied wird gespeichert</a:t>
-            </a:r>
-          </a:p>
-          <a:p>
-            <a:pPr marL="457200" lvl="1" indent="0">
-              <a:buNone/>
-            </a:pPr>
-            <a:r>
-              <a:rPr lang="de-DE" dirty="0"/>
-              <a:t>Fehler: Wanderroutenlänge und Höhenunterschied kann nicht gespeichert werden</a:t>
-            </a:r>
-          </a:p>
-          <a:p>
-            <a:pPr marL="457200" lvl="1" indent="0">
-              <a:buNone/>
-            </a:pPr>
-            <a:endParaRPr lang="de-DE" dirty="0"/>
-          </a:p>
-        </p:txBody>
-      </p:sp>
-      <p:sp>
-        <p:nvSpPr>
-          <p:cNvPr id="5" name="Date Placeholder 3">
-            <a:extLst>
-              <a:ext uri="{FF2B5EF4-FFF2-40B4-BE49-F238E27FC236}">
-                <a16:creationId xmlns:a16="http://schemas.microsoft.com/office/drawing/2014/main" id="{4C14AB97-C542-4790-9263-C13620CBC6CD}"/>
-              </a:ext>
-            </a:extLst>
-          </p:cNvPr>
-          <p:cNvSpPr txBox="1">
-            <a:spLocks/>
-          </p:cNvSpPr>
-          <p:nvPr/>
-        </p:nvSpPr>
-        <p:spPr>
-          <a:xfrm>
-            <a:off x="677334" y="231051"/>
-            <a:ext cx="1071566" cy="378549"/>
-          </a:xfrm>
-          <a:prstGeom prst="rect">
-            <a:avLst/>
-          </a:prstGeom>
-        </p:spPr>
-        <p:txBody>
-          <a:bodyPr vert="horz" lIns="91440" tIns="45720" rIns="91440" bIns="45720" rtlCol="0" anchor="ctr"/>
-          <a:lstStyle>
-            <a:defPPr>
-              <a:defRPr lang="en-US"/>
-            </a:defPPr>
-            <a:lvl1pPr marL="0" algn="r" defTabSz="457200" rtl="0" eaLnBrk="1" latinLnBrk="0" hangingPunct="1">
-              <a:defRPr sz="900" kern="1200">
-                <a:solidFill>
-                  <a:schemeClr val="tx1">
-                    <a:tint val="75000"/>
-                  </a:schemeClr>
-                </a:solidFill>
-                <a:latin typeface="+mn-lt"/>
-                <a:ea typeface="+mn-ea"/>
-                <a:cs typeface="+mn-cs"/>
-              </a:defRPr>
-            </a:lvl1pPr>
-            <a:lvl2pPr marL="457200" algn="l" defTabSz="457200" rtl="0" eaLnBrk="1" latinLnBrk="0" hangingPunct="1">
-              <a:defRPr sz="1800" kern="1200">
-                <a:solidFill>
-                  <a:schemeClr val="tx1"/>
-                </a:solidFill>
-                <a:latin typeface="+mn-lt"/>
-                <a:ea typeface="+mn-ea"/>
-                <a:cs typeface="+mn-cs"/>
-              </a:defRPr>
-            </a:lvl2pPr>
-            <a:lvl3pPr marL="914400" algn="l" defTabSz="457200" rtl="0" eaLnBrk="1" latinLnBrk="0" hangingPunct="1">
-              <a:defRPr sz="1800" kern="1200">
-                <a:solidFill>
-                  <a:schemeClr val="tx1"/>
-                </a:solidFill>
-                <a:latin typeface="+mn-lt"/>
-                <a:ea typeface="+mn-ea"/>
-                <a:cs typeface="+mn-cs"/>
-              </a:defRPr>
-            </a:lvl3pPr>
-            <a:lvl4pPr marL="1371600" algn="l" defTabSz="457200" rtl="0" eaLnBrk="1" latinLnBrk="0" hangingPunct="1">
-              <a:defRPr sz="1800" kern="1200">
-                <a:solidFill>
-                  <a:schemeClr val="tx1"/>
-                </a:solidFill>
-                <a:latin typeface="+mn-lt"/>
-                <a:ea typeface="+mn-ea"/>
-                <a:cs typeface="+mn-cs"/>
-              </a:defRPr>
-            </a:lvl4pPr>
-            <a:lvl5pPr marL="1828800" algn="l" defTabSz="457200" rtl="0" eaLnBrk="1" latinLnBrk="0" hangingPunct="1">
-              <a:defRPr sz="1800" kern="1200">
-                <a:solidFill>
-                  <a:schemeClr val="tx1"/>
-                </a:solidFill>
-                <a:latin typeface="+mn-lt"/>
-                <a:ea typeface="+mn-ea"/>
-                <a:cs typeface="+mn-cs"/>
-              </a:defRPr>
-            </a:lvl5pPr>
-            <a:lvl6pPr marL="2286000" algn="l" defTabSz="457200" rtl="0" eaLnBrk="1" latinLnBrk="0" hangingPunct="1">
-              <a:defRPr sz="1800" kern="1200">
-                <a:solidFill>
-                  <a:schemeClr val="tx1"/>
-                </a:solidFill>
-                <a:latin typeface="+mn-lt"/>
-                <a:ea typeface="+mn-ea"/>
-                <a:cs typeface="+mn-cs"/>
-              </a:defRPr>
-            </a:lvl6pPr>
-            <a:lvl7pPr marL="2743200" algn="l" defTabSz="457200" rtl="0" eaLnBrk="1" latinLnBrk="0" hangingPunct="1">
-              <a:defRPr sz="1800" kern="1200">
-                <a:solidFill>
-                  <a:schemeClr val="tx1"/>
-                </a:solidFill>
-                <a:latin typeface="+mn-lt"/>
-                <a:ea typeface="+mn-ea"/>
-                <a:cs typeface="+mn-cs"/>
-              </a:defRPr>
-            </a:lvl7pPr>
-            <a:lvl8pPr marL="3200400" algn="l" defTabSz="457200" rtl="0" eaLnBrk="1" latinLnBrk="0" hangingPunct="1">
-              <a:defRPr sz="1800" kern="1200">
-                <a:solidFill>
-                  <a:schemeClr val="tx1"/>
-                </a:solidFill>
-                <a:latin typeface="+mn-lt"/>
-                <a:ea typeface="+mn-ea"/>
-                <a:cs typeface="+mn-cs"/>
-              </a:defRPr>
-            </a:lvl8pPr>
-            <a:lvl9pPr marL="3657600" algn="l" defTabSz="457200" rtl="0" eaLnBrk="1" latinLnBrk="0" hangingPunct="1">
-              <a:defRPr sz="1800" kern="1200">
-                <a:solidFill>
-                  <a:schemeClr val="tx1"/>
-                </a:solidFill>
-                <a:latin typeface="+mn-lt"/>
-                <a:ea typeface="+mn-ea"/>
-                <a:cs typeface="+mn-cs"/>
-              </a:defRPr>
-            </a:lvl9pPr>
-          </a:lstStyle>
-          <a:p>
-            <a:fld id="{5665C720-CFBA-4CD6-B44E-E52DA515AFF8}" type="datetime1">
-              <a:rPr lang="de-DE" sz="1400" smtClean="0"/>
-              <a:pPr/>
-              <a:t>31.10.2020</a:t>
-            </a:fld>
-            <a:endParaRPr lang="en-US" dirty="0"/>
-          </a:p>
-        </p:txBody>
-      </p:sp>
-      <p:sp>
-        <p:nvSpPr>
-          <p:cNvPr id="6" name="Date Placeholder 3">
-            <a:extLst>
-              <a:ext uri="{FF2B5EF4-FFF2-40B4-BE49-F238E27FC236}">
-                <a16:creationId xmlns:a16="http://schemas.microsoft.com/office/drawing/2014/main" id="{FBE73F23-8D21-495D-8D7C-2DE7277152E1}"/>
-              </a:ext>
-            </a:extLst>
-          </p:cNvPr>
-          <p:cNvSpPr txBox="1">
-            <a:spLocks/>
-          </p:cNvSpPr>
-          <p:nvPr/>
-        </p:nvSpPr>
-        <p:spPr>
-          <a:xfrm>
-            <a:off x="1824033" y="231050"/>
-            <a:ext cx="5713108" cy="378549"/>
-          </a:xfrm>
-          <a:prstGeom prst="rect">
-            <a:avLst/>
-          </a:prstGeom>
-        </p:spPr>
-        <p:txBody>
-          <a:bodyPr vert="horz" lIns="91440" tIns="45720" rIns="91440" bIns="45720" rtlCol="0" anchor="ctr"/>
-          <a:lstStyle>
-            <a:defPPr>
-              <a:defRPr lang="en-US"/>
-            </a:defPPr>
-            <a:lvl1pPr marL="0" algn="r" defTabSz="457200" rtl="0" eaLnBrk="1" latinLnBrk="0" hangingPunct="1">
-              <a:defRPr sz="900" kern="1200">
-                <a:solidFill>
-                  <a:schemeClr val="tx1">
-                    <a:tint val="75000"/>
-                  </a:schemeClr>
-                </a:solidFill>
-                <a:latin typeface="+mn-lt"/>
-                <a:ea typeface="+mn-ea"/>
-                <a:cs typeface="+mn-cs"/>
-              </a:defRPr>
-            </a:lvl1pPr>
-            <a:lvl2pPr marL="457200" algn="l" defTabSz="457200" rtl="0" eaLnBrk="1" latinLnBrk="0" hangingPunct="1">
-              <a:defRPr sz="1800" kern="1200">
-                <a:solidFill>
-                  <a:schemeClr val="tx1"/>
-                </a:solidFill>
-                <a:latin typeface="+mn-lt"/>
-                <a:ea typeface="+mn-ea"/>
-                <a:cs typeface="+mn-cs"/>
-              </a:defRPr>
-            </a:lvl2pPr>
-            <a:lvl3pPr marL="914400" algn="l" defTabSz="457200" rtl="0" eaLnBrk="1" latinLnBrk="0" hangingPunct="1">
-              <a:defRPr sz="1800" kern="1200">
-                <a:solidFill>
-                  <a:schemeClr val="tx1"/>
-                </a:solidFill>
-                <a:latin typeface="+mn-lt"/>
-                <a:ea typeface="+mn-ea"/>
-                <a:cs typeface="+mn-cs"/>
-              </a:defRPr>
-            </a:lvl3pPr>
-            <a:lvl4pPr marL="1371600" algn="l" defTabSz="457200" rtl="0" eaLnBrk="1" latinLnBrk="0" hangingPunct="1">
-              <a:defRPr sz="1800" kern="1200">
-                <a:solidFill>
-                  <a:schemeClr val="tx1"/>
-                </a:solidFill>
-                <a:latin typeface="+mn-lt"/>
-                <a:ea typeface="+mn-ea"/>
-                <a:cs typeface="+mn-cs"/>
-              </a:defRPr>
-            </a:lvl4pPr>
-            <a:lvl5pPr marL="1828800" algn="l" defTabSz="457200" rtl="0" eaLnBrk="1" latinLnBrk="0" hangingPunct="1">
-              <a:defRPr sz="1800" kern="1200">
-                <a:solidFill>
-                  <a:schemeClr val="tx1"/>
-                </a:solidFill>
-                <a:latin typeface="+mn-lt"/>
-                <a:ea typeface="+mn-ea"/>
-                <a:cs typeface="+mn-cs"/>
-              </a:defRPr>
-            </a:lvl5pPr>
-            <a:lvl6pPr marL="2286000" algn="l" defTabSz="457200" rtl="0" eaLnBrk="1" latinLnBrk="0" hangingPunct="1">
-              <a:defRPr sz="1800" kern="1200">
-                <a:solidFill>
-                  <a:schemeClr val="tx1"/>
-                </a:solidFill>
-                <a:latin typeface="+mn-lt"/>
-                <a:ea typeface="+mn-ea"/>
-                <a:cs typeface="+mn-cs"/>
-              </a:defRPr>
-            </a:lvl6pPr>
-            <a:lvl7pPr marL="2743200" algn="l" defTabSz="457200" rtl="0" eaLnBrk="1" latinLnBrk="0" hangingPunct="1">
-              <a:defRPr sz="1800" kern="1200">
-                <a:solidFill>
-                  <a:schemeClr val="tx1"/>
-                </a:solidFill>
-                <a:latin typeface="+mn-lt"/>
-                <a:ea typeface="+mn-ea"/>
-                <a:cs typeface="+mn-cs"/>
-              </a:defRPr>
-            </a:lvl7pPr>
-            <a:lvl8pPr marL="3200400" algn="l" defTabSz="457200" rtl="0" eaLnBrk="1" latinLnBrk="0" hangingPunct="1">
-              <a:defRPr sz="1800" kern="1200">
-                <a:solidFill>
-                  <a:schemeClr val="tx1"/>
-                </a:solidFill>
-                <a:latin typeface="+mn-lt"/>
-                <a:ea typeface="+mn-ea"/>
-                <a:cs typeface="+mn-cs"/>
-              </a:defRPr>
-            </a:lvl8pPr>
-            <a:lvl9pPr marL="3657600" algn="l" defTabSz="457200" rtl="0" eaLnBrk="1" latinLnBrk="0" hangingPunct="1">
-              <a:defRPr sz="1800" kern="1200">
-                <a:solidFill>
-                  <a:schemeClr val="tx1"/>
-                </a:solidFill>
-                <a:latin typeface="+mn-lt"/>
-                <a:ea typeface="+mn-ea"/>
-                <a:cs typeface="+mn-cs"/>
-              </a:defRPr>
-            </a:lvl9pPr>
-          </a:lstStyle>
-          <a:p>
-            <a:r>
-              <a:rPr lang="de-DE" sz="1400" dirty="0"/>
-              <a:t>Veronika Taranek, Philipp </a:t>
-            </a:r>
-            <a:r>
-              <a:rPr lang="de-DE" sz="1400" dirty="0" err="1"/>
-              <a:t>Fenesan</a:t>
-            </a:r>
-            <a:r>
-              <a:rPr lang="de-DE" sz="1400" dirty="0"/>
-              <a:t>, Nicolas Geppert, Lukas Werner</a:t>
-            </a:r>
-            <a:endParaRPr lang="en-US" dirty="0"/>
-          </a:p>
-        </p:txBody>
-      </p:sp>
-    </p:spTree>
-    <p:extLst>
-      <p:ext uri="{BB962C8B-B14F-4D97-AF65-F5344CB8AC3E}">
-        <p14:creationId xmlns:p14="http://schemas.microsoft.com/office/powerpoint/2010/main" val="1940434735"/>
-      </p:ext>
-    </p:extLst>
-  </p:cSld>
-  <p:clrMapOvr>
-    <a:masterClrMapping/>
-  </p:clrMapOvr>
-</p:sld>
-</file>
-
-<file path=ppt/slides/slide14.xml><?xml version="1.0" encoding="utf-8"?>
-<p:sld xmlns:a="http://schemas.openxmlformats.org/drawingml/2006/main" xmlns:r="http://schemas.openxmlformats.org/officeDocument/2006/relationships" xmlns:p="http://schemas.openxmlformats.org/presentationml/2006/main">
-  <p:cSld>
-    <p:spTree>
-      <p:nvGrpSpPr>
-        <p:cNvPr id="1" name=""/>
-        <p:cNvGrpSpPr/>
-        <p:nvPr/>
-      </p:nvGrpSpPr>
-      <p:grpSpPr>
-        <a:xfrm>
-          <a:off x="0" y="0"/>
-          <a:ext cx="0" cy="0"/>
-          <a:chOff x="0" y="0"/>
-          <a:chExt cx="0" cy="0"/>
-        </a:xfrm>
-      </p:grpSpPr>
-      <p:sp>
-        <p:nvSpPr>
-          <p:cNvPr id="2" name="Title 1">
-            <a:extLst>
-              <a:ext uri="{FF2B5EF4-FFF2-40B4-BE49-F238E27FC236}">
-                <a16:creationId xmlns:a16="http://schemas.microsoft.com/office/drawing/2014/main" id="{A533C930-62BB-49CD-A689-73D96C0BFBBB}"/>
-              </a:ext>
-            </a:extLst>
-          </p:cNvPr>
-          <p:cNvSpPr>
-            <a:spLocks noGrp="1"/>
-          </p:cNvSpPr>
-          <p:nvPr>
-            <p:ph type="title"/>
-          </p:nvPr>
-        </p:nvSpPr>
-        <p:spPr/>
-        <p:txBody>
-          <a:bodyPr/>
-          <a:lstStyle/>
-          <a:p>
-            <a:r>
-              <a:rPr lang="en-US" dirty="0"/>
-              <a:t>Aufbau</a:t>
-            </a:r>
-          </a:p>
-        </p:txBody>
-      </p:sp>
-      <p:sp>
-        <p:nvSpPr>
-          <p:cNvPr id="5" name="TextBox 4">
-            <a:extLst>
-              <a:ext uri="{FF2B5EF4-FFF2-40B4-BE49-F238E27FC236}">
-                <a16:creationId xmlns:a16="http://schemas.microsoft.com/office/drawing/2014/main" id="{7FDF7188-C07D-448D-A4A7-2BC551B56E6A}"/>
-              </a:ext>
-            </a:extLst>
-          </p:cNvPr>
-          <p:cNvSpPr txBox="1"/>
-          <p:nvPr/>
-        </p:nvSpPr>
-        <p:spPr>
-          <a:xfrm>
-            <a:off x="571500" y="5410200"/>
-            <a:ext cx="7928774" cy="646331"/>
-          </a:xfrm>
-          <a:prstGeom prst="rect">
-            <a:avLst/>
-          </a:prstGeom>
-          <a:noFill/>
-        </p:spPr>
-        <p:txBody>
-          <a:bodyPr wrap="none" rtlCol="0">
-            <a:spAutoFit/>
-          </a:bodyPr>
-          <a:lstStyle/>
-          <a:p>
-            <a:r>
-              <a:rPr lang="en-US" dirty="0" err="1"/>
-              <a:t>Auffällig</a:t>
-            </a:r>
-            <a:r>
-              <a:rPr lang="en-US" dirty="0"/>
-              <a:t> </a:t>
-            </a:r>
-            <a:r>
-              <a:rPr lang="en-US" dirty="0" err="1"/>
-              <a:t>ist</a:t>
-            </a:r>
-            <a:r>
-              <a:rPr lang="en-US" dirty="0"/>
-              <a:t>, </a:t>
-            </a:r>
-            <a:r>
-              <a:rPr lang="en-US" dirty="0" err="1"/>
-              <a:t>dass</a:t>
-            </a:r>
-            <a:r>
-              <a:rPr lang="en-US" dirty="0"/>
-              <a:t> die </a:t>
-            </a:r>
-            <a:r>
-              <a:rPr lang="en-US" dirty="0" err="1"/>
-              <a:t>Funktionen</a:t>
-            </a:r>
-            <a:r>
-              <a:rPr lang="en-US" dirty="0"/>
-              <a:t> von den Design-Klassen </a:t>
-            </a:r>
-            <a:r>
-              <a:rPr lang="en-US" dirty="0" err="1"/>
-              <a:t>getrennt</a:t>
-            </a:r>
-            <a:r>
-              <a:rPr lang="en-US" dirty="0"/>
-              <a:t> </a:t>
-            </a:r>
-            <a:r>
-              <a:rPr lang="en-US" dirty="0" err="1"/>
-              <a:t>wurden</a:t>
-            </a:r>
-            <a:r>
-              <a:rPr lang="en-US" dirty="0"/>
-              <a:t>.</a:t>
-            </a:r>
-            <a:br>
-              <a:rPr lang="en-US" dirty="0"/>
-            </a:br>
-            <a:r>
-              <a:rPr lang="en-US" dirty="0"/>
-              <a:t>Die </a:t>
-            </a:r>
-            <a:r>
-              <a:rPr lang="en-US" dirty="0" err="1"/>
-              <a:t>Logik</a:t>
-            </a:r>
-            <a:r>
-              <a:rPr lang="en-US" dirty="0"/>
-              <a:t> </a:t>
-            </a:r>
-            <a:r>
-              <a:rPr lang="en-US" dirty="0" err="1"/>
-              <a:t>wird</a:t>
-            </a:r>
-            <a:r>
-              <a:rPr lang="en-US" dirty="0"/>
-              <a:t> in extra Klassen </a:t>
-            </a:r>
-            <a:r>
-              <a:rPr lang="en-US" dirty="0" err="1"/>
-              <a:t>implementiert</a:t>
-            </a:r>
-            <a:r>
-              <a:rPr lang="en-US" dirty="0"/>
-              <a:t>, die </a:t>
-            </a:r>
-            <a:r>
-              <a:rPr lang="en-US" dirty="0" err="1"/>
-              <a:t>getrennt</a:t>
-            </a:r>
-            <a:r>
-              <a:rPr lang="en-US" dirty="0"/>
-              <a:t> von der UI </a:t>
-            </a:r>
-            <a:r>
-              <a:rPr lang="en-US" dirty="0" err="1"/>
-              <a:t>sind</a:t>
-            </a:r>
-            <a:endParaRPr lang="en-US" dirty="0"/>
-          </a:p>
-        </p:txBody>
-      </p:sp>
-      <p:sp>
-        <p:nvSpPr>
-          <p:cNvPr id="6" name="Date Placeholder 3">
-            <a:extLst>
-              <a:ext uri="{FF2B5EF4-FFF2-40B4-BE49-F238E27FC236}">
-                <a16:creationId xmlns:a16="http://schemas.microsoft.com/office/drawing/2014/main" id="{C597FC9F-E38B-4D7C-800C-2E507A9787EC}"/>
-              </a:ext>
-            </a:extLst>
-          </p:cNvPr>
-          <p:cNvSpPr txBox="1">
-            <a:spLocks/>
-          </p:cNvSpPr>
-          <p:nvPr/>
-        </p:nvSpPr>
-        <p:spPr>
-          <a:xfrm>
-            <a:off x="677334" y="231051"/>
-            <a:ext cx="1071566" cy="378549"/>
-          </a:xfrm>
-          <a:prstGeom prst="rect">
-            <a:avLst/>
-          </a:prstGeom>
-        </p:spPr>
-        <p:txBody>
-          <a:bodyPr vert="horz" lIns="91440" tIns="45720" rIns="91440" bIns="45720" rtlCol="0" anchor="ctr"/>
-          <a:lstStyle>
-            <a:defPPr>
-              <a:defRPr lang="en-US"/>
-            </a:defPPr>
-            <a:lvl1pPr marL="0" algn="r" defTabSz="457200" rtl="0" eaLnBrk="1" latinLnBrk="0" hangingPunct="1">
-              <a:defRPr sz="900" kern="1200">
-                <a:solidFill>
-                  <a:schemeClr val="tx1">
-                    <a:tint val="75000"/>
-                  </a:schemeClr>
-                </a:solidFill>
-                <a:latin typeface="+mn-lt"/>
-                <a:ea typeface="+mn-ea"/>
-                <a:cs typeface="+mn-cs"/>
-              </a:defRPr>
-            </a:lvl1pPr>
-            <a:lvl2pPr marL="457200" algn="l" defTabSz="457200" rtl="0" eaLnBrk="1" latinLnBrk="0" hangingPunct="1">
-              <a:defRPr sz="1800" kern="1200">
-                <a:solidFill>
-                  <a:schemeClr val="tx1"/>
-                </a:solidFill>
-                <a:latin typeface="+mn-lt"/>
-                <a:ea typeface="+mn-ea"/>
-                <a:cs typeface="+mn-cs"/>
-              </a:defRPr>
-            </a:lvl2pPr>
-            <a:lvl3pPr marL="914400" algn="l" defTabSz="457200" rtl="0" eaLnBrk="1" latinLnBrk="0" hangingPunct="1">
-              <a:defRPr sz="1800" kern="1200">
-                <a:solidFill>
-                  <a:schemeClr val="tx1"/>
-                </a:solidFill>
-                <a:latin typeface="+mn-lt"/>
-                <a:ea typeface="+mn-ea"/>
-                <a:cs typeface="+mn-cs"/>
-              </a:defRPr>
-            </a:lvl3pPr>
-            <a:lvl4pPr marL="1371600" algn="l" defTabSz="457200" rtl="0" eaLnBrk="1" latinLnBrk="0" hangingPunct="1">
-              <a:defRPr sz="1800" kern="1200">
-                <a:solidFill>
-                  <a:schemeClr val="tx1"/>
-                </a:solidFill>
-                <a:latin typeface="+mn-lt"/>
-                <a:ea typeface="+mn-ea"/>
-                <a:cs typeface="+mn-cs"/>
-              </a:defRPr>
-            </a:lvl4pPr>
-            <a:lvl5pPr marL="1828800" algn="l" defTabSz="457200" rtl="0" eaLnBrk="1" latinLnBrk="0" hangingPunct="1">
-              <a:defRPr sz="1800" kern="1200">
-                <a:solidFill>
-                  <a:schemeClr val="tx1"/>
-                </a:solidFill>
-                <a:latin typeface="+mn-lt"/>
-                <a:ea typeface="+mn-ea"/>
-                <a:cs typeface="+mn-cs"/>
-              </a:defRPr>
-            </a:lvl5pPr>
-            <a:lvl6pPr marL="2286000" algn="l" defTabSz="457200" rtl="0" eaLnBrk="1" latinLnBrk="0" hangingPunct="1">
-              <a:defRPr sz="1800" kern="1200">
-                <a:solidFill>
-                  <a:schemeClr val="tx1"/>
-                </a:solidFill>
-                <a:latin typeface="+mn-lt"/>
-                <a:ea typeface="+mn-ea"/>
-                <a:cs typeface="+mn-cs"/>
-              </a:defRPr>
-            </a:lvl6pPr>
-            <a:lvl7pPr marL="2743200" algn="l" defTabSz="457200" rtl="0" eaLnBrk="1" latinLnBrk="0" hangingPunct="1">
-              <a:defRPr sz="1800" kern="1200">
-                <a:solidFill>
-                  <a:schemeClr val="tx1"/>
-                </a:solidFill>
-                <a:latin typeface="+mn-lt"/>
-                <a:ea typeface="+mn-ea"/>
-                <a:cs typeface="+mn-cs"/>
-              </a:defRPr>
-            </a:lvl7pPr>
-            <a:lvl8pPr marL="3200400" algn="l" defTabSz="457200" rtl="0" eaLnBrk="1" latinLnBrk="0" hangingPunct="1">
-              <a:defRPr sz="1800" kern="1200">
-                <a:solidFill>
-                  <a:schemeClr val="tx1"/>
-                </a:solidFill>
-                <a:latin typeface="+mn-lt"/>
-                <a:ea typeface="+mn-ea"/>
-                <a:cs typeface="+mn-cs"/>
-              </a:defRPr>
-            </a:lvl8pPr>
-            <a:lvl9pPr marL="3657600" algn="l" defTabSz="457200" rtl="0" eaLnBrk="1" latinLnBrk="0" hangingPunct="1">
-              <a:defRPr sz="1800" kern="1200">
-                <a:solidFill>
-                  <a:schemeClr val="tx1"/>
-                </a:solidFill>
-                <a:latin typeface="+mn-lt"/>
-                <a:ea typeface="+mn-ea"/>
-                <a:cs typeface="+mn-cs"/>
-              </a:defRPr>
-            </a:lvl9pPr>
-          </a:lstStyle>
-          <a:p>
-            <a:fld id="{5665C720-CFBA-4CD6-B44E-E52DA515AFF8}" type="datetime1">
-              <a:rPr lang="de-DE" sz="1400" smtClean="0"/>
-              <a:pPr/>
-              <a:t>31.10.2020</a:t>
-            </a:fld>
-            <a:endParaRPr lang="en-US" dirty="0"/>
-          </a:p>
-        </p:txBody>
-      </p:sp>
-      <p:sp>
-        <p:nvSpPr>
-          <p:cNvPr id="7" name="Date Placeholder 3">
-            <a:extLst>
-              <a:ext uri="{FF2B5EF4-FFF2-40B4-BE49-F238E27FC236}">
-                <a16:creationId xmlns:a16="http://schemas.microsoft.com/office/drawing/2014/main" id="{0F246959-6071-4609-B298-646E582C9281}"/>
-              </a:ext>
-            </a:extLst>
-          </p:cNvPr>
-          <p:cNvSpPr txBox="1">
-            <a:spLocks/>
-          </p:cNvSpPr>
-          <p:nvPr/>
-        </p:nvSpPr>
-        <p:spPr>
-          <a:xfrm>
-            <a:off x="1824033" y="231050"/>
-            <a:ext cx="5713108" cy="378549"/>
-          </a:xfrm>
-          <a:prstGeom prst="rect">
-            <a:avLst/>
-          </a:prstGeom>
-        </p:spPr>
-        <p:txBody>
-          <a:bodyPr vert="horz" lIns="91440" tIns="45720" rIns="91440" bIns="45720" rtlCol="0" anchor="ctr"/>
-          <a:lstStyle>
-            <a:defPPr>
-              <a:defRPr lang="en-US"/>
-            </a:defPPr>
-            <a:lvl1pPr marL="0" algn="r" defTabSz="457200" rtl="0" eaLnBrk="1" latinLnBrk="0" hangingPunct="1">
-              <a:defRPr sz="900" kern="1200">
-                <a:solidFill>
-                  <a:schemeClr val="tx1">
-                    <a:tint val="75000"/>
-                  </a:schemeClr>
-                </a:solidFill>
-                <a:latin typeface="+mn-lt"/>
-                <a:ea typeface="+mn-ea"/>
-                <a:cs typeface="+mn-cs"/>
-              </a:defRPr>
-            </a:lvl1pPr>
-            <a:lvl2pPr marL="457200" algn="l" defTabSz="457200" rtl="0" eaLnBrk="1" latinLnBrk="0" hangingPunct="1">
-              <a:defRPr sz="1800" kern="1200">
-                <a:solidFill>
-                  <a:schemeClr val="tx1"/>
-                </a:solidFill>
-                <a:latin typeface="+mn-lt"/>
-                <a:ea typeface="+mn-ea"/>
-                <a:cs typeface="+mn-cs"/>
-              </a:defRPr>
-            </a:lvl2pPr>
-            <a:lvl3pPr marL="914400" algn="l" defTabSz="457200" rtl="0" eaLnBrk="1" latinLnBrk="0" hangingPunct="1">
-              <a:defRPr sz="1800" kern="1200">
-                <a:solidFill>
-                  <a:schemeClr val="tx1"/>
-                </a:solidFill>
-                <a:latin typeface="+mn-lt"/>
-                <a:ea typeface="+mn-ea"/>
-                <a:cs typeface="+mn-cs"/>
-              </a:defRPr>
-            </a:lvl3pPr>
-            <a:lvl4pPr marL="1371600" algn="l" defTabSz="457200" rtl="0" eaLnBrk="1" latinLnBrk="0" hangingPunct="1">
-              <a:defRPr sz="1800" kern="1200">
-                <a:solidFill>
-                  <a:schemeClr val="tx1"/>
-                </a:solidFill>
-                <a:latin typeface="+mn-lt"/>
-                <a:ea typeface="+mn-ea"/>
-                <a:cs typeface="+mn-cs"/>
-              </a:defRPr>
-            </a:lvl4pPr>
-            <a:lvl5pPr marL="1828800" algn="l" defTabSz="457200" rtl="0" eaLnBrk="1" latinLnBrk="0" hangingPunct="1">
-              <a:defRPr sz="1800" kern="1200">
-                <a:solidFill>
-                  <a:schemeClr val="tx1"/>
-                </a:solidFill>
-                <a:latin typeface="+mn-lt"/>
-                <a:ea typeface="+mn-ea"/>
-                <a:cs typeface="+mn-cs"/>
-              </a:defRPr>
-            </a:lvl5pPr>
-            <a:lvl6pPr marL="2286000" algn="l" defTabSz="457200" rtl="0" eaLnBrk="1" latinLnBrk="0" hangingPunct="1">
-              <a:defRPr sz="1800" kern="1200">
-                <a:solidFill>
-                  <a:schemeClr val="tx1"/>
-                </a:solidFill>
-                <a:latin typeface="+mn-lt"/>
-                <a:ea typeface="+mn-ea"/>
-                <a:cs typeface="+mn-cs"/>
-              </a:defRPr>
-            </a:lvl6pPr>
-            <a:lvl7pPr marL="2743200" algn="l" defTabSz="457200" rtl="0" eaLnBrk="1" latinLnBrk="0" hangingPunct="1">
-              <a:defRPr sz="1800" kern="1200">
-                <a:solidFill>
-                  <a:schemeClr val="tx1"/>
-                </a:solidFill>
-                <a:latin typeface="+mn-lt"/>
-                <a:ea typeface="+mn-ea"/>
-                <a:cs typeface="+mn-cs"/>
-              </a:defRPr>
-            </a:lvl7pPr>
-            <a:lvl8pPr marL="3200400" algn="l" defTabSz="457200" rtl="0" eaLnBrk="1" latinLnBrk="0" hangingPunct="1">
-              <a:defRPr sz="1800" kern="1200">
-                <a:solidFill>
-                  <a:schemeClr val="tx1"/>
-                </a:solidFill>
-                <a:latin typeface="+mn-lt"/>
-                <a:ea typeface="+mn-ea"/>
-                <a:cs typeface="+mn-cs"/>
-              </a:defRPr>
-            </a:lvl8pPr>
-            <a:lvl9pPr marL="3657600" algn="l" defTabSz="457200" rtl="0" eaLnBrk="1" latinLnBrk="0" hangingPunct="1">
-              <a:defRPr sz="1800" kern="1200">
-                <a:solidFill>
-                  <a:schemeClr val="tx1"/>
-                </a:solidFill>
-                <a:latin typeface="+mn-lt"/>
-                <a:ea typeface="+mn-ea"/>
-                <a:cs typeface="+mn-cs"/>
-              </a:defRPr>
-            </a:lvl9pPr>
-          </a:lstStyle>
-          <a:p>
-            <a:r>
-              <a:rPr lang="de-DE" sz="1400" dirty="0"/>
-              <a:t>Veronika Taranek, Philipp </a:t>
-            </a:r>
-            <a:r>
-              <a:rPr lang="de-DE" sz="1400" dirty="0" err="1"/>
-              <a:t>Fenesan</a:t>
-            </a:r>
-            <a:r>
-              <a:rPr lang="de-DE" sz="1400" dirty="0"/>
-              <a:t>, Nicolas Geppert, Lukas Werner</a:t>
-            </a:r>
-            <a:endParaRPr lang="en-US" dirty="0"/>
-          </a:p>
-        </p:txBody>
-      </p:sp>
-      <p:sp>
-        <p:nvSpPr>
-          <p:cNvPr id="3" name="TextBox 2">
-            <a:extLst>
-              <a:ext uri="{FF2B5EF4-FFF2-40B4-BE49-F238E27FC236}">
-                <a16:creationId xmlns:a16="http://schemas.microsoft.com/office/drawing/2014/main" id="{5BCAFD94-9DAE-40DB-ABC1-EA97278FB175}"/>
-              </a:ext>
-            </a:extLst>
-          </p:cNvPr>
-          <p:cNvSpPr txBox="1"/>
-          <p:nvPr/>
-        </p:nvSpPr>
-        <p:spPr>
-          <a:xfrm>
-            <a:off x="1524000" y="1930400"/>
-            <a:ext cx="4572000" cy="369332"/>
-          </a:xfrm>
-          <a:prstGeom prst="rect">
-            <a:avLst/>
-          </a:prstGeom>
-          <a:noFill/>
-        </p:spPr>
-        <p:txBody>
-          <a:bodyPr wrap="square" rtlCol="0">
-            <a:spAutoFit/>
-          </a:bodyPr>
-          <a:lstStyle/>
-          <a:p>
-            <a:r>
-              <a:rPr lang="en-US" dirty="0" err="1"/>
-              <a:t>neues</a:t>
-            </a:r>
-            <a:r>
-              <a:rPr lang="en-US" dirty="0"/>
-              <a:t> UML</a:t>
-            </a:r>
-          </a:p>
-        </p:txBody>
-      </p:sp>
-    </p:spTree>
-    <p:extLst>
-      <p:ext uri="{BB962C8B-B14F-4D97-AF65-F5344CB8AC3E}">
-        <p14:creationId xmlns:p14="http://schemas.microsoft.com/office/powerpoint/2010/main" val="870046311"/>
-      </p:ext>
-    </p:extLst>
-  </p:cSld>
-  <p:clrMapOvr>
-    <a:masterClrMapping/>
-  </p:clrMapOvr>
-</p:sld>
-</file>
-
-<file path=ppt/slides/slide15.xml><?xml version="1.0" encoding="utf-8"?>
-<p:sld xmlns:a="http://schemas.openxmlformats.org/drawingml/2006/main" xmlns:r="http://schemas.openxmlformats.org/officeDocument/2006/relationships" xmlns:p="http://schemas.openxmlformats.org/presentationml/2006/main">
-  <p:cSld>
-    <p:spTree>
-      <p:nvGrpSpPr>
-        <p:cNvPr id="1" name=""/>
-        <p:cNvGrpSpPr/>
-        <p:nvPr/>
-      </p:nvGrpSpPr>
-      <p:grpSpPr>
-        <a:xfrm>
-          <a:off x="0" y="0"/>
-          <a:ext cx="0" cy="0"/>
-          <a:chOff x="0" y="0"/>
-          <a:chExt cx="0" cy="0"/>
-        </a:xfrm>
-      </p:grpSpPr>
-      <p:sp>
-        <p:nvSpPr>
-          <p:cNvPr id="2" name="Title 1">
-            <a:extLst>
-              <a:ext uri="{FF2B5EF4-FFF2-40B4-BE49-F238E27FC236}">
-                <a16:creationId xmlns:a16="http://schemas.microsoft.com/office/drawing/2014/main" id="{BFFE73E4-B193-441D-8A54-09AA7DF89A89}"/>
-              </a:ext>
-            </a:extLst>
-          </p:cNvPr>
-          <p:cNvSpPr>
-            <a:spLocks noGrp="1"/>
-          </p:cNvSpPr>
-          <p:nvPr>
-            <p:ph type="title"/>
-          </p:nvPr>
-        </p:nvSpPr>
-        <p:spPr/>
-        <p:txBody>
-          <a:bodyPr/>
-          <a:lstStyle/>
-          <a:p>
-            <a:r>
-              <a:rPr lang="en-US" dirty="0" err="1"/>
-              <a:t>Datenbank</a:t>
-            </a:r>
-            <a:endParaRPr lang="en-US" dirty="0"/>
-          </a:p>
-        </p:txBody>
-      </p:sp>
-      <p:sp>
-        <p:nvSpPr>
-          <p:cNvPr id="3" name="Content Placeholder 2">
-            <a:extLst>
-              <a:ext uri="{FF2B5EF4-FFF2-40B4-BE49-F238E27FC236}">
-                <a16:creationId xmlns:a16="http://schemas.microsoft.com/office/drawing/2014/main" id="{CD885E91-C09C-4371-8168-295BAD48D188}"/>
-              </a:ext>
-            </a:extLst>
-          </p:cNvPr>
-          <p:cNvSpPr>
-            <a:spLocks noGrp="1"/>
-          </p:cNvSpPr>
-          <p:nvPr>
-            <p:ph idx="1"/>
-          </p:nvPr>
-        </p:nvSpPr>
-        <p:spPr>
-          <a:xfrm>
-            <a:off x="677334" y="4720561"/>
-            <a:ext cx="8596668" cy="1320801"/>
-          </a:xfrm>
-        </p:spPr>
-        <p:txBody>
-          <a:bodyPr/>
-          <a:lstStyle/>
-          <a:p>
-            <a:r>
-              <a:rPr lang="en-US" dirty="0" err="1"/>
-              <a:t>Als</a:t>
-            </a:r>
-            <a:r>
-              <a:rPr lang="en-US" dirty="0"/>
-              <a:t> </a:t>
-            </a:r>
-            <a:r>
-              <a:rPr lang="en-US" dirty="0" err="1"/>
-              <a:t>Datenbanklösung</a:t>
-            </a:r>
-            <a:r>
-              <a:rPr lang="en-US" dirty="0"/>
-              <a:t> </a:t>
-            </a:r>
-            <a:r>
-              <a:rPr lang="en-US" dirty="0" err="1"/>
-              <a:t>nutzen</a:t>
-            </a:r>
-            <a:r>
-              <a:rPr lang="en-US" dirty="0"/>
-              <a:t> </a:t>
-            </a:r>
-            <a:r>
-              <a:rPr lang="en-US" dirty="0" err="1"/>
-              <a:t>wir</a:t>
-            </a:r>
-            <a:r>
-              <a:rPr lang="en-US" dirty="0"/>
-              <a:t> </a:t>
-            </a:r>
-            <a:r>
-              <a:rPr lang="en-US" dirty="0" err="1"/>
-              <a:t>als</a:t>
-            </a:r>
-            <a:r>
-              <a:rPr lang="en-US" dirty="0"/>
-              <a:t> </a:t>
-            </a:r>
-            <a:r>
-              <a:rPr lang="en-US" dirty="0" err="1"/>
-              <a:t>LocalHost</a:t>
-            </a:r>
-            <a:r>
-              <a:rPr lang="en-US" dirty="0"/>
-              <a:t> </a:t>
-            </a:r>
-            <a:r>
-              <a:rPr lang="en-US" dirty="0" err="1"/>
-              <a:t>eine</a:t>
-            </a:r>
-            <a:r>
-              <a:rPr lang="en-US" dirty="0"/>
-              <a:t> MySQL-</a:t>
-            </a:r>
-            <a:r>
-              <a:rPr lang="en-US" dirty="0" err="1"/>
-              <a:t>Datenbank</a:t>
-            </a:r>
-            <a:endParaRPr lang="en-US" dirty="0"/>
-          </a:p>
-          <a:p>
-            <a:r>
-              <a:rPr lang="en-US" dirty="0"/>
-              <a:t>Die </a:t>
-            </a:r>
-            <a:r>
-              <a:rPr lang="en-US" dirty="0" err="1"/>
-              <a:t>Anbindung</a:t>
-            </a:r>
-            <a:r>
-              <a:rPr lang="en-US" dirty="0"/>
-              <a:t> an </a:t>
-            </a:r>
-            <a:r>
-              <a:rPr lang="en-US" dirty="0" err="1"/>
-              <a:t>einen</a:t>
-            </a:r>
-            <a:r>
-              <a:rPr lang="en-US" dirty="0"/>
-              <a:t> Server </a:t>
-            </a:r>
-            <a:r>
-              <a:rPr lang="en-US" dirty="0" err="1"/>
-              <a:t>wäre</a:t>
-            </a:r>
-            <a:r>
-              <a:rPr lang="en-US" dirty="0"/>
-              <a:t> </a:t>
-            </a:r>
-            <a:r>
-              <a:rPr lang="en-US" dirty="0" err="1"/>
-              <a:t>möglich</a:t>
-            </a:r>
-            <a:r>
-              <a:rPr lang="en-US" dirty="0"/>
-              <a:t>, </a:t>
-            </a:r>
-            <a:r>
-              <a:rPr lang="en-US" dirty="0" err="1"/>
-              <a:t>soll</a:t>
-            </a:r>
-            <a:r>
-              <a:rPr lang="en-US" dirty="0"/>
-              <a:t> </a:t>
-            </a:r>
-            <a:r>
-              <a:rPr lang="en-US" dirty="0" err="1"/>
-              <a:t>jedoch</a:t>
-            </a:r>
-            <a:r>
-              <a:rPr lang="en-US" dirty="0"/>
-              <a:t> </a:t>
-            </a:r>
-            <a:r>
-              <a:rPr lang="en-US" dirty="0" err="1"/>
-              <a:t>nicht</a:t>
-            </a:r>
-            <a:r>
-              <a:rPr lang="en-US" dirty="0"/>
-              <a:t> </a:t>
-            </a:r>
-            <a:r>
-              <a:rPr lang="en-US" dirty="0" err="1"/>
-              <a:t>öffentlich</a:t>
-            </a:r>
-            <a:r>
-              <a:rPr lang="en-US" dirty="0"/>
-              <a:t> auf dem git </a:t>
-            </a:r>
-            <a:r>
-              <a:rPr lang="en-US" dirty="0" err="1"/>
-              <a:t>liegen</a:t>
-            </a:r>
-            <a:r>
-              <a:rPr lang="en-US" dirty="0"/>
-              <a:t>, da der Server </a:t>
-            </a:r>
-            <a:r>
-              <a:rPr lang="en-US" dirty="0" err="1"/>
-              <a:t>privat</a:t>
-            </a:r>
-            <a:r>
-              <a:rPr lang="en-US" dirty="0"/>
-              <a:t> </a:t>
-            </a:r>
-            <a:r>
-              <a:rPr lang="en-US" dirty="0" err="1"/>
-              <a:t>aufgesetzt</a:t>
-            </a:r>
-            <a:r>
-              <a:rPr lang="en-US" dirty="0"/>
-              <a:t> </a:t>
-            </a:r>
-            <a:r>
-              <a:rPr lang="en-US" dirty="0" err="1"/>
-              <a:t>wurde</a:t>
-            </a:r>
-            <a:endParaRPr lang="en-US" dirty="0"/>
-          </a:p>
-        </p:txBody>
-      </p:sp>
-      <p:sp>
-        <p:nvSpPr>
-          <p:cNvPr id="7" name="Date Placeholder 3">
-            <a:extLst>
-              <a:ext uri="{FF2B5EF4-FFF2-40B4-BE49-F238E27FC236}">
-                <a16:creationId xmlns:a16="http://schemas.microsoft.com/office/drawing/2014/main" id="{BAD5D7EE-33EA-45D2-A694-351C748A2C0C}"/>
-              </a:ext>
-            </a:extLst>
-          </p:cNvPr>
-          <p:cNvSpPr txBox="1">
-            <a:spLocks/>
-          </p:cNvSpPr>
-          <p:nvPr/>
-        </p:nvSpPr>
-        <p:spPr>
-          <a:xfrm>
-            <a:off x="1824033" y="231050"/>
-            <a:ext cx="5713108" cy="378549"/>
-          </a:xfrm>
-          <a:prstGeom prst="rect">
-            <a:avLst/>
-          </a:prstGeom>
-        </p:spPr>
-        <p:txBody>
-          <a:bodyPr vert="horz" lIns="91440" tIns="45720" rIns="91440" bIns="45720" rtlCol="0" anchor="ctr"/>
-          <a:lstStyle>
-            <a:defPPr>
-              <a:defRPr lang="en-US"/>
-            </a:defPPr>
-            <a:lvl1pPr marL="0" algn="r" defTabSz="457200" rtl="0" eaLnBrk="1" latinLnBrk="0" hangingPunct="1">
-              <a:defRPr sz="900" kern="1200">
-                <a:solidFill>
-                  <a:schemeClr val="tx1">
-                    <a:tint val="75000"/>
-                  </a:schemeClr>
-                </a:solidFill>
-                <a:latin typeface="+mn-lt"/>
-                <a:ea typeface="+mn-ea"/>
-                <a:cs typeface="+mn-cs"/>
-              </a:defRPr>
-            </a:lvl1pPr>
-            <a:lvl2pPr marL="457200" algn="l" defTabSz="457200" rtl="0" eaLnBrk="1" latinLnBrk="0" hangingPunct="1">
-              <a:defRPr sz="1800" kern="1200">
-                <a:solidFill>
-                  <a:schemeClr val="tx1"/>
-                </a:solidFill>
-                <a:latin typeface="+mn-lt"/>
-                <a:ea typeface="+mn-ea"/>
-                <a:cs typeface="+mn-cs"/>
-              </a:defRPr>
-            </a:lvl2pPr>
-            <a:lvl3pPr marL="914400" algn="l" defTabSz="457200" rtl="0" eaLnBrk="1" latinLnBrk="0" hangingPunct="1">
-              <a:defRPr sz="1800" kern="1200">
-                <a:solidFill>
-                  <a:schemeClr val="tx1"/>
-                </a:solidFill>
-                <a:latin typeface="+mn-lt"/>
-                <a:ea typeface="+mn-ea"/>
-                <a:cs typeface="+mn-cs"/>
-              </a:defRPr>
-            </a:lvl3pPr>
-            <a:lvl4pPr marL="1371600" algn="l" defTabSz="457200" rtl="0" eaLnBrk="1" latinLnBrk="0" hangingPunct="1">
-              <a:defRPr sz="1800" kern="1200">
-                <a:solidFill>
-                  <a:schemeClr val="tx1"/>
-                </a:solidFill>
-                <a:latin typeface="+mn-lt"/>
-                <a:ea typeface="+mn-ea"/>
-                <a:cs typeface="+mn-cs"/>
-              </a:defRPr>
-            </a:lvl4pPr>
-            <a:lvl5pPr marL="1828800" algn="l" defTabSz="457200" rtl="0" eaLnBrk="1" latinLnBrk="0" hangingPunct="1">
-              <a:defRPr sz="1800" kern="1200">
-                <a:solidFill>
-                  <a:schemeClr val="tx1"/>
-                </a:solidFill>
-                <a:latin typeface="+mn-lt"/>
-                <a:ea typeface="+mn-ea"/>
-                <a:cs typeface="+mn-cs"/>
-              </a:defRPr>
-            </a:lvl5pPr>
-            <a:lvl6pPr marL="2286000" algn="l" defTabSz="457200" rtl="0" eaLnBrk="1" latinLnBrk="0" hangingPunct="1">
-              <a:defRPr sz="1800" kern="1200">
-                <a:solidFill>
-                  <a:schemeClr val="tx1"/>
-                </a:solidFill>
-                <a:latin typeface="+mn-lt"/>
-                <a:ea typeface="+mn-ea"/>
-                <a:cs typeface="+mn-cs"/>
-              </a:defRPr>
-            </a:lvl6pPr>
-            <a:lvl7pPr marL="2743200" algn="l" defTabSz="457200" rtl="0" eaLnBrk="1" latinLnBrk="0" hangingPunct="1">
-              <a:defRPr sz="1800" kern="1200">
-                <a:solidFill>
-                  <a:schemeClr val="tx1"/>
-                </a:solidFill>
-                <a:latin typeface="+mn-lt"/>
-                <a:ea typeface="+mn-ea"/>
-                <a:cs typeface="+mn-cs"/>
-              </a:defRPr>
-            </a:lvl7pPr>
-            <a:lvl8pPr marL="3200400" algn="l" defTabSz="457200" rtl="0" eaLnBrk="1" latinLnBrk="0" hangingPunct="1">
-              <a:defRPr sz="1800" kern="1200">
-                <a:solidFill>
-                  <a:schemeClr val="tx1"/>
-                </a:solidFill>
-                <a:latin typeface="+mn-lt"/>
-                <a:ea typeface="+mn-ea"/>
-                <a:cs typeface="+mn-cs"/>
-              </a:defRPr>
-            </a:lvl8pPr>
-            <a:lvl9pPr marL="3657600" algn="l" defTabSz="457200" rtl="0" eaLnBrk="1" latinLnBrk="0" hangingPunct="1">
-              <a:defRPr sz="1800" kern="1200">
-                <a:solidFill>
-                  <a:schemeClr val="tx1"/>
-                </a:solidFill>
-                <a:latin typeface="+mn-lt"/>
-                <a:ea typeface="+mn-ea"/>
-                <a:cs typeface="+mn-cs"/>
-              </a:defRPr>
-            </a:lvl9pPr>
-          </a:lstStyle>
-          <a:p>
-            <a:r>
-              <a:rPr lang="de-DE" sz="1400" dirty="0"/>
-              <a:t>Veronika Taranek, Philipp </a:t>
-            </a:r>
-            <a:r>
-              <a:rPr lang="de-DE" sz="1400" dirty="0" err="1"/>
-              <a:t>Fenesan</a:t>
-            </a:r>
-            <a:r>
-              <a:rPr lang="de-DE" sz="1400" dirty="0"/>
-              <a:t>, Nicolas Geppert, Lukas Werner</a:t>
-            </a:r>
-            <a:endParaRPr lang="en-US" dirty="0"/>
-          </a:p>
-        </p:txBody>
-      </p:sp>
-      <p:sp>
-        <p:nvSpPr>
-          <p:cNvPr id="5" name="TextBox 4">
-            <a:extLst>
-              <a:ext uri="{FF2B5EF4-FFF2-40B4-BE49-F238E27FC236}">
-                <a16:creationId xmlns:a16="http://schemas.microsoft.com/office/drawing/2014/main" id="{C50338CC-BAF4-4233-B337-6673376B0790}"/>
-              </a:ext>
-            </a:extLst>
-          </p:cNvPr>
-          <p:cNvSpPr txBox="1"/>
-          <p:nvPr/>
-        </p:nvSpPr>
-        <p:spPr>
-          <a:xfrm>
-            <a:off x="1748900" y="1930400"/>
-            <a:ext cx="6490225" cy="369332"/>
-          </a:xfrm>
-          <a:prstGeom prst="rect">
-            <a:avLst/>
-          </a:prstGeom>
-          <a:noFill/>
-        </p:spPr>
-        <p:txBody>
-          <a:bodyPr wrap="square" rtlCol="0">
-            <a:spAutoFit/>
-          </a:bodyPr>
-          <a:lstStyle/>
-          <a:p>
-            <a:r>
-              <a:rPr lang="en-US" dirty="0" err="1"/>
-              <a:t>Platzhalter</a:t>
-            </a:r>
-            <a:r>
-              <a:rPr lang="en-US" dirty="0"/>
-              <a:t> ERD</a:t>
-            </a:r>
-          </a:p>
-        </p:txBody>
-      </p:sp>
-      <p:sp>
-        <p:nvSpPr>
-          <p:cNvPr id="9" name="Date Placeholder 3">
-            <a:extLst>
-              <a:ext uri="{FF2B5EF4-FFF2-40B4-BE49-F238E27FC236}">
-                <a16:creationId xmlns:a16="http://schemas.microsoft.com/office/drawing/2014/main" id="{334A33EB-02E1-40B2-B774-9C5BABFD0FC7}"/>
-              </a:ext>
-            </a:extLst>
-          </p:cNvPr>
-          <p:cNvSpPr txBox="1">
-            <a:spLocks/>
-          </p:cNvSpPr>
-          <p:nvPr/>
-        </p:nvSpPr>
-        <p:spPr>
-          <a:xfrm>
-            <a:off x="677334" y="231051"/>
-            <a:ext cx="1071566" cy="378549"/>
-          </a:xfrm>
-          <a:prstGeom prst="rect">
-            <a:avLst/>
-          </a:prstGeom>
-        </p:spPr>
-        <p:txBody>
-          <a:bodyPr vert="horz" lIns="91440" tIns="45720" rIns="91440" bIns="45720" rtlCol="0" anchor="ctr"/>
-          <a:lstStyle>
-            <a:defPPr>
-              <a:defRPr lang="en-US"/>
-            </a:defPPr>
-            <a:lvl1pPr marL="0" algn="r" defTabSz="457200" rtl="0" eaLnBrk="1" latinLnBrk="0" hangingPunct="1">
-              <a:defRPr sz="900" kern="1200">
-                <a:solidFill>
-                  <a:schemeClr val="tx1">
-                    <a:tint val="75000"/>
-                  </a:schemeClr>
-                </a:solidFill>
-                <a:latin typeface="+mn-lt"/>
-                <a:ea typeface="+mn-ea"/>
-                <a:cs typeface="+mn-cs"/>
-              </a:defRPr>
-            </a:lvl1pPr>
-            <a:lvl2pPr marL="457200" algn="l" defTabSz="457200" rtl="0" eaLnBrk="1" latinLnBrk="0" hangingPunct="1">
-              <a:defRPr sz="1800" kern="1200">
-                <a:solidFill>
-                  <a:schemeClr val="tx1"/>
-                </a:solidFill>
-                <a:latin typeface="+mn-lt"/>
-                <a:ea typeface="+mn-ea"/>
-                <a:cs typeface="+mn-cs"/>
-              </a:defRPr>
-            </a:lvl2pPr>
-            <a:lvl3pPr marL="914400" algn="l" defTabSz="457200" rtl="0" eaLnBrk="1" latinLnBrk="0" hangingPunct="1">
-              <a:defRPr sz="1800" kern="1200">
-                <a:solidFill>
-                  <a:schemeClr val="tx1"/>
-                </a:solidFill>
-                <a:latin typeface="+mn-lt"/>
-                <a:ea typeface="+mn-ea"/>
-                <a:cs typeface="+mn-cs"/>
-              </a:defRPr>
-            </a:lvl3pPr>
-            <a:lvl4pPr marL="1371600" algn="l" defTabSz="457200" rtl="0" eaLnBrk="1" latinLnBrk="0" hangingPunct="1">
-              <a:defRPr sz="1800" kern="1200">
-                <a:solidFill>
-                  <a:schemeClr val="tx1"/>
-                </a:solidFill>
-                <a:latin typeface="+mn-lt"/>
-                <a:ea typeface="+mn-ea"/>
-                <a:cs typeface="+mn-cs"/>
-              </a:defRPr>
-            </a:lvl4pPr>
-            <a:lvl5pPr marL="1828800" algn="l" defTabSz="457200" rtl="0" eaLnBrk="1" latinLnBrk="0" hangingPunct="1">
-              <a:defRPr sz="1800" kern="1200">
-                <a:solidFill>
-                  <a:schemeClr val="tx1"/>
-                </a:solidFill>
-                <a:latin typeface="+mn-lt"/>
-                <a:ea typeface="+mn-ea"/>
-                <a:cs typeface="+mn-cs"/>
-              </a:defRPr>
-            </a:lvl5pPr>
-            <a:lvl6pPr marL="2286000" algn="l" defTabSz="457200" rtl="0" eaLnBrk="1" latinLnBrk="0" hangingPunct="1">
-              <a:defRPr sz="1800" kern="1200">
-                <a:solidFill>
-                  <a:schemeClr val="tx1"/>
-                </a:solidFill>
-                <a:latin typeface="+mn-lt"/>
-                <a:ea typeface="+mn-ea"/>
-                <a:cs typeface="+mn-cs"/>
-              </a:defRPr>
-            </a:lvl6pPr>
-            <a:lvl7pPr marL="2743200" algn="l" defTabSz="457200" rtl="0" eaLnBrk="1" latinLnBrk="0" hangingPunct="1">
-              <a:defRPr sz="1800" kern="1200">
-                <a:solidFill>
-                  <a:schemeClr val="tx1"/>
-                </a:solidFill>
-                <a:latin typeface="+mn-lt"/>
-                <a:ea typeface="+mn-ea"/>
-                <a:cs typeface="+mn-cs"/>
-              </a:defRPr>
-            </a:lvl7pPr>
-            <a:lvl8pPr marL="3200400" algn="l" defTabSz="457200" rtl="0" eaLnBrk="1" latinLnBrk="0" hangingPunct="1">
-              <a:defRPr sz="1800" kern="1200">
-                <a:solidFill>
-                  <a:schemeClr val="tx1"/>
-                </a:solidFill>
-                <a:latin typeface="+mn-lt"/>
-                <a:ea typeface="+mn-ea"/>
-                <a:cs typeface="+mn-cs"/>
-              </a:defRPr>
-            </a:lvl8pPr>
-            <a:lvl9pPr marL="3657600" algn="l" defTabSz="457200" rtl="0" eaLnBrk="1" latinLnBrk="0" hangingPunct="1">
-              <a:defRPr sz="1800" kern="1200">
-                <a:solidFill>
-                  <a:schemeClr val="tx1"/>
-                </a:solidFill>
-                <a:latin typeface="+mn-lt"/>
-                <a:ea typeface="+mn-ea"/>
-                <a:cs typeface="+mn-cs"/>
-              </a:defRPr>
-            </a:lvl9pPr>
-          </a:lstStyle>
-          <a:p>
-            <a:fld id="{5665C720-CFBA-4CD6-B44E-E52DA515AFF8}" type="datetime1">
-              <a:rPr lang="de-DE" sz="1400" smtClean="0"/>
-              <a:pPr/>
-              <a:t>31.10.2020</a:t>
-            </a:fld>
             <a:endParaRPr lang="en-US" dirty="0"/>
           </a:p>
         </p:txBody>
@@ -11168,7 +9694,7 @@
           <a:p>
             <a:fld id="{BBFE0E78-BD63-486A-A840-5A82EE4DABDC}" type="datetime1">
               <a:rPr lang="de-DE" smtClean="0"/>
-              <a:t>31.10.2020</a:t>
+              <a:t>12.09.2020</a:t>
             </a:fld>
             <a:endParaRPr lang="en-US"/>
           </a:p>
@@ -11273,6 +9799,166 @@
       </p:sp>
       <p:sp>
         <p:nvSpPr>
+          <p:cNvPr id="4" name="Date Placeholder 3">
+            <a:extLst>
+              <a:ext uri="{FF2B5EF4-FFF2-40B4-BE49-F238E27FC236}">
+                <a16:creationId xmlns:a16="http://schemas.microsoft.com/office/drawing/2014/main" id="{DE37B9A3-0F35-4331-9CF4-7C8C418C9074}"/>
+              </a:ext>
+            </a:extLst>
+          </p:cNvPr>
+          <p:cNvSpPr>
+            <a:spLocks noGrp="1"/>
+          </p:cNvSpPr>
+          <p:nvPr>
+            <p:ph type="dt" sz="half" idx="10"/>
+          </p:nvPr>
+        </p:nvSpPr>
+        <p:spPr/>
+        <p:txBody>
+          <a:bodyPr/>
+          <a:lstStyle/>
+          <a:p>
+            <a:fld id="{BBFE0E78-BD63-486A-A840-5A82EE4DABDC}" type="datetime1">
+              <a:rPr lang="de-DE" smtClean="0"/>
+              <a:t>12.09.2020</a:t>
+            </a:fld>
+            <a:endParaRPr lang="en-US"/>
+          </a:p>
+        </p:txBody>
+      </p:sp>
+      <p:sp>
+        <p:nvSpPr>
+          <p:cNvPr id="5" name="Date Placeholder 3">
+            <a:extLst>
+              <a:ext uri="{FF2B5EF4-FFF2-40B4-BE49-F238E27FC236}">
+                <a16:creationId xmlns:a16="http://schemas.microsoft.com/office/drawing/2014/main" id="{F036473C-832A-401F-BE2D-60EF28E22C6E}"/>
+              </a:ext>
+            </a:extLst>
+          </p:cNvPr>
+          <p:cNvSpPr txBox="1">
+            <a:spLocks/>
+          </p:cNvSpPr>
+          <p:nvPr/>
+        </p:nvSpPr>
+        <p:spPr>
+          <a:xfrm>
+            <a:off x="677334" y="231051"/>
+            <a:ext cx="1071566" cy="378549"/>
+          </a:xfrm>
+          <a:prstGeom prst="rect">
+            <a:avLst/>
+          </a:prstGeom>
+        </p:spPr>
+        <p:txBody>
+          <a:bodyPr vert="horz" lIns="91440" tIns="45720" rIns="91440" bIns="45720" rtlCol="0" anchor="ctr"/>
+          <a:lstStyle>
+            <a:defPPr>
+              <a:defRPr lang="en-US"/>
+            </a:defPPr>
+            <a:lvl1pPr marL="0" algn="r" defTabSz="457200" rtl="0" eaLnBrk="1" latinLnBrk="0" hangingPunct="1">
+              <a:defRPr sz="900" kern="1200">
+                <a:solidFill>
+                  <a:schemeClr val="tx1">
+                    <a:tint val="75000"/>
+                  </a:schemeClr>
+                </a:solidFill>
+                <a:latin typeface="+mn-lt"/>
+                <a:ea typeface="+mn-ea"/>
+                <a:cs typeface="+mn-cs"/>
+              </a:defRPr>
+            </a:lvl1pPr>
+            <a:lvl2pPr marL="457200" algn="l" defTabSz="457200" rtl="0" eaLnBrk="1" latinLnBrk="0" hangingPunct="1">
+              <a:defRPr sz="1800" kern="1200">
+                <a:solidFill>
+                  <a:schemeClr val="tx1"/>
+                </a:solidFill>
+                <a:latin typeface="+mn-lt"/>
+                <a:ea typeface="+mn-ea"/>
+                <a:cs typeface="+mn-cs"/>
+              </a:defRPr>
+            </a:lvl2pPr>
+            <a:lvl3pPr marL="914400" algn="l" defTabSz="457200" rtl="0" eaLnBrk="1" latinLnBrk="0" hangingPunct="1">
+              <a:defRPr sz="1800" kern="1200">
+                <a:solidFill>
+                  <a:schemeClr val="tx1"/>
+                </a:solidFill>
+                <a:latin typeface="+mn-lt"/>
+                <a:ea typeface="+mn-ea"/>
+                <a:cs typeface="+mn-cs"/>
+              </a:defRPr>
+            </a:lvl3pPr>
+            <a:lvl4pPr marL="1371600" algn="l" defTabSz="457200" rtl="0" eaLnBrk="1" latinLnBrk="0" hangingPunct="1">
+              <a:defRPr sz="1800" kern="1200">
+                <a:solidFill>
+                  <a:schemeClr val="tx1"/>
+                </a:solidFill>
+                <a:latin typeface="+mn-lt"/>
+                <a:ea typeface="+mn-ea"/>
+                <a:cs typeface="+mn-cs"/>
+              </a:defRPr>
+            </a:lvl4pPr>
+            <a:lvl5pPr marL="1828800" algn="l" defTabSz="457200" rtl="0" eaLnBrk="1" latinLnBrk="0" hangingPunct="1">
+              <a:defRPr sz="1800" kern="1200">
+                <a:solidFill>
+                  <a:schemeClr val="tx1"/>
+                </a:solidFill>
+                <a:latin typeface="+mn-lt"/>
+                <a:ea typeface="+mn-ea"/>
+                <a:cs typeface="+mn-cs"/>
+              </a:defRPr>
+            </a:lvl5pPr>
+            <a:lvl6pPr marL="2286000" algn="l" defTabSz="457200" rtl="0" eaLnBrk="1" latinLnBrk="0" hangingPunct="1">
+              <a:defRPr sz="1800" kern="1200">
+                <a:solidFill>
+                  <a:schemeClr val="tx1"/>
+                </a:solidFill>
+                <a:latin typeface="+mn-lt"/>
+                <a:ea typeface="+mn-ea"/>
+                <a:cs typeface="+mn-cs"/>
+              </a:defRPr>
+            </a:lvl6pPr>
+            <a:lvl7pPr marL="2743200" algn="l" defTabSz="457200" rtl="0" eaLnBrk="1" latinLnBrk="0" hangingPunct="1">
+              <a:defRPr sz="1800" kern="1200">
+                <a:solidFill>
+                  <a:schemeClr val="tx1"/>
+                </a:solidFill>
+                <a:latin typeface="+mn-lt"/>
+                <a:ea typeface="+mn-ea"/>
+                <a:cs typeface="+mn-cs"/>
+              </a:defRPr>
+            </a:lvl7pPr>
+            <a:lvl8pPr marL="3200400" algn="l" defTabSz="457200" rtl="0" eaLnBrk="1" latinLnBrk="0" hangingPunct="1">
+              <a:defRPr sz="1800" kern="1200">
+                <a:solidFill>
+                  <a:schemeClr val="tx1"/>
+                </a:solidFill>
+                <a:latin typeface="+mn-lt"/>
+                <a:ea typeface="+mn-ea"/>
+                <a:cs typeface="+mn-cs"/>
+              </a:defRPr>
+            </a:lvl8pPr>
+            <a:lvl9pPr marL="3657600" algn="l" defTabSz="457200" rtl="0" eaLnBrk="1" latinLnBrk="0" hangingPunct="1">
+              <a:defRPr sz="1800" kern="1200">
+                <a:solidFill>
+                  <a:schemeClr val="tx1"/>
+                </a:solidFill>
+                <a:latin typeface="+mn-lt"/>
+                <a:ea typeface="+mn-ea"/>
+                <a:cs typeface="+mn-cs"/>
+              </a:defRPr>
+            </a:lvl9pPr>
+          </a:lstStyle>
+          <a:p>
+            <a:r>
+              <a:rPr lang="de-DE" sz="1400" dirty="0"/>
+              <a:t>11.09.2020</a:t>
+            </a:r>
+            <a:endParaRPr lang="en-US" dirty="0"/>
+          </a:p>
+        </p:txBody>
+      </p:sp>
+      <p:sp>
+        <p:nvSpPr>
           <p:cNvPr id="6" name="Date Placeholder 3">
             <a:extLst>
               <a:ext uri="{FF2B5EF4-FFF2-40B4-BE49-F238E27FC236}">
@@ -11440,138 +10126,6 @@
           </a:prstGeom>
         </p:spPr>
       </p:pic>
-      <p:sp>
-        <p:nvSpPr>
-          <p:cNvPr id="8" name="Date Placeholder 3">
-            <a:extLst>
-              <a:ext uri="{FF2B5EF4-FFF2-40B4-BE49-F238E27FC236}">
-                <a16:creationId xmlns:a16="http://schemas.microsoft.com/office/drawing/2014/main" id="{C9EFB6BC-B127-482E-A576-5989AAE55916}"/>
-              </a:ext>
-            </a:extLst>
-          </p:cNvPr>
-          <p:cNvSpPr txBox="1">
-            <a:spLocks/>
-          </p:cNvSpPr>
-          <p:nvPr/>
-        </p:nvSpPr>
-        <p:spPr>
-          <a:xfrm>
-            <a:off x="677334" y="231051"/>
-            <a:ext cx="1071566" cy="378549"/>
-          </a:xfrm>
-          <a:prstGeom prst="rect">
-            <a:avLst/>
-          </a:prstGeom>
-        </p:spPr>
-        <p:txBody>
-          <a:bodyPr vert="horz" lIns="91440" tIns="45720" rIns="91440" bIns="45720" rtlCol="0" anchor="ctr"/>
-          <a:lstStyle>
-            <a:defPPr>
-              <a:defRPr lang="en-US"/>
-            </a:defPPr>
-            <a:lvl1pPr marL="0" algn="r" defTabSz="457200" rtl="0" eaLnBrk="1" latinLnBrk="0" hangingPunct="1">
-              <a:defRPr sz="900" kern="1200">
-                <a:solidFill>
-                  <a:schemeClr val="tx1">
-                    <a:tint val="75000"/>
-                  </a:schemeClr>
-                </a:solidFill>
-                <a:latin typeface="+mn-lt"/>
-                <a:ea typeface="+mn-ea"/>
-                <a:cs typeface="+mn-cs"/>
-              </a:defRPr>
-            </a:lvl1pPr>
-            <a:lvl2pPr marL="457200" algn="l" defTabSz="457200" rtl="0" eaLnBrk="1" latinLnBrk="0" hangingPunct="1">
-              <a:defRPr sz="1800" kern="1200">
-                <a:solidFill>
-                  <a:schemeClr val="tx1"/>
-                </a:solidFill>
-                <a:latin typeface="+mn-lt"/>
-                <a:ea typeface="+mn-ea"/>
-                <a:cs typeface="+mn-cs"/>
-              </a:defRPr>
-            </a:lvl2pPr>
-            <a:lvl3pPr marL="914400" algn="l" defTabSz="457200" rtl="0" eaLnBrk="1" latinLnBrk="0" hangingPunct="1">
-              <a:defRPr sz="1800" kern="1200">
-                <a:solidFill>
-                  <a:schemeClr val="tx1"/>
-                </a:solidFill>
-                <a:latin typeface="+mn-lt"/>
-                <a:ea typeface="+mn-ea"/>
-                <a:cs typeface="+mn-cs"/>
-              </a:defRPr>
-            </a:lvl3pPr>
-            <a:lvl4pPr marL="1371600" algn="l" defTabSz="457200" rtl="0" eaLnBrk="1" latinLnBrk="0" hangingPunct="1">
-              <a:defRPr sz="1800" kern="1200">
-                <a:solidFill>
-                  <a:schemeClr val="tx1"/>
-                </a:solidFill>
-                <a:latin typeface="+mn-lt"/>
-                <a:ea typeface="+mn-ea"/>
-                <a:cs typeface="+mn-cs"/>
-              </a:defRPr>
-            </a:lvl4pPr>
-            <a:lvl5pPr marL="1828800" algn="l" defTabSz="457200" rtl="0" eaLnBrk="1" latinLnBrk="0" hangingPunct="1">
-              <a:defRPr sz="1800" kern="1200">
-                <a:solidFill>
-                  <a:schemeClr val="tx1"/>
-                </a:solidFill>
-                <a:latin typeface="+mn-lt"/>
-                <a:ea typeface="+mn-ea"/>
-                <a:cs typeface="+mn-cs"/>
-              </a:defRPr>
-            </a:lvl5pPr>
-            <a:lvl6pPr marL="2286000" algn="l" defTabSz="457200" rtl="0" eaLnBrk="1" latinLnBrk="0" hangingPunct="1">
-              <a:defRPr sz="1800" kern="1200">
-                <a:solidFill>
-                  <a:schemeClr val="tx1"/>
-                </a:solidFill>
-                <a:latin typeface="+mn-lt"/>
-                <a:ea typeface="+mn-ea"/>
-                <a:cs typeface="+mn-cs"/>
-              </a:defRPr>
-            </a:lvl6pPr>
-            <a:lvl7pPr marL="2743200" algn="l" defTabSz="457200" rtl="0" eaLnBrk="1" latinLnBrk="0" hangingPunct="1">
-              <a:defRPr sz="1800" kern="1200">
-                <a:solidFill>
-                  <a:schemeClr val="tx1"/>
-                </a:solidFill>
-                <a:latin typeface="+mn-lt"/>
-                <a:ea typeface="+mn-ea"/>
-                <a:cs typeface="+mn-cs"/>
-              </a:defRPr>
-            </a:lvl7pPr>
-            <a:lvl8pPr marL="3200400" algn="l" defTabSz="457200" rtl="0" eaLnBrk="1" latinLnBrk="0" hangingPunct="1">
-              <a:defRPr sz="1800" kern="1200">
-                <a:solidFill>
-                  <a:schemeClr val="tx1"/>
-                </a:solidFill>
-                <a:latin typeface="+mn-lt"/>
-                <a:ea typeface="+mn-ea"/>
-                <a:cs typeface="+mn-cs"/>
-              </a:defRPr>
-            </a:lvl8pPr>
-            <a:lvl9pPr marL="3657600" algn="l" defTabSz="457200" rtl="0" eaLnBrk="1" latinLnBrk="0" hangingPunct="1">
-              <a:defRPr sz="1800" kern="1200">
-                <a:solidFill>
-                  <a:schemeClr val="tx1"/>
-                </a:solidFill>
-                <a:latin typeface="+mn-lt"/>
-                <a:ea typeface="+mn-ea"/>
-                <a:cs typeface="+mn-cs"/>
-              </a:defRPr>
-            </a:lvl9pPr>
-          </a:lstStyle>
-          <a:p>
-            <a:fld id="{5665C720-CFBA-4CD6-B44E-E52DA515AFF8}" type="datetime1">
-              <a:rPr lang="de-DE" sz="1400" smtClean="0"/>
-              <a:pPr/>
-              <a:t>31.10.2020</a:t>
-            </a:fld>
-            <a:endParaRPr lang="en-US" dirty="0"/>
-          </a:p>
-        </p:txBody>
-      </p:sp>
     </p:spTree>
     <p:extLst>
       <p:ext uri="{BB962C8B-B14F-4D97-AF65-F5344CB8AC3E}">
@@ -12031,7 +10585,7 @@
             <a:fld id="{5665C720-CFBA-4CD6-B44E-E52DA515AFF8}" type="datetime1">
               <a:rPr lang="de-DE" sz="1400" smtClean="0"/>
               <a:pPr/>
-              <a:t>31.10.2020</a:t>
+              <a:t>12.09.2020</a:t>
             </a:fld>
             <a:endParaRPr lang="en-US" dirty="0"/>
           </a:p>
@@ -12726,7 +11280,7 @@
             <a:fld id="{5665C720-CFBA-4CD6-B44E-E52DA515AFF8}" type="datetime1">
               <a:rPr lang="de-DE" sz="1400" smtClean="0"/>
               <a:pPr/>
-              <a:t>31.10.2020</a:t>
+              <a:t>12.09.2020</a:t>
             </a:fld>
             <a:endParaRPr lang="en-US" dirty="0"/>
           </a:p>
@@ -12953,7 +11507,7 @@
         </p:nvSpPr>
         <p:spPr>
           <a:xfrm>
-            <a:off x="1748900" y="2861734"/>
+            <a:off x="1750348" y="2404534"/>
             <a:ext cx="7766936" cy="1646302"/>
           </a:xfrm>
         </p:spPr>
@@ -13094,7 +11648,7 @@
             <a:fld id="{5665C720-CFBA-4CD6-B44E-E52DA515AFF8}" type="datetime1">
               <a:rPr lang="de-DE" sz="1400" smtClean="0"/>
               <a:pPr/>
-              <a:t>31.10.2020</a:t>
+              <a:t>12.09.2020</a:t>
             </a:fld>
             <a:endParaRPr lang="en-US" dirty="0"/>
           </a:p>
@@ -13983,7 +12537,7 @@
             <a:fld id="{5665C720-CFBA-4CD6-B44E-E52DA515AFF8}" type="datetime1">
               <a:rPr lang="de-DE" sz="1400" smtClean="0"/>
               <a:pPr/>
-              <a:t>31.10.2020</a:t>
+              <a:t>12.09.2020</a:t>
             </a:fld>
             <a:endParaRPr lang="en-US" dirty="0"/>
           </a:p>

--- a/presentation/wanderoo – Gruppe 3.pptx
+++ b/presentation/wanderoo – Gruppe 3.pptx
@@ -5,7 +5,7 @@
     <p:sldMasterId id="2147483660" r:id="rId1"/>
   </p:sldMasterIdLst>
   <p:notesMasterIdLst>
-    <p:notesMasterId r:id="rId14"/>
+    <p:notesMasterId r:id="rId17"/>
   </p:notesMasterIdLst>
   <p:sldIdLst>
     <p:sldId id="256" r:id="rId2"/>
@@ -18,8 +18,11 @@
     <p:sldId id="260" r:id="rId9"/>
     <p:sldId id="261" r:id="rId10"/>
     <p:sldId id="263" r:id="rId11"/>
-    <p:sldId id="264" r:id="rId12"/>
-    <p:sldId id="265" r:id="rId13"/>
+    <p:sldId id="269" r:id="rId12"/>
+    <p:sldId id="270" r:id="rId13"/>
+    <p:sldId id="271" r:id="rId14"/>
+    <p:sldId id="264" r:id="rId15"/>
+    <p:sldId id="265" r:id="rId16"/>
   </p:sldIdLst>
   <p:sldSz cx="12192000" cy="6858000"/>
   <p:notesSz cx="6858000" cy="9144000"/>
@@ -208,7 +211,7 @@
           <a:p>
             <a:fld id="{91C987E9-D846-45D7-B0BA-09A404DDD18F}" type="datetimeFigureOut">
               <a:rPr lang="en-US" smtClean="0"/>
-              <a:t>9/12/2020</a:t>
+              <a:t>10/31/2020</a:t>
             </a:fld>
             <a:endParaRPr lang="en-US"/>
           </a:p>
@@ -1527,7 +1530,7 @@
           <a:p>
             <a:fld id="{F7B45734-1697-4AB7-959A-59021CEE7C63}" type="datetime1">
               <a:rPr lang="de-DE" smtClean="0"/>
-              <a:t>12.09.2020</a:t>
+              <a:t>31.10.2020</a:t>
             </a:fld>
             <a:endParaRPr lang="en-US"/>
           </a:p>
@@ -1790,7 +1793,7 @@
           <a:p>
             <a:fld id="{28E0F9FB-1E8A-4CFC-BF19-70653968A72B}" type="datetime1">
               <a:rPr lang="de-DE" smtClean="0"/>
-              <a:t>12.09.2020</a:t>
+              <a:t>31.10.2020</a:t>
             </a:fld>
             <a:endParaRPr lang="en-US"/>
           </a:p>
@@ -2041,7 +2044,7 @@
           <a:p>
             <a:fld id="{4C8791FF-7201-4729-B98B-5B802CB6FE26}" type="datetime1">
               <a:rPr lang="de-DE" smtClean="0"/>
-              <a:t>12.09.2020</a:t>
+              <a:t>31.10.2020</a:t>
             </a:fld>
             <a:endParaRPr lang="en-US"/>
           </a:p>
@@ -2355,7 +2358,7 @@
           <a:p>
             <a:fld id="{16EBDE9D-3BF1-458B-B04E-AA7056777578}" type="datetime1">
               <a:rPr lang="de-DE" smtClean="0"/>
-              <a:t>12.09.2020</a:t>
+              <a:t>31.10.2020</a:t>
             </a:fld>
             <a:endParaRPr lang="en-US"/>
           </a:p>
@@ -2696,7 +2699,7 @@
           <a:p>
             <a:fld id="{72379833-F89A-4CC5-AD26-2146F255572C}" type="datetime1">
               <a:rPr lang="de-DE" smtClean="0"/>
-              <a:t>12.09.2020</a:t>
+              <a:t>31.10.2020</a:t>
             </a:fld>
             <a:endParaRPr lang="en-US"/>
           </a:p>
@@ -3010,7 +3013,7 @@
           <a:p>
             <a:fld id="{431A2CE2-D7A9-4F80-8471-7A4DA8B72368}" type="datetime1">
               <a:rPr lang="de-DE" smtClean="0"/>
-              <a:t>12.09.2020</a:t>
+              <a:t>31.10.2020</a:t>
             </a:fld>
             <a:endParaRPr lang="en-US"/>
           </a:p>
@@ -3403,7 +3406,7 @@
           <a:p>
             <a:fld id="{4B9D6D1C-E905-4368-9630-7DD1E44954A8}" type="datetime1">
               <a:rPr lang="de-DE" smtClean="0"/>
-              <a:t>12.09.2020</a:t>
+              <a:t>31.10.2020</a:t>
             </a:fld>
             <a:endParaRPr lang="en-US"/>
           </a:p>
@@ -3573,7 +3576,7 @@
           <a:p>
             <a:fld id="{8627FA29-765F-442F-8C7E-8C4E33FBBD15}" type="datetime1">
               <a:rPr lang="de-DE" smtClean="0"/>
-              <a:t>12.09.2020</a:t>
+              <a:t>31.10.2020</a:t>
             </a:fld>
             <a:endParaRPr lang="en-US"/>
           </a:p>
@@ -3753,7 +3756,7 @@
           <a:p>
             <a:fld id="{C79E08BA-6372-4F95-AB4E-CF7226F9351B}" type="datetime1">
               <a:rPr lang="de-DE" smtClean="0"/>
-              <a:t>12.09.2020</a:t>
+              <a:t>31.10.2020</a:t>
             </a:fld>
             <a:endParaRPr lang="en-US"/>
           </a:p>
@@ -3929,7 +3932,7 @@
           <a:p>
             <a:fld id="{BBFE0E78-BD63-486A-A840-5A82EE4DABDC}" type="datetime1">
               <a:rPr lang="de-DE" smtClean="0"/>
-              <a:t>12.09.2020</a:t>
+              <a:t>31.10.2020</a:t>
             </a:fld>
             <a:endParaRPr lang="en-US"/>
           </a:p>
@@ -4058,7 +4061,7 @@
           <a:p>
             <a:fld id="{FD088E02-9980-4083-8604-339DD30750A9}" type="datetime1">
               <a:rPr lang="de-DE" smtClean="0"/>
-              <a:t>12.09.2020</a:t>
+              <a:t>31.10.2020</a:t>
             </a:fld>
             <a:endParaRPr lang="en-US"/>
           </a:p>
@@ -4400,7 +4403,7 @@
           <a:p>
             <a:fld id="{512B8740-04A0-4F0F-BA2E-747FAA8552CF}" type="datetime1">
               <a:rPr lang="de-DE" smtClean="0"/>
-              <a:t>12.09.2020</a:t>
+              <a:t>31.10.2020</a:t>
             </a:fld>
             <a:endParaRPr lang="en-US"/>
           </a:p>
@@ -4632,7 +4635,7 @@
           <a:p>
             <a:fld id="{52340480-09C1-41B7-ACEE-F79B5ACF8268}" type="datetime1">
               <a:rPr lang="de-DE" smtClean="0"/>
-              <a:t>12.09.2020</a:t>
+              <a:t>31.10.2020</a:t>
             </a:fld>
             <a:endParaRPr lang="en-US"/>
           </a:p>
@@ -5006,7 +5009,7 @@
           <a:p>
             <a:fld id="{3C76072F-ABDE-49C9-B45F-982F33145057}" type="datetime1">
               <a:rPr lang="de-DE" smtClean="0"/>
-              <a:t>12.09.2020</a:t>
+              <a:t>31.10.2020</a:t>
             </a:fld>
             <a:endParaRPr lang="en-US"/>
           </a:p>
@@ -5129,7 +5132,7 @@
           <a:p>
             <a:fld id="{FF972E03-99BD-433F-85AD-6324DFFF3902}" type="datetime1">
               <a:rPr lang="de-DE" smtClean="0"/>
-              <a:t>12.09.2020</a:t>
+              <a:t>31.10.2020</a:t>
             </a:fld>
             <a:endParaRPr lang="en-US"/>
           </a:p>
@@ -5224,7 +5227,7 @@
           <a:p>
             <a:fld id="{EB4EFE40-CAA3-420B-8D0E-DBD5AB0FE83F}" type="datetime1">
               <a:rPr lang="de-DE" smtClean="0"/>
-              <a:t>12.09.2020</a:t>
+              <a:t>31.10.2020</a:t>
             </a:fld>
             <a:endParaRPr lang="en-US"/>
           </a:p>
@@ -5479,7 +5482,7 @@
           <a:p>
             <a:fld id="{E2AC2435-A98B-4155-AB69-4F954FE6AEBB}" type="datetime1">
               <a:rPr lang="de-DE" smtClean="0"/>
-              <a:t>12.09.2020</a:t>
+              <a:t>31.10.2020</a:t>
             </a:fld>
             <a:endParaRPr lang="en-US"/>
           </a:p>
@@ -6222,7 +6225,7 @@
           <a:p>
             <a:fld id="{589A2304-41B2-49D5-86E3-82760E9ED896}" type="datetime1">
               <a:rPr lang="de-DE" smtClean="0"/>
-              <a:t>12.09.2020</a:t>
+              <a:t>31.10.2020</a:t>
             </a:fld>
             <a:endParaRPr lang="en-US"/>
           </a:p>
@@ -6847,7 +6850,7 @@
           <a:p>
             <a:fld id="{46B7071C-03FC-43DF-B990-14F749E9D9DA}" type="datetime1">
               <a:rPr lang="de-DE" smtClean="0"/>
-              <a:t>12.09.2020</a:t>
+              <a:t>31.10.2020</a:t>
             </a:fld>
             <a:endParaRPr lang="en-US" dirty="0"/>
           </a:p>
@@ -7116,7 +7119,7 @@
             <a:fld id="{5665C720-CFBA-4CD6-B44E-E52DA515AFF8}" type="datetime1">
               <a:rPr lang="de-DE" sz="1400" smtClean="0"/>
               <a:pPr/>
-              <a:t>12.09.2020</a:t>
+              <a:t>31.10.2020</a:t>
             </a:fld>
             <a:endParaRPr lang="en-US" dirty="0"/>
           </a:p>
@@ -7296,7 +7299,7 @@
           <p:cNvPr id="2" name="Title 1">
             <a:extLst>
               <a:ext uri="{FF2B5EF4-FFF2-40B4-BE49-F238E27FC236}">
-                <a16:creationId xmlns:a16="http://schemas.microsoft.com/office/drawing/2014/main" id="{A533C930-62BB-49CD-A689-73D96C0BFBBB}"/>
+                <a16:creationId xmlns:a16="http://schemas.microsoft.com/office/drawing/2014/main" id="{DD89B45D-81B8-4037-8647-E08DB7556E63}"/>
               </a:ext>
             </a:extLst>
           </p:cNvPr>
@@ -7307,292 +7310,211 @@
             <p:ph type="title"/>
           </p:nvPr>
         </p:nvSpPr>
-        <p:spPr/>
+        <p:spPr>
+          <a:xfrm>
+            <a:off x="677334" y="609598"/>
+            <a:ext cx="8596668" cy="1181101"/>
+          </a:xfrm>
+        </p:spPr>
         <p:txBody>
           <a:bodyPr/>
           <a:lstStyle/>
           <a:p>
             <a:r>
               <a:rPr lang="en-US" dirty="0"/>
-              <a:t>Aufbau</a:t>
-            </a:r>
-          </a:p>
-        </p:txBody>
-      </p:sp>
-      <p:pic>
-        <p:nvPicPr>
-          <p:cNvPr id="4" name="Picture 3">
+              <a:t>Use Case: </a:t>
+            </a:r>
+            <a:r>
+              <a:rPr lang="en-US" dirty="0" err="1"/>
+              <a:t>Registrierung</a:t>
+            </a:r>
+            <a:endParaRPr lang="en-US" dirty="0"/>
+          </a:p>
+        </p:txBody>
+      </p:sp>
+      <p:sp>
+        <p:nvSpPr>
+          <p:cNvPr id="3" name="Content Placeholder 2">
             <a:extLst>
               <a:ext uri="{FF2B5EF4-FFF2-40B4-BE49-F238E27FC236}">
-                <a16:creationId xmlns:a16="http://schemas.microsoft.com/office/drawing/2014/main" id="{AD68B0E1-41E1-4EB3-A65A-63E5C69892B2}"/>
+                <a16:creationId xmlns:a16="http://schemas.microsoft.com/office/drawing/2014/main" id="{591DF666-F25C-416A-9D7B-D66F364C5048}"/>
               </a:ext>
             </a:extLst>
           </p:cNvPr>
-          <p:cNvPicPr>
-            <a:picLocks noChangeAspect="1"/>
-          </p:cNvPicPr>
-          <p:nvPr/>
-        </p:nvPicPr>
-        <p:blipFill>
-          <a:blip r:embed="rId2">
-            <a:extLst>
-              <a:ext uri="{BEBA8EAE-BF5A-486C-A8C5-ECC9F3942E4B}">
-                <a14:imgProps xmlns:a14="http://schemas.microsoft.com/office/drawing/2010/main">
-                  <a14:imgLayer r:embed="rId3">
-                    <a14:imgEffect>
-                      <a14:backgroundRemoval t="0" b="99752" l="190" r="99621">
-                        <a14:foregroundMark x1="18009" y1="1613" x2="9573" y2="620"/>
-                        <a14:foregroundMark x1="9573" y1="620" x2="2180" y2="2978"/>
-                        <a14:foregroundMark x1="2180" y1="2978" x2="1327" y2="12903"/>
-                        <a14:foregroundMark x1="1327" y1="12903" x2="5592" y2="21464"/>
-                        <a14:foregroundMark x1="5592" y1="21464" x2="13175" y2="22333"/>
-                        <a14:foregroundMark x1="13175" y1="22333" x2="19905" y2="17246"/>
-                        <a14:foregroundMark x1="19905" y1="17246" x2="17536" y2="620"/>
-                        <a14:foregroundMark x1="3128" y1="1737" x2="4834" y2="20099"/>
-                        <a14:foregroundMark x1="4834" y1="30273" x2="14313" y2="32134"/>
-                        <a14:foregroundMark x1="18104" y1="28660" x2="8626" y2="27916"/>
-                        <a14:foregroundMark x1="38673" y1="4467" x2="46161" y2="5707"/>
-                        <a14:foregroundMark x1="46161" y1="5707" x2="49384" y2="15136"/>
-                        <a14:foregroundMark x1="49384" y1="15136" x2="42559" y2="18983"/>
-                        <a14:foregroundMark x1="42559" y1="18983" x2="39147" y2="10174"/>
-                        <a14:foregroundMark x1="39147" y1="10174" x2="39147" y2="4839"/>
-                        <a14:foregroundMark x1="24076" y1="29901" x2="38009" y2="17246"/>
-                        <a14:foregroundMark x1="38104" y1="17246" x2="36493" y2="18362"/>
-                        <a14:foregroundMark x1="37156" y1="17990" x2="23128" y2="29280"/>
-                        <a14:foregroundMark x1="14882" y1="55707" x2="29763" y2="54094"/>
-                        <a14:foregroundMark x1="29763" y1="54094" x2="33175" y2="55087"/>
-                        <a14:foregroundMark x1="41896" y1="87717" x2="46919" y2="95409"/>
-                        <a14:foregroundMark x1="46919" y1="95409" x2="54597" y2="95285"/>
-                        <a14:foregroundMark x1="54597" y1="95285" x2="61801" y2="96402"/>
-                        <a14:foregroundMark x1="68531" y1="47022" x2="69194" y2="79032"/>
-                        <a14:foregroundMark x1="69194" y1="79032" x2="74218" y2="86104"/>
-                        <a14:foregroundMark x1="74218" y1="86104" x2="81706" y2="85112"/>
-                        <a14:foregroundMark x1="81706" y1="85112" x2="89194" y2="85484"/>
-                        <a14:foregroundMark x1="89194" y1="85484" x2="93934" y2="77419"/>
-                        <a14:foregroundMark x1="93934" y1="77419" x2="93649" y2="56948"/>
-                        <a14:foregroundMark x1="93649" y1="56948" x2="90995" y2="47643"/>
-                        <a14:foregroundMark x1="90995" y1="47643" x2="68815" y2="47643"/>
-                        <a14:foregroundMark x1="95829" y1="46898" x2="95829" y2="85112"/>
-                        <a14:foregroundMark x1="95829" y1="85112" x2="93460" y2="87221"/>
-                        <a14:foregroundMark x1="55545" y1="28660" x2="47962" y2="28784"/>
-                        <a14:foregroundMark x1="47962" y1="28784" x2="45877" y2="28164"/>
-                        <a14:foregroundMark x1="29100" y1="27543" x2="59621" y2="28908"/>
-                        <a14:foregroundMark x1="59621" y1="28908" x2="51754" y2="28412"/>
-                        <a14:foregroundMark x1="51754" y1="28412" x2="59621" y2="28784"/>
-                        <a14:foregroundMark x1="59621" y1="28784" x2="61232" y2="28536"/>
-                        <a14:foregroundMark x1="69668" y1="28164" x2="77156" y2="28288"/>
-                        <a14:foregroundMark x1="77156" y1="28288" x2="88531" y2="27419"/>
-                        <a14:foregroundMark x1="67773" y1="45906" x2="52607" y2="23945"/>
-                        <a14:foregroundMark x1="52607" y1="23945" x2="50142" y2="21836"/>
-                        <a14:foregroundMark x1="46445" y1="21464" x2="49194" y2="28660"/>
-                        <a14:foregroundMark x1="50237" y1="22457" x2="55545" y2="28536"/>
-                        <a14:foregroundMark x1="42370" y1="20720" x2="39052" y2="29653"/>
-                        <a14:foregroundMark x1="40284" y1="19851" x2="37251" y2="28908"/>
-                        <a14:foregroundMark x1="49668" y1="15757" x2="69858" y2="28908"/>
-                        <a14:foregroundMark x1="69858" y1="28908" x2="70142" y2="29529"/>
-                        <a14:foregroundMark x1="48815" y1="16129" x2="62085" y2="24318"/>
-                        <a14:foregroundMark x1="62085" y1="24318" x2="49858" y2="16998"/>
-                        <a14:foregroundMark x1="73649" y1="85484" x2="68626" y2="85856"/>
-                        <a14:foregroundMark x1="89953" y1="45161" x2="89289" y2="35112"/>
-                        <a14:foregroundMark x1="89289" y1="35112" x2="84455" y2="27543"/>
-                        <a14:foregroundMark x1="84455" y1="27543" x2="67204" y2="27047"/>
-                        <a14:foregroundMark x1="22370" y1="52730" x2="1327" y2="51985"/>
-                        <a14:foregroundMark x1="14502" y1="53226" x2="6730" y2="54467"/>
-                        <a14:foregroundMark x1="6730" y1="54467" x2="284" y2="52357"/>
-                        <a14:foregroundMark x1="26161" y1="25434" x2="20284" y2="25682"/>
-                        <a14:foregroundMark x1="37536" y1="16253" x2="36398" y2="6203"/>
-                        <a14:foregroundMark x1="36398" y1="6203" x2="43128" y2="1737"/>
-                        <a14:foregroundMark x1="43128" y1="1737" x2="50521" y2="1985"/>
-                        <a14:foregroundMark x1="50521" y1="1985" x2="50806" y2="14516"/>
-                        <a14:foregroundMark x1="90237" y1="45285" x2="97156" y2="48759"/>
-                        <a14:foregroundMark x1="20474" y1="620" x2="22085" y2="10298"/>
-                        <a14:foregroundMark x1="22085" y1="10298" x2="20948" y2="22953"/>
-                        <a14:foregroundMark x1="14882" y1="56203" x2="12701" y2="86352"/>
-                        <a14:foregroundMark x1="12701" y1="86352" x2="18294" y2="93548"/>
-                        <a14:foregroundMark x1="18294" y1="93548" x2="25592" y2="92928"/>
-                        <a14:foregroundMark x1="25592" y1="92928" x2="33649" y2="92928"/>
-                        <a14:foregroundMark x1="33649" y1="92928" x2="41043" y2="91811"/>
-                        <a14:foregroundMark x1="41043" y1="91811" x2="43412" y2="92184"/>
-                        <a14:foregroundMark x1="62559" y1="90695" x2="69384" y2="94789"/>
-                        <a14:foregroundMark x1="69384" y1="94789" x2="70427" y2="99752"/>
-                        <a14:foregroundMark x1="18578" y1="93548" x2="13934" y2="88337"/>
-                        <a14:foregroundMark x1="16493" y1="92928" x2="14313" y2="88337"/>
-                        <a14:foregroundMark x1="70711" y1="26179" x2="86445" y2="27792"/>
-                        <a14:foregroundMark x1="86445" y1="27792" x2="99621" y2="49007"/>
-                        <a14:foregroundMark x1="90711" y1="33127" x2="89668" y2="27543"/>
-                        <a14:foregroundMark x1="89100" y1="28164" x2="80190" y2="26055"/>
-                        <a14:foregroundMark x1="60474" y1="20347" x2="51090" y2="14020"/>
-                        <a14:foregroundMark x1="67014" y1="47643" x2="61801" y2="39578"/>
-                        <a14:foregroundMark x1="66919" y1="25682" x2="82085" y2="24814"/>
-                        <a14:foregroundMark x1="82085" y1="24814" x2="89763" y2="25931"/>
-                        <a14:foregroundMark x1="89763" y1="25931" x2="95355" y2="36725"/>
-                        <a14:foregroundMark x1="35355" y1="51985" x2="39716" y2="60298"/>
-                        <a14:foregroundMark x1="39716" y1="60298" x2="39905" y2="88958"/>
-                        <a14:foregroundMark x1="67678" y1="88337" x2="75355" y2="88710"/>
-                        <a14:foregroundMark x1="75355" y1="88710" x2="83412" y2="87965"/>
-                        <a14:foregroundMark x1="83412" y1="87965" x2="90806" y2="88089"/>
-                        <a14:foregroundMark x1="90806" y1="88089" x2="96872" y2="82010"/>
-                        <a14:foregroundMark x1="96872" y1="82010" x2="96777" y2="52357"/>
-                        <a14:foregroundMark x1="96777" y1="52357" x2="97441" y2="49132"/>
-                        <a14:foregroundMark x1="13744" y1="89082" x2="18104" y2="95782"/>
-                        <a14:foregroundMark x1="96588" y1="83002" x2="90047" y2="88337"/>
-                        <a14:foregroundMark x1="90047" y1="88337" x2="89668" y2="88337"/>
-                        <a14:foregroundMark x1="96872" y1="83623" x2="91185" y2="89082"/>
-                        <a14:foregroundMark x1="96682" y1="83995" x2="92133" y2="88958"/>
-                        <a14:foregroundMark x1="96872" y1="85484" x2="95355" y2="92184"/>
-                        <a14:backgroundMark x1="96121" y1="92473" x2="86066" y2="99380"/>
-                        <a14:backgroundMark x1="99431" y1="90199" x2="97128" y2="91781"/>
-                        <a14:backgroundMark x1="86066" y1="99380" x2="86066" y2="99380"/>
-                      </a14:backgroundRemoval>
-                    </a14:imgEffect>
-                  </a14:imgLayer>
-                </a14:imgProps>
-              </a:ext>
-            </a:extLst>
-          </a:blip>
-          <a:stretch>
-            <a:fillRect/>
-          </a:stretch>
-        </p:blipFill>
+          <p:cNvSpPr>
+            <a:spLocks noGrp="1"/>
+          </p:cNvSpPr>
+          <p:nvPr>
+            <p:ph idx="1"/>
+          </p:nvPr>
+        </p:nvSpPr>
         <p:spPr>
           <a:xfrm>
-            <a:off x="3105754" y="936102"/>
-            <a:ext cx="5745283" cy="4389287"/>
+            <a:off x="677334" y="1352550"/>
+            <a:ext cx="8596668" cy="5400675"/>
           </a:xfrm>
-          <a:prstGeom prst="rect">
-            <a:avLst/>
-          </a:prstGeom>
         </p:spPr>
-      </p:pic>
-      <p:sp>
-        <p:nvSpPr>
-          <p:cNvPr id="5" name="TextBox 4">
+        <p:txBody>
+          <a:bodyPr>
+            <a:normAutofit/>
+          </a:bodyPr>
+          <a:lstStyle/>
+          <a:p>
+            <a:pPr marL="0" indent="0">
+              <a:buNone/>
+            </a:pPr>
+            <a:r>
+              <a:rPr lang="de-DE" b="1" dirty="0"/>
+              <a:t>Beschreibung</a:t>
+            </a:r>
+          </a:p>
+          <a:p>
+            <a:pPr marL="457200" lvl="1" indent="0">
+              <a:buNone/>
+            </a:pPr>
+            <a:r>
+              <a:rPr lang="de-DE" dirty="0"/>
+              <a:t>Dieser </a:t>
+            </a:r>
+            <a:r>
+              <a:rPr lang="de-DE" dirty="0" err="1"/>
+              <a:t>Use</a:t>
+            </a:r>
+            <a:r>
+              <a:rPr lang="de-DE" dirty="0"/>
+              <a:t> Case beschreibt wie der Benutzer sich einen Account bei </a:t>
+            </a:r>
+            <a:r>
+              <a:rPr lang="de-DE" dirty="0" err="1"/>
+              <a:t>wanderoo</a:t>
+            </a:r>
+            <a:r>
+              <a:rPr lang="de-DE" dirty="0"/>
+              <a:t> anlegt</a:t>
+            </a:r>
+          </a:p>
+          <a:p>
+            <a:pPr marL="0" indent="0">
+              <a:buNone/>
+            </a:pPr>
+            <a:r>
+              <a:rPr lang="de-DE" b="1" dirty="0"/>
+              <a:t>Beteiligte</a:t>
+            </a:r>
+          </a:p>
+          <a:p>
+            <a:pPr marL="457200" lvl="1" indent="0">
+              <a:buNone/>
+            </a:pPr>
+            <a:r>
+              <a:rPr lang="de-DE" dirty="0"/>
+              <a:t>Benutzer</a:t>
+            </a:r>
+          </a:p>
+          <a:p>
+            <a:pPr marL="0" indent="0">
+              <a:buNone/>
+            </a:pPr>
+            <a:r>
+              <a:rPr lang="de-DE" b="1" dirty="0"/>
+              <a:t>Voraussetzungen</a:t>
+            </a:r>
+          </a:p>
+          <a:p>
+            <a:pPr marL="457200" lvl="1" indent="0">
+              <a:buNone/>
+            </a:pPr>
+            <a:r>
+              <a:rPr lang="de-DE" dirty="0"/>
+              <a:t>Datenbankverbindung muss vorhanden sein</a:t>
+            </a:r>
+          </a:p>
+          <a:p>
+            <a:pPr marL="457200" lvl="1" indent="0">
+              <a:buNone/>
+            </a:pPr>
+            <a:r>
+              <a:rPr lang="de-DE" dirty="0"/>
+              <a:t>Der Benutzer darf nicht vorhanden sein</a:t>
+            </a:r>
+          </a:p>
+          <a:p>
+            <a:pPr marL="0" indent="0">
+              <a:buNone/>
+            </a:pPr>
+            <a:r>
+              <a:rPr lang="de-DE" b="1" dirty="0"/>
+              <a:t>Ereignisfluss</a:t>
+            </a:r>
+          </a:p>
+          <a:p>
+            <a:pPr marL="457200" lvl="1" indent="0">
+              <a:buNone/>
+            </a:pPr>
+            <a:r>
+              <a:rPr lang="de-DE" dirty="0"/>
+              <a:t>Im Login-Screen muss auf Registrieren gedrückt werden</a:t>
+            </a:r>
+          </a:p>
+          <a:p>
+            <a:pPr marL="457200" lvl="1" indent="0">
+              <a:buNone/>
+            </a:pPr>
+            <a:r>
+              <a:rPr lang="de-DE" dirty="0"/>
+              <a:t>Reale Benutzerdaten müssen eingegeben werden</a:t>
+            </a:r>
+          </a:p>
+          <a:p>
+            <a:pPr marL="457200" lvl="1" indent="0">
+              <a:buNone/>
+            </a:pPr>
+            <a:r>
+              <a:rPr lang="de-DE" dirty="0"/>
+              <a:t>Der Registrieren-Knopf muss gedrückt werden</a:t>
+            </a:r>
+          </a:p>
+          <a:p>
+            <a:pPr marL="57150" indent="0">
+              <a:buNone/>
+            </a:pPr>
+            <a:r>
+              <a:rPr lang="de-DE" b="1" dirty="0"/>
+              <a:t>Nachbedingung</a:t>
+            </a:r>
+          </a:p>
+          <a:p>
+            <a:pPr marL="457200" lvl="1" indent="0">
+              <a:buNone/>
+            </a:pPr>
+            <a:r>
+              <a:rPr lang="de-DE" dirty="0"/>
+              <a:t>Erfolgreich: Registrierung abgeschlossen, Menü-Screen wird angezeigt</a:t>
+            </a:r>
+          </a:p>
+          <a:p>
+            <a:pPr marL="457200" lvl="1" indent="0">
+              <a:buNone/>
+            </a:pPr>
+            <a:r>
+              <a:rPr lang="de-DE" dirty="0"/>
+              <a:t>Fehler: Registrierung fehlgeschlagen</a:t>
+            </a:r>
+          </a:p>
+          <a:p>
+            <a:pPr marL="457200" lvl="1" indent="0">
+              <a:buNone/>
+            </a:pPr>
+            <a:endParaRPr lang="de-DE" dirty="0"/>
+          </a:p>
+        </p:txBody>
+      </p:sp>
+      <p:sp>
+        <p:nvSpPr>
+          <p:cNvPr id="5" name="Date Placeholder 3">
             <a:extLst>
               <a:ext uri="{FF2B5EF4-FFF2-40B4-BE49-F238E27FC236}">
-                <a16:creationId xmlns:a16="http://schemas.microsoft.com/office/drawing/2014/main" id="{7FDF7188-C07D-448D-A4A7-2BC551B56E6A}"/>
-              </a:ext>
-            </a:extLst>
-          </p:cNvPr>
-          <p:cNvSpPr txBox="1"/>
-          <p:nvPr/>
-        </p:nvSpPr>
-        <p:spPr>
-          <a:xfrm>
-            <a:off x="571500" y="5410200"/>
-            <a:ext cx="7928774" cy="646331"/>
-          </a:xfrm>
-          <a:prstGeom prst="rect">
-            <a:avLst/>
-          </a:prstGeom>
-          <a:noFill/>
-        </p:spPr>
-        <p:txBody>
-          <a:bodyPr wrap="none" rtlCol="0">
-            <a:spAutoFit/>
-          </a:bodyPr>
-          <a:lstStyle/>
-          <a:p>
-            <a:r>
-              <a:rPr lang="en-US" dirty="0" err="1"/>
-              <a:t>Auffällig</a:t>
-            </a:r>
-            <a:r>
-              <a:rPr lang="en-US" dirty="0"/>
-              <a:t> </a:t>
-            </a:r>
-            <a:r>
-              <a:rPr lang="en-US" dirty="0" err="1"/>
-              <a:t>ist</a:t>
-            </a:r>
-            <a:r>
-              <a:rPr lang="en-US" dirty="0"/>
-              <a:t>, </a:t>
-            </a:r>
-            <a:r>
-              <a:rPr lang="en-US" dirty="0" err="1"/>
-              <a:t>dass</a:t>
-            </a:r>
-            <a:r>
-              <a:rPr lang="en-US" dirty="0"/>
-              <a:t> die </a:t>
-            </a:r>
-            <a:r>
-              <a:rPr lang="en-US" dirty="0" err="1"/>
-              <a:t>Funktionen</a:t>
-            </a:r>
-            <a:r>
-              <a:rPr lang="en-US" dirty="0"/>
-              <a:t> von den Design-Klassen </a:t>
-            </a:r>
-            <a:r>
-              <a:rPr lang="en-US" dirty="0" err="1"/>
-              <a:t>getrennt</a:t>
-            </a:r>
-            <a:r>
-              <a:rPr lang="en-US" dirty="0"/>
-              <a:t> </a:t>
-            </a:r>
-            <a:r>
-              <a:rPr lang="en-US" dirty="0" err="1"/>
-              <a:t>wurden</a:t>
-            </a:r>
-            <a:r>
-              <a:rPr lang="en-US" dirty="0"/>
-              <a:t>.</a:t>
-            </a:r>
-            <a:br>
-              <a:rPr lang="en-US" dirty="0"/>
-            </a:br>
-            <a:r>
-              <a:rPr lang="en-US" dirty="0"/>
-              <a:t>Die </a:t>
-            </a:r>
-            <a:r>
-              <a:rPr lang="en-US" dirty="0" err="1"/>
-              <a:t>Logik</a:t>
-            </a:r>
-            <a:r>
-              <a:rPr lang="en-US" dirty="0"/>
-              <a:t> </a:t>
-            </a:r>
-            <a:r>
-              <a:rPr lang="en-US" dirty="0" err="1"/>
-              <a:t>wird</a:t>
-            </a:r>
-            <a:r>
-              <a:rPr lang="en-US" dirty="0"/>
-              <a:t> in extra Klassen </a:t>
-            </a:r>
-            <a:r>
-              <a:rPr lang="en-US" dirty="0" err="1"/>
-              <a:t>implementiert</a:t>
-            </a:r>
-            <a:r>
-              <a:rPr lang="en-US" dirty="0"/>
-              <a:t>, die </a:t>
-            </a:r>
-            <a:r>
-              <a:rPr lang="en-US" dirty="0" err="1"/>
-              <a:t>getrennt</a:t>
-            </a:r>
-            <a:r>
-              <a:rPr lang="en-US" dirty="0"/>
-              <a:t> von der UI </a:t>
-            </a:r>
-            <a:r>
-              <a:rPr lang="en-US" dirty="0" err="1"/>
-              <a:t>sind</a:t>
-            </a:r>
-            <a:endParaRPr lang="en-US" dirty="0"/>
-          </a:p>
-        </p:txBody>
-      </p:sp>
-      <p:sp>
-        <p:nvSpPr>
-          <p:cNvPr id="6" name="Date Placeholder 3">
-            <a:extLst>
-              <a:ext uri="{FF2B5EF4-FFF2-40B4-BE49-F238E27FC236}">
-                <a16:creationId xmlns:a16="http://schemas.microsoft.com/office/drawing/2014/main" id="{C597FC9F-E38B-4D7C-800C-2E507A9787EC}"/>
+                <a16:creationId xmlns:a16="http://schemas.microsoft.com/office/drawing/2014/main" id="{4C14AB97-C542-4790-9263-C13620CBC6CD}"/>
               </a:ext>
             </a:extLst>
           </p:cNvPr>
@@ -7713,7 +7635,7 @@
             <a:fld id="{5665C720-CFBA-4CD6-B44E-E52DA515AFF8}" type="datetime1">
               <a:rPr lang="de-DE" sz="1400" smtClean="0"/>
               <a:pPr/>
-              <a:t>12.09.2020</a:t>
+              <a:t>31.10.2020</a:t>
             </a:fld>
             <a:endParaRPr lang="en-US" dirty="0"/>
           </a:p>
@@ -7721,10 +7643,10 @@
       </p:sp>
       <p:sp>
         <p:nvSpPr>
-          <p:cNvPr id="7" name="Date Placeholder 3">
+          <p:cNvPr id="6" name="Date Placeholder 3">
             <a:extLst>
               <a:ext uri="{FF2B5EF4-FFF2-40B4-BE49-F238E27FC236}">
-                <a16:creationId xmlns:a16="http://schemas.microsoft.com/office/drawing/2014/main" id="{0F246959-6071-4609-B298-646E582C9281}"/>
+                <a16:creationId xmlns:a16="http://schemas.microsoft.com/office/drawing/2014/main" id="{FBE73F23-8D21-495D-8D7C-2DE7277152E1}"/>
               </a:ext>
             </a:extLst>
           </p:cNvPr>
@@ -7861,7 +7783,7 @@
     </p:spTree>
     <p:extLst>
       <p:ext uri="{BB962C8B-B14F-4D97-AF65-F5344CB8AC3E}">
-        <p14:creationId xmlns:p14="http://schemas.microsoft.com/office/powerpoint/2010/main" val="870046311"/>
+        <p14:creationId xmlns:p14="http://schemas.microsoft.com/office/powerpoint/2010/main" val="1534354980"/>
       </p:ext>
     </p:extLst>
   </p:cSld>
@@ -7893,6 +7815,1549 @@
           <p:cNvPr id="2" name="Title 1">
             <a:extLst>
               <a:ext uri="{FF2B5EF4-FFF2-40B4-BE49-F238E27FC236}">
+                <a16:creationId xmlns:a16="http://schemas.microsoft.com/office/drawing/2014/main" id="{DD89B45D-81B8-4037-8647-E08DB7556E63}"/>
+              </a:ext>
+            </a:extLst>
+          </p:cNvPr>
+          <p:cNvSpPr>
+            <a:spLocks noGrp="1"/>
+          </p:cNvSpPr>
+          <p:nvPr>
+            <p:ph type="title"/>
+          </p:nvPr>
+        </p:nvSpPr>
+        <p:spPr>
+          <a:xfrm>
+            <a:off x="677334" y="609598"/>
+            <a:ext cx="8596668" cy="1181101"/>
+          </a:xfrm>
+        </p:spPr>
+        <p:txBody>
+          <a:bodyPr/>
+          <a:lstStyle/>
+          <a:p>
+            <a:r>
+              <a:rPr lang="en-US" dirty="0"/>
+              <a:t>Use Case: Mein </a:t>
+            </a:r>
+            <a:r>
+              <a:rPr lang="en-US" dirty="0" err="1"/>
+              <a:t>Profil</a:t>
+            </a:r>
+            <a:endParaRPr lang="en-US" dirty="0"/>
+          </a:p>
+        </p:txBody>
+      </p:sp>
+      <p:sp>
+        <p:nvSpPr>
+          <p:cNvPr id="3" name="Content Placeholder 2">
+            <a:extLst>
+              <a:ext uri="{FF2B5EF4-FFF2-40B4-BE49-F238E27FC236}">
+                <a16:creationId xmlns:a16="http://schemas.microsoft.com/office/drawing/2014/main" id="{591DF666-F25C-416A-9D7B-D66F364C5048}"/>
+              </a:ext>
+            </a:extLst>
+          </p:cNvPr>
+          <p:cNvSpPr>
+            <a:spLocks noGrp="1"/>
+          </p:cNvSpPr>
+          <p:nvPr>
+            <p:ph idx="1"/>
+          </p:nvPr>
+        </p:nvSpPr>
+        <p:spPr>
+          <a:xfrm>
+            <a:off x="677334" y="1352551"/>
+            <a:ext cx="8596668" cy="5505450"/>
+          </a:xfrm>
+        </p:spPr>
+        <p:txBody>
+          <a:bodyPr>
+            <a:normAutofit fontScale="70000" lnSpcReduction="20000"/>
+          </a:bodyPr>
+          <a:lstStyle/>
+          <a:p>
+            <a:pPr marL="0" indent="0">
+              <a:buNone/>
+            </a:pPr>
+            <a:r>
+              <a:rPr lang="de-DE" sz="2100" b="1" dirty="0"/>
+              <a:t>Beschreibung</a:t>
+            </a:r>
+          </a:p>
+          <a:p>
+            <a:pPr marL="457200" lvl="1" indent="0">
+              <a:buNone/>
+            </a:pPr>
+            <a:r>
+              <a:rPr lang="de-DE" sz="1800" dirty="0"/>
+              <a:t>Dieser </a:t>
+            </a:r>
+            <a:r>
+              <a:rPr lang="de-DE" sz="1800" dirty="0" err="1"/>
+              <a:t>Use</a:t>
+            </a:r>
+            <a:r>
+              <a:rPr lang="de-DE" sz="1800" dirty="0"/>
+              <a:t> Case beschreibt wie der Benutzer seine Einstellungen über Mein Profil individualisieren kann</a:t>
+            </a:r>
+          </a:p>
+          <a:p>
+            <a:pPr marL="0" indent="0">
+              <a:buNone/>
+            </a:pPr>
+            <a:r>
+              <a:rPr lang="de-DE" sz="2100" b="1" dirty="0"/>
+              <a:t>Beteiligte</a:t>
+            </a:r>
+          </a:p>
+          <a:p>
+            <a:pPr marL="457200" lvl="1" indent="0">
+              <a:buNone/>
+            </a:pPr>
+            <a:r>
+              <a:rPr lang="de-DE" sz="1800" dirty="0"/>
+              <a:t>Benutzer</a:t>
+            </a:r>
+          </a:p>
+          <a:p>
+            <a:pPr marL="0" indent="0">
+              <a:buNone/>
+            </a:pPr>
+            <a:r>
+              <a:rPr lang="de-DE" sz="2100" b="1" dirty="0"/>
+              <a:t>Voraussetzungen</a:t>
+            </a:r>
+          </a:p>
+          <a:p>
+            <a:pPr marL="457200" lvl="1" indent="0">
+              <a:buNone/>
+            </a:pPr>
+            <a:r>
+              <a:rPr lang="de-DE" sz="1800" dirty="0"/>
+              <a:t>Datenbankverbindung muss vorhanden sein</a:t>
+            </a:r>
+          </a:p>
+          <a:p>
+            <a:pPr marL="457200" lvl="1" indent="0">
+              <a:buNone/>
+            </a:pPr>
+            <a:r>
+              <a:rPr lang="de-DE" sz="1800" dirty="0"/>
+              <a:t>Der Benutzer muss erfolgreich eingeloggt sein</a:t>
+            </a:r>
+          </a:p>
+          <a:p>
+            <a:pPr marL="0" indent="0">
+              <a:buNone/>
+            </a:pPr>
+            <a:r>
+              <a:rPr lang="de-DE" sz="2100" b="1" dirty="0"/>
+              <a:t>Ereignisfluss</a:t>
+            </a:r>
+          </a:p>
+          <a:p>
+            <a:pPr marL="457200" lvl="1" indent="0">
+              <a:buNone/>
+            </a:pPr>
+            <a:r>
+              <a:rPr lang="de-DE" sz="1800" dirty="0"/>
+              <a:t>Im Menu Screen muss auf Mein Profil gedrückt werden</a:t>
+            </a:r>
+          </a:p>
+          <a:p>
+            <a:pPr marL="457200" lvl="1" indent="0">
+              <a:buNone/>
+            </a:pPr>
+            <a:r>
+              <a:rPr lang="de-DE" sz="1800" dirty="0"/>
+              <a:t>Der Profil Bearbeiten-Button muss gedrückt werden</a:t>
+            </a:r>
+          </a:p>
+          <a:p>
+            <a:pPr marL="457200" lvl="1" indent="0">
+              <a:buNone/>
+            </a:pPr>
+            <a:r>
+              <a:rPr lang="de-DE" sz="1800" dirty="0"/>
+              <a:t>Der Benutzername und die E-Mail-Adresse kann über die Texteingabe geändert werden</a:t>
+            </a:r>
+          </a:p>
+          <a:p>
+            <a:pPr marL="457200" lvl="1" indent="0">
+              <a:buNone/>
+            </a:pPr>
+            <a:r>
+              <a:rPr lang="de-DE" sz="1800" dirty="0"/>
+              <a:t>Das Level kann über die Combobox verändert werden</a:t>
+            </a:r>
+          </a:p>
+          <a:p>
+            <a:pPr marL="457200" lvl="1" indent="0">
+              <a:buNone/>
+            </a:pPr>
+            <a:r>
+              <a:rPr lang="de-DE" sz="1800" dirty="0"/>
+              <a:t>Über den Neues Profilbild-Button kann ein neues Profilbild angelegt werden</a:t>
+            </a:r>
+          </a:p>
+          <a:p>
+            <a:pPr marL="457200" lvl="1" indent="0">
+              <a:buNone/>
+            </a:pPr>
+            <a:r>
+              <a:rPr lang="de-DE" sz="1800" dirty="0"/>
+              <a:t>Über den Passwort ändern-Button kann das Passwort geändert werden</a:t>
+            </a:r>
+          </a:p>
+          <a:p>
+            <a:pPr marL="457200" lvl="1" indent="0">
+              <a:buNone/>
+            </a:pPr>
+            <a:r>
+              <a:rPr lang="de-DE" sz="1800" dirty="0"/>
+              <a:t>Die Änderungen werden nur gespeichert, wenn nach der Eingabe der Speichern-Button betätigt wird</a:t>
+            </a:r>
+          </a:p>
+          <a:p>
+            <a:pPr marL="57150" indent="0">
+              <a:buNone/>
+            </a:pPr>
+            <a:r>
+              <a:rPr lang="de-DE" sz="2100" b="1" dirty="0"/>
+              <a:t>Nachbedingung</a:t>
+            </a:r>
+          </a:p>
+          <a:p>
+            <a:pPr marL="457200" lvl="1" indent="0">
+              <a:buNone/>
+            </a:pPr>
+            <a:r>
+              <a:rPr lang="de-DE" sz="1800" dirty="0"/>
+              <a:t>Erfolgreich: Die Änderungen werden im Mein Profil-Screen angezeigt</a:t>
+            </a:r>
+          </a:p>
+          <a:p>
+            <a:pPr marL="457200" lvl="1" indent="0">
+              <a:buNone/>
+            </a:pPr>
+            <a:r>
+              <a:rPr lang="de-DE" sz="1800" dirty="0"/>
+              <a:t>Fehler: Die Änderungen konnten nicht übernommen werden und es werden veraltete Daten im Mein Profil-Screen angezeigt</a:t>
+            </a:r>
+          </a:p>
+          <a:p>
+            <a:pPr marL="457200" lvl="1" indent="0">
+              <a:buNone/>
+            </a:pPr>
+            <a:endParaRPr lang="de-DE" dirty="0"/>
+          </a:p>
+        </p:txBody>
+      </p:sp>
+      <p:sp>
+        <p:nvSpPr>
+          <p:cNvPr id="5" name="Date Placeholder 3">
+            <a:extLst>
+              <a:ext uri="{FF2B5EF4-FFF2-40B4-BE49-F238E27FC236}">
+                <a16:creationId xmlns:a16="http://schemas.microsoft.com/office/drawing/2014/main" id="{4C14AB97-C542-4790-9263-C13620CBC6CD}"/>
+              </a:ext>
+            </a:extLst>
+          </p:cNvPr>
+          <p:cNvSpPr txBox="1">
+            <a:spLocks/>
+          </p:cNvSpPr>
+          <p:nvPr/>
+        </p:nvSpPr>
+        <p:spPr>
+          <a:xfrm>
+            <a:off x="677334" y="231051"/>
+            <a:ext cx="1071566" cy="378549"/>
+          </a:xfrm>
+          <a:prstGeom prst="rect">
+            <a:avLst/>
+          </a:prstGeom>
+        </p:spPr>
+        <p:txBody>
+          <a:bodyPr vert="horz" lIns="91440" tIns="45720" rIns="91440" bIns="45720" rtlCol="0" anchor="ctr"/>
+          <a:lstStyle>
+            <a:defPPr>
+              <a:defRPr lang="en-US"/>
+            </a:defPPr>
+            <a:lvl1pPr marL="0" algn="r" defTabSz="457200" rtl="0" eaLnBrk="1" latinLnBrk="0" hangingPunct="1">
+              <a:defRPr sz="900" kern="1200">
+                <a:solidFill>
+                  <a:schemeClr val="tx1">
+                    <a:tint val="75000"/>
+                  </a:schemeClr>
+                </a:solidFill>
+                <a:latin typeface="+mn-lt"/>
+                <a:ea typeface="+mn-ea"/>
+                <a:cs typeface="+mn-cs"/>
+              </a:defRPr>
+            </a:lvl1pPr>
+            <a:lvl2pPr marL="457200" algn="l" defTabSz="457200" rtl="0" eaLnBrk="1" latinLnBrk="0" hangingPunct="1">
+              <a:defRPr sz="1800" kern="1200">
+                <a:solidFill>
+                  <a:schemeClr val="tx1"/>
+                </a:solidFill>
+                <a:latin typeface="+mn-lt"/>
+                <a:ea typeface="+mn-ea"/>
+                <a:cs typeface="+mn-cs"/>
+              </a:defRPr>
+            </a:lvl2pPr>
+            <a:lvl3pPr marL="914400" algn="l" defTabSz="457200" rtl="0" eaLnBrk="1" latinLnBrk="0" hangingPunct="1">
+              <a:defRPr sz="1800" kern="1200">
+                <a:solidFill>
+                  <a:schemeClr val="tx1"/>
+                </a:solidFill>
+                <a:latin typeface="+mn-lt"/>
+                <a:ea typeface="+mn-ea"/>
+                <a:cs typeface="+mn-cs"/>
+              </a:defRPr>
+            </a:lvl3pPr>
+            <a:lvl4pPr marL="1371600" algn="l" defTabSz="457200" rtl="0" eaLnBrk="1" latinLnBrk="0" hangingPunct="1">
+              <a:defRPr sz="1800" kern="1200">
+                <a:solidFill>
+                  <a:schemeClr val="tx1"/>
+                </a:solidFill>
+                <a:latin typeface="+mn-lt"/>
+                <a:ea typeface="+mn-ea"/>
+                <a:cs typeface="+mn-cs"/>
+              </a:defRPr>
+            </a:lvl4pPr>
+            <a:lvl5pPr marL="1828800" algn="l" defTabSz="457200" rtl="0" eaLnBrk="1" latinLnBrk="0" hangingPunct="1">
+              <a:defRPr sz="1800" kern="1200">
+                <a:solidFill>
+                  <a:schemeClr val="tx1"/>
+                </a:solidFill>
+                <a:latin typeface="+mn-lt"/>
+                <a:ea typeface="+mn-ea"/>
+                <a:cs typeface="+mn-cs"/>
+              </a:defRPr>
+            </a:lvl5pPr>
+            <a:lvl6pPr marL="2286000" algn="l" defTabSz="457200" rtl="0" eaLnBrk="1" latinLnBrk="0" hangingPunct="1">
+              <a:defRPr sz="1800" kern="1200">
+                <a:solidFill>
+                  <a:schemeClr val="tx1"/>
+                </a:solidFill>
+                <a:latin typeface="+mn-lt"/>
+                <a:ea typeface="+mn-ea"/>
+                <a:cs typeface="+mn-cs"/>
+              </a:defRPr>
+            </a:lvl6pPr>
+            <a:lvl7pPr marL="2743200" algn="l" defTabSz="457200" rtl="0" eaLnBrk="1" latinLnBrk="0" hangingPunct="1">
+              <a:defRPr sz="1800" kern="1200">
+                <a:solidFill>
+                  <a:schemeClr val="tx1"/>
+                </a:solidFill>
+                <a:latin typeface="+mn-lt"/>
+                <a:ea typeface="+mn-ea"/>
+                <a:cs typeface="+mn-cs"/>
+              </a:defRPr>
+            </a:lvl7pPr>
+            <a:lvl8pPr marL="3200400" algn="l" defTabSz="457200" rtl="0" eaLnBrk="1" latinLnBrk="0" hangingPunct="1">
+              <a:defRPr sz="1800" kern="1200">
+                <a:solidFill>
+                  <a:schemeClr val="tx1"/>
+                </a:solidFill>
+                <a:latin typeface="+mn-lt"/>
+                <a:ea typeface="+mn-ea"/>
+                <a:cs typeface="+mn-cs"/>
+              </a:defRPr>
+            </a:lvl8pPr>
+            <a:lvl9pPr marL="3657600" algn="l" defTabSz="457200" rtl="0" eaLnBrk="1" latinLnBrk="0" hangingPunct="1">
+              <a:defRPr sz="1800" kern="1200">
+                <a:solidFill>
+                  <a:schemeClr val="tx1"/>
+                </a:solidFill>
+                <a:latin typeface="+mn-lt"/>
+                <a:ea typeface="+mn-ea"/>
+                <a:cs typeface="+mn-cs"/>
+              </a:defRPr>
+            </a:lvl9pPr>
+          </a:lstStyle>
+          <a:p>
+            <a:fld id="{5665C720-CFBA-4CD6-B44E-E52DA515AFF8}" type="datetime1">
+              <a:rPr lang="de-DE" sz="1400" smtClean="0"/>
+              <a:pPr/>
+              <a:t>31.10.2020</a:t>
+            </a:fld>
+            <a:endParaRPr lang="en-US" dirty="0"/>
+          </a:p>
+        </p:txBody>
+      </p:sp>
+      <p:sp>
+        <p:nvSpPr>
+          <p:cNvPr id="6" name="Date Placeholder 3">
+            <a:extLst>
+              <a:ext uri="{FF2B5EF4-FFF2-40B4-BE49-F238E27FC236}">
+                <a16:creationId xmlns:a16="http://schemas.microsoft.com/office/drawing/2014/main" id="{FBE73F23-8D21-495D-8D7C-2DE7277152E1}"/>
+              </a:ext>
+            </a:extLst>
+          </p:cNvPr>
+          <p:cNvSpPr txBox="1">
+            <a:spLocks/>
+          </p:cNvSpPr>
+          <p:nvPr/>
+        </p:nvSpPr>
+        <p:spPr>
+          <a:xfrm>
+            <a:off x="1824033" y="231050"/>
+            <a:ext cx="5713108" cy="378549"/>
+          </a:xfrm>
+          <a:prstGeom prst="rect">
+            <a:avLst/>
+          </a:prstGeom>
+        </p:spPr>
+        <p:txBody>
+          <a:bodyPr vert="horz" lIns="91440" tIns="45720" rIns="91440" bIns="45720" rtlCol="0" anchor="ctr"/>
+          <a:lstStyle>
+            <a:defPPr>
+              <a:defRPr lang="en-US"/>
+            </a:defPPr>
+            <a:lvl1pPr marL="0" algn="r" defTabSz="457200" rtl="0" eaLnBrk="1" latinLnBrk="0" hangingPunct="1">
+              <a:defRPr sz="900" kern="1200">
+                <a:solidFill>
+                  <a:schemeClr val="tx1">
+                    <a:tint val="75000"/>
+                  </a:schemeClr>
+                </a:solidFill>
+                <a:latin typeface="+mn-lt"/>
+                <a:ea typeface="+mn-ea"/>
+                <a:cs typeface="+mn-cs"/>
+              </a:defRPr>
+            </a:lvl1pPr>
+            <a:lvl2pPr marL="457200" algn="l" defTabSz="457200" rtl="0" eaLnBrk="1" latinLnBrk="0" hangingPunct="1">
+              <a:defRPr sz="1800" kern="1200">
+                <a:solidFill>
+                  <a:schemeClr val="tx1"/>
+                </a:solidFill>
+                <a:latin typeface="+mn-lt"/>
+                <a:ea typeface="+mn-ea"/>
+                <a:cs typeface="+mn-cs"/>
+              </a:defRPr>
+            </a:lvl2pPr>
+            <a:lvl3pPr marL="914400" algn="l" defTabSz="457200" rtl="0" eaLnBrk="1" latinLnBrk="0" hangingPunct="1">
+              <a:defRPr sz="1800" kern="1200">
+                <a:solidFill>
+                  <a:schemeClr val="tx1"/>
+                </a:solidFill>
+                <a:latin typeface="+mn-lt"/>
+                <a:ea typeface="+mn-ea"/>
+                <a:cs typeface="+mn-cs"/>
+              </a:defRPr>
+            </a:lvl3pPr>
+            <a:lvl4pPr marL="1371600" algn="l" defTabSz="457200" rtl="0" eaLnBrk="1" latinLnBrk="0" hangingPunct="1">
+              <a:defRPr sz="1800" kern="1200">
+                <a:solidFill>
+                  <a:schemeClr val="tx1"/>
+                </a:solidFill>
+                <a:latin typeface="+mn-lt"/>
+                <a:ea typeface="+mn-ea"/>
+                <a:cs typeface="+mn-cs"/>
+              </a:defRPr>
+            </a:lvl4pPr>
+            <a:lvl5pPr marL="1828800" algn="l" defTabSz="457200" rtl="0" eaLnBrk="1" latinLnBrk="0" hangingPunct="1">
+              <a:defRPr sz="1800" kern="1200">
+                <a:solidFill>
+                  <a:schemeClr val="tx1"/>
+                </a:solidFill>
+                <a:latin typeface="+mn-lt"/>
+                <a:ea typeface="+mn-ea"/>
+                <a:cs typeface="+mn-cs"/>
+              </a:defRPr>
+            </a:lvl5pPr>
+            <a:lvl6pPr marL="2286000" algn="l" defTabSz="457200" rtl="0" eaLnBrk="1" latinLnBrk="0" hangingPunct="1">
+              <a:defRPr sz="1800" kern="1200">
+                <a:solidFill>
+                  <a:schemeClr val="tx1"/>
+                </a:solidFill>
+                <a:latin typeface="+mn-lt"/>
+                <a:ea typeface="+mn-ea"/>
+                <a:cs typeface="+mn-cs"/>
+              </a:defRPr>
+            </a:lvl6pPr>
+            <a:lvl7pPr marL="2743200" algn="l" defTabSz="457200" rtl="0" eaLnBrk="1" latinLnBrk="0" hangingPunct="1">
+              <a:defRPr sz="1800" kern="1200">
+                <a:solidFill>
+                  <a:schemeClr val="tx1"/>
+                </a:solidFill>
+                <a:latin typeface="+mn-lt"/>
+                <a:ea typeface="+mn-ea"/>
+                <a:cs typeface="+mn-cs"/>
+              </a:defRPr>
+            </a:lvl7pPr>
+            <a:lvl8pPr marL="3200400" algn="l" defTabSz="457200" rtl="0" eaLnBrk="1" latinLnBrk="0" hangingPunct="1">
+              <a:defRPr sz="1800" kern="1200">
+                <a:solidFill>
+                  <a:schemeClr val="tx1"/>
+                </a:solidFill>
+                <a:latin typeface="+mn-lt"/>
+                <a:ea typeface="+mn-ea"/>
+                <a:cs typeface="+mn-cs"/>
+              </a:defRPr>
+            </a:lvl8pPr>
+            <a:lvl9pPr marL="3657600" algn="l" defTabSz="457200" rtl="0" eaLnBrk="1" latinLnBrk="0" hangingPunct="1">
+              <a:defRPr sz="1800" kern="1200">
+                <a:solidFill>
+                  <a:schemeClr val="tx1"/>
+                </a:solidFill>
+                <a:latin typeface="+mn-lt"/>
+                <a:ea typeface="+mn-ea"/>
+                <a:cs typeface="+mn-cs"/>
+              </a:defRPr>
+            </a:lvl9pPr>
+          </a:lstStyle>
+          <a:p>
+            <a:r>
+              <a:rPr lang="de-DE" sz="1400" dirty="0"/>
+              <a:t>Veronika Taranek, Philipp </a:t>
+            </a:r>
+            <a:r>
+              <a:rPr lang="de-DE" sz="1400" dirty="0" err="1"/>
+              <a:t>Fenesan</a:t>
+            </a:r>
+            <a:r>
+              <a:rPr lang="de-DE" sz="1400" dirty="0"/>
+              <a:t>, Nicolas Geppert, Lukas Werner</a:t>
+            </a:r>
+            <a:endParaRPr lang="en-US" dirty="0"/>
+          </a:p>
+        </p:txBody>
+      </p:sp>
+    </p:spTree>
+    <p:extLst>
+      <p:ext uri="{BB962C8B-B14F-4D97-AF65-F5344CB8AC3E}">
+        <p14:creationId xmlns:p14="http://schemas.microsoft.com/office/powerpoint/2010/main" val="4289056068"/>
+      </p:ext>
+    </p:extLst>
+  </p:cSld>
+  <p:clrMapOvr>
+    <a:masterClrMapping/>
+  </p:clrMapOvr>
+</p:sld>
+</file>
+
+<file path=ppt/slides/slide13.xml><?xml version="1.0" encoding="utf-8"?>
+<p:sld xmlns:a="http://schemas.openxmlformats.org/drawingml/2006/main" xmlns:r="http://schemas.openxmlformats.org/officeDocument/2006/relationships" xmlns:p="http://schemas.openxmlformats.org/presentationml/2006/main">
+  <p:cSld>
+    <p:spTree>
+      <p:nvGrpSpPr>
+        <p:cNvPr id="1" name=""/>
+        <p:cNvGrpSpPr/>
+        <p:nvPr/>
+      </p:nvGrpSpPr>
+      <p:grpSpPr>
+        <a:xfrm>
+          <a:off x="0" y="0"/>
+          <a:ext cx="0" cy="0"/>
+          <a:chOff x="0" y="0"/>
+          <a:chExt cx="0" cy="0"/>
+        </a:xfrm>
+      </p:grpSpPr>
+      <p:sp>
+        <p:nvSpPr>
+          <p:cNvPr id="2" name="Title 1">
+            <a:extLst>
+              <a:ext uri="{FF2B5EF4-FFF2-40B4-BE49-F238E27FC236}">
+                <a16:creationId xmlns:a16="http://schemas.microsoft.com/office/drawing/2014/main" id="{DD89B45D-81B8-4037-8647-E08DB7556E63}"/>
+              </a:ext>
+            </a:extLst>
+          </p:cNvPr>
+          <p:cNvSpPr>
+            <a:spLocks noGrp="1"/>
+          </p:cNvSpPr>
+          <p:nvPr>
+            <p:ph type="title"/>
+          </p:nvPr>
+        </p:nvSpPr>
+        <p:spPr>
+          <a:xfrm>
+            <a:off x="677334" y="609598"/>
+            <a:ext cx="8596668" cy="1181101"/>
+          </a:xfrm>
+        </p:spPr>
+        <p:txBody>
+          <a:bodyPr/>
+          <a:lstStyle/>
+          <a:p>
+            <a:r>
+              <a:rPr lang="en-US" dirty="0"/>
+              <a:t>Use Case: </a:t>
+            </a:r>
+            <a:r>
+              <a:rPr lang="en-US" dirty="0" err="1"/>
+              <a:t>Karte</a:t>
+            </a:r>
+            <a:endParaRPr lang="en-US" dirty="0"/>
+          </a:p>
+        </p:txBody>
+      </p:sp>
+      <p:sp>
+        <p:nvSpPr>
+          <p:cNvPr id="3" name="Content Placeholder 2">
+            <a:extLst>
+              <a:ext uri="{FF2B5EF4-FFF2-40B4-BE49-F238E27FC236}">
+                <a16:creationId xmlns:a16="http://schemas.microsoft.com/office/drawing/2014/main" id="{591DF666-F25C-416A-9D7B-D66F364C5048}"/>
+              </a:ext>
+            </a:extLst>
+          </p:cNvPr>
+          <p:cNvSpPr>
+            <a:spLocks noGrp="1"/>
+          </p:cNvSpPr>
+          <p:nvPr>
+            <p:ph idx="1"/>
+          </p:nvPr>
+        </p:nvSpPr>
+        <p:spPr>
+          <a:xfrm>
+            <a:off x="677334" y="1352550"/>
+            <a:ext cx="8596668" cy="5400675"/>
+          </a:xfrm>
+        </p:spPr>
+        <p:txBody>
+          <a:bodyPr>
+            <a:normAutofit lnSpcReduction="10000"/>
+          </a:bodyPr>
+          <a:lstStyle/>
+          <a:p>
+            <a:pPr marL="0" indent="0">
+              <a:buNone/>
+            </a:pPr>
+            <a:r>
+              <a:rPr lang="de-DE" b="1" dirty="0"/>
+              <a:t>Beschreibung</a:t>
+            </a:r>
+          </a:p>
+          <a:p>
+            <a:pPr marL="457200" lvl="1" indent="0">
+              <a:buNone/>
+            </a:pPr>
+            <a:r>
+              <a:rPr lang="de-DE" dirty="0"/>
+              <a:t>Dieser </a:t>
+            </a:r>
+            <a:r>
+              <a:rPr lang="de-DE" dirty="0" err="1"/>
+              <a:t>Use</a:t>
+            </a:r>
+            <a:r>
+              <a:rPr lang="de-DE" dirty="0"/>
+              <a:t> Case beschreibt wie der Benutzer seine Wanderroute konfigurieren kann</a:t>
+            </a:r>
+          </a:p>
+          <a:p>
+            <a:pPr marL="0" indent="0">
+              <a:buNone/>
+            </a:pPr>
+            <a:r>
+              <a:rPr lang="de-DE" b="1" dirty="0"/>
+              <a:t>Beteiligte</a:t>
+            </a:r>
+          </a:p>
+          <a:p>
+            <a:pPr marL="457200" lvl="1" indent="0">
+              <a:buNone/>
+            </a:pPr>
+            <a:r>
+              <a:rPr lang="de-DE" dirty="0"/>
+              <a:t>Benutzer</a:t>
+            </a:r>
+          </a:p>
+          <a:p>
+            <a:pPr marL="0" indent="0">
+              <a:buNone/>
+            </a:pPr>
+            <a:r>
+              <a:rPr lang="de-DE" b="1" dirty="0"/>
+              <a:t>Voraussetzungen</a:t>
+            </a:r>
+          </a:p>
+          <a:p>
+            <a:pPr marL="457200" lvl="1" indent="0">
+              <a:buNone/>
+            </a:pPr>
+            <a:r>
+              <a:rPr lang="de-DE" dirty="0"/>
+              <a:t>Datenbankverbindung muss vorhanden sein</a:t>
+            </a:r>
+          </a:p>
+          <a:p>
+            <a:pPr marL="457200" lvl="1" indent="0">
+              <a:buNone/>
+            </a:pPr>
+            <a:r>
+              <a:rPr lang="de-DE" dirty="0"/>
+              <a:t>Der Benutzer muss erfolgreich eingeloggt sein</a:t>
+            </a:r>
+          </a:p>
+          <a:p>
+            <a:pPr marL="0" indent="0">
+              <a:buNone/>
+            </a:pPr>
+            <a:r>
+              <a:rPr lang="de-DE" b="1" dirty="0"/>
+              <a:t>Ereignisfluss</a:t>
+            </a:r>
+          </a:p>
+          <a:p>
+            <a:pPr marL="457200" lvl="1" indent="0">
+              <a:buNone/>
+            </a:pPr>
+            <a:r>
+              <a:rPr lang="de-DE" dirty="0"/>
+              <a:t>Im Menü-Screen muss auf den Karte-Button gedrückt werden</a:t>
+            </a:r>
+          </a:p>
+          <a:p>
+            <a:pPr marL="457200" lvl="1" indent="0">
+              <a:buNone/>
+            </a:pPr>
+            <a:r>
+              <a:rPr lang="de-DE" dirty="0"/>
+              <a:t>Der Benutzer kann über die Textfelder die Routenlänge und den gewünschten Höhenunterschied für seine Wanderroute angeben</a:t>
+            </a:r>
+          </a:p>
+          <a:p>
+            <a:pPr marL="457200" lvl="1" indent="0">
+              <a:buNone/>
+            </a:pPr>
+            <a:r>
+              <a:rPr lang="de-DE" dirty="0"/>
+              <a:t>Um die Änderungen zu speichern, muss der Bestätigen-Button betätigt werden</a:t>
+            </a:r>
+          </a:p>
+          <a:p>
+            <a:pPr marL="57150" indent="0">
+              <a:buNone/>
+            </a:pPr>
+            <a:r>
+              <a:rPr lang="de-DE" b="1" dirty="0"/>
+              <a:t>Nachbedingung</a:t>
+            </a:r>
+          </a:p>
+          <a:p>
+            <a:pPr marL="457200" lvl="1" indent="0">
+              <a:buNone/>
+            </a:pPr>
+            <a:r>
+              <a:rPr lang="de-DE" dirty="0"/>
+              <a:t>Erfolgreich: Wanderroutenlänge und Höhenunterschied wird gespeichert</a:t>
+            </a:r>
+          </a:p>
+          <a:p>
+            <a:pPr marL="457200" lvl="1" indent="0">
+              <a:buNone/>
+            </a:pPr>
+            <a:r>
+              <a:rPr lang="de-DE" dirty="0"/>
+              <a:t>Fehler: Wanderroutenlänge und Höhenunterschied kann nicht gespeichert werden</a:t>
+            </a:r>
+          </a:p>
+          <a:p>
+            <a:pPr marL="457200" lvl="1" indent="0">
+              <a:buNone/>
+            </a:pPr>
+            <a:endParaRPr lang="de-DE" dirty="0"/>
+          </a:p>
+        </p:txBody>
+      </p:sp>
+      <p:sp>
+        <p:nvSpPr>
+          <p:cNvPr id="5" name="Date Placeholder 3">
+            <a:extLst>
+              <a:ext uri="{FF2B5EF4-FFF2-40B4-BE49-F238E27FC236}">
+                <a16:creationId xmlns:a16="http://schemas.microsoft.com/office/drawing/2014/main" id="{4C14AB97-C542-4790-9263-C13620CBC6CD}"/>
+              </a:ext>
+            </a:extLst>
+          </p:cNvPr>
+          <p:cNvSpPr txBox="1">
+            <a:spLocks/>
+          </p:cNvSpPr>
+          <p:nvPr/>
+        </p:nvSpPr>
+        <p:spPr>
+          <a:xfrm>
+            <a:off x="677334" y="231051"/>
+            <a:ext cx="1071566" cy="378549"/>
+          </a:xfrm>
+          <a:prstGeom prst="rect">
+            <a:avLst/>
+          </a:prstGeom>
+        </p:spPr>
+        <p:txBody>
+          <a:bodyPr vert="horz" lIns="91440" tIns="45720" rIns="91440" bIns="45720" rtlCol="0" anchor="ctr"/>
+          <a:lstStyle>
+            <a:defPPr>
+              <a:defRPr lang="en-US"/>
+            </a:defPPr>
+            <a:lvl1pPr marL="0" algn="r" defTabSz="457200" rtl="0" eaLnBrk="1" latinLnBrk="0" hangingPunct="1">
+              <a:defRPr sz="900" kern="1200">
+                <a:solidFill>
+                  <a:schemeClr val="tx1">
+                    <a:tint val="75000"/>
+                  </a:schemeClr>
+                </a:solidFill>
+                <a:latin typeface="+mn-lt"/>
+                <a:ea typeface="+mn-ea"/>
+                <a:cs typeface="+mn-cs"/>
+              </a:defRPr>
+            </a:lvl1pPr>
+            <a:lvl2pPr marL="457200" algn="l" defTabSz="457200" rtl="0" eaLnBrk="1" latinLnBrk="0" hangingPunct="1">
+              <a:defRPr sz="1800" kern="1200">
+                <a:solidFill>
+                  <a:schemeClr val="tx1"/>
+                </a:solidFill>
+                <a:latin typeface="+mn-lt"/>
+                <a:ea typeface="+mn-ea"/>
+                <a:cs typeface="+mn-cs"/>
+              </a:defRPr>
+            </a:lvl2pPr>
+            <a:lvl3pPr marL="914400" algn="l" defTabSz="457200" rtl="0" eaLnBrk="1" latinLnBrk="0" hangingPunct="1">
+              <a:defRPr sz="1800" kern="1200">
+                <a:solidFill>
+                  <a:schemeClr val="tx1"/>
+                </a:solidFill>
+                <a:latin typeface="+mn-lt"/>
+                <a:ea typeface="+mn-ea"/>
+                <a:cs typeface="+mn-cs"/>
+              </a:defRPr>
+            </a:lvl3pPr>
+            <a:lvl4pPr marL="1371600" algn="l" defTabSz="457200" rtl="0" eaLnBrk="1" latinLnBrk="0" hangingPunct="1">
+              <a:defRPr sz="1800" kern="1200">
+                <a:solidFill>
+                  <a:schemeClr val="tx1"/>
+                </a:solidFill>
+                <a:latin typeface="+mn-lt"/>
+                <a:ea typeface="+mn-ea"/>
+                <a:cs typeface="+mn-cs"/>
+              </a:defRPr>
+            </a:lvl4pPr>
+            <a:lvl5pPr marL="1828800" algn="l" defTabSz="457200" rtl="0" eaLnBrk="1" latinLnBrk="0" hangingPunct="1">
+              <a:defRPr sz="1800" kern="1200">
+                <a:solidFill>
+                  <a:schemeClr val="tx1"/>
+                </a:solidFill>
+                <a:latin typeface="+mn-lt"/>
+                <a:ea typeface="+mn-ea"/>
+                <a:cs typeface="+mn-cs"/>
+              </a:defRPr>
+            </a:lvl5pPr>
+            <a:lvl6pPr marL="2286000" algn="l" defTabSz="457200" rtl="0" eaLnBrk="1" latinLnBrk="0" hangingPunct="1">
+              <a:defRPr sz="1800" kern="1200">
+                <a:solidFill>
+                  <a:schemeClr val="tx1"/>
+                </a:solidFill>
+                <a:latin typeface="+mn-lt"/>
+                <a:ea typeface="+mn-ea"/>
+                <a:cs typeface="+mn-cs"/>
+              </a:defRPr>
+            </a:lvl6pPr>
+            <a:lvl7pPr marL="2743200" algn="l" defTabSz="457200" rtl="0" eaLnBrk="1" latinLnBrk="0" hangingPunct="1">
+              <a:defRPr sz="1800" kern="1200">
+                <a:solidFill>
+                  <a:schemeClr val="tx1"/>
+                </a:solidFill>
+                <a:latin typeface="+mn-lt"/>
+                <a:ea typeface="+mn-ea"/>
+                <a:cs typeface="+mn-cs"/>
+              </a:defRPr>
+            </a:lvl7pPr>
+            <a:lvl8pPr marL="3200400" algn="l" defTabSz="457200" rtl="0" eaLnBrk="1" latinLnBrk="0" hangingPunct="1">
+              <a:defRPr sz="1800" kern="1200">
+                <a:solidFill>
+                  <a:schemeClr val="tx1"/>
+                </a:solidFill>
+                <a:latin typeface="+mn-lt"/>
+                <a:ea typeface="+mn-ea"/>
+                <a:cs typeface="+mn-cs"/>
+              </a:defRPr>
+            </a:lvl8pPr>
+            <a:lvl9pPr marL="3657600" algn="l" defTabSz="457200" rtl="0" eaLnBrk="1" latinLnBrk="0" hangingPunct="1">
+              <a:defRPr sz="1800" kern="1200">
+                <a:solidFill>
+                  <a:schemeClr val="tx1"/>
+                </a:solidFill>
+                <a:latin typeface="+mn-lt"/>
+                <a:ea typeface="+mn-ea"/>
+                <a:cs typeface="+mn-cs"/>
+              </a:defRPr>
+            </a:lvl9pPr>
+          </a:lstStyle>
+          <a:p>
+            <a:fld id="{5665C720-CFBA-4CD6-B44E-E52DA515AFF8}" type="datetime1">
+              <a:rPr lang="de-DE" sz="1400" smtClean="0"/>
+              <a:pPr/>
+              <a:t>31.10.2020</a:t>
+            </a:fld>
+            <a:endParaRPr lang="en-US" dirty="0"/>
+          </a:p>
+        </p:txBody>
+      </p:sp>
+      <p:sp>
+        <p:nvSpPr>
+          <p:cNvPr id="6" name="Date Placeholder 3">
+            <a:extLst>
+              <a:ext uri="{FF2B5EF4-FFF2-40B4-BE49-F238E27FC236}">
+                <a16:creationId xmlns:a16="http://schemas.microsoft.com/office/drawing/2014/main" id="{FBE73F23-8D21-495D-8D7C-2DE7277152E1}"/>
+              </a:ext>
+            </a:extLst>
+          </p:cNvPr>
+          <p:cNvSpPr txBox="1">
+            <a:spLocks/>
+          </p:cNvSpPr>
+          <p:nvPr/>
+        </p:nvSpPr>
+        <p:spPr>
+          <a:xfrm>
+            <a:off x="1824033" y="231050"/>
+            <a:ext cx="5713108" cy="378549"/>
+          </a:xfrm>
+          <a:prstGeom prst="rect">
+            <a:avLst/>
+          </a:prstGeom>
+        </p:spPr>
+        <p:txBody>
+          <a:bodyPr vert="horz" lIns="91440" tIns="45720" rIns="91440" bIns="45720" rtlCol="0" anchor="ctr"/>
+          <a:lstStyle>
+            <a:defPPr>
+              <a:defRPr lang="en-US"/>
+            </a:defPPr>
+            <a:lvl1pPr marL="0" algn="r" defTabSz="457200" rtl="0" eaLnBrk="1" latinLnBrk="0" hangingPunct="1">
+              <a:defRPr sz="900" kern="1200">
+                <a:solidFill>
+                  <a:schemeClr val="tx1">
+                    <a:tint val="75000"/>
+                  </a:schemeClr>
+                </a:solidFill>
+                <a:latin typeface="+mn-lt"/>
+                <a:ea typeface="+mn-ea"/>
+                <a:cs typeface="+mn-cs"/>
+              </a:defRPr>
+            </a:lvl1pPr>
+            <a:lvl2pPr marL="457200" algn="l" defTabSz="457200" rtl="0" eaLnBrk="1" latinLnBrk="0" hangingPunct="1">
+              <a:defRPr sz="1800" kern="1200">
+                <a:solidFill>
+                  <a:schemeClr val="tx1"/>
+                </a:solidFill>
+                <a:latin typeface="+mn-lt"/>
+                <a:ea typeface="+mn-ea"/>
+                <a:cs typeface="+mn-cs"/>
+              </a:defRPr>
+            </a:lvl2pPr>
+            <a:lvl3pPr marL="914400" algn="l" defTabSz="457200" rtl="0" eaLnBrk="1" latinLnBrk="0" hangingPunct="1">
+              <a:defRPr sz="1800" kern="1200">
+                <a:solidFill>
+                  <a:schemeClr val="tx1"/>
+                </a:solidFill>
+                <a:latin typeface="+mn-lt"/>
+                <a:ea typeface="+mn-ea"/>
+                <a:cs typeface="+mn-cs"/>
+              </a:defRPr>
+            </a:lvl3pPr>
+            <a:lvl4pPr marL="1371600" algn="l" defTabSz="457200" rtl="0" eaLnBrk="1" latinLnBrk="0" hangingPunct="1">
+              <a:defRPr sz="1800" kern="1200">
+                <a:solidFill>
+                  <a:schemeClr val="tx1"/>
+                </a:solidFill>
+                <a:latin typeface="+mn-lt"/>
+                <a:ea typeface="+mn-ea"/>
+                <a:cs typeface="+mn-cs"/>
+              </a:defRPr>
+            </a:lvl4pPr>
+            <a:lvl5pPr marL="1828800" algn="l" defTabSz="457200" rtl="0" eaLnBrk="1" latinLnBrk="0" hangingPunct="1">
+              <a:defRPr sz="1800" kern="1200">
+                <a:solidFill>
+                  <a:schemeClr val="tx1"/>
+                </a:solidFill>
+                <a:latin typeface="+mn-lt"/>
+                <a:ea typeface="+mn-ea"/>
+                <a:cs typeface="+mn-cs"/>
+              </a:defRPr>
+            </a:lvl5pPr>
+            <a:lvl6pPr marL="2286000" algn="l" defTabSz="457200" rtl="0" eaLnBrk="1" latinLnBrk="0" hangingPunct="1">
+              <a:defRPr sz="1800" kern="1200">
+                <a:solidFill>
+                  <a:schemeClr val="tx1"/>
+                </a:solidFill>
+                <a:latin typeface="+mn-lt"/>
+                <a:ea typeface="+mn-ea"/>
+                <a:cs typeface="+mn-cs"/>
+              </a:defRPr>
+            </a:lvl6pPr>
+            <a:lvl7pPr marL="2743200" algn="l" defTabSz="457200" rtl="0" eaLnBrk="1" latinLnBrk="0" hangingPunct="1">
+              <a:defRPr sz="1800" kern="1200">
+                <a:solidFill>
+                  <a:schemeClr val="tx1"/>
+                </a:solidFill>
+                <a:latin typeface="+mn-lt"/>
+                <a:ea typeface="+mn-ea"/>
+                <a:cs typeface="+mn-cs"/>
+              </a:defRPr>
+            </a:lvl7pPr>
+            <a:lvl8pPr marL="3200400" algn="l" defTabSz="457200" rtl="0" eaLnBrk="1" latinLnBrk="0" hangingPunct="1">
+              <a:defRPr sz="1800" kern="1200">
+                <a:solidFill>
+                  <a:schemeClr val="tx1"/>
+                </a:solidFill>
+                <a:latin typeface="+mn-lt"/>
+                <a:ea typeface="+mn-ea"/>
+                <a:cs typeface="+mn-cs"/>
+              </a:defRPr>
+            </a:lvl8pPr>
+            <a:lvl9pPr marL="3657600" algn="l" defTabSz="457200" rtl="0" eaLnBrk="1" latinLnBrk="0" hangingPunct="1">
+              <a:defRPr sz="1800" kern="1200">
+                <a:solidFill>
+                  <a:schemeClr val="tx1"/>
+                </a:solidFill>
+                <a:latin typeface="+mn-lt"/>
+                <a:ea typeface="+mn-ea"/>
+                <a:cs typeface="+mn-cs"/>
+              </a:defRPr>
+            </a:lvl9pPr>
+          </a:lstStyle>
+          <a:p>
+            <a:r>
+              <a:rPr lang="de-DE" sz="1400" dirty="0"/>
+              <a:t>Veronika Taranek, Philipp </a:t>
+            </a:r>
+            <a:r>
+              <a:rPr lang="de-DE" sz="1400" dirty="0" err="1"/>
+              <a:t>Fenesan</a:t>
+            </a:r>
+            <a:r>
+              <a:rPr lang="de-DE" sz="1400" dirty="0"/>
+              <a:t>, Nicolas Geppert, Lukas Werner</a:t>
+            </a:r>
+            <a:endParaRPr lang="en-US" dirty="0"/>
+          </a:p>
+        </p:txBody>
+      </p:sp>
+    </p:spTree>
+    <p:extLst>
+      <p:ext uri="{BB962C8B-B14F-4D97-AF65-F5344CB8AC3E}">
+        <p14:creationId xmlns:p14="http://schemas.microsoft.com/office/powerpoint/2010/main" val="1940434735"/>
+      </p:ext>
+    </p:extLst>
+  </p:cSld>
+  <p:clrMapOvr>
+    <a:masterClrMapping/>
+  </p:clrMapOvr>
+</p:sld>
+</file>
+
+<file path=ppt/slides/slide14.xml><?xml version="1.0" encoding="utf-8"?>
+<p:sld xmlns:a="http://schemas.openxmlformats.org/drawingml/2006/main" xmlns:r="http://schemas.openxmlformats.org/officeDocument/2006/relationships" xmlns:p="http://schemas.openxmlformats.org/presentationml/2006/main">
+  <p:cSld>
+    <p:spTree>
+      <p:nvGrpSpPr>
+        <p:cNvPr id="1" name=""/>
+        <p:cNvGrpSpPr/>
+        <p:nvPr/>
+      </p:nvGrpSpPr>
+      <p:grpSpPr>
+        <a:xfrm>
+          <a:off x="0" y="0"/>
+          <a:ext cx="0" cy="0"/>
+          <a:chOff x="0" y="0"/>
+          <a:chExt cx="0" cy="0"/>
+        </a:xfrm>
+      </p:grpSpPr>
+      <p:sp>
+        <p:nvSpPr>
+          <p:cNvPr id="2" name="Title 1">
+            <a:extLst>
+              <a:ext uri="{FF2B5EF4-FFF2-40B4-BE49-F238E27FC236}">
+                <a16:creationId xmlns:a16="http://schemas.microsoft.com/office/drawing/2014/main" id="{A533C930-62BB-49CD-A689-73D96C0BFBBB}"/>
+              </a:ext>
+            </a:extLst>
+          </p:cNvPr>
+          <p:cNvSpPr>
+            <a:spLocks noGrp="1"/>
+          </p:cNvSpPr>
+          <p:nvPr>
+            <p:ph type="title"/>
+          </p:nvPr>
+        </p:nvSpPr>
+        <p:spPr/>
+        <p:txBody>
+          <a:bodyPr/>
+          <a:lstStyle/>
+          <a:p>
+            <a:r>
+              <a:rPr lang="en-US" dirty="0"/>
+              <a:t>Aufbau</a:t>
+            </a:r>
+          </a:p>
+        </p:txBody>
+      </p:sp>
+      <p:sp>
+        <p:nvSpPr>
+          <p:cNvPr id="5" name="TextBox 4">
+            <a:extLst>
+              <a:ext uri="{FF2B5EF4-FFF2-40B4-BE49-F238E27FC236}">
+                <a16:creationId xmlns:a16="http://schemas.microsoft.com/office/drawing/2014/main" id="{7FDF7188-C07D-448D-A4A7-2BC551B56E6A}"/>
+              </a:ext>
+            </a:extLst>
+          </p:cNvPr>
+          <p:cNvSpPr txBox="1"/>
+          <p:nvPr/>
+        </p:nvSpPr>
+        <p:spPr>
+          <a:xfrm>
+            <a:off x="571500" y="5410200"/>
+            <a:ext cx="7928774" cy="646331"/>
+          </a:xfrm>
+          <a:prstGeom prst="rect">
+            <a:avLst/>
+          </a:prstGeom>
+          <a:noFill/>
+        </p:spPr>
+        <p:txBody>
+          <a:bodyPr wrap="none" rtlCol="0">
+            <a:spAutoFit/>
+          </a:bodyPr>
+          <a:lstStyle/>
+          <a:p>
+            <a:r>
+              <a:rPr lang="en-US" dirty="0" err="1"/>
+              <a:t>Auffällig</a:t>
+            </a:r>
+            <a:r>
+              <a:rPr lang="en-US" dirty="0"/>
+              <a:t> </a:t>
+            </a:r>
+            <a:r>
+              <a:rPr lang="en-US" dirty="0" err="1"/>
+              <a:t>ist</a:t>
+            </a:r>
+            <a:r>
+              <a:rPr lang="en-US" dirty="0"/>
+              <a:t>, </a:t>
+            </a:r>
+            <a:r>
+              <a:rPr lang="en-US" dirty="0" err="1"/>
+              <a:t>dass</a:t>
+            </a:r>
+            <a:r>
+              <a:rPr lang="en-US" dirty="0"/>
+              <a:t> die </a:t>
+            </a:r>
+            <a:r>
+              <a:rPr lang="en-US" dirty="0" err="1"/>
+              <a:t>Funktionen</a:t>
+            </a:r>
+            <a:r>
+              <a:rPr lang="en-US" dirty="0"/>
+              <a:t> von den Design-Klassen </a:t>
+            </a:r>
+            <a:r>
+              <a:rPr lang="en-US" dirty="0" err="1"/>
+              <a:t>getrennt</a:t>
+            </a:r>
+            <a:r>
+              <a:rPr lang="en-US" dirty="0"/>
+              <a:t> </a:t>
+            </a:r>
+            <a:r>
+              <a:rPr lang="en-US" dirty="0" err="1"/>
+              <a:t>wurden</a:t>
+            </a:r>
+            <a:r>
+              <a:rPr lang="en-US" dirty="0"/>
+              <a:t>.</a:t>
+            </a:r>
+            <a:br>
+              <a:rPr lang="en-US" dirty="0"/>
+            </a:br>
+            <a:r>
+              <a:rPr lang="en-US" dirty="0"/>
+              <a:t>Die </a:t>
+            </a:r>
+            <a:r>
+              <a:rPr lang="en-US" dirty="0" err="1"/>
+              <a:t>Logik</a:t>
+            </a:r>
+            <a:r>
+              <a:rPr lang="en-US" dirty="0"/>
+              <a:t> </a:t>
+            </a:r>
+            <a:r>
+              <a:rPr lang="en-US" dirty="0" err="1"/>
+              <a:t>wird</a:t>
+            </a:r>
+            <a:r>
+              <a:rPr lang="en-US" dirty="0"/>
+              <a:t> in extra Klassen </a:t>
+            </a:r>
+            <a:r>
+              <a:rPr lang="en-US" dirty="0" err="1"/>
+              <a:t>implementiert</a:t>
+            </a:r>
+            <a:r>
+              <a:rPr lang="en-US" dirty="0"/>
+              <a:t>, die </a:t>
+            </a:r>
+            <a:r>
+              <a:rPr lang="en-US" dirty="0" err="1"/>
+              <a:t>getrennt</a:t>
+            </a:r>
+            <a:r>
+              <a:rPr lang="en-US" dirty="0"/>
+              <a:t> von der UI </a:t>
+            </a:r>
+            <a:r>
+              <a:rPr lang="en-US" dirty="0" err="1"/>
+              <a:t>sind</a:t>
+            </a:r>
+            <a:endParaRPr lang="en-US" dirty="0"/>
+          </a:p>
+        </p:txBody>
+      </p:sp>
+      <p:sp>
+        <p:nvSpPr>
+          <p:cNvPr id="6" name="Date Placeholder 3">
+            <a:extLst>
+              <a:ext uri="{FF2B5EF4-FFF2-40B4-BE49-F238E27FC236}">
+                <a16:creationId xmlns:a16="http://schemas.microsoft.com/office/drawing/2014/main" id="{C597FC9F-E38B-4D7C-800C-2E507A9787EC}"/>
+              </a:ext>
+            </a:extLst>
+          </p:cNvPr>
+          <p:cNvSpPr txBox="1">
+            <a:spLocks/>
+          </p:cNvSpPr>
+          <p:nvPr/>
+        </p:nvSpPr>
+        <p:spPr>
+          <a:xfrm>
+            <a:off x="677334" y="231051"/>
+            <a:ext cx="1071566" cy="378549"/>
+          </a:xfrm>
+          <a:prstGeom prst="rect">
+            <a:avLst/>
+          </a:prstGeom>
+        </p:spPr>
+        <p:txBody>
+          <a:bodyPr vert="horz" lIns="91440" tIns="45720" rIns="91440" bIns="45720" rtlCol="0" anchor="ctr"/>
+          <a:lstStyle>
+            <a:defPPr>
+              <a:defRPr lang="en-US"/>
+            </a:defPPr>
+            <a:lvl1pPr marL="0" algn="r" defTabSz="457200" rtl="0" eaLnBrk="1" latinLnBrk="0" hangingPunct="1">
+              <a:defRPr sz="900" kern="1200">
+                <a:solidFill>
+                  <a:schemeClr val="tx1">
+                    <a:tint val="75000"/>
+                  </a:schemeClr>
+                </a:solidFill>
+                <a:latin typeface="+mn-lt"/>
+                <a:ea typeface="+mn-ea"/>
+                <a:cs typeface="+mn-cs"/>
+              </a:defRPr>
+            </a:lvl1pPr>
+            <a:lvl2pPr marL="457200" algn="l" defTabSz="457200" rtl="0" eaLnBrk="1" latinLnBrk="0" hangingPunct="1">
+              <a:defRPr sz="1800" kern="1200">
+                <a:solidFill>
+                  <a:schemeClr val="tx1"/>
+                </a:solidFill>
+                <a:latin typeface="+mn-lt"/>
+                <a:ea typeface="+mn-ea"/>
+                <a:cs typeface="+mn-cs"/>
+              </a:defRPr>
+            </a:lvl2pPr>
+            <a:lvl3pPr marL="914400" algn="l" defTabSz="457200" rtl="0" eaLnBrk="1" latinLnBrk="0" hangingPunct="1">
+              <a:defRPr sz="1800" kern="1200">
+                <a:solidFill>
+                  <a:schemeClr val="tx1"/>
+                </a:solidFill>
+                <a:latin typeface="+mn-lt"/>
+                <a:ea typeface="+mn-ea"/>
+                <a:cs typeface="+mn-cs"/>
+              </a:defRPr>
+            </a:lvl3pPr>
+            <a:lvl4pPr marL="1371600" algn="l" defTabSz="457200" rtl="0" eaLnBrk="1" latinLnBrk="0" hangingPunct="1">
+              <a:defRPr sz="1800" kern="1200">
+                <a:solidFill>
+                  <a:schemeClr val="tx1"/>
+                </a:solidFill>
+                <a:latin typeface="+mn-lt"/>
+                <a:ea typeface="+mn-ea"/>
+                <a:cs typeface="+mn-cs"/>
+              </a:defRPr>
+            </a:lvl4pPr>
+            <a:lvl5pPr marL="1828800" algn="l" defTabSz="457200" rtl="0" eaLnBrk="1" latinLnBrk="0" hangingPunct="1">
+              <a:defRPr sz="1800" kern="1200">
+                <a:solidFill>
+                  <a:schemeClr val="tx1"/>
+                </a:solidFill>
+                <a:latin typeface="+mn-lt"/>
+                <a:ea typeface="+mn-ea"/>
+                <a:cs typeface="+mn-cs"/>
+              </a:defRPr>
+            </a:lvl5pPr>
+            <a:lvl6pPr marL="2286000" algn="l" defTabSz="457200" rtl="0" eaLnBrk="1" latinLnBrk="0" hangingPunct="1">
+              <a:defRPr sz="1800" kern="1200">
+                <a:solidFill>
+                  <a:schemeClr val="tx1"/>
+                </a:solidFill>
+                <a:latin typeface="+mn-lt"/>
+                <a:ea typeface="+mn-ea"/>
+                <a:cs typeface="+mn-cs"/>
+              </a:defRPr>
+            </a:lvl6pPr>
+            <a:lvl7pPr marL="2743200" algn="l" defTabSz="457200" rtl="0" eaLnBrk="1" latinLnBrk="0" hangingPunct="1">
+              <a:defRPr sz="1800" kern="1200">
+                <a:solidFill>
+                  <a:schemeClr val="tx1"/>
+                </a:solidFill>
+                <a:latin typeface="+mn-lt"/>
+                <a:ea typeface="+mn-ea"/>
+                <a:cs typeface="+mn-cs"/>
+              </a:defRPr>
+            </a:lvl7pPr>
+            <a:lvl8pPr marL="3200400" algn="l" defTabSz="457200" rtl="0" eaLnBrk="1" latinLnBrk="0" hangingPunct="1">
+              <a:defRPr sz="1800" kern="1200">
+                <a:solidFill>
+                  <a:schemeClr val="tx1"/>
+                </a:solidFill>
+                <a:latin typeface="+mn-lt"/>
+                <a:ea typeface="+mn-ea"/>
+                <a:cs typeface="+mn-cs"/>
+              </a:defRPr>
+            </a:lvl8pPr>
+            <a:lvl9pPr marL="3657600" algn="l" defTabSz="457200" rtl="0" eaLnBrk="1" latinLnBrk="0" hangingPunct="1">
+              <a:defRPr sz="1800" kern="1200">
+                <a:solidFill>
+                  <a:schemeClr val="tx1"/>
+                </a:solidFill>
+                <a:latin typeface="+mn-lt"/>
+                <a:ea typeface="+mn-ea"/>
+                <a:cs typeface="+mn-cs"/>
+              </a:defRPr>
+            </a:lvl9pPr>
+          </a:lstStyle>
+          <a:p>
+            <a:fld id="{5665C720-CFBA-4CD6-B44E-E52DA515AFF8}" type="datetime1">
+              <a:rPr lang="de-DE" sz="1400" smtClean="0"/>
+              <a:pPr/>
+              <a:t>31.10.2020</a:t>
+            </a:fld>
+            <a:endParaRPr lang="en-US" dirty="0"/>
+          </a:p>
+        </p:txBody>
+      </p:sp>
+      <p:sp>
+        <p:nvSpPr>
+          <p:cNvPr id="7" name="Date Placeholder 3">
+            <a:extLst>
+              <a:ext uri="{FF2B5EF4-FFF2-40B4-BE49-F238E27FC236}">
+                <a16:creationId xmlns:a16="http://schemas.microsoft.com/office/drawing/2014/main" id="{0F246959-6071-4609-B298-646E582C9281}"/>
+              </a:ext>
+            </a:extLst>
+          </p:cNvPr>
+          <p:cNvSpPr txBox="1">
+            <a:spLocks/>
+          </p:cNvSpPr>
+          <p:nvPr/>
+        </p:nvSpPr>
+        <p:spPr>
+          <a:xfrm>
+            <a:off x="1824033" y="231050"/>
+            <a:ext cx="5713108" cy="378549"/>
+          </a:xfrm>
+          <a:prstGeom prst="rect">
+            <a:avLst/>
+          </a:prstGeom>
+        </p:spPr>
+        <p:txBody>
+          <a:bodyPr vert="horz" lIns="91440" tIns="45720" rIns="91440" bIns="45720" rtlCol="0" anchor="ctr"/>
+          <a:lstStyle>
+            <a:defPPr>
+              <a:defRPr lang="en-US"/>
+            </a:defPPr>
+            <a:lvl1pPr marL="0" algn="r" defTabSz="457200" rtl="0" eaLnBrk="1" latinLnBrk="0" hangingPunct="1">
+              <a:defRPr sz="900" kern="1200">
+                <a:solidFill>
+                  <a:schemeClr val="tx1">
+                    <a:tint val="75000"/>
+                  </a:schemeClr>
+                </a:solidFill>
+                <a:latin typeface="+mn-lt"/>
+                <a:ea typeface="+mn-ea"/>
+                <a:cs typeface="+mn-cs"/>
+              </a:defRPr>
+            </a:lvl1pPr>
+            <a:lvl2pPr marL="457200" algn="l" defTabSz="457200" rtl="0" eaLnBrk="1" latinLnBrk="0" hangingPunct="1">
+              <a:defRPr sz="1800" kern="1200">
+                <a:solidFill>
+                  <a:schemeClr val="tx1"/>
+                </a:solidFill>
+                <a:latin typeface="+mn-lt"/>
+                <a:ea typeface="+mn-ea"/>
+                <a:cs typeface="+mn-cs"/>
+              </a:defRPr>
+            </a:lvl2pPr>
+            <a:lvl3pPr marL="914400" algn="l" defTabSz="457200" rtl="0" eaLnBrk="1" latinLnBrk="0" hangingPunct="1">
+              <a:defRPr sz="1800" kern="1200">
+                <a:solidFill>
+                  <a:schemeClr val="tx1"/>
+                </a:solidFill>
+                <a:latin typeface="+mn-lt"/>
+                <a:ea typeface="+mn-ea"/>
+                <a:cs typeface="+mn-cs"/>
+              </a:defRPr>
+            </a:lvl3pPr>
+            <a:lvl4pPr marL="1371600" algn="l" defTabSz="457200" rtl="0" eaLnBrk="1" latinLnBrk="0" hangingPunct="1">
+              <a:defRPr sz="1800" kern="1200">
+                <a:solidFill>
+                  <a:schemeClr val="tx1"/>
+                </a:solidFill>
+                <a:latin typeface="+mn-lt"/>
+                <a:ea typeface="+mn-ea"/>
+                <a:cs typeface="+mn-cs"/>
+              </a:defRPr>
+            </a:lvl4pPr>
+            <a:lvl5pPr marL="1828800" algn="l" defTabSz="457200" rtl="0" eaLnBrk="1" latinLnBrk="0" hangingPunct="1">
+              <a:defRPr sz="1800" kern="1200">
+                <a:solidFill>
+                  <a:schemeClr val="tx1"/>
+                </a:solidFill>
+                <a:latin typeface="+mn-lt"/>
+                <a:ea typeface="+mn-ea"/>
+                <a:cs typeface="+mn-cs"/>
+              </a:defRPr>
+            </a:lvl5pPr>
+            <a:lvl6pPr marL="2286000" algn="l" defTabSz="457200" rtl="0" eaLnBrk="1" latinLnBrk="0" hangingPunct="1">
+              <a:defRPr sz="1800" kern="1200">
+                <a:solidFill>
+                  <a:schemeClr val="tx1"/>
+                </a:solidFill>
+                <a:latin typeface="+mn-lt"/>
+                <a:ea typeface="+mn-ea"/>
+                <a:cs typeface="+mn-cs"/>
+              </a:defRPr>
+            </a:lvl6pPr>
+            <a:lvl7pPr marL="2743200" algn="l" defTabSz="457200" rtl="0" eaLnBrk="1" latinLnBrk="0" hangingPunct="1">
+              <a:defRPr sz="1800" kern="1200">
+                <a:solidFill>
+                  <a:schemeClr val="tx1"/>
+                </a:solidFill>
+                <a:latin typeface="+mn-lt"/>
+                <a:ea typeface="+mn-ea"/>
+                <a:cs typeface="+mn-cs"/>
+              </a:defRPr>
+            </a:lvl7pPr>
+            <a:lvl8pPr marL="3200400" algn="l" defTabSz="457200" rtl="0" eaLnBrk="1" latinLnBrk="0" hangingPunct="1">
+              <a:defRPr sz="1800" kern="1200">
+                <a:solidFill>
+                  <a:schemeClr val="tx1"/>
+                </a:solidFill>
+                <a:latin typeface="+mn-lt"/>
+                <a:ea typeface="+mn-ea"/>
+                <a:cs typeface="+mn-cs"/>
+              </a:defRPr>
+            </a:lvl8pPr>
+            <a:lvl9pPr marL="3657600" algn="l" defTabSz="457200" rtl="0" eaLnBrk="1" latinLnBrk="0" hangingPunct="1">
+              <a:defRPr sz="1800" kern="1200">
+                <a:solidFill>
+                  <a:schemeClr val="tx1"/>
+                </a:solidFill>
+                <a:latin typeface="+mn-lt"/>
+                <a:ea typeface="+mn-ea"/>
+                <a:cs typeface="+mn-cs"/>
+              </a:defRPr>
+            </a:lvl9pPr>
+          </a:lstStyle>
+          <a:p>
+            <a:r>
+              <a:rPr lang="de-DE" sz="1400" dirty="0"/>
+              <a:t>Veronika Taranek, Philipp </a:t>
+            </a:r>
+            <a:r>
+              <a:rPr lang="de-DE" sz="1400" dirty="0" err="1"/>
+              <a:t>Fenesan</a:t>
+            </a:r>
+            <a:r>
+              <a:rPr lang="de-DE" sz="1400" dirty="0"/>
+              <a:t>, Nicolas Geppert, Lukas Werner</a:t>
+            </a:r>
+            <a:endParaRPr lang="en-US" dirty="0"/>
+          </a:p>
+        </p:txBody>
+      </p:sp>
+      <p:sp>
+        <p:nvSpPr>
+          <p:cNvPr id="3" name="TextBox 2">
+            <a:extLst>
+              <a:ext uri="{FF2B5EF4-FFF2-40B4-BE49-F238E27FC236}">
+                <a16:creationId xmlns:a16="http://schemas.microsoft.com/office/drawing/2014/main" id="{5BCAFD94-9DAE-40DB-ABC1-EA97278FB175}"/>
+              </a:ext>
+            </a:extLst>
+          </p:cNvPr>
+          <p:cNvSpPr txBox="1"/>
+          <p:nvPr/>
+        </p:nvSpPr>
+        <p:spPr>
+          <a:xfrm>
+            <a:off x="1524000" y="1930400"/>
+            <a:ext cx="4572000" cy="369332"/>
+          </a:xfrm>
+          <a:prstGeom prst="rect">
+            <a:avLst/>
+          </a:prstGeom>
+          <a:noFill/>
+        </p:spPr>
+        <p:txBody>
+          <a:bodyPr wrap="square" rtlCol="0">
+            <a:spAutoFit/>
+          </a:bodyPr>
+          <a:lstStyle/>
+          <a:p>
+            <a:r>
+              <a:rPr lang="en-US" dirty="0" err="1"/>
+              <a:t>neues</a:t>
+            </a:r>
+            <a:r>
+              <a:rPr lang="en-US" dirty="0"/>
+              <a:t> UML</a:t>
+            </a:r>
+          </a:p>
+        </p:txBody>
+      </p:sp>
+    </p:spTree>
+    <p:extLst>
+      <p:ext uri="{BB962C8B-B14F-4D97-AF65-F5344CB8AC3E}">
+        <p14:creationId xmlns:p14="http://schemas.microsoft.com/office/powerpoint/2010/main" val="870046311"/>
+      </p:ext>
+    </p:extLst>
+  </p:cSld>
+  <p:clrMapOvr>
+    <a:masterClrMapping/>
+  </p:clrMapOvr>
+</p:sld>
+</file>
+
+<file path=ppt/slides/slide15.xml><?xml version="1.0" encoding="utf-8"?>
+<p:sld xmlns:a="http://schemas.openxmlformats.org/drawingml/2006/main" xmlns:r="http://schemas.openxmlformats.org/officeDocument/2006/relationships" xmlns:p="http://schemas.openxmlformats.org/presentationml/2006/main">
+  <p:cSld>
+    <p:spTree>
+      <p:nvGrpSpPr>
+        <p:cNvPr id="1" name=""/>
+        <p:cNvGrpSpPr/>
+        <p:nvPr/>
+      </p:nvGrpSpPr>
+      <p:grpSpPr>
+        <a:xfrm>
+          <a:off x="0" y="0"/>
+          <a:ext cx="0" cy="0"/>
+          <a:chOff x="0" y="0"/>
+          <a:chExt cx="0" cy="0"/>
+        </a:xfrm>
+      </p:grpSpPr>
+      <p:sp>
+        <p:nvSpPr>
+          <p:cNvPr id="2" name="Title 1">
+            <a:extLst>
+              <a:ext uri="{FF2B5EF4-FFF2-40B4-BE49-F238E27FC236}">
                 <a16:creationId xmlns:a16="http://schemas.microsoft.com/office/drawing/2014/main" id="{BFFE73E4-B193-441D-8A54-09AA7DF89A89}"/>
               </a:ext>
             </a:extLst>
@@ -7935,8 +9400,8 @@
         </p:nvSpPr>
         <p:spPr>
           <a:xfrm>
-            <a:off x="677334" y="3657601"/>
-            <a:ext cx="8596668" cy="2383762"/>
+            <a:off x="677334" y="4720561"/>
+            <a:ext cx="8596668" cy="1320801"/>
           </a:xfrm>
         </p:spPr>
         <p:txBody>
@@ -8106,42 +9571,190 @@
           </a:p>
         </p:txBody>
       </p:sp>
-      <p:pic>
-        <p:nvPicPr>
-          <p:cNvPr id="4" name="Picture 3">
+      <p:sp>
+        <p:nvSpPr>
+          <p:cNvPr id="7" name="Date Placeholder 3">
             <a:extLst>
               <a:ext uri="{FF2B5EF4-FFF2-40B4-BE49-F238E27FC236}">
-                <a16:creationId xmlns:a16="http://schemas.microsoft.com/office/drawing/2014/main" id="{66089CA0-A29D-43F4-A41A-874B20FB4C08}"/>
+                <a16:creationId xmlns:a16="http://schemas.microsoft.com/office/drawing/2014/main" id="{BAD5D7EE-33EA-45D2-A694-351C748A2C0C}"/>
               </a:ext>
             </a:extLst>
           </p:cNvPr>
-          <p:cNvPicPr>
-            <a:picLocks noChangeAspect="1"/>
-          </p:cNvPicPr>
+          <p:cNvSpPr txBox="1">
+            <a:spLocks/>
+          </p:cNvSpPr>
           <p:nvPr/>
-        </p:nvPicPr>
-        <p:blipFill>
-          <a:blip r:embed="rId2"/>
-          <a:stretch>
-            <a:fillRect/>
-          </a:stretch>
-        </p:blipFill>
+        </p:nvSpPr>
         <p:spPr>
           <a:xfrm>
-            <a:off x="571500" y="1526194"/>
-            <a:ext cx="8596668" cy="1935537"/>
+            <a:off x="1824033" y="231050"/>
+            <a:ext cx="5713108" cy="378549"/>
           </a:xfrm>
           <a:prstGeom prst="rect">
             <a:avLst/>
           </a:prstGeom>
         </p:spPr>
-      </p:pic>
-      <p:sp>
-        <p:nvSpPr>
-          <p:cNvPr id="6" name="Date Placeholder 3">
+        <p:txBody>
+          <a:bodyPr vert="horz" lIns="91440" tIns="45720" rIns="91440" bIns="45720" rtlCol="0" anchor="ctr"/>
+          <a:lstStyle>
+            <a:defPPr>
+              <a:defRPr lang="en-US"/>
+            </a:defPPr>
+            <a:lvl1pPr marL="0" algn="r" defTabSz="457200" rtl="0" eaLnBrk="1" latinLnBrk="0" hangingPunct="1">
+              <a:defRPr sz="900" kern="1200">
+                <a:solidFill>
+                  <a:schemeClr val="tx1">
+                    <a:tint val="75000"/>
+                  </a:schemeClr>
+                </a:solidFill>
+                <a:latin typeface="+mn-lt"/>
+                <a:ea typeface="+mn-ea"/>
+                <a:cs typeface="+mn-cs"/>
+              </a:defRPr>
+            </a:lvl1pPr>
+            <a:lvl2pPr marL="457200" algn="l" defTabSz="457200" rtl="0" eaLnBrk="1" latinLnBrk="0" hangingPunct="1">
+              <a:defRPr sz="1800" kern="1200">
+                <a:solidFill>
+                  <a:schemeClr val="tx1"/>
+                </a:solidFill>
+                <a:latin typeface="+mn-lt"/>
+                <a:ea typeface="+mn-ea"/>
+                <a:cs typeface="+mn-cs"/>
+              </a:defRPr>
+            </a:lvl2pPr>
+            <a:lvl3pPr marL="914400" algn="l" defTabSz="457200" rtl="0" eaLnBrk="1" latinLnBrk="0" hangingPunct="1">
+              <a:defRPr sz="1800" kern="1200">
+                <a:solidFill>
+                  <a:schemeClr val="tx1"/>
+                </a:solidFill>
+                <a:latin typeface="+mn-lt"/>
+                <a:ea typeface="+mn-ea"/>
+                <a:cs typeface="+mn-cs"/>
+              </a:defRPr>
+            </a:lvl3pPr>
+            <a:lvl4pPr marL="1371600" algn="l" defTabSz="457200" rtl="0" eaLnBrk="1" latinLnBrk="0" hangingPunct="1">
+              <a:defRPr sz="1800" kern="1200">
+                <a:solidFill>
+                  <a:schemeClr val="tx1"/>
+                </a:solidFill>
+                <a:latin typeface="+mn-lt"/>
+                <a:ea typeface="+mn-ea"/>
+                <a:cs typeface="+mn-cs"/>
+              </a:defRPr>
+            </a:lvl4pPr>
+            <a:lvl5pPr marL="1828800" algn="l" defTabSz="457200" rtl="0" eaLnBrk="1" latinLnBrk="0" hangingPunct="1">
+              <a:defRPr sz="1800" kern="1200">
+                <a:solidFill>
+                  <a:schemeClr val="tx1"/>
+                </a:solidFill>
+                <a:latin typeface="+mn-lt"/>
+                <a:ea typeface="+mn-ea"/>
+                <a:cs typeface="+mn-cs"/>
+              </a:defRPr>
+            </a:lvl5pPr>
+            <a:lvl6pPr marL="2286000" algn="l" defTabSz="457200" rtl="0" eaLnBrk="1" latinLnBrk="0" hangingPunct="1">
+              <a:defRPr sz="1800" kern="1200">
+                <a:solidFill>
+                  <a:schemeClr val="tx1"/>
+                </a:solidFill>
+                <a:latin typeface="+mn-lt"/>
+                <a:ea typeface="+mn-ea"/>
+                <a:cs typeface="+mn-cs"/>
+              </a:defRPr>
+            </a:lvl6pPr>
+            <a:lvl7pPr marL="2743200" algn="l" defTabSz="457200" rtl="0" eaLnBrk="1" latinLnBrk="0" hangingPunct="1">
+              <a:defRPr sz="1800" kern="1200">
+                <a:solidFill>
+                  <a:schemeClr val="tx1"/>
+                </a:solidFill>
+                <a:latin typeface="+mn-lt"/>
+                <a:ea typeface="+mn-ea"/>
+                <a:cs typeface="+mn-cs"/>
+              </a:defRPr>
+            </a:lvl7pPr>
+            <a:lvl8pPr marL="3200400" algn="l" defTabSz="457200" rtl="0" eaLnBrk="1" latinLnBrk="0" hangingPunct="1">
+              <a:defRPr sz="1800" kern="1200">
+                <a:solidFill>
+                  <a:schemeClr val="tx1"/>
+                </a:solidFill>
+                <a:latin typeface="+mn-lt"/>
+                <a:ea typeface="+mn-ea"/>
+                <a:cs typeface="+mn-cs"/>
+              </a:defRPr>
+            </a:lvl8pPr>
+            <a:lvl9pPr marL="3657600" algn="l" defTabSz="457200" rtl="0" eaLnBrk="1" latinLnBrk="0" hangingPunct="1">
+              <a:defRPr sz="1800" kern="1200">
+                <a:solidFill>
+                  <a:schemeClr val="tx1"/>
+                </a:solidFill>
+                <a:latin typeface="+mn-lt"/>
+                <a:ea typeface="+mn-ea"/>
+                <a:cs typeface="+mn-cs"/>
+              </a:defRPr>
+            </a:lvl9pPr>
+          </a:lstStyle>
+          <a:p>
+            <a:r>
+              <a:rPr lang="de-DE" sz="1400" dirty="0"/>
+              <a:t>Veronika Taranek, Philipp </a:t>
+            </a:r>
+            <a:r>
+              <a:rPr lang="de-DE" sz="1400" dirty="0" err="1"/>
+              <a:t>Fenesan</a:t>
+            </a:r>
+            <a:r>
+              <a:rPr lang="de-DE" sz="1400" dirty="0"/>
+              <a:t>, Nicolas Geppert, Lukas Werner</a:t>
+            </a:r>
+            <a:endParaRPr lang="en-US" dirty="0"/>
+          </a:p>
+        </p:txBody>
+      </p:sp>
+      <p:sp>
+        <p:nvSpPr>
+          <p:cNvPr id="5" name="TextBox 4">
             <a:extLst>
               <a:ext uri="{FF2B5EF4-FFF2-40B4-BE49-F238E27FC236}">
-                <a16:creationId xmlns:a16="http://schemas.microsoft.com/office/drawing/2014/main" id="{5A155018-75BB-467E-9C0B-72C18B696E77}"/>
+                <a16:creationId xmlns:a16="http://schemas.microsoft.com/office/drawing/2014/main" id="{C50338CC-BAF4-4233-B337-6673376B0790}"/>
+              </a:ext>
+            </a:extLst>
+          </p:cNvPr>
+          <p:cNvSpPr txBox="1"/>
+          <p:nvPr/>
+        </p:nvSpPr>
+        <p:spPr>
+          <a:xfrm>
+            <a:off x="1748900" y="1930400"/>
+            <a:ext cx="6490225" cy="369332"/>
+          </a:xfrm>
+          <a:prstGeom prst="rect">
+            <a:avLst/>
+          </a:prstGeom>
+          <a:noFill/>
+        </p:spPr>
+        <p:txBody>
+          <a:bodyPr wrap="square" rtlCol="0">
+            <a:spAutoFit/>
+          </a:bodyPr>
+          <a:lstStyle/>
+          <a:p>
+            <a:r>
+              <a:rPr lang="en-US" dirty="0" err="1"/>
+              <a:t>Platzhalter</a:t>
+            </a:r>
+            <a:r>
+              <a:rPr lang="en-US" dirty="0"/>
+              <a:t> ERD</a:t>
+            </a:r>
+          </a:p>
+        </p:txBody>
+      </p:sp>
+      <p:sp>
+        <p:nvSpPr>
+          <p:cNvPr id="9" name="Date Placeholder 3">
+            <a:extLst>
+              <a:ext uri="{FF2B5EF4-FFF2-40B4-BE49-F238E27FC236}">
+                <a16:creationId xmlns:a16="http://schemas.microsoft.com/office/drawing/2014/main" id="{334A33EB-02E1-40B2-B774-9C5BABFD0FC7}"/>
               </a:ext>
             </a:extLst>
           </p:cNvPr>
@@ -8262,147 +9875,8 @@
             <a:fld id="{5665C720-CFBA-4CD6-B44E-E52DA515AFF8}" type="datetime1">
               <a:rPr lang="de-DE" sz="1400" smtClean="0"/>
               <a:pPr/>
-              <a:t>12.09.2020</a:t>
+              <a:t>31.10.2020</a:t>
             </a:fld>
-            <a:endParaRPr lang="en-US" dirty="0"/>
-          </a:p>
-        </p:txBody>
-      </p:sp>
-      <p:sp>
-        <p:nvSpPr>
-          <p:cNvPr id="7" name="Date Placeholder 3">
-            <a:extLst>
-              <a:ext uri="{FF2B5EF4-FFF2-40B4-BE49-F238E27FC236}">
-                <a16:creationId xmlns:a16="http://schemas.microsoft.com/office/drawing/2014/main" id="{BAD5D7EE-33EA-45D2-A694-351C748A2C0C}"/>
-              </a:ext>
-            </a:extLst>
-          </p:cNvPr>
-          <p:cNvSpPr txBox="1">
-            <a:spLocks/>
-          </p:cNvSpPr>
-          <p:nvPr/>
-        </p:nvSpPr>
-        <p:spPr>
-          <a:xfrm>
-            <a:off x="1824033" y="231050"/>
-            <a:ext cx="5713108" cy="378549"/>
-          </a:xfrm>
-          <a:prstGeom prst="rect">
-            <a:avLst/>
-          </a:prstGeom>
-        </p:spPr>
-        <p:txBody>
-          <a:bodyPr vert="horz" lIns="91440" tIns="45720" rIns="91440" bIns="45720" rtlCol="0" anchor="ctr"/>
-          <a:lstStyle>
-            <a:defPPr>
-              <a:defRPr lang="en-US"/>
-            </a:defPPr>
-            <a:lvl1pPr marL="0" algn="r" defTabSz="457200" rtl="0" eaLnBrk="1" latinLnBrk="0" hangingPunct="1">
-              <a:defRPr sz="900" kern="1200">
-                <a:solidFill>
-                  <a:schemeClr val="tx1">
-                    <a:tint val="75000"/>
-                  </a:schemeClr>
-                </a:solidFill>
-                <a:latin typeface="+mn-lt"/>
-                <a:ea typeface="+mn-ea"/>
-                <a:cs typeface="+mn-cs"/>
-              </a:defRPr>
-            </a:lvl1pPr>
-            <a:lvl2pPr marL="457200" algn="l" defTabSz="457200" rtl="0" eaLnBrk="1" latinLnBrk="0" hangingPunct="1">
-              <a:defRPr sz="1800" kern="1200">
-                <a:solidFill>
-                  <a:schemeClr val="tx1"/>
-                </a:solidFill>
-                <a:latin typeface="+mn-lt"/>
-                <a:ea typeface="+mn-ea"/>
-                <a:cs typeface="+mn-cs"/>
-              </a:defRPr>
-            </a:lvl2pPr>
-            <a:lvl3pPr marL="914400" algn="l" defTabSz="457200" rtl="0" eaLnBrk="1" latinLnBrk="0" hangingPunct="1">
-              <a:defRPr sz="1800" kern="1200">
-                <a:solidFill>
-                  <a:schemeClr val="tx1"/>
-                </a:solidFill>
-                <a:latin typeface="+mn-lt"/>
-                <a:ea typeface="+mn-ea"/>
-                <a:cs typeface="+mn-cs"/>
-              </a:defRPr>
-            </a:lvl3pPr>
-            <a:lvl4pPr marL="1371600" algn="l" defTabSz="457200" rtl="0" eaLnBrk="1" latinLnBrk="0" hangingPunct="1">
-              <a:defRPr sz="1800" kern="1200">
-                <a:solidFill>
-                  <a:schemeClr val="tx1"/>
-                </a:solidFill>
-                <a:latin typeface="+mn-lt"/>
-                <a:ea typeface="+mn-ea"/>
-                <a:cs typeface="+mn-cs"/>
-              </a:defRPr>
-            </a:lvl4pPr>
-            <a:lvl5pPr marL="1828800" algn="l" defTabSz="457200" rtl="0" eaLnBrk="1" latinLnBrk="0" hangingPunct="1">
-              <a:defRPr sz="1800" kern="1200">
-                <a:solidFill>
-                  <a:schemeClr val="tx1"/>
-                </a:solidFill>
-                <a:latin typeface="+mn-lt"/>
-                <a:ea typeface="+mn-ea"/>
-                <a:cs typeface="+mn-cs"/>
-              </a:defRPr>
-            </a:lvl5pPr>
-            <a:lvl6pPr marL="2286000" algn="l" defTabSz="457200" rtl="0" eaLnBrk="1" latinLnBrk="0" hangingPunct="1">
-              <a:defRPr sz="1800" kern="1200">
-                <a:solidFill>
-                  <a:schemeClr val="tx1"/>
-                </a:solidFill>
-                <a:latin typeface="+mn-lt"/>
-                <a:ea typeface="+mn-ea"/>
-                <a:cs typeface="+mn-cs"/>
-              </a:defRPr>
-            </a:lvl6pPr>
-            <a:lvl7pPr marL="2743200" algn="l" defTabSz="457200" rtl="0" eaLnBrk="1" latinLnBrk="0" hangingPunct="1">
-              <a:defRPr sz="1800" kern="1200">
-                <a:solidFill>
-                  <a:schemeClr val="tx1"/>
-                </a:solidFill>
-                <a:latin typeface="+mn-lt"/>
-                <a:ea typeface="+mn-ea"/>
-                <a:cs typeface="+mn-cs"/>
-              </a:defRPr>
-            </a:lvl7pPr>
-            <a:lvl8pPr marL="3200400" algn="l" defTabSz="457200" rtl="0" eaLnBrk="1" latinLnBrk="0" hangingPunct="1">
-              <a:defRPr sz="1800" kern="1200">
-                <a:solidFill>
-                  <a:schemeClr val="tx1"/>
-                </a:solidFill>
-                <a:latin typeface="+mn-lt"/>
-                <a:ea typeface="+mn-ea"/>
-                <a:cs typeface="+mn-cs"/>
-              </a:defRPr>
-            </a:lvl8pPr>
-            <a:lvl9pPr marL="3657600" algn="l" defTabSz="457200" rtl="0" eaLnBrk="1" latinLnBrk="0" hangingPunct="1">
-              <a:defRPr sz="1800" kern="1200">
-                <a:solidFill>
-                  <a:schemeClr val="tx1"/>
-                </a:solidFill>
-                <a:latin typeface="+mn-lt"/>
-                <a:ea typeface="+mn-ea"/>
-                <a:cs typeface="+mn-cs"/>
-              </a:defRPr>
-            </a:lvl9pPr>
-          </a:lstStyle>
-          <a:p>
-            <a:r>
-              <a:rPr lang="de-DE" sz="1400" dirty="0"/>
-              <a:t>Veronika Taranek, Philipp </a:t>
-            </a:r>
-            <a:r>
-              <a:rPr lang="de-DE" sz="1400" dirty="0" err="1"/>
-              <a:t>Fenesan</a:t>
-            </a:r>
-            <a:r>
-              <a:rPr lang="de-DE" sz="1400" dirty="0"/>
-              <a:t>, Nicolas Geppert, Lukas Werner</a:t>
-            </a:r>
             <a:endParaRPr lang="en-US" dirty="0"/>
           </a:p>
         </p:txBody>
@@ -9694,7 +11168,7 @@
           <a:p>
             <a:fld id="{BBFE0E78-BD63-486A-A840-5A82EE4DABDC}" type="datetime1">
               <a:rPr lang="de-DE" smtClean="0"/>
-              <a:t>12.09.2020</a:t>
+              <a:t>31.10.2020</a:t>
             </a:fld>
             <a:endParaRPr lang="en-US"/>
           </a:p>
@@ -9799,166 +11273,6 @@
       </p:sp>
       <p:sp>
         <p:nvSpPr>
-          <p:cNvPr id="4" name="Date Placeholder 3">
-            <a:extLst>
-              <a:ext uri="{FF2B5EF4-FFF2-40B4-BE49-F238E27FC236}">
-                <a16:creationId xmlns:a16="http://schemas.microsoft.com/office/drawing/2014/main" id="{DE37B9A3-0F35-4331-9CF4-7C8C418C9074}"/>
-              </a:ext>
-            </a:extLst>
-          </p:cNvPr>
-          <p:cNvSpPr>
-            <a:spLocks noGrp="1"/>
-          </p:cNvSpPr>
-          <p:nvPr>
-            <p:ph type="dt" sz="half" idx="10"/>
-          </p:nvPr>
-        </p:nvSpPr>
-        <p:spPr/>
-        <p:txBody>
-          <a:bodyPr/>
-          <a:lstStyle/>
-          <a:p>
-            <a:fld id="{BBFE0E78-BD63-486A-A840-5A82EE4DABDC}" type="datetime1">
-              <a:rPr lang="de-DE" smtClean="0"/>
-              <a:t>12.09.2020</a:t>
-            </a:fld>
-            <a:endParaRPr lang="en-US"/>
-          </a:p>
-        </p:txBody>
-      </p:sp>
-      <p:sp>
-        <p:nvSpPr>
-          <p:cNvPr id="5" name="Date Placeholder 3">
-            <a:extLst>
-              <a:ext uri="{FF2B5EF4-FFF2-40B4-BE49-F238E27FC236}">
-                <a16:creationId xmlns:a16="http://schemas.microsoft.com/office/drawing/2014/main" id="{F036473C-832A-401F-BE2D-60EF28E22C6E}"/>
-              </a:ext>
-            </a:extLst>
-          </p:cNvPr>
-          <p:cNvSpPr txBox="1">
-            <a:spLocks/>
-          </p:cNvSpPr>
-          <p:nvPr/>
-        </p:nvSpPr>
-        <p:spPr>
-          <a:xfrm>
-            <a:off x="677334" y="231051"/>
-            <a:ext cx="1071566" cy="378549"/>
-          </a:xfrm>
-          <a:prstGeom prst="rect">
-            <a:avLst/>
-          </a:prstGeom>
-        </p:spPr>
-        <p:txBody>
-          <a:bodyPr vert="horz" lIns="91440" tIns="45720" rIns="91440" bIns="45720" rtlCol="0" anchor="ctr"/>
-          <a:lstStyle>
-            <a:defPPr>
-              <a:defRPr lang="en-US"/>
-            </a:defPPr>
-            <a:lvl1pPr marL="0" algn="r" defTabSz="457200" rtl="0" eaLnBrk="1" latinLnBrk="0" hangingPunct="1">
-              <a:defRPr sz="900" kern="1200">
-                <a:solidFill>
-                  <a:schemeClr val="tx1">
-                    <a:tint val="75000"/>
-                  </a:schemeClr>
-                </a:solidFill>
-                <a:latin typeface="+mn-lt"/>
-                <a:ea typeface="+mn-ea"/>
-                <a:cs typeface="+mn-cs"/>
-              </a:defRPr>
-            </a:lvl1pPr>
-            <a:lvl2pPr marL="457200" algn="l" defTabSz="457200" rtl="0" eaLnBrk="1" latinLnBrk="0" hangingPunct="1">
-              <a:defRPr sz="1800" kern="1200">
-                <a:solidFill>
-                  <a:schemeClr val="tx1"/>
-                </a:solidFill>
-                <a:latin typeface="+mn-lt"/>
-                <a:ea typeface="+mn-ea"/>
-                <a:cs typeface="+mn-cs"/>
-              </a:defRPr>
-            </a:lvl2pPr>
-            <a:lvl3pPr marL="914400" algn="l" defTabSz="457200" rtl="0" eaLnBrk="1" latinLnBrk="0" hangingPunct="1">
-              <a:defRPr sz="1800" kern="1200">
-                <a:solidFill>
-                  <a:schemeClr val="tx1"/>
-                </a:solidFill>
-                <a:latin typeface="+mn-lt"/>
-                <a:ea typeface="+mn-ea"/>
-                <a:cs typeface="+mn-cs"/>
-              </a:defRPr>
-            </a:lvl3pPr>
-            <a:lvl4pPr marL="1371600" algn="l" defTabSz="457200" rtl="0" eaLnBrk="1" latinLnBrk="0" hangingPunct="1">
-              <a:defRPr sz="1800" kern="1200">
-                <a:solidFill>
-                  <a:schemeClr val="tx1"/>
-                </a:solidFill>
-                <a:latin typeface="+mn-lt"/>
-                <a:ea typeface="+mn-ea"/>
-                <a:cs typeface="+mn-cs"/>
-              </a:defRPr>
-            </a:lvl4pPr>
-            <a:lvl5pPr marL="1828800" algn="l" defTabSz="457200" rtl="0" eaLnBrk="1" latinLnBrk="0" hangingPunct="1">
-              <a:defRPr sz="1800" kern="1200">
-                <a:solidFill>
-                  <a:schemeClr val="tx1"/>
-                </a:solidFill>
-                <a:latin typeface="+mn-lt"/>
-                <a:ea typeface="+mn-ea"/>
-                <a:cs typeface="+mn-cs"/>
-              </a:defRPr>
-            </a:lvl5pPr>
-            <a:lvl6pPr marL="2286000" algn="l" defTabSz="457200" rtl="0" eaLnBrk="1" latinLnBrk="0" hangingPunct="1">
-              <a:defRPr sz="1800" kern="1200">
-                <a:solidFill>
-                  <a:schemeClr val="tx1"/>
-                </a:solidFill>
-                <a:latin typeface="+mn-lt"/>
-                <a:ea typeface="+mn-ea"/>
-                <a:cs typeface="+mn-cs"/>
-              </a:defRPr>
-            </a:lvl6pPr>
-            <a:lvl7pPr marL="2743200" algn="l" defTabSz="457200" rtl="0" eaLnBrk="1" latinLnBrk="0" hangingPunct="1">
-              <a:defRPr sz="1800" kern="1200">
-                <a:solidFill>
-                  <a:schemeClr val="tx1"/>
-                </a:solidFill>
-                <a:latin typeface="+mn-lt"/>
-                <a:ea typeface="+mn-ea"/>
-                <a:cs typeface="+mn-cs"/>
-              </a:defRPr>
-            </a:lvl7pPr>
-            <a:lvl8pPr marL="3200400" algn="l" defTabSz="457200" rtl="0" eaLnBrk="1" latinLnBrk="0" hangingPunct="1">
-              <a:defRPr sz="1800" kern="1200">
-                <a:solidFill>
-                  <a:schemeClr val="tx1"/>
-                </a:solidFill>
-                <a:latin typeface="+mn-lt"/>
-                <a:ea typeface="+mn-ea"/>
-                <a:cs typeface="+mn-cs"/>
-              </a:defRPr>
-            </a:lvl8pPr>
-            <a:lvl9pPr marL="3657600" algn="l" defTabSz="457200" rtl="0" eaLnBrk="1" latinLnBrk="0" hangingPunct="1">
-              <a:defRPr sz="1800" kern="1200">
-                <a:solidFill>
-                  <a:schemeClr val="tx1"/>
-                </a:solidFill>
-                <a:latin typeface="+mn-lt"/>
-                <a:ea typeface="+mn-ea"/>
-                <a:cs typeface="+mn-cs"/>
-              </a:defRPr>
-            </a:lvl9pPr>
-          </a:lstStyle>
-          <a:p>
-            <a:r>
-              <a:rPr lang="de-DE" sz="1400" dirty="0"/>
-              <a:t>11.09.2020</a:t>
-            </a:r>
-            <a:endParaRPr lang="en-US" dirty="0"/>
-          </a:p>
-        </p:txBody>
-      </p:sp>
-      <p:sp>
-        <p:nvSpPr>
           <p:cNvPr id="6" name="Date Placeholder 3">
             <a:extLst>
               <a:ext uri="{FF2B5EF4-FFF2-40B4-BE49-F238E27FC236}">
@@ -10126,6 +11440,138 @@
           </a:prstGeom>
         </p:spPr>
       </p:pic>
+      <p:sp>
+        <p:nvSpPr>
+          <p:cNvPr id="8" name="Date Placeholder 3">
+            <a:extLst>
+              <a:ext uri="{FF2B5EF4-FFF2-40B4-BE49-F238E27FC236}">
+                <a16:creationId xmlns:a16="http://schemas.microsoft.com/office/drawing/2014/main" id="{C9EFB6BC-B127-482E-A576-5989AAE55916}"/>
+              </a:ext>
+            </a:extLst>
+          </p:cNvPr>
+          <p:cNvSpPr txBox="1">
+            <a:spLocks/>
+          </p:cNvSpPr>
+          <p:nvPr/>
+        </p:nvSpPr>
+        <p:spPr>
+          <a:xfrm>
+            <a:off x="677334" y="231051"/>
+            <a:ext cx="1071566" cy="378549"/>
+          </a:xfrm>
+          <a:prstGeom prst="rect">
+            <a:avLst/>
+          </a:prstGeom>
+        </p:spPr>
+        <p:txBody>
+          <a:bodyPr vert="horz" lIns="91440" tIns="45720" rIns="91440" bIns="45720" rtlCol="0" anchor="ctr"/>
+          <a:lstStyle>
+            <a:defPPr>
+              <a:defRPr lang="en-US"/>
+            </a:defPPr>
+            <a:lvl1pPr marL="0" algn="r" defTabSz="457200" rtl="0" eaLnBrk="1" latinLnBrk="0" hangingPunct="1">
+              <a:defRPr sz="900" kern="1200">
+                <a:solidFill>
+                  <a:schemeClr val="tx1">
+                    <a:tint val="75000"/>
+                  </a:schemeClr>
+                </a:solidFill>
+                <a:latin typeface="+mn-lt"/>
+                <a:ea typeface="+mn-ea"/>
+                <a:cs typeface="+mn-cs"/>
+              </a:defRPr>
+            </a:lvl1pPr>
+            <a:lvl2pPr marL="457200" algn="l" defTabSz="457200" rtl="0" eaLnBrk="1" latinLnBrk="0" hangingPunct="1">
+              <a:defRPr sz="1800" kern="1200">
+                <a:solidFill>
+                  <a:schemeClr val="tx1"/>
+                </a:solidFill>
+                <a:latin typeface="+mn-lt"/>
+                <a:ea typeface="+mn-ea"/>
+                <a:cs typeface="+mn-cs"/>
+              </a:defRPr>
+            </a:lvl2pPr>
+            <a:lvl3pPr marL="914400" algn="l" defTabSz="457200" rtl="0" eaLnBrk="1" latinLnBrk="0" hangingPunct="1">
+              <a:defRPr sz="1800" kern="1200">
+                <a:solidFill>
+                  <a:schemeClr val="tx1"/>
+                </a:solidFill>
+                <a:latin typeface="+mn-lt"/>
+                <a:ea typeface="+mn-ea"/>
+                <a:cs typeface="+mn-cs"/>
+              </a:defRPr>
+            </a:lvl3pPr>
+            <a:lvl4pPr marL="1371600" algn="l" defTabSz="457200" rtl="0" eaLnBrk="1" latinLnBrk="0" hangingPunct="1">
+              <a:defRPr sz="1800" kern="1200">
+                <a:solidFill>
+                  <a:schemeClr val="tx1"/>
+                </a:solidFill>
+                <a:latin typeface="+mn-lt"/>
+                <a:ea typeface="+mn-ea"/>
+                <a:cs typeface="+mn-cs"/>
+              </a:defRPr>
+            </a:lvl4pPr>
+            <a:lvl5pPr marL="1828800" algn="l" defTabSz="457200" rtl="0" eaLnBrk="1" latinLnBrk="0" hangingPunct="1">
+              <a:defRPr sz="1800" kern="1200">
+                <a:solidFill>
+                  <a:schemeClr val="tx1"/>
+                </a:solidFill>
+                <a:latin typeface="+mn-lt"/>
+                <a:ea typeface="+mn-ea"/>
+                <a:cs typeface="+mn-cs"/>
+              </a:defRPr>
+            </a:lvl5pPr>
+            <a:lvl6pPr marL="2286000" algn="l" defTabSz="457200" rtl="0" eaLnBrk="1" latinLnBrk="0" hangingPunct="1">
+              <a:defRPr sz="1800" kern="1200">
+                <a:solidFill>
+                  <a:schemeClr val="tx1"/>
+                </a:solidFill>
+                <a:latin typeface="+mn-lt"/>
+                <a:ea typeface="+mn-ea"/>
+                <a:cs typeface="+mn-cs"/>
+              </a:defRPr>
+            </a:lvl6pPr>
+            <a:lvl7pPr marL="2743200" algn="l" defTabSz="457200" rtl="0" eaLnBrk="1" latinLnBrk="0" hangingPunct="1">
+              <a:defRPr sz="1800" kern="1200">
+                <a:solidFill>
+                  <a:schemeClr val="tx1"/>
+                </a:solidFill>
+                <a:latin typeface="+mn-lt"/>
+                <a:ea typeface="+mn-ea"/>
+                <a:cs typeface="+mn-cs"/>
+              </a:defRPr>
+            </a:lvl7pPr>
+            <a:lvl8pPr marL="3200400" algn="l" defTabSz="457200" rtl="0" eaLnBrk="1" latinLnBrk="0" hangingPunct="1">
+              <a:defRPr sz="1800" kern="1200">
+                <a:solidFill>
+                  <a:schemeClr val="tx1"/>
+                </a:solidFill>
+                <a:latin typeface="+mn-lt"/>
+                <a:ea typeface="+mn-ea"/>
+                <a:cs typeface="+mn-cs"/>
+              </a:defRPr>
+            </a:lvl8pPr>
+            <a:lvl9pPr marL="3657600" algn="l" defTabSz="457200" rtl="0" eaLnBrk="1" latinLnBrk="0" hangingPunct="1">
+              <a:defRPr sz="1800" kern="1200">
+                <a:solidFill>
+                  <a:schemeClr val="tx1"/>
+                </a:solidFill>
+                <a:latin typeface="+mn-lt"/>
+                <a:ea typeface="+mn-ea"/>
+                <a:cs typeface="+mn-cs"/>
+              </a:defRPr>
+            </a:lvl9pPr>
+          </a:lstStyle>
+          <a:p>
+            <a:fld id="{5665C720-CFBA-4CD6-B44E-E52DA515AFF8}" type="datetime1">
+              <a:rPr lang="de-DE" sz="1400" smtClean="0"/>
+              <a:pPr/>
+              <a:t>31.10.2020</a:t>
+            </a:fld>
+            <a:endParaRPr lang="en-US" dirty="0"/>
+          </a:p>
+        </p:txBody>
+      </p:sp>
     </p:spTree>
     <p:extLst>
       <p:ext uri="{BB962C8B-B14F-4D97-AF65-F5344CB8AC3E}">
@@ -10585,7 +12031,7 @@
             <a:fld id="{5665C720-CFBA-4CD6-B44E-E52DA515AFF8}" type="datetime1">
               <a:rPr lang="de-DE" sz="1400" smtClean="0"/>
               <a:pPr/>
-              <a:t>12.09.2020</a:t>
+              <a:t>31.10.2020</a:t>
             </a:fld>
             <a:endParaRPr lang="en-US" dirty="0"/>
           </a:p>
@@ -11280,7 +12726,7 @@
             <a:fld id="{5665C720-CFBA-4CD6-B44E-E52DA515AFF8}" type="datetime1">
               <a:rPr lang="de-DE" sz="1400" smtClean="0"/>
               <a:pPr/>
-              <a:t>12.09.2020</a:t>
+              <a:t>31.10.2020</a:t>
             </a:fld>
             <a:endParaRPr lang="en-US" dirty="0"/>
           </a:p>
@@ -11507,7 +12953,7 @@
         </p:nvSpPr>
         <p:spPr>
           <a:xfrm>
-            <a:off x="1750348" y="2404534"/>
+            <a:off x="1748900" y="2861734"/>
             <a:ext cx="7766936" cy="1646302"/>
           </a:xfrm>
         </p:spPr>
@@ -11648,7 +13094,7 @@
             <a:fld id="{5665C720-CFBA-4CD6-B44E-E52DA515AFF8}" type="datetime1">
               <a:rPr lang="de-DE" sz="1400" smtClean="0"/>
               <a:pPr/>
-              <a:t>12.09.2020</a:t>
+              <a:t>31.10.2020</a:t>
             </a:fld>
             <a:endParaRPr lang="en-US" dirty="0"/>
           </a:p>
@@ -12537,7 +13983,7 @@
             <a:fld id="{5665C720-CFBA-4CD6-B44E-E52DA515AFF8}" type="datetime1">
               <a:rPr lang="de-DE" sz="1400" smtClean="0"/>
               <a:pPr/>
-              <a:t>12.09.2020</a:t>
+              <a:t>31.10.2020</a:t>
             </a:fld>
             <a:endParaRPr lang="en-US" dirty="0"/>
           </a:p>

--- a/presentation/wanderoo – Gruppe 3.pptx
+++ b/presentation/wanderoo – Gruppe 3.pptx
@@ -5,7 +5,7 @@
     <p:sldMasterId id="2147483660" r:id="rId1"/>
   </p:sldMasterIdLst>
   <p:notesMasterIdLst>
-    <p:notesMasterId r:id="rId17"/>
+    <p:notesMasterId r:id="rId19"/>
   </p:notesMasterIdLst>
   <p:sldIdLst>
     <p:sldId id="256" r:id="rId2"/>
@@ -22,7 +22,9 @@
     <p:sldId id="270" r:id="rId13"/>
     <p:sldId id="271" r:id="rId14"/>
     <p:sldId id="264" r:id="rId15"/>
-    <p:sldId id="265" r:id="rId16"/>
+    <p:sldId id="272" r:id="rId16"/>
+    <p:sldId id="273" r:id="rId17"/>
+    <p:sldId id="265" r:id="rId18"/>
   </p:sldIdLst>
   <p:sldSz cx="12192000" cy="6858000"/>
   <p:notesSz cx="6858000" cy="9144000"/>
@@ -211,7 +213,7 @@
           <a:p>
             <a:fld id="{91C987E9-D846-45D7-B0BA-09A404DDD18F}" type="datetimeFigureOut">
               <a:rPr lang="en-US" smtClean="0"/>
-              <a:t>10/31/2020</a:t>
+              <a:t>11/1/2020</a:t>
             </a:fld>
             <a:endParaRPr lang="en-US"/>
           </a:p>
@@ -1530,7 +1532,7 @@
           <a:p>
             <a:fld id="{F7B45734-1697-4AB7-959A-59021CEE7C63}" type="datetime1">
               <a:rPr lang="de-DE" smtClean="0"/>
-              <a:t>31.10.2020</a:t>
+              <a:t>01.11.2020</a:t>
             </a:fld>
             <a:endParaRPr lang="en-US"/>
           </a:p>
@@ -1793,7 +1795,7 @@
           <a:p>
             <a:fld id="{28E0F9FB-1E8A-4CFC-BF19-70653968A72B}" type="datetime1">
               <a:rPr lang="de-DE" smtClean="0"/>
-              <a:t>31.10.2020</a:t>
+              <a:t>01.11.2020</a:t>
             </a:fld>
             <a:endParaRPr lang="en-US"/>
           </a:p>
@@ -2044,7 +2046,7 @@
           <a:p>
             <a:fld id="{4C8791FF-7201-4729-B98B-5B802CB6FE26}" type="datetime1">
               <a:rPr lang="de-DE" smtClean="0"/>
-              <a:t>31.10.2020</a:t>
+              <a:t>01.11.2020</a:t>
             </a:fld>
             <a:endParaRPr lang="en-US"/>
           </a:p>
@@ -2358,7 +2360,7 @@
           <a:p>
             <a:fld id="{16EBDE9D-3BF1-458B-B04E-AA7056777578}" type="datetime1">
               <a:rPr lang="de-DE" smtClean="0"/>
-              <a:t>31.10.2020</a:t>
+              <a:t>01.11.2020</a:t>
             </a:fld>
             <a:endParaRPr lang="en-US"/>
           </a:p>
@@ -2699,7 +2701,7 @@
           <a:p>
             <a:fld id="{72379833-F89A-4CC5-AD26-2146F255572C}" type="datetime1">
               <a:rPr lang="de-DE" smtClean="0"/>
-              <a:t>31.10.2020</a:t>
+              <a:t>01.11.2020</a:t>
             </a:fld>
             <a:endParaRPr lang="en-US"/>
           </a:p>
@@ -3013,7 +3015,7 @@
           <a:p>
             <a:fld id="{431A2CE2-D7A9-4F80-8471-7A4DA8B72368}" type="datetime1">
               <a:rPr lang="de-DE" smtClean="0"/>
-              <a:t>31.10.2020</a:t>
+              <a:t>01.11.2020</a:t>
             </a:fld>
             <a:endParaRPr lang="en-US"/>
           </a:p>
@@ -3406,7 +3408,7 @@
           <a:p>
             <a:fld id="{4B9D6D1C-E905-4368-9630-7DD1E44954A8}" type="datetime1">
               <a:rPr lang="de-DE" smtClean="0"/>
-              <a:t>31.10.2020</a:t>
+              <a:t>01.11.2020</a:t>
             </a:fld>
             <a:endParaRPr lang="en-US"/>
           </a:p>
@@ -3576,7 +3578,7 @@
           <a:p>
             <a:fld id="{8627FA29-765F-442F-8C7E-8C4E33FBBD15}" type="datetime1">
               <a:rPr lang="de-DE" smtClean="0"/>
-              <a:t>31.10.2020</a:t>
+              <a:t>01.11.2020</a:t>
             </a:fld>
             <a:endParaRPr lang="en-US"/>
           </a:p>
@@ -3756,7 +3758,7 @@
           <a:p>
             <a:fld id="{C79E08BA-6372-4F95-AB4E-CF7226F9351B}" type="datetime1">
               <a:rPr lang="de-DE" smtClean="0"/>
-              <a:t>31.10.2020</a:t>
+              <a:t>01.11.2020</a:t>
             </a:fld>
             <a:endParaRPr lang="en-US"/>
           </a:p>
@@ -3932,7 +3934,7 @@
           <a:p>
             <a:fld id="{BBFE0E78-BD63-486A-A840-5A82EE4DABDC}" type="datetime1">
               <a:rPr lang="de-DE" smtClean="0"/>
-              <a:t>31.10.2020</a:t>
+              <a:t>01.11.2020</a:t>
             </a:fld>
             <a:endParaRPr lang="en-US"/>
           </a:p>
@@ -4061,7 +4063,7 @@
           <a:p>
             <a:fld id="{FD088E02-9980-4083-8604-339DD30750A9}" type="datetime1">
               <a:rPr lang="de-DE" smtClean="0"/>
-              <a:t>31.10.2020</a:t>
+              <a:t>01.11.2020</a:t>
             </a:fld>
             <a:endParaRPr lang="en-US"/>
           </a:p>
@@ -4403,7 +4405,7 @@
           <a:p>
             <a:fld id="{512B8740-04A0-4F0F-BA2E-747FAA8552CF}" type="datetime1">
               <a:rPr lang="de-DE" smtClean="0"/>
-              <a:t>31.10.2020</a:t>
+              <a:t>01.11.2020</a:t>
             </a:fld>
             <a:endParaRPr lang="en-US"/>
           </a:p>
@@ -4635,7 +4637,7 @@
           <a:p>
             <a:fld id="{52340480-09C1-41B7-ACEE-F79B5ACF8268}" type="datetime1">
               <a:rPr lang="de-DE" smtClean="0"/>
-              <a:t>31.10.2020</a:t>
+              <a:t>01.11.2020</a:t>
             </a:fld>
             <a:endParaRPr lang="en-US"/>
           </a:p>
@@ -5009,7 +5011,7 @@
           <a:p>
             <a:fld id="{3C76072F-ABDE-49C9-B45F-982F33145057}" type="datetime1">
               <a:rPr lang="de-DE" smtClean="0"/>
-              <a:t>31.10.2020</a:t>
+              <a:t>01.11.2020</a:t>
             </a:fld>
             <a:endParaRPr lang="en-US"/>
           </a:p>
@@ -5132,7 +5134,7 @@
           <a:p>
             <a:fld id="{FF972E03-99BD-433F-85AD-6324DFFF3902}" type="datetime1">
               <a:rPr lang="de-DE" smtClean="0"/>
-              <a:t>31.10.2020</a:t>
+              <a:t>01.11.2020</a:t>
             </a:fld>
             <a:endParaRPr lang="en-US"/>
           </a:p>
@@ -5227,7 +5229,7 @@
           <a:p>
             <a:fld id="{EB4EFE40-CAA3-420B-8D0E-DBD5AB0FE83F}" type="datetime1">
               <a:rPr lang="de-DE" smtClean="0"/>
-              <a:t>31.10.2020</a:t>
+              <a:t>01.11.2020</a:t>
             </a:fld>
             <a:endParaRPr lang="en-US"/>
           </a:p>
@@ -5482,7 +5484,7 @@
           <a:p>
             <a:fld id="{E2AC2435-A98B-4155-AB69-4F954FE6AEBB}" type="datetime1">
               <a:rPr lang="de-DE" smtClean="0"/>
-              <a:t>31.10.2020</a:t>
+              <a:t>01.11.2020</a:t>
             </a:fld>
             <a:endParaRPr lang="en-US"/>
           </a:p>
@@ -6225,7 +6227,7 @@
           <a:p>
             <a:fld id="{589A2304-41B2-49D5-86E3-82760E9ED896}" type="datetime1">
               <a:rPr lang="de-DE" smtClean="0"/>
-              <a:t>31.10.2020</a:t>
+              <a:t>01.11.2020</a:t>
             </a:fld>
             <a:endParaRPr lang="en-US"/>
           </a:p>
@@ -6850,7 +6852,7 @@
           <a:p>
             <a:fld id="{46B7071C-03FC-43DF-B990-14F749E9D9DA}" type="datetime1">
               <a:rPr lang="de-DE" smtClean="0"/>
-              <a:t>31.10.2020</a:t>
+              <a:t>01.11.2020</a:t>
             </a:fld>
             <a:endParaRPr lang="en-US" dirty="0"/>
           </a:p>
@@ -7119,7 +7121,7 @@
             <a:fld id="{5665C720-CFBA-4CD6-B44E-E52DA515AFF8}" type="datetime1">
               <a:rPr lang="de-DE" sz="1400" smtClean="0"/>
               <a:pPr/>
-              <a:t>31.10.2020</a:t>
+              <a:t>01.11.2020</a:t>
             </a:fld>
             <a:endParaRPr lang="en-US" dirty="0"/>
           </a:p>
@@ -7635,7 +7637,7 @@
             <a:fld id="{5665C720-CFBA-4CD6-B44E-E52DA515AFF8}" type="datetime1">
               <a:rPr lang="de-DE" sz="1400" smtClean="0"/>
               <a:pPr/>
-              <a:t>31.10.2020</a:t>
+              <a:t>01.11.2020</a:t>
             </a:fld>
             <a:endParaRPr lang="en-US" dirty="0"/>
           </a:p>
@@ -8179,7 +8181,7 @@
             <a:fld id="{5665C720-CFBA-4CD6-B44E-E52DA515AFF8}" type="datetime1">
               <a:rPr lang="de-DE" sz="1400" smtClean="0"/>
               <a:pPr/>
-              <a:t>31.10.2020</a:t>
+              <a:t>01.11.2020</a:t>
             </a:fld>
             <a:endParaRPr lang="en-US" dirty="0"/>
           </a:p>
@@ -8687,7 +8689,7 @@
             <a:fld id="{5665C720-CFBA-4CD6-B44E-E52DA515AFF8}" type="datetime1">
               <a:rPr lang="de-DE" sz="1400" smtClean="0"/>
               <a:pPr/>
-              <a:t>31.10.2020</a:t>
+              <a:t>01.11.2020</a:t>
             </a:fld>
             <a:endParaRPr lang="en-US" dirty="0"/>
           </a:p>
@@ -8904,7 +8906,7 @@
         </p:nvSpPr>
         <p:spPr>
           <a:xfrm>
-            <a:off x="571500" y="5410200"/>
+            <a:off x="677334" y="1662618"/>
             <a:ext cx="7928774" cy="646331"/>
           </a:xfrm>
           <a:prstGeom prst="rect">
@@ -9139,7 +9141,7 @@
             <a:fld id="{5665C720-CFBA-4CD6-B44E-E52DA515AFF8}" type="datetime1">
               <a:rPr lang="de-DE" sz="1400" smtClean="0"/>
               <a:pPr/>
-              <a:t>31.10.2020</a:t>
+              <a:t>01.11.2020</a:t>
             </a:fld>
             <a:endParaRPr lang="en-US" dirty="0"/>
           </a:p>
@@ -9281,45 +9283,6 @@
               <a:t>, Nicolas Geppert, Lukas Werner</a:t>
             </a:r>
             <a:endParaRPr lang="en-US" dirty="0"/>
-          </a:p>
-        </p:txBody>
-      </p:sp>
-      <p:sp>
-        <p:nvSpPr>
-          <p:cNvPr id="3" name="TextBox 2">
-            <a:extLst>
-              <a:ext uri="{FF2B5EF4-FFF2-40B4-BE49-F238E27FC236}">
-                <a16:creationId xmlns:a16="http://schemas.microsoft.com/office/drawing/2014/main" id="{5BCAFD94-9DAE-40DB-ABC1-EA97278FB175}"/>
-              </a:ext>
-            </a:extLst>
-          </p:cNvPr>
-          <p:cNvSpPr txBox="1"/>
-          <p:nvPr/>
-        </p:nvSpPr>
-        <p:spPr>
-          <a:xfrm>
-            <a:off x="1524000" y="1930400"/>
-            <a:ext cx="4572000" cy="369332"/>
-          </a:xfrm>
-          <a:prstGeom prst="rect">
-            <a:avLst/>
-          </a:prstGeom>
-          <a:noFill/>
-        </p:spPr>
-        <p:txBody>
-          <a:bodyPr wrap="square" rtlCol="0">
-            <a:spAutoFit/>
-          </a:bodyPr>
-          <a:lstStyle/>
-          <a:p>
-            <a:r>
-              <a:rPr lang="en-US" dirty="0" err="1"/>
-              <a:t>neues</a:t>
-            </a:r>
-            <a:r>
-              <a:rPr lang="en-US" dirty="0"/>
-              <a:t> UML</a:t>
-            </a:r>
           </a:p>
         </p:txBody>
       </p:sp>
@@ -9358,6 +9321,511 @@
           <p:cNvPr id="2" name="Title 1">
             <a:extLst>
               <a:ext uri="{FF2B5EF4-FFF2-40B4-BE49-F238E27FC236}">
+                <a16:creationId xmlns:a16="http://schemas.microsoft.com/office/drawing/2014/main" id="{A533C930-62BB-49CD-A689-73D96C0BFBBB}"/>
+              </a:ext>
+            </a:extLst>
+          </p:cNvPr>
+          <p:cNvSpPr>
+            <a:spLocks noGrp="1"/>
+          </p:cNvSpPr>
+          <p:nvPr>
+            <p:ph type="title"/>
+          </p:nvPr>
+        </p:nvSpPr>
+        <p:spPr/>
+        <p:txBody>
+          <a:bodyPr/>
+          <a:lstStyle/>
+          <a:p>
+            <a:r>
+              <a:rPr lang="en-US" dirty="0"/>
+              <a:t>Aufbau</a:t>
+            </a:r>
+          </a:p>
+        </p:txBody>
+      </p:sp>
+      <p:sp>
+        <p:nvSpPr>
+          <p:cNvPr id="6" name="Date Placeholder 3">
+            <a:extLst>
+              <a:ext uri="{FF2B5EF4-FFF2-40B4-BE49-F238E27FC236}">
+                <a16:creationId xmlns:a16="http://schemas.microsoft.com/office/drawing/2014/main" id="{C597FC9F-E38B-4D7C-800C-2E507A9787EC}"/>
+              </a:ext>
+            </a:extLst>
+          </p:cNvPr>
+          <p:cNvSpPr txBox="1">
+            <a:spLocks/>
+          </p:cNvSpPr>
+          <p:nvPr/>
+        </p:nvSpPr>
+        <p:spPr>
+          <a:xfrm>
+            <a:off x="677334" y="231051"/>
+            <a:ext cx="1071566" cy="378549"/>
+          </a:xfrm>
+          <a:prstGeom prst="rect">
+            <a:avLst/>
+          </a:prstGeom>
+        </p:spPr>
+        <p:txBody>
+          <a:bodyPr vert="horz" lIns="91440" tIns="45720" rIns="91440" bIns="45720" rtlCol="0" anchor="ctr"/>
+          <a:lstStyle>
+            <a:defPPr>
+              <a:defRPr lang="en-US"/>
+            </a:defPPr>
+            <a:lvl1pPr marL="0" algn="r" defTabSz="457200" rtl="0" eaLnBrk="1" latinLnBrk="0" hangingPunct="1">
+              <a:defRPr sz="900" kern="1200">
+                <a:solidFill>
+                  <a:schemeClr val="tx1">
+                    <a:tint val="75000"/>
+                  </a:schemeClr>
+                </a:solidFill>
+                <a:latin typeface="+mn-lt"/>
+                <a:ea typeface="+mn-ea"/>
+                <a:cs typeface="+mn-cs"/>
+              </a:defRPr>
+            </a:lvl1pPr>
+            <a:lvl2pPr marL="457200" algn="l" defTabSz="457200" rtl="0" eaLnBrk="1" latinLnBrk="0" hangingPunct="1">
+              <a:defRPr sz="1800" kern="1200">
+                <a:solidFill>
+                  <a:schemeClr val="tx1"/>
+                </a:solidFill>
+                <a:latin typeface="+mn-lt"/>
+                <a:ea typeface="+mn-ea"/>
+                <a:cs typeface="+mn-cs"/>
+              </a:defRPr>
+            </a:lvl2pPr>
+            <a:lvl3pPr marL="914400" algn="l" defTabSz="457200" rtl="0" eaLnBrk="1" latinLnBrk="0" hangingPunct="1">
+              <a:defRPr sz="1800" kern="1200">
+                <a:solidFill>
+                  <a:schemeClr val="tx1"/>
+                </a:solidFill>
+                <a:latin typeface="+mn-lt"/>
+                <a:ea typeface="+mn-ea"/>
+                <a:cs typeface="+mn-cs"/>
+              </a:defRPr>
+            </a:lvl3pPr>
+            <a:lvl4pPr marL="1371600" algn="l" defTabSz="457200" rtl="0" eaLnBrk="1" latinLnBrk="0" hangingPunct="1">
+              <a:defRPr sz="1800" kern="1200">
+                <a:solidFill>
+                  <a:schemeClr val="tx1"/>
+                </a:solidFill>
+                <a:latin typeface="+mn-lt"/>
+                <a:ea typeface="+mn-ea"/>
+                <a:cs typeface="+mn-cs"/>
+              </a:defRPr>
+            </a:lvl4pPr>
+            <a:lvl5pPr marL="1828800" algn="l" defTabSz="457200" rtl="0" eaLnBrk="1" latinLnBrk="0" hangingPunct="1">
+              <a:defRPr sz="1800" kern="1200">
+                <a:solidFill>
+                  <a:schemeClr val="tx1"/>
+                </a:solidFill>
+                <a:latin typeface="+mn-lt"/>
+                <a:ea typeface="+mn-ea"/>
+                <a:cs typeface="+mn-cs"/>
+              </a:defRPr>
+            </a:lvl5pPr>
+            <a:lvl6pPr marL="2286000" algn="l" defTabSz="457200" rtl="0" eaLnBrk="1" latinLnBrk="0" hangingPunct="1">
+              <a:defRPr sz="1800" kern="1200">
+                <a:solidFill>
+                  <a:schemeClr val="tx1"/>
+                </a:solidFill>
+                <a:latin typeface="+mn-lt"/>
+                <a:ea typeface="+mn-ea"/>
+                <a:cs typeface="+mn-cs"/>
+              </a:defRPr>
+            </a:lvl6pPr>
+            <a:lvl7pPr marL="2743200" algn="l" defTabSz="457200" rtl="0" eaLnBrk="1" latinLnBrk="0" hangingPunct="1">
+              <a:defRPr sz="1800" kern="1200">
+                <a:solidFill>
+                  <a:schemeClr val="tx1"/>
+                </a:solidFill>
+                <a:latin typeface="+mn-lt"/>
+                <a:ea typeface="+mn-ea"/>
+                <a:cs typeface="+mn-cs"/>
+              </a:defRPr>
+            </a:lvl7pPr>
+            <a:lvl8pPr marL="3200400" algn="l" defTabSz="457200" rtl="0" eaLnBrk="1" latinLnBrk="0" hangingPunct="1">
+              <a:defRPr sz="1800" kern="1200">
+                <a:solidFill>
+                  <a:schemeClr val="tx1"/>
+                </a:solidFill>
+                <a:latin typeface="+mn-lt"/>
+                <a:ea typeface="+mn-ea"/>
+                <a:cs typeface="+mn-cs"/>
+              </a:defRPr>
+            </a:lvl8pPr>
+            <a:lvl9pPr marL="3657600" algn="l" defTabSz="457200" rtl="0" eaLnBrk="1" latinLnBrk="0" hangingPunct="1">
+              <a:defRPr sz="1800" kern="1200">
+                <a:solidFill>
+                  <a:schemeClr val="tx1"/>
+                </a:solidFill>
+                <a:latin typeface="+mn-lt"/>
+                <a:ea typeface="+mn-ea"/>
+                <a:cs typeface="+mn-cs"/>
+              </a:defRPr>
+            </a:lvl9pPr>
+          </a:lstStyle>
+          <a:p>
+            <a:fld id="{5665C720-CFBA-4CD6-B44E-E52DA515AFF8}" type="datetime1">
+              <a:rPr lang="de-DE" sz="1400" smtClean="0"/>
+              <a:pPr/>
+              <a:t>01.11.2020</a:t>
+            </a:fld>
+            <a:endParaRPr lang="en-US" dirty="0"/>
+          </a:p>
+        </p:txBody>
+      </p:sp>
+      <p:pic>
+        <p:nvPicPr>
+          <p:cNvPr id="4" name="Picture 3">
+            <a:extLst>
+              <a:ext uri="{FF2B5EF4-FFF2-40B4-BE49-F238E27FC236}">
+                <a16:creationId xmlns:a16="http://schemas.microsoft.com/office/drawing/2014/main" id="{7B2D7089-3C34-4EF8-BDCF-89CC2F61C087}"/>
+              </a:ext>
+            </a:extLst>
+          </p:cNvPr>
+          <p:cNvPicPr>
+            <a:picLocks noChangeAspect="1"/>
+          </p:cNvPicPr>
+          <p:nvPr/>
+        </p:nvPicPr>
+        <p:blipFill rotWithShape="1">
+          <a:blip r:embed="rId2">
+            <a:extLst>
+              <a:ext uri="{BEBA8EAE-BF5A-486C-A8C5-ECC9F3942E4B}">
+                <a14:imgProps xmlns:a14="http://schemas.microsoft.com/office/drawing/2010/main">
+                  <a14:imgLayer r:embed="rId3">
+                    <a14:imgEffect>
+                      <a14:sharpenSoften amount="25000"/>
+                    </a14:imgEffect>
+                  </a14:imgLayer>
+                </a14:imgProps>
+              </a:ext>
+            </a:extLst>
+          </a:blip>
+          <a:srcRect r="618" b="978"/>
+          <a:stretch/>
+        </p:blipFill>
+        <p:spPr>
+          <a:xfrm>
+            <a:off x="0" y="96801"/>
+            <a:ext cx="4740676" cy="6676982"/>
+          </a:xfrm>
+          <a:prstGeom prst="rect">
+            <a:avLst/>
+          </a:prstGeom>
+        </p:spPr>
+      </p:pic>
+      <p:pic>
+        <p:nvPicPr>
+          <p:cNvPr id="3" name="Picture 2">
+            <a:extLst>
+              <a:ext uri="{FF2B5EF4-FFF2-40B4-BE49-F238E27FC236}">
+                <a16:creationId xmlns:a16="http://schemas.microsoft.com/office/drawing/2014/main" id="{EE51DD68-657A-4FB6-AC13-5378B2899133}"/>
+              </a:ext>
+            </a:extLst>
+          </p:cNvPr>
+          <p:cNvPicPr>
+            <a:picLocks noChangeAspect="1"/>
+          </p:cNvPicPr>
+          <p:nvPr/>
+        </p:nvPicPr>
+        <p:blipFill>
+          <a:blip r:embed="rId4">
+            <a:extLst>
+              <a:ext uri="{BEBA8EAE-BF5A-486C-A8C5-ECC9F3942E4B}">
+                <a14:imgProps xmlns:a14="http://schemas.microsoft.com/office/drawing/2010/main">
+                  <a14:imgLayer r:embed="rId5">
+                    <a14:imgEffect>
+                      <a14:sharpenSoften amount="25000"/>
+                    </a14:imgEffect>
+                  </a14:imgLayer>
+                </a14:imgProps>
+              </a:ext>
+            </a:extLst>
+          </a:blip>
+          <a:stretch>
+            <a:fillRect/>
+          </a:stretch>
+        </p:blipFill>
+        <p:spPr>
+          <a:xfrm>
+            <a:off x="4651899" y="1183690"/>
+            <a:ext cx="4974785" cy="3743911"/>
+          </a:xfrm>
+          <a:prstGeom prst="rect">
+            <a:avLst/>
+          </a:prstGeom>
+        </p:spPr>
+      </p:pic>
+    </p:spTree>
+    <p:extLst>
+      <p:ext uri="{BB962C8B-B14F-4D97-AF65-F5344CB8AC3E}">
+        <p14:creationId xmlns:p14="http://schemas.microsoft.com/office/powerpoint/2010/main" val="4015413604"/>
+      </p:ext>
+    </p:extLst>
+  </p:cSld>
+  <p:clrMapOvr>
+    <a:masterClrMapping/>
+  </p:clrMapOvr>
+</p:sld>
+</file>
+
+<file path=ppt/slides/slide16.xml><?xml version="1.0" encoding="utf-8"?>
+<p:sld xmlns:a="http://schemas.openxmlformats.org/drawingml/2006/main" xmlns:r="http://schemas.openxmlformats.org/officeDocument/2006/relationships" xmlns:p="http://schemas.openxmlformats.org/presentationml/2006/main">
+  <p:cSld>
+    <p:spTree>
+      <p:nvGrpSpPr>
+        <p:cNvPr id="1" name=""/>
+        <p:cNvGrpSpPr/>
+        <p:nvPr/>
+      </p:nvGrpSpPr>
+      <p:grpSpPr>
+        <a:xfrm>
+          <a:off x="0" y="0"/>
+          <a:ext cx="0" cy="0"/>
+          <a:chOff x="0" y="0"/>
+          <a:chExt cx="0" cy="0"/>
+        </a:xfrm>
+      </p:grpSpPr>
+      <p:sp>
+        <p:nvSpPr>
+          <p:cNvPr id="2" name="Title 1">
+            <a:extLst>
+              <a:ext uri="{FF2B5EF4-FFF2-40B4-BE49-F238E27FC236}">
+                <a16:creationId xmlns:a16="http://schemas.microsoft.com/office/drawing/2014/main" id="{A533C930-62BB-49CD-A689-73D96C0BFBBB}"/>
+              </a:ext>
+            </a:extLst>
+          </p:cNvPr>
+          <p:cNvSpPr>
+            <a:spLocks noGrp="1"/>
+          </p:cNvSpPr>
+          <p:nvPr>
+            <p:ph type="title"/>
+          </p:nvPr>
+        </p:nvSpPr>
+        <p:spPr/>
+        <p:txBody>
+          <a:bodyPr/>
+          <a:lstStyle/>
+          <a:p>
+            <a:r>
+              <a:rPr lang="en-US" dirty="0"/>
+              <a:t>Aufbau</a:t>
+            </a:r>
+          </a:p>
+        </p:txBody>
+      </p:sp>
+      <p:sp>
+        <p:nvSpPr>
+          <p:cNvPr id="6" name="Date Placeholder 3">
+            <a:extLst>
+              <a:ext uri="{FF2B5EF4-FFF2-40B4-BE49-F238E27FC236}">
+                <a16:creationId xmlns:a16="http://schemas.microsoft.com/office/drawing/2014/main" id="{C597FC9F-E38B-4D7C-800C-2E507A9787EC}"/>
+              </a:ext>
+            </a:extLst>
+          </p:cNvPr>
+          <p:cNvSpPr txBox="1">
+            <a:spLocks/>
+          </p:cNvSpPr>
+          <p:nvPr/>
+        </p:nvSpPr>
+        <p:spPr>
+          <a:xfrm>
+            <a:off x="677334" y="231051"/>
+            <a:ext cx="1071566" cy="378549"/>
+          </a:xfrm>
+          <a:prstGeom prst="rect">
+            <a:avLst/>
+          </a:prstGeom>
+        </p:spPr>
+        <p:txBody>
+          <a:bodyPr vert="horz" lIns="91440" tIns="45720" rIns="91440" bIns="45720" rtlCol="0" anchor="ctr"/>
+          <a:lstStyle>
+            <a:defPPr>
+              <a:defRPr lang="en-US"/>
+            </a:defPPr>
+            <a:lvl1pPr marL="0" algn="r" defTabSz="457200" rtl="0" eaLnBrk="1" latinLnBrk="0" hangingPunct="1">
+              <a:defRPr sz="900" kern="1200">
+                <a:solidFill>
+                  <a:schemeClr val="tx1">
+                    <a:tint val="75000"/>
+                  </a:schemeClr>
+                </a:solidFill>
+                <a:latin typeface="+mn-lt"/>
+                <a:ea typeface="+mn-ea"/>
+                <a:cs typeface="+mn-cs"/>
+              </a:defRPr>
+            </a:lvl1pPr>
+            <a:lvl2pPr marL="457200" algn="l" defTabSz="457200" rtl="0" eaLnBrk="1" latinLnBrk="0" hangingPunct="1">
+              <a:defRPr sz="1800" kern="1200">
+                <a:solidFill>
+                  <a:schemeClr val="tx1"/>
+                </a:solidFill>
+                <a:latin typeface="+mn-lt"/>
+                <a:ea typeface="+mn-ea"/>
+                <a:cs typeface="+mn-cs"/>
+              </a:defRPr>
+            </a:lvl2pPr>
+            <a:lvl3pPr marL="914400" algn="l" defTabSz="457200" rtl="0" eaLnBrk="1" latinLnBrk="0" hangingPunct="1">
+              <a:defRPr sz="1800" kern="1200">
+                <a:solidFill>
+                  <a:schemeClr val="tx1"/>
+                </a:solidFill>
+                <a:latin typeface="+mn-lt"/>
+                <a:ea typeface="+mn-ea"/>
+                <a:cs typeface="+mn-cs"/>
+              </a:defRPr>
+            </a:lvl3pPr>
+            <a:lvl4pPr marL="1371600" algn="l" defTabSz="457200" rtl="0" eaLnBrk="1" latinLnBrk="0" hangingPunct="1">
+              <a:defRPr sz="1800" kern="1200">
+                <a:solidFill>
+                  <a:schemeClr val="tx1"/>
+                </a:solidFill>
+                <a:latin typeface="+mn-lt"/>
+                <a:ea typeface="+mn-ea"/>
+                <a:cs typeface="+mn-cs"/>
+              </a:defRPr>
+            </a:lvl4pPr>
+            <a:lvl5pPr marL="1828800" algn="l" defTabSz="457200" rtl="0" eaLnBrk="1" latinLnBrk="0" hangingPunct="1">
+              <a:defRPr sz="1800" kern="1200">
+                <a:solidFill>
+                  <a:schemeClr val="tx1"/>
+                </a:solidFill>
+                <a:latin typeface="+mn-lt"/>
+                <a:ea typeface="+mn-ea"/>
+                <a:cs typeface="+mn-cs"/>
+              </a:defRPr>
+            </a:lvl5pPr>
+            <a:lvl6pPr marL="2286000" algn="l" defTabSz="457200" rtl="0" eaLnBrk="1" latinLnBrk="0" hangingPunct="1">
+              <a:defRPr sz="1800" kern="1200">
+                <a:solidFill>
+                  <a:schemeClr val="tx1"/>
+                </a:solidFill>
+                <a:latin typeface="+mn-lt"/>
+                <a:ea typeface="+mn-ea"/>
+                <a:cs typeface="+mn-cs"/>
+              </a:defRPr>
+            </a:lvl6pPr>
+            <a:lvl7pPr marL="2743200" algn="l" defTabSz="457200" rtl="0" eaLnBrk="1" latinLnBrk="0" hangingPunct="1">
+              <a:defRPr sz="1800" kern="1200">
+                <a:solidFill>
+                  <a:schemeClr val="tx1"/>
+                </a:solidFill>
+                <a:latin typeface="+mn-lt"/>
+                <a:ea typeface="+mn-ea"/>
+                <a:cs typeface="+mn-cs"/>
+              </a:defRPr>
+            </a:lvl7pPr>
+            <a:lvl8pPr marL="3200400" algn="l" defTabSz="457200" rtl="0" eaLnBrk="1" latinLnBrk="0" hangingPunct="1">
+              <a:defRPr sz="1800" kern="1200">
+                <a:solidFill>
+                  <a:schemeClr val="tx1"/>
+                </a:solidFill>
+                <a:latin typeface="+mn-lt"/>
+                <a:ea typeface="+mn-ea"/>
+                <a:cs typeface="+mn-cs"/>
+              </a:defRPr>
+            </a:lvl8pPr>
+            <a:lvl9pPr marL="3657600" algn="l" defTabSz="457200" rtl="0" eaLnBrk="1" latinLnBrk="0" hangingPunct="1">
+              <a:defRPr sz="1800" kern="1200">
+                <a:solidFill>
+                  <a:schemeClr val="tx1"/>
+                </a:solidFill>
+                <a:latin typeface="+mn-lt"/>
+                <a:ea typeface="+mn-ea"/>
+                <a:cs typeface="+mn-cs"/>
+              </a:defRPr>
+            </a:lvl9pPr>
+          </a:lstStyle>
+          <a:p>
+            <a:fld id="{5665C720-CFBA-4CD6-B44E-E52DA515AFF8}" type="datetime1">
+              <a:rPr lang="de-DE" sz="1400" smtClean="0"/>
+              <a:pPr/>
+              <a:t>01.11.2020</a:t>
+            </a:fld>
+            <a:endParaRPr lang="en-US" dirty="0"/>
+          </a:p>
+        </p:txBody>
+      </p:sp>
+      <p:pic>
+        <p:nvPicPr>
+          <p:cNvPr id="5" name="Picture 4">
+            <a:extLst>
+              <a:ext uri="{FF2B5EF4-FFF2-40B4-BE49-F238E27FC236}">
+                <a16:creationId xmlns:a16="http://schemas.microsoft.com/office/drawing/2014/main" id="{5D77BC64-D583-48D4-9AD1-72901BF09C95}"/>
+              </a:ext>
+            </a:extLst>
+          </p:cNvPr>
+          <p:cNvPicPr>
+            <a:picLocks noChangeAspect="1"/>
+          </p:cNvPicPr>
+          <p:nvPr/>
+        </p:nvPicPr>
+        <p:blipFill>
+          <a:blip r:embed="rId2">
+            <a:extLst>
+              <a:ext uri="{BEBA8EAE-BF5A-486C-A8C5-ECC9F3942E4B}">
+                <a14:imgProps xmlns:a14="http://schemas.microsoft.com/office/drawing/2010/main">
+                  <a14:imgLayer r:embed="rId3">
+                    <a14:imgEffect>
+                      <a14:sharpenSoften amount="25000"/>
+                    </a14:imgEffect>
+                  </a14:imgLayer>
+                </a14:imgProps>
+              </a:ext>
+            </a:extLst>
+          </a:blip>
+          <a:stretch>
+            <a:fillRect/>
+          </a:stretch>
+        </p:blipFill>
+        <p:spPr>
+          <a:xfrm>
+            <a:off x="677334" y="82631"/>
+            <a:ext cx="5149924" cy="6775369"/>
+          </a:xfrm>
+          <a:prstGeom prst="rect">
+            <a:avLst/>
+          </a:prstGeom>
+        </p:spPr>
+      </p:pic>
+    </p:spTree>
+    <p:extLst>
+      <p:ext uri="{BB962C8B-B14F-4D97-AF65-F5344CB8AC3E}">
+        <p14:creationId xmlns:p14="http://schemas.microsoft.com/office/powerpoint/2010/main" val="4029076807"/>
+      </p:ext>
+    </p:extLst>
+  </p:cSld>
+  <p:clrMapOvr>
+    <a:masterClrMapping/>
+  </p:clrMapOvr>
+</p:sld>
+</file>
+
+<file path=ppt/slides/slide17.xml><?xml version="1.0" encoding="utf-8"?>
+<p:sld xmlns:a="http://schemas.openxmlformats.org/drawingml/2006/main" xmlns:r="http://schemas.openxmlformats.org/officeDocument/2006/relationships" xmlns:p="http://schemas.openxmlformats.org/presentationml/2006/main">
+  <p:cSld>
+    <p:spTree>
+      <p:nvGrpSpPr>
+        <p:cNvPr id="1" name=""/>
+        <p:cNvGrpSpPr/>
+        <p:nvPr/>
+      </p:nvGrpSpPr>
+      <p:grpSpPr>
+        <a:xfrm>
+          <a:off x="0" y="0"/>
+          <a:ext cx="0" cy="0"/>
+          <a:chOff x="0" y="0"/>
+          <a:chExt cx="0" cy="0"/>
+        </a:xfrm>
+      </p:grpSpPr>
+      <p:sp>
+        <p:nvSpPr>
+          <p:cNvPr id="2" name="Title 1">
+            <a:extLst>
+              <a:ext uri="{FF2B5EF4-FFF2-40B4-BE49-F238E27FC236}">
                 <a16:creationId xmlns:a16="http://schemas.microsoft.com/office/drawing/2014/main" id="{BFFE73E4-B193-441D-8A54-09AA7DF89A89}"/>
               </a:ext>
             </a:extLst>
@@ -9875,7 +10343,7 @@
             <a:fld id="{5665C720-CFBA-4CD6-B44E-E52DA515AFF8}" type="datetime1">
               <a:rPr lang="de-DE" sz="1400" smtClean="0"/>
               <a:pPr/>
-              <a:t>31.10.2020</a:t>
+              <a:t>01.11.2020</a:t>
             </a:fld>
             <a:endParaRPr lang="en-US" dirty="0"/>
           </a:p>
@@ -11168,7 +11636,7 @@
           <a:p>
             <a:fld id="{BBFE0E78-BD63-486A-A840-5A82EE4DABDC}" type="datetime1">
               <a:rPr lang="de-DE" smtClean="0"/>
-              <a:t>31.10.2020</a:t>
+              <a:t>01.11.2020</a:t>
             </a:fld>
             <a:endParaRPr lang="en-US"/>
           </a:p>
@@ -11566,7 +12034,7 @@
             <a:fld id="{5665C720-CFBA-4CD6-B44E-E52DA515AFF8}" type="datetime1">
               <a:rPr lang="de-DE" sz="1400" smtClean="0"/>
               <a:pPr/>
-              <a:t>31.10.2020</a:t>
+              <a:t>01.11.2020</a:t>
             </a:fld>
             <a:endParaRPr lang="en-US" dirty="0"/>
           </a:p>
@@ -12031,7 +12499,7 @@
             <a:fld id="{5665C720-CFBA-4CD6-B44E-E52DA515AFF8}" type="datetime1">
               <a:rPr lang="de-DE" sz="1400" smtClean="0"/>
               <a:pPr/>
-              <a:t>31.10.2020</a:t>
+              <a:t>01.11.2020</a:t>
             </a:fld>
             <a:endParaRPr lang="en-US" dirty="0"/>
           </a:p>
@@ -12726,7 +13194,7 @@
             <a:fld id="{5665C720-CFBA-4CD6-B44E-E52DA515AFF8}" type="datetime1">
               <a:rPr lang="de-DE" sz="1400" smtClean="0"/>
               <a:pPr/>
-              <a:t>31.10.2020</a:t>
+              <a:t>01.11.2020</a:t>
             </a:fld>
             <a:endParaRPr lang="en-US" dirty="0"/>
           </a:p>
@@ -13094,7 +13562,7 @@
             <a:fld id="{5665C720-CFBA-4CD6-B44E-E52DA515AFF8}" type="datetime1">
               <a:rPr lang="de-DE" sz="1400" smtClean="0"/>
               <a:pPr/>
-              <a:t>31.10.2020</a:t>
+              <a:t>01.11.2020</a:t>
             </a:fld>
             <a:endParaRPr lang="en-US" dirty="0"/>
           </a:p>
@@ -13983,7 +14451,7 @@
             <a:fld id="{5665C720-CFBA-4CD6-B44E-E52DA515AFF8}" type="datetime1">
               <a:rPr lang="de-DE" sz="1400" smtClean="0"/>
               <a:pPr/>
-              <a:t>31.10.2020</a:t>
+              <a:t>01.11.2020</a:t>
             </a:fld>
             <a:endParaRPr lang="en-US" dirty="0"/>
           </a:p>

--- a/presentation/wanderoo – Gruppe 3.pptx
+++ b/presentation/wanderoo – Gruppe 3.pptx
@@ -9868,7 +9868,7 @@
         </p:nvSpPr>
         <p:spPr>
           <a:xfrm>
-            <a:off x="677334" y="4720561"/>
+            <a:off x="677334" y="5056120"/>
             <a:ext cx="8596668" cy="1320801"/>
           </a:xfrm>
         </p:spPr>

--- a/presentation/wanderoo – Gruppe 3.pptx
+++ b/presentation/wanderoo – Gruppe 3.pptx
@@ -213,7 +213,7 @@
           <a:p>
             <a:fld id="{91C987E9-D846-45D7-B0BA-09A404DDD18F}" type="datetimeFigureOut">
               <a:rPr lang="en-US" smtClean="0"/>
-              <a:t>11/1/2020</a:t>
+              <a:t>11/2/2020</a:t>
             </a:fld>
             <a:endParaRPr lang="en-US"/>
           </a:p>
@@ -371,7 +371,7 @@
           <a:p>
             <a:fld id="{E9848302-4D0B-44CA-8F00-816E91755838}" type="slidenum">
               <a:rPr lang="en-US" smtClean="0"/>
-              <a:t>‹#›</a:t>
+              <a:t>‹Nr.›</a:t>
             </a:fld>
             <a:endParaRPr lang="en-US"/>
           </a:p>
@@ -1532,7 +1532,7 @@
           <a:p>
             <a:fld id="{F7B45734-1697-4AB7-959A-59021CEE7C63}" type="datetime1">
               <a:rPr lang="de-DE" smtClean="0"/>
-              <a:t>01.11.2020</a:t>
+              <a:t>02.11.2020</a:t>
             </a:fld>
             <a:endParaRPr lang="en-US"/>
           </a:p>
@@ -1574,7 +1574,7 @@
           <a:p>
             <a:fld id="{55605263-C902-48DB-AA98-994A2984047F}" type="slidenum">
               <a:rPr lang="en-US" smtClean="0"/>
-              <a:t>‹#›</a:t>
+              <a:t>‹Nr.›</a:t>
             </a:fld>
             <a:endParaRPr lang="en-US"/>
           </a:p>
@@ -1795,7 +1795,7 @@
           <a:p>
             <a:fld id="{28E0F9FB-1E8A-4CFC-BF19-70653968A72B}" type="datetime1">
               <a:rPr lang="de-DE" smtClean="0"/>
-              <a:t>01.11.2020</a:t>
+              <a:t>02.11.2020</a:t>
             </a:fld>
             <a:endParaRPr lang="en-US"/>
           </a:p>
@@ -1837,7 +1837,7 @@
           <a:p>
             <a:fld id="{55605263-C902-48DB-AA98-994A2984047F}" type="slidenum">
               <a:rPr lang="en-US" smtClean="0"/>
-              <a:t>‹#›</a:t>
+              <a:t>‹Nr.›</a:t>
             </a:fld>
             <a:endParaRPr lang="en-US"/>
           </a:p>
@@ -2046,7 +2046,7 @@
           <a:p>
             <a:fld id="{4C8791FF-7201-4729-B98B-5B802CB6FE26}" type="datetime1">
               <a:rPr lang="de-DE" smtClean="0"/>
-              <a:t>01.11.2020</a:t>
+              <a:t>02.11.2020</a:t>
             </a:fld>
             <a:endParaRPr lang="en-US"/>
           </a:p>
@@ -2088,7 +2088,7 @@
           <a:p>
             <a:fld id="{55605263-C902-48DB-AA98-994A2984047F}" type="slidenum">
               <a:rPr lang="en-US" smtClean="0"/>
-              <a:t>‹#›</a:t>
+              <a:t>‹Nr.›</a:t>
             </a:fld>
             <a:endParaRPr lang="en-US"/>
           </a:p>
@@ -2360,7 +2360,7 @@
           <a:p>
             <a:fld id="{16EBDE9D-3BF1-458B-B04E-AA7056777578}" type="datetime1">
               <a:rPr lang="de-DE" smtClean="0"/>
-              <a:t>01.11.2020</a:t>
+              <a:t>02.11.2020</a:t>
             </a:fld>
             <a:endParaRPr lang="en-US"/>
           </a:p>
@@ -2402,7 +2402,7 @@
           <a:p>
             <a:fld id="{55605263-C902-48DB-AA98-994A2984047F}" type="slidenum">
               <a:rPr lang="en-US" smtClean="0"/>
-              <a:t>‹#›</a:t>
+              <a:t>‹Nr.›</a:t>
             </a:fld>
             <a:endParaRPr lang="en-US"/>
           </a:p>
@@ -2701,7 +2701,7 @@
           <a:p>
             <a:fld id="{72379833-F89A-4CC5-AD26-2146F255572C}" type="datetime1">
               <a:rPr lang="de-DE" smtClean="0"/>
-              <a:t>01.11.2020</a:t>
+              <a:t>02.11.2020</a:t>
             </a:fld>
             <a:endParaRPr lang="en-US"/>
           </a:p>
@@ -2743,7 +2743,7 @@
           <a:p>
             <a:fld id="{55605263-C902-48DB-AA98-994A2984047F}" type="slidenum">
               <a:rPr lang="en-US" smtClean="0"/>
-              <a:t>‹#›</a:t>
+              <a:t>‹Nr.›</a:t>
             </a:fld>
             <a:endParaRPr lang="en-US"/>
           </a:p>
@@ -3015,7 +3015,7 @@
           <a:p>
             <a:fld id="{431A2CE2-D7A9-4F80-8471-7A4DA8B72368}" type="datetime1">
               <a:rPr lang="de-DE" smtClean="0"/>
-              <a:t>01.11.2020</a:t>
+              <a:t>02.11.2020</a:t>
             </a:fld>
             <a:endParaRPr lang="en-US"/>
           </a:p>
@@ -3057,7 +3057,7 @@
           <a:p>
             <a:fld id="{55605263-C902-48DB-AA98-994A2984047F}" type="slidenum">
               <a:rPr lang="en-US" smtClean="0"/>
-              <a:t>‹#›</a:t>
+              <a:t>‹Nr.›</a:t>
             </a:fld>
             <a:endParaRPr lang="en-US"/>
           </a:p>
@@ -3408,7 +3408,7 @@
           <a:p>
             <a:fld id="{4B9D6D1C-E905-4368-9630-7DD1E44954A8}" type="datetime1">
               <a:rPr lang="de-DE" smtClean="0"/>
-              <a:t>01.11.2020</a:t>
+              <a:t>02.11.2020</a:t>
             </a:fld>
             <a:endParaRPr lang="en-US"/>
           </a:p>
@@ -3450,7 +3450,7 @@
           <a:p>
             <a:fld id="{55605263-C902-48DB-AA98-994A2984047F}" type="slidenum">
               <a:rPr lang="en-US" smtClean="0"/>
-              <a:t>‹#›</a:t>
+              <a:t>‹Nr.›</a:t>
             </a:fld>
             <a:endParaRPr lang="en-US"/>
           </a:p>
@@ -3578,7 +3578,7 @@
           <a:p>
             <a:fld id="{8627FA29-765F-442F-8C7E-8C4E33FBBD15}" type="datetime1">
               <a:rPr lang="de-DE" smtClean="0"/>
-              <a:t>01.11.2020</a:t>
+              <a:t>02.11.2020</a:t>
             </a:fld>
             <a:endParaRPr lang="en-US"/>
           </a:p>
@@ -3620,7 +3620,7 @@
           <a:p>
             <a:fld id="{55605263-C902-48DB-AA98-994A2984047F}" type="slidenum">
               <a:rPr lang="en-US" smtClean="0"/>
-              <a:t>‹#›</a:t>
+              <a:t>‹Nr.›</a:t>
             </a:fld>
             <a:endParaRPr lang="en-US"/>
           </a:p>
@@ -3758,7 +3758,7 @@
           <a:p>
             <a:fld id="{C79E08BA-6372-4F95-AB4E-CF7226F9351B}" type="datetime1">
               <a:rPr lang="de-DE" smtClean="0"/>
-              <a:t>01.11.2020</a:t>
+              <a:t>02.11.2020</a:t>
             </a:fld>
             <a:endParaRPr lang="en-US"/>
           </a:p>
@@ -3800,7 +3800,7 @@
           <a:p>
             <a:fld id="{55605263-C902-48DB-AA98-994A2984047F}" type="slidenum">
               <a:rPr lang="en-US" smtClean="0"/>
-              <a:t>‹#›</a:t>
+              <a:t>‹Nr.›</a:t>
             </a:fld>
             <a:endParaRPr lang="en-US"/>
           </a:p>
@@ -3934,7 +3934,7 @@
           <a:p>
             <a:fld id="{BBFE0E78-BD63-486A-A840-5A82EE4DABDC}" type="datetime1">
               <a:rPr lang="de-DE" smtClean="0"/>
-              <a:t>01.11.2020</a:t>
+              <a:t>02.11.2020</a:t>
             </a:fld>
             <a:endParaRPr lang="en-US"/>
           </a:p>
@@ -3976,7 +3976,7 @@
           <a:p>
             <a:fld id="{55605263-C902-48DB-AA98-994A2984047F}" type="slidenum">
               <a:rPr lang="en-US" smtClean="0"/>
-              <a:t>‹#›</a:t>
+              <a:t>‹Nr.›</a:t>
             </a:fld>
             <a:endParaRPr lang="en-US"/>
           </a:p>
@@ -4063,7 +4063,7 @@
           <a:p>
             <a:fld id="{FD088E02-9980-4083-8604-339DD30750A9}" type="datetime1">
               <a:rPr lang="de-DE" smtClean="0"/>
-              <a:t>01.11.2020</a:t>
+              <a:t>02.11.2020</a:t>
             </a:fld>
             <a:endParaRPr lang="en-US"/>
           </a:p>
@@ -4117,7 +4117,7 @@
           <a:p>
             <a:fld id="{55605263-C902-48DB-AA98-994A2984047F}" type="slidenum">
               <a:rPr lang="en-US" smtClean="0"/>
-              <a:t>‹#›</a:t>
+              <a:t>‹Nr.›</a:t>
             </a:fld>
             <a:endParaRPr lang="en-US"/>
           </a:p>
@@ -4405,7 +4405,7 @@
           <a:p>
             <a:fld id="{512B8740-04A0-4F0F-BA2E-747FAA8552CF}" type="datetime1">
               <a:rPr lang="de-DE" smtClean="0"/>
-              <a:t>01.11.2020</a:t>
+              <a:t>02.11.2020</a:t>
             </a:fld>
             <a:endParaRPr lang="en-US"/>
           </a:p>
@@ -4447,7 +4447,7 @@
           <a:p>
             <a:fld id="{55605263-C902-48DB-AA98-994A2984047F}" type="slidenum">
               <a:rPr lang="en-US" smtClean="0"/>
-              <a:t>‹#›</a:t>
+              <a:t>‹Nr.›</a:t>
             </a:fld>
             <a:endParaRPr lang="en-US"/>
           </a:p>
@@ -4637,7 +4637,7 @@
           <a:p>
             <a:fld id="{52340480-09C1-41B7-ACEE-F79B5ACF8268}" type="datetime1">
               <a:rPr lang="de-DE" smtClean="0"/>
-              <a:t>01.11.2020</a:t>
+              <a:t>02.11.2020</a:t>
             </a:fld>
             <a:endParaRPr lang="en-US"/>
           </a:p>
@@ -4679,7 +4679,7 @@
           <a:p>
             <a:fld id="{55605263-C902-48DB-AA98-994A2984047F}" type="slidenum">
               <a:rPr lang="en-US" smtClean="0"/>
-              <a:t>‹#›</a:t>
+              <a:t>‹Nr.›</a:t>
             </a:fld>
             <a:endParaRPr lang="en-US"/>
           </a:p>
@@ -5011,7 +5011,7 @@
           <a:p>
             <a:fld id="{3C76072F-ABDE-49C9-B45F-982F33145057}" type="datetime1">
               <a:rPr lang="de-DE" smtClean="0"/>
-              <a:t>01.11.2020</a:t>
+              <a:t>02.11.2020</a:t>
             </a:fld>
             <a:endParaRPr lang="en-US"/>
           </a:p>
@@ -5053,7 +5053,7 @@
           <a:p>
             <a:fld id="{55605263-C902-48DB-AA98-994A2984047F}" type="slidenum">
               <a:rPr lang="en-US" smtClean="0"/>
-              <a:t>‹#›</a:t>
+              <a:t>‹Nr.›</a:t>
             </a:fld>
             <a:endParaRPr lang="en-US"/>
           </a:p>
@@ -5134,7 +5134,7 @@
           <a:p>
             <a:fld id="{FF972E03-99BD-433F-85AD-6324DFFF3902}" type="datetime1">
               <a:rPr lang="de-DE" smtClean="0"/>
-              <a:t>01.11.2020</a:t>
+              <a:t>02.11.2020</a:t>
             </a:fld>
             <a:endParaRPr lang="en-US"/>
           </a:p>
@@ -5176,7 +5176,7 @@
           <a:p>
             <a:fld id="{55605263-C902-48DB-AA98-994A2984047F}" type="slidenum">
               <a:rPr lang="en-US" smtClean="0"/>
-              <a:t>‹#›</a:t>
+              <a:t>‹Nr.›</a:t>
             </a:fld>
             <a:endParaRPr lang="en-US"/>
           </a:p>
@@ -5229,7 +5229,7 @@
           <a:p>
             <a:fld id="{EB4EFE40-CAA3-420B-8D0E-DBD5AB0FE83F}" type="datetime1">
               <a:rPr lang="de-DE" smtClean="0"/>
-              <a:t>01.11.2020</a:t>
+              <a:t>02.11.2020</a:t>
             </a:fld>
             <a:endParaRPr lang="en-US"/>
           </a:p>
@@ -5271,7 +5271,7 @@
           <a:p>
             <a:fld id="{55605263-C902-48DB-AA98-994A2984047F}" type="slidenum">
               <a:rPr lang="en-US" smtClean="0"/>
-              <a:t>‹#›</a:t>
+              <a:t>‹Nr.›</a:t>
             </a:fld>
             <a:endParaRPr lang="en-US"/>
           </a:p>
@@ -5484,7 +5484,7 @@
           <a:p>
             <a:fld id="{E2AC2435-A98B-4155-AB69-4F954FE6AEBB}" type="datetime1">
               <a:rPr lang="de-DE" smtClean="0"/>
-              <a:t>01.11.2020</a:t>
+              <a:t>02.11.2020</a:t>
             </a:fld>
             <a:endParaRPr lang="en-US"/>
           </a:p>
@@ -5526,7 +5526,7 @@
           <a:p>
             <a:fld id="{55605263-C902-48DB-AA98-994A2984047F}" type="slidenum">
               <a:rPr lang="en-US" smtClean="0"/>
-              <a:t>‹#›</a:t>
+              <a:t>‹Nr.›</a:t>
             </a:fld>
             <a:endParaRPr lang="en-US"/>
           </a:p>
@@ -6227,7 +6227,7 @@
           <a:p>
             <a:fld id="{589A2304-41B2-49D5-86E3-82760E9ED896}" type="datetime1">
               <a:rPr lang="de-DE" smtClean="0"/>
-              <a:t>01.11.2020</a:t>
+              <a:t>02.11.2020</a:t>
             </a:fld>
             <a:endParaRPr lang="en-US"/>
           </a:p>
@@ -6303,7 +6303,7 @@
           <a:p>
             <a:fld id="{55605263-C902-48DB-AA98-994A2984047F}" type="slidenum">
               <a:rPr lang="en-US" smtClean="0"/>
-              <a:t>‹#›</a:t>
+              <a:t>‹Nr.›</a:t>
             </a:fld>
             <a:endParaRPr lang="en-US"/>
           </a:p>
@@ -6852,7 +6852,7 @@
           <a:p>
             <a:fld id="{46B7071C-03FC-43DF-B990-14F749E9D9DA}" type="datetime1">
               <a:rPr lang="de-DE" smtClean="0"/>
-              <a:t>01.11.2020</a:t>
+              <a:t>02.11.2020</a:t>
             </a:fld>
             <a:endParaRPr lang="en-US" dirty="0"/>
           </a:p>
@@ -7121,7 +7121,7 @@
             <a:fld id="{5665C720-CFBA-4CD6-B44E-E52DA515AFF8}" type="datetime1">
               <a:rPr lang="de-DE" sz="1400" smtClean="0"/>
               <a:pPr/>
-              <a:t>01.11.2020</a:t>
+              <a:t>02.11.2020</a:t>
             </a:fld>
             <a:endParaRPr lang="en-US" dirty="0"/>
           </a:p>
@@ -7637,7 +7637,7 @@
             <a:fld id="{5665C720-CFBA-4CD6-B44E-E52DA515AFF8}" type="datetime1">
               <a:rPr lang="de-DE" sz="1400" smtClean="0"/>
               <a:pPr/>
-              <a:t>01.11.2020</a:t>
+              <a:t>02.11.2020</a:t>
             </a:fld>
             <a:endParaRPr lang="en-US" dirty="0"/>
           </a:p>
@@ -8181,7 +8181,7 @@
             <a:fld id="{5665C720-CFBA-4CD6-B44E-E52DA515AFF8}" type="datetime1">
               <a:rPr lang="de-DE" sz="1400" smtClean="0"/>
               <a:pPr/>
-              <a:t>01.11.2020</a:t>
+              <a:t>02.11.2020</a:t>
             </a:fld>
             <a:endParaRPr lang="en-US" dirty="0"/>
           </a:p>
@@ -8689,7 +8689,7 @@
             <a:fld id="{5665C720-CFBA-4CD6-B44E-E52DA515AFF8}" type="datetime1">
               <a:rPr lang="de-DE" sz="1400" smtClean="0"/>
               <a:pPr/>
-              <a:t>01.11.2020</a:t>
+              <a:t>02.11.2020</a:t>
             </a:fld>
             <a:endParaRPr lang="en-US" dirty="0"/>
           </a:p>
@@ -9141,7 +9141,7 @@
             <a:fld id="{5665C720-CFBA-4CD6-B44E-E52DA515AFF8}" type="datetime1">
               <a:rPr lang="de-DE" sz="1400" smtClean="0"/>
               <a:pPr/>
-              <a:t>01.11.2020</a:t>
+              <a:t>02.11.2020</a:t>
             </a:fld>
             <a:endParaRPr lang="en-US" dirty="0"/>
           </a:p>
@@ -9470,7 +9470,7 @@
             <a:fld id="{5665C720-CFBA-4CD6-B44E-E52DA515AFF8}" type="datetime1">
               <a:rPr lang="de-DE" sz="1400" smtClean="0"/>
               <a:pPr/>
-              <a:t>01.11.2020</a:t>
+              <a:t>02.11.2020</a:t>
             </a:fld>
             <a:endParaRPr lang="en-US" dirty="0"/>
           </a:p>
@@ -9743,7 +9743,7 @@
             <a:fld id="{5665C720-CFBA-4CD6-B44E-E52DA515AFF8}" type="datetime1">
               <a:rPr lang="de-DE" sz="1400" smtClean="0"/>
               <a:pPr/>
-              <a:t>01.11.2020</a:t>
+              <a:t>02.11.2020</a:t>
             </a:fld>
             <a:endParaRPr lang="en-US" dirty="0"/>
           </a:p>
@@ -9807,6 +9807,14 @@
 <file path=ppt/slides/slide17.xml><?xml version="1.0" encoding="utf-8"?>
 <p:sld xmlns:a="http://schemas.openxmlformats.org/drawingml/2006/main" xmlns:r="http://schemas.openxmlformats.org/officeDocument/2006/relationships" xmlns:p="http://schemas.openxmlformats.org/presentationml/2006/main">
   <p:cSld>
+    <p:bg>
+      <p:bgPr>
+        <a:solidFill>
+          <a:schemeClr val="bg1"/>
+        </a:solidFill>
+        <a:effectLst/>
+      </p:bgPr>
+    </p:bg>
     <p:spTree>
       <p:nvGrpSpPr>
         <p:cNvPr id="1" name=""/>
@@ -9837,9 +9845,16 @@
             <p:ph type="title"/>
           </p:nvPr>
         </p:nvSpPr>
-        <p:spPr/>
-        <p:txBody>
-          <a:bodyPr/>
+        <p:spPr>
+          <a:xfrm>
+            <a:off x="677334" y="609600"/>
+            <a:ext cx="8596668" cy="1320800"/>
+          </a:xfrm>
+        </p:spPr>
+        <p:txBody>
+          <a:bodyPr anchor="t">
+            <a:normAutofit/>
+          </a:bodyPr>
           <a:lstStyle/>
           <a:p>
             <a:r>
@@ -9868,12 +9883,14 @@
         </p:nvSpPr>
         <p:spPr>
           <a:xfrm>
-            <a:off x="677334" y="5056120"/>
-            <a:ext cx="8596668" cy="1320801"/>
+            <a:off x="677334" y="2160589"/>
+            <a:ext cx="3957349" cy="3749323"/>
           </a:xfrm>
         </p:spPr>
         <p:txBody>
-          <a:bodyPr/>
+          <a:bodyPr>
+            <a:normAutofit/>
+          </a:bodyPr>
           <a:lstStyle/>
           <a:p>
             <a:r>
@@ -10005,7 +10022,11 @@
             </a:r>
             <a:r>
               <a:rPr lang="en-US" dirty="0"/>
-              <a:t> auf dem git </a:t>
+              <a:t> auf </a:t>
+            </a:r>
+            <a:r>
+              <a:rPr lang="en-US"/>
+              <a:t>dem Git </a:t>
             </a:r>
             <a:r>
               <a:rPr lang="en-US" dirty="0" err="1"/>
@@ -10039,6 +10060,36 @@
           </a:p>
         </p:txBody>
       </p:sp>
+      <p:pic>
+        <p:nvPicPr>
+          <p:cNvPr id="6" name="Grafik 5">
+            <a:extLst>
+              <a:ext uri="{FF2B5EF4-FFF2-40B4-BE49-F238E27FC236}">
+                <a16:creationId xmlns:a16="http://schemas.microsoft.com/office/drawing/2014/main" id="{8A0BAC4A-736B-4AB6-A329-C92FE80A095E}"/>
+              </a:ext>
+            </a:extLst>
+          </p:cNvPr>
+          <p:cNvPicPr>
+            <a:picLocks noChangeAspect="1"/>
+          </p:cNvPicPr>
+          <p:nvPr/>
+        </p:nvPicPr>
+        <p:blipFill>
+          <a:blip r:embed="rId2"/>
+          <a:stretch>
+            <a:fillRect/>
+          </a:stretch>
+        </p:blipFill>
+        <p:spPr>
+          <a:xfrm>
+            <a:off x="4987137" y="2159331"/>
+            <a:ext cx="4204989" cy="3553215"/>
+          </a:xfrm>
+          <a:prstGeom prst="rect">
+            <a:avLst/>
+          </a:prstGeom>
+        </p:spPr>
+      </p:pic>
       <p:sp>
         <p:nvSpPr>
           <p:cNvPr id="7" name="Date Placeholder 3">
@@ -10162,58 +10213,16 @@
             </a:lvl9pPr>
           </a:lstStyle>
           <a:p>
-            <a:r>
-              <a:rPr lang="de-DE" sz="1400" dirty="0"/>
-              <a:t>Veronika Taranek, Philipp </a:t>
-            </a:r>
-            <a:r>
-              <a:rPr lang="de-DE" sz="1400" dirty="0" err="1"/>
-              <a:t>Fenesan</a:t>
-            </a:r>
-            <a:r>
-              <a:rPr lang="de-DE" sz="1400" dirty="0"/>
-              <a:t>, Nicolas Geppert, Lukas Werner</a:t>
-            </a:r>
-            <a:endParaRPr lang="en-US" dirty="0"/>
-          </a:p>
-        </p:txBody>
-      </p:sp>
-      <p:sp>
-        <p:nvSpPr>
-          <p:cNvPr id="5" name="TextBox 4">
-            <a:extLst>
-              <a:ext uri="{FF2B5EF4-FFF2-40B4-BE49-F238E27FC236}">
-                <a16:creationId xmlns:a16="http://schemas.microsoft.com/office/drawing/2014/main" id="{C50338CC-BAF4-4233-B337-6673376B0790}"/>
-              </a:ext>
-            </a:extLst>
-          </p:cNvPr>
-          <p:cNvSpPr txBox="1"/>
-          <p:nvPr/>
-        </p:nvSpPr>
-        <p:spPr>
-          <a:xfrm>
-            <a:off x="1748900" y="1930400"/>
-            <a:ext cx="6490225" cy="369332"/>
-          </a:xfrm>
-          <a:prstGeom prst="rect">
-            <a:avLst/>
-          </a:prstGeom>
-          <a:noFill/>
-        </p:spPr>
-        <p:txBody>
-          <a:bodyPr wrap="square" rtlCol="0">
-            <a:spAutoFit/>
-          </a:bodyPr>
-          <a:lstStyle/>
-          <a:p>
-            <a:r>
-              <a:rPr lang="en-US" dirty="0" err="1"/>
-              <a:t>Platzhalter</a:t>
-            </a:r>
-            <a:r>
-              <a:rPr lang="en-US" dirty="0"/>
-              <a:t> ERD</a:t>
-            </a:r>
+            <a:pPr>
+              <a:spcAft>
+                <a:spcPts val="600"/>
+              </a:spcAft>
+            </a:pPr>
+            <a:r>
+              <a:rPr lang="de-DE" sz="1400"/>
+              <a:t>Veronika Taranek, Philipp Fenesan, Nicolas Geppert, Lukas Werner</a:t>
+            </a:r>
+            <a:endParaRPr lang="en-US"/>
           </a:p>
         </p:txBody>
       </p:sp>
@@ -10340,12 +10349,21 @@
             </a:lvl9pPr>
           </a:lstStyle>
           <a:p>
+            <a:pPr>
+              <a:spcAft>
+                <a:spcPts val="600"/>
+              </a:spcAft>
+            </a:pPr>
             <a:fld id="{5665C720-CFBA-4CD6-B44E-E52DA515AFF8}" type="datetime1">
               <a:rPr lang="de-DE" sz="1400" smtClean="0"/>
-              <a:pPr/>
-              <a:t>01.11.2020</a:t>
+              <a:pPr>
+                <a:spcAft>
+                  <a:spcPts val="600"/>
+                </a:spcAft>
+              </a:pPr>
+              <a:t>02.11.2020</a:t>
             </a:fld>
-            <a:endParaRPr lang="en-US" dirty="0"/>
+            <a:endParaRPr lang="en-US"/>
           </a:p>
         </p:txBody>
       </p:sp>
@@ -11636,7 +11654,7 @@
           <a:p>
             <a:fld id="{BBFE0E78-BD63-486A-A840-5A82EE4DABDC}" type="datetime1">
               <a:rPr lang="de-DE" smtClean="0"/>
-              <a:t>01.11.2020</a:t>
+              <a:t>02.11.2020</a:t>
             </a:fld>
             <a:endParaRPr lang="en-US"/>
           </a:p>
@@ -12034,7 +12052,7 @@
             <a:fld id="{5665C720-CFBA-4CD6-B44E-E52DA515AFF8}" type="datetime1">
               <a:rPr lang="de-DE" sz="1400" smtClean="0"/>
               <a:pPr/>
-              <a:t>01.11.2020</a:t>
+              <a:t>02.11.2020</a:t>
             </a:fld>
             <a:endParaRPr lang="en-US" dirty="0"/>
           </a:p>
@@ -12499,7 +12517,7 @@
             <a:fld id="{5665C720-CFBA-4CD6-B44E-E52DA515AFF8}" type="datetime1">
               <a:rPr lang="de-DE" sz="1400" smtClean="0"/>
               <a:pPr/>
-              <a:t>01.11.2020</a:t>
+              <a:t>02.11.2020</a:t>
             </a:fld>
             <a:endParaRPr lang="en-US" dirty="0"/>
           </a:p>
@@ -13194,7 +13212,7 @@
             <a:fld id="{5665C720-CFBA-4CD6-B44E-E52DA515AFF8}" type="datetime1">
               <a:rPr lang="de-DE" sz="1400" smtClean="0"/>
               <a:pPr/>
-              <a:t>01.11.2020</a:t>
+              <a:t>02.11.2020</a:t>
             </a:fld>
             <a:endParaRPr lang="en-US" dirty="0"/>
           </a:p>
@@ -13562,7 +13580,7 @@
             <a:fld id="{5665C720-CFBA-4CD6-B44E-E52DA515AFF8}" type="datetime1">
               <a:rPr lang="de-DE" sz="1400" smtClean="0"/>
               <a:pPr/>
-              <a:t>01.11.2020</a:t>
+              <a:t>02.11.2020</a:t>
             </a:fld>
             <a:endParaRPr lang="en-US" dirty="0"/>
           </a:p>
@@ -14451,7 +14469,7 @@
             <a:fld id="{5665C720-CFBA-4CD6-B44E-E52DA515AFF8}" type="datetime1">
               <a:rPr lang="de-DE" sz="1400" smtClean="0"/>
               <a:pPr/>
-              <a:t>01.11.2020</a:t>
+              <a:t>02.11.2020</a:t>
             </a:fld>
             <a:endParaRPr lang="en-US" dirty="0"/>
           </a:p>

--- a/presentation/wanderoo – Gruppe 3.pptx
+++ b/presentation/wanderoo – Gruppe 3.pptx
@@ -9847,12 +9847,12 @@
         </p:nvSpPr>
         <p:spPr>
           <a:xfrm>
-            <a:off x="677334" y="609600"/>
-            <a:ext cx="8596668" cy="1320800"/>
+            <a:off x="6090445" y="609600"/>
+            <a:ext cx="3183556" cy="1320800"/>
           </a:xfrm>
         </p:spPr>
         <p:txBody>
-          <a:bodyPr anchor="t">
+          <a:bodyPr anchor="ctr">
             <a:normAutofit/>
           </a:bodyPr>
           <a:lstStyle/>
@@ -9883,8 +9883,8 @@
         </p:nvSpPr>
         <p:spPr>
           <a:xfrm>
-            <a:off x="677334" y="2160589"/>
-            <a:ext cx="3957349" cy="3749323"/>
+            <a:off x="6094410" y="2160589"/>
+            <a:ext cx="3176589" cy="3880773"/>
           </a:xfrm>
         </p:spPr>
         <p:txBody>
@@ -9894,167 +9894,14 @@
           <a:lstStyle/>
           <a:p>
             <a:r>
-              <a:rPr lang="en-US" dirty="0" err="1"/>
-              <a:t>Als</a:t>
-            </a:r>
-            <a:r>
-              <a:rPr lang="en-US" dirty="0"/>
-              <a:t> </a:t>
-            </a:r>
-            <a:r>
-              <a:rPr lang="en-US" dirty="0" err="1"/>
-              <a:t>Datenbanklösung</a:t>
-            </a:r>
-            <a:r>
-              <a:rPr lang="en-US" dirty="0"/>
-              <a:t> </a:t>
-            </a:r>
-            <a:r>
-              <a:rPr lang="en-US" dirty="0" err="1"/>
-              <a:t>nutzen</a:t>
-            </a:r>
-            <a:r>
-              <a:rPr lang="en-US" dirty="0"/>
-              <a:t> </a:t>
-            </a:r>
-            <a:r>
-              <a:rPr lang="en-US" dirty="0" err="1"/>
-              <a:t>wir</a:t>
-            </a:r>
-            <a:r>
-              <a:rPr lang="en-US" dirty="0"/>
-              <a:t> </a:t>
-            </a:r>
-            <a:r>
-              <a:rPr lang="en-US" dirty="0" err="1"/>
-              <a:t>als</a:t>
-            </a:r>
-            <a:r>
-              <a:rPr lang="en-US" dirty="0"/>
-              <a:t> </a:t>
-            </a:r>
-            <a:r>
-              <a:rPr lang="en-US" dirty="0" err="1"/>
-              <a:t>LocalHost</a:t>
-            </a:r>
-            <a:r>
-              <a:rPr lang="en-US" dirty="0"/>
-              <a:t> </a:t>
-            </a:r>
-            <a:r>
-              <a:rPr lang="en-US" dirty="0" err="1"/>
-              <a:t>eine</a:t>
-            </a:r>
-            <a:r>
-              <a:rPr lang="en-US" dirty="0"/>
-              <a:t> MySQL-</a:t>
-            </a:r>
-            <a:r>
-              <a:rPr lang="en-US" dirty="0" err="1"/>
-              <a:t>Datenbank</a:t>
-            </a:r>
-            <a:endParaRPr lang="en-US" dirty="0"/>
-          </a:p>
-          <a:p>
-            <a:r>
-              <a:rPr lang="en-US" dirty="0"/>
-              <a:t>Die </a:t>
-            </a:r>
-            <a:r>
-              <a:rPr lang="en-US" dirty="0" err="1"/>
-              <a:t>Anbindung</a:t>
-            </a:r>
-            <a:r>
-              <a:rPr lang="en-US" dirty="0"/>
-              <a:t> an </a:t>
-            </a:r>
-            <a:r>
-              <a:rPr lang="en-US" dirty="0" err="1"/>
-              <a:t>einen</a:t>
-            </a:r>
-            <a:r>
-              <a:rPr lang="en-US" dirty="0"/>
-              <a:t> Server </a:t>
-            </a:r>
-            <a:r>
-              <a:rPr lang="en-US" dirty="0" err="1"/>
-              <a:t>wäre</a:t>
-            </a:r>
-            <a:r>
-              <a:rPr lang="en-US" dirty="0"/>
-              <a:t> </a:t>
-            </a:r>
-            <a:r>
-              <a:rPr lang="en-US" dirty="0" err="1"/>
-              <a:t>möglich</a:t>
-            </a:r>
-            <a:r>
-              <a:rPr lang="en-US" dirty="0"/>
-              <a:t>, </a:t>
-            </a:r>
-            <a:r>
-              <a:rPr lang="en-US" dirty="0" err="1"/>
-              <a:t>soll</a:t>
-            </a:r>
-            <a:r>
-              <a:rPr lang="en-US" dirty="0"/>
-              <a:t> </a:t>
-            </a:r>
-            <a:r>
-              <a:rPr lang="en-US" dirty="0" err="1"/>
-              <a:t>jedoch</a:t>
-            </a:r>
-            <a:r>
-              <a:rPr lang="en-US" dirty="0"/>
-              <a:t> </a:t>
-            </a:r>
-            <a:r>
-              <a:rPr lang="en-US" dirty="0" err="1"/>
-              <a:t>nicht</a:t>
-            </a:r>
-            <a:r>
-              <a:rPr lang="en-US" dirty="0"/>
-              <a:t> </a:t>
-            </a:r>
-            <a:r>
-              <a:rPr lang="en-US" dirty="0" err="1"/>
-              <a:t>öffentlich</a:t>
-            </a:r>
-            <a:r>
-              <a:rPr lang="en-US" dirty="0"/>
-              <a:t> auf </a:t>
-            </a:r>
-            <a:r>
               <a:rPr lang="en-US"/>
-              <a:t>dem Git </a:t>
-            </a:r>
-            <a:r>
-              <a:rPr lang="en-US" dirty="0" err="1"/>
-              <a:t>liegen</a:t>
-            </a:r>
-            <a:r>
-              <a:rPr lang="en-US" dirty="0"/>
-              <a:t>, da der Server </a:t>
-            </a:r>
-            <a:r>
-              <a:rPr lang="en-US" dirty="0" err="1"/>
-              <a:t>privat</a:t>
-            </a:r>
-            <a:r>
-              <a:rPr lang="en-US" dirty="0"/>
-              <a:t> </a:t>
-            </a:r>
-            <a:r>
-              <a:rPr lang="en-US" dirty="0" err="1"/>
-              <a:t>aufgesetzt</a:t>
-            </a:r>
-            <a:r>
-              <a:rPr lang="en-US" dirty="0"/>
-              <a:t> </a:t>
-            </a:r>
-            <a:r>
-              <a:rPr lang="en-US" dirty="0" err="1"/>
-              <a:t>wurde</a:t>
+              <a:t>Als Datenbanklösung nutzen wir als LocalHost eine MySQL-Datenbank</a:t>
+            </a:r>
+          </a:p>
+          <a:p>
+            <a:r>
+              <a:rPr lang="en-US"/>
+              <a:t>Die Anbindung an einen Server wäre möglich, soll jedoch nicht öffentlich auf dem Git liegen, da der Server privat aufgesetzt wurde</a:t>
             </a:r>
             <a:endParaRPr lang="en-US" dirty="0"/>
           </a:p>
@@ -10082,8 +9929,8 @@
         </p:blipFill>
         <p:spPr>
           <a:xfrm>
-            <a:off x="4987137" y="2159331"/>
-            <a:ext cx="4204989" cy="3553215"/>
+            <a:off x="799814" y="1284068"/>
+            <a:ext cx="5062993" cy="4278228"/>
           </a:xfrm>
           <a:prstGeom prst="rect">
             <a:avLst/>

--- a/presentation/wanderoo – Gruppe 3.pptx
+++ b/presentation/wanderoo – Gruppe 3.pptx
@@ -17,14 +17,14 @@
     <p:sldId id="262" r:id="rId8"/>
     <p:sldId id="260" r:id="rId9"/>
     <p:sldId id="261" r:id="rId10"/>
-    <p:sldId id="263" r:id="rId11"/>
-    <p:sldId id="269" r:id="rId12"/>
-    <p:sldId id="270" r:id="rId13"/>
-    <p:sldId id="271" r:id="rId14"/>
-    <p:sldId id="264" r:id="rId15"/>
-    <p:sldId id="272" r:id="rId16"/>
-    <p:sldId id="273" r:id="rId17"/>
-    <p:sldId id="265" r:id="rId18"/>
+    <p:sldId id="272" r:id="rId11"/>
+    <p:sldId id="273" r:id="rId12"/>
+    <p:sldId id="265" r:id="rId13"/>
+    <p:sldId id="263" r:id="rId14"/>
+    <p:sldId id="269" r:id="rId15"/>
+    <p:sldId id="270" r:id="rId16"/>
+    <p:sldId id="271" r:id="rId17"/>
+    <p:sldId id="264" r:id="rId18"/>
   </p:sldIdLst>
   <p:sldSz cx="12192000" cy="6858000"/>
   <p:notesSz cx="6858000" cy="9144000"/>
@@ -6893,2434 +6893,6 @@
           <p:cNvPr id="2" name="Title 1">
             <a:extLst>
               <a:ext uri="{FF2B5EF4-FFF2-40B4-BE49-F238E27FC236}">
-                <a16:creationId xmlns:a16="http://schemas.microsoft.com/office/drawing/2014/main" id="{8E1C6C46-E723-4487-8FAA-27EA8E6D921A}"/>
-              </a:ext>
-            </a:extLst>
-          </p:cNvPr>
-          <p:cNvSpPr>
-            <a:spLocks noGrp="1"/>
-          </p:cNvSpPr>
-          <p:nvPr>
-            <p:ph type="title"/>
-          </p:nvPr>
-        </p:nvSpPr>
-        <p:spPr/>
-        <p:txBody>
-          <a:bodyPr/>
-          <a:lstStyle/>
-          <a:p>
-            <a:r>
-              <a:rPr lang="en-US" dirty="0"/>
-              <a:t>App-Demo	</a:t>
-            </a:r>
-          </a:p>
-        </p:txBody>
-      </p:sp>
-      <p:sp>
-        <p:nvSpPr>
-          <p:cNvPr id="3" name="Text Placeholder 2">
-            <a:extLst>
-              <a:ext uri="{FF2B5EF4-FFF2-40B4-BE49-F238E27FC236}">
-                <a16:creationId xmlns:a16="http://schemas.microsoft.com/office/drawing/2014/main" id="{4D0F4875-D43D-43C5-8207-AF4354D75E62}"/>
-              </a:ext>
-            </a:extLst>
-          </p:cNvPr>
-          <p:cNvSpPr>
-            <a:spLocks noGrp="1"/>
-          </p:cNvSpPr>
-          <p:nvPr>
-            <p:ph type="body" idx="1"/>
-          </p:nvPr>
-        </p:nvSpPr>
-        <p:spPr/>
-        <p:txBody>
-          <a:bodyPr/>
-          <a:lstStyle/>
-          <a:p>
-            <a:r>
-              <a:rPr lang="en-US" dirty="0"/>
-              <a:t>So </a:t>
-            </a:r>
-            <a:r>
-              <a:rPr lang="en-US" dirty="0" err="1"/>
-              <a:t>sieht</a:t>
-            </a:r>
-            <a:r>
-              <a:rPr lang="en-US" dirty="0"/>
-              <a:t> das </a:t>
-            </a:r>
-            <a:r>
-              <a:rPr lang="en-US" dirty="0" err="1"/>
-              <a:t>Ergebnis</a:t>
-            </a:r>
-            <a:r>
-              <a:rPr lang="en-US" dirty="0"/>
-              <a:t> </a:t>
-            </a:r>
-            <a:r>
-              <a:rPr lang="en-US" dirty="0" err="1"/>
-              <a:t>aus</a:t>
-            </a:r>
-            <a:endParaRPr lang="en-US" dirty="0"/>
-          </a:p>
-        </p:txBody>
-      </p:sp>
-      <p:pic>
-        <p:nvPicPr>
-          <p:cNvPr id="4" name="Picture 3">
-            <a:extLst>
-              <a:ext uri="{FF2B5EF4-FFF2-40B4-BE49-F238E27FC236}">
-                <a16:creationId xmlns:a16="http://schemas.microsoft.com/office/drawing/2014/main" id="{EC34116E-A0C7-4056-9C3A-084E5F145011}"/>
-              </a:ext>
-            </a:extLst>
-          </p:cNvPr>
-          <p:cNvPicPr>
-            <a:picLocks noChangeAspect="1"/>
-          </p:cNvPicPr>
-          <p:nvPr/>
-        </p:nvPicPr>
-        <p:blipFill>
-          <a:blip r:embed="rId2"/>
-          <a:stretch>
-            <a:fillRect/>
-          </a:stretch>
-        </p:blipFill>
-        <p:spPr>
-          <a:xfrm>
-            <a:off x="4337644" y="692458"/>
-            <a:ext cx="3263854" cy="5932704"/>
-          </a:xfrm>
-          <a:prstGeom prst="rect">
-            <a:avLst/>
-          </a:prstGeom>
-        </p:spPr>
-      </p:pic>
-      <p:sp>
-        <p:nvSpPr>
-          <p:cNvPr id="6" name="Date Placeholder 3">
-            <a:extLst>
-              <a:ext uri="{FF2B5EF4-FFF2-40B4-BE49-F238E27FC236}">
-                <a16:creationId xmlns:a16="http://schemas.microsoft.com/office/drawing/2014/main" id="{BA3E6D44-C658-4213-A1F5-841F44285620}"/>
-              </a:ext>
-            </a:extLst>
-          </p:cNvPr>
-          <p:cNvSpPr txBox="1">
-            <a:spLocks/>
-          </p:cNvSpPr>
-          <p:nvPr/>
-        </p:nvSpPr>
-        <p:spPr>
-          <a:xfrm>
-            <a:off x="677334" y="231051"/>
-            <a:ext cx="1071566" cy="378549"/>
-          </a:xfrm>
-          <a:prstGeom prst="rect">
-            <a:avLst/>
-          </a:prstGeom>
-        </p:spPr>
-        <p:txBody>
-          <a:bodyPr vert="horz" lIns="91440" tIns="45720" rIns="91440" bIns="45720" rtlCol="0" anchor="ctr"/>
-          <a:lstStyle>
-            <a:defPPr>
-              <a:defRPr lang="en-US"/>
-            </a:defPPr>
-            <a:lvl1pPr marL="0" algn="r" defTabSz="457200" rtl="0" eaLnBrk="1" latinLnBrk="0" hangingPunct="1">
-              <a:defRPr sz="900" kern="1200">
-                <a:solidFill>
-                  <a:schemeClr val="tx1">
-                    <a:tint val="75000"/>
-                  </a:schemeClr>
-                </a:solidFill>
-                <a:latin typeface="+mn-lt"/>
-                <a:ea typeface="+mn-ea"/>
-                <a:cs typeface="+mn-cs"/>
-              </a:defRPr>
-            </a:lvl1pPr>
-            <a:lvl2pPr marL="457200" algn="l" defTabSz="457200" rtl="0" eaLnBrk="1" latinLnBrk="0" hangingPunct="1">
-              <a:defRPr sz="1800" kern="1200">
-                <a:solidFill>
-                  <a:schemeClr val="tx1"/>
-                </a:solidFill>
-                <a:latin typeface="+mn-lt"/>
-                <a:ea typeface="+mn-ea"/>
-                <a:cs typeface="+mn-cs"/>
-              </a:defRPr>
-            </a:lvl2pPr>
-            <a:lvl3pPr marL="914400" algn="l" defTabSz="457200" rtl="0" eaLnBrk="1" latinLnBrk="0" hangingPunct="1">
-              <a:defRPr sz="1800" kern="1200">
-                <a:solidFill>
-                  <a:schemeClr val="tx1"/>
-                </a:solidFill>
-                <a:latin typeface="+mn-lt"/>
-                <a:ea typeface="+mn-ea"/>
-                <a:cs typeface="+mn-cs"/>
-              </a:defRPr>
-            </a:lvl3pPr>
-            <a:lvl4pPr marL="1371600" algn="l" defTabSz="457200" rtl="0" eaLnBrk="1" latinLnBrk="0" hangingPunct="1">
-              <a:defRPr sz="1800" kern="1200">
-                <a:solidFill>
-                  <a:schemeClr val="tx1"/>
-                </a:solidFill>
-                <a:latin typeface="+mn-lt"/>
-                <a:ea typeface="+mn-ea"/>
-                <a:cs typeface="+mn-cs"/>
-              </a:defRPr>
-            </a:lvl4pPr>
-            <a:lvl5pPr marL="1828800" algn="l" defTabSz="457200" rtl="0" eaLnBrk="1" latinLnBrk="0" hangingPunct="1">
-              <a:defRPr sz="1800" kern="1200">
-                <a:solidFill>
-                  <a:schemeClr val="tx1"/>
-                </a:solidFill>
-                <a:latin typeface="+mn-lt"/>
-                <a:ea typeface="+mn-ea"/>
-                <a:cs typeface="+mn-cs"/>
-              </a:defRPr>
-            </a:lvl5pPr>
-            <a:lvl6pPr marL="2286000" algn="l" defTabSz="457200" rtl="0" eaLnBrk="1" latinLnBrk="0" hangingPunct="1">
-              <a:defRPr sz="1800" kern="1200">
-                <a:solidFill>
-                  <a:schemeClr val="tx1"/>
-                </a:solidFill>
-                <a:latin typeface="+mn-lt"/>
-                <a:ea typeface="+mn-ea"/>
-                <a:cs typeface="+mn-cs"/>
-              </a:defRPr>
-            </a:lvl6pPr>
-            <a:lvl7pPr marL="2743200" algn="l" defTabSz="457200" rtl="0" eaLnBrk="1" latinLnBrk="0" hangingPunct="1">
-              <a:defRPr sz="1800" kern="1200">
-                <a:solidFill>
-                  <a:schemeClr val="tx1"/>
-                </a:solidFill>
-                <a:latin typeface="+mn-lt"/>
-                <a:ea typeface="+mn-ea"/>
-                <a:cs typeface="+mn-cs"/>
-              </a:defRPr>
-            </a:lvl7pPr>
-            <a:lvl8pPr marL="3200400" algn="l" defTabSz="457200" rtl="0" eaLnBrk="1" latinLnBrk="0" hangingPunct="1">
-              <a:defRPr sz="1800" kern="1200">
-                <a:solidFill>
-                  <a:schemeClr val="tx1"/>
-                </a:solidFill>
-                <a:latin typeface="+mn-lt"/>
-                <a:ea typeface="+mn-ea"/>
-                <a:cs typeface="+mn-cs"/>
-              </a:defRPr>
-            </a:lvl8pPr>
-            <a:lvl9pPr marL="3657600" algn="l" defTabSz="457200" rtl="0" eaLnBrk="1" latinLnBrk="0" hangingPunct="1">
-              <a:defRPr sz="1800" kern="1200">
-                <a:solidFill>
-                  <a:schemeClr val="tx1"/>
-                </a:solidFill>
-                <a:latin typeface="+mn-lt"/>
-                <a:ea typeface="+mn-ea"/>
-                <a:cs typeface="+mn-cs"/>
-              </a:defRPr>
-            </a:lvl9pPr>
-          </a:lstStyle>
-          <a:p>
-            <a:fld id="{5665C720-CFBA-4CD6-B44E-E52DA515AFF8}" type="datetime1">
-              <a:rPr lang="de-DE" sz="1400" smtClean="0"/>
-              <a:pPr/>
-              <a:t>02.11.2020</a:t>
-            </a:fld>
-            <a:endParaRPr lang="en-US" dirty="0"/>
-          </a:p>
-        </p:txBody>
-      </p:sp>
-      <p:sp>
-        <p:nvSpPr>
-          <p:cNvPr id="7" name="Date Placeholder 3">
-            <a:extLst>
-              <a:ext uri="{FF2B5EF4-FFF2-40B4-BE49-F238E27FC236}">
-                <a16:creationId xmlns:a16="http://schemas.microsoft.com/office/drawing/2014/main" id="{CCE9FA8C-0217-4499-AC7E-9CD7B17667BB}"/>
-              </a:ext>
-            </a:extLst>
-          </p:cNvPr>
-          <p:cNvSpPr txBox="1">
-            <a:spLocks/>
-          </p:cNvSpPr>
-          <p:nvPr/>
-        </p:nvSpPr>
-        <p:spPr>
-          <a:xfrm>
-            <a:off x="1824033" y="231050"/>
-            <a:ext cx="5713108" cy="378549"/>
-          </a:xfrm>
-          <a:prstGeom prst="rect">
-            <a:avLst/>
-          </a:prstGeom>
-        </p:spPr>
-        <p:txBody>
-          <a:bodyPr vert="horz" lIns="91440" tIns="45720" rIns="91440" bIns="45720" rtlCol="0" anchor="ctr"/>
-          <a:lstStyle>
-            <a:defPPr>
-              <a:defRPr lang="en-US"/>
-            </a:defPPr>
-            <a:lvl1pPr marL="0" algn="r" defTabSz="457200" rtl="0" eaLnBrk="1" latinLnBrk="0" hangingPunct="1">
-              <a:defRPr sz="900" kern="1200">
-                <a:solidFill>
-                  <a:schemeClr val="tx1">
-                    <a:tint val="75000"/>
-                  </a:schemeClr>
-                </a:solidFill>
-                <a:latin typeface="+mn-lt"/>
-                <a:ea typeface="+mn-ea"/>
-                <a:cs typeface="+mn-cs"/>
-              </a:defRPr>
-            </a:lvl1pPr>
-            <a:lvl2pPr marL="457200" algn="l" defTabSz="457200" rtl="0" eaLnBrk="1" latinLnBrk="0" hangingPunct="1">
-              <a:defRPr sz="1800" kern="1200">
-                <a:solidFill>
-                  <a:schemeClr val="tx1"/>
-                </a:solidFill>
-                <a:latin typeface="+mn-lt"/>
-                <a:ea typeface="+mn-ea"/>
-                <a:cs typeface="+mn-cs"/>
-              </a:defRPr>
-            </a:lvl2pPr>
-            <a:lvl3pPr marL="914400" algn="l" defTabSz="457200" rtl="0" eaLnBrk="1" latinLnBrk="0" hangingPunct="1">
-              <a:defRPr sz="1800" kern="1200">
-                <a:solidFill>
-                  <a:schemeClr val="tx1"/>
-                </a:solidFill>
-                <a:latin typeface="+mn-lt"/>
-                <a:ea typeface="+mn-ea"/>
-                <a:cs typeface="+mn-cs"/>
-              </a:defRPr>
-            </a:lvl3pPr>
-            <a:lvl4pPr marL="1371600" algn="l" defTabSz="457200" rtl="0" eaLnBrk="1" latinLnBrk="0" hangingPunct="1">
-              <a:defRPr sz="1800" kern="1200">
-                <a:solidFill>
-                  <a:schemeClr val="tx1"/>
-                </a:solidFill>
-                <a:latin typeface="+mn-lt"/>
-                <a:ea typeface="+mn-ea"/>
-                <a:cs typeface="+mn-cs"/>
-              </a:defRPr>
-            </a:lvl4pPr>
-            <a:lvl5pPr marL="1828800" algn="l" defTabSz="457200" rtl="0" eaLnBrk="1" latinLnBrk="0" hangingPunct="1">
-              <a:defRPr sz="1800" kern="1200">
-                <a:solidFill>
-                  <a:schemeClr val="tx1"/>
-                </a:solidFill>
-                <a:latin typeface="+mn-lt"/>
-                <a:ea typeface="+mn-ea"/>
-                <a:cs typeface="+mn-cs"/>
-              </a:defRPr>
-            </a:lvl5pPr>
-            <a:lvl6pPr marL="2286000" algn="l" defTabSz="457200" rtl="0" eaLnBrk="1" latinLnBrk="0" hangingPunct="1">
-              <a:defRPr sz="1800" kern="1200">
-                <a:solidFill>
-                  <a:schemeClr val="tx1"/>
-                </a:solidFill>
-                <a:latin typeface="+mn-lt"/>
-                <a:ea typeface="+mn-ea"/>
-                <a:cs typeface="+mn-cs"/>
-              </a:defRPr>
-            </a:lvl6pPr>
-            <a:lvl7pPr marL="2743200" algn="l" defTabSz="457200" rtl="0" eaLnBrk="1" latinLnBrk="0" hangingPunct="1">
-              <a:defRPr sz="1800" kern="1200">
-                <a:solidFill>
-                  <a:schemeClr val="tx1"/>
-                </a:solidFill>
-                <a:latin typeface="+mn-lt"/>
-                <a:ea typeface="+mn-ea"/>
-                <a:cs typeface="+mn-cs"/>
-              </a:defRPr>
-            </a:lvl7pPr>
-            <a:lvl8pPr marL="3200400" algn="l" defTabSz="457200" rtl="0" eaLnBrk="1" latinLnBrk="0" hangingPunct="1">
-              <a:defRPr sz="1800" kern="1200">
-                <a:solidFill>
-                  <a:schemeClr val="tx1"/>
-                </a:solidFill>
-                <a:latin typeface="+mn-lt"/>
-                <a:ea typeface="+mn-ea"/>
-                <a:cs typeface="+mn-cs"/>
-              </a:defRPr>
-            </a:lvl8pPr>
-            <a:lvl9pPr marL="3657600" algn="l" defTabSz="457200" rtl="0" eaLnBrk="1" latinLnBrk="0" hangingPunct="1">
-              <a:defRPr sz="1800" kern="1200">
-                <a:solidFill>
-                  <a:schemeClr val="tx1"/>
-                </a:solidFill>
-                <a:latin typeface="+mn-lt"/>
-                <a:ea typeface="+mn-ea"/>
-                <a:cs typeface="+mn-cs"/>
-              </a:defRPr>
-            </a:lvl9pPr>
-          </a:lstStyle>
-          <a:p>
-            <a:r>
-              <a:rPr lang="de-DE" sz="1400" dirty="0"/>
-              <a:t>Veronika Taranek, Philipp </a:t>
-            </a:r>
-            <a:r>
-              <a:rPr lang="de-DE" sz="1400" dirty="0" err="1"/>
-              <a:t>Fenesan</a:t>
-            </a:r>
-            <a:r>
-              <a:rPr lang="de-DE" sz="1400" dirty="0"/>
-              <a:t>, Nicolas Geppert, Lukas Werner</a:t>
-            </a:r>
-            <a:endParaRPr lang="en-US" dirty="0"/>
-          </a:p>
-        </p:txBody>
-      </p:sp>
-    </p:spTree>
-    <p:extLst>
-      <p:ext uri="{BB962C8B-B14F-4D97-AF65-F5344CB8AC3E}">
-        <p14:creationId xmlns:p14="http://schemas.microsoft.com/office/powerpoint/2010/main" val="551848983"/>
-      </p:ext>
-    </p:extLst>
-  </p:cSld>
-  <p:clrMapOvr>
-    <a:masterClrMapping/>
-  </p:clrMapOvr>
-</p:sld>
-</file>
-
-<file path=ppt/slides/slide11.xml><?xml version="1.0" encoding="utf-8"?>
-<p:sld xmlns:a="http://schemas.openxmlformats.org/drawingml/2006/main" xmlns:r="http://schemas.openxmlformats.org/officeDocument/2006/relationships" xmlns:p="http://schemas.openxmlformats.org/presentationml/2006/main">
-  <p:cSld>
-    <p:spTree>
-      <p:nvGrpSpPr>
-        <p:cNvPr id="1" name=""/>
-        <p:cNvGrpSpPr/>
-        <p:nvPr/>
-      </p:nvGrpSpPr>
-      <p:grpSpPr>
-        <a:xfrm>
-          <a:off x="0" y="0"/>
-          <a:ext cx="0" cy="0"/>
-          <a:chOff x="0" y="0"/>
-          <a:chExt cx="0" cy="0"/>
-        </a:xfrm>
-      </p:grpSpPr>
-      <p:sp>
-        <p:nvSpPr>
-          <p:cNvPr id="2" name="Title 1">
-            <a:extLst>
-              <a:ext uri="{FF2B5EF4-FFF2-40B4-BE49-F238E27FC236}">
-                <a16:creationId xmlns:a16="http://schemas.microsoft.com/office/drawing/2014/main" id="{DD89B45D-81B8-4037-8647-E08DB7556E63}"/>
-              </a:ext>
-            </a:extLst>
-          </p:cNvPr>
-          <p:cNvSpPr>
-            <a:spLocks noGrp="1"/>
-          </p:cNvSpPr>
-          <p:nvPr>
-            <p:ph type="title"/>
-          </p:nvPr>
-        </p:nvSpPr>
-        <p:spPr>
-          <a:xfrm>
-            <a:off x="677334" y="609598"/>
-            <a:ext cx="8596668" cy="1181101"/>
-          </a:xfrm>
-        </p:spPr>
-        <p:txBody>
-          <a:bodyPr/>
-          <a:lstStyle/>
-          <a:p>
-            <a:r>
-              <a:rPr lang="en-US" dirty="0"/>
-              <a:t>Use Case: </a:t>
-            </a:r>
-            <a:r>
-              <a:rPr lang="en-US" dirty="0" err="1"/>
-              <a:t>Registrierung</a:t>
-            </a:r>
-            <a:endParaRPr lang="en-US" dirty="0"/>
-          </a:p>
-        </p:txBody>
-      </p:sp>
-      <p:sp>
-        <p:nvSpPr>
-          <p:cNvPr id="3" name="Content Placeholder 2">
-            <a:extLst>
-              <a:ext uri="{FF2B5EF4-FFF2-40B4-BE49-F238E27FC236}">
-                <a16:creationId xmlns:a16="http://schemas.microsoft.com/office/drawing/2014/main" id="{591DF666-F25C-416A-9D7B-D66F364C5048}"/>
-              </a:ext>
-            </a:extLst>
-          </p:cNvPr>
-          <p:cNvSpPr>
-            <a:spLocks noGrp="1"/>
-          </p:cNvSpPr>
-          <p:nvPr>
-            <p:ph idx="1"/>
-          </p:nvPr>
-        </p:nvSpPr>
-        <p:spPr>
-          <a:xfrm>
-            <a:off x="677334" y="1352550"/>
-            <a:ext cx="8596668" cy="5400675"/>
-          </a:xfrm>
-        </p:spPr>
-        <p:txBody>
-          <a:bodyPr>
-            <a:normAutofit/>
-          </a:bodyPr>
-          <a:lstStyle/>
-          <a:p>
-            <a:pPr marL="0" indent="0">
-              <a:buNone/>
-            </a:pPr>
-            <a:r>
-              <a:rPr lang="de-DE" b="1" dirty="0"/>
-              <a:t>Beschreibung</a:t>
-            </a:r>
-          </a:p>
-          <a:p>
-            <a:pPr marL="457200" lvl="1" indent="0">
-              <a:buNone/>
-            </a:pPr>
-            <a:r>
-              <a:rPr lang="de-DE" dirty="0"/>
-              <a:t>Dieser </a:t>
-            </a:r>
-            <a:r>
-              <a:rPr lang="de-DE" dirty="0" err="1"/>
-              <a:t>Use</a:t>
-            </a:r>
-            <a:r>
-              <a:rPr lang="de-DE" dirty="0"/>
-              <a:t> Case beschreibt wie der Benutzer sich einen Account bei </a:t>
-            </a:r>
-            <a:r>
-              <a:rPr lang="de-DE" dirty="0" err="1"/>
-              <a:t>wanderoo</a:t>
-            </a:r>
-            <a:r>
-              <a:rPr lang="de-DE" dirty="0"/>
-              <a:t> anlegt</a:t>
-            </a:r>
-          </a:p>
-          <a:p>
-            <a:pPr marL="0" indent="0">
-              <a:buNone/>
-            </a:pPr>
-            <a:r>
-              <a:rPr lang="de-DE" b="1" dirty="0"/>
-              <a:t>Beteiligte</a:t>
-            </a:r>
-          </a:p>
-          <a:p>
-            <a:pPr marL="457200" lvl="1" indent="0">
-              <a:buNone/>
-            </a:pPr>
-            <a:r>
-              <a:rPr lang="de-DE" dirty="0"/>
-              <a:t>Benutzer</a:t>
-            </a:r>
-          </a:p>
-          <a:p>
-            <a:pPr marL="0" indent="0">
-              <a:buNone/>
-            </a:pPr>
-            <a:r>
-              <a:rPr lang="de-DE" b="1" dirty="0"/>
-              <a:t>Voraussetzungen</a:t>
-            </a:r>
-          </a:p>
-          <a:p>
-            <a:pPr marL="457200" lvl="1" indent="0">
-              <a:buNone/>
-            </a:pPr>
-            <a:r>
-              <a:rPr lang="de-DE" dirty="0"/>
-              <a:t>Datenbankverbindung muss vorhanden sein</a:t>
-            </a:r>
-          </a:p>
-          <a:p>
-            <a:pPr marL="457200" lvl="1" indent="0">
-              <a:buNone/>
-            </a:pPr>
-            <a:r>
-              <a:rPr lang="de-DE" dirty="0"/>
-              <a:t>Der Benutzer darf nicht vorhanden sein</a:t>
-            </a:r>
-          </a:p>
-          <a:p>
-            <a:pPr marL="0" indent="0">
-              <a:buNone/>
-            </a:pPr>
-            <a:r>
-              <a:rPr lang="de-DE" b="1" dirty="0"/>
-              <a:t>Ereignisfluss</a:t>
-            </a:r>
-          </a:p>
-          <a:p>
-            <a:pPr marL="457200" lvl="1" indent="0">
-              <a:buNone/>
-            </a:pPr>
-            <a:r>
-              <a:rPr lang="de-DE" dirty="0"/>
-              <a:t>Im Login-Screen muss auf Registrieren gedrückt werden</a:t>
-            </a:r>
-          </a:p>
-          <a:p>
-            <a:pPr marL="457200" lvl="1" indent="0">
-              <a:buNone/>
-            </a:pPr>
-            <a:r>
-              <a:rPr lang="de-DE" dirty="0"/>
-              <a:t>Reale Benutzerdaten müssen eingegeben werden</a:t>
-            </a:r>
-          </a:p>
-          <a:p>
-            <a:pPr marL="457200" lvl="1" indent="0">
-              <a:buNone/>
-            </a:pPr>
-            <a:r>
-              <a:rPr lang="de-DE" dirty="0"/>
-              <a:t>Der Registrieren-Knopf muss gedrückt werden</a:t>
-            </a:r>
-          </a:p>
-          <a:p>
-            <a:pPr marL="57150" indent="0">
-              <a:buNone/>
-            </a:pPr>
-            <a:r>
-              <a:rPr lang="de-DE" b="1" dirty="0"/>
-              <a:t>Nachbedingung</a:t>
-            </a:r>
-          </a:p>
-          <a:p>
-            <a:pPr marL="457200" lvl="1" indent="0">
-              <a:buNone/>
-            </a:pPr>
-            <a:r>
-              <a:rPr lang="de-DE" dirty="0"/>
-              <a:t>Erfolgreich: Registrierung abgeschlossen, Menü-Screen wird angezeigt</a:t>
-            </a:r>
-          </a:p>
-          <a:p>
-            <a:pPr marL="457200" lvl="1" indent="0">
-              <a:buNone/>
-            </a:pPr>
-            <a:r>
-              <a:rPr lang="de-DE" dirty="0"/>
-              <a:t>Fehler: Registrierung fehlgeschlagen</a:t>
-            </a:r>
-          </a:p>
-          <a:p>
-            <a:pPr marL="457200" lvl="1" indent="0">
-              <a:buNone/>
-            </a:pPr>
-            <a:endParaRPr lang="de-DE" dirty="0"/>
-          </a:p>
-        </p:txBody>
-      </p:sp>
-      <p:sp>
-        <p:nvSpPr>
-          <p:cNvPr id="5" name="Date Placeholder 3">
-            <a:extLst>
-              <a:ext uri="{FF2B5EF4-FFF2-40B4-BE49-F238E27FC236}">
-                <a16:creationId xmlns:a16="http://schemas.microsoft.com/office/drawing/2014/main" id="{4C14AB97-C542-4790-9263-C13620CBC6CD}"/>
-              </a:ext>
-            </a:extLst>
-          </p:cNvPr>
-          <p:cNvSpPr txBox="1">
-            <a:spLocks/>
-          </p:cNvSpPr>
-          <p:nvPr/>
-        </p:nvSpPr>
-        <p:spPr>
-          <a:xfrm>
-            <a:off x="677334" y="231051"/>
-            <a:ext cx="1071566" cy="378549"/>
-          </a:xfrm>
-          <a:prstGeom prst="rect">
-            <a:avLst/>
-          </a:prstGeom>
-        </p:spPr>
-        <p:txBody>
-          <a:bodyPr vert="horz" lIns="91440" tIns="45720" rIns="91440" bIns="45720" rtlCol="0" anchor="ctr"/>
-          <a:lstStyle>
-            <a:defPPr>
-              <a:defRPr lang="en-US"/>
-            </a:defPPr>
-            <a:lvl1pPr marL="0" algn="r" defTabSz="457200" rtl="0" eaLnBrk="1" latinLnBrk="0" hangingPunct="1">
-              <a:defRPr sz="900" kern="1200">
-                <a:solidFill>
-                  <a:schemeClr val="tx1">
-                    <a:tint val="75000"/>
-                  </a:schemeClr>
-                </a:solidFill>
-                <a:latin typeface="+mn-lt"/>
-                <a:ea typeface="+mn-ea"/>
-                <a:cs typeface="+mn-cs"/>
-              </a:defRPr>
-            </a:lvl1pPr>
-            <a:lvl2pPr marL="457200" algn="l" defTabSz="457200" rtl="0" eaLnBrk="1" latinLnBrk="0" hangingPunct="1">
-              <a:defRPr sz="1800" kern="1200">
-                <a:solidFill>
-                  <a:schemeClr val="tx1"/>
-                </a:solidFill>
-                <a:latin typeface="+mn-lt"/>
-                <a:ea typeface="+mn-ea"/>
-                <a:cs typeface="+mn-cs"/>
-              </a:defRPr>
-            </a:lvl2pPr>
-            <a:lvl3pPr marL="914400" algn="l" defTabSz="457200" rtl="0" eaLnBrk="1" latinLnBrk="0" hangingPunct="1">
-              <a:defRPr sz="1800" kern="1200">
-                <a:solidFill>
-                  <a:schemeClr val="tx1"/>
-                </a:solidFill>
-                <a:latin typeface="+mn-lt"/>
-                <a:ea typeface="+mn-ea"/>
-                <a:cs typeface="+mn-cs"/>
-              </a:defRPr>
-            </a:lvl3pPr>
-            <a:lvl4pPr marL="1371600" algn="l" defTabSz="457200" rtl="0" eaLnBrk="1" latinLnBrk="0" hangingPunct="1">
-              <a:defRPr sz="1800" kern="1200">
-                <a:solidFill>
-                  <a:schemeClr val="tx1"/>
-                </a:solidFill>
-                <a:latin typeface="+mn-lt"/>
-                <a:ea typeface="+mn-ea"/>
-                <a:cs typeface="+mn-cs"/>
-              </a:defRPr>
-            </a:lvl4pPr>
-            <a:lvl5pPr marL="1828800" algn="l" defTabSz="457200" rtl="0" eaLnBrk="1" latinLnBrk="0" hangingPunct="1">
-              <a:defRPr sz="1800" kern="1200">
-                <a:solidFill>
-                  <a:schemeClr val="tx1"/>
-                </a:solidFill>
-                <a:latin typeface="+mn-lt"/>
-                <a:ea typeface="+mn-ea"/>
-                <a:cs typeface="+mn-cs"/>
-              </a:defRPr>
-            </a:lvl5pPr>
-            <a:lvl6pPr marL="2286000" algn="l" defTabSz="457200" rtl="0" eaLnBrk="1" latinLnBrk="0" hangingPunct="1">
-              <a:defRPr sz="1800" kern="1200">
-                <a:solidFill>
-                  <a:schemeClr val="tx1"/>
-                </a:solidFill>
-                <a:latin typeface="+mn-lt"/>
-                <a:ea typeface="+mn-ea"/>
-                <a:cs typeface="+mn-cs"/>
-              </a:defRPr>
-            </a:lvl6pPr>
-            <a:lvl7pPr marL="2743200" algn="l" defTabSz="457200" rtl="0" eaLnBrk="1" latinLnBrk="0" hangingPunct="1">
-              <a:defRPr sz="1800" kern="1200">
-                <a:solidFill>
-                  <a:schemeClr val="tx1"/>
-                </a:solidFill>
-                <a:latin typeface="+mn-lt"/>
-                <a:ea typeface="+mn-ea"/>
-                <a:cs typeface="+mn-cs"/>
-              </a:defRPr>
-            </a:lvl7pPr>
-            <a:lvl8pPr marL="3200400" algn="l" defTabSz="457200" rtl="0" eaLnBrk="1" latinLnBrk="0" hangingPunct="1">
-              <a:defRPr sz="1800" kern="1200">
-                <a:solidFill>
-                  <a:schemeClr val="tx1"/>
-                </a:solidFill>
-                <a:latin typeface="+mn-lt"/>
-                <a:ea typeface="+mn-ea"/>
-                <a:cs typeface="+mn-cs"/>
-              </a:defRPr>
-            </a:lvl8pPr>
-            <a:lvl9pPr marL="3657600" algn="l" defTabSz="457200" rtl="0" eaLnBrk="1" latinLnBrk="0" hangingPunct="1">
-              <a:defRPr sz="1800" kern="1200">
-                <a:solidFill>
-                  <a:schemeClr val="tx1"/>
-                </a:solidFill>
-                <a:latin typeface="+mn-lt"/>
-                <a:ea typeface="+mn-ea"/>
-                <a:cs typeface="+mn-cs"/>
-              </a:defRPr>
-            </a:lvl9pPr>
-          </a:lstStyle>
-          <a:p>
-            <a:fld id="{5665C720-CFBA-4CD6-B44E-E52DA515AFF8}" type="datetime1">
-              <a:rPr lang="de-DE" sz="1400" smtClean="0"/>
-              <a:pPr/>
-              <a:t>02.11.2020</a:t>
-            </a:fld>
-            <a:endParaRPr lang="en-US" dirty="0"/>
-          </a:p>
-        </p:txBody>
-      </p:sp>
-      <p:sp>
-        <p:nvSpPr>
-          <p:cNvPr id="6" name="Date Placeholder 3">
-            <a:extLst>
-              <a:ext uri="{FF2B5EF4-FFF2-40B4-BE49-F238E27FC236}">
-                <a16:creationId xmlns:a16="http://schemas.microsoft.com/office/drawing/2014/main" id="{FBE73F23-8D21-495D-8D7C-2DE7277152E1}"/>
-              </a:ext>
-            </a:extLst>
-          </p:cNvPr>
-          <p:cNvSpPr txBox="1">
-            <a:spLocks/>
-          </p:cNvSpPr>
-          <p:nvPr/>
-        </p:nvSpPr>
-        <p:spPr>
-          <a:xfrm>
-            <a:off x="1824033" y="231050"/>
-            <a:ext cx="5713108" cy="378549"/>
-          </a:xfrm>
-          <a:prstGeom prst="rect">
-            <a:avLst/>
-          </a:prstGeom>
-        </p:spPr>
-        <p:txBody>
-          <a:bodyPr vert="horz" lIns="91440" tIns="45720" rIns="91440" bIns="45720" rtlCol="0" anchor="ctr"/>
-          <a:lstStyle>
-            <a:defPPr>
-              <a:defRPr lang="en-US"/>
-            </a:defPPr>
-            <a:lvl1pPr marL="0" algn="r" defTabSz="457200" rtl="0" eaLnBrk="1" latinLnBrk="0" hangingPunct="1">
-              <a:defRPr sz="900" kern="1200">
-                <a:solidFill>
-                  <a:schemeClr val="tx1">
-                    <a:tint val="75000"/>
-                  </a:schemeClr>
-                </a:solidFill>
-                <a:latin typeface="+mn-lt"/>
-                <a:ea typeface="+mn-ea"/>
-                <a:cs typeface="+mn-cs"/>
-              </a:defRPr>
-            </a:lvl1pPr>
-            <a:lvl2pPr marL="457200" algn="l" defTabSz="457200" rtl="0" eaLnBrk="1" latinLnBrk="0" hangingPunct="1">
-              <a:defRPr sz="1800" kern="1200">
-                <a:solidFill>
-                  <a:schemeClr val="tx1"/>
-                </a:solidFill>
-                <a:latin typeface="+mn-lt"/>
-                <a:ea typeface="+mn-ea"/>
-                <a:cs typeface="+mn-cs"/>
-              </a:defRPr>
-            </a:lvl2pPr>
-            <a:lvl3pPr marL="914400" algn="l" defTabSz="457200" rtl="0" eaLnBrk="1" latinLnBrk="0" hangingPunct="1">
-              <a:defRPr sz="1800" kern="1200">
-                <a:solidFill>
-                  <a:schemeClr val="tx1"/>
-                </a:solidFill>
-                <a:latin typeface="+mn-lt"/>
-                <a:ea typeface="+mn-ea"/>
-                <a:cs typeface="+mn-cs"/>
-              </a:defRPr>
-            </a:lvl3pPr>
-            <a:lvl4pPr marL="1371600" algn="l" defTabSz="457200" rtl="0" eaLnBrk="1" latinLnBrk="0" hangingPunct="1">
-              <a:defRPr sz="1800" kern="1200">
-                <a:solidFill>
-                  <a:schemeClr val="tx1"/>
-                </a:solidFill>
-                <a:latin typeface="+mn-lt"/>
-                <a:ea typeface="+mn-ea"/>
-                <a:cs typeface="+mn-cs"/>
-              </a:defRPr>
-            </a:lvl4pPr>
-            <a:lvl5pPr marL="1828800" algn="l" defTabSz="457200" rtl="0" eaLnBrk="1" latinLnBrk="0" hangingPunct="1">
-              <a:defRPr sz="1800" kern="1200">
-                <a:solidFill>
-                  <a:schemeClr val="tx1"/>
-                </a:solidFill>
-                <a:latin typeface="+mn-lt"/>
-                <a:ea typeface="+mn-ea"/>
-                <a:cs typeface="+mn-cs"/>
-              </a:defRPr>
-            </a:lvl5pPr>
-            <a:lvl6pPr marL="2286000" algn="l" defTabSz="457200" rtl="0" eaLnBrk="1" latinLnBrk="0" hangingPunct="1">
-              <a:defRPr sz="1800" kern="1200">
-                <a:solidFill>
-                  <a:schemeClr val="tx1"/>
-                </a:solidFill>
-                <a:latin typeface="+mn-lt"/>
-                <a:ea typeface="+mn-ea"/>
-                <a:cs typeface="+mn-cs"/>
-              </a:defRPr>
-            </a:lvl6pPr>
-            <a:lvl7pPr marL="2743200" algn="l" defTabSz="457200" rtl="0" eaLnBrk="1" latinLnBrk="0" hangingPunct="1">
-              <a:defRPr sz="1800" kern="1200">
-                <a:solidFill>
-                  <a:schemeClr val="tx1"/>
-                </a:solidFill>
-                <a:latin typeface="+mn-lt"/>
-                <a:ea typeface="+mn-ea"/>
-                <a:cs typeface="+mn-cs"/>
-              </a:defRPr>
-            </a:lvl7pPr>
-            <a:lvl8pPr marL="3200400" algn="l" defTabSz="457200" rtl="0" eaLnBrk="1" latinLnBrk="0" hangingPunct="1">
-              <a:defRPr sz="1800" kern="1200">
-                <a:solidFill>
-                  <a:schemeClr val="tx1"/>
-                </a:solidFill>
-                <a:latin typeface="+mn-lt"/>
-                <a:ea typeface="+mn-ea"/>
-                <a:cs typeface="+mn-cs"/>
-              </a:defRPr>
-            </a:lvl8pPr>
-            <a:lvl9pPr marL="3657600" algn="l" defTabSz="457200" rtl="0" eaLnBrk="1" latinLnBrk="0" hangingPunct="1">
-              <a:defRPr sz="1800" kern="1200">
-                <a:solidFill>
-                  <a:schemeClr val="tx1"/>
-                </a:solidFill>
-                <a:latin typeface="+mn-lt"/>
-                <a:ea typeface="+mn-ea"/>
-                <a:cs typeface="+mn-cs"/>
-              </a:defRPr>
-            </a:lvl9pPr>
-          </a:lstStyle>
-          <a:p>
-            <a:r>
-              <a:rPr lang="de-DE" sz="1400" dirty="0"/>
-              <a:t>Veronika Taranek, Philipp </a:t>
-            </a:r>
-            <a:r>
-              <a:rPr lang="de-DE" sz="1400" dirty="0" err="1"/>
-              <a:t>Fenesan</a:t>
-            </a:r>
-            <a:r>
-              <a:rPr lang="de-DE" sz="1400" dirty="0"/>
-              <a:t>, Nicolas Geppert, Lukas Werner</a:t>
-            </a:r>
-            <a:endParaRPr lang="en-US" dirty="0"/>
-          </a:p>
-        </p:txBody>
-      </p:sp>
-    </p:spTree>
-    <p:extLst>
-      <p:ext uri="{BB962C8B-B14F-4D97-AF65-F5344CB8AC3E}">
-        <p14:creationId xmlns:p14="http://schemas.microsoft.com/office/powerpoint/2010/main" val="1534354980"/>
-      </p:ext>
-    </p:extLst>
-  </p:cSld>
-  <p:clrMapOvr>
-    <a:masterClrMapping/>
-  </p:clrMapOvr>
-</p:sld>
-</file>
-
-<file path=ppt/slides/slide12.xml><?xml version="1.0" encoding="utf-8"?>
-<p:sld xmlns:a="http://schemas.openxmlformats.org/drawingml/2006/main" xmlns:r="http://schemas.openxmlformats.org/officeDocument/2006/relationships" xmlns:p="http://schemas.openxmlformats.org/presentationml/2006/main">
-  <p:cSld>
-    <p:spTree>
-      <p:nvGrpSpPr>
-        <p:cNvPr id="1" name=""/>
-        <p:cNvGrpSpPr/>
-        <p:nvPr/>
-      </p:nvGrpSpPr>
-      <p:grpSpPr>
-        <a:xfrm>
-          <a:off x="0" y="0"/>
-          <a:ext cx="0" cy="0"/>
-          <a:chOff x="0" y="0"/>
-          <a:chExt cx="0" cy="0"/>
-        </a:xfrm>
-      </p:grpSpPr>
-      <p:sp>
-        <p:nvSpPr>
-          <p:cNvPr id="2" name="Title 1">
-            <a:extLst>
-              <a:ext uri="{FF2B5EF4-FFF2-40B4-BE49-F238E27FC236}">
-                <a16:creationId xmlns:a16="http://schemas.microsoft.com/office/drawing/2014/main" id="{DD89B45D-81B8-4037-8647-E08DB7556E63}"/>
-              </a:ext>
-            </a:extLst>
-          </p:cNvPr>
-          <p:cNvSpPr>
-            <a:spLocks noGrp="1"/>
-          </p:cNvSpPr>
-          <p:nvPr>
-            <p:ph type="title"/>
-          </p:nvPr>
-        </p:nvSpPr>
-        <p:spPr>
-          <a:xfrm>
-            <a:off x="677334" y="609598"/>
-            <a:ext cx="8596668" cy="1181101"/>
-          </a:xfrm>
-        </p:spPr>
-        <p:txBody>
-          <a:bodyPr/>
-          <a:lstStyle/>
-          <a:p>
-            <a:r>
-              <a:rPr lang="en-US" dirty="0"/>
-              <a:t>Use Case: Mein </a:t>
-            </a:r>
-            <a:r>
-              <a:rPr lang="en-US" dirty="0" err="1"/>
-              <a:t>Profil</a:t>
-            </a:r>
-            <a:endParaRPr lang="en-US" dirty="0"/>
-          </a:p>
-        </p:txBody>
-      </p:sp>
-      <p:sp>
-        <p:nvSpPr>
-          <p:cNvPr id="3" name="Content Placeholder 2">
-            <a:extLst>
-              <a:ext uri="{FF2B5EF4-FFF2-40B4-BE49-F238E27FC236}">
-                <a16:creationId xmlns:a16="http://schemas.microsoft.com/office/drawing/2014/main" id="{591DF666-F25C-416A-9D7B-D66F364C5048}"/>
-              </a:ext>
-            </a:extLst>
-          </p:cNvPr>
-          <p:cNvSpPr>
-            <a:spLocks noGrp="1"/>
-          </p:cNvSpPr>
-          <p:nvPr>
-            <p:ph idx="1"/>
-          </p:nvPr>
-        </p:nvSpPr>
-        <p:spPr>
-          <a:xfrm>
-            <a:off x="677334" y="1352551"/>
-            <a:ext cx="8596668" cy="5505450"/>
-          </a:xfrm>
-        </p:spPr>
-        <p:txBody>
-          <a:bodyPr>
-            <a:normAutofit fontScale="70000" lnSpcReduction="20000"/>
-          </a:bodyPr>
-          <a:lstStyle/>
-          <a:p>
-            <a:pPr marL="0" indent="0">
-              <a:buNone/>
-            </a:pPr>
-            <a:r>
-              <a:rPr lang="de-DE" sz="2100" b="1" dirty="0"/>
-              <a:t>Beschreibung</a:t>
-            </a:r>
-          </a:p>
-          <a:p>
-            <a:pPr marL="457200" lvl="1" indent="0">
-              <a:buNone/>
-            </a:pPr>
-            <a:r>
-              <a:rPr lang="de-DE" sz="1800" dirty="0"/>
-              <a:t>Dieser </a:t>
-            </a:r>
-            <a:r>
-              <a:rPr lang="de-DE" sz="1800" dirty="0" err="1"/>
-              <a:t>Use</a:t>
-            </a:r>
-            <a:r>
-              <a:rPr lang="de-DE" sz="1800" dirty="0"/>
-              <a:t> Case beschreibt wie der Benutzer seine Einstellungen über Mein Profil individualisieren kann</a:t>
-            </a:r>
-          </a:p>
-          <a:p>
-            <a:pPr marL="0" indent="0">
-              <a:buNone/>
-            </a:pPr>
-            <a:r>
-              <a:rPr lang="de-DE" sz="2100" b="1" dirty="0"/>
-              <a:t>Beteiligte</a:t>
-            </a:r>
-          </a:p>
-          <a:p>
-            <a:pPr marL="457200" lvl="1" indent="0">
-              <a:buNone/>
-            </a:pPr>
-            <a:r>
-              <a:rPr lang="de-DE" sz="1800" dirty="0"/>
-              <a:t>Benutzer</a:t>
-            </a:r>
-          </a:p>
-          <a:p>
-            <a:pPr marL="0" indent="0">
-              <a:buNone/>
-            </a:pPr>
-            <a:r>
-              <a:rPr lang="de-DE" sz="2100" b="1" dirty="0"/>
-              <a:t>Voraussetzungen</a:t>
-            </a:r>
-          </a:p>
-          <a:p>
-            <a:pPr marL="457200" lvl="1" indent="0">
-              <a:buNone/>
-            </a:pPr>
-            <a:r>
-              <a:rPr lang="de-DE" sz="1800" dirty="0"/>
-              <a:t>Datenbankverbindung muss vorhanden sein</a:t>
-            </a:r>
-          </a:p>
-          <a:p>
-            <a:pPr marL="457200" lvl="1" indent="0">
-              <a:buNone/>
-            </a:pPr>
-            <a:r>
-              <a:rPr lang="de-DE" sz="1800" dirty="0"/>
-              <a:t>Der Benutzer muss erfolgreich eingeloggt sein</a:t>
-            </a:r>
-          </a:p>
-          <a:p>
-            <a:pPr marL="0" indent="0">
-              <a:buNone/>
-            </a:pPr>
-            <a:r>
-              <a:rPr lang="de-DE" sz="2100" b="1" dirty="0"/>
-              <a:t>Ereignisfluss</a:t>
-            </a:r>
-          </a:p>
-          <a:p>
-            <a:pPr marL="457200" lvl="1" indent="0">
-              <a:buNone/>
-            </a:pPr>
-            <a:r>
-              <a:rPr lang="de-DE" sz="1800" dirty="0"/>
-              <a:t>Im Menu Screen muss auf Mein Profil gedrückt werden</a:t>
-            </a:r>
-          </a:p>
-          <a:p>
-            <a:pPr marL="457200" lvl="1" indent="0">
-              <a:buNone/>
-            </a:pPr>
-            <a:r>
-              <a:rPr lang="de-DE" sz="1800" dirty="0"/>
-              <a:t>Der Profil Bearbeiten-Button muss gedrückt werden</a:t>
-            </a:r>
-          </a:p>
-          <a:p>
-            <a:pPr marL="457200" lvl="1" indent="0">
-              <a:buNone/>
-            </a:pPr>
-            <a:r>
-              <a:rPr lang="de-DE" sz="1800" dirty="0"/>
-              <a:t>Der Benutzername und die E-Mail-Adresse kann über die Texteingabe geändert werden</a:t>
-            </a:r>
-          </a:p>
-          <a:p>
-            <a:pPr marL="457200" lvl="1" indent="0">
-              <a:buNone/>
-            </a:pPr>
-            <a:r>
-              <a:rPr lang="de-DE" sz="1800" dirty="0"/>
-              <a:t>Das Level kann über die Combobox verändert werden</a:t>
-            </a:r>
-          </a:p>
-          <a:p>
-            <a:pPr marL="457200" lvl="1" indent="0">
-              <a:buNone/>
-            </a:pPr>
-            <a:r>
-              <a:rPr lang="de-DE" sz="1800" dirty="0"/>
-              <a:t>Über den Neues Profilbild-Button kann ein neues Profilbild angelegt werden</a:t>
-            </a:r>
-          </a:p>
-          <a:p>
-            <a:pPr marL="457200" lvl="1" indent="0">
-              <a:buNone/>
-            </a:pPr>
-            <a:r>
-              <a:rPr lang="de-DE" sz="1800" dirty="0"/>
-              <a:t>Über den Passwort ändern-Button kann das Passwort geändert werden</a:t>
-            </a:r>
-          </a:p>
-          <a:p>
-            <a:pPr marL="457200" lvl="1" indent="0">
-              <a:buNone/>
-            </a:pPr>
-            <a:r>
-              <a:rPr lang="de-DE" sz="1800" dirty="0"/>
-              <a:t>Die Änderungen werden nur gespeichert, wenn nach der Eingabe der Speichern-Button betätigt wird</a:t>
-            </a:r>
-          </a:p>
-          <a:p>
-            <a:pPr marL="57150" indent="0">
-              <a:buNone/>
-            </a:pPr>
-            <a:r>
-              <a:rPr lang="de-DE" sz="2100" b="1" dirty="0"/>
-              <a:t>Nachbedingung</a:t>
-            </a:r>
-          </a:p>
-          <a:p>
-            <a:pPr marL="457200" lvl="1" indent="0">
-              <a:buNone/>
-            </a:pPr>
-            <a:r>
-              <a:rPr lang="de-DE" sz="1800" dirty="0"/>
-              <a:t>Erfolgreich: Die Änderungen werden im Mein Profil-Screen angezeigt</a:t>
-            </a:r>
-          </a:p>
-          <a:p>
-            <a:pPr marL="457200" lvl="1" indent="0">
-              <a:buNone/>
-            </a:pPr>
-            <a:r>
-              <a:rPr lang="de-DE" sz="1800" dirty="0"/>
-              <a:t>Fehler: Die Änderungen konnten nicht übernommen werden und es werden veraltete Daten im Mein Profil-Screen angezeigt</a:t>
-            </a:r>
-          </a:p>
-          <a:p>
-            <a:pPr marL="457200" lvl="1" indent="0">
-              <a:buNone/>
-            </a:pPr>
-            <a:endParaRPr lang="de-DE" dirty="0"/>
-          </a:p>
-        </p:txBody>
-      </p:sp>
-      <p:sp>
-        <p:nvSpPr>
-          <p:cNvPr id="5" name="Date Placeholder 3">
-            <a:extLst>
-              <a:ext uri="{FF2B5EF4-FFF2-40B4-BE49-F238E27FC236}">
-                <a16:creationId xmlns:a16="http://schemas.microsoft.com/office/drawing/2014/main" id="{4C14AB97-C542-4790-9263-C13620CBC6CD}"/>
-              </a:ext>
-            </a:extLst>
-          </p:cNvPr>
-          <p:cNvSpPr txBox="1">
-            <a:spLocks/>
-          </p:cNvSpPr>
-          <p:nvPr/>
-        </p:nvSpPr>
-        <p:spPr>
-          <a:xfrm>
-            <a:off x="677334" y="231051"/>
-            <a:ext cx="1071566" cy="378549"/>
-          </a:xfrm>
-          <a:prstGeom prst="rect">
-            <a:avLst/>
-          </a:prstGeom>
-        </p:spPr>
-        <p:txBody>
-          <a:bodyPr vert="horz" lIns="91440" tIns="45720" rIns="91440" bIns="45720" rtlCol="0" anchor="ctr"/>
-          <a:lstStyle>
-            <a:defPPr>
-              <a:defRPr lang="en-US"/>
-            </a:defPPr>
-            <a:lvl1pPr marL="0" algn="r" defTabSz="457200" rtl="0" eaLnBrk="1" latinLnBrk="0" hangingPunct="1">
-              <a:defRPr sz="900" kern="1200">
-                <a:solidFill>
-                  <a:schemeClr val="tx1">
-                    <a:tint val="75000"/>
-                  </a:schemeClr>
-                </a:solidFill>
-                <a:latin typeface="+mn-lt"/>
-                <a:ea typeface="+mn-ea"/>
-                <a:cs typeface="+mn-cs"/>
-              </a:defRPr>
-            </a:lvl1pPr>
-            <a:lvl2pPr marL="457200" algn="l" defTabSz="457200" rtl="0" eaLnBrk="1" latinLnBrk="0" hangingPunct="1">
-              <a:defRPr sz="1800" kern="1200">
-                <a:solidFill>
-                  <a:schemeClr val="tx1"/>
-                </a:solidFill>
-                <a:latin typeface="+mn-lt"/>
-                <a:ea typeface="+mn-ea"/>
-                <a:cs typeface="+mn-cs"/>
-              </a:defRPr>
-            </a:lvl2pPr>
-            <a:lvl3pPr marL="914400" algn="l" defTabSz="457200" rtl="0" eaLnBrk="1" latinLnBrk="0" hangingPunct="1">
-              <a:defRPr sz="1800" kern="1200">
-                <a:solidFill>
-                  <a:schemeClr val="tx1"/>
-                </a:solidFill>
-                <a:latin typeface="+mn-lt"/>
-                <a:ea typeface="+mn-ea"/>
-                <a:cs typeface="+mn-cs"/>
-              </a:defRPr>
-            </a:lvl3pPr>
-            <a:lvl4pPr marL="1371600" algn="l" defTabSz="457200" rtl="0" eaLnBrk="1" latinLnBrk="0" hangingPunct="1">
-              <a:defRPr sz="1800" kern="1200">
-                <a:solidFill>
-                  <a:schemeClr val="tx1"/>
-                </a:solidFill>
-                <a:latin typeface="+mn-lt"/>
-                <a:ea typeface="+mn-ea"/>
-                <a:cs typeface="+mn-cs"/>
-              </a:defRPr>
-            </a:lvl4pPr>
-            <a:lvl5pPr marL="1828800" algn="l" defTabSz="457200" rtl="0" eaLnBrk="1" latinLnBrk="0" hangingPunct="1">
-              <a:defRPr sz="1800" kern="1200">
-                <a:solidFill>
-                  <a:schemeClr val="tx1"/>
-                </a:solidFill>
-                <a:latin typeface="+mn-lt"/>
-                <a:ea typeface="+mn-ea"/>
-                <a:cs typeface="+mn-cs"/>
-              </a:defRPr>
-            </a:lvl5pPr>
-            <a:lvl6pPr marL="2286000" algn="l" defTabSz="457200" rtl="0" eaLnBrk="1" latinLnBrk="0" hangingPunct="1">
-              <a:defRPr sz="1800" kern="1200">
-                <a:solidFill>
-                  <a:schemeClr val="tx1"/>
-                </a:solidFill>
-                <a:latin typeface="+mn-lt"/>
-                <a:ea typeface="+mn-ea"/>
-                <a:cs typeface="+mn-cs"/>
-              </a:defRPr>
-            </a:lvl6pPr>
-            <a:lvl7pPr marL="2743200" algn="l" defTabSz="457200" rtl="0" eaLnBrk="1" latinLnBrk="0" hangingPunct="1">
-              <a:defRPr sz="1800" kern="1200">
-                <a:solidFill>
-                  <a:schemeClr val="tx1"/>
-                </a:solidFill>
-                <a:latin typeface="+mn-lt"/>
-                <a:ea typeface="+mn-ea"/>
-                <a:cs typeface="+mn-cs"/>
-              </a:defRPr>
-            </a:lvl7pPr>
-            <a:lvl8pPr marL="3200400" algn="l" defTabSz="457200" rtl="0" eaLnBrk="1" latinLnBrk="0" hangingPunct="1">
-              <a:defRPr sz="1800" kern="1200">
-                <a:solidFill>
-                  <a:schemeClr val="tx1"/>
-                </a:solidFill>
-                <a:latin typeface="+mn-lt"/>
-                <a:ea typeface="+mn-ea"/>
-                <a:cs typeface="+mn-cs"/>
-              </a:defRPr>
-            </a:lvl8pPr>
-            <a:lvl9pPr marL="3657600" algn="l" defTabSz="457200" rtl="0" eaLnBrk="1" latinLnBrk="0" hangingPunct="1">
-              <a:defRPr sz="1800" kern="1200">
-                <a:solidFill>
-                  <a:schemeClr val="tx1"/>
-                </a:solidFill>
-                <a:latin typeface="+mn-lt"/>
-                <a:ea typeface="+mn-ea"/>
-                <a:cs typeface="+mn-cs"/>
-              </a:defRPr>
-            </a:lvl9pPr>
-          </a:lstStyle>
-          <a:p>
-            <a:fld id="{5665C720-CFBA-4CD6-B44E-E52DA515AFF8}" type="datetime1">
-              <a:rPr lang="de-DE" sz="1400" smtClean="0"/>
-              <a:pPr/>
-              <a:t>02.11.2020</a:t>
-            </a:fld>
-            <a:endParaRPr lang="en-US" dirty="0"/>
-          </a:p>
-        </p:txBody>
-      </p:sp>
-      <p:sp>
-        <p:nvSpPr>
-          <p:cNvPr id="6" name="Date Placeholder 3">
-            <a:extLst>
-              <a:ext uri="{FF2B5EF4-FFF2-40B4-BE49-F238E27FC236}">
-                <a16:creationId xmlns:a16="http://schemas.microsoft.com/office/drawing/2014/main" id="{FBE73F23-8D21-495D-8D7C-2DE7277152E1}"/>
-              </a:ext>
-            </a:extLst>
-          </p:cNvPr>
-          <p:cNvSpPr txBox="1">
-            <a:spLocks/>
-          </p:cNvSpPr>
-          <p:nvPr/>
-        </p:nvSpPr>
-        <p:spPr>
-          <a:xfrm>
-            <a:off x="1824033" y="231050"/>
-            <a:ext cx="5713108" cy="378549"/>
-          </a:xfrm>
-          <a:prstGeom prst="rect">
-            <a:avLst/>
-          </a:prstGeom>
-        </p:spPr>
-        <p:txBody>
-          <a:bodyPr vert="horz" lIns="91440" tIns="45720" rIns="91440" bIns="45720" rtlCol="0" anchor="ctr"/>
-          <a:lstStyle>
-            <a:defPPr>
-              <a:defRPr lang="en-US"/>
-            </a:defPPr>
-            <a:lvl1pPr marL="0" algn="r" defTabSz="457200" rtl="0" eaLnBrk="1" latinLnBrk="0" hangingPunct="1">
-              <a:defRPr sz="900" kern="1200">
-                <a:solidFill>
-                  <a:schemeClr val="tx1">
-                    <a:tint val="75000"/>
-                  </a:schemeClr>
-                </a:solidFill>
-                <a:latin typeface="+mn-lt"/>
-                <a:ea typeface="+mn-ea"/>
-                <a:cs typeface="+mn-cs"/>
-              </a:defRPr>
-            </a:lvl1pPr>
-            <a:lvl2pPr marL="457200" algn="l" defTabSz="457200" rtl="0" eaLnBrk="1" latinLnBrk="0" hangingPunct="1">
-              <a:defRPr sz="1800" kern="1200">
-                <a:solidFill>
-                  <a:schemeClr val="tx1"/>
-                </a:solidFill>
-                <a:latin typeface="+mn-lt"/>
-                <a:ea typeface="+mn-ea"/>
-                <a:cs typeface="+mn-cs"/>
-              </a:defRPr>
-            </a:lvl2pPr>
-            <a:lvl3pPr marL="914400" algn="l" defTabSz="457200" rtl="0" eaLnBrk="1" latinLnBrk="0" hangingPunct="1">
-              <a:defRPr sz="1800" kern="1200">
-                <a:solidFill>
-                  <a:schemeClr val="tx1"/>
-                </a:solidFill>
-                <a:latin typeface="+mn-lt"/>
-                <a:ea typeface="+mn-ea"/>
-                <a:cs typeface="+mn-cs"/>
-              </a:defRPr>
-            </a:lvl3pPr>
-            <a:lvl4pPr marL="1371600" algn="l" defTabSz="457200" rtl="0" eaLnBrk="1" latinLnBrk="0" hangingPunct="1">
-              <a:defRPr sz="1800" kern="1200">
-                <a:solidFill>
-                  <a:schemeClr val="tx1"/>
-                </a:solidFill>
-                <a:latin typeface="+mn-lt"/>
-                <a:ea typeface="+mn-ea"/>
-                <a:cs typeface="+mn-cs"/>
-              </a:defRPr>
-            </a:lvl4pPr>
-            <a:lvl5pPr marL="1828800" algn="l" defTabSz="457200" rtl="0" eaLnBrk="1" latinLnBrk="0" hangingPunct="1">
-              <a:defRPr sz="1800" kern="1200">
-                <a:solidFill>
-                  <a:schemeClr val="tx1"/>
-                </a:solidFill>
-                <a:latin typeface="+mn-lt"/>
-                <a:ea typeface="+mn-ea"/>
-                <a:cs typeface="+mn-cs"/>
-              </a:defRPr>
-            </a:lvl5pPr>
-            <a:lvl6pPr marL="2286000" algn="l" defTabSz="457200" rtl="0" eaLnBrk="1" latinLnBrk="0" hangingPunct="1">
-              <a:defRPr sz="1800" kern="1200">
-                <a:solidFill>
-                  <a:schemeClr val="tx1"/>
-                </a:solidFill>
-                <a:latin typeface="+mn-lt"/>
-                <a:ea typeface="+mn-ea"/>
-                <a:cs typeface="+mn-cs"/>
-              </a:defRPr>
-            </a:lvl6pPr>
-            <a:lvl7pPr marL="2743200" algn="l" defTabSz="457200" rtl="0" eaLnBrk="1" latinLnBrk="0" hangingPunct="1">
-              <a:defRPr sz="1800" kern="1200">
-                <a:solidFill>
-                  <a:schemeClr val="tx1"/>
-                </a:solidFill>
-                <a:latin typeface="+mn-lt"/>
-                <a:ea typeface="+mn-ea"/>
-                <a:cs typeface="+mn-cs"/>
-              </a:defRPr>
-            </a:lvl7pPr>
-            <a:lvl8pPr marL="3200400" algn="l" defTabSz="457200" rtl="0" eaLnBrk="1" latinLnBrk="0" hangingPunct="1">
-              <a:defRPr sz="1800" kern="1200">
-                <a:solidFill>
-                  <a:schemeClr val="tx1"/>
-                </a:solidFill>
-                <a:latin typeface="+mn-lt"/>
-                <a:ea typeface="+mn-ea"/>
-                <a:cs typeface="+mn-cs"/>
-              </a:defRPr>
-            </a:lvl8pPr>
-            <a:lvl9pPr marL="3657600" algn="l" defTabSz="457200" rtl="0" eaLnBrk="1" latinLnBrk="0" hangingPunct="1">
-              <a:defRPr sz="1800" kern="1200">
-                <a:solidFill>
-                  <a:schemeClr val="tx1"/>
-                </a:solidFill>
-                <a:latin typeface="+mn-lt"/>
-                <a:ea typeface="+mn-ea"/>
-                <a:cs typeface="+mn-cs"/>
-              </a:defRPr>
-            </a:lvl9pPr>
-          </a:lstStyle>
-          <a:p>
-            <a:r>
-              <a:rPr lang="de-DE" sz="1400" dirty="0"/>
-              <a:t>Veronika Taranek, Philipp </a:t>
-            </a:r>
-            <a:r>
-              <a:rPr lang="de-DE" sz="1400" dirty="0" err="1"/>
-              <a:t>Fenesan</a:t>
-            </a:r>
-            <a:r>
-              <a:rPr lang="de-DE" sz="1400" dirty="0"/>
-              <a:t>, Nicolas Geppert, Lukas Werner</a:t>
-            </a:r>
-            <a:endParaRPr lang="en-US" dirty="0"/>
-          </a:p>
-        </p:txBody>
-      </p:sp>
-    </p:spTree>
-    <p:extLst>
-      <p:ext uri="{BB962C8B-B14F-4D97-AF65-F5344CB8AC3E}">
-        <p14:creationId xmlns:p14="http://schemas.microsoft.com/office/powerpoint/2010/main" val="4289056068"/>
-      </p:ext>
-    </p:extLst>
-  </p:cSld>
-  <p:clrMapOvr>
-    <a:masterClrMapping/>
-  </p:clrMapOvr>
-</p:sld>
-</file>
-
-<file path=ppt/slides/slide13.xml><?xml version="1.0" encoding="utf-8"?>
-<p:sld xmlns:a="http://schemas.openxmlformats.org/drawingml/2006/main" xmlns:r="http://schemas.openxmlformats.org/officeDocument/2006/relationships" xmlns:p="http://schemas.openxmlformats.org/presentationml/2006/main">
-  <p:cSld>
-    <p:spTree>
-      <p:nvGrpSpPr>
-        <p:cNvPr id="1" name=""/>
-        <p:cNvGrpSpPr/>
-        <p:nvPr/>
-      </p:nvGrpSpPr>
-      <p:grpSpPr>
-        <a:xfrm>
-          <a:off x="0" y="0"/>
-          <a:ext cx="0" cy="0"/>
-          <a:chOff x="0" y="0"/>
-          <a:chExt cx="0" cy="0"/>
-        </a:xfrm>
-      </p:grpSpPr>
-      <p:sp>
-        <p:nvSpPr>
-          <p:cNvPr id="2" name="Title 1">
-            <a:extLst>
-              <a:ext uri="{FF2B5EF4-FFF2-40B4-BE49-F238E27FC236}">
-                <a16:creationId xmlns:a16="http://schemas.microsoft.com/office/drawing/2014/main" id="{DD89B45D-81B8-4037-8647-E08DB7556E63}"/>
-              </a:ext>
-            </a:extLst>
-          </p:cNvPr>
-          <p:cNvSpPr>
-            <a:spLocks noGrp="1"/>
-          </p:cNvSpPr>
-          <p:nvPr>
-            <p:ph type="title"/>
-          </p:nvPr>
-        </p:nvSpPr>
-        <p:spPr>
-          <a:xfrm>
-            <a:off x="677334" y="609598"/>
-            <a:ext cx="8596668" cy="1181101"/>
-          </a:xfrm>
-        </p:spPr>
-        <p:txBody>
-          <a:bodyPr/>
-          <a:lstStyle/>
-          <a:p>
-            <a:r>
-              <a:rPr lang="en-US" dirty="0"/>
-              <a:t>Use Case: </a:t>
-            </a:r>
-            <a:r>
-              <a:rPr lang="en-US" dirty="0" err="1"/>
-              <a:t>Karte</a:t>
-            </a:r>
-            <a:endParaRPr lang="en-US" dirty="0"/>
-          </a:p>
-        </p:txBody>
-      </p:sp>
-      <p:sp>
-        <p:nvSpPr>
-          <p:cNvPr id="3" name="Content Placeholder 2">
-            <a:extLst>
-              <a:ext uri="{FF2B5EF4-FFF2-40B4-BE49-F238E27FC236}">
-                <a16:creationId xmlns:a16="http://schemas.microsoft.com/office/drawing/2014/main" id="{591DF666-F25C-416A-9D7B-D66F364C5048}"/>
-              </a:ext>
-            </a:extLst>
-          </p:cNvPr>
-          <p:cNvSpPr>
-            <a:spLocks noGrp="1"/>
-          </p:cNvSpPr>
-          <p:nvPr>
-            <p:ph idx="1"/>
-          </p:nvPr>
-        </p:nvSpPr>
-        <p:spPr>
-          <a:xfrm>
-            <a:off x="677334" y="1352550"/>
-            <a:ext cx="8596668" cy="5400675"/>
-          </a:xfrm>
-        </p:spPr>
-        <p:txBody>
-          <a:bodyPr>
-            <a:normAutofit lnSpcReduction="10000"/>
-          </a:bodyPr>
-          <a:lstStyle/>
-          <a:p>
-            <a:pPr marL="0" indent="0">
-              <a:buNone/>
-            </a:pPr>
-            <a:r>
-              <a:rPr lang="de-DE" b="1" dirty="0"/>
-              <a:t>Beschreibung</a:t>
-            </a:r>
-          </a:p>
-          <a:p>
-            <a:pPr marL="457200" lvl="1" indent="0">
-              <a:buNone/>
-            </a:pPr>
-            <a:r>
-              <a:rPr lang="de-DE" dirty="0"/>
-              <a:t>Dieser </a:t>
-            </a:r>
-            <a:r>
-              <a:rPr lang="de-DE" dirty="0" err="1"/>
-              <a:t>Use</a:t>
-            </a:r>
-            <a:r>
-              <a:rPr lang="de-DE" dirty="0"/>
-              <a:t> Case beschreibt wie der Benutzer seine Wanderroute konfigurieren kann</a:t>
-            </a:r>
-          </a:p>
-          <a:p>
-            <a:pPr marL="0" indent="0">
-              <a:buNone/>
-            </a:pPr>
-            <a:r>
-              <a:rPr lang="de-DE" b="1" dirty="0"/>
-              <a:t>Beteiligte</a:t>
-            </a:r>
-          </a:p>
-          <a:p>
-            <a:pPr marL="457200" lvl="1" indent="0">
-              <a:buNone/>
-            </a:pPr>
-            <a:r>
-              <a:rPr lang="de-DE" dirty="0"/>
-              <a:t>Benutzer</a:t>
-            </a:r>
-          </a:p>
-          <a:p>
-            <a:pPr marL="0" indent="0">
-              <a:buNone/>
-            </a:pPr>
-            <a:r>
-              <a:rPr lang="de-DE" b="1" dirty="0"/>
-              <a:t>Voraussetzungen</a:t>
-            </a:r>
-          </a:p>
-          <a:p>
-            <a:pPr marL="457200" lvl="1" indent="0">
-              <a:buNone/>
-            </a:pPr>
-            <a:r>
-              <a:rPr lang="de-DE" dirty="0"/>
-              <a:t>Datenbankverbindung muss vorhanden sein</a:t>
-            </a:r>
-          </a:p>
-          <a:p>
-            <a:pPr marL="457200" lvl="1" indent="0">
-              <a:buNone/>
-            </a:pPr>
-            <a:r>
-              <a:rPr lang="de-DE" dirty="0"/>
-              <a:t>Der Benutzer muss erfolgreich eingeloggt sein</a:t>
-            </a:r>
-          </a:p>
-          <a:p>
-            <a:pPr marL="0" indent="0">
-              <a:buNone/>
-            </a:pPr>
-            <a:r>
-              <a:rPr lang="de-DE" b="1" dirty="0"/>
-              <a:t>Ereignisfluss</a:t>
-            </a:r>
-          </a:p>
-          <a:p>
-            <a:pPr marL="457200" lvl="1" indent="0">
-              <a:buNone/>
-            </a:pPr>
-            <a:r>
-              <a:rPr lang="de-DE" dirty="0"/>
-              <a:t>Im Menü-Screen muss auf den Karte-Button gedrückt werden</a:t>
-            </a:r>
-          </a:p>
-          <a:p>
-            <a:pPr marL="457200" lvl="1" indent="0">
-              <a:buNone/>
-            </a:pPr>
-            <a:r>
-              <a:rPr lang="de-DE" dirty="0"/>
-              <a:t>Der Benutzer kann über die Textfelder die Routenlänge und den gewünschten Höhenunterschied für seine Wanderroute angeben</a:t>
-            </a:r>
-          </a:p>
-          <a:p>
-            <a:pPr marL="457200" lvl="1" indent="0">
-              <a:buNone/>
-            </a:pPr>
-            <a:r>
-              <a:rPr lang="de-DE" dirty="0"/>
-              <a:t>Um die Änderungen zu speichern, muss der Bestätigen-Button betätigt werden</a:t>
-            </a:r>
-          </a:p>
-          <a:p>
-            <a:pPr marL="57150" indent="0">
-              <a:buNone/>
-            </a:pPr>
-            <a:r>
-              <a:rPr lang="de-DE" b="1" dirty="0"/>
-              <a:t>Nachbedingung</a:t>
-            </a:r>
-          </a:p>
-          <a:p>
-            <a:pPr marL="457200" lvl="1" indent="0">
-              <a:buNone/>
-            </a:pPr>
-            <a:r>
-              <a:rPr lang="de-DE" dirty="0"/>
-              <a:t>Erfolgreich: Wanderroutenlänge und Höhenunterschied wird gespeichert</a:t>
-            </a:r>
-          </a:p>
-          <a:p>
-            <a:pPr marL="457200" lvl="1" indent="0">
-              <a:buNone/>
-            </a:pPr>
-            <a:r>
-              <a:rPr lang="de-DE" dirty="0"/>
-              <a:t>Fehler: Wanderroutenlänge und Höhenunterschied kann nicht gespeichert werden</a:t>
-            </a:r>
-          </a:p>
-          <a:p>
-            <a:pPr marL="457200" lvl="1" indent="0">
-              <a:buNone/>
-            </a:pPr>
-            <a:endParaRPr lang="de-DE" dirty="0"/>
-          </a:p>
-        </p:txBody>
-      </p:sp>
-      <p:sp>
-        <p:nvSpPr>
-          <p:cNvPr id="5" name="Date Placeholder 3">
-            <a:extLst>
-              <a:ext uri="{FF2B5EF4-FFF2-40B4-BE49-F238E27FC236}">
-                <a16:creationId xmlns:a16="http://schemas.microsoft.com/office/drawing/2014/main" id="{4C14AB97-C542-4790-9263-C13620CBC6CD}"/>
-              </a:ext>
-            </a:extLst>
-          </p:cNvPr>
-          <p:cNvSpPr txBox="1">
-            <a:spLocks/>
-          </p:cNvSpPr>
-          <p:nvPr/>
-        </p:nvSpPr>
-        <p:spPr>
-          <a:xfrm>
-            <a:off x="677334" y="231051"/>
-            <a:ext cx="1071566" cy="378549"/>
-          </a:xfrm>
-          <a:prstGeom prst="rect">
-            <a:avLst/>
-          </a:prstGeom>
-        </p:spPr>
-        <p:txBody>
-          <a:bodyPr vert="horz" lIns="91440" tIns="45720" rIns="91440" bIns="45720" rtlCol="0" anchor="ctr"/>
-          <a:lstStyle>
-            <a:defPPr>
-              <a:defRPr lang="en-US"/>
-            </a:defPPr>
-            <a:lvl1pPr marL="0" algn="r" defTabSz="457200" rtl="0" eaLnBrk="1" latinLnBrk="0" hangingPunct="1">
-              <a:defRPr sz="900" kern="1200">
-                <a:solidFill>
-                  <a:schemeClr val="tx1">
-                    <a:tint val="75000"/>
-                  </a:schemeClr>
-                </a:solidFill>
-                <a:latin typeface="+mn-lt"/>
-                <a:ea typeface="+mn-ea"/>
-                <a:cs typeface="+mn-cs"/>
-              </a:defRPr>
-            </a:lvl1pPr>
-            <a:lvl2pPr marL="457200" algn="l" defTabSz="457200" rtl="0" eaLnBrk="1" latinLnBrk="0" hangingPunct="1">
-              <a:defRPr sz="1800" kern="1200">
-                <a:solidFill>
-                  <a:schemeClr val="tx1"/>
-                </a:solidFill>
-                <a:latin typeface="+mn-lt"/>
-                <a:ea typeface="+mn-ea"/>
-                <a:cs typeface="+mn-cs"/>
-              </a:defRPr>
-            </a:lvl2pPr>
-            <a:lvl3pPr marL="914400" algn="l" defTabSz="457200" rtl="0" eaLnBrk="1" latinLnBrk="0" hangingPunct="1">
-              <a:defRPr sz="1800" kern="1200">
-                <a:solidFill>
-                  <a:schemeClr val="tx1"/>
-                </a:solidFill>
-                <a:latin typeface="+mn-lt"/>
-                <a:ea typeface="+mn-ea"/>
-                <a:cs typeface="+mn-cs"/>
-              </a:defRPr>
-            </a:lvl3pPr>
-            <a:lvl4pPr marL="1371600" algn="l" defTabSz="457200" rtl="0" eaLnBrk="1" latinLnBrk="0" hangingPunct="1">
-              <a:defRPr sz="1800" kern="1200">
-                <a:solidFill>
-                  <a:schemeClr val="tx1"/>
-                </a:solidFill>
-                <a:latin typeface="+mn-lt"/>
-                <a:ea typeface="+mn-ea"/>
-                <a:cs typeface="+mn-cs"/>
-              </a:defRPr>
-            </a:lvl4pPr>
-            <a:lvl5pPr marL="1828800" algn="l" defTabSz="457200" rtl="0" eaLnBrk="1" latinLnBrk="0" hangingPunct="1">
-              <a:defRPr sz="1800" kern="1200">
-                <a:solidFill>
-                  <a:schemeClr val="tx1"/>
-                </a:solidFill>
-                <a:latin typeface="+mn-lt"/>
-                <a:ea typeface="+mn-ea"/>
-                <a:cs typeface="+mn-cs"/>
-              </a:defRPr>
-            </a:lvl5pPr>
-            <a:lvl6pPr marL="2286000" algn="l" defTabSz="457200" rtl="0" eaLnBrk="1" latinLnBrk="0" hangingPunct="1">
-              <a:defRPr sz="1800" kern="1200">
-                <a:solidFill>
-                  <a:schemeClr val="tx1"/>
-                </a:solidFill>
-                <a:latin typeface="+mn-lt"/>
-                <a:ea typeface="+mn-ea"/>
-                <a:cs typeface="+mn-cs"/>
-              </a:defRPr>
-            </a:lvl6pPr>
-            <a:lvl7pPr marL="2743200" algn="l" defTabSz="457200" rtl="0" eaLnBrk="1" latinLnBrk="0" hangingPunct="1">
-              <a:defRPr sz="1800" kern="1200">
-                <a:solidFill>
-                  <a:schemeClr val="tx1"/>
-                </a:solidFill>
-                <a:latin typeface="+mn-lt"/>
-                <a:ea typeface="+mn-ea"/>
-                <a:cs typeface="+mn-cs"/>
-              </a:defRPr>
-            </a:lvl7pPr>
-            <a:lvl8pPr marL="3200400" algn="l" defTabSz="457200" rtl="0" eaLnBrk="1" latinLnBrk="0" hangingPunct="1">
-              <a:defRPr sz="1800" kern="1200">
-                <a:solidFill>
-                  <a:schemeClr val="tx1"/>
-                </a:solidFill>
-                <a:latin typeface="+mn-lt"/>
-                <a:ea typeface="+mn-ea"/>
-                <a:cs typeface="+mn-cs"/>
-              </a:defRPr>
-            </a:lvl8pPr>
-            <a:lvl9pPr marL="3657600" algn="l" defTabSz="457200" rtl="0" eaLnBrk="1" latinLnBrk="0" hangingPunct="1">
-              <a:defRPr sz="1800" kern="1200">
-                <a:solidFill>
-                  <a:schemeClr val="tx1"/>
-                </a:solidFill>
-                <a:latin typeface="+mn-lt"/>
-                <a:ea typeface="+mn-ea"/>
-                <a:cs typeface="+mn-cs"/>
-              </a:defRPr>
-            </a:lvl9pPr>
-          </a:lstStyle>
-          <a:p>
-            <a:fld id="{5665C720-CFBA-4CD6-B44E-E52DA515AFF8}" type="datetime1">
-              <a:rPr lang="de-DE" sz="1400" smtClean="0"/>
-              <a:pPr/>
-              <a:t>02.11.2020</a:t>
-            </a:fld>
-            <a:endParaRPr lang="en-US" dirty="0"/>
-          </a:p>
-        </p:txBody>
-      </p:sp>
-      <p:sp>
-        <p:nvSpPr>
-          <p:cNvPr id="6" name="Date Placeholder 3">
-            <a:extLst>
-              <a:ext uri="{FF2B5EF4-FFF2-40B4-BE49-F238E27FC236}">
-                <a16:creationId xmlns:a16="http://schemas.microsoft.com/office/drawing/2014/main" id="{FBE73F23-8D21-495D-8D7C-2DE7277152E1}"/>
-              </a:ext>
-            </a:extLst>
-          </p:cNvPr>
-          <p:cNvSpPr txBox="1">
-            <a:spLocks/>
-          </p:cNvSpPr>
-          <p:nvPr/>
-        </p:nvSpPr>
-        <p:spPr>
-          <a:xfrm>
-            <a:off x="1824033" y="231050"/>
-            <a:ext cx="5713108" cy="378549"/>
-          </a:xfrm>
-          <a:prstGeom prst="rect">
-            <a:avLst/>
-          </a:prstGeom>
-        </p:spPr>
-        <p:txBody>
-          <a:bodyPr vert="horz" lIns="91440" tIns="45720" rIns="91440" bIns="45720" rtlCol="0" anchor="ctr"/>
-          <a:lstStyle>
-            <a:defPPr>
-              <a:defRPr lang="en-US"/>
-            </a:defPPr>
-            <a:lvl1pPr marL="0" algn="r" defTabSz="457200" rtl="0" eaLnBrk="1" latinLnBrk="0" hangingPunct="1">
-              <a:defRPr sz="900" kern="1200">
-                <a:solidFill>
-                  <a:schemeClr val="tx1">
-                    <a:tint val="75000"/>
-                  </a:schemeClr>
-                </a:solidFill>
-                <a:latin typeface="+mn-lt"/>
-                <a:ea typeface="+mn-ea"/>
-                <a:cs typeface="+mn-cs"/>
-              </a:defRPr>
-            </a:lvl1pPr>
-            <a:lvl2pPr marL="457200" algn="l" defTabSz="457200" rtl="0" eaLnBrk="1" latinLnBrk="0" hangingPunct="1">
-              <a:defRPr sz="1800" kern="1200">
-                <a:solidFill>
-                  <a:schemeClr val="tx1"/>
-                </a:solidFill>
-                <a:latin typeface="+mn-lt"/>
-                <a:ea typeface="+mn-ea"/>
-                <a:cs typeface="+mn-cs"/>
-              </a:defRPr>
-            </a:lvl2pPr>
-            <a:lvl3pPr marL="914400" algn="l" defTabSz="457200" rtl="0" eaLnBrk="1" latinLnBrk="0" hangingPunct="1">
-              <a:defRPr sz="1800" kern="1200">
-                <a:solidFill>
-                  <a:schemeClr val="tx1"/>
-                </a:solidFill>
-                <a:latin typeface="+mn-lt"/>
-                <a:ea typeface="+mn-ea"/>
-                <a:cs typeface="+mn-cs"/>
-              </a:defRPr>
-            </a:lvl3pPr>
-            <a:lvl4pPr marL="1371600" algn="l" defTabSz="457200" rtl="0" eaLnBrk="1" latinLnBrk="0" hangingPunct="1">
-              <a:defRPr sz="1800" kern="1200">
-                <a:solidFill>
-                  <a:schemeClr val="tx1"/>
-                </a:solidFill>
-                <a:latin typeface="+mn-lt"/>
-                <a:ea typeface="+mn-ea"/>
-                <a:cs typeface="+mn-cs"/>
-              </a:defRPr>
-            </a:lvl4pPr>
-            <a:lvl5pPr marL="1828800" algn="l" defTabSz="457200" rtl="0" eaLnBrk="1" latinLnBrk="0" hangingPunct="1">
-              <a:defRPr sz="1800" kern="1200">
-                <a:solidFill>
-                  <a:schemeClr val="tx1"/>
-                </a:solidFill>
-                <a:latin typeface="+mn-lt"/>
-                <a:ea typeface="+mn-ea"/>
-                <a:cs typeface="+mn-cs"/>
-              </a:defRPr>
-            </a:lvl5pPr>
-            <a:lvl6pPr marL="2286000" algn="l" defTabSz="457200" rtl="0" eaLnBrk="1" latinLnBrk="0" hangingPunct="1">
-              <a:defRPr sz="1800" kern="1200">
-                <a:solidFill>
-                  <a:schemeClr val="tx1"/>
-                </a:solidFill>
-                <a:latin typeface="+mn-lt"/>
-                <a:ea typeface="+mn-ea"/>
-                <a:cs typeface="+mn-cs"/>
-              </a:defRPr>
-            </a:lvl6pPr>
-            <a:lvl7pPr marL="2743200" algn="l" defTabSz="457200" rtl="0" eaLnBrk="1" latinLnBrk="0" hangingPunct="1">
-              <a:defRPr sz="1800" kern="1200">
-                <a:solidFill>
-                  <a:schemeClr val="tx1"/>
-                </a:solidFill>
-                <a:latin typeface="+mn-lt"/>
-                <a:ea typeface="+mn-ea"/>
-                <a:cs typeface="+mn-cs"/>
-              </a:defRPr>
-            </a:lvl7pPr>
-            <a:lvl8pPr marL="3200400" algn="l" defTabSz="457200" rtl="0" eaLnBrk="1" latinLnBrk="0" hangingPunct="1">
-              <a:defRPr sz="1800" kern="1200">
-                <a:solidFill>
-                  <a:schemeClr val="tx1"/>
-                </a:solidFill>
-                <a:latin typeface="+mn-lt"/>
-                <a:ea typeface="+mn-ea"/>
-                <a:cs typeface="+mn-cs"/>
-              </a:defRPr>
-            </a:lvl8pPr>
-            <a:lvl9pPr marL="3657600" algn="l" defTabSz="457200" rtl="0" eaLnBrk="1" latinLnBrk="0" hangingPunct="1">
-              <a:defRPr sz="1800" kern="1200">
-                <a:solidFill>
-                  <a:schemeClr val="tx1"/>
-                </a:solidFill>
-                <a:latin typeface="+mn-lt"/>
-                <a:ea typeface="+mn-ea"/>
-                <a:cs typeface="+mn-cs"/>
-              </a:defRPr>
-            </a:lvl9pPr>
-          </a:lstStyle>
-          <a:p>
-            <a:r>
-              <a:rPr lang="de-DE" sz="1400" dirty="0"/>
-              <a:t>Veronika Taranek, Philipp </a:t>
-            </a:r>
-            <a:r>
-              <a:rPr lang="de-DE" sz="1400" dirty="0" err="1"/>
-              <a:t>Fenesan</a:t>
-            </a:r>
-            <a:r>
-              <a:rPr lang="de-DE" sz="1400" dirty="0"/>
-              <a:t>, Nicolas Geppert, Lukas Werner</a:t>
-            </a:r>
-            <a:endParaRPr lang="en-US" dirty="0"/>
-          </a:p>
-        </p:txBody>
-      </p:sp>
-    </p:spTree>
-    <p:extLst>
-      <p:ext uri="{BB962C8B-B14F-4D97-AF65-F5344CB8AC3E}">
-        <p14:creationId xmlns:p14="http://schemas.microsoft.com/office/powerpoint/2010/main" val="1940434735"/>
-      </p:ext>
-    </p:extLst>
-  </p:cSld>
-  <p:clrMapOvr>
-    <a:masterClrMapping/>
-  </p:clrMapOvr>
-</p:sld>
-</file>
-
-<file path=ppt/slides/slide14.xml><?xml version="1.0" encoding="utf-8"?>
-<p:sld xmlns:a="http://schemas.openxmlformats.org/drawingml/2006/main" xmlns:r="http://schemas.openxmlformats.org/officeDocument/2006/relationships" xmlns:p="http://schemas.openxmlformats.org/presentationml/2006/main">
-  <p:cSld>
-    <p:spTree>
-      <p:nvGrpSpPr>
-        <p:cNvPr id="1" name=""/>
-        <p:cNvGrpSpPr/>
-        <p:nvPr/>
-      </p:nvGrpSpPr>
-      <p:grpSpPr>
-        <a:xfrm>
-          <a:off x="0" y="0"/>
-          <a:ext cx="0" cy="0"/>
-          <a:chOff x="0" y="0"/>
-          <a:chExt cx="0" cy="0"/>
-        </a:xfrm>
-      </p:grpSpPr>
-      <p:sp>
-        <p:nvSpPr>
-          <p:cNvPr id="2" name="Title 1">
-            <a:extLst>
-              <a:ext uri="{FF2B5EF4-FFF2-40B4-BE49-F238E27FC236}">
-                <a16:creationId xmlns:a16="http://schemas.microsoft.com/office/drawing/2014/main" id="{A533C930-62BB-49CD-A689-73D96C0BFBBB}"/>
-              </a:ext>
-            </a:extLst>
-          </p:cNvPr>
-          <p:cNvSpPr>
-            <a:spLocks noGrp="1"/>
-          </p:cNvSpPr>
-          <p:nvPr>
-            <p:ph type="title"/>
-          </p:nvPr>
-        </p:nvSpPr>
-        <p:spPr/>
-        <p:txBody>
-          <a:bodyPr/>
-          <a:lstStyle/>
-          <a:p>
-            <a:r>
-              <a:rPr lang="en-US" dirty="0"/>
-              <a:t>Aufbau</a:t>
-            </a:r>
-          </a:p>
-        </p:txBody>
-      </p:sp>
-      <p:sp>
-        <p:nvSpPr>
-          <p:cNvPr id="5" name="TextBox 4">
-            <a:extLst>
-              <a:ext uri="{FF2B5EF4-FFF2-40B4-BE49-F238E27FC236}">
-                <a16:creationId xmlns:a16="http://schemas.microsoft.com/office/drawing/2014/main" id="{7FDF7188-C07D-448D-A4A7-2BC551B56E6A}"/>
-              </a:ext>
-            </a:extLst>
-          </p:cNvPr>
-          <p:cNvSpPr txBox="1"/>
-          <p:nvPr/>
-        </p:nvSpPr>
-        <p:spPr>
-          <a:xfrm>
-            <a:off x="677334" y="1662618"/>
-            <a:ext cx="7928774" cy="646331"/>
-          </a:xfrm>
-          <a:prstGeom prst="rect">
-            <a:avLst/>
-          </a:prstGeom>
-          <a:noFill/>
-        </p:spPr>
-        <p:txBody>
-          <a:bodyPr wrap="none" rtlCol="0">
-            <a:spAutoFit/>
-          </a:bodyPr>
-          <a:lstStyle/>
-          <a:p>
-            <a:r>
-              <a:rPr lang="en-US" dirty="0" err="1"/>
-              <a:t>Auffällig</a:t>
-            </a:r>
-            <a:r>
-              <a:rPr lang="en-US" dirty="0"/>
-              <a:t> </a:t>
-            </a:r>
-            <a:r>
-              <a:rPr lang="en-US" dirty="0" err="1"/>
-              <a:t>ist</a:t>
-            </a:r>
-            <a:r>
-              <a:rPr lang="en-US" dirty="0"/>
-              <a:t>, </a:t>
-            </a:r>
-            <a:r>
-              <a:rPr lang="en-US" dirty="0" err="1"/>
-              <a:t>dass</a:t>
-            </a:r>
-            <a:r>
-              <a:rPr lang="en-US" dirty="0"/>
-              <a:t> die </a:t>
-            </a:r>
-            <a:r>
-              <a:rPr lang="en-US" dirty="0" err="1"/>
-              <a:t>Funktionen</a:t>
-            </a:r>
-            <a:r>
-              <a:rPr lang="en-US" dirty="0"/>
-              <a:t> von den Design-Klassen </a:t>
-            </a:r>
-            <a:r>
-              <a:rPr lang="en-US" dirty="0" err="1"/>
-              <a:t>getrennt</a:t>
-            </a:r>
-            <a:r>
-              <a:rPr lang="en-US" dirty="0"/>
-              <a:t> </a:t>
-            </a:r>
-            <a:r>
-              <a:rPr lang="en-US" dirty="0" err="1"/>
-              <a:t>wurden</a:t>
-            </a:r>
-            <a:r>
-              <a:rPr lang="en-US" dirty="0"/>
-              <a:t>.</a:t>
-            </a:r>
-            <a:br>
-              <a:rPr lang="en-US" dirty="0"/>
-            </a:br>
-            <a:r>
-              <a:rPr lang="en-US" dirty="0"/>
-              <a:t>Die </a:t>
-            </a:r>
-            <a:r>
-              <a:rPr lang="en-US" dirty="0" err="1"/>
-              <a:t>Logik</a:t>
-            </a:r>
-            <a:r>
-              <a:rPr lang="en-US" dirty="0"/>
-              <a:t> </a:t>
-            </a:r>
-            <a:r>
-              <a:rPr lang="en-US" dirty="0" err="1"/>
-              <a:t>wird</a:t>
-            </a:r>
-            <a:r>
-              <a:rPr lang="en-US" dirty="0"/>
-              <a:t> in extra Klassen </a:t>
-            </a:r>
-            <a:r>
-              <a:rPr lang="en-US" dirty="0" err="1"/>
-              <a:t>implementiert</a:t>
-            </a:r>
-            <a:r>
-              <a:rPr lang="en-US" dirty="0"/>
-              <a:t>, die </a:t>
-            </a:r>
-            <a:r>
-              <a:rPr lang="en-US" dirty="0" err="1"/>
-              <a:t>getrennt</a:t>
-            </a:r>
-            <a:r>
-              <a:rPr lang="en-US" dirty="0"/>
-              <a:t> von der UI </a:t>
-            </a:r>
-            <a:r>
-              <a:rPr lang="en-US" dirty="0" err="1"/>
-              <a:t>sind</a:t>
-            </a:r>
-            <a:endParaRPr lang="en-US" dirty="0"/>
-          </a:p>
-        </p:txBody>
-      </p:sp>
-      <p:sp>
-        <p:nvSpPr>
-          <p:cNvPr id="6" name="Date Placeholder 3">
-            <a:extLst>
-              <a:ext uri="{FF2B5EF4-FFF2-40B4-BE49-F238E27FC236}">
-                <a16:creationId xmlns:a16="http://schemas.microsoft.com/office/drawing/2014/main" id="{C597FC9F-E38B-4D7C-800C-2E507A9787EC}"/>
-              </a:ext>
-            </a:extLst>
-          </p:cNvPr>
-          <p:cNvSpPr txBox="1">
-            <a:spLocks/>
-          </p:cNvSpPr>
-          <p:nvPr/>
-        </p:nvSpPr>
-        <p:spPr>
-          <a:xfrm>
-            <a:off x="677334" y="231051"/>
-            <a:ext cx="1071566" cy="378549"/>
-          </a:xfrm>
-          <a:prstGeom prst="rect">
-            <a:avLst/>
-          </a:prstGeom>
-        </p:spPr>
-        <p:txBody>
-          <a:bodyPr vert="horz" lIns="91440" tIns="45720" rIns="91440" bIns="45720" rtlCol="0" anchor="ctr"/>
-          <a:lstStyle>
-            <a:defPPr>
-              <a:defRPr lang="en-US"/>
-            </a:defPPr>
-            <a:lvl1pPr marL="0" algn="r" defTabSz="457200" rtl="0" eaLnBrk="1" latinLnBrk="0" hangingPunct="1">
-              <a:defRPr sz="900" kern="1200">
-                <a:solidFill>
-                  <a:schemeClr val="tx1">
-                    <a:tint val="75000"/>
-                  </a:schemeClr>
-                </a:solidFill>
-                <a:latin typeface="+mn-lt"/>
-                <a:ea typeface="+mn-ea"/>
-                <a:cs typeface="+mn-cs"/>
-              </a:defRPr>
-            </a:lvl1pPr>
-            <a:lvl2pPr marL="457200" algn="l" defTabSz="457200" rtl="0" eaLnBrk="1" latinLnBrk="0" hangingPunct="1">
-              <a:defRPr sz="1800" kern="1200">
-                <a:solidFill>
-                  <a:schemeClr val="tx1"/>
-                </a:solidFill>
-                <a:latin typeface="+mn-lt"/>
-                <a:ea typeface="+mn-ea"/>
-                <a:cs typeface="+mn-cs"/>
-              </a:defRPr>
-            </a:lvl2pPr>
-            <a:lvl3pPr marL="914400" algn="l" defTabSz="457200" rtl="0" eaLnBrk="1" latinLnBrk="0" hangingPunct="1">
-              <a:defRPr sz="1800" kern="1200">
-                <a:solidFill>
-                  <a:schemeClr val="tx1"/>
-                </a:solidFill>
-                <a:latin typeface="+mn-lt"/>
-                <a:ea typeface="+mn-ea"/>
-                <a:cs typeface="+mn-cs"/>
-              </a:defRPr>
-            </a:lvl3pPr>
-            <a:lvl4pPr marL="1371600" algn="l" defTabSz="457200" rtl="0" eaLnBrk="1" latinLnBrk="0" hangingPunct="1">
-              <a:defRPr sz="1800" kern="1200">
-                <a:solidFill>
-                  <a:schemeClr val="tx1"/>
-                </a:solidFill>
-                <a:latin typeface="+mn-lt"/>
-                <a:ea typeface="+mn-ea"/>
-                <a:cs typeface="+mn-cs"/>
-              </a:defRPr>
-            </a:lvl4pPr>
-            <a:lvl5pPr marL="1828800" algn="l" defTabSz="457200" rtl="0" eaLnBrk="1" latinLnBrk="0" hangingPunct="1">
-              <a:defRPr sz="1800" kern="1200">
-                <a:solidFill>
-                  <a:schemeClr val="tx1"/>
-                </a:solidFill>
-                <a:latin typeface="+mn-lt"/>
-                <a:ea typeface="+mn-ea"/>
-                <a:cs typeface="+mn-cs"/>
-              </a:defRPr>
-            </a:lvl5pPr>
-            <a:lvl6pPr marL="2286000" algn="l" defTabSz="457200" rtl="0" eaLnBrk="1" latinLnBrk="0" hangingPunct="1">
-              <a:defRPr sz="1800" kern="1200">
-                <a:solidFill>
-                  <a:schemeClr val="tx1"/>
-                </a:solidFill>
-                <a:latin typeface="+mn-lt"/>
-                <a:ea typeface="+mn-ea"/>
-                <a:cs typeface="+mn-cs"/>
-              </a:defRPr>
-            </a:lvl6pPr>
-            <a:lvl7pPr marL="2743200" algn="l" defTabSz="457200" rtl="0" eaLnBrk="1" latinLnBrk="0" hangingPunct="1">
-              <a:defRPr sz="1800" kern="1200">
-                <a:solidFill>
-                  <a:schemeClr val="tx1"/>
-                </a:solidFill>
-                <a:latin typeface="+mn-lt"/>
-                <a:ea typeface="+mn-ea"/>
-                <a:cs typeface="+mn-cs"/>
-              </a:defRPr>
-            </a:lvl7pPr>
-            <a:lvl8pPr marL="3200400" algn="l" defTabSz="457200" rtl="0" eaLnBrk="1" latinLnBrk="0" hangingPunct="1">
-              <a:defRPr sz="1800" kern="1200">
-                <a:solidFill>
-                  <a:schemeClr val="tx1"/>
-                </a:solidFill>
-                <a:latin typeface="+mn-lt"/>
-                <a:ea typeface="+mn-ea"/>
-                <a:cs typeface="+mn-cs"/>
-              </a:defRPr>
-            </a:lvl8pPr>
-            <a:lvl9pPr marL="3657600" algn="l" defTabSz="457200" rtl="0" eaLnBrk="1" latinLnBrk="0" hangingPunct="1">
-              <a:defRPr sz="1800" kern="1200">
-                <a:solidFill>
-                  <a:schemeClr val="tx1"/>
-                </a:solidFill>
-                <a:latin typeface="+mn-lt"/>
-                <a:ea typeface="+mn-ea"/>
-                <a:cs typeface="+mn-cs"/>
-              </a:defRPr>
-            </a:lvl9pPr>
-          </a:lstStyle>
-          <a:p>
-            <a:fld id="{5665C720-CFBA-4CD6-B44E-E52DA515AFF8}" type="datetime1">
-              <a:rPr lang="de-DE" sz="1400" smtClean="0"/>
-              <a:pPr/>
-              <a:t>02.11.2020</a:t>
-            </a:fld>
-            <a:endParaRPr lang="en-US" dirty="0"/>
-          </a:p>
-        </p:txBody>
-      </p:sp>
-      <p:sp>
-        <p:nvSpPr>
-          <p:cNvPr id="7" name="Date Placeholder 3">
-            <a:extLst>
-              <a:ext uri="{FF2B5EF4-FFF2-40B4-BE49-F238E27FC236}">
-                <a16:creationId xmlns:a16="http://schemas.microsoft.com/office/drawing/2014/main" id="{0F246959-6071-4609-B298-646E582C9281}"/>
-              </a:ext>
-            </a:extLst>
-          </p:cNvPr>
-          <p:cNvSpPr txBox="1">
-            <a:spLocks/>
-          </p:cNvSpPr>
-          <p:nvPr/>
-        </p:nvSpPr>
-        <p:spPr>
-          <a:xfrm>
-            <a:off x="1824033" y="231050"/>
-            <a:ext cx="5713108" cy="378549"/>
-          </a:xfrm>
-          <a:prstGeom prst="rect">
-            <a:avLst/>
-          </a:prstGeom>
-        </p:spPr>
-        <p:txBody>
-          <a:bodyPr vert="horz" lIns="91440" tIns="45720" rIns="91440" bIns="45720" rtlCol="0" anchor="ctr"/>
-          <a:lstStyle>
-            <a:defPPr>
-              <a:defRPr lang="en-US"/>
-            </a:defPPr>
-            <a:lvl1pPr marL="0" algn="r" defTabSz="457200" rtl="0" eaLnBrk="1" latinLnBrk="0" hangingPunct="1">
-              <a:defRPr sz="900" kern="1200">
-                <a:solidFill>
-                  <a:schemeClr val="tx1">
-                    <a:tint val="75000"/>
-                  </a:schemeClr>
-                </a:solidFill>
-                <a:latin typeface="+mn-lt"/>
-                <a:ea typeface="+mn-ea"/>
-                <a:cs typeface="+mn-cs"/>
-              </a:defRPr>
-            </a:lvl1pPr>
-            <a:lvl2pPr marL="457200" algn="l" defTabSz="457200" rtl="0" eaLnBrk="1" latinLnBrk="0" hangingPunct="1">
-              <a:defRPr sz="1800" kern="1200">
-                <a:solidFill>
-                  <a:schemeClr val="tx1"/>
-                </a:solidFill>
-                <a:latin typeface="+mn-lt"/>
-                <a:ea typeface="+mn-ea"/>
-                <a:cs typeface="+mn-cs"/>
-              </a:defRPr>
-            </a:lvl2pPr>
-            <a:lvl3pPr marL="914400" algn="l" defTabSz="457200" rtl="0" eaLnBrk="1" latinLnBrk="0" hangingPunct="1">
-              <a:defRPr sz="1800" kern="1200">
-                <a:solidFill>
-                  <a:schemeClr val="tx1"/>
-                </a:solidFill>
-                <a:latin typeface="+mn-lt"/>
-                <a:ea typeface="+mn-ea"/>
-                <a:cs typeface="+mn-cs"/>
-              </a:defRPr>
-            </a:lvl3pPr>
-            <a:lvl4pPr marL="1371600" algn="l" defTabSz="457200" rtl="0" eaLnBrk="1" latinLnBrk="0" hangingPunct="1">
-              <a:defRPr sz="1800" kern="1200">
-                <a:solidFill>
-                  <a:schemeClr val="tx1"/>
-                </a:solidFill>
-                <a:latin typeface="+mn-lt"/>
-                <a:ea typeface="+mn-ea"/>
-                <a:cs typeface="+mn-cs"/>
-              </a:defRPr>
-            </a:lvl4pPr>
-            <a:lvl5pPr marL="1828800" algn="l" defTabSz="457200" rtl="0" eaLnBrk="1" latinLnBrk="0" hangingPunct="1">
-              <a:defRPr sz="1800" kern="1200">
-                <a:solidFill>
-                  <a:schemeClr val="tx1"/>
-                </a:solidFill>
-                <a:latin typeface="+mn-lt"/>
-                <a:ea typeface="+mn-ea"/>
-                <a:cs typeface="+mn-cs"/>
-              </a:defRPr>
-            </a:lvl5pPr>
-            <a:lvl6pPr marL="2286000" algn="l" defTabSz="457200" rtl="0" eaLnBrk="1" latinLnBrk="0" hangingPunct="1">
-              <a:defRPr sz="1800" kern="1200">
-                <a:solidFill>
-                  <a:schemeClr val="tx1"/>
-                </a:solidFill>
-                <a:latin typeface="+mn-lt"/>
-                <a:ea typeface="+mn-ea"/>
-                <a:cs typeface="+mn-cs"/>
-              </a:defRPr>
-            </a:lvl6pPr>
-            <a:lvl7pPr marL="2743200" algn="l" defTabSz="457200" rtl="0" eaLnBrk="1" latinLnBrk="0" hangingPunct="1">
-              <a:defRPr sz="1800" kern="1200">
-                <a:solidFill>
-                  <a:schemeClr val="tx1"/>
-                </a:solidFill>
-                <a:latin typeface="+mn-lt"/>
-                <a:ea typeface="+mn-ea"/>
-                <a:cs typeface="+mn-cs"/>
-              </a:defRPr>
-            </a:lvl7pPr>
-            <a:lvl8pPr marL="3200400" algn="l" defTabSz="457200" rtl="0" eaLnBrk="1" latinLnBrk="0" hangingPunct="1">
-              <a:defRPr sz="1800" kern="1200">
-                <a:solidFill>
-                  <a:schemeClr val="tx1"/>
-                </a:solidFill>
-                <a:latin typeface="+mn-lt"/>
-                <a:ea typeface="+mn-ea"/>
-                <a:cs typeface="+mn-cs"/>
-              </a:defRPr>
-            </a:lvl8pPr>
-            <a:lvl9pPr marL="3657600" algn="l" defTabSz="457200" rtl="0" eaLnBrk="1" latinLnBrk="0" hangingPunct="1">
-              <a:defRPr sz="1800" kern="1200">
-                <a:solidFill>
-                  <a:schemeClr val="tx1"/>
-                </a:solidFill>
-                <a:latin typeface="+mn-lt"/>
-                <a:ea typeface="+mn-ea"/>
-                <a:cs typeface="+mn-cs"/>
-              </a:defRPr>
-            </a:lvl9pPr>
-          </a:lstStyle>
-          <a:p>
-            <a:r>
-              <a:rPr lang="de-DE" sz="1400" dirty="0"/>
-              <a:t>Veronika Taranek, Philipp </a:t>
-            </a:r>
-            <a:r>
-              <a:rPr lang="de-DE" sz="1400" dirty="0" err="1"/>
-              <a:t>Fenesan</a:t>
-            </a:r>
-            <a:r>
-              <a:rPr lang="de-DE" sz="1400" dirty="0"/>
-              <a:t>, Nicolas Geppert, Lukas Werner</a:t>
-            </a:r>
-            <a:endParaRPr lang="en-US" dirty="0"/>
-          </a:p>
-        </p:txBody>
-      </p:sp>
-    </p:spTree>
-    <p:extLst>
-      <p:ext uri="{BB962C8B-B14F-4D97-AF65-F5344CB8AC3E}">
-        <p14:creationId xmlns:p14="http://schemas.microsoft.com/office/powerpoint/2010/main" val="870046311"/>
-      </p:ext>
-    </p:extLst>
-  </p:cSld>
-  <p:clrMapOvr>
-    <a:masterClrMapping/>
-  </p:clrMapOvr>
-</p:sld>
-</file>
-
-<file path=ppt/slides/slide15.xml><?xml version="1.0" encoding="utf-8"?>
-<p:sld xmlns:a="http://schemas.openxmlformats.org/drawingml/2006/main" xmlns:r="http://schemas.openxmlformats.org/officeDocument/2006/relationships" xmlns:p="http://schemas.openxmlformats.org/presentationml/2006/main">
-  <p:cSld>
-    <p:spTree>
-      <p:nvGrpSpPr>
-        <p:cNvPr id="1" name=""/>
-        <p:cNvGrpSpPr/>
-        <p:nvPr/>
-      </p:nvGrpSpPr>
-      <p:grpSpPr>
-        <a:xfrm>
-          <a:off x="0" y="0"/>
-          <a:ext cx="0" cy="0"/>
-          <a:chOff x="0" y="0"/>
-          <a:chExt cx="0" cy="0"/>
-        </a:xfrm>
-      </p:grpSpPr>
-      <p:sp>
-        <p:nvSpPr>
-          <p:cNvPr id="2" name="Title 1">
-            <a:extLst>
-              <a:ext uri="{FF2B5EF4-FFF2-40B4-BE49-F238E27FC236}">
                 <a16:creationId xmlns:a16="http://schemas.microsoft.com/office/drawing/2014/main" id="{A533C930-62BB-49CD-A689-73D96C0BFBBB}"/>
               </a:ext>
             </a:extLst>
@@ -9572,7 +7144,7 @@
 </p:sld>
 </file>
 
-<file path=ppt/slides/slide16.xml><?xml version="1.0" encoding="utf-8"?>
+<file path=ppt/slides/slide11.xml><?xml version="1.0" encoding="utf-8"?>
 <p:sld xmlns:a="http://schemas.openxmlformats.org/drawingml/2006/main" xmlns:r="http://schemas.openxmlformats.org/officeDocument/2006/relationships" xmlns:p="http://schemas.openxmlformats.org/presentationml/2006/main">
   <p:cSld>
     <p:spTree>
@@ -9804,7 +7376,7 @@
 </p:sld>
 </file>
 
-<file path=ppt/slides/slide17.xml><?xml version="1.0" encoding="utf-8"?>
+<file path=ppt/slides/slide12.xml><?xml version="1.0" encoding="utf-8"?>
 <p:sld xmlns:a="http://schemas.openxmlformats.org/drawingml/2006/main" xmlns:r="http://schemas.openxmlformats.org/officeDocument/2006/relationships" xmlns:p="http://schemas.openxmlformats.org/presentationml/2006/main">
   <p:cSld>
     <p:bg>
@@ -10218,6 +7790,2434 @@
     <p:extLst>
       <p:ext uri="{BB962C8B-B14F-4D97-AF65-F5344CB8AC3E}">
         <p14:creationId xmlns:p14="http://schemas.microsoft.com/office/powerpoint/2010/main" val="1952191566"/>
+      </p:ext>
+    </p:extLst>
+  </p:cSld>
+  <p:clrMapOvr>
+    <a:masterClrMapping/>
+  </p:clrMapOvr>
+</p:sld>
+</file>
+
+<file path=ppt/slides/slide13.xml><?xml version="1.0" encoding="utf-8"?>
+<p:sld xmlns:a="http://schemas.openxmlformats.org/drawingml/2006/main" xmlns:r="http://schemas.openxmlformats.org/officeDocument/2006/relationships" xmlns:p="http://schemas.openxmlformats.org/presentationml/2006/main">
+  <p:cSld>
+    <p:spTree>
+      <p:nvGrpSpPr>
+        <p:cNvPr id="1" name=""/>
+        <p:cNvGrpSpPr/>
+        <p:nvPr/>
+      </p:nvGrpSpPr>
+      <p:grpSpPr>
+        <a:xfrm>
+          <a:off x="0" y="0"/>
+          <a:ext cx="0" cy="0"/>
+          <a:chOff x="0" y="0"/>
+          <a:chExt cx="0" cy="0"/>
+        </a:xfrm>
+      </p:grpSpPr>
+      <p:sp>
+        <p:nvSpPr>
+          <p:cNvPr id="2" name="Title 1">
+            <a:extLst>
+              <a:ext uri="{FF2B5EF4-FFF2-40B4-BE49-F238E27FC236}">
+                <a16:creationId xmlns:a16="http://schemas.microsoft.com/office/drawing/2014/main" id="{8E1C6C46-E723-4487-8FAA-27EA8E6D921A}"/>
+              </a:ext>
+            </a:extLst>
+          </p:cNvPr>
+          <p:cNvSpPr>
+            <a:spLocks noGrp="1"/>
+          </p:cNvSpPr>
+          <p:nvPr>
+            <p:ph type="title"/>
+          </p:nvPr>
+        </p:nvSpPr>
+        <p:spPr/>
+        <p:txBody>
+          <a:bodyPr/>
+          <a:lstStyle/>
+          <a:p>
+            <a:r>
+              <a:rPr lang="en-US" dirty="0"/>
+              <a:t>App-Demo	</a:t>
+            </a:r>
+          </a:p>
+        </p:txBody>
+      </p:sp>
+      <p:sp>
+        <p:nvSpPr>
+          <p:cNvPr id="3" name="Text Placeholder 2">
+            <a:extLst>
+              <a:ext uri="{FF2B5EF4-FFF2-40B4-BE49-F238E27FC236}">
+                <a16:creationId xmlns:a16="http://schemas.microsoft.com/office/drawing/2014/main" id="{4D0F4875-D43D-43C5-8207-AF4354D75E62}"/>
+              </a:ext>
+            </a:extLst>
+          </p:cNvPr>
+          <p:cNvSpPr>
+            <a:spLocks noGrp="1"/>
+          </p:cNvSpPr>
+          <p:nvPr>
+            <p:ph type="body" idx="1"/>
+          </p:nvPr>
+        </p:nvSpPr>
+        <p:spPr/>
+        <p:txBody>
+          <a:bodyPr/>
+          <a:lstStyle/>
+          <a:p>
+            <a:r>
+              <a:rPr lang="en-US" dirty="0"/>
+              <a:t>So </a:t>
+            </a:r>
+            <a:r>
+              <a:rPr lang="en-US" dirty="0" err="1"/>
+              <a:t>sieht</a:t>
+            </a:r>
+            <a:r>
+              <a:rPr lang="en-US" dirty="0"/>
+              <a:t> das </a:t>
+            </a:r>
+            <a:r>
+              <a:rPr lang="en-US" dirty="0" err="1"/>
+              <a:t>Ergebnis</a:t>
+            </a:r>
+            <a:r>
+              <a:rPr lang="en-US" dirty="0"/>
+              <a:t> </a:t>
+            </a:r>
+            <a:r>
+              <a:rPr lang="en-US" dirty="0" err="1"/>
+              <a:t>aus</a:t>
+            </a:r>
+            <a:endParaRPr lang="en-US" dirty="0"/>
+          </a:p>
+        </p:txBody>
+      </p:sp>
+      <p:pic>
+        <p:nvPicPr>
+          <p:cNvPr id="4" name="Picture 3">
+            <a:extLst>
+              <a:ext uri="{FF2B5EF4-FFF2-40B4-BE49-F238E27FC236}">
+                <a16:creationId xmlns:a16="http://schemas.microsoft.com/office/drawing/2014/main" id="{EC34116E-A0C7-4056-9C3A-084E5F145011}"/>
+              </a:ext>
+            </a:extLst>
+          </p:cNvPr>
+          <p:cNvPicPr>
+            <a:picLocks noChangeAspect="1"/>
+          </p:cNvPicPr>
+          <p:nvPr/>
+        </p:nvPicPr>
+        <p:blipFill>
+          <a:blip r:embed="rId2"/>
+          <a:stretch>
+            <a:fillRect/>
+          </a:stretch>
+        </p:blipFill>
+        <p:spPr>
+          <a:xfrm>
+            <a:off x="4337644" y="692458"/>
+            <a:ext cx="3263854" cy="5932704"/>
+          </a:xfrm>
+          <a:prstGeom prst="rect">
+            <a:avLst/>
+          </a:prstGeom>
+        </p:spPr>
+      </p:pic>
+      <p:sp>
+        <p:nvSpPr>
+          <p:cNvPr id="6" name="Date Placeholder 3">
+            <a:extLst>
+              <a:ext uri="{FF2B5EF4-FFF2-40B4-BE49-F238E27FC236}">
+                <a16:creationId xmlns:a16="http://schemas.microsoft.com/office/drawing/2014/main" id="{BA3E6D44-C658-4213-A1F5-841F44285620}"/>
+              </a:ext>
+            </a:extLst>
+          </p:cNvPr>
+          <p:cNvSpPr txBox="1">
+            <a:spLocks/>
+          </p:cNvSpPr>
+          <p:nvPr/>
+        </p:nvSpPr>
+        <p:spPr>
+          <a:xfrm>
+            <a:off x="677334" y="231051"/>
+            <a:ext cx="1071566" cy="378549"/>
+          </a:xfrm>
+          <a:prstGeom prst="rect">
+            <a:avLst/>
+          </a:prstGeom>
+        </p:spPr>
+        <p:txBody>
+          <a:bodyPr vert="horz" lIns="91440" tIns="45720" rIns="91440" bIns="45720" rtlCol="0" anchor="ctr"/>
+          <a:lstStyle>
+            <a:defPPr>
+              <a:defRPr lang="en-US"/>
+            </a:defPPr>
+            <a:lvl1pPr marL="0" algn="r" defTabSz="457200" rtl="0" eaLnBrk="1" latinLnBrk="0" hangingPunct="1">
+              <a:defRPr sz="900" kern="1200">
+                <a:solidFill>
+                  <a:schemeClr val="tx1">
+                    <a:tint val="75000"/>
+                  </a:schemeClr>
+                </a:solidFill>
+                <a:latin typeface="+mn-lt"/>
+                <a:ea typeface="+mn-ea"/>
+                <a:cs typeface="+mn-cs"/>
+              </a:defRPr>
+            </a:lvl1pPr>
+            <a:lvl2pPr marL="457200" algn="l" defTabSz="457200" rtl="0" eaLnBrk="1" latinLnBrk="0" hangingPunct="1">
+              <a:defRPr sz="1800" kern="1200">
+                <a:solidFill>
+                  <a:schemeClr val="tx1"/>
+                </a:solidFill>
+                <a:latin typeface="+mn-lt"/>
+                <a:ea typeface="+mn-ea"/>
+                <a:cs typeface="+mn-cs"/>
+              </a:defRPr>
+            </a:lvl2pPr>
+            <a:lvl3pPr marL="914400" algn="l" defTabSz="457200" rtl="0" eaLnBrk="1" latinLnBrk="0" hangingPunct="1">
+              <a:defRPr sz="1800" kern="1200">
+                <a:solidFill>
+                  <a:schemeClr val="tx1"/>
+                </a:solidFill>
+                <a:latin typeface="+mn-lt"/>
+                <a:ea typeface="+mn-ea"/>
+                <a:cs typeface="+mn-cs"/>
+              </a:defRPr>
+            </a:lvl3pPr>
+            <a:lvl4pPr marL="1371600" algn="l" defTabSz="457200" rtl="0" eaLnBrk="1" latinLnBrk="0" hangingPunct="1">
+              <a:defRPr sz="1800" kern="1200">
+                <a:solidFill>
+                  <a:schemeClr val="tx1"/>
+                </a:solidFill>
+                <a:latin typeface="+mn-lt"/>
+                <a:ea typeface="+mn-ea"/>
+                <a:cs typeface="+mn-cs"/>
+              </a:defRPr>
+            </a:lvl4pPr>
+            <a:lvl5pPr marL="1828800" algn="l" defTabSz="457200" rtl="0" eaLnBrk="1" latinLnBrk="0" hangingPunct="1">
+              <a:defRPr sz="1800" kern="1200">
+                <a:solidFill>
+                  <a:schemeClr val="tx1"/>
+                </a:solidFill>
+                <a:latin typeface="+mn-lt"/>
+                <a:ea typeface="+mn-ea"/>
+                <a:cs typeface="+mn-cs"/>
+              </a:defRPr>
+            </a:lvl5pPr>
+            <a:lvl6pPr marL="2286000" algn="l" defTabSz="457200" rtl="0" eaLnBrk="1" latinLnBrk="0" hangingPunct="1">
+              <a:defRPr sz="1800" kern="1200">
+                <a:solidFill>
+                  <a:schemeClr val="tx1"/>
+                </a:solidFill>
+                <a:latin typeface="+mn-lt"/>
+                <a:ea typeface="+mn-ea"/>
+                <a:cs typeface="+mn-cs"/>
+              </a:defRPr>
+            </a:lvl6pPr>
+            <a:lvl7pPr marL="2743200" algn="l" defTabSz="457200" rtl="0" eaLnBrk="1" latinLnBrk="0" hangingPunct="1">
+              <a:defRPr sz="1800" kern="1200">
+                <a:solidFill>
+                  <a:schemeClr val="tx1"/>
+                </a:solidFill>
+                <a:latin typeface="+mn-lt"/>
+                <a:ea typeface="+mn-ea"/>
+                <a:cs typeface="+mn-cs"/>
+              </a:defRPr>
+            </a:lvl7pPr>
+            <a:lvl8pPr marL="3200400" algn="l" defTabSz="457200" rtl="0" eaLnBrk="1" latinLnBrk="0" hangingPunct="1">
+              <a:defRPr sz="1800" kern="1200">
+                <a:solidFill>
+                  <a:schemeClr val="tx1"/>
+                </a:solidFill>
+                <a:latin typeface="+mn-lt"/>
+                <a:ea typeface="+mn-ea"/>
+                <a:cs typeface="+mn-cs"/>
+              </a:defRPr>
+            </a:lvl8pPr>
+            <a:lvl9pPr marL="3657600" algn="l" defTabSz="457200" rtl="0" eaLnBrk="1" latinLnBrk="0" hangingPunct="1">
+              <a:defRPr sz="1800" kern="1200">
+                <a:solidFill>
+                  <a:schemeClr val="tx1"/>
+                </a:solidFill>
+                <a:latin typeface="+mn-lt"/>
+                <a:ea typeface="+mn-ea"/>
+                <a:cs typeface="+mn-cs"/>
+              </a:defRPr>
+            </a:lvl9pPr>
+          </a:lstStyle>
+          <a:p>
+            <a:fld id="{5665C720-CFBA-4CD6-B44E-E52DA515AFF8}" type="datetime1">
+              <a:rPr lang="de-DE" sz="1400" smtClean="0"/>
+              <a:pPr/>
+              <a:t>02.11.2020</a:t>
+            </a:fld>
+            <a:endParaRPr lang="en-US" dirty="0"/>
+          </a:p>
+        </p:txBody>
+      </p:sp>
+      <p:sp>
+        <p:nvSpPr>
+          <p:cNvPr id="7" name="Date Placeholder 3">
+            <a:extLst>
+              <a:ext uri="{FF2B5EF4-FFF2-40B4-BE49-F238E27FC236}">
+                <a16:creationId xmlns:a16="http://schemas.microsoft.com/office/drawing/2014/main" id="{CCE9FA8C-0217-4499-AC7E-9CD7B17667BB}"/>
+              </a:ext>
+            </a:extLst>
+          </p:cNvPr>
+          <p:cNvSpPr txBox="1">
+            <a:spLocks/>
+          </p:cNvSpPr>
+          <p:nvPr/>
+        </p:nvSpPr>
+        <p:spPr>
+          <a:xfrm>
+            <a:off x="1824033" y="231050"/>
+            <a:ext cx="5713108" cy="378549"/>
+          </a:xfrm>
+          <a:prstGeom prst="rect">
+            <a:avLst/>
+          </a:prstGeom>
+        </p:spPr>
+        <p:txBody>
+          <a:bodyPr vert="horz" lIns="91440" tIns="45720" rIns="91440" bIns="45720" rtlCol="0" anchor="ctr"/>
+          <a:lstStyle>
+            <a:defPPr>
+              <a:defRPr lang="en-US"/>
+            </a:defPPr>
+            <a:lvl1pPr marL="0" algn="r" defTabSz="457200" rtl="0" eaLnBrk="1" latinLnBrk="0" hangingPunct="1">
+              <a:defRPr sz="900" kern="1200">
+                <a:solidFill>
+                  <a:schemeClr val="tx1">
+                    <a:tint val="75000"/>
+                  </a:schemeClr>
+                </a:solidFill>
+                <a:latin typeface="+mn-lt"/>
+                <a:ea typeface="+mn-ea"/>
+                <a:cs typeface="+mn-cs"/>
+              </a:defRPr>
+            </a:lvl1pPr>
+            <a:lvl2pPr marL="457200" algn="l" defTabSz="457200" rtl="0" eaLnBrk="1" latinLnBrk="0" hangingPunct="1">
+              <a:defRPr sz="1800" kern="1200">
+                <a:solidFill>
+                  <a:schemeClr val="tx1"/>
+                </a:solidFill>
+                <a:latin typeface="+mn-lt"/>
+                <a:ea typeface="+mn-ea"/>
+                <a:cs typeface="+mn-cs"/>
+              </a:defRPr>
+            </a:lvl2pPr>
+            <a:lvl3pPr marL="914400" algn="l" defTabSz="457200" rtl="0" eaLnBrk="1" latinLnBrk="0" hangingPunct="1">
+              <a:defRPr sz="1800" kern="1200">
+                <a:solidFill>
+                  <a:schemeClr val="tx1"/>
+                </a:solidFill>
+                <a:latin typeface="+mn-lt"/>
+                <a:ea typeface="+mn-ea"/>
+                <a:cs typeface="+mn-cs"/>
+              </a:defRPr>
+            </a:lvl3pPr>
+            <a:lvl4pPr marL="1371600" algn="l" defTabSz="457200" rtl="0" eaLnBrk="1" latinLnBrk="0" hangingPunct="1">
+              <a:defRPr sz="1800" kern="1200">
+                <a:solidFill>
+                  <a:schemeClr val="tx1"/>
+                </a:solidFill>
+                <a:latin typeface="+mn-lt"/>
+                <a:ea typeface="+mn-ea"/>
+                <a:cs typeface="+mn-cs"/>
+              </a:defRPr>
+            </a:lvl4pPr>
+            <a:lvl5pPr marL="1828800" algn="l" defTabSz="457200" rtl="0" eaLnBrk="1" latinLnBrk="0" hangingPunct="1">
+              <a:defRPr sz="1800" kern="1200">
+                <a:solidFill>
+                  <a:schemeClr val="tx1"/>
+                </a:solidFill>
+                <a:latin typeface="+mn-lt"/>
+                <a:ea typeface="+mn-ea"/>
+                <a:cs typeface="+mn-cs"/>
+              </a:defRPr>
+            </a:lvl5pPr>
+            <a:lvl6pPr marL="2286000" algn="l" defTabSz="457200" rtl="0" eaLnBrk="1" latinLnBrk="0" hangingPunct="1">
+              <a:defRPr sz="1800" kern="1200">
+                <a:solidFill>
+                  <a:schemeClr val="tx1"/>
+                </a:solidFill>
+                <a:latin typeface="+mn-lt"/>
+                <a:ea typeface="+mn-ea"/>
+                <a:cs typeface="+mn-cs"/>
+              </a:defRPr>
+            </a:lvl6pPr>
+            <a:lvl7pPr marL="2743200" algn="l" defTabSz="457200" rtl="0" eaLnBrk="1" latinLnBrk="0" hangingPunct="1">
+              <a:defRPr sz="1800" kern="1200">
+                <a:solidFill>
+                  <a:schemeClr val="tx1"/>
+                </a:solidFill>
+                <a:latin typeface="+mn-lt"/>
+                <a:ea typeface="+mn-ea"/>
+                <a:cs typeface="+mn-cs"/>
+              </a:defRPr>
+            </a:lvl7pPr>
+            <a:lvl8pPr marL="3200400" algn="l" defTabSz="457200" rtl="0" eaLnBrk="1" latinLnBrk="0" hangingPunct="1">
+              <a:defRPr sz="1800" kern="1200">
+                <a:solidFill>
+                  <a:schemeClr val="tx1"/>
+                </a:solidFill>
+                <a:latin typeface="+mn-lt"/>
+                <a:ea typeface="+mn-ea"/>
+                <a:cs typeface="+mn-cs"/>
+              </a:defRPr>
+            </a:lvl8pPr>
+            <a:lvl9pPr marL="3657600" algn="l" defTabSz="457200" rtl="0" eaLnBrk="1" latinLnBrk="0" hangingPunct="1">
+              <a:defRPr sz="1800" kern="1200">
+                <a:solidFill>
+                  <a:schemeClr val="tx1"/>
+                </a:solidFill>
+                <a:latin typeface="+mn-lt"/>
+                <a:ea typeface="+mn-ea"/>
+                <a:cs typeface="+mn-cs"/>
+              </a:defRPr>
+            </a:lvl9pPr>
+          </a:lstStyle>
+          <a:p>
+            <a:r>
+              <a:rPr lang="de-DE" sz="1400" dirty="0"/>
+              <a:t>Veronika Taranek, Philipp </a:t>
+            </a:r>
+            <a:r>
+              <a:rPr lang="de-DE" sz="1400" dirty="0" err="1"/>
+              <a:t>Fenesan</a:t>
+            </a:r>
+            <a:r>
+              <a:rPr lang="de-DE" sz="1400" dirty="0"/>
+              <a:t>, Nicolas Geppert, Lukas Werner</a:t>
+            </a:r>
+            <a:endParaRPr lang="en-US" dirty="0"/>
+          </a:p>
+        </p:txBody>
+      </p:sp>
+    </p:spTree>
+    <p:extLst>
+      <p:ext uri="{BB962C8B-B14F-4D97-AF65-F5344CB8AC3E}">
+        <p14:creationId xmlns:p14="http://schemas.microsoft.com/office/powerpoint/2010/main" val="551848983"/>
+      </p:ext>
+    </p:extLst>
+  </p:cSld>
+  <p:clrMapOvr>
+    <a:masterClrMapping/>
+  </p:clrMapOvr>
+</p:sld>
+</file>
+
+<file path=ppt/slides/slide14.xml><?xml version="1.0" encoding="utf-8"?>
+<p:sld xmlns:a="http://schemas.openxmlformats.org/drawingml/2006/main" xmlns:r="http://schemas.openxmlformats.org/officeDocument/2006/relationships" xmlns:p="http://schemas.openxmlformats.org/presentationml/2006/main">
+  <p:cSld>
+    <p:spTree>
+      <p:nvGrpSpPr>
+        <p:cNvPr id="1" name=""/>
+        <p:cNvGrpSpPr/>
+        <p:nvPr/>
+      </p:nvGrpSpPr>
+      <p:grpSpPr>
+        <a:xfrm>
+          <a:off x="0" y="0"/>
+          <a:ext cx="0" cy="0"/>
+          <a:chOff x="0" y="0"/>
+          <a:chExt cx="0" cy="0"/>
+        </a:xfrm>
+      </p:grpSpPr>
+      <p:sp>
+        <p:nvSpPr>
+          <p:cNvPr id="2" name="Title 1">
+            <a:extLst>
+              <a:ext uri="{FF2B5EF4-FFF2-40B4-BE49-F238E27FC236}">
+                <a16:creationId xmlns:a16="http://schemas.microsoft.com/office/drawing/2014/main" id="{DD89B45D-81B8-4037-8647-E08DB7556E63}"/>
+              </a:ext>
+            </a:extLst>
+          </p:cNvPr>
+          <p:cNvSpPr>
+            <a:spLocks noGrp="1"/>
+          </p:cNvSpPr>
+          <p:nvPr>
+            <p:ph type="title"/>
+          </p:nvPr>
+        </p:nvSpPr>
+        <p:spPr>
+          <a:xfrm>
+            <a:off x="677334" y="609598"/>
+            <a:ext cx="8596668" cy="1181101"/>
+          </a:xfrm>
+        </p:spPr>
+        <p:txBody>
+          <a:bodyPr/>
+          <a:lstStyle/>
+          <a:p>
+            <a:r>
+              <a:rPr lang="en-US" dirty="0"/>
+              <a:t>Use Case: </a:t>
+            </a:r>
+            <a:r>
+              <a:rPr lang="en-US" dirty="0" err="1"/>
+              <a:t>Registrierung</a:t>
+            </a:r>
+            <a:endParaRPr lang="en-US" dirty="0"/>
+          </a:p>
+        </p:txBody>
+      </p:sp>
+      <p:sp>
+        <p:nvSpPr>
+          <p:cNvPr id="3" name="Content Placeholder 2">
+            <a:extLst>
+              <a:ext uri="{FF2B5EF4-FFF2-40B4-BE49-F238E27FC236}">
+                <a16:creationId xmlns:a16="http://schemas.microsoft.com/office/drawing/2014/main" id="{591DF666-F25C-416A-9D7B-D66F364C5048}"/>
+              </a:ext>
+            </a:extLst>
+          </p:cNvPr>
+          <p:cNvSpPr>
+            <a:spLocks noGrp="1"/>
+          </p:cNvSpPr>
+          <p:nvPr>
+            <p:ph idx="1"/>
+          </p:nvPr>
+        </p:nvSpPr>
+        <p:spPr>
+          <a:xfrm>
+            <a:off x="677334" y="1352550"/>
+            <a:ext cx="8596668" cy="5400675"/>
+          </a:xfrm>
+        </p:spPr>
+        <p:txBody>
+          <a:bodyPr>
+            <a:normAutofit/>
+          </a:bodyPr>
+          <a:lstStyle/>
+          <a:p>
+            <a:pPr marL="0" indent="0">
+              <a:buNone/>
+            </a:pPr>
+            <a:r>
+              <a:rPr lang="de-DE" b="1" dirty="0"/>
+              <a:t>Beschreibung</a:t>
+            </a:r>
+          </a:p>
+          <a:p>
+            <a:pPr marL="457200" lvl="1" indent="0">
+              <a:buNone/>
+            </a:pPr>
+            <a:r>
+              <a:rPr lang="de-DE" dirty="0"/>
+              <a:t>Dieser </a:t>
+            </a:r>
+            <a:r>
+              <a:rPr lang="de-DE" dirty="0" err="1"/>
+              <a:t>Use</a:t>
+            </a:r>
+            <a:r>
+              <a:rPr lang="de-DE" dirty="0"/>
+              <a:t> Case beschreibt wie der Benutzer sich einen Account bei </a:t>
+            </a:r>
+            <a:r>
+              <a:rPr lang="de-DE" dirty="0" err="1"/>
+              <a:t>wanderoo</a:t>
+            </a:r>
+            <a:r>
+              <a:rPr lang="de-DE" dirty="0"/>
+              <a:t> anlegt</a:t>
+            </a:r>
+          </a:p>
+          <a:p>
+            <a:pPr marL="0" indent="0">
+              <a:buNone/>
+            </a:pPr>
+            <a:r>
+              <a:rPr lang="de-DE" b="1" dirty="0"/>
+              <a:t>Beteiligte</a:t>
+            </a:r>
+          </a:p>
+          <a:p>
+            <a:pPr marL="457200" lvl="1" indent="0">
+              <a:buNone/>
+            </a:pPr>
+            <a:r>
+              <a:rPr lang="de-DE" dirty="0"/>
+              <a:t>Benutzer</a:t>
+            </a:r>
+          </a:p>
+          <a:p>
+            <a:pPr marL="0" indent="0">
+              <a:buNone/>
+            </a:pPr>
+            <a:r>
+              <a:rPr lang="de-DE" b="1" dirty="0"/>
+              <a:t>Voraussetzungen</a:t>
+            </a:r>
+          </a:p>
+          <a:p>
+            <a:pPr marL="457200" lvl="1" indent="0">
+              <a:buNone/>
+            </a:pPr>
+            <a:r>
+              <a:rPr lang="de-DE" dirty="0"/>
+              <a:t>Datenbankverbindung muss vorhanden sein</a:t>
+            </a:r>
+          </a:p>
+          <a:p>
+            <a:pPr marL="457200" lvl="1" indent="0">
+              <a:buNone/>
+            </a:pPr>
+            <a:r>
+              <a:rPr lang="de-DE" dirty="0"/>
+              <a:t>Der Benutzer darf nicht vorhanden sein</a:t>
+            </a:r>
+          </a:p>
+          <a:p>
+            <a:pPr marL="0" indent="0">
+              <a:buNone/>
+            </a:pPr>
+            <a:r>
+              <a:rPr lang="de-DE" b="1" dirty="0"/>
+              <a:t>Ereignisfluss</a:t>
+            </a:r>
+          </a:p>
+          <a:p>
+            <a:pPr marL="457200" lvl="1" indent="0">
+              <a:buNone/>
+            </a:pPr>
+            <a:r>
+              <a:rPr lang="de-DE" dirty="0"/>
+              <a:t>Im Login-Screen muss auf Registrieren gedrückt werden</a:t>
+            </a:r>
+          </a:p>
+          <a:p>
+            <a:pPr marL="457200" lvl="1" indent="0">
+              <a:buNone/>
+            </a:pPr>
+            <a:r>
+              <a:rPr lang="de-DE" dirty="0"/>
+              <a:t>Reale Benutzerdaten müssen eingegeben werden</a:t>
+            </a:r>
+          </a:p>
+          <a:p>
+            <a:pPr marL="457200" lvl="1" indent="0">
+              <a:buNone/>
+            </a:pPr>
+            <a:r>
+              <a:rPr lang="de-DE" dirty="0"/>
+              <a:t>Der Registrieren-Knopf muss gedrückt werden</a:t>
+            </a:r>
+          </a:p>
+          <a:p>
+            <a:pPr marL="57150" indent="0">
+              <a:buNone/>
+            </a:pPr>
+            <a:r>
+              <a:rPr lang="de-DE" b="1" dirty="0"/>
+              <a:t>Nachbedingung</a:t>
+            </a:r>
+          </a:p>
+          <a:p>
+            <a:pPr marL="457200" lvl="1" indent="0">
+              <a:buNone/>
+            </a:pPr>
+            <a:r>
+              <a:rPr lang="de-DE" dirty="0"/>
+              <a:t>Erfolgreich: Registrierung abgeschlossen, Menü-Screen wird angezeigt</a:t>
+            </a:r>
+          </a:p>
+          <a:p>
+            <a:pPr marL="457200" lvl="1" indent="0">
+              <a:buNone/>
+            </a:pPr>
+            <a:r>
+              <a:rPr lang="de-DE" dirty="0"/>
+              <a:t>Fehler: Registrierung fehlgeschlagen</a:t>
+            </a:r>
+          </a:p>
+          <a:p>
+            <a:pPr marL="457200" lvl="1" indent="0">
+              <a:buNone/>
+            </a:pPr>
+            <a:endParaRPr lang="de-DE" dirty="0"/>
+          </a:p>
+        </p:txBody>
+      </p:sp>
+      <p:sp>
+        <p:nvSpPr>
+          <p:cNvPr id="5" name="Date Placeholder 3">
+            <a:extLst>
+              <a:ext uri="{FF2B5EF4-FFF2-40B4-BE49-F238E27FC236}">
+                <a16:creationId xmlns:a16="http://schemas.microsoft.com/office/drawing/2014/main" id="{4C14AB97-C542-4790-9263-C13620CBC6CD}"/>
+              </a:ext>
+            </a:extLst>
+          </p:cNvPr>
+          <p:cNvSpPr txBox="1">
+            <a:spLocks/>
+          </p:cNvSpPr>
+          <p:nvPr/>
+        </p:nvSpPr>
+        <p:spPr>
+          <a:xfrm>
+            <a:off x="677334" y="231051"/>
+            <a:ext cx="1071566" cy="378549"/>
+          </a:xfrm>
+          <a:prstGeom prst="rect">
+            <a:avLst/>
+          </a:prstGeom>
+        </p:spPr>
+        <p:txBody>
+          <a:bodyPr vert="horz" lIns="91440" tIns="45720" rIns="91440" bIns="45720" rtlCol="0" anchor="ctr"/>
+          <a:lstStyle>
+            <a:defPPr>
+              <a:defRPr lang="en-US"/>
+            </a:defPPr>
+            <a:lvl1pPr marL="0" algn="r" defTabSz="457200" rtl="0" eaLnBrk="1" latinLnBrk="0" hangingPunct="1">
+              <a:defRPr sz="900" kern="1200">
+                <a:solidFill>
+                  <a:schemeClr val="tx1">
+                    <a:tint val="75000"/>
+                  </a:schemeClr>
+                </a:solidFill>
+                <a:latin typeface="+mn-lt"/>
+                <a:ea typeface="+mn-ea"/>
+                <a:cs typeface="+mn-cs"/>
+              </a:defRPr>
+            </a:lvl1pPr>
+            <a:lvl2pPr marL="457200" algn="l" defTabSz="457200" rtl="0" eaLnBrk="1" latinLnBrk="0" hangingPunct="1">
+              <a:defRPr sz="1800" kern="1200">
+                <a:solidFill>
+                  <a:schemeClr val="tx1"/>
+                </a:solidFill>
+                <a:latin typeface="+mn-lt"/>
+                <a:ea typeface="+mn-ea"/>
+                <a:cs typeface="+mn-cs"/>
+              </a:defRPr>
+            </a:lvl2pPr>
+            <a:lvl3pPr marL="914400" algn="l" defTabSz="457200" rtl="0" eaLnBrk="1" latinLnBrk="0" hangingPunct="1">
+              <a:defRPr sz="1800" kern="1200">
+                <a:solidFill>
+                  <a:schemeClr val="tx1"/>
+                </a:solidFill>
+                <a:latin typeface="+mn-lt"/>
+                <a:ea typeface="+mn-ea"/>
+                <a:cs typeface="+mn-cs"/>
+              </a:defRPr>
+            </a:lvl3pPr>
+            <a:lvl4pPr marL="1371600" algn="l" defTabSz="457200" rtl="0" eaLnBrk="1" latinLnBrk="0" hangingPunct="1">
+              <a:defRPr sz="1800" kern="1200">
+                <a:solidFill>
+                  <a:schemeClr val="tx1"/>
+                </a:solidFill>
+                <a:latin typeface="+mn-lt"/>
+                <a:ea typeface="+mn-ea"/>
+                <a:cs typeface="+mn-cs"/>
+              </a:defRPr>
+            </a:lvl4pPr>
+            <a:lvl5pPr marL="1828800" algn="l" defTabSz="457200" rtl="0" eaLnBrk="1" latinLnBrk="0" hangingPunct="1">
+              <a:defRPr sz="1800" kern="1200">
+                <a:solidFill>
+                  <a:schemeClr val="tx1"/>
+                </a:solidFill>
+                <a:latin typeface="+mn-lt"/>
+                <a:ea typeface="+mn-ea"/>
+                <a:cs typeface="+mn-cs"/>
+              </a:defRPr>
+            </a:lvl5pPr>
+            <a:lvl6pPr marL="2286000" algn="l" defTabSz="457200" rtl="0" eaLnBrk="1" latinLnBrk="0" hangingPunct="1">
+              <a:defRPr sz="1800" kern="1200">
+                <a:solidFill>
+                  <a:schemeClr val="tx1"/>
+                </a:solidFill>
+                <a:latin typeface="+mn-lt"/>
+                <a:ea typeface="+mn-ea"/>
+                <a:cs typeface="+mn-cs"/>
+              </a:defRPr>
+            </a:lvl6pPr>
+            <a:lvl7pPr marL="2743200" algn="l" defTabSz="457200" rtl="0" eaLnBrk="1" latinLnBrk="0" hangingPunct="1">
+              <a:defRPr sz="1800" kern="1200">
+                <a:solidFill>
+                  <a:schemeClr val="tx1"/>
+                </a:solidFill>
+                <a:latin typeface="+mn-lt"/>
+                <a:ea typeface="+mn-ea"/>
+                <a:cs typeface="+mn-cs"/>
+              </a:defRPr>
+            </a:lvl7pPr>
+            <a:lvl8pPr marL="3200400" algn="l" defTabSz="457200" rtl="0" eaLnBrk="1" latinLnBrk="0" hangingPunct="1">
+              <a:defRPr sz="1800" kern="1200">
+                <a:solidFill>
+                  <a:schemeClr val="tx1"/>
+                </a:solidFill>
+                <a:latin typeface="+mn-lt"/>
+                <a:ea typeface="+mn-ea"/>
+                <a:cs typeface="+mn-cs"/>
+              </a:defRPr>
+            </a:lvl8pPr>
+            <a:lvl9pPr marL="3657600" algn="l" defTabSz="457200" rtl="0" eaLnBrk="1" latinLnBrk="0" hangingPunct="1">
+              <a:defRPr sz="1800" kern="1200">
+                <a:solidFill>
+                  <a:schemeClr val="tx1"/>
+                </a:solidFill>
+                <a:latin typeface="+mn-lt"/>
+                <a:ea typeface="+mn-ea"/>
+                <a:cs typeface="+mn-cs"/>
+              </a:defRPr>
+            </a:lvl9pPr>
+          </a:lstStyle>
+          <a:p>
+            <a:fld id="{5665C720-CFBA-4CD6-B44E-E52DA515AFF8}" type="datetime1">
+              <a:rPr lang="de-DE" sz="1400" smtClean="0"/>
+              <a:pPr/>
+              <a:t>02.11.2020</a:t>
+            </a:fld>
+            <a:endParaRPr lang="en-US" dirty="0"/>
+          </a:p>
+        </p:txBody>
+      </p:sp>
+      <p:sp>
+        <p:nvSpPr>
+          <p:cNvPr id="6" name="Date Placeholder 3">
+            <a:extLst>
+              <a:ext uri="{FF2B5EF4-FFF2-40B4-BE49-F238E27FC236}">
+                <a16:creationId xmlns:a16="http://schemas.microsoft.com/office/drawing/2014/main" id="{FBE73F23-8D21-495D-8D7C-2DE7277152E1}"/>
+              </a:ext>
+            </a:extLst>
+          </p:cNvPr>
+          <p:cNvSpPr txBox="1">
+            <a:spLocks/>
+          </p:cNvSpPr>
+          <p:nvPr/>
+        </p:nvSpPr>
+        <p:spPr>
+          <a:xfrm>
+            <a:off x="1824033" y="231050"/>
+            <a:ext cx="5713108" cy="378549"/>
+          </a:xfrm>
+          <a:prstGeom prst="rect">
+            <a:avLst/>
+          </a:prstGeom>
+        </p:spPr>
+        <p:txBody>
+          <a:bodyPr vert="horz" lIns="91440" tIns="45720" rIns="91440" bIns="45720" rtlCol="0" anchor="ctr"/>
+          <a:lstStyle>
+            <a:defPPr>
+              <a:defRPr lang="en-US"/>
+            </a:defPPr>
+            <a:lvl1pPr marL="0" algn="r" defTabSz="457200" rtl="0" eaLnBrk="1" latinLnBrk="0" hangingPunct="1">
+              <a:defRPr sz="900" kern="1200">
+                <a:solidFill>
+                  <a:schemeClr val="tx1">
+                    <a:tint val="75000"/>
+                  </a:schemeClr>
+                </a:solidFill>
+                <a:latin typeface="+mn-lt"/>
+                <a:ea typeface="+mn-ea"/>
+                <a:cs typeface="+mn-cs"/>
+              </a:defRPr>
+            </a:lvl1pPr>
+            <a:lvl2pPr marL="457200" algn="l" defTabSz="457200" rtl="0" eaLnBrk="1" latinLnBrk="0" hangingPunct="1">
+              <a:defRPr sz="1800" kern="1200">
+                <a:solidFill>
+                  <a:schemeClr val="tx1"/>
+                </a:solidFill>
+                <a:latin typeface="+mn-lt"/>
+                <a:ea typeface="+mn-ea"/>
+                <a:cs typeface="+mn-cs"/>
+              </a:defRPr>
+            </a:lvl2pPr>
+            <a:lvl3pPr marL="914400" algn="l" defTabSz="457200" rtl="0" eaLnBrk="1" latinLnBrk="0" hangingPunct="1">
+              <a:defRPr sz="1800" kern="1200">
+                <a:solidFill>
+                  <a:schemeClr val="tx1"/>
+                </a:solidFill>
+                <a:latin typeface="+mn-lt"/>
+                <a:ea typeface="+mn-ea"/>
+                <a:cs typeface="+mn-cs"/>
+              </a:defRPr>
+            </a:lvl3pPr>
+            <a:lvl4pPr marL="1371600" algn="l" defTabSz="457200" rtl="0" eaLnBrk="1" latinLnBrk="0" hangingPunct="1">
+              <a:defRPr sz="1800" kern="1200">
+                <a:solidFill>
+                  <a:schemeClr val="tx1"/>
+                </a:solidFill>
+                <a:latin typeface="+mn-lt"/>
+                <a:ea typeface="+mn-ea"/>
+                <a:cs typeface="+mn-cs"/>
+              </a:defRPr>
+            </a:lvl4pPr>
+            <a:lvl5pPr marL="1828800" algn="l" defTabSz="457200" rtl="0" eaLnBrk="1" latinLnBrk="0" hangingPunct="1">
+              <a:defRPr sz="1800" kern="1200">
+                <a:solidFill>
+                  <a:schemeClr val="tx1"/>
+                </a:solidFill>
+                <a:latin typeface="+mn-lt"/>
+                <a:ea typeface="+mn-ea"/>
+                <a:cs typeface="+mn-cs"/>
+              </a:defRPr>
+            </a:lvl5pPr>
+            <a:lvl6pPr marL="2286000" algn="l" defTabSz="457200" rtl="0" eaLnBrk="1" latinLnBrk="0" hangingPunct="1">
+              <a:defRPr sz="1800" kern="1200">
+                <a:solidFill>
+                  <a:schemeClr val="tx1"/>
+                </a:solidFill>
+                <a:latin typeface="+mn-lt"/>
+                <a:ea typeface="+mn-ea"/>
+                <a:cs typeface="+mn-cs"/>
+              </a:defRPr>
+            </a:lvl6pPr>
+            <a:lvl7pPr marL="2743200" algn="l" defTabSz="457200" rtl="0" eaLnBrk="1" latinLnBrk="0" hangingPunct="1">
+              <a:defRPr sz="1800" kern="1200">
+                <a:solidFill>
+                  <a:schemeClr val="tx1"/>
+                </a:solidFill>
+                <a:latin typeface="+mn-lt"/>
+                <a:ea typeface="+mn-ea"/>
+                <a:cs typeface="+mn-cs"/>
+              </a:defRPr>
+            </a:lvl7pPr>
+            <a:lvl8pPr marL="3200400" algn="l" defTabSz="457200" rtl="0" eaLnBrk="1" latinLnBrk="0" hangingPunct="1">
+              <a:defRPr sz="1800" kern="1200">
+                <a:solidFill>
+                  <a:schemeClr val="tx1"/>
+                </a:solidFill>
+                <a:latin typeface="+mn-lt"/>
+                <a:ea typeface="+mn-ea"/>
+                <a:cs typeface="+mn-cs"/>
+              </a:defRPr>
+            </a:lvl8pPr>
+            <a:lvl9pPr marL="3657600" algn="l" defTabSz="457200" rtl="0" eaLnBrk="1" latinLnBrk="0" hangingPunct="1">
+              <a:defRPr sz="1800" kern="1200">
+                <a:solidFill>
+                  <a:schemeClr val="tx1"/>
+                </a:solidFill>
+                <a:latin typeface="+mn-lt"/>
+                <a:ea typeface="+mn-ea"/>
+                <a:cs typeface="+mn-cs"/>
+              </a:defRPr>
+            </a:lvl9pPr>
+          </a:lstStyle>
+          <a:p>
+            <a:r>
+              <a:rPr lang="de-DE" sz="1400" dirty="0"/>
+              <a:t>Veronika Taranek, Philipp </a:t>
+            </a:r>
+            <a:r>
+              <a:rPr lang="de-DE" sz="1400" dirty="0" err="1"/>
+              <a:t>Fenesan</a:t>
+            </a:r>
+            <a:r>
+              <a:rPr lang="de-DE" sz="1400" dirty="0"/>
+              <a:t>, Nicolas Geppert, Lukas Werner</a:t>
+            </a:r>
+            <a:endParaRPr lang="en-US" dirty="0"/>
+          </a:p>
+        </p:txBody>
+      </p:sp>
+    </p:spTree>
+    <p:extLst>
+      <p:ext uri="{BB962C8B-B14F-4D97-AF65-F5344CB8AC3E}">
+        <p14:creationId xmlns:p14="http://schemas.microsoft.com/office/powerpoint/2010/main" val="1534354980"/>
+      </p:ext>
+    </p:extLst>
+  </p:cSld>
+  <p:clrMapOvr>
+    <a:masterClrMapping/>
+  </p:clrMapOvr>
+</p:sld>
+</file>
+
+<file path=ppt/slides/slide15.xml><?xml version="1.0" encoding="utf-8"?>
+<p:sld xmlns:a="http://schemas.openxmlformats.org/drawingml/2006/main" xmlns:r="http://schemas.openxmlformats.org/officeDocument/2006/relationships" xmlns:p="http://schemas.openxmlformats.org/presentationml/2006/main">
+  <p:cSld>
+    <p:spTree>
+      <p:nvGrpSpPr>
+        <p:cNvPr id="1" name=""/>
+        <p:cNvGrpSpPr/>
+        <p:nvPr/>
+      </p:nvGrpSpPr>
+      <p:grpSpPr>
+        <a:xfrm>
+          <a:off x="0" y="0"/>
+          <a:ext cx="0" cy="0"/>
+          <a:chOff x="0" y="0"/>
+          <a:chExt cx="0" cy="0"/>
+        </a:xfrm>
+      </p:grpSpPr>
+      <p:sp>
+        <p:nvSpPr>
+          <p:cNvPr id="2" name="Title 1">
+            <a:extLst>
+              <a:ext uri="{FF2B5EF4-FFF2-40B4-BE49-F238E27FC236}">
+                <a16:creationId xmlns:a16="http://schemas.microsoft.com/office/drawing/2014/main" id="{DD89B45D-81B8-4037-8647-E08DB7556E63}"/>
+              </a:ext>
+            </a:extLst>
+          </p:cNvPr>
+          <p:cNvSpPr>
+            <a:spLocks noGrp="1"/>
+          </p:cNvSpPr>
+          <p:nvPr>
+            <p:ph type="title"/>
+          </p:nvPr>
+        </p:nvSpPr>
+        <p:spPr>
+          <a:xfrm>
+            <a:off x="677334" y="609598"/>
+            <a:ext cx="8596668" cy="1181101"/>
+          </a:xfrm>
+        </p:spPr>
+        <p:txBody>
+          <a:bodyPr/>
+          <a:lstStyle/>
+          <a:p>
+            <a:r>
+              <a:rPr lang="en-US" dirty="0"/>
+              <a:t>Use Case: Mein </a:t>
+            </a:r>
+            <a:r>
+              <a:rPr lang="en-US" dirty="0" err="1"/>
+              <a:t>Profil</a:t>
+            </a:r>
+            <a:endParaRPr lang="en-US" dirty="0"/>
+          </a:p>
+        </p:txBody>
+      </p:sp>
+      <p:sp>
+        <p:nvSpPr>
+          <p:cNvPr id="3" name="Content Placeholder 2">
+            <a:extLst>
+              <a:ext uri="{FF2B5EF4-FFF2-40B4-BE49-F238E27FC236}">
+                <a16:creationId xmlns:a16="http://schemas.microsoft.com/office/drawing/2014/main" id="{591DF666-F25C-416A-9D7B-D66F364C5048}"/>
+              </a:ext>
+            </a:extLst>
+          </p:cNvPr>
+          <p:cNvSpPr>
+            <a:spLocks noGrp="1"/>
+          </p:cNvSpPr>
+          <p:nvPr>
+            <p:ph idx="1"/>
+          </p:nvPr>
+        </p:nvSpPr>
+        <p:spPr>
+          <a:xfrm>
+            <a:off x="677334" y="1352551"/>
+            <a:ext cx="8596668" cy="5505450"/>
+          </a:xfrm>
+        </p:spPr>
+        <p:txBody>
+          <a:bodyPr>
+            <a:normAutofit fontScale="70000" lnSpcReduction="20000"/>
+          </a:bodyPr>
+          <a:lstStyle/>
+          <a:p>
+            <a:pPr marL="0" indent="0">
+              <a:buNone/>
+            </a:pPr>
+            <a:r>
+              <a:rPr lang="de-DE" sz="2100" b="1" dirty="0"/>
+              <a:t>Beschreibung</a:t>
+            </a:r>
+          </a:p>
+          <a:p>
+            <a:pPr marL="457200" lvl="1" indent="0">
+              <a:buNone/>
+            </a:pPr>
+            <a:r>
+              <a:rPr lang="de-DE" sz="1800" dirty="0"/>
+              <a:t>Dieser </a:t>
+            </a:r>
+            <a:r>
+              <a:rPr lang="de-DE" sz="1800" dirty="0" err="1"/>
+              <a:t>Use</a:t>
+            </a:r>
+            <a:r>
+              <a:rPr lang="de-DE" sz="1800" dirty="0"/>
+              <a:t> Case beschreibt wie der Benutzer seine Einstellungen über Mein Profil individualisieren kann</a:t>
+            </a:r>
+          </a:p>
+          <a:p>
+            <a:pPr marL="0" indent="0">
+              <a:buNone/>
+            </a:pPr>
+            <a:r>
+              <a:rPr lang="de-DE" sz="2100" b="1" dirty="0"/>
+              <a:t>Beteiligte</a:t>
+            </a:r>
+          </a:p>
+          <a:p>
+            <a:pPr marL="457200" lvl="1" indent="0">
+              <a:buNone/>
+            </a:pPr>
+            <a:r>
+              <a:rPr lang="de-DE" sz="1800" dirty="0"/>
+              <a:t>Benutzer</a:t>
+            </a:r>
+          </a:p>
+          <a:p>
+            <a:pPr marL="0" indent="0">
+              <a:buNone/>
+            </a:pPr>
+            <a:r>
+              <a:rPr lang="de-DE" sz="2100" b="1" dirty="0"/>
+              <a:t>Voraussetzungen</a:t>
+            </a:r>
+          </a:p>
+          <a:p>
+            <a:pPr marL="457200" lvl="1" indent="0">
+              <a:buNone/>
+            </a:pPr>
+            <a:r>
+              <a:rPr lang="de-DE" sz="1800" dirty="0"/>
+              <a:t>Datenbankverbindung muss vorhanden sein</a:t>
+            </a:r>
+          </a:p>
+          <a:p>
+            <a:pPr marL="457200" lvl="1" indent="0">
+              <a:buNone/>
+            </a:pPr>
+            <a:r>
+              <a:rPr lang="de-DE" sz="1800" dirty="0"/>
+              <a:t>Der Benutzer muss erfolgreich eingeloggt sein</a:t>
+            </a:r>
+          </a:p>
+          <a:p>
+            <a:pPr marL="0" indent="0">
+              <a:buNone/>
+            </a:pPr>
+            <a:r>
+              <a:rPr lang="de-DE" sz="2100" b="1" dirty="0"/>
+              <a:t>Ereignisfluss</a:t>
+            </a:r>
+          </a:p>
+          <a:p>
+            <a:pPr marL="457200" lvl="1" indent="0">
+              <a:buNone/>
+            </a:pPr>
+            <a:r>
+              <a:rPr lang="de-DE" sz="1800" dirty="0"/>
+              <a:t>Im Menu Screen muss auf Mein Profil gedrückt werden</a:t>
+            </a:r>
+          </a:p>
+          <a:p>
+            <a:pPr marL="457200" lvl="1" indent="0">
+              <a:buNone/>
+            </a:pPr>
+            <a:r>
+              <a:rPr lang="de-DE" sz="1800" dirty="0"/>
+              <a:t>Der Profil Bearbeiten-Button muss gedrückt werden</a:t>
+            </a:r>
+          </a:p>
+          <a:p>
+            <a:pPr marL="457200" lvl="1" indent="0">
+              <a:buNone/>
+            </a:pPr>
+            <a:r>
+              <a:rPr lang="de-DE" sz="1800" dirty="0"/>
+              <a:t>Der Benutzername und die E-Mail-Adresse kann über die Texteingabe geändert werden</a:t>
+            </a:r>
+          </a:p>
+          <a:p>
+            <a:pPr marL="457200" lvl="1" indent="0">
+              <a:buNone/>
+            </a:pPr>
+            <a:r>
+              <a:rPr lang="de-DE" sz="1800" dirty="0"/>
+              <a:t>Das Level kann über die Combobox verändert werden</a:t>
+            </a:r>
+          </a:p>
+          <a:p>
+            <a:pPr marL="457200" lvl="1" indent="0">
+              <a:buNone/>
+            </a:pPr>
+            <a:r>
+              <a:rPr lang="de-DE" sz="1800" dirty="0"/>
+              <a:t>Über den Neues Profilbild-Button kann ein neues Profilbild angelegt werden</a:t>
+            </a:r>
+          </a:p>
+          <a:p>
+            <a:pPr marL="457200" lvl="1" indent="0">
+              <a:buNone/>
+            </a:pPr>
+            <a:r>
+              <a:rPr lang="de-DE" sz="1800" dirty="0"/>
+              <a:t>Über den Passwort ändern-Button kann das Passwort geändert werden</a:t>
+            </a:r>
+          </a:p>
+          <a:p>
+            <a:pPr marL="457200" lvl="1" indent="0">
+              <a:buNone/>
+            </a:pPr>
+            <a:r>
+              <a:rPr lang="de-DE" sz="1800" dirty="0"/>
+              <a:t>Die Änderungen werden nur gespeichert, wenn nach der Eingabe der Speichern-Button betätigt wird</a:t>
+            </a:r>
+          </a:p>
+          <a:p>
+            <a:pPr marL="57150" indent="0">
+              <a:buNone/>
+            </a:pPr>
+            <a:r>
+              <a:rPr lang="de-DE" sz="2100" b="1" dirty="0"/>
+              <a:t>Nachbedingung</a:t>
+            </a:r>
+          </a:p>
+          <a:p>
+            <a:pPr marL="457200" lvl="1" indent="0">
+              <a:buNone/>
+            </a:pPr>
+            <a:r>
+              <a:rPr lang="de-DE" sz="1800" dirty="0"/>
+              <a:t>Erfolgreich: Die Änderungen werden im Mein Profil-Screen angezeigt</a:t>
+            </a:r>
+          </a:p>
+          <a:p>
+            <a:pPr marL="457200" lvl="1" indent="0">
+              <a:buNone/>
+            </a:pPr>
+            <a:r>
+              <a:rPr lang="de-DE" sz="1800" dirty="0"/>
+              <a:t>Fehler: Die Änderungen konnten nicht übernommen werden und es werden veraltete Daten im Mein Profil-Screen angezeigt</a:t>
+            </a:r>
+          </a:p>
+          <a:p>
+            <a:pPr marL="457200" lvl="1" indent="0">
+              <a:buNone/>
+            </a:pPr>
+            <a:endParaRPr lang="de-DE" dirty="0"/>
+          </a:p>
+        </p:txBody>
+      </p:sp>
+      <p:sp>
+        <p:nvSpPr>
+          <p:cNvPr id="5" name="Date Placeholder 3">
+            <a:extLst>
+              <a:ext uri="{FF2B5EF4-FFF2-40B4-BE49-F238E27FC236}">
+                <a16:creationId xmlns:a16="http://schemas.microsoft.com/office/drawing/2014/main" id="{4C14AB97-C542-4790-9263-C13620CBC6CD}"/>
+              </a:ext>
+            </a:extLst>
+          </p:cNvPr>
+          <p:cNvSpPr txBox="1">
+            <a:spLocks/>
+          </p:cNvSpPr>
+          <p:nvPr/>
+        </p:nvSpPr>
+        <p:spPr>
+          <a:xfrm>
+            <a:off x="677334" y="231051"/>
+            <a:ext cx="1071566" cy="378549"/>
+          </a:xfrm>
+          <a:prstGeom prst="rect">
+            <a:avLst/>
+          </a:prstGeom>
+        </p:spPr>
+        <p:txBody>
+          <a:bodyPr vert="horz" lIns="91440" tIns="45720" rIns="91440" bIns="45720" rtlCol="0" anchor="ctr"/>
+          <a:lstStyle>
+            <a:defPPr>
+              <a:defRPr lang="en-US"/>
+            </a:defPPr>
+            <a:lvl1pPr marL="0" algn="r" defTabSz="457200" rtl="0" eaLnBrk="1" latinLnBrk="0" hangingPunct="1">
+              <a:defRPr sz="900" kern="1200">
+                <a:solidFill>
+                  <a:schemeClr val="tx1">
+                    <a:tint val="75000"/>
+                  </a:schemeClr>
+                </a:solidFill>
+                <a:latin typeface="+mn-lt"/>
+                <a:ea typeface="+mn-ea"/>
+                <a:cs typeface="+mn-cs"/>
+              </a:defRPr>
+            </a:lvl1pPr>
+            <a:lvl2pPr marL="457200" algn="l" defTabSz="457200" rtl="0" eaLnBrk="1" latinLnBrk="0" hangingPunct="1">
+              <a:defRPr sz="1800" kern="1200">
+                <a:solidFill>
+                  <a:schemeClr val="tx1"/>
+                </a:solidFill>
+                <a:latin typeface="+mn-lt"/>
+                <a:ea typeface="+mn-ea"/>
+                <a:cs typeface="+mn-cs"/>
+              </a:defRPr>
+            </a:lvl2pPr>
+            <a:lvl3pPr marL="914400" algn="l" defTabSz="457200" rtl="0" eaLnBrk="1" latinLnBrk="0" hangingPunct="1">
+              <a:defRPr sz="1800" kern="1200">
+                <a:solidFill>
+                  <a:schemeClr val="tx1"/>
+                </a:solidFill>
+                <a:latin typeface="+mn-lt"/>
+                <a:ea typeface="+mn-ea"/>
+                <a:cs typeface="+mn-cs"/>
+              </a:defRPr>
+            </a:lvl3pPr>
+            <a:lvl4pPr marL="1371600" algn="l" defTabSz="457200" rtl="0" eaLnBrk="1" latinLnBrk="0" hangingPunct="1">
+              <a:defRPr sz="1800" kern="1200">
+                <a:solidFill>
+                  <a:schemeClr val="tx1"/>
+                </a:solidFill>
+                <a:latin typeface="+mn-lt"/>
+                <a:ea typeface="+mn-ea"/>
+                <a:cs typeface="+mn-cs"/>
+              </a:defRPr>
+            </a:lvl4pPr>
+            <a:lvl5pPr marL="1828800" algn="l" defTabSz="457200" rtl="0" eaLnBrk="1" latinLnBrk="0" hangingPunct="1">
+              <a:defRPr sz="1800" kern="1200">
+                <a:solidFill>
+                  <a:schemeClr val="tx1"/>
+                </a:solidFill>
+                <a:latin typeface="+mn-lt"/>
+                <a:ea typeface="+mn-ea"/>
+                <a:cs typeface="+mn-cs"/>
+              </a:defRPr>
+            </a:lvl5pPr>
+            <a:lvl6pPr marL="2286000" algn="l" defTabSz="457200" rtl="0" eaLnBrk="1" latinLnBrk="0" hangingPunct="1">
+              <a:defRPr sz="1800" kern="1200">
+                <a:solidFill>
+                  <a:schemeClr val="tx1"/>
+                </a:solidFill>
+                <a:latin typeface="+mn-lt"/>
+                <a:ea typeface="+mn-ea"/>
+                <a:cs typeface="+mn-cs"/>
+              </a:defRPr>
+            </a:lvl6pPr>
+            <a:lvl7pPr marL="2743200" algn="l" defTabSz="457200" rtl="0" eaLnBrk="1" latinLnBrk="0" hangingPunct="1">
+              <a:defRPr sz="1800" kern="1200">
+                <a:solidFill>
+                  <a:schemeClr val="tx1"/>
+                </a:solidFill>
+                <a:latin typeface="+mn-lt"/>
+                <a:ea typeface="+mn-ea"/>
+                <a:cs typeface="+mn-cs"/>
+              </a:defRPr>
+            </a:lvl7pPr>
+            <a:lvl8pPr marL="3200400" algn="l" defTabSz="457200" rtl="0" eaLnBrk="1" latinLnBrk="0" hangingPunct="1">
+              <a:defRPr sz="1800" kern="1200">
+                <a:solidFill>
+                  <a:schemeClr val="tx1"/>
+                </a:solidFill>
+                <a:latin typeface="+mn-lt"/>
+                <a:ea typeface="+mn-ea"/>
+                <a:cs typeface="+mn-cs"/>
+              </a:defRPr>
+            </a:lvl8pPr>
+            <a:lvl9pPr marL="3657600" algn="l" defTabSz="457200" rtl="0" eaLnBrk="1" latinLnBrk="0" hangingPunct="1">
+              <a:defRPr sz="1800" kern="1200">
+                <a:solidFill>
+                  <a:schemeClr val="tx1"/>
+                </a:solidFill>
+                <a:latin typeface="+mn-lt"/>
+                <a:ea typeface="+mn-ea"/>
+                <a:cs typeface="+mn-cs"/>
+              </a:defRPr>
+            </a:lvl9pPr>
+          </a:lstStyle>
+          <a:p>
+            <a:fld id="{5665C720-CFBA-4CD6-B44E-E52DA515AFF8}" type="datetime1">
+              <a:rPr lang="de-DE" sz="1400" smtClean="0"/>
+              <a:pPr/>
+              <a:t>02.11.2020</a:t>
+            </a:fld>
+            <a:endParaRPr lang="en-US" dirty="0"/>
+          </a:p>
+        </p:txBody>
+      </p:sp>
+      <p:sp>
+        <p:nvSpPr>
+          <p:cNvPr id="6" name="Date Placeholder 3">
+            <a:extLst>
+              <a:ext uri="{FF2B5EF4-FFF2-40B4-BE49-F238E27FC236}">
+                <a16:creationId xmlns:a16="http://schemas.microsoft.com/office/drawing/2014/main" id="{FBE73F23-8D21-495D-8D7C-2DE7277152E1}"/>
+              </a:ext>
+            </a:extLst>
+          </p:cNvPr>
+          <p:cNvSpPr txBox="1">
+            <a:spLocks/>
+          </p:cNvSpPr>
+          <p:nvPr/>
+        </p:nvSpPr>
+        <p:spPr>
+          <a:xfrm>
+            <a:off x="1824033" y="231050"/>
+            <a:ext cx="5713108" cy="378549"/>
+          </a:xfrm>
+          <a:prstGeom prst="rect">
+            <a:avLst/>
+          </a:prstGeom>
+        </p:spPr>
+        <p:txBody>
+          <a:bodyPr vert="horz" lIns="91440" tIns="45720" rIns="91440" bIns="45720" rtlCol="0" anchor="ctr"/>
+          <a:lstStyle>
+            <a:defPPr>
+              <a:defRPr lang="en-US"/>
+            </a:defPPr>
+            <a:lvl1pPr marL="0" algn="r" defTabSz="457200" rtl="0" eaLnBrk="1" latinLnBrk="0" hangingPunct="1">
+              <a:defRPr sz="900" kern="1200">
+                <a:solidFill>
+                  <a:schemeClr val="tx1">
+                    <a:tint val="75000"/>
+                  </a:schemeClr>
+                </a:solidFill>
+                <a:latin typeface="+mn-lt"/>
+                <a:ea typeface="+mn-ea"/>
+                <a:cs typeface="+mn-cs"/>
+              </a:defRPr>
+            </a:lvl1pPr>
+            <a:lvl2pPr marL="457200" algn="l" defTabSz="457200" rtl="0" eaLnBrk="1" latinLnBrk="0" hangingPunct="1">
+              <a:defRPr sz="1800" kern="1200">
+                <a:solidFill>
+                  <a:schemeClr val="tx1"/>
+                </a:solidFill>
+                <a:latin typeface="+mn-lt"/>
+                <a:ea typeface="+mn-ea"/>
+                <a:cs typeface="+mn-cs"/>
+              </a:defRPr>
+            </a:lvl2pPr>
+            <a:lvl3pPr marL="914400" algn="l" defTabSz="457200" rtl="0" eaLnBrk="1" latinLnBrk="0" hangingPunct="1">
+              <a:defRPr sz="1800" kern="1200">
+                <a:solidFill>
+                  <a:schemeClr val="tx1"/>
+                </a:solidFill>
+                <a:latin typeface="+mn-lt"/>
+                <a:ea typeface="+mn-ea"/>
+                <a:cs typeface="+mn-cs"/>
+              </a:defRPr>
+            </a:lvl3pPr>
+            <a:lvl4pPr marL="1371600" algn="l" defTabSz="457200" rtl="0" eaLnBrk="1" latinLnBrk="0" hangingPunct="1">
+              <a:defRPr sz="1800" kern="1200">
+                <a:solidFill>
+                  <a:schemeClr val="tx1"/>
+                </a:solidFill>
+                <a:latin typeface="+mn-lt"/>
+                <a:ea typeface="+mn-ea"/>
+                <a:cs typeface="+mn-cs"/>
+              </a:defRPr>
+            </a:lvl4pPr>
+            <a:lvl5pPr marL="1828800" algn="l" defTabSz="457200" rtl="0" eaLnBrk="1" latinLnBrk="0" hangingPunct="1">
+              <a:defRPr sz="1800" kern="1200">
+                <a:solidFill>
+                  <a:schemeClr val="tx1"/>
+                </a:solidFill>
+                <a:latin typeface="+mn-lt"/>
+                <a:ea typeface="+mn-ea"/>
+                <a:cs typeface="+mn-cs"/>
+              </a:defRPr>
+            </a:lvl5pPr>
+            <a:lvl6pPr marL="2286000" algn="l" defTabSz="457200" rtl="0" eaLnBrk="1" latinLnBrk="0" hangingPunct="1">
+              <a:defRPr sz="1800" kern="1200">
+                <a:solidFill>
+                  <a:schemeClr val="tx1"/>
+                </a:solidFill>
+                <a:latin typeface="+mn-lt"/>
+                <a:ea typeface="+mn-ea"/>
+                <a:cs typeface="+mn-cs"/>
+              </a:defRPr>
+            </a:lvl6pPr>
+            <a:lvl7pPr marL="2743200" algn="l" defTabSz="457200" rtl="0" eaLnBrk="1" latinLnBrk="0" hangingPunct="1">
+              <a:defRPr sz="1800" kern="1200">
+                <a:solidFill>
+                  <a:schemeClr val="tx1"/>
+                </a:solidFill>
+                <a:latin typeface="+mn-lt"/>
+                <a:ea typeface="+mn-ea"/>
+                <a:cs typeface="+mn-cs"/>
+              </a:defRPr>
+            </a:lvl7pPr>
+            <a:lvl8pPr marL="3200400" algn="l" defTabSz="457200" rtl="0" eaLnBrk="1" latinLnBrk="0" hangingPunct="1">
+              <a:defRPr sz="1800" kern="1200">
+                <a:solidFill>
+                  <a:schemeClr val="tx1"/>
+                </a:solidFill>
+                <a:latin typeface="+mn-lt"/>
+                <a:ea typeface="+mn-ea"/>
+                <a:cs typeface="+mn-cs"/>
+              </a:defRPr>
+            </a:lvl8pPr>
+            <a:lvl9pPr marL="3657600" algn="l" defTabSz="457200" rtl="0" eaLnBrk="1" latinLnBrk="0" hangingPunct="1">
+              <a:defRPr sz="1800" kern="1200">
+                <a:solidFill>
+                  <a:schemeClr val="tx1"/>
+                </a:solidFill>
+                <a:latin typeface="+mn-lt"/>
+                <a:ea typeface="+mn-ea"/>
+                <a:cs typeface="+mn-cs"/>
+              </a:defRPr>
+            </a:lvl9pPr>
+          </a:lstStyle>
+          <a:p>
+            <a:r>
+              <a:rPr lang="de-DE" sz="1400" dirty="0"/>
+              <a:t>Veronika Taranek, Philipp </a:t>
+            </a:r>
+            <a:r>
+              <a:rPr lang="de-DE" sz="1400" dirty="0" err="1"/>
+              <a:t>Fenesan</a:t>
+            </a:r>
+            <a:r>
+              <a:rPr lang="de-DE" sz="1400" dirty="0"/>
+              <a:t>, Nicolas Geppert, Lukas Werner</a:t>
+            </a:r>
+            <a:endParaRPr lang="en-US" dirty="0"/>
+          </a:p>
+        </p:txBody>
+      </p:sp>
+    </p:spTree>
+    <p:extLst>
+      <p:ext uri="{BB962C8B-B14F-4D97-AF65-F5344CB8AC3E}">
+        <p14:creationId xmlns:p14="http://schemas.microsoft.com/office/powerpoint/2010/main" val="4289056068"/>
+      </p:ext>
+    </p:extLst>
+  </p:cSld>
+  <p:clrMapOvr>
+    <a:masterClrMapping/>
+  </p:clrMapOvr>
+</p:sld>
+</file>
+
+<file path=ppt/slides/slide16.xml><?xml version="1.0" encoding="utf-8"?>
+<p:sld xmlns:a="http://schemas.openxmlformats.org/drawingml/2006/main" xmlns:r="http://schemas.openxmlformats.org/officeDocument/2006/relationships" xmlns:p="http://schemas.openxmlformats.org/presentationml/2006/main">
+  <p:cSld>
+    <p:spTree>
+      <p:nvGrpSpPr>
+        <p:cNvPr id="1" name=""/>
+        <p:cNvGrpSpPr/>
+        <p:nvPr/>
+      </p:nvGrpSpPr>
+      <p:grpSpPr>
+        <a:xfrm>
+          <a:off x="0" y="0"/>
+          <a:ext cx="0" cy="0"/>
+          <a:chOff x="0" y="0"/>
+          <a:chExt cx="0" cy="0"/>
+        </a:xfrm>
+      </p:grpSpPr>
+      <p:sp>
+        <p:nvSpPr>
+          <p:cNvPr id="2" name="Title 1">
+            <a:extLst>
+              <a:ext uri="{FF2B5EF4-FFF2-40B4-BE49-F238E27FC236}">
+                <a16:creationId xmlns:a16="http://schemas.microsoft.com/office/drawing/2014/main" id="{DD89B45D-81B8-4037-8647-E08DB7556E63}"/>
+              </a:ext>
+            </a:extLst>
+          </p:cNvPr>
+          <p:cNvSpPr>
+            <a:spLocks noGrp="1"/>
+          </p:cNvSpPr>
+          <p:nvPr>
+            <p:ph type="title"/>
+          </p:nvPr>
+        </p:nvSpPr>
+        <p:spPr>
+          <a:xfrm>
+            <a:off x="677334" y="609598"/>
+            <a:ext cx="8596668" cy="1181101"/>
+          </a:xfrm>
+        </p:spPr>
+        <p:txBody>
+          <a:bodyPr/>
+          <a:lstStyle/>
+          <a:p>
+            <a:r>
+              <a:rPr lang="en-US" dirty="0"/>
+              <a:t>Use Case: </a:t>
+            </a:r>
+            <a:r>
+              <a:rPr lang="en-US" dirty="0" err="1"/>
+              <a:t>Karte</a:t>
+            </a:r>
+            <a:endParaRPr lang="en-US" dirty="0"/>
+          </a:p>
+        </p:txBody>
+      </p:sp>
+      <p:sp>
+        <p:nvSpPr>
+          <p:cNvPr id="3" name="Content Placeholder 2">
+            <a:extLst>
+              <a:ext uri="{FF2B5EF4-FFF2-40B4-BE49-F238E27FC236}">
+                <a16:creationId xmlns:a16="http://schemas.microsoft.com/office/drawing/2014/main" id="{591DF666-F25C-416A-9D7B-D66F364C5048}"/>
+              </a:ext>
+            </a:extLst>
+          </p:cNvPr>
+          <p:cNvSpPr>
+            <a:spLocks noGrp="1"/>
+          </p:cNvSpPr>
+          <p:nvPr>
+            <p:ph idx="1"/>
+          </p:nvPr>
+        </p:nvSpPr>
+        <p:spPr>
+          <a:xfrm>
+            <a:off x="677334" y="1352550"/>
+            <a:ext cx="8596668" cy="5400675"/>
+          </a:xfrm>
+        </p:spPr>
+        <p:txBody>
+          <a:bodyPr>
+            <a:normAutofit lnSpcReduction="10000"/>
+          </a:bodyPr>
+          <a:lstStyle/>
+          <a:p>
+            <a:pPr marL="0" indent="0">
+              <a:buNone/>
+            </a:pPr>
+            <a:r>
+              <a:rPr lang="de-DE" b="1" dirty="0"/>
+              <a:t>Beschreibung</a:t>
+            </a:r>
+          </a:p>
+          <a:p>
+            <a:pPr marL="457200" lvl="1" indent="0">
+              <a:buNone/>
+            </a:pPr>
+            <a:r>
+              <a:rPr lang="de-DE" dirty="0"/>
+              <a:t>Dieser </a:t>
+            </a:r>
+            <a:r>
+              <a:rPr lang="de-DE" dirty="0" err="1"/>
+              <a:t>Use</a:t>
+            </a:r>
+            <a:r>
+              <a:rPr lang="de-DE" dirty="0"/>
+              <a:t> Case beschreibt wie der Benutzer seine Wanderroute konfigurieren kann</a:t>
+            </a:r>
+          </a:p>
+          <a:p>
+            <a:pPr marL="0" indent="0">
+              <a:buNone/>
+            </a:pPr>
+            <a:r>
+              <a:rPr lang="de-DE" b="1" dirty="0"/>
+              <a:t>Beteiligte</a:t>
+            </a:r>
+          </a:p>
+          <a:p>
+            <a:pPr marL="457200" lvl="1" indent="0">
+              <a:buNone/>
+            </a:pPr>
+            <a:r>
+              <a:rPr lang="de-DE" dirty="0"/>
+              <a:t>Benutzer</a:t>
+            </a:r>
+          </a:p>
+          <a:p>
+            <a:pPr marL="0" indent="0">
+              <a:buNone/>
+            </a:pPr>
+            <a:r>
+              <a:rPr lang="de-DE" b="1" dirty="0"/>
+              <a:t>Voraussetzungen</a:t>
+            </a:r>
+          </a:p>
+          <a:p>
+            <a:pPr marL="457200" lvl="1" indent="0">
+              <a:buNone/>
+            </a:pPr>
+            <a:r>
+              <a:rPr lang="de-DE" dirty="0"/>
+              <a:t>Datenbankverbindung muss vorhanden sein</a:t>
+            </a:r>
+          </a:p>
+          <a:p>
+            <a:pPr marL="457200" lvl="1" indent="0">
+              <a:buNone/>
+            </a:pPr>
+            <a:r>
+              <a:rPr lang="de-DE" dirty="0"/>
+              <a:t>Der Benutzer muss erfolgreich eingeloggt sein</a:t>
+            </a:r>
+          </a:p>
+          <a:p>
+            <a:pPr marL="0" indent="0">
+              <a:buNone/>
+            </a:pPr>
+            <a:r>
+              <a:rPr lang="de-DE" b="1" dirty="0"/>
+              <a:t>Ereignisfluss</a:t>
+            </a:r>
+          </a:p>
+          <a:p>
+            <a:pPr marL="457200" lvl="1" indent="0">
+              <a:buNone/>
+            </a:pPr>
+            <a:r>
+              <a:rPr lang="de-DE" dirty="0"/>
+              <a:t>Im Menü-Screen muss auf den Karte-Button gedrückt werden</a:t>
+            </a:r>
+          </a:p>
+          <a:p>
+            <a:pPr marL="457200" lvl="1" indent="0">
+              <a:buNone/>
+            </a:pPr>
+            <a:r>
+              <a:rPr lang="de-DE" dirty="0"/>
+              <a:t>Der Benutzer kann über die Textfelder die Routenlänge und den gewünschten Höhenunterschied für seine Wanderroute angeben</a:t>
+            </a:r>
+          </a:p>
+          <a:p>
+            <a:pPr marL="457200" lvl="1" indent="0">
+              <a:buNone/>
+            </a:pPr>
+            <a:r>
+              <a:rPr lang="de-DE" dirty="0"/>
+              <a:t>Um die Änderungen zu speichern, muss der Bestätigen-Button betätigt werden</a:t>
+            </a:r>
+          </a:p>
+          <a:p>
+            <a:pPr marL="57150" indent="0">
+              <a:buNone/>
+            </a:pPr>
+            <a:r>
+              <a:rPr lang="de-DE" b="1" dirty="0"/>
+              <a:t>Nachbedingung</a:t>
+            </a:r>
+          </a:p>
+          <a:p>
+            <a:pPr marL="457200" lvl="1" indent="0">
+              <a:buNone/>
+            </a:pPr>
+            <a:r>
+              <a:rPr lang="de-DE" dirty="0"/>
+              <a:t>Erfolgreich: Wanderroutenlänge und Höhenunterschied wird gespeichert</a:t>
+            </a:r>
+          </a:p>
+          <a:p>
+            <a:pPr marL="457200" lvl="1" indent="0">
+              <a:buNone/>
+            </a:pPr>
+            <a:r>
+              <a:rPr lang="de-DE" dirty="0"/>
+              <a:t>Fehler: Wanderroutenlänge und Höhenunterschied kann nicht gespeichert werden</a:t>
+            </a:r>
+          </a:p>
+          <a:p>
+            <a:pPr marL="457200" lvl="1" indent="0">
+              <a:buNone/>
+            </a:pPr>
+            <a:endParaRPr lang="de-DE" dirty="0"/>
+          </a:p>
+        </p:txBody>
+      </p:sp>
+      <p:sp>
+        <p:nvSpPr>
+          <p:cNvPr id="5" name="Date Placeholder 3">
+            <a:extLst>
+              <a:ext uri="{FF2B5EF4-FFF2-40B4-BE49-F238E27FC236}">
+                <a16:creationId xmlns:a16="http://schemas.microsoft.com/office/drawing/2014/main" id="{4C14AB97-C542-4790-9263-C13620CBC6CD}"/>
+              </a:ext>
+            </a:extLst>
+          </p:cNvPr>
+          <p:cNvSpPr txBox="1">
+            <a:spLocks/>
+          </p:cNvSpPr>
+          <p:nvPr/>
+        </p:nvSpPr>
+        <p:spPr>
+          <a:xfrm>
+            <a:off x="677334" y="231051"/>
+            <a:ext cx="1071566" cy="378549"/>
+          </a:xfrm>
+          <a:prstGeom prst="rect">
+            <a:avLst/>
+          </a:prstGeom>
+        </p:spPr>
+        <p:txBody>
+          <a:bodyPr vert="horz" lIns="91440" tIns="45720" rIns="91440" bIns="45720" rtlCol="0" anchor="ctr"/>
+          <a:lstStyle>
+            <a:defPPr>
+              <a:defRPr lang="en-US"/>
+            </a:defPPr>
+            <a:lvl1pPr marL="0" algn="r" defTabSz="457200" rtl="0" eaLnBrk="1" latinLnBrk="0" hangingPunct="1">
+              <a:defRPr sz="900" kern="1200">
+                <a:solidFill>
+                  <a:schemeClr val="tx1">
+                    <a:tint val="75000"/>
+                  </a:schemeClr>
+                </a:solidFill>
+                <a:latin typeface="+mn-lt"/>
+                <a:ea typeface="+mn-ea"/>
+                <a:cs typeface="+mn-cs"/>
+              </a:defRPr>
+            </a:lvl1pPr>
+            <a:lvl2pPr marL="457200" algn="l" defTabSz="457200" rtl="0" eaLnBrk="1" latinLnBrk="0" hangingPunct="1">
+              <a:defRPr sz="1800" kern="1200">
+                <a:solidFill>
+                  <a:schemeClr val="tx1"/>
+                </a:solidFill>
+                <a:latin typeface="+mn-lt"/>
+                <a:ea typeface="+mn-ea"/>
+                <a:cs typeface="+mn-cs"/>
+              </a:defRPr>
+            </a:lvl2pPr>
+            <a:lvl3pPr marL="914400" algn="l" defTabSz="457200" rtl="0" eaLnBrk="1" latinLnBrk="0" hangingPunct="1">
+              <a:defRPr sz="1800" kern="1200">
+                <a:solidFill>
+                  <a:schemeClr val="tx1"/>
+                </a:solidFill>
+                <a:latin typeface="+mn-lt"/>
+                <a:ea typeface="+mn-ea"/>
+                <a:cs typeface="+mn-cs"/>
+              </a:defRPr>
+            </a:lvl3pPr>
+            <a:lvl4pPr marL="1371600" algn="l" defTabSz="457200" rtl="0" eaLnBrk="1" latinLnBrk="0" hangingPunct="1">
+              <a:defRPr sz="1800" kern="1200">
+                <a:solidFill>
+                  <a:schemeClr val="tx1"/>
+                </a:solidFill>
+                <a:latin typeface="+mn-lt"/>
+                <a:ea typeface="+mn-ea"/>
+                <a:cs typeface="+mn-cs"/>
+              </a:defRPr>
+            </a:lvl4pPr>
+            <a:lvl5pPr marL="1828800" algn="l" defTabSz="457200" rtl="0" eaLnBrk="1" latinLnBrk="0" hangingPunct="1">
+              <a:defRPr sz="1800" kern="1200">
+                <a:solidFill>
+                  <a:schemeClr val="tx1"/>
+                </a:solidFill>
+                <a:latin typeface="+mn-lt"/>
+                <a:ea typeface="+mn-ea"/>
+                <a:cs typeface="+mn-cs"/>
+              </a:defRPr>
+            </a:lvl5pPr>
+            <a:lvl6pPr marL="2286000" algn="l" defTabSz="457200" rtl="0" eaLnBrk="1" latinLnBrk="0" hangingPunct="1">
+              <a:defRPr sz="1800" kern="1200">
+                <a:solidFill>
+                  <a:schemeClr val="tx1"/>
+                </a:solidFill>
+                <a:latin typeface="+mn-lt"/>
+                <a:ea typeface="+mn-ea"/>
+                <a:cs typeface="+mn-cs"/>
+              </a:defRPr>
+            </a:lvl6pPr>
+            <a:lvl7pPr marL="2743200" algn="l" defTabSz="457200" rtl="0" eaLnBrk="1" latinLnBrk="0" hangingPunct="1">
+              <a:defRPr sz="1800" kern="1200">
+                <a:solidFill>
+                  <a:schemeClr val="tx1"/>
+                </a:solidFill>
+                <a:latin typeface="+mn-lt"/>
+                <a:ea typeface="+mn-ea"/>
+                <a:cs typeface="+mn-cs"/>
+              </a:defRPr>
+            </a:lvl7pPr>
+            <a:lvl8pPr marL="3200400" algn="l" defTabSz="457200" rtl="0" eaLnBrk="1" latinLnBrk="0" hangingPunct="1">
+              <a:defRPr sz="1800" kern="1200">
+                <a:solidFill>
+                  <a:schemeClr val="tx1"/>
+                </a:solidFill>
+                <a:latin typeface="+mn-lt"/>
+                <a:ea typeface="+mn-ea"/>
+                <a:cs typeface="+mn-cs"/>
+              </a:defRPr>
+            </a:lvl8pPr>
+            <a:lvl9pPr marL="3657600" algn="l" defTabSz="457200" rtl="0" eaLnBrk="1" latinLnBrk="0" hangingPunct="1">
+              <a:defRPr sz="1800" kern="1200">
+                <a:solidFill>
+                  <a:schemeClr val="tx1"/>
+                </a:solidFill>
+                <a:latin typeface="+mn-lt"/>
+                <a:ea typeface="+mn-ea"/>
+                <a:cs typeface="+mn-cs"/>
+              </a:defRPr>
+            </a:lvl9pPr>
+          </a:lstStyle>
+          <a:p>
+            <a:fld id="{5665C720-CFBA-4CD6-B44E-E52DA515AFF8}" type="datetime1">
+              <a:rPr lang="de-DE" sz="1400" smtClean="0"/>
+              <a:pPr/>
+              <a:t>02.11.2020</a:t>
+            </a:fld>
+            <a:endParaRPr lang="en-US" dirty="0"/>
+          </a:p>
+        </p:txBody>
+      </p:sp>
+      <p:sp>
+        <p:nvSpPr>
+          <p:cNvPr id="6" name="Date Placeholder 3">
+            <a:extLst>
+              <a:ext uri="{FF2B5EF4-FFF2-40B4-BE49-F238E27FC236}">
+                <a16:creationId xmlns:a16="http://schemas.microsoft.com/office/drawing/2014/main" id="{FBE73F23-8D21-495D-8D7C-2DE7277152E1}"/>
+              </a:ext>
+            </a:extLst>
+          </p:cNvPr>
+          <p:cNvSpPr txBox="1">
+            <a:spLocks/>
+          </p:cNvSpPr>
+          <p:nvPr/>
+        </p:nvSpPr>
+        <p:spPr>
+          <a:xfrm>
+            <a:off x="1824033" y="231050"/>
+            <a:ext cx="5713108" cy="378549"/>
+          </a:xfrm>
+          <a:prstGeom prst="rect">
+            <a:avLst/>
+          </a:prstGeom>
+        </p:spPr>
+        <p:txBody>
+          <a:bodyPr vert="horz" lIns="91440" tIns="45720" rIns="91440" bIns="45720" rtlCol="0" anchor="ctr"/>
+          <a:lstStyle>
+            <a:defPPr>
+              <a:defRPr lang="en-US"/>
+            </a:defPPr>
+            <a:lvl1pPr marL="0" algn="r" defTabSz="457200" rtl="0" eaLnBrk="1" latinLnBrk="0" hangingPunct="1">
+              <a:defRPr sz="900" kern="1200">
+                <a:solidFill>
+                  <a:schemeClr val="tx1">
+                    <a:tint val="75000"/>
+                  </a:schemeClr>
+                </a:solidFill>
+                <a:latin typeface="+mn-lt"/>
+                <a:ea typeface="+mn-ea"/>
+                <a:cs typeface="+mn-cs"/>
+              </a:defRPr>
+            </a:lvl1pPr>
+            <a:lvl2pPr marL="457200" algn="l" defTabSz="457200" rtl="0" eaLnBrk="1" latinLnBrk="0" hangingPunct="1">
+              <a:defRPr sz="1800" kern="1200">
+                <a:solidFill>
+                  <a:schemeClr val="tx1"/>
+                </a:solidFill>
+                <a:latin typeface="+mn-lt"/>
+                <a:ea typeface="+mn-ea"/>
+                <a:cs typeface="+mn-cs"/>
+              </a:defRPr>
+            </a:lvl2pPr>
+            <a:lvl3pPr marL="914400" algn="l" defTabSz="457200" rtl="0" eaLnBrk="1" latinLnBrk="0" hangingPunct="1">
+              <a:defRPr sz="1800" kern="1200">
+                <a:solidFill>
+                  <a:schemeClr val="tx1"/>
+                </a:solidFill>
+                <a:latin typeface="+mn-lt"/>
+                <a:ea typeface="+mn-ea"/>
+                <a:cs typeface="+mn-cs"/>
+              </a:defRPr>
+            </a:lvl3pPr>
+            <a:lvl4pPr marL="1371600" algn="l" defTabSz="457200" rtl="0" eaLnBrk="1" latinLnBrk="0" hangingPunct="1">
+              <a:defRPr sz="1800" kern="1200">
+                <a:solidFill>
+                  <a:schemeClr val="tx1"/>
+                </a:solidFill>
+                <a:latin typeface="+mn-lt"/>
+                <a:ea typeface="+mn-ea"/>
+                <a:cs typeface="+mn-cs"/>
+              </a:defRPr>
+            </a:lvl4pPr>
+            <a:lvl5pPr marL="1828800" algn="l" defTabSz="457200" rtl="0" eaLnBrk="1" latinLnBrk="0" hangingPunct="1">
+              <a:defRPr sz="1800" kern="1200">
+                <a:solidFill>
+                  <a:schemeClr val="tx1"/>
+                </a:solidFill>
+                <a:latin typeface="+mn-lt"/>
+                <a:ea typeface="+mn-ea"/>
+                <a:cs typeface="+mn-cs"/>
+              </a:defRPr>
+            </a:lvl5pPr>
+            <a:lvl6pPr marL="2286000" algn="l" defTabSz="457200" rtl="0" eaLnBrk="1" latinLnBrk="0" hangingPunct="1">
+              <a:defRPr sz="1800" kern="1200">
+                <a:solidFill>
+                  <a:schemeClr val="tx1"/>
+                </a:solidFill>
+                <a:latin typeface="+mn-lt"/>
+                <a:ea typeface="+mn-ea"/>
+                <a:cs typeface="+mn-cs"/>
+              </a:defRPr>
+            </a:lvl6pPr>
+            <a:lvl7pPr marL="2743200" algn="l" defTabSz="457200" rtl="0" eaLnBrk="1" latinLnBrk="0" hangingPunct="1">
+              <a:defRPr sz="1800" kern="1200">
+                <a:solidFill>
+                  <a:schemeClr val="tx1"/>
+                </a:solidFill>
+                <a:latin typeface="+mn-lt"/>
+                <a:ea typeface="+mn-ea"/>
+                <a:cs typeface="+mn-cs"/>
+              </a:defRPr>
+            </a:lvl7pPr>
+            <a:lvl8pPr marL="3200400" algn="l" defTabSz="457200" rtl="0" eaLnBrk="1" latinLnBrk="0" hangingPunct="1">
+              <a:defRPr sz="1800" kern="1200">
+                <a:solidFill>
+                  <a:schemeClr val="tx1"/>
+                </a:solidFill>
+                <a:latin typeface="+mn-lt"/>
+                <a:ea typeface="+mn-ea"/>
+                <a:cs typeface="+mn-cs"/>
+              </a:defRPr>
+            </a:lvl8pPr>
+            <a:lvl9pPr marL="3657600" algn="l" defTabSz="457200" rtl="0" eaLnBrk="1" latinLnBrk="0" hangingPunct="1">
+              <a:defRPr sz="1800" kern="1200">
+                <a:solidFill>
+                  <a:schemeClr val="tx1"/>
+                </a:solidFill>
+                <a:latin typeface="+mn-lt"/>
+                <a:ea typeface="+mn-ea"/>
+                <a:cs typeface="+mn-cs"/>
+              </a:defRPr>
+            </a:lvl9pPr>
+          </a:lstStyle>
+          <a:p>
+            <a:r>
+              <a:rPr lang="de-DE" sz="1400" dirty="0"/>
+              <a:t>Veronika Taranek, Philipp </a:t>
+            </a:r>
+            <a:r>
+              <a:rPr lang="de-DE" sz="1400" dirty="0" err="1"/>
+              <a:t>Fenesan</a:t>
+            </a:r>
+            <a:r>
+              <a:rPr lang="de-DE" sz="1400" dirty="0"/>
+              <a:t>, Nicolas Geppert, Lukas Werner</a:t>
+            </a:r>
+            <a:endParaRPr lang="en-US" dirty="0"/>
+          </a:p>
+        </p:txBody>
+      </p:sp>
+    </p:spTree>
+    <p:extLst>
+      <p:ext uri="{BB962C8B-B14F-4D97-AF65-F5344CB8AC3E}">
+        <p14:creationId xmlns:p14="http://schemas.microsoft.com/office/powerpoint/2010/main" val="1940434735"/>
+      </p:ext>
+    </p:extLst>
+  </p:cSld>
+  <p:clrMapOvr>
+    <a:masterClrMapping/>
+  </p:clrMapOvr>
+</p:sld>
+</file>
+
+<file path=ppt/slides/slide17.xml><?xml version="1.0" encoding="utf-8"?>
+<p:sld xmlns:a="http://schemas.openxmlformats.org/drawingml/2006/main" xmlns:r="http://schemas.openxmlformats.org/officeDocument/2006/relationships" xmlns:p="http://schemas.openxmlformats.org/presentationml/2006/main">
+  <p:cSld>
+    <p:spTree>
+      <p:nvGrpSpPr>
+        <p:cNvPr id="1" name=""/>
+        <p:cNvGrpSpPr/>
+        <p:nvPr/>
+      </p:nvGrpSpPr>
+      <p:grpSpPr>
+        <a:xfrm>
+          <a:off x="0" y="0"/>
+          <a:ext cx="0" cy="0"/>
+          <a:chOff x="0" y="0"/>
+          <a:chExt cx="0" cy="0"/>
+        </a:xfrm>
+      </p:grpSpPr>
+      <p:sp>
+        <p:nvSpPr>
+          <p:cNvPr id="2" name="Title 1">
+            <a:extLst>
+              <a:ext uri="{FF2B5EF4-FFF2-40B4-BE49-F238E27FC236}">
+                <a16:creationId xmlns:a16="http://schemas.microsoft.com/office/drawing/2014/main" id="{A533C930-62BB-49CD-A689-73D96C0BFBBB}"/>
+              </a:ext>
+            </a:extLst>
+          </p:cNvPr>
+          <p:cNvSpPr>
+            <a:spLocks noGrp="1"/>
+          </p:cNvSpPr>
+          <p:nvPr>
+            <p:ph type="title"/>
+          </p:nvPr>
+        </p:nvSpPr>
+        <p:spPr/>
+        <p:txBody>
+          <a:bodyPr/>
+          <a:lstStyle/>
+          <a:p>
+            <a:r>
+              <a:rPr lang="en-US" dirty="0"/>
+              <a:t>Aufbau</a:t>
+            </a:r>
+          </a:p>
+        </p:txBody>
+      </p:sp>
+      <p:sp>
+        <p:nvSpPr>
+          <p:cNvPr id="5" name="TextBox 4">
+            <a:extLst>
+              <a:ext uri="{FF2B5EF4-FFF2-40B4-BE49-F238E27FC236}">
+                <a16:creationId xmlns:a16="http://schemas.microsoft.com/office/drawing/2014/main" id="{7FDF7188-C07D-448D-A4A7-2BC551B56E6A}"/>
+              </a:ext>
+            </a:extLst>
+          </p:cNvPr>
+          <p:cNvSpPr txBox="1"/>
+          <p:nvPr/>
+        </p:nvSpPr>
+        <p:spPr>
+          <a:xfrm>
+            <a:off x="677334" y="1662618"/>
+            <a:ext cx="7928774" cy="646331"/>
+          </a:xfrm>
+          <a:prstGeom prst="rect">
+            <a:avLst/>
+          </a:prstGeom>
+          <a:noFill/>
+        </p:spPr>
+        <p:txBody>
+          <a:bodyPr wrap="none" rtlCol="0">
+            <a:spAutoFit/>
+          </a:bodyPr>
+          <a:lstStyle/>
+          <a:p>
+            <a:r>
+              <a:rPr lang="en-US" dirty="0" err="1"/>
+              <a:t>Auffällig</a:t>
+            </a:r>
+            <a:r>
+              <a:rPr lang="en-US" dirty="0"/>
+              <a:t> </a:t>
+            </a:r>
+            <a:r>
+              <a:rPr lang="en-US" dirty="0" err="1"/>
+              <a:t>ist</a:t>
+            </a:r>
+            <a:r>
+              <a:rPr lang="en-US" dirty="0"/>
+              <a:t>, </a:t>
+            </a:r>
+            <a:r>
+              <a:rPr lang="en-US" dirty="0" err="1"/>
+              <a:t>dass</a:t>
+            </a:r>
+            <a:r>
+              <a:rPr lang="en-US" dirty="0"/>
+              <a:t> die </a:t>
+            </a:r>
+            <a:r>
+              <a:rPr lang="en-US" dirty="0" err="1"/>
+              <a:t>Funktionen</a:t>
+            </a:r>
+            <a:r>
+              <a:rPr lang="en-US" dirty="0"/>
+              <a:t> von den Design-Klassen </a:t>
+            </a:r>
+            <a:r>
+              <a:rPr lang="en-US" dirty="0" err="1"/>
+              <a:t>getrennt</a:t>
+            </a:r>
+            <a:r>
+              <a:rPr lang="en-US" dirty="0"/>
+              <a:t> </a:t>
+            </a:r>
+            <a:r>
+              <a:rPr lang="en-US" dirty="0" err="1"/>
+              <a:t>wurden</a:t>
+            </a:r>
+            <a:r>
+              <a:rPr lang="en-US" dirty="0"/>
+              <a:t>.</a:t>
+            </a:r>
+            <a:br>
+              <a:rPr lang="en-US" dirty="0"/>
+            </a:br>
+            <a:r>
+              <a:rPr lang="en-US" dirty="0"/>
+              <a:t>Die </a:t>
+            </a:r>
+            <a:r>
+              <a:rPr lang="en-US" dirty="0" err="1"/>
+              <a:t>Logik</a:t>
+            </a:r>
+            <a:r>
+              <a:rPr lang="en-US" dirty="0"/>
+              <a:t> </a:t>
+            </a:r>
+            <a:r>
+              <a:rPr lang="en-US" dirty="0" err="1"/>
+              <a:t>wird</a:t>
+            </a:r>
+            <a:r>
+              <a:rPr lang="en-US" dirty="0"/>
+              <a:t> in extra Klassen </a:t>
+            </a:r>
+            <a:r>
+              <a:rPr lang="en-US" dirty="0" err="1"/>
+              <a:t>implementiert</a:t>
+            </a:r>
+            <a:r>
+              <a:rPr lang="en-US" dirty="0"/>
+              <a:t>, die </a:t>
+            </a:r>
+            <a:r>
+              <a:rPr lang="en-US" dirty="0" err="1"/>
+              <a:t>getrennt</a:t>
+            </a:r>
+            <a:r>
+              <a:rPr lang="en-US" dirty="0"/>
+              <a:t> von der UI </a:t>
+            </a:r>
+            <a:r>
+              <a:rPr lang="en-US" dirty="0" err="1"/>
+              <a:t>sind</a:t>
+            </a:r>
+            <a:endParaRPr lang="en-US" dirty="0"/>
+          </a:p>
+        </p:txBody>
+      </p:sp>
+      <p:sp>
+        <p:nvSpPr>
+          <p:cNvPr id="6" name="Date Placeholder 3">
+            <a:extLst>
+              <a:ext uri="{FF2B5EF4-FFF2-40B4-BE49-F238E27FC236}">
+                <a16:creationId xmlns:a16="http://schemas.microsoft.com/office/drawing/2014/main" id="{C597FC9F-E38B-4D7C-800C-2E507A9787EC}"/>
+              </a:ext>
+            </a:extLst>
+          </p:cNvPr>
+          <p:cNvSpPr txBox="1">
+            <a:spLocks/>
+          </p:cNvSpPr>
+          <p:nvPr/>
+        </p:nvSpPr>
+        <p:spPr>
+          <a:xfrm>
+            <a:off x="677334" y="231051"/>
+            <a:ext cx="1071566" cy="378549"/>
+          </a:xfrm>
+          <a:prstGeom prst="rect">
+            <a:avLst/>
+          </a:prstGeom>
+        </p:spPr>
+        <p:txBody>
+          <a:bodyPr vert="horz" lIns="91440" tIns="45720" rIns="91440" bIns="45720" rtlCol="0" anchor="ctr"/>
+          <a:lstStyle>
+            <a:defPPr>
+              <a:defRPr lang="en-US"/>
+            </a:defPPr>
+            <a:lvl1pPr marL="0" algn="r" defTabSz="457200" rtl="0" eaLnBrk="1" latinLnBrk="0" hangingPunct="1">
+              <a:defRPr sz="900" kern="1200">
+                <a:solidFill>
+                  <a:schemeClr val="tx1">
+                    <a:tint val="75000"/>
+                  </a:schemeClr>
+                </a:solidFill>
+                <a:latin typeface="+mn-lt"/>
+                <a:ea typeface="+mn-ea"/>
+                <a:cs typeface="+mn-cs"/>
+              </a:defRPr>
+            </a:lvl1pPr>
+            <a:lvl2pPr marL="457200" algn="l" defTabSz="457200" rtl="0" eaLnBrk="1" latinLnBrk="0" hangingPunct="1">
+              <a:defRPr sz="1800" kern="1200">
+                <a:solidFill>
+                  <a:schemeClr val="tx1"/>
+                </a:solidFill>
+                <a:latin typeface="+mn-lt"/>
+                <a:ea typeface="+mn-ea"/>
+                <a:cs typeface="+mn-cs"/>
+              </a:defRPr>
+            </a:lvl2pPr>
+            <a:lvl3pPr marL="914400" algn="l" defTabSz="457200" rtl="0" eaLnBrk="1" latinLnBrk="0" hangingPunct="1">
+              <a:defRPr sz="1800" kern="1200">
+                <a:solidFill>
+                  <a:schemeClr val="tx1"/>
+                </a:solidFill>
+                <a:latin typeface="+mn-lt"/>
+                <a:ea typeface="+mn-ea"/>
+                <a:cs typeface="+mn-cs"/>
+              </a:defRPr>
+            </a:lvl3pPr>
+            <a:lvl4pPr marL="1371600" algn="l" defTabSz="457200" rtl="0" eaLnBrk="1" latinLnBrk="0" hangingPunct="1">
+              <a:defRPr sz="1800" kern="1200">
+                <a:solidFill>
+                  <a:schemeClr val="tx1"/>
+                </a:solidFill>
+                <a:latin typeface="+mn-lt"/>
+                <a:ea typeface="+mn-ea"/>
+                <a:cs typeface="+mn-cs"/>
+              </a:defRPr>
+            </a:lvl4pPr>
+            <a:lvl5pPr marL="1828800" algn="l" defTabSz="457200" rtl="0" eaLnBrk="1" latinLnBrk="0" hangingPunct="1">
+              <a:defRPr sz="1800" kern="1200">
+                <a:solidFill>
+                  <a:schemeClr val="tx1"/>
+                </a:solidFill>
+                <a:latin typeface="+mn-lt"/>
+                <a:ea typeface="+mn-ea"/>
+                <a:cs typeface="+mn-cs"/>
+              </a:defRPr>
+            </a:lvl5pPr>
+            <a:lvl6pPr marL="2286000" algn="l" defTabSz="457200" rtl="0" eaLnBrk="1" latinLnBrk="0" hangingPunct="1">
+              <a:defRPr sz="1800" kern="1200">
+                <a:solidFill>
+                  <a:schemeClr val="tx1"/>
+                </a:solidFill>
+                <a:latin typeface="+mn-lt"/>
+                <a:ea typeface="+mn-ea"/>
+                <a:cs typeface="+mn-cs"/>
+              </a:defRPr>
+            </a:lvl6pPr>
+            <a:lvl7pPr marL="2743200" algn="l" defTabSz="457200" rtl="0" eaLnBrk="1" latinLnBrk="0" hangingPunct="1">
+              <a:defRPr sz="1800" kern="1200">
+                <a:solidFill>
+                  <a:schemeClr val="tx1"/>
+                </a:solidFill>
+                <a:latin typeface="+mn-lt"/>
+                <a:ea typeface="+mn-ea"/>
+                <a:cs typeface="+mn-cs"/>
+              </a:defRPr>
+            </a:lvl7pPr>
+            <a:lvl8pPr marL="3200400" algn="l" defTabSz="457200" rtl="0" eaLnBrk="1" latinLnBrk="0" hangingPunct="1">
+              <a:defRPr sz="1800" kern="1200">
+                <a:solidFill>
+                  <a:schemeClr val="tx1"/>
+                </a:solidFill>
+                <a:latin typeface="+mn-lt"/>
+                <a:ea typeface="+mn-ea"/>
+                <a:cs typeface="+mn-cs"/>
+              </a:defRPr>
+            </a:lvl8pPr>
+            <a:lvl9pPr marL="3657600" algn="l" defTabSz="457200" rtl="0" eaLnBrk="1" latinLnBrk="0" hangingPunct="1">
+              <a:defRPr sz="1800" kern="1200">
+                <a:solidFill>
+                  <a:schemeClr val="tx1"/>
+                </a:solidFill>
+                <a:latin typeface="+mn-lt"/>
+                <a:ea typeface="+mn-ea"/>
+                <a:cs typeface="+mn-cs"/>
+              </a:defRPr>
+            </a:lvl9pPr>
+          </a:lstStyle>
+          <a:p>
+            <a:fld id="{5665C720-CFBA-4CD6-B44E-E52DA515AFF8}" type="datetime1">
+              <a:rPr lang="de-DE" sz="1400" smtClean="0"/>
+              <a:pPr/>
+              <a:t>02.11.2020</a:t>
+            </a:fld>
+            <a:endParaRPr lang="en-US" dirty="0"/>
+          </a:p>
+        </p:txBody>
+      </p:sp>
+      <p:sp>
+        <p:nvSpPr>
+          <p:cNvPr id="7" name="Date Placeholder 3">
+            <a:extLst>
+              <a:ext uri="{FF2B5EF4-FFF2-40B4-BE49-F238E27FC236}">
+                <a16:creationId xmlns:a16="http://schemas.microsoft.com/office/drawing/2014/main" id="{0F246959-6071-4609-B298-646E582C9281}"/>
+              </a:ext>
+            </a:extLst>
+          </p:cNvPr>
+          <p:cNvSpPr txBox="1">
+            <a:spLocks/>
+          </p:cNvSpPr>
+          <p:nvPr/>
+        </p:nvSpPr>
+        <p:spPr>
+          <a:xfrm>
+            <a:off x="1824033" y="231050"/>
+            <a:ext cx="5713108" cy="378549"/>
+          </a:xfrm>
+          <a:prstGeom prst="rect">
+            <a:avLst/>
+          </a:prstGeom>
+        </p:spPr>
+        <p:txBody>
+          <a:bodyPr vert="horz" lIns="91440" tIns="45720" rIns="91440" bIns="45720" rtlCol="0" anchor="ctr"/>
+          <a:lstStyle>
+            <a:defPPr>
+              <a:defRPr lang="en-US"/>
+            </a:defPPr>
+            <a:lvl1pPr marL="0" algn="r" defTabSz="457200" rtl="0" eaLnBrk="1" latinLnBrk="0" hangingPunct="1">
+              <a:defRPr sz="900" kern="1200">
+                <a:solidFill>
+                  <a:schemeClr val="tx1">
+                    <a:tint val="75000"/>
+                  </a:schemeClr>
+                </a:solidFill>
+                <a:latin typeface="+mn-lt"/>
+                <a:ea typeface="+mn-ea"/>
+                <a:cs typeface="+mn-cs"/>
+              </a:defRPr>
+            </a:lvl1pPr>
+            <a:lvl2pPr marL="457200" algn="l" defTabSz="457200" rtl="0" eaLnBrk="1" latinLnBrk="0" hangingPunct="1">
+              <a:defRPr sz="1800" kern="1200">
+                <a:solidFill>
+                  <a:schemeClr val="tx1"/>
+                </a:solidFill>
+                <a:latin typeface="+mn-lt"/>
+                <a:ea typeface="+mn-ea"/>
+                <a:cs typeface="+mn-cs"/>
+              </a:defRPr>
+            </a:lvl2pPr>
+            <a:lvl3pPr marL="914400" algn="l" defTabSz="457200" rtl="0" eaLnBrk="1" latinLnBrk="0" hangingPunct="1">
+              <a:defRPr sz="1800" kern="1200">
+                <a:solidFill>
+                  <a:schemeClr val="tx1"/>
+                </a:solidFill>
+                <a:latin typeface="+mn-lt"/>
+                <a:ea typeface="+mn-ea"/>
+                <a:cs typeface="+mn-cs"/>
+              </a:defRPr>
+            </a:lvl3pPr>
+            <a:lvl4pPr marL="1371600" algn="l" defTabSz="457200" rtl="0" eaLnBrk="1" latinLnBrk="0" hangingPunct="1">
+              <a:defRPr sz="1800" kern="1200">
+                <a:solidFill>
+                  <a:schemeClr val="tx1"/>
+                </a:solidFill>
+                <a:latin typeface="+mn-lt"/>
+                <a:ea typeface="+mn-ea"/>
+                <a:cs typeface="+mn-cs"/>
+              </a:defRPr>
+            </a:lvl4pPr>
+            <a:lvl5pPr marL="1828800" algn="l" defTabSz="457200" rtl="0" eaLnBrk="1" latinLnBrk="0" hangingPunct="1">
+              <a:defRPr sz="1800" kern="1200">
+                <a:solidFill>
+                  <a:schemeClr val="tx1"/>
+                </a:solidFill>
+                <a:latin typeface="+mn-lt"/>
+                <a:ea typeface="+mn-ea"/>
+                <a:cs typeface="+mn-cs"/>
+              </a:defRPr>
+            </a:lvl5pPr>
+            <a:lvl6pPr marL="2286000" algn="l" defTabSz="457200" rtl="0" eaLnBrk="1" latinLnBrk="0" hangingPunct="1">
+              <a:defRPr sz="1800" kern="1200">
+                <a:solidFill>
+                  <a:schemeClr val="tx1"/>
+                </a:solidFill>
+                <a:latin typeface="+mn-lt"/>
+                <a:ea typeface="+mn-ea"/>
+                <a:cs typeface="+mn-cs"/>
+              </a:defRPr>
+            </a:lvl6pPr>
+            <a:lvl7pPr marL="2743200" algn="l" defTabSz="457200" rtl="0" eaLnBrk="1" latinLnBrk="0" hangingPunct="1">
+              <a:defRPr sz="1800" kern="1200">
+                <a:solidFill>
+                  <a:schemeClr val="tx1"/>
+                </a:solidFill>
+                <a:latin typeface="+mn-lt"/>
+                <a:ea typeface="+mn-ea"/>
+                <a:cs typeface="+mn-cs"/>
+              </a:defRPr>
+            </a:lvl7pPr>
+            <a:lvl8pPr marL="3200400" algn="l" defTabSz="457200" rtl="0" eaLnBrk="1" latinLnBrk="0" hangingPunct="1">
+              <a:defRPr sz="1800" kern="1200">
+                <a:solidFill>
+                  <a:schemeClr val="tx1"/>
+                </a:solidFill>
+                <a:latin typeface="+mn-lt"/>
+                <a:ea typeface="+mn-ea"/>
+                <a:cs typeface="+mn-cs"/>
+              </a:defRPr>
+            </a:lvl8pPr>
+            <a:lvl9pPr marL="3657600" algn="l" defTabSz="457200" rtl="0" eaLnBrk="1" latinLnBrk="0" hangingPunct="1">
+              <a:defRPr sz="1800" kern="1200">
+                <a:solidFill>
+                  <a:schemeClr val="tx1"/>
+                </a:solidFill>
+                <a:latin typeface="+mn-lt"/>
+                <a:ea typeface="+mn-ea"/>
+                <a:cs typeface="+mn-cs"/>
+              </a:defRPr>
+            </a:lvl9pPr>
+          </a:lstStyle>
+          <a:p>
+            <a:r>
+              <a:rPr lang="de-DE" sz="1400" dirty="0"/>
+              <a:t>Veronika Taranek, Philipp </a:t>
+            </a:r>
+            <a:r>
+              <a:rPr lang="de-DE" sz="1400" dirty="0" err="1"/>
+              <a:t>Fenesan</a:t>
+            </a:r>
+            <a:r>
+              <a:rPr lang="de-DE" sz="1400" dirty="0"/>
+              <a:t>, Nicolas Geppert, Lukas Werner</a:t>
+            </a:r>
+            <a:endParaRPr lang="en-US" dirty="0"/>
+          </a:p>
+        </p:txBody>
+      </p:sp>
+    </p:spTree>
+    <p:extLst>
+      <p:ext uri="{BB962C8B-B14F-4D97-AF65-F5344CB8AC3E}">
+        <p14:creationId xmlns:p14="http://schemas.microsoft.com/office/powerpoint/2010/main" val="870046311"/>
       </p:ext>
     </p:extLst>
   </p:cSld>

--- a/presentation/wanderoo – Gruppe 3.pptx
+++ b/presentation/wanderoo – Gruppe 3.pptx
@@ -10299,99 +10299,63 @@
         </p:nvSpPr>
         <p:spPr/>
         <p:txBody>
-          <a:bodyPr/>
+          <a:bodyPr>
+            <a:normAutofit/>
+          </a:bodyPr>
           <a:lstStyle/>
           <a:p>
             <a:r>
-              <a:rPr lang="en-US" dirty="0" err="1"/>
+              <a:rPr lang="de-DE" dirty="0"/>
               <a:t>Problemstellung</a:t>
             </a:r>
-            <a:endParaRPr lang="en-US" dirty="0"/>
-          </a:p>
-          <a:p>
-            <a:r>
-              <a:rPr lang="en-US" dirty="0" err="1"/>
+          </a:p>
+          <a:p>
+            <a:r>
+              <a:rPr lang="de-DE" dirty="0"/>
               <a:t>Wanderführer</a:t>
             </a:r>
-            <a:endParaRPr lang="en-US" dirty="0"/>
-          </a:p>
-          <a:p>
-            <a:r>
-              <a:rPr lang="en-US" dirty="0" err="1"/>
+          </a:p>
+          <a:p>
+            <a:r>
+              <a:rPr lang="de-DE" dirty="0"/>
               <a:t>Hauenstein</a:t>
             </a:r>
-            <a:endParaRPr lang="en-US" dirty="0"/>
-          </a:p>
-          <a:p>
-            <a:r>
-              <a:rPr lang="en-US" dirty="0" err="1"/>
-              <a:t>Wozu</a:t>
-            </a:r>
-            <a:r>
-              <a:rPr lang="en-US" dirty="0"/>
-              <a:t> </a:t>
-            </a:r>
-            <a:r>
-              <a:rPr lang="en-US" dirty="0" err="1"/>
-              <a:t>eine</a:t>
-            </a:r>
-            <a:r>
-              <a:rPr lang="en-US" dirty="0"/>
-              <a:t> </a:t>
-            </a:r>
-            <a:r>
-              <a:rPr lang="en-US" dirty="0" err="1"/>
-              <a:t>Wanderführer</a:t>
-            </a:r>
-            <a:r>
-              <a:rPr lang="en-US" dirty="0"/>
-              <a:t>-App?</a:t>
-            </a:r>
-          </a:p>
-          <a:p>
-            <a:r>
-              <a:rPr lang="en-US" dirty="0" err="1"/>
+          </a:p>
+          <a:p>
+            <a:r>
+              <a:rPr lang="de-DE" dirty="0"/>
+              <a:t>Wozu eine Wanderführer-App?</a:t>
+            </a:r>
+          </a:p>
+          <a:p>
+            <a:r>
+              <a:rPr lang="de-DE" dirty="0"/>
               <a:t>Prototyp</a:t>
             </a:r>
-            <a:endParaRPr lang="en-US" dirty="0"/>
-          </a:p>
-          <a:p>
-            <a:r>
-              <a:rPr lang="en-US" dirty="0"/>
-              <a:t>Was </a:t>
-            </a:r>
-            <a:r>
-              <a:rPr lang="en-US" dirty="0" err="1"/>
-              <a:t>wurde</a:t>
-            </a:r>
-            <a:r>
-              <a:rPr lang="en-US" dirty="0"/>
-              <a:t> </a:t>
-            </a:r>
-            <a:r>
-              <a:rPr lang="en-US" dirty="0" err="1"/>
-              <a:t>implementiert</a:t>
-            </a:r>
-            <a:endParaRPr lang="en-US" dirty="0"/>
-          </a:p>
-          <a:p>
-            <a:r>
-              <a:rPr lang="en-US" dirty="0"/>
+          </a:p>
+          <a:p>
+            <a:r>
+              <a:rPr lang="de-DE" dirty="0"/>
+              <a:t>Was wurde implementiert?</a:t>
+            </a:r>
+          </a:p>
+          <a:p>
+            <a:r>
+              <a:rPr lang="de-DE" dirty="0"/>
+              <a:t>Aufbau der App</a:t>
+            </a:r>
+          </a:p>
+          <a:p>
+            <a:r>
+              <a:rPr lang="de-DE" dirty="0"/>
+              <a:t>Datenbankeinbindung</a:t>
+            </a:r>
+          </a:p>
+          <a:p>
+            <a:r>
+              <a:rPr lang="de-DE" dirty="0"/>
               <a:t>App-Demo</a:t>
             </a:r>
-          </a:p>
-          <a:p>
-            <a:r>
-              <a:rPr lang="en-US" dirty="0"/>
-              <a:t>Aufbau der App</a:t>
-            </a:r>
-          </a:p>
-          <a:p>
-            <a:r>
-              <a:rPr lang="en-US" dirty="0" err="1"/>
-              <a:t>Datenbankeinbindung</a:t>
-            </a:r>
-            <a:endParaRPr lang="en-US" dirty="0"/>
           </a:p>
         </p:txBody>
       </p:sp>

--- a/presentation/wanderoo – Gruppe 3.pptx
+++ b/presentation/wanderoo – Gruppe 3.pptx
@@ -5,7 +5,7 @@
     <p:sldMasterId id="2147483660" r:id="rId1"/>
   </p:sldMasterIdLst>
   <p:notesMasterIdLst>
-    <p:notesMasterId r:id="rId19"/>
+    <p:notesMasterId r:id="rId24"/>
   </p:notesMasterIdLst>
   <p:sldIdLst>
     <p:sldId id="256" r:id="rId2"/>
@@ -22,9 +22,14 @@
     <p:sldId id="265" r:id="rId13"/>
     <p:sldId id="263" r:id="rId14"/>
     <p:sldId id="269" r:id="rId15"/>
-    <p:sldId id="270" r:id="rId16"/>
-    <p:sldId id="271" r:id="rId17"/>
-    <p:sldId id="264" r:id="rId18"/>
+    <p:sldId id="277" r:id="rId16"/>
+    <p:sldId id="275" r:id="rId17"/>
+    <p:sldId id="270" r:id="rId18"/>
+    <p:sldId id="271" r:id="rId19"/>
+    <p:sldId id="276" r:id="rId20"/>
+    <p:sldId id="278" r:id="rId21"/>
+    <p:sldId id="279" r:id="rId22"/>
+    <p:sldId id="280" r:id="rId23"/>
   </p:sldIdLst>
   <p:sldSz cx="12192000" cy="6858000"/>
   <p:notesSz cx="6858000" cy="9144000"/>
@@ -371,7 +376,7 @@
           <a:p>
             <a:fld id="{E9848302-4D0B-44CA-8F00-816E91755838}" type="slidenum">
               <a:rPr lang="en-US" smtClean="0"/>
-              <a:t>‹Nr.›</a:t>
+              <a:t>‹#›</a:t>
             </a:fld>
             <a:endParaRPr lang="en-US"/>
           </a:p>
@@ -1574,7 +1579,7 @@
           <a:p>
             <a:fld id="{55605263-C902-48DB-AA98-994A2984047F}" type="slidenum">
               <a:rPr lang="en-US" smtClean="0"/>
-              <a:t>‹Nr.›</a:t>
+              <a:t>‹#›</a:t>
             </a:fld>
             <a:endParaRPr lang="en-US"/>
           </a:p>
@@ -1837,7 +1842,7 @@
           <a:p>
             <a:fld id="{55605263-C902-48DB-AA98-994A2984047F}" type="slidenum">
               <a:rPr lang="en-US" smtClean="0"/>
-              <a:t>‹Nr.›</a:t>
+              <a:t>‹#›</a:t>
             </a:fld>
             <a:endParaRPr lang="en-US"/>
           </a:p>
@@ -2088,7 +2093,7 @@
           <a:p>
             <a:fld id="{55605263-C902-48DB-AA98-994A2984047F}" type="slidenum">
               <a:rPr lang="en-US" smtClean="0"/>
-              <a:t>‹Nr.›</a:t>
+              <a:t>‹#›</a:t>
             </a:fld>
             <a:endParaRPr lang="en-US"/>
           </a:p>
@@ -2402,7 +2407,7 @@
           <a:p>
             <a:fld id="{55605263-C902-48DB-AA98-994A2984047F}" type="slidenum">
               <a:rPr lang="en-US" smtClean="0"/>
-              <a:t>‹Nr.›</a:t>
+              <a:t>‹#›</a:t>
             </a:fld>
             <a:endParaRPr lang="en-US"/>
           </a:p>
@@ -2743,7 +2748,7 @@
           <a:p>
             <a:fld id="{55605263-C902-48DB-AA98-994A2984047F}" type="slidenum">
               <a:rPr lang="en-US" smtClean="0"/>
-              <a:t>‹Nr.›</a:t>
+              <a:t>‹#›</a:t>
             </a:fld>
             <a:endParaRPr lang="en-US"/>
           </a:p>
@@ -3057,7 +3062,7 @@
           <a:p>
             <a:fld id="{55605263-C902-48DB-AA98-994A2984047F}" type="slidenum">
               <a:rPr lang="en-US" smtClean="0"/>
-              <a:t>‹Nr.›</a:t>
+              <a:t>‹#›</a:t>
             </a:fld>
             <a:endParaRPr lang="en-US"/>
           </a:p>
@@ -3450,7 +3455,7 @@
           <a:p>
             <a:fld id="{55605263-C902-48DB-AA98-994A2984047F}" type="slidenum">
               <a:rPr lang="en-US" smtClean="0"/>
-              <a:t>‹Nr.›</a:t>
+              <a:t>‹#›</a:t>
             </a:fld>
             <a:endParaRPr lang="en-US"/>
           </a:p>
@@ -3620,7 +3625,7 @@
           <a:p>
             <a:fld id="{55605263-C902-48DB-AA98-994A2984047F}" type="slidenum">
               <a:rPr lang="en-US" smtClean="0"/>
-              <a:t>‹Nr.›</a:t>
+              <a:t>‹#›</a:t>
             </a:fld>
             <a:endParaRPr lang="en-US"/>
           </a:p>
@@ -3800,7 +3805,7 @@
           <a:p>
             <a:fld id="{55605263-C902-48DB-AA98-994A2984047F}" type="slidenum">
               <a:rPr lang="en-US" smtClean="0"/>
-              <a:t>‹Nr.›</a:t>
+              <a:t>‹#›</a:t>
             </a:fld>
             <a:endParaRPr lang="en-US"/>
           </a:p>
@@ -3976,7 +3981,7 @@
           <a:p>
             <a:fld id="{55605263-C902-48DB-AA98-994A2984047F}" type="slidenum">
               <a:rPr lang="en-US" smtClean="0"/>
-              <a:t>‹Nr.›</a:t>
+              <a:t>‹#›</a:t>
             </a:fld>
             <a:endParaRPr lang="en-US"/>
           </a:p>
@@ -4117,7 +4122,7 @@
           <a:p>
             <a:fld id="{55605263-C902-48DB-AA98-994A2984047F}" type="slidenum">
               <a:rPr lang="en-US" smtClean="0"/>
-              <a:t>‹Nr.›</a:t>
+              <a:t>‹#›</a:t>
             </a:fld>
             <a:endParaRPr lang="en-US"/>
           </a:p>
@@ -4447,7 +4452,7 @@
           <a:p>
             <a:fld id="{55605263-C902-48DB-AA98-994A2984047F}" type="slidenum">
               <a:rPr lang="en-US" smtClean="0"/>
-              <a:t>‹Nr.›</a:t>
+              <a:t>‹#›</a:t>
             </a:fld>
             <a:endParaRPr lang="en-US"/>
           </a:p>
@@ -4679,7 +4684,7 @@
           <a:p>
             <a:fld id="{55605263-C902-48DB-AA98-994A2984047F}" type="slidenum">
               <a:rPr lang="en-US" smtClean="0"/>
-              <a:t>‹Nr.›</a:t>
+              <a:t>‹#›</a:t>
             </a:fld>
             <a:endParaRPr lang="en-US"/>
           </a:p>
@@ -5053,7 +5058,7 @@
           <a:p>
             <a:fld id="{55605263-C902-48DB-AA98-994A2984047F}" type="slidenum">
               <a:rPr lang="en-US" smtClean="0"/>
-              <a:t>‹Nr.›</a:t>
+              <a:t>‹#›</a:t>
             </a:fld>
             <a:endParaRPr lang="en-US"/>
           </a:p>
@@ -5176,7 +5181,7 @@
           <a:p>
             <a:fld id="{55605263-C902-48DB-AA98-994A2984047F}" type="slidenum">
               <a:rPr lang="en-US" smtClean="0"/>
-              <a:t>‹Nr.›</a:t>
+              <a:t>‹#›</a:t>
             </a:fld>
             <a:endParaRPr lang="en-US"/>
           </a:p>
@@ -5271,7 +5276,7 @@
           <a:p>
             <a:fld id="{55605263-C902-48DB-AA98-994A2984047F}" type="slidenum">
               <a:rPr lang="en-US" smtClean="0"/>
-              <a:t>‹Nr.›</a:t>
+              <a:t>‹#›</a:t>
             </a:fld>
             <a:endParaRPr lang="en-US"/>
           </a:p>
@@ -5526,7 +5531,7 @@
           <a:p>
             <a:fld id="{55605263-C902-48DB-AA98-994A2984047F}" type="slidenum">
               <a:rPr lang="en-US" smtClean="0"/>
-              <a:t>‹Nr.›</a:t>
+              <a:t>‹#›</a:t>
             </a:fld>
             <a:endParaRPr lang="en-US"/>
           </a:p>
@@ -6303,7 +6308,7 @@
           <a:p>
             <a:fld id="{55605263-C902-48DB-AA98-994A2984047F}" type="slidenum">
               <a:rPr lang="en-US" smtClean="0"/>
-              <a:t>‹Nr.›</a:t>
+              <a:t>‹#›</a:t>
             </a:fld>
             <a:endParaRPr lang="en-US"/>
           </a:p>
@@ -7495,14 +7500,13 @@
         </p:nvPicPr>
         <p:blipFill>
           <a:blip r:embed="rId2"/>
-          <a:stretch>
-            <a:fillRect/>
-          </a:stretch>
+          <a:srcRect/>
+          <a:stretch/>
         </p:blipFill>
         <p:spPr>
           <a:xfrm>
-            <a:off x="799814" y="1284068"/>
-            <a:ext cx="5062993" cy="4278228"/>
+            <a:off x="800895" y="1284068"/>
+            <a:ext cx="5060830" cy="4278228"/>
           </a:xfrm>
           <a:prstGeom prst="rect">
             <a:avLst/>
@@ -8369,69 +8373,6 @@
             </a:r>
           </a:p>
           <a:p>
-            <a:pPr marL="0" indent="0">
-              <a:buNone/>
-            </a:pPr>
-            <a:r>
-              <a:rPr lang="de-DE" b="1" dirty="0"/>
-              <a:t>Ereignisfluss</a:t>
-            </a:r>
-          </a:p>
-          <a:p>
-            <a:pPr marL="457200" lvl="1" indent="0">
-              <a:buNone/>
-            </a:pPr>
-            <a:r>
-              <a:rPr lang="de-DE" dirty="0"/>
-              <a:t>Im Login-Screen muss auf Registrieren gedrückt werden</a:t>
-            </a:r>
-          </a:p>
-          <a:p>
-            <a:pPr marL="457200" lvl="1" indent="0">
-              <a:buNone/>
-            </a:pPr>
-            <a:r>
-              <a:rPr lang="de-DE" dirty="0"/>
-              <a:t>Reale Benutzerdaten müssen eingegeben werden</a:t>
-            </a:r>
-          </a:p>
-          <a:p>
-            <a:pPr marL="457200" lvl="1" indent="0">
-              <a:buNone/>
-            </a:pPr>
-            <a:r>
-              <a:rPr lang="de-DE" dirty="0"/>
-              <a:t>Der Registrieren-Knopf muss gedrückt werden</a:t>
-            </a:r>
-          </a:p>
-          <a:p>
-            <a:pPr marL="57150" indent="0">
-              <a:buNone/>
-            </a:pPr>
-            <a:r>
-              <a:rPr lang="de-DE" b="1" dirty="0"/>
-              <a:t>Nachbedingung</a:t>
-            </a:r>
-          </a:p>
-          <a:p>
-            <a:pPr marL="457200" lvl="1" indent="0">
-              <a:buNone/>
-            </a:pPr>
-            <a:r>
-              <a:rPr lang="de-DE" dirty="0"/>
-              <a:t>Erfolgreich: Registrierung abgeschlossen, Menü-Screen wird angezeigt</a:t>
-            </a:r>
-          </a:p>
-          <a:p>
-            <a:pPr marL="457200" lvl="1" indent="0">
-              <a:buNone/>
-            </a:pPr>
-            <a:r>
-              <a:rPr lang="de-DE" dirty="0"/>
-              <a:t>Fehler: Registrierung fehlgeschlagen</a:t>
-            </a:r>
-          </a:p>
-          <a:p>
             <a:pPr marL="457200" lvl="1" indent="0">
               <a:buNone/>
             </a:pPr>
@@ -8768,11 +8709,11 @@
           <a:p>
             <a:r>
               <a:rPr lang="en-US" dirty="0"/>
-              <a:t>Use Case: Mein </a:t>
+              <a:t>Use Case: </a:t>
             </a:r>
             <a:r>
               <a:rPr lang="en-US" dirty="0" err="1"/>
-              <a:t>Profil</a:t>
+              <a:t>Registrierung</a:t>
             </a:r>
             <a:endParaRPr lang="en-US" dirty="0"/>
           </a:p>
@@ -8796,13 +8737,13 @@
         </p:nvSpPr>
         <p:spPr>
           <a:xfrm>
-            <a:off x="677334" y="1352551"/>
-            <a:ext cx="8596668" cy="5505450"/>
+            <a:off x="677334" y="1352550"/>
+            <a:ext cx="8596668" cy="5400675"/>
           </a:xfrm>
         </p:spPr>
         <p:txBody>
           <a:bodyPr>
-            <a:normAutofit fontScale="70000" lnSpcReduction="20000"/>
+            <a:normAutofit/>
           </a:bodyPr>
           <a:lstStyle/>
           <a:p>
@@ -8810,8 +8751,8 @@
               <a:buNone/>
             </a:pPr>
             <a:r>
-              <a:rPr lang="de-DE" sz="2100" b="1" dirty="0"/>
-              <a:t>Beschreibung</a:t>
+              <a:rPr lang="de-DE" b="1" dirty="0"/>
+              <a:t>Ereignisfluss</a:t>
             </a:r>
           </a:p>
           <a:p>
@@ -8819,25 +8760,17 @@
               <a:buNone/>
             </a:pPr>
             <a:r>
-              <a:rPr lang="de-DE" sz="1800" dirty="0"/>
-              <a:t>Dieser </a:t>
-            </a:r>
-            <a:r>
-              <a:rPr lang="de-DE" sz="1800" dirty="0" err="1"/>
-              <a:t>Use</a:t>
-            </a:r>
-            <a:r>
-              <a:rPr lang="de-DE" sz="1800" dirty="0"/>
-              <a:t> Case beschreibt wie der Benutzer seine Einstellungen über Mein Profil individualisieren kann</a:t>
-            </a:r>
-          </a:p>
-          <a:p>
-            <a:pPr marL="0" indent="0">
+              <a:rPr lang="de-DE" dirty="0"/>
+              <a:t>Im Login-Screen muss auf Registrieren gedrückt werden</a:t>
+            </a:r>
+          </a:p>
+          <a:p>
+            <a:pPr marL="457200" lvl="1" indent="0">
               <a:buNone/>
             </a:pPr>
             <a:r>
-              <a:rPr lang="de-DE" sz="2100" b="1" dirty="0"/>
-              <a:t>Beteiligte</a:t>
+              <a:rPr lang="de-DE" dirty="0"/>
+              <a:t>Reale Benutzerdaten müssen eingegeben werden</a:t>
             </a:r>
           </a:p>
           <a:p>
@@ -8845,17 +8778,17 @@
               <a:buNone/>
             </a:pPr>
             <a:r>
-              <a:rPr lang="de-DE" sz="1800" dirty="0"/>
-              <a:t>Benutzer</a:t>
-            </a:r>
-          </a:p>
-          <a:p>
-            <a:pPr marL="0" indent="0">
+              <a:rPr lang="de-DE" dirty="0"/>
+              <a:t>Der Registrieren-Knopf muss gedrückt werden</a:t>
+            </a:r>
+          </a:p>
+          <a:p>
+            <a:pPr marL="57150" indent="0">
               <a:buNone/>
             </a:pPr>
             <a:r>
-              <a:rPr lang="de-DE" sz="2100" b="1" dirty="0"/>
-              <a:t>Voraussetzungen</a:t>
+              <a:rPr lang="de-DE" b="1" dirty="0"/>
+              <a:t>Nachbedingung</a:t>
             </a:r>
           </a:p>
           <a:p>
@@ -8863,8 +8796,8 @@
               <a:buNone/>
             </a:pPr>
             <a:r>
-              <a:rPr lang="de-DE" sz="1800" dirty="0"/>
-              <a:t>Datenbankverbindung muss vorhanden sein</a:t>
+              <a:rPr lang="de-DE" dirty="0"/>
+              <a:t>Erfolgreich: Registrierung abgeschlossen, Menü-Screen wird angezeigt</a:t>
             </a:r>
           </a:p>
           <a:p>
@@ -8872,107 +8805,8 @@
               <a:buNone/>
             </a:pPr>
             <a:r>
-              <a:rPr lang="de-DE" sz="1800" dirty="0"/>
-              <a:t>Der Benutzer muss erfolgreich eingeloggt sein</a:t>
-            </a:r>
-          </a:p>
-          <a:p>
-            <a:pPr marL="0" indent="0">
-              <a:buNone/>
-            </a:pPr>
-            <a:r>
-              <a:rPr lang="de-DE" sz="2100" b="1" dirty="0"/>
-              <a:t>Ereignisfluss</a:t>
-            </a:r>
-          </a:p>
-          <a:p>
-            <a:pPr marL="457200" lvl="1" indent="0">
-              <a:buNone/>
-            </a:pPr>
-            <a:r>
-              <a:rPr lang="de-DE" sz="1800" dirty="0"/>
-              <a:t>Im Menu Screen muss auf Mein Profil gedrückt werden</a:t>
-            </a:r>
-          </a:p>
-          <a:p>
-            <a:pPr marL="457200" lvl="1" indent="0">
-              <a:buNone/>
-            </a:pPr>
-            <a:r>
-              <a:rPr lang="de-DE" sz="1800" dirty="0"/>
-              <a:t>Der Profil Bearbeiten-Button muss gedrückt werden</a:t>
-            </a:r>
-          </a:p>
-          <a:p>
-            <a:pPr marL="457200" lvl="1" indent="0">
-              <a:buNone/>
-            </a:pPr>
-            <a:r>
-              <a:rPr lang="de-DE" sz="1800" dirty="0"/>
-              <a:t>Der Benutzername und die E-Mail-Adresse kann über die Texteingabe geändert werden</a:t>
-            </a:r>
-          </a:p>
-          <a:p>
-            <a:pPr marL="457200" lvl="1" indent="0">
-              <a:buNone/>
-            </a:pPr>
-            <a:r>
-              <a:rPr lang="de-DE" sz="1800" dirty="0"/>
-              <a:t>Das Level kann über die Combobox verändert werden</a:t>
-            </a:r>
-          </a:p>
-          <a:p>
-            <a:pPr marL="457200" lvl="1" indent="0">
-              <a:buNone/>
-            </a:pPr>
-            <a:r>
-              <a:rPr lang="de-DE" sz="1800" dirty="0"/>
-              <a:t>Über den Neues Profilbild-Button kann ein neues Profilbild angelegt werden</a:t>
-            </a:r>
-          </a:p>
-          <a:p>
-            <a:pPr marL="457200" lvl="1" indent="0">
-              <a:buNone/>
-            </a:pPr>
-            <a:r>
-              <a:rPr lang="de-DE" sz="1800" dirty="0"/>
-              <a:t>Über den Passwort ändern-Button kann das Passwort geändert werden</a:t>
-            </a:r>
-          </a:p>
-          <a:p>
-            <a:pPr marL="457200" lvl="1" indent="0">
-              <a:buNone/>
-            </a:pPr>
-            <a:r>
-              <a:rPr lang="de-DE" sz="1800" dirty="0"/>
-              <a:t>Die Änderungen werden nur gespeichert, wenn nach der Eingabe der Speichern-Button betätigt wird</a:t>
-            </a:r>
-          </a:p>
-          <a:p>
-            <a:pPr marL="57150" indent="0">
-              <a:buNone/>
-            </a:pPr>
-            <a:r>
-              <a:rPr lang="de-DE" sz="2100" b="1" dirty="0"/>
-              <a:t>Nachbedingung</a:t>
-            </a:r>
-          </a:p>
-          <a:p>
-            <a:pPr marL="457200" lvl="1" indent="0">
-              <a:buNone/>
-            </a:pPr>
-            <a:r>
-              <a:rPr lang="de-DE" sz="1800" dirty="0"/>
-              <a:t>Erfolgreich: Die Änderungen werden im Mein Profil-Screen angezeigt</a:t>
-            </a:r>
-          </a:p>
-          <a:p>
-            <a:pPr marL="457200" lvl="1" indent="0">
-              <a:buNone/>
-            </a:pPr>
-            <a:r>
-              <a:rPr lang="de-DE" sz="1800" dirty="0"/>
-              <a:t>Fehler: Die Änderungen konnten nicht übernommen werden und es werden veraltete Daten im Mein Profil-Screen angezeigt</a:t>
+              <a:rPr lang="de-DE" dirty="0"/>
+              <a:t>Fehler: Registrierung fehlgeschlagen</a:t>
             </a:r>
           </a:p>
           <a:p>
@@ -9257,7 +9091,7 @@
     </p:spTree>
     <p:extLst>
       <p:ext uri="{BB962C8B-B14F-4D97-AF65-F5344CB8AC3E}">
-        <p14:creationId xmlns:p14="http://schemas.microsoft.com/office/powerpoint/2010/main" val="4289056068"/>
+        <p14:creationId xmlns:p14="http://schemas.microsoft.com/office/powerpoint/2010/main" val="4250805025"/>
       </p:ext>
     </p:extLst>
   </p:cSld>
@@ -9312,11 +9146,11 @@
           <a:p>
             <a:r>
               <a:rPr lang="en-US" dirty="0"/>
-              <a:t>Use Case: </a:t>
+              <a:t>Use Case: Mein </a:t>
             </a:r>
             <a:r>
               <a:rPr lang="en-US" dirty="0" err="1"/>
-              <a:t>Karte</a:t>
+              <a:t>Profil</a:t>
             </a:r>
             <a:endParaRPr lang="en-US" dirty="0"/>
           </a:p>
@@ -9340,13 +9174,13 @@
         </p:nvSpPr>
         <p:spPr>
           <a:xfrm>
-            <a:off x="677334" y="1352550"/>
-            <a:ext cx="8596668" cy="5400675"/>
+            <a:off x="677334" y="1352551"/>
+            <a:ext cx="8596668" cy="5505450"/>
           </a:xfrm>
         </p:spPr>
         <p:txBody>
           <a:bodyPr>
-            <a:normAutofit lnSpcReduction="10000"/>
+            <a:normAutofit/>
           </a:bodyPr>
           <a:lstStyle/>
           <a:p>
@@ -9354,7 +9188,7 @@
               <a:buNone/>
             </a:pPr>
             <a:r>
-              <a:rPr lang="de-DE" b="1" dirty="0"/>
+              <a:rPr lang="de-DE" sz="2100" b="1" dirty="0"/>
               <a:t>Beschreibung</a:t>
             </a:r>
           </a:p>
@@ -9363,16 +9197,16 @@
               <a:buNone/>
             </a:pPr>
             <a:r>
-              <a:rPr lang="de-DE" dirty="0"/>
+              <a:rPr lang="de-DE" sz="1800" dirty="0"/>
               <a:t>Dieser </a:t>
             </a:r>
             <a:r>
-              <a:rPr lang="de-DE" dirty="0" err="1"/>
+              <a:rPr lang="de-DE" sz="1800" dirty="0" err="1"/>
               <a:t>Use</a:t>
             </a:r>
             <a:r>
-              <a:rPr lang="de-DE" dirty="0"/>
-              <a:t> Case beschreibt wie der Benutzer seine Wanderroute konfigurieren kann</a:t>
+              <a:rPr lang="de-DE" sz="1800" dirty="0"/>
+              <a:t> Case beschreibt wie der Benutzer seine Einstellungen über Mein Profil individualisieren kann</a:t>
             </a:r>
           </a:p>
           <a:p>
@@ -9380,7 +9214,7 @@
               <a:buNone/>
             </a:pPr>
             <a:r>
-              <a:rPr lang="de-DE" b="1" dirty="0"/>
+              <a:rPr lang="de-DE" sz="2100" b="1" dirty="0"/>
               <a:t>Beteiligte</a:t>
             </a:r>
           </a:p>
@@ -9389,7 +9223,7 @@
               <a:buNone/>
             </a:pPr>
             <a:r>
-              <a:rPr lang="de-DE" dirty="0"/>
+              <a:rPr lang="de-DE" sz="1800" dirty="0"/>
               <a:t>Benutzer</a:t>
             </a:r>
           </a:p>
@@ -9398,7 +9232,7 @@
               <a:buNone/>
             </a:pPr>
             <a:r>
-              <a:rPr lang="de-DE" b="1" dirty="0"/>
+              <a:rPr lang="de-DE" sz="2100" b="1" dirty="0"/>
               <a:t>Voraussetzungen</a:t>
             </a:r>
           </a:p>
@@ -9407,7 +9241,7 @@
               <a:buNone/>
             </a:pPr>
             <a:r>
-              <a:rPr lang="de-DE" dirty="0"/>
+              <a:rPr lang="de-DE" sz="1800" dirty="0"/>
               <a:t>Datenbankverbindung muss vorhanden sein</a:t>
             </a:r>
           </a:p>
@@ -9416,71 +9250,8 @@
               <a:buNone/>
             </a:pPr>
             <a:r>
-              <a:rPr lang="de-DE" dirty="0"/>
+              <a:rPr lang="de-DE" sz="1800" dirty="0"/>
               <a:t>Der Benutzer muss erfolgreich eingeloggt sein</a:t>
-            </a:r>
-          </a:p>
-          <a:p>
-            <a:pPr marL="0" indent="0">
-              <a:buNone/>
-            </a:pPr>
-            <a:r>
-              <a:rPr lang="de-DE" b="1" dirty="0"/>
-              <a:t>Ereignisfluss</a:t>
-            </a:r>
-          </a:p>
-          <a:p>
-            <a:pPr marL="457200" lvl="1" indent="0">
-              <a:buNone/>
-            </a:pPr>
-            <a:r>
-              <a:rPr lang="de-DE" dirty="0"/>
-              <a:t>Im Menü-Screen muss auf den Karte-Button gedrückt werden</a:t>
-            </a:r>
-          </a:p>
-          <a:p>
-            <a:pPr marL="457200" lvl="1" indent="0">
-              <a:buNone/>
-            </a:pPr>
-            <a:r>
-              <a:rPr lang="de-DE" dirty="0"/>
-              <a:t>Der Benutzer kann über die Textfelder die Routenlänge und den gewünschten Höhenunterschied für seine Wanderroute angeben</a:t>
-            </a:r>
-          </a:p>
-          <a:p>
-            <a:pPr marL="457200" lvl="1" indent="0">
-              <a:buNone/>
-            </a:pPr>
-            <a:r>
-              <a:rPr lang="de-DE" dirty="0"/>
-              <a:t>Um die Änderungen zu speichern, muss der Bestätigen-Button betätigt werden</a:t>
-            </a:r>
-          </a:p>
-          <a:p>
-            <a:pPr marL="57150" indent="0">
-              <a:buNone/>
-            </a:pPr>
-            <a:r>
-              <a:rPr lang="de-DE" b="1" dirty="0"/>
-              <a:t>Nachbedingung</a:t>
-            </a:r>
-          </a:p>
-          <a:p>
-            <a:pPr marL="457200" lvl="1" indent="0">
-              <a:buNone/>
-            </a:pPr>
-            <a:r>
-              <a:rPr lang="de-DE" dirty="0"/>
-              <a:t>Erfolgreich: Wanderroutenlänge und Höhenunterschied wird gespeichert</a:t>
-            </a:r>
-          </a:p>
-          <a:p>
-            <a:pPr marL="457200" lvl="1" indent="0">
-              <a:buNone/>
-            </a:pPr>
-            <a:r>
-              <a:rPr lang="de-DE" dirty="0"/>
-              <a:t>Fehler: Wanderroutenlänge und Höhenunterschied kann nicht gespeichert werden</a:t>
             </a:r>
           </a:p>
           <a:p>
@@ -9765,7 +9536,7 @@
     </p:spTree>
     <p:extLst>
       <p:ext uri="{BB962C8B-B14F-4D97-AF65-F5344CB8AC3E}">
-        <p14:creationId xmlns:p14="http://schemas.microsoft.com/office/powerpoint/2010/main" val="1940434735"/>
+        <p14:creationId xmlns:p14="http://schemas.microsoft.com/office/powerpoint/2010/main" val="3208265644"/>
       </p:ext>
     </p:extLst>
   </p:cSld>
@@ -9797,7 +9568,7 @@
           <p:cNvPr id="2" name="Title 1">
             <a:extLst>
               <a:ext uri="{FF2B5EF4-FFF2-40B4-BE49-F238E27FC236}">
-                <a16:creationId xmlns:a16="http://schemas.microsoft.com/office/drawing/2014/main" id="{A533C930-62BB-49CD-A689-73D96C0BFBBB}"/>
+                <a16:creationId xmlns:a16="http://schemas.microsoft.com/office/drawing/2014/main" id="{DD89B45D-81B8-4037-8647-E08DB7556E63}"/>
               </a:ext>
             </a:extLst>
           </p:cNvPr>
@@ -9808,147 +9579,168 @@
             <p:ph type="title"/>
           </p:nvPr>
         </p:nvSpPr>
-        <p:spPr/>
+        <p:spPr>
+          <a:xfrm>
+            <a:off x="677334" y="609598"/>
+            <a:ext cx="8596668" cy="1181101"/>
+          </a:xfrm>
+        </p:spPr>
         <p:txBody>
           <a:bodyPr/>
           <a:lstStyle/>
           <a:p>
             <a:r>
               <a:rPr lang="en-US" dirty="0"/>
-              <a:t>Aufbau</a:t>
-            </a:r>
-          </a:p>
-        </p:txBody>
-      </p:sp>
-      <p:sp>
-        <p:nvSpPr>
-          <p:cNvPr id="5" name="TextBox 4">
+              <a:t>Use Case: Mein </a:t>
+            </a:r>
+            <a:r>
+              <a:rPr lang="en-US" dirty="0" err="1"/>
+              <a:t>Profil</a:t>
+            </a:r>
+            <a:endParaRPr lang="en-US" dirty="0"/>
+          </a:p>
+        </p:txBody>
+      </p:sp>
+      <p:sp>
+        <p:nvSpPr>
+          <p:cNvPr id="3" name="Content Placeholder 2">
             <a:extLst>
               <a:ext uri="{FF2B5EF4-FFF2-40B4-BE49-F238E27FC236}">
-                <a16:creationId xmlns:a16="http://schemas.microsoft.com/office/drawing/2014/main" id="{7FDF7188-C07D-448D-A4A7-2BC551B56E6A}"/>
+                <a16:creationId xmlns:a16="http://schemas.microsoft.com/office/drawing/2014/main" id="{591DF666-F25C-416A-9D7B-D66F364C5048}"/>
               </a:ext>
             </a:extLst>
           </p:cNvPr>
-          <p:cNvSpPr txBox="1"/>
-          <p:nvPr/>
+          <p:cNvSpPr>
+            <a:spLocks noGrp="1"/>
+          </p:cNvSpPr>
+          <p:nvPr>
+            <p:ph idx="1"/>
+          </p:nvPr>
         </p:nvSpPr>
         <p:spPr>
           <a:xfrm>
-            <a:off x="677334" y="1662618"/>
-            <a:ext cx="7928774" cy="646331"/>
+            <a:off x="677334" y="1352551"/>
+            <a:ext cx="8596668" cy="5505450"/>
           </a:xfrm>
-          <a:prstGeom prst="rect">
-            <a:avLst/>
-          </a:prstGeom>
-          <a:noFill/>
         </p:spPr>
         <p:txBody>
-          <a:bodyPr wrap="none" rtlCol="0">
-            <a:spAutoFit/>
+          <a:bodyPr>
+            <a:normAutofit/>
           </a:bodyPr>
           <a:lstStyle/>
           <a:p>
-            <a:r>
-              <a:rPr lang="en-US" dirty="0" err="1"/>
-              <a:t>Auffällig</a:t>
-            </a:r>
-            <a:r>
-              <a:rPr lang="en-US" dirty="0"/>
-              <a:t> </a:t>
-            </a:r>
-            <a:r>
-              <a:rPr lang="en-US" dirty="0" err="1"/>
-              <a:t>ist</a:t>
-            </a:r>
-            <a:r>
-              <a:rPr lang="en-US" dirty="0"/>
-              <a:t>, </a:t>
-            </a:r>
-            <a:r>
-              <a:rPr lang="en-US" dirty="0" err="1"/>
-              <a:t>dass</a:t>
-            </a:r>
-            <a:r>
-              <a:rPr lang="en-US" dirty="0"/>
-              <a:t> die </a:t>
-            </a:r>
-            <a:r>
-              <a:rPr lang="en-US" dirty="0" err="1"/>
-              <a:t>Funktionen</a:t>
-            </a:r>
-            <a:r>
-              <a:rPr lang="en-US" dirty="0"/>
-              <a:t> von den Design-Klassen </a:t>
-            </a:r>
-            <a:r>
-              <a:rPr lang="en-US" dirty="0" err="1"/>
-              <a:t>getrennt</a:t>
-            </a:r>
-            <a:r>
-              <a:rPr lang="en-US" dirty="0"/>
-              <a:t> </a:t>
-            </a:r>
-            <a:r>
-              <a:rPr lang="en-US" dirty="0" err="1"/>
-              <a:t>wurden</a:t>
-            </a:r>
-            <a:r>
-              <a:rPr lang="en-US" dirty="0"/>
-              <a:t>.</a:t>
-            </a:r>
-            <a:br>
-              <a:rPr lang="en-US" dirty="0"/>
-            </a:br>
-            <a:r>
-              <a:rPr lang="en-US" dirty="0"/>
-              <a:t>Die </a:t>
-            </a:r>
-            <a:r>
-              <a:rPr lang="en-US" dirty="0" err="1"/>
-              <a:t>Logik</a:t>
-            </a:r>
-            <a:r>
-              <a:rPr lang="en-US" dirty="0"/>
-              <a:t> </a:t>
-            </a:r>
-            <a:r>
-              <a:rPr lang="en-US" dirty="0" err="1"/>
-              <a:t>wird</a:t>
-            </a:r>
-            <a:r>
-              <a:rPr lang="en-US" dirty="0"/>
-              <a:t> in extra Klassen </a:t>
-            </a:r>
-            <a:r>
-              <a:rPr lang="en-US" dirty="0" err="1"/>
-              <a:t>implementiert</a:t>
-            </a:r>
-            <a:r>
-              <a:rPr lang="en-US" dirty="0"/>
-              <a:t>, die </a:t>
-            </a:r>
-            <a:r>
-              <a:rPr lang="en-US" dirty="0" err="1"/>
-              <a:t>getrennt</a:t>
-            </a:r>
-            <a:r>
-              <a:rPr lang="en-US" dirty="0"/>
-              <a:t> von der UI </a:t>
-            </a:r>
-            <a:r>
-              <a:rPr lang="en-US" dirty="0" err="1"/>
-              <a:t>sind</a:t>
-            </a:r>
-            <a:endParaRPr lang="en-US" dirty="0"/>
-          </a:p>
-        </p:txBody>
-      </p:sp>
-      <p:sp>
-        <p:nvSpPr>
-          <p:cNvPr id="6" name="Date Placeholder 3">
+            <a:pPr marL="0" indent="0">
+              <a:buNone/>
+            </a:pPr>
+            <a:r>
+              <a:rPr lang="de-DE" sz="2100" b="1" dirty="0"/>
+              <a:t>Ereignisfluss</a:t>
+            </a:r>
+          </a:p>
+          <a:p>
+            <a:pPr marL="457200" lvl="1" indent="0">
+              <a:buNone/>
+            </a:pPr>
+            <a:r>
+              <a:rPr lang="de-DE" sz="1800" dirty="0"/>
+              <a:t>Im Menu Screen muss auf Mein Profil gedrückt werden</a:t>
+            </a:r>
+          </a:p>
+          <a:p>
+            <a:pPr marL="457200" lvl="1" indent="0">
+              <a:buNone/>
+            </a:pPr>
+            <a:r>
+              <a:rPr lang="de-DE" sz="1800" dirty="0"/>
+              <a:t>Der Profil Bearbeiten-Button muss gedrückt werden</a:t>
+            </a:r>
+          </a:p>
+          <a:p>
+            <a:pPr marL="457200" lvl="1" indent="0">
+              <a:buNone/>
+            </a:pPr>
+            <a:r>
+              <a:rPr lang="de-DE" sz="1800" dirty="0"/>
+              <a:t>Der Benutzername und die E-Mail-Adresse kann über die Texteingabe geändert werden</a:t>
+            </a:r>
+          </a:p>
+          <a:p>
+            <a:pPr marL="457200" lvl="1" indent="0">
+              <a:buNone/>
+            </a:pPr>
+            <a:r>
+              <a:rPr lang="de-DE" sz="1800" dirty="0"/>
+              <a:t>Das Level kann über die Combobox verändert werden</a:t>
+            </a:r>
+          </a:p>
+          <a:p>
+            <a:pPr marL="457200" lvl="1" indent="0">
+              <a:buNone/>
+            </a:pPr>
+            <a:r>
+              <a:rPr lang="de-DE" sz="1800" dirty="0"/>
+              <a:t>Über den Neues Profilbild-Button kann ein neues Profilbild angelegt werden</a:t>
+            </a:r>
+          </a:p>
+          <a:p>
+            <a:pPr marL="457200" lvl="1" indent="0">
+              <a:buNone/>
+            </a:pPr>
+            <a:r>
+              <a:rPr lang="de-DE" sz="1800" dirty="0"/>
+              <a:t>Über den Passwort ändern-Button kann das Passwort geändert werden</a:t>
+            </a:r>
+          </a:p>
+          <a:p>
+            <a:pPr marL="457200" lvl="1" indent="0">
+              <a:buNone/>
+            </a:pPr>
+            <a:r>
+              <a:rPr lang="de-DE" sz="1800" dirty="0"/>
+              <a:t>Die Änderungen werden nur gespeichert, wenn nach der Eingabe der Speichern-Button betätigt wird</a:t>
+            </a:r>
+          </a:p>
+          <a:p>
+            <a:pPr marL="57150" indent="0">
+              <a:buNone/>
+            </a:pPr>
+            <a:r>
+              <a:rPr lang="de-DE" sz="2100" b="1" dirty="0"/>
+              <a:t>Nachbedingung</a:t>
+            </a:r>
+          </a:p>
+          <a:p>
+            <a:pPr marL="457200" lvl="1" indent="0">
+              <a:buNone/>
+            </a:pPr>
+            <a:r>
+              <a:rPr lang="de-DE" sz="1800" dirty="0"/>
+              <a:t>Erfolgreich: Die Änderungen werden im Mein Profil-Screen angezeigt</a:t>
+            </a:r>
+          </a:p>
+          <a:p>
+            <a:pPr marL="457200" lvl="1" indent="0">
+              <a:buNone/>
+            </a:pPr>
+            <a:r>
+              <a:rPr lang="de-DE" sz="1800" dirty="0"/>
+              <a:t>Fehler: Die Änderungen konnten nicht übernommen werden und es werden veraltete Daten im Mein Profil-Screen angezeigt</a:t>
+            </a:r>
+          </a:p>
+          <a:p>
+            <a:pPr marL="457200" lvl="1" indent="0">
+              <a:buNone/>
+            </a:pPr>
+            <a:endParaRPr lang="de-DE" dirty="0"/>
+          </a:p>
+        </p:txBody>
+      </p:sp>
+      <p:sp>
+        <p:nvSpPr>
+          <p:cNvPr id="5" name="Date Placeholder 3">
             <a:extLst>
               <a:ext uri="{FF2B5EF4-FFF2-40B4-BE49-F238E27FC236}">
-                <a16:creationId xmlns:a16="http://schemas.microsoft.com/office/drawing/2014/main" id="{C597FC9F-E38B-4D7C-800C-2E507A9787EC}"/>
+                <a16:creationId xmlns:a16="http://schemas.microsoft.com/office/drawing/2014/main" id="{4C14AB97-C542-4790-9263-C13620CBC6CD}"/>
               </a:ext>
             </a:extLst>
           </p:cNvPr>
@@ -10077,10 +9869,10 @@
       </p:sp>
       <p:sp>
         <p:nvSpPr>
-          <p:cNvPr id="7" name="Date Placeholder 3">
+          <p:cNvPr id="6" name="Date Placeholder 3">
             <a:extLst>
               <a:ext uri="{FF2B5EF4-FFF2-40B4-BE49-F238E27FC236}">
-                <a16:creationId xmlns:a16="http://schemas.microsoft.com/office/drawing/2014/main" id="{0F246959-6071-4609-B298-646E582C9281}"/>
+                <a16:creationId xmlns:a16="http://schemas.microsoft.com/office/drawing/2014/main" id="{FBE73F23-8D21-495D-8D7C-2DE7277152E1}"/>
               </a:ext>
             </a:extLst>
           </p:cNvPr>
@@ -10217,7 +10009,889 @@
     </p:spTree>
     <p:extLst>
       <p:ext uri="{BB962C8B-B14F-4D97-AF65-F5344CB8AC3E}">
-        <p14:creationId xmlns:p14="http://schemas.microsoft.com/office/powerpoint/2010/main" val="870046311"/>
+        <p14:creationId xmlns:p14="http://schemas.microsoft.com/office/powerpoint/2010/main" val="4289056068"/>
+      </p:ext>
+    </p:extLst>
+  </p:cSld>
+  <p:clrMapOvr>
+    <a:masterClrMapping/>
+  </p:clrMapOvr>
+</p:sld>
+</file>
+
+<file path=ppt/slides/slide18.xml><?xml version="1.0" encoding="utf-8"?>
+<p:sld xmlns:a="http://schemas.openxmlformats.org/drawingml/2006/main" xmlns:r="http://schemas.openxmlformats.org/officeDocument/2006/relationships" xmlns:p="http://schemas.openxmlformats.org/presentationml/2006/main">
+  <p:cSld>
+    <p:spTree>
+      <p:nvGrpSpPr>
+        <p:cNvPr id="1" name=""/>
+        <p:cNvGrpSpPr/>
+        <p:nvPr/>
+      </p:nvGrpSpPr>
+      <p:grpSpPr>
+        <a:xfrm>
+          <a:off x="0" y="0"/>
+          <a:ext cx="0" cy="0"/>
+          <a:chOff x="0" y="0"/>
+          <a:chExt cx="0" cy="0"/>
+        </a:xfrm>
+      </p:grpSpPr>
+      <p:sp>
+        <p:nvSpPr>
+          <p:cNvPr id="2" name="Title 1">
+            <a:extLst>
+              <a:ext uri="{FF2B5EF4-FFF2-40B4-BE49-F238E27FC236}">
+                <a16:creationId xmlns:a16="http://schemas.microsoft.com/office/drawing/2014/main" id="{DD89B45D-81B8-4037-8647-E08DB7556E63}"/>
+              </a:ext>
+            </a:extLst>
+          </p:cNvPr>
+          <p:cNvSpPr>
+            <a:spLocks noGrp="1"/>
+          </p:cNvSpPr>
+          <p:nvPr>
+            <p:ph type="title"/>
+          </p:nvPr>
+        </p:nvSpPr>
+        <p:spPr>
+          <a:xfrm>
+            <a:off x="677334" y="609598"/>
+            <a:ext cx="8596668" cy="1181101"/>
+          </a:xfrm>
+        </p:spPr>
+        <p:txBody>
+          <a:bodyPr/>
+          <a:lstStyle/>
+          <a:p>
+            <a:r>
+              <a:rPr lang="en-US" dirty="0"/>
+              <a:t>Use Case: </a:t>
+            </a:r>
+            <a:r>
+              <a:rPr lang="en-US" dirty="0" err="1"/>
+              <a:t>Karte</a:t>
+            </a:r>
+            <a:endParaRPr lang="en-US" dirty="0"/>
+          </a:p>
+        </p:txBody>
+      </p:sp>
+      <p:sp>
+        <p:nvSpPr>
+          <p:cNvPr id="3" name="Content Placeholder 2">
+            <a:extLst>
+              <a:ext uri="{FF2B5EF4-FFF2-40B4-BE49-F238E27FC236}">
+                <a16:creationId xmlns:a16="http://schemas.microsoft.com/office/drawing/2014/main" id="{591DF666-F25C-416A-9D7B-D66F364C5048}"/>
+              </a:ext>
+            </a:extLst>
+          </p:cNvPr>
+          <p:cNvSpPr>
+            <a:spLocks noGrp="1"/>
+          </p:cNvSpPr>
+          <p:nvPr>
+            <p:ph idx="1"/>
+          </p:nvPr>
+        </p:nvSpPr>
+        <p:spPr>
+          <a:xfrm>
+            <a:off x="677334" y="1352550"/>
+            <a:ext cx="8596668" cy="5400675"/>
+          </a:xfrm>
+        </p:spPr>
+        <p:txBody>
+          <a:bodyPr>
+            <a:normAutofit/>
+          </a:bodyPr>
+          <a:lstStyle/>
+          <a:p>
+            <a:pPr marL="0" indent="0">
+              <a:buNone/>
+            </a:pPr>
+            <a:r>
+              <a:rPr lang="de-DE" b="1" dirty="0"/>
+              <a:t>Beschreibung</a:t>
+            </a:r>
+          </a:p>
+          <a:p>
+            <a:pPr marL="457200" lvl="1" indent="0">
+              <a:buNone/>
+            </a:pPr>
+            <a:r>
+              <a:rPr lang="de-DE" dirty="0"/>
+              <a:t>Dieser </a:t>
+            </a:r>
+            <a:r>
+              <a:rPr lang="de-DE" dirty="0" err="1"/>
+              <a:t>Use</a:t>
+            </a:r>
+            <a:r>
+              <a:rPr lang="de-DE" dirty="0"/>
+              <a:t> Case beschreibt wie der Benutzer seine Wanderroute konfigurieren kann</a:t>
+            </a:r>
+          </a:p>
+          <a:p>
+            <a:pPr marL="0" indent="0">
+              <a:buNone/>
+            </a:pPr>
+            <a:r>
+              <a:rPr lang="de-DE" b="1" dirty="0"/>
+              <a:t>Beteiligte</a:t>
+            </a:r>
+          </a:p>
+          <a:p>
+            <a:pPr marL="457200" lvl="1" indent="0">
+              <a:buNone/>
+            </a:pPr>
+            <a:r>
+              <a:rPr lang="de-DE" dirty="0"/>
+              <a:t>Benutzer</a:t>
+            </a:r>
+          </a:p>
+          <a:p>
+            <a:pPr marL="0" indent="0">
+              <a:buNone/>
+            </a:pPr>
+            <a:r>
+              <a:rPr lang="de-DE" b="1" dirty="0"/>
+              <a:t>Voraussetzungen</a:t>
+            </a:r>
+          </a:p>
+          <a:p>
+            <a:pPr marL="457200" lvl="1" indent="0">
+              <a:buNone/>
+            </a:pPr>
+            <a:r>
+              <a:rPr lang="de-DE" dirty="0"/>
+              <a:t>Datenbankverbindung muss vorhanden sein</a:t>
+            </a:r>
+          </a:p>
+          <a:p>
+            <a:pPr marL="457200" lvl="1" indent="0">
+              <a:buNone/>
+            </a:pPr>
+            <a:r>
+              <a:rPr lang="de-DE" dirty="0"/>
+              <a:t>Der Benutzer muss erfolgreich eingeloggt sein</a:t>
+            </a:r>
+          </a:p>
+          <a:p>
+            <a:pPr marL="457200" lvl="1" indent="0">
+              <a:buNone/>
+            </a:pPr>
+            <a:endParaRPr lang="de-DE" dirty="0"/>
+          </a:p>
+        </p:txBody>
+      </p:sp>
+      <p:sp>
+        <p:nvSpPr>
+          <p:cNvPr id="5" name="Date Placeholder 3">
+            <a:extLst>
+              <a:ext uri="{FF2B5EF4-FFF2-40B4-BE49-F238E27FC236}">
+                <a16:creationId xmlns:a16="http://schemas.microsoft.com/office/drawing/2014/main" id="{4C14AB97-C542-4790-9263-C13620CBC6CD}"/>
+              </a:ext>
+            </a:extLst>
+          </p:cNvPr>
+          <p:cNvSpPr txBox="1">
+            <a:spLocks/>
+          </p:cNvSpPr>
+          <p:nvPr/>
+        </p:nvSpPr>
+        <p:spPr>
+          <a:xfrm>
+            <a:off x="677334" y="231051"/>
+            <a:ext cx="1071566" cy="378549"/>
+          </a:xfrm>
+          <a:prstGeom prst="rect">
+            <a:avLst/>
+          </a:prstGeom>
+        </p:spPr>
+        <p:txBody>
+          <a:bodyPr vert="horz" lIns="91440" tIns="45720" rIns="91440" bIns="45720" rtlCol="0" anchor="ctr"/>
+          <a:lstStyle>
+            <a:defPPr>
+              <a:defRPr lang="en-US"/>
+            </a:defPPr>
+            <a:lvl1pPr marL="0" algn="r" defTabSz="457200" rtl="0" eaLnBrk="1" latinLnBrk="0" hangingPunct="1">
+              <a:defRPr sz="900" kern="1200">
+                <a:solidFill>
+                  <a:schemeClr val="tx1">
+                    <a:tint val="75000"/>
+                  </a:schemeClr>
+                </a:solidFill>
+                <a:latin typeface="+mn-lt"/>
+                <a:ea typeface="+mn-ea"/>
+                <a:cs typeface="+mn-cs"/>
+              </a:defRPr>
+            </a:lvl1pPr>
+            <a:lvl2pPr marL="457200" algn="l" defTabSz="457200" rtl="0" eaLnBrk="1" latinLnBrk="0" hangingPunct="1">
+              <a:defRPr sz="1800" kern="1200">
+                <a:solidFill>
+                  <a:schemeClr val="tx1"/>
+                </a:solidFill>
+                <a:latin typeface="+mn-lt"/>
+                <a:ea typeface="+mn-ea"/>
+                <a:cs typeface="+mn-cs"/>
+              </a:defRPr>
+            </a:lvl2pPr>
+            <a:lvl3pPr marL="914400" algn="l" defTabSz="457200" rtl="0" eaLnBrk="1" latinLnBrk="0" hangingPunct="1">
+              <a:defRPr sz="1800" kern="1200">
+                <a:solidFill>
+                  <a:schemeClr val="tx1"/>
+                </a:solidFill>
+                <a:latin typeface="+mn-lt"/>
+                <a:ea typeface="+mn-ea"/>
+                <a:cs typeface="+mn-cs"/>
+              </a:defRPr>
+            </a:lvl3pPr>
+            <a:lvl4pPr marL="1371600" algn="l" defTabSz="457200" rtl="0" eaLnBrk="1" latinLnBrk="0" hangingPunct="1">
+              <a:defRPr sz="1800" kern="1200">
+                <a:solidFill>
+                  <a:schemeClr val="tx1"/>
+                </a:solidFill>
+                <a:latin typeface="+mn-lt"/>
+                <a:ea typeface="+mn-ea"/>
+                <a:cs typeface="+mn-cs"/>
+              </a:defRPr>
+            </a:lvl4pPr>
+            <a:lvl5pPr marL="1828800" algn="l" defTabSz="457200" rtl="0" eaLnBrk="1" latinLnBrk="0" hangingPunct="1">
+              <a:defRPr sz="1800" kern="1200">
+                <a:solidFill>
+                  <a:schemeClr val="tx1"/>
+                </a:solidFill>
+                <a:latin typeface="+mn-lt"/>
+                <a:ea typeface="+mn-ea"/>
+                <a:cs typeface="+mn-cs"/>
+              </a:defRPr>
+            </a:lvl5pPr>
+            <a:lvl6pPr marL="2286000" algn="l" defTabSz="457200" rtl="0" eaLnBrk="1" latinLnBrk="0" hangingPunct="1">
+              <a:defRPr sz="1800" kern="1200">
+                <a:solidFill>
+                  <a:schemeClr val="tx1"/>
+                </a:solidFill>
+                <a:latin typeface="+mn-lt"/>
+                <a:ea typeface="+mn-ea"/>
+                <a:cs typeface="+mn-cs"/>
+              </a:defRPr>
+            </a:lvl6pPr>
+            <a:lvl7pPr marL="2743200" algn="l" defTabSz="457200" rtl="0" eaLnBrk="1" latinLnBrk="0" hangingPunct="1">
+              <a:defRPr sz="1800" kern="1200">
+                <a:solidFill>
+                  <a:schemeClr val="tx1"/>
+                </a:solidFill>
+                <a:latin typeface="+mn-lt"/>
+                <a:ea typeface="+mn-ea"/>
+                <a:cs typeface="+mn-cs"/>
+              </a:defRPr>
+            </a:lvl7pPr>
+            <a:lvl8pPr marL="3200400" algn="l" defTabSz="457200" rtl="0" eaLnBrk="1" latinLnBrk="0" hangingPunct="1">
+              <a:defRPr sz="1800" kern="1200">
+                <a:solidFill>
+                  <a:schemeClr val="tx1"/>
+                </a:solidFill>
+                <a:latin typeface="+mn-lt"/>
+                <a:ea typeface="+mn-ea"/>
+                <a:cs typeface="+mn-cs"/>
+              </a:defRPr>
+            </a:lvl8pPr>
+            <a:lvl9pPr marL="3657600" algn="l" defTabSz="457200" rtl="0" eaLnBrk="1" latinLnBrk="0" hangingPunct="1">
+              <a:defRPr sz="1800" kern="1200">
+                <a:solidFill>
+                  <a:schemeClr val="tx1"/>
+                </a:solidFill>
+                <a:latin typeface="+mn-lt"/>
+                <a:ea typeface="+mn-ea"/>
+                <a:cs typeface="+mn-cs"/>
+              </a:defRPr>
+            </a:lvl9pPr>
+          </a:lstStyle>
+          <a:p>
+            <a:fld id="{5665C720-CFBA-4CD6-B44E-E52DA515AFF8}" type="datetime1">
+              <a:rPr lang="de-DE" sz="1400" smtClean="0"/>
+              <a:pPr/>
+              <a:t>02.11.2020</a:t>
+            </a:fld>
+            <a:endParaRPr lang="en-US" dirty="0"/>
+          </a:p>
+        </p:txBody>
+      </p:sp>
+      <p:sp>
+        <p:nvSpPr>
+          <p:cNvPr id="6" name="Date Placeholder 3">
+            <a:extLst>
+              <a:ext uri="{FF2B5EF4-FFF2-40B4-BE49-F238E27FC236}">
+                <a16:creationId xmlns:a16="http://schemas.microsoft.com/office/drawing/2014/main" id="{FBE73F23-8D21-495D-8D7C-2DE7277152E1}"/>
+              </a:ext>
+            </a:extLst>
+          </p:cNvPr>
+          <p:cNvSpPr txBox="1">
+            <a:spLocks/>
+          </p:cNvSpPr>
+          <p:nvPr/>
+        </p:nvSpPr>
+        <p:spPr>
+          <a:xfrm>
+            <a:off x="1824033" y="231050"/>
+            <a:ext cx="5713108" cy="378549"/>
+          </a:xfrm>
+          <a:prstGeom prst="rect">
+            <a:avLst/>
+          </a:prstGeom>
+        </p:spPr>
+        <p:txBody>
+          <a:bodyPr vert="horz" lIns="91440" tIns="45720" rIns="91440" bIns="45720" rtlCol="0" anchor="ctr"/>
+          <a:lstStyle>
+            <a:defPPr>
+              <a:defRPr lang="en-US"/>
+            </a:defPPr>
+            <a:lvl1pPr marL="0" algn="r" defTabSz="457200" rtl="0" eaLnBrk="1" latinLnBrk="0" hangingPunct="1">
+              <a:defRPr sz="900" kern="1200">
+                <a:solidFill>
+                  <a:schemeClr val="tx1">
+                    <a:tint val="75000"/>
+                  </a:schemeClr>
+                </a:solidFill>
+                <a:latin typeface="+mn-lt"/>
+                <a:ea typeface="+mn-ea"/>
+                <a:cs typeface="+mn-cs"/>
+              </a:defRPr>
+            </a:lvl1pPr>
+            <a:lvl2pPr marL="457200" algn="l" defTabSz="457200" rtl="0" eaLnBrk="1" latinLnBrk="0" hangingPunct="1">
+              <a:defRPr sz="1800" kern="1200">
+                <a:solidFill>
+                  <a:schemeClr val="tx1"/>
+                </a:solidFill>
+                <a:latin typeface="+mn-lt"/>
+                <a:ea typeface="+mn-ea"/>
+                <a:cs typeface="+mn-cs"/>
+              </a:defRPr>
+            </a:lvl2pPr>
+            <a:lvl3pPr marL="914400" algn="l" defTabSz="457200" rtl="0" eaLnBrk="1" latinLnBrk="0" hangingPunct="1">
+              <a:defRPr sz="1800" kern="1200">
+                <a:solidFill>
+                  <a:schemeClr val="tx1"/>
+                </a:solidFill>
+                <a:latin typeface="+mn-lt"/>
+                <a:ea typeface="+mn-ea"/>
+                <a:cs typeface="+mn-cs"/>
+              </a:defRPr>
+            </a:lvl3pPr>
+            <a:lvl4pPr marL="1371600" algn="l" defTabSz="457200" rtl="0" eaLnBrk="1" latinLnBrk="0" hangingPunct="1">
+              <a:defRPr sz="1800" kern="1200">
+                <a:solidFill>
+                  <a:schemeClr val="tx1"/>
+                </a:solidFill>
+                <a:latin typeface="+mn-lt"/>
+                <a:ea typeface="+mn-ea"/>
+                <a:cs typeface="+mn-cs"/>
+              </a:defRPr>
+            </a:lvl4pPr>
+            <a:lvl5pPr marL="1828800" algn="l" defTabSz="457200" rtl="0" eaLnBrk="1" latinLnBrk="0" hangingPunct="1">
+              <a:defRPr sz="1800" kern="1200">
+                <a:solidFill>
+                  <a:schemeClr val="tx1"/>
+                </a:solidFill>
+                <a:latin typeface="+mn-lt"/>
+                <a:ea typeface="+mn-ea"/>
+                <a:cs typeface="+mn-cs"/>
+              </a:defRPr>
+            </a:lvl5pPr>
+            <a:lvl6pPr marL="2286000" algn="l" defTabSz="457200" rtl="0" eaLnBrk="1" latinLnBrk="0" hangingPunct="1">
+              <a:defRPr sz="1800" kern="1200">
+                <a:solidFill>
+                  <a:schemeClr val="tx1"/>
+                </a:solidFill>
+                <a:latin typeface="+mn-lt"/>
+                <a:ea typeface="+mn-ea"/>
+                <a:cs typeface="+mn-cs"/>
+              </a:defRPr>
+            </a:lvl6pPr>
+            <a:lvl7pPr marL="2743200" algn="l" defTabSz="457200" rtl="0" eaLnBrk="1" latinLnBrk="0" hangingPunct="1">
+              <a:defRPr sz="1800" kern="1200">
+                <a:solidFill>
+                  <a:schemeClr val="tx1"/>
+                </a:solidFill>
+                <a:latin typeface="+mn-lt"/>
+                <a:ea typeface="+mn-ea"/>
+                <a:cs typeface="+mn-cs"/>
+              </a:defRPr>
+            </a:lvl7pPr>
+            <a:lvl8pPr marL="3200400" algn="l" defTabSz="457200" rtl="0" eaLnBrk="1" latinLnBrk="0" hangingPunct="1">
+              <a:defRPr sz="1800" kern="1200">
+                <a:solidFill>
+                  <a:schemeClr val="tx1"/>
+                </a:solidFill>
+                <a:latin typeface="+mn-lt"/>
+                <a:ea typeface="+mn-ea"/>
+                <a:cs typeface="+mn-cs"/>
+              </a:defRPr>
+            </a:lvl8pPr>
+            <a:lvl9pPr marL="3657600" algn="l" defTabSz="457200" rtl="0" eaLnBrk="1" latinLnBrk="0" hangingPunct="1">
+              <a:defRPr sz="1800" kern="1200">
+                <a:solidFill>
+                  <a:schemeClr val="tx1"/>
+                </a:solidFill>
+                <a:latin typeface="+mn-lt"/>
+                <a:ea typeface="+mn-ea"/>
+                <a:cs typeface="+mn-cs"/>
+              </a:defRPr>
+            </a:lvl9pPr>
+          </a:lstStyle>
+          <a:p>
+            <a:r>
+              <a:rPr lang="de-DE" sz="1400" dirty="0"/>
+              <a:t>Veronika Taranek, Philipp </a:t>
+            </a:r>
+            <a:r>
+              <a:rPr lang="de-DE" sz="1400" dirty="0" err="1"/>
+              <a:t>Fenesan</a:t>
+            </a:r>
+            <a:r>
+              <a:rPr lang="de-DE" sz="1400" dirty="0"/>
+              <a:t>, Nicolas Geppert, Lukas Werner</a:t>
+            </a:r>
+            <a:endParaRPr lang="en-US" dirty="0"/>
+          </a:p>
+        </p:txBody>
+      </p:sp>
+    </p:spTree>
+    <p:extLst>
+      <p:ext uri="{BB962C8B-B14F-4D97-AF65-F5344CB8AC3E}">
+        <p14:creationId xmlns:p14="http://schemas.microsoft.com/office/powerpoint/2010/main" val="1940434735"/>
+      </p:ext>
+    </p:extLst>
+  </p:cSld>
+  <p:clrMapOvr>
+    <a:masterClrMapping/>
+  </p:clrMapOvr>
+</p:sld>
+</file>
+
+<file path=ppt/slides/slide19.xml><?xml version="1.0" encoding="utf-8"?>
+<p:sld xmlns:a="http://schemas.openxmlformats.org/drawingml/2006/main" xmlns:r="http://schemas.openxmlformats.org/officeDocument/2006/relationships" xmlns:p="http://schemas.openxmlformats.org/presentationml/2006/main">
+  <p:cSld>
+    <p:spTree>
+      <p:nvGrpSpPr>
+        <p:cNvPr id="1" name=""/>
+        <p:cNvGrpSpPr/>
+        <p:nvPr/>
+      </p:nvGrpSpPr>
+      <p:grpSpPr>
+        <a:xfrm>
+          <a:off x="0" y="0"/>
+          <a:ext cx="0" cy="0"/>
+          <a:chOff x="0" y="0"/>
+          <a:chExt cx="0" cy="0"/>
+        </a:xfrm>
+      </p:grpSpPr>
+      <p:sp>
+        <p:nvSpPr>
+          <p:cNvPr id="2" name="Title 1">
+            <a:extLst>
+              <a:ext uri="{FF2B5EF4-FFF2-40B4-BE49-F238E27FC236}">
+                <a16:creationId xmlns:a16="http://schemas.microsoft.com/office/drawing/2014/main" id="{DD89B45D-81B8-4037-8647-E08DB7556E63}"/>
+              </a:ext>
+            </a:extLst>
+          </p:cNvPr>
+          <p:cNvSpPr>
+            <a:spLocks noGrp="1"/>
+          </p:cNvSpPr>
+          <p:nvPr>
+            <p:ph type="title"/>
+          </p:nvPr>
+        </p:nvSpPr>
+        <p:spPr>
+          <a:xfrm>
+            <a:off x="677334" y="609598"/>
+            <a:ext cx="8596668" cy="1181101"/>
+          </a:xfrm>
+        </p:spPr>
+        <p:txBody>
+          <a:bodyPr/>
+          <a:lstStyle/>
+          <a:p>
+            <a:r>
+              <a:rPr lang="en-US" dirty="0"/>
+              <a:t>Use Case: </a:t>
+            </a:r>
+            <a:r>
+              <a:rPr lang="en-US" dirty="0" err="1"/>
+              <a:t>Karte</a:t>
+            </a:r>
+            <a:endParaRPr lang="en-US" dirty="0"/>
+          </a:p>
+        </p:txBody>
+      </p:sp>
+      <p:sp>
+        <p:nvSpPr>
+          <p:cNvPr id="3" name="Content Placeholder 2">
+            <a:extLst>
+              <a:ext uri="{FF2B5EF4-FFF2-40B4-BE49-F238E27FC236}">
+                <a16:creationId xmlns:a16="http://schemas.microsoft.com/office/drawing/2014/main" id="{591DF666-F25C-416A-9D7B-D66F364C5048}"/>
+              </a:ext>
+            </a:extLst>
+          </p:cNvPr>
+          <p:cNvSpPr>
+            <a:spLocks noGrp="1"/>
+          </p:cNvSpPr>
+          <p:nvPr>
+            <p:ph idx="1"/>
+          </p:nvPr>
+        </p:nvSpPr>
+        <p:spPr>
+          <a:xfrm>
+            <a:off x="677334" y="1352550"/>
+            <a:ext cx="8596668" cy="5400675"/>
+          </a:xfrm>
+        </p:spPr>
+        <p:txBody>
+          <a:bodyPr>
+            <a:normAutofit/>
+          </a:bodyPr>
+          <a:lstStyle/>
+          <a:p>
+            <a:pPr marL="0" indent="0">
+              <a:buNone/>
+            </a:pPr>
+            <a:r>
+              <a:rPr lang="de-DE" b="1" dirty="0"/>
+              <a:t>Ereignisfluss</a:t>
+            </a:r>
+          </a:p>
+          <a:p>
+            <a:pPr marL="457200" lvl="1" indent="0">
+              <a:buNone/>
+            </a:pPr>
+            <a:r>
+              <a:rPr lang="de-DE" dirty="0"/>
+              <a:t>Im Menü-Screen muss auf den Karte-Button gedrückt werden</a:t>
+            </a:r>
+          </a:p>
+          <a:p>
+            <a:pPr marL="457200" lvl="1" indent="0">
+              <a:buNone/>
+            </a:pPr>
+            <a:r>
+              <a:rPr lang="de-DE" dirty="0"/>
+              <a:t>Der Benutzer kann über die Textfelder die Routenlänge und den gewünschten Höhenunterschied für seine Wanderroute angeben</a:t>
+            </a:r>
+          </a:p>
+          <a:p>
+            <a:pPr marL="457200" lvl="1" indent="0">
+              <a:buNone/>
+            </a:pPr>
+            <a:r>
+              <a:rPr lang="de-DE" dirty="0"/>
+              <a:t>Um die Änderungen zu speichern, muss der Bestätigen-Button betätigt werden</a:t>
+            </a:r>
+          </a:p>
+          <a:p>
+            <a:pPr marL="57150" indent="0">
+              <a:buNone/>
+            </a:pPr>
+            <a:r>
+              <a:rPr lang="de-DE" b="1" dirty="0"/>
+              <a:t>Nachbedingung</a:t>
+            </a:r>
+          </a:p>
+          <a:p>
+            <a:pPr marL="457200" lvl="1" indent="0">
+              <a:buNone/>
+            </a:pPr>
+            <a:r>
+              <a:rPr lang="de-DE" dirty="0"/>
+              <a:t>Erfolgreich: Wanderroutenlänge und Höhenunterschied wird gespeichert</a:t>
+            </a:r>
+          </a:p>
+          <a:p>
+            <a:pPr marL="457200" lvl="1" indent="0">
+              <a:buNone/>
+            </a:pPr>
+            <a:r>
+              <a:rPr lang="de-DE" dirty="0"/>
+              <a:t>Fehler: Wanderroutenlänge und Höhenunterschied kann nicht gespeichert werden</a:t>
+            </a:r>
+          </a:p>
+          <a:p>
+            <a:pPr marL="457200" lvl="1" indent="0">
+              <a:buNone/>
+            </a:pPr>
+            <a:endParaRPr lang="de-DE" dirty="0"/>
+          </a:p>
+        </p:txBody>
+      </p:sp>
+      <p:sp>
+        <p:nvSpPr>
+          <p:cNvPr id="5" name="Date Placeholder 3">
+            <a:extLst>
+              <a:ext uri="{FF2B5EF4-FFF2-40B4-BE49-F238E27FC236}">
+                <a16:creationId xmlns:a16="http://schemas.microsoft.com/office/drawing/2014/main" id="{4C14AB97-C542-4790-9263-C13620CBC6CD}"/>
+              </a:ext>
+            </a:extLst>
+          </p:cNvPr>
+          <p:cNvSpPr txBox="1">
+            <a:spLocks/>
+          </p:cNvSpPr>
+          <p:nvPr/>
+        </p:nvSpPr>
+        <p:spPr>
+          <a:xfrm>
+            <a:off x="677334" y="231051"/>
+            <a:ext cx="1071566" cy="378549"/>
+          </a:xfrm>
+          <a:prstGeom prst="rect">
+            <a:avLst/>
+          </a:prstGeom>
+        </p:spPr>
+        <p:txBody>
+          <a:bodyPr vert="horz" lIns="91440" tIns="45720" rIns="91440" bIns="45720" rtlCol="0" anchor="ctr"/>
+          <a:lstStyle>
+            <a:defPPr>
+              <a:defRPr lang="en-US"/>
+            </a:defPPr>
+            <a:lvl1pPr marL="0" algn="r" defTabSz="457200" rtl="0" eaLnBrk="1" latinLnBrk="0" hangingPunct="1">
+              <a:defRPr sz="900" kern="1200">
+                <a:solidFill>
+                  <a:schemeClr val="tx1">
+                    <a:tint val="75000"/>
+                  </a:schemeClr>
+                </a:solidFill>
+                <a:latin typeface="+mn-lt"/>
+                <a:ea typeface="+mn-ea"/>
+                <a:cs typeface="+mn-cs"/>
+              </a:defRPr>
+            </a:lvl1pPr>
+            <a:lvl2pPr marL="457200" algn="l" defTabSz="457200" rtl="0" eaLnBrk="1" latinLnBrk="0" hangingPunct="1">
+              <a:defRPr sz="1800" kern="1200">
+                <a:solidFill>
+                  <a:schemeClr val="tx1"/>
+                </a:solidFill>
+                <a:latin typeface="+mn-lt"/>
+                <a:ea typeface="+mn-ea"/>
+                <a:cs typeface="+mn-cs"/>
+              </a:defRPr>
+            </a:lvl2pPr>
+            <a:lvl3pPr marL="914400" algn="l" defTabSz="457200" rtl="0" eaLnBrk="1" latinLnBrk="0" hangingPunct="1">
+              <a:defRPr sz="1800" kern="1200">
+                <a:solidFill>
+                  <a:schemeClr val="tx1"/>
+                </a:solidFill>
+                <a:latin typeface="+mn-lt"/>
+                <a:ea typeface="+mn-ea"/>
+                <a:cs typeface="+mn-cs"/>
+              </a:defRPr>
+            </a:lvl3pPr>
+            <a:lvl4pPr marL="1371600" algn="l" defTabSz="457200" rtl="0" eaLnBrk="1" latinLnBrk="0" hangingPunct="1">
+              <a:defRPr sz="1800" kern="1200">
+                <a:solidFill>
+                  <a:schemeClr val="tx1"/>
+                </a:solidFill>
+                <a:latin typeface="+mn-lt"/>
+                <a:ea typeface="+mn-ea"/>
+                <a:cs typeface="+mn-cs"/>
+              </a:defRPr>
+            </a:lvl4pPr>
+            <a:lvl5pPr marL="1828800" algn="l" defTabSz="457200" rtl="0" eaLnBrk="1" latinLnBrk="0" hangingPunct="1">
+              <a:defRPr sz="1800" kern="1200">
+                <a:solidFill>
+                  <a:schemeClr val="tx1"/>
+                </a:solidFill>
+                <a:latin typeface="+mn-lt"/>
+                <a:ea typeface="+mn-ea"/>
+                <a:cs typeface="+mn-cs"/>
+              </a:defRPr>
+            </a:lvl5pPr>
+            <a:lvl6pPr marL="2286000" algn="l" defTabSz="457200" rtl="0" eaLnBrk="1" latinLnBrk="0" hangingPunct="1">
+              <a:defRPr sz="1800" kern="1200">
+                <a:solidFill>
+                  <a:schemeClr val="tx1"/>
+                </a:solidFill>
+                <a:latin typeface="+mn-lt"/>
+                <a:ea typeface="+mn-ea"/>
+                <a:cs typeface="+mn-cs"/>
+              </a:defRPr>
+            </a:lvl6pPr>
+            <a:lvl7pPr marL="2743200" algn="l" defTabSz="457200" rtl="0" eaLnBrk="1" latinLnBrk="0" hangingPunct="1">
+              <a:defRPr sz="1800" kern="1200">
+                <a:solidFill>
+                  <a:schemeClr val="tx1"/>
+                </a:solidFill>
+                <a:latin typeface="+mn-lt"/>
+                <a:ea typeface="+mn-ea"/>
+                <a:cs typeface="+mn-cs"/>
+              </a:defRPr>
+            </a:lvl7pPr>
+            <a:lvl8pPr marL="3200400" algn="l" defTabSz="457200" rtl="0" eaLnBrk="1" latinLnBrk="0" hangingPunct="1">
+              <a:defRPr sz="1800" kern="1200">
+                <a:solidFill>
+                  <a:schemeClr val="tx1"/>
+                </a:solidFill>
+                <a:latin typeface="+mn-lt"/>
+                <a:ea typeface="+mn-ea"/>
+                <a:cs typeface="+mn-cs"/>
+              </a:defRPr>
+            </a:lvl8pPr>
+            <a:lvl9pPr marL="3657600" algn="l" defTabSz="457200" rtl="0" eaLnBrk="1" latinLnBrk="0" hangingPunct="1">
+              <a:defRPr sz="1800" kern="1200">
+                <a:solidFill>
+                  <a:schemeClr val="tx1"/>
+                </a:solidFill>
+                <a:latin typeface="+mn-lt"/>
+                <a:ea typeface="+mn-ea"/>
+                <a:cs typeface="+mn-cs"/>
+              </a:defRPr>
+            </a:lvl9pPr>
+          </a:lstStyle>
+          <a:p>
+            <a:fld id="{5665C720-CFBA-4CD6-B44E-E52DA515AFF8}" type="datetime1">
+              <a:rPr lang="de-DE" sz="1400" smtClean="0"/>
+              <a:pPr/>
+              <a:t>02.11.2020</a:t>
+            </a:fld>
+            <a:endParaRPr lang="en-US" dirty="0"/>
+          </a:p>
+        </p:txBody>
+      </p:sp>
+      <p:sp>
+        <p:nvSpPr>
+          <p:cNvPr id="6" name="Date Placeholder 3">
+            <a:extLst>
+              <a:ext uri="{FF2B5EF4-FFF2-40B4-BE49-F238E27FC236}">
+                <a16:creationId xmlns:a16="http://schemas.microsoft.com/office/drawing/2014/main" id="{FBE73F23-8D21-495D-8D7C-2DE7277152E1}"/>
+              </a:ext>
+            </a:extLst>
+          </p:cNvPr>
+          <p:cNvSpPr txBox="1">
+            <a:spLocks/>
+          </p:cNvSpPr>
+          <p:nvPr/>
+        </p:nvSpPr>
+        <p:spPr>
+          <a:xfrm>
+            <a:off x="1824033" y="231050"/>
+            <a:ext cx="5713108" cy="378549"/>
+          </a:xfrm>
+          <a:prstGeom prst="rect">
+            <a:avLst/>
+          </a:prstGeom>
+        </p:spPr>
+        <p:txBody>
+          <a:bodyPr vert="horz" lIns="91440" tIns="45720" rIns="91440" bIns="45720" rtlCol="0" anchor="ctr"/>
+          <a:lstStyle>
+            <a:defPPr>
+              <a:defRPr lang="en-US"/>
+            </a:defPPr>
+            <a:lvl1pPr marL="0" algn="r" defTabSz="457200" rtl="0" eaLnBrk="1" latinLnBrk="0" hangingPunct="1">
+              <a:defRPr sz="900" kern="1200">
+                <a:solidFill>
+                  <a:schemeClr val="tx1">
+                    <a:tint val="75000"/>
+                  </a:schemeClr>
+                </a:solidFill>
+                <a:latin typeface="+mn-lt"/>
+                <a:ea typeface="+mn-ea"/>
+                <a:cs typeface="+mn-cs"/>
+              </a:defRPr>
+            </a:lvl1pPr>
+            <a:lvl2pPr marL="457200" algn="l" defTabSz="457200" rtl="0" eaLnBrk="1" latinLnBrk="0" hangingPunct="1">
+              <a:defRPr sz="1800" kern="1200">
+                <a:solidFill>
+                  <a:schemeClr val="tx1"/>
+                </a:solidFill>
+                <a:latin typeface="+mn-lt"/>
+                <a:ea typeface="+mn-ea"/>
+                <a:cs typeface="+mn-cs"/>
+              </a:defRPr>
+            </a:lvl2pPr>
+            <a:lvl3pPr marL="914400" algn="l" defTabSz="457200" rtl="0" eaLnBrk="1" latinLnBrk="0" hangingPunct="1">
+              <a:defRPr sz="1800" kern="1200">
+                <a:solidFill>
+                  <a:schemeClr val="tx1"/>
+                </a:solidFill>
+                <a:latin typeface="+mn-lt"/>
+                <a:ea typeface="+mn-ea"/>
+                <a:cs typeface="+mn-cs"/>
+              </a:defRPr>
+            </a:lvl3pPr>
+            <a:lvl4pPr marL="1371600" algn="l" defTabSz="457200" rtl="0" eaLnBrk="1" latinLnBrk="0" hangingPunct="1">
+              <a:defRPr sz="1800" kern="1200">
+                <a:solidFill>
+                  <a:schemeClr val="tx1"/>
+                </a:solidFill>
+                <a:latin typeface="+mn-lt"/>
+                <a:ea typeface="+mn-ea"/>
+                <a:cs typeface="+mn-cs"/>
+              </a:defRPr>
+            </a:lvl4pPr>
+            <a:lvl5pPr marL="1828800" algn="l" defTabSz="457200" rtl="0" eaLnBrk="1" latinLnBrk="0" hangingPunct="1">
+              <a:defRPr sz="1800" kern="1200">
+                <a:solidFill>
+                  <a:schemeClr val="tx1"/>
+                </a:solidFill>
+                <a:latin typeface="+mn-lt"/>
+                <a:ea typeface="+mn-ea"/>
+                <a:cs typeface="+mn-cs"/>
+              </a:defRPr>
+            </a:lvl5pPr>
+            <a:lvl6pPr marL="2286000" algn="l" defTabSz="457200" rtl="0" eaLnBrk="1" latinLnBrk="0" hangingPunct="1">
+              <a:defRPr sz="1800" kern="1200">
+                <a:solidFill>
+                  <a:schemeClr val="tx1"/>
+                </a:solidFill>
+                <a:latin typeface="+mn-lt"/>
+                <a:ea typeface="+mn-ea"/>
+                <a:cs typeface="+mn-cs"/>
+              </a:defRPr>
+            </a:lvl6pPr>
+            <a:lvl7pPr marL="2743200" algn="l" defTabSz="457200" rtl="0" eaLnBrk="1" latinLnBrk="0" hangingPunct="1">
+              <a:defRPr sz="1800" kern="1200">
+                <a:solidFill>
+                  <a:schemeClr val="tx1"/>
+                </a:solidFill>
+                <a:latin typeface="+mn-lt"/>
+                <a:ea typeface="+mn-ea"/>
+                <a:cs typeface="+mn-cs"/>
+              </a:defRPr>
+            </a:lvl7pPr>
+            <a:lvl8pPr marL="3200400" algn="l" defTabSz="457200" rtl="0" eaLnBrk="1" latinLnBrk="0" hangingPunct="1">
+              <a:defRPr sz="1800" kern="1200">
+                <a:solidFill>
+                  <a:schemeClr val="tx1"/>
+                </a:solidFill>
+                <a:latin typeface="+mn-lt"/>
+                <a:ea typeface="+mn-ea"/>
+                <a:cs typeface="+mn-cs"/>
+              </a:defRPr>
+            </a:lvl8pPr>
+            <a:lvl9pPr marL="3657600" algn="l" defTabSz="457200" rtl="0" eaLnBrk="1" latinLnBrk="0" hangingPunct="1">
+              <a:defRPr sz="1800" kern="1200">
+                <a:solidFill>
+                  <a:schemeClr val="tx1"/>
+                </a:solidFill>
+                <a:latin typeface="+mn-lt"/>
+                <a:ea typeface="+mn-ea"/>
+                <a:cs typeface="+mn-cs"/>
+              </a:defRPr>
+            </a:lvl9pPr>
+          </a:lstStyle>
+          <a:p>
+            <a:r>
+              <a:rPr lang="de-DE" sz="1400" dirty="0"/>
+              <a:t>Veronika Taranek, Philipp </a:t>
+            </a:r>
+            <a:r>
+              <a:rPr lang="de-DE" sz="1400" dirty="0" err="1"/>
+              <a:t>Fenesan</a:t>
+            </a:r>
+            <a:r>
+              <a:rPr lang="de-DE" sz="1400" dirty="0"/>
+              <a:t>, Nicolas Geppert, Lukas Werner</a:t>
+            </a:r>
+            <a:endParaRPr lang="en-US" dirty="0"/>
+          </a:p>
+        </p:txBody>
+      </p:sp>
+    </p:spTree>
+    <p:extLst>
+      <p:ext uri="{BB962C8B-B14F-4D97-AF65-F5344CB8AC3E}">
+        <p14:creationId xmlns:p14="http://schemas.microsoft.com/office/powerpoint/2010/main" val="2172040229"/>
       </p:ext>
     </p:extLst>
   </p:cSld>
@@ -10536,6 +11210,1245 @@
     <p:extLst>
       <p:ext uri="{BB962C8B-B14F-4D97-AF65-F5344CB8AC3E}">
         <p14:creationId xmlns:p14="http://schemas.microsoft.com/office/powerpoint/2010/main" val="2502311815"/>
+      </p:ext>
+    </p:extLst>
+  </p:cSld>
+  <p:clrMapOvr>
+    <a:masterClrMapping/>
+  </p:clrMapOvr>
+</p:sld>
+</file>
+
+<file path=ppt/slides/slide20.xml><?xml version="1.0" encoding="utf-8"?>
+<p:sld xmlns:a="http://schemas.openxmlformats.org/drawingml/2006/main" xmlns:r="http://schemas.openxmlformats.org/officeDocument/2006/relationships" xmlns:p="http://schemas.openxmlformats.org/presentationml/2006/main">
+  <p:cSld>
+    <p:spTree>
+      <p:nvGrpSpPr>
+        <p:cNvPr id="1" name=""/>
+        <p:cNvGrpSpPr/>
+        <p:nvPr/>
+      </p:nvGrpSpPr>
+      <p:grpSpPr>
+        <a:xfrm>
+          <a:off x="0" y="0"/>
+          <a:ext cx="0" cy="0"/>
+          <a:chOff x="0" y="0"/>
+          <a:chExt cx="0" cy="0"/>
+        </a:xfrm>
+      </p:grpSpPr>
+      <p:sp>
+        <p:nvSpPr>
+          <p:cNvPr id="2" name="Title 1">
+            <a:extLst>
+              <a:ext uri="{FF2B5EF4-FFF2-40B4-BE49-F238E27FC236}">
+                <a16:creationId xmlns:a16="http://schemas.microsoft.com/office/drawing/2014/main" id="{DD89B45D-81B8-4037-8647-E08DB7556E63}"/>
+              </a:ext>
+            </a:extLst>
+          </p:cNvPr>
+          <p:cNvSpPr>
+            <a:spLocks noGrp="1"/>
+          </p:cNvSpPr>
+          <p:nvPr>
+            <p:ph type="title"/>
+          </p:nvPr>
+        </p:nvSpPr>
+        <p:spPr>
+          <a:xfrm>
+            <a:off x="677334" y="609598"/>
+            <a:ext cx="8596668" cy="1181101"/>
+          </a:xfrm>
+        </p:spPr>
+        <p:txBody>
+          <a:bodyPr/>
+          <a:lstStyle/>
+          <a:p>
+            <a:r>
+              <a:rPr lang="en-US" dirty="0"/>
+              <a:t>Use Case: Exception-Handling</a:t>
+            </a:r>
+          </a:p>
+        </p:txBody>
+      </p:sp>
+      <p:sp>
+        <p:nvSpPr>
+          <p:cNvPr id="3" name="Content Placeholder 2">
+            <a:extLst>
+              <a:ext uri="{FF2B5EF4-FFF2-40B4-BE49-F238E27FC236}">
+                <a16:creationId xmlns:a16="http://schemas.microsoft.com/office/drawing/2014/main" id="{591DF666-F25C-416A-9D7B-D66F364C5048}"/>
+              </a:ext>
+            </a:extLst>
+          </p:cNvPr>
+          <p:cNvSpPr>
+            <a:spLocks noGrp="1"/>
+          </p:cNvSpPr>
+          <p:nvPr>
+            <p:ph idx="1"/>
+          </p:nvPr>
+        </p:nvSpPr>
+        <p:spPr>
+          <a:xfrm>
+            <a:off x="677334" y="1352550"/>
+            <a:ext cx="8596668" cy="5400675"/>
+          </a:xfrm>
+        </p:spPr>
+        <p:txBody>
+          <a:bodyPr>
+            <a:normAutofit/>
+          </a:bodyPr>
+          <a:lstStyle/>
+          <a:p>
+            <a:pPr marL="0" indent="0">
+              <a:buNone/>
+            </a:pPr>
+            <a:r>
+              <a:rPr lang="de-DE" b="1" dirty="0"/>
+              <a:t>Beschreibung</a:t>
+            </a:r>
+          </a:p>
+          <a:p>
+            <a:pPr marL="457200" lvl="1" indent="0">
+              <a:buNone/>
+            </a:pPr>
+            <a:r>
+              <a:rPr lang="de-DE" dirty="0"/>
+              <a:t>Dieser </a:t>
+            </a:r>
+            <a:r>
+              <a:rPr lang="de-DE" dirty="0" err="1"/>
+              <a:t>Use</a:t>
+            </a:r>
+            <a:r>
+              <a:rPr lang="de-DE" dirty="0"/>
+              <a:t> Case beschreibt das </a:t>
+            </a:r>
+            <a:r>
+              <a:rPr lang="de-DE" dirty="0" err="1"/>
+              <a:t>Exception</a:t>
+            </a:r>
+            <a:r>
+              <a:rPr lang="de-DE" dirty="0"/>
+              <a:t>-Handling bei fehlender Datenbankverbindung und falschen Log-In-Daten</a:t>
+            </a:r>
+          </a:p>
+          <a:p>
+            <a:pPr marL="0" indent="0">
+              <a:buNone/>
+            </a:pPr>
+            <a:r>
+              <a:rPr lang="de-DE" b="1" dirty="0"/>
+              <a:t>Beteiligte</a:t>
+            </a:r>
+          </a:p>
+          <a:p>
+            <a:pPr marL="457200" lvl="1" indent="0">
+              <a:buNone/>
+            </a:pPr>
+            <a:r>
+              <a:rPr lang="de-DE" dirty="0"/>
+              <a:t>Benutzer</a:t>
+            </a:r>
+          </a:p>
+          <a:p>
+            <a:pPr marL="0" indent="0">
+              <a:buNone/>
+            </a:pPr>
+            <a:r>
+              <a:rPr lang="de-DE" b="1" dirty="0"/>
+              <a:t>Voraussetzungen</a:t>
+            </a:r>
+          </a:p>
+          <a:p>
+            <a:pPr marL="457200" lvl="1" indent="0">
+              <a:buNone/>
+            </a:pPr>
+            <a:r>
+              <a:rPr lang="de-DE" dirty="0"/>
+              <a:t>Datenbankverbindung darf nicht vorhanden sein</a:t>
+            </a:r>
+          </a:p>
+          <a:p>
+            <a:pPr marL="457200" lvl="1" indent="0">
+              <a:buNone/>
+            </a:pPr>
+            <a:r>
+              <a:rPr lang="de-DE" dirty="0"/>
+              <a:t>Der Benutzer gibt falsche Daten im Log-In an</a:t>
+            </a:r>
+          </a:p>
+          <a:p>
+            <a:pPr marL="457200" lvl="1" indent="0">
+              <a:buNone/>
+            </a:pPr>
+            <a:endParaRPr lang="de-DE" dirty="0"/>
+          </a:p>
+        </p:txBody>
+      </p:sp>
+      <p:sp>
+        <p:nvSpPr>
+          <p:cNvPr id="5" name="Date Placeholder 3">
+            <a:extLst>
+              <a:ext uri="{FF2B5EF4-FFF2-40B4-BE49-F238E27FC236}">
+                <a16:creationId xmlns:a16="http://schemas.microsoft.com/office/drawing/2014/main" id="{4C14AB97-C542-4790-9263-C13620CBC6CD}"/>
+              </a:ext>
+            </a:extLst>
+          </p:cNvPr>
+          <p:cNvSpPr txBox="1">
+            <a:spLocks/>
+          </p:cNvSpPr>
+          <p:nvPr/>
+        </p:nvSpPr>
+        <p:spPr>
+          <a:xfrm>
+            <a:off x="677334" y="231051"/>
+            <a:ext cx="1071566" cy="378549"/>
+          </a:xfrm>
+          <a:prstGeom prst="rect">
+            <a:avLst/>
+          </a:prstGeom>
+        </p:spPr>
+        <p:txBody>
+          <a:bodyPr vert="horz" lIns="91440" tIns="45720" rIns="91440" bIns="45720" rtlCol="0" anchor="ctr"/>
+          <a:lstStyle>
+            <a:defPPr>
+              <a:defRPr lang="en-US"/>
+            </a:defPPr>
+            <a:lvl1pPr marL="0" algn="r" defTabSz="457200" rtl="0" eaLnBrk="1" latinLnBrk="0" hangingPunct="1">
+              <a:defRPr sz="900" kern="1200">
+                <a:solidFill>
+                  <a:schemeClr val="tx1">
+                    <a:tint val="75000"/>
+                  </a:schemeClr>
+                </a:solidFill>
+                <a:latin typeface="+mn-lt"/>
+                <a:ea typeface="+mn-ea"/>
+                <a:cs typeface="+mn-cs"/>
+              </a:defRPr>
+            </a:lvl1pPr>
+            <a:lvl2pPr marL="457200" algn="l" defTabSz="457200" rtl="0" eaLnBrk="1" latinLnBrk="0" hangingPunct="1">
+              <a:defRPr sz="1800" kern="1200">
+                <a:solidFill>
+                  <a:schemeClr val="tx1"/>
+                </a:solidFill>
+                <a:latin typeface="+mn-lt"/>
+                <a:ea typeface="+mn-ea"/>
+                <a:cs typeface="+mn-cs"/>
+              </a:defRPr>
+            </a:lvl2pPr>
+            <a:lvl3pPr marL="914400" algn="l" defTabSz="457200" rtl="0" eaLnBrk="1" latinLnBrk="0" hangingPunct="1">
+              <a:defRPr sz="1800" kern="1200">
+                <a:solidFill>
+                  <a:schemeClr val="tx1"/>
+                </a:solidFill>
+                <a:latin typeface="+mn-lt"/>
+                <a:ea typeface="+mn-ea"/>
+                <a:cs typeface="+mn-cs"/>
+              </a:defRPr>
+            </a:lvl3pPr>
+            <a:lvl4pPr marL="1371600" algn="l" defTabSz="457200" rtl="0" eaLnBrk="1" latinLnBrk="0" hangingPunct="1">
+              <a:defRPr sz="1800" kern="1200">
+                <a:solidFill>
+                  <a:schemeClr val="tx1"/>
+                </a:solidFill>
+                <a:latin typeface="+mn-lt"/>
+                <a:ea typeface="+mn-ea"/>
+                <a:cs typeface="+mn-cs"/>
+              </a:defRPr>
+            </a:lvl4pPr>
+            <a:lvl5pPr marL="1828800" algn="l" defTabSz="457200" rtl="0" eaLnBrk="1" latinLnBrk="0" hangingPunct="1">
+              <a:defRPr sz="1800" kern="1200">
+                <a:solidFill>
+                  <a:schemeClr val="tx1"/>
+                </a:solidFill>
+                <a:latin typeface="+mn-lt"/>
+                <a:ea typeface="+mn-ea"/>
+                <a:cs typeface="+mn-cs"/>
+              </a:defRPr>
+            </a:lvl5pPr>
+            <a:lvl6pPr marL="2286000" algn="l" defTabSz="457200" rtl="0" eaLnBrk="1" latinLnBrk="0" hangingPunct="1">
+              <a:defRPr sz="1800" kern="1200">
+                <a:solidFill>
+                  <a:schemeClr val="tx1"/>
+                </a:solidFill>
+                <a:latin typeface="+mn-lt"/>
+                <a:ea typeface="+mn-ea"/>
+                <a:cs typeface="+mn-cs"/>
+              </a:defRPr>
+            </a:lvl6pPr>
+            <a:lvl7pPr marL="2743200" algn="l" defTabSz="457200" rtl="0" eaLnBrk="1" latinLnBrk="0" hangingPunct="1">
+              <a:defRPr sz="1800" kern="1200">
+                <a:solidFill>
+                  <a:schemeClr val="tx1"/>
+                </a:solidFill>
+                <a:latin typeface="+mn-lt"/>
+                <a:ea typeface="+mn-ea"/>
+                <a:cs typeface="+mn-cs"/>
+              </a:defRPr>
+            </a:lvl7pPr>
+            <a:lvl8pPr marL="3200400" algn="l" defTabSz="457200" rtl="0" eaLnBrk="1" latinLnBrk="0" hangingPunct="1">
+              <a:defRPr sz="1800" kern="1200">
+                <a:solidFill>
+                  <a:schemeClr val="tx1"/>
+                </a:solidFill>
+                <a:latin typeface="+mn-lt"/>
+                <a:ea typeface="+mn-ea"/>
+                <a:cs typeface="+mn-cs"/>
+              </a:defRPr>
+            </a:lvl8pPr>
+            <a:lvl9pPr marL="3657600" algn="l" defTabSz="457200" rtl="0" eaLnBrk="1" latinLnBrk="0" hangingPunct="1">
+              <a:defRPr sz="1800" kern="1200">
+                <a:solidFill>
+                  <a:schemeClr val="tx1"/>
+                </a:solidFill>
+                <a:latin typeface="+mn-lt"/>
+                <a:ea typeface="+mn-ea"/>
+                <a:cs typeface="+mn-cs"/>
+              </a:defRPr>
+            </a:lvl9pPr>
+          </a:lstStyle>
+          <a:p>
+            <a:fld id="{5665C720-CFBA-4CD6-B44E-E52DA515AFF8}" type="datetime1">
+              <a:rPr lang="de-DE" sz="1400" smtClean="0"/>
+              <a:pPr/>
+              <a:t>02.11.2020</a:t>
+            </a:fld>
+            <a:endParaRPr lang="en-US" dirty="0"/>
+          </a:p>
+        </p:txBody>
+      </p:sp>
+      <p:sp>
+        <p:nvSpPr>
+          <p:cNvPr id="6" name="Date Placeholder 3">
+            <a:extLst>
+              <a:ext uri="{FF2B5EF4-FFF2-40B4-BE49-F238E27FC236}">
+                <a16:creationId xmlns:a16="http://schemas.microsoft.com/office/drawing/2014/main" id="{FBE73F23-8D21-495D-8D7C-2DE7277152E1}"/>
+              </a:ext>
+            </a:extLst>
+          </p:cNvPr>
+          <p:cNvSpPr txBox="1">
+            <a:spLocks/>
+          </p:cNvSpPr>
+          <p:nvPr/>
+        </p:nvSpPr>
+        <p:spPr>
+          <a:xfrm>
+            <a:off x="1824033" y="231050"/>
+            <a:ext cx="5713108" cy="378549"/>
+          </a:xfrm>
+          <a:prstGeom prst="rect">
+            <a:avLst/>
+          </a:prstGeom>
+        </p:spPr>
+        <p:txBody>
+          <a:bodyPr vert="horz" lIns="91440" tIns="45720" rIns="91440" bIns="45720" rtlCol="0" anchor="ctr"/>
+          <a:lstStyle>
+            <a:defPPr>
+              <a:defRPr lang="en-US"/>
+            </a:defPPr>
+            <a:lvl1pPr marL="0" algn="r" defTabSz="457200" rtl="0" eaLnBrk="1" latinLnBrk="0" hangingPunct="1">
+              <a:defRPr sz="900" kern="1200">
+                <a:solidFill>
+                  <a:schemeClr val="tx1">
+                    <a:tint val="75000"/>
+                  </a:schemeClr>
+                </a:solidFill>
+                <a:latin typeface="+mn-lt"/>
+                <a:ea typeface="+mn-ea"/>
+                <a:cs typeface="+mn-cs"/>
+              </a:defRPr>
+            </a:lvl1pPr>
+            <a:lvl2pPr marL="457200" algn="l" defTabSz="457200" rtl="0" eaLnBrk="1" latinLnBrk="0" hangingPunct="1">
+              <a:defRPr sz="1800" kern="1200">
+                <a:solidFill>
+                  <a:schemeClr val="tx1"/>
+                </a:solidFill>
+                <a:latin typeface="+mn-lt"/>
+                <a:ea typeface="+mn-ea"/>
+                <a:cs typeface="+mn-cs"/>
+              </a:defRPr>
+            </a:lvl2pPr>
+            <a:lvl3pPr marL="914400" algn="l" defTabSz="457200" rtl="0" eaLnBrk="1" latinLnBrk="0" hangingPunct="1">
+              <a:defRPr sz="1800" kern="1200">
+                <a:solidFill>
+                  <a:schemeClr val="tx1"/>
+                </a:solidFill>
+                <a:latin typeface="+mn-lt"/>
+                <a:ea typeface="+mn-ea"/>
+                <a:cs typeface="+mn-cs"/>
+              </a:defRPr>
+            </a:lvl3pPr>
+            <a:lvl4pPr marL="1371600" algn="l" defTabSz="457200" rtl="0" eaLnBrk="1" latinLnBrk="0" hangingPunct="1">
+              <a:defRPr sz="1800" kern="1200">
+                <a:solidFill>
+                  <a:schemeClr val="tx1"/>
+                </a:solidFill>
+                <a:latin typeface="+mn-lt"/>
+                <a:ea typeface="+mn-ea"/>
+                <a:cs typeface="+mn-cs"/>
+              </a:defRPr>
+            </a:lvl4pPr>
+            <a:lvl5pPr marL="1828800" algn="l" defTabSz="457200" rtl="0" eaLnBrk="1" latinLnBrk="0" hangingPunct="1">
+              <a:defRPr sz="1800" kern="1200">
+                <a:solidFill>
+                  <a:schemeClr val="tx1"/>
+                </a:solidFill>
+                <a:latin typeface="+mn-lt"/>
+                <a:ea typeface="+mn-ea"/>
+                <a:cs typeface="+mn-cs"/>
+              </a:defRPr>
+            </a:lvl5pPr>
+            <a:lvl6pPr marL="2286000" algn="l" defTabSz="457200" rtl="0" eaLnBrk="1" latinLnBrk="0" hangingPunct="1">
+              <a:defRPr sz="1800" kern="1200">
+                <a:solidFill>
+                  <a:schemeClr val="tx1"/>
+                </a:solidFill>
+                <a:latin typeface="+mn-lt"/>
+                <a:ea typeface="+mn-ea"/>
+                <a:cs typeface="+mn-cs"/>
+              </a:defRPr>
+            </a:lvl6pPr>
+            <a:lvl7pPr marL="2743200" algn="l" defTabSz="457200" rtl="0" eaLnBrk="1" latinLnBrk="0" hangingPunct="1">
+              <a:defRPr sz="1800" kern="1200">
+                <a:solidFill>
+                  <a:schemeClr val="tx1"/>
+                </a:solidFill>
+                <a:latin typeface="+mn-lt"/>
+                <a:ea typeface="+mn-ea"/>
+                <a:cs typeface="+mn-cs"/>
+              </a:defRPr>
+            </a:lvl7pPr>
+            <a:lvl8pPr marL="3200400" algn="l" defTabSz="457200" rtl="0" eaLnBrk="1" latinLnBrk="0" hangingPunct="1">
+              <a:defRPr sz="1800" kern="1200">
+                <a:solidFill>
+                  <a:schemeClr val="tx1"/>
+                </a:solidFill>
+                <a:latin typeface="+mn-lt"/>
+                <a:ea typeface="+mn-ea"/>
+                <a:cs typeface="+mn-cs"/>
+              </a:defRPr>
+            </a:lvl8pPr>
+            <a:lvl9pPr marL="3657600" algn="l" defTabSz="457200" rtl="0" eaLnBrk="1" latinLnBrk="0" hangingPunct="1">
+              <a:defRPr sz="1800" kern="1200">
+                <a:solidFill>
+                  <a:schemeClr val="tx1"/>
+                </a:solidFill>
+                <a:latin typeface="+mn-lt"/>
+                <a:ea typeface="+mn-ea"/>
+                <a:cs typeface="+mn-cs"/>
+              </a:defRPr>
+            </a:lvl9pPr>
+          </a:lstStyle>
+          <a:p>
+            <a:r>
+              <a:rPr lang="de-DE" sz="1400" dirty="0"/>
+              <a:t>Veronika Taranek, Philipp </a:t>
+            </a:r>
+            <a:r>
+              <a:rPr lang="de-DE" sz="1400" dirty="0" err="1"/>
+              <a:t>Fenesan</a:t>
+            </a:r>
+            <a:r>
+              <a:rPr lang="de-DE" sz="1400" dirty="0"/>
+              <a:t>, Nicolas Geppert, Lukas Werner</a:t>
+            </a:r>
+            <a:endParaRPr lang="en-US" dirty="0"/>
+          </a:p>
+        </p:txBody>
+      </p:sp>
+    </p:spTree>
+    <p:extLst>
+      <p:ext uri="{BB962C8B-B14F-4D97-AF65-F5344CB8AC3E}">
+        <p14:creationId xmlns:p14="http://schemas.microsoft.com/office/powerpoint/2010/main" val="3983617968"/>
+      </p:ext>
+    </p:extLst>
+  </p:cSld>
+  <p:clrMapOvr>
+    <a:masterClrMapping/>
+  </p:clrMapOvr>
+</p:sld>
+</file>
+
+<file path=ppt/slides/slide21.xml><?xml version="1.0" encoding="utf-8"?>
+<p:sld xmlns:a="http://schemas.openxmlformats.org/drawingml/2006/main" xmlns:r="http://schemas.openxmlformats.org/officeDocument/2006/relationships" xmlns:p="http://schemas.openxmlformats.org/presentationml/2006/main">
+  <p:cSld>
+    <p:spTree>
+      <p:nvGrpSpPr>
+        <p:cNvPr id="1" name=""/>
+        <p:cNvGrpSpPr/>
+        <p:nvPr/>
+      </p:nvGrpSpPr>
+      <p:grpSpPr>
+        <a:xfrm>
+          <a:off x="0" y="0"/>
+          <a:ext cx="0" cy="0"/>
+          <a:chOff x="0" y="0"/>
+          <a:chExt cx="0" cy="0"/>
+        </a:xfrm>
+      </p:grpSpPr>
+      <p:sp>
+        <p:nvSpPr>
+          <p:cNvPr id="2" name="Title 1">
+            <a:extLst>
+              <a:ext uri="{FF2B5EF4-FFF2-40B4-BE49-F238E27FC236}">
+                <a16:creationId xmlns:a16="http://schemas.microsoft.com/office/drawing/2014/main" id="{DD89B45D-81B8-4037-8647-E08DB7556E63}"/>
+              </a:ext>
+            </a:extLst>
+          </p:cNvPr>
+          <p:cNvSpPr>
+            <a:spLocks noGrp="1"/>
+          </p:cNvSpPr>
+          <p:nvPr>
+            <p:ph type="title"/>
+          </p:nvPr>
+        </p:nvSpPr>
+        <p:spPr>
+          <a:xfrm>
+            <a:off x="677334" y="609598"/>
+            <a:ext cx="8596668" cy="1181101"/>
+          </a:xfrm>
+        </p:spPr>
+        <p:txBody>
+          <a:bodyPr/>
+          <a:lstStyle/>
+          <a:p>
+            <a:r>
+              <a:rPr lang="en-US" dirty="0"/>
+              <a:t>Use Case: Exception-Handling</a:t>
+            </a:r>
+          </a:p>
+        </p:txBody>
+      </p:sp>
+      <p:sp>
+        <p:nvSpPr>
+          <p:cNvPr id="3" name="Content Placeholder 2">
+            <a:extLst>
+              <a:ext uri="{FF2B5EF4-FFF2-40B4-BE49-F238E27FC236}">
+                <a16:creationId xmlns:a16="http://schemas.microsoft.com/office/drawing/2014/main" id="{591DF666-F25C-416A-9D7B-D66F364C5048}"/>
+              </a:ext>
+            </a:extLst>
+          </p:cNvPr>
+          <p:cNvSpPr>
+            <a:spLocks noGrp="1"/>
+          </p:cNvSpPr>
+          <p:nvPr>
+            <p:ph idx="1"/>
+          </p:nvPr>
+        </p:nvSpPr>
+        <p:spPr>
+          <a:xfrm>
+            <a:off x="677334" y="1352550"/>
+            <a:ext cx="8596668" cy="5400675"/>
+          </a:xfrm>
+        </p:spPr>
+        <p:txBody>
+          <a:bodyPr>
+            <a:normAutofit/>
+          </a:bodyPr>
+          <a:lstStyle/>
+          <a:p>
+            <a:pPr marL="0" indent="0">
+              <a:buNone/>
+            </a:pPr>
+            <a:r>
+              <a:rPr lang="de-DE" b="1" dirty="0"/>
+              <a:t>Ereignisfluss</a:t>
+            </a:r>
+          </a:p>
+          <a:p>
+            <a:pPr marL="457200" lvl="1" indent="0">
+              <a:buNone/>
+            </a:pPr>
+            <a:r>
+              <a:rPr lang="de-DE" dirty="0"/>
+              <a:t>Die Applikation wird gestartet</a:t>
+            </a:r>
+          </a:p>
+          <a:p>
+            <a:pPr marL="457200" lvl="1" indent="0">
+              <a:buNone/>
+            </a:pPr>
+            <a:r>
+              <a:rPr lang="de-DE" dirty="0"/>
+              <a:t>Der Log-In-Screen öffnet sich</a:t>
+            </a:r>
+          </a:p>
+          <a:p>
+            <a:pPr marL="457200" lvl="1" indent="0">
+              <a:buNone/>
+            </a:pPr>
+            <a:r>
+              <a:rPr lang="de-DE" dirty="0"/>
+              <a:t>Der Benutzer gibt falsche Daten ein</a:t>
+            </a:r>
+          </a:p>
+          <a:p>
+            <a:pPr marL="57150" indent="0">
+              <a:buNone/>
+            </a:pPr>
+            <a:r>
+              <a:rPr lang="de-DE" b="1" dirty="0"/>
+              <a:t>Nachbedingung</a:t>
+            </a:r>
+          </a:p>
+          <a:p>
+            <a:pPr marL="457200" lvl="1" indent="0">
+              <a:buNone/>
+            </a:pPr>
+            <a:r>
+              <a:rPr lang="de-DE" dirty="0"/>
+              <a:t>Erfolgreich bei nicht verbundener Datenbank: Der Screen wird weiß und es wird ausgegeben, dass die Verbindung zur Datenbank nicht hergestellt werden konnte</a:t>
+            </a:r>
+          </a:p>
+          <a:p>
+            <a:pPr marL="457200" lvl="1" indent="0">
+              <a:buNone/>
+            </a:pPr>
+            <a:r>
+              <a:rPr lang="de-DE" dirty="0"/>
+              <a:t>Fehler bei nicht verbundener Datenbank: Der Log-In-Screen wird angezeigt</a:t>
+            </a:r>
+          </a:p>
+          <a:p>
+            <a:pPr marL="457200" lvl="1" indent="0">
+              <a:buNone/>
+            </a:pPr>
+            <a:r>
+              <a:rPr lang="de-DE" dirty="0"/>
+              <a:t>Erfolgreich bei falschen Eingaben: Roter Text wird angezeigt: Falscher Benutzername (bei falschem Benutzernamen als Eingabefehler)</a:t>
+            </a:r>
+          </a:p>
+          <a:p>
+            <a:pPr marL="457200" lvl="1" indent="0">
+              <a:buNone/>
+            </a:pPr>
+            <a:r>
+              <a:rPr lang="de-DE" dirty="0"/>
+              <a:t>Fehler bei falschen Eingaben: Der Menu-Screen wird angezeigt</a:t>
+            </a:r>
+          </a:p>
+          <a:p>
+            <a:pPr marL="457200" lvl="1" indent="0">
+              <a:buNone/>
+            </a:pPr>
+            <a:endParaRPr lang="de-DE" dirty="0"/>
+          </a:p>
+        </p:txBody>
+      </p:sp>
+      <p:sp>
+        <p:nvSpPr>
+          <p:cNvPr id="5" name="Date Placeholder 3">
+            <a:extLst>
+              <a:ext uri="{FF2B5EF4-FFF2-40B4-BE49-F238E27FC236}">
+                <a16:creationId xmlns:a16="http://schemas.microsoft.com/office/drawing/2014/main" id="{4C14AB97-C542-4790-9263-C13620CBC6CD}"/>
+              </a:ext>
+            </a:extLst>
+          </p:cNvPr>
+          <p:cNvSpPr txBox="1">
+            <a:spLocks/>
+          </p:cNvSpPr>
+          <p:nvPr/>
+        </p:nvSpPr>
+        <p:spPr>
+          <a:xfrm>
+            <a:off x="677334" y="231051"/>
+            <a:ext cx="1071566" cy="378549"/>
+          </a:xfrm>
+          <a:prstGeom prst="rect">
+            <a:avLst/>
+          </a:prstGeom>
+        </p:spPr>
+        <p:txBody>
+          <a:bodyPr vert="horz" lIns="91440" tIns="45720" rIns="91440" bIns="45720" rtlCol="0" anchor="ctr"/>
+          <a:lstStyle>
+            <a:defPPr>
+              <a:defRPr lang="en-US"/>
+            </a:defPPr>
+            <a:lvl1pPr marL="0" algn="r" defTabSz="457200" rtl="0" eaLnBrk="1" latinLnBrk="0" hangingPunct="1">
+              <a:defRPr sz="900" kern="1200">
+                <a:solidFill>
+                  <a:schemeClr val="tx1">
+                    <a:tint val="75000"/>
+                  </a:schemeClr>
+                </a:solidFill>
+                <a:latin typeface="+mn-lt"/>
+                <a:ea typeface="+mn-ea"/>
+                <a:cs typeface="+mn-cs"/>
+              </a:defRPr>
+            </a:lvl1pPr>
+            <a:lvl2pPr marL="457200" algn="l" defTabSz="457200" rtl="0" eaLnBrk="1" latinLnBrk="0" hangingPunct="1">
+              <a:defRPr sz="1800" kern="1200">
+                <a:solidFill>
+                  <a:schemeClr val="tx1"/>
+                </a:solidFill>
+                <a:latin typeface="+mn-lt"/>
+                <a:ea typeface="+mn-ea"/>
+                <a:cs typeface="+mn-cs"/>
+              </a:defRPr>
+            </a:lvl2pPr>
+            <a:lvl3pPr marL="914400" algn="l" defTabSz="457200" rtl="0" eaLnBrk="1" latinLnBrk="0" hangingPunct="1">
+              <a:defRPr sz="1800" kern="1200">
+                <a:solidFill>
+                  <a:schemeClr val="tx1"/>
+                </a:solidFill>
+                <a:latin typeface="+mn-lt"/>
+                <a:ea typeface="+mn-ea"/>
+                <a:cs typeface="+mn-cs"/>
+              </a:defRPr>
+            </a:lvl3pPr>
+            <a:lvl4pPr marL="1371600" algn="l" defTabSz="457200" rtl="0" eaLnBrk="1" latinLnBrk="0" hangingPunct="1">
+              <a:defRPr sz="1800" kern="1200">
+                <a:solidFill>
+                  <a:schemeClr val="tx1"/>
+                </a:solidFill>
+                <a:latin typeface="+mn-lt"/>
+                <a:ea typeface="+mn-ea"/>
+                <a:cs typeface="+mn-cs"/>
+              </a:defRPr>
+            </a:lvl4pPr>
+            <a:lvl5pPr marL="1828800" algn="l" defTabSz="457200" rtl="0" eaLnBrk="1" latinLnBrk="0" hangingPunct="1">
+              <a:defRPr sz="1800" kern="1200">
+                <a:solidFill>
+                  <a:schemeClr val="tx1"/>
+                </a:solidFill>
+                <a:latin typeface="+mn-lt"/>
+                <a:ea typeface="+mn-ea"/>
+                <a:cs typeface="+mn-cs"/>
+              </a:defRPr>
+            </a:lvl5pPr>
+            <a:lvl6pPr marL="2286000" algn="l" defTabSz="457200" rtl="0" eaLnBrk="1" latinLnBrk="0" hangingPunct="1">
+              <a:defRPr sz="1800" kern="1200">
+                <a:solidFill>
+                  <a:schemeClr val="tx1"/>
+                </a:solidFill>
+                <a:latin typeface="+mn-lt"/>
+                <a:ea typeface="+mn-ea"/>
+                <a:cs typeface="+mn-cs"/>
+              </a:defRPr>
+            </a:lvl6pPr>
+            <a:lvl7pPr marL="2743200" algn="l" defTabSz="457200" rtl="0" eaLnBrk="1" latinLnBrk="0" hangingPunct="1">
+              <a:defRPr sz="1800" kern="1200">
+                <a:solidFill>
+                  <a:schemeClr val="tx1"/>
+                </a:solidFill>
+                <a:latin typeface="+mn-lt"/>
+                <a:ea typeface="+mn-ea"/>
+                <a:cs typeface="+mn-cs"/>
+              </a:defRPr>
+            </a:lvl7pPr>
+            <a:lvl8pPr marL="3200400" algn="l" defTabSz="457200" rtl="0" eaLnBrk="1" latinLnBrk="0" hangingPunct="1">
+              <a:defRPr sz="1800" kern="1200">
+                <a:solidFill>
+                  <a:schemeClr val="tx1"/>
+                </a:solidFill>
+                <a:latin typeface="+mn-lt"/>
+                <a:ea typeface="+mn-ea"/>
+                <a:cs typeface="+mn-cs"/>
+              </a:defRPr>
+            </a:lvl8pPr>
+            <a:lvl9pPr marL="3657600" algn="l" defTabSz="457200" rtl="0" eaLnBrk="1" latinLnBrk="0" hangingPunct="1">
+              <a:defRPr sz="1800" kern="1200">
+                <a:solidFill>
+                  <a:schemeClr val="tx1"/>
+                </a:solidFill>
+                <a:latin typeface="+mn-lt"/>
+                <a:ea typeface="+mn-ea"/>
+                <a:cs typeface="+mn-cs"/>
+              </a:defRPr>
+            </a:lvl9pPr>
+          </a:lstStyle>
+          <a:p>
+            <a:fld id="{5665C720-CFBA-4CD6-B44E-E52DA515AFF8}" type="datetime1">
+              <a:rPr lang="de-DE" sz="1400" smtClean="0"/>
+              <a:pPr/>
+              <a:t>02.11.2020</a:t>
+            </a:fld>
+            <a:endParaRPr lang="en-US" dirty="0"/>
+          </a:p>
+        </p:txBody>
+      </p:sp>
+      <p:sp>
+        <p:nvSpPr>
+          <p:cNvPr id="6" name="Date Placeholder 3">
+            <a:extLst>
+              <a:ext uri="{FF2B5EF4-FFF2-40B4-BE49-F238E27FC236}">
+                <a16:creationId xmlns:a16="http://schemas.microsoft.com/office/drawing/2014/main" id="{FBE73F23-8D21-495D-8D7C-2DE7277152E1}"/>
+              </a:ext>
+            </a:extLst>
+          </p:cNvPr>
+          <p:cNvSpPr txBox="1">
+            <a:spLocks/>
+          </p:cNvSpPr>
+          <p:nvPr/>
+        </p:nvSpPr>
+        <p:spPr>
+          <a:xfrm>
+            <a:off x="1824033" y="231050"/>
+            <a:ext cx="5713108" cy="378549"/>
+          </a:xfrm>
+          <a:prstGeom prst="rect">
+            <a:avLst/>
+          </a:prstGeom>
+        </p:spPr>
+        <p:txBody>
+          <a:bodyPr vert="horz" lIns="91440" tIns="45720" rIns="91440" bIns="45720" rtlCol="0" anchor="ctr"/>
+          <a:lstStyle>
+            <a:defPPr>
+              <a:defRPr lang="en-US"/>
+            </a:defPPr>
+            <a:lvl1pPr marL="0" algn="r" defTabSz="457200" rtl="0" eaLnBrk="1" latinLnBrk="0" hangingPunct="1">
+              <a:defRPr sz="900" kern="1200">
+                <a:solidFill>
+                  <a:schemeClr val="tx1">
+                    <a:tint val="75000"/>
+                  </a:schemeClr>
+                </a:solidFill>
+                <a:latin typeface="+mn-lt"/>
+                <a:ea typeface="+mn-ea"/>
+                <a:cs typeface="+mn-cs"/>
+              </a:defRPr>
+            </a:lvl1pPr>
+            <a:lvl2pPr marL="457200" algn="l" defTabSz="457200" rtl="0" eaLnBrk="1" latinLnBrk="0" hangingPunct="1">
+              <a:defRPr sz="1800" kern="1200">
+                <a:solidFill>
+                  <a:schemeClr val="tx1"/>
+                </a:solidFill>
+                <a:latin typeface="+mn-lt"/>
+                <a:ea typeface="+mn-ea"/>
+                <a:cs typeface="+mn-cs"/>
+              </a:defRPr>
+            </a:lvl2pPr>
+            <a:lvl3pPr marL="914400" algn="l" defTabSz="457200" rtl="0" eaLnBrk="1" latinLnBrk="0" hangingPunct="1">
+              <a:defRPr sz="1800" kern="1200">
+                <a:solidFill>
+                  <a:schemeClr val="tx1"/>
+                </a:solidFill>
+                <a:latin typeface="+mn-lt"/>
+                <a:ea typeface="+mn-ea"/>
+                <a:cs typeface="+mn-cs"/>
+              </a:defRPr>
+            </a:lvl3pPr>
+            <a:lvl4pPr marL="1371600" algn="l" defTabSz="457200" rtl="0" eaLnBrk="1" latinLnBrk="0" hangingPunct="1">
+              <a:defRPr sz="1800" kern="1200">
+                <a:solidFill>
+                  <a:schemeClr val="tx1"/>
+                </a:solidFill>
+                <a:latin typeface="+mn-lt"/>
+                <a:ea typeface="+mn-ea"/>
+                <a:cs typeface="+mn-cs"/>
+              </a:defRPr>
+            </a:lvl4pPr>
+            <a:lvl5pPr marL="1828800" algn="l" defTabSz="457200" rtl="0" eaLnBrk="1" latinLnBrk="0" hangingPunct="1">
+              <a:defRPr sz="1800" kern="1200">
+                <a:solidFill>
+                  <a:schemeClr val="tx1"/>
+                </a:solidFill>
+                <a:latin typeface="+mn-lt"/>
+                <a:ea typeface="+mn-ea"/>
+                <a:cs typeface="+mn-cs"/>
+              </a:defRPr>
+            </a:lvl5pPr>
+            <a:lvl6pPr marL="2286000" algn="l" defTabSz="457200" rtl="0" eaLnBrk="1" latinLnBrk="0" hangingPunct="1">
+              <a:defRPr sz="1800" kern="1200">
+                <a:solidFill>
+                  <a:schemeClr val="tx1"/>
+                </a:solidFill>
+                <a:latin typeface="+mn-lt"/>
+                <a:ea typeface="+mn-ea"/>
+                <a:cs typeface="+mn-cs"/>
+              </a:defRPr>
+            </a:lvl6pPr>
+            <a:lvl7pPr marL="2743200" algn="l" defTabSz="457200" rtl="0" eaLnBrk="1" latinLnBrk="0" hangingPunct="1">
+              <a:defRPr sz="1800" kern="1200">
+                <a:solidFill>
+                  <a:schemeClr val="tx1"/>
+                </a:solidFill>
+                <a:latin typeface="+mn-lt"/>
+                <a:ea typeface="+mn-ea"/>
+                <a:cs typeface="+mn-cs"/>
+              </a:defRPr>
+            </a:lvl7pPr>
+            <a:lvl8pPr marL="3200400" algn="l" defTabSz="457200" rtl="0" eaLnBrk="1" latinLnBrk="0" hangingPunct="1">
+              <a:defRPr sz="1800" kern="1200">
+                <a:solidFill>
+                  <a:schemeClr val="tx1"/>
+                </a:solidFill>
+                <a:latin typeface="+mn-lt"/>
+                <a:ea typeface="+mn-ea"/>
+                <a:cs typeface="+mn-cs"/>
+              </a:defRPr>
+            </a:lvl8pPr>
+            <a:lvl9pPr marL="3657600" algn="l" defTabSz="457200" rtl="0" eaLnBrk="1" latinLnBrk="0" hangingPunct="1">
+              <a:defRPr sz="1800" kern="1200">
+                <a:solidFill>
+                  <a:schemeClr val="tx1"/>
+                </a:solidFill>
+                <a:latin typeface="+mn-lt"/>
+                <a:ea typeface="+mn-ea"/>
+                <a:cs typeface="+mn-cs"/>
+              </a:defRPr>
+            </a:lvl9pPr>
+          </a:lstStyle>
+          <a:p>
+            <a:r>
+              <a:rPr lang="de-DE" sz="1400" dirty="0"/>
+              <a:t>Veronika Taranek, Philipp </a:t>
+            </a:r>
+            <a:r>
+              <a:rPr lang="de-DE" sz="1400" dirty="0" err="1"/>
+              <a:t>Fenesan</a:t>
+            </a:r>
+            <a:r>
+              <a:rPr lang="de-DE" sz="1400" dirty="0"/>
+              <a:t>, Nicolas Geppert, Lukas Werner</a:t>
+            </a:r>
+            <a:endParaRPr lang="en-US" dirty="0"/>
+          </a:p>
+        </p:txBody>
+      </p:sp>
+    </p:spTree>
+    <p:extLst>
+      <p:ext uri="{BB962C8B-B14F-4D97-AF65-F5344CB8AC3E}">
+        <p14:creationId xmlns:p14="http://schemas.microsoft.com/office/powerpoint/2010/main" val="699817145"/>
+      </p:ext>
+    </p:extLst>
+  </p:cSld>
+  <p:clrMapOvr>
+    <a:masterClrMapping/>
+  </p:clrMapOvr>
+</p:sld>
+</file>
+
+<file path=ppt/slides/slide22.xml><?xml version="1.0" encoding="utf-8"?>
+<p:sld xmlns:a="http://schemas.openxmlformats.org/drawingml/2006/main" xmlns:r="http://schemas.openxmlformats.org/officeDocument/2006/relationships" xmlns:p="http://schemas.openxmlformats.org/presentationml/2006/main">
+  <p:cSld>
+    <p:spTree>
+      <p:nvGrpSpPr>
+        <p:cNvPr id="1" name=""/>
+        <p:cNvGrpSpPr/>
+        <p:nvPr/>
+      </p:nvGrpSpPr>
+      <p:grpSpPr>
+        <a:xfrm>
+          <a:off x="0" y="0"/>
+          <a:ext cx="0" cy="0"/>
+          <a:chOff x="0" y="0"/>
+          <a:chExt cx="0" cy="0"/>
+        </a:xfrm>
+      </p:grpSpPr>
+      <p:sp>
+        <p:nvSpPr>
+          <p:cNvPr id="2" name="Title 1">
+            <a:extLst>
+              <a:ext uri="{FF2B5EF4-FFF2-40B4-BE49-F238E27FC236}">
+                <a16:creationId xmlns:a16="http://schemas.microsoft.com/office/drawing/2014/main" id="{F9F93E65-E2C5-4910-B614-28FAF037FACC}"/>
+              </a:ext>
+            </a:extLst>
+          </p:cNvPr>
+          <p:cNvSpPr>
+            <a:spLocks noGrp="1"/>
+          </p:cNvSpPr>
+          <p:nvPr>
+            <p:ph type="ctrTitle"/>
+          </p:nvPr>
+        </p:nvSpPr>
+        <p:spPr/>
+        <p:txBody>
+          <a:bodyPr/>
+          <a:lstStyle/>
+          <a:p>
+            <a:r>
+              <a:rPr lang="en-US" dirty="0" err="1"/>
+              <a:t>Vielen</a:t>
+            </a:r>
+            <a:r>
+              <a:rPr lang="en-US" dirty="0"/>
+              <a:t> Dank </a:t>
+            </a:r>
+            <a:r>
+              <a:rPr lang="en-US" dirty="0" err="1"/>
+              <a:t>für</a:t>
+            </a:r>
+            <a:r>
+              <a:rPr lang="en-US" dirty="0"/>
+              <a:t> </a:t>
+            </a:r>
+            <a:r>
+              <a:rPr lang="en-US" dirty="0" err="1"/>
+              <a:t>Ihre</a:t>
+            </a:r>
+            <a:r>
+              <a:rPr lang="en-US" dirty="0"/>
+              <a:t> </a:t>
+            </a:r>
+            <a:r>
+              <a:rPr lang="en-US" dirty="0" err="1"/>
+              <a:t>Aufmerksamkeit</a:t>
+            </a:r>
+            <a:r>
+              <a:rPr lang="en-US" dirty="0"/>
+              <a:t>!</a:t>
+            </a:r>
+          </a:p>
+        </p:txBody>
+      </p:sp>
+      <p:sp>
+        <p:nvSpPr>
+          <p:cNvPr id="3" name="Subtitle 2">
+            <a:extLst>
+              <a:ext uri="{FF2B5EF4-FFF2-40B4-BE49-F238E27FC236}">
+                <a16:creationId xmlns:a16="http://schemas.microsoft.com/office/drawing/2014/main" id="{41146A61-9AD4-4D27-A779-3F68A3742FED}"/>
+              </a:ext>
+            </a:extLst>
+          </p:cNvPr>
+          <p:cNvSpPr>
+            <a:spLocks noGrp="1"/>
+          </p:cNvSpPr>
+          <p:nvPr>
+            <p:ph type="subTitle" idx="1"/>
+          </p:nvPr>
+        </p:nvSpPr>
+        <p:spPr>
+          <a:xfrm>
+            <a:off x="1507067" y="4050833"/>
+            <a:ext cx="7766936" cy="1896961"/>
+          </a:xfrm>
+        </p:spPr>
+        <p:txBody>
+          <a:bodyPr>
+            <a:normAutofit fontScale="92500" lnSpcReduction="20000"/>
+          </a:bodyPr>
+          <a:lstStyle/>
+          <a:p>
+            <a:pPr algn="l"/>
+            <a:r>
+              <a:rPr lang="en-US" dirty="0"/>
+              <a:t>Bei </a:t>
+            </a:r>
+            <a:r>
+              <a:rPr lang="en-US" dirty="0" err="1"/>
+              <a:t>Fragen</a:t>
+            </a:r>
+            <a:r>
+              <a:rPr lang="en-US" dirty="0"/>
+              <a:t>:</a:t>
+            </a:r>
+          </a:p>
+          <a:p>
+            <a:pPr algn="l"/>
+            <a:br>
+              <a:rPr lang="en-US" dirty="0"/>
+            </a:br>
+            <a:r>
+              <a:rPr lang="en-US" dirty="0"/>
+              <a:t>Veronika Taranek: </a:t>
+            </a:r>
+            <a:r>
+              <a:rPr lang="en-US" dirty="0">
+                <a:hlinkClick r:id="rId2"/>
+              </a:rPr>
+              <a:t>veronika.taranek@studmail.hwg-lu.de</a:t>
+            </a:r>
+            <a:endParaRPr lang="en-US" dirty="0"/>
+          </a:p>
+          <a:p>
+            <a:pPr algn="l"/>
+            <a:r>
+              <a:rPr lang="en-US" dirty="0"/>
+              <a:t>Philipp </a:t>
+            </a:r>
+            <a:r>
+              <a:rPr lang="en-US" dirty="0" err="1"/>
+              <a:t>Fenesan</a:t>
+            </a:r>
+            <a:r>
+              <a:rPr lang="en-US" dirty="0"/>
+              <a:t>: </a:t>
+            </a:r>
+            <a:r>
+              <a:rPr lang="en-US" dirty="0">
+                <a:hlinkClick r:id="rId3"/>
+              </a:rPr>
+              <a:t>philipp.fenesan@studmail.hwg-lu.de</a:t>
+            </a:r>
+            <a:endParaRPr lang="en-US" dirty="0"/>
+          </a:p>
+          <a:p>
+            <a:pPr algn="l"/>
+            <a:r>
+              <a:rPr lang="en-US" dirty="0"/>
+              <a:t>Nicolas </a:t>
+            </a:r>
+            <a:r>
+              <a:rPr lang="en-US" dirty="0" err="1"/>
+              <a:t>Geppert</a:t>
+            </a:r>
+            <a:r>
+              <a:rPr lang="en-US" dirty="0"/>
+              <a:t>: </a:t>
+            </a:r>
+            <a:r>
+              <a:rPr lang="en-US" dirty="0">
+                <a:hlinkClick r:id="rId4"/>
+              </a:rPr>
+              <a:t>nicolas.geppert@studmail.hwg-lu.de</a:t>
+            </a:r>
+            <a:endParaRPr lang="en-US" dirty="0"/>
+          </a:p>
+          <a:p>
+            <a:pPr algn="l"/>
+            <a:r>
+              <a:rPr lang="en-US" dirty="0"/>
+              <a:t>Lukas Werner: </a:t>
+            </a:r>
+            <a:r>
+              <a:rPr lang="en-US" dirty="0">
+                <a:hlinkClick r:id="rId5"/>
+              </a:rPr>
+              <a:t>lukas.werner@studmail.hwg-lu.de</a:t>
+            </a:r>
+            <a:endParaRPr lang="en-US" dirty="0"/>
+          </a:p>
+          <a:p>
+            <a:pPr algn="l"/>
+            <a:endParaRPr lang="en-US" dirty="0"/>
+          </a:p>
+        </p:txBody>
+      </p:sp>
+      <p:sp>
+        <p:nvSpPr>
+          <p:cNvPr id="5" name="Date Placeholder 3">
+            <a:extLst>
+              <a:ext uri="{FF2B5EF4-FFF2-40B4-BE49-F238E27FC236}">
+                <a16:creationId xmlns:a16="http://schemas.microsoft.com/office/drawing/2014/main" id="{ECE0BE53-C40D-4BC4-BE86-D2CD12DD4BA9}"/>
+              </a:ext>
+            </a:extLst>
+          </p:cNvPr>
+          <p:cNvSpPr txBox="1">
+            <a:spLocks/>
+          </p:cNvSpPr>
+          <p:nvPr/>
+        </p:nvSpPr>
+        <p:spPr>
+          <a:xfrm>
+            <a:off x="752835" y="239440"/>
+            <a:ext cx="1071566" cy="378549"/>
+          </a:xfrm>
+          <a:prstGeom prst="rect">
+            <a:avLst/>
+          </a:prstGeom>
+        </p:spPr>
+        <p:txBody>
+          <a:bodyPr vert="horz" lIns="91440" tIns="45720" rIns="91440" bIns="45720" rtlCol="0" anchor="ctr"/>
+          <a:lstStyle>
+            <a:defPPr>
+              <a:defRPr lang="en-US"/>
+            </a:defPPr>
+            <a:lvl1pPr marL="0" algn="r" defTabSz="457200" rtl="0" eaLnBrk="1" latinLnBrk="0" hangingPunct="1">
+              <a:defRPr sz="900" kern="1200">
+                <a:solidFill>
+                  <a:schemeClr val="tx1">
+                    <a:tint val="75000"/>
+                  </a:schemeClr>
+                </a:solidFill>
+                <a:latin typeface="+mn-lt"/>
+                <a:ea typeface="+mn-ea"/>
+                <a:cs typeface="+mn-cs"/>
+              </a:defRPr>
+            </a:lvl1pPr>
+            <a:lvl2pPr marL="457200" algn="l" defTabSz="457200" rtl="0" eaLnBrk="1" latinLnBrk="0" hangingPunct="1">
+              <a:defRPr sz="1800" kern="1200">
+                <a:solidFill>
+                  <a:schemeClr val="tx1"/>
+                </a:solidFill>
+                <a:latin typeface="+mn-lt"/>
+                <a:ea typeface="+mn-ea"/>
+                <a:cs typeface="+mn-cs"/>
+              </a:defRPr>
+            </a:lvl2pPr>
+            <a:lvl3pPr marL="914400" algn="l" defTabSz="457200" rtl="0" eaLnBrk="1" latinLnBrk="0" hangingPunct="1">
+              <a:defRPr sz="1800" kern="1200">
+                <a:solidFill>
+                  <a:schemeClr val="tx1"/>
+                </a:solidFill>
+                <a:latin typeface="+mn-lt"/>
+                <a:ea typeface="+mn-ea"/>
+                <a:cs typeface="+mn-cs"/>
+              </a:defRPr>
+            </a:lvl3pPr>
+            <a:lvl4pPr marL="1371600" algn="l" defTabSz="457200" rtl="0" eaLnBrk="1" latinLnBrk="0" hangingPunct="1">
+              <a:defRPr sz="1800" kern="1200">
+                <a:solidFill>
+                  <a:schemeClr val="tx1"/>
+                </a:solidFill>
+                <a:latin typeface="+mn-lt"/>
+                <a:ea typeface="+mn-ea"/>
+                <a:cs typeface="+mn-cs"/>
+              </a:defRPr>
+            </a:lvl4pPr>
+            <a:lvl5pPr marL="1828800" algn="l" defTabSz="457200" rtl="0" eaLnBrk="1" latinLnBrk="0" hangingPunct="1">
+              <a:defRPr sz="1800" kern="1200">
+                <a:solidFill>
+                  <a:schemeClr val="tx1"/>
+                </a:solidFill>
+                <a:latin typeface="+mn-lt"/>
+                <a:ea typeface="+mn-ea"/>
+                <a:cs typeface="+mn-cs"/>
+              </a:defRPr>
+            </a:lvl5pPr>
+            <a:lvl6pPr marL="2286000" algn="l" defTabSz="457200" rtl="0" eaLnBrk="1" latinLnBrk="0" hangingPunct="1">
+              <a:defRPr sz="1800" kern="1200">
+                <a:solidFill>
+                  <a:schemeClr val="tx1"/>
+                </a:solidFill>
+                <a:latin typeface="+mn-lt"/>
+                <a:ea typeface="+mn-ea"/>
+                <a:cs typeface="+mn-cs"/>
+              </a:defRPr>
+            </a:lvl6pPr>
+            <a:lvl7pPr marL="2743200" algn="l" defTabSz="457200" rtl="0" eaLnBrk="1" latinLnBrk="0" hangingPunct="1">
+              <a:defRPr sz="1800" kern="1200">
+                <a:solidFill>
+                  <a:schemeClr val="tx1"/>
+                </a:solidFill>
+                <a:latin typeface="+mn-lt"/>
+                <a:ea typeface="+mn-ea"/>
+                <a:cs typeface="+mn-cs"/>
+              </a:defRPr>
+            </a:lvl7pPr>
+            <a:lvl8pPr marL="3200400" algn="l" defTabSz="457200" rtl="0" eaLnBrk="1" latinLnBrk="0" hangingPunct="1">
+              <a:defRPr sz="1800" kern="1200">
+                <a:solidFill>
+                  <a:schemeClr val="tx1"/>
+                </a:solidFill>
+                <a:latin typeface="+mn-lt"/>
+                <a:ea typeface="+mn-ea"/>
+                <a:cs typeface="+mn-cs"/>
+              </a:defRPr>
+            </a:lvl8pPr>
+            <a:lvl9pPr marL="3657600" algn="l" defTabSz="457200" rtl="0" eaLnBrk="1" latinLnBrk="0" hangingPunct="1">
+              <a:defRPr sz="1800" kern="1200">
+                <a:solidFill>
+                  <a:schemeClr val="tx1"/>
+                </a:solidFill>
+                <a:latin typeface="+mn-lt"/>
+                <a:ea typeface="+mn-ea"/>
+                <a:cs typeface="+mn-cs"/>
+              </a:defRPr>
+            </a:lvl9pPr>
+          </a:lstStyle>
+          <a:p>
+            <a:fld id="{5665C720-CFBA-4CD6-B44E-E52DA515AFF8}" type="datetime1">
+              <a:rPr lang="de-DE" sz="1400" smtClean="0"/>
+              <a:pPr/>
+              <a:t>02.11.2020</a:t>
+            </a:fld>
+            <a:endParaRPr lang="en-US" dirty="0"/>
+          </a:p>
+        </p:txBody>
+      </p:sp>
+    </p:spTree>
+    <p:extLst>
+      <p:ext uri="{BB962C8B-B14F-4D97-AF65-F5344CB8AC3E}">
+        <p14:creationId xmlns:p14="http://schemas.microsoft.com/office/powerpoint/2010/main" val="1825384497"/>
       </p:ext>
     </p:extLst>
   </p:cSld>

--- a/presentation/wanderoo – Gruppe 3.pptx
+++ b/presentation/wanderoo – Gruppe 3.pptx
@@ -218,7 +218,7 @@
           <a:p>
             <a:fld id="{91C987E9-D846-45D7-B0BA-09A404DDD18F}" type="datetimeFigureOut">
               <a:rPr lang="en-US" smtClean="0"/>
-              <a:t>11/2/2020</a:t>
+              <a:t>11/3/2020</a:t>
             </a:fld>
             <a:endParaRPr lang="en-US"/>
           </a:p>
@@ -1537,7 +1537,7 @@
           <a:p>
             <a:fld id="{F7B45734-1697-4AB7-959A-59021CEE7C63}" type="datetime1">
               <a:rPr lang="de-DE" smtClean="0"/>
-              <a:t>02.11.2020</a:t>
+              <a:t>03.11.2020</a:t>
             </a:fld>
             <a:endParaRPr lang="en-US"/>
           </a:p>
@@ -1800,7 +1800,7 @@
           <a:p>
             <a:fld id="{28E0F9FB-1E8A-4CFC-BF19-70653968A72B}" type="datetime1">
               <a:rPr lang="de-DE" smtClean="0"/>
-              <a:t>02.11.2020</a:t>
+              <a:t>03.11.2020</a:t>
             </a:fld>
             <a:endParaRPr lang="en-US"/>
           </a:p>
@@ -2051,7 +2051,7 @@
           <a:p>
             <a:fld id="{4C8791FF-7201-4729-B98B-5B802CB6FE26}" type="datetime1">
               <a:rPr lang="de-DE" smtClean="0"/>
-              <a:t>02.11.2020</a:t>
+              <a:t>03.11.2020</a:t>
             </a:fld>
             <a:endParaRPr lang="en-US"/>
           </a:p>
@@ -2365,7 +2365,7 @@
           <a:p>
             <a:fld id="{16EBDE9D-3BF1-458B-B04E-AA7056777578}" type="datetime1">
               <a:rPr lang="de-DE" smtClean="0"/>
-              <a:t>02.11.2020</a:t>
+              <a:t>03.11.2020</a:t>
             </a:fld>
             <a:endParaRPr lang="en-US"/>
           </a:p>
@@ -2706,7 +2706,7 @@
           <a:p>
             <a:fld id="{72379833-F89A-4CC5-AD26-2146F255572C}" type="datetime1">
               <a:rPr lang="de-DE" smtClean="0"/>
-              <a:t>02.11.2020</a:t>
+              <a:t>03.11.2020</a:t>
             </a:fld>
             <a:endParaRPr lang="en-US"/>
           </a:p>
@@ -3020,7 +3020,7 @@
           <a:p>
             <a:fld id="{431A2CE2-D7A9-4F80-8471-7A4DA8B72368}" type="datetime1">
               <a:rPr lang="de-DE" smtClean="0"/>
-              <a:t>02.11.2020</a:t>
+              <a:t>03.11.2020</a:t>
             </a:fld>
             <a:endParaRPr lang="en-US"/>
           </a:p>
@@ -3413,7 +3413,7 @@
           <a:p>
             <a:fld id="{4B9D6D1C-E905-4368-9630-7DD1E44954A8}" type="datetime1">
               <a:rPr lang="de-DE" smtClean="0"/>
-              <a:t>02.11.2020</a:t>
+              <a:t>03.11.2020</a:t>
             </a:fld>
             <a:endParaRPr lang="en-US"/>
           </a:p>
@@ -3583,7 +3583,7 @@
           <a:p>
             <a:fld id="{8627FA29-765F-442F-8C7E-8C4E33FBBD15}" type="datetime1">
               <a:rPr lang="de-DE" smtClean="0"/>
-              <a:t>02.11.2020</a:t>
+              <a:t>03.11.2020</a:t>
             </a:fld>
             <a:endParaRPr lang="en-US"/>
           </a:p>
@@ -3763,7 +3763,7 @@
           <a:p>
             <a:fld id="{C79E08BA-6372-4F95-AB4E-CF7226F9351B}" type="datetime1">
               <a:rPr lang="de-DE" smtClean="0"/>
-              <a:t>02.11.2020</a:t>
+              <a:t>03.11.2020</a:t>
             </a:fld>
             <a:endParaRPr lang="en-US"/>
           </a:p>
@@ -3939,7 +3939,7 @@
           <a:p>
             <a:fld id="{BBFE0E78-BD63-486A-A840-5A82EE4DABDC}" type="datetime1">
               <a:rPr lang="de-DE" smtClean="0"/>
-              <a:t>02.11.2020</a:t>
+              <a:t>03.11.2020</a:t>
             </a:fld>
             <a:endParaRPr lang="en-US"/>
           </a:p>
@@ -4068,7 +4068,7 @@
           <a:p>
             <a:fld id="{FD088E02-9980-4083-8604-339DD30750A9}" type="datetime1">
               <a:rPr lang="de-DE" smtClean="0"/>
-              <a:t>02.11.2020</a:t>
+              <a:t>03.11.2020</a:t>
             </a:fld>
             <a:endParaRPr lang="en-US"/>
           </a:p>
@@ -4410,7 +4410,7 @@
           <a:p>
             <a:fld id="{512B8740-04A0-4F0F-BA2E-747FAA8552CF}" type="datetime1">
               <a:rPr lang="de-DE" smtClean="0"/>
-              <a:t>02.11.2020</a:t>
+              <a:t>03.11.2020</a:t>
             </a:fld>
             <a:endParaRPr lang="en-US"/>
           </a:p>
@@ -4642,7 +4642,7 @@
           <a:p>
             <a:fld id="{52340480-09C1-41B7-ACEE-F79B5ACF8268}" type="datetime1">
               <a:rPr lang="de-DE" smtClean="0"/>
-              <a:t>02.11.2020</a:t>
+              <a:t>03.11.2020</a:t>
             </a:fld>
             <a:endParaRPr lang="en-US"/>
           </a:p>
@@ -5016,7 +5016,7 @@
           <a:p>
             <a:fld id="{3C76072F-ABDE-49C9-B45F-982F33145057}" type="datetime1">
               <a:rPr lang="de-DE" smtClean="0"/>
-              <a:t>02.11.2020</a:t>
+              <a:t>03.11.2020</a:t>
             </a:fld>
             <a:endParaRPr lang="en-US"/>
           </a:p>
@@ -5139,7 +5139,7 @@
           <a:p>
             <a:fld id="{FF972E03-99BD-433F-85AD-6324DFFF3902}" type="datetime1">
               <a:rPr lang="de-DE" smtClean="0"/>
-              <a:t>02.11.2020</a:t>
+              <a:t>03.11.2020</a:t>
             </a:fld>
             <a:endParaRPr lang="en-US"/>
           </a:p>
@@ -5234,7 +5234,7 @@
           <a:p>
             <a:fld id="{EB4EFE40-CAA3-420B-8D0E-DBD5AB0FE83F}" type="datetime1">
               <a:rPr lang="de-DE" smtClean="0"/>
-              <a:t>02.11.2020</a:t>
+              <a:t>03.11.2020</a:t>
             </a:fld>
             <a:endParaRPr lang="en-US"/>
           </a:p>
@@ -5489,7 +5489,7 @@
           <a:p>
             <a:fld id="{E2AC2435-A98B-4155-AB69-4F954FE6AEBB}" type="datetime1">
               <a:rPr lang="de-DE" smtClean="0"/>
-              <a:t>02.11.2020</a:t>
+              <a:t>03.11.2020</a:t>
             </a:fld>
             <a:endParaRPr lang="en-US"/>
           </a:p>
@@ -6232,7 +6232,7 @@
           <a:p>
             <a:fld id="{589A2304-41B2-49D5-86E3-82760E9ED896}" type="datetime1">
               <a:rPr lang="de-DE" smtClean="0"/>
-              <a:t>02.11.2020</a:t>
+              <a:t>03.11.2020</a:t>
             </a:fld>
             <a:endParaRPr lang="en-US"/>
           </a:p>
@@ -6857,7 +6857,7 @@
           <a:p>
             <a:fld id="{46B7071C-03FC-43DF-B990-14F749E9D9DA}" type="datetime1">
               <a:rPr lang="de-DE" smtClean="0"/>
-              <a:t>02.11.2020</a:t>
+              <a:t>03.11.2020</a:t>
             </a:fld>
             <a:endParaRPr lang="en-US" dirty="0"/>
           </a:p>
@@ -7047,7 +7047,7 @@
             <a:fld id="{5665C720-CFBA-4CD6-B44E-E52DA515AFF8}" type="datetime1">
               <a:rPr lang="de-DE" sz="1400" smtClean="0"/>
               <a:pPr/>
-              <a:t>02.11.2020</a:t>
+              <a:t>03.11.2020</a:t>
             </a:fld>
             <a:endParaRPr lang="en-US" dirty="0"/>
           </a:p>
@@ -7320,7 +7320,7 @@
             <a:fld id="{5665C720-CFBA-4CD6-B44E-E52DA515AFF8}" type="datetime1">
               <a:rPr lang="de-DE" sz="1400" smtClean="0"/>
               <a:pPr/>
-              <a:t>02.11.2020</a:t>
+              <a:t>03.11.2020</a:t>
             </a:fld>
             <a:endParaRPr lang="en-US" dirty="0"/>
           </a:p>
@@ -7784,7 +7784,7 @@
                   <a:spcPts val="600"/>
                 </a:spcAft>
               </a:pPr>
-              <a:t>02.11.2020</a:t>
+              <a:t>03.11.2020</a:t>
             </a:fld>
             <a:endParaRPr lang="en-US"/>
           </a:p>
@@ -8053,7 +8053,7 @@
             <a:fld id="{5665C720-CFBA-4CD6-B44E-E52DA515AFF8}" type="datetime1">
               <a:rPr lang="de-DE" sz="1400" smtClean="0"/>
               <a:pPr/>
-              <a:t>02.11.2020</a:t>
+              <a:t>03.11.2020</a:t>
             </a:fld>
             <a:endParaRPr lang="en-US" dirty="0"/>
           </a:p>
@@ -8506,7 +8506,7 @@
             <a:fld id="{5665C720-CFBA-4CD6-B44E-E52DA515AFF8}" type="datetime1">
               <a:rPr lang="de-DE" sz="1400" smtClean="0"/>
               <a:pPr/>
-              <a:t>02.11.2020</a:t>
+              <a:t>03.11.2020</a:t>
             </a:fld>
             <a:endParaRPr lang="en-US" dirty="0"/>
           </a:p>
@@ -8943,7 +8943,7 @@
             <a:fld id="{5665C720-CFBA-4CD6-B44E-E52DA515AFF8}" type="datetime1">
               <a:rPr lang="de-DE" sz="1400" smtClean="0"/>
               <a:pPr/>
-              <a:t>02.11.2020</a:t>
+              <a:t>03.11.2020</a:t>
             </a:fld>
             <a:endParaRPr lang="en-US" dirty="0"/>
           </a:p>
@@ -9388,7 +9388,7 @@
             <a:fld id="{5665C720-CFBA-4CD6-B44E-E52DA515AFF8}" type="datetime1">
               <a:rPr lang="de-DE" sz="1400" smtClean="0"/>
               <a:pPr/>
-              <a:t>02.11.2020</a:t>
+              <a:t>03.11.2020</a:t>
             </a:fld>
             <a:endParaRPr lang="en-US" dirty="0"/>
           </a:p>
@@ -9861,7 +9861,7 @@
             <a:fld id="{5665C720-CFBA-4CD6-B44E-E52DA515AFF8}" type="datetime1">
               <a:rPr lang="de-DE" sz="1400" smtClean="0"/>
               <a:pPr/>
-              <a:t>02.11.2020</a:t>
+              <a:t>03.11.2020</a:t>
             </a:fld>
             <a:endParaRPr lang="en-US" dirty="0"/>
           </a:p>
@@ -10306,7 +10306,7 @@
             <a:fld id="{5665C720-CFBA-4CD6-B44E-E52DA515AFF8}" type="datetime1">
               <a:rPr lang="de-DE" sz="1400" smtClean="0"/>
               <a:pPr/>
-              <a:t>02.11.2020</a:t>
+              <a:t>03.11.2020</a:t>
             </a:fld>
             <a:endParaRPr lang="en-US" dirty="0"/>
           </a:p>
@@ -10743,7 +10743,7 @@
             <a:fld id="{5665C720-CFBA-4CD6-B44E-E52DA515AFF8}" type="datetime1">
               <a:rPr lang="de-DE" sz="1400" smtClean="0"/>
               <a:pPr/>
-              <a:t>02.11.2020</a:t>
+              <a:t>03.11.2020</a:t>
             </a:fld>
             <a:endParaRPr lang="en-US" dirty="0"/>
           </a:p>
@@ -11509,7 +11509,7 @@
             <a:fld id="{5665C720-CFBA-4CD6-B44E-E52DA515AFF8}" type="datetime1">
               <a:rPr lang="de-DE" sz="1400" smtClean="0"/>
               <a:pPr/>
-              <a:t>02.11.2020</a:t>
+              <a:t>03.11.2020</a:t>
             </a:fld>
             <a:endParaRPr lang="en-US" dirty="0"/>
           </a:p>
@@ -11959,7 +11959,7 @@
             <a:fld id="{5665C720-CFBA-4CD6-B44E-E52DA515AFF8}" type="datetime1">
               <a:rPr lang="de-DE" sz="1400" smtClean="0"/>
               <a:pPr/>
-              <a:t>02.11.2020</a:t>
+              <a:t>03.11.2020</a:t>
             </a:fld>
             <a:endParaRPr lang="en-US" dirty="0"/>
           </a:p>
@@ -12439,7 +12439,7 @@
             <a:fld id="{5665C720-CFBA-4CD6-B44E-E52DA515AFF8}" type="datetime1">
               <a:rPr lang="de-DE" sz="1400" smtClean="0"/>
               <a:pPr/>
-              <a:t>02.11.2020</a:t>
+              <a:t>03.11.2020</a:t>
             </a:fld>
             <a:endParaRPr lang="en-US" dirty="0"/>
           </a:p>
@@ -12701,12 +12701,12 @@
               <a:t> </a:t>
             </a:r>
             <a:r>
-              <a:rPr lang="en-US" dirty="0" err="1"/>
-              <a:t>Wanderführer</a:t>
+              <a:rPr lang="en-US"/>
+              <a:t>Wanderführern </a:t>
             </a:r>
             <a:r>
               <a:rPr lang="en-US" dirty="0"/>
-              <a:t> die </a:t>
+              <a:t>die </a:t>
             </a:r>
             <a:r>
               <a:rPr lang="en-US" dirty="0" err="1"/>
@@ -13378,7 +13378,7 @@
           <a:p>
             <a:fld id="{BBFE0E78-BD63-486A-A840-5A82EE4DABDC}" type="datetime1">
               <a:rPr lang="de-DE" smtClean="0"/>
-              <a:t>02.11.2020</a:t>
+              <a:t>03.11.2020</a:t>
             </a:fld>
             <a:endParaRPr lang="en-US"/>
           </a:p>
@@ -13776,7 +13776,7 @@
             <a:fld id="{5665C720-CFBA-4CD6-B44E-E52DA515AFF8}" type="datetime1">
               <a:rPr lang="de-DE" sz="1400" smtClean="0"/>
               <a:pPr/>
-              <a:t>02.11.2020</a:t>
+              <a:t>03.11.2020</a:t>
             </a:fld>
             <a:endParaRPr lang="en-US" dirty="0"/>
           </a:p>
@@ -14241,7 +14241,7 @@
             <a:fld id="{5665C720-CFBA-4CD6-B44E-E52DA515AFF8}" type="datetime1">
               <a:rPr lang="de-DE" sz="1400" smtClean="0"/>
               <a:pPr/>
-              <a:t>02.11.2020</a:t>
+              <a:t>03.11.2020</a:t>
             </a:fld>
             <a:endParaRPr lang="en-US" dirty="0"/>
           </a:p>
@@ -14936,7 +14936,7 @@
             <a:fld id="{5665C720-CFBA-4CD6-B44E-E52DA515AFF8}" type="datetime1">
               <a:rPr lang="de-DE" sz="1400" smtClean="0"/>
               <a:pPr/>
-              <a:t>02.11.2020</a:t>
+              <a:t>03.11.2020</a:t>
             </a:fld>
             <a:endParaRPr lang="en-US" dirty="0"/>
           </a:p>
@@ -15304,7 +15304,7 @@
             <a:fld id="{5665C720-CFBA-4CD6-B44E-E52DA515AFF8}" type="datetime1">
               <a:rPr lang="de-DE" sz="1400" smtClean="0"/>
               <a:pPr/>
-              <a:t>02.11.2020</a:t>
+              <a:t>03.11.2020</a:t>
             </a:fld>
             <a:endParaRPr lang="en-US" dirty="0"/>
           </a:p>
@@ -16193,7 +16193,7 @@
             <a:fld id="{5665C720-CFBA-4CD6-B44E-E52DA515AFF8}" type="datetime1">
               <a:rPr lang="de-DE" sz="1400" smtClean="0"/>
               <a:pPr/>
-              <a:t>02.11.2020</a:t>
+              <a:t>03.11.2020</a:t>
             </a:fld>
             <a:endParaRPr lang="en-US" dirty="0"/>
           </a:p>

--- a/presentation/wanderoo – Gruppe 3.pptx
+++ b/presentation/wanderoo – Gruppe 3.pptx
@@ -136,6 +136,159 @@
 </p:presentation>
 </file>
 
+<file path=ppt/revisionInfo.xml><?xml version="1.0" encoding="utf-8"?>
+<p1510:revInfo xmlns:a="http://schemas.openxmlformats.org/drawingml/2006/main" xmlns:r="http://schemas.openxmlformats.org/officeDocument/2006/relationships" xmlns:p1510="http://schemas.microsoft.com/office/powerpoint/2015/10/main">
+  <p1510:revLst>
+    <p1510:client id="{0024950D-91B8-41FD-A0C2-7362D3C032AF}" v="4" dt="2020-11-03T21:25:13.712"/>
+  </p1510:revLst>
+</p1510:revInfo>
+</file>
+
+<file path=ppt/changesInfos/changesInfo1.xml><?xml version="1.0" encoding="utf-8"?>
+<pc:chgInfo xmlns:a="http://schemas.openxmlformats.org/drawingml/2006/main" xmlns:r="http://schemas.openxmlformats.org/officeDocument/2006/relationships" xmlns:ac="http://schemas.microsoft.com/office/drawing/2013/main/command" xmlns:pc="http://schemas.microsoft.com/office/powerpoint/2013/main/command">
+  <pc:docChgLst>
+    <pc:chgData name="Philipp Fenesan" userId="c7a34bec018ae3b2" providerId="LiveId" clId="{0024950D-91B8-41FD-A0C2-7362D3C032AF}"/>
+    <pc:docChg chg="undo custSel modSld">
+      <pc:chgData name="Philipp Fenesan" userId="c7a34bec018ae3b2" providerId="LiveId" clId="{0024950D-91B8-41FD-A0C2-7362D3C032AF}" dt="2020-11-03T21:27:13.379" v="583" actId="478"/>
+      <pc:docMkLst>
+        <pc:docMk/>
+      </pc:docMkLst>
+      <pc:sldChg chg="modSp mod">
+        <pc:chgData name="Philipp Fenesan" userId="c7a34bec018ae3b2" providerId="LiveId" clId="{0024950D-91B8-41FD-A0C2-7362D3C032AF}" dt="2020-11-03T21:25:10.062" v="578" actId="108"/>
+        <pc:sldMkLst>
+          <pc:docMk/>
+          <pc:sldMk cId="2502311815" sldId="257"/>
+        </pc:sldMkLst>
+        <pc:spChg chg="mod">
+          <ac:chgData name="Philipp Fenesan" userId="c7a34bec018ae3b2" providerId="LiveId" clId="{0024950D-91B8-41FD-A0C2-7362D3C032AF}" dt="2020-11-03T21:25:10.062" v="578" actId="108"/>
+          <ac:spMkLst>
+            <pc:docMk/>
+            <pc:sldMk cId="2502311815" sldId="257"/>
+            <ac:spMk id="4" creationId="{4AC01FB9-36E0-4F50-94AD-42B7C461E75F}"/>
+          </ac:spMkLst>
+        </pc:spChg>
+      </pc:sldChg>
+      <pc:sldChg chg="modSp mod">
+        <pc:chgData name="Philipp Fenesan" userId="c7a34bec018ae3b2" providerId="LiveId" clId="{0024950D-91B8-41FD-A0C2-7362D3C032AF}" dt="2020-11-03T21:26:02.349" v="581" actId="12"/>
+        <pc:sldMkLst>
+          <pc:docMk/>
+          <pc:sldMk cId="902159870" sldId="259"/>
+        </pc:sldMkLst>
+        <pc:spChg chg="mod">
+          <ac:chgData name="Philipp Fenesan" userId="c7a34bec018ae3b2" providerId="LiveId" clId="{0024950D-91B8-41FD-A0C2-7362D3C032AF}" dt="2020-11-03T21:23:13.615" v="570" actId="20577"/>
+          <ac:spMkLst>
+            <pc:docMk/>
+            <pc:sldMk cId="902159870" sldId="259"/>
+            <ac:spMk id="4" creationId="{00A16F92-1166-464A-8CD3-7BB27E20159C}"/>
+          </ac:spMkLst>
+        </pc:spChg>
+        <pc:spChg chg="mod">
+          <ac:chgData name="Philipp Fenesan" userId="c7a34bec018ae3b2" providerId="LiveId" clId="{0024950D-91B8-41FD-A0C2-7362D3C032AF}" dt="2020-11-03T21:26:02.349" v="581" actId="12"/>
+          <ac:spMkLst>
+            <pc:docMk/>
+            <pc:sldMk cId="902159870" sldId="259"/>
+            <ac:spMk id="9" creationId="{9866596A-8C96-4BB2-B8C8-2342E2878D1C}"/>
+          </ac:spMkLst>
+        </pc:spChg>
+      </pc:sldChg>
+      <pc:sldChg chg="modSp mod">
+        <pc:chgData name="Philipp Fenesan" userId="c7a34bec018ae3b2" providerId="LiveId" clId="{0024950D-91B8-41FD-A0C2-7362D3C032AF}" dt="2020-11-03T21:13:29.090" v="398" actId="20577"/>
+        <pc:sldMkLst>
+          <pc:docMk/>
+          <pc:sldMk cId="740188723" sldId="262"/>
+        </pc:sldMkLst>
+        <pc:spChg chg="mod">
+          <ac:chgData name="Philipp Fenesan" userId="c7a34bec018ae3b2" providerId="LiveId" clId="{0024950D-91B8-41FD-A0C2-7362D3C032AF}" dt="2020-11-03T21:13:29.090" v="398" actId="20577"/>
+          <ac:spMkLst>
+            <pc:docMk/>
+            <pc:sldMk cId="740188723" sldId="262"/>
+            <ac:spMk id="3" creationId="{35A35F08-81B4-4BD4-B1FC-BDC5AFE63A70}"/>
+          </ac:spMkLst>
+        </pc:spChg>
+      </pc:sldChg>
+      <pc:sldChg chg="addSp delSp modSp mod">
+        <pc:chgData name="Philipp Fenesan" userId="c7a34bec018ae3b2" providerId="LiveId" clId="{0024950D-91B8-41FD-A0C2-7362D3C032AF}" dt="2020-11-03T21:25:02.939" v="577" actId="108"/>
+        <pc:sldMkLst>
+          <pc:docMk/>
+          <pc:sldMk cId="1853708038" sldId="266"/>
+        </pc:sldMkLst>
+        <pc:spChg chg="mod">
+          <ac:chgData name="Philipp Fenesan" userId="c7a34bec018ae3b2" providerId="LiveId" clId="{0024950D-91B8-41FD-A0C2-7362D3C032AF}" dt="2020-11-03T21:17:59.431" v="568" actId="14100"/>
+          <ac:spMkLst>
+            <pc:docMk/>
+            <pc:sldMk cId="1853708038" sldId="266"/>
+            <ac:spMk id="3" creationId="{ED9D7D34-CEFA-48AC-B3B9-758A71E43DD0}"/>
+          </ac:spMkLst>
+        </pc:spChg>
+        <pc:spChg chg="del">
+          <ac:chgData name="Philipp Fenesan" userId="c7a34bec018ae3b2" providerId="LiveId" clId="{0024950D-91B8-41FD-A0C2-7362D3C032AF}" dt="2020-11-03T21:24:43.619" v="575" actId="478"/>
+          <ac:spMkLst>
+            <pc:docMk/>
+            <pc:sldMk cId="1853708038" sldId="266"/>
+            <ac:spMk id="5" creationId="{B31ADB65-6343-4462-9B89-6D85B9C891F9}"/>
+          </ac:spMkLst>
+        </pc:spChg>
+        <pc:spChg chg="add del mod">
+          <ac:chgData name="Philipp Fenesan" userId="c7a34bec018ae3b2" providerId="LiveId" clId="{0024950D-91B8-41FD-A0C2-7362D3C032AF}" dt="2020-11-03T21:24:42.676" v="574"/>
+          <ac:spMkLst>
+            <pc:docMk/>
+            <pc:sldMk cId="1853708038" sldId="266"/>
+            <ac:spMk id="7" creationId="{875AA434-D69B-4403-9715-EB6ED19318F3}"/>
+          </ac:spMkLst>
+        </pc:spChg>
+        <pc:spChg chg="add mod">
+          <ac:chgData name="Philipp Fenesan" userId="c7a34bec018ae3b2" providerId="LiveId" clId="{0024950D-91B8-41FD-A0C2-7362D3C032AF}" dt="2020-11-03T21:25:02.939" v="577" actId="108"/>
+          <ac:spMkLst>
+            <pc:docMk/>
+            <pc:sldMk cId="1853708038" sldId="266"/>
+            <ac:spMk id="8" creationId="{4773144A-7831-4D3F-8846-630E8A5E9819}"/>
+          </ac:spMkLst>
+        </pc:spChg>
+      </pc:sldChg>
+      <pc:sldChg chg="addSp delSp modSp mod">
+        <pc:chgData name="Philipp Fenesan" userId="c7a34bec018ae3b2" providerId="LiveId" clId="{0024950D-91B8-41FD-A0C2-7362D3C032AF}" dt="2020-11-03T21:27:13.379" v="583" actId="478"/>
+        <pc:sldMkLst>
+          <pc:docMk/>
+          <pc:sldMk cId="3398674882" sldId="268"/>
+        </pc:sldMkLst>
+        <pc:spChg chg="mod">
+          <ac:chgData name="Philipp Fenesan" userId="c7a34bec018ae3b2" providerId="LiveId" clId="{0024950D-91B8-41FD-A0C2-7362D3C032AF}" dt="2020-11-03T21:15:46.971" v="504" actId="20577"/>
+          <ac:spMkLst>
+            <pc:docMk/>
+            <pc:sldMk cId="3398674882" sldId="268"/>
+            <ac:spMk id="3" creationId="{2DD3CF87-E897-452A-8D9B-61C8EA03CD8A}"/>
+          </ac:spMkLst>
+        </pc:spChg>
+        <pc:spChg chg="del mod">
+          <ac:chgData name="Philipp Fenesan" userId="c7a34bec018ae3b2" providerId="LiveId" clId="{0024950D-91B8-41FD-A0C2-7362D3C032AF}" dt="2020-11-03T21:27:13.379" v="583" actId="478"/>
+          <ac:spMkLst>
+            <pc:docMk/>
+            <pc:sldMk cId="3398674882" sldId="268"/>
+            <ac:spMk id="4" creationId="{41E0B3D4-E200-4541-85BE-E80DCE88DEBC}"/>
+          </ac:spMkLst>
+        </pc:spChg>
+        <pc:spChg chg="add mod">
+          <ac:chgData name="Philipp Fenesan" userId="c7a34bec018ae3b2" providerId="LiveId" clId="{0024950D-91B8-41FD-A0C2-7362D3C032AF}" dt="2020-11-03T21:25:13.712" v="579"/>
+          <ac:spMkLst>
+            <pc:docMk/>
+            <pc:sldMk cId="3398674882" sldId="268"/>
+            <ac:spMk id="5" creationId="{2D4710A9-A1BB-42CA-9892-DAAB49571A1B}"/>
+          </ac:spMkLst>
+        </pc:spChg>
+        <pc:spChg chg="add">
+          <ac:chgData name="Philipp Fenesan" userId="c7a34bec018ae3b2" providerId="LiveId" clId="{0024950D-91B8-41FD-A0C2-7362D3C032AF}" dt="2020-11-03T21:25:18.423" v="580" actId="22"/>
+          <ac:spMkLst>
+            <pc:docMk/>
+            <pc:sldMk cId="3398674882" sldId="268"/>
+            <ac:spMk id="7" creationId="{302C5874-CB02-45F0-90C0-9BFABABAD0CC}"/>
+          </ac:spMkLst>
+        </pc:spChg>
+      </pc:sldChg>
+    </pc:docChg>
+  </pc:docChgLst>
+</pc:chgInfo>
+</file>
+
 <file path=ppt/notesMasters/notesMaster1.xml><?xml version="1.0" encoding="utf-8"?>
 <p:notesMaster xmlns:a="http://schemas.openxmlformats.org/drawingml/2006/main" xmlns:r="http://schemas.openxmlformats.org/officeDocument/2006/relationships" xmlns:p="http://schemas.openxmlformats.org/presentationml/2006/main">
   <p:cSld>
@@ -376,7 +529,7 @@
           <a:p>
             <a:fld id="{E9848302-4D0B-44CA-8F00-816E91755838}" type="slidenum">
               <a:rPr lang="en-US" smtClean="0"/>
-              <a:t>‹#›</a:t>
+              <a:t>‹Nr.›</a:t>
             </a:fld>
             <a:endParaRPr lang="en-US"/>
           </a:p>
@@ -1579,7 +1732,7 @@
           <a:p>
             <a:fld id="{55605263-C902-48DB-AA98-994A2984047F}" type="slidenum">
               <a:rPr lang="en-US" smtClean="0"/>
-              <a:t>‹#›</a:t>
+              <a:t>‹Nr.›</a:t>
             </a:fld>
             <a:endParaRPr lang="en-US"/>
           </a:p>
@@ -1842,7 +1995,7 @@
           <a:p>
             <a:fld id="{55605263-C902-48DB-AA98-994A2984047F}" type="slidenum">
               <a:rPr lang="en-US" smtClean="0"/>
-              <a:t>‹#›</a:t>
+              <a:t>‹Nr.›</a:t>
             </a:fld>
             <a:endParaRPr lang="en-US"/>
           </a:p>
@@ -2093,7 +2246,7 @@
           <a:p>
             <a:fld id="{55605263-C902-48DB-AA98-994A2984047F}" type="slidenum">
               <a:rPr lang="en-US" smtClean="0"/>
-              <a:t>‹#›</a:t>
+              <a:t>‹Nr.›</a:t>
             </a:fld>
             <a:endParaRPr lang="en-US"/>
           </a:p>
@@ -2407,7 +2560,7 @@
           <a:p>
             <a:fld id="{55605263-C902-48DB-AA98-994A2984047F}" type="slidenum">
               <a:rPr lang="en-US" smtClean="0"/>
-              <a:t>‹#›</a:t>
+              <a:t>‹Nr.›</a:t>
             </a:fld>
             <a:endParaRPr lang="en-US"/>
           </a:p>
@@ -2748,7 +2901,7 @@
           <a:p>
             <a:fld id="{55605263-C902-48DB-AA98-994A2984047F}" type="slidenum">
               <a:rPr lang="en-US" smtClean="0"/>
-              <a:t>‹#›</a:t>
+              <a:t>‹Nr.›</a:t>
             </a:fld>
             <a:endParaRPr lang="en-US"/>
           </a:p>
@@ -3062,7 +3215,7 @@
           <a:p>
             <a:fld id="{55605263-C902-48DB-AA98-994A2984047F}" type="slidenum">
               <a:rPr lang="en-US" smtClean="0"/>
-              <a:t>‹#›</a:t>
+              <a:t>‹Nr.›</a:t>
             </a:fld>
             <a:endParaRPr lang="en-US"/>
           </a:p>
@@ -3455,7 +3608,7 @@
           <a:p>
             <a:fld id="{55605263-C902-48DB-AA98-994A2984047F}" type="slidenum">
               <a:rPr lang="en-US" smtClean="0"/>
-              <a:t>‹#›</a:t>
+              <a:t>‹Nr.›</a:t>
             </a:fld>
             <a:endParaRPr lang="en-US"/>
           </a:p>
@@ -3625,7 +3778,7 @@
           <a:p>
             <a:fld id="{55605263-C902-48DB-AA98-994A2984047F}" type="slidenum">
               <a:rPr lang="en-US" smtClean="0"/>
-              <a:t>‹#›</a:t>
+              <a:t>‹Nr.›</a:t>
             </a:fld>
             <a:endParaRPr lang="en-US"/>
           </a:p>
@@ -3805,7 +3958,7 @@
           <a:p>
             <a:fld id="{55605263-C902-48DB-AA98-994A2984047F}" type="slidenum">
               <a:rPr lang="en-US" smtClean="0"/>
-              <a:t>‹#›</a:t>
+              <a:t>‹Nr.›</a:t>
             </a:fld>
             <a:endParaRPr lang="en-US"/>
           </a:p>
@@ -3981,7 +4134,7 @@
           <a:p>
             <a:fld id="{55605263-C902-48DB-AA98-994A2984047F}" type="slidenum">
               <a:rPr lang="en-US" smtClean="0"/>
-              <a:t>‹#›</a:t>
+              <a:t>‹Nr.›</a:t>
             </a:fld>
             <a:endParaRPr lang="en-US"/>
           </a:p>
@@ -4122,7 +4275,7 @@
           <a:p>
             <a:fld id="{55605263-C902-48DB-AA98-994A2984047F}" type="slidenum">
               <a:rPr lang="en-US" smtClean="0"/>
-              <a:t>‹#›</a:t>
+              <a:t>‹Nr.›</a:t>
             </a:fld>
             <a:endParaRPr lang="en-US"/>
           </a:p>
@@ -4452,7 +4605,7 @@
           <a:p>
             <a:fld id="{55605263-C902-48DB-AA98-994A2984047F}" type="slidenum">
               <a:rPr lang="en-US" smtClean="0"/>
-              <a:t>‹#›</a:t>
+              <a:t>‹Nr.›</a:t>
             </a:fld>
             <a:endParaRPr lang="en-US"/>
           </a:p>
@@ -4684,7 +4837,7 @@
           <a:p>
             <a:fld id="{55605263-C902-48DB-AA98-994A2984047F}" type="slidenum">
               <a:rPr lang="en-US" smtClean="0"/>
-              <a:t>‹#›</a:t>
+              <a:t>‹Nr.›</a:t>
             </a:fld>
             <a:endParaRPr lang="en-US"/>
           </a:p>
@@ -5058,7 +5211,7 @@
           <a:p>
             <a:fld id="{55605263-C902-48DB-AA98-994A2984047F}" type="slidenum">
               <a:rPr lang="en-US" smtClean="0"/>
-              <a:t>‹#›</a:t>
+              <a:t>‹Nr.›</a:t>
             </a:fld>
             <a:endParaRPr lang="en-US"/>
           </a:p>
@@ -5181,7 +5334,7 @@
           <a:p>
             <a:fld id="{55605263-C902-48DB-AA98-994A2984047F}" type="slidenum">
               <a:rPr lang="en-US" smtClean="0"/>
-              <a:t>‹#›</a:t>
+              <a:t>‹Nr.›</a:t>
             </a:fld>
             <a:endParaRPr lang="en-US"/>
           </a:p>
@@ -5276,7 +5429,7 @@
           <a:p>
             <a:fld id="{55605263-C902-48DB-AA98-994A2984047F}" type="slidenum">
               <a:rPr lang="en-US" smtClean="0"/>
-              <a:t>‹#›</a:t>
+              <a:t>‹Nr.›</a:t>
             </a:fld>
             <a:endParaRPr lang="en-US"/>
           </a:p>
@@ -5531,7 +5684,7 @@
           <a:p>
             <a:fld id="{55605263-C902-48DB-AA98-994A2984047F}" type="slidenum">
               <a:rPr lang="en-US" smtClean="0"/>
-              <a:t>‹#›</a:t>
+              <a:t>‹Nr.›</a:t>
             </a:fld>
             <a:endParaRPr lang="en-US"/>
           </a:p>
@@ -6308,7 +6461,7 @@
           <a:p>
             <a:fld id="{55605263-C902-48DB-AA98-994A2984047F}" type="slidenum">
               <a:rPr lang="en-US" smtClean="0"/>
-              <a:t>‹#›</a:t>
+              <a:t>‹Nr.›</a:t>
             </a:fld>
             <a:endParaRPr lang="en-US"/>
           </a:p>
@@ -11056,14 +11209,14 @@
           </a:xfrm>
         </p:spPr>
         <p:txBody>
-          <a:bodyPr/>
+          <a:bodyPr vert="horz" lIns="91440" tIns="45720" rIns="91440" bIns="45720" rtlCol="0" anchor="ctr"/>
           <a:lstStyle/>
           <a:p>
             <a:r>
               <a:rPr lang="de-DE" sz="1400" dirty="0"/>
-              <a:t>11.09.2020</a:t>
-            </a:r>
-            <a:endParaRPr lang="en-US" dirty="0"/>
+              <a:t>03.11.2020</a:t>
+            </a:r>
+            <a:endParaRPr lang="en-US" sz="1400" dirty="0"/>
           </a:p>
         </p:txBody>
       </p:sp>
@@ -12520,26 +12673,101 @@
             <p:ph idx="1"/>
           </p:nvPr>
         </p:nvSpPr>
-        <p:spPr/>
+        <p:spPr>
+          <a:xfrm>
+            <a:off x="677334" y="2041071"/>
+            <a:ext cx="8863995" cy="4000291"/>
+          </a:xfrm>
+        </p:spPr>
         <p:txBody>
           <a:bodyPr/>
           <a:lstStyle/>
           <a:p>
-            <a:r>
-              <a:rPr lang="en-US" dirty="0"/>
-              <a:t>Wie </a:t>
-            </a:r>
+            <a:pPr marL="0" indent="0">
+              <a:buNone/>
+            </a:pPr>
+            <a:r>
+              <a:rPr lang="en-US" b="1" dirty="0"/>
+              <a:t>“Wie </a:t>
+            </a:r>
+            <a:r>
+              <a:rPr lang="en-US" b="1" dirty="0" err="1"/>
+              <a:t>kann</a:t>
+            </a:r>
+            <a:r>
+              <a:rPr lang="en-US" b="1" dirty="0"/>
+              <a:t> man </a:t>
+            </a:r>
+            <a:r>
+              <a:rPr lang="en-US" b="1" dirty="0" err="1"/>
+              <a:t>einen</a:t>
+            </a:r>
+            <a:r>
+              <a:rPr lang="en-US" b="1" dirty="0"/>
+              <a:t> </a:t>
+            </a:r>
+            <a:r>
+              <a:rPr lang="en-US" b="1" dirty="0" err="1"/>
+              <a:t>Wanderführer</a:t>
+            </a:r>
+            <a:r>
+              <a:rPr lang="en-US" b="1" dirty="0"/>
+              <a:t> in Hauenstein </a:t>
+            </a:r>
+            <a:r>
+              <a:rPr lang="en-US" b="1" dirty="0" err="1"/>
+              <a:t>durch</a:t>
+            </a:r>
+            <a:r>
+              <a:rPr lang="en-US" b="1" dirty="0"/>
+              <a:t> </a:t>
+            </a:r>
+            <a:r>
+              <a:rPr lang="en-US" b="1" dirty="0" err="1"/>
+              <a:t>Digitalisierung</a:t>
+            </a:r>
+            <a:r>
+              <a:rPr lang="en-US" b="1" dirty="0"/>
+              <a:t> </a:t>
+            </a:r>
+            <a:r>
+              <a:rPr lang="en-US" b="1" dirty="0" err="1"/>
+              <a:t>unterstützen</a:t>
+            </a:r>
+            <a:r>
+              <a:rPr lang="en-US" b="1" dirty="0"/>
+              <a:t> / </a:t>
+            </a:r>
+            <a:r>
+              <a:rPr lang="en-US" b="1" dirty="0" err="1"/>
+              <a:t>ersetzen</a:t>
+            </a:r>
+            <a:r>
+              <a:rPr lang="en-US" b="1" dirty="0"/>
+              <a:t>?”</a:t>
+            </a:r>
+          </a:p>
+          <a:p>
+            <a:pPr marL="0" indent="0" algn="just">
+              <a:buNone/>
+            </a:pPr>
+            <a:endParaRPr lang="en-US" b="1" dirty="0"/>
+          </a:p>
+          <a:p>
+            <a:pPr marL="0" indent="0" algn="just">
+              <a:buNone/>
+            </a:pPr>
+            <a:r>
+              <a:rPr lang="en-US" b="1" dirty="0" err="1"/>
+              <a:t>Lösungsansatz</a:t>
+            </a:r>
+            <a:endParaRPr lang="en-US" b="1" dirty="0"/>
+          </a:p>
+          <a:p>
+            <a:pPr lvl="1"/>
             <a:r>
               <a:rPr lang="en-US" dirty="0" err="1"/>
-              <a:t>kann</a:t>
-            </a:r>
-            <a:r>
-              <a:rPr lang="en-US" dirty="0"/>
-              <a:t> man </a:t>
-            </a:r>
-            <a:r>
-              <a:rPr lang="en-US" dirty="0" err="1"/>
-              <a:t>einen</a:t>
+              <a:t>Mischung</a:t>
             </a:r>
             <a:r>
               <a:rPr lang="en-US" dirty="0"/>
@@ -12547,15 +12775,7 @@
             </a:r>
             <a:r>
               <a:rPr lang="en-US" dirty="0" err="1"/>
-              <a:t>Wanderführer</a:t>
-            </a:r>
-            <a:r>
-              <a:rPr lang="en-US" dirty="0"/>
-              <a:t> in </a:t>
-            </a:r>
-            <a:r>
-              <a:rPr lang="en-US" dirty="0" err="1"/>
-              <a:t>Hauenstein</a:t>
+              <a:t>aus</a:t>
             </a:r>
             <a:r>
               <a:rPr lang="en-US" dirty="0"/>
@@ -12563,7 +12783,22 @@
             </a:r>
             <a:r>
               <a:rPr lang="en-US" dirty="0" err="1"/>
-              <a:t>durch</a:t>
+              <a:t>beidem</a:t>
+            </a:r>
+            <a:r>
+              <a:rPr lang="en-US" dirty="0"/>
+              <a:t>: innovative App…</a:t>
+            </a:r>
+          </a:p>
+          <a:p>
+            <a:pPr lvl="2"/>
+            <a:r>
+              <a:rPr lang="en-US" dirty="0"/>
+              <a:t>…</a:t>
+            </a:r>
+            <a:r>
+              <a:rPr lang="en-US" dirty="0" err="1"/>
+              <a:t>für</a:t>
             </a:r>
             <a:r>
               <a:rPr lang="en-US" dirty="0"/>
@@ -12571,7 +12806,43 @@
             </a:r>
             <a:r>
               <a:rPr lang="en-US" dirty="0" err="1"/>
-              <a:t>Digitalisierung</a:t>
+              <a:t>Wanderungen</a:t>
+            </a:r>
+            <a:r>
+              <a:rPr lang="en-US" dirty="0"/>
+              <a:t>, </a:t>
+            </a:r>
+            <a:r>
+              <a:rPr lang="en-US" dirty="0" err="1"/>
+              <a:t>ohne</a:t>
+            </a:r>
+            <a:r>
+              <a:rPr lang="en-US" dirty="0"/>
+              <a:t> “</a:t>
+            </a:r>
+            <a:r>
+              <a:rPr lang="en-US" dirty="0" err="1"/>
+              <a:t>echten</a:t>
+            </a:r>
+            <a:r>
+              <a:rPr lang="en-US" dirty="0"/>
+              <a:t>” </a:t>
+            </a:r>
+            <a:r>
+              <a:rPr lang="en-US" dirty="0" err="1"/>
+              <a:t>Wanderführer</a:t>
+            </a:r>
+            <a:endParaRPr lang="en-US" dirty="0"/>
+          </a:p>
+          <a:p>
+            <a:pPr lvl="2"/>
+            <a:r>
+              <a:rPr lang="en-US" dirty="0"/>
+              <a:t>…</a:t>
+            </a:r>
+            <a:r>
+              <a:rPr lang="en-US" dirty="0" err="1"/>
+              <a:t>zur</a:t>
             </a:r>
             <a:r>
               <a:rPr lang="en-US" dirty="0"/>
@@ -12579,50 +12850,7 @@
             </a:r>
             <a:r>
               <a:rPr lang="en-US" dirty="0" err="1"/>
-              <a:t>unterstützen</a:t>
-            </a:r>
-            <a:r>
-              <a:rPr lang="en-US" dirty="0"/>
-              <a:t> / </a:t>
-            </a:r>
-            <a:r>
-              <a:rPr lang="en-US" dirty="0" err="1"/>
-              <a:t>ersetzen</a:t>
-            </a:r>
-            <a:r>
-              <a:rPr lang="en-US" dirty="0"/>
-              <a:t>?</a:t>
-            </a:r>
-          </a:p>
-          <a:p>
-            <a:pPr lvl="1"/>
-            <a:r>
-              <a:rPr lang="en-US" dirty="0" err="1"/>
-              <a:t>Mischung</a:t>
-            </a:r>
-            <a:r>
-              <a:rPr lang="en-US" dirty="0"/>
-              <a:t> </a:t>
-            </a:r>
-            <a:r>
-              <a:rPr lang="en-US" dirty="0" err="1"/>
-              <a:t>aus</a:t>
-            </a:r>
-            <a:r>
-              <a:rPr lang="en-US" dirty="0"/>
-              <a:t> </a:t>
-            </a:r>
-            <a:r>
-              <a:rPr lang="en-US" dirty="0" err="1"/>
-              <a:t>beidem</a:t>
-            </a:r>
-            <a:r>
-              <a:rPr lang="en-US" dirty="0"/>
-              <a:t>: innovative App, </a:t>
-            </a:r>
-            <a:r>
-              <a:rPr lang="en-US" dirty="0" err="1"/>
-              <a:t>mit</a:t>
+              <a:t>Unterstützung</a:t>
             </a:r>
             <a:r>
               <a:rPr lang="en-US" dirty="0"/>
@@ -12630,287 +12858,20 @@
             </a:r>
             <a:r>
               <a:rPr lang="en-US" dirty="0" err="1"/>
-              <a:t>jeder</a:t>
+              <a:t>Wanderführer</a:t>
             </a:r>
             <a:r>
               <a:rPr lang="en-US" dirty="0"/>
-              <a:t> </a:t>
+              <a:t> (</a:t>
             </a:r>
             <a:r>
               <a:rPr lang="en-US" dirty="0" err="1"/>
-              <a:t>sicher</a:t>
+              <a:t>z.B.</a:t>
             </a:r>
             <a:r>
               <a:rPr lang="en-US" dirty="0"/>
-              <a:t> </a:t>
-            </a:r>
-            <a:r>
-              <a:rPr lang="en-US" dirty="0" err="1"/>
-              <a:t>ohne</a:t>
-            </a:r>
-            <a:r>
-              <a:rPr lang="en-US" dirty="0"/>
-              <a:t> </a:t>
-            </a:r>
-            <a:r>
-              <a:rPr lang="en-US" dirty="0" err="1"/>
-              <a:t>Wanderführer</a:t>
-            </a:r>
-            <a:r>
-              <a:rPr lang="en-US" dirty="0"/>
-              <a:t> </a:t>
-            </a:r>
-            <a:r>
-              <a:rPr lang="en-US" dirty="0" err="1"/>
-              <a:t>wandern</a:t>
-            </a:r>
-            <a:r>
-              <a:rPr lang="en-US" dirty="0"/>
-              <a:t> </a:t>
-            </a:r>
-            <a:r>
-              <a:rPr lang="en-US" dirty="0" err="1"/>
-              <a:t>gehen</a:t>
-            </a:r>
-            <a:r>
-              <a:rPr lang="en-US" dirty="0"/>
-              <a:t> </a:t>
-            </a:r>
-            <a:r>
-              <a:rPr lang="en-US" dirty="0" err="1"/>
-              <a:t>kann</a:t>
-            </a:r>
-            <a:r>
-              <a:rPr lang="en-US" dirty="0"/>
-              <a:t>, </a:t>
-            </a:r>
-            <a:r>
-              <a:rPr lang="en-US" dirty="0" err="1"/>
-              <a:t>aber</a:t>
-            </a:r>
-            <a:r>
-              <a:rPr lang="en-US" dirty="0"/>
-              <a:t> </a:t>
-            </a:r>
-            <a:r>
-              <a:rPr lang="en-US" dirty="0" err="1"/>
-              <a:t>auch</a:t>
-            </a:r>
-            <a:r>
-              <a:rPr lang="en-US" dirty="0"/>
-              <a:t> </a:t>
-            </a:r>
-            <a:r>
-              <a:rPr lang="en-US"/>
-              <a:t>Wanderführern </a:t>
-            </a:r>
-            <a:r>
-              <a:rPr lang="en-US" dirty="0"/>
-              <a:t>die </a:t>
-            </a:r>
-            <a:r>
-              <a:rPr lang="en-US" dirty="0" err="1"/>
-              <a:t>Möglichkeit</a:t>
-            </a:r>
-            <a:r>
-              <a:rPr lang="en-US" dirty="0"/>
-              <a:t> </a:t>
-            </a:r>
-            <a:r>
-              <a:rPr lang="en-US" dirty="0" err="1"/>
-              <a:t>bekommen</a:t>
-            </a:r>
-            <a:r>
-              <a:rPr lang="en-US" dirty="0"/>
-              <a:t>, </a:t>
-            </a:r>
-            <a:r>
-              <a:rPr lang="en-US" dirty="0" err="1"/>
-              <a:t>ihr</a:t>
-            </a:r>
-            <a:r>
-              <a:rPr lang="en-US" dirty="0"/>
-              <a:t> </a:t>
-            </a:r>
-            <a:r>
-              <a:rPr lang="en-US" dirty="0" err="1"/>
-              <a:t>Wissen</a:t>
-            </a:r>
-            <a:r>
-              <a:rPr lang="en-US" dirty="0"/>
-              <a:t> und </a:t>
-            </a:r>
-            <a:r>
-              <a:rPr lang="en-US" dirty="0" err="1"/>
-              <a:t>Erfahrung</a:t>
-            </a:r>
-            <a:r>
-              <a:rPr lang="en-US" dirty="0"/>
-              <a:t> </a:t>
-            </a:r>
-            <a:r>
-              <a:rPr lang="en-US" dirty="0" err="1"/>
-              <a:t>durch</a:t>
-            </a:r>
-            <a:r>
-              <a:rPr lang="en-US" dirty="0"/>
-              <a:t> Live-Streams </a:t>
-            </a:r>
-            <a:r>
-              <a:rPr lang="en-US" dirty="0" err="1"/>
-              <a:t>oder</a:t>
-            </a:r>
-            <a:r>
-              <a:rPr lang="en-US" dirty="0"/>
-              <a:t> Gruppen </a:t>
-            </a:r>
-            <a:r>
-              <a:rPr lang="en-US" dirty="0" err="1"/>
-              <a:t>zu</a:t>
-            </a:r>
-            <a:r>
-              <a:rPr lang="en-US" dirty="0"/>
-              <a:t> </a:t>
-            </a:r>
-            <a:r>
-              <a:rPr lang="en-US" dirty="0" err="1"/>
-              <a:t>teilen</a:t>
-            </a:r>
-            <a:r>
-              <a:rPr lang="en-US" dirty="0"/>
-              <a:t>!</a:t>
-            </a:r>
-          </a:p>
-        </p:txBody>
-      </p:sp>
-      <p:sp>
-        <p:nvSpPr>
-          <p:cNvPr id="5" name="Date Placeholder 3">
-            <a:extLst>
-              <a:ext uri="{FF2B5EF4-FFF2-40B4-BE49-F238E27FC236}">
-                <a16:creationId xmlns:a16="http://schemas.microsoft.com/office/drawing/2014/main" id="{B31ADB65-6343-4462-9B89-6D85B9C891F9}"/>
-              </a:ext>
-            </a:extLst>
-          </p:cNvPr>
-          <p:cNvSpPr txBox="1">
-            <a:spLocks/>
-          </p:cNvSpPr>
-          <p:nvPr/>
-        </p:nvSpPr>
-        <p:spPr>
-          <a:xfrm>
-            <a:off x="677334" y="231051"/>
-            <a:ext cx="1071566" cy="378549"/>
-          </a:xfrm>
-          <a:prstGeom prst="rect">
-            <a:avLst/>
-          </a:prstGeom>
-        </p:spPr>
-        <p:txBody>
-          <a:bodyPr vert="horz" lIns="91440" tIns="45720" rIns="91440" bIns="45720" rtlCol="0" anchor="ctr"/>
-          <a:lstStyle>
-            <a:defPPr>
-              <a:defRPr lang="en-US"/>
-            </a:defPPr>
-            <a:lvl1pPr marL="0" algn="r" defTabSz="457200" rtl="0" eaLnBrk="1" latinLnBrk="0" hangingPunct="1">
-              <a:defRPr sz="900" kern="1200">
-                <a:solidFill>
-                  <a:schemeClr val="tx1">
-                    <a:tint val="75000"/>
-                  </a:schemeClr>
-                </a:solidFill>
-                <a:latin typeface="+mn-lt"/>
-                <a:ea typeface="+mn-ea"/>
-                <a:cs typeface="+mn-cs"/>
-              </a:defRPr>
-            </a:lvl1pPr>
-            <a:lvl2pPr marL="457200" algn="l" defTabSz="457200" rtl="0" eaLnBrk="1" latinLnBrk="0" hangingPunct="1">
-              <a:defRPr sz="1800" kern="1200">
-                <a:solidFill>
-                  <a:schemeClr val="tx1"/>
-                </a:solidFill>
-                <a:latin typeface="+mn-lt"/>
-                <a:ea typeface="+mn-ea"/>
-                <a:cs typeface="+mn-cs"/>
-              </a:defRPr>
-            </a:lvl2pPr>
-            <a:lvl3pPr marL="914400" algn="l" defTabSz="457200" rtl="0" eaLnBrk="1" latinLnBrk="0" hangingPunct="1">
-              <a:defRPr sz="1800" kern="1200">
-                <a:solidFill>
-                  <a:schemeClr val="tx1"/>
-                </a:solidFill>
-                <a:latin typeface="+mn-lt"/>
-                <a:ea typeface="+mn-ea"/>
-                <a:cs typeface="+mn-cs"/>
-              </a:defRPr>
-            </a:lvl3pPr>
-            <a:lvl4pPr marL="1371600" algn="l" defTabSz="457200" rtl="0" eaLnBrk="1" latinLnBrk="0" hangingPunct="1">
-              <a:defRPr sz="1800" kern="1200">
-                <a:solidFill>
-                  <a:schemeClr val="tx1"/>
-                </a:solidFill>
-                <a:latin typeface="+mn-lt"/>
-                <a:ea typeface="+mn-ea"/>
-                <a:cs typeface="+mn-cs"/>
-              </a:defRPr>
-            </a:lvl4pPr>
-            <a:lvl5pPr marL="1828800" algn="l" defTabSz="457200" rtl="0" eaLnBrk="1" latinLnBrk="0" hangingPunct="1">
-              <a:defRPr sz="1800" kern="1200">
-                <a:solidFill>
-                  <a:schemeClr val="tx1"/>
-                </a:solidFill>
-                <a:latin typeface="+mn-lt"/>
-                <a:ea typeface="+mn-ea"/>
-                <a:cs typeface="+mn-cs"/>
-              </a:defRPr>
-            </a:lvl5pPr>
-            <a:lvl6pPr marL="2286000" algn="l" defTabSz="457200" rtl="0" eaLnBrk="1" latinLnBrk="0" hangingPunct="1">
-              <a:defRPr sz="1800" kern="1200">
-                <a:solidFill>
-                  <a:schemeClr val="tx1"/>
-                </a:solidFill>
-                <a:latin typeface="+mn-lt"/>
-                <a:ea typeface="+mn-ea"/>
-                <a:cs typeface="+mn-cs"/>
-              </a:defRPr>
-            </a:lvl6pPr>
-            <a:lvl7pPr marL="2743200" algn="l" defTabSz="457200" rtl="0" eaLnBrk="1" latinLnBrk="0" hangingPunct="1">
-              <a:defRPr sz="1800" kern="1200">
-                <a:solidFill>
-                  <a:schemeClr val="tx1"/>
-                </a:solidFill>
-                <a:latin typeface="+mn-lt"/>
-                <a:ea typeface="+mn-ea"/>
-                <a:cs typeface="+mn-cs"/>
-              </a:defRPr>
-            </a:lvl7pPr>
-            <a:lvl8pPr marL="3200400" algn="l" defTabSz="457200" rtl="0" eaLnBrk="1" latinLnBrk="0" hangingPunct="1">
-              <a:defRPr sz="1800" kern="1200">
-                <a:solidFill>
-                  <a:schemeClr val="tx1"/>
-                </a:solidFill>
-                <a:latin typeface="+mn-lt"/>
-                <a:ea typeface="+mn-ea"/>
-                <a:cs typeface="+mn-cs"/>
-              </a:defRPr>
-            </a:lvl8pPr>
-            <a:lvl9pPr marL="3657600" algn="l" defTabSz="457200" rtl="0" eaLnBrk="1" latinLnBrk="0" hangingPunct="1">
-              <a:defRPr sz="1800" kern="1200">
-                <a:solidFill>
-                  <a:schemeClr val="tx1"/>
-                </a:solidFill>
-                <a:latin typeface="+mn-lt"/>
-                <a:ea typeface="+mn-ea"/>
-                <a:cs typeface="+mn-cs"/>
-              </a:defRPr>
-            </a:lvl9pPr>
-          </a:lstStyle>
-          <a:p>
-            <a:r>
-              <a:rPr lang="de-DE" sz="1400" dirty="0"/>
-              <a:t>11.09.2020</a:t>
-            </a:r>
-            <a:endParaRPr lang="en-US" dirty="0"/>
+              <a:t> Live-Streams)</a:t>
+            </a:r>
           </a:p>
         </p:txBody>
       </p:sp>
@@ -13050,6 +13011,40 @@
               <a:t>, Nicolas Geppert, Lukas Werner</a:t>
             </a:r>
             <a:endParaRPr lang="en-US" dirty="0"/>
+          </a:p>
+        </p:txBody>
+      </p:sp>
+      <p:sp>
+        <p:nvSpPr>
+          <p:cNvPr id="8" name="Date Placeholder 3">
+            <a:extLst>
+              <a:ext uri="{FF2B5EF4-FFF2-40B4-BE49-F238E27FC236}">
+                <a16:creationId xmlns:a16="http://schemas.microsoft.com/office/drawing/2014/main" id="{4773144A-7831-4D3F-8846-630E8A5E9819}"/>
+              </a:ext>
+            </a:extLst>
+          </p:cNvPr>
+          <p:cNvSpPr>
+            <a:spLocks noGrp="1"/>
+          </p:cNvSpPr>
+          <p:nvPr>
+            <p:ph type="dt" sz="half" idx="10"/>
+          </p:nvPr>
+        </p:nvSpPr>
+        <p:spPr>
+          <a:xfrm>
+            <a:off x="677334" y="231051"/>
+            <a:ext cx="1071566" cy="378549"/>
+          </a:xfrm>
+        </p:spPr>
+        <p:txBody>
+          <a:bodyPr vert="horz" lIns="91440" tIns="45720" rIns="91440" bIns="45720" rtlCol="0" anchor="ctr"/>
+          <a:lstStyle/>
+          <a:p>
+            <a:r>
+              <a:rPr lang="de-DE" sz="1400" dirty="0"/>
+              <a:t>03.11.2020</a:t>
+            </a:r>
+            <a:endParaRPr lang="en-US" sz="1400" dirty="0"/>
           </a:p>
         </p:txBody>
       </p:sp>
@@ -13149,17 +13144,11 @@
         </p:nvSpPr>
         <p:spPr/>
         <p:txBody>
-          <a:bodyPr/>
+          <a:bodyPr>
+            <a:normAutofit/>
+          </a:bodyPr>
           <a:lstStyle/>
           <a:p>
-            <a:r>
-              <a:rPr lang="en-US" dirty="0" err="1"/>
-              <a:t>interessante</a:t>
-            </a:r>
-            <a:r>
-              <a:rPr lang="en-US" dirty="0"/>
-              <a:t> und informative </a:t>
-            </a:r>
             <a:r>
               <a:rPr lang="en-US" dirty="0" err="1"/>
               <a:t>Gestaltung</a:t>
@@ -13175,9 +13164,41 @@
             <a:endParaRPr lang="en-US" dirty="0"/>
           </a:p>
           <a:p>
+            <a:pPr lvl="1"/>
             <a:r>
               <a:rPr lang="en-US" dirty="0" err="1"/>
-              <a:t>detailliertes</a:t>
+              <a:t>Interessant</a:t>
+            </a:r>
+            <a:r>
+              <a:rPr lang="en-US" dirty="0"/>
+              <a:t> und </a:t>
+            </a:r>
+            <a:r>
+              <a:rPr lang="en-US" dirty="0" err="1"/>
+              <a:t>informativ</a:t>
+            </a:r>
+            <a:endParaRPr lang="en-US" dirty="0"/>
+          </a:p>
+          <a:p>
+            <a:pPr lvl="1"/>
+            <a:r>
+              <a:rPr lang="en-US" dirty="0"/>
+              <a:t>Wissen </a:t>
+            </a:r>
+            <a:r>
+              <a:rPr lang="en-US" dirty="0" err="1"/>
+              <a:t>über</a:t>
+            </a:r>
+            <a:r>
+              <a:rPr lang="en-US" dirty="0"/>
+              <a:t> Flora und Fauna</a:t>
+            </a:r>
+          </a:p>
+          <a:p>
+            <a:pPr lvl="1"/>
+            <a:r>
+              <a:rPr lang="en-US" dirty="0" err="1"/>
+              <a:t>Interessante</a:t>
             </a:r>
             <a:r>
               <a:rPr lang="en-US" dirty="0"/>
@@ -13185,7 +13206,68 @@
             </a:r>
             <a:r>
               <a:rPr lang="en-US" dirty="0" err="1"/>
-              <a:t>Wissen</a:t>
+              <a:t>Dorfgeschichten</a:t>
+            </a:r>
+            <a:endParaRPr lang="en-US" dirty="0"/>
+          </a:p>
+          <a:p>
+            <a:pPr marL="457200" lvl="1" indent="0">
+              <a:buNone/>
+            </a:pPr>
+            <a:endParaRPr lang="en-US" dirty="0"/>
+          </a:p>
+          <a:p>
+            <a:r>
+              <a:rPr lang="en-US" dirty="0" err="1"/>
+              <a:t>Gewährleistung</a:t>
+            </a:r>
+            <a:r>
+              <a:rPr lang="en-US" dirty="0"/>
+              <a:t> von </a:t>
+            </a:r>
+            <a:r>
+              <a:rPr lang="en-US" dirty="0" err="1"/>
+              <a:t>Sicherheit</a:t>
+            </a:r>
+            <a:endParaRPr lang="en-US" dirty="0"/>
+          </a:p>
+          <a:p>
+            <a:pPr lvl="1"/>
+            <a:r>
+              <a:rPr lang="en-US" dirty="0" err="1"/>
+              <a:t>Detailliertes</a:t>
+            </a:r>
+            <a:r>
+              <a:rPr lang="en-US" dirty="0"/>
+              <a:t> Wissen </a:t>
+            </a:r>
+            <a:r>
+              <a:rPr lang="en-US" dirty="0" err="1"/>
+              <a:t>über</a:t>
+            </a:r>
+            <a:r>
+              <a:rPr lang="en-US" dirty="0"/>
+              <a:t> die </a:t>
+            </a:r>
+            <a:r>
+              <a:rPr lang="en-US" dirty="0" err="1"/>
+              <a:t>Wege</a:t>
+            </a:r>
+            <a:endParaRPr lang="en-US" dirty="0"/>
+          </a:p>
+          <a:p>
+            <a:pPr lvl="1"/>
+            <a:r>
+              <a:rPr lang="en-US" dirty="0" err="1"/>
+              <a:t>Wettereinschätzung</a:t>
+            </a:r>
+            <a:endParaRPr lang="en-US" dirty="0"/>
+          </a:p>
+          <a:p>
+            <a:pPr lvl="1"/>
+            <a:r>
+              <a:rPr lang="en-US" dirty="0" err="1"/>
+              <a:t>Umgang</a:t>
             </a:r>
             <a:r>
               <a:rPr lang="en-US" dirty="0"/>
@@ -13193,7 +13275,7 @@
             </a:r>
             <a:r>
               <a:rPr lang="en-US" dirty="0" err="1"/>
-              <a:t>über</a:t>
+              <a:t>mit</a:t>
             </a:r>
             <a:r>
               <a:rPr lang="en-US" dirty="0"/>
@@ -13201,7 +13283,15 @@
             </a:r>
             <a:r>
               <a:rPr lang="en-US" dirty="0" err="1"/>
-              <a:t>einzelne</a:t>
+              <a:t>Notsituation</a:t>
+            </a:r>
+            <a:r>
+              <a:rPr lang="en-US" dirty="0"/>
+              <a:t> + </a:t>
+            </a:r>
+            <a:r>
+              <a:rPr lang="en-US" dirty="0" err="1"/>
+              <a:t>erste</a:t>
             </a:r>
             <a:r>
               <a:rPr lang="en-US" dirty="0"/>
@@ -13209,178 +13299,285 @@
             </a:r>
             <a:r>
               <a:rPr lang="en-US" dirty="0" err="1"/>
-              <a:t>Wege</a:t>
+              <a:t>Hilfe</a:t>
             </a:r>
             <a:endParaRPr lang="en-US" dirty="0"/>
           </a:p>
           <a:p>
-            <a:r>
-              <a:rPr lang="en-US" dirty="0" err="1"/>
-              <a:t>Wettereinschätzung</a:t>
-            </a:r>
+            <a:pPr marL="457200" lvl="1" indent="0">
+              <a:buNone/>
+            </a:pPr>
             <a:endParaRPr lang="en-US" dirty="0"/>
           </a:p>
-          <a:p>
-            <a:r>
-              <a:rPr lang="en-US" dirty="0" err="1"/>
-              <a:t>Wissen</a:t>
-            </a:r>
-            <a:r>
-              <a:rPr lang="en-US" dirty="0"/>
-              <a:t> </a:t>
-            </a:r>
-            <a:r>
-              <a:rPr lang="en-US" dirty="0" err="1"/>
-              <a:t>über</a:t>
-            </a:r>
-            <a:r>
-              <a:rPr lang="en-US" dirty="0"/>
-              <a:t> Flora und Fauna</a:t>
-            </a:r>
-          </a:p>
-          <a:p>
-            <a:r>
-              <a:rPr lang="en-US" dirty="0" err="1"/>
-              <a:t>interessante</a:t>
-            </a:r>
-            <a:r>
-              <a:rPr lang="en-US" dirty="0"/>
-              <a:t> </a:t>
-            </a:r>
-            <a:r>
-              <a:rPr lang="en-US" dirty="0" err="1"/>
-              <a:t>Dorfgeschichten</a:t>
-            </a:r>
-            <a:endParaRPr lang="en-US" dirty="0"/>
-          </a:p>
-          <a:p>
-            <a:r>
-              <a:rPr lang="en-US" dirty="0" err="1"/>
-              <a:t>Sicherheit</a:t>
-            </a:r>
-            <a:r>
-              <a:rPr lang="en-US" dirty="0"/>
-              <a:t> </a:t>
-            </a:r>
-            <a:r>
-              <a:rPr lang="en-US" dirty="0" err="1"/>
-              <a:t>gewährleisten</a:t>
-            </a:r>
-            <a:endParaRPr lang="en-US" dirty="0"/>
-          </a:p>
-          <a:p>
-            <a:r>
-              <a:rPr lang="en-US" dirty="0" err="1"/>
-              <a:t>Kartekunde</a:t>
-            </a:r>
-            <a:endParaRPr lang="en-US" dirty="0"/>
-          </a:p>
-          <a:p>
-            <a:r>
-              <a:rPr lang="en-US" dirty="0" err="1"/>
-              <a:t>mit</a:t>
-            </a:r>
-            <a:r>
-              <a:rPr lang="en-US" dirty="0"/>
-              <a:t> der </a:t>
-            </a:r>
-            <a:r>
-              <a:rPr lang="en-US" dirty="0" err="1"/>
-              <a:t>Nutzung</a:t>
-            </a:r>
-            <a:r>
-              <a:rPr lang="en-US" dirty="0"/>
-              <a:t> </a:t>
-            </a:r>
-            <a:r>
-              <a:rPr lang="en-US" dirty="0" err="1"/>
-              <a:t>eines</a:t>
-            </a:r>
-            <a:r>
-              <a:rPr lang="en-US" dirty="0"/>
-              <a:t> GPS-</a:t>
-            </a:r>
-            <a:r>
-              <a:rPr lang="en-US" dirty="0" err="1"/>
-              <a:t>Geräts</a:t>
-            </a:r>
-            <a:r>
-              <a:rPr lang="en-US" dirty="0"/>
-              <a:t> </a:t>
-            </a:r>
-            <a:r>
-              <a:rPr lang="en-US" dirty="0" err="1"/>
-              <a:t>vertraut</a:t>
-            </a:r>
-            <a:endParaRPr lang="en-US" dirty="0"/>
-          </a:p>
-          <a:p>
-            <a:r>
-              <a:rPr lang="en-US" dirty="0" err="1"/>
-              <a:t>Umgang</a:t>
-            </a:r>
-            <a:r>
-              <a:rPr lang="en-US" dirty="0"/>
-              <a:t> </a:t>
-            </a:r>
-            <a:r>
-              <a:rPr lang="en-US" dirty="0" err="1"/>
-              <a:t>mit</a:t>
-            </a:r>
-            <a:r>
-              <a:rPr lang="en-US" dirty="0"/>
-              <a:t> </a:t>
-            </a:r>
-            <a:r>
-              <a:rPr lang="en-US" dirty="0" err="1"/>
-              <a:t>Notsituation</a:t>
-            </a:r>
-            <a:r>
-              <a:rPr lang="en-US" dirty="0"/>
-              <a:t> + </a:t>
-            </a:r>
-            <a:r>
-              <a:rPr lang="en-US" dirty="0" err="1"/>
-              <a:t>erste</a:t>
-            </a:r>
-            <a:r>
-              <a:rPr lang="en-US" dirty="0"/>
-              <a:t> </a:t>
-            </a:r>
-            <a:r>
-              <a:rPr lang="en-US" dirty="0" err="1"/>
-              <a:t>Hilfe</a:t>
-            </a:r>
-            <a:endParaRPr lang="en-US" dirty="0"/>
-          </a:p>
-        </p:txBody>
-      </p:sp>
-      <p:sp>
-        <p:nvSpPr>
-          <p:cNvPr id="4" name="Date Placeholder 3">
+        </p:txBody>
+      </p:sp>
+      <p:sp>
+        <p:nvSpPr>
+          <p:cNvPr id="5" name="Date Placeholder 3">
             <a:extLst>
               <a:ext uri="{FF2B5EF4-FFF2-40B4-BE49-F238E27FC236}">
-                <a16:creationId xmlns:a16="http://schemas.microsoft.com/office/drawing/2014/main" id="{41E0B3D4-E200-4541-85BE-E80DCE88DEBC}"/>
+                <a16:creationId xmlns:a16="http://schemas.microsoft.com/office/drawing/2014/main" id="{2D4710A9-A1BB-42CA-9892-DAAB49571A1B}"/>
               </a:ext>
             </a:extLst>
           </p:cNvPr>
-          <p:cNvSpPr>
-            <a:spLocks noGrp="1"/>
-          </p:cNvSpPr>
-          <p:nvPr>
-            <p:ph type="dt" sz="half" idx="10"/>
-          </p:nvPr>
-        </p:nvSpPr>
-        <p:spPr/>
-        <p:txBody>
-          <a:bodyPr/>
-          <a:lstStyle/>
-          <a:p>
-            <a:fld id="{BBFE0E78-BD63-486A-A840-5A82EE4DABDC}" type="datetime1">
-              <a:rPr lang="de-DE" smtClean="0"/>
+          <p:cNvSpPr txBox="1">
+            <a:spLocks/>
+          </p:cNvSpPr>
+          <p:nvPr/>
+        </p:nvSpPr>
+        <p:spPr>
+          <a:xfrm>
+            <a:off x="677334" y="231051"/>
+            <a:ext cx="1071566" cy="378549"/>
+          </a:xfrm>
+          <a:prstGeom prst="rect">
+            <a:avLst/>
+          </a:prstGeom>
+        </p:spPr>
+        <p:txBody>
+          <a:bodyPr vert="horz" lIns="91440" tIns="45720" rIns="91440" bIns="45720" rtlCol="0" anchor="ctr"/>
+          <a:lstStyle>
+            <a:defPPr>
+              <a:defRPr lang="en-US"/>
+            </a:defPPr>
+            <a:lvl1pPr marL="0" algn="r" defTabSz="457200" rtl="0" eaLnBrk="1" latinLnBrk="0" hangingPunct="1">
+              <a:defRPr sz="900" kern="1200">
+                <a:solidFill>
+                  <a:schemeClr val="tx1">
+                    <a:tint val="75000"/>
+                  </a:schemeClr>
+                </a:solidFill>
+                <a:latin typeface="+mn-lt"/>
+                <a:ea typeface="+mn-ea"/>
+                <a:cs typeface="+mn-cs"/>
+              </a:defRPr>
+            </a:lvl1pPr>
+            <a:lvl2pPr marL="457200" algn="l" defTabSz="457200" rtl="0" eaLnBrk="1" latinLnBrk="0" hangingPunct="1">
+              <a:defRPr sz="1800" kern="1200">
+                <a:solidFill>
+                  <a:schemeClr val="tx1"/>
+                </a:solidFill>
+                <a:latin typeface="+mn-lt"/>
+                <a:ea typeface="+mn-ea"/>
+                <a:cs typeface="+mn-cs"/>
+              </a:defRPr>
+            </a:lvl2pPr>
+            <a:lvl3pPr marL="914400" algn="l" defTabSz="457200" rtl="0" eaLnBrk="1" latinLnBrk="0" hangingPunct="1">
+              <a:defRPr sz="1800" kern="1200">
+                <a:solidFill>
+                  <a:schemeClr val="tx1"/>
+                </a:solidFill>
+                <a:latin typeface="+mn-lt"/>
+                <a:ea typeface="+mn-ea"/>
+                <a:cs typeface="+mn-cs"/>
+              </a:defRPr>
+            </a:lvl3pPr>
+            <a:lvl4pPr marL="1371600" algn="l" defTabSz="457200" rtl="0" eaLnBrk="1" latinLnBrk="0" hangingPunct="1">
+              <a:defRPr sz="1800" kern="1200">
+                <a:solidFill>
+                  <a:schemeClr val="tx1"/>
+                </a:solidFill>
+                <a:latin typeface="+mn-lt"/>
+                <a:ea typeface="+mn-ea"/>
+                <a:cs typeface="+mn-cs"/>
+              </a:defRPr>
+            </a:lvl4pPr>
+            <a:lvl5pPr marL="1828800" algn="l" defTabSz="457200" rtl="0" eaLnBrk="1" latinLnBrk="0" hangingPunct="1">
+              <a:defRPr sz="1800" kern="1200">
+                <a:solidFill>
+                  <a:schemeClr val="tx1"/>
+                </a:solidFill>
+                <a:latin typeface="+mn-lt"/>
+                <a:ea typeface="+mn-ea"/>
+                <a:cs typeface="+mn-cs"/>
+              </a:defRPr>
+            </a:lvl5pPr>
+            <a:lvl6pPr marL="2286000" algn="l" defTabSz="457200" rtl="0" eaLnBrk="1" latinLnBrk="0" hangingPunct="1">
+              <a:defRPr sz="1800" kern="1200">
+                <a:solidFill>
+                  <a:schemeClr val="tx1"/>
+                </a:solidFill>
+                <a:latin typeface="+mn-lt"/>
+                <a:ea typeface="+mn-ea"/>
+                <a:cs typeface="+mn-cs"/>
+              </a:defRPr>
+            </a:lvl6pPr>
+            <a:lvl7pPr marL="2743200" algn="l" defTabSz="457200" rtl="0" eaLnBrk="1" latinLnBrk="0" hangingPunct="1">
+              <a:defRPr sz="1800" kern="1200">
+                <a:solidFill>
+                  <a:schemeClr val="tx1"/>
+                </a:solidFill>
+                <a:latin typeface="+mn-lt"/>
+                <a:ea typeface="+mn-ea"/>
+                <a:cs typeface="+mn-cs"/>
+              </a:defRPr>
+            </a:lvl7pPr>
+            <a:lvl8pPr marL="3200400" algn="l" defTabSz="457200" rtl="0" eaLnBrk="1" latinLnBrk="0" hangingPunct="1">
+              <a:defRPr sz="1800" kern="1200">
+                <a:solidFill>
+                  <a:schemeClr val="tx1"/>
+                </a:solidFill>
+                <a:latin typeface="+mn-lt"/>
+                <a:ea typeface="+mn-ea"/>
+                <a:cs typeface="+mn-cs"/>
+              </a:defRPr>
+            </a:lvl8pPr>
+            <a:lvl9pPr marL="3657600" algn="l" defTabSz="457200" rtl="0" eaLnBrk="1" latinLnBrk="0" hangingPunct="1">
+              <a:defRPr sz="1800" kern="1200">
+                <a:solidFill>
+                  <a:schemeClr val="tx1"/>
+                </a:solidFill>
+                <a:latin typeface="+mn-lt"/>
+                <a:ea typeface="+mn-ea"/>
+                <a:cs typeface="+mn-cs"/>
+              </a:defRPr>
+            </a:lvl9pPr>
+          </a:lstStyle>
+          <a:p>
+            <a:r>
+              <a:rPr lang="de-DE" sz="1400"/>
               <a:t>03.11.2020</a:t>
-            </a:fld>
-            <a:endParaRPr lang="en-US"/>
+            </a:r>
+            <a:endParaRPr lang="en-US" sz="1400" dirty="0"/>
+          </a:p>
+        </p:txBody>
+      </p:sp>
+      <p:sp>
+        <p:nvSpPr>
+          <p:cNvPr id="7" name="Date Placeholder 3">
+            <a:extLst>
+              <a:ext uri="{FF2B5EF4-FFF2-40B4-BE49-F238E27FC236}">
+                <a16:creationId xmlns:a16="http://schemas.microsoft.com/office/drawing/2014/main" id="{302C5874-CB02-45F0-90C0-9BFABABAD0CC}"/>
+              </a:ext>
+            </a:extLst>
+          </p:cNvPr>
+          <p:cNvSpPr txBox="1">
+            <a:spLocks/>
+          </p:cNvSpPr>
+          <p:nvPr/>
+        </p:nvSpPr>
+        <p:spPr>
+          <a:xfrm>
+            <a:off x="1824033" y="231050"/>
+            <a:ext cx="5713108" cy="378549"/>
+          </a:xfrm>
+          <a:prstGeom prst="rect">
+            <a:avLst/>
+          </a:prstGeom>
+        </p:spPr>
+        <p:txBody>
+          <a:bodyPr vert="horz" lIns="91440" tIns="45720" rIns="91440" bIns="45720" rtlCol="0" anchor="ctr"/>
+          <a:lstStyle>
+            <a:defPPr>
+              <a:defRPr lang="en-US"/>
+            </a:defPPr>
+            <a:lvl1pPr marL="0" algn="r" defTabSz="457200" rtl="0" eaLnBrk="1" latinLnBrk="0" hangingPunct="1">
+              <a:defRPr sz="900" kern="1200">
+                <a:solidFill>
+                  <a:schemeClr val="tx1">
+                    <a:tint val="75000"/>
+                  </a:schemeClr>
+                </a:solidFill>
+                <a:latin typeface="+mn-lt"/>
+                <a:ea typeface="+mn-ea"/>
+                <a:cs typeface="+mn-cs"/>
+              </a:defRPr>
+            </a:lvl1pPr>
+            <a:lvl2pPr marL="457200" algn="l" defTabSz="457200" rtl="0" eaLnBrk="1" latinLnBrk="0" hangingPunct="1">
+              <a:defRPr sz="1800" kern="1200">
+                <a:solidFill>
+                  <a:schemeClr val="tx1"/>
+                </a:solidFill>
+                <a:latin typeface="+mn-lt"/>
+                <a:ea typeface="+mn-ea"/>
+                <a:cs typeface="+mn-cs"/>
+              </a:defRPr>
+            </a:lvl2pPr>
+            <a:lvl3pPr marL="914400" algn="l" defTabSz="457200" rtl="0" eaLnBrk="1" latinLnBrk="0" hangingPunct="1">
+              <a:defRPr sz="1800" kern="1200">
+                <a:solidFill>
+                  <a:schemeClr val="tx1"/>
+                </a:solidFill>
+                <a:latin typeface="+mn-lt"/>
+                <a:ea typeface="+mn-ea"/>
+                <a:cs typeface="+mn-cs"/>
+              </a:defRPr>
+            </a:lvl3pPr>
+            <a:lvl4pPr marL="1371600" algn="l" defTabSz="457200" rtl="0" eaLnBrk="1" latinLnBrk="0" hangingPunct="1">
+              <a:defRPr sz="1800" kern="1200">
+                <a:solidFill>
+                  <a:schemeClr val="tx1"/>
+                </a:solidFill>
+                <a:latin typeface="+mn-lt"/>
+                <a:ea typeface="+mn-ea"/>
+                <a:cs typeface="+mn-cs"/>
+              </a:defRPr>
+            </a:lvl4pPr>
+            <a:lvl5pPr marL="1828800" algn="l" defTabSz="457200" rtl="0" eaLnBrk="1" latinLnBrk="0" hangingPunct="1">
+              <a:defRPr sz="1800" kern="1200">
+                <a:solidFill>
+                  <a:schemeClr val="tx1"/>
+                </a:solidFill>
+                <a:latin typeface="+mn-lt"/>
+                <a:ea typeface="+mn-ea"/>
+                <a:cs typeface="+mn-cs"/>
+              </a:defRPr>
+            </a:lvl5pPr>
+            <a:lvl6pPr marL="2286000" algn="l" defTabSz="457200" rtl="0" eaLnBrk="1" latinLnBrk="0" hangingPunct="1">
+              <a:defRPr sz="1800" kern="1200">
+                <a:solidFill>
+                  <a:schemeClr val="tx1"/>
+                </a:solidFill>
+                <a:latin typeface="+mn-lt"/>
+                <a:ea typeface="+mn-ea"/>
+                <a:cs typeface="+mn-cs"/>
+              </a:defRPr>
+            </a:lvl6pPr>
+            <a:lvl7pPr marL="2743200" algn="l" defTabSz="457200" rtl="0" eaLnBrk="1" latinLnBrk="0" hangingPunct="1">
+              <a:defRPr sz="1800" kern="1200">
+                <a:solidFill>
+                  <a:schemeClr val="tx1"/>
+                </a:solidFill>
+                <a:latin typeface="+mn-lt"/>
+                <a:ea typeface="+mn-ea"/>
+                <a:cs typeface="+mn-cs"/>
+              </a:defRPr>
+            </a:lvl7pPr>
+            <a:lvl8pPr marL="3200400" algn="l" defTabSz="457200" rtl="0" eaLnBrk="1" latinLnBrk="0" hangingPunct="1">
+              <a:defRPr sz="1800" kern="1200">
+                <a:solidFill>
+                  <a:schemeClr val="tx1"/>
+                </a:solidFill>
+                <a:latin typeface="+mn-lt"/>
+                <a:ea typeface="+mn-ea"/>
+                <a:cs typeface="+mn-cs"/>
+              </a:defRPr>
+            </a:lvl8pPr>
+            <a:lvl9pPr marL="3657600" algn="l" defTabSz="457200" rtl="0" eaLnBrk="1" latinLnBrk="0" hangingPunct="1">
+              <a:defRPr sz="1800" kern="1200">
+                <a:solidFill>
+                  <a:schemeClr val="tx1"/>
+                </a:solidFill>
+                <a:latin typeface="+mn-lt"/>
+                <a:ea typeface="+mn-ea"/>
+                <a:cs typeface="+mn-cs"/>
+              </a:defRPr>
+            </a:lvl9pPr>
+          </a:lstStyle>
+          <a:p>
+            <a:r>
+              <a:rPr lang="de-DE" sz="1400" dirty="0"/>
+              <a:t>Veronika Taranek, Philipp </a:t>
+            </a:r>
+            <a:r>
+              <a:rPr lang="de-DE" sz="1400" dirty="0" err="1"/>
+              <a:t>Fenesan</a:t>
+            </a:r>
+            <a:r>
+              <a:rPr lang="de-DE" sz="1400" dirty="0"/>
+              <a:t>, Nicolas Geppert, Lukas Werner</a:t>
+            </a:r>
+            <a:endParaRPr lang="en-US" dirty="0"/>
           </a:p>
         </p:txBody>
       </p:sp>
@@ -13888,11 +14085,19 @@
           <a:p>
             <a:r>
               <a:rPr lang="en-US" dirty="0"/>
-              <a:t>Inspiration und </a:t>
+              <a:t>Internet </a:t>
             </a:r>
             <a:r>
               <a:rPr lang="en-US" dirty="0" err="1"/>
-              <a:t>Impulsgeber</a:t>
+              <a:t>als</a:t>
+            </a:r>
+            <a:r>
+              <a:rPr lang="en-US" dirty="0"/>
+              <a:t> Inspirations- und </a:t>
+            </a:r>
+            <a:r>
+              <a:rPr lang="en-US" dirty="0" err="1"/>
+              <a:t>Informationsquelle</a:t>
             </a:r>
             <a:r>
               <a:rPr lang="en-US" dirty="0"/>
@@ -13900,44 +14105,50 @@
             </a:r>
             <a:r>
               <a:rPr lang="en-US" dirty="0" err="1"/>
-              <a:t>für</a:t>
+              <a:t>im</a:t>
             </a:r>
             <a:r>
               <a:rPr lang="en-US" dirty="0"/>
-              <a:t> die </a:t>
+              <a:t> </a:t>
             </a:r>
             <a:r>
               <a:rPr lang="en-US" dirty="0" err="1"/>
-              <a:t>Wanderung</a:t>
+              <a:t>Vorraus</a:t>
             </a:r>
             <a:r>
               <a:rPr lang="en-US" dirty="0"/>
-              <a:t> sei </a:t>
+              <a:t> </a:t>
+            </a:r>
+          </a:p>
+          <a:p>
+            <a:endParaRPr lang="en-US" dirty="0"/>
+          </a:p>
+          <a:p>
+            <a:endParaRPr lang="en-US" dirty="0"/>
+          </a:p>
+          <a:p>
+            <a:endParaRPr lang="en-US" dirty="0"/>
+          </a:p>
+          <a:p>
+            <a:r>
+              <a:rPr lang="en-US" dirty="0"/>
+              <a:t>Internet </a:t>
             </a:r>
             <a:r>
               <a:rPr lang="en-US" dirty="0" err="1"/>
-              <a:t>bei</a:t>
+              <a:t>als</a:t>
             </a:r>
             <a:r>
               <a:rPr lang="en-US" dirty="0"/>
-              <a:t> 42% der </a:t>
+              <a:t> </a:t>
             </a:r>
             <a:r>
               <a:rPr lang="en-US" dirty="0" err="1"/>
-              <a:t>Befragten</a:t>
+              <a:t>Unterstützung</a:t>
             </a:r>
             <a:r>
               <a:rPr lang="en-US" dirty="0"/>
-              <a:t> das Internet</a:t>
-            </a:r>
-          </a:p>
-          <a:p>
-            <a:endParaRPr lang="en-US" dirty="0"/>
-          </a:p>
-          <a:p>
-            <a:r>
-              <a:rPr lang="en-US" dirty="0"/>
-              <a:t>Apps </a:t>
+              <a:t> </a:t>
             </a:r>
             <a:r>
               <a:rPr lang="en-US" dirty="0" err="1"/>
@@ -13957,39 +14168,7 @@
             </a:r>
             <a:r>
               <a:rPr lang="en-US" dirty="0" err="1"/>
-              <a:t>sind</a:t>
-            </a:r>
-            <a:r>
-              <a:rPr lang="en-US" dirty="0"/>
-              <a:t> </a:t>
-            </a:r>
-            <a:r>
-              <a:rPr lang="en-US" dirty="0" err="1"/>
               <a:t>beliebt</a:t>
-            </a:r>
-            <a:r>
-              <a:rPr lang="en-US" dirty="0"/>
-              <a:t> und </a:t>
-            </a:r>
-            <a:r>
-              <a:rPr lang="en-US" dirty="0" err="1"/>
-              <a:t>helfen</a:t>
-            </a:r>
-            <a:r>
-              <a:rPr lang="en-US" dirty="0"/>
-              <a:t> </a:t>
-            </a:r>
-            <a:r>
-              <a:rPr lang="en-US" dirty="0" err="1"/>
-              <a:t>beim</a:t>
-            </a:r>
-            <a:r>
-              <a:rPr lang="en-US" dirty="0"/>
-              <a:t> </a:t>
-            </a:r>
-            <a:r>
-              <a:rPr lang="en-US" dirty="0" err="1"/>
-              <a:t>Wandern</a:t>
             </a:r>
             <a:endParaRPr lang="en-US" dirty="0"/>
           </a:p>
@@ -14073,7 +14252,7 @@
         <p:spPr>
           <a:xfrm>
             <a:off x="405468" y="6379151"/>
-            <a:ext cx="7874466" cy="478849"/>
+            <a:ext cx="7874466" cy="281231"/>
           </a:xfrm>
           <a:prstGeom prst="rect">
             <a:avLst/>
@@ -14085,15 +14264,13 @@
           </a:bodyPr>
           <a:lstStyle/>
           <a:p>
-            <a:pPr marL="342900" lvl="0" indent="-342900">
+            <a:pPr lvl="0">
               <a:lnSpc>
                 <a:spcPct val="107000"/>
               </a:lnSpc>
               <a:spcAft>
                 <a:spcPts val="800"/>
               </a:spcAft>
-              <a:buFont typeface="Courier New" panose="02070309020205020404" pitchFamily="49" charset="0"/>
-              <a:buChar char="o"/>
             </a:pPr>
             <a:r>
               <a:rPr lang="de-DE" sz="1200" u="sng" dirty="0">
@@ -14541,8 +14718,12 @@
           <a:p>
             <a:pPr lvl="1"/>
             <a:r>
+              <a:rPr lang="en-US" dirty="0"/>
+              <a:t>ABER: 61% </a:t>
+            </a:r>
+            <a:r>
               <a:rPr lang="en-US" dirty="0" err="1"/>
-              <a:t>Daraus</a:t>
+              <a:t>nicht</a:t>
             </a:r>
             <a:r>
               <a:rPr lang="en-US" dirty="0"/>
@@ -14550,15 +14731,7 @@
             </a:r>
             <a:r>
               <a:rPr lang="en-US" dirty="0" err="1"/>
-              <a:t>kann</a:t>
-            </a:r>
-            <a:r>
-              <a:rPr lang="en-US" dirty="0"/>
-              <a:t> man </a:t>
-            </a:r>
-            <a:r>
-              <a:rPr lang="en-US" dirty="0" err="1"/>
-              <a:t>aber</a:t>
+              <a:t>davon</a:t>
             </a:r>
             <a:r>
               <a:rPr lang="en-US" dirty="0"/>
@@ -14566,7 +14739,24 @@
             </a:r>
             <a:r>
               <a:rPr lang="en-US" dirty="0" err="1"/>
-              <a:t>auch</a:t>
+              <a:t>abgeneigt</a:t>
+            </a:r>
+            <a:endParaRPr lang="en-US" dirty="0"/>
+          </a:p>
+          <a:p>
+            <a:pPr marL="457200" lvl="1" indent="0">
+              <a:buNone/>
+            </a:pPr>
+            <a:endParaRPr lang="en-US" dirty="0"/>
+          </a:p>
+          <a:p>
+            <a:r>
+              <a:rPr lang="en-US" dirty="0"/>
+              <a:t>App muss die </a:t>
+            </a:r>
+            <a:r>
+              <a:rPr lang="en-US" dirty="0" err="1"/>
+              <a:t>genutzten</a:t>
             </a:r>
             <a:r>
               <a:rPr lang="en-US" dirty="0"/>
@@ -14574,15 +14764,7 @@
             </a:r>
             <a:r>
               <a:rPr lang="en-US" dirty="0" err="1"/>
-              <a:t>schließen</a:t>
-            </a:r>
-            <a:r>
-              <a:rPr lang="en-US" dirty="0"/>
-              <a:t>, </a:t>
-            </a:r>
-            <a:r>
-              <a:rPr lang="en-US" dirty="0" err="1"/>
-              <a:t>dass</a:t>
+              <a:t>Angebote</a:t>
             </a:r>
             <a:r>
               <a:rPr lang="en-US" dirty="0"/>
@@ -14590,23 +14772,45 @@
             </a:r>
             <a:r>
               <a:rPr lang="en-US" dirty="0" err="1"/>
-              <a:t>viele</a:t>
+              <a:t>aus</a:t>
             </a:r>
             <a:r>
               <a:rPr lang="en-US" dirty="0"/>
-              <a:t> Wanderer </a:t>
+              <a:t> Internet und Apps </a:t>
             </a:r>
             <a:r>
               <a:rPr lang="en-US" dirty="0" err="1"/>
-              <a:t>ihr</a:t>
-            </a:r>
+              <a:t>kombinieren</a:t>
+            </a:r>
+            <a:endParaRPr lang="en-US" dirty="0"/>
+          </a:p>
+          <a:p>
+            <a:endParaRPr lang="en-US" dirty="0"/>
+          </a:p>
+          <a:p>
             <a:r>
               <a:rPr lang="en-US" dirty="0"/>
-              <a:t> Smartphone </a:t>
+              <a:t>Zukunft: </a:t>
             </a:r>
             <a:r>
               <a:rPr lang="en-US" dirty="0" err="1"/>
-              <a:t>beim</a:t>
+              <a:t>jüngere</a:t>
+            </a:r>
+            <a:r>
+              <a:rPr lang="en-US" dirty="0"/>
+              <a:t> Generation </a:t>
+            </a:r>
+            <a:r>
+              <a:rPr lang="en-US" dirty="0" err="1"/>
+              <a:t>für</a:t>
+            </a:r>
+            <a:r>
+              <a:rPr lang="en-US" dirty="0"/>
+              <a:t> das </a:t>
+            </a:r>
+            <a:r>
+              <a:rPr lang="en-US" dirty="0" err="1"/>
+              <a:t>Wandern</a:t>
             </a:r>
             <a:r>
               <a:rPr lang="en-US" dirty="0"/>
@@ -14614,140 +14818,7 @@
             </a:r>
             <a:r>
               <a:rPr lang="en-US" dirty="0" err="1"/>
-              <a:t>Wandern</a:t>
-            </a:r>
-            <a:r>
-              <a:rPr lang="en-US" dirty="0"/>
-              <a:t> </a:t>
-            </a:r>
-            <a:r>
-              <a:rPr lang="en-US" dirty="0" err="1"/>
-              <a:t>nutzen</a:t>
-            </a:r>
-            <a:endParaRPr lang="en-US" dirty="0"/>
-          </a:p>
-          <a:p>
-            <a:r>
-              <a:rPr lang="en-US" dirty="0"/>
-              <a:t>Eine App, die </a:t>
-            </a:r>
-            <a:r>
-              <a:rPr lang="en-US" dirty="0" err="1"/>
-              <a:t>genutzte</a:t>
-            </a:r>
-            <a:r>
-              <a:rPr lang="en-US" dirty="0"/>
-              <a:t> </a:t>
-            </a:r>
-            <a:r>
-              <a:rPr lang="en-US" dirty="0" err="1"/>
-              <a:t>Angebote</a:t>
-            </a:r>
-            <a:r>
-              <a:rPr lang="en-US" dirty="0"/>
-              <a:t> </a:t>
-            </a:r>
-            <a:r>
-              <a:rPr lang="en-US" dirty="0" err="1"/>
-              <a:t>aus</a:t>
-            </a:r>
-            <a:r>
-              <a:rPr lang="en-US" dirty="0"/>
-              <a:t> </a:t>
-            </a:r>
-            <a:r>
-              <a:rPr lang="en-US" dirty="0" err="1"/>
-              <a:t>verschiedenen</a:t>
-            </a:r>
-            <a:r>
-              <a:rPr lang="en-US" dirty="0"/>
-              <a:t> Apps </a:t>
-            </a:r>
-            <a:r>
-              <a:rPr lang="en-US" dirty="0" err="1"/>
-              <a:t>kombiniert</a:t>
-            </a:r>
-            <a:endParaRPr lang="en-US" dirty="0"/>
-          </a:p>
-          <a:p>
-            <a:endParaRPr lang="en-US" dirty="0"/>
-          </a:p>
-          <a:p>
-            <a:r>
-              <a:rPr lang="en-US" dirty="0" err="1"/>
-              <a:t>Zukunft</a:t>
-            </a:r>
-            <a:r>
-              <a:rPr lang="en-US" dirty="0"/>
-              <a:t>: </a:t>
-            </a:r>
-            <a:r>
-              <a:rPr lang="en-US" dirty="0" err="1"/>
-              <a:t>Gerade</a:t>
-            </a:r>
-            <a:r>
-              <a:rPr lang="en-US" dirty="0"/>
-              <a:t> der </a:t>
-            </a:r>
-            <a:r>
-              <a:rPr lang="en-US" dirty="0" err="1"/>
-              <a:t>jüngeren</a:t>
-            </a:r>
-            <a:r>
-              <a:rPr lang="en-US" dirty="0"/>
-              <a:t> Generation </a:t>
-            </a:r>
-            <a:r>
-              <a:rPr lang="en-US" dirty="0" err="1"/>
-              <a:t>könnte</a:t>
-            </a:r>
-            <a:r>
-              <a:rPr lang="en-US" dirty="0"/>
-              <a:t> man </a:t>
-            </a:r>
-            <a:r>
-              <a:rPr lang="en-US" dirty="0" err="1"/>
-              <a:t>durch</a:t>
-            </a:r>
-            <a:r>
-              <a:rPr lang="en-US" dirty="0"/>
-              <a:t> </a:t>
-            </a:r>
-            <a:r>
-              <a:rPr lang="en-US" dirty="0" err="1"/>
-              <a:t>solch</a:t>
-            </a:r>
-            <a:r>
-              <a:rPr lang="en-US" dirty="0"/>
-              <a:t> </a:t>
-            </a:r>
-            <a:r>
-              <a:rPr lang="en-US" dirty="0" err="1"/>
-              <a:t>eine</a:t>
-            </a:r>
-            <a:r>
-              <a:rPr lang="en-US" dirty="0"/>
-              <a:t> App das </a:t>
-            </a:r>
-            <a:r>
-              <a:rPr lang="en-US" dirty="0" err="1"/>
-              <a:t>Wandern</a:t>
-            </a:r>
-            <a:r>
-              <a:rPr lang="en-US" dirty="0"/>
-              <a:t> </a:t>
-            </a:r>
-            <a:r>
-              <a:rPr lang="en-US" dirty="0" err="1"/>
-              <a:t>näher</a:t>
-            </a:r>
-            <a:r>
-              <a:rPr lang="en-US" dirty="0"/>
-              <a:t> </a:t>
-            </a:r>
-            <a:r>
-              <a:rPr lang="en-US" dirty="0" err="1"/>
-              <a:t>bringen</a:t>
+              <a:t>begeistern</a:t>
             </a:r>
             <a:endParaRPr lang="en-US" dirty="0"/>
           </a:p>

--- a/presentation/wanderoo – Gruppe 3.pptx
+++ b/presentation/wanderoo – Gruppe 3.pptx
@@ -5,7 +5,7 @@
     <p:sldMasterId id="2147483660" r:id="rId1"/>
   </p:sldMasterIdLst>
   <p:notesMasterIdLst>
-    <p:notesMasterId r:id="rId24"/>
+    <p:notesMasterId r:id="rId25"/>
   </p:notesMasterIdLst>
   <p:sldIdLst>
     <p:sldId id="256" r:id="rId2"/>
@@ -29,7 +29,8 @@
     <p:sldId id="276" r:id="rId20"/>
     <p:sldId id="278" r:id="rId21"/>
     <p:sldId id="279" r:id="rId22"/>
-    <p:sldId id="280" r:id="rId23"/>
+    <p:sldId id="281" r:id="rId23"/>
+    <p:sldId id="280" r:id="rId24"/>
   </p:sldIdLst>
   <p:sldSz cx="12192000" cy="6858000"/>
   <p:notesSz cx="6858000" cy="9144000"/>
@@ -371,7 +372,7 @@
           <a:p>
             <a:fld id="{91C987E9-D846-45D7-B0BA-09A404DDD18F}" type="datetimeFigureOut">
               <a:rPr lang="en-US" smtClean="0"/>
-              <a:t>11/3/2020</a:t>
+              <a:t>11/4/2020</a:t>
             </a:fld>
             <a:endParaRPr lang="en-US"/>
           </a:p>
@@ -529,7 +530,7 @@
           <a:p>
             <a:fld id="{E9848302-4D0B-44CA-8F00-816E91755838}" type="slidenum">
               <a:rPr lang="en-US" smtClean="0"/>
-              <a:t>‹Nr.›</a:t>
+              <a:t>‹#›</a:t>
             </a:fld>
             <a:endParaRPr lang="en-US"/>
           </a:p>
@@ -1688,9 +1689,9 @@
           <a:bodyPr/>
           <a:lstStyle/>
           <a:p>
-            <a:fld id="{F7B45734-1697-4AB7-959A-59021CEE7C63}" type="datetime1">
+            <a:fld id="{6C6F62BC-A099-485D-9FD2-B3171F599AB8}" type="datetime1">
               <a:rPr lang="de-DE" smtClean="0"/>
-              <a:t>03.11.2020</a:t>
+              <a:t>04.11.2020</a:t>
             </a:fld>
             <a:endParaRPr lang="en-US"/>
           </a:p>
@@ -1732,7 +1733,7 @@
           <a:p>
             <a:fld id="{55605263-C902-48DB-AA98-994A2984047F}" type="slidenum">
               <a:rPr lang="en-US" smtClean="0"/>
-              <a:t>‹Nr.›</a:t>
+              <a:t>‹#›</a:t>
             </a:fld>
             <a:endParaRPr lang="en-US"/>
           </a:p>
@@ -1951,9 +1952,9 @@
           <a:bodyPr/>
           <a:lstStyle/>
           <a:p>
-            <a:fld id="{28E0F9FB-1E8A-4CFC-BF19-70653968A72B}" type="datetime1">
+            <a:fld id="{566A0322-0AEE-4A53-BA3F-1681CFE82525}" type="datetime1">
               <a:rPr lang="de-DE" smtClean="0"/>
-              <a:t>03.11.2020</a:t>
+              <a:t>04.11.2020</a:t>
             </a:fld>
             <a:endParaRPr lang="en-US"/>
           </a:p>
@@ -1995,7 +1996,7 @@
           <a:p>
             <a:fld id="{55605263-C902-48DB-AA98-994A2984047F}" type="slidenum">
               <a:rPr lang="en-US" smtClean="0"/>
-              <a:t>‹Nr.›</a:t>
+              <a:t>‹#›</a:t>
             </a:fld>
             <a:endParaRPr lang="en-US"/>
           </a:p>
@@ -2202,9 +2203,9 @@
           <a:bodyPr/>
           <a:lstStyle/>
           <a:p>
-            <a:fld id="{4C8791FF-7201-4729-B98B-5B802CB6FE26}" type="datetime1">
+            <a:fld id="{B9C1A987-5E19-4049-AE3A-CCAAADFFF4BF}" type="datetime1">
               <a:rPr lang="de-DE" smtClean="0"/>
-              <a:t>03.11.2020</a:t>
+              <a:t>04.11.2020</a:t>
             </a:fld>
             <a:endParaRPr lang="en-US"/>
           </a:p>
@@ -2246,7 +2247,7 @@
           <a:p>
             <a:fld id="{55605263-C902-48DB-AA98-994A2984047F}" type="slidenum">
               <a:rPr lang="en-US" smtClean="0"/>
-              <a:t>‹Nr.›</a:t>
+              <a:t>‹#›</a:t>
             </a:fld>
             <a:endParaRPr lang="en-US"/>
           </a:p>
@@ -2516,9 +2517,9 @@
           <a:bodyPr/>
           <a:lstStyle/>
           <a:p>
-            <a:fld id="{16EBDE9D-3BF1-458B-B04E-AA7056777578}" type="datetime1">
+            <a:fld id="{DB0BA3F8-F895-47FF-A731-E6E2C885D1F8}" type="datetime1">
               <a:rPr lang="de-DE" smtClean="0"/>
-              <a:t>03.11.2020</a:t>
+              <a:t>04.11.2020</a:t>
             </a:fld>
             <a:endParaRPr lang="en-US"/>
           </a:p>
@@ -2560,7 +2561,7 @@
           <a:p>
             <a:fld id="{55605263-C902-48DB-AA98-994A2984047F}" type="slidenum">
               <a:rPr lang="en-US" smtClean="0"/>
-              <a:t>‹Nr.›</a:t>
+              <a:t>‹#›</a:t>
             </a:fld>
             <a:endParaRPr lang="en-US"/>
           </a:p>
@@ -2857,9 +2858,9 @@
           <a:bodyPr/>
           <a:lstStyle/>
           <a:p>
-            <a:fld id="{72379833-F89A-4CC5-AD26-2146F255572C}" type="datetime1">
+            <a:fld id="{7313D418-1542-4076-B0A8-21630B7E2F35}" type="datetime1">
               <a:rPr lang="de-DE" smtClean="0"/>
-              <a:t>03.11.2020</a:t>
+              <a:t>04.11.2020</a:t>
             </a:fld>
             <a:endParaRPr lang="en-US"/>
           </a:p>
@@ -2901,7 +2902,7 @@
           <a:p>
             <a:fld id="{55605263-C902-48DB-AA98-994A2984047F}" type="slidenum">
               <a:rPr lang="en-US" smtClean="0"/>
-              <a:t>‹Nr.›</a:t>
+              <a:t>‹#›</a:t>
             </a:fld>
             <a:endParaRPr lang="en-US"/>
           </a:p>
@@ -3171,9 +3172,9 @@
           <a:bodyPr/>
           <a:lstStyle/>
           <a:p>
-            <a:fld id="{431A2CE2-D7A9-4F80-8471-7A4DA8B72368}" type="datetime1">
+            <a:fld id="{8390B06E-D8A6-4DAC-8AC6-AC57D58B656B}" type="datetime1">
               <a:rPr lang="de-DE" smtClean="0"/>
-              <a:t>03.11.2020</a:t>
+              <a:t>04.11.2020</a:t>
             </a:fld>
             <a:endParaRPr lang="en-US"/>
           </a:p>
@@ -3215,7 +3216,7 @@
           <a:p>
             <a:fld id="{55605263-C902-48DB-AA98-994A2984047F}" type="slidenum">
               <a:rPr lang="en-US" smtClean="0"/>
-              <a:t>‹Nr.›</a:t>
+              <a:t>‹#›</a:t>
             </a:fld>
             <a:endParaRPr lang="en-US"/>
           </a:p>
@@ -3564,9 +3565,9 @@
           <a:bodyPr/>
           <a:lstStyle/>
           <a:p>
-            <a:fld id="{4B9D6D1C-E905-4368-9630-7DD1E44954A8}" type="datetime1">
+            <a:fld id="{1F0E8B27-1769-4B42-82EF-77F7C9FB6A3A}" type="datetime1">
               <a:rPr lang="de-DE" smtClean="0"/>
-              <a:t>03.11.2020</a:t>
+              <a:t>04.11.2020</a:t>
             </a:fld>
             <a:endParaRPr lang="en-US"/>
           </a:p>
@@ -3608,7 +3609,7 @@
           <a:p>
             <a:fld id="{55605263-C902-48DB-AA98-994A2984047F}" type="slidenum">
               <a:rPr lang="en-US" smtClean="0"/>
-              <a:t>‹Nr.›</a:t>
+              <a:t>‹#›</a:t>
             </a:fld>
             <a:endParaRPr lang="en-US"/>
           </a:p>
@@ -3734,9 +3735,9 @@
           <a:bodyPr/>
           <a:lstStyle/>
           <a:p>
-            <a:fld id="{8627FA29-765F-442F-8C7E-8C4E33FBBD15}" type="datetime1">
+            <a:fld id="{849029DD-B2FD-47BE-9E5E-28DA5B17BB35}" type="datetime1">
               <a:rPr lang="de-DE" smtClean="0"/>
-              <a:t>03.11.2020</a:t>
+              <a:t>04.11.2020</a:t>
             </a:fld>
             <a:endParaRPr lang="en-US"/>
           </a:p>
@@ -3778,7 +3779,7 @@
           <a:p>
             <a:fld id="{55605263-C902-48DB-AA98-994A2984047F}" type="slidenum">
               <a:rPr lang="en-US" smtClean="0"/>
-              <a:t>‹Nr.›</a:t>
+              <a:t>‹#›</a:t>
             </a:fld>
             <a:endParaRPr lang="en-US"/>
           </a:p>
@@ -3914,9 +3915,9 @@
           <a:bodyPr/>
           <a:lstStyle/>
           <a:p>
-            <a:fld id="{C79E08BA-6372-4F95-AB4E-CF7226F9351B}" type="datetime1">
+            <a:fld id="{56C2ED42-01AE-4881-8414-34266DADD334}" type="datetime1">
               <a:rPr lang="de-DE" smtClean="0"/>
-              <a:t>03.11.2020</a:t>
+              <a:t>04.11.2020</a:t>
             </a:fld>
             <a:endParaRPr lang="en-US"/>
           </a:p>
@@ -3958,7 +3959,7 @@
           <a:p>
             <a:fld id="{55605263-C902-48DB-AA98-994A2984047F}" type="slidenum">
               <a:rPr lang="en-US" smtClean="0"/>
-              <a:t>‹Nr.›</a:t>
+              <a:t>‹#›</a:t>
             </a:fld>
             <a:endParaRPr lang="en-US"/>
           </a:p>
@@ -4090,9 +4091,9 @@
           <a:bodyPr/>
           <a:lstStyle/>
           <a:p>
-            <a:fld id="{BBFE0E78-BD63-486A-A840-5A82EE4DABDC}" type="datetime1">
+            <a:fld id="{06BDF586-7E94-4F4E-AE95-53875B7CEE5F}" type="datetime1">
               <a:rPr lang="de-DE" smtClean="0"/>
-              <a:t>03.11.2020</a:t>
+              <a:t>04.11.2020</a:t>
             </a:fld>
             <a:endParaRPr lang="en-US"/>
           </a:p>
@@ -4134,7 +4135,7 @@
           <a:p>
             <a:fld id="{55605263-C902-48DB-AA98-994A2984047F}" type="slidenum">
               <a:rPr lang="en-US" smtClean="0"/>
-              <a:t>‹Nr.›</a:t>
+              <a:t>‹#›</a:t>
             </a:fld>
             <a:endParaRPr lang="en-US"/>
           </a:p>
@@ -4219,9 +4220,9 @@
           <a:bodyPr/>
           <a:lstStyle/>
           <a:p>
-            <a:fld id="{FD088E02-9980-4083-8604-339DD30750A9}" type="datetime1">
+            <a:fld id="{3FAB1EA4-6375-4E53-98B2-7AC571C877B6}" type="datetime1">
               <a:rPr lang="de-DE" smtClean="0"/>
-              <a:t>03.11.2020</a:t>
+              <a:t>04.11.2020</a:t>
             </a:fld>
             <a:endParaRPr lang="en-US"/>
           </a:p>
@@ -4275,7 +4276,7 @@
           <a:p>
             <a:fld id="{55605263-C902-48DB-AA98-994A2984047F}" type="slidenum">
               <a:rPr lang="en-US" smtClean="0"/>
-              <a:t>‹Nr.›</a:t>
+              <a:t>‹#›</a:t>
             </a:fld>
             <a:endParaRPr lang="en-US"/>
           </a:p>
@@ -4561,9 +4562,9 @@
           <a:bodyPr/>
           <a:lstStyle/>
           <a:p>
-            <a:fld id="{512B8740-04A0-4F0F-BA2E-747FAA8552CF}" type="datetime1">
+            <a:fld id="{A23CB92F-5B74-4D6C-86EC-0EA2800A9A20}" type="datetime1">
               <a:rPr lang="de-DE" smtClean="0"/>
-              <a:t>03.11.2020</a:t>
+              <a:t>04.11.2020</a:t>
             </a:fld>
             <a:endParaRPr lang="en-US"/>
           </a:p>
@@ -4605,7 +4606,7 @@
           <a:p>
             <a:fld id="{55605263-C902-48DB-AA98-994A2984047F}" type="slidenum">
               <a:rPr lang="en-US" smtClean="0"/>
-              <a:t>‹Nr.›</a:t>
+              <a:t>‹#›</a:t>
             </a:fld>
             <a:endParaRPr lang="en-US"/>
           </a:p>
@@ -4793,9 +4794,9 @@
           <a:bodyPr/>
           <a:lstStyle/>
           <a:p>
-            <a:fld id="{52340480-09C1-41B7-ACEE-F79B5ACF8268}" type="datetime1">
+            <a:fld id="{D140E3A8-6847-4BE8-BC30-A809F87A48B7}" type="datetime1">
               <a:rPr lang="de-DE" smtClean="0"/>
-              <a:t>03.11.2020</a:t>
+              <a:t>04.11.2020</a:t>
             </a:fld>
             <a:endParaRPr lang="en-US"/>
           </a:p>
@@ -4837,7 +4838,7 @@
           <a:p>
             <a:fld id="{55605263-C902-48DB-AA98-994A2984047F}" type="slidenum">
               <a:rPr lang="en-US" smtClean="0"/>
-              <a:t>‹Nr.›</a:t>
+              <a:t>‹#›</a:t>
             </a:fld>
             <a:endParaRPr lang="en-US"/>
           </a:p>
@@ -5167,9 +5168,9 @@
           <a:bodyPr/>
           <a:lstStyle/>
           <a:p>
-            <a:fld id="{3C76072F-ABDE-49C9-B45F-982F33145057}" type="datetime1">
+            <a:fld id="{A7AECF30-4F60-425D-BC6F-A7F661398E56}" type="datetime1">
               <a:rPr lang="de-DE" smtClean="0"/>
-              <a:t>03.11.2020</a:t>
+              <a:t>04.11.2020</a:t>
             </a:fld>
             <a:endParaRPr lang="en-US"/>
           </a:p>
@@ -5211,7 +5212,7 @@
           <a:p>
             <a:fld id="{55605263-C902-48DB-AA98-994A2984047F}" type="slidenum">
               <a:rPr lang="en-US" smtClean="0"/>
-              <a:t>‹Nr.›</a:t>
+              <a:t>‹#›</a:t>
             </a:fld>
             <a:endParaRPr lang="en-US"/>
           </a:p>
@@ -5290,9 +5291,9 @@
           <a:bodyPr/>
           <a:lstStyle/>
           <a:p>
-            <a:fld id="{FF972E03-99BD-433F-85AD-6324DFFF3902}" type="datetime1">
+            <a:fld id="{9C6D9FF3-199C-4BE9-B5F6-5DDDF95963BC}" type="datetime1">
               <a:rPr lang="de-DE" smtClean="0"/>
-              <a:t>03.11.2020</a:t>
+              <a:t>04.11.2020</a:t>
             </a:fld>
             <a:endParaRPr lang="en-US"/>
           </a:p>
@@ -5334,7 +5335,7 @@
           <a:p>
             <a:fld id="{55605263-C902-48DB-AA98-994A2984047F}" type="slidenum">
               <a:rPr lang="en-US" smtClean="0"/>
-              <a:t>‹Nr.›</a:t>
+              <a:t>‹#›</a:t>
             </a:fld>
             <a:endParaRPr lang="en-US"/>
           </a:p>
@@ -5385,9 +5386,9 @@
           <a:bodyPr/>
           <a:lstStyle/>
           <a:p>
-            <a:fld id="{EB4EFE40-CAA3-420B-8D0E-DBD5AB0FE83F}" type="datetime1">
+            <a:fld id="{21E1F404-5A7D-441F-B026-C5DE6809B7CF}" type="datetime1">
               <a:rPr lang="de-DE" smtClean="0"/>
-              <a:t>03.11.2020</a:t>
+              <a:t>04.11.2020</a:t>
             </a:fld>
             <a:endParaRPr lang="en-US"/>
           </a:p>
@@ -5429,7 +5430,7 @@
           <a:p>
             <a:fld id="{55605263-C902-48DB-AA98-994A2984047F}" type="slidenum">
               <a:rPr lang="en-US" smtClean="0"/>
-              <a:t>‹Nr.›</a:t>
+              <a:t>‹#›</a:t>
             </a:fld>
             <a:endParaRPr lang="en-US"/>
           </a:p>
@@ -5640,9 +5641,9 @@
           <a:bodyPr/>
           <a:lstStyle/>
           <a:p>
-            <a:fld id="{E2AC2435-A98B-4155-AB69-4F954FE6AEBB}" type="datetime1">
+            <a:fld id="{6338F36E-2E2D-4800-AC2B-558944557374}" type="datetime1">
               <a:rPr lang="de-DE" smtClean="0"/>
-              <a:t>03.11.2020</a:t>
+              <a:t>04.11.2020</a:t>
             </a:fld>
             <a:endParaRPr lang="en-US"/>
           </a:p>
@@ -5684,7 +5685,7 @@
           <a:p>
             <a:fld id="{55605263-C902-48DB-AA98-994A2984047F}" type="slidenum">
               <a:rPr lang="en-US" smtClean="0"/>
-              <a:t>‹Nr.›</a:t>
+              <a:t>‹#›</a:t>
             </a:fld>
             <a:endParaRPr lang="en-US"/>
           </a:p>
@@ -6383,9 +6384,9 @@
             </a:lvl1pPr>
           </a:lstStyle>
           <a:p>
-            <a:fld id="{589A2304-41B2-49D5-86E3-82760E9ED896}" type="datetime1">
+            <a:fld id="{E334E5B9-9B44-48E6-827A-21A3A7F0BB86}" type="datetime1">
               <a:rPr lang="de-DE" smtClean="0"/>
-              <a:t>03.11.2020</a:t>
+              <a:t>04.11.2020</a:t>
             </a:fld>
             <a:endParaRPr lang="en-US"/>
           </a:p>
@@ -6461,7 +6462,7 @@
           <a:p>
             <a:fld id="{55605263-C902-48DB-AA98-994A2984047F}" type="slidenum">
               <a:rPr lang="en-US" smtClean="0"/>
-              <a:t>‹Nr.›</a:t>
+              <a:t>‹#›</a:t>
             </a:fld>
             <a:endParaRPr lang="en-US"/>
           </a:p>
@@ -7008,9 +7009,9 @@
           <a:bodyPr/>
           <a:lstStyle/>
           <a:p>
-            <a:fld id="{46B7071C-03FC-43DF-B990-14F749E9D9DA}" type="datetime1">
+            <a:fld id="{CD21DAB7-17FC-4363-B04F-03815C5CFE91}" type="datetime1">
               <a:rPr lang="de-DE" smtClean="0"/>
-              <a:t>03.11.2020</a:t>
+              <a:t>04.11.2020</a:t>
             </a:fld>
             <a:endParaRPr lang="en-US" dirty="0"/>
           </a:p>
@@ -7200,7 +7201,7 @@
             <a:fld id="{5665C720-CFBA-4CD6-B44E-E52DA515AFF8}" type="datetime1">
               <a:rPr lang="de-DE" sz="1400" smtClean="0"/>
               <a:pPr/>
-              <a:t>03.11.2020</a:t>
+              <a:t>04.11.2020</a:t>
             </a:fld>
             <a:endParaRPr lang="en-US" dirty="0"/>
           </a:p>
@@ -7473,7 +7474,7 @@
             <a:fld id="{5665C720-CFBA-4CD6-B44E-E52DA515AFF8}" type="datetime1">
               <a:rPr lang="de-DE" sz="1400" smtClean="0"/>
               <a:pPr/>
-              <a:t>03.11.2020</a:t>
+              <a:t>04.11.2020</a:t>
             </a:fld>
             <a:endParaRPr lang="en-US" dirty="0"/>
           </a:p>
@@ -7937,7 +7938,7 @@
                   <a:spcPts val="600"/>
                 </a:spcAft>
               </a:pPr>
-              <a:t>03.11.2020</a:t>
+              <a:t>04.11.2020</a:t>
             </a:fld>
             <a:endParaRPr lang="en-US"/>
           </a:p>
@@ -8206,7 +8207,7 @@
             <a:fld id="{5665C720-CFBA-4CD6-B44E-E52DA515AFF8}" type="datetime1">
               <a:rPr lang="de-DE" sz="1400" smtClean="0"/>
               <a:pPr/>
-              <a:t>03.11.2020</a:t>
+              <a:t>04.11.2020</a:t>
             </a:fld>
             <a:endParaRPr lang="en-US" dirty="0"/>
           </a:p>
@@ -8659,7 +8660,7 @@
             <a:fld id="{5665C720-CFBA-4CD6-B44E-E52DA515AFF8}" type="datetime1">
               <a:rPr lang="de-DE" sz="1400" smtClean="0"/>
               <a:pPr/>
-              <a:t>03.11.2020</a:t>
+              <a:t>04.11.2020</a:t>
             </a:fld>
             <a:endParaRPr lang="en-US" dirty="0"/>
           </a:p>
@@ -9096,7 +9097,7 @@
             <a:fld id="{5665C720-CFBA-4CD6-B44E-E52DA515AFF8}" type="datetime1">
               <a:rPr lang="de-DE" sz="1400" smtClean="0"/>
               <a:pPr/>
-              <a:t>03.11.2020</a:t>
+              <a:t>04.11.2020</a:t>
             </a:fld>
             <a:endParaRPr lang="en-US" dirty="0"/>
           </a:p>
@@ -9541,7 +9542,7 @@
             <a:fld id="{5665C720-CFBA-4CD6-B44E-E52DA515AFF8}" type="datetime1">
               <a:rPr lang="de-DE" sz="1400" smtClean="0"/>
               <a:pPr/>
-              <a:t>03.11.2020</a:t>
+              <a:t>04.11.2020</a:t>
             </a:fld>
             <a:endParaRPr lang="en-US" dirty="0"/>
           </a:p>
@@ -10014,7 +10015,7 @@
             <a:fld id="{5665C720-CFBA-4CD6-B44E-E52DA515AFF8}" type="datetime1">
               <a:rPr lang="de-DE" sz="1400" smtClean="0"/>
               <a:pPr/>
-              <a:t>03.11.2020</a:t>
+              <a:t>04.11.2020</a:t>
             </a:fld>
             <a:endParaRPr lang="en-US" dirty="0"/>
           </a:p>
@@ -10156,6 +10157,35 @@
               <a:t>, Nicolas Geppert, Lukas Werner</a:t>
             </a:r>
             <a:endParaRPr lang="en-US" dirty="0"/>
+          </a:p>
+        </p:txBody>
+      </p:sp>
+      <p:sp>
+        <p:nvSpPr>
+          <p:cNvPr id="4" name="Date Placeholder 3">
+            <a:extLst>
+              <a:ext uri="{FF2B5EF4-FFF2-40B4-BE49-F238E27FC236}">
+                <a16:creationId xmlns:a16="http://schemas.microsoft.com/office/drawing/2014/main" id="{0D739E5B-2069-46E5-9D60-FA9AB4F9626C}"/>
+              </a:ext>
+            </a:extLst>
+          </p:cNvPr>
+          <p:cNvSpPr>
+            <a:spLocks noGrp="1"/>
+          </p:cNvSpPr>
+          <p:nvPr>
+            <p:ph type="dt" sz="half" idx="10"/>
+          </p:nvPr>
+        </p:nvSpPr>
+        <p:spPr/>
+        <p:txBody>
+          <a:bodyPr/>
+          <a:lstStyle/>
+          <a:p>
+            <a:fld id="{2EFC2BF0-04D4-4422-9BA7-05481D5E1F5E}" type="datetime1">
+              <a:rPr lang="de-DE" smtClean="0"/>
+              <a:t>04.11.2020</a:t>
+            </a:fld>
+            <a:endParaRPr lang="en-US"/>
           </a:p>
         </p:txBody>
       </p:sp>
@@ -10459,7 +10489,7 @@
             <a:fld id="{5665C720-CFBA-4CD6-B44E-E52DA515AFF8}" type="datetime1">
               <a:rPr lang="de-DE" sz="1400" smtClean="0"/>
               <a:pPr/>
-              <a:t>03.11.2020</a:t>
+              <a:t>04.11.2020</a:t>
             </a:fld>
             <a:endParaRPr lang="en-US" dirty="0"/>
           </a:p>
@@ -10896,7 +10926,7 @@
             <a:fld id="{5665C720-CFBA-4CD6-B44E-E52DA515AFF8}" type="datetime1">
               <a:rPr lang="de-DE" sz="1400" smtClean="0"/>
               <a:pPr/>
-              <a:t>03.11.2020</a:t>
+              <a:t>04.11.2020</a:t>
             </a:fld>
             <a:endParaRPr lang="en-US" dirty="0"/>
           </a:p>
@@ -11212,10 +11242,10 @@
           <a:bodyPr vert="horz" lIns="91440" tIns="45720" rIns="91440" bIns="45720" rtlCol="0" anchor="ctr"/>
           <a:lstStyle/>
           <a:p>
-            <a:r>
-              <a:rPr lang="de-DE" sz="1400" dirty="0"/>
-              <a:t>03.11.2020</a:t>
-            </a:r>
+            <a:fld id="{C8297CD7-2090-4EDE-B8FF-C9B14A4EA3FA}" type="datetime1">
+              <a:rPr lang="de-DE" sz="1400" smtClean="0"/>
+              <a:t>04.11.2020</a:t>
+            </a:fld>
             <a:endParaRPr lang="en-US" sz="1400" dirty="0"/>
           </a:p>
         </p:txBody>
@@ -11662,7 +11692,7 @@
             <a:fld id="{5665C720-CFBA-4CD6-B44E-E52DA515AFF8}" type="datetime1">
               <a:rPr lang="de-DE" sz="1400" smtClean="0"/>
               <a:pPr/>
-              <a:t>03.11.2020</a:t>
+              <a:t>04.11.2020</a:t>
             </a:fld>
             <a:endParaRPr lang="en-US" dirty="0"/>
           </a:p>
@@ -12112,7 +12142,7 @@
             <a:fld id="{5665C720-CFBA-4CD6-B44E-E52DA515AFF8}" type="datetime1">
               <a:rPr lang="de-DE" sz="1400" smtClean="0"/>
               <a:pPr/>
-              <a:t>03.11.2020</a:t>
+              <a:t>04.11.2020</a:t>
             </a:fld>
             <a:endParaRPr lang="en-US" dirty="0"/>
           </a:p>
@@ -12292,6 +12322,508 @@
           <p:cNvPr id="2" name="Title 1">
             <a:extLst>
               <a:ext uri="{FF2B5EF4-FFF2-40B4-BE49-F238E27FC236}">
+                <a16:creationId xmlns:a16="http://schemas.microsoft.com/office/drawing/2014/main" id="{1A7E53BC-4E4A-479F-B965-0D81222A9E41}"/>
+              </a:ext>
+            </a:extLst>
+          </p:cNvPr>
+          <p:cNvSpPr>
+            <a:spLocks noGrp="1"/>
+          </p:cNvSpPr>
+          <p:nvPr>
+            <p:ph type="title"/>
+          </p:nvPr>
+        </p:nvSpPr>
+        <p:spPr/>
+        <p:txBody>
+          <a:bodyPr/>
+          <a:lstStyle/>
+          <a:p>
+            <a:r>
+              <a:rPr lang="en-US" dirty="0"/>
+              <a:t>Key Learnings</a:t>
+            </a:r>
+          </a:p>
+        </p:txBody>
+      </p:sp>
+      <p:sp>
+        <p:nvSpPr>
+          <p:cNvPr id="3" name="Content Placeholder 2">
+            <a:extLst>
+              <a:ext uri="{FF2B5EF4-FFF2-40B4-BE49-F238E27FC236}">
+                <a16:creationId xmlns:a16="http://schemas.microsoft.com/office/drawing/2014/main" id="{F419055E-6F58-4CB0-AA7C-AE1B99DAF3B4}"/>
+              </a:ext>
+            </a:extLst>
+          </p:cNvPr>
+          <p:cNvSpPr>
+            <a:spLocks noGrp="1"/>
+          </p:cNvSpPr>
+          <p:nvPr>
+            <p:ph idx="1"/>
+          </p:nvPr>
+        </p:nvSpPr>
+        <p:spPr/>
+        <p:txBody>
+          <a:bodyPr/>
+          <a:lstStyle/>
+          <a:p>
+            <a:r>
+              <a:rPr lang="en-US" dirty="0" err="1"/>
+              <a:t>Arbeiten</a:t>
+            </a:r>
+            <a:r>
+              <a:rPr lang="en-US" dirty="0"/>
+              <a:t> </a:t>
+            </a:r>
+            <a:r>
+              <a:rPr lang="en-US" dirty="0" err="1"/>
+              <a:t>mit</a:t>
+            </a:r>
+            <a:r>
+              <a:rPr lang="en-US" dirty="0"/>
+              <a:t> Maven</a:t>
+            </a:r>
+          </a:p>
+          <a:p>
+            <a:r>
+              <a:rPr lang="en-US" dirty="0" err="1"/>
+              <a:t>Arbeiten</a:t>
+            </a:r>
+            <a:r>
+              <a:rPr lang="en-US" dirty="0"/>
+              <a:t> </a:t>
+            </a:r>
+            <a:r>
+              <a:rPr lang="en-US" dirty="0" err="1"/>
+              <a:t>mit</a:t>
+            </a:r>
+            <a:r>
+              <a:rPr lang="en-US" dirty="0"/>
+              <a:t> GitHub</a:t>
+            </a:r>
+          </a:p>
+          <a:p>
+            <a:r>
+              <a:rPr lang="en-US" dirty="0" err="1"/>
+              <a:t>strukturiertes</a:t>
+            </a:r>
+            <a:r>
+              <a:rPr lang="en-US" dirty="0"/>
+              <a:t> online-Team-Work</a:t>
+            </a:r>
+          </a:p>
+          <a:p>
+            <a:r>
+              <a:rPr lang="en-US" dirty="0" err="1"/>
+              <a:t>Beim</a:t>
+            </a:r>
+            <a:r>
+              <a:rPr lang="en-US" dirty="0"/>
+              <a:t> </a:t>
+            </a:r>
+            <a:r>
+              <a:rPr lang="en-US" dirty="0" err="1"/>
+              <a:t>Prototypen</a:t>
+            </a:r>
+            <a:r>
+              <a:rPr lang="en-US" dirty="0"/>
+              <a:t> </a:t>
+            </a:r>
+            <a:r>
+              <a:rPr lang="en-US" dirty="0" err="1"/>
+              <a:t>einen</a:t>
+            </a:r>
+            <a:r>
+              <a:rPr lang="en-US" dirty="0"/>
+              <a:t> </a:t>
+            </a:r>
+            <a:r>
+              <a:rPr lang="en-US" dirty="0" err="1"/>
+              <a:t>Blick</a:t>
+            </a:r>
+            <a:r>
+              <a:rPr lang="en-US" dirty="0"/>
+              <a:t> </a:t>
+            </a:r>
+            <a:r>
+              <a:rPr lang="en-US" dirty="0" err="1"/>
+              <a:t>über</a:t>
+            </a:r>
+            <a:r>
+              <a:rPr lang="en-US" dirty="0"/>
+              <a:t> den </a:t>
+            </a:r>
+            <a:r>
+              <a:rPr lang="en-US" dirty="0" err="1"/>
+              <a:t>Tellerand</a:t>
+            </a:r>
+            <a:r>
+              <a:rPr lang="en-US" dirty="0"/>
+              <a:t> </a:t>
+            </a:r>
+            <a:r>
+              <a:rPr lang="en-US" dirty="0" err="1"/>
+              <a:t>wagen</a:t>
+            </a:r>
+            <a:r>
+              <a:rPr lang="en-US" dirty="0"/>
+              <a:t>!</a:t>
+            </a:r>
+          </a:p>
+          <a:p>
+            <a:r>
+              <a:rPr lang="en-US" dirty="0"/>
+              <a:t>Von </a:t>
+            </a:r>
+            <a:r>
+              <a:rPr lang="en-US" dirty="0" err="1"/>
+              <a:t>Anfang</a:t>
+            </a:r>
+            <a:r>
+              <a:rPr lang="en-US" dirty="0"/>
+              <a:t> an </a:t>
+            </a:r>
+            <a:r>
+              <a:rPr lang="en-US" dirty="0" err="1"/>
+              <a:t>mehr</a:t>
+            </a:r>
+            <a:r>
+              <a:rPr lang="en-US" dirty="0"/>
+              <a:t> Wert auf die </a:t>
+            </a:r>
+            <a:r>
+              <a:rPr lang="en-US" dirty="0" err="1"/>
+              <a:t>Architektur</a:t>
+            </a:r>
+            <a:r>
+              <a:rPr lang="en-US" dirty="0"/>
+              <a:t> der Software </a:t>
+            </a:r>
+            <a:r>
+              <a:rPr lang="en-US" dirty="0" err="1"/>
+              <a:t>achten</a:t>
+            </a:r>
+            <a:endParaRPr lang="en-US" dirty="0"/>
+          </a:p>
+          <a:p>
+            <a:pPr lvl="1"/>
+            <a:r>
+              <a:rPr lang="en-US" dirty="0"/>
+              <a:t>UML-</a:t>
+            </a:r>
+            <a:r>
+              <a:rPr lang="en-US" dirty="0" err="1"/>
+              <a:t>Diagramme</a:t>
+            </a:r>
+            <a:endParaRPr lang="en-US" dirty="0"/>
+          </a:p>
+        </p:txBody>
+      </p:sp>
+      <p:sp>
+        <p:nvSpPr>
+          <p:cNvPr id="5" name="Date Placeholder 3">
+            <a:extLst>
+              <a:ext uri="{FF2B5EF4-FFF2-40B4-BE49-F238E27FC236}">
+                <a16:creationId xmlns:a16="http://schemas.microsoft.com/office/drawing/2014/main" id="{C4970F60-7939-47B9-AD98-A72E4097EB35}"/>
+              </a:ext>
+            </a:extLst>
+          </p:cNvPr>
+          <p:cNvSpPr txBox="1">
+            <a:spLocks/>
+          </p:cNvSpPr>
+          <p:nvPr/>
+        </p:nvSpPr>
+        <p:spPr>
+          <a:xfrm>
+            <a:off x="677334" y="231051"/>
+            <a:ext cx="1071566" cy="378549"/>
+          </a:xfrm>
+          <a:prstGeom prst="rect">
+            <a:avLst/>
+          </a:prstGeom>
+        </p:spPr>
+        <p:txBody>
+          <a:bodyPr vert="horz" lIns="91440" tIns="45720" rIns="91440" bIns="45720" rtlCol="0" anchor="ctr"/>
+          <a:lstStyle>
+            <a:defPPr>
+              <a:defRPr lang="en-US"/>
+            </a:defPPr>
+            <a:lvl1pPr marL="0" algn="r" defTabSz="457200" rtl="0" eaLnBrk="1" latinLnBrk="0" hangingPunct="1">
+              <a:defRPr sz="900" kern="1200">
+                <a:solidFill>
+                  <a:schemeClr val="tx1">
+                    <a:tint val="75000"/>
+                  </a:schemeClr>
+                </a:solidFill>
+                <a:latin typeface="+mn-lt"/>
+                <a:ea typeface="+mn-ea"/>
+                <a:cs typeface="+mn-cs"/>
+              </a:defRPr>
+            </a:lvl1pPr>
+            <a:lvl2pPr marL="457200" algn="l" defTabSz="457200" rtl="0" eaLnBrk="1" latinLnBrk="0" hangingPunct="1">
+              <a:defRPr sz="1800" kern="1200">
+                <a:solidFill>
+                  <a:schemeClr val="tx1"/>
+                </a:solidFill>
+                <a:latin typeface="+mn-lt"/>
+                <a:ea typeface="+mn-ea"/>
+                <a:cs typeface="+mn-cs"/>
+              </a:defRPr>
+            </a:lvl2pPr>
+            <a:lvl3pPr marL="914400" algn="l" defTabSz="457200" rtl="0" eaLnBrk="1" latinLnBrk="0" hangingPunct="1">
+              <a:defRPr sz="1800" kern="1200">
+                <a:solidFill>
+                  <a:schemeClr val="tx1"/>
+                </a:solidFill>
+                <a:latin typeface="+mn-lt"/>
+                <a:ea typeface="+mn-ea"/>
+                <a:cs typeface="+mn-cs"/>
+              </a:defRPr>
+            </a:lvl3pPr>
+            <a:lvl4pPr marL="1371600" algn="l" defTabSz="457200" rtl="0" eaLnBrk="1" latinLnBrk="0" hangingPunct="1">
+              <a:defRPr sz="1800" kern="1200">
+                <a:solidFill>
+                  <a:schemeClr val="tx1"/>
+                </a:solidFill>
+                <a:latin typeface="+mn-lt"/>
+                <a:ea typeface="+mn-ea"/>
+                <a:cs typeface="+mn-cs"/>
+              </a:defRPr>
+            </a:lvl4pPr>
+            <a:lvl5pPr marL="1828800" algn="l" defTabSz="457200" rtl="0" eaLnBrk="1" latinLnBrk="0" hangingPunct="1">
+              <a:defRPr sz="1800" kern="1200">
+                <a:solidFill>
+                  <a:schemeClr val="tx1"/>
+                </a:solidFill>
+                <a:latin typeface="+mn-lt"/>
+                <a:ea typeface="+mn-ea"/>
+                <a:cs typeface="+mn-cs"/>
+              </a:defRPr>
+            </a:lvl5pPr>
+            <a:lvl6pPr marL="2286000" algn="l" defTabSz="457200" rtl="0" eaLnBrk="1" latinLnBrk="0" hangingPunct="1">
+              <a:defRPr sz="1800" kern="1200">
+                <a:solidFill>
+                  <a:schemeClr val="tx1"/>
+                </a:solidFill>
+                <a:latin typeface="+mn-lt"/>
+                <a:ea typeface="+mn-ea"/>
+                <a:cs typeface="+mn-cs"/>
+              </a:defRPr>
+            </a:lvl6pPr>
+            <a:lvl7pPr marL="2743200" algn="l" defTabSz="457200" rtl="0" eaLnBrk="1" latinLnBrk="0" hangingPunct="1">
+              <a:defRPr sz="1800" kern="1200">
+                <a:solidFill>
+                  <a:schemeClr val="tx1"/>
+                </a:solidFill>
+                <a:latin typeface="+mn-lt"/>
+                <a:ea typeface="+mn-ea"/>
+                <a:cs typeface="+mn-cs"/>
+              </a:defRPr>
+            </a:lvl7pPr>
+            <a:lvl8pPr marL="3200400" algn="l" defTabSz="457200" rtl="0" eaLnBrk="1" latinLnBrk="0" hangingPunct="1">
+              <a:defRPr sz="1800" kern="1200">
+                <a:solidFill>
+                  <a:schemeClr val="tx1"/>
+                </a:solidFill>
+                <a:latin typeface="+mn-lt"/>
+                <a:ea typeface="+mn-ea"/>
+                <a:cs typeface="+mn-cs"/>
+              </a:defRPr>
+            </a:lvl8pPr>
+            <a:lvl9pPr marL="3657600" algn="l" defTabSz="457200" rtl="0" eaLnBrk="1" latinLnBrk="0" hangingPunct="1">
+              <a:defRPr sz="1800" kern="1200">
+                <a:solidFill>
+                  <a:schemeClr val="tx1"/>
+                </a:solidFill>
+                <a:latin typeface="+mn-lt"/>
+                <a:ea typeface="+mn-ea"/>
+                <a:cs typeface="+mn-cs"/>
+              </a:defRPr>
+            </a:lvl9pPr>
+          </a:lstStyle>
+          <a:p>
+            <a:fld id="{5665C720-CFBA-4CD6-B44E-E52DA515AFF8}" type="datetime1">
+              <a:rPr lang="de-DE" sz="1400" smtClean="0"/>
+              <a:pPr/>
+              <a:t>04.11.2020</a:t>
+            </a:fld>
+            <a:endParaRPr lang="en-US" dirty="0"/>
+          </a:p>
+        </p:txBody>
+      </p:sp>
+      <p:sp>
+        <p:nvSpPr>
+          <p:cNvPr id="6" name="Date Placeholder 3">
+            <a:extLst>
+              <a:ext uri="{FF2B5EF4-FFF2-40B4-BE49-F238E27FC236}">
+                <a16:creationId xmlns:a16="http://schemas.microsoft.com/office/drawing/2014/main" id="{ECE8CB14-B308-47D2-A22F-8DB10C9817BD}"/>
+              </a:ext>
+            </a:extLst>
+          </p:cNvPr>
+          <p:cNvSpPr txBox="1">
+            <a:spLocks/>
+          </p:cNvSpPr>
+          <p:nvPr/>
+        </p:nvSpPr>
+        <p:spPr>
+          <a:xfrm>
+            <a:off x="1824033" y="231050"/>
+            <a:ext cx="5713108" cy="378549"/>
+          </a:xfrm>
+          <a:prstGeom prst="rect">
+            <a:avLst/>
+          </a:prstGeom>
+        </p:spPr>
+        <p:txBody>
+          <a:bodyPr vert="horz" lIns="91440" tIns="45720" rIns="91440" bIns="45720" rtlCol="0" anchor="ctr"/>
+          <a:lstStyle>
+            <a:defPPr>
+              <a:defRPr lang="en-US"/>
+            </a:defPPr>
+            <a:lvl1pPr marL="0" algn="r" defTabSz="457200" rtl="0" eaLnBrk="1" latinLnBrk="0" hangingPunct="1">
+              <a:defRPr sz="900" kern="1200">
+                <a:solidFill>
+                  <a:schemeClr val="tx1">
+                    <a:tint val="75000"/>
+                  </a:schemeClr>
+                </a:solidFill>
+                <a:latin typeface="+mn-lt"/>
+                <a:ea typeface="+mn-ea"/>
+                <a:cs typeface="+mn-cs"/>
+              </a:defRPr>
+            </a:lvl1pPr>
+            <a:lvl2pPr marL="457200" algn="l" defTabSz="457200" rtl="0" eaLnBrk="1" latinLnBrk="0" hangingPunct="1">
+              <a:defRPr sz="1800" kern="1200">
+                <a:solidFill>
+                  <a:schemeClr val="tx1"/>
+                </a:solidFill>
+                <a:latin typeface="+mn-lt"/>
+                <a:ea typeface="+mn-ea"/>
+                <a:cs typeface="+mn-cs"/>
+              </a:defRPr>
+            </a:lvl2pPr>
+            <a:lvl3pPr marL="914400" algn="l" defTabSz="457200" rtl="0" eaLnBrk="1" latinLnBrk="0" hangingPunct="1">
+              <a:defRPr sz="1800" kern="1200">
+                <a:solidFill>
+                  <a:schemeClr val="tx1"/>
+                </a:solidFill>
+                <a:latin typeface="+mn-lt"/>
+                <a:ea typeface="+mn-ea"/>
+                <a:cs typeface="+mn-cs"/>
+              </a:defRPr>
+            </a:lvl3pPr>
+            <a:lvl4pPr marL="1371600" algn="l" defTabSz="457200" rtl="0" eaLnBrk="1" latinLnBrk="0" hangingPunct="1">
+              <a:defRPr sz="1800" kern="1200">
+                <a:solidFill>
+                  <a:schemeClr val="tx1"/>
+                </a:solidFill>
+                <a:latin typeface="+mn-lt"/>
+                <a:ea typeface="+mn-ea"/>
+                <a:cs typeface="+mn-cs"/>
+              </a:defRPr>
+            </a:lvl4pPr>
+            <a:lvl5pPr marL="1828800" algn="l" defTabSz="457200" rtl="0" eaLnBrk="1" latinLnBrk="0" hangingPunct="1">
+              <a:defRPr sz="1800" kern="1200">
+                <a:solidFill>
+                  <a:schemeClr val="tx1"/>
+                </a:solidFill>
+                <a:latin typeface="+mn-lt"/>
+                <a:ea typeface="+mn-ea"/>
+                <a:cs typeface="+mn-cs"/>
+              </a:defRPr>
+            </a:lvl5pPr>
+            <a:lvl6pPr marL="2286000" algn="l" defTabSz="457200" rtl="0" eaLnBrk="1" latinLnBrk="0" hangingPunct="1">
+              <a:defRPr sz="1800" kern="1200">
+                <a:solidFill>
+                  <a:schemeClr val="tx1"/>
+                </a:solidFill>
+                <a:latin typeface="+mn-lt"/>
+                <a:ea typeface="+mn-ea"/>
+                <a:cs typeface="+mn-cs"/>
+              </a:defRPr>
+            </a:lvl6pPr>
+            <a:lvl7pPr marL="2743200" algn="l" defTabSz="457200" rtl="0" eaLnBrk="1" latinLnBrk="0" hangingPunct="1">
+              <a:defRPr sz="1800" kern="1200">
+                <a:solidFill>
+                  <a:schemeClr val="tx1"/>
+                </a:solidFill>
+                <a:latin typeface="+mn-lt"/>
+                <a:ea typeface="+mn-ea"/>
+                <a:cs typeface="+mn-cs"/>
+              </a:defRPr>
+            </a:lvl7pPr>
+            <a:lvl8pPr marL="3200400" algn="l" defTabSz="457200" rtl="0" eaLnBrk="1" latinLnBrk="0" hangingPunct="1">
+              <a:defRPr sz="1800" kern="1200">
+                <a:solidFill>
+                  <a:schemeClr val="tx1"/>
+                </a:solidFill>
+                <a:latin typeface="+mn-lt"/>
+                <a:ea typeface="+mn-ea"/>
+                <a:cs typeface="+mn-cs"/>
+              </a:defRPr>
+            </a:lvl8pPr>
+            <a:lvl9pPr marL="3657600" algn="l" defTabSz="457200" rtl="0" eaLnBrk="1" latinLnBrk="0" hangingPunct="1">
+              <a:defRPr sz="1800" kern="1200">
+                <a:solidFill>
+                  <a:schemeClr val="tx1"/>
+                </a:solidFill>
+                <a:latin typeface="+mn-lt"/>
+                <a:ea typeface="+mn-ea"/>
+                <a:cs typeface="+mn-cs"/>
+              </a:defRPr>
+            </a:lvl9pPr>
+          </a:lstStyle>
+          <a:p>
+            <a:r>
+              <a:rPr lang="de-DE" sz="1400" dirty="0"/>
+              <a:t>Veronika Taranek, Philipp </a:t>
+            </a:r>
+            <a:r>
+              <a:rPr lang="de-DE" sz="1400" dirty="0" err="1"/>
+              <a:t>Fenesan</a:t>
+            </a:r>
+            <a:r>
+              <a:rPr lang="de-DE" sz="1400" dirty="0"/>
+              <a:t>, Nicolas Geppert, Lukas Werner</a:t>
+            </a:r>
+            <a:endParaRPr lang="en-US" dirty="0"/>
+          </a:p>
+        </p:txBody>
+      </p:sp>
+    </p:spTree>
+    <p:extLst>
+      <p:ext uri="{BB962C8B-B14F-4D97-AF65-F5344CB8AC3E}">
+        <p14:creationId xmlns:p14="http://schemas.microsoft.com/office/powerpoint/2010/main" val="1087712886"/>
+      </p:ext>
+    </p:extLst>
+  </p:cSld>
+  <p:clrMapOvr>
+    <a:masterClrMapping/>
+  </p:clrMapOvr>
+</p:sld>
+</file>
+
+<file path=ppt/slides/slide23.xml><?xml version="1.0" encoding="utf-8"?>
+<p:sld xmlns:a="http://schemas.openxmlformats.org/drawingml/2006/main" xmlns:r="http://schemas.openxmlformats.org/officeDocument/2006/relationships" xmlns:p="http://schemas.openxmlformats.org/presentationml/2006/main">
+  <p:cSld>
+    <p:spTree>
+      <p:nvGrpSpPr>
+        <p:cNvPr id="1" name=""/>
+        <p:cNvGrpSpPr/>
+        <p:nvPr/>
+      </p:nvGrpSpPr>
+      <p:grpSpPr>
+        <a:xfrm>
+          <a:off x="0" y="0"/>
+          <a:ext cx="0" cy="0"/>
+          <a:chOff x="0" y="0"/>
+          <a:chExt cx="0" cy="0"/>
+        </a:xfrm>
+      </p:grpSpPr>
+      <p:sp>
+        <p:nvSpPr>
+          <p:cNvPr id="2" name="Title 1">
+            <a:extLst>
+              <a:ext uri="{FF2B5EF4-FFF2-40B4-BE49-F238E27FC236}">
                 <a16:creationId xmlns:a16="http://schemas.microsoft.com/office/drawing/2014/main" id="{F9F93E65-E2C5-4910-B614-28FAF037FACC}"/>
               </a:ext>
             </a:extLst>
@@ -12592,7 +13124,7 @@
             <a:fld id="{5665C720-CFBA-4CD6-B44E-E52DA515AFF8}" type="datetime1">
               <a:rPr lang="de-DE" sz="1400" smtClean="0"/>
               <a:pPr/>
-              <a:t>03.11.2020</a:t>
+              <a:t>04.11.2020</a:t>
             </a:fld>
             <a:endParaRPr lang="en-US" dirty="0"/>
           </a:p>
@@ -13040,10 +13572,10 @@
           <a:bodyPr vert="horz" lIns="91440" tIns="45720" rIns="91440" bIns="45720" rtlCol="0" anchor="ctr"/>
           <a:lstStyle/>
           <a:p>
-            <a:r>
-              <a:rPr lang="de-DE" sz="1400" dirty="0"/>
-              <a:t>03.11.2020</a:t>
-            </a:r>
+            <a:fld id="{D13E9EAB-9FBA-4C7A-B5EB-570D29A9AEE5}" type="datetime1">
+              <a:rPr lang="de-DE" sz="1400" smtClean="0"/>
+              <a:t>04.11.2020</a:t>
+            </a:fld>
             <a:endParaRPr lang="en-US" sz="1400" dirty="0"/>
           </a:p>
         </p:txBody>
@@ -13435,8 +13967,8 @@
           </a:lstStyle>
           <a:p>
             <a:r>
-              <a:rPr lang="de-DE" sz="1400"/>
-              <a:t>03.11.2020</a:t>
+              <a:rPr lang="de-DE" sz="1400" dirty="0"/>
+              <a:t>04.11.2020</a:t>
             </a:r>
             <a:endParaRPr lang="en-US" sz="1400" dirty="0"/>
           </a:p>
@@ -13973,7 +14505,7 @@
             <a:fld id="{5665C720-CFBA-4CD6-B44E-E52DA515AFF8}" type="datetime1">
               <a:rPr lang="de-DE" sz="1400" smtClean="0"/>
               <a:pPr/>
-              <a:t>03.11.2020</a:t>
+              <a:t>04.11.2020</a:t>
             </a:fld>
             <a:endParaRPr lang="en-US" dirty="0"/>
           </a:p>
@@ -14418,7 +14950,7 @@
             <a:fld id="{5665C720-CFBA-4CD6-B44E-E52DA515AFF8}" type="datetime1">
               <a:rPr lang="de-DE" sz="1400" smtClean="0"/>
               <a:pPr/>
-              <a:t>03.11.2020</a:t>
+              <a:t>04.11.2020</a:t>
             </a:fld>
             <a:endParaRPr lang="en-US" dirty="0"/>
           </a:p>
@@ -15007,7 +15539,7 @@
             <a:fld id="{5665C720-CFBA-4CD6-B44E-E52DA515AFF8}" type="datetime1">
               <a:rPr lang="de-DE" sz="1400" smtClean="0"/>
               <a:pPr/>
-              <a:t>03.11.2020</a:t>
+              <a:t>04.11.2020</a:t>
             </a:fld>
             <a:endParaRPr lang="en-US" dirty="0"/>
           </a:p>
@@ -15375,7 +15907,7 @@
             <a:fld id="{5665C720-CFBA-4CD6-B44E-E52DA515AFF8}" type="datetime1">
               <a:rPr lang="de-DE" sz="1400" smtClean="0"/>
               <a:pPr/>
-              <a:t>03.11.2020</a:t>
+              <a:t>04.11.2020</a:t>
             </a:fld>
             <a:endParaRPr lang="en-US" dirty="0"/>
           </a:p>
@@ -16264,7 +16796,7 @@
             <a:fld id="{5665C720-CFBA-4CD6-B44E-E52DA515AFF8}" type="datetime1">
               <a:rPr lang="de-DE" sz="1400" smtClean="0"/>
               <a:pPr/>
-              <a:t>03.11.2020</a:t>
+              <a:t>04.11.2020</a:t>
             </a:fld>
             <a:endParaRPr lang="en-US" dirty="0"/>
           </a:p>

--- a/presentation/wanderoo – Gruppe 3.pptx
+++ b/presentation/wanderoo – Gruppe 3.pptx
@@ -21,14 +21,14 @@
     <p:sldId id="273" r:id="rId12"/>
     <p:sldId id="265" r:id="rId13"/>
     <p:sldId id="263" r:id="rId14"/>
-    <p:sldId id="269" r:id="rId15"/>
-    <p:sldId id="277" r:id="rId16"/>
-    <p:sldId id="275" r:id="rId17"/>
-    <p:sldId id="270" r:id="rId18"/>
-    <p:sldId id="271" r:id="rId19"/>
-    <p:sldId id="276" r:id="rId20"/>
-    <p:sldId id="278" r:id="rId21"/>
-    <p:sldId id="279" r:id="rId22"/>
+    <p:sldId id="278" r:id="rId15"/>
+    <p:sldId id="279" r:id="rId16"/>
+    <p:sldId id="269" r:id="rId17"/>
+    <p:sldId id="277" r:id="rId18"/>
+    <p:sldId id="275" r:id="rId19"/>
+    <p:sldId id="270" r:id="rId20"/>
+    <p:sldId id="271" r:id="rId21"/>
+    <p:sldId id="276" r:id="rId22"/>
     <p:sldId id="281" r:id="rId23"/>
     <p:sldId id="280" r:id="rId24"/>
   </p:sldIdLst>
@@ -530,7 +530,7 @@
           <a:p>
             <a:fld id="{E9848302-4D0B-44CA-8F00-816E91755838}" type="slidenum">
               <a:rPr lang="en-US" smtClean="0"/>
-              <a:t>‹#›</a:t>
+              <a:t>‹Nr.›</a:t>
             </a:fld>
             <a:endParaRPr lang="en-US"/>
           </a:p>
@@ -1733,7 +1733,7 @@
           <a:p>
             <a:fld id="{55605263-C902-48DB-AA98-994A2984047F}" type="slidenum">
               <a:rPr lang="en-US" smtClean="0"/>
-              <a:t>‹#›</a:t>
+              <a:t>‹Nr.›</a:t>
             </a:fld>
             <a:endParaRPr lang="en-US"/>
           </a:p>
@@ -1996,7 +1996,7 @@
           <a:p>
             <a:fld id="{55605263-C902-48DB-AA98-994A2984047F}" type="slidenum">
               <a:rPr lang="en-US" smtClean="0"/>
-              <a:t>‹#›</a:t>
+              <a:t>‹Nr.›</a:t>
             </a:fld>
             <a:endParaRPr lang="en-US"/>
           </a:p>
@@ -2247,7 +2247,7 @@
           <a:p>
             <a:fld id="{55605263-C902-48DB-AA98-994A2984047F}" type="slidenum">
               <a:rPr lang="en-US" smtClean="0"/>
-              <a:t>‹#›</a:t>
+              <a:t>‹Nr.›</a:t>
             </a:fld>
             <a:endParaRPr lang="en-US"/>
           </a:p>
@@ -2561,7 +2561,7 @@
           <a:p>
             <a:fld id="{55605263-C902-48DB-AA98-994A2984047F}" type="slidenum">
               <a:rPr lang="en-US" smtClean="0"/>
-              <a:t>‹#›</a:t>
+              <a:t>‹Nr.›</a:t>
             </a:fld>
             <a:endParaRPr lang="en-US"/>
           </a:p>
@@ -2902,7 +2902,7 @@
           <a:p>
             <a:fld id="{55605263-C902-48DB-AA98-994A2984047F}" type="slidenum">
               <a:rPr lang="en-US" smtClean="0"/>
-              <a:t>‹#›</a:t>
+              <a:t>‹Nr.›</a:t>
             </a:fld>
             <a:endParaRPr lang="en-US"/>
           </a:p>
@@ -3216,7 +3216,7 @@
           <a:p>
             <a:fld id="{55605263-C902-48DB-AA98-994A2984047F}" type="slidenum">
               <a:rPr lang="en-US" smtClean="0"/>
-              <a:t>‹#›</a:t>
+              <a:t>‹Nr.›</a:t>
             </a:fld>
             <a:endParaRPr lang="en-US"/>
           </a:p>
@@ -3609,7 +3609,7 @@
           <a:p>
             <a:fld id="{55605263-C902-48DB-AA98-994A2984047F}" type="slidenum">
               <a:rPr lang="en-US" smtClean="0"/>
-              <a:t>‹#›</a:t>
+              <a:t>‹Nr.›</a:t>
             </a:fld>
             <a:endParaRPr lang="en-US"/>
           </a:p>
@@ -3779,7 +3779,7 @@
           <a:p>
             <a:fld id="{55605263-C902-48DB-AA98-994A2984047F}" type="slidenum">
               <a:rPr lang="en-US" smtClean="0"/>
-              <a:t>‹#›</a:t>
+              <a:t>‹Nr.›</a:t>
             </a:fld>
             <a:endParaRPr lang="en-US"/>
           </a:p>
@@ -3959,7 +3959,7 @@
           <a:p>
             <a:fld id="{55605263-C902-48DB-AA98-994A2984047F}" type="slidenum">
               <a:rPr lang="en-US" smtClean="0"/>
-              <a:t>‹#›</a:t>
+              <a:t>‹Nr.›</a:t>
             </a:fld>
             <a:endParaRPr lang="en-US"/>
           </a:p>
@@ -4135,7 +4135,7 @@
           <a:p>
             <a:fld id="{55605263-C902-48DB-AA98-994A2984047F}" type="slidenum">
               <a:rPr lang="en-US" smtClean="0"/>
-              <a:t>‹#›</a:t>
+              <a:t>‹Nr.›</a:t>
             </a:fld>
             <a:endParaRPr lang="en-US"/>
           </a:p>
@@ -4276,7 +4276,7 @@
           <a:p>
             <a:fld id="{55605263-C902-48DB-AA98-994A2984047F}" type="slidenum">
               <a:rPr lang="en-US" smtClean="0"/>
-              <a:t>‹#›</a:t>
+              <a:t>‹Nr.›</a:t>
             </a:fld>
             <a:endParaRPr lang="en-US"/>
           </a:p>
@@ -4606,7 +4606,7 @@
           <a:p>
             <a:fld id="{55605263-C902-48DB-AA98-994A2984047F}" type="slidenum">
               <a:rPr lang="en-US" smtClean="0"/>
-              <a:t>‹#›</a:t>
+              <a:t>‹Nr.›</a:t>
             </a:fld>
             <a:endParaRPr lang="en-US"/>
           </a:p>
@@ -4838,7 +4838,7 @@
           <a:p>
             <a:fld id="{55605263-C902-48DB-AA98-994A2984047F}" type="slidenum">
               <a:rPr lang="en-US" smtClean="0"/>
-              <a:t>‹#›</a:t>
+              <a:t>‹Nr.›</a:t>
             </a:fld>
             <a:endParaRPr lang="en-US"/>
           </a:p>
@@ -5212,7 +5212,7 @@
           <a:p>
             <a:fld id="{55605263-C902-48DB-AA98-994A2984047F}" type="slidenum">
               <a:rPr lang="en-US" smtClean="0"/>
-              <a:t>‹#›</a:t>
+              <a:t>‹Nr.›</a:t>
             </a:fld>
             <a:endParaRPr lang="en-US"/>
           </a:p>
@@ -5335,7 +5335,7 @@
           <a:p>
             <a:fld id="{55605263-C902-48DB-AA98-994A2984047F}" type="slidenum">
               <a:rPr lang="en-US" smtClean="0"/>
-              <a:t>‹#›</a:t>
+              <a:t>‹Nr.›</a:t>
             </a:fld>
             <a:endParaRPr lang="en-US"/>
           </a:p>
@@ -5430,7 +5430,7 @@
           <a:p>
             <a:fld id="{55605263-C902-48DB-AA98-994A2984047F}" type="slidenum">
               <a:rPr lang="en-US" smtClean="0"/>
-              <a:t>‹#›</a:t>
+              <a:t>‹Nr.›</a:t>
             </a:fld>
             <a:endParaRPr lang="en-US"/>
           </a:p>
@@ -5685,7 +5685,7 @@
           <a:p>
             <a:fld id="{55605263-C902-48DB-AA98-994A2984047F}" type="slidenum">
               <a:rPr lang="en-US" smtClean="0"/>
-              <a:t>‹#›</a:t>
+              <a:t>‹Nr.›</a:t>
             </a:fld>
             <a:endParaRPr lang="en-US"/>
           </a:p>
@@ -6462,7 +6462,7 @@
           <a:p>
             <a:fld id="{55605263-C902-48DB-AA98-994A2984047F}" type="slidenum">
               <a:rPr lang="en-US" smtClean="0"/>
-              <a:t>‹#›</a:t>
+              <a:t>‹Nr.›</a:t>
             </a:fld>
             <a:endParaRPr lang="en-US"/>
           </a:p>
@@ -8410,13 +8410,8 @@
           <a:p>
             <a:r>
               <a:rPr lang="en-US" dirty="0"/>
-              <a:t>Use Case: </a:t>
-            </a:r>
-            <a:r>
-              <a:rPr lang="en-US" dirty="0" err="1"/>
-              <a:t>Registrierung</a:t>
-            </a:r>
-            <a:endParaRPr lang="en-US" dirty="0"/>
+              <a:t>Use Case: Exception-Handling</a:t>
+            </a:r>
           </a:p>
         </p:txBody>
       </p:sp>
@@ -8462,23 +8457,15 @@
             </a:pPr>
             <a:r>
               <a:rPr lang="de-DE" dirty="0"/>
-              <a:t>Dieser </a:t>
+              <a:t>Dieser Use Case beschreibt das </a:t>
             </a:r>
             <a:r>
               <a:rPr lang="de-DE" dirty="0" err="1"/>
-              <a:t>Use</a:t>
+              <a:t>Exception</a:t>
             </a:r>
             <a:r>
               <a:rPr lang="de-DE" dirty="0"/>
-              <a:t> Case beschreibt wie der Benutzer sich einen Account bei </a:t>
-            </a:r>
-            <a:r>
-              <a:rPr lang="de-DE" dirty="0" err="1"/>
-              <a:t>wanderoo</a:t>
-            </a:r>
-            <a:r>
-              <a:rPr lang="de-DE" dirty="0"/>
-              <a:t> anlegt</a:t>
+              <a:t>-Handling bei falschen Log-In-Daten</a:t>
             </a:r>
           </a:p>
           <a:p>
@@ -8514,7 +8501,7 @@
             </a:pPr>
             <a:r>
               <a:rPr lang="de-DE" dirty="0"/>
-              <a:t>Datenbankverbindung muss vorhanden sein</a:t>
+              <a:t>Datenbankverbindung darf nicht vorhanden sein</a:t>
             </a:r>
           </a:p>
           <a:p>
@@ -8523,7 +8510,7 @@
             </a:pPr>
             <a:r>
               <a:rPr lang="de-DE" dirty="0"/>
-              <a:t>Der Benutzer darf nicht vorhanden sein</a:t>
+              <a:t>Der Benutzer gibt falsche Daten im Log-In an</a:t>
             </a:r>
           </a:p>
           <a:p>
@@ -8808,7 +8795,7 @@
     </p:spTree>
     <p:extLst>
       <p:ext uri="{BB962C8B-B14F-4D97-AF65-F5344CB8AC3E}">
-        <p14:creationId xmlns:p14="http://schemas.microsoft.com/office/powerpoint/2010/main" val="1534354980"/>
+        <p14:creationId xmlns:p14="http://schemas.microsoft.com/office/powerpoint/2010/main" val="3983617968"/>
       </p:ext>
     </p:extLst>
   </p:cSld>
@@ -8863,13 +8850,8 @@
           <a:p>
             <a:r>
               <a:rPr lang="en-US" dirty="0"/>
-              <a:t>Use Case: </a:t>
-            </a:r>
-            <a:r>
-              <a:rPr lang="en-US" dirty="0" err="1"/>
-              <a:t>Registrierung</a:t>
-            </a:r>
-            <a:endParaRPr lang="en-US" dirty="0"/>
+              <a:t>Use Case: Exception-Handling</a:t>
+            </a:r>
           </a:p>
         </p:txBody>
       </p:sp>
@@ -8915,7 +8897,7 @@
             </a:pPr>
             <a:r>
               <a:rPr lang="de-DE" dirty="0"/>
-              <a:t>Im Login-Screen muss auf Registrieren gedrückt werden</a:t>
+              <a:t>Die Applikation wird gestartet</a:t>
             </a:r>
           </a:p>
           <a:p>
@@ -8924,7 +8906,7 @@
             </a:pPr>
             <a:r>
               <a:rPr lang="de-DE" dirty="0"/>
-              <a:t>Reale Benutzerdaten müssen eingegeben werden</a:t>
+              <a:t>Der Log-In-Screen öffnet sich</a:t>
             </a:r>
           </a:p>
           <a:p>
@@ -8933,7 +8915,7 @@
             </a:pPr>
             <a:r>
               <a:rPr lang="de-DE" dirty="0"/>
-              <a:t>Der Registrieren-Knopf muss gedrückt werden</a:t>
+              <a:t>Der Benutzer gibt falsche Daten ein</a:t>
             </a:r>
           </a:p>
           <a:p>
@@ -8951,7 +8933,7 @@
             </a:pPr>
             <a:r>
               <a:rPr lang="de-DE" dirty="0"/>
-              <a:t>Erfolgreich: Registrierung abgeschlossen, Menü-Screen wird angezeigt</a:t>
+              <a:t>Fehler bei nicht verbundener Datenbank: Der Log-In-Screen wird angezeigt</a:t>
             </a:r>
           </a:p>
           <a:p>
@@ -8960,7 +8942,16 @@
             </a:pPr>
             <a:r>
               <a:rPr lang="de-DE" dirty="0"/>
-              <a:t>Fehler: Registrierung fehlgeschlagen</a:t>
+              <a:t>Erfolgreich bei falschen Eingaben: Roter Text wird angezeigt: Falscher Benutzername (bei falschem Benutzernamen als Eingabefehler)</a:t>
+            </a:r>
+          </a:p>
+          <a:p>
+            <a:pPr marL="457200" lvl="1" indent="0">
+              <a:buNone/>
+            </a:pPr>
+            <a:r>
+              <a:rPr lang="de-DE" dirty="0"/>
+              <a:t>Fehler bei falschen Eingaben: Der Menu-Screen wird angezeigt</a:t>
             </a:r>
           </a:p>
           <a:p>
@@ -9245,7 +9236,7 @@
     </p:spTree>
     <p:extLst>
       <p:ext uri="{BB962C8B-B14F-4D97-AF65-F5344CB8AC3E}">
-        <p14:creationId xmlns:p14="http://schemas.microsoft.com/office/powerpoint/2010/main" val="4250805025"/>
+        <p14:creationId xmlns:p14="http://schemas.microsoft.com/office/powerpoint/2010/main" val="699817145"/>
       </p:ext>
     </p:extLst>
   </p:cSld>
@@ -9300,11 +9291,11 @@
           <a:p>
             <a:r>
               <a:rPr lang="en-US" dirty="0"/>
-              <a:t>Use Case: Mein </a:t>
+              <a:t>Use Case: </a:t>
             </a:r>
             <a:r>
               <a:rPr lang="en-US" dirty="0" err="1"/>
-              <a:t>Profil</a:t>
+              <a:t>Registrierung</a:t>
             </a:r>
             <a:endParaRPr lang="en-US" dirty="0"/>
           </a:p>
@@ -9328,8 +9319,8 @@
         </p:nvSpPr>
         <p:spPr>
           <a:xfrm>
-            <a:off x="677334" y="1352551"/>
-            <a:ext cx="8596668" cy="5505450"/>
+            <a:off x="677334" y="1352550"/>
+            <a:ext cx="8596668" cy="5400675"/>
           </a:xfrm>
         </p:spPr>
         <p:txBody>
@@ -9342,7 +9333,7 @@
               <a:buNone/>
             </a:pPr>
             <a:r>
-              <a:rPr lang="de-DE" sz="2100" b="1" dirty="0"/>
+              <a:rPr lang="de-DE" b="1" dirty="0"/>
               <a:t>Beschreibung</a:t>
             </a:r>
           </a:p>
@@ -9351,16 +9342,24 @@
               <a:buNone/>
             </a:pPr>
             <a:r>
-              <a:rPr lang="de-DE" sz="1800" dirty="0"/>
+              <a:rPr lang="de-DE" dirty="0"/>
               <a:t>Dieser </a:t>
             </a:r>
             <a:r>
-              <a:rPr lang="de-DE" sz="1800" dirty="0" err="1"/>
+              <a:rPr lang="de-DE" dirty="0" err="1"/>
               <a:t>Use</a:t>
             </a:r>
             <a:r>
-              <a:rPr lang="de-DE" sz="1800" dirty="0"/>
-              <a:t> Case beschreibt wie der Benutzer seine Einstellungen über Mein Profil individualisieren kann</a:t>
+              <a:rPr lang="de-DE" dirty="0"/>
+              <a:t> Case beschreibt wie der Benutzer sich einen Account bei </a:t>
+            </a:r>
+            <a:r>
+              <a:rPr lang="de-DE" dirty="0" err="1"/>
+              <a:t>wanderoo</a:t>
+            </a:r>
+            <a:r>
+              <a:rPr lang="de-DE" dirty="0"/>
+              <a:t> anlegt</a:t>
             </a:r>
           </a:p>
           <a:p>
@@ -9368,7 +9367,7 @@
               <a:buNone/>
             </a:pPr>
             <a:r>
-              <a:rPr lang="de-DE" sz="2100" b="1" dirty="0"/>
+              <a:rPr lang="de-DE" b="1" dirty="0"/>
               <a:t>Beteiligte</a:t>
             </a:r>
           </a:p>
@@ -9377,7 +9376,7 @@
               <a:buNone/>
             </a:pPr>
             <a:r>
-              <a:rPr lang="de-DE" sz="1800" dirty="0"/>
+              <a:rPr lang="de-DE" dirty="0"/>
               <a:t>Benutzer</a:t>
             </a:r>
           </a:p>
@@ -9386,7 +9385,7 @@
               <a:buNone/>
             </a:pPr>
             <a:r>
-              <a:rPr lang="de-DE" sz="2100" b="1" dirty="0"/>
+              <a:rPr lang="de-DE" b="1" dirty="0"/>
               <a:t>Voraussetzungen</a:t>
             </a:r>
           </a:p>
@@ -9395,7 +9394,7 @@
               <a:buNone/>
             </a:pPr>
             <a:r>
-              <a:rPr lang="de-DE" sz="1800" dirty="0"/>
+              <a:rPr lang="de-DE" dirty="0"/>
               <a:t>Datenbankverbindung muss vorhanden sein</a:t>
             </a:r>
           </a:p>
@@ -9404,8 +9403,8 @@
               <a:buNone/>
             </a:pPr>
             <a:r>
-              <a:rPr lang="de-DE" sz="1800" dirty="0"/>
-              <a:t>Der Benutzer muss erfolgreich eingeloggt sein</a:t>
+              <a:rPr lang="de-DE" dirty="0"/>
+              <a:t>Der Benutzer darf nicht vorhanden sein</a:t>
             </a:r>
           </a:p>
           <a:p>
@@ -9690,7 +9689,7 @@
     </p:spTree>
     <p:extLst>
       <p:ext uri="{BB962C8B-B14F-4D97-AF65-F5344CB8AC3E}">
-        <p14:creationId xmlns:p14="http://schemas.microsoft.com/office/powerpoint/2010/main" val="3208265644"/>
+        <p14:creationId xmlns:p14="http://schemas.microsoft.com/office/powerpoint/2010/main" val="1534354980"/>
       </p:ext>
     </p:extLst>
   </p:cSld>
@@ -9745,11 +9744,11 @@
           <a:p>
             <a:r>
               <a:rPr lang="en-US" dirty="0"/>
-              <a:t>Use Case: Mein </a:t>
+              <a:t>Use Case: </a:t>
             </a:r>
             <a:r>
               <a:rPr lang="en-US" dirty="0" err="1"/>
-              <a:t>Profil</a:t>
+              <a:t>Registrierung</a:t>
             </a:r>
             <a:endParaRPr lang="en-US" dirty="0"/>
           </a:p>
@@ -9773,8 +9772,8 @@
         </p:nvSpPr>
         <p:spPr>
           <a:xfrm>
-            <a:off x="677334" y="1352551"/>
-            <a:ext cx="8596668" cy="5505450"/>
+            <a:off x="677334" y="1352550"/>
+            <a:ext cx="8596668" cy="5400675"/>
           </a:xfrm>
         </p:spPr>
         <p:txBody>
@@ -9787,7 +9786,7 @@
               <a:buNone/>
             </a:pPr>
             <a:r>
-              <a:rPr lang="de-DE" sz="2100" b="1" dirty="0"/>
+              <a:rPr lang="de-DE" b="1" dirty="0"/>
               <a:t>Ereignisfluss</a:t>
             </a:r>
           </a:p>
@@ -9796,8 +9795,8 @@
               <a:buNone/>
             </a:pPr>
             <a:r>
-              <a:rPr lang="de-DE" sz="1800" dirty="0"/>
-              <a:t>Im Menu Screen muss auf Mein Profil gedrückt werden</a:t>
+              <a:rPr lang="de-DE" dirty="0"/>
+              <a:t>Im Login-Screen muss auf Registrieren gedrückt werden</a:t>
             </a:r>
           </a:p>
           <a:p>
@@ -9805,8 +9804,8 @@
               <a:buNone/>
             </a:pPr>
             <a:r>
-              <a:rPr lang="de-DE" sz="1800" dirty="0"/>
-              <a:t>Der Profil Bearbeiten-Button muss gedrückt werden</a:t>
+              <a:rPr lang="de-DE" dirty="0"/>
+              <a:t>Reale Benutzerdaten müssen eingegeben werden</a:t>
             </a:r>
           </a:p>
           <a:p>
@@ -9814,8 +9813,17 @@
               <a:buNone/>
             </a:pPr>
             <a:r>
-              <a:rPr lang="de-DE" sz="1800" dirty="0"/>
-              <a:t>Der Benutzername und die E-Mail-Adresse kann über die Texteingabe geändert werden</a:t>
+              <a:rPr lang="de-DE" dirty="0"/>
+              <a:t>Der Registrieren-Knopf muss gedrückt werden</a:t>
+            </a:r>
+          </a:p>
+          <a:p>
+            <a:pPr marL="57150" indent="0">
+              <a:buNone/>
+            </a:pPr>
+            <a:r>
+              <a:rPr lang="de-DE" b="1" dirty="0"/>
+              <a:t>Nachbedingung</a:t>
             </a:r>
           </a:p>
           <a:p>
@@ -9823,8 +9831,8 @@
               <a:buNone/>
             </a:pPr>
             <a:r>
-              <a:rPr lang="de-DE" sz="1800" dirty="0"/>
-              <a:t>Das Level kann über die Combobox verändert werden</a:t>
+              <a:rPr lang="de-DE" dirty="0"/>
+              <a:t>Erfolgreich: Registrierung abgeschlossen, Menü-Screen wird angezeigt</a:t>
             </a:r>
           </a:p>
           <a:p>
@@ -9832,53 +9840,8 @@
               <a:buNone/>
             </a:pPr>
             <a:r>
-              <a:rPr lang="de-DE" sz="1800" dirty="0"/>
-              <a:t>Über den Neues Profilbild-Button kann ein neues Profilbild angelegt werden</a:t>
-            </a:r>
-          </a:p>
-          <a:p>
-            <a:pPr marL="457200" lvl="1" indent="0">
-              <a:buNone/>
-            </a:pPr>
-            <a:r>
-              <a:rPr lang="de-DE" sz="1800" dirty="0"/>
-              <a:t>Über den Passwort ändern-Button kann das Passwort geändert werden</a:t>
-            </a:r>
-          </a:p>
-          <a:p>
-            <a:pPr marL="457200" lvl="1" indent="0">
-              <a:buNone/>
-            </a:pPr>
-            <a:r>
-              <a:rPr lang="de-DE" sz="1800" dirty="0"/>
-              <a:t>Die Änderungen werden nur gespeichert, wenn nach der Eingabe der Speichern-Button betätigt wird</a:t>
-            </a:r>
-          </a:p>
-          <a:p>
-            <a:pPr marL="57150" indent="0">
-              <a:buNone/>
-            </a:pPr>
-            <a:r>
-              <a:rPr lang="de-DE" sz="2100" b="1" dirty="0"/>
-              <a:t>Nachbedingung</a:t>
-            </a:r>
-          </a:p>
-          <a:p>
-            <a:pPr marL="457200" lvl="1" indent="0">
-              <a:buNone/>
-            </a:pPr>
-            <a:r>
-              <a:rPr lang="de-DE" sz="1800" dirty="0"/>
-              <a:t>Erfolgreich: Die Änderungen werden im Mein Profil-Screen angezeigt</a:t>
-            </a:r>
-          </a:p>
-          <a:p>
-            <a:pPr marL="457200" lvl="1" indent="0">
-              <a:buNone/>
-            </a:pPr>
-            <a:r>
-              <a:rPr lang="de-DE" sz="1800" dirty="0"/>
-              <a:t>Fehler: Die Änderungen konnten nicht übernommen werden und es werden veraltete Daten im Mein Profil-Screen angezeigt</a:t>
+              <a:rPr lang="de-DE" dirty="0"/>
+              <a:t>Fehler: Registrierung fehlgeschlagen</a:t>
             </a:r>
           </a:p>
           <a:p>
@@ -10160,39 +10123,10 @@
           </a:p>
         </p:txBody>
       </p:sp>
-      <p:sp>
-        <p:nvSpPr>
-          <p:cNvPr id="4" name="Date Placeholder 3">
-            <a:extLst>
-              <a:ext uri="{FF2B5EF4-FFF2-40B4-BE49-F238E27FC236}">
-                <a16:creationId xmlns:a16="http://schemas.microsoft.com/office/drawing/2014/main" id="{0D739E5B-2069-46E5-9D60-FA9AB4F9626C}"/>
-              </a:ext>
-            </a:extLst>
-          </p:cNvPr>
-          <p:cNvSpPr>
-            <a:spLocks noGrp="1"/>
-          </p:cNvSpPr>
-          <p:nvPr>
-            <p:ph type="dt" sz="half" idx="10"/>
-          </p:nvPr>
-        </p:nvSpPr>
-        <p:spPr/>
-        <p:txBody>
-          <a:bodyPr/>
-          <a:lstStyle/>
-          <a:p>
-            <a:fld id="{2EFC2BF0-04D4-4422-9BA7-05481D5E1F5E}" type="datetime1">
-              <a:rPr lang="de-DE" smtClean="0"/>
-              <a:t>04.11.2020</a:t>
-            </a:fld>
-            <a:endParaRPr lang="en-US"/>
-          </a:p>
-        </p:txBody>
-      </p:sp>
     </p:spTree>
     <p:extLst>
       <p:ext uri="{BB962C8B-B14F-4D97-AF65-F5344CB8AC3E}">
-        <p14:creationId xmlns:p14="http://schemas.microsoft.com/office/powerpoint/2010/main" val="4289056068"/>
+        <p14:creationId xmlns:p14="http://schemas.microsoft.com/office/powerpoint/2010/main" val="4250805025"/>
       </p:ext>
     </p:extLst>
   </p:cSld>
@@ -10247,11 +10181,11 @@
           <a:p>
             <a:r>
               <a:rPr lang="en-US" dirty="0"/>
-              <a:t>Use Case: </a:t>
+              <a:t>Use Case: Mein </a:t>
             </a:r>
             <a:r>
               <a:rPr lang="en-US" dirty="0" err="1"/>
-              <a:t>Karte</a:t>
+              <a:t>Profil</a:t>
             </a:r>
             <a:endParaRPr lang="en-US" dirty="0"/>
           </a:p>
@@ -10275,8 +10209,8 @@
         </p:nvSpPr>
         <p:spPr>
           <a:xfrm>
-            <a:off x="677334" y="1352550"/>
-            <a:ext cx="8596668" cy="5400675"/>
+            <a:off x="677334" y="1352551"/>
+            <a:ext cx="8596668" cy="5505450"/>
           </a:xfrm>
         </p:spPr>
         <p:txBody>
@@ -10289,7 +10223,7 @@
               <a:buNone/>
             </a:pPr>
             <a:r>
-              <a:rPr lang="de-DE" b="1" dirty="0"/>
+              <a:rPr lang="de-DE" sz="2100" b="1" dirty="0"/>
               <a:t>Beschreibung</a:t>
             </a:r>
           </a:p>
@@ -10298,16 +10232,16 @@
               <a:buNone/>
             </a:pPr>
             <a:r>
-              <a:rPr lang="de-DE" dirty="0"/>
+              <a:rPr lang="de-DE" sz="1800" dirty="0"/>
               <a:t>Dieser </a:t>
             </a:r>
             <a:r>
-              <a:rPr lang="de-DE" dirty="0" err="1"/>
+              <a:rPr lang="de-DE" sz="1800" dirty="0" err="1"/>
               <a:t>Use</a:t>
             </a:r>
             <a:r>
-              <a:rPr lang="de-DE" dirty="0"/>
-              <a:t> Case beschreibt wie der Benutzer seine Wanderroute konfigurieren kann</a:t>
+              <a:rPr lang="de-DE" sz="1800" dirty="0"/>
+              <a:t> Case beschreibt wie der Benutzer seine Einstellungen über Mein Profil individualisieren kann</a:t>
             </a:r>
           </a:p>
           <a:p>
@@ -10315,7 +10249,7 @@
               <a:buNone/>
             </a:pPr>
             <a:r>
-              <a:rPr lang="de-DE" b="1" dirty="0"/>
+              <a:rPr lang="de-DE" sz="2100" b="1" dirty="0"/>
               <a:t>Beteiligte</a:t>
             </a:r>
           </a:p>
@@ -10324,7 +10258,7 @@
               <a:buNone/>
             </a:pPr>
             <a:r>
-              <a:rPr lang="de-DE" dirty="0"/>
+              <a:rPr lang="de-DE" sz="1800" dirty="0"/>
               <a:t>Benutzer</a:t>
             </a:r>
           </a:p>
@@ -10333,7 +10267,7 @@
               <a:buNone/>
             </a:pPr>
             <a:r>
-              <a:rPr lang="de-DE" b="1" dirty="0"/>
+              <a:rPr lang="de-DE" sz="2100" b="1" dirty="0"/>
               <a:t>Voraussetzungen</a:t>
             </a:r>
           </a:p>
@@ -10342,7 +10276,7 @@
               <a:buNone/>
             </a:pPr>
             <a:r>
-              <a:rPr lang="de-DE" dirty="0"/>
+              <a:rPr lang="de-DE" sz="1800" dirty="0"/>
               <a:t>Datenbankverbindung muss vorhanden sein</a:t>
             </a:r>
           </a:p>
@@ -10351,7 +10285,7 @@
               <a:buNone/>
             </a:pPr>
             <a:r>
-              <a:rPr lang="de-DE" dirty="0"/>
+              <a:rPr lang="de-DE" sz="1800" dirty="0"/>
               <a:t>Der Benutzer muss erfolgreich eingeloggt sein</a:t>
             </a:r>
           </a:p>
@@ -10637,7 +10571,7 @@
     </p:spTree>
     <p:extLst>
       <p:ext uri="{BB962C8B-B14F-4D97-AF65-F5344CB8AC3E}">
-        <p14:creationId xmlns:p14="http://schemas.microsoft.com/office/powerpoint/2010/main" val="1940434735"/>
+        <p14:creationId xmlns:p14="http://schemas.microsoft.com/office/powerpoint/2010/main" val="3208265644"/>
       </p:ext>
     </p:extLst>
   </p:cSld>
@@ -10692,11 +10626,11 @@
           <a:p>
             <a:r>
               <a:rPr lang="en-US" dirty="0"/>
-              <a:t>Use Case: </a:t>
+              <a:t>Use Case: Mein </a:t>
             </a:r>
             <a:r>
               <a:rPr lang="en-US" dirty="0" err="1"/>
-              <a:t>Karte</a:t>
+              <a:t>Profil</a:t>
             </a:r>
             <a:endParaRPr lang="en-US" dirty="0"/>
           </a:p>
@@ -10720,8 +10654,8 @@
         </p:nvSpPr>
         <p:spPr>
           <a:xfrm>
-            <a:off x="677334" y="1352550"/>
-            <a:ext cx="8596668" cy="5400675"/>
+            <a:off x="677334" y="1352551"/>
+            <a:ext cx="8596668" cy="5505450"/>
           </a:xfrm>
         </p:spPr>
         <p:txBody>
@@ -10734,7 +10668,7 @@
               <a:buNone/>
             </a:pPr>
             <a:r>
-              <a:rPr lang="de-DE" b="1" dirty="0"/>
+              <a:rPr lang="de-DE" sz="2100" b="1" dirty="0"/>
               <a:t>Ereignisfluss</a:t>
             </a:r>
           </a:p>
@@ -10743,8 +10677,8 @@
               <a:buNone/>
             </a:pPr>
             <a:r>
-              <a:rPr lang="de-DE" dirty="0"/>
-              <a:t>Im Menü-Screen muss auf den Karte-Button gedrückt werden</a:t>
+              <a:rPr lang="de-DE" sz="1800" dirty="0"/>
+              <a:t>Im Menu Screen muss auf Mein Profil gedrückt werden</a:t>
             </a:r>
           </a:p>
           <a:p>
@@ -10752,8 +10686,8 @@
               <a:buNone/>
             </a:pPr>
             <a:r>
-              <a:rPr lang="de-DE" dirty="0"/>
-              <a:t>Der Benutzer kann über die Textfelder die Routenlänge und den gewünschten Höhenunterschied für seine Wanderroute angeben</a:t>
+              <a:rPr lang="de-DE" sz="1800" dirty="0"/>
+              <a:t>Der Profil Bearbeiten-Button muss gedrückt werden</a:t>
             </a:r>
           </a:p>
           <a:p>
@@ -10761,8 +10695,44 @@
               <a:buNone/>
             </a:pPr>
             <a:r>
-              <a:rPr lang="de-DE" dirty="0"/>
-              <a:t>Um die Änderungen zu speichern, muss der Bestätigen-Button betätigt werden</a:t>
+              <a:rPr lang="de-DE" sz="1800" dirty="0"/>
+              <a:t>Der Benutzername und die E-Mail-Adresse kann über die Texteingabe geändert werden</a:t>
+            </a:r>
+          </a:p>
+          <a:p>
+            <a:pPr marL="457200" lvl="1" indent="0">
+              <a:buNone/>
+            </a:pPr>
+            <a:r>
+              <a:rPr lang="de-DE" sz="1800" dirty="0"/>
+              <a:t>Das Level kann über die Combobox verändert werden</a:t>
+            </a:r>
+          </a:p>
+          <a:p>
+            <a:pPr marL="457200" lvl="1" indent="0">
+              <a:buNone/>
+            </a:pPr>
+            <a:r>
+              <a:rPr lang="de-DE" sz="1800" dirty="0"/>
+              <a:t>Über den Neues Profilbild-Button kann ein neues Profilbild angelegt werden</a:t>
+            </a:r>
+          </a:p>
+          <a:p>
+            <a:pPr marL="457200" lvl="1" indent="0">
+              <a:buNone/>
+            </a:pPr>
+            <a:r>
+              <a:rPr lang="de-DE" sz="1800" dirty="0"/>
+              <a:t>Über den Passwort ändern-Button kann das Passwort geändert werden</a:t>
+            </a:r>
+          </a:p>
+          <a:p>
+            <a:pPr marL="457200" lvl="1" indent="0">
+              <a:buNone/>
+            </a:pPr>
+            <a:r>
+              <a:rPr lang="de-DE" sz="1800" dirty="0"/>
+              <a:t>Die Änderungen werden nur gespeichert, wenn nach der Eingabe der Speichern-Button betätigt wird</a:t>
             </a:r>
           </a:p>
           <a:p>
@@ -10770,7 +10740,7 @@
               <a:buNone/>
             </a:pPr>
             <a:r>
-              <a:rPr lang="de-DE" b="1" dirty="0"/>
+              <a:rPr lang="de-DE" sz="2100" b="1" dirty="0"/>
               <a:t>Nachbedingung</a:t>
             </a:r>
           </a:p>
@@ -10779,8 +10749,8 @@
               <a:buNone/>
             </a:pPr>
             <a:r>
-              <a:rPr lang="de-DE" dirty="0"/>
-              <a:t>Erfolgreich: Wanderroutenlänge und Höhenunterschied wird gespeichert</a:t>
+              <a:rPr lang="de-DE" sz="1800" dirty="0"/>
+              <a:t>Erfolgreich: Die Änderungen werden im Mein Profil-Screen angezeigt</a:t>
             </a:r>
           </a:p>
           <a:p>
@@ -10788,8 +10758,8 @@
               <a:buNone/>
             </a:pPr>
             <a:r>
-              <a:rPr lang="de-DE" dirty="0"/>
-              <a:t>Fehler: Wanderroutenlänge und Höhenunterschied kann nicht gespeichert werden</a:t>
+              <a:rPr lang="de-DE" sz="1800" dirty="0"/>
+              <a:t>Fehler: Die Änderungen konnten nicht übernommen werden und es werden veraltete Daten im Mein Profil-Screen angezeigt</a:t>
             </a:r>
           </a:p>
           <a:p>
@@ -11071,10 +11041,39 @@
           </a:p>
         </p:txBody>
       </p:sp>
+      <p:sp>
+        <p:nvSpPr>
+          <p:cNvPr id="4" name="Date Placeholder 3">
+            <a:extLst>
+              <a:ext uri="{FF2B5EF4-FFF2-40B4-BE49-F238E27FC236}">
+                <a16:creationId xmlns:a16="http://schemas.microsoft.com/office/drawing/2014/main" id="{0D739E5B-2069-46E5-9D60-FA9AB4F9626C}"/>
+              </a:ext>
+            </a:extLst>
+          </p:cNvPr>
+          <p:cNvSpPr>
+            <a:spLocks noGrp="1"/>
+          </p:cNvSpPr>
+          <p:nvPr>
+            <p:ph type="dt" sz="half" idx="10"/>
+          </p:nvPr>
+        </p:nvSpPr>
+        <p:spPr/>
+        <p:txBody>
+          <a:bodyPr/>
+          <a:lstStyle/>
+          <a:p>
+            <a:fld id="{2EFC2BF0-04D4-4422-9BA7-05481D5E1F5E}" type="datetime1">
+              <a:rPr lang="de-DE" smtClean="0"/>
+              <a:t>04.11.2020</a:t>
+            </a:fld>
+            <a:endParaRPr lang="en-US"/>
+          </a:p>
+        </p:txBody>
+      </p:sp>
     </p:spTree>
     <p:extLst>
       <p:ext uri="{BB962C8B-B14F-4D97-AF65-F5344CB8AC3E}">
-        <p14:creationId xmlns:p14="http://schemas.microsoft.com/office/powerpoint/2010/main" val="2172040229"/>
+        <p14:creationId xmlns:p14="http://schemas.microsoft.com/office/powerpoint/2010/main" val="4289056068"/>
       </p:ext>
     </p:extLst>
   </p:cSld>
@@ -11447,8 +11446,13 @@
           <a:p>
             <a:r>
               <a:rPr lang="en-US" dirty="0"/>
-              <a:t>Use Case: Exception-Handling</a:t>
-            </a:r>
+              <a:t>Use Case: </a:t>
+            </a:r>
+            <a:r>
+              <a:rPr lang="en-US" dirty="0" err="1"/>
+              <a:t>Karte</a:t>
+            </a:r>
+            <a:endParaRPr lang="en-US" dirty="0"/>
           </a:p>
         </p:txBody>
       </p:sp>
@@ -11502,15 +11506,7 @@
             </a:r>
             <a:r>
               <a:rPr lang="de-DE" dirty="0"/>
-              <a:t> Case beschreibt das </a:t>
-            </a:r>
-            <a:r>
-              <a:rPr lang="de-DE" dirty="0" err="1"/>
-              <a:t>Exception</a:t>
-            </a:r>
-            <a:r>
-              <a:rPr lang="de-DE" dirty="0"/>
-              <a:t>-Handling bei fehlender Datenbankverbindung und falschen Log-In-Daten</a:t>
+              <a:t> Case beschreibt wie der Benutzer seine Wanderroute konfigurieren kann</a:t>
             </a:r>
           </a:p>
           <a:p>
@@ -11546,7 +11542,7 @@
             </a:pPr>
             <a:r>
               <a:rPr lang="de-DE" dirty="0"/>
-              <a:t>Datenbankverbindung darf nicht vorhanden sein</a:t>
+              <a:t>Datenbankverbindung muss vorhanden sein</a:t>
             </a:r>
           </a:p>
           <a:p>
@@ -11555,7 +11551,7 @@
             </a:pPr>
             <a:r>
               <a:rPr lang="de-DE" dirty="0"/>
-              <a:t>Der Benutzer gibt falsche Daten im Log-In an</a:t>
+              <a:t>Der Benutzer muss erfolgreich eingeloggt sein</a:t>
             </a:r>
           </a:p>
           <a:p>
@@ -11840,7 +11836,7 @@
     </p:spTree>
     <p:extLst>
       <p:ext uri="{BB962C8B-B14F-4D97-AF65-F5344CB8AC3E}">
-        <p14:creationId xmlns:p14="http://schemas.microsoft.com/office/powerpoint/2010/main" val="3983617968"/>
+        <p14:creationId xmlns:p14="http://schemas.microsoft.com/office/powerpoint/2010/main" val="1940434735"/>
       </p:ext>
     </p:extLst>
   </p:cSld>
@@ -11895,8 +11891,13 @@
           <a:p>
             <a:r>
               <a:rPr lang="en-US" dirty="0"/>
-              <a:t>Use Case: Exception-Handling</a:t>
-            </a:r>
+              <a:t>Use Case: </a:t>
+            </a:r>
+            <a:r>
+              <a:rPr lang="en-US" dirty="0" err="1"/>
+              <a:t>Karte</a:t>
+            </a:r>
+            <a:endParaRPr lang="en-US" dirty="0"/>
           </a:p>
         </p:txBody>
       </p:sp>
@@ -11942,7 +11943,7 @@
             </a:pPr>
             <a:r>
               <a:rPr lang="de-DE" dirty="0"/>
-              <a:t>Die Applikation wird gestartet</a:t>
+              <a:t>Im Menü-Screen muss auf den Karte-Button gedrückt werden</a:t>
             </a:r>
           </a:p>
           <a:p>
@@ -11951,7 +11952,7 @@
             </a:pPr>
             <a:r>
               <a:rPr lang="de-DE" dirty="0"/>
-              <a:t>Der Log-In-Screen öffnet sich</a:t>
+              <a:t>Der Benutzer kann über die Textfelder die Routenlänge und den gewünschten Höhenunterschied für seine Wanderroute angeben</a:t>
             </a:r>
           </a:p>
           <a:p>
@@ -11960,7 +11961,7 @@
             </a:pPr>
             <a:r>
               <a:rPr lang="de-DE" dirty="0"/>
-              <a:t>Der Benutzer gibt falsche Daten ein</a:t>
+              <a:t>Um die Änderungen zu speichern, muss der Bestätigen-Button betätigt werden</a:t>
             </a:r>
           </a:p>
           <a:p>
@@ -11978,7 +11979,7 @@
             </a:pPr>
             <a:r>
               <a:rPr lang="de-DE" dirty="0"/>
-              <a:t>Erfolgreich bei nicht verbundener Datenbank: Der Screen wird weiß und es wird ausgegeben, dass die Verbindung zur Datenbank nicht hergestellt werden konnte</a:t>
+              <a:t>Erfolgreich: Wanderroutenlänge und Höhenunterschied wird gespeichert</a:t>
             </a:r>
           </a:p>
           <a:p>
@@ -11987,25 +11988,7 @@
             </a:pPr>
             <a:r>
               <a:rPr lang="de-DE" dirty="0"/>
-              <a:t>Fehler bei nicht verbundener Datenbank: Der Log-In-Screen wird angezeigt</a:t>
-            </a:r>
-          </a:p>
-          <a:p>
-            <a:pPr marL="457200" lvl="1" indent="0">
-              <a:buNone/>
-            </a:pPr>
-            <a:r>
-              <a:rPr lang="de-DE" dirty="0"/>
-              <a:t>Erfolgreich bei falschen Eingaben: Roter Text wird angezeigt: Falscher Benutzername (bei falschem Benutzernamen als Eingabefehler)</a:t>
-            </a:r>
-          </a:p>
-          <a:p>
-            <a:pPr marL="457200" lvl="1" indent="0">
-              <a:buNone/>
-            </a:pPr>
-            <a:r>
-              <a:rPr lang="de-DE" dirty="0"/>
-              <a:t>Fehler bei falschen Eingaben: Der Menu-Screen wird angezeigt</a:t>
+              <a:t>Fehler: Wanderroutenlänge und Höhenunterschied kann nicht gespeichert werden</a:t>
             </a:r>
           </a:p>
           <a:p>
@@ -12290,7 +12273,7 @@
     </p:spTree>
     <p:extLst>
       <p:ext uri="{BB962C8B-B14F-4D97-AF65-F5344CB8AC3E}">
-        <p14:creationId xmlns:p14="http://schemas.microsoft.com/office/powerpoint/2010/main" val="699817145"/>
+        <p14:creationId xmlns:p14="http://schemas.microsoft.com/office/powerpoint/2010/main" val="2172040229"/>
       </p:ext>
     </p:extLst>
   </p:cSld>
